--- a/Document/Escape Cube(가제) ppt.pptx
+++ b/Document/Escape Cube(가제) ppt.pptx
@@ -5,12 +5,13 @@
     <p:sldMasterId id="2147483648" r:id="rId1"/>
   </p:sldMasterIdLst>
   <p:notesMasterIdLst>
-    <p:notesMasterId r:id="rId5"/>
+    <p:notesMasterId r:id="rId6"/>
   </p:notesMasterIdLst>
   <p:sldIdLst>
     <p:sldId id="256" r:id="rId2"/>
     <p:sldId id="257" r:id="rId3"/>
     <p:sldId id="258" r:id="rId4"/>
+    <p:sldId id="259" r:id="rId5"/>
   </p:sldIdLst>
   <p:sldSz cx="12192000" cy="6858000"/>
   <p:notesSz cx="6858000" cy="9144000"/>
@@ -109,6 +110,14 @@
       </a:defRPr>
     </a:lvl9pPr>
   </p:defaultTextStyle>
+  <p:extLst>
+    <p:ext uri="{EFAFB233-063F-42B5-8137-9DF3F51BA10A}">
+      <p15:sldGuideLst xmlns:p15="http://schemas.microsoft.com/office/powerpoint/2012/main"/>
+    </p:ext>
+    <p:ext uri="{2D200454-40CA-4A62-9FC3-DE9A4176ACB9}">
+      <p15:notesGuideLst xmlns:p15="http://schemas.microsoft.com/office/powerpoint/2012/main"/>
+    </p:ext>
+  </p:extLst>
 </p:presentation>
 </file>
 
@@ -198,7 +207,7 @@
           <a:p>
             <a:fld id="{36E5AED4-A81B-4011-84EF-4470B62B1E6A}" type="datetimeFigureOut">
               <a:rPr lang="ko-KR" altLang="en-US" smtClean="0"/>
-              <a:t>2017-11-20</a:t>
+              <a:t>2017-11-21</a:t>
             </a:fld>
             <a:endParaRPr lang="ko-KR" altLang="en-US"/>
           </a:p>
@@ -668,7 +677,7 @@
             <a:fld id="{B61BEF0D-F0BB-DE4B-95CE-6DB70DBA9567}" type="datetimeFigureOut">
               <a:rPr lang="en-US" dirty="0"/>
               <a:pPr/>
-              <a:t>11/20/2017</a:t>
+              <a:t>11/21/2017</a:t>
             </a:fld>
             <a:endParaRPr lang="en-US" dirty="0"/>
           </a:p>
@@ -956,7 +965,7 @@
             <a:fld id="{B61BEF0D-F0BB-DE4B-95CE-6DB70DBA9567}" type="datetimeFigureOut">
               <a:rPr lang="en-US" dirty="0"/>
               <a:pPr/>
-              <a:t>11/20/2017</a:t>
+              <a:t>11/21/2017</a:t>
             </a:fld>
             <a:endParaRPr lang="en-US" dirty="0"/>
           </a:p>
@@ -1201,7 +1210,7 @@
             <a:fld id="{B61BEF0D-F0BB-DE4B-95CE-6DB70DBA9567}" type="datetimeFigureOut">
               <a:rPr lang="en-US" dirty="0"/>
               <a:pPr/>
-              <a:t>11/20/2017</a:t>
+              <a:t>11/21/2017</a:t>
             </a:fld>
             <a:endParaRPr lang="en-US" dirty="0"/>
           </a:p>
@@ -1734,7 +1743,7 @@
             <a:fld id="{B61BEF0D-F0BB-DE4B-95CE-6DB70DBA9567}" type="datetimeFigureOut">
               <a:rPr lang="en-US" dirty="0"/>
               <a:pPr/>
-              <a:t>11/20/2017</a:t>
+              <a:t>11/21/2017</a:t>
             </a:fld>
             <a:endParaRPr lang="en-US" dirty="0"/>
           </a:p>
@@ -1979,7 +1988,7 @@
             <a:fld id="{B61BEF0D-F0BB-DE4B-95CE-6DB70DBA9567}" type="datetimeFigureOut">
               <a:rPr lang="en-US" dirty="0"/>
               <a:pPr/>
-              <a:t>11/20/2017</a:t>
+              <a:t>11/21/2017</a:t>
             </a:fld>
             <a:endParaRPr lang="en-US" dirty="0"/>
           </a:p>
@@ -2519,7 +2528,7 @@
             <a:fld id="{B61BEF0D-F0BB-DE4B-95CE-6DB70DBA9567}" type="datetimeFigureOut">
               <a:rPr lang="en-US" dirty="0"/>
               <a:pPr/>
-              <a:t>11/20/2017</a:t>
+              <a:t>11/21/2017</a:t>
             </a:fld>
             <a:endParaRPr lang="en-US" dirty="0"/>
           </a:p>
@@ -2826,7 +2835,7 @@
             <a:fld id="{B61BEF0D-F0BB-DE4B-95CE-6DB70DBA9567}" type="datetimeFigureOut">
               <a:rPr lang="en-US" dirty="0"/>
               <a:pPr/>
-              <a:t>11/20/2017</a:t>
+              <a:t>11/21/2017</a:t>
             </a:fld>
             <a:endParaRPr lang="en-US" dirty="0"/>
           </a:p>
@@ -2998,7 +3007,7 @@
             <a:fld id="{B61BEF0D-F0BB-DE4B-95CE-6DB70DBA9567}" type="datetimeFigureOut">
               <a:rPr lang="en-US" dirty="0"/>
               <a:pPr/>
-              <a:t>11/20/2017</a:t>
+              <a:t>11/21/2017</a:t>
             </a:fld>
             <a:endParaRPr lang="en-US" dirty="0"/>
           </a:p>
@@ -3175,7 +3184,7 @@
             <a:fld id="{B61BEF0D-F0BB-DE4B-95CE-6DB70DBA9567}" type="datetimeFigureOut">
               <a:rPr lang="en-US" dirty="0"/>
               <a:pPr/>
-              <a:t>11/20/2017</a:t>
+              <a:t>11/21/2017</a:t>
             </a:fld>
             <a:endParaRPr lang="en-US" dirty="0"/>
           </a:p>
@@ -3342,7 +3351,7 @@
             <a:fld id="{B61BEF0D-F0BB-DE4B-95CE-6DB70DBA9567}" type="datetimeFigureOut">
               <a:rPr lang="en-US" dirty="0"/>
               <a:pPr/>
-              <a:t>11/20/2017</a:t>
+              <a:t>11/21/2017</a:t>
             </a:fld>
             <a:endParaRPr lang="en-US" dirty="0"/>
           </a:p>
@@ -3585,7 +3594,7 @@
             <a:fld id="{B61BEF0D-F0BB-DE4B-95CE-6DB70DBA9567}" type="datetimeFigureOut">
               <a:rPr lang="en-US" dirty="0"/>
               <a:pPr/>
-              <a:t>11/20/2017</a:t>
+              <a:t>11/21/2017</a:t>
             </a:fld>
             <a:endParaRPr lang="en-US" dirty="0"/>
           </a:p>
@@ -3874,7 +3883,7 @@
             <a:fld id="{B61BEF0D-F0BB-DE4B-95CE-6DB70DBA9567}" type="datetimeFigureOut">
               <a:rPr lang="en-US" dirty="0"/>
               <a:pPr/>
-              <a:t>11/20/2017</a:t>
+              <a:t>11/21/2017</a:t>
             </a:fld>
             <a:endParaRPr lang="en-US" dirty="0"/>
           </a:p>
@@ -4301,7 +4310,7 @@
             <a:fld id="{B61BEF0D-F0BB-DE4B-95CE-6DB70DBA9567}" type="datetimeFigureOut">
               <a:rPr lang="en-US" dirty="0"/>
               <a:pPr/>
-              <a:t>11/20/2017</a:t>
+              <a:t>11/21/2017</a:t>
             </a:fld>
             <a:endParaRPr lang="en-US" dirty="0"/>
           </a:p>
@@ -4421,7 +4430,7 @@
             <a:fld id="{B61BEF0D-F0BB-DE4B-95CE-6DB70DBA9567}" type="datetimeFigureOut">
               <a:rPr lang="en-US" dirty="0"/>
               <a:pPr/>
-              <a:t>11/20/2017</a:t>
+              <a:t>11/21/2017</a:t>
             </a:fld>
             <a:endParaRPr lang="en-US" dirty="0"/>
           </a:p>
@@ -4513,7 +4522,7 @@
             <a:fld id="{B61BEF0D-F0BB-DE4B-95CE-6DB70DBA9567}" type="datetimeFigureOut">
               <a:rPr lang="en-US" dirty="0"/>
               <a:pPr/>
-              <a:t>11/20/2017</a:t>
+              <a:t>11/21/2017</a:t>
             </a:fld>
             <a:endParaRPr lang="en-US" dirty="0"/>
           </a:p>
@@ -4793,7 +4802,7 @@
             <a:fld id="{B61BEF0D-F0BB-DE4B-95CE-6DB70DBA9567}" type="datetimeFigureOut">
               <a:rPr lang="en-US" dirty="0"/>
               <a:pPr/>
-              <a:t>11/20/2017</a:t>
+              <a:t>11/21/2017</a:t>
             </a:fld>
             <a:endParaRPr lang="en-US" dirty="0"/>
           </a:p>
@@ -5081,7 +5090,7 @@
             <a:fld id="{B61BEF0D-F0BB-DE4B-95CE-6DB70DBA9567}" type="datetimeFigureOut">
               <a:rPr lang="en-US" dirty="0"/>
               <a:pPr/>
-              <a:t>11/20/2017</a:t>
+              <a:t>11/21/2017</a:t>
             </a:fld>
             <a:endParaRPr lang="en-US" dirty="0"/>
           </a:p>
@@ -5312,7 +5321,7 @@
             <a:fld id="{B61BEF0D-F0BB-DE4B-95CE-6DB70DBA9567}" type="datetimeFigureOut">
               <a:rPr lang="en-US" dirty="0"/>
               <a:pPr/>
-              <a:t>11/20/2017</a:t>
+              <a:t>11/21/2017</a:t>
             </a:fld>
             <a:endParaRPr lang="en-US" dirty="0"/>
           </a:p>
@@ -5994,19 +6003,35 @@
           <a:lstStyle/>
           <a:p>
             <a:r>
-              <a:rPr lang="en-US" altLang="ko-KR" dirty="0"/>
+              <a:rPr lang="en-US" altLang="ko-KR" dirty="0">
+                <a:solidFill>
+                  <a:srgbClr val="F5BC4B"/>
+                </a:solidFill>
+              </a:rPr>
               <a:t>Escape Cube(</a:t>
             </a:r>
             <a:r>
-              <a:rPr lang="ko-KR" altLang="en-US" dirty="0"/>
+              <a:rPr lang="ko-KR" altLang="en-US" dirty="0">
+                <a:solidFill>
+                  <a:srgbClr val="F5BC4B"/>
+                </a:solidFill>
+              </a:rPr>
               <a:t>가제</a:t>
             </a:r>
             <a:r>
-              <a:rPr lang="en-US" altLang="ko-KR" dirty="0"/>
+              <a:rPr lang="en-US" altLang="ko-KR" dirty="0">
+                <a:solidFill>
+                  <a:srgbClr val="F5BC4B"/>
+                </a:solidFill>
+              </a:rPr>
               <a:t>) </a:t>
             </a:r>
             <a:r>
-              <a:rPr lang="ko-KR" altLang="en-US" dirty="0"/>
+              <a:rPr lang="ko-KR" altLang="en-US" dirty="0">
+                <a:solidFill>
+                  <a:srgbClr val="F5BC4B"/>
+                </a:solidFill>
+              </a:rPr>
               <a:t>발표</a:t>
             </a:r>
           </a:p>
@@ -6130,25 +6155,49 @@
           </a:lstStyle>
           <a:p>
             <a:r>
-              <a:rPr lang="en-US" altLang="ko-KR" dirty="0"/>
+              <a:rPr lang="en-US" altLang="ko-KR" dirty="0">
+                <a:solidFill>
+                  <a:srgbClr val="F5BC4B"/>
+                </a:solidFill>
+              </a:rPr>
               <a:t>2013000000 </a:t>
             </a:r>
             <a:r>
-              <a:rPr lang="ko-KR" altLang="en-US" dirty="0"/>
+              <a:rPr lang="ko-KR" altLang="en-US" dirty="0">
+                <a:solidFill>
+                  <a:srgbClr val="F5BC4B"/>
+                </a:solidFill>
+              </a:rPr>
               <a:t>양기석</a:t>
             </a:r>
-            <a:endParaRPr lang="en-US" altLang="ko-KR" dirty="0"/>
-          </a:p>
-          <a:p>
-            <a:r>
-              <a:rPr lang="en-US" altLang="ko-KR" dirty="0"/>
+            <a:endParaRPr lang="en-US" altLang="ko-KR" dirty="0">
+              <a:solidFill>
+                <a:srgbClr val="F5BC4B"/>
+              </a:solidFill>
+            </a:endParaRPr>
+          </a:p>
+          <a:p>
+            <a:r>
+              <a:rPr lang="en-US" altLang="ko-KR" dirty="0">
+                <a:solidFill>
+                  <a:srgbClr val="F5BC4B"/>
+                </a:solidFill>
+              </a:rPr>
               <a:t>2015182002 </a:t>
             </a:r>
             <a:r>
-              <a:rPr lang="ko-KR" altLang="en-US" dirty="0"/>
+              <a:rPr lang="ko-KR" altLang="en-US" dirty="0">
+                <a:solidFill>
+                  <a:srgbClr val="F5BC4B"/>
+                </a:solidFill>
+              </a:rPr>
               <a:t>고동현</a:t>
             </a:r>
-            <a:endParaRPr lang="en-US" altLang="ko-KR" dirty="0"/>
+            <a:endParaRPr lang="en-US" altLang="ko-KR" dirty="0">
+              <a:solidFill>
+                <a:srgbClr val="F5BC4B"/>
+              </a:solidFill>
+            </a:endParaRPr>
           </a:p>
         </p:txBody>
       </p:sp>
@@ -6213,18 +6262,14 @@
             <a:r>
               <a:rPr lang="ko-KR" altLang="en-US" sz="4400" dirty="0" err="1">
                 <a:solidFill>
-                  <a:schemeClr val="accent1">
-                    <a:lumMod val="75000"/>
-                  </a:schemeClr>
+                  <a:srgbClr val="F5BC4B"/>
                 </a:solidFill>
               </a:rPr>
               <a:t>기획컨셉</a:t>
             </a:r>
             <a:endParaRPr lang="ko-KR" altLang="en-US" sz="4400" dirty="0">
               <a:solidFill>
-                <a:schemeClr val="accent1">
-                  <a:lumMod val="75000"/>
-                </a:schemeClr>
+                <a:srgbClr val="F5BC4B"/>
               </a:solidFill>
             </a:endParaRPr>
           </a:p>
@@ -6317,7 +6362,7 @@
             </a:r>
             <a:r>
               <a:rPr lang="ko-KR" altLang="en-US" sz="2800" dirty="0"/>
-              <a:t>개발되는 </a:t>
+              <a:t>주인공인 </a:t>
             </a:r>
             <a:r>
               <a:rPr lang="en-US" altLang="ko-KR" sz="2800" dirty="0"/>
@@ -6325,7 +6370,7 @@
             </a:r>
             <a:r>
               <a:rPr lang="ko-KR" altLang="en-US" sz="2800" dirty="0"/>
-              <a:t>로봇을 소재로 </a:t>
+              <a:t>로봇이 </a:t>
             </a:r>
             <a:r>
               <a:rPr lang="ko-KR" altLang="en-US" sz="2800" dirty="0" err="1"/>
@@ -6335,10 +6380,7 @@
               <a:rPr lang="ko-KR" altLang="en-US" sz="2800" dirty="0"/>
               <a:t> 갇힌 이유를 </a:t>
             </a:r>
-            <a:r>
-              <a:rPr lang="en-US" altLang="ko-KR" sz="2800" dirty="0"/>
-              <a:t>		</a:t>
-            </a:r>
+            <a:endParaRPr lang="en-US" altLang="ko-KR" sz="2800" dirty="0"/>
           </a:p>
           <a:p>
             <a:r>
@@ -6347,7 +6389,7 @@
             </a:r>
             <a:r>
               <a:rPr lang="ko-KR" altLang="en-US" sz="2800" dirty="0"/>
-              <a:t>풀어가는</a:t>
+              <a:t>풀어가는 </a:t>
             </a:r>
             <a:r>
               <a:rPr lang="en-US" altLang="ko-KR" sz="2800" dirty="0"/>
@@ -6455,18 +6497,14 @@
             <a:r>
               <a:rPr lang="ko-KR" altLang="en-US" sz="4400" dirty="0" err="1">
                 <a:solidFill>
-                  <a:schemeClr val="accent1">
-                    <a:lumMod val="75000"/>
-                  </a:schemeClr>
+                  <a:srgbClr val="F5BC4B"/>
                 </a:solidFill>
               </a:rPr>
               <a:t>게임컨셉</a:t>
             </a:r>
             <a:endParaRPr lang="ko-KR" altLang="en-US" sz="4400" dirty="0">
               <a:solidFill>
-                <a:schemeClr val="accent1">
-                  <a:lumMod val="75000"/>
-                </a:schemeClr>
+                <a:srgbClr val="F5BC4B"/>
               </a:solidFill>
             </a:endParaRPr>
           </a:p>
@@ -6476,6 +6514,589 @@
     <p:extLst>
       <p:ext uri="{BB962C8B-B14F-4D97-AF65-F5344CB8AC3E}">
         <p14:creationId xmlns:p14="http://schemas.microsoft.com/office/powerpoint/2010/main" val="3957995664"/>
+      </p:ext>
+    </p:extLst>
+  </p:cSld>
+  <p:clrMapOvr>
+    <a:masterClrMapping/>
+  </p:clrMapOvr>
+</p:sld>
+</file>
+
+<file path=ppt/slides/slide4.xml><?xml version="1.0" encoding="utf-8"?>
+<p:sld xmlns:a="http://schemas.openxmlformats.org/drawingml/2006/main" xmlns:r="http://schemas.openxmlformats.org/officeDocument/2006/relationships" xmlns:p="http://schemas.openxmlformats.org/presentationml/2006/main">
+  <p:cSld>
+    <p:spTree>
+      <p:nvGrpSpPr>
+        <p:cNvPr id="1" name=""/>
+        <p:cNvGrpSpPr/>
+        <p:nvPr/>
+      </p:nvGrpSpPr>
+      <p:grpSpPr>
+        <a:xfrm>
+          <a:off x="0" y="0"/>
+          <a:ext cx="0" cy="0"/>
+          <a:chOff x="0" y="0"/>
+          <a:chExt cx="0" cy="0"/>
+        </a:xfrm>
+      </p:grpSpPr>
+      <p:sp>
+        <p:nvSpPr>
+          <p:cNvPr id="6" name="TextBox 5">
+            <a:extLst>
+              <a:ext uri="{FF2B5EF4-FFF2-40B4-BE49-F238E27FC236}">
+                <a16:creationId xmlns:a16="http://schemas.microsoft.com/office/drawing/2014/main" id="{4F5F6214-4ED6-440C-8488-40370266643C}"/>
+              </a:ext>
+            </a:extLst>
+          </p:cNvPr>
+          <p:cNvSpPr txBox="1"/>
+          <p:nvPr/>
+        </p:nvSpPr>
+        <p:spPr>
+          <a:xfrm>
+            <a:off x="482600" y="381000"/>
+            <a:ext cx="4610100" cy="769441"/>
+          </a:xfrm>
+          <a:prstGeom prst="rect">
+            <a:avLst/>
+          </a:prstGeom>
+          <a:noFill/>
+        </p:spPr>
+        <p:txBody>
+          <a:bodyPr wrap="square" rtlCol="0">
+            <a:spAutoFit/>
+          </a:bodyPr>
+          <a:lstStyle/>
+          <a:p>
+            <a:r>
+              <a:rPr lang="ko-KR" altLang="en-US" sz="4400" dirty="0">
+                <a:solidFill>
+                  <a:srgbClr val="F5BC4B"/>
+                </a:solidFill>
+              </a:rPr>
+              <a:t>게임방법</a:t>
+            </a:r>
+          </a:p>
+        </p:txBody>
+      </p:sp>
+      <p:pic>
+        <p:nvPicPr>
+          <p:cNvPr id="1030" name="Picture 6" descr="마우스 아이콘에 대한 이미지 검색결과">
+            <a:extLst>
+              <a:ext uri="{FF2B5EF4-FFF2-40B4-BE49-F238E27FC236}">
+                <a16:creationId xmlns:a16="http://schemas.microsoft.com/office/drawing/2014/main" id="{30DDA00C-5D7D-4E2F-ABEA-2B1094D7C311}"/>
+              </a:ext>
+            </a:extLst>
+          </p:cNvPr>
+          <p:cNvPicPr>
+            <a:picLocks noChangeAspect="1" noChangeArrowheads="1"/>
+          </p:cNvPicPr>
+          <p:nvPr/>
+        </p:nvPicPr>
+        <p:blipFill>
+          <a:blip r:embed="rId2">
+            <a:lum bright="70000" contrast="-70000"/>
+            <a:extLst>
+              <a:ext uri="{28A0092B-C50C-407E-A947-70E740481C1C}">
+                <a14:useLocalDpi xmlns:a14="http://schemas.microsoft.com/office/drawing/2010/main" val="0"/>
+              </a:ext>
+            </a:extLst>
+          </a:blip>
+          <a:srcRect/>
+          <a:stretch>
+            <a:fillRect/>
+          </a:stretch>
+        </p:blipFill>
+        <p:spPr bwMode="auto">
+          <a:xfrm>
+            <a:off x="8773897" y="1988662"/>
+            <a:ext cx="2036127" cy="2036127"/>
+          </a:xfrm>
+          <a:prstGeom prst="roundRect">
+            <a:avLst>
+              <a:gd name="adj" fmla="val 16667"/>
+            </a:avLst>
+          </a:prstGeom>
+          <a:ln>
+            <a:noFill/>
+          </a:ln>
+          <a:effectLst>
+            <a:outerShdw blurRad="76200" dist="38100" dir="7800000" algn="tl" rotWithShape="0">
+              <a:srgbClr val="000000">
+                <a:alpha val="40000"/>
+              </a:srgbClr>
+            </a:outerShdw>
+          </a:effectLst>
+          <a:scene3d>
+            <a:camera prst="orthographicFront"/>
+            <a:lightRig rig="contrasting" dir="t">
+              <a:rot lat="0" lon="0" rev="4200000"/>
+            </a:lightRig>
+          </a:scene3d>
+          <a:sp3d prstMaterial="plastic">
+            <a:bevelT w="381000" h="114300" prst="relaxedInset"/>
+            <a:contourClr>
+              <a:srgbClr val="969696"/>
+            </a:contourClr>
+          </a:sp3d>
+        </p:spPr>
+      </p:pic>
+      <p:sp>
+        <p:nvSpPr>
+          <p:cNvPr id="3" name="화살표: 왼쪽/오른쪽 2">
+            <a:extLst>
+              <a:ext uri="{FF2B5EF4-FFF2-40B4-BE49-F238E27FC236}">
+                <a16:creationId xmlns:a16="http://schemas.microsoft.com/office/drawing/2014/main" id="{11F7586E-3764-46C4-B606-6968C6779F25}"/>
+              </a:ext>
+            </a:extLst>
+          </p:cNvPr>
+          <p:cNvSpPr/>
+          <p:nvPr/>
+        </p:nvSpPr>
+        <p:spPr>
+          <a:xfrm>
+            <a:off x="8731529" y="4126627"/>
+            <a:ext cx="2164080" cy="802640"/>
+          </a:xfrm>
+          <a:prstGeom prst="leftRightArrow">
+            <a:avLst/>
+          </a:prstGeom>
+          <a:solidFill>
+            <a:schemeClr val="tx1"/>
+          </a:solidFill>
+          <a:ln>
+            <a:noFill/>
+          </a:ln>
+        </p:spPr>
+        <p:style>
+          <a:lnRef idx="2">
+            <a:schemeClr val="accent1">
+              <a:shade val="50000"/>
+            </a:schemeClr>
+          </a:lnRef>
+          <a:fillRef idx="1">
+            <a:schemeClr val="accent1"/>
+          </a:fillRef>
+          <a:effectRef idx="0">
+            <a:schemeClr val="accent1"/>
+          </a:effectRef>
+          <a:fontRef idx="minor">
+            <a:schemeClr val="lt1"/>
+          </a:fontRef>
+        </p:style>
+        <p:txBody>
+          <a:bodyPr rtlCol="0" anchor="ctr"/>
+          <a:lstStyle/>
+          <a:p>
+            <a:pPr algn="ctr"/>
+            <a:endParaRPr lang="ko-KR" altLang="en-US" dirty="0"/>
+          </a:p>
+        </p:txBody>
+      </p:sp>
+      <p:sp>
+        <p:nvSpPr>
+          <p:cNvPr id="4" name="TextBox 3">
+            <a:extLst>
+              <a:ext uri="{FF2B5EF4-FFF2-40B4-BE49-F238E27FC236}">
+                <a16:creationId xmlns:a16="http://schemas.microsoft.com/office/drawing/2014/main" id="{099560C7-402E-4F23-B9AC-5EAE68192AF4}"/>
+              </a:ext>
+            </a:extLst>
+          </p:cNvPr>
+          <p:cNvSpPr txBox="1"/>
+          <p:nvPr/>
+        </p:nvSpPr>
+        <p:spPr>
+          <a:xfrm>
+            <a:off x="8828824" y="4360069"/>
+            <a:ext cx="1981200" cy="369332"/>
+          </a:xfrm>
+          <a:prstGeom prst="rect">
+            <a:avLst/>
+          </a:prstGeom>
+          <a:noFill/>
+        </p:spPr>
+        <p:txBody>
+          <a:bodyPr wrap="square" rtlCol="0">
+            <a:spAutoFit/>
+          </a:bodyPr>
+          <a:lstStyle/>
+          <a:p>
+            <a:r>
+              <a:rPr lang="ko-KR" altLang="en-US" dirty="0">
+                <a:solidFill>
+                  <a:schemeClr val="bg1"/>
+                </a:solidFill>
+              </a:rPr>
+              <a:t>카메라 시점변환</a:t>
+            </a:r>
+          </a:p>
+        </p:txBody>
+      </p:sp>
+      <p:pic>
+        <p:nvPicPr>
+          <p:cNvPr id="1032" name="Picture 8" descr="키보드 아이콘에 대한 이미지 검색결과">
+            <a:extLst>
+              <a:ext uri="{FF2B5EF4-FFF2-40B4-BE49-F238E27FC236}">
+                <a16:creationId xmlns:a16="http://schemas.microsoft.com/office/drawing/2014/main" id="{5A62BE26-BC89-456F-B2A1-CCB5C674E764}"/>
+              </a:ext>
+            </a:extLst>
+          </p:cNvPr>
+          <p:cNvPicPr>
+            <a:picLocks noChangeAspect="1" noChangeArrowheads="1"/>
+          </p:cNvPicPr>
+          <p:nvPr/>
+        </p:nvPicPr>
+        <p:blipFill>
+          <a:blip r:embed="rId3">
+            <a:extLst>
+              <a:ext uri="{28A0092B-C50C-407E-A947-70E740481C1C}">
+                <a14:useLocalDpi xmlns:a14="http://schemas.microsoft.com/office/drawing/2010/main" val="0"/>
+              </a:ext>
+            </a:extLst>
+          </a:blip>
+          <a:srcRect/>
+          <a:stretch>
+            <a:fillRect/>
+          </a:stretch>
+        </p:blipFill>
+        <p:spPr bwMode="auto">
+          <a:xfrm>
+            <a:off x="482600" y="2066087"/>
+            <a:ext cx="7882536" cy="2822659"/>
+          </a:xfrm>
+          <a:prstGeom prst="rect">
+            <a:avLst/>
+          </a:prstGeom>
+          <a:noFill/>
+          <a:extLst>
+            <a:ext uri="{909E8E84-426E-40DD-AFC4-6F175D3DCCD1}">
+              <a14:hiddenFill xmlns:a14="http://schemas.microsoft.com/office/drawing/2010/main">
+                <a:solidFill>
+                  <a:srgbClr val="FFFFFF"/>
+                </a:solidFill>
+              </a14:hiddenFill>
+            </a:ext>
+          </a:extLst>
+        </p:spPr>
+      </p:pic>
+      <p:sp>
+        <p:nvSpPr>
+          <p:cNvPr id="7" name="직사각형 6">
+            <a:extLst>
+              <a:ext uri="{FF2B5EF4-FFF2-40B4-BE49-F238E27FC236}">
+                <a16:creationId xmlns:a16="http://schemas.microsoft.com/office/drawing/2014/main" id="{C7B79BB1-049D-429A-A62C-5998C6FD673E}"/>
+              </a:ext>
+            </a:extLst>
+          </p:cNvPr>
+          <p:cNvSpPr/>
+          <p:nvPr/>
+        </p:nvSpPr>
+        <p:spPr>
+          <a:xfrm>
+            <a:off x="1576706" y="3426659"/>
+            <a:ext cx="243840" cy="243840"/>
+          </a:xfrm>
+          <a:prstGeom prst="rect">
+            <a:avLst/>
+          </a:prstGeom>
+        </p:spPr>
+        <p:style>
+          <a:lnRef idx="2">
+            <a:schemeClr val="accent1">
+              <a:shade val="50000"/>
+            </a:schemeClr>
+          </a:lnRef>
+          <a:fillRef idx="1">
+            <a:schemeClr val="accent1"/>
+          </a:fillRef>
+          <a:effectRef idx="0">
+            <a:schemeClr val="accent1"/>
+          </a:effectRef>
+          <a:fontRef idx="minor">
+            <a:schemeClr val="lt1"/>
+          </a:fontRef>
+        </p:style>
+        <p:txBody>
+          <a:bodyPr rtlCol="0" anchor="ctr"/>
+          <a:lstStyle/>
+          <a:p>
+            <a:pPr algn="ctr"/>
+            <a:r>
+              <a:rPr lang="en-US" altLang="ko-KR" b="1" dirty="0">
+                <a:solidFill>
+                  <a:schemeClr val="bg1"/>
+                </a:solidFill>
+              </a:rPr>
+              <a:t>W</a:t>
+            </a:r>
+            <a:endParaRPr lang="ko-KR" altLang="en-US" b="1" dirty="0">
+              <a:solidFill>
+                <a:schemeClr val="bg1"/>
+              </a:solidFill>
+            </a:endParaRPr>
+          </a:p>
+        </p:txBody>
+      </p:sp>
+      <p:sp>
+        <p:nvSpPr>
+          <p:cNvPr id="12" name="직사각형 11">
+            <a:extLst>
+              <a:ext uri="{FF2B5EF4-FFF2-40B4-BE49-F238E27FC236}">
+                <a16:creationId xmlns:a16="http://schemas.microsoft.com/office/drawing/2014/main" id="{7DDE0D7C-D1F3-448C-BDE4-EFC50BE99979}"/>
+              </a:ext>
+            </a:extLst>
+          </p:cNvPr>
+          <p:cNvSpPr/>
+          <p:nvPr/>
+        </p:nvSpPr>
+        <p:spPr>
+          <a:xfrm>
+            <a:off x="1314452" y="3715028"/>
+            <a:ext cx="243840" cy="269240"/>
+          </a:xfrm>
+          <a:prstGeom prst="rect">
+            <a:avLst/>
+          </a:prstGeom>
+        </p:spPr>
+        <p:style>
+          <a:lnRef idx="2">
+            <a:schemeClr val="accent1">
+              <a:shade val="50000"/>
+            </a:schemeClr>
+          </a:lnRef>
+          <a:fillRef idx="1">
+            <a:schemeClr val="accent1"/>
+          </a:fillRef>
+          <a:effectRef idx="0">
+            <a:schemeClr val="accent1"/>
+          </a:effectRef>
+          <a:fontRef idx="minor">
+            <a:schemeClr val="lt1"/>
+          </a:fontRef>
+        </p:style>
+        <p:txBody>
+          <a:bodyPr rtlCol="0" anchor="ctr"/>
+          <a:lstStyle/>
+          <a:p>
+            <a:pPr algn="ctr"/>
+            <a:r>
+              <a:rPr lang="en-US" altLang="ko-KR" b="1" dirty="0">
+                <a:solidFill>
+                  <a:schemeClr val="bg1"/>
+                </a:solidFill>
+              </a:rPr>
+              <a:t>A</a:t>
+            </a:r>
+            <a:endParaRPr lang="ko-KR" altLang="en-US" b="1" dirty="0">
+              <a:solidFill>
+                <a:schemeClr val="bg1"/>
+              </a:solidFill>
+            </a:endParaRPr>
+          </a:p>
+        </p:txBody>
+      </p:sp>
+      <p:sp>
+        <p:nvSpPr>
+          <p:cNvPr id="13" name="직사각형 12">
+            <a:extLst>
+              <a:ext uri="{FF2B5EF4-FFF2-40B4-BE49-F238E27FC236}">
+                <a16:creationId xmlns:a16="http://schemas.microsoft.com/office/drawing/2014/main" id="{F708A87E-6D10-4DE8-B685-FA1DCB406E33}"/>
+              </a:ext>
+            </a:extLst>
+          </p:cNvPr>
+          <p:cNvSpPr/>
+          <p:nvPr/>
+        </p:nvSpPr>
+        <p:spPr>
+          <a:xfrm>
+            <a:off x="1578471" y="3729335"/>
+            <a:ext cx="259257" cy="254933"/>
+          </a:xfrm>
+          <a:prstGeom prst="rect">
+            <a:avLst/>
+          </a:prstGeom>
+        </p:spPr>
+        <p:style>
+          <a:lnRef idx="2">
+            <a:schemeClr val="accent1">
+              <a:shade val="50000"/>
+            </a:schemeClr>
+          </a:lnRef>
+          <a:fillRef idx="1">
+            <a:schemeClr val="accent1"/>
+          </a:fillRef>
+          <a:effectRef idx="0">
+            <a:schemeClr val="accent1"/>
+          </a:effectRef>
+          <a:fontRef idx="minor">
+            <a:schemeClr val="lt1"/>
+          </a:fontRef>
+        </p:style>
+        <p:txBody>
+          <a:bodyPr rtlCol="0" anchor="ctr"/>
+          <a:lstStyle/>
+          <a:p>
+            <a:pPr algn="ctr"/>
+            <a:r>
+              <a:rPr lang="en-US" altLang="ko-KR" b="1" dirty="0">
+                <a:solidFill>
+                  <a:schemeClr val="bg1"/>
+                </a:solidFill>
+              </a:rPr>
+              <a:t>S</a:t>
+            </a:r>
+            <a:endParaRPr lang="ko-KR" altLang="en-US" b="1" dirty="0">
+              <a:solidFill>
+                <a:schemeClr val="bg1"/>
+              </a:solidFill>
+            </a:endParaRPr>
+          </a:p>
+        </p:txBody>
+      </p:sp>
+      <p:sp>
+        <p:nvSpPr>
+          <p:cNvPr id="14" name="직사각형 13">
+            <a:extLst>
+              <a:ext uri="{FF2B5EF4-FFF2-40B4-BE49-F238E27FC236}">
+                <a16:creationId xmlns:a16="http://schemas.microsoft.com/office/drawing/2014/main" id="{2C3F72A3-E103-4794-BB93-303E32565249}"/>
+              </a:ext>
+            </a:extLst>
+          </p:cNvPr>
+          <p:cNvSpPr/>
+          <p:nvPr/>
+        </p:nvSpPr>
+        <p:spPr>
+          <a:xfrm>
+            <a:off x="1896464" y="3729335"/>
+            <a:ext cx="261975" cy="269240"/>
+          </a:xfrm>
+          <a:prstGeom prst="rect">
+            <a:avLst/>
+          </a:prstGeom>
+        </p:spPr>
+        <p:style>
+          <a:lnRef idx="2">
+            <a:schemeClr val="accent1">
+              <a:shade val="50000"/>
+            </a:schemeClr>
+          </a:lnRef>
+          <a:fillRef idx="1">
+            <a:schemeClr val="accent1"/>
+          </a:fillRef>
+          <a:effectRef idx="0">
+            <a:schemeClr val="accent1"/>
+          </a:effectRef>
+          <a:fontRef idx="minor">
+            <a:schemeClr val="lt1"/>
+          </a:fontRef>
+        </p:style>
+        <p:txBody>
+          <a:bodyPr rtlCol="0" anchor="ctr"/>
+          <a:lstStyle/>
+          <a:p>
+            <a:pPr algn="ctr"/>
+            <a:r>
+              <a:rPr lang="en-US" altLang="ko-KR" b="1" dirty="0">
+                <a:solidFill>
+                  <a:schemeClr val="bg1"/>
+                </a:solidFill>
+              </a:rPr>
+              <a:t>D</a:t>
+            </a:r>
+            <a:endParaRPr lang="ko-KR" altLang="en-US" b="1" dirty="0">
+              <a:solidFill>
+                <a:schemeClr val="bg1"/>
+              </a:solidFill>
+            </a:endParaRPr>
+          </a:p>
+        </p:txBody>
+      </p:sp>
+      <p:sp>
+        <p:nvSpPr>
+          <p:cNvPr id="8" name="TextBox 7">
+            <a:extLst>
+              <a:ext uri="{FF2B5EF4-FFF2-40B4-BE49-F238E27FC236}">
+                <a16:creationId xmlns:a16="http://schemas.microsoft.com/office/drawing/2014/main" id="{6DF2B076-19A0-4B22-A931-18EAC562D548}"/>
+              </a:ext>
+            </a:extLst>
+          </p:cNvPr>
+          <p:cNvSpPr txBox="1"/>
+          <p:nvPr/>
+        </p:nvSpPr>
+        <p:spPr>
+          <a:xfrm>
+            <a:off x="904875" y="5124450"/>
+            <a:ext cx="5191125" cy="1200329"/>
+          </a:xfrm>
+          <a:prstGeom prst="rect">
+            <a:avLst/>
+          </a:prstGeom>
+          <a:noFill/>
+        </p:spPr>
+        <p:txBody>
+          <a:bodyPr wrap="square" rtlCol="0">
+            <a:spAutoFit/>
+          </a:bodyPr>
+          <a:lstStyle/>
+          <a:p>
+            <a:r>
+              <a:rPr lang="en-US" altLang="ko-KR" dirty="0"/>
+              <a:t>W/w  - </a:t>
+            </a:r>
+            <a:r>
+              <a:rPr lang="ko-KR" altLang="en-US" dirty="0"/>
+              <a:t>캐릭터가 앞으로 움직인다</a:t>
+            </a:r>
+            <a:r>
+              <a:rPr lang="en-US" altLang="ko-KR" dirty="0"/>
+              <a:t>.</a:t>
+            </a:r>
+          </a:p>
+          <a:p>
+            <a:r>
+              <a:rPr lang="en-US" altLang="ko-KR" dirty="0"/>
+              <a:t>A/a   - </a:t>
+            </a:r>
+            <a:r>
+              <a:rPr lang="ko-KR" altLang="en-US" dirty="0"/>
+              <a:t>캐릭터가 왼쪽으로 움직인다</a:t>
+            </a:r>
+          </a:p>
+          <a:p>
+            <a:r>
+              <a:rPr lang="en-US" altLang="ko-KR" dirty="0"/>
+              <a:t>S/s     - </a:t>
+            </a:r>
+            <a:r>
+              <a:rPr lang="ko-KR" altLang="en-US" dirty="0"/>
+              <a:t>캐릭터가 뒤로 움직인다</a:t>
+            </a:r>
+            <a:r>
+              <a:rPr lang="en-US" altLang="ko-KR" dirty="0"/>
+              <a:t>.</a:t>
+            </a:r>
+          </a:p>
+          <a:p>
+            <a:r>
+              <a:rPr lang="en-US" altLang="ko-KR" dirty="0"/>
+              <a:t>D/d   - </a:t>
+            </a:r>
+            <a:r>
+              <a:rPr lang="ko-KR" altLang="en-US" dirty="0"/>
+              <a:t>캐릭터가 오른쪽으로 움직인다</a:t>
+            </a:r>
+            <a:r>
+              <a:rPr lang="en-US" altLang="ko-KR" dirty="0"/>
+              <a:t>.</a:t>
+            </a:r>
+            <a:endParaRPr lang="ko-KR" altLang="en-US" dirty="0"/>
+          </a:p>
+        </p:txBody>
+      </p:sp>
+    </p:spTree>
+    <p:extLst>
+      <p:ext uri="{BB962C8B-B14F-4D97-AF65-F5344CB8AC3E}">
+        <p14:creationId xmlns:p14="http://schemas.microsoft.com/office/powerpoint/2010/main" val="2386164291"/>
       </p:ext>
     </p:extLst>
   </p:cSld>

--- a/Document/Escape Cube(가제) ppt.pptx
+++ b/Document/Escape Cube(가제) ppt.pptx
@@ -5,13 +5,22 @@
     <p:sldMasterId id="2147483648" r:id="rId1"/>
   </p:sldMasterIdLst>
   <p:notesMasterIdLst>
-    <p:notesMasterId r:id="rId6"/>
+    <p:notesMasterId r:id="rId15"/>
   </p:notesMasterIdLst>
   <p:sldIdLst>
     <p:sldId id="256" r:id="rId2"/>
-    <p:sldId id="257" r:id="rId3"/>
-    <p:sldId id="258" r:id="rId4"/>
-    <p:sldId id="259" r:id="rId5"/>
+    <p:sldId id="259" r:id="rId3"/>
+    <p:sldId id="266" r:id="rId4"/>
+    <p:sldId id="260" r:id="rId5"/>
+    <p:sldId id="257" r:id="rId6"/>
+    <p:sldId id="265" r:id="rId7"/>
+    <p:sldId id="267" r:id="rId8"/>
+    <p:sldId id="261" r:id="rId9"/>
+    <p:sldId id="264" r:id="rId10"/>
+    <p:sldId id="258" r:id="rId11"/>
+    <p:sldId id="262" r:id="rId12"/>
+    <p:sldId id="263" r:id="rId13"/>
+    <p:sldId id="268" r:id="rId14"/>
   </p:sldIdLst>
   <p:sldSz cx="12192000" cy="6858000"/>
   <p:notesSz cx="6858000" cy="9144000"/>
@@ -121,8 +130,334 @@
 </p:presentation>
 </file>
 
-<file path=ppt/revisionInfo.xml><?xml version="1.0" encoding="utf-8"?>
-<p1510:revInfo xmlns:a="http://schemas.openxmlformats.org/drawingml/2006/main" xmlns:r="http://schemas.openxmlformats.org/officeDocument/2006/relationships" xmlns:p1510="http://schemas.microsoft.com/office/powerpoint/2015/10/main"/>
+<file path=ppt/changesInfos/changesInfo1.xml><?xml version="1.0" encoding="utf-8"?>
+<pc:chgInfo xmlns:a="http://schemas.openxmlformats.org/drawingml/2006/main" xmlns:r="http://schemas.openxmlformats.org/officeDocument/2006/relationships" xmlns:ac="http://schemas.microsoft.com/office/drawing/2013/main/command" xmlns:pc="http://schemas.microsoft.com/office/powerpoint/2013/main/command">
+  <pc:docChgLst>
+    <pc:chgData name="DongHyeon Ko" userId="113be3d24099a8d3" providerId="LiveId" clId="{116AF83B-99CC-4C50-A28B-70941B365F50}"/>
+    <pc:docChg chg="undo custSel addSld modSld sldOrd">
+      <pc:chgData name="DongHyeon Ko" userId="113be3d24099a8d3" providerId="LiveId" clId="{116AF83B-99CC-4C50-A28B-70941B365F50}" dt="2017-11-27T15:42:53.810" v="1619" actId="1076"/>
+      <pc:docMkLst>
+        <pc:docMk/>
+      </pc:docMkLst>
+      <pc:sldChg chg="modSp ord">
+        <pc:chgData name="DongHyeon Ko" userId="113be3d24099a8d3" providerId="LiveId" clId="{116AF83B-99CC-4C50-A28B-70941B365F50}" dt="2017-11-27T14:57:32.400" v="75"/>
+        <pc:sldMkLst>
+          <pc:docMk/>
+          <pc:sldMk cId="4172613643" sldId="257"/>
+        </pc:sldMkLst>
+        <pc:spChg chg="mod">
+          <ac:chgData name="DongHyeon Ko" userId="113be3d24099a8d3" providerId="LiveId" clId="{116AF83B-99CC-4C50-A28B-70941B365F50}" dt="2017-11-27T14:57:31.332" v="74"/>
+          <ac:spMkLst>
+            <pc:docMk/>
+            <pc:sldMk cId="4172613643" sldId="257"/>
+            <ac:spMk id="6" creationId="{4F5F6214-4ED6-440C-8488-40370266643C}"/>
+          </ac:spMkLst>
+        </pc:spChg>
+      </pc:sldChg>
+      <pc:sldChg chg="addSp modSp ord">
+        <pc:chgData name="DongHyeon Ko" userId="113be3d24099a8d3" providerId="LiveId" clId="{116AF83B-99CC-4C50-A28B-70941B365F50}" dt="2017-11-27T15:20:06.770" v="838" actId="6549"/>
+        <pc:sldMkLst>
+          <pc:docMk/>
+          <pc:sldMk cId="3957995664" sldId="258"/>
+        </pc:sldMkLst>
+        <pc:spChg chg="add mod">
+          <ac:chgData name="DongHyeon Ko" userId="113be3d24099a8d3" providerId="LiveId" clId="{116AF83B-99CC-4C50-A28B-70941B365F50}" dt="2017-11-27T15:20:06.770" v="838" actId="6549"/>
+          <ac:spMkLst>
+            <pc:docMk/>
+            <pc:sldMk cId="3957995664" sldId="258"/>
+            <ac:spMk id="2" creationId="{E2885DD5-D5F5-408D-AD65-6045423110FB}"/>
+          </ac:spMkLst>
+        </pc:spChg>
+        <pc:spChg chg="mod">
+          <ac:chgData name="DongHyeon Ko" userId="113be3d24099a8d3" providerId="LiveId" clId="{116AF83B-99CC-4C50-A28B-70941B365F50}" dt="2017-11-27T15:05:12.391" v="414" actId="14100"/>
+          <ac:spMkLst>
+            <pc:docMk/>
+            <pc:sldMk cId="3957995664" sldId="258"/>
+            <ac:spMk id="6" creationId="{4F5F6214-4ED6-440C-8488-40370266643C}"/>
+          </ac:spMkLst>
+        </pc:spChg>
+        <pc:picChg chg="mod">
+          <ac:chgData name="DongHyeon Ko" userId="113be3d24099a8d3" providerId="LiveId" clId="{116AF83B-99CC-4C50-A28B-70941B365F50}" dt="2017-11-27T15:05:19.927" v="419" actId="1076"/>
+          <ac:picMkLst>
+            <pc:docMk/>
+            <pc:sldMk cId="3957995664" sldId="258"/>
+            <ac:picMk id="5" creationId="{2D6179B6-1AB8-41A8-A304-342E51B0C537}"/>
+          </ac:picMkLst>
+        </pc:picChg>
+      </pc:sldChg>
+      <pc:sldChg chg="addSp delSp modSp add ord">
+        <pc:chgData name="DongHyeon Ko" userId="113be3d24099a8d3" providerId="LiveId" clId="{116AF83B-99CC-4C50-A28B-70941B365F50}" dt="2017-11-27T15:40:46.077" v="1547"/>
+        <pc:sldMkLst>
+          <pc:docMk/>
+          <pc:sldMk cId="2091678307" sldId="259"/>
+        </pc:sldMkLst>
+        <pc:spChg chg="add del mod">
+          <ac:chgData name="DongHyeon Ko" userId="113be3d24099a8d3" providerId="LiveId" clId="{116AF83B-99CC-4C50-A28B-70941B365F50}" dt="2017-11-27T15:40:46.077" v="1547"/>
+          <ac:spMkLst>
+            <pc:docMk/>
+            <pc:sldMk cId="2091678307" sldId="259"/>
+            <ac:spMk id="2" creationId="{CCA50935-4D93-4F33-8E52-6B10303CCC69}"/>
+          </ac:spMkLst>
+        </pc:spChg>
+        <pc:spChg chg="mod">
+          <ac:chgData name="DongHyeon Ko" userId="113be3d24099a8d3" providerId="LiveId" clId="{116AF83B-99CC-4C50-A28B-70941B365F50}" dt="2017-11-27T15:40:41.573" v="1544"/>
+          <ac:spMkLst>
+            <pc:docMk/>
+            <pc:sldMk cId="2091678307" sldId="259"/>
+            <ac:spMk id="6" creationId="{4F5F6214-4ED6-440C-8488-40370266643C}"/>
+          </ac:spMkLst>
+        </pc:spChg>
+        <pc:spChg chg="del">
+          <ac:chgData name="DongHyeon Ko" userId="113be3d24099a8d3" providerId="LiveId" clId="{116AF83B-99CC-4C50-A28B-70941B365F50}" dt="2017-11-27T14:32:03.773" v="1" actId="478"/>
+          <ac:spMkLst>
+            <pc:docMk/>
+            <pc:sldMk cId="2091678307" sldId="259"/>
+            <ac:spMk id="7" creationId="{9FAFA7CE-C7C5-4420-ACBD-A8440538B18F}"/>
+          </ac:spMkLst>
+        </pc:spChg>
+      </pc:sldChg>
+      <pc:sldChg chg="addSp modSp add ord">
+        <pc:chgData name="DongHyeon Ko" userId="113be3d24099a8d3" providerId="LiveId" clId="{116AF83B-99CC-4C50-A28B-70941B365F50}" dt="2017-11-27T15:36:13.174" v="1535"/>
+        <pc:sldMkLst>
+          <pc:docMk/>
+          <pc:sldMk cId="1647177349" sldId="260"/>
+        </pc:sldMkLst>
+        <pc:spChg chg="add mod">
+          <ac:chgData name="DongHyeon Ko" userId="113be3d24099a8d3" providerId="LiveId" clId="{116AF83B-99CC-4C50-A28B-70941B365F50}" dt="2017-11-27T15:36:13.174" v="1535"/>
+          <ac:spMkLst>
+            <pc:docMk/>
+            <pc:sldMk cId="1647177349" sldId="260"/>
+            <ac:spMk id="2" creationId="{7732E46B-654D-43D2-A8CD-898973E1F01B}"/>
+          </ac:spMkLst>
+        </pc:spChg>
+        <pc:spChg chg="mod">
+          <ac:chgData name="DongHyeon Ko" userId="113be3d24099a8d3" providerId="LiveId" clId="{116AF83B-99CC-4C50-A28B-70941B365F50}" dt="2017-11-27T14:57:16.376" v="61" actId="14100"/>
+          <ac:spMkLst>
+            <pc:docMk/>
+            <pc:sldMk cId="1647177349" sldId="260"/>
+            <ac:spMk id="6" creationId="{4F5F6214-4ED6-440C-8488-40370266643C}"/>
+          </ac:spMkLst>
+        </pc:spChg>
+      </pc:sldChg>
+      <pc:sldChg chg="addSp delSp modSp add">
+        <pc:chgData name="DongHyeon Ko" userId="113be3d24099a8d3" providerId="LiveId" clId="{116AF83B-99CC-4C50-A28B-70941B365F50}" dt="2017-11-27T15:04:38.012" v="357"/>
+        <pc:sldMkLst>
+          <pc:docMk/>
+          <pc:sldMk cId="1106448981" sldId="261"/>
+        </pc:sldMkLst>
+        <pc:spChg chg="add del mod">
+          <ac:chgData name="DongHyeon Ko" userId="113be3d24099a8d3" providerId="LiveId" clId="{116AF83B-99CC-4C50-A28B-70941B365F50}" dt="2017-11-27T15:01:27.230" v="141"/>
+          <ac:spMkLst>
+            <pc:docMk/>
+            <pc:sldMk cId="1106448981" sldId="261"/>
+            <ac:spMk id="2" creationId="{C21FA5C5-1ECA-4C21-AEE2-FE86CB73EBD4}"/>
+          </ac:spMkLst>
+        </pc:spChg>
+        <pc:spChg chg="add mod">
+          <ac:chgData name="DongHyeon Ko" userId="113be3d24099a8d3" providerId="LiveId" clId="{116AF83B-99CC-4C50-A28B-70941B365F50}" dt="2017-11-27T15:02:11.887" v="240" actId="1076"/>
+          <ac:spMkLst>
+            <pc:docMk/>
+            <pc:sldMk cId="1106448981" sldId="261"/>
+            <ac:spMk id="4" creationId="{59B0DA41-64D1-4DEF-A4C1-D0C2E82FBDE2}"/>
+          </ac:spMkLst>
+        </pc:spChg>
+        <pc:spChg chg="mod">
+          <ac:chgData name="DongHyeon Ko" userId="113be3d24099a8d3" providerId="LiveId" clId="{116AF83B-99CC-4C50-A28B-70941B365F50}" dt="2017-11-27T15:04:38.012" v="357"/>
+          <ac:spMkLst>
+            <pc:docMk/>
+            <pc:sldMk cId="1106448981" sldId="261"/>
+            <ac:spMk id="6" creationId="{4F5F6214-4ED6-440C-8488-40370266643C}"/>
+          </ac:spMkLst>
+        </pc:spChg>
+        <pc:spChg chg="add mod">
+          <ac:chgData name="DongHyeon Ko" userId="113be3d24099a8d3" providerId="LiveId" clId="{116AF83B-99CC-4C50-A28B-70941B365F50}" dt="2017-11-27T15:03:50.867" v="312" actId="20577"/>
+          <ac:spMkLst>
+            <pc:docMk/>
+            <pc:sldMk cId="1106448981" sldId="261"/>
+            <ac:spMk id="7" creationId="{41011E5D-D0CB-4AB7-B5E9-FF9AB26E8B4D}"/>
+          </ac:spMkLst>
+        </pc:spChg>
+        <pc:picChg chg="add mod">
+          <ac:chgData name="DongHyeon Ko" userId="113be3d24099a8d3" providerId="LiveId" clId="{116AF83B-99CC-4C50-A28B-70941B365F50}" dt="2017-11-27T15:00:02.456" v="139" actId="1076"/>
+          <ac:picMkLst>
+            <pc:docMk/>
+            <pc:sldMk cId="1106448981" sldId="261"/>
+            <ac:picMk id="3" creationId="{30FB801F-9F39-4030-BC03-B22DD3F87B55}"/>
+          </ac:picMkLst>
+        </pc:picChg>
+      </pc:sldChg>
+      <pc:sldChg chg="delSp add">
+        <pc:chgData name="DongHyeon Ko" userId="113be3d24099a8d3" providerId="LiveId" clId="{116AF83B-99CC-4C50-A28B-70941B365F50}" dt="2017-11-27T15:16:01.517" v="583" actId="478"/>
+        <pc:sldMkLst>
+          <pc:docMk/>
+          <pc:sldMk cId="2532134966" sldId="262"/>
+        </pc:sldMkLst>
+        <pc:spChg chg="del">
+          <ac:chgData name="DongHyeon Ko" userId="113be3d24099a8d3" providerId="LiveId" clId="{116AF83B-99CC-4C50-A28B-70941B365F50}" dt="2017-11-27T15:16:01.517" v="583" actId="478"/>
+          <ac:spMkLst>
+            <pc:docMk/>
+            <pc:sldMk cId="2532134966" sldId="262"/>
+            <ac:spMk id="6" creationId="{4F5F6214-4ED6-440C-8488-40370266643C}"/>
+          </ac:spMkLst>
+        </pc:spChg>
+      </pc:sldChg>
+      <pc:sldChg chg="addSp delSp modSp add">
+        <pc:chgData name="DongHyeon Ko" userId="113be3d24099a8d3" providerId="LiveId" clId="{116AF83B-99CC-4C50-A28B-70941B365F50}" dt="2017-11-27T15:42:39.564" v="1598"/>
+        <pc:sldMkLst>
+          <pc:docMk/>
+          <pc:sldMk cId="2611412412" sldId="263"/>
+        </pc:sldMkLst>
+        <pc:spChg chg="add mod">
+          <ac:chgData name="DongHyeon Ko" userId="113be3d24099a8d3" providerId="LiveId" clId="{116AF83B-99CC-4C50-A28B-70941B365F50}" dt="2017-11-27T15:42:39.564" v="1598"/>
+          <ac:spMkLst>
+            <pc:docMk/>
+            <pc:sldMk cId="2611412412" sldId="263"/>
+            <ac:spMk id="3" creationId="{D957C641-0286-4C53-9378-90E22A96150C}"/>
+          </ac:spMkLst>
+        </pc:spChg>
+        <pc:spChg chg="del">
+          <ac:chgData name="DongHyeon Ko" userId="113be3d24099a8d3" providerId="LiveId" clId="{116AF83B-99CC-4C50-A28B-70941B365F50}" dt="2017-11-27T15:04:15.465" v="315" actId="478"/>
+          <ac:spMkLst>
+            <pc:docMk/>
+            <pc:sldMk cId="2611412412" sldId="263"/>
+            <ac:spMk id="6" creationId="{4F5F6214-4ED6-440C-8488-40370266643C}"/>
+          </ac:spMkLst>
+        </pc:spChg>
+      </pc:sldChg>
+      <pc:sldChg chg="addSp delSp modSp add ord">
+        <pc:chgData name="DongHyeon Ko" userId="113be3d24099a8d3" providerId="LiveId" clId="{116AF83B-99CC-4C50-A28B-70941B365F50}" dt="2017-11-27T15:08:39.823" v="425"/>
+        <pc:sldMkLst>
+          <pc:docMk/>
+          <pc:sldMk cId="3481522497" sldId="264"/>
+        </pc:sldMkLst>
+        <pc:spChg chg="mod">
+          <ac:chgData name="DongHyeon Ko" userId="113be3d24099a8d3" providerId="LiveId" clId="{116AF83B-99CC-4C50-A28B-70941B365F50}" dt="2017-11-27T15:05:05.572" v="398"/>
+          <ac:spMkLst>
+            <pc:docMk/>
+            <pc:sldMk cId="3481522497" sldId="264"/>
+            <ac:spMk id="6" creationId="{4F5F6214-4ED6-440C-8488-40370266643C}"/>
+          </ac:spMkLst>
+        </pc:spChg>
+        <pc:picChg chg="add mod">
+          <ac:chgData name="DongHyeon Ko" userId="113be3d24099a8d3" providerId="LiveId" clId="{116AF83B-99CC-4C50-A28B-70941B365F50}" dt="2017-11-27T15:08:37.894" v="424" actId="1076"/>
+          <ac:picMkLst>
+            <pc:docMk/>
+            <pc:sldMk cId="3481522497" sldId="264"/>
+            <ac:picMk id="2" creationId="{BF2830C9-4639-491F-8B79-578D00B4891D}"/>
+          </ac:picMkLst>
+        </pc:picChg>
+        <pc:picChg chg="del">
+          <ac:chgData name="DongHyeon Ko" userId="113be3d24099a8d3" providerId="LiveId" clId="{116AF83B-99CC-4C50-A28B-70941B365F50}" dt="2017-11-27T15:04:40.787" v="359" actId="478"/>
+          <ac:picMkLst>
+            <pc:docMk/>
+            <pc:sldMk cId="3481522497" sldId="264"/>
+            <ac:picMk id="5" creationId="{2D6179B6-1AB8-41A8-A304-342E51B0C537}"/>
+          </ac:picMkLst>
+        </pc:picChg>
+      </pc:sldChg>
+      <pc:sldChg chg="addSp delSp modSp add">
+        <pc:chgData name="DongHyeon Ko" userId="113be3d24099a8d3" providerId="LiveId" clId="{116AF83B-99CC-4C50-A28B-70941B365F50}" dt="2017-11-27T15:18:35.248" v="673"/>
+        <pc:sldMkLst>
+          <pc:docMk/>
+          <pc:sldMk cId="226358864" sldId="265"/>
+        </pc:sldMkLst>
+        <pc:spChg chg="add mod">
+          <ac:chgData name="DongHyeon Ko" userId="113be3d24099a8d3" providerId="LiveId" clId="{116AF83B-99CC-4C50-A28B-70941B365F50}" dt="2017-11-27T15:18:32.067" v="646"/>
+          <ac:spMkLst>
+            <pc:docMk/>
+            <pc:sldMk cId="226358864" sldId="265"/>
+            <ac:spMk id="2" creationId="{EEF839AF-7218-4F6B-93E9-E9AC1CC75A16}"/>
+          </ac:spMkLst>
+        </pc:spChg>
+        <pc:spChg chg="add del mod">
+          <ac:chgData name="DongHyeon Ko" userId="113be3d24099a8d3" providerId="LiveId" clId="{116AF83B-99CC-4C50-A28B-70941B365F50}" dt="2017-11-27T15:18:26.295" v="624" actId="478"/>
+          <ac:spMkLst>
+            <pc:docMk/>
+            <pc:sldMk cId="226358864" sldId="265"/>
+            <ac:spMk id="5" creationId="{414E5BD4-240D-442E-A62A-EF3226A14BE7}"/>
+          </ac:spMkLst>
+        </pc:spChg>
+        <pc:spChg chg="mod">
+          <ac:chgData name="DongHyeon Ko" userId="113be3d24099a8d3" providerId="LiveId" clId="{116AF83B-99CC-4C50-A28B-70941B365F50}" dt="2017-11-27T15:18:17.467" v="619"/>
+          <ac:spMkLst>
+            <pc:docMk/>
+            <pc:sldMk cId="226358864" sldId="265"/>
+            <ac:spMk id="6" creationId="{4F5F6214-4ED6-440C-8488-40370266643C}"/>
+          </ac:spMkLst>
+        </pc:spChg>
+        <pc:spChg chg="del">
+          <ac:chgData name="DongHyeon Ko" userId="113be3d24099a8d3" providerId="LiveId" clId="{116AF83B-99CC-4C50-A28B-70941B365F50}" dt="2017-11-27T15:18:19.348" v="620" actId="478"/>
+          <ac:spMkLst>
+            <pc:docMk/>
+            <pc:sldMk cId="226358864" sldId="265"/>
+            <ac:spMk id="7" creationId="{9FAFA7CE-C7C5-4420-ACBD-A8440538B18F}"/>
+          </ac:spMkLst>
+        </pc:spChg>
+        <pc:spChg chg="add mod">
+          <ac:chgData name="DongHyeon Ko" userId="113be3d24099a8d3" providerId="LiveId" clId="{116AF83B-99CC-4C50-A28B-70941B365F50}" dt="2017-11-27T15:18:35.248" v="673"/>
+          <ac:spMkLst>
+            <pc:docMk/>
+            <pc:sldMk cId="226358864" sldId="265"/>
+            <ac:spMk id="8" creationId="{7A3C0CA8-6DB7-4672-AFFA-B0BE07451F04}"/>
+          </ac:spMkLst>
+        </pc:spChg>
+      </pc:sldChg>
+      <pc:sldChg chg="add">
+        <pc:chgData name="DongHyeon Ko" userId="113be3d24099a8d3" providerId="LiveId" clId="{116AF83B-99CC-4C50-A28B-70941B365F50}" dt="2017-11-27T15:40:35.844" v="1536"/>
+        <pc:sldMkLst>
+          <pc:docMk/>
+          <pc:sldMk cId="1305830897" sldId="266"/>
+        </pc:sldMkLst>
+      </pc:sldChg>
+      <pc:sldChg chg="delSp modSp add">
+        <pc:chgData name="DongHyeon Ko" userId="113be3d24099a8d3" providerId="LiveId" clId="{116AF83B-99CC-4C50-A28B-70941B365F50}" dt="2017-11-27T15:41:39.923" v="1582" actId="478"/>
+        <pc:sldMkLst>
+          <pc:docMk/>
+          <pc:sldMk cId="4148332174" sldId="267"/>
+        </pc:sldMkLst>
+        <pc:spChg chg="del">
+          <ac:chgData name="DongHyeon Ko" userId="113be3d24099a8d3" providerId="LiveId" clId="{116AF83B-99CC-4C50-A28B-70941B365F50}" dt="2017-11-27T15:41:39.760" v="1581" actId="478"/>
+          <ac:spMkLst>
+            <pc:docMk/>
+            <pc:sldMk cId="4148332174" sldId="267"/>
+            <ac:spMk id="2" creationId="{EEF839AF-7218-4F6B-93E9-E9AC1CC75A16}"/>
+          </ac:spMkLst>
+        </pc:spChg>
+        <pc:spChg chg="mod">
+          <ac:chgData name="DongHyeon Ko" userId="113be3d24099a8d3" providerId="LiveId" clId="{116AF83B-99CC-4C50-A28B-70941B365F50}" dt="2017-11-27T15:41:38.578" v="1580" actId="14100"/>
+          <ac:spMkLst>
+            <pc:docMk/>
+            <pc:sldMk cId="4148332174" sldId="267"/>
+            <ac:spMk id="6" creationId="{4F5F6214-4ED6-440C-8488-40370266643C}"/>
+          </ac:spMkLst>
+        </pc:spChg>
+        <pc:spChg chg="del">
+          <ac:chgData name="DongHyeon Ko" userId="113be3d24099a8d3" providerId="LiveId" clId="{116AF83B-99CC-4C50-A28B-70941B365F50}" dt="2017-11-27T15:41:39.923" v="1582" actId="478"/>
+          <ac:spMkLst>
+            <pc:docMk/>
+            <pc:sldMk cId="4148332174" sldId="267"/>
+            <ac:spMk id="8" creationId="{7A3C0CA8-6DB7-4672-AFFA-B0BE07451F04}"/>
+          </ac:spMkLst>
+        </pc:spChg>
+      </pc:sldChg>
+      <pc:sldChg chg="modSp add">
+        <pc:chgData name="DongHyeon Ko" userId="113be3d24099a8d3" providerId="LiveId" clId="{116AF83B-99CC-4C50-A28B-70941B365F50}" dt="2017-11-27T15:42:53.810" v="1619" actId="1076"/>
+        <pc:sldMkLst>
+          <pc:docMk/>
+          <pc:sldMk cId="1813274950" sldId="268"/>
+        </pc:sldMkLst>
+        <pc:spChg chg="mod">
+          <ac:chgData name="DongHyeon Ko" userId="113be3d24099a8d3" providerId="LiveId" clId="{116AF83B-99CC-4C50-A28B-70941B365F50}" dt="2017-11-27T15:42:53.810" v="1619" actId="1076"/>
+          <ac:spMkLst>
+            <pc:docMk/>
+            <pc:sldMk cId="1813274950" sldId="268"/>
+            <ac:spMk id="3" creationId="{D957C641-0286-4C53-9378-90E22A96150C}"/>
+          </ac:spMkLst>
+        </pc:spChg>
+      </pc:sldChg>
+    </pc:docChg>
+  </pc:docChgLst>
+</pc:chgInfo>
 </file>
 
 <file path=ppt/notesMasters/notesMaster1.xml><?xml version="1.0" encoding="utf-8"?>
@@ -207,7 +542,7 @@
           <a:p>
             <a:fld id="{36E5AED4-A81B-4011-84EF-4470B62B1E6A}" type="datetimeFigureOut">
               <a:rPr lang="ko-KR" altLang="en-US" smtClean="0"/>
-              <a:t>2017-11-21</a:t>
+              <a:t>2017-11-27</a:t>
             </a:fld>
             <a:endParaRPr lang="ko-KR" altLang="en-US"/>
           </a:p>
@@ -677,7 +1012,7 @@
             <a:fld id="{B61BEF0D-F0BB-DE4B-95CE-6DB70DBA9567}" type="datetimeFigureOut">
               <a:rPr lang="en-US" dirty="0"/>
               <a:pPr/>
-              <a:t>11/21/2017</a:t>
+              <a:t>11/27/2017</a:t>
             </a:fld>
             <a:endParaRPr lang="en-US" dirty="0"/>
           </a:p>
@@ -965,7 +1300,7 @@
             <a:fld id="{B61BEF0D-F0BB-DE4B-95CE-6DB70DBA9567}" type="datetimeFigureOut">
               <a:rPr lang="en-US" dirty="0"/>
               <a:pPr/>
-              <a:t>11/21/2017</a:t>
+              <a:t>11/27/2017</a:t>
             </a:fld>
             <a:endParaRPr lang="en-US" dirty="0"/>
           </a:p>
@@ -1210,7 +1545,7 @@
             <a:fld id="{B61BEF0D-F0BB-DE4B-95CE-6DB70DBA9567}" type="datetimeFigureOut">
               <a:rPr lang="en-US" dirty="0"/>
               <a:pPr/>
-              <a:t>11/21/2017</a:t>
+              <a:t>11/27/2017</a:t>
             </a:fld>
             <a:endParaRPr lang="en-US" dirty="0"/>
           </a:p>
@@ -1743,7 +2078,7 @@
             <a:fld id="{B61BEF0D-F0BB-DE4B-95CE-6DB70DBA9567}" type="datetimeFigureOut">
               <a:rPr lang="en-US" dirty="0"/>
               <a:pPr/>
-              <a:t>11/21/2017</a:t>
+              <a:t>11/27/2017</a:t>
             </a:fld>
             <a:endParaRPr lang="en-US" dirty="0"/>
           </a:p>
@@ -1988,7 +2323,7 @@
             <a:fld id="{B61BEF0D-F0BB-DE4B-95CE-6DB70DBA9567}" type="datetimeFigureOut">
               <a:rPr lang="en-US" dirty="0"/>
               <a:pPr/>
-              <a:t>11/21/2017</a:t>
+              <a:t>11/27/2017</a:t>
             </a:fld>
             <a:endParaRPr lang="en-US" dirty="0"/>
           </a:p>
@@ -2528,7 +2863,7 @@
             <a:fld id="{B61BEF0D-F0BB-DE4B-95CE-6DB70DBA9567}" type="datetimeFigureOut">
               <a:rPr lang="en-US" dirty="0"/>
               <a:pPr/>
-              <a:t>11/21/2017</a:t>
+              <a:t>11/27/2017</a:t>
             </a:fld>
             <a:endParaRPr lang="en-US" dirty="0"/>
           </a:p>
@@ -2835,7 +3170,7 @@
             <a:fld id="{B61BEF0D-F0BB-DE4B-95CE-6DB70DBA9567}" type="datetimeFigureOut">
               <a:rPr lang="en-US" dirty="0"/>
               <a:pPr/>
-              <a:t>11/21/2017</a:t>
+              <a:t>11/27/2017</a:t>
             </a:fld>
             <a:endParaRPr lang="en-US" dirty="0"/>
           </a:p>
@@ -3007,7 +3342,7 @@
             <a:fld id="{B61BEF0D-F0BB-DE4B-95CE-6DB70DBA9567}" type="datetimeFigureOut">
               <a:rPr lang="en-US" dirty="0"/>
               <a:pPr/>
-              <a:t>11/21/2017</a:t>
+              <a:t>11/27/2017</a:t>
             </a:fld>
             <a:endParaRPr lang="en-US" dirty="0"/>
           </a:p>
@@ -3184,7 +3519,7 @@
             <a:fld id="{B61BEF0D-F0BB-DE4B-95CE-6DB70DBA9567}" type="datetimeFigureOut">
               <a:rPr lang="en-US" dirty="0"/>
               <a:pPr/>
-              <a:t>11/21/2017</a:t>
+              <a:t>11/27/2017</a:t>
             </a:fld>
             <a:endParaRPr lang="en-US" dirty="0"/>
           </a:p>
@@ -3351,7 +3686,7 @@
             <a:fld id="{B61BEF0D-F0BB-DE4B-95CE-6DB70DBA9567}" type="datetimeFigureOut">
               <a:rPr lang="en-US" dirty="0"/>
               <a:pPr/>
-              <a:t>11/21/2017</a:t>
+              <a:t>11/27/2017</a:t>
             </a:fld>
             <a:endParaRPr lang="en-US" dirty="0"/>
           </a:p>
@@ -3594,7 +3929,7 @@
             <a:fld id="{B61BEF0D-F0BB-DE4B-95CE-6DB70DBA9567}" type="datetimeFigureOut">
               <a:rPr lang="en-US" dirty="0"/>
               <a:pPr/>
-              <a:t>11/21/2017</a:t>
+              <a:t>11/27/2017</a:t>
             </a:fld>
             <a:endParaRPr lang="en-US" dirty="0"/>
           </a:p>
@@ -3883,7 +4218,7 @@
             <a:fld id="{B61BEF0D-F0BB-DE4B-95CE-6DB70DBA9567}" type="datetimeFigureOut">
               <a:rPr lang="en-US" dirty="0"/>
               <a:pPr/>
-              <a:t>11/21/2017</a:t>
+              <a:t>11/27/2017</a:t>
             </a:fld>
             <a:endParaRPr lang="en-US" dirty="0"/>
           </a:p>
@@ -4310,7 +4645,7 @@
             <a:fld id="{B61BEF0D-F0BB-DE4B-95CE-6DB70DBA9567}" type="datetimeFigureOut">
               <a:rPr lang="en-US" dirty="0"/>
               <a:pPr/>
-              <a:t>11/21/2017</a:t>
+              <a:t>11/27/2017</a:t>
             </a:fld>
             <a:endParaRPr lang="en-US" dirty="0"/>
           </a:p>
@@ -4430,7 +4765,7 @@
             <a:fld id="{B61BEF0D-F0BB-DE4B-95CE-6DB70DBA9567}" type="datetimeFigureOut">
               <a:rPr lang="en-US" dirty="0"/>
               <a:pPr/>
-              <a:t>11/21/2017</a:t>
+              <a:t>11/27/2017</a:t>
             </a:fld>
             <a:endParaRPr lang="en-US" dirty="0"/>
           </a:p>
@@ -4522,7 +4857,7 @@
             <a:fld id="{B61BEF0D-F0BB-DE4B-95CE-6DB70DBA9567}" type="datetimeFigureOut">
               <a:rPr lang="en-US" dirty="0"/>
               <a:pPr/>
-              <a:t>11/21/2017</a:t>
+              <a:t>11/27/2017</a:t>
             </a:fld>
             <a:endParaRPr lang="en-US" dirty="0"/>
           </a:p>
@@ -4802,7 +5137,7 @@
             <a:fld id="{B61BEF0D-F0BB-DE4B-95CE-6DB70DBA9567}" type="datetimeFigureOut">
               <a:rPr lang="en-US" dirty="0"/>
               <a:pPr/>
-              <a:t>11/21/2017</a:t>
+              <a:t>11/27/2017</a:t>
             </a:fld>
             <a:endParaRPr lang="en-US" dirty="0"/>
           </a:p>
@@ -5090,7 +5425,7 @@
             <a:fld id="{B61BEF0D-F0BB-DE4B-95CE-6DB70DBA9567}" type="datetimeFigureOut">
               <a:rPr lang="en-US" dirty="0"/>
               <a:pPr/>
-              <a:t>11/21/2017</a:t>
+              <a:t>11/27/2017</a:t>
             </a:fld>
             <a:endParaRPr lang="en-US" dirty="0"/>
           </a:p>
@@ -5321,7 +5656,7 @@
             <a:fld id="{B61BEF0D-F0BB-DE4B-95CE-6DB70DBA9567}" type="datetimeFigureOut">
               <a:rPr lang="en-US" dirty="0"/>
               <a:pPr/>
-              <a:t>11/21/2017</a:t>
+              <a:t>11/27/2017</a:t>
             </a:fld>
             <a:endParaRPr lang="en-US" dirty="0"/>
           </a:p>
@@ -6003,35 +6338,19 @@
           <a:lstStyle/>
           <a:p>
             <a:r>
-              <a:rPr lang="en-US" altLang="ko-KR" dirty="0">
-                <a:solidFill>
-                  <a:srgbClr val="F5BC4B"/>
-                </a:solidFill>
-              </a:rPr>
+              <a:rPr lang="en-US" altLang="ko-KR" dirty="0"/>
               <a:t>Escape Cube(</a:t>
             </a:r>
             <a:r>
-              <a:rPr lang="ko-KR" altLang="en-US" dirty="0">
-                <a:solidFill>
-                  <a:srgbClr val="F5BC4B"/>
-                </a:solidFill>
-              </a:rPr>
+              <a:rPr lang="ko-KR" altLang="en-US" dirty="0"/>
               <a:t>가제</a:t>
             </a:r>
             <a:r>
-              <a:rPr lang="en-US" altLang="ko-KR" dirty="0">
-                <a:solidFill>
-                  <a:srgbClr val="F5BC4B"/>
-                </a:solidFill>
-              </a:rPr>
+              <a:rPr lang="en-US" altLang="ko-KR" dirty="0"/>
               <a:t>) </a:t>
             </a:r>
             <a:r>
-              <a:rPr lang="ko-KR" altLang="en-US" dirty="0">
-                <a:solidFill>
-                  <a:srgbClr val="F5BC4B"/>
-                </a:solidFill>
-              </a:rPr>
+              <a:rPr lang="ko-KR" altLang="en-US" dirty="0"/>
               <a:t>발표</a:t>
             </a:r>
           </a:p>
@@ -6155,49 +6474,25 @@
           </a:lstStyle>
           <a:p>
             <a:r>
-              <a:rPr lang="en-US" altLang="ko-KR" dirty="0">
-                <a:solidFill>
-                  <a:srgbClr val="F5BC4B"/>
-                </a:solidFill>
-              </a:rPr>
+              <a:rPr lang="en-US" altLang="ko-KR" dirty="0"/>
               <a:t>2013000000 </a:t>
             </a:r>
             <a:r>
-              <a:rPr lang="ko-KR" altLang="en-US" dirty="0">
-                <a:solidFill>
-                  <a:srgbClr val="F5BC4B"/>
-                </a:solidFill>
-              </a:rPr>
+              <a:rPr lang="ko-KR" altLang="en-US" dirty="0"/>
               <a:t>양기석</a:t>
             </a:r>
-            <a:endParaRPr lang="en-US" altLang="ko-KR" dirty="0">
-              <a:solidFill>
-                <a:srgbClr val="F5BC4B"/>
-              </a:solidFill>
-            </a:endParaRPr>
-          </a:p>
-          <a:p>
-            <a:r>
-              <a:rPr lang="en-US" altLang="ko-KR" dirty="0">
-                <a:solidFill>
-                  <a:srgbClr val="F5BC4B"/>
-                </a:solidFill>
-              </a:rPr>
+            <a:endParaRPr lang="en-US" altLang="ko-KR" dirty="0"/>
+          </a:p>
+          <a:p>
+            <a:r>
+              <a:rPr lang="en-US" altLang="ko-KR" dirty="0"/>
               <a:t>2015182002 </a:t>
             </a:r>
             <a:r>
-              <a:rPr lang="ko-KR" altLang="en-US" dirty="0">
-                <a:solidFill>
-                  <a:srgbClr val="F5BC4B"/>
-                </a:solidFill>
-              </a:rPr>
+              <a:rPr lang="ko-KR" altLang="en-US" dirty="0"/>
               <a:t>고동현</a:t>
             </a:r>
-            <a:endParaRPr lang="en-US" altLang="ko-KR" dirty="0">
-              <a:solidFill>
-                <a:srgbClr val="F5BC4B"/>
-              </a:solidFill>
-            </a:endParaRPr>
+            <a:endParaRPr lang="en-US" altLang="ko-KR" dirty="0"/>
           </a:p>
         </p:txBody>
       </p:sp>
@@ -6214,212 +6509,7 @@
 </p:sld>
 </file>
 
-<file path=ppt/slides/slide2.xml><?xml version="1.0" encoding="utf-8"?>
-<p:sld xmlns:a="http://schemas.openxmlformats.org/drawingml/2006/main" xmlns:r="http://schemas.openxmlformats.org/officeDocument/2006/relationships" xmlns:p="http://schemas.openxmlformats.org/presentationml/2006/main">
-  <p:cSld>
-    <p:spTree>
-      <p:nvGrpSpPr>
-        <p:cNvPr id="1" name=""/>
-        <p:cNvGrpSpPr/>
-        <p:nvPr/>
-      </p:nvGrpSpPr>
-      <p:grpSpPr>
-        <a:xfrm>
-          <a:off x="0" y="0"/>
-          <a:ext cx="0" cy="0"/>
-          <a:chOff x="0" y="0"/>
-          <a:chExt cx="0" cy="0"/>
-        </a:xfrm>
-      </p:grpSpPr>
-      <p:sp>
-        <p:nvSpPr>
-          <p:cNvPr id="6" name="TextBox 5">
-            <a:extLst>
-              <a:ext uri="{FF2B5EF4-FFF2-40B4-BE49-F238E27FC236}">
-                <a16:creationId xmlns:a16="http://schemas.microsoft.com/office/drawing/2014/main" id="{4F5F6214-4ED6-440C-8488-40370266643C}"/>
-              </a:ext>
-            </a:extLst>
-          </p:cNvPr>
-          <p:cNvSpPr txBox="1"/>
-          <p:nvPr/>
-        </p:nvSpPr>
-        <p:spPr>
-          <a:xfrm>
-            <a:off x="482600" y="381000"/>
-            <a:ext cx="4610100" cy="769441"/>
-          </a:xfrm>
-          <a:prstGeom prst="rect">
-            <a:avLst/>
-          </a:prstGeom>
-          <a:noFill/>
-        </p:spPr>
-        <p:txBody>
-          <a:bodyPr wrap="square" rtlCol="0">
-            <a:spAutoFit/>
-          </a:bodyPr>
-          <a:lstStyle/>
-          <a:p>
-            <a:r>
-              <a:rPr lang="ko-KR" altLang="en-US" sz="4400" dirty="0" err="1">
-                <a:solidFill>
-                  <a:srgbClr val="F5BC4B"/>
-                </a:solidFill>
-              </a:rPr>
-              <a:t>기획컨셉</a:t>
-            </a:r>
-            <a:endParaRPr lang="ko-KR" altLang="en-US" sz="4400" dirty="0">
-              <a:solidFill>
-                <a:srgbClr val="F5BC4B"/>
-              </a:solidFill>
-            </a:endParaRPr>
-          </a:p>
-        </p:txBody>
-      </p:sp>
-      <p:sp>
-        <p:nvSpPr>
-          <p:cNvPr id="7" name="TextBox 6">
-            <a:extLst>
-              <a:ext uri="{FF2B5EF4-FFF2-40B4-BE49-F238E27FC236}">
-                <a16:creationId xmlns:a16="http://schemas.microsoft.com/office/drawing/2014/main" id="{9FAFA7CE-C7C5-4420-ACBD-A8440538B18F}"/>
-              </a:ext>
-            </a:extLst>
-          </p:cNvPr>
-          <p:cNvSpPr txBox="1"/>
-          <p:nvPr/>
-        </p:nvSpPr>
-        <p:spPr>
-          <a:xfrm>
-            <a:off x="680224" y="1984917"/>
-            <a:ext cx="10760927" cy="3970318"/>
-          </a:xfrm>
-          <a:prstGeom prst="rect">
-            <a:avLst/>
-          </a:prstGeom>
-          <a:noFill/>
-        </p:spPr>
-        <p:txBody>
-          <a:bodyPr wrap="square" rtlCol="0">
-            <a:spAutoFit/>
-          </a:bodyPr>
-          <a:lstStyle/>
-          <a:p>
-            <a:r>
-              <a:rPr lang="ko-KR" altLang="en-US" sz="2800" dirty="0"/>
-              <a:t>시점  </a:t>
-            </a:r>
-            <a:r>
-              <a:rPr lang="en-US" altLang="ko-KR" sz="2800" dirty="0"/>
-              <a:t>–  3</a:t>
-            </a:r>
-            <a:r>
-              <a:rPr lang="ko-KR" altLang="en-US" sz="2800" dirty="0"/>
-              <a:t>인칭 시점</a:t>
-            </a:r>
-            <a:endParaRPr lang="en-US" altLang="ko-KR" sz="2800" dirty="0"/>
-          </a:p>
-          <a:p>
-            <a:br>
-              <a:rPr lang="en-US" altLang="ko-KR" sz="2800" dirty="0"/>
-            </a:br>
-            <a:r>
-              <a:rPr lang="ko-KR" altLang="en-US" sz="2800" dirty="0"/>
-              <a:t>게임장르 </a:t>
-            </a:r>
-            <a:r>
-              <a:rPr lang="en-US" altLang="ko-KR" sz="2800" dirty="0"/>
-              <a:t>– </a:t>
-            </a:r>
-            <a:r>
-              <a:rPr lang="ko-KR" altLang="en-US" sz="2800" dirty="0"/>
-              <a:t>어드벤처 퍼즐</a:t>
-            </a:r>
-            <a:endParaRPr lang="en-US" altLang="ko-KR" sz="2800" dirty="0"/>
-          </a:p>
-          <a:p>
-            <a:br>
-              <a:rPr lang="en-US" altLang="ko-KR" sz="2800" dirty="0"/>
-            </a:br>
-            <a:r>
-              <a:rPr lang="ko-KR" altLang="en-US" sz="2800" dirty="0"/>
-              <a:t>플랫폼 </a:t>
-            </a:r>
-            <a:r>
-              <a:rPr lang="en-US" altLang="ko-KR" sz="2800" dirty="0"/>
-              <a:t>– Window OS PC</a:t>
-            </a:r>
-          </a:p>
-          <a:p>
-            <a:br>
-              <a:rPr lang="en-US" altLang="ko-KR" sz="2800" dirty="0"/>
-            </a:br>
-            <a:r>
-              <a:rPr lang="ko-KR" altLang="en-US" sz="2800" dirty="0"/>
-              <a:t>스토리 </a:t>
-            </a:r>
-            <a:r>
-              <a:rPr lang="en-US" altLang="ko-KR" sz="2800" dirty="0"/>
-              <a:t>– </a:t>
-            </a:r>
-            <a:r>
-              <a:rPr lang="ko-KR" altLang="en-US" sz="2800" dirty="0"/>
-              <a:t>주인공인 </a:t>
-            </a:r>
-            <a:r>
-              <a:rPr lang="en-US" altLang="ko-KR" sz="2800" dirty="0"/>
-              <a:t>AI </a:t>
-            </a:r>
-            <a:r>
-              <a:rPr lang="ko-KR" altLang="en-US" sz="2800" dirty="0"/>
-              <a:t>로봇이 </a:t>
-            </a:r>
-            <a:r>
-              <a:rPr lang="ko-KR" altLang="en-US" sz="2800" dirty="0" err="1"/>
-              <a:t>큐브안에</a:t>
-            </a:r>
-            <a:r>
-              <a:rPr lang="ko-KR" altLang="en-US" sz="2800" dirty="0"/>
-              <a:t> 갇힌 이유를 </a:t>
-            </a:r>
-            <a:endParaRPr lang="en-US" altLang="ko-KR" sz="2800" dirty="0"/>
-          </a:p>
-          <a:p>
-            <a:r>
-              <a:rPr lang="en-US" altLang="ko-KR" sz="2800" dirty="0"/>
-              <a:t>			 </a:t>
-            </a:r>
-            <a:r>
-              <a:rPr lang="ko-KR" altLang="en-US" sz="2800" dirty="0"/>
-              <a:t>풀어가는 </a:t>
-            </a:r>
-            <a:r>
-              <a:rPr lang="en-US" altLang="ko-KR" sz="2800" dirty="0"/>
-              <a:t>2</a:t>
-            </a:r>
-            <a:r>
-              <a:rPr lang="ko-KR" altLang="en-US" sz="2800" dirty="0"/>
-              <a:t>인용게임</a:t>
-            </a:r>
-            <a:endParaRPr lang="en-US" altLang="ko-KR" sz="2800" dirty="0"/>
-          </a:p>
-          <a:p>
-            <a:endParaRPr lang="ko-KR" altLang="en-US" sz="2800" dirty="0"/>
-          </a:p>
-        </p:txBody>
-      </p:sp>
-    </p:spTree>
-    <p:extLst>
-      <p:ext uri="{BB962C8B-B14F-4D97-AF65-F5344CB8AC3E}">
-        <p14:creationId xmlns:p14="http://schemas.microsoft.com/office/powerpoint/2010/main" val="4172613643"/>
-      </p:ext>
-    </p:extLst>
-  </p:cSld>
-  <p:clrMapOvr>
-    <a:masterClrMapping/>
-  </p:clrMapOvr>
-</p:sld>
-</file>
-
-<file path=ppt/slides/slide3.xml><?xml version="1.0" encoding="utf-8"?>
+<file path=ppt/slides/slide10.xml><?xml version="1.0" encoding="utf-8"?>
 <p:sld xmlns:a="http://schemas.openxmlformats.org/drawingml/2006/main" xmlns:r="http://schemas.openxmlformats.org/officeDocument/2006/relationships" xmlns:p="http://schemas.openxmlformats.org/presentationml/2006/main">
   <p:cSld>
     <p:spTree>
@@ -6458,14 +6548,418 @@
         </p:blipFill>
         <p:spPr>
           <a:xfrm>
-            <a:off x="2257425" y="1991802"/>
-            <a:ext cx="7677150" cy="4299204"/>
+            <a:off x="482600" y="1722120"/>
+            <a:ext cx="6096000" cy="3413760"/>
           </a:xfrm>
           <a:prstGeom prst="rect">
             <a:avLst/>
           </a:prstGeom>
         </p:spPr>
       </p:pic>
+      <p:sp>
+        <p:nvSpPr>
+          <p:cNvPr id="6" name="TextBox 5">
+            <a:extLst>
+              <a:ext uri="{FF2B5EF4-FFF2-40B4-BE49-F238E27FC236}">
+                <a16:creationId xmlns:a16="http://schemas.microsoft.com/office/drawing/2014/main" id="{4F5F6214-4ED6-440C-8488-40370266643C}"/>
+              </a:ext>
+            </a:extLst>
+          </p:cNvPr>
+          <p:cNvSpPr txBox="1"/>
+          <p:nvPr/>
+        </p:nvSpPr>
+        <p:spPr>
+          <a:xfrm>
+            <a:off x="482600" y="381000"/>
+            <a:ext cx="5613400" cy="769441"/>
+          </a:xfrm>
+          <a:prstGeom prst="rect">
+            <a:avLst/>
+          </a:prstGeom>
+          <a:noFill/>
+        </p:spPr>
+        <p:txBody>
+          <a:bodyPr wrap="square" rtlCol="0">
+            <a:spAutoFit/>
+          </a:bodyPr>
+          <a:lstStyle/>
+          <a:p>
+            <a:r>
+              <a:rPr lang="ko-KR" altLang="en-US" sz="4400" dirty="0">
+                <a:solidFill>
+                  <a:schemeClr val="accent1">
+                    <a:lumMod val="75000"/>
+                  </a:schemeClr>
+                </a:solidFill>
+              </a:rPr>
+              <a:t>게임소개 </a:t>
+            </a:r>
+            <a:r>
+              <a:rPr lang="en-US" altLang="ko-KR" sz="4400" dirty="0">
+                <a:solidFill>
+                  <a:schemeClr val="accent1">
+                    <a:lumMod val="75000"/>
+                  </a:schemeClr>
+                </a:solidFill>
+              </a:rPr>
+              <a:t>– </a:t>
+            </a:r>
+            <a:r>
+              <a:rPr lang="ko-KR" altLang="en-US" sz="4400" dirty="0">
+                <a:solidFill>
+                  <a:schemeClr val="accent1">
+                    <a:lumMod val="75000"/>
+                  </a:schemeClr>
+                </a:solidFill>
+              </a:rPr>
+              <a:t>내부</a:t>
+            </a:r>
+            <a:r>
+              <a:rPr lang="en-US" altLang="ko-KR" sz="4400" dirty="0">
+                <a:solidFill>
+                  <a:schemeClr val="accent1">
+                    <a:lumMod val="75000"/>
+                  </a:schemeClr>
+                </a:solidFill>
+              </a:rPr>
+              <a:t>(</a:t>
+            </a:r>
+            <a:r>
+              <a:rPr lang="ko-KR" altLang="en-US" sz="4400" dirty="0">
+                <a:solidFill>
+                  <a:schemeClr val="accent1">
+                    <a:lumMod val="75000"/>
+                  </a:schemeClr>
+                </a:solidFill>
+              </a:rPr>
+              <a:t>큐브</a:t>
+            </a:r>
+            <a:r>
+              <a:rPr lang="en-US" altLang="ko-KR" sz="4400" dirty="0">
+                <a:solidFill>
+                  <a:schemeClr val="accent1">
+                    <a:lumMod val="75000"/>
+                  </a:schemeClr>
+                </a:solidFill>
+              </a:rPr>
+              <a:t>)</a:t>
+            </a:r>
+            <a:endParaRPr lang="ko-KR" altLang="en-US" sz="4400" dirty="0">
+              <a:solidFill>
+                <a:schemeClr val="accent1">
+                  <a:lumMod val="75000"/>
+                </a:schemeClr>
+              </a:solidFill>
+            </a:endParaRPr>
+          </a:p>
+        </p:txBody>
+      </p:sp>
+      <p:sp>
+        <p:nvSpPr>
+          <p:cNvPr id="2" name="TextBox 1">
+            <a:extLst>
+              <a:ext uri="{FF2B5EF4-FFF2-40B4-BE49-F238E27FC236}">
+                <a16:creationId xmlns:a16="http://schemas.microsoft.com/office/drawing/2014/main" id="{E2885DD5-D5F5-408D-AD65-6045423110FB}"/>
+              </a:ext>
+            </a:extLst>
+          </p:cNvPr>
+          <p:cNvSpPr txBox="1"/>
+          <p:nvPr/>
+        </p:nvSpPr>
+        <p:spPr>
+          <a:xfrm>
+            <a:off x="6997700" y="1722120"/>
+            <a:ext cx="4597400" cy="2677656"/>
+          </a:xfrm>
+          <a:prstGeom prst="rect">
+            <a:avLst/>
+          </a:prstGeom>
+          <a:noFill/>
+        </p:spPr>
+        <p:txBody>
+          <a:bodyPr wrap="square" rtlCol="0">
+            <a:spAutoFit/>
+          </a:bodyPr>
+          <a:lstStyle/>
+          <a:p>
+            <a:pPr marL="285750" indent="-285750">
+              <a:buFont typeface="Wingdings" panose="05000000000000000000" pitchFamily="2" charset="2"/>
+              <a:buChar char="v"/>
+            </a:pPr>
+            <a:r>
+              <a:rPr lang="en-US" altLang="ko-KR" sz="2400" dirty="0"/>
+              <a:t> </a:t>
+            </a:r>
+            <a:r>
+              <a:rPr lang="ko-KR" altLang="en-US" sz="2400" dirty="0"/>
+              <a:t>큐브는 총 </a:t>
+            </a:r>
+            <a:r>
+              <a:rPr lang="en-US" altLang="ko-KR" sz="2400" dirty="0"/>
+              <a:t>6</a:t>
+            </a:r>
+            <a:r>
+              <a:rPr lang="ko-KR" altLang="en-US" sz="2400" dirty="0"/>
+              <a:t>개로 구성된다</a:t>
+            </a:r>
+            <a:r>
+              <a:rPr lang="en-US" altLang="ko-KR" sz="2400" dirty="0"/>
+              <a:t>.</a:t>
+            </a:r>
+          </a:p>
+          <a:p>
+            <a:pPr marL="285750" indent="-285750">
+              <a:buFont typeface="Wingdings" panose="05000000000000000000" pitchFamily="2" charset="2"/>
+              <a:buChar char="v"/>
+            </a:pPr>
+            <a:endParaRPr lang="en-US" altLang="ko-KR" sz="2400" dirty="0"/>
+          </a:p>
+          <a:p>
+            <a:pPr marL="285750" indent="-285750">
+              <a:buFont typeface="Wingdings" panose="05000000000000000000" pitchFamily="2" charset="2"/>
+              <a:buChar char="v"/>
+            </a:pPr>
+            <a:r>
+              <a:rPr lang="en-US" altLang="ko-KR" sz="2400" dirty="0"/>
+              <a:t> </a:t>
+            </a:r>
+            <a:r>
+              <a:rPr lang="ko-KR" altLang="en-US" sz="2400" dirty="0"/>
+              <a:t>큐브마다 문제를 해결해야 다음 큐브로 넘어간다</a:t>
+            </a:r>
+            <a:r>
+              <a:rPr lang="en-US" altLang="ko-KR" sz="2400" dirty="0"/>
+              <a:t>.</a:t>
+            </a:r>
+          </a:p>
+          <a:p>
+            <a:pPr marL="285750" indent="-285750">
+              <a:buFont typeface="Wingdings" panose="05000000000000000000" pitchFamily="2" charset="2"/>
+              <a:buChar char="v"/>
+            </a:pPr>
+            <a:endParaRPr lang="en-US" altLang="ko-KR" sz="2400" dirty="0"/>
+          </a:p>
+          <a:p>
+            <a:pPr marL="285750" indent="-285750">
+              <a:buFont typeface="Wingdings" panose="05000000000000000000" pitchFamily="2" charset="2"/>
+              <a:buChar char="v"/>
+            </a:pPr>
+            <a:r>
+              <a:rPr lang="en-US" altLang="ko-KR" sz="2400" dirty="0"/>
+              <a:t> </a:t>
+            </a:r>
+          </a:p>
+          <a:p>
+            <a:pPr marL="285750" indent="-285750">
+              <a:buFont typeface="Wingdings" panose="05000000000000000000" pitchFamily="2" charset="2"/>
+              <a:buChar char="v"/>
+            </a:pPr>
+            <a:endParaRPr lang="ko-KR" altLang="en-US" sz="2400" dirty="0"/>
+          </a:p>
+        </p:txBody>
+      </p:sp>
+    </p:spTree>
+    <p:extLst>
+      <p:ext uri="{BB962C8B-B14F-4D97-AF65-F5344CB8AC3E}">
+        <p14:creationId xmlns:p14="http://schemas.microsoft.com/office/powerpoint/2010/main" val="3957995664"/>
+      </p:ext>
+    </p:extLst>
+  </p:cSld>
+  <p:clrMapOvr>
+    <a:masterClrMapping/>
+  </p:clrMapOvr>
+</p:sld>
+</file>
+
+<file path=ppt/slides/slide11.xml><?xml version="1.0" encoding="utf-8"?>
+<p:sld xmlns:a="http://schemas.openxmlformats.org/drawingml/2006/main" xmlns:r="http://schemas.openxmlformats.org/officeDocument/2006/relationships" xmlns:p="http://schemas.openxmlformats.org/presentationml/2006/main">
+  <p:cSld>
+    <p:spTree>
+      <p:nvGrpSpPr>
+        <p:cNvPr id="1" name=""/>
+        <p:cNvGrpSpPr/>
+        <p:nvPr/>
+      </p:nvGrpSpPr>
+      <p:grpSpPr>
+        <a:xfrm>
+          <a:off x="0" y="0"/>
+          <a:ext cx="0" cy="0"/>
+          <a:chOff x="0" y="0"/>
+          <a:chExt cx="0" cy="0"/>
+        </a:xfrm>
+      </p:grpSpPr>
+    </p:spTree>
+    <p:extLst>
+      <p:ext uri="{BB962C8B-B14F-4D97-AF65-F5344CB8AC3E}">
+        <p14:creationId xmlns:p14="http://schemas.microsoft.com/office/powerpoint/2010/main" val="2532134966"/>
+      </p:ext>
+    </p:extLst>
+  </p:cSld>
+  <p:clrMapOvr>
+    <a:masterClrMapping/>
+  </p:clrMapOvr>
+</p:sld>
+</file>
+
+<file path=ppt/slides/slide12.xml><?xml version="1.0" encoding="utf-8"?>
+<p:sld xmlns:a="http://schemas.openxmlformats.org/drawingml/2006/main" xmlns:r="http://schemas.openxmlformats.org/officeDocument/2006/relationships" xmlns:p="http://schemas.openxmlformats.org/presentationml/2006/main">
+  <p:cSld>
+    <p:spTree>
+      <p:nvGrpSpPr>
+        <p:cNvPr id="1" name=""/>
+        <p:cNvGrpSpPr/>
+        <p:nvPr/>
+      </p:nvGrpSpPr>
+      <p:grpSpPr>
+        <a:xfrm>
+          <a:off x="0" y="0"/>
+          <a:ext cx="0" cy="0"/>
+          <a:chOff x="0" y="0"/>
+          <a:chExt cx="0" cy="0"/>
+        </a:xfrm>
+      </p:grpSpPr>
+      <p:sp>
+        <p:nvSpPr>
+          <p:cNvPr id="3" name="TextBox 2">
+            <a:extLst>
+              <a:ext uri="{FF2B5EF4-FFF2-40B4-BE49-F238E27FC236}">
+                <a16:creationId xmlns:a16="http://schemas.microsoft.com/office/drawing/2014/main" id="{D957C641-0286-4C53-9378-90E22A96150C}"/>
+              </a:ext>
+            </a:extLst>
+          </p:cNvPr>
+          <p:cNvSpPr txBox="1"/>
+          <p:nvPr/>
+        </p:nvSpPr>
+        <p:spPr>
+          <a:xfrm>
+            <a:off x="482600" y="381000"/>
+            <a:ext cx="5613400" cy="769441"/>
+          </a:xfrm>
+          <a:prstGeom prst="rect">
+            <a:avLst/>
+          </a:prstGeom>
+          <a:noFill/>
+        </p:spPr>
+        <p:txBody>
+          <a:bodyPr wrap="square" rtlCol="0">
+            <a:spAutoFit/>
+          </a:bodyPr>
+          <a:lstStyle/>
+          <a:p>
+            <a:r>
+              <a:rPr lang="ko-KR" altLang="en-US" sz="4400" dirty="0">
+                <a:solidFill>
+                  <a:schemeClr val="accent1">
+                    <a:lumMod val="75000"/>
+                  </a:schemeClr>
+                </a:solidFill>
+              </a:rPr>
+              <a:t>개발일정</a:t>
+            </a:r>
+          </a:p>
+        </p:txBody>
+      </p:sp>
+    </p:spTree>
+    <p:extLst>
+      <p:ext uri="{BB962C8B-B14F-4D97-AF65-F5344CB8AC3E}">
+        <p14:creationId xmlns:p14="http://schemas.microsoft.com/office/powerpoint/2010/main" val="2611412412"/>
+      </p:ext>
+    </p:extLst>
+  </p:cSld>
+  <p:clrMapOvr>
+    <a:masterClrMapping/>
+  </p:clrMapOvr>
+</p:sld>
+</file>
+
+<file path=ppt/slides/slide13.xml><?xml version="1.0" encoding="utf-8"?>
+<p:sld xmlns:a="http://schemas.openxmlformats.org/drawingml/2006/main" xmlns:r="http://schemas.openxmlformats.org/officeDocument/2006/relationships" xmlns:p="http://schemas.openxmlformats.org/presentationml/2006/main">
+  <p:cSld>
+    <p:spTree>
+      <p:nvGrpSpPr>
+        <p:cNvPr id="1" name=""/>
+        <p:cNvGrpSpPr/>
+        <p:nvPr/>
+      </p:nvGrpSpPr>
+      <p:grpSpPr>
+        <a:xfrm>
+          <a:off x="0" y="0"/>
+          <a:ext cx="0" cy="0"/>
+          <a:chOff x="0" y="0"/>
+          <a:chExt cx="0" cy="0"/>
+        </a:xfrm>
+      </p:grpSpPr>
+      <p:sp>
+        <p:nvSpPr>
+          <p:cNvPr id="3" name="TextBox 2">
+            <a:extLst>
+              <a:ext uri="{FF2B5EF4-FFF2-40B4-BE49-F238E27FC236}">
+                <a16:creationId xmlns:a16="http://schemas.microsoft.com/office/drawing/2014/main" id="{D957C641-0286-4C53-9378-90E22A96150C}"/>
+              </a:ext>
+            </a:extLst>
+          </p:cNvPr>
+          <p:cNvSpPr txBox="1"/>
+          <p:nvPr/>
+        </p:nvSpPr>
+        <p:spPr>
+          <a:xfrm>
+            <a:off x="4559300" y="3044279"/>
+            <a:ext cx="3073400" cy="769441"/>
+          </a:xfrm>
+          <a:prstGeom prst="rect">
+            <a:avLst/>
+          </a:prstGeom>
+          <a:noFill/>
+        </p:spPr>
+        <p:txBody>
+          <a:bodyPr wrap="square" rtlCol="0">
+            <a:spAutoFit/>
+          </a:bodyPr>
+          <a:lstStyle/>
+          <a:p>
+            <a:r>
+              <a:rPr lang="ko-KR" altLang="en-US" sz="4400" dirty="0">
+                <a:solidFill>
+                  <a:schemeClr val="accent1">
+                    <a:lumMod val="75000"/>
+                  </a:schemeClr>
+                </a:solidFill>
+              </a:rPr>
+              <a:t>감사합니다</a:t>
+            </a:r>
+          </a:p>
+        </p:txBody>
+      </p:sp>
+    </p:spTree>
+    <p:extLst>
+      <p:ext uri="{BB962C8B-B14F-4D97-AF65-F5344CB8AC3E}">
+        <p14:creationId xmlns:p14="http://schemas.microsoft.com/office/powerpoint/2010/main" val="1813274950"/>
+      </p:ext>
+    </p:extLst>
+  </p:cSld>
+  <p:clrMapOvr>
+    <a:masterClrMapping/>
+  </p:clrMapOvr>
+</p:sld>
+</file>
+
+<file path=ppt/slides/slide2.xml><?xml version="1.0" encoding="utf-8"?>
+<p:sld xmlns:a="http://schemas.openxmlformats.org/drawingml/2006/main" xmlns:r="http://schemas.openxmlformats.org/officeDocument/2006/relationships" xmlns:p="http://schemas.openxmlformats.org/presentationml/2006/main">
+  <p:cSld>
+    <p:spTree>
+      <p:nvGrpSpPr>
+        <p:cNvPr id="1" name=""/>
+        <p:cNvGrpSpPr/>
+        <p:nvPr/>
+      </p:nvGrpSpPr>
+      <p:grpSpPr>
+        <a:xfrm>
+          <a:off x="0" y="0"/>
+          <a:ext cx="0" cy="0"/>
+          <a:chOff x="0" y="0"/>
+          <a:chExt cx="0" cy="0"/>
+        </a:xfrm>
+      </p:grpSpPr>
       <p:sp>
         <p:nvSpPr>
           <p:cNvPr id="6" name="TextBox 5">
@@ -6495,25 +6989,194 @@
           <a:lstStyle/>
           <a:p>
             <a:r>
-              <a:rPr lang="ko-KR" altLang="en-US" sz="4400" dirty="0" err="1">
-                <a:solidFill>
-                  <a:srgbClr val="F5BC4B"/>
+              <a:rPr lang="ko-KR" altLang="en-US" sz="4400" dirty="0">
+                <a:solidFill>
+                  <a:schemeClr val="accent1">
+                    <a:lumMod val="75000"/>
+                  </a:schemeClr>
                 </a:solidFill>
               </a:rPr>
-              <a:t>게임컨셉</a:t>
-            </a:r>
-            <a:endParaRPr lang="ko-KR" altLang="en-US" sz="4400" dirty="0">
-              <a:solidFill>
-                <a:srgbClr val="F5BC4B"/>
-              </a:solidFill>
-            </a:endParaRPr>
+              <a:t>목차</a:t>
+            </a:r>
           </a:p>
         </p:txBody>
       </p:sp>
     </p:spTree>
     <p:extLst>
       <p:ext uri="{BB962C8B-B14F-4D97-AF65-F5344CB8AC3E}">
-        <p14:creationId xmlns:p14="http://schemas.microsoft.com/office/powerpoint/2010/main" val="3957995664"/>
+        <p14:creationId xmlns:p14="http://schemas.microsoft.com/office/powerpoint/2010/main" val="2091678307"/>
+      </p:ext>
+    </p:extLst>
+  </p:cSld>
+  <p:clrMapOvr>
+    <a:masterClrMapping/>
+  </p:clrMapOvr>
+</p:sld>
+</file>
+
+<file path=ppt/slides/slide3.xml><?xml version="1.0" encoding="utf-8"?>
+<p:sld xmlns:a="http://schemas.openxmlformats.org/drawingml/2006/main" xmlns:r="http://schemas.openxmlformats.org/officeDocument/2006/relationships" xmlns:p="http://schemas.openxmlformats.org/presentationml/2006/main">
+  <p:cSld>
+    <p:spTree>
+      <p:nvGrpSpPr>
+        <p:cNvPr id="1" name=""/>
+        <p:cNvGrpSpPr/>
+        <p:nvPr/>
+      </p:nvGrpSpPr>
+      <p:grpSpPr>
+        <a:xfrm>
+          <a:off x="0" y="0"/>
+          <a:ext cx="0" cy="0"/>
+          <a:chOff x="0" y="0"/>
+          <a:chExt cx="0" cy="0"/>
+        </a:xfrm>
+      </p:grpSpPr>
+      <p:sp>
+        <p:nvSpPr>
+          <p:cNvPr id="6" name="TextBox 5">
+            <a:extLst>
+              <a:ext uri="{FF2B5EF4-FFF2-40B4-BE49-F238E27FC236}">
+                <a16:creationId xmlns:a16="http://schemas.microsoft.com/office/drawing/2014/main" id="{4F5F6214-4ED6-440C-8488-40370266643C}"/>
+              </a:ext>
+            </a:extLst>
+          </p:cNvPr>
+          <p:cNvSpPr txBox="1"/>
+          <p:nvPr/>
+        </p:nvSpPr>
+        <p:spPr>
+          <a:xfrm>
+            <a:off x="482600" y="381000"/>
+            <a:ext cx="4610100" cy="769441"/>
+          </a:xfrm>
+          <a:prstGeom prst="rect">
+            <a:avLst/>
+          </a:prstGeom>
+          <a:noFill/>
+        </p:spPr>
+        <p:txBody>
+          <a:bodyPr wrap="square" rtlCol="0">
+            <a:spAutoFit/>
+          </a:bodyPr>
+          <a:lstStyle/>
+          <a:p>
+            <a:r>
+              <a:rPr lang="ko-KR" altLang="en-US" sz="4400">
+                <a:solidFill>
+                  <a:schemeClr val="accent1">
+                    <a:lumMod val="75000"/>
+                  </a:schemeClr>
+                </a:solidFill>
+              </a:rPr>
+              <a:t>연구목적</a:t>
+            </a:r>
+            <a:endParaRPr lang="ko-KR" altLang="en-US" sz="4400" dirty="0">
+              <a:solidFill>
+                <a:schemeClr val="accent1">
+                  <a:lumMod val="75000"/>
+                </a:schemeClr>
+              </a:solidFill>
+            </a:endParaRPr>
+          </a:p>
+        </p:txBody>
+      </p:sp>
+      <p:sp>
+        <p:nvSpPr>
+          <p:cNvPr id="2" name="TextBox 1">
+            <a:extLst>
+              <a:ext uri="{FF2B5EF4-FFF2-40B4-BE49-F238E27FC236}">
+                <a16:creationId xmlns:a16="http://schemas.microsoft.com/office/drawing/2014/main" id="{CCA50935-4D93-4F33-8E52-6B10303CCC69}"/>
+              </a:ext>
+            </a:extLst>
+          </p:cNvPr>
+          <p:cNvSpPr txBox="1"/>
+          <p:nvPr/>
+        </p:nvSpPr>
+        <p:spPr>
+          <a:xfrm>
+            <a:off x="1085850" y="2090172"/>
+            <a:ext cx="10020300" cy="2677656"/>
+          </a:xfrm>
+          <a:prstGeom prst="rect">
+            <a:avLst/>
+          </a:prstGeom>
+          <a:noFill/>
+        </p:spPr>
+        <p:txBody>
+          <a:bodyPr wrap="square" rtlCol="0">
+            <a:spAutoFit/>
+          </a:bodyPr>
+          <a:lstStyle/>
+          <a:p>
+            <a:r>
+              <a:rPr lang="en-US" altLang="ko-KR" sz="2400" dirty="0"/>
+              <a:t>Direct X 12</a:t>
+            </a:r>
+            <a:r>
+              <a:rPr lang="ko-KR" altLang="en-US" sz="2400" dirty="0"/>
+              <a:t>로 개발하는 </a:t>
+            </a:r>
+            <a:r>
+              <a:rPr lang="en-US" altLang="ko-KR" sz="2400" dirty="0"/>
+              <a:t>3D 1,3</a:t>
+            </a:r>
+            <a:r>
+              <a:rPr lang="ko-KR" altLang="en-US" sz="2400" dirty="0"/>
+              <a:t>인칭 어드벤처 퍼즐 구현</a:t>
+            </a:r>
+            <a:endParaRPr lang="en-US" altLang="ko-KR" sz="2400" dirty="0"/>
+          </a:p>
+          <a:p>
+            <a:endParaRPr lang="en-US" altLang="ko-KR" sz="2400" dirty="0"/>
+          </a:p>
+          <a:p>
+            <a:r>
+              <a:rPr lang="ko-KR" altLang="en-US" sz="2400" dirty="0"/>
+              <a:t>큐브 스테이지를 저장해서 불러 올 수 있는 로드시스템 구현</a:t>
+            </a:r>
+            <a:endParaRPr lang="en-US" altLang="ko-KR" sz="2400" dirty="0"/>
+          </a:p>
+          <a:p>
+            <a:endParaRPr lang="en-US" altLang="ko-KR" sz="2400" dirty="0"/>
+          </a:p>
+          <a:p>
+            <a:r>
+              <a:rPr lang="ko-KR" altLang="en-US" sz="2400" dirty="0"/>
+              <a:t>팀 프로젝트를 통한 협업능력과 분할 작업능력 배양</a:t>
+            </a:r>
+            <a:endParaRPr lang="en-US" altLang="ko-KR" sz="2400" dirty="0"/>
+          </a:p>
+          <a:p>
+            <a:endParaRPr lang="en-US" altLang="ko-KR" sz="2400" dirty="0"/>
+          </a:p>
+          <a:p>
+            <a:r>
+              <a:rPr lang="ko-KR" altLang="en-US" sz="2400" dirty="0"/>
+              <a:t>협동심을 </a:t>
+            </a:r>
+            <a:r>
+              <a:rPr lang="ko-KR" altLang="en-US" sz="2400" dirty="0" err="1"/>
+              <a:t>필요로하는</a:t>
+            </a:r>
+            <a:r>
+              <a:rPr lang="ko-KR" altLang="en-US" sz="2400" dirty="0"/>
+              <a:t> </a:t>
+            </a:r>
+            <a:r>
+              <a:rPr lang="en-US" altLang="ko-KR" sz="2400" dirty="0"/>
+              <a:t>2</a:t>
+            </a:r>
+            <a:r>
+              <a:rPr lang="ko-KR" altLang="en-US" sz="2400" dirty="0"/>
+              <a:t>인 게임을 제작</a:t>
+            </a:r>
+            <a:endParaRPr lang="en-US" altLang="ko-KR" sz="2400" dirty="0"/>
+          </a:p>
+        </p:txBody>
+      </p:sp>
+    </p:spTree>
+    <p:extLst>
+      <p:ext uri="{BB962C8B-B14F-4D97-AF65-F5344CB8AC3E}">
+        <p14:creationId xmlns:p14="http://schemas.microsoft.com/office/powerpoint/2010/main" val="1305830897"/>
       </p:ext>
     </p:extLst>
   </p:cSld>
@@ -6555,6 +7218,159 @@
         <p:spPr>
           <a:xfrm>
             <a:off x="482600" y="381000"/>
+            <a:ext cx="5240106" cy="769441"/>
+          </a:xfrm>
+          <a:prstGeom prst="rect">
+            <a:avLst/>
+          </a:prstGeom>
+          <a:noFill/>
+        </p:spPr>
+        <p:txBody>
+          <a:bodyPr wrap="square" rtlCol="0">
+            <a:spAutoFit/>
+          </a:bodyPr>
+          <a:lstStyle/>
+          <a:p>
+            <a:r>
+              <a:rPr lang="ko-KR" altLang="en-US" sz="4400">
+                <a:solidFill>
+                  <a:schemeClr val="accent1">
+                    <a:lumMod val="75000"/>
+                  </a:schemeClr>
+                </a:solidFill>
+              </a:rPr>
+              <a:t>타게임과의 차별성</a:t>
+            </a:r>
+            <a:endParaRPr lang="ko-KR" altLang="en-US" sz="4400" dirty="0">
+              <a:solidFill>
+                <a:schemeClr val="accent1">
+                  <a:lumMod val="75000"/>
+                </a:schemeClr>
+              </a:solidFill>
+            </a:endParaRPr>
+          </a:p>
+        </p:txBody>
+      </p:sp>
+      <p:sp>
+        <p:nvSpPr>
+          <p:cNvPr id="2" name="TextBox 1">
+            <a:extLst>
+              <a:ext uri="{FF2B5EF4-FFF2-40B4-BE49-F238E27FC236}">
+                <a16:creationId xmlns:a16="http://schemas.microsoft.com/office/drawing/2014/main" id="{7732E46B-654D-43D2-A8CD-898973E1F01B}"/>
+              </a:ext>
+            </a:extLst>
+          </p:cNvPr>
+          <p:cNvSpPr txBox="1"/>
+          <p:nvPr/>
+        </p:nvSpPr>
+        <p:spPr>
+          <a:xfrm>
+            <a:off x="812800" y="1612900"/>
+            <a:ext cx="7137400" cy="2308324"/>
+          </a:xfrm>
+          <a:prstGeom prst="rect">
+            <a:avLst/>
+          </a:prstGeom>
+          <a:noFill/>
+        </p:spPr>
+        <p:txBody>
+          <a:bodyPr wrap="square" rtlCol="0">
+            <a:spAutoFit/>
+          </a:bodyPr>
+          <a:lstStyle/>
+          <a:p>
+            <a:r>
+              <a:rPr lang="ko-KR" altLang="en-US" dirty="0"/>
+              <a:t>그래픽 담당 부재</a:t>
+            </a:r>
+            <a:r>
+              <a:rPr lang="en-US" altLang="ko-KR" dirty="0"/>
+              <a:t>…</a:t>
+            </a:r>
+          </a:p>
+          <a:p>
+            <a:endParaRPr lang="en-US" altLang="ko-KR" dirty="0"/>
+          </a:p>
+          <a:p>
+            <a:r>
+              <a:rPr lang="ko-KR" altLang="en-US" dirty="0"/>
+              <a:t>게임 </a:t>
+            </a:r>
+            <a:r>
+              <a:rPr lang="ko-KR" altLang="en-US" dirty="0" err="1"/>
+              <a:t>타임어택</a:t>
+            </a:r>
+            <a:endParaRPr lang="en-US" altLang="ko-KR" dirty="0"/>
+          </a:p>
+          <a:p>
+            <a:endParaRPr lang="en-US" altLang="ko-KR" dirty="0"/>
+          </a:p>
+          <a:p>
+            <a:r>
+              <a:rPr lang="ko-KR" altLang="en-US" dirty="0"/>
+              <a:t>캐릭터의 특징을 살리기 위한 자석요소 추가</a:t>
+            </a:r>
+            <a:r>
+              <a:rPr lang="en-US" altLang="ko-KR" dirty="0"/>
+              <a:t>.</a:t>
+            </a:r>
+          </a:p>
+          <a:p>
+            <a:endParaRPr lang="en-US" altLang="ko-KR" dirty="0"/>
+          </a:p>
+          <a:p>
+            <a:endParaRPr lang="en-US" altLang="ko-KR" dirty="0"/>
+          </a:p>
+          <a:p>
+            <a:endParaRPr lang="ko-KR" altLang="en-US" dirty="0"/>
+          </a:p>
+        </p:txBody>
+      </p:sp>
+    </p:spTree>
+    <p:extLst>
+      <p:ext uri="{BB962C8B-B14F-4D97-AF65-F5344CB8AC3E}">
+        <p14:creationId xmlns:p14="http://schemas.microsoft.com/office/powerpoint/2010/main" val="1647177349"/>
+      </p:ext>
+    </p:extLst>
+  </p:cSld>
+  <p:clrMapOvr>
+    <a:masterClrMapping/>
+  </p:clrMapOvr>
+</p:sld>
+</file>
+
+<file path=ppt/slides/slide5.xml><?xml version="1.0" encoding="utf-8"?>
+<p:sld xmlns:a="http://schemas.openxmlformats.org/drawingml/2006/main" xmlns:r="http://schemas.openxmlformats.org/officeDocument/2006/relationships" xmlns:p="http://schemas.openxmlformats.org/presentationml/2006/main">
+  <p:cSld>
+    <p:spTree>
+      <p:nvGrpSpPr>
+        <p:cNvPr id="1" name=""/>
+        <p:cNvGrpSpPr/>
+        <p:nvPr/>
+      </p:nvGrpSpPr>
+      <p:grpSpPr>
+        <a:xfrm>
+          <a:off x="0" y="0"/>
+          <a:ext cx="0" cy="0"/>
+          <a:chOff x="0" y="0"/>
+          <a:chExt cx="0" cy="0"/>
+        </a:xfrm>
+      </p:grpSpPr>
+      <p:sp>
+        <p:nvSpPr>
+          <p:cNvPr id="6" name="TextBox 5">
+            <a:extLst>
+              <a:ext uri="{FF2B5EF4-FFF2-40B4-BE49-F238E27FC236}">
+                <a16:creationId xmlns:a16="http://schemas.microsoft.com/office/drawing/2014/main" id="{4F5F6214-4ED6-440C-8488-40370266643C}"/>
+              </a:ext>
+            </a:extLst>
+          </p:cNvPr>
+          <p:cNvSpPr txBox="1"/>
+          <p:nvPr/>
+        </p:nvSpPr>
+        <p:spPr>
+          <a:xfrm>
+            <a:off x="482600" y="381000"/>
             <a:ext cx="4610100" cy="769441"/>
           </a:xfrm>
           <a:prstGeom prst="rect">
@@ -6571,134 +7387,22 @@
             <a:r>
               <a:rPr lang="ko-KR" altLang="en-US" sz="4400" dirty="0">
                 <a:solidFill>
-                  <a:srgbClr val="F5BC4B"/>
+                  <a:schemeClr val="accent1">
+                    <a:lumMod val="75000"/>
+                  </a:schemeClr>
                 </a:solidFill>
               </a:rPr>
-              <a:t>게임방법</a:t>
-            </a:r>
-          </a:p>
-        </p:txBody>
-      </p:sp>
-      <p:pic>
-        <p:nvPicPr>
-          <p:cNvPr id="1030" name="Picture 6" descr="마우스 아이콘에 대한 이미지 검색결과">
+              <a:t>게임소개</a:t>
+            </a:r>
+          </a:p>
+        </p:txBody>
+      </p:sp>
+      <p:sp>
+        <p:nvSpPr>
+          <p:cNvPr id="7" name="TextBox 6">
             <a:extLst>
               <a:ext uri="{FF2B5EF4-FFF2-40B4-BE49-F238E27FC236}">
-                <a16:creationId xmlns:a16="http://schemas.microsoft.com/office/drawing/2014/main" id="{30DDA00C-5D7D-4E2F-ABEA-2B1094D7C311}"/>
-              </a:ext>
-            </a:extLst>
-          </p:cNvPr>
-          <p:cNvPicPr>
-            <a:picLocks noChangeAspect="1" noChangeArrowheads="1"/>
-          </p:cNvPicPr>
-          <p:nvPr/>
-        </p:nvPicPr>
-        <p:blipFill>
-          <a:blip r:embed="rId2">
-            <a:lum bright="70000" contrast="-70000"/>
-            <a:extLst>
-              <a:ext uri="{28A0092B-C50C-407E-A947-70E740481C1C}">
-                <a14:useLocalDpi xmlns:a14="http://schemas.microsoft.com/office/drawing/2010/main" val="0"/>
-              </a:ext>
-            </a:extLst>
-          </a:blip>
-          <a:srcRect/>
-          <a:stretch>
-            <a:fillRect/>
-          </a:stretch>
-        </p:blipFill>
-        <p:spPr bwMode="auto">
-          <a:xfrm>
-            <a:off x="8773897" y="1988662"/>
-            <a:ext cx="2036127" cy="2036127"/>
-          </a:xfrm>
-          <a:prstGeom prst="roundRect">
-            <a:avLst>
-              <a:gd name="adj" fmla="val 16667"/>
-            </a:avLst>
-          </a:prstGeom>
-          <a:ln>
-            <a:noFill/>
-          </a:ln>
-          <a:effectLst>
-            <a:outerShdw blurRad="76200" dist="38100" dir="7800000" algn="tl" rotWithShape="0">
-              <a:srgbClr val="000000">
-                <a:alpha val="40000"/>
-              </a:srgbClr>
-            </a:outerShdw>
-          </a:effectLst>
-          <a:scene3d>
-            <a:camera prst="orthographicFront"/>
-            <a:lightRig rig="contrasting" dir="t">
-              <a:rot lat="0" lon="0" rev="4200000"/>
-            </a:lightRig>
-          </a:scene3d>
-          <a:sp3d prstMaterial="plastic">
-            <a:bevelT w="381000" h="114300" prst="relaxedInset"/>
-            <a:contourClr>
-              <a:srgbClr val="969696"/>
-            </a:contourClr>
-          </a:sp3d>
-        </p:spPr>
-      </p:pic>
-      <p:sp>
-        <p:nvSpPr>
-          <p:cNvPr id="3" name="화살표: 왼쪽/오른쪽 2">
-            <a:extLst>
-              <a:ext uri="{FF2B5EF4-FFF2-40B4-BE49-F238E27FC236}">
-                <a16:creationId xmlns:a16="http://schemas.microsoft.com/office/drawing/2014/main" id="{11F7586E-3764-46C4-B606-6968C6779F25}"/>
-              </a:ext>
-            </a:extLst>
-          </p:cNvPr>
-          <p:cNvSpPr/>
-          <p:nvPr/>
-        </p:nvSpPr>
-        <p:spPr>
-          <a:xfrm>
-            <a:off x="8731529" y="4126627"/>
-            <a:ext cx="2164080" cy="802640"/>
-          </a:xfrm>
-          <a:prstGeom prst="leftRightArrow">
-            <a:avLst/>
-          </a:prstGeom>
-          <a:solidFill>
-            <a:schemeClr val="tx1"/>
-          </a:solidFill>
-          <a:ln>
-            <a:noFill/>
-          </a:ln>
-        </p:spPr>
-        <p:style>
-          <a:lnRef idx="2">
-            <a:schemeClr val="accent1">
-              <a:shade val="50000"/>
-            </a:schemeClr>
-          </a:lnRef>
-          <a:fillRef idx="1">
-            <a:schemeClr val="accent1"/>
-          </a:fillRef>
-          <a:effectRef idx="0">
-            <a:schemeClr val="accent1"/>
-          </a:effectRef>
-          <a:fontRef idx="minor">
-            <a:schemeClr val="lt1"/>
-          </a:fontRef>
-        </p:style>
-        <p:txBody>
-          <a:bodyPr rtlCol="0" anchor="ctr"/>
-          <a:lstStyle/>
-          <a:p>
-            <a:pPr algn="ctr"/>
-            <a:endParaRPr lang="ko-KR" altLang="en-US" dirty="0"/>
-          </a:p>
-        </p:txBody>
-      </p:sp>
-      <p:sp>
-        <p:nvSpPr>
-          <p:cNvPr id="4" name="TextBox 3">
-            <a:extLst>
-              <a:ext uri="{FF2B5EF4-FFF2-40B4-BE49-F238E27FC236}">
-                <a16:creationId xmlns:a16="http://schemas.microsoft.com/office/drawing/2014/main" id="{099560C7-402E-4F23-B9AC-5EAE68192AF4}"/>
+                <a16:creationId xmlns:a16="http://schemas.microsoft.com/office/drawing/2014/main" id="{9FAFA7CE-C7C5-4420-ACBD-A8440538B18F}"/>
               </a:ext>
             </a:extLst>
           </p:cNvPr>
@@ -6707,8 +7411,8 @@
         </p:nvSpPr>
         <p:spPr>
           <a:xfrm>
-            <a:off x="8828824" y="4360069"/>
-            <a:ext cx="1981200" cy="369332"/>
+            <a:off x="680224" y="1984917"/>
+            <a:ext cx="10760927" cy="3970318"/>
           </a:xfrm>
           <a:prstGeom prst="rect">
             <a:avLst/>
@@ -6722,69 +7426,188 @@
           <a:lstStyle/>
           <a:p>
             <a:r>
-              <a:rPr lang="ko-KR" altLang="en-US" dirty="0">
-                <a:solidFill>
-                  <a:schemeClr val="bg1"/>
-                </a:solidFill>
-              </a:rPr>
-              <a:t>카메라 시점변환</a:t>
-            </a:r>
-          </a:p>
-        </p:txBody>
-      </p:sp>
-      <p:pic>
-        <p:nvPicPr>
-          <p:cNvPr id="1032" name="Picture 8" descr="키보드 아이콘에 대한 이미지 검색결과">
+              <a:rPr lang="ko-KR" altLang="en-US" sz="2800" dirty="0"/>
+              <a:t>시점  </a:t>
+            </a:r>
+            <a:r>
+              <a:rPr lang="en-US" altLang="ko-KR" sz="2800" dirty="0"/>
+              <a:t>–  3</a:t>
+            </a:r>
+            <a:r>
+              <a:rPr lang="ko-KR" altLang="en-US" sz="2800" dirty="0"/>
+              <a:t>인칭 시점</a:t>
+            </a:r>
+            <a:endParaRPr lang="en-US" altLang="ko-KR" sz="2800" dirty="0"/>
+          </a:p>
+          <a:p>
+            <a:br>
+              <a:rPr lang="en-US" altLang="ko-KR" sz="2800" dirty="0"/>
+            </a:br>
+            <a:r>
+              <a:rPr lang="ko-KR" altLang="en-US" sz="2800" dirty="0"/>
+              <a:t>게임장르 </a:t>
+            </a:r>
+            <a:r>
+              <a:rPr lang="en-US" altLang="ko-KR" sz="2800" dirty="0"/>
+              <a:t>– </a:t>
+            </a:r>
+            <a:r>
+              <a:rPr lang="ko-KR" altLang="en-US" sz="2800" dirty="0"/>
+              <a:t>어드벤처 퍼즐</a:t>
+            </a:r>
+            <a:endParaRPr lang="en-US" altLang="ko-KR" sz="2800" dirty="0"/>
+          </a:p>
+          <a:p>
+            <a:br>
+              <a:rPr lang="en-US" altLang="ko-KR" sz="2800" dirty="0"/>
+            </a:br>
+            <a:r>
+              <a:rPr lang="ko-KR" altLang="en-US" sz="2800" dirty="0"/>
+              <a:t>플랫폼 </a:t>
+            </a:r>
+            <a:r>
+              <a:rPr lang="en-US" altLang="ko-KR" sz="2800" dirty="0"/>
+              <a:t>– Window OS PC</a:t>
+            </a:r>
+          </a:p>
+          <a:p>
+            <a:br>
+              <a:rPr lang="en-US" altLang="ko-KR" sz="2800" dirty="0"/>
+            </a:br>
+            <a:r>
+              <a:rPr lang="ko-KR" altLang="en-US" sz="2800" dirty="0"/>
+              <a:t>스토리 </a:t>
+            </a:r>
+            <a:r>
+              <a:rPr lang="en-US" altLang="ko-KR" sz="2800" dirty="0"/>
+              <a:t>– </a:t>
+            </a:r>
+            <a:r>
+              <a:rPr lang="ko-KR" altLang="en-US" sz="2800" dirty="0"/>
+              <a:t>개발되는 </a:t>
+            </a:r>
+            <a:r>
+              <a:rPr lang="en-US" altLang="ko-KR" sz="2800" dirty="0"/>
+              <a:t>AI </a:t>
+            </a:r>
+            <a:r>
+              <a:rPr lang="ko-KR" altLang="en-US" sz="2800" dirty="0"/>
+              <a:t>로봇을 소재로 </a:t>
+            </a:r>
+            <a:r>
+              <a:rPr lang="ko-KR" altLang="en-US" sz="2800" dirty="0" err="1"/>
+              <a:t>큐브안에</a:t>
+            </a:r>
+            <a:r>
+              <a:rPr lang="ko-KR" altLang="en-US" sz="2800" dirty="0"/>
+              <a:t> 갇힌 이유를 </a:t>
+            </a:r>
+            <a:r>
+              <a:rPr lang="en-US" altLang="ko-KR" sz="2800" dirty="0"/>
+              <a:t>		</a:t>
+            </a:r>
+          </a:p>
+          <a:p>
+            <a:r>
+              <a:rPr lang="en-US" altLang="ko-KR" sz="2800" dirty="0"/>
+              <a:t>			 </a:t>
+            </a:r>
+            <a:r>
+              <a:rPr lang="ko-KR" altLang="en-US" sz="2800" dirty="0"/>
+              <a:t>풀어가는</a:t>
+            </a:r>
+            <a:r>
+              <a:rPr lang="en-US" altLang="ko-KR" sz="2800" dirty="0"/>
+              <a:t>2</a:t>
+            </a:r>
+            <a:r>
+              <a:rPr lang="ko-KR" altLang="en-US" sz="2800" dirty="0"/>
+              <a:t>인용게임</a:t>
+            </a:r>
+            <a:endParaRPr lang="en-US" altLang="ko-KR" sz="2800" dirty="0"/>
+          </a:p>
+          <a:p>
+            <a:endParaRPr lang="ko-KR" altLang="en-US" sz="2800" dirty="0"/>
+          </a:p>
+        </p:txBody>
+      </p:sp>
+    </p:spTree>
+    <p:extLst>
+      <p:ext uri="{BB962C8B-B14F-4D97-AF65-F5344CB8AC3E}">
+        <p14:creationId xmlns:p14="http://schemas.microsoft.com/office/powerpoint/2010/main" val="4172613643"/>
+      </p:ext>
+    </p:extLst>
+  </p:cSld>
+  <p:clrMapOvr>
+    <a:masterClrMapping/>
+  </p:clrMapOvr>
+</p:sld>
+</file>
+
+<file path=ppt/slides/slide6.xml><?xml version="1.0" encoding="utf-8"?>
+<p:sld xmlns:a="http://schemas.openxmlformats.org/drawingml/2006/main" xmlns:r="http://schemas.openxmlformats.org/officeDocument/2006/relationships" xmlns:p="http://schemas.openxmlformats.org/presentationml/2006/main">
+  <p:cSld>
+    <p:spTree>
+      <p:nvGrpSpPr>
+        <p:cNvPr id="1" name=""/>
+        <p:cNvGrpSpPr/>
+        <p:nvPr/>
+      </p:nvGrpSpPr>
+      <p:grpSpPr>
+        <a:xfrm>
+          <a:off x="0" y="0"/>
+          <a:ext cx="0" cy="0"/>
+          <a:chOff x="0" y="0"/>
+          <a:chExt cx="0" cy="0"/>
+        </a:xfrm>
+      </p:grpSpPr>
+      <p:sp>
+        <p:nvSpPr>
+          <p:cNvPr id="6" name="TextBox 5">
             <a:extLst>
               <a:ext uri="{FF2B5EF4-FFF2-40B4-BE49-F238E27FC236}">
-                <a16:creationId xmlns:a16="http://schemas.microsoft.com/office/drawing/2014/main" id="{5A62BE26-BC89-456F-B2A1-CCB5C674E764}"/>
+                <a16:creationId xmlns:a16="http://schemas.microsoft.com/office/drawing/2014/main" id="{4F5F6214-4ED6-440C-8488-40370266643C}"/>
               </a:ext>
             </a:extLst>
           </p:cNvPr>
-          <p:cNvPicPr>
-            <a:picLocks noChangeAspect="1" noChangeArrowheads="1"/>
-          </p:cNvPicPr>
+          <p:cNvSpPr txBox="1"/>
           <p:nvPr/>
-        </p:nvPicPr>
-        <p:blipFill>
-          <a:blip r:embed="rId3">
-            <a:extLst>
-              <a:ext uri="{28A0092B-C50C-407E-A947-70E740481C1C}">
-                <a14:useLocalDpi xmlns:a14="http://schemas.microsoft.com/office/drawing/2010/main" val="0"/>
-              </a:ext>
-            </a:extLst>
-          </a:blip>
-          <a:srcRect/>
-          <a:stretch>
-            <a:fillRect/>
-          </a:stretch>
-        </p:blipFill>
-        <p:spPr bwMode="auto">
+        </p:nvSpPr>
+        <p:spPr>
           <a:xfrm>
-            <a:off x="482600" y="2066087"/>
-            <a:ext cx="7882536" cy="2822659"/>
+            <a:off x="482600" y="381000"/>
+            <a:ext cx="4610100" cy="769441"/>
           </a:xfrm>
           <a:prstGeom prst="rect">
             <a:avLst/>
           </a:prstGeom>
           <a:noFill/>
-          <a:extLst>
-            <a:ext uri="{909E8E84-426E-40DD-AFC4-6F175D3DCCD1}">
-              <a14:hiddenFill xmlns:a14="http://schemas.microsoft.com/office/drawing/2010/main">
-                <a:solidFill>
-                  <a:srgbClr val="FFFFFF"/>
-                </a:solidFill>
-              </a14:hiddenFill>
-            </a:ext>
-          </a:extLst>
         </p:spPr>
-      </p:pic>
-      <p:sp>
-        <p:nvSpPr>
-          <p:cNvPr id="7" name="직사각형 6">
+        <p:txBody>
+          <a:bodyPr wrap="square" rtlCol="0">
+            <a:spAutoFit/>
+          </a:bodyPr>
+          <a:lstStyle/>
+          <a:p>
+            <a:r>
+              <a:rPr lang="ko-KR" altLang="en-US" sz="4400" dirty="0">
+                <a:solidFill>
+                  <a:schemeClr val="accent1">
+                    <a:lumMod val="75000"/>
+                  </a:schemeClr>
+                </a:solidFill>
+              </a:rPr>
+              <a:t>조작방법</a:t>
+            </a:r>
+          </a:p>
+        </p:txBody>
+      </p:sp>
+      <p:sp>
+        <p:nvSpPr>
+          <p:cNvPr id="2" name="직사각형 1">
             <a:extLst>
               <a:ext uri="{FF2B5EF4-FFF2-40B4-BE49-F238E27FC236}">
-                <a16:creationId xmlns:a16="http://schemas.microsoft.com/office/drawing/2014/main" id="{C7B79BB1-049D-429A-A62C-5998C6FD673E}"/>
+                <a16:creationId xmlns:a16="http://schemas.microsoft.com/office/drawing/2014/main" id="{EEF839AF-7218-4F6B-93E9-E9AC1CC75A16}"/>
               </a:ext>
             </a:extLst>
           </p:cNvPr>
@@ -6793,8 +7616,8 @@
         </p:nvSpPr>
         <p:spPr>
           <a:xfrm>
-            <a:off x="1576706" y="3426659"/>
-            <a:ext cx="243840" cy="243840"/>
+            <a:off x="1397000" y="1943100"/>
+            <a:ext cx="3835400" cy="3162300"/>
           </a:xfrm>
           <a:prstGeom prst="rect">
             <a:avLst/>
@@ -6822,27 +7645,18 @@
           <a:p>
             <a:pPr algn="ctr"/>
             <a:r>
-              <a:rPr lang="en-US" altLang="ko-KR" b="1" dirty="0">
-                <a:solidFill>
-                  <a:schemeClr val="bg1"/>
-                </a:solidFill>
-              </a:rPr>
-              <a:t>W</a:t>
-            </a:r>
-            <a:endParaRPr lang="ko-KR" altLang="en-US" b="1" dirty="0">
-              <a:solidFill>
-                <a:schemeClr val="bg1"/>
-              </a:solidFill>
-            </a:endParaRPr>
-          </a:p>
-        </p:txBody>
-      </p:sp>
-      <p:sp>
-        <p:nvSpPr>
-          <p:cNvPr id="12" name="직사각형 11">
+              <a:rPr lang="ko-KR" altLang="en-US" dirty="0"/>
+              <a:t>마우스 이미지</a:t>
+            </a:r>
+          </a:p>
+        </p:txBody>
+      </p:sp>
+      <p:sp>
+        <p:nvSpPr>
+          <p:cNvPr id="8" name="직사각형 7">
             <a:extLst>
               <a:ext uri="{FF2B5EF4-FFF2-40B4-BE49-F238E27FC236}">
-                <a16:creationId xmlns:a16="http://schemas.microsoft.com/office/drawing/2014/main" id="{7DDE0D7C-D1F3-448C-BDE4-EFC50BE99979}"/>
+                <a16:creationId xmlns:a16="http://schemas.microsoft.com/office/drawing/2014/main" id="{7A3C0CA8-6DB7-4672-AFFA-B0BE07451F04}"/>
               </a:ext>
             </a:extLst>
           </p:cNvPr>
@@ -6851,8 +7665,8 @@
         </p:nvSpPr>
         <p:spPr>
           <a:xfrm>
-            <a:off x="1314452" y="3715028"/>
-            <a:ext cx="243840" cy="269240"/>
+            <a:off x="7112000" y="1943100"/>
+            <a:ext cx="3835400" cy="3162300"/>
           </a:xfrm>
           <a:prstGeom prst="rect">
             <a:avLst/>
@@ -6880,143 +7694,48 @@
           <a:p>
             <a:pPr algn="ctr"/>
             <a:r>
-              <a:rPr lang="en-US" altLang="ko-KR" b="1" dirty="0">
-                <a:solidFill>
-                  <a:schemeClr val="bg1"/>
-                </a:solidFill>
-              </a:rPr>
-              <a:t>A</a:t>
-            </a:r>
-            <a:endParaRPr lang="ko-KR" altLang="en-US" b="1" dirty="0">
-              <a:solidFill>
-                <a:schemeClr val="bg1"/>
-              </a:solidFill>
-            </a:endParaRPr>
-          </a:p>
-        </p:txBody>
-      </p:sp>
-      <p:sp>
-        <p:nvSpPr>
-          <p:cNvPr id="13" name="직사각형 12">
+              <a:rPr lang="ko-KR" altLang="en-US" dirty="0"/>
+              <a:t>키보드 이미지</a:t>
+            </a:r>
+          </a:p>
+        </p:txBody>
+      </p:sp>
+    </p:spTree>
+    <p:extLst>
+      <p:ext uri="{BB962C8B-B14F-4D97-AF65-F5344CB8AC3E}">
+        <p14:creationId xmlns:p14="http://schemas.microsoft.com/office/powerpoint/2010/main" val="226358864"/>
+      </p:ext>
+    </p:extLst>
+  </p:cSld>
+  <p:clrMapOvr>
+    <a:masterClrMapping/>
+  </p:clrMapOvr>
+</p:sld>
+</file>
+
+<file path=ppt/slides/slide7.xml><?xml version="1.0" encoding="utf-8"?>
+<p:sld xmlns:a="http://schemas.openxmlformats.org/drawingml/2006/main" xmlns:r="http://schemas.openxmlformats.org/officeDocument/2006/relationships" xmlns:p="http://schemas.openxmlformats.org/presentationml/2006/main">
+  <p:cSld>
+    <p:spTree>
+      <p:nvGrpSpPr>
+        <p:cNvPr id="1" name=""/>
+        <p:cNvGrpSpPr/>
+        <p:nvPr/>
+      </p:nvGrpSpPr>
+      <p:grpSpPr>
+        <a:xfrm>
+          <a:off x="0" y="0"/>
+          <a:ext cx="0" cy="0"/>
+          <a:chOff x="0" y="0"/>
+          <a:chExt cx="0" cy="0"/>
+        </a:xfrm>
+      </p:grpSpPr>
+      <p:sp>
+        <p:nvSpPr>
+          <p:cNvPr id="6" name="TextBox 5">
             <a:extLst>
               <a:ext uri="{FF2B5EF4-FFF2-40B4-BE49-F238E27FC236}">
-                <a16:creationId xmlns:a16="http://schemas.microsoft.com/office/drawing/2014/main" id="{F708A87E-6D10-4DE8-B685-FA1DCB406E33}"/>
-              </a:ext>
-            </a:extLst>
-          </p:cNvPr>
-          <p:cNvSpPr/>
-          <p:nvPr/>
-        </p:nvSpPr>
-        <p:spPr>
-          <a:xfrm>
-            <a:off x="1578471" y="3729335"/>
-            <a:ext cx="259257" cy="254933"/>
-          </a:xfrm>
-          <a:prstGeom prst="rect">
-            <a:avLst/>
-          </a:prstGeom>
-        </p:spPr>
-        <p:style>
-          <a:lnRef idx="2">
-            <a:schemeClr val="accent1">
-              <a:shade val="50000"/>
-            </a:schemeClr>
-          </a:lnRef>
-          <a:fillRef idx="1">
-            <a:schemeClr val="accent1"/>
-          </a:fillRef>
-          <a:effectRef idx="0">
-            <a:schemeClr val="accent1"/>
-          </a:effectRef>
-          <a:fontRef idx="minor">
-            <a:schemeClr val="lt1"/>
-          </a:fontRef>
-        </p:style>
-        <p:txBody>
-          <a:bodyPr rtlCol="0" anchor="ctr"/>
-          <a:lstStyle/>
-          <a:p>
-            <a:pPr algn="ctr"/>
-            <a:r>
-              <a:rPr lang="en-US" altLang="ko-KR" b="1" dirty="0">
-                <a:solidFill>
-                  <a:schemeClr val="bg1"/>
-                </a:solidFill>
-              </a:rPr>
-              <a:t>S</a:t>
-            </a:r>
-            <a:endParaRPr lang="ko-KR" altLang="en-US" b="1" dirty="0">
-              <a:solidFill>
-                <a:schemeClr val="bg1"/>
-              </a:solidFill>
-            </a:endParaRPr>
-          </a:p>
-        </p:txBody>
-      </p:sp>
-      <p:sp>
-        <p:nvSpPr>
-          <p:cNvPr id="14" name="직사각형 13">
-            <a:extLst>
-              <a:ext uri="{FF2B5EF4-FFF2-40B4-BE49-F238E27FC236}">
-                <a16:creationId xmlns:a16="http://schemas.microsoft.com/office/drawing/2014/main" id="{2C3F72A3-E103-4794-BB93-303E32565249}"/>
-              </a:ext>
-            </a:extLst>
-          </p:cNvPr>
-          <p:cNvSpPr/>
-          <p:nvPr/>
-        </p:nvSpPr>
-        <p:spPr>
-          <a:xfrm>
-            <a:off x="1896464" y="3729335"/>
-            <a:ext cx="261975" cy="269240"/>
-          </a:xfrm>
-          <a:prstGeom prst="rect">
-            <a:avLst/>
-          </a:prstGeom>
-        </p:spPr>
-        <p:style>
-          <a:lnRef idx="2">
-            <a:schemeClr val="accent1">
-              <a:shade val="50000"/>
-            </a:schemeClr>
-          </a:lnRef>
-          <a:fillRef idx="1">
-            <a:schemeClr val="accent1"/>
-          </a:fillRef>
-          <a:effectRef idx="0">
-            <a:schemeClr val="accent1"/>
-          </a:effectRef>
-          <a:fontRef idx="minor">
-            <a:schemeClr val="lt1"/>
-          </a:fontRef>
-        </p:style>
-        <p:txBody>
-          <a:bodyPr rtlCol="0" anchor="ctr"/>
-          <a:lstStyle/>
-          <a:p>
-            <a:pPr algn="ctr"/>
-            <a:r>
-              <a:rPr lang="en-US" altLang="ko-KR" b="1" dirty="0">
-                <a:solidFill>
-                  <a:schemeClr val="bg1"/>
-                </a:solidFill>
-              </a:rPr>
-              <a:t>D</a:t>
-            </a:r>
-            <a:endParaRPr lang="ko-KR" altLang="en-US" b="1" dirty="0">
-              <a:solidFill>
-                <a:schemeClr val="bg1"/>
-              </a:solidFill>
-            </a:endParaRPr>
-          </a:p>
-        </p:txBody>
-      </p:sp>
-      <p:sp>
-        <p:nvSpPr>
-          <p:cNvPr id="8" name="TextBox 7">
-            <a:extLst>
-              <a:ext uri="{FF2B5EF4-FFF2-40B4-BE49-F238E27FC236}">
-                <a16:creationId xmlns:a16="http://schemas.microsoft.com/office/drawing/2014/main" id="{6DF2B076-19A0-4B22-A931-18EAC562D548}"/>
+                <a16:creationId xmlns:a16="http://schemas.microsoft.com/office/drawing/2014/main" id="{4F5F6214-4ED6-440C-8488-40370266643C}"/>
               </a:ext>
             </a:extLst>
           </p:cNvPr>
@@ -7025,8 +7744,8 @@
         </p:nvSpPr>
         <p:spPr>
           <a:xfrm>
-            <a:off x="904875" y="5124450"/>
-            <a:ext cx="5191125" cy="1200329"/>
+            <a:off x="482600" y="381000"/>
+            <a:ext cx="5283200" cy="769441"/>
           </a:xfrm>
           <a:prstGeom prst="rect">
             <a:avLst/>
@@ -7040,63 +7759,366 @@
           <a:lstStyle/>
           <a:p>
             <a:r>
-              <a:rPr lang="en-US" altLang="ko-KR" dirty="0"/>
-              <a:t>W/w  - </a:t>
-            </a:r>
-            <a:r>
-              <a:rPr lang="ko-KR" altLang="en-US" dirty="0"/>
-              <a:t>캐릭터가 앞으로 움직인다</a:t>
-            </a:r>
-            <a:r>
-              <a:rPr lang="en-US" altLang="ko-KR" dirty="0"/>
-              <a:t>.</a:t>
-            </a:r>
-          </a:p>
-          <a:p>
-            <a:r>
-              <a:rPr lang="en-US" altLang="ko-KR" dirty="0"/>
-              <a:t>A/a   - </a:t>
-            </a:r>
-            <a:r>
-              <a:rPr lang="ko-KR" altLang="en-US" dirty="0"/>
-              <a:t>캐릭터가 왼쪽으로 움직인다</a:t>
-            </a:r>
-          </a:p>
-          <a:p>
-            <a:r>
-              <a:rPr lang="en-US" altLang="ko-KR" dirty="0"/>
-              <a:t>S/s     - </a:t>
-            </a:r>
-            <a:r>
-              <a:rPr lang="ko-KR" altLang="en-US" dirty="0"/>
-              <a:t>캐릭터가 뒤로 움직인다</a:t>
-            </a:r>
-            <a:r>
-              <a:rPr lang="en-US" altLang="ko-KR" dirty="0"/>
-              <a:t>.</a:t>
-            </a:r>
-          </a:p>
-          <a:p>
-            <a:r>
-              <a:rPr lang="en-US" altLang="ko-KR" dirty="0"/>
-              <a:t>D/d   - </a:t>
-            </a:r>
-            <a:r>
-              <a:rPr lang="ko-KR" altLang="en-US" dirty="0"/>
-              <a:t>캐릭터가 오른쪽으로 움직인다</a:t>
-            </a:r>
-            <a:r>
-              <a:rPr lang="en-US" altLang="ko-KR" dirty="0"/>
-              <a:t>.</a:t>
-            </a:r>
-            <a:endParaRPr lang="ko-KR" altLang="en-US" dirty="0"/>
+              <a:rPr lang="ko-KR" altLang="en-US" sz="4400" dirty="0">
+                <a:solidFill>
+                  <a:schemeClr val="accent1">
+                    <a:lumMod val="75000"/>
+                  </a:schemeClr>
+                </a:solidFill>
+              </a:rPr>
+              <a:t>플랫폼 및 개발환경</a:t>
+            </a:r>
           </a:p>
         </p:txBody>
       </p:sp>
     </p:spTree>
     <p:extLst>
       <p:ext uri="{BB962C8B-B14F-4D97-AF65-F5344CB8AC3E}">
-        <p14:creationId xmlns:p14="http://schemas.microsoft.com/office/powerpoint/2010/main" val="2386164291"/>
+        <p14:creationId xmlns:p14="http://schemas.microsoft.com/office/powerpoint/2010/main" val="4148332174"/>
+      </p:ext>
+    </p:extLst>
+  </p:cSld>
+  <p:clrMapOvr>
+    <a:masterClrMapping/>
+  </p:clrMapOvr>
+</p:sld>
+</file>
+
+<file path=ppt/slides/slide8.xml><?xml version="1.0" encoding="utf-8"?>
+<p:sld xmlns:a="http://schemas.openxmlformats.org/drawingml/2006/main" xmlns:r="http://schemas.openxmlformats.org/officeDocument/2006/relationships" xmlns:p="http://schemas.openxmlformats.org/presentationml/2006/main">
+  <p:cSld>
+    <p:spTree>
+      <p:nvGrpSpPr>
+        <p:cNvPr id="1" name=""/>
+        <p:cNvGrpSpPr/>
+        <p:nvPr/>
+      </p:nvGrpSpPr>
+      <p:grpSpPr>
+        <a:xfrm>
+          <a:off x="0" y="0"/>
+          <a:ext cx="0" cy="0"/>
+          <a:chOff x="0" y="0"/>
+          <a:chExt cx="0" cy="0"/>
+        </a:xfrm>
+      </p:grpSpPr>
+      <p:sp>
+        <p:nvSpPr>
+          <p:cNvPr id="6" name="TextBox 5">
+            <a:extLst>
+              <a:ext uri="{FF2B5EF4-FFF2-40B4-BE49-F238E27FC236}">
+                <a16:creationId xmlns:a16="http://schemas.microsoft.com/office/drawing/2014/main" id="{4F5F6214-4ED6-440C-8488-40370266643C}"/>
+              </a:ext>
+            </a:extLst>
+          </p:cNvPr>
+          <p:cNvSpPr txBox="1"/>
+          <p:nvPr/>
+        </p:nvSpPr>
+        <p:spPr>
+          <a:xfrm>
+            <a:off x="482600" y="381000"/>
+            <a:ext cx="5240106" cy="769441"/>
+          </a:xfrm>
+          <a:prstGeom prst="rect">
+            <a:avLst/>
+          </a:prstGeom>
+          <a:noFill/>
+        </p:spPr>
+        <p:txBody>
+          <a:bodyPr wrap="square" rtlCol="0">
+            <a:spAutoFit/>
+          </a:bodyPr>
+          <a:lstStyle/>
+          <a:p>
+            <a:r>
+              <a:rPr lang="ko-KR" altLang="en-US" sz="4400" dirty="0">
+                <a:solidFill>
+                  <a:srgbClr val="E1930E"/>
+                </a:solidFill>
+              </a:rPr>
+              <a:t>게임소개 </a:t>
+            </a:r>
+            <a:r>
+              <a:rPr lang="en-US" altLang="ko-KR" sz="4400" dirty="0">
+                <a:solidFill>
+                  <a:srgbClr val="E1930E"/>
+                </a:solidFill>
+              </a:rPr>
+              <a:t>- </a:t>
+            </a:r>
+            <a:r>
+              <a:rPr lang="ko-KR" altLang="en-US" sz="4400" dirty="0">
+                <a:solidFill>
+                  <a:srgbClr val="E1930E"/>
+                </a:solidFill>
+              </a:rPr>
+              <a:t>캐릭터</a:t>
+            </a:r>
+          </a:p>
+        </p:txBody>
+      </p:sp>
+      <p:pic>
+        <p:nvPicPr>
+          <p:cNvPr id="3" name="그림 2">
+            <a:extLst>
+              <a:ext uri="{FF2B5EF4-FFF2-40B4-BE49-F238E27FC236}">
+                <a16:creationId xmlns:a16="http://schemas.microsoft.com/office/drawing/2014/main" id="{30FB801F-9F39-4030-BC03-B22DD3F87B55}"/>
+              </a:ext>
+            </a:extLst>
+          </p:cNvPr>
+          <p:cNvPicPr>
+            <a:picLocks noChangeAspect="1"/>
+          </p:cNvPicPr>
+          <p:nvPr/>
+        </p:nvPicPr>
+        <p:blipFill>
+          <a:blip r:embed="rId2"/>
+          <a:stretch>
+            <a:fillRect/>
+          </a:stretch>
+        </p:blipFill>
+        <p:spPr>
+          <a:xfrm>
+            <a:off x="863029" y="1448387"/>
+            <a:ext cx="3355606" cy="4430629"/>
+          </a:xfrm>
+          <a:prstGeom prst="rect">
+            <a:avLst/>
+          </a:prstGeom>
+        </p:spPr>
+      </p:pic>
+      <p:sp>
+        <p:nvSpPr>
+          <p:cNvPr id="4" name="TextBox 3">
+            <a:extLst>
+              <a:ext uri="{FF2B5EF4-FFF2-40B4-BE49-F238E27FC236}">
+                <a16:creationId xmlns:a16="http://schemas.microsoft.com/office/drawing/2014/main" id="{59B0DA41-64D1-4DEF-A4C1-D0C2E82FBDE2}"/>
+              </a:ext>
+            </a:extLst>
+          </p:cNvPr>
+          <p:cNvSpPr txBox="1"/>
+          <p:nvPr/>
+        </p:nvSpPr>
+        <p:spPr>
+          <a:xfrm>
+            <a:off x="4895065" y="2070687"/>
+            <a:ext cx="6451600" cy="369332"/>
+          </a:xfrm>
+          <a:prstGeom prst="rect">
+            <a:avLst/>
+          </a:prstGeom>
+          <a:noFill/>
+        </p:spPr>
+        <p:txBody>
+          <a:bodyPr wrap="square" rtlCol="0">
+            <a:spAutoFit/>
+          </a:bodyPr>
+          <a:lstStyle/>
+          <a:p>
+            <a:r>
+              <a:rPr lang="ko-KR" altLang="en-US" dirty="0"/>
+              <a:t>캐릭터 </a:t>
+            </a:r>
+            <a:r>
+              <a:rPr lang="en-US" altLang="ko-KR" dirty="0"/>
+              <a:t>: </a:t>
+            </a:r>
+            <a:r>
+              <a:rPr lang="ko-KR" altLang="en-US" dirty="0"/>
+              <a:t>깡통로봇이 주인공이며</a:t>
+            </a:r>
+            <a:r>
+              <a:rPr lang="en-US" altLang="ko-KR" dirty="0"/>
+              <a:t>, </a:t>
+            </a:r>
+            <a:r>
+              <a:rPr lang="ko-KR" altLang="en-US" dirty="0"/>
+              <a:t>유저가 조종하며 플레이한다</a:t>
+            </a:r>
+            <a:r>
+              <a:rPr lang="en-US" altLang="ko-KR" dirty="0"/>
+              <a:t>.</a:t>
+            </a:r>
+            <a:endParaRPr lang="ko-KR" altLang="en-US" dirty="0"/>
+          </a:p>
+        </p:txBody>
+      </p:sp>
+      <p:sp>
+        <p:nvSpPr>
+          <p:cNvPr id="7" name="TextBox 6">
+            <a:extLst>
+              <a:ext uri="{FF2B5EF4-FFF2-40B4-BE49-F238E27FC236}">
+                <a16:creationId xmlns:a16="http://schemas.microsoft.com/office/drawing/2014/main" id="{41011E5D-D0CB-4AB7-B5E9-FF9AB26E8B4D}"/>
+              </a:ext>
+            </a:extLst>
+          </p:cNvPr>
+          <p:cNvSpPr txBox="1"/>
+          <p:nvPr/>
+        </p:nvSpPr>
+        <p:spPr>
+          <a:xfrm>
+            <a:off x="4895065" y="3175599"/>
+            <a:ext cx="6451600" cy="369332"/>
+          </a:xfrm>
+          <a:prstGeom prst="rect">
+            <a:avLst/>
+          </a:prstGeom>
+          <a:noFill/>
+        </p:spPr>
+        <p:txBody>
+          <a:bodyPr wrap="square" rtlCol="0">
+            <a:spAutoFit/>
+          </a:bodyPr>
+          <a:lstStyle/>
+          <a:p>
+            <a:r>
+              <a:rPr lang="ko-KR" altLang="en-US" dirty="0"/>
+              <a:t>특징 </a:t>
+            </a:r>
+            <a:r>
+              <a:rPr lang="en-US" altLang="ko-KR" dirty="0"/>
+              <a:t>: </a:t>
+            </a:r>
+            <a:r>
+              <a:rPr lang="ko-KR" altLang="en-US" dirty="0" err="1"/>
+              <a:t>철깡통으로</a:t>
+            </a:r>
+            <a:r>
+              <a:rPr lang="ko-KR" altLang="en-US" dirty="0"/>
+              <a:t> 구성된 주인공</a:t>
+            </a:r>
+            <a:r>
+              <a:rPr lang="en-US" altLang="ko-KR" dirty="0"/>
+              <a:t>.</a:t>
+            </a:r>
+            <a:endParaRPr lang="ko-KR" altLang="en-US" dirty="0"/>
+          </a:p>
+        </p:txBody>
+      </p:sp>
+    </p:spTree>
+    <p:extLst>
+      <p:ext uri="{BB962C8B-B14F-4D97-AF65-F5344CB8AC3E}">
+        <p14:creationId xmlns:p14="http://schemas.microsoft.com/office/powerpoint/2010/main" val="1106448981"/>
+      </p:ext>
+    </p:extLst>
+  </p:cSld>
+  <p:clrMapOvr>
+    <a:masterClrMapping/>
+  </p:clrMapOvr>
+</p:sld>
+</file>
+
+<file path=ppt/slides/slide9.xml><?xml version="1.0" encoding="utf-8"?>
+<p:sld xmlns:a="http://schemas.openxmlformats.org/drawingml/2006/main" xmlns:r="http://schemas.openxmlformats.org/officeDocument/2006/relationships" xmlns:p="http://schemas.openxmlformats.org/presentationml/2006/main">
+  <p:cSld>
+    <p:spTree>
+      <p:nvGrpSpPr>
+        <p:cNvPr id="1" name=""/>
+        <p:cNvGrpSpPr/>
+        <p:nvPr/>
+      </p:nvGrpSpPr>
+      <p:grpSpPr>
+        <a:xfrm>
+          <a:off x="0" y="0"/>
+          <a:ext cx="0" cy="0"/>
+          <a:chOff x="0" y="0"/>
+          <a:chExt cx="0" cy="0"/>
+        </a:xfrm>
+      </p:grpSpPr>
+      <p:sp>
+        <p:nvSpPr>
+          <p:cNvPr id="6" name="TextBox 5">
+            <a:extLst>
+              <a:ext uri="{FF2B5EF4-FFF2-40B4-BE49-F238E27FC236}">
+                <a16:creationId xmlns:a16="http://schemas.microsoft.com/office/drawing/2014/main" id="{4F5F6214-4ED6-440C-8488-40370266643C}"/>
+              </a:ext>
+            </a:extLst>
+          </p:cNvPr>
+          <p:cNvSpPr txBox="1"/>
+          <p:nvPr/>
+        </p:nvSpPr>
+        <p:spPr>
+          <a:xfrm>
+            <a:off x="482600" y="381000"/>
+            <a:ext cx="4610100" cy="769441"/>
+          </a:xfrm>
+          <a:prstGeom prst="rect">
+            <a:avLst/>
+          </a:prstGeom>
+          <a:noFill/>
+        </p:spPr>
+        <p:txBody>
+          <a:bodyPr wrap="square" rtlCol="0">
+            <a:spAutoFit/>
+          </a:bodyPr>
+          <a:lstStyle/>
+          <a:p>
+            <a:r>
+              <a:rPr lang="ko-KR" altLang="en-US" sz="4400" dirty="0">
+                <a:solidFill>
+                  <a:schemeClr val="accent1">
+                    <a:lumMod val="75000"/>
+                  </a:schemeClr>
+                </a:solidFill>
+              </a:rPr>
+              <a:t>게임소개 </a:t>
+            </a:r>
+            <a:r>
+              <a:rPr lang="en-US" altLang="ko-KR" sz="4400" dirty="0">
+                <a:solidFill>
+                  <a:schemeClr val="accent1">
+                    <a:lumMod val="75000"/>
+                  </a:schemeClr>
+                </a:solidFill>
+              </a:rPr>
+              <a:t>– </a:t>
+            </a:r>
+            <a:r>
+              <a:rPr lang="ko-KR" altLang="en-US" sz="4400" dirty="0">
+                <a:solidFill>
+                  <a:schemeClr val="accent1">
+                    <a:lumMod val="75000"/>
+                  </a:schemeClr>
+                </a:solidFill>
+              </a:rPr>
+              <a:t>외부</a:t>
+            </a:r>
+          </a:p>
+        </p:txBody>
+      </p:sp>
+      <p:pic>
+        <p:nvPicPr>
+          <p:cNvPr id="2" name="그림 1">
+            <a:extLst>
+              <a:ext uri="{FF2B5EF4-FFF2-40B4-BE49-F238E27FC236}">
+                <a16:creationId xmlns:a16="http://schemas.microsoft.com/office/drawing/2014/main" id="{BF2830C9-4639-491F-8B79-578D00B4891D}"/>
+              </a:ext>
+            </a:extLst>
+          </p:cNvPr>
+          <p:cNvPicPr>
+            <a:picLocks noChangeAspect="1"/>
+          </p:cNvPicPr>
+          <p:nvPr/>
+        </p:nvPicPr>
+        <p:blipFill>
+          <a:blip r:embed="rId2"/>
+          <a:stretch>
+            <a:fillRect/>
+          </a:stretch>
+        </p:blipFill>
+        <p:spPr>
+          <a:xfrm>
+            <a:off x="482600" y="1851024"/>
+            <a:ext cx="6615087" cy="2974975"/>
+          </a:xfrm>
+          <a:prstGeom prst="rect">
+            <a:avLst/>
+          </a:prstGeom>
+        </p:spPr>
+      </p:pic>
+    </p:spTree>
+    <p:extLst>
+      <p:ext uri="{BB962C8B-B14F-4D97-AF65-F5344CB8AC3E}">
+        <p14:creationId xmlns:p14="http://schemas.microsoft.com/office/powerpoint/2010/main" val="3481522497"/>
       </p:ext>
     </p:extLst>
   </p:cSld>

--- a/Document/Escape Cube(가제) ppt.pptx
+++ b/Document/Escape Cube(가제) ppt.pptx
@@ -5,7 +5,7 @@
     <p:sldMasterId id="2147483648" r:id="rId1"/>
   </p:sldMasterIdLst>
   <p:notesMasterIdLst>
-    <p:notesMasterId r:id="rId15"/>
+    <p:notesMasterId r:id="rId17"/>
   </p:notesMasterIdLst>
   <p:sldIdLst>
     <p:sldId id="256" r:id="rId2"/>
@@ -19,8 +19,10 @@
     <p:sldId id="264" r:id="rId10"/>
     <p:sldId id="258" r:id="rId11"/>
     <p:sldId id="262" r:id="rId12"/>
-    <p:sldId id="263" r:id="rId13"/>
-    <p:sldId id="268" r:id="rId14"/>
+    <p:sldId id="269" r:id="rId13"/>
+    <p:sldId id="270" r:id="rId14"/>
+    <p:sldId id="263" r:id="rId15"/>
+    <p:sldId id="268" r:id="rId16"/>
   </p:sldIdLst>
   <p:sldSz cx="12192000" cy="6858000"/>
   <p:notesSz cx="6858000" cy="9144000"/>
@@ -140,13 +142,13 @@
         <pc:docMk/>
       </pc:docMkLst>
       <pc:sldChg chg="modSp ord">
-        <pc:chgData name="DongHyeon Ko" userId="113be3d24099a8d3" providerId="LiveId" clId="{116AF83B-99CC-4C50-A28B-70941B365F50}" dt="2017-11-27T14:57:32.400" v="75"/>
+        <pc:chgData name="DongHyeon Ko" userId="113be3d24099a8d3" providerId="LiveId" clId="{116AF83B-99CC-4C50-A28B-70941B365F50}" dt="2017-11-27T14:57:32.400" v="75" actId="1076"/>
         <pc:sldMkLst>
           <pc:docMk/>
           <pc:sldMk cId="4172613643" sldId="257"/>
         </pc:sldMkLst>
         <pc:spChg chg="mod">
-          <ac:chgData name="DongHyeon Ko" userId="113be3d24099a8d3" providerId="LiveId" clId="{116AF83B-99CC-4C50-A28B-70941B365F50}" dt="2017-11-27T14:57:31.332" v="74"/>
+          <ac:chgData name="DongHyeon Ko" userId="113be3d24099a8d3" providerId="LiveId" clId="{116AF83B-99CC-4C50-A28B-70941B365F50}" dt="2017-11-27T14:57:31.332" v="74" actId="1076"/>
           <ac:spMkLst>
             <pc:docMk/>
             <pc:sldMk cId="4172613643" sldId="257"/>
@@ -186,13 +188,13 @@
         </pc:picChg>
       </pc:sldChg>
       <pc:sldChg chg="addSp delSp modSp add ord">
-        <pc:chgData name="DongHyeon Ko" userId="113be3d24099a8d3" providerId="LiveId" clId="{116AF83B-99CC-4C50-A28B-70941B365F50}" dt="2017-11-27T15:40:46.077" v="1547"/>
+        <pc:chgData name="DongHyeon Ko" userId="113be3d24099a8d3" providerId="LiveId" clId="{116AF83B-99CC-4C50-A28B-70941B365F50}" dt="2017-11-27T15:40:46.077" v="1547" actId="1076"/>
         <pc:sldMkLst>
           <pc:docMk/>
           <pc:sldMk cId="2091678307" sldId="259"/>
         </pc:sldMkLst>
         <pc:spChg chg="add del mod">
-          <ac:chgData name="DongHyeon Ko" userId="113be3d24099a8d3" providerId="LiveId" clId="{116AF83B-99CC-4C50-A28B-70941B365F50}" dt="2017-11-27T15:40:46.077" v="1547"/>
+          <ac:chgData name="DongHyeon Ko" userId="113be3d24099a8d3" providerId="LiveId" clId="{116AF83B-99CC-4C50-A28B-70941B365F50}" dt="2017-11-27T15:40:46.077" v="1547" actId="1076"/>
           <ac:spMkLst>
             <pc:docMk/>
             <pc:sldMk cId="2091678307" sldId="259"/>
@@ -200,7 +202,7 @@
           </ac:spMkLst>
         </pc:spChg>
         <pc:spChg chg="mod">
-          <ac:chgData name="DongHyeon Ko" userId="113be3d24099a8d3" providerId="LiveId" clId="{116AF83B-99CC-4C50-A28B-70941B365F50}" dt="2017-11-27T15:40:41.573" v="1544"/>
+          <ac:chgData name="DongHyeon Ko" userId="113be3d24099a8d3" providerId="LiveId" clId="{116AF83B-99CC-4C50-A28B-70941B365F50}" dt="2017-11-27T15:40:41.573" v="1544" actId="1076"/>
           <ac:spMkLst>
             <pc:docMk/>
             <pc:sldMk cId="2091678307" sldId="259"/>
@@ -217,13 +219,13 @@
         </pc:spChg>
       </pc:sldChg>
       <pc:sldChg chg="addSp modSp add ord">
-        <pc:chgData name="DongHyeon Ko" userId="113be3d24099a8d3" providerId="LiveId" clId="{116AF83B-99CC-4C50-A28B-70941B365F50}" dt="2017-11-27T15:36:13.174" v="1535"/>
+        <pc:chgData name="DongHyeon Ko" userId="113be3d24099a8d3" providerId="LiveId" clId="{116AF83B-99CC-4C50-A28B-70941B365F50}" dt="2017-11-27T15:36:13.174" v="1535" actId="1076"/>
         <pc:sldMkLst>
           <pc:docMk/>
           <pc:sldMk cId="1647177349" sldId="260"/>
         </pc:sldMkLst>
         <pc:spChg chg="add mod">
-          <ac:chgData name="DongHyeon Ko" userId="113be3d24099a8d3" providerId="LiveId" clId="{116AF83B-99CC-4C50-A28B-70941B365F50}" dt="2017-11-27T15:36:13.174" v="1535"/>
+          <ac:chgData name="DongHyeon Ko" userId="113be3d24099a8d3" providerId="LiveId" clId="{116AF83B-99CC-4C50-A28B-70941B365F50}" dt="2017-11-27T15:36:13.174" v="1535" actId="1076"/>
           <ac:spMkLst>
             <pc:docMk/>
             <pc:sldMk cId="1647177349" sldId="260"/>
@@ -240,13 +242,13 @@
         </pc:spChg>
       </pc:sldChg>
       <pc:sldChg chg="addSp delSp modSp add">
-        <pc:chgData name="DongHyeon Ko" userId="113be3d24099a8d3" providerId="LiveId" clId="{116AF83B-99CC-4C50-A28B-70941B365F50}" dt="2017-11-27T15:04:38.012" v="357"/>
+        <pc:chgData name="DongHyeon Ko" userId="113be3d24099a8d3" providerId="LiveId" clId="{116AF83B-99CC-4C50-A28B-70941B365F50}" dt="2017-11-27T15:04:38.012" v="357" actId="1076"/>
         <pc:sldMkLst>
           <pc:docMk/>
           <pc:sldMk cId="1106448981" sldId="261"/>
         </pc:sldMkLst>
         <pc:spChg chg="add del mod">
-          <ac:chgData name="DongHyeon Ko" userId="113be3d24099a8d3" providerId="LiveId" clId="{116AF83B-99CC-4C50-A28B-70941B365F50}" dt="2017-11-27T15:01:27.230" v="141"/>
+          <ac:chgData name="DongHyeon Ko" userId="113be3d24099a8d3" providerId="LiveId" clId="{116AF83B-99CC-4C50-A28B-70941B365F50}" dt="2017-11-27T15:01:27.230" v="141" actId="1076"/>
           <ac:spMkLst>
             <pc:docMk/>
             <pc:sldMk cId="1106448981" sldId="261"/>
@@ -262,7 +264,7 @@
           </ac:spMkLst>
         </pc:spChg>
         <pc:spChg chg="mod">
-          <ac:chgData name="DongHyeon Ko" userId="113be3d24099a8d3" providerId="LiveId" clId="{116AF83B-99CC-4C50-A28B-70941B365F50}" dt="2017-11-27T15:04:38.012" v="357"/>
+          <ac:chgData name="DongHyeon Ko" userId="113be3d24099a8d3" providerId="LiveId" clId="{116AF83B-99CC-4C50-A28B-70941B365F50}" dt="2017-11-27T15:04:38.012" v="357" actId="1076"/>
           <ac:spMkLst>
             <pc:docMk/>
             <pc:sldMk cId="1106448981" sldId="261"/>
@@ -302,13 +304,13 @@
         </pc:spChg>
       </pc:sldChg>
       <pc:sldChg chg="addSp delSp modSp add">
-        <pc:chgData name="DongHyeon Ko" userId="113be3d24099a8d3" providerId="LiveId" clId="{116AF83B-99CC-4C50-A28B-70941B365F50}" dt="2017-11-27T15:42:39.564" v="1598"/>
+        <pc:chgData name="DongHyeon Ko" userId="113be3d24099a8d3" providerId="LiveId" clId="{116AF83B-99CC-4C50-A28B-70941B365F50}" dt="2017-11-27T15:42:39.564" v="1598" actId="1076"/>
         <pc:sldMkLst>
           <pc:docMk/>
           <pc:sldMk cId="2611412412" sldId="263"/>
         </pc:sldMkLst>
         <pc:spChg chg="add mod">
-          <ac:chgData name="DongHyeon Ko" userId="113be3d24099a8d3" providerId="LiveId" clId="{116AF83B-99CC-4C50-A28B-70941B365F50}" dt="2017-11-27T15:42:39.564" v="1598"/>
+          <ac:chgData name="DongHyeon Ko" userId="113be3d24099a8d3" providerId="LiveId" clId="{116AF83B-99CC-4C50-A28B-70941B365F50}" dt="2017-11-27T15:42:39.564" v="1598" actId="1076"/>
           <ac:spMkLst>
             <pc:docMk/>
             <pc:sldMk cId="2611412412" sldId="263"/>
@@ -325,13 +327,13 @@
         </pc:spChg>
       </pc:sldChg>
       <pc:sldChg chg="addSp delSp modSp add ord">
-        <pc:chgData name="DongHyeon Ko" userId="113be3d24099a8d3" providerId="LiveId" clId="{116AF83B-99CC-4C50-A28B-70941B365F50}" dt="2017-11-27T15:08:39.823" v="425"/>
+        <pc:chgData name="DongHyeon Ko" userId="113be3d24099a8d3" providerId="LiveId" clId="{116AF83B-99CC-4C50-A28B-70941B365F50}" dt="2017-11-27T15:08:39.823" v="425" actId="1076"/>
         <pc:sldMkLst>
           <pc:docMk/>
           <pc:sldMk cId="3481522497" sldId="264"/>
         </pc:sldMkLst>
         <pc:spChg chg="mod">
-          <ac:chgData name="DongHyeon Ko" userId="113be3d24099a8d3" providerId="LiveId" clId="{116AF83B-99CC-4C50-A28B-70941B365F50}" dt="2017-11-27T15:05:05.572" v="398"/>
+          <ac:chgData name="DongHyeon Ko" userId="113be3d24099a8d3" providerId="LiveId" clId="{116AF83B-99CC-4C50-A28B-70941B365F50}" dt="2017-11-27T15:05:05.572" v="398" actId="1076"/>
           <ac:spMkLst>
             <pc:docMk/>
             <pc:sldMk cId="3481522497" sldId="264"/>
@@ -356,13 +358,13 @@
         </pc:picChg>
       </pc:sldChg>
       <pc:sldChg chg="addSp delSp modSp add">
-        <pc:chgData name="DongHyeon Ko" userId="113be3d24099a8d3" providerId="LiveId" clId="{116AF83B-99CC-4C50-A28B-70941B365F50}" dt="2017-11-27T15:18:35.248" v="673"/>
+        <pc:chgData name="DongHyeon Ko" userId="113be3d24099a8d3" providerId="LiveId" clId="{116AF83B-99CC-4C50-A28B-70941B365F50}" dt="2017-11-27T15:18:35.248" v="673" actId="1076"/>
         <pc:sldMkLst>
           <pc:docMk/>
           <pc:sldMk cId="226358864" sldId="265"/>
         </pc:sldMkLst>
         <pc:spChg chg="add mod">
-          <ac:chgData name="DongHyeon Ko" userId="113be3d24099a8d3" providerId="LiveId" clId="{116AF83B-99CC-4C50-A28B-70941B365F50}" dt="2017-11-27T15:18:32.067" v="646"/>
+          <ac:chgData name="DongHyeon Ko" userId="113be3d24099a8d3" providerId="LiveId" clId="{116AF83B-99CC-4C50-A28B-70941B365F50}" dt="2017-11-27T15:18:32.067" v="646" actId="1076"/>
           <ac:spMkLst>
             <pc:docMk/>
             <pc:sldMk cId="226358864" sldId="265"/>
@@ -378,7 +380,7 @@
           </ac:spMkLst>
         </pc:spChg>
         <pc:spChg chg="mod">
-          <ac:chgData name="DongHyeon Ko" userId="113be3d24099a8d3" providerId="LiveId" clId="{116AF83B-99CC-4C50-A28B-70941B365F50}" dt="2017-11-27T15:18:17.467" v="619"/>
+          <ac:chgData name="DongHyeon Ko" userId="113be3d24099a8d3" providerId="LiveId" clId="{116AF83B-99CC-4C50-A28B-70941B365F50}" dt="2017-11-27T15:18:17.467" v="619" actId="1076"/>
           <ac:spMkLst>
             <pc:docMk/>
             <pc:sldMk cId="226358864" sldId="265"/>
@@ -394,7 +396,7 @@
           </ac:spMkLst>
         </pc:spChg>
         <pc:spChg chg="add mod">
-          <ac:chgData name="DongHyeon Ko" userId="113be3d24099a8d3" providerId="LiveId" clId="{116AF83B-99CC-4C50-A28B-70941B365F50}" dt="2017-11-27T15:18:35.248" v="673"/>
+          <ac:chgData name="DongHyeon Ko" userId="113be3d24099a8d3" providerId="LiveId" clId="{116AF83B-99CC-4C50-A28B-70941B365F50}" dt="2017-11-27T15:18:35.248" v="673" actId="1076"/>
           <ac:spMkLst>
             <pc:docMk/>
             <pc:sldMk cId="226358864" sldId="265"/>
@@ -403,7 +405,7 @@
         </pc:spChg>
       </pc:sldChg>
       <pc:sldChg chg="add">
-        <pc:chgData name="DongHyeon Ko" userId="113be3d24099a8d3" providerId="LiveId" clId="{116AF83B-99CC-4C50-A28B-70941B365F50}" dt="2017-11-27T15:40:35.844" v="1536"/>
+        <pc:chgData name="DongHyeon Ko" userId="113be3d24099a8d3" providerId="LiveId" clId="{116AF83B-99CC-4C50-A28B-70941B365F50}" dt="2017-11-27T15:40:35.844" v="1536" actId="1076"/>
         <pc:sldMkLst>
           <pc:docMk/>
           <pc:sldMk cId="1305830897" sldId="266"/>
@@ -457,6 +459,288 @@
       </pc:sldChg>
     </pc:docChg>
   </pc:docChgLst>
+  <pc:docChgLst>
+    <pc:chgData name="DongHyeon Ko" userId="113be3d24099a8d3" providerId="LiveId" clId="{07314520-6191-4EBB-AC7B-6BE57BFF3A5C}"/>
+    <pc:docChg chg="undo custSel addSld modSld">
+      <pc:chgData name="DongHyeon Ko" userId="113be3d24099a8d3" providerId="LiveId" clId="{07314520-6191-4EBB-AC7B-6BE57BFF3A5C}" dt="2017-11-28T08:33:09.803" v="716" actId="20577"/>
+      <pc:docMkLst>
+        <pc:docMk/>
+      </pc:docMkLst>
+      <pc:sldChg chg="modSp">
+        <pc:chgData name="DongHyeon Ko" userId="113be3d24099a8d3" providerId="LiveId" clId="{07314520-6191-4EBB-AC7B-6BE57BFF3A5C}" dt="2017-11-28T07:32:07.465" v="157" actId="20577"/>
+        <pc:sldMkLst>
+          <pc:docMk/>
+          <pc:sldMk cId="3957995664" sldId="258"/>
+        </pc:sldMkLst>
+        <pc:spChg chg="mod">
+          <ac:chgData name="DongHyeon Ko" userId="113be3d24099a8d3" providerId="LiveId" clId="{07314520-6191-4EBB-AC7B-6BE57BFF3A5C}" dt="2017-11-28T07:32:07.465" v="157" actId="20577"/>
+          <ac:spMkLst>
+            <pc:docMk/>
+            <pc:sldMk cId="3957995664" sldId="258"/>
+            <ac:spMk id="2" creationId="{E2885DD5-D5F5-408D-AD65-6045423110FB}"/>
+          </ac:spMkLst>
+        </pc:spChg>
+      </pc:sldChg>
+      <pc:sldChg chg="addSp delSp modSp">
+        <pc:chgData name="DongHyeon Ko" userId="113be3d24099a8d3" providerId="LiveId" clId="{07314520-6191-4EBB-AC7B-6BE57BFF3A5C}" dt="2017-11-28T08:02:47.981" v="270" actId="11529"/>
+        <pc:sldMkLst>
+          <pc:docMk/>
+          <pc:sldMk cId="2091678307" sldId="259"/>
+        </pc:sldMkLst>
+        <pc:spChg chg="add del mod">
+          <ac:chgData name="DongHyeon Ko" userId="113be3d24099a8d3" providerId="LiveId" clId="{07314520-6191-4EBB-AC7B-6BE57BFF3A5C}" dt="2017-11-28T08:02:47.981" v="270" actId="11529"/>
+          <ac:spMkLst>
+            <pc:docMk/>
+            <pc:sldMk cId="2091678307" sldId="259"/>
+            <ac:spMk id="2" creationId="{C6567615-79FB-4AD7-A980-3074A89A7BC3}"/>
+          </ac:spMkLst>
+        </pc:spChg>
+        <pc:spChg chg="add mod">
+          <ac:chgData name="DongHyeon Ko" userId="113be3d24099a8d3" providerId="LiveId" clId="{07314520-6191-4EBB-AC7B-6BE57BFF3A5C}" dt="2017-11-28T08:02:47.392" v="267" actId="571"/>
+          <ac:spMkLst>
+            <pc:docMk/>
+            <pc:sldMk cId="2091678307" sldId="259"/>
+            <ac:spMk id="4" creationId="{7EFCEF8D-1AB0-485B-B326-3FBC7A76B077}"/>
+          </ac:spMkLst>
+        </pc:spChg>
+        <pc:spChg chg="mod">
+          <ac:chgData name="DongHyeon Ko" userId="113be3d24099a8d3" providerId="LiveId" clId="{07314520-6191-4EBB-AC7B-6BE57BFF3A5C}" dt="2017-11-28T08:02:46.923" v="265" actId="1076"/>
+          <ac:spMkLst>
+            <pc:docMk/>
+            <pc:sldMk cId="2091678307" sldId="259"/>
+            <ac:spMk id="6" creationId="{4F5F6214-4ED6-440C-8488-40370266643C}"/>
+          </ac:spMkLst>
+        </pc:spChg>
+        <pc:picChg chg="add del mod">
+          <ac:chgData name="DongHyeon Ko" userId="113be3d24099a8d3" providerId="LiveId" clId="{07314520-6191-4EBB-AC7B-6BE57BFF3A5C}" dt="2017-11-28T08:02:46.731" v="260"/>
+          <ac:picMkLst>
+            <pc:docMk/>
+            <pc:sldMk cId="2091678307" sldId="259"/>
+            <ac:picMk id="5" creationId="{A5579328-43DB-4304-8677-72B0012CF0C7}"/>
+          </ac:picMkLst>
+        </pc:picChg>
+      </pc:sldChg>
+      <pc:sldChg chg="modSp">
+        <pc:chgData name="DongHyeon Ko" userId="113be3d24099a8d3" providerId="LiveId" clId="{07314520-6191-4EBB-AC7B-6BE57BFF3A5C}" dt="2017-11-28T08:15:08.389" v="625" actId="20577"/>
+        <pc:sldMkLst>
+          <pc:docMk/>
+          <pc:sldMk cId="1647177349" sldId="260"/>
+        </pc:sldMkLst>
+        <pc:spChg chg="mod">
+          <ac:chgData name="DongHyeon Ko" userId="113be3d24099a8d3" providerId="LiveId" clId="{07314520-6191-4EBB-AC7B-6BE57BFF3A5C}" dt="2017-11-28T08:15:08.389" v="625" actId="20577"/>
+          <ac:spMkLst>
+            <pc:docMk/>
+            <pc:sldMk cId="1647177349" sldId="260"/>
+            <ac:spMk id="2" creationId="{7732E46B-654D-43D2-A8CD-898973E1F01B}"/>
+          </ac:spMkLst>
+        </pc:spChg>
+        <pc:spChg chg="mod">
+          <ac:chgData name="DongHyeon Ko" userId="113be3d24099a8d3" providerId="LiveId" clId="{07314520-6191-4EBB-AC7B-6BE57BFF3A5C}" dt="2017-11-28T08:06:30.927" v="314" actId="14100"/>
+          <ac:spMkLst>
+            <pc:docMk/>
+            <pc:sldMk cId="1647177349" sldId="260"/>
+            <ac:spMk id="6" creationId="{4F5F6214-4ED6-440C-8488-40370266643C}"/>
+          </ac:spMkLst>
+        </pc:spChg>
+      </pc:sldChg>
+      <pc:sldChg chg="addSp delSp modSp">
+        <pc:chgData name="DongHyeon Ko" userId="113be3d24099a8d3" providerId="LiveId" clId="{07314520-6191-4EBB-AC7B-6BE57BFF3A5C}" dt="2017-11-28T08:03:05.026" v="275"/>
+        <pc:sldMkLst>
+          <pc:docMk/>
+          <pc:sldMk cId="2532134966" sldId="262"/>
+        </pc:sldMkLst>
+        <pc:spChg chg="add mod">
+          <ac:chgData name="DongHyeon Ko" userId="113be3d24099a8d3" providerId="LiveId" clId="{07314520-6191-4EBB-AC7B-6BE57BFF3A5C}" dt="2017-11-28T08:02:59.559" v="274" actId="1076"/>
+          <ac:spMkLst>
+            <pc:docMk/>
+            <pc:sldMk cId="2532134966" sldId="262"/>
+            <ac:spMk id="2" creationId="{47F9A707-3D99-4155-8F2F-4414109D7A5A}"/>
+          </ac:spMkLst>
+        </pc:spChg>
+        <pc:spChg chg="add mod">
+          <ac:chgData name="DongHyeon Ko" userId="113be3d24099a8d3" providerId="LiveId" clId="{07314520-6191-4EBB-AC7B-6BE57BFF3A5C}" dt="2017-11-28T07:40:26.942" v="196" actId="1076"/>
+          <ac:spMkLst>
+            <pc:docMk/>
+            <pc:sldMk cId="2532134966" sldId="262"/>
+            <ac:spMk id="6" creationId="{82250C36-12A3-41D7-904E-0B3663EA3A99}"/>
+          </ac:spMkLst>
+        </pc:spChg>
+        <pc:picChg chg="add del mod">
+          <ac:chgData name="DongHyeon Ko" userId="113be3d24099a8d3" providerId="LiveId" clId="{07314520-6191-4EBB-AC7B-6BE57BFF3A5C}" dt="2017-11-28T07:36:41.741" v="184"/>
+          <ac:picMkLst>
+            <pc:docMk/>
+            <pc:sldMk cId="2532134966" sldId="262"/>
+            <ac:picMk id="4" creationId="{9B800E84-1E7F-4B26-9F73-931B1D06814D}"/>
+          </ac:picMkLst>
+        </pc:picChg>
+        <pc:picChg chg="add mod">
+          <ac:chgData name="DongHyeon Ko" userId="113be3d24099a8d3" providerId="LiveId" clId="{07314520-6191-4EBB-AC7B-6BE57BFF3A5C}" dt="2017-11-28T07:36:58.146" v="190" actId="1076"/>
+          <ac:picMkLst>
+            <pc:docMk/>
+            <pc:sldMk cId="2532134966" sldId="262"/>
+            <ac:picMk id="5" creationId="{E5D30BB3-842F-486D-9D4E-DDC57E799029}"/>
+          </ac:picMkLst>
+        </pc:picChg>
+        <pc:picChg chg="add del mod">
+          <ac:chgData name="DongHyeon Ko" userId="113be3d24099a8d3" providerId="LiveId" clId="{07314520-6191-4EBB-AC7B-6BE57BFF3A5C}" dt="2017-11-28T08:02:53.164" v="272" actId="478"/>
+          <ac:picMkLst>
+            <pc:docMk/>
+            <pc:sldMk cId="2532134966" sldId="262"/>
+            <ac:picMk id="8" creationId="{9F19E356-293B-4C5A-911B-09FCDCD4EE90}"/>
+          </ac:picMkLst>
+        </pc:picChg>
+        <pc:picChg chg="add del mod">
+          <ac:chgData name="DongHyeon Ko" userId="113be3d24099a8d3" providerId="LiveId" clId="{07314520-6191-4EBB-AC7B-6BE57BFF3A5C}" dt="2017-11-28T08:03:05.026" v="275"/>
+          <ac:picMkLst>
+            <pc:docMk/>
+            <pc:sldMk cId="2532134966" sldId="262"/>
+            <ac:picMk id="9" creationId="{E97990E8-4996-45B4-9BD4-53DBEE534C63}"/>
+          </ac:picMkLst>
+        </pc:picChg>
+      </pc:sldChg>
+      <pc:sldChg chg="addSp delSp modSp">
+        <pc:chgData name="DongHyeon Ko" userId="113be3d24099a8d3" providerId="LiveId" clId="{07314520-6191-4EBB-AC7B-6BE57BFF3A5C}" dt="2017-11-28T08:33:09.803" v="716" actId="20577"/>
+        <pc:sldMkLst>
+          <pc:docMk/>
+          <pc:sldMk cId="226358864" sldId="265"/>
+        </pc:sldMkLst>
+        <pc:spChg chg="del mod">
+          <ac:chgData name="DongHyeon Ko" userId="113be3d24099a8d3" providerId="LiveId" clId="{07314520-6191-4EBB-AC7B-6BE57BFF3A5C}" dt="2017-11-28T08:30:47.184" v="659" actId="478"/>
+          <ac:spMkLst>
+            <pc:docMk/>
+            <pc:sldMk cId="226358864" sldId="265"/>
+            <ac:spMk id="2" creationId="{EEF839AF-7218-4F6B-93E9-E9AC1CC75A16}"/>
+          </ac:spMkLst>
+        </pc:spChg>
+        <pc:spChg chg="add del mod">
+          <ac:chgData name="DongHyeon Ko" userId="113be3d24099a8d3" providerId="LiveId" clId="{07314520-6191-4EBB-AC7B-6BE57BFF3A5C}" dt="2017-11-28T08:32:24.983" v="684" actId="478"/>
+          <ac:spMkLst>
+            <pc:docMk/>
+            <pc:sldMk cId="226358864" sldId="265"/>
+            <ac:spMk id="5" creationId="{A5A5A334-BBEF-42A4-AE78-14C0F6AA6AFD}"/>
+          </ac:spMkLst>
+        </pc:spChg>
+        <pc:spChg chg="add mod">
+          <ac:chgData name="DongHyeon Ko" userId="113be3d24099a8d3" providerId="LiveId" clId="{07314520-6191-4EBB-AC7B-6BE57BFF3A5C}" dt="2017-11-28T08:33:07.866" v="714" actId="20577"/>
+          <ac:spMkLst>
+            <pc:docMk/>
+            <pc:sldMk cId="226358864" sldId="265"/>
+            <ac:spMk id="7" creationId="{607BEE0D-E9CD-473C-B992-123B5ECDFACE}"/>
+          </ac:spMkLst>
+        </pc:spChg>
+        <pc:spChg chg="del mod">
+          <ac:chgData name="DongHyeon Ko" userId="113be3d24099a8d3" providerId="LiveId" clId="{07314520-6191-4EBB-AC7B-6BE57BFF3A5C}" dt="2017-11-28T08:20:35.351" v="629" actId="478"/>
+          <ac:spMkLst>
+            <pc:docMk/>
+            <pc:sldMk cId="226358864" sldId="265"/>
+            <ac:spMk id="8" creationId="{7A3C0CA8-6DB7-4672-AFFA-B0BE07451F04}"/>
+          </ac:spMkLst>
+        </pc:spChg>
+        <pc:spChg chg="add del mod">
+          <ac:chgData name="DongHyeon Ko" userId="113be3d24099a8d3" providerId="LiveId" clId="{07314520-6191-4EBB-AC7B-6BE57BFF3A5C}" dt="2017-11-28T08:32:24.316" v="683" actId="478"/>
+          <ac:spMkLst>
+            <pc:docMk/>
+            <pc:sldMk cId="226358864" sldId="265"/>
+            <ac:spMk id="10" creationId="{EB6A8DCE-D76F-46C9-B330-C03C5D6384EC}"/>
+          </ac:spMkLst>
+        </pc:spChg>
+        <pc:spChg chg="add mod">
+          <ac:chgData name="DongHyeon Ko" userId="113be3d24099a8d3" providerId="LiveId" clId="{07314520-6191-4EBB-AC7B-6BE57BFF3A5C}" dt="2017-11-28T08:32:17.915" v="680" actId="571"/>
+          <ac:spMkLst>
+            <pc:docMk/>
+            <pc:sldMk cId="226358864" sldId="265"/>
+            <ac:spMk id="11" creationId="{B93ED877-8287-4970-86AE-4278047F4438}"/>
+          </ac:spMkLst>
+        </pc:spChg>
+        <pc:spChg chg="add mod">
+          <ac:chgData name="DongHyeon Ko" userId="113be3d24099a8d3" providerId="LiveId" clId="{07314520-6191-4EBB-AC7B-6BE57BFF3A5C}" dt="2017-11-28T08:32:17.915" v="680" actId="571"/>
+          <ac:spMkLst>
+            <pc:docMk/>
+            <pc:sldMk cId="226358864" sldId="265"/>
+            <ac:spMk id="12" creationId="{24713A73-5718-4249-AA21-327189981D21}"/>
+          </ac:spMkLst>
+        </pc:spChg>
+        <pc:spChg chg="add mod">
+          <ac:chgData name="DongHyeon Ko" userId="113be3d24099a8d3" providerId="LiveId" clId="{07314520-6191-4EBB-AC7B-6BE57BFF3A5C}" dt="2017-11-28T08:33:06.522" v="713" actId="20577"/>
+          <ac:spMkLst>
+            <pc:docMk/>
+            <pc:sldMk cId="226358864" sldId="265"/>
+            <ac:spMk id="14" creationId="{B07E42FC-C419-401E-A995-30646A724832}"/>
+          </ac:spMkLst>
+        </pc:spChg>
+        <pc:spChg chg="add mod">
+          <ac:chgData name="DongHyeon Ko" userId="113be3d24099a8d3" providerId="LiveId" clId="{07314520-6191-4EBB-AC7B-6BE57BFF3A5C}" dt="2017-11-28T08:33:08.938" v="715" actId="20577"/>
+          <ac:spMkLst>
+            <pc:docMk/>
+            <pc:sldMk cId="226358864" sldId="265"/>
+            <ac:spMk id="15" creationId="{7A42665B-A587-45AE-8E9D-14D243D3AC6F}"/>
+          </ac:spMkLst>
+        </pc:spChg>
+        <pc:spChg chg="add mod">
+          <ac:chgData name="DongHyeon Ko" userId="113be3d24099a8d3" providerId="LiveId" clId="{07314520-6191-4EBB-AC7B-6BE57BFF3A5C}" dt="2017-11-28T08:33:09.803" v="716" actId="20577"/>
+          <ac:spMkLst>
+            <pc:docMk/>
+            <pc:sldMk cId="226358864" sldId="265"/>
+            <ac:spMk id="16" creationId="{97D3B44B-89BF-452A-B7C5-458BA1B1F938}"/>
+          </ac:spMkLst>
+        </pc:spChg>
+        <pc:picChg chg="add mod modCrop">
+          <ac:chgData name="DongHyeon Ko" userId="113be3d24099a8d3" providerId="LiveId" clId="{07314520-6191-4EBB-AC7B-6BE57BFF3A5C}" dt="2017-11-28T08:31:46.430" v="673" actId="1076"/>
+          <ac:picMkLst>
+            <pc:docMk/>
+            <pc:sldMk cId="226358864" sldId="265"/>
+            <ac:picMk id="4" creationId="{4CA99FD9-CA1F-42CB-9446-1CB0D901DCBF}"/>
+          </ac:picMkLst>
+        </pc:picChg>
+        <pc:picChg chg="add mod">
+          <ac:chgData name="DongHyeon Ko" userId="113be3d24099a8d3" providerId="LiveId" clId="{07314520-6191-4EBB-AC7B-6BE57BFF3A5C}" dt="2017-11-28T08:23:06.065" v="645"/>
+          <ac:picMkLst>
+            <pc:docMk/>
+            <pc:sldMk cId="226358864" sldId="265"/>
+            <ac:picMk id="1026" creationId="{805EE7AA-D1F4-47C0-B634-1918D02D1E2C}"/>
+          </ac:picMkLst>
+        </pc:picChg>
+        <pc:picChg chg="add mod modCrop">
+          <ac:chgData name="DongHyeon Ko" userId="113be3d24099a8d3" providerId="LiveId" clId="{07314520-6191-4EBB-AC7B-6BE57BFF3A5C}" dt="2017-11-28T08:31:52.597" v="676" actId="1076"/>
+          <ac:picMkLst>
+            <pc:docMk/>
+            <pc:sldMk cId="226358864" sldId="265"/>
+            <ac:picMk id="1028" creationId="{FEE03BAD-3488-4D7E-B0B0-428426ADC3F2}"/>
+          </ac:picMkLst>
+        </pc:picChg>
+      </pc:sldChg>
+      <pc:sldChg chg="addSp delSp modSp add">
+        <pc:chgData name="DongHyeon Ko" userId="113be3d24099a8d3" providerId="LiveId" clId="{07314520-6191-4EBB-AC7B-6BE57BFF3A5C}" dt="2017-11-28T07:36:42.799" v="185"/>
+        <pc:sldMkLst>
+          <pc:docMk/>
+          <pc:sldMk cId="501479627" sldId="269"/>
+        </pc:sldMkLst>
+        <pc:picChg chg="add del mod">
+          <ac:chgData name="DongHyeon Ko" userId="113be3d24099a8d3" providerId="LiveId" clId="{07314520-6191-4EBB-AC7B-6BE57BFF3A5C}" dt="2017-11-28T07:36:38.073" v="181"/>
+          <ac:picMkLst>
+            <pc:docMk/>
+            <pc:sldMk cId="501479627" sldId="269"/>
+            <ac:picMk id="3" creationId="{95AB2F68-882D-44B5-BC55-C9A72B249553}"/>
+          </ac:picMkLst>
+        </pc:picChg>
+        <pc:picChg chg="add">
+          <ac:chgData name="DongHyeon Ko" userId="113be3d24099a8d3" providerId="LiveId" clId="{07314520-6191-4EBB-AC7B-6BE57BFF3A5C}" dt="2017-11-28T07:36:42.799" v="185"/>
+          <ac:picMkLst>
+            <pc:docMk/>
+            <pc:sldMk cId="501479627" sldId="269"/>
+            <ac:picMk id="4" creationId="{728B0F3F-3A09-4C67-95AD-23C8AF240893}"/>
+          </ac:picMkLst>
+        </pc:picChg>
+      </pc:sldChg>
+      <pc:sldChg chg="add">
+        <pc:chgData name="DongHyeon Ko" userId="113be3d24099a8d3" providerId="LiveId" clId="{07314520-6191-4EBB-AC7B-6BE57BFF3A5C}" dt="2017-11-28T07:32:17.221" v="159"/>
+        <pc:sldMkLst>
+          <pc:docMk/>
+          <pc:sldMk cId="611401221" sldId="270"/>
+        </pc:sldMkLst>
+      </pc:sldChg>
+    </pc:docChg>
+  </pc:docChgLst>
 </pc:chgInfo>
 </file>
 
@@ -542,7 +826,7 @@
           <a:p>
             <a:fld id="{36E5AED4-A81B-4011-84EF-4470B62B1E6A}" type="datetimeFigureOut">
               <a:rPr lang="ko-KR" altLang="en-US" smtClean="0"/>
-              <a:t>2017-11-27</a:t>
+              <a:t>2017-11-28</a:t>
             </a:fld>
             <a:endParaRPr lang="ko-KR" altLang="en-US"/>
           </a:p>
@@ -1012,7 +1296,7 @@
             <a:fld id="{B61BEF0D-F0BB-DE4B-95CE-6DB70DBA9567}" type="datetimeFigureOut">
               <a:rPr lang="en-US" dirty="0"/>
               <a:pPr/>
-              <a:t>11/27/2017</a:t>
+              <a:t>11/28/2017</a:t>
             </a:fld>
             <a:endParaRPr lang="en-US" dirty="0"/>
           </a:p>
@@ -1300,7 +1584,7 @@
             <a:fld id="{B61BEF0D-F0BB-DE4B-95CE-6DB70DBA9567}" type="datetimeFigureOut">
               <a:rPr lang="en-US" dirty="0"/>
               <a:pPr/>
-              <a:t>11/27/2017</a:t>
+              <a:t>11/28/2017</a:t>
             </a:fld>
             <a:endParaRPr lang="en-US" dirty="0"/>
           </a:p>
@@ -1545,7 +1829,7 @@
             <a:fld id="{B61BEF0D-F0BB-DE4B-95CE-6DB70DBA9567}" type="datetimeFigureOut">
               <a:rPr lang="en-US" dirty="0"/>
               <a:pPr/>
-              <a:t>11/27/2017</a:t>
+              <a:t>11/28/2017</a:t>
             </a:fld>
             <a:endParaRPr lang="en-US" dirty="0"/>
           </a:p>
@@ -2078,7 +2362,7 @@
             <a:fld id="{B61BEF0D-F0BB-DE4B-95CE-6DB70DBA9567}" type="datetimeFigureOut">
               <a:rPr lang="en-US" dirty="0"/>
               <a:pPr/>
-              <a:t>11/27/2017</a:t>
+              <a:t>11/28/2017</a:t>
             </a:fld>
             <a:endParaRPr lang="en-US" dirty="0"/>
           </a:p>
@@ -2323,7 +2607,7 @@
             <a:fld id="{B61BEF0D-F0BB-DE4B-95CE-6DB70DBA9567}" type="datetimeFigureOut">
               <a:rPr lang="en-US" dirty="0"/>
               <a:pPr/>
-              <a:t>11/27/2017</a:t>
+              <a:t>11/28/2017</a:t>
             </a:fld>
             <a:endParaRPr lang="en-US" dirty="0"/>
           </a:p>
@@ -2863,7 +3147,7 @@
             <a:fld id="{B61BEF0D-F0BB-DE4B-95CE-6DB70DBA9567}" type="datetimeFigureOut">
               <a:rPr lang="en-US" dirty="0"/>
               <a:pPr/>
-              <a:t>11/27/2017</a:t>
+              <a:t>11/28/2017</a:t>
             </a:fld>
             <a:endParaRPr lang="en-US" dirty="0"/>
           </a:p>
@@ -3170,7 +3454,7 @@
             <a:fld id="{B61BEF0D-F0BB-DE4B-95CE-6DB70DBA9567}" type="datetimeFigureOut">
               <a:rPr lang="en-US" dirty="0"/>
               <a:pPr/>
-              <a:t>11/27/2017</a:t>
+              <a:t>11/28/2017</a:t>
             </a:fld>
             <a:endParaRPr lang="en-US" dirty="0"/>
           </a:p>
@@ -3342,7 +3626,7 @@
             <a:fld id="{B61BEF0D-F0BB-DE4B-95CE-6DB70DBA9567}" type="datetimeFigureOut">
               <a:rPr lang="en-US" dirty="0"/>
               <a:pPr/>
-              <a:t>11/27/2017</a:t>
+              <a:t>11/28/2017</a:t>
             </a:fld>
             <a:endParaRPr lang="en-US" dirty="0"/>
           </a:p>
@@ -3519,7 +3803,7 @@
             <a:fld id="{B61BEF0D-F0BB-DE4B-95CE-6DB70DBA9567}" type="datetimeFigureOut">
               <a:rPr lang="en-US" dirty="0"/>
               <a:pPr/>
-              <a:t>11/27/2017</a:t>
+              <a:t>11/28/2017</a:t>
             </a:fld>
             <a:endParaRPr lang="en-US" dirty="0"/>
           </a:p>
@@ -3686,7 +3970,7 @@
             <a:fld id="{B61BEF0D-F0BB-DE4B-95CE-6DB70DBA9567}" type="datetimeFigureOut">
               <a:rPr lang="en-US" dirty="0"/>
               <a:pPr/>
-              <a:t>11/27/2017</a:t>
+              <a:t>11/28/2017</a:t>
             </a:fld>
             <a:endParaRPr lang="en-US" dirty="0"/>
           </a:p>
@@ -3929,7 +4213,7 @@
             <a:fld id="{B61BEF0D-F0BB-DE4B-95CE-6DB70DBA9567}" type="datetimeFigureOut">
               <a:rPr lang="en-US" dirty="0"/>
               <a:pPr/>
-              <a:t>11/27/2017</a:t>
+              <a:t>11/28/2017</a:t>
             </a:fld>
             <a:endParaRPr lang="en-US" dirty="0"/>
           </a:p>
@@ -4218,7 +4502,7 @@
             <a:fld id="{B61BEF0D-F0BB-DE4B-95CE-6DB70DBA9567}" type="datetimeFigureOut">
               <a:rPr lang="en-US" dirty="0"/>
               <a:pPr/>
-              <a:t>11/27/2017</a:t>
+              <a:t>11/28/2017</a:t>
             </a:fld>
             <a:endParaRPr lang="en-US" dirty="0"/>
           </a:p>
@@ -4645,7 +4929,7 @@
             <a:fld id="{B61BEF0D-F0BB-DE4B-95CE-6DB70DBA9567}" type="datetimeFigureOut">
               <a:rPr lang="en-US" dirty="0"/>
               <a:pPr/>
-              <a:t>11/27/2017</a:t>
+              <a:t>11/28/2017</a:t>
             </a:fld>
             <a:endParaRPr lang="en-US" dirty="0"/>
           </a:p>
@@ -4765,7 +5049,7 @@
             <a:fld id="{B61BEF0D-F0BB-DE4B-95CE-6DB70DBA9567}" type="datetimeFigureOut">
               <a:rPr lang="en-US" dirty="0"/>
               <a:pPr/>
-              <a:t>11/27/2017</a:t>
+              <a:t>11/28/2017</a:t>
             </a:fld>
             <a:endParaRPr lang="en-US" dirty="0"/>
           </a:p>
@@ -4857,7 +5141,7 @@
             <a:fld id="{B61BEF0D-F0BB-DE4B-95CE-6DB70DBA9567}" type="datetimeFigureOut">
               <a:rPr lang="en-US" dirty="0"/>
               <a:pPr/>
-              <a:t>11/27/2017</a:t>
+              <a:t>11/28/2017</a:t>
             </a:fld>
             <a:endParaRPr lang="en-US" dirty="0"/>
           </a:p>
@@ -5137,7 +5421,7 @@
             <a:fld id="{B61BEF0D-F0BB-DE4B-95CE-6DB70DBA9567}" type="datetimeFigureOut">
               <a:rPr lang="en-US" dirty="0"/>
               <a:pPr/>
-              <a:t>11/27/2017</a:t>
+              <a:t>11/28/2017</a:t>
             </a:fld>
             <a:endParaRPr lang="en-US" dirty="0"/>
           </a:p>
@@ -5425,7 +5709,7 @@
             <a:fld id="{B61BEF0D-F0BB-DE4B-95CE-6DB70DBA9567}" type="datetimeFigureOut">
               <a:rPr lang="en-US" dirty="0"/>
               <a:pPr/>
-              <a:t>11/27/2017</a:t>
+              <a:t>11/28/2017</a:t>
             </a:fld>
             <a:endParaRPr lang="en-US" dirty="0"/>
           </a:p>
@@ -5656,7 +5940,7 @@
             <a:fld id="{B61BEF0D-F0BB-DE4B-95CE-6DB70DBA9567}" type="datetimeFigureOut">
               <a:rPr lang="en-US" dirty="0"/>
               <a:pPr/>
-              <a:t>11/27/2017</a:t>
+              <a:t>11/28/2017</a:t>
             </a:fld>
             <a:endParaRPr lang="en-US" dirty="0"/>
           </a:p>
@@ -6669,7 +6953,7 @@
         <p:spPr>
           <a:xfrm>
             <a:off x="6997700" y="1722120"/>
-            <a:ext cx="4597400" cy="2677656"/>
+            <a:ext cx="4597400" cy="3416320"/>
           </a:xfrm>
           <a:prstGeom prst="rect">
             <a:avLst/>
@@ -6747,6 +7031,14 @@
             <a:r>
               <a:rPr lang="en-US" altLang="ko-KR" sz="2400" dirty="0"/>
               <a:t> </a:t>
+            </a:r>
+            <a:r>
+              <a:rPr lang="ko-KR" altLang="en-US" sz="2400" dirty="0"/>
+              <a:t>오브젝트와 플레이어의 상호작용으로 발생하는 이벤트로 큐브를 클리어한다</a:t>
+            </a:r>
+            <a:r>
+              <a:rPr lang="en-US" altLang="ko-KR" sz="2400" dirty="0"/>
+              <a:t>.</a:t>
             </a:r>
           </a:p>
           <a:p>
@@ -6788,6 +7080,156 @@
           <a:chExt cx="0" cy="0"/>
         </a:xfrm>
       </p:grpSpPr>
+      <p:sp>
+        <p:nvSpPr>
+          <p:cNvPr id="2" name="TextBox 1">
+            <a:extLst>
+              <a:ext uri="{FF2B5EF4-FFF2-40B4-BE49-F238E27FC236}">
+                <a16:creationId xmlns:a16="http://schemas.microsoft.com/office/drawing/2014/main" id="{47F9A707-3D99-4155-8F2F-4414109D7A5A}"/>
+              </a:ext>
+            </a:extLst>
+          </p:cNvPr>
+          <p:cNvSpPr txBox="1"/>
+          <p:nvPr/>
+        </p:nvSpPr>
+        <p:spPr>
+          <a:xfrm>
+            <a:off x="792162" y="423791"/>
+            <a:ext cx="5613400" cy="769441"/>
+          </a:xfrm>
+          <a:prstGeom prst="rect">
+            <a:avLst/>
+          </a:prstGeom>
+          <a:noFill/>
+        </p:spPr>
+        <p:txBody>
+          <a:bodyPr wrap="square" rtlCol="0">
+            <a:spAutoFit/>
+          </a:bodyPr>
+          <a:lstStyle/>
+          <a:p>
+            <a:r>
+              <a:rPr lang="ko-KR" altLang="en-US" sz="4400" dirty="0">
+                <a:solidFill>
+                  <a:schemeClr val="accent1">
+                    <a:lumMod val="75000"/>
+                  </a:schemeClr>
+                </a:solidFill>
+              </a:rPr>
+              <a:t>게임소개 </a:t>
+            </a:r>
+            <a:r>
+              <a:rPr lang="en-US" altLang="ko-KR" sz="4400" dirty="0">
+                <a:solidFill>
+                  <a:schemeClr val="accent1">
+                    <a:lumMod val="75000"/>
+                  </a:schemeClr>
+                </a:solidFill>
+              </a:rPr>
+              <a:t>– </a:t>
+            </a:r>
+            <a:r>
+              <a:rPr lang="ko-KR" altLang="en-US" sz="4400" dirty="0" err="1">
+                <a:solidFill>
+                  <a:schemeClr val="accent1">
+                    <a:lumMod val="75000"/>
+                  </a:schemeClr>
+                </a:solidFill>
+              </a:rPr>
+              <a:t>인게임</a:t>
+            </a:r>
+            <a:endParaRPr lang="ko-KR" altLang="en-US" sz="4400" dirty="0">
+              <a:solidFill>
+                <a:schemeClr val="accent1">
+                  <a:lumMod val="75000"/>
+                </a:schemeClr>
+              </a:solidFill>
+            </a:endParaRPr>
+          </a:p>
+        </p:txBody>
+      </p:sp>
+      <p:pic>
+        <p:nvPicPr>
+          <p:cNvPr id="5" name="그림 4">
+            <a:extLst>
+              <a:ext uri="{FF2B5EF4-FFF2-40B4-BE49-F238E27FC236}">
+                <a16:creationId xmlns:a16="http://schemas.microsoft.com/office/drawing/2014/main" id="{E5D30BB3-842F-486D-9D4E-DDC57E799029}"/>
+              </a:ext>
+            </a:extLst>
+          </p:cNvPr>
+          <p:cNvPicPr>
+            <a:picLocks noChangeAspect="1"/>
+          </p:cNvPicPr>
+          <p:nvPr/>
+        </p:nvPicPr>
+        <p:blipFill>
+          <a:blip r:embed="rId2"/>
+          <a:stretch>
+            <a:fillRect/>
+          </a:stretch>
+        </p:blipFill>
+        <p:spPr>
+          <a:xfrm>
+            <a:off x="482600" y="2127796"/>
+            <a:ext cx="3469877" cy="2602408"/>
+          </a:xfrm>
+          <a:prstGeom prst="rect">
+            <a:avLst/>
+          </a:prstGeom>
+        </p:spPr>
+      </p:pic>
+      <p:sp>
+        <p:nvSpPr>
+          <p:cNvPr id="6" name="번개 5">
+            <a:extLst>
+              <a:ext uri="{FF2B5EF4-FFF2-40B4-BE49-F238E27FC236}">
+                <a16:creationId xmlns:a16="http://schemas.microsoft.com/office/drawing/2014/main" id="{82250C36-12A3-41D7-904E-0B3663EA3A99}"/>
+              </a:ext>
+            </a:extLst>
+          </p:cNvPr>
+          <p:cNvSpPr/>
+          <p:nvPr/>
+        </p:nvSpPr>
+        <p:spPr>
+          <a:xfrm>
+            <a:off x="5010150" y="2023021"/>
+            <a:ext cx="2409825" cy="3015704"/>
+          </a:xfrm>
+          <a:prstGeom prst="lightningBolt">
+            <a:avLst/>
+          </a:prstGeom>
+          <a:solidFill>
+            <a:schemeClr val="tx1"/>
+          </a:solidFill>
+          <a:ln>
+            <a:noFill/>
+          </a:ln>
+        </p:spPr>
+        <p:style>
+          <a:lnRef idx="2">
+            <a:schemeClr val="accent1">
+              <a:shade val="50000"/>
+            </a:schemeClr>
+          </a:lnRef>
+          <a:fillRef idx="1">
+            <a:schemeClr val="accent1"/>
+          </a:fillRef>
+          <a:effectRef idx="0">
+            <a:schemeClr val="accent1"/>
+          </a:effectRef>
+          <a:fontRef idx="minor">
+            <a:schemeClr val="lt1"/>
+          </a:fontRef>
+        </p:style>
+        <p:txBody>
+          <a:bodyPr rtlCol="0" anchor="ctr"/>
+          <a:lstStyle/>
+          <a:p>
+            <a:pPr algn="ctr"/>
+            <a:endParaRPr lang="ko-KR" altLang="en-US" dirty="0"/>
+          </a:p>
+        </p:txBody>
+      </p:sp>
     </p:spTree>
     <p:extLst>
       <p:ext uri="{BB962C8B-B14F-4D97-AF65-F5344CB8AC3E}">
@@ -6818,6 +7260,109 @@
           <a:chExt cx="0" cy="0"/>
         </a:xfrm>
       </p:grpSpPr>
+      <p:pic>
+        <p:nvPicPr>
+          <p:cNvPr id="4" name="그림 3">
+            <a:extLst>
+              <a:ext uri="{FF2B5EF4-FFF2-40B4-BE49-F238E27FC236}">
+                <a16:creationId xmlns:a16="http://schemas.microsoft.com/office/drawing/2014/main" id="{728B0F3F-3A09-4C67-95AD-23C8AF240893}"/>
+              </a:ext>
+            </a:extLst>
+          </p:cNvPr>
+          <p:cNvPicPr>
+            <a:picLocks noChangeAspect="1"/>
+          </p:cNvPicPr>
+          <p:nvPr/>
+        </p:nvPicPr>
+        <p:blipFill>
+          <a:blip r:embed="rId2"/>
+          <a:stretch>
+            <a:fillRect/>
+          </a:stretch>
+        </p:blipFill>
+        <p:spPr>
+          <a:xfrm>
+            <a:off x="1238250" y="1766887"/>
+            <a:ext cx="3324225" cy="3324225"/>
+          </a:xfrm>
+          <a:prstGeom prst="roundRect">
+            <a:avLst>
+              <a:gd name="adj" fmla="val 8594"/>
+            </a:avLst>
+          </a:prstGeom>
+          <a:solidFill>
+            <a:srgbClr val="FFFFFF">
+              <a:shade val="85000"/>
+            </a:srgbClr>
+          </a:solidFill>
+          <a:ln>
+            <a:noFill/>
+          </a:ln>
+          <a:effectLst>
+            <a:reflection blurRad="12700" stA="38000" endPos="28000" dist="5000" dir="5400000" sy="-100000" algn="bl" rotWithShape="0"/>
+          </a:effectLst>
+        </p:spPr>
+      </p:pic>
+    </p:spTree>
+    <p:extLst>
+      <p:ext uri="{BB962C8B-B14F-4D97-AF65-F5344CB8AC3E}">
+        <p14:creationId xmlns:p14="http://schemas.microsoft.com/office/powerpoint/2010/main" val="501479627"/>
+      </p:ext>
+    </p:extLst>
+  </p:cSld>
+  <p:clrMapOvr>
+    <a:masterClrMapping/>
+  </p:clrMapOvr>
+</p:sld>
+</file>
+
+<file path=ppt/slides/slide13.xml><?xml version="1.0" encoding="utf-8"?>
+<p:sld xmlns:a="http://schemas.openxmlformats.org/drawingml/2006/main" xmlns:r="http://schemas.openxmlformats.org/officeDocument/2006/relationships" xmlns:p="http://schemas.openxmlformats.org/presentationml/2006/main">
+  <p:cSld>
+    <p:spTree>
+      <p:nvGrpSpPr>
+        <p:cNvPr id="1" name=""/>
+        <p:cNvGrpSpPr/>
+        <p:nvPr/>
+      </p:nvGrpSpPr>
+      <p:grpSpPr>
+        <a:xfrm>
+          <a:off x="0" y="0"/>
+          <a:ext cx="0" cy="0"/>
+          <a:chOff x="0" y="0"/>
+          <a:chExt cx="0" cy="0"/>
+        </a:xfrm>
+      </p:grpSpPr>
+    </p:spTree>
+    <p:extLst>
+      <p:ext uri="{BB962C8B-B14F-4D97-AF65-F5344CB8AC3E}">
+        <p14:creationId xmlns:p14="http://schemas.microsoft.com/office/powerpoint/2010/main" val="611401221"/>
+      </p:ext>
+    </p:extLst>
+  </p:cSld>
+  <p:clrMapOvr>
+    <a:masterClrMapping/>
+  </p:clrMapOvr>
+</p:sld>
+</file>
+
+<file path=ppt/slides/slide14.xml><?xml version="1.0" encoding="utf-8"?>
+<p:sld xmlns:a="http://schemas.openxmlformats.org/drawingml/2006/main" xmlns:r="http://schemas.openxmlformats.org/officeDocument/2006/relationships" xmlns:p="http://schemas.openxmlformats.org/presentationml/2006/main">
+  <p:cSld>
+    <p:spTree>
+      <p:nvGrpSpPr>
+        <p:cNvPr id="1" name=""/>
+        <p:cNvGrpSpPr/>
+        <p:nvPr/>
+      </p:nvGrpSpPr>
+      <p:grpSpPr>
+        <a:xfrm>
+          <a:off x="0" y="0"/>
+          <a:ext cx="0" cy="0"/>
+          <a:chOff x="0" y="0"/>
+          <a:chExt cx="0" cy="0"/>
+        </a:xfrm>
+      </p:grpSpPr>
       <p:sp>
         <p:nvSpPr>
           <p:cNvPr id="3" name="TextBox 2">
@@ -6872,7 +7417,7 @@
 </p:sld>
 </file>
 
-<file path=ppt/slides/slide13.xml><?xml version="1.0" encoding="utf-8"?>
+<file path=ppt/slides/slide15.xml><?xml version="1.0" encoding="utf-8"?>
 <p:sld xmlns:a="http://schemas.openxmlformats.org/drawingml/2006/main" xmlns:r="http://schemas.openxmlformats.org/officeDocument/2006/relationships" xmlns:p="http://schemas.openxmlformats.org/presentationml/2006/main">
   <p:cSld>
     <p:spTree>
@@ -6974,7 +7519,7 @@
         </p:nvSpPr>
         <p:spPr>
           <a:xfrm>
-            <a:off x="482600" y="381000"/>
+            <a:off x="387350" y="581025"/>
             <a:ext cx="4610100" cy="769441"/>
           </a:xfrm>
           <a:prstGeom prst="rect">
@@ -7218,7 +7763,7 @@
         <p:spPr>
           <a:xfrm>
             <a:off x="482600" y="381000"/>
-            <a:ext cx="5240106" cy="769441"/>
+            <a:ext cx="5880100" cy="769441"/>
           </a:xfrm>
           <a:prstGeom prst="rect">
             <a:avLst/>
@@ -7232,22 +7777,15 @@
           <a:lstStyle/>
           <a:p>
             <a:r>
-              <a:rPr lang="ko-KR" altLang="en-US" sz="4400">
+              <a:rPr lang="ko-KR" altLang="en-US" sz="4400" dirty="0">
                 <a:solidFill>
                   <a:schemeClr val="accent1">
                     <a:lumMod val="75000"/>
                   </a:schemeClr>
                 </a:solidFill>
               </a:rPr>
-              <a:t>타게임과의 차별성</a:t>
-            </a:r>
-            <a:endParaRPr lang="ko-KR" altLang="en-US" sz="4400" dirty="0">
-              <a:solidFill>
-                <a:schemeClr val="accent1">
-                  <a:lumMod val="75000"/>
-                </a:schemeClr>
-              </a:solidFill>
-            </a:endParaRPr>
+              <a:t>기존게임과의 차별성</a:t>
+            </a:r>
           </a:p>
         </p:txBody>
       </p:sp>
@@ -7265,8 +7803,8 @@
         </p:nvSpPr>
         <p:spPr>
           <a:xfrm>
-            <a:off x="812800" y="1612900"/>
-            <a:ext cx="7137400" cy="2308324"/>
+            <a:off x="2527300" y="1597729"/>
+            <a:ext cx="7137400" cy="2369880"/>
           </a:xfrm>
           <a:prstGeom prst="rect">
             <a:avLst/>
@@ -7280,49 +7818,32 @@
           <a:lstStyle/>
           <a:p>
             <a:r>
-              <a:rPr lang="ko-KR" altLang="en-US" dirty="0"/>
-              <a:t>그래픽 담당 부재</a:t>
-            </a:r>
-            <a:r>
-              <a:rPr lang="en-US" altLang="ko-KR" dirty="0"/>
-              <a:t>…</a:t>
-            </a:r>
+              <a:rPr lang="ko-KR" altLang="en-US" sz="2800" dirty="0"/>
+              <a:t>캐릭터의 특징을 살리기 위한 자석요소 추가</a:t>
+            </a:r>
+            <a:r>
+              <a:rPr lang="en-US" altLang="ko-KR" sz="2800" dirty="0"/>
+              <a:t>.</a:t>
+            </a:r>
+          </a:p>
+          <a:p>
+            <a:endParaRPr lang="en-US" altLang="ko-KR" sz="2800" dirty="0"/>
+          </a:p>
+          <a:p>
+            <a:r>
+              <a:rPr lang="ko-KR" altLang="en-US" sz="2800" dirty="0"/>
+              <a:t>전자석이라는 요소를 도입</a:t>
+            </a:r>
+            <a:endParaRPr lang="en-US" altLang="ko-KR" sz="2800" dirty="0"/>
+          </a:p>
+          <a:p>
+            <a:endParaRPr lang="en-US" altLang="ko-KR" sz="2800" dirty="0"/>
           </a:p>
           <a:p>
             <a:endParaRPr lang="en-US" altLang="ko-KR" dirty="0"/>
           </a:p>
           <a:p>
-            <a:r>
-              <a:rPr lang="ko-KR" altLang="en-US" dirty="0"/>
-              <a:t>게임 </a:t>
-            </a:r>
-            <a:r>
-              <a:rPr lang="ko-KR" altLang="en-US" dirty="0" err="1"/>
-              <a:t>타임어택</a:t>
-            </a:r>
             <a:endParaRPr lang="en-US" altLang="ko-KR" dirty="0"/>
-          </a:p>
-          <a:p>
-            <a:endParaRPr lang="en-US" altLang="ko-KR" dirty="0"/>
-          </a:p>
-          <a:p>
-            <a:r>
-              <a:rPr lang="ko-KR" altLang="en-US" dirty="0"/>
-              <a:t>캐릭터의 특징을 살리기 위한 자석요소 추가</a:t>
-            </a:r>
-            <a:r>
-              <a:rPr lang="en-US" altLang="ko-KR" dirty="0"/>
-              <a:t>.</a:t>
-            </a:r>
-          </a:p>
-          <a:p>
-            <a:endParaRPr lang="en-US" altLang="ko-KR" dirty="0"/>
-          </a:p>
-          <a:p>
-            <a:endParaRPr lang="en-US" altLang="ko-KR" dirty="0"/>
-          </a:p>
-          <a:p>
-            <a:endParaRPr lang="ko-KR" altLang="en-US" dirty="0"/>
           </a:p>
         </p:txBody>
       </p:sp>
@@ -7602,12 +8123,146 @@
           </a:p>
         </p:txBody>
       </p:sp>
-      <p:sp>
-        <p:nvSpPr>
-          <p:cNvPr id="2" name="직사각형 1">
+      <p:pic>
+        <p:nvPicPr>
+          <p:cNvPr id="1026" name="Picture 2" descr="키보드 일러스트에 대한 이미지 검색결과">
             <a:extLst>
               <a:ext uri="{FF2B5EF4-FFF2-40B4-BE49-F238E27FC236}">
-                <a16:creationId xmlns:a16="http://schemas.microsoft.com/office/drawing/2014/main" id="{EEF839AF-7218-4F6B-93E9-E9AC1CC75A16}"/>
+                <a16:creationId xmlns:a16="http://schemas.microsoft.com/office/drawing/2014/main" id="{805EE7AA-D1F4-47C0-B634-1918D02D1E2C}"/>
+              </a:ext>
+            </a:extLst>
+          </p:cNvPr>
+          <p:cNvPicPr>
+            <a:picLocks noChangeAspect="1" noChangeArrowheads="1"/>
+          </p:cNvPicPr>
+          <p:nvPr/>
+        </p:nvPicPr>
+        <p:blipFill>
+          <a:blip r:embed="rId2">
+            <a:extLst>
+              <a:ext uri="{BEBA8EAE-BF5A-486C-A8C5-ECC9F3942E4B}">
+                <a14:imgProps xmlns:a14="http://schemas.microsoft.com/office/drawing/2010/main">
+                  <a14:imgLayer r:embed="rId3">
+                    <a14:imgEffect>
+                      <a14:backgroundRemoval t="10000" b="90000" l="10000" r="90000">
+                        <a14:backgroundMark x1="16352" y1="5660" x2="26415" y2="5660"/>
+                        <a14:backgroundMark x1="30189" y1="5031" x2="41824" y2="32075"/>
+                        <a14:backgroundMark x1="37421" y1="79245" x2="55975" y2="79245"/>
+                      </a14:backgroundRemoval>
+                    </a14:imgEffect>
+                  </a14:imgLayer>
+                </a14:imgProps>
+              </a:ext>
+              <a:ext uri="{28A0092B-C50C-407E-A947-70E740481C1C}">
+                <a14:useLocalDpi xmlns:a14="http://schemas.microsoft.com/office/drawing/2010/main" val="0"/>
+              </a:ext>
+            </a:extLst>
+          </a:blip>
+          <a:srcRect/>
+          <a:stretch>
+            <a:fillRect/>
+          </a:stretch>
+        </p:blipFill>
+        <p:spPr bwMode="auto">
+          <a:xfrm>
+            <a:off x="358775" y="1905000"/>
+            <a:ext cx="6096000" cy="3048000"/>
+          </a:xfrm>
+          <a:prstGeom prst="rect">
+            <a:avLst/>
+          </a:prstGeom>
+          <a:noFill/>
+          <a:extLst>
+            <a:ext uri="{909E8E84-426E-40DD-AFC4-6F175D3DCCD1}">
+              <a14:hiddenFill xmlns:a14="http://schemas.microsoft.com/office/drawing/2010/main">
+                <a:solidFill>
+                  <a:srgbClr val="FFFFFF"/>
+                </a:solidFill>
+              </a14:hiddenFill>
+            </a:ext>
+          </a:extLst>
+        </p:spPr>
+      </p:pic>
+      <p:pic>
+        <p:nvPicPr>
+          <p:cNvPr id="4" name="그림 3">
+            <a:extLst>
+              <a:ext uri="{FF2B5EF4-FFF2-40B4-BE49-F238E27FC236}">
+                <a16:creationId xmlns:a16="http://schemas.microsoft.com/office/drawing/2014/main" id="{4CA99FD9-CA1F-42CB-9446-1CB0D901DCBF}"/>
+              </a:ext>
+            </a:extLst>
+          </p:cNvPr>
+          <p:cNvPicPr>
+            <a:picLocks noChangeAspect="1"/>
+          </p:cNvPicPr>
+          <p:nvPr/>
+        </p:nvPicPr>
+        <p:blipFill rotWithShape="1">
+          <a:blip r:embed="rId4"/>
+          <a:srcRect l="889" t="31746" r="34917" b="18571"/>
+          <a:stretch/>
+        </p:blipFill>
+        <p:spPr>
+          <a:xfrm>
+            <a:off x="1120775" y="2025416"/>
+            <a:ext cx="6908800" cy="2807167"/>
+          </a:xfrm>
+          <a:prstGeom prst="rect">
+            <a:avLst/>
+          </a:prstGeom>
+        </p:spPr>
+      </p:pic>
+      <p:pic>
+        <p:nvPicPr>
+          <p:cNvPr id="1028" name="Picture 4" descr="마우스 일러스트 white에 대한 이미지 검색결과">
+            <a:extLst>
+              <a:ext uri="{FF2B5EF4-FFF2-40B4-BE49-F238E27FC236}">
+                <a16:creationId xmlns:a16="http://schemas.microsoft.com/office/drawing/2014/main" id="{FEE03BAD-3488-4D7E-B0B0-428426ADC3F2}"/>
+              </a:ext>
+            </a:extLst>
+          </p:cNvPr>
+          <p:cNvPicPr>
+            <a:picLocks noChangeAspect="1" noChangeArrowheads="1"/>
+          </p:cNvPicPr>
+          <p:nvPr/>
+        </p:nvPicPr>
+        <p:blipFill rotWithShape="1">
+          <a:blip r:embed="rId5">
+            <a:extLst>
+              <a:ext uri="{28A0092B-C50C-407E-A947-70E740481C1C}">
+                <a14:useLocalDpi xmlns:a14="http://schemas.microsoft.com/office/drawing/2010/main" val="0"/>
+              </a:ext>
+            </a:extLst>
+          </a:blip>
+          <a:srcRect l="22620" t="23477" r="22882" b="21210"/>
+          <a:stretch/>
+        </p:blipFill>
+        <p:spPr bwMode="auto">
+          <a:xfrm>
+            <a:off x="8791575" y="2228674"/>
+            <a:ext cx="2396547" cy="2400651"/>
+          </a:xfrm>
+          <a:prstGeom prst="ellipse">
+            <a:avLst/>
+          </a:prstGeom>
+          <a:noFill/>
+          <a:extLst>
+            <a:ext uri="{909E8E84-426E-40DD-AFC4-6F175D3DCCD1}">
+              <a14:hiddenFill xmlns:a14="http://schemas.microsoft.com/office/drawing/2010/main">
+                <a:solidFill>
+                  <a:srgbClr val="FFFFFF"/>
+                </a:solidFill>
+              </a14:hiddenFill>
+            </a:ext>
+          </a:extLst>
+        </p:spPr>
+      </p:pic>
+      <p:sp>
+        <p:nvSpPr>
+          <p:cNvPr id="7" name="사각형: 둥근 모서리 6">
+            <a:extLst>
+              <a:ext uri="{FF2B5EF4-FFF2-40B4-BE49-F238E27FC236}">
+                <a16:creationId xmlns:a16="http://schemas.microsoft.com/office/drawing/2014/main" id="{607BEE0D-E9CD-473C-B992-123B5ECDFACE}"/>
               </a:ext>
             </a:extLst>
           </p:cNvPr>
@@ -7616,10 +8271,10 @@
         </p:nvSpPr>
         <p:spPr>
           <a:xfrm>
-            <a:off x="1397000" y="1943100"/>
-            <a:ext cx="3835400" cy="3162300"/>
+            <a:off x="2057400" y="3381374"/>
+            <a:ext cx="400050" cy="381000"/>
           </a:xfrm>
-          <a:prstGeom prst="rect">
+          <a:prstGeom prst="roundRect">
             <a:avLst/>
           </a:prstGeom>
         </p:spPr>
@@ -7645,18 +8300,19 @@
           <a:p>
             <a:pPr algn="ctr"/>
             <a:r>
-              <a:rPr lang="ko-KR" altLang="en-US" dirty="0"/>
-              <a:t>마우스 이미지</a:t>
-            </a:r>
-          </a:p>
-        </p:txBody>
-      </p:sp>
-      <p:sp>
-        <p:nvSpPr>
-          <p:cNvPr id="8" name="직사각형 7">
+              <a:rPr lang="en-US" altLang="ko-KR" dirty="0"/>
+              <a:t>A</a:t>
+            </a:r>
+            <a:endParaRPr lang="ko-KR" altLang="en-US" dirty="0"/>
+          </a:p>
+        </p:txBody>
+      </p:sp>
+      <p:sp>
+        <p:nvSpPr>
+          <p:cNvPr id="14" name="사각형: 둥근 모서리 13">
             <a:extLst>
               <a:ext uri="{FF2B5EF4-FFF2-40B4-BE49-F238E27FC236}">
-                <a16:creationId xmlns:a16="http://schemas.microsoft.com/office/drawing/2014/main" id="{7A3C0CA8-6DB7-4672-AFFA-B0BE07451F04}"/>
+                <a16:creationId xmlns:a16="http://schemas.microsoft.com/office/drawing/2014/main" id="{B07E42FC-C419-401E-A995-30646A724832}"/>
               </a:ext>
             </a:extLst>
           </p:cNvPr>
@@ -7665,10 +8321,10 @@
         </p:nvSpPr>
         <p:spPr>
           <a:xfrm>
-            <a:off x="7112000" y="1943100"/>
-            <a:ext cx="3835400" cy="3162300"/>
+            <a:off x="2409825" y="2930641"/>
+            <a:ext cx="400050" cy="381000"/>
           </a:xfrm>
-          <a:prstGeom prst="rect">
+          <a:prstGeom prst="roundRect">
             <a:avLst/>
           </a:prstGeom>
         </p:spPr>
@@ -7694,9 +8350,110 @@
           <a:p>
             <a:pPr algn="ctr"/>
             <a:r>
-              <a:rPr lang="ko-KR" altLang="en-US" dirty="0"/>
-              <a:t>키보드 이미지</a:t>
-            </a:r>
+              <a:rPr lang="en-US" altLang="ko-KR" dirty="0"/>
+              <a:t>W</a:t>
+            </a:r>
+            <a:endParaRPr lang="ko-KR" altLang="en-US" dirty="0"/>
+          </a:p>
+        </p:txBody>
+      </p:sp>
+      <p:sp>
+        <p:nvSpPr>
+          <p:cNvPr id="15" name="사각형: 둥근 모서리 14">
+            <a:extLst>
+              <a:ext uri="{FF2B5EF4-FFF2-40B4-BE49-F238E27FC236}">
+                <a16:creationId xmlns:a16="http://schemas.microsoft.com/office/drawing/2014/main" id="{7A42665B-A587-45AE-8E9D-14D243D3AC6F}"/>
+              </a:ext>
+            </a:extLst>
+          </p:cNvPr>
+          <p:cNvSpPr/>
+          <p:nvPr/>
+        </p:nvSpPr>
+        <p:spPr>
+          <a:xfrm>
+            <a:off x="2524125" y="3379844"/>
+            <a:ext cx="400050" cy="381000"/>
+          </a:xfrm>
+          <a:prstGeom prst="roundRect">
+            <a:avLst/>
+          </a:prstGeom>
+        </p:spPr>
+        <p:style>
+          <a:lnRef idx="2">
+            <a:schemeClr val="accent1">
+              <a:shade val="50000"/>
+            </a:schemeClr>
+          </a:lnRef>
+          <a:fillRef idx="1">
+            <a:schemeClr val="accent1"/>
+          </a:fillRef>
+          <a:effectRef idx="0">
+            <a:schemeClr val="accent1"/>
+          </a:effectRef>
+          <a:fontRef idx="minor">
+            <a:schemeClr val="lt1"/>
+          </a:fontRef>
+        </p:style>
+        <p:txBody>
+          <a:bodyPr rtlCol="0" anchor="ctr"/>
+          <a:lstStyle/>
+          <a:p>
+            <a:pPr algn="ctr"/>
+            <a:r>
+              <a:rPr lang="en-US" altLang="ko-KR" dirty="0"/>
+              <a:t>S</a:t>
+            </a:r>
+            <a:endParaRPr lang="ko-KR" altLang="en-US" dirty="0"/>
+          </a:p>
+        </p:txBody>
+      </p:sp>
+      <p:sp>
+        <p:nvSpPr>
+          <p:cNvPr id="16" name="사각형: 둥근 모서리 15">
+            <a:extLst>
+              <a:ext uri="{FF2B5EF4-FFF2-40B4-BE49-F238E27FC236}">
+                <a16:creationId xmlns:a16="http://schemas.microsoft.com/office/drawing/2014/main" id="{97D3B44B-89BF-452A-B7C5-458BA1B1F938}"/>
+              </a:ext>
+            </a:extLst>
+          </p:cNvPr>
+          <p:cNvSpPr/>
+          <p:nvPr/>
+        </p:nvSpPr>
+        <p:spPr>
+          <a:xfrm>
+            <a:off x="2994025" y="3379844"/>
+            <a:ext cx="400050" cy="381000"/>
+          </a:xfrm>
+          <a:prstGeom prst="roundRect">
+            <a:avLst/>
+          </a:prstGeom>
+        </p:spPr>
+        <p:style>
+          <a:lnRef idx="2">
+            <a:schemeClr val="accent1">
+              <a:shade val="50000"/>
+            </a:schemeClr>
+          </a:lnRef>
+          <a:fillRef idx="1">
+            <a:schemeClr val="accent1"/>
+          </a:fillRef>
+          <a:effectRef idx="0">
+            <a:schemeClr val="accent1"/>
+          </a:effectRef>
+          <a:fontRef idx="minor">
+            <a:schemeClr val="lt1"/>
+          </a:fontRef>
+        </p:style>
+        <p:txBody>
+          <a:bodyPr rtlCol="0" anchor="ctr"/>
+          <a:lstStyle/>
+          <a:p>
+            <a:pPr algn="ctr"/>
+            <a:r>
+              <a:rPr lang="en-US" altLang="ko-KR" dirty="0"/>
+              <a:t>D</a:t>
+            </a:r>
+            <a:endParaRPr lang="ko-KR" altLang="en-US" dirty="0"/>
           </a:p>
         </p:txBody>
       </p:sp>

--- a/Document/Escape Cube(가제) ppt.pptx
+++ b/Document/Escape Cube(가제) ppt.pptx
@@ -1,28 +1,28 @@
 
 <file path=ppt/presentation.xml><?xml version="1.0" encoding="utf-8"?>
-<p:presentation xmlns:a="http://schemas.openxmlformats.org/drawingml/2006/main" xmlns:r="http://schemas.openxmlformats.org/officeDocument/2006/relationships" xmlns:p="http://schemas.openxmlformats.org/presentationml/2006/main" autoCompressPictures="0">
+<p:presentation xmlns:a="http://schemas.openxmlformats.org/drawingml/2006/main" xmlns:r="http://schemas.openxmlformats.org/officeDocument/2006/relationships" xmlns:p="http://schemas.openxmlformats.org/presentationml/2006/main" xmlns:p14="http://schemas.microsoft.com/office/powerpoint/2010/main" autoCompressPictures="0">
   <p:sldMasterIdLst>
-    <p:sldMasterId id="2147483648" r:id="rId1"/>
+    <p:sldMasterId id="2147483676" r:id="rId20"/>
   </p:sldMasterIdLst>
   <p:notesMasterIdLst>
-    <p:notesMasterId r:id="rId17"/>
+    <p:notesMasterId r:id="rId22"/>
   </p:notesMasterIdLst>
   <p:sldIdLst>
-    <p:sldId id="256" r:id="rId2"/>
-    <p:sldId id="259" r:id="rId3"/>
-    <p:sldId id="266" r:id="rId4"/>
-    <p:sldId id="260" r:id="rId5"/>
-    <p:sldId id="257" r:id="rId6"/>
-    <p:sldId id="265" r:id="rId7"/>
-    <p:sldId id="267" r:id="rId8"/>
-    <p:sldId id="261" r:id="rId9"/>
-    <p:sldId id="264" r:id="rId10"/>
-    <p:sldId id="258" r:id="rId11"/>
-    <p:sldId id="262" r:id="rId12"/>
-    <p:sldId id="269" r:id="rId13"/>
-    <p:sldId id="270" r:id="rId14"/>
-    <p:sldId id="263" r:id="rId15"/>
-    <p:sldId id="268" r:id="rId16"/>
+    <p:sldId id="256" r:id="rId24"/>
+    <p:sldId id="259" r:id="rId25"/>
+    <p:sldId id="266" r:id="rId26"/>
+    <p:sldId id="260" r:id="rId27"/>
+    <p:sldId id="257" r:id="rId28"/>
+    <p:sldId id="265" r:id="rId29"/>
+    <p:sldId id="267" r:id="rId30"/>
+    <p:sldId id="261" r:id="rId31"/>
+    <p:sldId id="264" r:id="rId32"/>
+    <p:sldId id="258" r:id="rId33"/>
+    <p:sldId id="270" r:id="rId34"/>
+    <p:sldId id="262" r:id="rId35"/>
+    <p:sldId id="269" r:id="rId36"/>
+    <p:sldId id="263" r:id="rId37"/>
+    <p:sldId id="268" r:id="rId38"/>
   </p:sldIdLst>
   <p:sldSz cx="12192000" cy="6858000"/>
   <p:notesSz cx="6858000" cy="9144000"/>
@@ -122,9 +122,6 @@
     </a:lvl9pPr>
   </p:defaultTextStyle>
   <p:extLst>
-    <p:ext uri="{EFAFB233-063F-42B5-8137-9DF3F51BA10A}">
-      <p15:sldGuideLst xmlns:p15="http://schemas.microsoft.com/office/powerpoint/2012/main"/>
-    </p:ext>
     <p:ext uri="{2D200454-40CA-4A62-9FC3-DE9A4176ACB9}">
       <p15:notesGuideLst xmlns:p15="http://schemas.microsoft.com/office/powerpoint/2012/main"/>
     </p:ext>
@@ -6579,7 +6576,7 @@
 </file>
 
 <file path=ppt/slides/slide1.xml><?xml version="1.0" encoding="utf-8"?>
-<p:sld xmlns:a="http://schemas.openxmlformats.org/drawingml/2006/main" xmlns:r="http://schemas.openxmlformats.org/officeDocument/2006/relationships" xmlns:p="http://schemas.openxmlformats.org/presentationml/2006/main">
+<p:sld xmlns:a="http://schemas.openxmlformats.org/drawingml/2006/main" xmlns:r="http://schemas.openxmlformats.org/officeDocument/2006/relationships" xmlns:p="http://schemas.openxmlformats.org/presentationml/2006/main" xmlns:p14="http://schemas.microsoft.com/office/powerpoint/2010/main">
   <p:cSld>
     <p:spTree>
       <p:nvGrpSpPr>
@@ -6613,8 +6610,8 @@
         </p:nvSpPr>
         <p:spPr>
           <a:xfrm>
-            <a:off x="1751012" y="609601"/>
-            <a:ext cx="8676222" cy="1085384"/>
+            <a:off x="1750695" y="609600"/>
+            <a:ext cx="8676005" cy="1085215"/>
           </a:xfrm>
         </p:spPr>
         <p:txBody>
@@ -6656,127 +6653,167 @@
         </p:nvSpPr>
         <p:spPr>
           <a:xfrm>
-            <a:off x="6990735" y="5163015"/>
-            <a:ext cx="5575015" cy="1085384"/>
+            <a:off x="6990715" y="5163185"/>
+            <a:ext cx="5575935" cy="1085850"/>
           </a:xfrm>
           <a:prstGeom prst="rect">
             <a:avLst/>
           </a:prstGeom>
         </p:spPr>
         <p:txBody>
-          <a:bodyPr vert="horz" lIns="91440" tIns="45720" rIns="91440" bIns="45720" rtlCol="0" anchor="b">
+          <a:bodyPr wrap="square" lIns="91440" tIns="45720" rIns="91440" bIns="45720" numCol="1" vert="horz" anchor="b">
             <a:normAutofit fontScale="77500" lnSpcReduction="20000"/>
           </a:bodyPr>
-          <a:lstStyle>
-            <a:lvl1pPr algn="ctr" defTabSz="457200" rtl="0" eaLnBrk="1" latinLnBrk="1" hangingPunct="1">
+          <a:lstStyle/>
+          <a:p>
+            <a:pPr marL="0" indent="0" algn="ctr" fontAlgn="auto" defTabSz="457200">
+              <a:lnSpc>
+                <a:spcPct val="100000"/>
+              </a:lnSpc>
               <a:spcBef>
-                <a:spcPct val="0"/>
+                <a:spcPts val="0"/>
               </a:spcBef>
-              <a:buNone/>
-              <a:defRPr sz="4800" kern="1200" cap="all">
-                <a:ln w="3175" cmpd="sng">
-                  <a:noFill/>
+              <a:spcAft>
+                <a:spcPts val="0"/>
+              </a:spcAft>
+              <a:buFontTx/>
+              <a:buNone/>
+            </a:pPr>
+            <a:r>
+              <a:rPr lang="en-US" altLang="ko-KR" sz="4800" cap="all" dirty="0" smtClean="0" b="0">
+                <a:ln w="3175" cap="flat" cmpd="sng">
+                  <a:prstDash/>
                 </a:ln>
                 <a:solidFill>
                   <a:schemeClr val="accent1"/>
                 </a:solidFill>
                 <a:effectLst>
                   <a:glow rad="38100">
-                    <a:schemeClr val="bg1">
-                      <a:lumMod val="65000"/>
-                      <a:lumOff val="35000"/>
-                      <a:alpha val="50000"/>
-                    </a:schemeClr>
+                    <a:srgbClr val="595959">
+                      <a:alpha val="49847"/>
+                    </a:srgbClr>
                   </a:glow>
-                  <a:outerShdw blurRad="28575" dist="31750" dir="13200000" algn="tl" rotWithShape="0">
+                  <a:outerShdw sx="100000" sy="100000" blurRad="28575" dist="31750" dir="13200000" rotWithShape="0" algn="tl">
                     <a:srgbClr val="000000">
-                      <a:alpha val="25000"/>
+                      <a:alpha val="24705"/>
                     </a:srgbClr>
                   </a:outerShdw>
                 </a:effectLst>
-                <a:latin typeface="+mj-lt"/>
-                <a:ea typeface="+mj-ea"/>
-                <a:cs typeface="+mj-cs"/>
-              </a:defRPr>
-            </a:lvl1pPr>
-            <a:lvl2pPr eaLnBrk="1" latinLnBrk="1" hangingPunct="1">
-              <a:defRPr>
-                <a:solidFill>
-                  <a:schemeClr val="tx2"/>
-                </a:solidFill>
-              </a:defRPr>
-            </a:lvl2pPr>
-            <a:lvl3pPr eaLnBrk="1" latinLnBrk="1" hangingPunct="1">
-              <a:defRPr>
-                <a:solidFill>
-                  <a:schemeClr val="tx2"/>
-                </a:solidFill>
-              </a:defRPr>
-            </a:lvl3pPr>
-            <a:lvl4pPr eaLnBrk="1" latinLnBrk="1" hangingPunct="1">
-              <a:defRPr>
-                <a:solidFill>
-                  <a:schemeClr val="tx2"/>
-                </a:solidFill>
-              </a:defRPr>
-            </a:lvl4pPr>
-            <a:lvl5pPr eaLnBrk="1" latinLnBrk="1" hangingPunct="1">
-              <a:defRPr>
-                <a:solidFill>
-                  <a:schemeClr val="tx2"/>
-                </a:solidFill>
-              </a:defRPr>
-            </a:lvl5pPr>
-            <a:lvl6pPr eaLnBrk="1" latinLnBrk="1" hangingPunct="1">
-              <a:defRPr>
-                <a:solidFill>
-                  <a:schemeClr val="tx2"/>
-                </a:solidFill>
-              </a:defRPr>
-            </a:lvl6pPr>
-            <a:lvl7pPr eaLnBrk="1" latinLnBrk="1" hangingPunct="1">
-              <a:defRPr>
-                <a:solidFill>
-                  <a:schemeClr val="tx2"/>
-                </a:solidFill>
-              </a:defRPr>
-            </a:lvl7pPr>
-            <a:lvl8pPr eaLnBrk="1" latinLnBrk="1" hangingPunct="1">
-              <a:defRPr>
-                <a:solidFill>
-                  <a:schemeClr val="tx2"/>
-                </a:solidFill>
-              </a:defRPr>
-            </a:lvl8pPr>
-            <a:lvl9pPr eaLnBrk="1" latinLnBrk="1" hangingPunct="1">
-              <a:defRPr>
-                <a:solidFill>
-                  <a:schemeClr val="tx2"/>
-                </a:solidFill>
-              </a:defRPr>
-            </a:lvl9pPr>
-          </a:lstStyle>
-          <a:p>
-            <a:r>
-              <a:rPr lang="en-US" altLang="ko-KR" dirty="0"/>
-              <a:t>2013000000 </a:t>
-            </a:r>
-            <a:r>
-              <a:rPr lang="ko-KR" altLang="en-US" dirty="0"/>
+                <a:latin typeface="Century Gothic" charset="0"/>
+                <a:ea typeface="Century Gothic" charset="0"/>
+              </a:rPr>
+              <a:t>2012180022 </a:t>
+            </a:r>
+            <a:r>
+              <a:rPr lang="en-US" altLang="ko-KR" sz="4800" cap="all" dirty="0" smtClean="0" b="0">
+                <a:ln w="3175" cap="flat" cmpd="sng">
+                  <a:prstDash/>
+                </a:ln>
+                <a:solidFill>
+                  <a:schemeClr val="accent1"/>
+                </a:solidFill>
+                <a:effectLst>
+                  <a:glow rad="38100">
+                    <a:srgbClr val="595959">
+                      <a:alpha val="49847"/>
+                    </a:srgbClr>
+                  </a:glow>
+                  <a:outerShdw sx="100000" sy="100000" blurRad="28575" dist="31750" dir="13200000" rotWithShape="0" algn="tl">
+                    <a:srgbClr val="000000">
+                      <a:alpha val="24705"/>
+                    </a:srgbClr>
+                  </a:outerShdw>
+                </a:effectLst>
+                <a:latin typeface="맑은 고딕" charset="0"/>
+                <a:ea typeface="맑은 고딕" charset="0"/>
+              </a:rPr>
               <a:t>양기석</a:t>
             </a:r>
-            <a:endParaRPr lang="en-US" altLang="ko-KR" dirty="0"/>
-          </a:p>
-          <a:p>
-            <a:r>
-              <a:rPr lang="en-US" altLang="ko-KR" dirty="0"/>
+            <a:endParaRPr lang="ko-KR" altLang="en-US" sz="4800" cap="all" dirty="0" smtClean="0" b="0">
+              <a:ln w="3175" cap="flat" cmpd="sng">
+                <a:prstDash/>
+              </a:ln>
+              <a:solidFill>
+                <a:schemeClr val="accent1"/>
+              </a:solidFill>
+              <a:latin typeface="맑은 고딕" charset="0"/>
+              <a:ea typeface="맑은 고딕" charset="0"/>
+            </a:endParaRPr>
+          </a:p>
+          <a:p>
+            <a:pPr marL="0" indent="0" algn="ctr" fontAlgn="auto" defTabSz="457200">
+              <a:lnSpc>
+                <a:spcPct val="100000"/>
+              </a:lnSpc>
+              <a:spcBef>
+                <a:spcPts val="0"/>
+              </a:spcBef>
+              <a:spcAft>
+                <a:spcPts val="0"/>
+              </a:spcAft>
+              <a:buFontTx/>
+              <a:buNone/>
+            </a:pPr>
+            <a:r>
+              <a:rPr lang="en-US" altLang="ko-KR" sz="4800" cap="all" dirty="0" smtClean="0" b="0">
+                <a:ln w="3175" cap="flat" cmpd="sng">
+                  <a:prstDash/>
+                </a:ln>
+                <a:solidFill>
+                  <a:schemeClr val="accent1"/>
+                </a:solidFill>
+                <a:effectLst>
+                  <a:glow rad="38100">
+                    <a:srgbClr val="595959">
+                      <a:alpha val="49847"/>
+                    </a:srgbClr>
+                  </a:glow>
+                  <a:outerShdw sx="100000" sy="100000" blurRad="28575" dist="31750" dir="13200000" rotWithShape="0" algn="tl">
+                    <a:srgbClr val="000000">
+                      <a:alpha val="24705"/>
+                    </a:srgbClr>
+                  </a:outerShdw>
+                </a:effectLst>
+                <a:latin typeface="Century Gothic" charset="0"/>
+                <a:ea typeface="Century Gothic" charset="0"/>
+              </a:rPr>
               <a:t>2015182002 </a:t>
             </a:r>
             <a:r>
-              <a:rPr lang="ko-KR" altLang="en-US" dirty="0"/>
+              <a:rPr lang="en-US" altLang="ko-KR" sz="4800" cap="all" dirty="0" smtClean="0" b="0">
+                <a:ln w="3175" cap="flat" cmpd="sng">
+                  <a:prstDash/>
+                </a:ln>
+                <a:solidFill>
+                  <a:schemeClr val="accent1"/>
+                </a:solidFill>
+                <a:effectLst>
+                  <a:glow rad="38100">
+                    <a:srgbClr val="595959">
+                      <a:alpha val="49847"/>
+                    </a:srgbClr>
+                  </a:glow>
+                  <a:outerShdw sx="100000" sy="100000" blurRad="28575" dist="31750" dir="13200000" rotWithShape="0" algn="tl">
+                    <a:srgbClr val="000000">
+                      <a:alpha val="24705"/>
+                    </a:srgbClr>
+                  </a:outerShdw>
+                </a:effectLst>
+                <a:latin typeface="맑은 고딕" charset="0"/>
+                <a:ea typeface="맑은 고딕" charset="0"/>
+              </a:rPr>
               <a:t>고동현</a:t>
             </a:r>
-            <a:endParaRPr lang="en-US" altLang="ko-KR" dirty="0"/>
+            <a:endParaRPr lang="ko-KR" altLang="en-US" sz="4800" cap="all" dirty="0" smtClean="0" b="0">
+              <a:ln w="3175" cap="flat" cmpd="sng">
+                <a:prstDash/>
+              </a:ln>
+              <a:solidFill>
+                <a:schemeClr val="accent1"/>
+              </a:solidFill>
+              <a:latin typeface="맑은 고딕" charset="0"/>
+              <a:ea typeface="맑은 고딕" charset="0"/>
+            </a:endParaRPr>
           </a:p>
         </p:txBody>
       </p:sp>
@@ -6790,6 +6827,21 @@
   <p:clrMapOvr>
     <a:masterClrMapping/>
   </p:clrMapOvr>
+  <mc:AlternateContent xmlns:mc="http://schemas.openxmlformats.org/markup-compatibility/2006">
+    <mc:Choice xmlns:p14="http://schemas.microsoft.com/office/powerpoint/2010/main" Requires="p14">
+      <p:transition spd="slow" p14:dur="2000"/>
+    </mc:Choice>
+    <mc:Fallback>
+      <p:transition spd="slow"/>
+    </mc:Fallback>
+  </mc:AlternateContent>
+  <p:timing>
+    <p:tnLst>
+      <p:par>
+        <p:cTn id="1" dur="indefinite" restart="never" nodeType="tmRoot"/>
+      </p:par>
+    </p:tnLst>
+  </p:timing>
 </p:sld>
 </file>
 
@@ -7064,7 +7116,7 @@
 </file>
 
 <file path=ppt/slides/slide11.xml><?xml version="1.0" encoding="utf-8"?>
-<p:sld xmlns:a="http://schemas.openxmlformats.org/drawingml/2006/main" xmlns:r="http://schemas.openxmlformats.org/officeDocument/2006/relationships" xmlns:p="http://schemas.openxmlformats.org/presentationml/2006/main">
+<p:sld xmlns:a="http://schemas.openxmlformats.org/drawingml/2006/main" xmlns:r="http://schemas.openxmlformats.org/officeDocument/2006/relationships" xmlns:p="http://schemas.openxmlformats.org/presentationml/2006/main" xmlns:p14="http://schemas.microsoft.com/office/powerpoint/2010/main">
   <p:cSld>
     <p:spTree>
       <p:nvGrpSpPr>
@@ -7082,6 +7134,198 @@
       </p:grpSpPr>
       <p:sp>
         <p:nvSpPr>
+          <p:cNvPr id="2" name="TextBox 1"/>
+          <p:cNvSpPr txBox="1">
+            <a:spLocks/>
+          </p:cNvSpPr>
+          <p:nvPr/>
+        </p:nvSpPr>
+        <p:spPr>
+          <a:xfrm rot="0">
+            <a:off x="791845" y="423545"/>
+            <a:ext cx="5614035" cy="768985"/>
+          </a:xfrm>
+          <a:prstGeom prst="rect"/>
+          <a:noFill/>
+        </p:spPr>
+        <p:txBody>
+          <a:bodyPr wrap="square" lIns="91440" tIns="45720" rIns="91440" bIns="45720" vert="horz" anchor="t">
+            <a:spAutoFit/>
+          </a:bodyPr>
+          <a:lstStyle/>
+          <a:p>
+            <a:pPr marL="0" indent="0" algn="l" fontAlgn="auto" defTabSz="457200" eaLnBrk="0" latinLnBrk="0">
+              <a:lnSpc>
+                <a:spcPct val="100000"/>
+              </a:lnSpc>
+              <a:spcBef>
+                <a:spcPts val="0"/>
+              </a:spcBef>
+              <a:spcAft>
+                <a:spcPts val="0"/>
+              </a:spcAft>
+              <a:buFontTx/>
+              <a:buNone/>
+            </a:pPr>
+            <a:r>
+              <a:rPr lang="en-US" altLang="ko-KR" sz="4400" cap="none" dirty="0" smtClean="0" b="0">
+                <a:solidFill>
+                  <a:schemeClr val="accent1">
+                    <a:lumMod val="75000"/>
+                  </a:schemeClr>
+                </a:solidFill>
+                <a:latin typeface="맑은 고딕" charset="0"/>
+                <a:ea typeface="맑은 고딕" charset="0"/>
+              </a:rPr>
+              <a:t>게임 플레이</a:t>
+            </a:r>
+            <a:endParaRPr lang="ko-KR" altLang="en-US" sz="4400" cap="none" dirty="0" smtClean="0" b="0">
+              <a:solidFill>
+                <a:schemeClr val="accent1">
+                  <a:lumMod val="75000"/>
+                </a:schemeClr>
+              </a:solidFill>
+              <a:latin typeface="맑은 고딕" charset="0"/>
+              <a:ea typeface="맑은 고딕" charset="0"/>
+            </a:endParaRPr>
+          </a:p>
+        </p:txBody>
+      </p:sp>
+      <p:pic>
+        <p:nvPicPr>
+          <p:cNvPr id="3" name="그림 2" descr="C:/Users/yang/AppData/Roaming/PolarisOffice/ETemp/1400_16054944/fImage25819412441.png"/>
+          <p:cNvPicPr>
+            <a:picLocks noChangeAspect="1"/>
+          </p:cNvPicPr>
+          <p:nvPr/>
+        </p:nvPicPr>
+        <p:blipFill rotWithShape="1">
+          <a:blip r:embed="rId1">
+            <a:extLst>
+              <a:ext uri="{28A0092B-C50C-407E-A947-70E740481C1C}">
+                <a14:useLocalDpi xmlns:a14="http://schemas.microsoft.com/office/drawing/2010/main" val="0"/>
+              </a:ext>
+            </a:extLst>
+          </a:blip>
+          <a:stretch>
+            <a:fillRect/>
+          </a:stretch>
+        </p:blipFill>
+        <p:spPr>
+          <a:xfrm rot="0">
+            <a:off x="895985" y="1794510"/>
+            <a:ext cx="5391785" cy="3772535"/>
+          </a:xfrm>
+          <a:prstGeom prst="rect"/>
+          <a:noFill/>
+        </p:spPr>
+      </p:pic>
+      <p:sp>
+        <p:nvSpPr>
+          <p:cNvPr id="4" name="텍스트 상자 3"/>
+          <p:cNvSpPr txBox="1">
+            <a:spLocks/>
+          </p:cNvSpPr>
+          <p:nvPr/>
+        </p:nvSpPr>
+        <p:spPr>
+          <a:xfrm rot="0">
+            <a:off x="5785485" y="890270"/>
+            <a:ext cx="4872990" cy="370205"/>
+          </a:xfrm>
+          <a:prstGeom prst="rect"/>
+          <a:noFill/>
+          <a:ln w="0">
+            <a:noFill/>
+            <a:prstDash/>
+          </a:ln>
+        </p:spPr>
+        <p:txBody>
+          <a:bodyPr wrap="square" lIns="89535" tIns="46355" rIns="89535" bIns="46355" vert="horz" anchor="t">
+            <a:spAutoFit/>
+          </a:bodyPr>
+          <a:lstStyle/>
+          <a:p>
+            <a:pPr marL="0" indent="0" algn="l" fontAlgn="auto" defTabSz="508000">
+              <a:lnSpc>
+                <a:spcPct val="100000"/>
+              </a:lnSpc>
+              <a:spcBef>
+                <a:spcPts val="0"/>
+              </a:spcBef>
+              <a:spcAft>
+                <a:spcPts val="0"/>
+              </a:spcAft>
+              <a:buFontTx/>
+              <a:buNone/>
+            </a:pPr>
+            <a:r>
+              <a:rPr lang="en-US" altLang="ko-KR" sz="1800" cap="none" dirty="0" smtClean="0" b="0">
+                <a:solidFill>
+                  <a:schemeClr val="tx1"/>
+                </a:solidFill>
+                <a:latin typeface="맑은 고딕" charset="0"/>
+                <a:ea typeface="맑은 고딕" charset="0"/>
+              </a:rPr>
+              <a:t>이곳에 전반적인 흐름을 쓴다</a:t>
+            </a:r>
+            <a:endParaRPr lang="ko-KR" altLang="en-US" sz="1800" cap="none" dirty="0" smtClean="0" b="0">
+              <a:solidFill>
+                <a:schemeClr val="tx1"/>
+              </a:solidFill>
+              <a:latin typeface="맑은 고딕" charset="0"/>
+              <a:ea typeface="맑은 고딕" charset="0"/>
+            </a:endParaRPr>
+          </a:p>
+        </p:txBody>
+      </p:sp>
+    </p:spTree>
+    <p:extLst>
+      <p:ext uri="{BB962C8B-B14F-4D97-AF65-F5344CB8AC3E}">
+        <p14:creationId xmlns:p14="http://schemas.microsoft.com/office/powerpoint/2010/main" val="611401221"/>
+      </p:ext>
+    </p:extLst>
+  </p:cSld>
+  <p:clrMapOvr>
+    <a:masterClrMapping/>
+  </p:clrMapOvr>
+  <mc:AlternateContent xmlns:mc="http://schemas.openxmlformats.org/markup-compatibility/2006">
+    <mc:Choice xmlns:p14="http://schemas.microsoft.com/office/powerpoint/2010/main" Requires="p14">
+      <p:transition spd="slow" p14:dur="2000"/>
+    </mc:Choice>
+    <mc:Fallback>
+      <p:transition spd="slow"/>
+    </mc:Fallback>
+  </mc:AlternateContent>
+  <p:timing>
+    <p:tnLst>
+      <p:par>
+        <p:cTn id="1" dur="indefinite" restart="never" nodeType="tmRoot"/>
+      </p:par>
+    </p:tnLst>
+  </p:timing>
+</p:sld>
+</file>
+
+<file path=ppt/slides/slide12.xml><?xml version="1.0" encoding="utf-8"?>
+<p:sld xmlns:a="http://schemas.openxmlformats.org/drawingml/2006/main" xmlns:r="http://schemas.openxmlformats.org/officeDocument/2006/relationships" xmlns:p="http://schemas.openxmlformats.org/presentationml/2006/main" xmlns:p14="http://schemas.microsoft.com/office/powerpoint/2010/main">
+  <p:cSld>
+    <p:spTree>
+      <p:nvGrpSpPr>
+        <p:cNvPr id="1" name=""/>
+        <p:cNvGrpSpPr/>
+        <p:nvPr/>
+      </p:nvGrpSpPr>
+      <p:grpSpPr>
+        <a:xfrm>
+          <a:off x="0" y="0"/>
+          <a:ext cx="0" cy="0"/>
+          <a:chOff x="0" y="0"/>
+          <a:chExt cx="0" cy="0"/>
+        </a:xfrm>
+      </p:grpSpPr>
+      <p:sp>
+        <p:nvSpPr>
           <p:cNvPr id="2" name="TextBox 1">
             <a:extLst>
               <a:ext uri="{FF2B5EF4-FFF2-40B4-BE49-F238E27FC236}">
@@ -7094,8 +7338,8 @@
         </p:nvSpPr>
         <p:spPr>
           <a:xfrm>
-            <a:off x="792162" y="423791"/>
-            <a:ext cx="5613400" cy="769441"/>
+            <a:off x="791845" y="423545"/>
+            <a:ext cx="5614035" cy="768985"/>
           </a:xfrm>
           <a:prstGeom prst="rect">
             <a:avLst/>
@@ -7103,47 +7347,44 @@
           <a:noFill/>
         </p:spPr>
         <p:txBody>
-          <a:bodyPr wrap="square" rtlCol="0">
+          <a:bodyPr wrap="square" lIns="91440" tIns="45720" rIns="91440" bIns="45720" numCol="1" vert="horz" anchor="t">
             <a:spAutoFit/>
           </a:bodyPr>
           <a:lstStyle/>
           <a:p>
-            <a:r>
-              <a:rPr lang="ko-KR" altLang="en-US" sz="4400" dirty="0">
+            <a:pPr marL="0" indent="0" algn="l" fontAlgn="auto" defTabSz="457200" eaLnBrk="0" latinLnBrk="0">
+              <a:lnSpc>
+                <a:spcPct val="100000"/>
+              </a:lnSpc>
+              <a:spcBef>
+                <a:spcPts val="0"/>
+              </a:spcBef>
+              <a:spcAft>
+                <a:spcPts val="0"/>
+              </a:spcAft>
+              <a:buFontTx/>
+              <a:buNone/>
+            </a:pPr>
+            <a:r>
+              <a:rPr lang="en-US" altLang="ko-KR" sz="4400" cap="none" dirty="0" smtClean="0" b="0">
                 <a:solidFill>
                   <a:schemeClr val="accent1">
                     <a:lumMod val="75000"/>
                   </a:schemeClr>
                 </a:solidFill>
+                <a:latin typeface="맑은 고딕" charset="0"/>
+                <a:ea typeface="맑은 고딕" charset="0"/>
               </a:rPr>
-              <a:t>게임소개 </a:t>
-            </a:r>
-            <a:r>
-              <a:rPr lang="en-US" altLang="ko-KR" sz="4400" dirty="0">
-                <a:solidFill>
-                  <a:schemeClr val="accent1">
-                    <a:lumMod val="75000"/>
-                  </a:schemeClr>
-                </a:solidFill>
-              </a:rPr>
-              <a:t>– </a:t>
-            </a:r>
-            <a:r>
-              <a:rPr lang="ko-KR" altLang="en-US" sz="4400" dirty="0" err="1">
-                <a:solidFill>
-                  <a:schemeClr val="accent1">
-                    <a:lumMod val="75000"/>
-                  </a:schemeClr>
-                </a:solidFill>
-              </a:rPr>
-              <a:t>인게임</a:t>
-            </a:r>
-            <a:endParaRPr lang="ko-KR" altLang="en-US" sz="4400" dirty="0">
+              <a:t>게임 플레이</a:t>
+            </a:r>
+            <a:endParaRPr lang="ko-KR" altLang="en-US" sz="4400" cap="none" dirty="0" smtClean="0" b="0">
               <a:solidFill>
                 <a:schemeClr val="accent1">
                   <a:lumMod val="75000"/>
                 </a:schemeClr>
               </a:solidFill>
+              <a:latin typeface="맑은 고딕" charset="0"/>
+              <a:ea typeface="맑은 고딕" charset="0"/>
             </a:endParaRPr>
           </a:p>
         </p:txBody>
@@ -7170,8 +7411,8 @@
         </p:blipFill>
         <p:spPr>
           <a:xfrm>
-            <a:off x="482600" y="2127796"/>
-            <a:ext cx="3469877" cy="2602408"/>
+            <a:off x="482600" y="2127885"/>
+            <a:ext cx="3469640" cy="2602230"/>
           </a:xfrm>
           <a:prstGeom prst="rect">
             <a:avLst/>
@@ -7192,8 +7433,8 @@
         </p:nvSpPr>
         <p:spPr>
           <a:xfrm>
-            <a:off x="5010150" y="2023021"/>
-            <a:ext cx="2409825" cy="3015704"/>
+            <a:off x="5010150" y="2023110"/>
+            <a:ext cx="2409825" cy="3015615"/>
           </a:xfrm>
           <a:prstGeom prst="lightningBolt">
             <a:avLst/>
@@ -7230,6 +7471,65 @@
           </a:p>
         </p:txBody>
       </p:sp>
+      <p:sp>
+        <p:nvSpPr>
+          <p:cNvPr id="7" name="텍스트 상자 6"/>
+          <p:cNvSpPr txBox="1">
+            <a:spLocks/>
+          </p:cNvSpPr>
+          <p:nvPr/>
+        </p:nvSpPr>
+        <p:spPr>
+          <a:xfrm rot="0">
+            <a:off x="5364480" y="800735"/>
+            <a:ext cx="4872990" cy="370205"/>
+          </a:xfrm>
+          <a:prstGeom prst="rect"/>
+          <a:noFill/>
+          <a:ln w="0">
+            <a:noFill/>
+            <a:prstDash/>
+          </a:ln>
+        </p:spPr>
+        <p:txBody>
+          <a:bodyPr wrap="square" lIns="89535" tIns="46355" rIns="89535" bIns="46355" vert="horz" anchor="t">
+            <a:spAutoFit/>
+          </a:bodyPr>
+          <a:lstStyle/>
+          <a:p>
+            <a:pPr marL="0" indent="0" algn="l" fontAlgn="auto" defTabSz="508000">
+              <a:lnSpc>
+                <a:spcPct val="100000"/>
+              </a:lnSpc>
+              <a:spcBef>
+                <a:spcPts val="0"/>
+              </a:spcBef>
+              <a:spcAft>
+                <a:spcPts val="0"/>
+              </a:spcAft>
+              <a:buFontTx/>
+              <a:buNone/>
+            </a:pPr>
+            <a:r>
+              <a:rPr lang="en-US" altLang="ko-KR" sz="1800" cap="none" dirty="0" smtClean="0" b="0">
+                <a:solidFill>
+                  <a:schemeClr val="tx1"/>
+                </a:solidFill>
+                <a:latin typeface="맑은 고딕" charset="0"/>
+                <a:ea typeface="맑은 고딕" charset="0"/>
+              </a:rPr>
+              <a:t>각종 트랩 사용법을 설명한다</a:t>
+            </a:r>
+            <a:endParaRPr lang="ko-KR" altLang="en-US" sz="1800" cap="none" dirty="0" smtClean="0" b="0">
+              <a:solidFill>
+                <a:schemeClr val="tx1"/>
+              </a:solidFill>
+              <a:latin typeface="맑은 고딕" charset="0"/>
+              <a:ea typeface="맑은 고딕" charset="0"/>
+            </a:endParaRPr>
+          </a:p>
+        </p:txBody>
+      </p:sp>
     </p:spTree>
     <p:extLst>
       <p:ext uri="{BB962C8B-B14F-4D97-AF65-F5344CB8AC3E}">
@@ -7240,11 +7540,26 @@
   <p:clrMapOvr>
     <a:masterClrMapping/>
   </p:clrMapOvr>
+  <mc:AlternateContent xmlns:mc="http://schemas.openxmlformats.org/markup-compatibility/2006">
+    <mc:Choice xmlns:p14="http://schemas.microsoft.com/office/powerpoint/2010/main" Requires="p14">
+      <p:transition spd="slow" p14:dur="2000"/>
+    </mc:Choice>
+    <mc:Fallback>
+      <p:transition spd="slow"/>
+    </mc:Fallback>
+  </mc:AlternateContent>
+  <p:timing>
+    <p:tnLst>
+      <p:par>
+        <p:cTn id="1" dur="indefinite" restart="never" nodeType="tmRoot"/>
+      </p:par>
+    </p:tnLst>
+  </p:timing>
 </p:sld>
 </file>
 
-<file path=ppt/slides/slide12.xml><?xml version="1.0" encoding="utf-8"?>
-<p:sld xmlns:a="http://schemas.openxmlformats.org/drawingml/2006/main" xmlns:r="http://schemas.openxmlformats.org/officeDocument/2006/relationships" xmlns:p="http://schemas.openxmlformats.org/presentationml/2006/main">
+<file path=ppt/slides/slide13.xml><?xml version="1.0" encoding="utf-8"?>
+<p:sld xmlns:a="http://schemas.openxmlformats.org/drawingml/2006/main" xmlns:r="http://schemas.openxmlformats.org/officeDocument/2006/relationships" xmlns:p="http://schemas.openxmlformats.org/presentationml/2006/main" xmlns:p14="http://schemas.microsoft.com/office/powerpoint/2010/main">
   <p:cSld>
     <p:spTree>
       <p:nvGrpSpPr>
@@ -7282,7 +7597,7 @@
         </p:blipFill>
         <p:spPr>
           <a:xfrm>
-            <a:off x="1238250" y="1766887"/>
+            <a:off x="1238250" y="1766570"/>
             <a:ext cx="3324225" cy="3324225"/>
           </a:xfrm>
           <a:prstGeom prst="roundRect">
@@ -7303,6 +7618,65 @@
           </a:effectLst>
         </p:spPr>
       </p:pic>
+      <p:sp>
+        <p:nvSpPr>
+          <p:cNvPr id="5" name="TextBox 4"/>
+          <p:cNvSpPr txBox="1">
+            <a:spLocks/>
+          </p:cNvSpPr>
+          <p:nvPr/>
+        </p:nvSpPr>
+        <p:spPr>
+          <a:xfrm rot="0">
+            <a:off x="791845" y="423545"/>
+            <a:ext cx="5614035" cy="768985"/>
+          </a:xfrm>
+          <a:prstGeom prst="rect"/>
+          <a:noFill/>
+        </p:spPr>
+        <p:txBody>
+          <a:bodyPr wrap="square" lIns="91440" tIns="45720" rIns="91440" bIns="45720" vert="horz" anchor="t">
+            <a:spAutoFit/>
+          </a:bodyPr>
+          <a:lstStyle/>
+          <a:p>
+            <a:pPr marL="0" indent="0" algn="l" fontAlgn="auto" defTabSz="457200" eaLnBrk="0" latinLnBrk="0">
+              <a:lnSpc>
+                <a:spcPct val="100000"/>
+              </a:lnSpc>
+              <a:spcBef>
+                <a:spcPts val="0"/>
+              </a:spcBef>
+              <a:spcAft>
+                <a:spcPts val="0"/>
+              </a:spcAft>
+              <a:buFontTx/>
+              <a:buNone/>
+            </a:pPr>
+            <a:r>
+              <a:rPr lang="en-US" altLang="ko-KR" sz="4400" cap="none" dirty="0" smtClean="0" b="0">
+                <a:solidFill>
+                  <a:schemeClr val="accent1">
+                    <a:lumMod val="75000"/>
+                  </a:schemeClr>
+                </a:solidFill>
+                <a:latin typeface="맑은 고딕" charset="0"/>
+                <a:ea typeface="맑은 고딕" charset="0"/>
+              </a:rPr>
+              <a:t>게임 플레이</a:t>
+            </a:r>
+            <a:endParaRPr lang="ko-KR" altLang="en-US" sz="4400" cap="none" dirty="0" smtClean="0" b="0">
+              <a:solidFill>
+                <a:schemeClr val="accent1">
+                  <a:lumMod val="75000"/>
+                </a:schemeClr>
+              </a:solidFill>
+              <a:latin typeface="맑은 고딕" charset="0"/>
+              <a:ea typeface="맑은 고딕" charset="0"/>
+            </a:endParaRPr>
+          </a:p>
+        </p:txBody>
+      </p:sp>
     </p:spTree>
     <p:extLst>
       <p:ext uri="{BB962C8B-B14F-4D97-AF65-F5344CB8AC3E}">
@@ -7313,11 +7687,26 @@
   <p:clrMapOvr>
     <a:masterClrMapping/>
   </p:clrMapOvr>
+  <mc:AlternateContent xmlns:mc="http://schemas.openxmlformats.org/markup-compatibility/2006">
+    <mc:Choice xmlns:p14="http://schemas.microsoft.com/office/powerpoint/2010/main" Requires="p14">
+      <p:transition spd="slow" p14:dur="2000"/>
+    </mc:Choice>
+    <mc:Fallback>
+      <p:transition spd="slow"/>
+    </mc:Fallback>
+  </mc:AlternateContent>
+  <p:timing>
+    <p:tnLst>
+      <p:par>
+        <p:cTn id="1" dur="indefinite" restart="never" nodeType="tmRoot"/>
+      </p:par>
+    </p:tnLst>
+  </p:timing>
 </p:sld>
 </file>
 
-<file path=ppt/slides/slide13.xml><?xml version="1.0" encoding="utf-8"?>
-<p:sld xmlns:a="http://schemas.openxmlformats.org/drawingml/2006/main" xmlns:r="http://schemas.openxmlformats.org/officeDocument/2006/relationships" xmlns:p="http://schemas.openxmlformats.org/presentationml/2006/main">
+<file path=ppt/slides/slide14.xml><?xml version="1.0" encoding="utf-8"?>
+<p:sld xmlns:a="http://schemas.openxmlformats.org/drawingml/2006/main" xmlns:r="http://schemas.openxmlformats.org/officeDocument/2006/relationships" xmlns:p="http://schemas.openxmlformats.org/presentationml/2006/main" xmlns:p14="http://schemas.microsoft.com/office/powerpoint/2010/main">
   <p:cSld>
     <p:spTree>
       <p:nvGrpSpPr>
@@ -7333,74 +7722,62 @@
           <a:chExt cx="0" cy="0"/>
         </a:xfrm>
       </p:grpSpPr>
-    </p:spTree>
-    <p:extLst>
-      <p:ext uri="{BB962C8B-B14F-4D97-AF65-F5344CB8AC3E}">
-        <p14:creationId xmlns:p14="http://schemas.microsoft.com/office/powerpoint/2010/main" val="611401221"/>
-      </p:ext>
-    </p:extLst>
-  </p:cSld>
-  <p:clrMapOvr>
-    <a:masterClrMapping/>
-  </p:clrMapOvr>
-</p:sld>
-</file>
-
-<file path=ppt/slides/slide14.xml><?xml version="1.0" encoding="utf-8"?>
-<p:sld xmlns:a="http://schemas.openxmlformats.org/drawingml/2006/main" xmlns:r="http://schemas.openxmlformats.org/officeDocument/2006/relationships" xmlns:p="http://schemas.openxmlformats.org/presentationml/2006/main">
-  <p:cSld>
-    <p:spTree>
-      <p:nvGrpSpPr>
-        <p:cNvPr id="1" name=""/>
-        <p:cNvGrpSpPr/>
-        <p:nvPr/>
-      </p:nvGrpSpPr>
-      <p:grpSpPr>
-        <a:xfrm>
-          <a:off x="0" y="0"/>
-          <a:ext cx="0" cy="0"/>
-          <a:chOff x="0" y="0"/>
-          <a:chExt cx="0" cy="0"/>
-        </a:xfrm>
-      </p:grpSpPr>
-      <p:sp>
-        <p:nvSpPr>
-          <p:cNvPr id="3" name="TextBox 2">
-            <a:extLst>
-              <a:ext uri="{FF2B5EF4-FFF2-40B4-BE49-F238E27FC236}">
-                <a16:creationId xmlns:a16="http://schemas.microsoft.com/office/drawing/2014/main" id="{D957C641-0286-4C53-9378-90E22A96150C}"/>
-              </a:ext>
-            </a:extLst>
-          </p:cNvPr>
-          <p:cNvSpPr txBox="1"/>
+      <p:sp>
+        <p:nvSpPr>
+          <p:cNvPr id="3" name="TextBox 2"/>
+          <p:cNvSpPr txBox="1">
+            <a:spLocks/>
+          </p:cNvSpPr>
           <p:nvPr/>
         </p:nvSpPr>
         <p:spPr>
-          <a:xfrm>
-            <a:off x="482600" y="381000"/>
-            <a:ext cx="5613400" cy="769441"/>
+          <a:xfrm rot="0">
+            <a:off x="813435" y="508635"/>
+            <a:ext cx="5614035" cy="768985"/>
           </a:xfrm>
-          <a:prstGeom prst="rect">
-            <a:avLst/>
-          </a:prstGeom>
+          <a:prstGeom prst="rect"/>
           <a:noFill/>
         </p:spPr>
         <p:txBody>
-          <a:bodyPr wrap="square" rtlCol="0">
+          <a:bodyPr wrap="square" lIns="91440" tIns="45720" rIns="91440" bIns="45720" numCol="1" vert="horz" anchor="t">
             <a:spAutoFit/>
           </a:bodyPr>
           <a:lstStyle/>
           <a:p>
-            <a:r>
-              <a:rPr lang="ko-KR" altLang="en-US" sz="4400" dirty="0">
+            <a:pPr marL="0" indent="0" algn="l" fontAlgn="auto" defTabSz="457200" eaLnBrk="0" latinLnBrk="0">
+              <a:lnSpc>
+                <a:spcPct val="100000"/>
+              </a:lnSpc>
+              <a:spcBef>
+                <a:spcPts val="0"/>
+              </a:spcBef>
+              <a:spcAft>
+                <a:spcPts val="0"/>
+              </a:spcAft>
+              <a:buFontTx/>
+              <a:buNone/>
+            </a:pPr>
+            <a:r>
+              <a:rPr lang="en-US" altLang="ko-KR" sz="4400" cap="none" dirty="0" smtClean="0" b="0">
                 <a:solidFill>
                   <a:schemeClr val="accent1">
                     <a:lumMod val="75000"/>
                   </a:schemeClr>
                 </a:solidFill>
+                <a:latin typeface="맑은 고딕" charset="0"/>
+                <a:ea typeface="맑은 고딕" charset="0"/>
               </a:rPr>
-              <a:t>개발일정</a:t>
-            </a:r>
+              <a:t>개발 일정</a:t>
+            </a:r>
+            <a:endParaRPr lang="ko-KR" altLang="en-US" sz="4400" cap="none" dirty="0" smtClean="0" b="0">
+              <a:solidFill>
+                <a:schemeClr val="accent1">
+                  <a:lumMod val="75000"/>
+                </a:schemeClr>
+              </a:solidFill>
+              <a:latin typeface="맑은 고딕" charset="0"/>
+              <a:ea typeface="맑은 고딕" charset="0"/>
+            </a:endParaRPr>
           </a:p>
         </p:txBody>
       </p:sp>
@@ -7414,6 +7791,21 @@
   <p:clrMapOvr>
     <a:masterClrMapping/>
   </p:clrMapOvr>
+  <mc:AlternateContent xmlns:mc="http://schemas.openxmlformats.org/markup-compatibility/2006">
+    <mc:Choice xmlns:p14="http://schemas.microsoft.com/office/powerpoint/2010/main" Requires="p14">
+      <p:transition spd="slow" p14:dur="2000"/>
+    </mc:Choice>
+    <mc:Fallback>
+      <p:transition spd="slow"/>
+    </mc:Fallback>
+  </mc:AlternateContent>
+  <p:timing>
+    <p:tnLst>
+      <p:par>
+        <p:cTn id="1" dur="indefinite" restart="never" nodeType="tmRoot"/>
+      </p:par>
+    </p:tnLst>
+  </p:timing>
 </p:sld>
 </file>
 
@@ -7489,7 +7881,7 @@
 </file>
 
 <file path=ppt/slides/slide2.xml><?xml version="1.0" encoding="utf-8"?>
-<p:sld xmlns:a="http://schemas.openxmlformats.org/drawingml/2006/main" xmlns:r="http://schemas.openxmlformats.org/officeDocument/2006/relationships" xmlns:p="http://schemas.openxmlformats.org/presentationml/2006/main">
+<p:sld xmlns:a="http://schemas.openxmlformats.org/drawingml/2006/main" xmlns:r="http://schemas.openxmlformats.org/officeDocument/2006/relationships" xmlns:p="http://schemas.openxmlformats.org/presentationml/2006/main" xmlns:p14="http://schemas.microsoft.com/office/powerpoint/2010/main">
   <p:cSld>
     <p:spTree>
       <p:nvGrpSpPr>
@@ -7507,42 +7899,301 @@
       </p:grpSpPr>
       <p:sp>
         <p:nvSpPr>
-          <p:cNvPr id="6" name="TextBox 5">
-            <a:extLst>
-              <a:ext uri="{FF2B5EF4-FFF2-40B4-BE49-F238E27FC236}">
-                <a16:creationId xmlns:a16="http://schemas.microsoft.com/office/drawing/2014/main" id="{4F5F6214-4ED6-440C-8488-40370266643C}"/>
-              </a:ext>
-            </a:extLst>
-          </p:cNvPr>
-          <p:cNvSpPr txBox="1"/>
+          <p:cNvPr id="6" name="TextBox 5"/>
+          <p:cNvSpPr txBox="1">
+            <a:spLocks/>
+          </p:cNvSpPr>
           <p:nvPr/>
         </p:nvSpPr>
         <p:spPr>
-          <a:xfrm>
-            <a:off x="387350" y="581025"/>
-            <a:ext cx="4610100" cy="769441"/>
+          <a:xfrm rot="0">
+            <a:off x="565785" y="504825"/>
+            <a:ext cx="4610735" cy="770255"/>
           </a:xfrm>
-          <a:prstGeom prst="rect">
-            <a:avLst/>
-          </a:prstGeom>
+          <a:prstGeom prst="rect"/>
           <a:noFill/>
         </p:spPr>
         <p:txBody>
-          <a:bodyPr wrap="square" rtlCol="0">
+          <a:bodyPr wrap="square" lIns="91440" tIns="45720" rIns="91440" bIns="45720" numCol="1" vert="horz" anchor="t">
             <a:spAutoFit/>
           </a:bodyPr>
           <a:lstStyle/>
           <a:p>
-            <a:r>
-              <a:rPr lang="ko-KR" altLang="en-US" sz="4400" dirty="0">
+            <a:pPr marL="0" indent="0" algn="l" fontAlgn="auto" defTabSz="457200" eaLnBrk="0" latinLnBrk="0">
+              <a:lnSpc>
+                <a:spcPct val="100000"/>
+              </a:lnSpc>
+              <a:spcBef>
+                <a:spcPts val="0"/>
+              </a:spcBef>
+              <a:spcAft>
+                <a:spcPts val="0"/>
+              </a:spcAft>
+              <a:buFontTx/>
+              <a:buNone/>
+            </a:pPr>
+            <a:r>
+              <a:rPr lang="en-US" altLang="ko-KR" sz="4400" cap="none" dirty="0" smtClean="0" b="0">
                 <a:solidFill>
                   <a:schemeClr val="accent1">
                     <a:lumMod val="75000"/>
                   </a:schemeClr>
                 </a:solidFill>
+                <a:latin typeface="맑은 고딕" charset="0"/>
+                <a:ea typeface="맑은 고딕" charset="0"/>
               </a:rPr>
               <a:t>목차</a:t>
             </a:r>
+            <a:endParaRPr lang="ko-KR" altLang="en-US" sz="4400" cap="none" dirty="0" smtClean="0" b="0">
+              <a:solidFill>
+                <a:schemeClr val="accent1">
+                  <a:lumMod val="75000"/>
+                </a:schemeClr>
+              </a:solidFill>
+              <a:latin typeface="맑은 고딕" charset="0"/>
+              <a:ea typeface="맑은 고딕" charset="0"/>
+            </a:endParaRPr>
+          </a:p>
+        </p:txBody>
+      </p:sp>
+      <p:sp>
+        <p:nvSpPr>
+          <p:cNvPr id="7" name="TextBox 6"/>
+          <p:cNvSpPr txBox="1">
+            <a:spLocks/>
+          </p:cNvSpPr>
+          <p:nvPr/>
+        </p:nvSpPr>
+        <p:spPr>
+          <a:xfrm rot="0">
+            <a:off x="1085850" y="2090419"/>
+            <a:ext cx="10020935" cy="3781425"/>
+          </a:xfrm>
+          <a:prstGeom prst="rect"/>
+          <a:noFill/>
+        </p:spPr>
+        <p:txBody>
+          <a:bodyPr wrap="square" lIns="91440" tIns="45720" rIns="91440" bIns="45720" vert="horz" anchor="t">
+            <a:spAutoFit/>
+          </a:bodyPr>
+          <a:lstStyle/>
+          <a:p>
+            <a:pPr marL="254000" indent="-254000" algn="l" fontAlgn="auto" defTabSz="457200" eaLnBrk="0" latinLnBrk="0">
+              <a:lnSpc>
+                <a:spcPct val="100000"/>
+              </a:lnSpc>
+              <a:spcBef>
+                <a:spcPts val="0"/>
+              </a:spcBef>
+              <a:spcAft>
+                <a:spcPts val="0"/>
+              </a:spcAft>
+              <a:buFont typeface="Wingdings"/>
+              <a:buChar char="v"/>
+            </a:pPr>
+            <a:r>
+              <a:rPr lang="en-US" altLang="ko-KR" sz="2400" cap="none" dirty="0" smtClean="0" b="0">
+                <a:latin typeface="맑은 고딕" charset="0"/>
+                <a:ea typeface="맑은 고딕" charset="0"/>
+              </a:rPr>
+              <a:t> 연구 목적</a:t>
+            </a:r>
+            <a:endParaRPr lang="ko-KR" altLang="en-US" sz="2400" cap="none" dirty="0" smtClean="0" b="0">
+              <a:latin typeface="맑은 고딕" charset="0"/>
+              <a:ea typeface="맑은 고딕" charset="0"/>
+            </a:endParaRPr>
+          </a:p>
+          <a:p>
+            <a:pPr marL="254000" indent="-254000" algn="l" fontAlgn="auto" defTabSz="457200" eaLnBrk="0" latinLnBrk="0">
+              <a:lnSpc>
+                <a:spcPct val="100000"/>
+              </a:lnSpc>
+              <a:spcBef>
+                <a:spcPts val="0"/>
+              </a:spcBef>
+              <a:spcAft>
+                <a:spcPts val="0"/>
+              </a:spcAft>
+              <a:buFont typeface="Wingdings"/>
+              <a:buChar char="v"/>
+            </a:pPr>
+            <a:endParaRPr lang="ko-KR" altLang="en-US" sz="2400" cap="none" dirty="0" smtClean="0" b="0">
+              <a:latin typeface="맑은 고딕" charset="0"/>
+              <a:ea typeface="맑은 고딕" charset="0"/>
+            </a:endParaRPr>
+          </a:p>
+          <a:p>
+            <a:pPr marL="254000" indent="-254000" algn="l" fontAlgn="auto" defTabSz="457200" eaLnBrk="0" latinLnBrk="0">
+              <a:lnSpc>
+                <a:spcPct val="100000"/>
+              </a:lnSpc>
+              <a:spcBef>
+                <a:spcPts val="0"/>
+              </a:spcBef>
+              <a:spcAft>
+                <a:spcPts val="0"/>
+              </a:spcAft>
+              <a:buFont typeface="Wingdings"/>
+              <a:buChar char="v"/>
+            </a:pPr>
+            <a:r>
+              <a:rPr lang="en-US" altLang="ko-KR" sz="2400" cap="none" dirty="0" smtClean="0" b="0">
+                <a:latin typeface="맑은 고딕" charset="0"/>
+                <a:ea typeface="맑은 고딕" charset="0"/>
+              </a:rPr>
+              <a:t> 게임 소개</a:t>
+            </a:r>
+            <a:endParaRPr lang="ko-KR" altLang="en-US" sz="2400" cap="none" dirty="0" smtClean="0" b="0">
+              <a:latin typeface="맑은 고딕" charset="0"/>
+              <a:ea typeface="맑은 고딕" charset="0"/>
+            </a:endParaRPr>
+          </a:p>
+          <a:p>
+            <a:pPr marL="254000" indent="-254000" algn="l" fontAlgn="auto" defTabSz="457200" eaLnBrk="0" latinLnBrk="0">
+              <a:lnSpc>
+                <a:spcPct val="100000"/>
+              </a:lnSpc>
+              <a:spcBef>
+                <a:spcPts val="0"/>
+              </a:spcBef>
+              <a:spcAft>
+                <a:spcPts val="0"/>
+              </a:spcAft>
+              <a:buFont typeface="Wingdings"/>
+              <a:buChar char="v"/>
+            </a:pPr>
+            <a:endParaRPr lang="ko-KR" altLang="en-US" sz="2400" cap="none" dirty="0" smtClean="0" b="0">
+              <a:latin typeface="맑은 고딕" charset="0"/>
+              <a:ea typeface="맑은 고딕" charset="0"/>
+            </a:endParaRPr>
+          </a:p>
+          <a:p>
+            <a:pPr marL="254000" indent="-254000" algn="l" fontAlgn="auto" defTabSz="457200" eaLnBrk="0" latinLnBrk="0">
+              <a:lnSpc>
+                <a:spcPct val="100000"/>
+              </a:lnSpc>
+              <a:spcBef>
+                <a:spcPts val="0"/>
+              </a:spcBef>
+              <a:spcAft>
+                <a:spcPts val="0"/>
+              </a:spcAft>
+              <a:buFont typeface="Wingdings"/>
+              <a:buChar char="v"/>
+            </a:pPr>
+            <a:r>
+              <a:rPr lang="en-US" altLang="ko-KR" sz="2400" cap="none" dirty="0" smtClean="0" b="0">
+                <a:latin typeface="맑은 고딕" charset="0"/>
+                <a:ea typeface="맑은 고딕" charset="0"/>
+              </a:rPr>
+              <a:t> 조작 방법</a:t>
+            </a:r>
+            <a:endParaRPr lang="ko-KR" altLang="en-US" sz="2400" cap="none" dirty="0" smtClean="0" b="0">
+              <a:latin typeface="맑은 고딕" charset="0"/>
+              <a:ea typeface="맑은 고딕" charset="0"/>
+            </a:endParaRPr>
+          </a:p>
+          <a:p>
+            <a:pPr marL="0" indent="0" algn="l" fontAlgn="auto" defTabSz="457200" eaLnBrk="0" latinLnBrk="0">
+              <a:lnSpc>
+                <a:spcPct val="100000"/>
+              </a:lnSpc>
+              <a:spcBef>
+                <a:spcPts val="0"/>
+              </a:spcBef>
+              <a:spcAft>
+                <a:spcPts val="0"/>
+              </a:spcAft>
+              <a:buFontTx/>
+              <a:buNone/>
+            </a:pPr>
+            <a:endParaRPr lang="ko-KR" altLang="en-US" sz="2400" cap="none" dirty="0" smtClean="0" b="0">
+              <a:latin typeface="맑은 고딕" charset="0"/>
+              <a:ea typeface="맑은 고딕" charset="0"/>
+            </a:endParaRPr>
+          </a:p>
+          <a:p>
+            <a:pPr marL="254000" indent="-254000" algn="l" fontAlgn="auto" defTabSz="457200" eaLnBrk="0" latinLnBrk="0">
+              <a:lnSpc>
+                <a:spcPct val="100000"/>
+              </a:lnSpc>
+              <a:spcBef>
+                <a:spcPts val="0"/>
+              </a:spcBef>
+              <a:spcAft>
+                <a:spcPts val="0"/>
+              </a:spcAft>
+              <a:buFont typeface="Wingdings"/>
+              <a:buChar char="v"/>
+            </a:pPr>
+            <a:r>
+              <a:rPr lang="en-US" altLang="ko-KR" sz="2400" cap="none" dirty="0" smtClean="0" b="0">
+                <a:latin typeface="맑은 고딕" charset="0"/>
+                <a:ea typeface="맑은 고딕" charset="0"/>
+              </a:rPr>
+              <a:t> 게임 플레이</a:t>
+            </a:r>
+            <a:endParaRPr lang="ko-KR" altLang="en-US" sz="2400" cap="none" dirty="0" smtClean="0" b="0">
+              <a:latin typeface="맑은 고딕" charset="0"/>
+              <a:ea typeface="맑은 고딕" charset="0"/>
+            </a:endParaRPr>
+          </a:p>
+          <a:p>
+            <a:pPr marL="254000" indent="-254000" algn="l" fontAlgn="auto" defTabSz="457200" eaLnBrk="0" latinLnBrk="0">
+              <a:lnSpc>
+                <a:spcPct val="100000"/>
+              </a:lnSpc>
+              <a:spcBef>
+                <a:spcPts val="0"/>
+              </a:spcBef>
+              <a:spcAft>
+                <a:spcPts val="0"/>
+              </a:spcAft>
+              <a:buFont typeface="Wingdings"/>
+              <a:buChar char="v"/>
+            </a:pPr>
+            <a:endParaRPr lang="ko-KR" altLang="en-US" sz="2400" cap="none" dirty="0" smtClean="0" b="0">
+              <a:latin typeface="맑은 고딕" charset="0"/>
+              <a:ea typeface="맑은 고딕" charset="0"/>
+            </a:endParaRPr>
+          </a:p>
+          <a:p>
+            <a:pPr marL="254000" indent="-254000" algn="l" fontAlgn="auto" defTabSz="457200" eaLnBrk="0" latinLnBrk="0">
+              <a:lnSpc>
+                <a:spcPct val="100000"/>
+              </a:lnSpc>
+              <a:spcBef>
+                <a:spcPts val="0"/>
+              </a:spcBef>
+              <a:spcAft>
+                <a:spcPts val="0"/>
+              </a:spcAft>
+              <a:buFont typeface="Wingdings"/>
+              <a:buChar char="v"/>
+            </a:pPr>
+            <a:endParaRPr lang="ko-KR" altLang="en-US" sz="2400" cap="none" dirty="0" smtClean="0" b="0">
+              <a:latin typeface="맑은 고딕" charset="0"/>
+              <a:ea typeface="맑은 고딕" charset="0"/>
+            </a:endParaRPr>
+          </a:p>
+          <a:p>
+            <a:pPr marL="0" indent="0" algn="l" fontAlgn="auto" defTabSz="457200" eaLnBrk="0" latinLnBrk="0">
+              <a:lnSpc>
+                <a:spcPct val="100000"/>
+              </a:lnSpc>
+              <a:spcBef>
+                <a:spcPts val="0"/>
+              </a:spcBef>
+              <a:spcAft>
+                <a:spcPts val="0"/>
+              </a:spcAft>
+              <a:buFontTx/>
+              <a:buNone/>
+            </a:pPr>
+            <a:endParaRPr lang="ko-KR" altLang="en-US" sz="2400" cap="none" dirty="0" smtClean="0" b="0">
+              <a:latin typeface="맑은 고딕" charset="0"/>
+              <a:ea typeface="맑은 고딕" charset="0"/>
+            </a:endParaRPr>
           </a:p>
         </p:txBody>
       </p:sp>
@@ -7556,6 +8207,21 @@
   <p:clrMapOvr>
     <a:masterClrMapping/>
   </p:clrMapOvr>
+  <mc:AlternateContent xmlns:mc="http://schemas.openxmlformats.org/markup-compatibility/2006">
+    <mc:Choice xmlns:p14="http://schemas.microsoft.com/office/powerpoint/2010/main" Requires="p14">
+      <p:transition spd="slow" p14:dur="2000"/>
+    </mc:Choice>
+    <mc:Fallback>
+      <p:transition spd="slow"/>
+    </mc:Fallback>
+  </mc:AlternateContent>
+  <p:timing>
+    <p:tnLst>
+      <p:par>
+        <p:cTn id="1" dur="indefinite" restart="never" nodeType="tmRoot"/>
+      </p:par>
+    </p:tnLst>
+  </p:timing>
 </p:sld>
 </file>
 
@@ -7732,7 +8398,7 @@
 </file>
 
 <file path=ppt/slides/slide4.xml><?xml version="1.0" encoding="utf-8"?>
-<p:sld xmlns:a="http://schemas.openxmlformats.org/drawingml/2006/main" xmlns:r="http://schemas.openxmlformats.org/officeDocument/2006/relationships" xmlns:p="http://schemas.openxmlformats.org/presentationml/2006/main">
+<p:sld xmlns:a="http://schemas.openxmlformats.org/drawingml/2006/main" xmlns:r="http://schemas.openxmlformats.org/officeDocument/2006/relationships" xmlns:p="http://schemas.openxmlformats.org/presentationml/2006/main" xmlns:p14="http://schemas.microsoft.com/office/powerpoint/2010/main">
   <p:cSld>
     <p:spTree>
       <p:nvGrpSpPr>
@@ -7763,7 +8429,7 @@
         <p:spPr>
           <a:xfrm>
             <a:off x="482600" y="381000"/>
-            <a:ext cx="5880100" cy="769441"/>
+            <a:ext cx="5880100" cy="769620"/>
           </a:xfrm>
           <a:prstGeom prst="rect">
             <a:avLst/>
@@ -7791,59 +8457,257 @@
       </p:sp>
       <p:sp>
         <p:nvSpPr>
-          <p:cNvPr id="2" name="TextBox 1">
-            <a:extLst>
-              <a:ext uri="{FF2B5EF4-FFF2-40B4-BE49-F238E27FC236}">
-                <a16:creationId xmlns:a16="http://schemas.microsoft.com/office/drawing/2014/main" id="{7732E46B-654D-43D2-A8CD-898973E1F01B}"/>
-              </a:ext>
-            </a:extLst>
-          </p:cNvPr>
-          <p:cNvSpPr txBox="1"/>
+          <p:cNvPr id="2" name="TextBox 1"/>
+          <p:cNvSpPr txBox="1">
+            <a:spLocks/>
+          </p:cNvSpPr>
           <p:nvPr/>
         </p:nvSpPr>
         <p:spPr>
-          <a:xfrm>
-            <a:off x="2527300" y="1597729"/>
-            <a:ext cx="7137400" cy="2369880"/>
+          <a:xfrm rot="0">
+            <a:off x="960120" y="1791970"/>
+            <a:ext cx="7138035" cy="2370455"/>
           </a:xfrm>
-          <a:prstGeom prst="rect">
-            <a:avLst/>
-          </a:prstGeom>
+          <a:prstGeom prst="rect"/>
           <a:noFill/>
         </p:spPr>
         <p:txBody>
-          <a:bodyPr wrap="square" rtlCol="0">
+          <a:bodyPr wrap="square" lIns="91440" tIns="45720" rIns="91440" bIns="45720" numCol="1" vert="horz" anchor="t">
             <a:spAutoFit/>
           </a:bodyPr>
           <a:lstStyle/>
           <a:p>
-            <a:r>
-              <a:rPr lang="ko-KR" altLang="en-US" sz="2800" dirty="0"/>
-              <a:t>캐릭터의 특징을 살리기 위한 자석요소 추가</a:t>
-            </a:r>
-            <a:r>
-              <a:rPr lang="en-US" altLang="ko-KR" sz="2800" dirty="0"/>
+            <a:pPr marL="0" indent="0" algn="l" fontAlgn="auto" defTabSz="457200" eaLnBrk="0" latinLnBrk="0">
+              <a:lnSpc>
+                <a:spcPct val="100000"/>
+              </a:lnSpc>
+              <a:spcBef>
+                <a:spcPts val="0"/>
+              </a:spcBef>
+              <a:spcAft>
+                <a:spcPts val="0"/>
+              </a:spcAft>
+              <a:buFontTx/>
+              <a:buNone/>
+            </a:pPr>
+            <a:r>
+              <a:rPr lang="en-US" altLang="ko-KR" sz="2800" cap="none" dirty="0" smtClean="0" b="0">
+                <a:latin typeface="맑은 고딕" charset="0"/>
+                <a:ea typeface="맑은 고딕" charset="0"/>
+              </a:rPr>
+              <a:t>캐릭터의</a:t>
+            </a:r>
+            <a:r>
+              <a:rPr lang="en-US" altLang="ko-KR" sz="2800" cap="none" dirty="0" smtClean="0" b="0">
+                <a:latin typeface="Century Gothic" charset="0"/>
+                <a:ea typeface="Century Gothic" charset="0"/>
+              </a:rPr>
+              <a:t> </a:t>
+            </a:r>
+            <a:r>
+              <a:rPr lang="en-US" altLang="ko-KR" sz="2800" cap="none" dirty="0" smtClean="0" b="0">
+                <a:latin typeface="맑은 고딕" charset="0"/>
+                <a:ea typeface="맑은 고딕" charset="0"/>
+              </a:rPr>
+              <a:t>특징을</a:t>
+            </a:r>
+            <a:r>
+              <a:rPr lang="en-US" altLang="ko-KR" sz="2800" cap="none" dirty="0" smtClean="0" b="0">
+                <a:latin typeface="Century Gothic" charset="0"/>
+                <a:ea typeface="Century Gothic" charset="0"/>
+              </a:rPr>
+              <a:t> </a:t>
+            </a:r>
+            <a:r>
+              <a:rPr lang="en-US" altLang="ko-KR" sz="2800" cap="none" dirty="0" smtClean="0" b="0">
+                <a:latin typeface="맑은 고딕" charset="0"/>
+                <a:ea typeface="맑은 고딕" charset="0"/>
+              </a:rPr>
+              <a:t>살리기</a:t>
+            </a:r>
+            <a:r>
+              <a:rPr lang="en-US" altLang="ko-KR" sz="2800" cap="none" dirty="0" smtClean="0" b="0">
+                <a:latin typeface="Century Gothic" charset="0"/>
+                <a:ea typeface="Century Gothic" charset="0"/>
+              </a:rPr>
+              <a:t> </a:t>
+            </a:r>
+            <a:r>
+              <a:rPr lang="en-US" altLang="ko-KR" sz="2800" cap="none" dirty="0" smtClean="0" b="0">
+                <a:latin typeface="맑은 고딕" charset="0"/>
+                <a:ea typeface="맑은 고딕" charset="0"/>
+              </a:rPr>
+              <a:t>위한</a:t>
+            </a:r>
+            <a:r>
+              <a:rPr lang="en-US" altLang="ko-KR" sz="2800" cap="none" dirty="0" smtClean="0" b="0">
+                <a:latin typeface="Century Gothic" charset="0"/>
+                <a:ea typeface="Century Gothic" charset="0"/>
+              </a:rPr>
+              <a:t> </a:t>
+            </a:r>
+            <a:r>
+              <a:rPr lang="en-US" altLang="ko-KR" sz="2800" cap="none" dirty="0" smtClean="0" b="0">
+                <a:latin typeface="맑은 고딕" charset="0"/>
+                <a:ea typeface="맑은 고딕" charset="0"/>
+              </a:rPr>
+              <a:t>자석요소</a:t>
+            </a:r>
+            <a:r>
+              <a:rPr lang="en-US" altLang="ko-KR" sz="2800" cap="none" dirty="0" smtClean="0" b="0">
+                <a:latin typeface="Century Gothic" charset="0"/>
+                <a:ea typeface="Century Gothic" charset="0"/>
+              </a:rPr>
+              <a:t> </a:t>
+            </a:r>
+            <a:r>
+              <a:rPr lang="en-US" altLang="ko-KR" sz="2800" cap="none" dirty="0" smtClean="0" b="0">
+                <a:latin typeface="맑은 고딕" charset="0"/>
+                <a:ea typeface="맑은 고딕" charset="0"/>
+              </a:rPr>
+              <a:t>추가</a:t>
+            </a:r>
+            <a:r>
+              <a:rPr lang="en-US" altLang="ko-KR" sz="2800" cap="none" dirty="0" smtClean="0" b="0">
+                <a:latin typeface="Century Gothic" charset="0"/>
+                <a:ea typeface="Century Gothic" charset="0"/>
+              </a:rPr>
               <a:t>.</a:t>
             </a:r>
-          </a:p>
-          <a:p>
-            <a:endParaRPr lang="en-US" altLang="ko-KR" sz="2800" dirty="0"/>
-          </a:p>
-          <a:p>
-            <a:r>
-              <a:rPr lang="ko-KR" altLang="en-US" sz="2800" dirty="0"/>
-              <a:t>전자석이라는 요소를 도입</a:t>
-            </a:r>
-            <a:endParaRPr lang="en-US" altLang="ko-KR" sz="2800" dirty="0"/>
-          </a:p>
-          <a:p>
-            <a:endParaRPr lang="en-US" altLang="ko-KR" sz="2800" dirty="0"/>
-          </a:p>
-          <a:p>
-            <a:endParaRPr lang="en-US" altLang="ko-KR" dirty="0"/>
-          </a:p>
-          <a:p>
-            <a:endParaRPr lang="en-US" altLang="ko-KR" dirty="0"/>
+            <a:endParaRPr lang="ko-KR" altLang="en-US" sz="2800" cap="none" dirty="0" smtClean="0" b="0">
+              <a:latin typeface="Century Gothic" charset="0"/>
+              <a:ea typeface="Century Gothic" charset="0"/>
+            </a:endParaRPr>
+          </a:p>
+          <a:p>
+            <a:pPr marL="0" indent="0" algn="l" fontAlgn="auto" defTabSz="457200" eaLnBrk="0" latinLnBrk="0">
+              <a:lnSpc>
+                <a:spcPct val="100000"/>
+              </a:lnSpc>
+              <a:spcBef>
+                <a:spcPts val="0"/>
+              </a:spcBef>
+              <a:spcAft>
+                <a:spcPts val="0"/>
+              </a:spcAft>
+              <a:buFontTx/>
+              <a:buNone/>
+            </a:pPr>
+            <a:endParaRPr lang="ko-KR" altLang="en-US" sz="2800" cap="none" dirty="0" smtClean="0" b="0">
+              <a:latin typeface="Century Gothic" charset="0"/>
+              <a:ea typeface="Century Gothic" charset="0"/>
+            </a:endParaRPr>
+          </a:p>
+          <a:p>
+            <a:pPr marL="0" indent="0" algn="l" fontAlgn="auto" defTabSz="457200" eaLnBrk="0" latinLnBrk="0">
+              <a:lnSpc>
+                <a:spcPct val="100000"/>
+              </a:lnSpc>
+              <a:spcBef>
+                <a:spcPts val="0"/>
+              </a:spcBef>
+              <a:spcAft>
+                <a:spcPts val="0"/>
+              </a:spcAft>
+              <a:buFontTx/>
+              <a:buNone/>
+            </a:pPr>
+            <a:r>
+              <a:rPr lang="en-US" altLang="ko-KR" sz="2800" cap="none" dirty="0" smtClean="0" b="0">
+                <a:latin typeface="맑은 고딕" charset="0"/>
+                <a:ea typeface="맑은 고딕" charset="0"/>
+              </a:rPr>
+              <a:t>전자석이라는</a:t>
+            </a:r>
+            <a:r>
+              <a:rPr lang="en-US" altLang="ko-KR" sz="2800" cap="none" dirty="0" smtClean="0" b="0">
+                <a:latin typeface="Century Gothic" charset="0"/>
+                <a:ea typeface="Century Gothic" charset="0"/>
+              </a:rPr>
+              <a:t> </a:t>
+            </a:r>
+            <a:r>
+              <a:rPr lang="en-US" altLang="ko-KR" sz="2800" cap="none" dirty="0" smtClean="0" b="0">
+                <a:latin typeface="맑은 고딕" charset="0"/>
+                <a:ea typeface="맑은 고딕" charset="0"/>
+              </a:rPr>
+              <a:t>요소를</a:t>
+            </a:r>
+            <a:r>
+              <a:rPr lang="en-US" altLang="ko-KR" sz="2800" cap="none" dirty="0" smtClean="0" b="0">
+                <a:latin typeface="Century Gothic" charset="0"/>
+                <a:ea typeface="Century Gothic" charset="0"/>
+              </a:rPr>
+              <a:t> </a:t>
+            </a:r>
+            <a:r>
+              <a:rPr lang="en-US" altLang="ko-KR" sz="2800" cap="none" dirty="0" smtClean="0" b="0">
+                <a:latin typeface="맑은 고딕" charset="0"/>
+                <a:ea typeface="맑은 고딕" charset="0"/>
+              </a:rPr>
+              <a:t>도입</a:t>
+            </a:r>
+            <a:endParaRPr lang="ko-KR" altLang="en-US" sz="2800" cap="none" dirty="0" smtClean="0" b="0">
+              <a:latin typeface="맑은 고딕" charset="0"/>
+              <a:ea typeface="맑은 고딕" charset="0"/>
+            </a:endParaRPr>
+          </a:p>
+          <a:p>
+            <a:pPr marL="0" indent="0" algn="l" fontAlgn="auto" defTabSz="457200" eaLnBrk="0" latinLnBrk="0">
+              <a:lnSpc>
+                <a:spcPct val="100000"/>
+              </a:lnSpc>
+              <a:spcBef>
+                <a:spcPts val="0"/>
+              </a:spcBef>
+              <a:spcAft>
+                <a:spcPts val="0"/>
+              </a:spcAft>
+              <a:buFontTx/>
+              <a:buNone/>
+            </a:pPr>
+            <a:endParaRPr lang="ko-KR" altLang="en-US" sz="2800" cap="none" dirty="0" smtClean="0" b="0">
+              <a:latin typeface="Century Gothic" charset="0"/>
+              <a:ea typeface="Century Gothic" charset="0"/>
+            </a:endParaRPr>
+          </a:p>
+          <a:p>
+            <a:pPr marL="0" indent="0" algn="l" fontAlgn="auto" defTabSz="457200" eaLnBrk="0" latinLnBrk="0">
+              <a:lnSpc>
+                <a:spcPct val="100000"/>
+              </a:lnSpc>
+              <a:spcBef>
+                <a:spcPts val="0"/>
+              </a:spcBef>
+              <a:spcAft>
+                <a:spcPts val="0"/>
+              </a:spcAft>
+              <a:buFontTx/>
+              <a:buNone/>
+            </a:pPr>
+            <a:endParaRPr lang="ko-KR" altLang="en-US" sz="1800" cap="none" dirty="0" smtClean="0" b="0">
+              <a:latin typeface="Century Gothic" charset="0"/>
+              <a:ea typeface="Century Gothic" charset="0"/>
+            </a:endParaRPr>
+          </a:p>
+          <a:p>
+            <a:pPr marL="0" indent="0" algn="l" fontAlgn="auto" defTabSz="457200" eaLnBrk="0" latinLnBrk="0">
+              <a:lnSpc>
+                <a:spcPct val="100000"/>
+              </a:lnSpc>
+              <a:spcBef>
+                <a:spcPts val="0"/>
+              </a:spcBef>
+              <a:spcAft>
+                <a:spcPts val="0"/>
+              </a:spcAft>
+              <a:buFontTx/>
+              <a:buNone/>
+            </a:pPr>
+            <a:endParaRPr lang="ko-KR" altLang="en-US" sz="1800" cap="none" dirty="0" smtClean="0" b="0">
+              <a:latin typeface="Century Gothic" charset="0"/>
+              <a:ea typeface="Century Gothic" charset="0"/>
+            </a:endParaRPr>
           </a:p>
         </p:txBody>
       </p:sp>
@@ -7857,6 +8721,21 @@
   <p:clrMapOvr>
     <a:masterClrMapping/>
   </p:clrMapOvr>
+  <mc:AlternateContent xmlns:mc="http://schemas.openxmlformats.org/markup-compatibility/2006">
+    <mc:Choice xmlns:p14="http://schemas.microsoft.com/office/powerpoint/2010/main" Requires="p14">
+      <p:transition spd="slow" p14:dur="2000"/>
+    </mc:Choice>
+    <mc:Fallback>
+      <p:transition spd="slow"/>
+    </mc:Fallback>
+  </mc:AlternateContent>
+  <p:timing>
+    <p:tnLst>
+      <p:par>
+        <p:cTn id="1" dur="indefinite" restart="never" nodeType="tmRoot"/>
+      </p:par>
+    </p:tnLst>
+  </p:timing>
 </p:sld>
 </file>
 
@@ -8066,7 +8945,7 @@
 </file>
 
 <file path=ppt/slides/slide6.xml><?xml version="1.0" encoding="utf-8"?>
-<p:sld xmlns:a="http://schemas.openxmlformats.org/drawingml/2006/main" xmlns:r="http://schemas.openxmlformats.org/officeDocument/2006/relationships" xmlns:p="http://schemas.openxmlformats.org/presentationml/2006/main">
+<p:sld xmlns:a="http://schemas.openxmlformats.org/drawingml/2006/main" xmlns:r="http://schemas.openxmlformats.org/officeDocument/2006/relationships" xmlns:p="http://schemas.openxmlformats.org/presentationml/2006/main" xmlns:p14="http://schemas.microsoft.com/office/powerpoint/2010/main">
   <p:cSld>
     <p:spTree>
       <p:nvGrpSpPr>
@@ -8097,7 +8976,7 @@
         <p:spPr>
           <a:xfrm>
             <a:off x="482600" y="381000"/>
-            <a:ext cx="4610100" cy="769441"/>
+            <a:ext cx="4610100" cy="769620"/>
           </a:xfrm>
           <a:prstGeom prst="rect">
             <a:avLst/>
@@ -8125,7 +9004,7 @@
       </p:sp>
       <p:pic>
         <p:nvPicPr>
-          <p:cNvPr id="1026" name="Picture 2" descr="키보드 일러스트에 대한 이미지 검색결과">
+          <p:cNvPr id="1026" name="Picture 2">
             <a:extLst>
               <a:ext uri="{FF2B5EF4-FFF2-40B4-BE49-F238E27FC236}">
                 <a16:creationId xmlns:a16="http://schemas.microsoft.com/office/drawing/2014/main" id="{805EE7AA-D1F4-47C0-B634-1918D02D1E2C}"/>
@@ -8185,44 +9064,39 @@
       </p:pic>
       <p:pic>
         <p:nvPicPr>
-          <p:cNvPr id="4" name="그림 3">
-            <a:extLst>
-              <a:ext uri="{FF2B5EF4-FFF2-40B4-BE49-F238E27FC236}">
-                <a16:creationId xmlns:a16="http://schemas.microsoft.com/office/drawing/2014/main" id="{4CA99FD9-CA1F-42CB-9446-1CB0D901DCBF}"/>
-              </a:ext>
-            </a:extLst>
-          </p:cNvPr>
+          <p:cNvPr id="4" name="그림 3" descr="C:/Users/yang/AppData/Roaming/PolarisOffice/ETemp/1400_16054944/image3.jpg"/>
           <p:cNvPicPr>
             <a:picLocks noChangeAspect="1"/>
           </p:cNvPicPr>
           <p:nvPr/>
         </p:nvPicPr>
         <p:blipFill rotWithShape="1">
-          <a:blip r:embed="rId4"/>
+          <a:blip r:embed="rId4">
+            <a:extLst>
+              <a:ext uri="{28A0092B-C50C-407E-A947-70E740481C1C}">
+                <a14:useLocalDpi xmlns:a14="http://schemas.microsoft.com/office/drawing/2010/main" val="0"/>
+              </a:ext>
+            </a:extLst>
+          </a:blip>
           <a:srcRect l="889" t="31746" r="34917" b="18571"/>
-          <a:stretch/>
+          <a:stretch>
+            <a:fillRect/>
+          </a:stretch>
         </p:blipFill>
         <p:spPr>
-          <a:xfrm>
-            <a:off x="1120775" y="2025416"/>
-            <a:ext cx="6908800" cy="2807167"/>
+          <a:xfrm rot="0">
+            <a:off x="942975" y="2496185"/>
+            <a:ext cx="6909435" cy="2807970"/>
           </a:xfrm>
-          <a:prstGeom prst="rect">
-            <a:avLst/>
-          </a:prstGeom>
+          <a:prstGeom prst="rect"/>
+          <a:noFill/>
         </p:spPr>
       </p:pic>
       <p:pic>
         <p:nvPicPr>
-          <p:cNvPr id="1028" name="Picture 4" descr="마우스 일러스트 white에 대한 이미지 검색결과">
-            <a:extLst>
-              <a:ext uri="{FF2B5EF4-FFF2-40B4-BE49-F238E27FC236}">
-                <a16:creationId xmlns:a16="http://schemas.microsoft.com/office/drawing/2014/main" id="{FEE03BAD-3488-4D7E-B0B0-428426ADC3F2}"/>
-              </a:ext>
-            </a:extLst>
-          </p:cNvPr>
+          <p:cNvPr id="1028" name="Picture 4" descr="C:/Users/yang/AppData/Roaming/PolarisOffice/ETemp/1400_16054944/image4.png"/>
           <p:cNvPicPr>
-            <a:picLocks noChangeAspect="1" noChangeArrowheads="1"/>
+            <a:picLocks noChangeAspect="1"/>
           </p:cNvPicPr>
           <p:nvPr/>
         </p:nvPicPr>
@@ -8235,48 +9109,352 @@
             </a:extLst>
           </a:blip>
           <a:srcRect l="22620" t="23477" r="22882" b="21210"/>
-          <a:stretch/>
+          <a:stretch>
+            <a:fillRect/>
+          </a:stretch>
         </p:blipFill>
         <p:spPr bwMode="auto">
-          <a:xfrm>
-            <a:off x="8791575" y="2228674"/>
-            <a:ext cx="2396547" cy="2400651"/>
+          <a:xfrm rot="0">
+            <a:off x="8651240" y="2496820"/>
+            <a:ext cx="2397125" cy="2401570"/>
           </a:xfrm>
-          <a:prstGeom prst="ellipse">
-            <a:avLst/>
-          </a:prstGeom>
+          <a:prstGeom prst="ellipse"/>
           <a:noFill/>
-          <a:extLst>
-            <a:ext uri="{909E8E84-426E-40DD-AFC4-6F175D3DCCD1}">
-              <a14:hiddenFill xmlns:a14="http://schemas.microsoft.com/office/drawing/2010/main">
-                <a:solidFill>
-                  <a:srgbClr val="FFFFFF"/>
-                </a:solidFill>
-              </a14:hiddenFill>
-            </a:ext>
-          </a:extLst>
         </p:spPr>
       </p:pic>
-      <p:sp>
-        <p:nvSpPr>
-          <p:cNvPr id="7" name="사각형: 둥근 모서리 6">
-            <a:extLst>
-              <a:ext uri="{FF2B5EF4-FFF2-40B4-BE49-F238E27FC236}">
-                <a16:creationId xmlns:a16="http://schemas.microsoft.com/office/drawing/2014/main" id="{607BEE0D-E9CD-473C-B992-123B5ECDFACE}"/>
-              </a:ext>
-            </a:extLst>
-          </p:cNvPr>
-          <p:cNvSpPr/>
+      <p:grpSp>
+        <p:nvGrpSpPr>
+          <p:cNvPr id="1031" name="그룹 1030"/>
+          <p:cNvGrpSpPr/>
           <p:nvPr/>
-        </p:nvSpPr>
+        </p:nvGrpSpPr>
+        <p:grpSpPr>
+          <a:xfrm rot="0">
+            <a:off x="1866265" y="3415030"/>
+            <a:ext cx="1337310" cy="832485"/>
+            <a:chOff x="1866265" y="3415030"/>
+            <a:chExt cx="1337310" cy="832485"/>
+          </a:xfrm>
+        </p:grpSpPr>
+        <p:sp>
+          <p:nvSpPr>
+            <p:cNvPr id="7" name="사각형: 둥근 모서리 6"/>
+            <p:cNvSpPr>
+              <a:spLocks/>
+            </p:cNvSpPr>
+            <p:nvPr/>
+          </p:nvSpPr>
+          <p:spPr>
+            <a:xfrm rot="0">
+              <a:off x="1866265" y="3865880"/>
+              <a:ext cx="400685" cy="381635"/>
+            </a:xfrm>
+            <a:prstGeom prst="roundRect"/>
+          </p:spPr>
+          <p:style>
+            <a:lnRef idx="2">
+              <a:schemeClr val="accent1">
+                <a:shade val="50000"/>
+              </a:schemeClr>
+            </a:lnRef>
+            <a:fillRef idx="1">
+              <a:schemeClr val="accent1"/>
+            </a:fillRef>
+            <a:effectRef idx="0">
+              <a:schemeClr val="accent1"/>
+            </a:effectRef>
+            <a:fontRef idx="minor">
+              <a:schemeClr val="lt1"/>
+            </a:fontRef>
+          </p:style>
+          <p:txBody>
+            <a:bodyPr wrap="square" lIns="91440" tIns="45720" rIns="91440" bIns="45720" numCol="1" vert="horz" anchor="ctr">
+              <a:noAutofit/>
+            </a:bodyPr>
+            <a:lstStyle/>
+            <a:p>
+              <a:pPr marL="0" indent="0" algn="ctr" fontAlgn="auto" defTabSz="457200" eaLnBrk="0" latinLnBrk="0">
+                <a:lnSpc>
+                  <a:spcPct val="100000"/>
+                </a:lnSpc>
+                <a:spcBef>
+                  <a:spcPts val="0"/>
+                </a:spcBef>
+                <a:spcAft>
+                  <a:spcPts val="0"/>
+                </a:spcAft>
+                <a:buFontTx/>
+                <a:buNone/>
+              </a:pPr>
+              <a:r>
+                <a:rPr lang="en-US" altLang="ko-KR" sz="1800" cap="none" dirty="0" smtClean="0" b="0">
+                  <a:latin typeface="Century Gothic" charset="0"/>
+                  <a:ea typeface="Century Gothic" charset="0"/>
+                </a:rPr>
+                <a:t>A</a:t>
+              </a:r>
+              <a:endParaRPr lang="ko-KR" altLang="en-US" sz="1800" cap="none" dirty="0" smtClean="0" b="0">
+                <a:latin typeface="Century Gothic" charset="0"/>
+                <a:ea typeface="Century Gothic" charset="0"/>
+              </a:endParaRPr>
+            </a:p>
+          </p:txBody>
+        </p:sp>
+        <p:sp>
+          <p:nvSpPr>
+            <p:cNvPr id="14" name="사각형: 둥근 모서리 13"/>
+            <p:cNvSpPr>
+              <a:spLocks/>
+            </p:cNvSpPr>
+            <p:nvPr/>
+          </p:nvSpPr>
+          <p:spPr>
+            <a:xfrm rot="0">
+              <a:off x="2218690" y="3415030"/>
+              <a:ext cx="400685" cy="381635"/>
+            </a:xfrm>
+            <a:prstGeom prst="roundRect"/>
+          </p:spPr>
+          <p:style>
+            <a:lnRef idx="2">
+              <a:schemeClr val="accent1">
+                <a:shade val="50000"/>
+              </a:schemeClr>
+            </a:lnRef>
+            <a:fillRef idx="1">
+              <a:schemeClr val="accent1"/>
+            </a:fillRef>
+            <a:effectRef idx="0">
+              <a:schemeClr val="accent1"/>
+            </a:effectRef>
+            <a:fontRef idx="minor">
+              <a:schemeClr val="lt1"/>
+            </a:fontRef>
+          </p:style>
+          <p:txBody>
+            <a:bodyPr wrap="square" lIns="91440" tIns="45720" rIns="91440" bIns="45720" numCol="1" vert="horz" anchor="ctr">
+              <a:noAutofit/>
+            </a:bodyPr>
+            <a:lstStyle/>
+            <a:p>
+              <a:pPr marL="0" indent="0" algn="ctr" fontAlgn="auto" defTabSz="457200" eaLnBrk="0" latinLnBrk="0">
+                <a:lnSpc>
+                  <a:spcPct val="100000"/>
+                </a:lnSpc>
+                <a:spcBef>
+                  <a:spcPts val="0"/>
+                </a:spcBef>
+                <a:spcAft>
+                  <a:spcPts val="0"/>
+                </a:spcAft>
+                <a:buFontTx/>
+                <a:buNone/>
+              </a:pPr>
+              <a:r>
+                <a:rPr lang="en-US" altLang="ko-KR" sz="1800" cap="none" dirty="0" smtClean="0" b="0">
+                  <a:latin typeface="Century Gothic" charset="0"/>
+                  <a:ea typeface="Century Gothic" charset="0"/>
+                </a:rPr>
+                <a:t>W</a:t>
+              </a:r>
+              <a:endParaRPr lang="ko-KR" altLang="en-US" sz="1800" cap="none" dirty="0" smtClean="0" b="0">
+                <a:latin typeface="Century Gothic" charset="0"/>
+                <a:ea typeface="Century Gothic" charset="0"/>
+              </a:endParaRPr>
+            </a:p>
+          </p:txBody>
+        </p:sp>
+        <p:sp>
+          <p:nvSpPr>
+            <p:cNvPr id="15" name="사각형: 둥근 모서리 14"/>
+            <p:cNvSpPr>
+              <a:spLocks/>
+            </p:cNvSpPr>
+            <p:nvPr/>
+          </p:nvSpPr>
+          <p:spPr>
+            <a:xfrm rot="0">
+              <a:off x="2332990" y="3864610"/>
+              <a:ext cx="400685" cy="381635"/>
+            </a:xfrm>
+            <a:prstGeom prst="roundRect"/>
+          </p:spPr>
+          <p:style>
+            <a:lnRef idx="2">
+              <a:schemeClr val="accent1">
+                <a:shade val="50000"/>
+              </a:schemeClr>
+            </a:lnRef>
+            <a:fillRef idx="1">
+              <a:schemeClr val="accent1"/>
+            </a:fillRef>
+            <a:effectRef idx="0">
+              <a:schemeClr val="accent1"/>
+            </a:effectRef>
+            <a:fontRef idx="minor">
+              <a:schemeClr val="lt1"/>
+            </a:fontRef>
+          </p:style>
+          <p:txBody>
+            <a:bodyPr wrap="square" lIns="91440" tIns="45720" rIns="91440" bIns="45720" numCol="1" vert="horz" anchor="ctr">
+              <a:noAutofit/>
+            </a:bodyPr>
+            <a:lstStyle/>
+            <a:p>
+              <a:pPr marL="0" indent="0" algn="ctr" fontAlgn="auto" defTabSz="457200" eaLnBrk="0" latinLnBrk="0">
+                <a:lnSpc>
+                  <a:spcPct val="100000"/>
+                </a:lnSpc>
+                <a:spcBef>
+                  <a:spcPts val="0"/>
+                </a:spcBef>
+                <a:spcAft>
+                  <a:spcPts val="0"/>
+                </a:spcAft>
+                <a:buFontTx/>
+                <a:buNone/>
+              </a:pPr>
+              <a:r>
+                <a:rPr lang="en-US" altLang="ko-KR" sz="1800" cap="none" dirty="0" smtClean="0" b="0">
+                  <a:latin typeface="Century Gothic" charset="0"/>
+                  <a:ea typeface="Century Gothic" charset="0"/>
+                </a:rPr>
+                <a:t>S</a:t>
+              </a:r>
+              <a:endParaRPr lang="ko-KR" altLang="en-US" sz="1800" cap="none" dirty="0" smtClean="0" b="0">
+                <a:latin typeface="Century Gothic" charset="0"/>
+                <a:ea typeface="Century Gothic" charset="0"/>
+              </a:endParaRPr>
+            </a:p>
+          </p:txBody>
+        </p:sp>
+        <p:sp>
+          <p:nvSpPr>
+            <p:cNvPr id="16" name="사각형: 둥근 모서리 15"/>
+            <p:cNvSpPr>
+              <a:spLocks/>
+            </p:cNvSpPr>
+            <p:nvPr/>
+          </p:nvSpPr>
+          <p:spPr>
+            <a:xfrm rot="0">
+              <a:off x="2802890" y="3864610"/>
+              <a:ext cx="400685" cy="381635"/>
+            </a:xfrm>
+            <a:prstGeom prst="roundRect"/>
+          </p:spPr>
+          <p:style>
+            <a:lnRef idx="2">
+              <a:schemeClr val="accent1">
+                <a:shade val="50000"/>
+              </a:schemeClr>
+            </a:lnRef>
+            <a:fillRef idx="1">
+              <a:schemeClr val="accent1"/>
+            </a:fillRef>
+            <a:effectRef idx="0">
+              <a:schemeClr val="accent1"/>
+            </a:effectRef>
+            <a:fontRef idx="minor">
+              <a:schemeClr val="lt1"/>
+            </a:fontRef>
+          </p:style>
+          <p:txBody>
+            <a:bodyPr wrap="square" lIns="91440" tIns="45720" rIns="91440" bIns="45720" numCol="1" vert="horz" anchor="ctr">
+              <a:noAutofit/>
+            </a:bodyPr>
+            <a:lstStyle/>
+            <a:p>
+              <a:pPr marL="0" indent="0" algn="ctr" fontAlgn="auto" defTabSz="457200" eaLnBrk="0" latinLnBrk="0">
+                <a:lnSpc>
+                  <a:spcPct val="100000"/>
+                </a:lnSpc>
+                <a:spcBef>
+                  <a:spcPts val="0"/>
+                </a:spcBef>
+                <a:spcAft>
+                  <a:spcPts val="0"/>
+                </a:spcAft>
+                <a:buFontTx/>
+                <a:buNone/>
+              </a:pPr>
+              <a:r>
+                <a:rPr lang="en-US" altLang="ko-KR" sz="1800" cap="none" dirty="0" smtClean="0" b="0">
+                  <a:latin typeface="Century Gothic" charset="0"/>
+                  <a:ea typeface="Century Gothic" charset="0"/>
+                </a:rPr>
+                <a:t>D</a:t>
+              </a:r>
+              <a:endParaRPr lang="ko-KR" altLang="en-US" sz="1800" cap="none" dirty="0" smtClean="0" b="0">
+                <a:latin typeface="Century Gothic" charset="0"/>
+                <a:ea typeface="Century Gothic" charset="0"/>
+              </a:endParaRPr>
+            </a:p>
+          </p:txBody>
+        </p:sp>
+      </p:grpSp>
+      <p:cxnSp>
+        <p:nvCxnSpPr>
+          <p:cNvPr id="1029" name="도형 1028"/>
+          <p:cNvCxnSpPr/>
+          <p:nvPr/>
+        </p:nvCxnSpPr>
         <p:spPr>
-          <a:xfrm>
-            <a:off x="2057400" y="3381374"/>
-            <a:ext cx="400050" cy="381000"/>
+          <a:xfrm rot="0" flipH="1" flipV="1">
+            <a:off x="2418715" y="2266315"/>
+            <a:ext cx="13970" cy="1135380"/>
           </a:xfrm>
-          <a:prstGeom prst="roundRect">
-            <a:avLst/>
-          </a:prstGeom>
+          <a:prstGeom prst="line"/>
+          <a:ln w="25400" cap="rnd" cmpd="sng">
+            <a:prstDash val="solid"/>
+            <a:round/>
+            <a:headEnd type="none" w="med" len="med"/>
+            <a:tailEnd type="none" w="med" len="med"/>
+          </a:ln>
+        </p:spPr>
+        <p:style>
+          <a:lnRef idx="1">
+            <a:schemeClr val="accent1"/>
+          </a:lnRef>
+          <a:fillRef idx="0">
+            <a:schemeClr val="accent1"/>
+          </a:fillRef>
+          <a:effectRef idx="0">
+            <a:schemeClr val="accent1"/>
+          </a:effectRef>
+          <a:fontRef idx="minor">
+            <a:schemeClr val="tx1"/>
+          </a:fontRef>
+        </p:style>
+      </p:cxnSp>
+      <p:sp>
+        <p:nvSpPr>
+          <p:cNvPr id="1030" name="도형 1029"/>
+          <p:cNvSpPr>
+            <a:spLocks/>
+          </p:cNvSpPr>
+          <p:nvPr/>
+        </p:nvSpPr>
+        <p:spPr>
+          <a:xfrm rot="0">
+            <a:off x="1600200" y="1821815"/>
+            <a:ext cx="1626870" cy="423545"/>
+          </a:xfrm>
+          <a:prstGeom prst="roundRect"/>
+          <a:solidFill>
+            <a:schemeClr val="accent1">
+              <a:alpha val="0"/>
+            </a:schemeClr>
+          </a:solidFill>
+          <a:ln w="31750" cap="rnd" cmpd="sng">
+            <a:solidFill>
+              <a:schemeClr val="accent1">
+                <a:alpha val="100000"/>
+              </a:schemeClr>
+            </a:solidFill>
+            <a:prstDash val="solid"/>
+            <a:round/>
+          </a:ln>
         </p:spPr>
         <p:style>
           <a:lnRef idx="2">
@@ -8295,165 +9473,35 @@
           </a:fontRef>
         </p:style>
         <p:txBody>
-          <a:bodyPr rtlCol="0" anchor="ctr"/>
+          <a:bodyPr wrap="square" lIns="91440" tIns="45720" rIns="91440" bIns="45720" vert="horz" anchor="ctr">
+            <a:noAutofit/>
+          </a:bodyPr>
           <a:lstStyle/>
           <a:p>
-            <a:pPr algn="ctr"/>
-            <a:r>
-              <a:rPr lang="en-US" altLang="ko-KR" dirty="0"/>
-              <a:t>A</a:t>
-            </a:r>
-            <a:endParaRPr lang="ko-KR" altLang="en-US" dirty="0"/>
-          </a:p>
-        </p:txBody>
-      </p:sp>
-      <p:sp>
-        <p:nvSpPr>
-          <p:cNvPr id="14" name="사각형: 둥근 모서리 13">
-            <a:extLst>
-              <a:ext uri="{FF2B5EF4-FFF2-40B4-BE49-F238E27FC236}">
-                <a16:creationId xmlns:a16="http://schemas.microsoft.com/office/drawing/2014/main" id="{B07E42FC-C419-401E-A995-30646A724832}"/>
-              </a:ext>
-            </a:extLst>
-          </p:cNvPr>
-          <p:cNvSpPr/>
-          <p:nvPr/>
-        </p:nvSpPr>
-        <p:spPr>
-          <a:xfrm>
-            <a:off x="2409825" y="2930641"/>
-            <a:ext cx="400050" cy="381000"/>
-          </a:xfrm>
-          <a:prstGeom prst="roundRect">
-            <a:avLst/>
-          </a:prstGeom>
-        </p:spPr>
-        <p:style>
-          <a:lnRef idx="2">
-            <a:schemeClr val="accent1">
-              <a:shade val="50000"/>
-            </a:schemeClr>
-          </a:lnRef>
-          <a:fillRef idx="1">
-            <a:schemeClr val="accent1"/>
-          </a:fillRef>
-          <a:effectRef idx="0">
-            <a:schemeClr val="accent1"/>
-          </a:effectRef>
-          <a:fontRef idx="minor">
-            <a:schemeClr val="lt1"/>
-          </a:fontRef>
-        </p:style>
-        <p:txBody>
-          <a:bodyPr rtlCol="0" anchor="ctr"/>
-          <a:lstStyle/>
-          <a:p>
-            <a:pPr algn="ctr"/>
-            <a:r>
-              <a:rPr lang="en-US" altLang="ko-KR" dirty="0"/>
-              <a:t>W</a:t>
-            </a:r>
-            <a:endParaRPr lang="ko-KR" altLang="en-US" dirty="0"/>
-          </a:p>
-        </p:txBody>
-      </p:sp>
-      <p:sp>
-        <p:nvSpPr>
-          <p:cNvPr id="15" name="사각형: 둥근 모서리 14">
-            <a:extLst>
-              <a:ext uri="{FF2B5EF4-FFF2-40B4-BE49-F238E27FC236}">
-                <a16:creationId xmlns:a16="http://schemas.microsoft.com/office/drawing/2014/main" id="{7A42665B-A587-45AE-8E9D-14D243D3AC6F}"/>
-              </a:ext>
-            </a:extLst>
-          </p:cNvPr>
-          <p:cNvSpPr/>
-          <p:nvPr/>
-        </p:nvSpPr>
-        <p:spPr>
-          <a:xfrm>
-            <a:off x="2524125" y="3379844"/>
-            <a:ext cx="400050" cy="381000"/>
-          </a:xfrm>
-          <a:prstGeom prst="roundRect">
-            <a:avLst/>
-          </a:prstGeom>
-        </p:spPr>
-        <p:style>
-          <a:lnRef idx="2">
-            <a:schemeClr val="accent1">
-              <a:shade val="50000"/>
-            </a:schemeClr>
-          </a:lnRef>
-          <a:fillRef idx="1">
-            <a:schemeClr val="accent1"/>
-          </a:fillRef>
-          <a:effectRef idx="0">
-            <a:schemeClr val="accent1"/>
-          </a:effectRef>
-          <a:fontRef idx="minor">
-            <a:schemeClr val="lt1"/>
-          </a:fontRef>
-        </p:style>
-        <p:txBody>
-          <a:bodyPr rtlCol="0" anchor="ctr"/>
-          <a:lstStyle/>
-          <a:p>
-            <a:pPr algn="ctr"/>
-            <a:r>
-              <a:rPr lang="en-US" altLang="ko-KR" dirty="0"/>
-              <a:t>S</a:t>
-            </a:r>
-            <a:endParaRPr lang="ko-KR" altLang="en-US" dirty="0"/>
-          </a:p>
-        </p:txBody>
-      </p:sp>
-      <p:sp>
-        <p:nvSpPr>
-          <p:cNvPr id="16" name="사각형: 둥근 모서리 15">
-            <a:extLst>
-              <a:ext uri="{FF2B5EF4-FFF2-40B4-BE49-F238E27FC236}">
-                <a16:creationId xmlns:a16="http://schemas.microsoft.com/office/drawing/2014/main" id="{97D3B44B-89BF-452A-B7C5-458BA1B1F938}"/>
-              </a:ext>
-            </a:extLst>
-          </p:cNvPr>
-          <p:cNvSpPr/>
-          <p:nvPr/>
-        </p:nvSpPr>
-        <p:spPr>
-          <a:xfrm>
-            <a:off x="2994025" y="3379844"/>
-            <a:ext cx="400050" cy="381000"/>
-          </a:xfrm>
-          <a:prstGeom prst="roundRect">
-            <a:avLst/>
-          </a:prstGeom>
-        </p:spPr>
-        <p:style>
-          <a:lnRef idx="2">
-            <a:schemeClr val="accent1">
-              <a:shade val="50000"/>
-            </a:schemeClr>
-          </a:lnRef>
-          <a:fillRef idx="1">
-            <a:schemeClr val="accent1"/>
-          </a:fillRef>
-          <a:effectRef idx="0">
-            <a:schemeClr val="accent1"/>
-          </a:effectRef>
-          <a:fontRef idx="minor">
-            <a:schemeClr val="lt1"/>
-          </a:fontRef>
-        </p:style>
-        <p:txBody>
-          <a:bodyPr rtlCol="0" anchor="ctr"/>
-          <a:lstStyle/>
-          <a:p>
-            <a:pPr algn="ctr"/>
-            <a:r>
-              <a:rPr lang="en-US" altLang="ko-KR" dirty="0"/>
-              <a:t>D</a:t>
-            </a:r>
-            <a:endParaRPr lang="ko-KR" altLang="en-US" dirty="0"/>
+            <a:pPr marL="0" indent="0" algn="ctr" fontAlgn="auto" defTabSz="508000">
+              <a:lnSpc>
+                <a:spcPct val="100000"/>
+              </a:lnSpc>
+              <a:spcBef>
+                <a:spcPts val="0"/>
+              </a:spcBef>
+              <a:spcAft>
+                <a:spcPts val="0"/>
+              </a:spcAft>
+              <a:buFontTx/>
+              <a:buNone/>
+            </a:pPr>
+            <a:r>
+              <a:rPr lang="en-US" altLang="ko-KR" sz="1800" cap="none" dirty="0" smtClean="0" b="0">
+                <a:latin typeface="맑은 고딕" charset="0"/>
+                <a:ea typeface="맑은 고딕" charset="0"/>
+              </a:rPr>
+              <a:t>캐릭터 이동</a:t>
+            </a:r>
+            <a:endParaRPr lang="ko-KR" altLang="en-US" sz="1800" cap="none" dirty="0" smtClean="0" b="0">
+              <a:latin typeface="맑은 고딕" charset="0"/>
+              <a:ea typeface="맑은 고딕" charset="0"/>
+            </a:endParaRPr>
           </a:p>
         </p:txBody>
       </p:sp>
@@ -8467,11 +9515,26 @@
   <p:clrMapOvr>
     <a:masterClrMapping/>
   </p:clrMapOvr>
+  <mc:AlternateContent xmlns:mc="http://schemas.openxmlformats.org/markup-compatibility/2006">
+    <mc:Choice xmlns:p14="http://schemas.microsoft.com/office/powerpoint/2010/main" Requires="p14">
+      <p:transition spd="slow" p14:dur="2000"/>
+    </mc:Choice>
+    <mc:Fallback>
+      <p:transition spd="slow"/>
+    </mc:Fallback>
+  </mc:AlternateContent>
+  <p:timing>
+    <p:tnLst>
+      <p:par>
+        <p:cTn id="1" dur="indefinite" restart="never" nodeType="tmRoot"/>
+      </p:par>
+    </p:tnLst>
+  </p:timing>
 </p:sld>
 </file>
 
 <file path=ppt/slides/slide7.xml><?xml version="1.0" encoding="utf-8"?>
-<p:sld xmlns:a="http://schemas.openxmlformats.org/drawingml/2006/main" xmlns:r="http://schemas.openxmlformats.org/officeDocument/2006/relationships" xmlns:p="http://schemas.openxmlformats.org/presentationml/2006/main">
+<p:sld xmlns:a="http://schemas.openxmlformats.org/drawingml/2006/main" xmlns:r="http://schemas.openxmlformats.org/officeDocument/2006/relationships" xmlns:p="http://schemas.openxmlformats.org/presentationml/2006/main" xmlns:p14="http://schemas.microsoft.com/office/powerpoint/2010/main">
   <p:cSld>
     <p:spTree>
       <p:nvGrpSpPr>
@@ -8502,7 +9565,7 @@
         <p:spPr>
           <a:xfrm>
             <a:off x="482600" y="381000"/>
-            <a:ext cx="5283200" cy="769441"/>
+            <a:ext cx="5283200" cy="769620"/>
           </a:xfrm>
           <a:prstGeom prst="rect">
             <a:avLst/>
@@ -8525,6 +9588,216 @@
               </a:rPr>
               <a:t>플랫폼 및 개발환경</a:t>
             </a:r>
+          </a:p>
+        </p:txBody>
+      </p:sp>
+      <p:sp>
+        <p:nvSpPr>
+          <p:cNvPr id="7" name="TextBox 6"/>
+          <p:cNvSpPr txBox="1">
+            <a:spLocks/>
+          </p:cNvSpPr>
+          <p:nvPr/>
+        </p:nvSpPr>
+        <p:spPr>
+          <a:xfrm rot="0">
+            <a:off x="680085" y="1985010"/>
+            <a:ext cx="10761345" cy="3536315"/>
+          </a:xfrm>
+          <a:prstGeom prst="rect"/>
+          <a:noFill/>
+        </p:spPr>
+        <p:txBody>
+          <a:bodyPr wrap="square" lIns="91440" tIns="45720" rIns="91440" bIns="45720" vert="horz" anchor="t">
+            <a:spAutoFit/>
+          </a:bodyPr>
+          <a:lstStyle/>
+          <a:p>
+            <a:pPr marL="254000" indent="-254000" algn="l" fontAlgn="auto" defTabSz="457200" eaLnBrk="0" latinLnBrk="0">
+              <a:lnSpc>
+                <a:spcPct val="100000"/>
+              </a:lnSpc>
+              <a:spcBef>
+                <a:spcPts val="0"/>
+              </a:spcBef>
+              <a:spcAft>
+                <a:spcPts val="0"/>
+              </a:spcAft>
+              <a:buFont typeface="Wingdings"/>
+              <a:buChar char="v"/>
+            </a:pPr>
+            <a:r>
+              <a:rPr lang="en-US" altLang="ko-KR" sz="2800" cap="none" dirty="0" smtClean="0" b="0">
+                <a:latin typeface="맑은 고딕" charset="0"/>
+                <a:ea typeface="맑은 고딕" charset="0"/>
+              </a:rPr>
+              <a:t> DirectX 12</a:t>
+            </a:r>
+            <a:endParaRPr lang="ko-KR" altLang="en-US" sz="2800" cap="none" dirty="0" smtClean="0" b="0">
+              <a:latin typeface="맑은 고딕" charset="0"/>
+              <a:ea typeface="맑은 고딕" charset="0"/>
+            </a:endParaRPr>
+          </a:p>
+          <a:p>
+            <a:pPr marL="254000" indent="-254000" algn="l" fontAlgn="auto" defTabSz="457200" eaLnBrk="0" latinLnBrk="0">
+              <a:lnSpc>
+                <a:spcPct val="100000"/>
+              </a:lnSpc>
+              <a:spcBef>
+                <a:spcPts val="0"/>
+              </a:spcBef>
+              <a:spcAft>
+                <a:spcPts val="0"/>
+              </a:spcAft>
+              <a:buFont typeface="Wingdings"/>
+              <a:buChar char="v"/>
+            </a:pPr>
+            <a:endParaRPr lang="ko-KR" altLang="en-US" sz="2800" cap="none" dirty="0" smtClean="0" b="0">
+              <a:latin typeface="맑은 고딕" charset="0"/>
+              <a:ea typeface="맑은 고딕" charset="0"/>
+            </a:endParaRPr>
+          </a:p>
+          <a:p>
+            <a:pPr marL="254000" indent="-254000" algn="l" fontAlgn="auto" defTabSz="457200" eaLnBrk="0" latinLnBrk="0">
+              <a:lnSpc>
+                <a:spcPct val="100000"/>
+              </a:lnSpc>
+              <a:spcBef>
+                <a:spcPts val="0"/>
+              </a:spcBef>
+              <a:spcAft>
+                <a:spcPts val="0"/>
+              </a:spcAft>
+              <a:buFont typeface="Wingdings"/>
+              <a:buChar char="v"/>
+            </a:pPr>
+            <a:r>
+              <a:rPr lang="en-US" altLang="ko-KR" sz="2800" cap="none" dirty="0" smtClean="0" b="0">
+                <a:latin typeface="맑은 고딕" charset="0"/>
+                <a:ea typeface="맑은 고딕" charset="0"/>
+              </a:rPr>
+              <a:t> GitHub</a:t>
+            </a:r>
+            <a:endParaRPr lang="ko-KR" altLang="en-US" sz="2800" cap="none" dirty="0" smtClean="0" b="0">
+              <a:latin typeface="맑은 고딕" charset="0"/>
+              <a:ea typeface="맑은 고딕" charset="0"/>
+            </a:endParaRPr>
+          </a:p>
+          <a:p>
+            <a:pPr marL="254000" indent="-254000" algn="l" fontAlgn="auto" defTabSz="457200" eaLnBrk="0" latinLnBrk="0">
+              <a:lnSpc>
+                <a:spcPct val="100000"/>
+              </a:lnSpc>
+              <a:spcBef>
+                <a:spcPts val="0"/>
+              </a:spcBef>
+              <a:spcAft>
+                <a:spcPts val="0"/>
+              </a:spcAft>
+              <a:buFont typeface="Wingdings"/>
+              <a:buChar char="v"/>
+            </a:pPr>
+            <a:endParaRPr lang="ko-KR" altLang="en-US" sz="2800" cap="none" dirty="0" smtClean="0" b="0">
+              <a:latin typeface="맑은 고딕" charset="0"/>
+              <a:ea typeface="맑은 고딕" charset="0"/>
+            </a:endParaRPr>
+          </a:p>
+          <a:p>
+            <a:pPr marL="254000" indent="-254000" algn="l" fontAlgn="auto" defTabSz="457200" eaLnBrk="0" latinLnBrk="0">
+              <a:lnSpc>
+                <a:spcPct val="100000"/>
+              </a:lnSpc>
+              <a:spcBef>
+                <a:spcPts val="0"/>
+              </a:spcBef>
+              <a:spcAft>
+                <a:spcPts val="0"/>
+              </a:spcAft>
+              <a:buFont typeface="Wingdings"/>
+              <a:buChar char="v"/>
+            </a:pPr>
+            <a:r>
+              <a:rPr lang="en-US" altLang="ko-KR" sz="2800" cap="none" dirty="0" smtClean="0" b="0">
+                <a:latin typeface="맑은 고딕" charset="0"/>
+                <a:ea typeface="맑은 고딕" charset="0"/>
+              </a:rPr>
+              <a:t> Visual Studio 2017</a:t>
+            </a:r>
+            <a:endParaRPr lang="ko-KR" altLang="en-US" sz="2800" cap="none" dirty="0" smtClean="0" b="0">
+              <a:latin typeface="맑은 고딕" charset="0"/>
+              <a:ea typeface="맑은 고딕" charset="0"/>
+            </a:endParaRPr>
+          </a:p>
+          <a:p>
+            <a:pPr marL="254000" indent="-254000" algn="l" fontAlgn="auto" defTabSz="457200" eaLnBrk="0" latinLnBrk="0">
+              <a:lnSpc>
+                <a:spcPct val="100000"/>
+              </a:lnSpc>
+              <a:spcBef>
+                <a:spcPts val="0"/>
+              </a:spcBef>
+              <a:spcAft>
+                <a:spcPts val="0"/>
+              </a:spcAft>
+              <a:buFont typeface="Wingdings"/>
+              <a:buChar char="v"/>
+            </a:pPr>
+            <a:endParaRPr lang="ko-KR" altLang="en-US" sz="2800" cap="none" dirty="0" smtClean="0" b="0">
+              <a:latin typeface="맑은 고딕" charset="0"/>
+              <a:ea typeface="맑은 고딕" charset="0"/>
+            </a:endParaRPr>
+          </a:p>
+          <a:p>
+            <a:pPr marL="254000" indent="-254000" algn="l" fontAlgn="auto" defTabSz="457200" eaLnBrk="0" latinLnBrk="0">
+              <a:lnSpc>
+                <a:spcPct val="100000"/>
+              </a:lnSpc>
+              <a:spcBef>
+                <a:spcPts val="0"/>
+              </a:spcBef>
+              <a:spcAft>
+                <a:spcPts val="0"/>
+              </a:spcAft>
+              <a:buFont typeface="Wingdings"/>
+              <a:buChar char="v"/>
+            </a:pPr>
+            <a:r>
+              <a:rPr lang="en-US" altLang="ko-KR" sz="2800" cap="none" dirty="0" smtClean="0" b="0">
+                <a:latin typeface="맑은 고딕" charset="0"/>
+                <a:ea typeface="맑은 고딕" charset="0"/>
+              </a:rPr>
+              <a:t> Windows OS</a:t>
+            </a:r>
+            <a:endParaRPr lang="ko-KR" altLang="en-US" sz="2800" cap="none" dirty="0" smtClean="0" b="0">
+              <a:latin typeface="맑은 고딕" charset="0"/>
+              <a:ea typeface="맑은 고딕" charset="0"/>
+            </a:endParaRPr>
+          </a:p>
+          <a:p>
+            <a:pPr marL="0" indent="0" algn="l" fontAlgn="auto" defTabSz="457200" eaLnBrk="0" latinLnBrk="0">
+              <a:lnSpc>
+                <a:spcPct val="100000"/>
+              </a:lnSpc>
+              <a:spcBef>
+                <a:spcPts val="0"/>
+              </a:spcBef>
+              <a:spcAft>
+                <a:spcPts val="0"/>
+              </a:spcAft>
+              <a:buFontTx/>
+              <a:buNone/>
+            </a:pPr>
+            <a:r>
+              <a:rPr lang="en-US" altLang="ko-KR" sz="2800" cap="none" dirty="0" smtClean="0" b="0">
+                <a:latin typeface="맑은 고딕" charset="0"/>
+                <a:ea typeface="맑은 고딕" charset="0"/>
+              </a:rPr>
+              <a:t>   </a:t>
+            </a:r>
+            <a:endParaRPr lang="ko-KR" altLang="en-US" sz="2800" cap="none" dirty="0" smtClean="0" b="0">
+              <a:latin typeface="맑은 고딕" charset="0"/>
+              <a:ea typeface="맑은 고딕" charset="0"/>
+            </a:endParaRPr>
           </a:p>
         </p:txBody>
       </p:sp>
@@ -8538,11 +9811,26 @@
   <p:clrMapOvr>
     <a:masterClrMapping/>
   </p:clrMapOvr>
+  <mc:AlternateContent xmlns:mc="http://schemas.openxmlformats.org/markup-compatibility/2006">
+    <mc:Choice xmlns:p14="http://schemas.microsoft.com/office/powerpoint/2010/main" Requires="p14">
+      <p:transition spd="slow" p14:dur="2000"/>
+    </mc:Choice>
+    <mc:Fallback>
+      <p:transition spd="slow"/>
+    </mc:Fallback>
+  </mc:AlternateContent>
+  <p:timing>
+    <p:tnLst>
+      <p:par>
+        <p:cTn id="1" dur="indefinite" restart="never" nodeType="tmRoot"/>
+      </p:par>
+    </p:tnLst>
+  </p:timing>
 </p:sld>
 </file>
 
 <file path=ppt/slides/slide8.xml><?xml version="1.0" encoding="utf-8"?>
-<p:sld xmlns:a="http://schemas.openxmlformats.org/drawingml/2006/main" xmlns:r="http://schemas.openxmlformats.org/officeDocument/2006/relationships" xmlns:p="http://schemas.openxmlformats.org/presentationml/2006/main">
+<p:sld xmlns:a="http://schemas.openxmlformats.org/drawingml/2006/main" xmlns:r="http://schemas.openxmlformats.org/officeDocument/2006/relationships" xmlns:p="http://schemas.openxmlformats.org/presentationml/2006/main" xmlns:p14="http://schemas.microsoft.com/office/powerpoint/2010/main">
   <p:cSld>
     <p:spTree>
       <p:nvGrpSpPr>
@@ -8573,7 +9861,7 @@
         <p:spPr>
           <a:xfrm>
             <a:off x="482600" y="381000"/>
-            <a:ext cx="5240106" cy="769441"/>
+            <a:ext cx="5240020" cy="769620"/>
           </a:xfrm>
           <a:prstGeom prst="rect">
             <a:avLst/>
@@ -8635,8 +9923,8 @@
         </p:blipFill>
         <p:spPr>
           <a:xfrm>
-            <a:off x="863029" y="1448387"/>
-            <a:ext cx="3355606" cy="4430629"/>
+            <a:off x="862965" y="1448435"/>
+            <a:ext cx="3355340" cy="4430395"/>
           </a:xfrm>
           <a:prstGeom prst="rect">
             <a:avLst/>
@@ -8657,8 +9945,8 @@
         </p:nvSpPr>
         <p:spPr>
           <a:xfrm>
-            <a:off x="4895065" y="2070687"/>
-            <a:ext cx="6451600" cy="369332"/>
+            <a:off x="4895215" y="2070735"/>
+            <a:ext cx="6451600" cy="369570"/>
           </a:xfrm>
           <a:prstGeom prst="rect">
             <a:avLst/>
@@ -8713,8 +10001,8 @@
         </p:nvSpPr>
         <p:spPr>
           <a:xfrm>
-            <a:off x="4895065" y="3175599"/>
-            <a:ext cx="6451600" cy="369332"/>
+            <a:off x="4895215" y="3175635"/>
+            <a:ext cx="6452235" cy="922655"/>
           </a:xfrm>
           <a:prstGeom prst="rect">
             <a:avLst/>
@@ -8722,32 +10010,136 @@
           <a:noFill/>
         </p:spPr>
         <p:txBody>
-          <a:bodyPr wrap="square" rtlCol="0">
+          <a:bodyPr wrap="square" lIns="91440" tIns="45720" rIns="91440" bIns="45720" numCol="1" vert="horz" anchor="t">
             <a:spAutoFit/>
           </a:bodyPr>
           <a:lstStyle/>
           <a:p>
-            <a:r>
-              <a:rPr lang="ko-KR" altLang="en-US" dirty="0"/>
-              <a:t>특징 </a:t>
-            </a:r>
-            <a:r>
-              <a:rPr lang="en-US" altLang="ko-KR" dirty="0"/>
-              <a:t>: </a:t>
-            </a:r>
-            <a:r>
-              <a:rPr lang="ko-KR" altLang="en-US" dirty="0" err="1"/>
+            <a:pPr marL="0" indent="0" algn="l" fontAlgn="auto" defTabSz="457200" eaLnBrk="0" latinLnBrk="0">
+              <a:lnSpc>
+                <a:spcPct val="100000"/>
+              </a:lnSpc>
+              <a:spcBef>
+                <a:spcPts val="0"/>
+              </a:spcBef>
+              <a:spcAft>
+                <a:spcPts val="0"/>
+              </a:spcAft>
+              <a:buFontTx/>
+              <a:buNone/>
+            </a:pPr>
+            <a:r>
+              <a:rPr lang="en-US" altLang="ko-KR" sz="1800" cap="none" dirty="0" smtClean="0" b="0">
+                <a:latin typeface="맑은 고딕" charset="0"/>
+                <a:ea typeface="맑은 고딕" charset="0"/>
+              </a:rPr>
+              <a:t>특징</a:t>
+            </a:r>
+            <a:r>
+              <a:rPr lang="en-US" altLang="ko-KR" sz="1800" cap="none" dirty="0" smtClean="0" b="0">
+                <a:latin typeface="Century Gothic" charset="0"/>
+                <a:ea typeface="Century Gothic" charset="0"/>
+              </a:rPr>
+              <a:t> : </a:t>
+            </a:r>
+            <a:r>
+              <a:rPr lang="en-US" altLang="ko-KR" sz="1800" cap="none" dirty="0" smtClean="0" b="0">
+                <a:latin typeface="맑은 고딕" charset="0"/>
+                <a:ea typeface="맑은 고딕" charset="0"/>
+              </a:rPr>
               <a:t>철깡통으로</a:t>
             </a:r>
             <a:r>
-              <a:rPr lang="ko-KR" altLang="en-US" dirty="0"/>
-              <a:t> 구성된 주인공</a:t>
-            </a:r>
-            <a:r>
-              <a:rPr lang="en-US" altLang="ko-KR" dirty="0"/>
+              <a:rPr lang="en-US" altLang="ko-KR" sz="1800" cap="none" dirty="0" smtClean="0" b="0">
+                <a:latin typeface="Century Gothic" charset="0"/>
+                <a:ea typeface="Century Gothic" charset="0"/>
+              </a:rPr>
+              <a:t> </a:t>
+            </a:r>
+            <a:r>
+              <a:rPr lang="en-US" altLang="ko-KR" sz="1800" cap="none" dirty="0" smtClean="0" b="0">
+                <a:latin typeface="맑은 고딕" charset="0"/>
+                <a:ea typeface="맑은 고딕" charset="0"/>
+              </a:rPr>
+              <a:t>구성된</a:t>
+            </a:r>
+            <a:r>
+              <a:rPr lang="en-US" altLang="ko-KR" sz="1800" cap="none" dirty="0" smtClean="0" b="0">
+                <a:latin typeface="Century Gothic" charset="0"/>
+                <a:ea typeface="Century Gothic" charset="0"/>
+              </a:rPr>
+              <a:t> </a:t>
+            </a:r>
+            <a:r>
+              <a:rPr lang="en-US" altLang="ko-KR" sz="1800" cap="none" dirty="0" smtClean="0" b="0">
+                <a:latin typeface="맑은 고딕" charset="0"/>
+                <a:ea typeface="맑은 고딕" charset="0"/>
+              </a:rPr>
+              <a:t>주인공</a:t>
+            </a:r>
+            <a:r>
+              <a:rPr lang="en-US" altLang="ko-KR" sz="1800" cap="none" dirty="0" smtClean="0" b="0">
+                <a:latin typeface="Century Gothic" charset="0"/>
+                <a:ea typeface="Century Gothic" charset="0"/>
+              </a:rPr>
               <a:t>.</a:t>
             </a:r>
-            <a:endParaRPr lang="ko-KR" altLang="en-US" dirty="0"/>
+            <a:endParaRPr lang="ko-KR" altLang="en-US" sz="1800" cap="none" dirty="0" smtClean="0" b="0">
+              <a:latin typeface="Century Gothic" charset="0"/>
+              <a:ea typeface="Century Gothic" charset="0"/>
+            </a:endParaRPr>
+          </a:p>
+          <a:p>
+            <a:pPr marL="0" indent="0" algn="l" fontAlgn="auto" defTabSz="457200" eaLnBrk="0" latinLnBrk="0">
+              <a:lnSpc>
+                <a:spcPct val="100000"/>
+              </a:lnSpc>
+              <a:spcBef>
+                <a:spcPts val="0"/>
+              </a:spcBef>
+              <a:spcAft>
+                <a:spcPts val="0"/>
+              </a:spcAft>
+              <a:buFontTx/>
+              <a:buNone/>
+            </a:pPr>
+            <a:r>
+              <a:rPr lang="en-US" altLang="ko-KR" sz="1800" cap="none" dirty="0" smtClean="0" b="0">
+                <a:latin typeface="Century Gothic" charset="0"/>
+                <a:ea typeface="Century Gothic" charset="0"/>
+              </a:rPr>
+              <a:t>    </a:t>
+            </a:r>
+            <a:endParaRPr lang="ko-KR" altLang="en-US" sz="1800" cap="none" dirty="0" smtClean="0" b="0">
+              <a:latin typeface="Century Gothic" charset="0"/>
+              <a:ea typeface="Century Gothic" charset="0"/>
+            </a:endParaRPr>
+          </a:p>
+          <a:p>
+            <a:pPr marL="0" indent="0" algn="l" fontAlgn="auto" defTabSz="457200" eaLnBrk="0" latinLnBrk="0">
+              <a:lnSpc>
+                <a:spcPct val="100000"/>
+              </a:lnSpc>
+              <a:spcBef>
+                <a:spcPts val="0"/>
+              </a:spcBef>
+              <a:spcAft>
+                <a:spcPts val="0"/>
+              </a:spcAft>
+              <a:buFontTx/>
+              <a:buNone/>
+            </a:pPr>
+            <a:r>
+              <a:rPr lang="en-US" altLang="ko-KR" sz="1800" cap="none" dirty="0" smtClean="0" b="0">
+                <a:latin typeface="Century Gothic" charset="0"/>
+                <a:ea typeface="Century Gothic" charset="0"/>
+              </a:rPr>
+              <a:t>          전류를 흘려보내 자석의 성질을 가질 수 있다.</a:t>
+            </a:r>
+            <a:endParaRPr lang="ko-KR" altLang="en-US" sz="1800" cap="none" dirty="0" smtClean="0" b="0">
+              <a:latin typeface="Century Gothic" charset="0"/>
+              <a:ea typeface="Century Gothic" charset="0"/>
+            </a:endParaRPr>
           </a:p>
         </p:txBody>
       </p:sp>
@@ -8761,6 +10153,21 @@
   <p:clrMapOvr>
     <a:masterClrMapping/>
   </p:clrMapOvr>
+  <mc:AlternateContent xmlns:mc="http://schemas.openxmlformats.org/markup-compatibility/2006">
+    <mc:Choice xmlns:p14="http://schemas.microsoft.com/office/powerpoint/2010/main" Requires="p14">
+      <p:transition spd="slow" p14:dur="2000"/>
+    </mc:Choice>
+    <mc:Fallback>
+      <p:transition spd="slow"/>
+    </mc:Fallback>
+  </mc:AlternateContent>
+  <p:timing>
+    <p:tnLst>
+      <p:par>
+        <p:cTn id="1" dur="indefinite" restart="never" nodeType="tmRoot"/>
+      </p:par>
+    </p:tnLst>
+  </p:timing>
 </p:sld>
 </file>
 

--- a/Document/Escape Cube(가제) ppt.pptx
+++ b/Document/Escape Cube(가제) ppt.pptx
@@ -1,28 +1,29 @@
 
 <file path=ppt/presentation.xml><?xml version="1.0" encoding="utf-8"?>
-<p:presentation xmlns:a="http://schemas.openxmlformats.org/drawingml/2006/main" xmlns:r="http://schemas.openxmlformats.org/officeDocument/2006/relationships" xmlns:p="http://schemas.openxmlformats.org/presentationml/2006/main" xmlns:p14="http://schemas.microsoft.com/office/powerpoint/2010/main" autoCompressPictures="0">
+<p:presentation xmlns:a="http://schemas.openxmlformats.org/drawingml/2006/main" xmlns:r="http://schemas.openxmlformats.org/officeDocument/2006/relationships" xmlns:p="http://schemas.openxmlformats.org/presentationml/2006/main" autoCompressPictures="0">
   <p:sldMasterIdLst>
-    <p:sldMasterId id="2147483676" r:id="rId20"/>
+    <p:sldMasterId id="2147483676" r:id="rId1"/>
   </p:sldMasterIdLst>
   <p:notesMasterIdLst>
-    <p:notesMasterId r:id="rId22"/>
+    <p:notesMasterId r:id="rId18"/>
   </p:notesMasterIdLst>
   <p:sldIdLst>
-    <p:sldId id="256" r:id="rId24"/>
-    <p:sldId id="259" r:id="rId25"/>
-    <p:sldId id="266" r:id="rId26"/>
-    <p:sldId id="260" r:id="rId27"/>
-    <p:sldId id="257" r:id="rId28"/>
-    <p:sldId id="265" r:id="rId29"/>
-    <p:sldId id="267" r:id="rId30"/>
-    <p:sldId id="261" r:id="rId31"/>
-    <p:sldId id="264" r:id="rId32"/>
-    <p:sldId id="258" r:id="rId33"/>
-    <p:sldId id="270" r:id="rId34"/>
-    <p:sldId id="262" r:id="rId35"/>
-    <p:sldId id="269" r:id="rId36"/>
-    <p:sldId id="263" r:id="rId37"/>
-    <p:sldId id="268" r:id="rId38"/>
+    <p:sldId id="256" r:id="rId2"/>
+    <p:sldId id="259" r:id="rId3"/>
+    <p:sldId id="266" r:id="rId4"/>
+    <p:sldId id="260" r:id="rId5"/>
+    <p:sldId id="257" r:id="rId6"/>
+    <p:sldId id="265" r:id="rId7"/>
+    <p:sldId id="267" r:id="rId8"/>
+    <p:sldId id="261" r:id="rId9"/>
+    <p:sldId id="264" r:id="rId10"/>
+    <p:sldId id="258" r:id="rId11"/>
+    <p:sldId id="270" r:id="rId12"/>
+    <p:sldId id="262" r:id="rId13"/>
+    <p:sldId id="271" r:id="rId14"/>
+    <p:sldId id="269" r:id="rId15"/>
+    <p:sldId id="263" r:id="rId16"/>
+    <p:sldId id="268" r:id="rId17"/>
   </p:sldIdLst>
   <p:sldSz cx="12192000" cy="6858000"/>
   <p:notesSz cx="6858000" cy="9144000"/>
@@ -122,6 +123,9 @@
     </a:lvl9pPr>
   </p:defaultTextStyle>
   <p:extLst>
+    <p:ext uri="{EFAFB233-063F-42B5-8137-9DF3F51BA10A}">
+      <p15:sldGuideLst xmlns:p15="http://schemas.microsoft.com/office/powerpoint/2012/main"/>
+    </p:ext>
     <p:ext uri="{2D200454-40CA-4A62-9FC3-DE9A4176ACB9}">
       <p15:notesGuideLst xmlns:p15="http://schemas.microsoft.com/office/powerpoint/2012/main"/>
     </p:ext>
@@ -134,7 +138,7 @@
   <pc:docChgLst>
     <pc:chgData name="DongHyeon Ko" userId="113be3d24099a8d3" providerId="LiveId" clId="{116AF83B-99CC-4C50-A28B-70941B365F50}"/>
     <pc:docChg chg="undo custSel addSld modSld sldOrd">
-      <pc:chgData name="DongHyeon Ko" userId="113be3d24099a8d3" providerId="LiveId" clId="{116AF83B-99CC-4C50-A28B-70941B365F50}" dt="2017-11-27T15:42:53.810" v="1619" actId="1076"/>
+      <pc:chgData name="DongHyeon Ko" userId="113be3d24099a8d3" providerId="LiveId" clId="{116AF83B-99CC-4C50-A28B-70941B365F50}" dt="2017-11-28T14:37:20.917" v="1992" actId="1076"/>
       <pc:docMkLst>
         <pc:docMk/>
       </pc:docMkLst>
@@ -239,7 +243,7 @@
         </pc:spChg>
       </pc:sldChg>
       <pc:sldChg chg="addSp delSp modSp add">
-        <pc:chgData name="DongHyeon Ko" userId="113be3d24099a8d3" providerId="LiveId" clId="{116AF83B-99CC-4C50-A28B-70941B365F50}" dt="2017-11-27T15:04:38.012" v="357" actId="1076"/>
+        <pc:chgData name="DongHyeon Ko" userId="113be3d24099a8d3" providerId="LiveId" clId="{116AF83B-99CC-4C50-A28B-70941B365F50}" dt="2017-11-28T12:42:58.987" v="1880" actId="20577"/>
         <pc:sldMkLst>
           <pc:docMk/>
           <pc:sldMk cId="1106448981" sldId="261"/>
@@ -253,7 +257,7 @@
           </ac:spMkLst>
         </pc:spChg>
         <pc:spChg chg="add mod">
-          <ac:chgData name="DongHyeon Ko" userId="113be3d24099a8d3" providerId="LiveId" clId="{116AF83B-99CC-4C50-A28B-70941B365F50}" dt="2017-11-27T15:02:11.887" v="240" actId="1076"/>
+          <ac:chgData name="DongHyeon Ko" userId="113be3d24099a8d3" providerId="LiveId" clId="{116AF83B-99CC-4C50-A28B-70941B365F50}" dt="2017-11-28T12:42:44.700" v="1864" actId="20577"/>
           <ac:spMkLst>
             <pc:docMk/>
             <pc:sldMk cId="1106448981" sldId="261"/>
@@ -269,7 +273,7 @@
           </ac:spMkLst>
         </pc:spChg>
         <pc:spChg chg="add mod">
-          <ac:chgData name="DongHyeon Ko" userId="113be3d24099a8d3" providerId="LiveId" clId="{116AF83B-99CC-4C50-A28B-70941B365F50}" dt="2017-11-27T15:03:50.867" v="312" actId="20577"/>
+          <ac:chgData name="DongHyeon Ko" userId="113be3d24099a8d3" providerId="LiveId" clId="{116AF83B-99CC-4C50-A28B-70941B365F50}" dt="2017-11-28T12:42:58.987" v="1880" actId="20577"/>
           <ac:spMkLst>
             <pc:docMk/>
             <pc:sldMk cId="1106448981" sldId="261"/>
@@ -285,8 +289,8 @@
           </ac:picMkLst>
         </pc:picChg>
       </pc:sldChg>
-      <pc:sldChg chg="delSp add">
-        <pc:chgData name="DongHyeon Ko" userId="113be3d24099a8d3" providerId="LiveId" clId="{116AF83B-99CC-4C50-A28B-70941B365F50}" dt="2017-11-27T15:16:01.517" v="583" actId="478"/>
+      <pc:sldChg chg="delSp modSp add">
+        <pc:chgData name="DongHyeon Ko" userId="113be3d24099a8d3" providerId="LiveId" clId="{116AF83B-99CC-4C50-A28B-70941B365F50}" dt="2017-11-28T13:33:07.365" v="1883" actId="1076"/>
         <pc:sldMkLst>
           <pc:docMk/>
           <pc:sldMk cId="2532134966" sldId="262"/>
@@ -299,6 +303,22 @@
             <ac:spMk id="6" creationId="{4F5F6214-4ED6-440C-8488-40370266643C}"/>
           </ac:spMkLst>
         </pc:spChg>
+        <pc:spChg chg="del">
+          <ac:chgData name="DongHyeon Ko" userId="113be3d24099a8d3" providerId="LiveId" clId="{116AF83B-99CC-4C50-A28B-70941B365F50}" dt="2017-11-28T13:33:03.055" v="1882" actId="478"/>
+          <ac:spMkLst>
+            <pc:docMk/>
+            <pc:sldMk cId="2532134966" sldId="262"/>
+            <ac:spMk id="6" creationId="{82250C36-12A3-41D7-904E-0B3663EA3A99}"/>
+          </ac:spMkLst>
+        </pc:spChg>
+        <pc:picChg chg="mod">
+          <ac:chgData name="DongHyeon Ko" userId="113be3d24099a8d3" providerId="LiveId" clId="{116AF83B-99CC-4C50-A28B-70941B365F50}" dt="2017-11-28T13:33:07.365" v="1883" actId="1076"/>
+          <ac:picMkLst>
+            <pc:docMk/>
+            <pc:sldMk cId="2532134966" sldId="262"/>
+            <ac:picMk id="5" creationId="{E5D30BB3-842F-486D-9D4E-DDC57E799029}"/>
+          </ac:picMkLst>
+        </pc:picChg>
       </pc:sldChg>
       <pc:sldChg chg="addSp delSp modSp add">
         <pc:chgData name="DongHyeon Ko" userId="113be3d24099a8d3" providerId="LiveId" clId="{116AF83B-99CC-4C50-A28B-70941B365F50}" dt="2017-11-27T15:42:39.564" v="1598" actId="1076"/>
@@ -355,7 +375,7 @@
         </pc:picChg>
       </pc:sldChg>
       <pc:sldChg chg="addSp delSp modSp add">
-        <pc:chgData name="DongHyeon Ko" userId="113be3d24099a8d3" providerId="LiveId" clId="{116AF83B-99CC-4C50-A28B-70941B365F50}" dt="2017-11-27T15:18:35.248" v="673" actId="1076"/>
+        <pc:chgData name="DongHyeon Ko" userId="113be3d24099a8d3" providerId="LiveId" clId="{116AF83B-99CC-4C50-A28B-70941B365F50}" dt="2017-11-28T12:34:19.196" v="1751" actId="14100"/>
         <pc:sldMkLst>
           <pc:docMk/>
           <pc:sldMk cId="226358864" sldId="265"/>
@@ -384,6 +404,14 @@
             <ac:spMk id="6" creationId="{4F5F6214-4ED6-440C-8488-40370266643C}"/>
           </ac:spMkLst>
         </pc:spChg>
+        <pc:spChg chg="mod topLvl">
+          <ac:chgData name="DongHyeon Ko" userId="113be3d24099a8d3" providerId="LiveId" clId="{116AF83B-99CC-4C50-A28B-70941B365F50}" dt="2017-11-28T12:14:47.126" v="1634" actId="113"/>
+          <ac:spMkLst>
+            <pc:docMk/>
+            <pc:sldMk cId="226358864" sldId="265"/>
+            <ac:spMk id="7" creationId="{00000000-0000-0000-0000-000000000000}"/>
+          </ac:spMkLst>
+        </pc:spChg>
         <pc:spChg chg="del">
           <ac:chgData name="DongHyeon Ko" userId="113be3d24099a8d3" providerId="LiveId" clId="{116AF83B-99CC-4C50-A28B-70941B365F50}" dt="2017-11-27T15:18:19.348" v="620" actId="478"/>
           <ac:spMkLst>
@@ -400,6 +428,150 @@
             <ac:spMk id="8" creationId="{7A3C0CA8-6DB7-4672-AFFA-B0BE07451F04}"/>
           </ac:spMkLst>
         </pc:spChg>
+        <pc:spChg chg="add mod">
+          <ac:chgData name="DongHyeon Ko" userId="113be3d24099a8d3" providerId="LiveId" clId="{116AF83B-99CC-4C50-A28B-70941B365F50}" dt="2017-11-28T12:14:47.126" v="1634" actId="113"/>
+          <ac:spMkLst>
+            <pc:docMk/>
+            <pc:sldMk cId="226358864" sldId="265"/>
+            <ac:spMk id="13" creationId="{E1F1D231-334E-4D00-AEA2-E120034AB237}"/>
+          </ac:spMkLst>
+        </pc:spChg>
+        <pc:spChg chg="mod topLvl">
+          <ac:chgData name="DongHyeon Ko" userId="113be3d24099a8d3" providerId="LiveId" clId="{116AF83B-99CC-4C50-A28B-70941B365F50}" dt="2017-11-28T12:14:47.126" v="1634" actId="113"/>
+          <ac:spMkLst>
+            <pc:docMk/>
+            <pc:sldMk cId="226358864" sldId="265"/>
+            <ac:spMk id="14" creationId="{00000000-0000-0000-0000-000000000000}"/>
+          </ac:spMkLst>
+        </pc:spChg>
+        <pc:spChg chg="mod topLvl">
+          <ac:chgData name="DongHyeon Ko" userId="113be3d24099a8d3" providerId="LiveId" clId="{116AF83B-99CC-4C50-A28B-70941B365F50}" dt="2017-11-28T12:14:47.126" v="1634" actId="113"/>
+          <ac:spMkLst>
+            <pc:docMk/>
+            <pc:sldMk cId="226358864" sldId="265"/>
+            <ac:spMk id="15" creationId="{00000000-0000-0000-0000-000000000000}"/>
+          </ac:spMkLst>
+        </pc:spChg>
+        <pc:spChg chg="mod topLvl">
+          <ac:chgData name="DongHyeon Ko" userId="113be3d24099a8d3" providerId="LiveId" clId="{116AF83B-99CC-4C50-A28B-70941B365F50}" dt="2017-11-28T12:14:47.126" v="1634" actId="113"/>
+          <ac:spMkLst>
+            <pc:docMk/>
+            <pc:sldMk cId="226358864" sldId="265"/>
+            <ac:spMk id="16" creationId="{00000000-0000-0000-0000-000000000000}"/>
+          </ac:spMkLst>
+        </pc:spChg>
+        <pc:spChg chg="add mod">
+          <ac:chgData name="DongHyeon Ko" userId="113be3d24099a8d3" providerId="LiveId" clId="{116AF83B-99CC-4C50-A28B-70941B365F50}" dt="2017-11-28T12:31:36.637" v="1693"/>
+          <ac:spMkLst>
+            <pc:docMk/>
+            <pc:sldMk cId="226358864" sldId="265"/>
+            <ac:spMk id="17" creationId="{25A62EA8-4775-4848-9367-1AD7A00C7546}"/>
+          </ac:spMkLst>
+        </pc:spChg>
+        <pc:spChg chg="add mod">
+          <ac:chgData name="DongHyeon Ko" userId="113be3d24099a8d3" providerId="LiveId" clId="{116AF83B-99CC-4C50-A28B-70941B365F50}" dt="2017-11-28T12:34:16.100" v="1750" actId="1076"/>
+          <ac:spMkLst>
+            <pc:docMk/>
+            <pc:sldMk cId="226358864" sldId="265"/>
+            <ac:spMk id="20" creationId="{305FD8B4-5D52-4CE2-B5D9-0875B8FB5EE1}"/>
+          </ac:spMkLst>
+        </pc:spChg>
+        <pc:spChg chg="add mod">
+          <ac:chgData name="DongHyeon Ko" userId="113be3d24099a8d3" providerId="LiveId" clId="{116AF83B-99CC-4C50-A28B-70941B365F50}" dt="2017-11-28T12:31:52.502" v="1714"/>
+          <ac:spMkLst>
+            <pc:docMk/>
+            <pc:sldMk cId="226358864" sldId="265"/>
+            <ac:spMk id="21" creationId="{612C78D7-68BF-49F6-84A7-AF6FE1DCB8D0}"/>
+          </ac:spMkLst>
+        </pc:spChg>
+        <pc:spChg chg="add mod">
+          <ac:chgData name="DongHyeon Ko" userId="113be3d24099a8d3" providerId="LiveId" clId="{116AF83B-99CC-4C50-A28B-70941B365F50}" dt="2017-11-28T12:34:14.141" v="1749" actId="1076"/>
+          <ac:spMkLst>
+            <pc:docMk/>
+            <pc:sldMk cId="226358864" sldId="265"/>
+            <ac:spMk id="25" creationId="{013CE114-3668-4A12-BF68-1BDAF9B68663}"/>
+          </ac:spMkLst>
+        </pc:spChg>
+        <pc:spChg chg="add mod">
+          <ac:chgData name="DongHyeon Ko" userId="113be3d24099a8d3" providerId="LiveId" clId="{116AF83B-99CC-4C50-A28B-70941B365F50}" dt="2017-11-28T12:33:58.922" v="1745" actId="571"/>
+          <ac:spMkLst>
+            <pc:docMk/>
+            <pc:sldMk cId="226358864" sldId="265"/>
+            <ac:spMk id="30" creationId="{C6566BD7-ABA4-443E-AE23-AB08C0E6CE8A}"/>
+          </ac:spMkLst>
+        </pc:spChg>
+        <pc:grpChg chg="del mod">
+          <ac:chgData name="DongHyeon Ko" userId="113be3d24099a8d3" providerId="LiveId" clId="{116AF83B-99CC-4C50-A28B-70941B365F50}" dt="2017-11-28T12:14:26.749" v="1623" actId="165"/>
+          <ac:grpSpMkLst>
+            <pc:docMk/>
+            <pc:sldMk cId="226358864" sldId="265"/>
+            <ac:grpSpMk id="1031" creationId="{00000000-0000-0000-0000-000000000000}"/>
+          </ac:grpSpMkLst>
+        </pc:grpChg>
+        <pc:picChg chg="mod">
+          <ac:chgData name="DongHyeon Ko" userId="113be3d24099a8d3" providerId="LiveId" clId="{116AF83B-99CC-4C50-A28B-70941B365F50}" dt="2017-11-28T12:14:43.864" v="1633" actId="1076"/>
+          <ac:picMkLst>
+            <pc:docMk/>
+            <pc:sldMk cId="226358864" sldId="265"/>
+            <ac:picMk id="1026" creationId="{805EE7AA-D1F4-47C0-B634-1918D02D1E2C}"/>
+          </ac:picMkLst>
+        </pc:picChg>
+        <pc:cxnChg chg="add mod">
+          <ac:chgData name="DongHyeon Ko" userId="113be3d24099a8d3" providerId="LiveId" clId="{116AF83B-99CC-4C50-A28B-70941B365F50}" dt="2017-11-28T12:31:55.325" v="1716" actId="1076"/>
+          <ac:cxnSpMkLst>
+            <pc:docMk/>
+            <pc:sldMk cId="226358864" sldId="265"/>
+            <ac:cxnSpMk id="3" creationId="{E6B20D74-03E7-4E50-B1B5-B53440D29E16}"/>
+          </ac:cxnSpMkLst>
+        </pc:cxnChg>
+        <pc:cxnChg chg="add mod">
+          <ac:chgData name="DongHyeon Ko" userId="113be3d24099a8d3" providerId="LiveId" clId="{116AF83B-99CC-4C50-A28B-70941B365F50}" dt="2017-11-28T12:16:00.559" v="1659" actId="14100"/>
+          <ac:cxnSpMkLst>
+            <pc:docMk/>
+            <pc:sldMk cId="226358864" sldId="265"/>
+            <ac:cxnSpMk id="18" creationId="{0544673F-3E4A-4E51-BAD0-B040AEA21554}"/>
+          </ac:cxnSpMkLst>
+        </pc:cxnChg>
+        <pc:cxnChg chg="add mod">
+          <ac:chgData name="DongHyeon Ko" userId="113be3d24099a8d3" providerId="LiveId" clId="{116AF83B-99CC-4C50-A28B-70941B365F50}" dt="2017-11-28T12:32:05.565" v="1720" actId="14100"/>
+          <ac:cxnSpMkLst>
+            <pc:docMk/>
+            <pc:sldMk cId="226358864" sldId="265"/>
+            <ac:cxnSpMk id="22" creationId="{FC9EDE35-637E-48FF-A85C-FA935DEA4013}"/>
+          </ac:cxnSpMkLst>
+        </pc:cxnChg>
+        <pc:cxnChg chg="add mod">
+          <ac:chgData name="DongHyeon Ko" userId="113be3d24099a8d3" providerId="LiveId" clId="{116AF83B-99CC-4C50-A28B-70941B365F50}" dt="2017-11-28T12:34:14.141" v="1749" actId="1076"/>
+          <ac:cxnSpMkLst>
+            <pc:docMk/>
+            <pc:sldMk cId="226358864" sldId="265"/>
+            <ac:cxnSpMk id="26" creationId="{D1F288F8-1060-463A-B7BA-40E8877D13F6}"/>
+          </ac:cxnSpMkLst>
+        </pc:cxnChg>
+        <pc:cxnChg chg="add mod">
+          <ac:chgData name="DongHyeon Ko" userId="113be3d24099a8d3" providerId="LiveId" clId="{116AF83B-99CC-4C50-A28B-70941B365F50}" dt="2017-11-28T12:33:58.922" v="1745" actId="571"/>
+          <ac:cxnSpMkLst>
+            <pc:docMk/>
+            <pc:sldMk cId="226358864" sldId="265"/>
+            <ac:cxnSpMk id="31" creationId="{732FA641-35E7-4B80-BA65-9AA3B3743C66}"/>
+          </ac:cxnSpMkLst>
+        </pc:cxnChg>
+        <pc:cxnChg chg="add mod">
+          <ac:chgData name="DongHyeon Ko" userId="113be3d24099a8d3" providerId="LiveId" clId="{116AF83B-99CC-4C50-A28B-70941B365F50}" dt="2017-11-28T12:34:19.196" v="1751" actId="14100"/>
+          <ac:cxnSpMkLst>
+            <pc:docMk/>
+            <pc:sldMk cId="226358864" sldId="265"/>
+            <ac:cxnSpMk id="32" creationId="{A799AA54-5676-4887-BF0B-A68494ACE3B7}"/>
+          </ac:cxnSpMkLst>
+        </pc:cxnChg>
+        <pc:cxnChg chg="del">
+          <ac:chgData name="DongHyeon Ko" userId="113be3d24099a8d3" providerId="LiveId" clId="{116AF83B-99CC-4C50-A28B-70941B365F50}" dt="2017-11-28T12:15:51.729" v="1656" actId="478"/>
+          <ac:cxnSpMkLst>
+            <pc:docMk/>
+            <pc:sldMk cId="226358864" sldId="265"/>
+            <ac:cxnSpMk id="1029" creationId="{00000000-0000-0000-0000-000000000000}"/>
+          </ac:cxnSpMkLst>
+        </pc:cxnChg>
       </pc:sldChg>
       <pc:sldChg chg="add">
         <pc:chgData name="DongHyeon Ko" userId="113be3d24099a8d3" providerId="LiveId" clId="{116AF83B-99CC-4C50-A28B-70941B365F50}" dt="2017-11-27T15:40:35.844" v="1536" actId="1076"/>
@@ -453,6 +625,52 @@
             <ac:spMk id="3" creationId="{D957C641-0286-4C53-9378-90E22A96150C}"/>
           </ac:spMkLst>
         </pc:spChg>
+      </pc:sldChg>
+      <pc:sldChg chg="addSp delSp modSp">
+        <pc:chgData name="DongHyeon Ko" userId="113be3d24099a8d3" providerId="LiveId" clId="{116AF83B-99CC-4C50-A28B-70941B365F50}" dt="2017-11-28T14:37:20.917" v="1992" actId="1076"/>
+        <pc:sldMkLst>
+          <pc:docMk/>
+          <pc:sldMk cId="611401221" sldId="270"/>
+        </pc:sldMkLst>
+        <pc:spChg chg="del">
+          <ac:chgData name="DongHyeon Ko" userId="113be3d24099a8d3" providerId="LiveId" clId="{116AF83B-99CC-4C50-A28B-70941B365F50}" dt="2017-11-28T13:33:14.479" v="1884" actId="478"/>
+          <ac:spMkLst>
+            <pc:docMk/>
+            <pc:sldMk cId="611401221" sldId="270"/>
+            <ac:spMk id="4" creationId="{00000000-0000-0000-0000-000000000000}"/>
+          </ac:spMkLst>
+        </pc:spChg>
+        <pc:spChg chg="add mod">
+          <ac:chgData name="DongHyeon Ko" userId="113be3d24099a8d3" providerId="LiveId" clId="{116AF83B-99CC-4C50-A28B-70941B365F50}" dt="2017-11-28T13:33:48.369" v="1891" actId="208"/>
+          <ac:spMkLst>
+            <pc:docMk/>
+            <pc:sldMk cId="611401221" sldId="270"/>
+            <ac:spMk id="5" creationId="{F9120B8E-B6C3-42F6-87D0-8CF5F35E0751}"/>
+          </ac:spMkLst>
+        </pc:spChg>
+        <pc:spChg chg="add mod">
+          <ac:chgData name="DongHyeon Ko" userId="113be3d24099a8d3" providerId="LiveId" clId="{116AF83B-99CC-4C50-A28B-70941B365F50}" dt="2017-11-28T13:33:53.791" v="1892" actId="571"/>
+          <ac:spMkLst>
+            <pc:docMk/>
+            <pc:sldMk cId="611401221" sldId="270"/>
+            <ac:spMk id="6" creationId="{105717F3-465C-4DAA-8087-80E6192BD2D8}"/>
+          </ac:spMkLst>
+        </pc:spChg>
+        <pc:spChg chg="add mod">
+          <ac:chgData name="DongHyeon Ko" userId="113be3d24099a8d3" providerId="LiveId" clId="{116AF83B-99CC-4C50-A28B-70941B365F50}" dt="2017-11-28T14:37:20.917" v="1992" actId="1076"/>
+          <ac:spMkLst>
+            <pc:docMk/>
+            <pc:sldMk cId="611401221" sldId="270"/>
+            <ac:spMk id="7" creationId="{2262DBEF-5AF3-4318-8F08-2CAD10C55383}"/>
+          </ac:spMkLst>
+        </pc:spChg>
+      </pc:sldChg>
+      <pc:sldChg chg="add">
+        <pc:chgData name="DongHyeon Ko" userId="113be3d24099a8d3" providerId="LiveId" clId="{116AF83B-99CC-4C50-A28B-70941B365F50}" dt="2017-11-28T13:32:59.635" v="1881"/>
+        <pc:sldMkLst>
+          <pc:docMk/>
+          <pc:sldMk cId="3674669559" sldId="271"/>
+        </pc:sldMkLst>
       </pc:sldChg>
     </pc:docChg>
   </pc:docChgLst>
@@ -509,7 +727,7 @@
           </ac:spMkLst>
         </pc:spChg>
         <pc:picChg chg="add del mod">
-          <ac:chgData name="DongHyeon Ko" userId="113be3d24099a8d3" providerId="LiveId" clId="{07314520-6191-4EBB-AC7B-6BE57BFF3A5C}" dt="2017-11-28T08:02:46.731" v="260"/>
+          <ac:chgData name="DongHyeon Ko" userId="113be3d24099a8d3" providerId="LiveId" clId="{07314520-6191-4EBB-AC7B-6BE57BFF3A5C}" dt="2017-11-28T08:02:46.731" v="260" actId="11529"/>
           <ac:picMkLst>
             <pc:docMk/>
             <pc:sldMk cId="2091678307" sldId="259"/>
@@ -541,7 +759,7 @@
         </pc:spChg>
       </pc:sldChg>
       <pc:sldChg chg="addSp delSp modSp">
-        <pc:chgData name="DongHyeon Ko" userId="113be3d24099a8d3" providerId="LiveId" clId="{07314520-6191-4EBB-AC7B-6BE57BFF3A5C}" dt="2017-11-28T08:03:05.026" v="275"/>
+        <pc:chgData name="DongHyeon Ko" userId="113be3d24099a8d3" providerId="LiveId" clId="{07314520-6191-4EBB-AC7B-6BE57BFF3A5C}" dt="2017-11-28T08:03:05.026" v="275" actId="20577"/>
         <pc:sldMkLst>
           <pc:docMk/>
           <pc:sldMk cId="2532134966" sldId="262"/>
@@ -563,7 +781,7 @@
           </ac:spMkLst>
         </pc:spChg>
         <pc:picChg chg="add del mod">
-          <ac:chgData name="DongHyeon Ko" userId="113be3d24099a8d3" providerId="LiveId" clId="{07314520-6191-4EBB-AC7B-6BE57BFF3A5C}" dt="2017-11-28T07:36:41.741" v="184"/>
+          <ac:chgData name="DongHyeon Ko" userId="113be3d24099a8d3" providerId="LiveId" clId="{07314520-6191-4EBB-AC7B-6BE57BFF3A5C}" dt="2017-11-28T07:36:41.741" v="184" actId="20577"/>
           <ac:picMkLst>
             <pc:docMk/>
             <pc:sldMk cId="2532134966" sldId="262"/>
@@ -587,7 +805,7 @@
           </ac:picMkLst>
         </pc:picChg>
         <pc:picChg chg="add del mod">
-          <ac:chgData name="DongHyeon Ko" userId="113be3d24099a8d3" providerId="LiveId" clId="{07314520-6191-4EBB-AC7B-6BE57BFF3A5C}" dt="2017-11-28T08:03:05.026" v="275"/>
+          <ac:chgData name="DongHyeon Ko" userId="113be3d24099a8d3" providerId="LiveId" clId="{07314520-6191-4EBB-AC7B-6BE57BFF3A5C}" dt="2017-11-28T08:03:05.026" v="275" actId="20577"/>
           <ac:picMkLst>
             <pc:docMk/>
             <pc:sldMk cId="2532134966" sldId="262"/>
@@ -690,7 +908,7 @@
           </ac:picMkLst>
         </pc:picChg>
         <pc:picChg chg="add mod">
-          <ac:chgData name="DongHyeon Ko" userId="113be3d24099a8d3" providerId="LiveId" clId="{07314520-6191-4EBB-AC7B-6BE57BFF3A5C}" dt="2017-11-28T08:23:06.065" v="645"/>
+          <ac:chgData name="DongHyeon Ko" userId="113be3d24099a8d3" providerId="LiveId" clId="{07314520-6191-4EBB-AC7B-6BE57BFF3A5C}" dt="2017-11-28T08:23:06.065" v="645" actId="20577"/>
           <ac:picMkLst>
             <pc:docMk/>
             <pc:sldMk cId="226358864" sldId="265"/>
@@ -707,13 +925,13 @@
         </pc:picChg>
       </pc:sldChg>
       <pc:sldChg chg="addSp delSp modSp add">
-        <pc:chgData name="DongHyeon Ko" userId="113be3d24099a8d3" providerId="LiveId" clId="{07314520-6191-4EBB-AC7B-6BE57BFF3A5C}" dt="2017-11-28T07:36:42.799" v="185"/>
+        <pc:chgData name="DongHyeon Ko" userId="113be3d24099a8d3" providerId="LiveId" clId="{07314520-6191-4EBB-AC7B-6BE57BFF3A5C}" dt="2017-11-28T07:36:42.799" v="185" actId="20577"/>
         <pc:sldMkLst>
           <pc:docMk/>
           <pc:sldMk cId="501479627" sldId="269"/>
         </pc:sldMkLst>
         <pc:picChg chg="add del mod">
-          <ac:chgData name="DongHyeon Ko" userId="113be3d24099a8d3" providerId="LiveId" clId="{07314520-6191-4EBB-AC7B-6BE57BFF3A5C}" dt="2017-11-28T07:36:38.073" v="181"/>
+          <ac:chgData name="DongHyeon Ko" userId="113be3d24099a8d3" providerId="LiveId" clId="{07314520-6191-4EBB-AC7B-6BE57BFF3A5C}" dt="2017-11-28T07:36:38.073" v="181" actId="20577"/>
           <ac:picMkLst>
             <pc:docMk/>
             <pc:sldMk cId="501479627" sldId="269"/>
@@ -721,7 +939,7 @@
           </ac:picMkLst>
         </pc:picChg>
         <pc:picChg chg="add">
-          <ac:chgData name="DongHyeon Ko" userId="113be3d24099a8d3" providerId="LiveId" clId="{07314520-6191-4EBB-AC7B-6BE57BFF3A5C}" dt="2017-11-28T07:36:42.799" v="185"/>
+          <ac:chgData name="DongHyeon Ko" userId="113be3d24099a8d3" providerId="LiveId" clId="{07314520-6191-4EBB-AC7B-6BE57BFF3A5C}" dt="2017-11-28T07:36:42.799" v="185" actId="20577"/>
           <ac:picMkLst>
             <pc:docMk/>
             <pc:sldMk cId="501479627" sldId="269"/>
@@ -730,7 +948,7 @@
         </pc:picChg>
       </pc:sldChg>
       <pc:sldChg chg="add">
-        <pc:chgData name="DongHyeon Ko" userId="113be3d24099a8d3" providerId="LiveId" clId="{07314520-6191-4EBB-AC7B-6BE57BFF3A5C}" dt="2017-11-28T07:32:17.221" v="159"/>
+        <pc:chgData name="DongHyeon Ko" userId="113be3d24099a8d3" providerId="LiveId" clId="{07314520-6191-4EBB-AC7B-6BE57BFF3A5C}" dt="2017-11-28T07:32:17.221" v="159" actId="20577"/>
         <pc:sldMkLst>
           <pc:docMk/>
           <pc:sldMk cId="611401221" sldId="270"/>
@@ -6576,7 +6794,7 @@
 </file>
 
 <file path=ppt/slides/slide1.xml><?xml version="1.0" encoding="utf-8"?>
-<p:sld xmlns:a="http://schemas.openxmlformats.org/drawingml/2006/main" xmlns:r="http://schemas.openxmlformats.org/officeDocument/2006/relationships" xmlns:p="http://schemas.openxmlformats.org/presentationml/2006/main" xmlns:p14="http://schemas.microsoft.com/office/powerpoint/2010/main">
+<p:sld xmlns:a="http://schemas.openxmlformats.org/drawingml/2006/main" xmlns:r="http://schemas.openxmlformats.org/officeDocument/2006/relationships" xmlns:p="http://schemas.openxmlformats.org/presentationml/2006/main">
   <p:cSld>
     <p:spTree>
       <p:nvGrpSpPr>
@@ -6661,12 +6879,12 @@
           </a:prstGeom>
         </p:spPr>
         <p:txBody>
-          <a:bodyPr wrap="square" lIns="91440" tIns="45720" rIns="91440" bIns="45720" numCol="1" vert="horz" anchor="b">
+          <a:bodyPr vert="horz" wrap="square" lIns="91440" tIns="45720" rIns="91440" bIns="45720" numCol="1" anchor="b">
             <a:normAutofit fontScale="77500" lnSpcReduction="20000"/>
           </a:bodyPr>
           <a:lstStyle/>
           <a:p>
-            <a:pPr marL="0" indent="0" algn="ctr" fontAlgn="auto" defTabSz="457200">
+            <a:pPr marL="0" indent="0" algn="ctr" defTabSz="457200" fontAlgn="auto">
               <a:lnSpc>
                 <a:spcPct val="100000"/>
               </a:lnSpc>
@@ -6680,7 +6898,7 @@
               <a:buNone/>
             </a:pPr>
             <a:r>
-              <a:rPr lang="en-US" altLang="ko-KR" sz="4800" cap="all" dirty="0" smtClean="0" b="0">
+              <a:rPr lang="en-US" altLang="ko-KR" sz="4800" b="0" cap="all" dirty="0">
                 <a:ln w="3175" cap="flat" cmpd="sng">
                   <a:prstDash/>
                 </a:ln>
@@ -6693,7 +6911,7 @@
                       <a:alpha val="49847"/>
                     </a:srgbClr>
                   </a:glow>
-                  <a:outerShdw sx="100000" sy="100000" blurRad="28575" dist="31750" dir="13200000" rotWithShape="0" algn="tl">
+                  <a:outerShdw blurRad="28575" dist="31750" dir="13200000" algn="tl" rotWithShape="0">
                     <a:srgbClr val="000000">
                       <a:alpha val="24705"/>
                     </a:srgbClr>
@@ -6705,7 +6923,7 @@
               <a:t>2012180022 </a:t>
             </a:r>
             <a:r>
-              <a:rPr lang="en-US" altLang="ko-KR" sz="4800" cap="all" dirty="0" smtClean="0" b="0">
+              <a:rPr lang="en-US" altLang="ko-KR" sz="4800" b="0" cap="all" dirty="0">
                 <a:ln w="3175" cap="flat" cmpd="sng">
                   <a:prstDash/>
                 </a:ln>
@@ -6718,7 +6936,7 @@
                       <a:alpha val="49847"/>
                     </a:srgbClr>
                   </a:glow>
-                  <a:outerShdw sx="100000" sy="100000" blurRad="28575" dist="31750" dir="13200000" rotWithShape="0" algn="tl">
+                  <a:outerShdw blurRad="28575" dist="31750" dir="13200000" algn="tl" rotWithShape="0">
                     <a:srgbClr val="000000">
                       <a:alpha val="24705"/>
                     </a:srgbClr>
@@ -6729,7 +6947,7 @@
               </a:rPr>
               <a:t>양기석</a:t>
             </a:r>
-            <a:endParaRPr lang="ko-KR" altLang="en-US" sz="4800" cap="all" dirty="0" smtClean="0" b="0">
+            <a:endParaRPr lang="ko-KR" altLang="en-US" sz="4800" b="0" cap="all" dirty="0">
               <a:ln w="3175" cap="flat" cmpd="sng">
                 <a:prstDash/>
               </a:ln>
@@ -6741,7 +6959,7 @@
             </a:endParaRPr>
           </a:p>
           <a:p>
-            <a:pPr marL="0" indent="0" algn="ctr" fontAlgn="auto" defTabSz="457200">
+            <a:pPr marL="0" indent="0" algn="ctr" defTabSz="457200" fontAlgn="auto">
               <a:lnSpc>
                 <a:spcPct val="100000"/>
               </a:lnSpc>
@@ -6755,7 +6973,7 @@
               <a:buNone/>
             </a:pPr>
             <a:r>
-              <a:rPr lang="en-US" altLang="ko-KR" sz="4800" cap="all" dirty="0" smtClean="0" b="0">
+              <a:rPr lang="en-US" altLang="ko-KR" sz="4800" b="0" cap="all" dirty="0">
                 <a:ln w="3175" cap="flat" cmpd="sng">
                   <a:prstDash/>
                 </a:ln>
@@ -6768,7 +6986,7 @@
                       <a:alpha val="49847"/>
                     </a:srgbClr>
                   </a:glow>
-                  <a:outerShdw sx="100000" sy="100000" blurRad="28575" dist="31750" dir="13200000" rotWithShape="0" algn="tl">
+                  <a:outerShdw blurRad="28575" dist="31750" dir="13200000" algn="tl" rotWithShape="0">
                     <a:srgbClr val="000000">
                       <a:alpha val="24705"/>
                     </a:srgbClr>
@@ -6780,7 +6998,7 @@
               <a:t>2015182002 </a:t>
             </a:r>
             <a:r>
-              <a:rPr lang="en-US" altLang="ko-KR" sz="4800" cap="all" dirty="0" smtClean="0" b="0">
+              <a:rPr lang="en-US" altLang="ko-KR" sz="4800" b="0" cap="all" dirty="0">
                 <a:ln w="3175" cap="flat" cmpd="sng">
                   <a:prstDash/>
                 </a:ln>
@@ -6793,7 +7011,7 @@
                       <a:alpha val="49847"/>
                     </a:srgbClr>
                   </a:glow>
-                  <a:outerShdw sx="100000" sy="100000" blurRad="28575" dist="31750" dir="13200000" rotWithShape="0" algn="tl">
+                  <a:outerShdw blurRad="28575" dist="31750" dir="13200000" algn="tl" rotWithShape="0">
                     <a:srgbClr val="000000">
                       <a:alpha val="24705"/>
                     </a:srgbClr>
@@ -6804,7 +7022,7 @@
               </a:rPr>
               <a:t>고동현</a:t>
             </a:r>
-            <a:endParaRPr lang="ko-KR" altLang="en-US" sz="4800" cap="all" dirty="0" smtClean="0" b="0">
+            <a:endParaRPr lang="ko-KR" altLang="en-US" sz="4800" b="0" cap="all" dirty="0">
               <a:ln w="3175" cap="flat" cmpd="sng">
                 <a:prstDash/>
               </a:ln>
@@ -6827,21 +7045,6 @@
   <p:clrMapOvr>
     <a:masterClrMapping/>
   </p:clrMapOvr>
-  <mc:AlternateContent xmlns:mc="http://schemas.openxmlformats.org/markup-compatibility/2006">
-    <mc:Choice xmlns:p14="http://schemas.microsoft.com/office/powerpoint/2010/main" Requires="p14">
-      <p:transition spd="slow" p14:dur="2000"/>
-    </mc:Choice>
-    <mc:Fallback>
-      <p:transition spd="slow"/>
-    </mc:Fallback>
-  </mc:AlternateContent>
-  <p:timing>
-    <p:tnLst>
-      <p:par>
-        <p:cTn id="1" dur="indefinite" restart="never" nodeType="tmRoot"/>
-      </p:par>
-    </p:tnLst>
-  </p:timing>
 </p:sld>
 </file>
 
@@ -7116,7 +7319,7 @@
 </file>
 
 <file path=ppt/slides/slide11.xml><?xml version="1.0" encoding="utf-8"?>
-<p:sld xmlns:a="http://schemas.openxmlformats.org/drawingml/2006/main" xmlns:r="http://schemas.openxmlformats.org/officeDocument/2006/relationships" xmlns:p="http://schemas.openxmlformats.org/presentationml/2006/main" xmlns:p14="http://schemas.microsoft.com/office/powerpoint/2010/main">
+<p:sld xmlns:a="http://schemas.openxmlformats.org/drawingml/2006/main" xmlns:r="http://schemas.openxmlformats.org/officeDocument/2006/relationships" xmlns:p="http://schemas.openxmlformats.org/presentationml/2006/main">
   <p:cSld>
     <p:spTree>
       <p:nvGrpSpPr>
@@ -7141,20 +7344,22 @@
           <p:nvPr/>
         </p:nvSpPr>
         <p:spPr>
-          <a:xfrm rot="0">
+          <a:xfrm>
             <a:off x="791845" y="423545"/>
             <a:ext cx="5614035" cy="768985"/>
           </a:xfrm>
-          <a:prstGeom prst="rect"/>
+          <a:prstGeom prst="rect">
+            <a:avLst/>
+          </a:prstGeom>
           <a:noFill/>
         </p:spPr>
         <p:txBody>
-          <a:bodyPr wrap="square" lIns="91440" tIns="45720" rIns="91440" bIns="45720" vert="horz" anchor="t">
+          <a:bodyPr vert="horz" wrap="square" lIns="91440" tIns="45720" rIns="91440" bIns="45720" anchor="t">
             <a:spAutoFit/>
           </a:bodyPr>
           <a:lstStyle/>
           <a:p>
-            <a:pPr marL="0" indent="0" algn="l" fontAlgn="auto" defTabSz="457200" eaLnBrk="0" latinLnBrk="0">
+            <a:pPr marL="0" indent="0" algn="l" defTabSz="457200" eaLnBrk="0" fontAlgn="auto" latinLnBrk="0">
               <a:lnSpc>
                 <a:spcPct val="100000"/>
               </a:lnSpc>
@@ -7168,7 +7373,7 @@
               <a:buNone/>
             </a:pPr>
             <a:r>
-              <a:rPr lang="en-US" altLang="ko-KR" sz="4400" cap="none" dirty="0" smtClean="0" b="0">
+              <a:rPr lang="en-US" altLang="ko-KR" sz="4400" b="0" cap="none" dirty="0">
                 <a:solidFill>
                   <a:schemeClr val="accent1">
                     <a:lumMod val="75000"/>
@@ -7179,7 +7384,7 @@
               </a:rPr>
               <a:t>게임 플레이</a:t>
             </a:r>
-            <a:endParaRPr lang="ko-KR" altLang="en-US" sz="4400" cap="none" dirty="0" smtClean="0" b="0">
+            <a:endParaRPr lang="ko-KR" altLang="en-US" sz="4400" b="0" cap="none" dirty="0">
               <a:solidFill>
                 <a:schemeClr val="accent1">
                   <a:lumMod val="75000"/>
@@ -7200,7 +7405,7 @@
           <p:nvPr/>
         </p:nvPicPr>
         <p:blipFill rotWithShape="1">
-          <a:blip r:embed="rId1">
+          <a:blip r:embed="rId2">
             <a:extLst>
               <a:ext uri="{28A0092B-C50C-407E-A947-70E740481C1C}">
                 <a14:useLocalDpi xmlns:a14="http://schemas.microsoft.com/office/drawing/2010/main" val="0"/>
@@ -7212,70 +7417,164 @@
           </a:stretch>
         </p:blipFill>
         <p:spPr>
-          <a:xfrm rot="0">
+          <a:xfrm>
             <a:off x="895985" y="1794510"/>
             <a:ext cx="5391785" cy="3772535"/>
           </a:xfrm>
-          <a:prstGeom prst="rect"/>
+          <a:prstGeom prst="rect">
+            <a:avLst/>
+          </a:prstGeom>
           <a:noFill/>
         </p:spPr>
       </p:pic>
       <p:sp>
         <p:nvSpPr>
-          <p:cNvPr id="4" name="텍스트 상자 3"/>
-          <p:cNvSpPr txBox="1">
-            <a:spLocks/>
-          </p:cNvSpPr>
+          <p:cNvPr id="5" name="타원 4">
+            <a:extLst>
+              <a:ext uri="{FF2B5EF4-FFF2-40B4-BE49-F238E27FC236}">
+                <a16:creationId xmlns:a16="http://schemas.microsoft.com/office/drawing/2014/main" id="{F9120B8E-B6C3-42F6-87D0-8CF5F35E0751}"/>
+              </a:ext>
+            </a:extLst>
+          </p:cNvPr>
+          <p:cNvSpPr/>
           <p:nvPr/>
         </p:nvSpPr>
         <p:spPr>
-          <a:xfrm rot="0">
-            <a:off x="5785485" y="890270"/>
-            <a:ext cx="4872990" cy="370205"/>
+          <a:xfrm>
+            <a:off x="3187700" y="4203700"/>
+            <a:ext cx="939800" cy="711200"/>
           </a:xfrm>
-          <a:prstGeom prst="rect"/>
+          <a:prstGeom prst="ellipse">
+            <a:avLst/>
+          </a:prstGeom>
           <a:noFill/>
-          <a:ln w="0">
-            <a:noFill/>
-            <a:prstDash/>
+          <a:ln w="76200">
+            <a:solidFill>
+              <a:srgbClr val="FF0000"/>
+            </a:solidFill>
           </a:ln>
         </p:spPr>
-        <p:txBody>
-          <a:bodyPr wrap="square" lIns="89535" tIns="46355" rIns="89535" bIns="46355" vert="horz" anchor="t">
+        <p:style>
+          <a:lnRef idx="2">
+            <a:schemeClr val="accent1">
+              <a:shade val="50000"/>
+            </a:schemeClr>
+          </a:lnRef>
+          <a:fillRef idx="1">
+            <a:schemeClr val="accent1"/>
+          </a:fillRef>
+          <a:effectRef idx="0">
+            <a:schemeClr val="accent1"/>
+          </a:effectRef>
+          <a:fontRef idx="minor">
+            <a:schemeClr val="lt1"/>
+          </a:fontRef>
+        </p:style>
+        <p:txBody>
+          <a:bodyPr rtlCol="0" anchor="ctr"/>
+          <a:lstStyle/>
+          <a:p>
+            <a:pPr algn="ctr"/>
+            <a:endParaRPr lang="ko-KR" altLang="en-US"/>
+          </a:p>
+        </p:txBody>
+      </p:sp>
+      <p:sp>
+        <p:nvSpPr>
+          <p:cNvPr id="6" name="타원 5">
+            <a:extLst>
+              <a:ext uri="{FF2B5EF4-FFF2-40B4-BE49-F238E27FC236}">
+                <a16:creationId xmlns:a16="http://schemas.microsoft.com/office/drawing/2014/main" id="{105717F3-465C-4DAA-8087-80E6192BD2D8}"/>
+              </a:ext>
+            </a:extLst>
+          </p:cNvPr>
+          <p:cNvSpPr/>
+          <p:nvPr/>
+        </p:nvSpPr>
+        <p:spPr>
+          <a:xfrm>
+            <a:off x="1651000" y="3325177"/>
+            <a:ext cx="939800" cy="711200"/>
+          </a:xfrm>
+          <a:prstGeom prst="ellipse">
+            <a:avLst/>
+          </a:prstGeom>
+          <a:noFill/>
+          <a:ln w="76200">
+            <a:solidFill>
+              <a:srgbClr val="FF0000"/>
+            </a:solidFill>
+          </a:ln>
+        </p:spPr>
+        <p:style>
+          <a:lnRef idx="2">
+            <a:schemeClr val="accent1">
+              <a:shade val="50000"/>
+            </a:schemeClr>
+          </a:lnRef>
+          <a:fillRef idx="1">
+            <a:schemeClr val="accent1"/>
+          </a:fillRef>
+          <a:effectRef idx="0">
+            <a:schemeClr val="accent1"/>
+          </a:effectRef>
+          <a:fontRef idx="minor">
+            <a:schemeClr val="lt1"/>
+          </a:fontRef>
+        </p:style>
+        <p:txBody>
+          <a:bodyPr rtlCol="0" anchor="ctr"/>
+          <a:lstStyle/>
+          <a:p>
+            <a:pPr algn="ctr"/>
+            <a:endParaRPr lang="ko-KR" altLang="en-US"/>
+          </a:p>
+        </p:txBody>
+      </p:sp>
+      <p:sp>
+        <p:nvSpPr>
+          <p:cNvPr id="7" name="TextBox 6">
+            <a:extLst>
+              <a:ext uri="{FF2B5EF4-FFF2-40B4-BE49-F238E27FC236}">
+                <a16:creationId xmlns:a16="http://schemas.microsoft.com/office/drawing/2014/main" id="{2262DBEF-5AF3-4318-8F08-2CAD10C55383}"/>
+              </a:ext>
+            </a:extLst>
+          </p:cNvPr>
+          <p:cNvSpPr txBox="1"/>
+          <p:nvPr/>
+        </p:nvSpPr>
+        <p:spPr>
+          <a:xfrm>
+            <a:off x="7264400" y="3013501"/>
+            <a:ext cx="4031615" cy="830997"/>
+          </a:xfrm>
+          <a:prstGeom prst="rect">
+            <a:avLst/>
+          </a:prstGeom>
+          <a:noFill/>
+        </p:spPr>
+        <p:txBody>
+          <a:bodyPr wrap="square" rtlCol="0">
             <a:spAutoFit/>
           </a:bodyPr>
           <a:lstStyle/>
           <a:p>
-            <a:pPr marL="0" indent="0" algn="l" fontAlgn="auto" defTabSz="508000">
-              <a:lnSpc>
-                <a:spcPct val="100000"/>
-              </a:lnSpc>
-              <a:spcBef>
-                <a:spcPts val="0"/>
-              </a:spcBef>
-              <a:spcAft>
-                <a:spcPts val="0"/>
-              </a:spcAft>
-              <a:buFontTx/>
-              <a:buNone/>
-            </a:pPr>
-            <a:r>
-              <a:rPr lang="en-US" altLang="ko-KR" sz="1800" cap="none" dirty="0" smtClean="0" b="0">
-                <a:solidFill>
-                  <a:schemeClr val="tx1"/>
-                </a:solidFill>
-                <a:latin typeface="맑은 고딕" charset="0"/>
-                <a:ea typeface="맑은 고딕" charset="0"/>
-              </a:rPr>
-              <a:t>이곳에 전반적인 흐름을 쓴다</a:t>
-            </a:r>
-            <a:endParaRPr lang="ko-KR" altLang="en-US" sz="1800" cap="none" dirty="0" smtClean="0" b="0">
-              <a:solidFill>
-                <a:schemeClr val="tx1"/>
-              </a:solidFill>
-              <a:latin typeface="맑은 고딕" charset="0"/>
-              <a:ea typeface="맑은 고딕" charset="0"/>
-            </a:endParaRPr>
+            <a:r>
+              <a:rPr lang="ko-KR" altLang="en-US" sz="2400" dirty="0"/>
+              <a:t>플레이어가 각 큐브마다</a:t>
+            </a:r>
+            <a:endParaRPr lang="en-US" altLang="ko-KR" sz="2400" dirty="0"/>
+          </a:p>
+          <a:p>
+            <a:r>
+              <a:rPr lang="ko-KR" altLang="en-US" sz="2400" dirty="0"/>
+              <a:t>정해진 위치에서 등장한다</a:t>
+            </a:r>
+            <a:r>
+              <a:rPr lang="en-US" altLang="ko-KR" sz="2400" dirty="0"/>
+              <a:t>.</a:t>
+            </a:r>
+            <a:endParaRPr lang="ko-KR" altLang="en-US" sz="2400" dirty="0"/>
           </a:p>
         </p:txBody>
       </p:sp>
@@ -7289,26 +7588,11 @@
   <p:clrMapOvr>
     <a:masterClrMapping/>
   </p:clrMapOvr>
-  <mc:AlternateContent xmlns:mc="http://schemas.openxmlformats.org/markup-compatibility/2006">
-    <mc:Choice xmlns:p14="http://schemas.microsoft.com/office/powerpoint/2010/main" Requires="p14">
-      <p:transition spd="slow" p14:dur="2000"/>
-    </mc:Choice>
-    <mc:Fallback>
-      <p:transition spd="slow"/>
-    </mc:Fallback>
-  </mc:AlternateContent>
-  <p:timing>
-    <p:tnLst>
-      <p:par>
-        <p:cTn id="1" dur="indefinite" restart="never" nodeType="tmRoot"/>
-      </p:par>
-    </p:tnLst>
-  </p:timing>
 </p:sld>
 </file>
 
 <file path=ppt/slides/slide12.xml><?xml version="1.0" encoding="utf-8"?>
-<p:sld xmlns:a="http://schemas.openxmlformats.org/drawingml/2006/main" xmlns:r="http://schemas.openxmlformats.org/officeDocument/2006/relationships" xmlns:p="http://schemas.openxmlformats.org/presentationml/2006/main" xmlns:p14="http://schemas.microsoft.com/office/powerpoint/2010/main">
+<p:sld xmlns:a="http://schemas.openxmlformats.org/drawingml/2006/main" xmlns:r="http://schemas.openxmlformats.org/officeDocument/2006/relationships" xmlns:p="http://schemas.openxmlformats.org/presentationml/2006/main">
   <p:cSld>
     <p:spTree>
       <p:nvGrpSpPr>
@@ -7347,12 +7631,12 @@
           <a:noFill/>
         </p:spPr>
         <p:txBody>
-          <a:bodyPr wrap="square" lIns="91440" tIns="45720" rIns="91440" bIns="45720" numCol="1" vert="horz" anchor="t">
+          <a:bodyPr vert="horz" wrap="square" lIns="91440" tIns="45720" rIns="91440" bIns="45720" numCol="1" anchor="t">
             <a:spAutoFit/>
           </a:bodyPr>
           <a:lstStyle/>
           <a:p>
-            <a:pPr marL="0" indent="0" algn="l" fontAlgn="auto" defTabSz="457200" eaLnBrk="0" latinLnBrk="0">
+            <a:pPr marL="0" indent="0" algn="l" defTabSz="457200" eaLnBrk="0" fontAlgn="auto" latinLnBrk="0">
               <a:lnSpc>
                 <a:spcPct val="100000"/>
               </a:lnSpc>
@@ -7366,7 +7650,7 @@
               <a:buNone/>
             </a:pPr>
             <a:r>
-              <a:rPr lang="en-US" altLang="ko-KR" sz="4400" cap="none" dirty="0" smtClean="0" b="0">
+              <a:rPr lang="en-US" altLang="ko-KR" sz="4400" b="0" cap="none" dirty="0">
                 <a:solidFill>
                   <a:schemeClr val="accent1">
                     <a:lumMod val="75000"/>
@@ -7377,7 +7661,193 @@
               </a:rPr>
               <a:t>게임 플레이</a:t>
             </a:r>
-            <a:endParaRPr lang="ko-KR" altLang="en-US" sz="4400" cap="none" dirty="0" smtClean="0" b="0">
+            <a:endParaRPr lang="ko-KR" altLang="en-US" sz="4400" b="0" cap="none" dirty="0">
+              <a:solidFill>
+                <a:schemeClr val="accent1">
+                  <a:lumMod val="75000"/>
+                </a:schemeClr>
+              </a:solidFill>
+              <a:latin typeface="맑은 고딕" charset="0"/>
+              <a:ea typeface="맑은 고딕" charset="0"/>
+            </a:endParaRPr>
+          </a:p>
+        </p:txBody>
+      </p:sp>
+      <p:pic>
+        <p:nvPicPr>
+          <p:cNvPr id="5" name="그림 4">
+            <a:extLst>
+              <a:ext uri="{FF2B5EF4-FFF2-40B4-BE49-F238E27FC236}">
+                <a16:creationId xmlns:a16="http://schemas.microsoft.com/office/drawing/2014/main" id="{E5D30BB3-842F-486D-9D4E-DDC57E799029}"/>
+              </a:ext>
+            </a:extLst>
+          </p:cNvPr>
+          <p:cNvPicPr>
+            <a:picLocks noChangeAspect="1"/>
+          </p:cNvPicPr>
+          <p:nvPr/>
+        </p:nvPicPr>
+        <p:blipFill>
+          <a:blip r:embed="rId2"/>
+          <a:stretch>
+            <a:fillRect/>
+          </a:stretch>
+        </p:blipFill>
+        <p:spPr>
+          <a:xfrm>
+            <a:off x="791845" y="2127885"/>
+            <a:ext cx="3469640" cy="2602230"/>
+          </a:xfrm>
+          <a:prstGeom prst="rect">
+            <a:avLst/>
+          </a:prstGeom>
+        </p:spPr>
+      </p:pic>
+      <p:sp>
+        <p:nvSpPr>
+          <p:cNvPr id="7" name="텍스트 상자 6"/>
+          <p:cNvSpPr txBox="1">
+            <a:spLocks/>
+          </p:cNvSpPr>
+          <p:nvPr/>
+        </p:nvSpPr>
+        <p:spPr>
+          <a:xfrm>
+            <a:off x="5364480" y="800735"/>
+            <a:ext cx="4872990" cy="370205"/>
+          </a:xfrm>
+          <a:prstGeom prst="rect">
+            <a:avLst/>
+          </a:prstGeom>
+          <a:noFill/>
+          <a:ln w="0">
+            <a:noFill/>
+            <a:prstDash/>
+          </a:ln>
+        </p:spPr>
+        <p:txBody>
+          <a:bodyPr vert="horz" wrap="square" lIns="89535" tIns="46355" rIns="89535" bIns="46355" anchor="t">
+            <a:spAutoFit/>
+          </a:bodyPr>
+          <a:lstStyle/>
+          <a:p>
+            <a:pPr marL="0" indent="0" algn="l" defTabSz="508000" fontAlgn="auto">
+              <a:lnSpc>
+                <a:spcPct val="100000"/>
+              </a:lnSpc>
+              <a:spcBef>
+                <a:spcPts val="0"/>
+              </a:spcBef>
+              <a:spcAft>
+                <a:spcPts val="0"/>
+              </a:spcAft>
+              <a:buFontTx/>
+              <a:buNone/>
+            </a:pPr>
+            <a:r>
+              <a:rPr lang="en-US" altLang="ko-KR" sz="1800" b="0" cap="none" dirty="0">
+                <a:solidFill>
+                  <a:schemeClr val="tx1"/>
+                </a:solidFill>
+                <a:latin typeface="맑은 고딕" charset="0"/>
+                <a:ea typeface="맑은 고딕" charset="0"/>
+              </a:rPr>
+              <a:t>각종 트랩 사용법을 설명한다</a:t>
+            </a:r>
+            <a:endParaRPr lang="ko-KR" altLang="en-US" sz="1800" b="0" cap="none" dirty="0">
+              <a:solidFill>
+                <a:schemeClr val="tx1"/>
+              </a:solidFill>
+              <a:latin typeface="맑은 고딕" charset="0"/>
+              <a:ea typeface="맑은 고딕" charset="0"/>
+            </a:endParaRPr>
+          </a:p>
+        </p:txBody>
+      </p:sp>
+    </p:spTree>
+    <p:extLst>
+      <p:ext uri="{BB962C8B-B14F-4D97-AF65-F5344CB8AC3E}">
+        <p14:creationId xmlns:p14="http://schemas.microsoft.com/office/powerpoint/2010/main" val="2532134966"/>
+      </p:ext>
+    </p:extLst>
+  </p:cSld>
+  <p:clrMapOvr>
+    <a:masterClrMapping/>
+  </p:clrMapOvr>
+</p:sld>
+</file>
+
+<file path=ppt/slides/slide13.xml><?xml version="1.0" encoding="utf-8"?>
+<p:sld xmlns:a="http://schemas.openxmlformats.org/drawingml/2006/main" xmlns:r="http://schemas.openxmlformats.org/officeDocument/2006/relationships" xmlns:p="http://schemas.openxmlformats.org/presentationml/2006/main">
+  <p:cSld>
+    <p:spTree>
+      <p:nvGrpSpPr>
+        <p:cNvPr id="1" name=""/>
+        <p:cNvGrpSpPr/>
+        <p:nvPr/>
+      </p:nvGrpSpPr>
+      <p:grpSpPr>
+        <a:xfrm>
+          <a:off x="0" y="0"/>
+          <a:ext cx="0" cy="0"/>
+          <a:chOff x="0" y="0"/>
+          <a:chExt cx="0" cy="0"/>
+        </a:xfrm>
+      </p:grpSpPr>
+      <p:sp>
+        <p:nvSpPr>
+          <p:cNvPr id="2" name="TextBox 1">
+            <a:extLst>
+              <a:ext uri="{FF2B5EF4-FFF2-40B4-BE49-F238E27FC236}">
+                <a16:creationId xmlns:a16="http://schemas.microsoft.com/office/drawing/2014/main" id="{47F9A707-3D99-4155-8F2F-4414109D7A5A}"/>
+              </a:ext>
+            </a:extLst>
+          </p:cNvPr>
+          <p:cNvSpPr txBox="1"/>
+          <p:nvPr/>
+        </p:nvSpPr>
+        <p:spPr>
+          <a:xfrm>
+            <a:off x="791845" y="423545"/>
+            <a:ext cx="5614035" cy="768985"/>
+          </a:xfrm>
+          <a:prstGeom prst="rect">
+            <a:avLst/>
+          </a:prstGeom>
+          <a:noFill/>
+        </p:spPr>
+        <p:txBody>
+          <a:bodyPr vert="horz" wrap="square" lIns="91440" tIns="45720" rIns="91440" bIns="45720" numCol="1" anchor="t">
+            <a:spAutoFit/>
+          </a:bodyPr>
+          <a:lstStyle/>
+          <a:p>
+            <a:pPr marL="0" indent="0" algn="l" defTabSz="457200" eaLnBrk="0" fontAlgn="auto" latinLnBrk="0">
+              <a:lnSpc>
+                <a:spcPct val="100000"/>
+              </a:lnSpc>
+              <a:spcBef>
+                <a:spcPts val="0"/>
+              </a:spcBef>
+              <a:spcAft>
+                <a:spcPts val="0"/>
+              </a:spcAft>
+              <a:buFontTx/>
+              <a:buNone/>
+            </a:pPr>
+            <a:r>
+              <a:rPr lang="en-US" altLang="ko-KR" sz="4400" b="0" cap="none" dirty="0">
+                <a:solidFill>
+                  <a:schemeClr val="accent1">
+                    <a:lumMod val="75000"/>
+                  </a:schemeClr>
+                </a:solidFill>
+                <a:latin typeface="맑은 고딕" charset="0"/>
+                <a:ea typeface="맑은 고딕" charset="0"/>
+              </a:rPr>
+              <a:t>게임 플레이</a:t>
+            </a:r>
+            <a:endParaRPr lang="ko-KR" altLang="en-US" sz="4400" b="0" cap="none" dirty="0">
               <a:solidFill>
                 <a:schemeClr val="accent1">
                   <a:lumMod val="75000"/>
@@ -7480,11 +7950,13 @@
           <p:nvPr/>
         </p:nvSpPr>
         <p:spPr>
-          <a:xfrm rot="0">
+          <a:xfrm>
             <a:off x="5364480" y="800735"/>
             <a:ext cx="4872990" cy="370205"/>
           </a:xfrm>
-          <a:prstGeom prst="rect"/>
+          <a:prstGeom prst="rect">
+            <a:avLst/>
+          </a:prstGeom>
           <a:noFill/>
           <a:ln w="0">
             <a:noFill/>
@@ -7492,12 +7964,12 @@
           </a:ln>
         </p:spPr>
         <p:txBody>
-          <a:bodyPr wrap="square" lIns="89535" tIns="46355" rIns="89535" bIns="46355" vert="horz" anchor="t">
+          <a:bodyPr vert="horz" wrap="square" lIns="89535" tIns="46355" rIns="89535" bIns="46355" anchor="t">
             <a:spAutoFit/>
           </a:bodyPr>
           <a:lstStyle/>
           <a:p>
-            <a:pPr marL="0" indent="0" algn="l" fontAlgn="auto" defTabSz="508000">
+            <a:pPr marL="0" indent="0" algn="l" defTabSz="508000" fontAlgn="auto">
               <a:lnSpc>
                 <a:spcPct val="100000"/>
               </a:lnSpc>
@@ -7511,7 +7983,7 @@
               <a:buNone/>
             </a:pPr>
             <a:r>
-              <a:rPr lang="en-US" altLang="ko-KR" sz="1800" cap="none" dirty="0" smtClean="0" b="0">
+              <a:rPr lang="en-US" altLang="ko-KR" sz="1800" b="0" cap="none" dirty="0">
                 <a:solidFill>
                   <a:schemeClr val="tx1"/>
                 </a:solidFill>
@@ -7520,7 +7992,7 @@
               </a:rPr>
               <a:t>각종 트랩 사용법을 설명한다</a:t>
             </a:r>
-            <a:endParaRPr lang="ko-KR" altLang="en-US" sz="1800" cap="none" dirty="0" smtClean="0" b="0">
+            <a:endParaRPr lang="ko-KR" altLang="en-US" sz="1800" b="0" cap="none" dirty="0">
               <a:solidFill>
                 <a:schemeClr val="tx1"/>
               </a:solidFill>
@@ -7533,33 +8005,18 @@
     </p:spTree>
     <p:extLst>
       <p:ext uri="{BB962C8B-B14F-4D97-AF65-F5344CB8AC3E}">
-        <p14:creationId xmlns:p14="http://schemas.microsoft.com/office/powerpoint/2010/main" val="2532134966"/>
+        <p14:creationId xmlns:p14="http://schemas.microsoft.com/office/powerpoint/2010/main" val="3674669559"/>
       </p:ext>
     </p:extLst>
   </p:cSld>
   <p:clrMapOvr>
     <a:masterClrMapping/>
   </p:clrMapOvr>
-  <mc:AlternateContent xmlns:mc="http://schemas.openxmlformats.org/markup-compatibility/2006">
-    <mc:Choice xmlns:p14="http://schemas.microsoft.com/office/powerpoint/2010/main" Requires="p14">
-      <p:transition spd="slow" p14:dur="2000"/>
-    </mc:Choice>
-    <mc:Fallback>
-      <p:transition spd="slow"/>
-    </mc:Fallback>
-  </mc:AlternateContent>
-  <p:timing>
-    <p:tnLst>
-      <p:par>
-        <p:cTn id="1" dur="indefinite" restart="never" nodeType="tmRoot"/>
-      </p:par>
-    </p:tnLst>
-  </p:timing>
 </p:sld>
 </file>
 
-<file path=ppt/slides/slide13.xml><?xml version="1.0" encoding="utf-8"?>
-<p:sld xmlns:a="http://schemas.openxmlformats.org/drawingml/2006/main" xmlns:r="http://schemas.openxmlformats.org/officeDocument/2006/relationships" xmlns:p="http://schemas.openxmlformats.org/presentationml/2006/main" xmlns:p14="http://schemas.microsoft.com/office/powerpoint/2010/main">
+<file path=ppt/slides/slide14.xml><?xml version="1.0" encoding="utf-8"?>
+<p:sld xmlns:a="http://schemas.openxmlformats.org/drawingml/2006/main" xmlns:r="http://schemas.openxmlformats.org/officeDocument/2006/relationships" xmlns:p="http://schemas.openxmlformats.org/presentationml/2006/main">
   <p:cSld>
     <p:spTree>
       <p:nvGrpSpPr>
@@ -7627,20 +8084,22 @@
           <p:nvPr/>
         </p:nvSpPr>
         <p:spPr>
-          <a:xfrm rot="0">
+          <a:xfrm>
             <a:off x="791845" y="423545"/>
             <a:ext cx="5614035" cy="768985"/>
           </a:xfrm>
-          <a:prstGeom prst="rect"/>
+          <a:prstGeom prst="rect">
+            <a:avLst/>
+          </a:prstGeom>
           <a:noFill/>
         </p:spPr>
         <p:txBody>
-          <a:bodyPr wrap="square" lIns="91440" tIns="45720" rIns="91440" bIns="45720" vert="horz" anchor="t">
+          <a:bodyPr vert="horz" wrap="square" lIns="91440" tIns="45720" rIns="91440" bIns="45720" anchor="t">
             <a:spAutoFit/>
           </a:bodyPr>
           <a:lstStyle/>
           <a:p>
-            <a:pPr marL="0" indent="0" algn="l" fontAlgn="auto" defTabSz="457200" eaLnBrk="0" latinLnBrk="0">
+            <a:pPr marL="0" indent="0" algn="l" defTabSz="457200" eaLnBrk="0" fontAlgn="auto" latinLnBrk="0">
               <a:lnSpc>
                 <a:spcPct val="100000"/>
               </a:lnSpc>
@@ -7654,7 +8113,7 @@
               <a:buNone/>
             </a:pPr>
             <a:r>
-              <a:rPr lang="en-US" altLang="ko-KR" sz="4400" cap="none" dirty="0" smtClean="0" b="0">
+              <a:rPr lang="en-US" altLang="ko-KR" sz="4400" b="0" cap="none" dirty="0">
                 <a:solidFill>
                   <a:schemeClr val="accent1">
                     <a:lumMod val="75000"/>
@@ -7665,7 +8124,7 @@
               </a:rPr>
               <a:t>게임 플레이</a:t>
             </a:r>
-            <a:endParaRPr lang="ko-KR" altLang="en-US" sz="4400" cap="none" dirty="0" smtClean="0" b="0">
+            <a:endParaRPr lang="ko-KR" altLang="en-US" sz="4400" b="0" cap="none" dirty="0">
               <a:solidFill>
                 <a:schemeClr val="accent1">
                   <a:lumMod val="75000"/>
@@ -7687,125 +8146,6 @@
   <p:clrMapOvr>
     <a:masterClrMapping/>
   </p:clrMapOvr>
-  <mc:AlternateContent xmlns:mc="http://schemas.openxmlformats.org/markup-compatibility/2006">
-    <mc:Choice xmlns:p14="http://schemas.microsoft.com/office/powerpoint/2010/main" Requires="p14">
-      <p:transition spd="slow" p14:dur="2000"/>
-    </mc:Choice>
-    <mc:Fallback>
-      <p:transition spd="slow"/>
-    </mc:Fallback>
-  </mc:AlternateContent>
-  <p:timing>
-    <p:tnLst>
-      <p:par>
-        <p:cTn id="1" dur="indefinite" restart="never" nodeType="tmRoot"/>
-      </p:par>
-    </p:tnLst>
-  </p:timing>
-</p:sld>
-</file>
-
-<file path=ppt/slides/slide14.xml><?xml version="1.0" encoding="utf-8"?>
-<p:sld xmlns:a="http://schemas.openxmlformats.org/drawingml/2006/main" xmlns:r="http://schemas.openxmlformats.org/officeDocument/2006/relationships" xmlns:p="http://schemas.openxmlformats.org/presentationml/2006/main" xmlns:p14="http://schemas.microsoft.com/office/powerpoint/2010/main">
-  <p:cSld>
-    <p:spTree>
-      <p:nvGrpSpPr>
-        <p:cNvPr id="1" name=""/>
-        <p:cNvGrpSpPr/>
-        <p:nvPr/>
-      </p:nvGrpSpPr>
-      <p:grpSpPr>
-        <a:xfrm>
-          <a:off x="0" y="0"/>
-          <a:ext cx="0" cy="0"/>
-          <a:chOff x="0" y="0"/>
-          <a:chExt cx="0" cy="0"/>
-        </a:xfrm>
-      </p:grpSpPr>
-      <p:sp>
-        <p:nvSpPr>
-          <p:cNvPr id="3" name="TextBox 2"/>
-          <p:cNvSpPr txBox="1">
-            <a:spLocks/>
-          </p:cNvSpPr>
-          <p:nvPr/>
-        </p:nvSpPr>
-        <p:spPr>
-          <a:xfrm rot="0">
-            <a:off x="813435" y="508635"/>
-            <a:ext cx="5614035" cy="768985"/>
-          </a:xfrm>
-          <a:prstGeom prst="rect"/>
-          <a:noFill/>
-        </p:spPr>
-        <p:txBody>
-          <a:bodyPr wrap="square" lIns="91440" tIns="45720" rIns="91440" bIns="45720" numCol="1" vert="horz" anchor="t">
-            <a:spAutoFit/>
-          </a:bodyPr>
-          <a:lstStyle/>
-          <a:p>
-            <a:pPr marL="0" indent="0" algn="l" fontAlgn="auto" defTabSz="457200" eaLnBrk="0" latinLnBrk="0">
-              <a:lnSpc>
-                <a:spcPct val="100000"/>
-              </a:lnSpc>
-              <a:spcBef>
-                <a:spcPts val="0"/>
-              </a:spcBef>
-              <a:spcAft>
-                <a:spcPts val="0"/>
-              </a:spcAft>
-              <a:buFontTx/>
-              <a:buNone/>
-            </a:pPr>
-            <a:r>
-              <a:rPr lang="en-US" altLang="ko-KR" sz="4400" cap="none" dirty="0" smtClean="0" b="0">
-                <a:solidFill>
-                  <a:schemeClr val="accent1">
-                    <a:lumMod val="75000"/>
-                  </a:schemeClr>
-                </a:solidFill>
-                <a:latin typeface="맑은 고딕" charset="0"/>
-                <a:ea typeface="맑은 고딕" charset="0"/>
-              </a:rPr>
-              <a:t>개발 일정</a:t>
-            </a:r>
-            <a:endParaRPr lang="ko-KR" altLang="en-US" sz="4400" cap="none" dirty="0" smtClean="0" b="0">
-              <a:solidFill>
-                <a:schemeClr val="accent1">
-                  <a:lumMod val="75000"/>
-                </a:schemeClr>
-              </a:solidFill>
-              <a:latin typeface="맑은 고딕" charset="0"/>
-              <a:ea typeface="맑은 고딕" charset="0"/>
-            </a:endParaRPr>
-          </a:p>
-        </p:txBody>
-      </p:sp>
-    </p:spTree>
-    <p:extLst>
-      <p:ext uri="{BB962C8B-B14F-4D97-AF65-F5344CB8AC3E}">
-        <p14:creationId xmlns:p14="http://schemas.microsoft.com/office/powerpoint/2010/main" val="2611412412"/>
-      </p:ext>
-    </p:extLst>
-  </p:cSld>
-  <p:clrMapOvr>
-    <a:masterClrMapping/>
-  </p:clrMapOvr>
-  <mc:AlternateContent xmlns:mc="http://schemas.openxmlformats.org/markup-compatibility/2006">
-    <mc:Choice xmlns:p14="http://schemas.microsoft.com/office/powerpoint/2010/main" Requires="p14">
-      <p:transition spd="slow" p14:dur="2000"/>
-    </mc:Choice>
-    <mc:Fallback>
-      <p:transition spd="slow"/>
-    </mc:Fallback>
-  </mc:AlternateContent>
-  <p:timing>
-    <p:tnLst>
-      <p:par>
-        <p:cTn id="1" dur="indefinite" restart="never" nodeType="tmRoot"/>
-      </p:par>
-    </p:tnLst>
-  </p:timing>
 </p:sld>
 </file>
 
@@ -7828,20 +8168,16 @@
       </p:grpSpPr>
       <p:sp>
         <p:nvSpPr>
-          <p:cNvPr id="3" name="TextBox 2">
-            <a:extLst>
-              <a:ext uri="{FF2B5EF4-FFF2-40B4-BE49-F238E27FC236}">
-                <a16:creationId xmlns:a16="http://schemas.microsoft.com/office/drawing/2014/main" id="{D957C641-0286-4C53-9378-90E22A96150C}"/>
-              </a:ext>
-            </a:extLst>
-          </p:cNvPr>
-          <p:cNvSpPr txBox="1"/>
+          <p:cNvPr id="3" name="TextBox 2"/>
+          <p:cNvSpPr txBox="1">
+            <a:spLocks/>
+          </p:cNvSpPr>
           <p:nvPr/>
         </p:nvSpPr>
         <p:spPr>
           <a:xfrm>
-            <a:off x="4559300" y="3044279"/>
-            <a:ext cx="3073400" cy="769441"/>
+            <a:off x="813435" y="508635"/>
+            <a:ext cx="5614035" cy="768985"/>
           </a:xfrm>
           <a:prstGeom prst="rect">
             <a:avLst/>
@@ -7849,28 +8185,52 @@
           <a:noFill/>
         </p:spPr>
         <p:txBody>
-          <a:bodyPr wrap="square" rtlCol="0">
+          <a:bodyPr vert="horz" wrap="square" lIns="91440" tIns="45720" rIns="91440" bIns="45720" numCol="1" anchor="t">
             <a:spAutoFit/>
           </a:bodyPr>
           <a:lstStyle/>
           <a:p>
-            <a:r>
-              <a:rPr lang="ko-KR" altLang="en-US" sz="4400" dirty="0">
+            <a:pPr marL="0" indent="0" algn="l" defTabSz="457200" eaLnBrk="0" fontAlgn="auto" latinLnBrk="0">
+              <a:lnSpc>
+                <a:spcPct val="100000"/>
+              </a:lnSpc>
+              <a:spcBef>
+                <a:spcPts val="0"/>
+              </a:spcBef>
+              <a:spcAft>
+                <a:spcPts val="0"/>
+              </a:spcAft>
+              <a:buFontTx/>
+              <a:buNone/>
+            </a:pPr>
+            <a:r>
+              <a:rPr lang="en-US" altLang="ko-KR" sz="4400" b="0" cap="none" dirty="0">
                 <a:solidFill>
                   <a:schemeClr val="accent1">
                     <a:lumMod val="75000"/>
                   </a:schemeClr>
                 </a:solidFill>
+                <a:latin typeface="맑은 고딕" charset="0"/>
+                <a:ea typeface="맑은 고딕" charset="0"/>
               </a:rPr>
-              <a:t>감사합니다</a:t>
-            </a:r>
+              <a:t>개발 일정</a:t>
+            </a:r>
+            <a:endParaRPr lang="ko-KR" altLang="en-US" sz="4400" b="0" cap="none" dirty="0">
+              <a:solidFill>
+                <a:schemeClr val="accent1">
+                  <a:lumMod val="75000"/>
+                </a:schemeClr>
+              </a:solidFill>
+              <a:latin typeface="맑은 고딕" charset="0"/>
+              <a:ea typeface="맑은 고딕" charset="0"/>
+            </a:endParaRPr>
           </a:p>
         </p:txBody>
       </p:sp>
     </p:spTree>
     <p:extLst>
       <p:ext uri="{BB962C8B-B14F-4D97-AF65-F5344CB8AC3E}">
-        <p14:creationId xmlns:p14="http://schemas.microsoft.com/office/powerpoint/2010/main" val="1813274950"/>
+        <p14:creationId xmlns:p14="http://schemas.microsoft.com/office/powerpoint/2010/main" val="2611412412"/>
       </p:ext>
     </p:extLst>
   </p:cSld>
@@ -7880,8 +8240,8 @@
 </p:sld>
 </file>
 
-<file path=ppt/slides/slide2.xml><?xml version="1.0" encoding="utf-8"?>
-<p:sld xmlns:a="http://schemas.openxmlformats.org/drawingml/2006/main" xmlns:r="http://schemas.openxmlformats.org/officeDocument/2006/relationships" xmlns:p="http://schemas.openxmlformats.org/presentationml/2006/main" xmlns:p14="http://schemas.microsoft.com/office/powerpoint/2010/main">
+<file path=ppt/slides/slide16.xml><?xml version="1.0" encoding="utf-8"?>
+<p:sld xmlns:a="http://schemas.openxmlformats.org/drawingml/2006/main" xmlns:r="http://schemas.openxmlformats.org/officeDocument/2006/relationships" xmlns:p="http://schemas.openxmlformats.org/presentationml/2006/main">
   <p:cSld>
     <p:spTree>
       <p:nvGrpSpPr>
@@ -7899,6 +8259,77 @@
       </p:grpSpPr>
       <p:sp>
         <p:nvSpPr>
+          <p:cNvPr id="3" name="TextBox 2">
+            <a:extLst>
+              <a:ext uri="{FF2B5EF4-FFF2-40B4-BE49-F238E27FC236}">
+                <a16:creationId xmlns:a16="http://schemas.microsoft.com/office/drawing/2014/main" id="{D957C641-0286-4C53-9378-90E22A96150C}"/>
+              </a:ext>
+            </a:extLst>
+          </p:cNvPr>
+          <p:cNvSpPr txBox="1"/>
+          <p:nvPr/>
+        </p:nvSpPr>
+        <p:spPr>
+          <a:xfrm>
+            <a:off x="4559300" y="3044279"/>
+            <a:ext cx="3073400" cy="769441"/>
+          </a:xfrm>
+          <a:prstGeom prst="rect">
+            <a:avLst/>
+          </a:prstGeom>
+          <a:noFill/>
+        </p:spPr>
+        <p:txBody>
+          <a:bodyPr wrap="square" rtlCol="0">
+            <a:spAutoFit/>
+          </a:bodyPr>
+          <a:lstStyle/>
+          <a:p>
+            <a:r>
+              <a:rPr lang="ko-KR" altLang="en-US" sz="4400" dirty="0">
+                <a:solidFill>
+                  <a:schemeClr val="accent1">
+                    <a:lumMod val="75000"/>
+                  </a:schemeClr>
+                </a:solidFill>
+              </a:rPr>
+              <a:t>감사합니다</a:t>
+            </a:r>
+          </a:p>
+        </p:txBody>
+      </p:sp>
+    </p:spTree>
+    <p:extLst>
+      <p:ext uri="{BB962C8B-B14F-4D97-AF65-F5344CB8AC3E}">
+        <p14:creationId xmlns:p14="http://schemas.microsoft.com/office/powerpoint/2010/main" val="1813274950"/>
+      </p:ext>
+    </p:extLst>
+  </p:cSld>
+  <p:clrMapOvr>
+    <a:masterClrMapping/>
+  </p:clrMapOvr>
+</p:sld>
+</file>
+
+<file path=ppt/slides/slide2.xml><?xml version="1.0" encoding="utf-8"?>
+<p:sld xmlns:a="http://schemas.openxmlformats.org/drawingml/2006/main" xmlns:r="http://schemas.openxmlformats.org/officeDocument/2006/relationships" xmlns:p="http://schemas.openxmlformats.org/presentationml/2006/main">
+  <p:cSld>
+    <p:spTree>
+      <p:nvGrpSpPr>
+        <p:cNvPr id="1" name=""/>
+        <p:cNvGrpSpPr/>
+        <p:nvPr/>
+      </p:nvGrpSpPr>
+      <p:grpSpPr>
+        <a:xfrm>
+          <a:off x="0" y="0"/>
+          <a:ext cx="0" cy="0"/>
+          <a:chOff x="0" y="0"/>
+          <a:chExt cx="0" cy="0"/>
+        </a:xfrm>
+      </p:grpSpPr>
+      <p:sp>
+        <p:nvSpPr>
           <p:cNvPr id="6" name="TextBox 5"/>
           <p:cNvSpPr txBox="1">
             <a:spLocks/>
@@ -7906,20 +8337,22 @@
           <p:nvPr/>
         </p:nvSpPr>
         <p:spPr>
-          <a:xfrm rot="0">
+          <a:xfrm>
             <a:off x="565785" y="504825"/>
             <a:ext cx="4610735" cy="770255"/>
           </a:xfrm>
-          <a:prstGeom prst="rect"/>
+          <a:prstGeom prst="rect">
+            <a:avLst/>
+          </a:prstGeom>
           <a:noFill/>
         </p:spPr>
         <p:txBody>
-          <a:bodyPr wrap="square" lIns="91440" tIns="45720" rIns="91440" bIns="45720" numCol="1" vert="horz" anchor="t">
+          <a:bodyPr vert="horz" wrap="square" lIns="91440" tIns="45720" rIns="91440" bIns="45720" numCol="1" anchor="t">
             <a:spAutoFit/>
           </a:bodyPr>
           <a:lstStyle/>
           <a:p>
-            <a:pPr marL="0" indent="0" algn="l" fontAlgn="auto" defTabSz="457200" eaLnBrk="0" latinLnBrk="0">
+            <a:pPr marL="0" indent="0" algn="l" defTabSz="457200" eaLnBrk="0" fontAlgn="auto" latinLnBrk="0">
               <a:lnSpc>
                 <a:spcPct val="100000"/>
               </a:lnSpc>
@@ -7933,7 +8366,7 @@
               <a:buNone/>
             </a:pPr>
             <a:r>
-              <a:rPr lang="en-US" altLang="ko-KR" sz="4400" cap="none" dirty="0" smtClean="0" b="0">
+              <a:rPr lang="en-US" altLang="ko-KR" sz="4400" b="0" cap="none" dirty="0">
                 <a:solidFill>
                   <a:schemeClr val="accent1">
                     <a:lumMod val="75000"/>
@@ -7944,7 +8377,7 @@
               </a:rPr>
               <a:t>목차</a:t>
             </a:r>
-            <a:endParaRPr lang="ko-KR" altLang="en-US" sz="4400" cap="none" dirty="0" smtClean="0" b="0">
+            <a:endParaRPr lang="ko-KR" altLang="en-US" sz="4400" b="0" cap="none" dirty="0">
               <a:solidFill>
                 <a:schemeClr val="accent1">
                   <a:lumMod val="75000"/>
@@ -7965,20 +8398,22 @@
           <p:nvPr/>
         </p:nvSpPr>
         <p:spPr>
-          <a:xfrm rot="0">
+          <a:xfrm>
             <a:off x="1085850" y="2090419"/>
             <a:ext cx="10020935" cy="3781425"/>
           </a:xfrm>
-          <a:prstGeom prst="rect"/>
+          <a:prstGeom prst="rect">
+            <a:avLst/>
+          </a:prstGeom>
           <a:noFill/>
         </p:spPr>
         <p:txBody>
-          <a:bodyPr wrap="square" lIns="91440" tIns="45720" rIns="91440" bIns="45720" vert="horz" anchor="t">
+          <a:bodyPr vert="horz" wrap="square" lIns="91440" tIns="45720" rIns="91440" bIns="45720" anchor="t">
             <a:spAutoFit/>
           </a:bodyPr>
           <a:lstStyle/>
           <a:p>
-            <a:pPr marL="254000" indent="-254000" algn="l" fontAlgn="auto" defTabSz="457200" eaLnBrk="0" latinLnBrk="0">
+            <a:pPr marL="254000" indent="-254000" algn="l" defTabSz="457200" eaLnBrk="0" fontAlgn="auto" latinLnBrk="0">
               <a:lnSpc>
                 <a:spcPct val="100000"/>
               </a:lnSpc>
@@ -7992,19 +8427,19 @@
               <a:buChar char="v"/>
             </a:pPr>
             <a:r>
-              <a:rPr lang="en-US" altLang="ko-KR" sz="2400" cap="none" dirty="0" smtClean="0" b="0">
+              <a:rPr lang="en-US" altLang="ko-KR" sz="2400" b="0" cap="none" dirty="0">
                 <a:latin typeface="맑은 고딕" charset="0"/>
                 <a:ea typeface="맑은 고딕" charset="0"/>
               </a:rPr>
               <a:t> 연구 목적</a:t>
             </a:r>
-            <a:endParaRPr lang="ko-KR" altLang="en-US" sz="2400" cap="none" dirty="0" smtClean="0" b="0">
+            <a:endParaRPr lang="ko-KR" altLang="en-US" sz="2400" b="0" cap="none" dirty="0">
               <a:latin typeface="맑은 고딕" charset="0"/>
               <a:ea typeface="맑은 고딕" charset="0"/>
             </a:endParaRPr>
           </a:p>
           <a:p>
-            <a:pPr marL="254000" indent="-254000" algn="l" fontAlgn="auto" defTabSz="457200" eaLnBrk="0" latinLnBrk="0">
+            <a:pPr marL="254000" indent="-254000" algn="l" defTabSz="457200" eaLnBrk="0" fontAlgn="auto" latinLnBrk="0">
               <a:lnSpc>
                 <a:spcPct val="100000"/>
               </a:lnSpc>
@@ -8017,13 +8452,13 @@
               <a:buFont typeface="Wingdings"/>
               <a:buChar char="v"/>
             </a:pPr>
-            <a:endParaRPr lang="ko-KR" altLang="en-US" sz="2400" cap="none" dirty="0" smtClean="0" b="0">
+            <a:endParaRPr lang="ko-KR" altLang="en-US" sz="2400" b="0" cap="none" dirty="0">
               <a:latin typeface="맑은 고딕" charset="0"/>
               <a:ea typeface="맑은 고딕" charset="0"/>
             </a:endParaRPr>
           </a:p>
           <a:p>
-            <a:pPr marL="254000" indent="-254000" algn="l" fontAlgn="auto" defTabSz="457200" eaLnBrk="0" latinLnBrk="0">
+            <a:pPr marL="254000" indent="-254000" algn="l" defTabSz="457200" eaLnBrk="0" fontAlgn="auto" latinLnBrk="0">
               <a:lnSpc>
                 <a:spcPct val="100000"/>
               </a:lnSpc>
@@ -8037,19 +8472,19 @@
               <a:buChar char="v"/>
             </a:pPr>
             <a:r>
-              <a:rPr lang="en-US" altLang="ko-KR" sz="2400" cap="none" dirty="0" smtClean="0" b="0">
+              <a:rPr lang="en-US" altLang="ko-KR" sz="2400" b="0" cap="none" dirty="0">
                 <a:latin typeface="맑은 고딕" charset="0"/>
                 <a:ea typeface="맑은 고딕" charset="0"/>
               </a:rPr>
               <a:t> 게임 소개</a:t>
             </a:r>
-            <a:endParaRPr lang="ko-KR" altLang="en-US" sz="2400" cap="none" dirty="0" smtClean="0" b="0">
+            <a:endParaRPr lang="ko-KR" altLang="en-US" sz="2400" b="0" cap="none" dirty="0">
               <a:latin typeface="맑은 고딕" charset="0"/>
               <a:ea typeface="맑은 고딕" charset="0"/>
             </a:endParaRPr>
           </a:p>
           <a:p>
-            <a:pPr marL="254000" indent="-254000" algn="l" fontAlgn="auto" defTabSz="457200" eaLnBrk="0" latinLnBrk="0">
+            <a:pPr marL="254000" indent="-254000" algn="l" defTabSz="457200" eaLnBrk="0" fontAlgn="auto" latinLnBrk="0">
               <a:lnSpc>
                 <a:spcPct val="100000"/>
               </a:lnSpc>
@@ -8062,13 +8497,13 @@
               <a:buFont typeface="Wingdings"/>
               <a:buChar char="v"/>
             </a:pPr>
-            <a:endParaRPr lang="ko-KR" altLang="en-US" sz="2400" cap="none" dirty="0" smtClean="0" b="0">
+            <a:endParaRPr lang="ko-KR" altLang="en-US" sz="2400" b="0" cap="none" dirty="0">
               <a:latin typeface="맑은 고딕" charset="0"/>
               <a:ea typeface="맑은 고딕" charset="0"/>
             </a:endParaRPr>
           </a:p>
           <a:p>
-            <a:pPr marL="254000" indent="-254000" algn="l" fontAlgn="auto" defTabSz="457200" eaLnBrk="0" latinLnBrk="0">
+            <a:pPr marL="254000" indent="-254000" algn="l" defTabSz="457200" eaLnBrk="0" fontAlgn="auto" latinLnBrk="0">
               <a:lnSpc>
                 <a:spcPct val="100000"/>
               </a:lnSpc>
@@ -8082,19 +8517,19 @@
               <a:buChar char="v"/>
             </a:pPr>
             <a:r>
-              <a:rPr lang="en-US" altLang="ko-KR" sz="2400" cap="none" dirty="0" smtClean="0" b="0">
+              <a:rPr lang="en-US" altLang="ko-KR" sz="2400" b="0" cap="none" dirty="0">
                 <a:latin typeface="맑은 고딕" charset="0"/>
                 <a:ea typeface="맑은 고딕" charset="0"/>
               </a:rPr>
               <a:t> 조작 방법</a:t>
             </a:r>
-            <a:endParaRPr lang="ko-KR" altLang="en-US" sz="2400" cap="none" dirty="0" smtClean="0" b="0">
+            <a:endParaRPr lang="ko-KR" altLang="en-US" sz="2400" b="0" cap="none" dirty="0">
               <a:latin typeface="맑은 고딕" charset="0"/>
               <a:ea typeface="맑은 고딕" charset="0"/>
             </a:endParaRPr>
           </a:p>
           <a:p>
-            <a:pPr marL="0" indent="0" algn="l" fontAlgn="auto" defTabSz="457200" eaLnBrk="0" latinLnBrk="0">
+            <a:pPr marL="0" indent="0" algn="l" defTabSz="457200" eaLnBrk="0" fontAlgn="auto" latinLnBrk="0">
               <a:lnSpc>
                 <a:spcPct val="100000"/>
               </a:lnSpc>
@@ -8107,13 +8542,13 @@
               <a:buFontTx/>
               <a:buNone/>
             </a:pPr>
-            <a:endParaRPr lang="ko-KR" altLang="en-US" sz="2400" cap="none" dirty="0" smtClean="0" b="0">
+            <a:endParaRPr lang="ko-KR" altLang="en-US" sz="2400" b="0" cap="none" dirty="0">
               <a:latin typeface="맑은 고딕" charset="0"/>
               <a:ea typeface="맑은 고딕" charset="0"/>
             </a:endParaRPr>
           </a:p>
           <a:p>
-            <a:pPr marL="254000" indent="-254000" algn="l" fontAlgn="auto" defTabSz="457200" eaLnBrk="0" latinLnBrk="0">
+            <a:pPr marL="254000" indent="-254000" algn="l" defTabSz="457200" eaLnBrk="0" fontAlgn="auto" latinLnBrk="0">
               <a:lnSpc>
                 <a:spcPct val="100000"/>
               </a:lnSpc>
@@ -8127,19 +8562,19 @@
               <a:buChar char="v"/>
             </a:pPr>
             <a:r>
-              <a:rPr lang="en-US" altLang="ko-KR" sz="2400" cap="none" dirty="0" smtClean="0" b="0">
+              <a:rPr lang="en-US" altLang="ko-KR" sz="2400" b="0" cap="none" dirty="0">
                 <a:latin typeface="맑은 고딕" charset="0"/>
                 <a:ea typeface="맑은 고딕" charset="0"/>
               </a:rPr>
               <a:t> 게임 플레이</a:t>
             </a:r>
-            <a:endParaRPr lang="ko-KR" altLang="en-US" sz="2400" cap="none" dirty="0" smtClean="0" b="0">
+            <a:endParaRPr lang="ko-KR" altLang="en-US" sz="2400" b="0" cap="none" dirty="0">
               <a:latin typeface="맑은 고딕" charset="0"/>
               <a:ea typeface="맑은 고딕" charset="0"/>
             </a:endParaRPr>
           </a:p>
           <a:p>
-            <a:pPr marL="254000" indent="-254000" algn="l" fontAlgn="auto" defTabSz="457200" eaLnBrk="0" latinLnBrk="0">
+            <a:pPr marL="254000" indent="-254000" algn="l" defTabSz="457200" eaLnBrk="0" fontAlgn="auto" latinLnBrk="0">
               <a:lnSpc>
                 <a:spcPct val="100000"/>
               </a:lnSpc>
@@ -8152,13 +8587,13 @@
               <a:buFont typeface="Wingdings"/>
               <a:buChar char="v"/>
             </a:pPr>
-            <a:endParaRPr lang="ko-KR" altLang="en-US" sz="2400" cap="none" dirty="0" smtClean="0" b="0">
+            <a:endParaRPr lang="ko-KR" altLang="en-US" sz="2400" b="0" cap="none" dirty="0">
               <a:latin typeface="맑은 고딕" charset="0"/>
               <a:ea typeface="맑은 고딕" charset="0"/>
             </a:endParaRPr>
           </a:p>
           <a:p>
-            <a:pPr marL="254000" indent="-254000" algn="l" fontAlgn="auto" defTabSz="457200" eaLnBrk="0" latinLnBrk="0">
+            <a:pPr marL="254000" indent="-254000" algn="l" defTabSz="457200" eaLnBrk="0" fontAlgn="auto" latinLnBrk="0">
               <a:lnSpc>
                 <a:spcPct val="100000"/>
               </a:lnSpc>
@@ -8171,13 +8606,13 @@
               <a:buFont typeface="Wingdings"/>
               <a:buChar char="v"/>
             </a:pPr>
-            <a:endParaRPr lang="ko-KR" altLang="en-US" sz="2400" cap="none" dirty="0" smtClean="0" b="0">
+            <a:endParaRPr lang="ko-KR" altLang="en-US" sz="2400" b="0" cap="none" dirty="0">
               <a:latin typeface="맑은 고딕" charset="0"/>
               <a:ea typeface="맑은 고딕" charset="0"/>
             </a:endParaRPr>
           </a:p>
           <a:p>
-            <a:pPr marL="0" indent="0" algn="l" fontAlgn="auto" defTabSz="457200" eaLnBrk="0" latinLnBrk="0">
+            <a:pPr marL="0" indent="0" algn="l" defTabSz="457200" eaLnBrk="0" fontAlgn="auto" latinLnBrk="0">
               <a:lnSpc>
                 <a:spcPct val="100000"/>
               </a:lnSpc>
@@ -8190,7 +8625,7 @@
               <a:buFontTx/>
               <a:buNone/>
             </a:pPr>
-            <a:endParaRPr lang="ko-KR" altLang="en-US" sz="2400" cap="none" dirty="0" smtClean="0" b="0">
+            <a:endParaRPr lang="ko-KR" altLang="en-US" sz="2400" b="0" cap="none" dirty="0">
               <a:latin typeface="맑은 고딕" charset="0"/>
               <a:ea typeface="맑은 고딕" charset="0"/>
             </a:endParaRPr>
@@ -8207,21 +8642,6 @@
   <p:clrMapOvr>
     <a:masterClrMapping/>
   </p:clrMapOvr>
-  <mc:AlternateContent xmlns:mc="http://schemas.openxmlformats.org/markup-compatibility/2006">
-    <mc:Choice xmlns:p14="http://schemas.microsoft.com/office/powerpoint/2010/main" Requires="p14">
-      <p:transition spd="slow" p14:dur="2000"/>
-    </mc:Choice>
-    <mc:Fallback>
-      <p:transition spd="slow"/>
-    </mc:Fallback>
-  </mc:AlternateContent>
-  <p:timing>
-    <p:tnLst>
-      <p:par>
-        <p:cTn id="1" dur="indefinite" restart="never" nodeType="tmRoot"/>
-      </p:par>
-    </p:tnLst>
-  </p:timing>
 </p:sld>
 </file>
 
@@ -8398,7 +8818,7 @@
 </file>
 
 <file path=ppt/slides/slide4.xml><?xml version="1.0" encoding="utf-8"?>
-<p:sld xmlns:a="http://schemas.openxmlformats.org/drawingml/2006/main" xmlns:r="http://schemas.openxmlformats.org/officeDocument/2006/relationships" xmlns:p="http://schemas.openxmlformats.org/presentationml/2006/main" xmlns:p14="http://schemas.microsoft.com/office/powerpoint/2010/main">
+<p:sld xmlns:a="http://schemas.openxmlformats.org/drawingml/2006/main" xmlns:r="http://schemas.openxmlformats.org/officeDocument/2006/relationships" xmlns:p="http://schemas.openxmlformats.org/presentationml/2006/main">
   <p:cSld>
     <p:spTree>
       <p:nvGrpSpPr>
@@ -8464,20 +8884,22 @@
           <p:nvPr/>
         </p:nvSpPr>
         <p:spPr>
-          <a:xfrm rot="0">
+          <a:xfrm>
             <a:off x="960120" y="1791970"/>
             <a:ext cx="7138035" cy="2370455"/>
           </a:xfrm>
-          <a:prstGeom prst="rect"/>
+          <a:prstGeom prst="rect">
+            <a:avLst/>
+          </a:prstGeom>
           <a:noFill/>
         </p:spPr>
         <p:txBody>
-          <a:bodyPr wrap="square" lIns="91440" tIns="45720" rIns="91440" bIns="45720" numCol="1" vert="horz" anchor="t">
+          <a:bodyPr vert="horz" wrap="square" lIns="91440" tIns="45720" rIns="91440" bIns="45720" numCol="1" anchor="t">
             <a:spAutoFit/>
           </a:bodyPr>
           <a:lstStyle/>
           <a:p>
-            <a:pPr marL="0" indent="0" algn="l" fontAlgn="auto" defTabSz="457200" eaLnBrk="0" latinLnBrk="0">
+            <a:pPr marL="0" indent="0" algn="l" defTabSz="457200" eaLnBrk="0" fontAlgn="auto" latinLnBrk="0">
               <a:lnSpc>
                 <a:spcPct val="100000"/>
               </a:lnSpc>
@@ -8491,96 +8913,96 @@
               <a:buNone/>
             </a:pPr>
             <a:r>
-              <a:rPr lang="en-US" altLang="ko-KR" sz="2800" cap="none" dirty="0" smtClean="0" b="0">
+              <a:rPr lang="en-US" altLang="ko-KR" sz="2800" b="0" cap="none" dirty="0">
                 <a:latin typeface="맑은 고딕" charset="0"/>
                 <a:ea typeface="맑은 고딕" charset="0"/>
               </a:rPr>
               <a:t>캐릭터의</a:t>
             </a:r>
             <a:r>
-              <a:rPr lang="en-US" altLang="ko-KR" sz="2800" cap="none" dirty="0" smtClean="0" b="0">
+              <a:rPr lang="en-US" altLang="ko-KR" sz="2800" b="0" cap="none" dirty="0">
                 <a:latin typeface="Century Gothic" charset="0"/>
                 <a:ea typeface="Century Gothic" charset="0"/>
               </a:rPr>
               <a:t> </a:t>
             </a:r>
             <a:r>
-              <a:rPr lang="en-US" altLang="ko-KR" sz="2800" cap="none" dirty="0" smtClean="0" b="0">
+              <a:rPr lang="en-US" altLang="ko-KR" sz="2800" b="0" cap="none" dirty="0">
                 <a:latin typeface="맑은 고딕" charset="0"/>
                 <a:ea typeface="맑은 고딕" charset="0"/>
               </a:rPr>
               <a:t>특징을</a:t>
             </a:r>
             <a:r>
-              <a:rPr lang="en-US" altLang="ko-KR" sz="2800" cap="none" dirty="0" smtClean="0" b="0">
+              <a:rPr lang="en-US" altLang="ko-KR" sz="2800" b="0" cap="none" dirty="0">
                 <a:latin typeface="Century Gothic" charset="0"/>
                 <a:ea typeface="Century Gothic" charset="0"/>
               </a:rPr>
               <a:t> </a:t>
             </a:r>
             <a:r>
-              <a:rPr lang="en-US" altLang="ko-KR" sz="2800" cap="none" dirty="0" smtClean="0" b="0">
+              <a:rPr lang="en-US" altLang="ko-KR" sz="2800" b="0" cap="none" dirty="0">
                 <a:latin typeface="맑은 고딕" charset="0"/>
                 <a:ea typeface="맑은 고딕" charset="0"/>
               </a:rPr>
               <a:t>살리기</a:t>
             </a:r>
             <a:r>
-              <a:rPr lang="en-US" altLang="ko-KR" sz="2800" cap="none" dirty="0" smtClean="0" b="0">
+              <a:rPr lang="en-US" altLang="ko-KR" sz="2800" b="0" cap="none" dirty="0">
                 <a:latin typeface="Century Gothic" charset="0"/>
                 <a:ea typeface="Century Gothic" charset="0"/>
               </a:rPr>
               <a:t> </a:t>
             </a:r>
             <a:r>
-              <a:rPr lang="en-US" altLang="ko-KR" sz="2800" cap="none" dirty="0" smtClean="0" b="0">
+              <a:rPr lang="en-US" altLang="ko-KR" sz="2800" b="0" cap="none" dirty="0">
                 <a:latin typeface="맑은 고딕" charset="0"/>
                 <a:ea typeface="맑은 고딕" charset="0"/>
               </a:rPr>
               <a:t>위한</a:t>
             </a:r>
             <a:r>
-              <a:rPr lang="en-US" altLang="ko-KR" sz="2800" cap="none" dirty="0" smtClean="0" b="0">
+              <a:rPr lang="en-US" altLang="ko-KR" sz="2800" b="0" cap="none" dirty="0">
                 <a:latin typeface="Century Gothic" charset="0"/>
                 <a:ea typeface="Century Gothic" charset="0"/>
               </a:rPr>
               <a:t> </a:t>
             </a:r>
             <a:r>
-              <a:rPr lang="en-US" altLang="ko-KR" sz="2800" cap="none" dirty="0" smtClean="0" b="0">
+              <a:rPr lang="en-US" altLang="ko-KR" sz="2800" b="0" cap="none" dirty="0">
                 <a:latin typeface="맑은 고딕" charset="0"/>
                 <a:ea typeface="맑은 고딕" charset="0"/>
               </a:rPr>
               <a:t>자석요소</a:t>
             </a:r>
             <a:r>
-              <a:rPr lang="en-US" altLang="ko-KR" sz="2800" cap="none" dirty="0" smtClean="0" b="0">
+              <a:rPr lang="en-US" altLang="ko-KR" sz="2800" b="0" cap="none" dirty="0">
                 <a:latin typeface="Century Gothic" charset="0"/>
                 <a:ea typeface="Century Gothic" charset="0"/>
               </a:rPr>
               <a:t> </a:t>
             </a:r>
             <a:r>
-              <a:rPr lang="en-US" altLang="ko-KR" sz="2800" cap="none" dirty="0" smtClean="0" b="0">
+              <a:rPr lang="en-US" altLang="ko-KR" sz="2800" b="0" cap="none" dirty="0">
                 <a:latin typeface="맑은 고딕" charset="0"/>
                 <a:ea typeface="맑은 고딕" charset="0"/>
               </a:rPr>
               <a:t>추가</a:t>
             </a:r>
             <a:r>
-              <a:rPr lang="en-US" altLang="ko-KR" sz="2800" cap="none" dirty="0" smtClean="0" b="0">
+              <a:rPr lang="en-US" altLang="ko-KR" sz="2800" b="0" cap="none" dirty="0">
                 <a:latin typeface="Century Gothic" charset="0"/>
                 <a:ea typeface="Century Gothic" charset="0"/>
               </a:rPr>
               <a:t>.</a:t>
             </a:r>
-            <a:endParaRPr lang="ko-KR" altLang="en-US" sz="2800" cap="none" dirty="0" smtClean="0" b="0">
+            <a:endParaRPr lang="ko-KR" altLang="en-US" sz="2800" b="0" cap="none" dirty="0">
               <a:latin typeface="Century Gothic" charset="0"/>
               <a:ea typeface="Century Gothic" charset="0"/>
             </a:endParaRPr>
           </a:p>
           <a:p>
-            <a:pPr marL="0" indent="0" algn="l" fontAlgn="auto" defTabSz="457200" eaLnBrk="0" latinLnBrk="0">
+            <a:pPr marL="0" indent="0" algn="l" defTabSz="457200" eaLnBrk="0" fontAlgn="auto" latinLnBrk="0">
               <a:lnSpc>
                 <a:spcPct val="100000"/>
               </a:lnSpc>
@@ -8593,13 +9015,13 @@
               <a:buFontTx/>
               <a:buNone/>
             </a:pPr>
-            <a:endParaRPr lang="ko-KR" altLang="en-US" sz="2800" cap="none" dirty="0" smtClean="0" b="0">
+            <a:endParaRPr lang="ko-KR" altLang="en-US" sz="2800" b="0" cap="none" dirty="0">
               <a:latin typeface="Century Gothic" charset="0"/>
               <a:ea typeface="Century Gothic" charset="0"/>
             </a:endParaRPr>
           </a:p>
           <a:p>
-            <a:pPr marL="0" indent="0" algn="l" fontAlgn="auto" defTabSz="457200" eaLnBrk="0" latinLnBrk="0">
+            <a:pPr marL="0" indent="0" algn="l" defTabSz="457200" eaLnBrk="0" fontAlgn="auto" latinLnBrk="0">
               <a:lnSpc>
                 <a:spcPct val="100000"/>
               </a:lnSpc>
@@ -8613,47 +9035,47 @@
               <a:buNone/>
             </a:pPr>
             <a:r>
-              <a:rPr lang="en-US" altLang="ko-KR" sz="2800" cap="none" dirty="0" smtClean="0" b="0">
+              <a:rPr lang="en-US" altLang="ko-KR" sz="2800" b="0" cap="none" dirty="0">
                 <a:latin typeface="맑은 고딕" charset="0"/>
                 <a:ea typeface="맑은 고딕" charset="0"/>
               </a:rPr>
               <a:t>전자석이라는</a:t>
             </a:r>
             <a:r>
-              <a:rPr lang="en-US" altLang="ko-KR" sz="2800" cap="none" dirty="0" smtClean="0" b="0">
+              <a:rPr lang="en-US" altLang="ko-KR" sz="2800" b="0" cap="none" dirty="0">
                 <a:latin typeface="Century Gothic" charset="0"/>
                 <a:ea typeface="Century Gothic" charset="0"/>
               </a:rPr>
               <a:t> </a:t>
             </a:r>
             <a:r>
-              <a:rPr lang="en-US" altLang="ko-KR" sz="2800" cap="none" dirty="0" smtClean="0" b="0">
+              <a:rPr lang="en-US" altLang="ko-KR" sz="2800" b="0" cap="none" dirty="0">
                 <a:latin typeface="맑은 고딕" charset="0"/>
                 <a:ea typeface="맑은 고딕" charset="0"/>
               </a:rPr>
               <a:t>요소를</a:t>
             </a:r>
             <a:r>
-              <a:rPr lang="en-US" altLang="ko-KR" sz="2800" cap="none" dirty="0" smtClean="0" b="0">
+              <a:rPr lang="en-US" altLang="ko-KR" sz="2800" b="0" cap="none" dirty="0">
                 <a:latin typeface="Century Gothic" charset="0"/>
                 <a:ea typeface="Century Gothic" charset="0"/>
               </a:rPr>
               <a:t> </a:t>
             </a:r>
             <a:r>
-              <a:rPr lang="en-US" altLang="ko-KR" sz="2800" cap="none" dirty="0" smtClean="0" b="0">
+              <a:rPr lang="en-US" altLang="ko-KR" sz="2800" b="0" cap="none" dirty="0">
                 <a:latin typeface="맑은 고딕" charset="0"/>
                 <a:ea typeface="맑은 고딕" charset="0"/>
               </a:rPr>
               <a:t>도입</a:t>
             </a:r>
-            <a:endParaRPr lang="ko-KR" altLang="en-US" sz="2800" cap="none" dirty="0" smtClean="0" b="0">
+            <a:endParaRPr lang="ko-KR" altLang="en-US" sz="2800" b="0" cap="none" dirty="0">
               <a:latin typeface="맑은 고딕" charset="0"/>
               <a:ea typeface="맑은 고딕" charset="0"/>
             </a:endParaRPr>
           </a:p>
           <a:p>
-            <a:pPr marL="0" indent="0" algn="l" fontAlgn="auto" defTabSz="457200" eaLnBrk="0" latinLnBrk="0">
+            <a:pPr marL="0" indent="0" algn="l" defTabSz="457200" eaLnBrk="0" fontAlgn="auto" latinLnBrk="0">
               <a:lnSpc>
                 <a:spcPct val="100000"/>
               </a:lnSpc>
@@ -8666,13 +9088,13 @@
               <a:buFontTx/>
               <a:buNone/>
             </a:pPr>
-            <a:endParaRPr lang="ko-KR" altLang="en-US" sz="2800" cap="none" dirty="0" smtClean="0" b="0">
+            <a:endParaRPr lang="ko-KR" altLang="en-US" sz="2800" b="0" cap="none" dirty="0">
               <a:latin typeface="Century Gothic" charset="0"/>
               <a:ea typeface="Century Gothic" charset="0"/>
             </a:endParaRPr>
           </a:p>
           <a:p>
-            <a:pPr marL="0" indent="0" algn="l" fontAlgn="auto" defTabSz="457200" eaLnBrk="0" latinLnBrk="0">
+            <a:pPr marL="0" indent="0" algn="l" defTabSz="457200" eaLnBrk="0" fontAlgn="auto" latinLnBrk="0">
               <a:lnSpc>
                 <a:spcPct val="100000"/>
               </a:lnSpc>
@@ -8685,13 +9107,13 @@
               <a:buFontTx/>
               <a:buNone/>
             </a:pPr>
-            <a:endParaRPr lang="ko-KR" altLang="en-US" sz="1800" cap="none" dirty="0" smtClean="0" b="0">
+            <a:endParaRPr lang="ko-KR" altLang="en-US" sz="1800" b="0" cap="none" dirty="0">
               <a:latin typeface="Century Gothic" charset="0"/>
               <a:ea typeface="Century Gothic" charset="0"/>
             </a:endParaRPr>
           </a:p>
           <a:p>
-            <a:pPr marL="0" indent="0" algn="l" fontAlgn="auto" defTabSz="457200" eaLnBrk="0" latinLnBrk="0">
+            <a:pPr marL="0" indent="0" algn="l" defTabSz="457200" eaLnBrk="0" fontAlgn="auto" latinLnBrk="0">
               <a:lnSpc>
                 <a:spcPct val="100000"/>
               </a:lnSpc>
@@ -8704,7 +9126,7 @@
               <a:buFontTx/>
               <a:buNone/>
             </a:pPr>
-            <a:endParaRPr lang="ko-KR" altLang="en-US" sz="1800" cap="none" dirty="0" smtClean="0" b="0">
+            <a:endParaRPr lang="ko-KR" altLang="en-US" sz="1800" b="0" cap="none" dirty="0">
               <a:latin typeface="Century Gothic" charset="0"/>
               <a:ea typeface="Century Gothic" charset="0"/>
             </a:endParaRPr>
@@ -8721,21 +9143,6 @@
   <p:clrMapOvr>
     <a:masterClrMapping/>
   </p:clrMapOvr>
-  <mc:AlternateContent xmlns:mc="http://schemas.openxmlformats.org/markup-compatibility/2006">
-    <mc:Choice xmlns:p14="http://schemas.microsoft.com/office/powerpoint/2010/main" Requires="p14">
-      <p:transition spd="slow" p14:dur="2000"/>
-    </mc:Choice>
-    <mc:Fallback>
-      <p:transition spd="slow"/>
-    </mc:Fallback>
-  </mc:AlternateContent>
-  <p:timing>
-    <p:tnLst>
-      <p:par>
-        <p:cTn id="1" dur="indefinite" restart="never" nodeType="tmRoot"/>
-      </p:par>
-    </p:tnLst>
-  </p:timing>
 </p:sld>
 </file>
 
@@ -8945,7 +9352,7 @@
 </file>
 
 <file path=ppt/slides/slide6.xml><?xml version="1.0" encoding="utf-8"?>
-<p:sld xmlns:a="http://schemas.openxmlformats.org/drawingml/2006/main" xmlns:r="http://schemas.openxmlformats.org/officeDocument/2006/relationships" xmlns:p="http://schemas.openxmlformats.org/presentationml/2006/main" xmlns:p14="http://schemas.microsoft.com/office/powerpoint/2010/main">
+<p:sld xmlns:a="http://schemas.openxmlformats.org/drawingml/2006/main" xmlns:r="http://schemas.openxmlformats.org/officeDocument/2006/relationships" xmlns:p="http://schemas.openxmlformats.org/presentationml/2006/main">
   <p:cSld>
     <p:spTree>
       <p:nvGrpSpPr>
@@ -9084,11 +9491,13 @@
           </a:stretch>
         </p:blipFill>
         <p:spPr>
-          <a:xfrm rot="0">
+          <a:xfrm>
             <a:off x="942975" y="2496185"/>
             <a:ext cx="6909435" cy="2807970"/>
           </a:xfrm>
-          <a:prstGeom prst="rect"/>
+          <a:prstGeom prst="rect">
+            <a:avLst/>
+          </a:prstGeom>
           <a:noFill/>
         </p:spPr>
       </p:pic>
@@ -9114,319 +9523,280 @@
           </a:stretch>
         </p:blipFill>
         <p:spPr bwMode="auto">
-          <a:xfrm rot="0">
+          <a:xfrm>
             <a:off x="8651240" y="2496820"/>
             <a:ext cx="2397125" cy="2401570"/>
           </a:xfrm>
-          <a:prstGeom prst="ellipse"/>
+          <a:prstGeom prst="ellipse">
+            <a:avLst/>
+          </a:prstGeom>
           <a:noFill/>
         </p:spPr>
       </p:pic>
-      <p:grpSp>
-        <p:nvGrpSpPr>
-          <p:cNvPr id="1031" name="그룹 1030"/>
-          <p:cNvGrpSpPr/>
+      <p:sp>
+        <p:nvSpPr>
+          <p:cNvPr id="7" name="사각형: 둥근 모서리 6"/>
+          <p:cNvSpPr>
+            <a:spLocks/>
+          </p:cNvSpPr>
           <p:nvPr/>
-        </p:nvGrpSpPr>
-        <p:grpSpPr>
-          <a:xfrm rot="0">
-            <a:off x="1866265" y="3415030"/>
-            <a:ext cx="1337310" cy="832485"/>
-            <a:chOff x="1866265" y="3415030"/>
-            <a:chExt cx="1337310" cy="832485"/>
+        </p:nvSpPr>
+        <p:spPr>
+          <a:xfrm>
+            <a:off x="1866265" y="3852628"/>
+            <a:ext cx="400685" cy="381635"/>
           </a:xfrm>
-        </p:grpSpPr>
-        <p:sp>
-          <p:nvSpPr>
-            <p:cNvPr id="7" name="사각형: 둥근 모서리 6"/>
-            <p:cNvSpPr>
-              <a:spLocks/>
-            </p:cNvSpPr>
-            <p:nvPr/>
-          </p:nvSpPr>
-          <p:spPr>
-            <a:xfrm rot="0">
-              <a:off x="1866265" y="3865880"/>
-              <a:ext cx="400685" cy="381635"/>
-            </a:xfrm>
-            <a:prstGeom prst="roundRect"/>
-          </p:spPr>
-          <p:style>
-            <a:lnRef idx="2">
-              <a:schemeClr val="accent1">
-                <a:shade val="50000"/>
-              </a:schemeClr>
-            </a:lnRef>
-            <a:fillRef idx="1">
-              <a:schemeClr val="accent1"/>
-            </a:fillRef>
-            <a:effectRef idx="0">
-              <a:schemeClr val="accent1"/>
-            </a:effectRef>
-            <a:fontRef idx="minor">
-              <a:schemeClr val="lt1"/>
-            </a:fontRef>
-          </p:style>
-          <p:txBody>
-            <a:bodyPr wrap="square" lIns="91440" tIns="45720" rIns="91440" bIns="45720" numCol="1" vert="horz" anchor="ctr">
-              <a:noAutofit/>
-            </a:bodyPr>
-            <a:lstStyle/>
-            <a:p>
-              <a:pPr marL="0" indent="0" algn="ctr" fontAlgn="auto" defTabSz="457200" eaLnBrk="0" latinLnBrk="0">
-                <a:lnSpc>
-                  <a:spcPct val="100000"/>
-                </a:lnSpc>
-                <a:spcBef>
-                  <a:spcPts val="0"/>
-                </a:spcBef>
-                <a:spcAft>
-                  <a:spcPts val="0"/>
-                </a:spcAft>
-                <a:buFontTx/>
-                <a:buNone/>
-              </a:pPr>
-              <a:r>
-                <a:rPr lang="en-US" altLang="ko-KR" sz="1800" cap="none" dirty="0" smtClean="0" b="0">
-                  <a:latin typeface="Century Gothic" charset="0"/>
-                  <a:ea typeface="Century Gothic" charset="0"/>
-                </a:rPr>
-                <a:t>A</a:t>
-              </a:r>
-              <a:endParaRPr lang="ko-KR" altLang="en-US" sz="1800" cap="none" dirty="0" smtClean="0" b="0">
-                <a:latin typeface="Century Gothic" charset="0"/>
-                <a:ea typeface="Century Gothic" charset="0"/>
-              </a:endParaRPr>
-            </a:p>
-          </p:txBody>
-        </p:sp>
-        <p:sp>
-          <p:nvSpPr>
-            <p:cNvPr id="14" name="사각형: 둥근 모서리 13"/>
-            <p:cNvSpPr>
-              <a:spLocks/>
-            </p:cNvSpPr>
-            <p:nvPr/>
-          </p:nvSpPr>
-          <p:spPr>
-            <a:xfrm rot="0">
-              <a:off x="2218690" y="3415030"/>
-              <a:ext cx="400685" cy="381635"/>
-            </a:xfrm>
-            <a:prstGeom prst="roundRect"/>
-          </p:spPr>
-          <p:style>
-            <a:lnRef idx="2">
-              <a:schemeClr val="accent1">
-                <a:shade val="50000"/>
-              </a:schemeClr>
-            </a:lnRef>
-            <a:fillRef idx="1">
-              <a:schemeClr val="accent1"/>
-            </a:fillRef>
-            <a:effectRef idx="0">
-              <a:schemeClr val="accent1"/>
-            </a:effectRef>
-            <a:fontRef idx="minor">
-              <a:schemeClr val="lt1"/>
-            </a:fontRef>
-          </p:style>
-          <p:txBody>
-            <a:bodyPr wrap="square" lIns="91440" tIns="45720" rIns="91440" bIns="45720" numCol="1" vert="horz" anchor="ctr">
-              <a:noAutofit/>
-            </a:bodyPr>
-            <a:lstStyle/>
-            <a:p>
-              <a:pPr marL="0" indent="0" algn="ctr" fontAlgn="auto" defTabSz="457200" eaLnBrk="0" latinLnBrk="0">
-                <a:lnSpc>
-                  <a:spcPct val="100000"/>
-                </a:lnSpc>
-                <a:spcBef>
-                  <a:spcPts val="0"/>
-                </a:spcBef>
-                <a:spcAft>
-                  <a:spcPts val="0"/>
-                </a:spcAft>
-                <a:buFontTx/>
-                <a:buNone/>
-              </a:pPr>
-              <a:r>
-                <a:rPr lang="en-US" altLang="ko-KR" sz="1800" cap="none" dirty="0" smtClean="0" b="0">
-                  <a:latin typeface="Century Gothic" charset="0"/>
-                  <a:ea typeface="Century Gothic" charset="0"/>
-                </a:rPr>
-                <a:t>W</a:t>
-              </a:r>
-              <a:endParaRPr lang="ko-KR" altLang="en-US" sz="1800" cap="none" dirty="0" smtClean="0" b="0">
-                <a:latin typeface="Century Gothic" charset="0"/>
-                <a:ea typeface="Century Gothic" charset="0"/>
-              </a:endParaRPr>
-            </a:p>
-          </p:txBody>
-        </p:sp>
-        <p:sp>
-          <p:nvSpPr>
-            <p:cNvPr id="15" name="사각형: 둥근 모서리 14"/>
-            <p:cNvSpPr>
-              <a:spLocks/>
-            </p:cNvSpPr>
-            <p:nvPr/>
-          </p:nvSpPr>
-          <p:spPr>
-            <a:xfrm rot="0">
-              <a:off x="2332990" y="3864610"/>
-              <a:ext cx="400685" cy="381635"/>
-            </a:xfrm>
-            <a:prstGeom prst="roundRect"/>
-          </p:spPr>
-          <p:style>
-            <a:lnRef idx="2">
-              <a:schemeClr val="accent1">
-                <a:shade val="50000"/>
-              </a:schemeClr>
-            </a:lnRef>
-            <a:fillRef idx="1">
-              <a:schemeClr val="accent1"/>
-            </a:fillRef>
-            <a:effectRef idx="0">
-              <a:schemeClr val="accent1"/>
-            </a:effectRef>
-            <a:fontRef idx="minor">
-              <a:schemeClr val="lt1"/>
-            </a:fontRef>
-          </p:style>
-          <p:txBody>
-            <a:bodyPr wrap="square" lIns="91440" tIns="45720" rIns="91440" bIns="45720" numCol="1" vert="horz" anchor="ctr">
-              <a:noAutofit/>
-            </a:bodyPr>
-            <a:lstStyle/>
-            <a:p>
-              <a:pPr marL="0" indent="0" algn="ctr" fontAlgn="auto" defTabSz="457200" eaLnBrk="0" latinLnBrk="0">
-                <a:lnSpc>
-                  <a:spcPct val="100000"/>
-                </a:lnSpc>
-                <a:spcBef>
-                  <a:spcPts val="0"/>
-                </a:spcBef>
-                <a:spcAft>
-                  <a:spcPts val="0"/>
-                </a:spcAft>
-                <a:buFontTx/>
-                <a:buNone/>
-              </a:pPr>
-              <a:r>
-                <a:rPr lang="en-US" altLang="ko-KR" sz="1800" cap="none" dirty="0" smtClean="0" b="0">
-                  <a:latin typeface="Century Gothic" charset="0"/>
-                  <a:ea typeface="Century Gothic" charset="0"/>
-                </a:rPr>
-                <a:t>S</a:t>
-              </a:r>
-              <a:endParaRPr lang="ko-KR" altLang="en-US" sz="1800" cap="none" dirty="0" smtClean="0" b="0">
-                <a:latin typeface="Century Gothic" charset="0"/>
-                <a:ea typeface="Century Gothic" charset="0"/>
-              </a:endParaRPr>
-            </a:p>
-          </p:txBody>
-        </p:sp>
-        <p:sp>
-          <p:nvSpPr>
-            <p:cNvPr id="16" name="사각형: 둥근 모서리 15"/>
-            <p:cNvSpPr>
-              <a:spLocks/>
-            </p:cNvSpPr>
-            <p:nvPr/>
-          </p:nvSpPr>
-          <p:spPr>
-            <a:xfrm rot="0">
-              <a:off x="2802890" y="3864610"/>
-              <a:ext cx="400685" cy="381635"/>
-            </a:xfrm>
-            <a:prstGeom prst="roundRect"/>
-          </p:spPr>
-          <p:style>
-            <a:lnRef idx="2">
-              <a:schemeClr val="accent1">
-                <a:shade val="50000"/>
-              </a:schemeClr>
-            </a:lnRef>
-            <a:fillRef idx="1">
-              <a:schemeClr val="accent1"/>
-            </a:fillRef>
-            <a:effectRef idx="0">
-              <a:schemeClr val="accent1"/>
-            </a:effectRef>
-            <a:fontRef idx="minor">
-              <a:schemeClr val="lt1"/>
-            </a:fontRef>
-          </p:style>
-          <p:txBody>
-            <a:bodyPr wrap="square" lIns="91440" tIns="45720" rIns="91440" bIns="45720" numCol="1" vert="horz" anchor="ctr">
-              <a:noAutofit/>
-            </a:bodyPr>
-            <a:lstStyle/>
-            <a:p>
-              <a:pPr marL="0" indent="0" algn="ctr" fontAlgn="auto" defTabSz="457200" eaLnBrk="0" latinLnBrk="0">
-                <a:lnSpc>
-                  <a:spcPct val="100000"/>
-                </a:lnSpc>
-                <a:spcBef>
-                  <a:spcPts val="0"/>
-                </a:spcBef>
-                <a:spcAft>
-                  <a:spcPts val="0"/>
-                </a:spcAft>
-                <a:buFontTx/>
-                <a:buNone/>
-              </a:pPr>
-              <a:r>
-                <a:rPr lang="en-US" altLang="ko-KR" sz="1800" cap="none" dirty="0" smtClean="0" b="0">
-                  <a:latin typeface="Century Gothic" charset="0"/>
-                  <a:ea typeface="Century Gothic" charset="0"/>
-                </a:rPr>
-                <a:t>D</a:t>
-              </a:r>
-              <a:endParaRPr lang="ko-KR" altLang="en-US" sz="1800" cap="none" dirty="0" smtClean="0" b="0">
-                <a:latin typeface="Century Gothic" charset="0"/>
-                <a:ea typeface="Century Gothic" charset="0"/>
-              </a:endParaRPr>
-            </a:p>
-          </p:txBody>
-        </p:sp>
-      </p:grpSp>
-      <p:cxnSp>
-        <p:nvCxnSpPr>
-          <p:cNvPr id="1029" name="도형 1028"/>
-          <p:cNvCxnSpPr/>
-          <p:nvPr/>
-        </p:nvCxnSpPr>
-        <p:spPr>
-          <a:xfrm rot="0" flipH="1" flipV="1">
-            <a:off x="2418715" y="2266315"/>
-            <a:ext cx="13970" cy="1135380"/>
-          </a:xfrm>
-          <a:prstGeom prst="line"/>
-          <a:ln w="25400" cap="rnd" cmpd="sng">
-            <a:prstDash val="solid"/>
-            <a:round/>
-            <a:headEnd type="none" w="med" len="med"/>
-            <a:tailEnd type="none" w="med" len="med"/>
-          </a:ln>
+          <a:prstGeom prst="roundRect">
+            <a:avLst/>
+          </a:prstGeom>
         </p:spPr>
         <p:style>
-          <a:lnRef idx="1">
-            <a:schemeClr val="accent1"/>
+          <a:lnRef idx="2">
+            <a:schemeClr val="accent1">
+              <a:shade val="50000"/>
+            </a:schemeClr>
           </a:lnRef>
-          <a:fillRef idx="0">
+          <a:fillRef idx="1">
             <a:schemeClr val="accent1"/>
           </a:fillRef>
           <a:effectRef idx="0">
             <a:schemeClr val="accent1"/>
           </a:effectRef>
           <a:fontRef idx="minor">
-            <a:schemeClr val="tx1"/>
+            <a:schemeClr val="lt1"/>
           </a:fontRef>
         </p:style>
-      </p:cxnSp>
+        <p:txBody>
+          <a:bodyPr vert="horz" wrap="square" lIns="91440" tIns="45720" rIns="91440" bIns="45720" numCol="1" anchor="ctr">
+            <a:noAutofit/>
+          </a:bodyPr>
+          <a:lstStyle/>
+          <a:p>
+            <a:pPr marL="0" indent="0" algn="ctr" defTabSz="457200" eaLnBrk="0" fontAlgn="auto" latinLnBrk="0">
+              <a:lnSpc>
+                <a:spcPct val="100000"/>
+              </a:lnSpc>
+              <a:spcBef>
+                <a:spcPts val="0"/>
+              </a:spcBef>
+              <a:spcAft>
+                <a:spcPts val="0"/>
+              </a:spcAft>
+              <a:buFontTx/>
+              <a:buNone/>
+            </a:pPr>
+            <a:r>
+              <a:rPr lang="en-US" altLang="ko-KR" sz="1800" b="1" cap="none" dirty="0">
+                <a:latin typeface="Century Gothic" charset="0"/>
+                <a:ea typeface="Century Gothic" charset="0"/>
+              </a:rPr>
+              <a:t>A</a:t>
+            </a:r>
+            <a:endParaRPr lang="ko-KR" altLang="en-US" sz="1800" b="1" cap="none" dirty="0">
+              <a:latin typeface="Century Gothic" charset="0"/>
+              <a:ea typeface="Century Gothic" charset="0"/>
+            </a:endParaRPr>
+          </a:p>
+        </p:txBody>
+      </p:sp>
+      <p:sp>
+        <p:nvSpPr>
+          <p:cNvPr id="14" name="사각형: 둥근 모서리 13"/>
+          <p:cNvSpPr>
+            <a:spLocks/>
+          </p:cNvSpPr>
+          <p:nvPr/>
+        </p:nvSpPr>
+        <p:spPr>
+          <a:xfrm>
+            <a:off x="2218690" y="3401778"/>
+            <a:ext cx="400685" cy="381635"/>
+          </a:xfrm>
+          <a:prstGeom prst="roundRect">
+            <a:avLst/>
+          </a:prstGeom>
+        </p:spPr>
+        <p:style>
+          <a:lnRef idx="2">
+            <a:schemeClr val="accent1">
+              <a:shade val="50000"/>
+            </a:schemeClr>
+          </a:lnRef>
+          <a:fillRef idx="1">
+            <a:schemeClr val="accent1"/>
+          </a:fillRef>
+          <a:effectRef idx="0">
+            <a:schemeClr val="accent1"/>
+          </a:effectRef>
+          <a:fontRef idx="minor">
+            <a:schemeClr val="lt1"/>
+          </a:fontRef>
+        </p:style>
+        <p:txBody>
+          <a:bodyPr vert="horz" wrap="square" lIns="91440" tIns="45720" rIns="91440" bIns="45720" numCol="1" anchor="ctr">
+            <a:noAutofit/>
+          </a:bodyPr>
+          <a:lstStyle/>
+          <a:p>
+            <a:pPr marL="0" indent="0" algn="ctr" defTabSz="457200" eaLnBrk="0" fontAlgn="auto" latinLnBrk="0">
+              <a:lnSpc>
+                <a:spcPct val="100000"/>
+              </a:lnSpc>
+              <a:spcBef>
+                <a:spcPts val="0"/>
+              </a:spcBef>
+              <a:spcAft>
+                <a:spcPts val="0"/>
+              </a:spcAft>
+              <a:buFontTx/>
+              <a:buNone/>
+            </a:pPr>
+            <a:r>
+              <a:rPr lang="en-US" altLang="ko-KR" sz="1800" b="1" cap="none" dirty="0">
+                <a:latin typeface="Century Gothic" charset="0"/>
+                <a:ea typeface="Century Gothic" charset="0"/>
+              </a:rPr>
+              <a:t>W</a:t>
+            </a:r>
+            <a:endParaRPr lang="ko-KR" altLang="en-US" sz="1800" b="1" cap="none" dirty="0">
+              <a:latin typeface="Century Gothic" charset="0"/>
+              <a:ea typeface="Century Gothic" charset="0"/>
+            </a:endParaRPr>
+          </a:p>
+        </p:txBody>
+      </p:sp>
+      <p:sp>
+        <p:nvSpPr>
+          <p:cNvPr id="15" name="사각형: 둥근 모서리 14"/>
+          <p:cNvSpPr>
+            <a:spLocks/>
+          </p:cNvSpPr>
+          <p:nvPr/>
+        </p:nvSpPr>
+        <p:spPr>
+          <a:xfrm>
+            <a:off x="2332990" y="3851358"/>
+            <a:ext cx="400685" cy="381635"/>
+          </a:xfrm>
+          <a:prstGeom prst="roundRect">
+            <a:avLst/>
+          </a:prstGeom>
+        </p:spPr>
+        <p:style>
+          <a:lnRef idx="2">
+            <a:schemeClr val="accent1">
+              <a:shade val="50000"/>
+            </a:schemeClr>
+          </a:lnRef>
+          <a:fillRef idx="1">
+            <a:schemeClr val="accent1"/>
+          </a:fillRef>
+          <a:effectRef idx="0">
+            <a:schemeClr val="accent1"/>
+          </a:effectRef>
+          <a:fontRef idx="minor">
+            <a:schemeClr val="lt1"/>
+          </a:fontRef>
+        </p:style>
+        <p:txBody>
+          <a:bodyPr vert="horz" wrap="square" lIns="91440" tIns="45720" rIns="91440" bIns="45720" numCol="1" anchor="ctr">
+            <a:noAutofit/>
+          </a:bodyPr>
+          <a:lstStyle/>
+          <a:p>
+            <a:pPr marL="0" indent="0" algn="ctr" defTabSz="457200" eaLnBrk="0" fontAlgn="auto" latinLnBrk="0">
+              <a:lnSpc>
+                <a:spcPct val="100000"/>
+              </a:lnSpc>
+              <a:spcBef>
+                <a:spcPts val="0"/>
+              </a:spcBef>
+              <a:spcAft>
+                <a:spcPts val="0"/>
+              </a:spcAft>
+              <a:buFontTx/>
+              <a:buNone/>
+            </a:pPr>
+            <a:r>
+              <a:rPr lang="en-US" altLang="ko-KR" sz="1800" b="1" cap="none" dirty="0">
+                <a:latin typeface="Century Gothic" charset="0"/>
+                <a:ea typeface="Century Gothic" charset="0"/>
+              </a:rPr>
+              <a:t>S</a:t>
+            </a:r>
+            <a:endParaRPr lang="ko-KR" altLang="en-US" sz="1800" b="1" cap="none" dirty="0">
+              <a:latin typeface="Century Gothic" charset="0"/>
+              <a:ea typeface="Century Gothic" charset="0"/>
+            </a:endParaRPr>
+          </a:p>
+        </p:txBody>
+      </p:sp>
+      <p:sp>
+        <p:nvSpPr>
+          <p:cNvPr id="16" name="사각형: 둥근 모서리 15"/>
+          <p:cNvSpPr>
+            <a:spLocks/>
+          </p:cNvSpPr>
+          <p:nvPr/>
+        </p:nvSpPr>
+        <p:spPr>
+          <a:xfrm>
+            <a:off x="2802890" y="3851358"/>
+            <a:ext cx="400685" cy="381635"/>
+          </a:xfrm>
+          <a:prstGeom prst="roundRect">
+            <a:avLst/>
+          </a:prstGeom>
+        </p:spPr>
+        <p:style>
+          <a:lnRef idx="2">
+            <a:schemeClr val="accent1">
+              <a:shade val="50000"/>
+            </a:schemeClr>
+          </a:lnRef>
+          <a:fillRef idx="1">
+            <a:schemeClr val="accent1"/>
+          </a:fillRef>
+          <a:effectRef idx="0">
+            <a:schemeClr val="accent1"/>
+          </a:effectRef>
+          <a:fontRef idx="minor">
+            <a:schemeClr val="lt1"/>
+          </a:fontRef>
+        </p:style>
+        <p:txBody>
+          <a:bodyPr vert="horz" wrap="square" lIns="91440" tIns="45720" rIns="91440" bIns="45720" numCol="1" anchor="ctr">
+            <a:noAutofit/>
+          </a:bodyPr>
+          <a:lstStyle/>
+          <a:p>
+            <a:pPr marL="0" indent="0" algn="ctr" defTabSz="457200" eaLnBrk="0" fontAlgn="auto" latinLnBrk="0">
+              <a:lnSpc>
+                <a:spcPct val="100000"/>
+              </a:lnSpc>
+              <a:spcBef>
+                <a:spcPts val="0"/>
+              </a:spcBef>
+              <a:spcAft>
+                <a:spcPts val="0"/>
+              </a:spcAft>
+              <a:buFontTx/>
+              <a:buNone/>
+            </a:pPr>
+            <a:r>
+              <a:rPr lang="en-US" altLang="ko-KR" sz="1800" b="1" cap="none" dirty="0">
+                <a:latin typeface="Century Gothic" charset="0"/>
+                <a:ea typeface="Century Gothic" charset="0"/>
+              </a:rPr>
+              <a:t>D</a:t>
+            </a:r>
+            <a:endParaRPr lang="ko-KR" altLang="en-US" sz="1800" b="1" cap="none" dirty="0">
+              <a:latin typeface="Century Gothic" charset="0"/>
+              <a:ea typeface="Century Gothic" charset="0"/>
+            </a:endParaRPr>
+          </a:p>
+        </p:txBody>
+      </p:sp>
       <p:sp>
         <p:nvSpPr>
           <p:cNvPr id="1030" name="도형 1029"/>
@@ -9436,11 +9806,13 @@
           <p:nvPr/>
         </p:nvSpPr>
         <p:spPr>
-          <a:xfrm rot="0">
+          <a:xfrm>
             <a:off x="1600200" y="1821815"/>
             <a:ext cx="1626870" cy="423545"/>
           </a:xfrm>
-          <a:prstGeom prst="roundRect"/>
+          <a:prstGeom prst="roundRect">
+            <a:avLst/>
+          </a:prstGeom>
           <a:solidFill>
             <a:schemeClr val="accent1">
               <a:alpha val="0"/>
@@ -9473,12 +9845,12 @@
           </a:fontRef>
         </p:style>
         <p:txBody>
-          <a:bodyPr wrap="square" lIns="91440" tIns="45720" rIns="91440" bIns="45720" vert="horz" anchor="ctr">
+          <a:bodyPr vert="horz" wrap="square" lIns="91440" tIns="45720" rIns="91440" bIns="45720" anchor="ctr">
             <a:noAutofit/>
           </a:bodyPr>
           <a:lstStyle/>
           <a:p>
-            <a:pPr marL="0" indent="0" algn="ctr" fontAlgn="auto" defTabSz="508000">
+            <a:pPr marL="0" indent="0" algn="ctr" defTabSz="508000" fontAlgn="auto">
               <a:lnSpc>
                 <a:spcPct val="100000"/>
               </a:lnSpc>
@@ -9492,19 +9864,587 @@
               <a:buNone/>
             </a:pPr>
             <a:r>
-              <a:rPr lang="en-US" altLang="ko-KR" sz="1800" cap="none" dirty="0" smtClean="0" b="0">
+              <a:rPr lang="en-US" altLang="ko-KR" sz="1800" b="0" cap="none" dirty="0">
                 <a:latin typeface="맑은 고딕" charset="0"/>
                 <a:ea typeface="맑은 고딕" charset="0"/>
               </a:rPr>
               <a:t>캐릭터 이동</a:t>
             </a:r>
-            <a:endParaRPr lang="ko-KR" altLang="en-US" sz="1800" cap="none" dirty="0" smtClean="0" b="0">
+            <a:endParaRPr lang="ko-KR" altLang="en-US" sz="1800" b="0" cap="none" dirty="0">
               <a:latin typeface="맑은 고딕" charset="0"/>
               <a:ea typeface="맑은 고딕" charset="0"/>
             </a:endParaRPr>
           </a:p>
         </p:txBody>
       </p:sp>
+      <p:sp>
+        <p:nvSpPr>
+          <p:cNvPr id="13" name="사각형: 둥근 모서리 12">
+            <a:extLst>
+              <a:ext uri="{FF2B5EF4-FFF2-40B4-BE49-F238E27FC236}">
+                <a16:creationId xmlns:a16="http://schemas.microsoft.com/office/drawing/2014/main" id="{E1F1D231-334E-4D00-AEA2-E120034AB237}"/>
+              </a:ext>
+            </a:extLst>
+          </p:cNvPr>
+          <p:cNvSpPr>
+            <a:spLocks/>
+          </p:cNvSpPr>
+          <p:nvPr/>
+        </p:nvSpPr>
+        <p:spPr>
+          <a:xfrm>
+            <a:off x="3156736" y="3388443"/>
+            <a:ext cx="400685" cy="381635"/>
+          </a:xfrm>
+          <a:prstGeom prst="roundRect">
+            <a:avLst/>
+          </a:prstGeom>
+        </p:spPr>
+        <p:style>
+          <a:lnRef idx="2">
+            <a:schemeClr val="accent1">
+              <a:shade val="50000"/>
+            </a:schemeClr>
+          </a:lnRef>
+          <a:fillRef idx="1">
+            <a:schemeClr val="accent1"/>
+          </a:fillRef>
+          <a:effectRef idx="0">
+            <a:schemeClr val="accent1"/>
+          </a:effectRef>
+          <a:fontRef idx="minor">
+            <a:schemeClr val="lt1"/>
+          </a:fontRef>
+        </p:style>
+        <p:txBody>
+          <a:bodyPr vert="horz" wrap="square" lIns="91440" tIns="45720" rIns="91440" bIns="45720" numCol="1" anchor="ctr">
+            <a:noAutofit/>
+          </a:bodyPr>
+          <a:lstStyle/>
+          <a:p>
+            <a:pPr marL="0" indent="0" algn="ctr" defTabSz="457200" eaLnBrk="0" fontAlgn="auto" latinLnBrk="0">
+              <a:lnSpc>
+                <a:spcPct val="100000"/>
+              </a:lnSpc>
+              <a:spcBef>
+                <a:spcPts val="0"/>
+              </a:spcBef>
+              <a:spcAft>
+                <a:spcPts val="0"/>
+              </a:spcAft>
+              <a:buFontTx/>
+              <a:buNone/>
+            </a:pPr>
+            <a:r>
+              <a:rPr lang="en-US" altLang="ko-KR" b="1" dirty="0">
+                <a:latin typeface="Century Gothic" charset="0"/>
+                <a:ea typeface="Century Gothic" charset="0"/>
+              </a:rPr>
+              <a:t>R</a:t>
+            </a:r>
+            <a:endParaRPr lang="ko-KR" altLang="en-US" sz="1800" b="1" cap="none" dirty="0">
+              <a:latin typeface="Century Gothic" charset="0"/>
+              <a:ea typeface="Century Gothic" charset="0"/>
+            </a:endParaRPr>
+          </a:p>
+        </p:txBody>
+      </p:sp>
+      <p:sp>
+        <p:nvSpPr>
+          <p:cNvPr id="17" name="도형 1029">
+            <a:extLst>
+              <a:ext uri="{FF2B5EF4-FFF2-40B4-BE49-F238E27FC236}">
+                <a16:creationId xmlns:a16="http://schemas.microsoft.com/office/drawing/2014/main" id="{25A62EA8-4775-4848-9367-1AD7A00C7546}"/>
+              </a:ext>
+            </a:extLst>
+          </p:cNvPr>
+          <p:cNvSpPr>
+            <a:spLocks/>
+          </p:cNvSpPr>
+          <p:nvPr/>
+        </p:nvSpPr>
+        <p:spPr>
+          <a:xfrm>
+            <a:off x="3357078" y="1808950"/>
+            <a:ext cx="1626870" cy="423545"/>
+          </a:xfrm>
+          <a:prstGeom prst="roundRect">
+            <a:avLst/>
+          </a:prstGeom>
+          <a:solidFill>
+            <a:schemeClr val="accent1">
+              <a:alpha val="0"/>
+            </a:schemeClr>
+          </a:solidFill>
+          <a:ln w="31750" cap="rnd" cmpd="sng">
+            <a:solidFill>
+              <a:schemeClr val="accent1">
+                <a:alpha val="100000"/>
+              </a:schemeClr>
+            </a:solidFill>
+            <a:prstDash val="solid"/>
+            <a:round/>
+          </a:ln>
+        </p:spPr>
+        <p:style>
+          <a:lnRef idx="2">
+            <a:schemeClr val="accent1">
+              <a:shade val="50000"/>
+            </a:schemeClr>
+          </a:lnRef>
+          <a:fillRef idx="1">
+            <a:schemeClr val="accent1"/>
+          </a:fillRef>
+          <a:effectRef idx="0">
+            <a:schemeClr val="accent1"/>
+          </a:effectRef>
+          <a:fontRef idx="minor">
+            <a:schemeClr val="lt1"/>
+          </a:fontRef>
+        </p:style>
+        <p:txBody>
+          <a:bodyPr vert="horz" wrap="square" lIns="91440" tIns="45720" rIns="91440" bIns="45720" anchor="ctr">
+            <a:noAutofit/>
+          </a:bodyPr>
+          <a:lstStyle/>
+          <a:p>
+            <a:pPr marL="0" indent="0" algn="ctr" defTabSz="508000" fontAlgn="auto">
+              <a:lnSpc>
+                <a:spcPct val="100000"/>
+              </a:lnSpc>
+              <a:spcBef>
+                <a:spcPts val="0"/>
+              </a:spcBef>
+              <a:spcAft>
+                <a:spcPts val="0"/>
+              </a:spcAft>
+              <a:buFontTx/>
+              <a:buNone/>
+            </a:pPr>
+            <a:r>
+              <a:rPr lang="ko-KR" altLang="en-US" dirty="0">
+                <a:latin typeface="맑은 고딕" charset="0"/>
+                <a:ea typeface="맑은 고딕" charset="0"/>
+              </a:rPr>
+              <a:t>전기생성</a:t>
+            </a:r>
+            <a:endParaRPr lang="ko-KR" altLang="en-US" sz="1800" b="0" cap="none" dirty="0">
+              <a:latin typeface="맑은 고딕" charset="0"/>
+              <a:ea typeface="맑은 고딕" charset="0"/>
+            </a:endParaRPr>
+          </a:p>
+        </p:txBody>
+      </p:sp>
+      <p:cxnSp>
+        <p:nvCxnSpPr>
+          <p:cNvPr id="3" name="직선 연결선 2">
+            <a:extLst>
+              <a:ext uri="{FF2B5EF4-FFF2-40B4-BE49-F238E27FC236}">
+                <a16:creationId xmlns:a16="http://schemas.microsoft.com/office/drawing/2014/main" id="{E6B20D74-03E7-4E50-B1B5-B53440D29E16}"/>
+              </a:ext>
+            </a:extLst>
+          </p:cNvPr>
+          <p:cNvCxnSpPr>
+            <a:cxnSpLocks/>
+            <a:stCxn id="17" idx="2"/>
+            <a:endCxn id="13" idx="0"/>
+          </p:cNvCxnSpPr>
+          <p:nvPr/>
+        </p:nvCxnSpPr>
+        <p:spPr>
+          <a:xfrm flipH="1">
+            <a:off x="3357079" y="2232495"/>
+            <a:ext cx="813434" cy="1155948"/>
+          </a:xfrm>
+          <a:prstGeom prst="line">
+            <a:avLst/>
+          </a:prstGeom>
+          <a:ln w="57150"/>
+        </p:spPr>
+        <p:style>
+          <a:lnRef idx="1">
+            <a:schemeClr val="accent1"/>
+          </a:lnRef>
+          <a:fillRef idx="0">
+            <a:schemeClr val="accent1"/>
+          </a:fillRef>
+          <a:effectRef idx="0">
+            <a:schemeClr val="accent1"/>
+          </a:effectRef>
+          <a:fontRef idx="minor">
+            <a:schemeClr val="tx1"/>
+          </a:fontRef>
+        </p:style>
+      </p:cxnSp>
+      <p:cxnSp>
+        <p:nvCxnSpPr>
+          <p:cNvPr id="18" name="직선 연결선 17">
+            <a:extLst>
+              <a:ext uri="{FF2B5EF4-FFF2-40B4-BE49-F238E27FC236}">
+                <a16:creationId xmlns:a16="http://schemas.microsoft.com/office/drawing/2014/main" id="{0544673F-3E4A-4E51-BAD0-B040AEA21554}"/>
+              </a:ext>
+            </a:extLst>
+          </p:cNvPr>
+          <p:cNvCxnSpPr>
+            <a:cxnSpLocks/>
+            <a:stCxn id="1030" idx="2"/>
+          </p:cNvCxnSpPr>
+          <p:nvPr/>
+        </p:nvCxnSpPr>
+        <p:spPr>
+          <a:xfrm>
+            <a:off x="2413635" y="2245360"/>
+            <a:ext cx="0" cy="1143083"/>
+          </a:xfrm>
+          <a:prstGeom prst="line">
+            <a:avLst/>
+          </a:prstGeom>
+          <a:ln w="57150"/>
+        </p:spPr>
+        <p:style>
+          <a:lnRef idx="1">
+            <a:schemeClr val="accent1"/>
+          </a:lnRef>
+          <a:fillRef idx="0">
+            <a:schemeClr val="accent1"/>
+          </a:fillRef>
+          <a:effectRef idx="0">
+            <a:schemeClr val="accent1"/>
+          </a:effectRef>
+          <a:fontRef idx="minor">
+            <a:schemeClr val="tx1"/>
+          </a:fontRef>
+        </p:style>
+      </p:cxnSp>
+      <p:sp>
+        <p:nvSpPr>
+          <p:cNvPr id="21" name="도형 1029">
+            <a:extLst>
+              <a:ext uri="{FF2B5EF4-FFF2-40B4-BE49-F238E27FC236}">
+                <a16:creationId xmlns:a16="http://schemas.microsoft.com/office/drawing/2014/main" id="{612C78D7-68BF-49F6-84A7-AF6FE1DCB8D0}"/>
+              </a:ext>
+            </a:extLst>
+          </p:cNvPr>
+          <p:cNvSpPr>
+            <a:spLocks/>
+          </p:cNvSpPr>
+          <p:nvPr/>
+        </p:nvSpPr>
+        <p:spPr>
+          <a:xfrm>
+            <a:off x="7852410" y="1808949"/>
+            <a:ext cx="1626870" cy="423545"/>
+          </a:xfrm>
+          <a:prstGeom prst="roundRect">
+            <a:avLst/>
+          </a:prstGeom>
+          <a:solidFill>
+            <a:schemeClr val="accent1">
+              <a:alpha val="0"/>
+            </a:schemeClr>
+          </a:solidFill>
+          <a:ln w="31750" cap="rnd" cmpd="sng">
+            <a:solidFill>
+              <a:schemeClr val="accent1">
+                <a:alpha val="100000"/>
+              </a:schemeClr>
+            </a:solidFill>
+            <a:prstDash val="solid"/>
+            <a:round/>
+          </a:ln>
+        </p:spPr>
+        <p:style>
+          <a:lnRef idx="2">
+            <a:schemeClr val="accent1">
+              <a:shade val="50000"/>
+            </a:schemeClr>
+          </a:lnRef>
+          <a:fillRef idx="1">
+            <a:schemeClr val="accent1"/>
+          </a:fillRef>
+          <a:effectRef idx="0">
+            <a:schemeClr val="accent1"/>
+          </a:effectRef>
+          <a:fontRef idx="minor">
+            <a:schemeClr val="lt1"/>
+          </a:fontRef>
+        </p:style>
+        <p:txBody>
+          <a:bodyPr vert="horz" wrap="square" lIns="91440" tIns="45720" rIns="91440" bIns="45720" anchor="ctr">
+            <a:noAutofit/>
+          </a:bodyPr>
+          <a:lstStyle/>
+          <a:p>
+            <a:pPr marL="0" indent="0" algn="ctr" defTabSz="508000" fontAlgn="auto">
+              <a:lnSpc>
+                <a:spcPct val="100000"/>
+              </a:lnSpc>
+              <a:spcBef>
+                <a:spcPts val="0"/>
+              </a:spcBef>
+              <a:spcAft>
+                <a:spcPts val="0"/>
+              </a:spcAft>
+              <a:buFontTx/>
+              <a:buNone/>
+            </a:pPr>
+            <a:r>
+              <a:rPr lang="ko-KR" altLang="en-US" sz="1800" b="0" cap="none" dirty="0">
+                <a:latin typeface="맑은 고딕" charset="0"/>
+                <a:ea typeface="맑은 고딕" charset="0"/>
+              </a:rPr>
+              <a:t>상호작용</a:t>
+            </a:r>
+          </a:p>
+        </p:txBody>
+      </p:sp>
+      <p:cxnSp>
+        <p:nvCxnSpPr>
+          <p:cNvPr id="22" name="직선 연결선 21">
+            <a:extLst>
+              <a:ext uri="{FF2B5EF4-FFF2-40B4-BE49-F238E27FC236}">
+                <a16:creationId xmlns:a16="http://schemas.microsoft.com/office/drawing/2014/main" id="{FC9EDE35-637E-48FF-A85C-FA935DEA4013}"/>
+              </a:ext>
+            </a:extLst>
+          </p:cNvPr>
+          <p:cNvCxnSpPr>
+            <a:cxnSpLocks/>
+          </p:cNvCxnSpPr>
+          <p:nvPr/>
+        </p:nvCxnSpPr>
+        <p:spPr>
+          <a:xfrm>
+            <a:off x="8762953" y="2245360"/>
+            <a:ext cx="818369" cy="895405"/>
+          </a:xfrm>
+          <a:prstGeom prst="line">
+            <a:avLst/>
+          </a:prstGeom>
+          <a:ln w="57150"/>
+        </p:spPr>
+        <p:style>
+          <a:lnRef idx="1">
+            <a:schemeClr val="accent1"/>
+          </a:lnRef>
+          <a:fillRef idx="0">
+            <a:schemeClr val="accent1"/>
+          </a:fillRef>
+          <a:effectRef idx="0">
+            <a:schemeClr val="accent1"/>
+          </a:effectRef>
+          <a:fontRef idx="minor">
+            <a:schemeClr val="tx1"/>
+          </a:fontRef>
+        </p:style>
+      </p:cxnSp>
+      <p:sp>
+        <p:nvSpPr>
+          <p:cNvPr id="25" name="도형 1029">
+            <a:extLst>
+              <a:ext uri="{FF2B5EF4-FFF2-40B4-BE49-F238E27FC236}">
+                <a16:creationId xmlns:a16="http://schemas.microsoft.com/office/drawing/2014/main" id="{013CE114-3668-4A12-BF68-1BDAF9B68663}"/>
+              </a:ext>
+            </a:extLst>
+          </p:cNvPr>
+          <p:cNvSpPr>
+            <a:spLocks/>
+          </p:cNvSpPr>
+          <p:nvPr/>
+        </p:nvSpPr>
+        <p:spPr>
+          <a:xfrm>
+            <a:off x="10181644" y="1761421"/>
+            <a:ext cx="1626870" cy="423545"/>
+          </a:xfrm>
+          <a:prstGeom prst="roundRect">
+            <a:avLst/>
+          </a:prstGeom>
+          <a:solidFill>
+            <a:schemeClr val="accent1">
+              <a:alpha val="0"/>
+            </a:schemeClr>
+          </a:solidFill>
+          <a:ln w="31750" cap="rnd" cmpd="sng">
+            <a:solidFill>
+              <a:schemeClr val="accent1">
+                <a:alpha val="100000"/>
+              </a:schemeClr>
+            </a:solidFill>
+            <a:prstDash val="solid"/>
+            <a:round/>
+          </a:ln>
+        </p:spPr>
+        <p:style>
+          <a:lnRef idx="2">
+            <a:schemeClr val="accent1">
+              <a:shade val="50000"/>
+            </a:schemeClr>
+          </a:lnRef>
+          <a:fillRef idx="1">
+            <a:schemeClr val="accent1"/>
+          </a:fillRef>
+          <a:effectRef idx="0">
+            <a:schemeClr val="accent1"/>
+          </a:effectRef>
+          <a:fontRef idx="minor">
+            <a:schemeClr val="lt1"/>
+          </a:fontRef>
+        </p:style>
+        <p:txBody>
+          <a:bodyPr vert="horz" wrap="square" lIns="91440" tIns="45720" rIns="91440" bIns="45720" anchor="ctr">
+            <a:noAutofit/>
+          </a:bodyPr>
+          <a:lstStyle/>
+          <a:p>
+            <a:pPr marL="0" indent="0" algn="ctr" defTabSz="508000" fontAlgn="auto">
+              <a:lnSpc>
+                <a:spcPct val="100000"/>
+              </a:lnSpc>
+              <a:spcBef>
+                <a:spcPts val="0"/>
+              </a:spcBef>
+              <a:spcAft>
+                <a:spcPts val="0"/>
+              </a:spcAft>
+              <a:buFontTx/>
+              <a:buNone/>
+            </a:pPr>
+            <a:r>
+              <a:rPr lang="ko-KR" altLang="en-US" sz="1800" b="0" cap="none" dirty="0">
+                <a:latin typeface="맑은 고딕" charset="0"/>
+                <a:ea typeface="맑은 고딕" charset="0"/>
+              </a:rPr>
+              <a:t>시점전환</a:t>
+            </a:r>
+          </a:p>
+        </p:txBody>
+      </p:sp>
+      <p:cxnSp>
+        <p:nvCxnSpPr>
+          <p:cNvPr id="26" name="직선 연결선 25">
+            <a:extLst>
+              <a:ext uri="{FF2B5EF4-FFF2-40B4-BE49-F238E27FC236}">
+                <a16:creationId xmlns:a16="http://schemas.microsoft.com/office/drawing/2014/main" id="{D1F288F8-1060-463A-B7BA-40E8877D13F6}"/>
+              </a:ext>
+            </a:extLst>
+          </p:cNvPr>
+          <p:cNvCxnSpPr>
+            <a:cxnSpLocks/>
+            <a:stCxn id="25" idx="2"/>
+          </p:cNvCxnSpPr>
+          <p:nvPr/>
+        </p:nvCxnSpPr>
+        <p:spPr>
+          <a:xfrm flipH="1">
+            <a:off x="10181644" y="2184966"/>
+            <a:ext cx="813435" cy="940573"/>
+          </a:xfrm>
+          <a:prstGeom prst="line">
+            <a:avLst/>
+          </a:prstGeom>
+          <a:ln w="57150"/>
+        </p:spPr>
+        <p:style>
+          <a:lnRef idx="1">
+            <a:schemeClr val="accent1"/>
+          </a:lnRef>
+          <a:fillRef idx="0">
+            <a:schemeClr val="accent1"/>
+          </a:fillRef>
+          <a:effectRef idx="0">
+            <a:schemeClr val="accent1"/>
+          </a:effectRef>
+          <a:fontRef idx="minor">
+            <a:schemeClr val="tx1"/>
+          </a:fontRef>
+        </p:style>
+      </p:cxnSp>
+      <p:sp>
+        <p:nvSpPr>
+          <p:cNvPr id="20" name="화살표: 왼쪽/오른쪽 19">
+            <a:extLst>
+              <a:ext uri="{FF2B5EF4-FFF2-40B4-BE49-F238E27FC236}">
+                <a16:creationId xmlns:a16="http://schemas.microsoft.com/office/drawing/2014/main" id="{305FD8B4-5D52-4CE2-B5D9-0875B8FB5EE1}"/>
+              </a:ext>
+            </a:extLst>
+          </p:cNvPr>
+          <p:cNvSpPr/>
+          <p:nvPr/>
+        </p:nvSpPr>
+        <p:spPr>
+          <a:xfrm>
+            <a:off x="8844115" y="3662203"/>
+            <a:ext cx="2290555" cy="423545"/>
+          </a:xfrm>
+          <a:prstGeom prst="leftRightArrow">
+            <a:avLst/>
+          </a:prstGeom>
+        </p:spPr>
+        <p:style>
+          <a:lnRef idx="2">
+            <a:schemeClr val="accent1">
+              <a:shade val="50000"/>
+            </a:schemeClr>
+          </a:lnRef>
+          <a:fillRef idx="1">
+            <a:schemeClr val="accent1"/>
+          </a:fillRef>
+          <a:effectRef idx="0">
+            <a:schemeClr val="accent1"/>
+          </a:effectRef>
+          <a:fontRef idx="minor">
+            <a:schemeClr val="lt1"/>
+          </a:fontRef>
+        </p:style>
+        <p:txBody>
+          <a:bodyPr rtlCol="0" anchor="ctr"/>
+          <a:lstStyle/>
+          <a:p>
+            <a:pPr algn="ctr"/>
+            <a:endParaRPr lang="ko-KR" altLang="en-US"/>
+          </a:p>
+        </p:txBody>
+      </p:sp>
+      <p:cxnSp>
+        <p:nvCxnSpPr>
+          <p:cNvPr id="32" name="직선 연결선 31">
+            <a:extLst>
+              <a:ext uri="{FF2B5EF4-FFF2-40B4-BE49-F238E27FC236}">
+                <a16:creationId xmlns:a16="http://schemas.microsoft.com/office/drawing/2014/main" id="{A799AA54-5676-4887-BF0B-A68494ACE3B7}"/>
+              </a:ext>
+            </a:extLst>
+          </p:cNvPr>
+          <p:cNvCxnSpPr>
+            <a:cxnSpLocks/>
+            <a:stCxn id="25" idx="2"/>
+          </p:cNvCxnSpPr>
+          <p:nvPr/>
+        </p:nvCxnSpPr>
+        <p:spPr>
+          <a:xfrm flipH="1">
+            <a:off x="10278110" y="2184966"/>
+            <a:ext cx="716969" cy="1598447"/>
+          </a:xfrm>
+          <a:prstGeom prst="line">
+            <a:avLst/>
+          </a:prstGeom>
+          <a:ln w="57150"/>
+        </p:spPr>
+        <p:style>
+          <a:lnRef idx="1">
+            <a:schemeClr val="accent1"/>
+          </a:lnRef>
+          <a:fillRef idx="0">
+            <a:schemeClr val="accent1"/>
+          </a:fillRef>
+          <a:effectRef idx="0">
+            <a:schemeClr val="accent1"/>
+          </a:effectRef>
+          <a:fontRef idx="minor">
+            <a:schemeClr val="tx1"/>
+          </a:fontRef>
+        </p:style>
+      </p:cxnSp>
     </p:spTree>
     <p:extLst>
       <p:ext uri="{BB962C8B-B14F-4D97-AF65-F5344CB8AC3E}">
@@ -9515,26 +10455,11 @@
   <p:clrMapOvr>
     <a:masterClrMapping/>
   </p:clrMapOvr>
-  <mc:AlternateContent xmlns:mc="http://schemas.openxmlformats.org/markup-compatibility/2006">
-    <mc:Choice xmlns:p14="http://schemas.microsoft.com/office/powerpoint/2010/main" Requires="p14">
-      <p:transition spd="slow" p14:dur="2000"/>
-    </mc:Choice>
-    <mc:Fallback>
-      <p:transition spd="slow"/>
-    </mc:Fallback>
-  </mc:AlternateContent>
-  <p:timing>
-    <p:tnLst>
-      <p:par>
-        <p:cTn id="1" dur="indefinite" restart="never" nodeType="tmRoot"/>
-      </p:par>
-    </p:tnLst>
-  </p:timing>
 </p:sld>
 </file>
 
 <file path=ppt/slides/slide7.xml><?xml version="1.0" encoding="utf-8"?>
-<p:sld xmlns:a="http://schemas.openxmlformats.org/drawingml/2006/main" xmlns:r="http://schemas.openxmlformats.org/officeDocument/2006/relationships" xmlns:p="http://schemas.openxmlformats.org/presentationml/2006/main" xmlns:p14="http://schemas.microsoft.com/office/powerpoint/2010/main">
+<p:sld xmlns:a="http://schemas.openxmlformats.org/drawingml/2006/main" xmlns:r="http://schemas.openxmlformats.org/officeDocument/2006/relationships" xmlns:p="http://schemas.openxmlformats.org/presentationml/2006/main">
   <p:cSld>
     <p:spTree>
       <p:nvGrpSpPr>
@@ -9600,20 +10525,22 @@
           <p:nvPr/>
         </p:nvSpPr>
         <p:spPr>
-          <a:xfrm rot="0">
+          <a:xfrm>
             <a:off x="680085" y="1985010"/>
             <a:ext cx="10761345" cy="3536315"/>
           </a:xfrm>
-          <a:prstGeom prst="rect"/>
+          <a:prstGeom prst="rect">
+            <a:avLst/>
+          </a:prstGeom>
           <a:noFill/>
         </p:spPr>
         <p:txBody>
-          <a:bodyPr wrap="square" lIns="91440" tIns="45720" rIns="91440" bIns="45720" vert="horz" anchor="t">
+          <a:bodyPr vert="horz" wrap="square" lIns="91440" tIns="45720" rIns="91440" bIns="45720" anchor="t">
             <a:spAutoFit/>
           </a:bodyPr>
           <a:lstStyle/>
           <a:p>
-            <a:pPr marL="254000" indent="-254000" algn="l" fontAlgn="auto" defTabSz="457200" eaLnBrk="0" latinLnBrk="0">
+            <a:pPr marL="254000" indent="-254000" algn="l" defTabSz="457200" eaLnBrk="0" fontAlgn="auto" latinLnBrk="0">
               <a:lnSpc>
                 <a:spcPct val="100000"/>
               </a:lnSpc>
@@ -9627,19 +10554,19 @@
               <a:buChar char="v"/>
             </a:pPr>
             <a:r>
-              <a:rPr lang="en-US" altLang="ko-KR" sz="2800" cap="none" dirty="0" smtClean="0" b="0">
+              <a:rPr lang="en-US" altLang="ko-KR" sz="2800" b="0" cap="none" dirty="0">
                 <a:latin typeface="맑은 고딕" charset="0"/>
                 <a:ea typeface="맑은 고딕" charset="0"/>
               </a:rPr>
               <a:t> DirectX 12</a:t>
             </a:r>
-            <a:endParaRPr lang="ko-KR" altLang="en-US" sz="2800" cap="none" dirty="0" smtClean="0" b="0">
+            <a:endParaRPr lang="ko-KR" altLang="en-US" sz="2800" b="0" cap="none" dirty="0">
               <a:latin typeface="맑은 고딕" charset="0"/>
               <a:ea typeface="맑은 고딕" charset="0"/>
             </a:endParaRPr>
           </a:p>
           <a:p>
-            <a:pPr marL="254000" indent="-254000" algn="l" fontAlgn="auto" defTabSz="457200" eaLnBrk="0" latinLnBrk="0">
+            <a:pPr marL="254000" indent="-254000" algn="l" defTabSz="457200" eaLnBrk="0" fontAlgn="auto" latinLnBrk="0">
               <a:lnSpc>
                 <a:spcPct val="100000"/>
               </a:lnSpc>
@@ -9652,13 +10579,13 @@
               <a:buFont typeface="Wingdings"/>
               <a:buChar char="v"/>
             </a:pPr>
-            <a:endParaRPr lang="ko-KR" altLang="en-US" sz="2800" cap="none" dirty="0" smtClean="0" b="0">
+            <a:endParaRPr lang="ko-KR" altLang="en-US" sz="2800" b="0" cap="none" dirty="0">
               <a:latin typeface="맑은 고딕" charset="0"/>
               <a:ea typeface="맑은 고딕" charset="0"/>
             </a:endParaRPr>
           </a:p>
           <a:p>
-            <a:pPr marL="254000" indent="-254000" algn="l" fontAlgn="auto" defTabSz="457200" eaLnBrk="0" latinLnBrk="0">
+            <a:pPr marL="254000" indent="-254000" algn="l" defTabSz="457200" eaLnBrk="0" fontAlgn="auto" latinLnBrk="0">
               <a:lnSpc>
                 <a:spcPct val="100000"/>
               </a:lnSpc>
@@ -9672,19 +10599,19 @@
               <a:buChar char="v"/>
             </a:pPr>
             <a:r>
-              <a:rPr lang="en-US" altLang="ko-KR" sz="2800" cap="none" dirty="0" smtClean="0" b="0">
+              <a:rPr lang="en-US" altLang="ko-KR" sz="2800" b="0" cap="none" dirty="0">
                 <a:latin typeface="맑은 고딕" charset="0"/>
                 <a:ea typeface="맑은 고딕" charset="0"/>
               </a:rPr>
               <a:t> GitHub</a:t>
             </a:r>
-            <a:endParaRPr lang="ko-KR" altLang="en-US" sz="2800" cap="none" dirty="0" smtClean="0" b="0">
+            <a:endParaRPr lang="ko-KR" altLang="en-US" sz="2800" b="0" cap="none" dirty="0">
               <a:latin typeface="맑은 고딕" charset="0"/>
               <a:ea typeface="맑은 고딕" charset="0"/>
             </a:endParaRPr>
           </a:p>
           <a:p>
-            <a:pPr marL="254000" indent="-254000" algn="l" fontAlgn="auto" defTabSz="457200" eaLnBrk="0" latinLnBrk="0">
+            <a:pPr marL="254000" indent="-254000" algn="l" defTabSz="457200" eaLnBrk="0" fontAlgn="auto" latinLnBrk="0">
               <a:lnSpc>
                 <a:spcPct val="100000"/>
               </a:lnSpc>
@@ -9697,13 +10624,13 @@
               <a:buFont typeface="Wingdings"/>
               <a:buChar char="v"/>
             </a:pPr>
-            <a:endParaRPr lang="ko-KR" altLang="en-US" sz="2800" cap="none" dirty="0" smtClean="0" b="0">
+            <a:endParaRPr lang="ko-KR" altLang="en-US" sz="2800" b="0" cap="none" dirty="0">
               <a:latin typeface="맑은 고딕" charset="0"/>
               <a:ea typeface="맑은 고딕" charset="0"/>
             </a:endParaRPr>
           </a:p>
           <a:p>
-            <a:pPr marL="254000" indent="-254000" algn="l" fontAlgn="auto" defTabSz="457200" eaLnBrk="0" latinLnBrk="0">
+            <a:pPr marL="254000" indent="-254000" algn="l" defTabSz="457200" eaLnBrk="0" fontAlgn="auto" latinLnBrk="0">
               <a:lnSpc>
                 <a:spcPct val="100000"/>
               </a:lnSpc>
@@ -9717,19 +10644,19 @@
               <a:buChar char="v"/>
             </a:pPr>
             <a:r>
-              <a:rPr lang="en-US" altLang="ko-KR" sz="2800" cap="none" dirty="0" smtClean="0" b="0">
+              <a:rPr lang="en-US" altLang="ko-KR" sz="2800" b="0" cap="none" dirty="0">
                 <a:latin typeface="맑은 고딕" charset="0"/>
                 <a:ea typeface="맑은 고딕" charset="0"/>
               </a:rPr>
               <a:t> Visual Studio 2017</a:t>
             </a:r>
-            <a:endParaRPr lang="ko-KR" altLang="en-US" sz="2800" cap="none" dirty="0" smtClean="0" b="0">
+            <a:endParaRPr lang="ko-KR" altLang="en-US" sz="2800" b="0" cap="none" dirty="0">
               <a:latin typeface="맑은 고딕" charset="0"/>
               <a:ea typeface="맑은 고딕" charset="0"/>
             </a:endParaRPr>
           </a:p>
           <a:p>
-            <a:pPr marL="254000" indent="-254000" algn="l" fontAlgn="auto" defTabSz="457200" eaLnBrk="0" latinLnBrk="0">
+            <a:pPr marL="254000" indent="-254000" algn="l" defTabSz="457200" eaLnBrk="0" fontAlgn="auto" latinLnBrk="0">
               <a:lnSpc>
                 <a:spcPct val="100000"/>
               </a:lnSpc>
@@ -9742,13 +10669,13 @@
               <a:buFont typeface="Wingdings"/>
               <a:buChar char="v"/>
             </a:pPr>
-            <a:endParaRPr lang="ko-KR" altLang="en-US" sz="2800" cap="none" dirty="0" smtClean="0" b="0">
+            <a:endParaRPr lang="ko-KR" altLang="en-US" sz="2800" b="0" cap="none" dirty="0">
               <a:latin typeface="맑은 고딕" charset="0"/>
               <a:ea typeface="맑은 고딕" charset="0"/>
             </a:endParaRPr>
           </a:p>
           <a:p>
-            <a:pPr marL="254000" indent="-254000" algn="l" fontAlgn="auto" defTabSz="457200" eaLnBrk="0" latinLnBrk="0">
+            <a:pPr marL="254000" indent="-254000" algn="l" defTabSz="457200" eaLnBrk="0" fontAlgn="auto" latinLnBrk="0">
               <a:lnSpc>
                 <a:spcPct val="100000"/>
               </a:lnSpc>
@@ -9762,19 +10689,19 @@
               <a:buChar char="v"/>
             </a:pPr>
             <a:r>
-              <a:rPr lang="en-US" altLang="ko-KR" sz="2800" cap="none" dirty="0" smtClean="0" b="0">
+              <a:rPr lang="en-US" altLang="ko-KR" sz="2800" b="0" cap="none" dirty="0">
                 <a:latin typeface="맑은 고딕" charset="0"/>
                 <a:ea typeface="맑은 고딕" charset="0"/>
               </a:rPr>
               <a:t> Windows OS</a:t>
             </a:r>
-            <a:endParaRPr lang="ko-KR" altLang="en-US" sz="2800" cap="none" dirty="0" smtClean="0" b="0">
+            <a:endParaRPr lang="ko-KR" altLang="en-US" sz="2800" b="0" cap="none" dirty="0">
               <a:latin typeface="맑은 고딕" charset="0"/>
               <a:ea typeface="맑은 고딕" charset="0"/>
             </a:endParaRPr>
           </a:p>
           <a:p>
-            <a:pPr marL="0" indent="0" algn="l" fontAlgn="auto" defTabSz="457200" eaLnBrk="0" latinLnBrk="0">
+            <a:pPr marL="0" indent="0" algn="l" defTabSz="457200" eaLnBrk="0" fontAlgn="auto" latinLnBrk="0">
               <a:lnSpc>
                 <a:spcPct val="100000"/>
               </a:lnSpc>
@@ -9788,13 +10715,13 @@
               <a:buNone/>
             </a:pPr>
             <a:r>
-              <a:rPr lang="en-US" altLang="ko-KR" sz="2800" cap="none" dirty="0" smtClean="0" b="0">
+              <a:rPr lang="en-US" altLang="ko-KR" sz="2800" b="0" cap="none" dirty="0">
                 <a:latin typeface="맑은 고딕" charset="0"/>
                 <a:ea typeface="맑은 고딕" charset="0"/>
               </a:rPr>
               <a:t>   </a:t>
             </a:r>
-            <a:endParaRPr lang="ko-KR" altLang="en-US" sz="2800" cap="none" dirty="0" smtClean="0" b="0">
+            <a:endParaRPr lang="ko-KR" altLang="en-US" sz="2800" b="0" cap="none" dirty="0">
               <a:latin typeface="맑은 고딕" charset="0"/>
               <a:ea typeface="맑은 고딕" charset="0"/>
             </a:endParaRPr>
@@ -9811,26 +10738,11 @@
   <p:clrMapOvr>
     <a:masterClrMapping/>
   </p:clrMapOvr>
-  <mc:AlternateContent xmlns:mc="http://schemas.openxmlformats.org/markup-compatibility/2006">
-    <mc:Choice xmlns:p14="http://schemas.microsoft.com/office/powerpoint/2010/main" Requires="p14">
-      <p:transition spd="slow" p14:dur="2000"/>
-    </mc:Choice>
-    <mc:Fallback>
-      <p:transition spd="slow"/>
-    </mc:Fallback>
-  </mc:AlternateContent>
-  <p:timing>
-    <p:tnLst>
-      <p:par>
-        <p:cTn id="1" dur="indefinite" restart="never" nodeType="tmRoot"/>
-      </p:par>
-    </p:tnLst>
-  </p:timing>
 </p:sld>
 </file>
 
 <file path=ppt/slides/slide8.xml><?xml version="1.0" encoding="utf-8"?>
-<p:sld xmlns:a="http://schemas.openxmlformats.org/drawingml/2006/main" xmlns:r="http://schemas.openxmlformats.org/officeDocument/2006/relationships" xmlns:p="http://schemas.openxmlformats.org/presentationml/2006/main" xmlns:p14="http://schemas.microsoft.com/office/powerpoint/2010/main">
+<p:sld xmlns:a="http://schemas.openxmlformats.org/drawingml/2006/main" xmlns:r="http://schemas.openxmlformats.org/officeDocument/2006/relationships" xmlns:p="http://schemas.openxmlformats.org/presentationml/2006/main">
   <p:cSld>
     <p:spTree>
       <p:nvGrpSpPr>
@@ -9946,7 +10858,7 @@
         <p:spPr>
           <a:xfrm>
             <a:off x="4895215" y="2070735"/>
-            <a:ext cx="6451600" cy="369570"/>
+            <a:ext cx="6451600" cy="369332"/>
           </a:xfrm>
           <a:prstGeom prst="rect">
             <a:avLst/>
@@ -9961,23 +10873,7 @@
           <a:p>
             <a:r>
               <a:rPr lang="ko-KR" altLang="en-US" dirty="0"/>
-              <a:t>캐릭터 </a:t>
-            </a:r>
-            <a:r>
-              <a:rPr lang="en-US" altLang="ko-KR" dirty="0"/>
-              <a:t>: </a:t>
-            </a:r>
-            <a:r>
-              <a:rPr lang="ko-KR" altLang="en-US" dirty="0"/>
-              <a:t>깡통로봇이 주인공이며</a:t>
-            </a:r>
-            <a:r>
-              <a:rPr lang="en-US" altLang="ko-KR" dirty="0"/>
-              <a:t>, </a:t>
-            </a:r>
-            <a:r>
-              <a:rPr lang="ko-KR" altLang="en-US" dirty="0"/>
-              <a:t>유저가 조종하며 플레이한다</a:t>
+              <a:t>플레이어가 컨트롤하는 캐릭터</a:t>
             </a:r>
             <a:r>
               <a:rPr lang="en-US" altLang="ko-KR" dirty="0"/>
@@ -10001,8 +10897,8 @@
         </p:nvSpPr>
         <p:spPr>
           <a:xfrm>
-            <a:off x="4895215" y="3175635"/>
-            <a:ext cx="6452235" cy="922655"/>
+            <a:off x="4876800" y="3342043"/>
+            <a:ext cx="6452235" cy="1200329"/>
           </a:xfrm>
           <a:prstGeom prst="rect">
             <a:avLst/>
@@ -10010,12 +10906,12 @@
           <a:noFill/>
         </p:spPr>
         <p:txBody>
-          <a:bodyPr wrap="square" lIns="91440" tIns="45720" rIns="91440" bIns="45720" numCol="1" vert="horz" anchor="t">
+          <a:bodyPr vert="horz" wrap="square" lIns="91440" tIns="45720" rIns="91440" bIns="45720" numCol="1" anchor="t">
             <a:spAutoFit/>
           </a:bodyPr>
           <a:lstStyle/>
           <a:p>
-            <a:pPr marL="0" indent="0" algn="l" fontAlgn="auto" defTabSz="457200" eaLnBrk="0" latinLnBrk="0">
+            <a:pPr marL="0" indent="0" algn="l" defTabSz="457200" eaLnBrk="0" fontAlgn="auto" latinLnBrk="0">
               <a:lnSpc>
                 <a:spcPct val="100000"/>
               </a:lnSpc>
@@ -10029,68 +10925,68 @@
               <a:buNone/>
             </a:pPr>
             <a:r>
-              <a:rPr lang="en-US" altLang="ko-KR" sz="1800" cap="none" dirty="0" smtClean="0" b="0">
+              <a:rPr lang="en-US" altLang="ko-KR" sz="1800" b="0" cap="none" dirty="0">
                 <a:latin typeface="맑은 고딕" charset="0"/>
                 <a:ea typeface="맑은 고딕" charset="0"/>
               </a:rPr>
               <a:t>특징</a:t>
             </a:r>
             <a:r>
-              <a:rPr lang="en-US" altLang="ko-KR" sz="1800" cap="none" dirty="0" smtClean="0" b="0">
+              <a:rPr lang="en-US" altLang="ko-KR" sz="1800" b="0" cap="none" dirty="0">
                 <a:latin typeface="Century Gothic" charset="0"/>
                 <a:ea typeface="Century Gothic" charset="0"/>
               </a:rPr>
               <a:t> : </a:t>
             </a:r>
             <a:r>
-              <a:rPr lang="en-US" altLang="ko-KR" sz="1800" cap="none" dirty="0" smtClean="0" b="0">
+              <a:rPr lang="en-US" altLang="ko-KR" sz="1800" b="0" cap="none" dirty="0">
                 <a:latin typeface="맑은 고딕" charset="0"/>
                 <a:ea typeface="맑은 고딕" charset="0"/>
               </a:rPr>
               <a:t>철깡통으로</a:t>
             </a:r>
             <a:r>
-              <a:rPr lang="en-US" altLang="ko-KR" sz="1800" cap="none" dirty="0" smtClean="0" b="0">
+              <a:rPr lang="en-US" altLang="ko-KR" sz="1800" b="0" cap="none" dirty="0">
                 <a:latin typeface="Century Gothic" charset="0"/>
                 <a:ea typeface="Century Gothic" charset="0"/>
               </a:rPr>
               <a:t> </a:t>
             </a:r>
             <a:r>
-              <a:rPr lang="en-US" altLang="ko-KR" sz="1800" cap="none" dirty="0" smtClean="0" b="0">
+              <a:rPr lang="en-US" altLang="ko-KR" sz="1800" b="0" cap="none" dirty="0">
                 <a:latin typeface="맑은 고딕" charset="0"/>
                 <a:ea typeface="맑은 고딕" charset="0"/>
               </a:rPr>
               <a:t>구성된</a:t>
             </a:r>
             <a:r>
-              <a:rPr lang="en-US" altLang="ko-KR" sz="1800" cap="none" dirty="0" smtClean="0" b="0">
+              <a:rPr lang="en-US" altLang="ko-KR" sz="1800" b="0" cap="none" dirty="0">
                 <a:latin typeface="Century Gothic" charset="0"/>
                 <a:ea typeface="Century Gothic" charset="0"/>
               </a:rPr>
               <a:t> </a:t>
             </a:r>
             <a:r>
-              <a:rPr lang="en-US" altLang="ko-KR" sz="1800" cap="none" dirty="0" smtClean="0" b="0">
+              <a:rPr lang="en-US" altLang="ko-KR" sz="1800" b="0" cap="none" dirty="0">
                 <a:latin typeface="맑은 고딕" charset="0"/>
                 <a:ea typeface="맑은 고딕" charset="0"/>
               </a:rPr>
               <a:t>주인공</a:t>
             </a:r>
             <a:r>
-              <a:rPr lang="en-US" altLang="ko-KR" sz="1800" cap="none" dirty="0" smtClean="0" b="0">
+              <a:rPr lang="en-US" altLang="ko-KR" sz="1800" b="0" cap="none" dirty="0">
                 <a:latin typeface="Century Gothic" charset="0"/>
                 <a:ea typeface="Century Gothic" charset="0"/>
               </a:rPr>
               <a:t>.</a:t>
             </a:r>
-            <a:endParaRPr lang="ko-KR" altLang="en-US" sz="1800" cap="none" dirty="0" smtClean="0" b="0">
+            <a:endParaRPr lang="ko-KR" altLang="en-US" sz="1800" b="0" cap="none" dirty="0">
               <a:latin typeface="Century Gothic" charset="0"/>
               <a:ea typeface="Century Gothic" charset="0"/>
             </a:endParaRPr>
           </a:p>
           <a:p>
-            <a:pPr marL="0" indent="0" algn="l" fontAlgn="auto" defTabSz="457200" eaLnBrk="0" latinLnBrk="0">
+            <a:pPr marL="0" indent="0" algn="l" defTabSz="457200" eaLnBrk="0" fontAlgn="auto" latinLnBrk="0">
               <a:lnSpc>
                 <a:spcPct val="100000"/>
               </a:lnSpc>
@@ -10104,19 +11000,19 @@
               <a:buNone/>
             </a:pPr>
             <a:r>
-              <a:rPr lang="en-US" altLang="ko-KR" sz="1800" cap="none" dirty="0" smtClean="0" b="0">
+              <a:rPr lang="en-US" altLang="ko-KR" sz="1800" b="0" cap="none" dirty="0">
                 <a:latin typeface="Century Gothic" charset="0"/>
                 <a:ea typeface="Century Gothic" charset="0"/>
               </a:rPr>
               <a:t>    </a:t>
             </a:r>
-            <a:endParaRPr lang="ko-KR" altLang="en-US" sz="1800" cap="none" dirty="0" smtClean="0" b="0">
+            <a:endParaRPr lang="ko-KR" altLang="en-US" sz="1800" b="0" cap="none" dirty="0">
               <a:latin typeface="Century Gothic" charset="0"/>
               <a:ea typeface="Century Gothic" charset="0"/>
             </a:endParaRPr>
           </a:p>
           <a:p>
-            <a:pPr marL="0" indent="0" algn="l" fontAlgn="auto" defTabSz="457200" eaLnBrk="0" latinLnBrk="0">
+            <a:pPr marL="0" indent="0" algn="l" defTabSz="457200" eaLnBrk="0" fontAlgn="auto" latinLnBrk="0">
               <a:lnSpc>
                 <a:spcPct val="100000"/>
               </a:lnSpc>
@@ -10130,13 +11026,49 @@
               <a:buNone/>
             </a:pPr>
             <a:r>
-              <a:rPr lang="en-US" altLang="ko-KR" sz="1800" cap="none" dirty="0" smtClean="0" b="0">
+              <a:rPr lang="en-US" altLang="ko-KR" sz="1800" b="0" cap="none" dirty="0">
                 <a:latin typeface="Century Gothic" charset="0"/>
                 <a:ea typeface="Century Gothic" charset="0"/>
               </a:rPr>
-              <a:t>          전류를 흘려보내 자석의 성질을 가질 수 있다.</a:t>
-            </a:r>
-            <a:endParaRPr lang="ko-KR" altLang="en-US" sz="1800" cap="none" dirty="0" smtClean="0" b="0">
+              <a:t>          전류를 흘려보내 자석의 성질을 가질 수 </a:t>
+            </a:r>
+            <a:r>
+              <a:rPr lang="en-US" altLang="ko-KR" sz="1800" b="0" cap="none" dirty="0" err="1">
+                <a:latin typeface="Century Gothic" charset="0"/>
+                <a:ea typeface="Century Gothic" charset="0"/>
+              </a:rPr>
+              <a:t>있다</a:t>
+            </a:r>
+            <a:r>
+              <a:rPr lang="en-US" altLang="ko-KR" sz="1800" b="0" cap="none" dirty="0">
+                <a:latin typeface="Century Gothic" charset="0"/>
+                <a:ea typeface="Century Gothic" charset="0"/>
+              </a:rPr>
+              <a:t>.</a:t>
+            </a:r>
+          </a:p>
+          <a:p>
+            <a:pPr marL="0" indent="0" algn="l" defTabSz="457200" eaLnBrk="0" fontAlgn="auto" latinLnBrk="0">
+              <a:lnSpc>
+                <a:spcPct val="100000"/>
+              </a:lnSpc>
+              <a:spcBef>
+                <a:spcPts val="0"/>
+              </a:spcBef>
+              <a:spcAft>
+                <a:spcPts val="0"/>
+              </a:spcAft>
+              <a:buFontTx/>
+              <a:buNone/>
+            </a:pPr>
+            <a:r>
+              <a:rPr lang="en-US" altLang="ko-KR" dirty="0">
+                <a:latin typeface="Century Gothic" charset="0"/>
+                <a:ea typeface="Century Gothic" charset="0"/>
+              </a:rPr>
+              <a:t>	   </a:t>
+            </a:r>
+            <a:endParaRPr lang="en-US" altLang="ko-KR" sz="1800" b="0" cap="none" dirty="0">
               <a:latin typeface="Century Gothic" charset="0"/>
               <a:ea typeface="Century Gothic" charset="0"/>
             </a:endParaRPr>
@@ -10153,21 +11085,6 @@
   <p:clrMapOvr>
     <a:masterClrMapping/>
   </p:clrMapOvr>
-  <mc:AlternateContent xmlns:mc="http://schemas.openxmlformats.org/markup-compatibility/2006">
-    <mc:Choice xmlns:p14="http://schemas.microsoft.com/office/powerpoint/2010/main" Requires="p14">
-      <p:transition spd="slow" p14:dur="2000"/>
-    </mc:Choice>
-    <mc:Fallback>
-      <p:transition spd="slow"/>
-    </mc:Fallback>
-  </mc:AlternateContent>
-  <p:timing>
-    <p:tnLst>
-      <p:par>
-        <p:cTn id="1" dur="indefinite" restart="never" nodeType="tmRoot"/>
-      </p:par>
-    </p:tnLst>
-  </p:timing>
 </p:sld>
 </file>
 

--- a/Document/Escape Cube(가제) ppt.pptx
+++ b/Document/Escape Cube(가제) ppt.pptx
@@ -15,12 +15,12 @@
     <p:sldId id="257" r:id="rId6"/>
     <p:sldId id="265" r:id="rId7"/>
     <p:sldId id="267" r:id="rId8"/>
-    <p:sldId id="261" r:id="rId9"/>
-    <p:sldId id="264" r:id="rId10"/>
-    <p:sldId id="258" r:id="rId11"/>
-    <p:sldId id="270" r:id="rId12"/>
-    <p:sldId id="262" r:id="rId13"/>
-    <p:sldId id="271" r:id="rId14"/>
+    <p:sldId id="264" r:id="rId9"/>
+    <p:sldId id="258" r:id="rId10"/>
+    <p:sldId id="270" r:id="rId11"/>
+    <p:sldId id="272" r:id="rId12"/>
+    <p:sldId id="261" r:id="rId13"/>
+    <p:sldId id="262" r:id="rId14"/>
     <p:sldId id="269" r:id="rId15"/>
     <p:sldId id="263" r:id="rId16"/>
     <p:sldId id="268" r:id="rId17"/>
@@ -131,6 +131,10 @@
     </p:ext>
   </p:extLst>
 </p:presentation>
+</file>
+
+<file path=ppt/revisionInfo.xml><?xml version="1.0" encoding="utf-8"?>
+<p1510:revInfo xmlns:a="http://schemas.openxmlformats.org/drawingml/2006/main" xmlns:r="http://schemas.openxmlformats.org/officeDocument/2006/relationships" xmlns:p1510="http://schemas.microsoft.com/office/powerpoint/2015/10/main"/>
 </file>
 
 <file path=ppt/changesInfos/changesInfo1.xml><?xml version="1.0" encoding="utf-8"?>
@@ -461,7 +465,7 @@
           </ac:spMkLst>
         </pc:spChg>
         <pc:spChg chg="add mod">
-          <ac:chgData name="DongHyeon Ko" userId="113be3d24099a8d3" providerId="LiveId" clId="{116AF83B-99CC-4C50-A28B-70941B365F50}" dt="2017-11-28T12:31:36.637" v="1693"/>
+          <ac:chgData name="DongHyeon Ko" userId="113be3d24099a8d3" providerId="LiveId" clId="{116AF83B-99CC-4C50-A28B-70941B365F50}" dt="2017-11-28T12:31:36.637" v="1693" actId="14100"/>
           <ac:spMkLst>
             <pc:docMk/>
             <pc:sldMk cId="226358864" sldId="265"/>
@@ -477,7 +481,7 @@
           </ac:spMkLst>
         </pc:spChg>
         <pc:spChg chg="add mod">
-          <ac:chgData name="DongHyeon Ko" userId="113be3d24099a8d3" providerId="LiveId" clId="{116AF83B-99CC-4C50-A28B-70941B365F50}" dt="2017-11-28T12:31:52.502" v="1714"/>
+          <ac:chgData name="DongHyeon Ko" userId="113be3d24099a8d3" providerId="LiveId" clId="{116AF83B-99CC-4C50-A28B-70941B365F50}" dt="2017-11-28T12:31:52.502" v="1714" actId="14100"/>
           <ac:spMkLst>
             <pc:docMk/>
             <pc:sldMk cId="226358864" sldId="265"/>
@@ -666,7 +670,7 @@
         </pc:spChg>
       </pc:sldChg>
       <pc:sldChg chg="add">
-        <pc:chgData name="DongHyeon Ko" userId="113be3d24099a8d3" providerId="LiveId" clId="{116AF83B-99CC-4C50-A28B-70941B365F50}" dt="2017-11-28T13:32:59.635" v="1881"/>
+        <pc:chgData name="DongHyeon Ko" userId="113be3d24099a8d3" providerId="LiveId" clId="{116AF83B-99CC-4C50-A28B-70941B365F50}" dt="2017-11-28T13:32:59.635" v="1881" actId="1076"/>
         <pc:sldMkLst>
           <pc:docMk/>
           <pc:sldMk cId="3674669559" sldId="271"/>
@@ -1041,7 +1045,7 @@
           <a:p>
             <a:fld id="{36E5AED4-A81B-4011-84EF-4470B62B1E6A}" type="datetimeFigureOut">
               <a:rPr lang="ko-KR" altLang="en-US" smtClean="0"/>
-              <a:t>2017-11-28</a:t>
+              <a:t>2017-11-29</a:t>
             </a:fld>
             <a:endParaRPr lang="ko-KR" altLang="en-US"/>
           </a:p>
@@ -1511,7 +1515,7 @@
             <a:fld id="{B61BEF0D-F0BB-DE4B-95CE-6DB70DBA9567}" type="datetimeFigureOut">
               <a:rPr lang="en-US" dirty="0"/>
               <a:pPr/>
-              <a:t>11/28/2017</a:t>
+              <a:t>11/29/2017</a:t>
             </a:fld>
             <a:endParaRPr lang="en-US" dirty="0"/>
           </a:p>
@@ -1799,7 +1803,7 @@
             <a:fld id="{B61BEF0D-F0BB-DE4B-95CE-6DB70DBA9567}" type="datetimeFigureOut">
               <a:rPr lang="en-US" dirty="0"/>
               <a:pPr/>
-              <a:t>11/28/2017</a:t>
+              <a:t>11/29/2017</a:t>
             </a:fld>
             <a:endParaRPr lang="en-US" dirty="0"/>
           </a:p>
@@ -2044,7 +2048,7 @@
             <a:fld id="{B61BEF0D-F0BB-DE4B-95CE-6DB70DBA9567}" type="datetimeFigureOut">
               <a:rPr lang="en-US" dirty="0"/>
               <a:pPr/>
-              <a:t>11/28/2017</a:t>
+              <a:t>11/29/2017</a:t>
             </a:fld>
             <a:endParaRPr lang="en-US" dirty="0"/>
           </a:p>
@@ -2577,7 +2581,7 @@
             <a:fld id="{B61BEF0D-F0BB-DE4B-95CE-6DB70DBA9567}" type="datetimeFigureOut">
               <a:rPr lang="en-US" dirty="0"/>
               <a:pPr/>
-              <a:t>11/28/2017</a:t>
+              <a:t>11/29/2017</a:t>
             </a:fld>
             <a:endParaRPr lang="en-US" dirty="0"/>
           </a:p>
@@ -2822,7 +2826,7 @@
             <a:fld id="{B61BEF0D-F0BB-DE4B-95CE-6DB70DBA9567}" type="datetimeFigureOut">
               <a:rPr lang="en-US" dirty="0"/>
               <a:pPr/>
-              <a:t>11/28/2017</a:t>
+              <a:t>11/29/2017</a:t>
             </a:fld>
             <a:endParaRPr lang="en-US" dirty="0"/>
           </a:p>
@@ -3362,7 +3366,7 @@
             <a:fld id="{B61BEF0D-F0BB-DE4B-95CE-6DB70DBA9567}" type="datetimeFigureOut">
               <a:rPr lang="en-US" dirty="0"/>
               <a:pPr/>
-              <a:t>11/28/2017</a:t>
+              <a:t>11/29/2017</a:t>
             </a:fld>
             <a:endParaRPr lang="en-US" dirty="0"/>
           </a:p>
@@ -3669,7 +3673,7 @@
             <a:fld id="{B61BEF0D-F0BB-DE4B-95CE-6DB70DBA9567}" type="datetimeFigureOut">
               <a:rPr lang="en-US" dirty="0"/>
               <a:pPr/>
-              <a:t>11/28/2017</a:t>
+              <a:t>11/29/2017</a:t>
             </a:fld>
             <a:endParaRPr lang="en-US" dirty="0"/>
           </a:p>
@@ -3841,7 +3845,7 @@
             <a:fld id="{B61BEF0D-F0BB-DE4B-95CE-6DB70DBA9567}" type="datetimeFigureOut">
               <a:rPr lang="en-US" dirty="0"/>
               <a:pPr/>
-              <a:t>11/28/2017</a:t>
+              <a:t>11/29/2017</a:t>
             </a:fld>
             <a:endParaRPr lang="en-US" dirty="0"/>
           </a:p>
@@ -4018,7 +4022,7 @@
             <a:fld id="{B61BEF0D-F0BB-DE4B-95CE-6DB70DBA9567}" type="datetimeFigureOut">
               <a:rPr lang="en-US" dirty="0"/>
               <a:pPr/>
-              <a:t>11/28/2017</a:t>
+              <a:t>11/29/2017</a:t>
             </a:fld>
             <a:endParaRPr lang="en-US" dirty="0"/>
           </a:p>
@@ -4185,7 +4189,7 @@
             <a:fld id="{B61BEF0D-F0BB-DE4B-95CE-6DB70DBA9567}" type="datetimeFigureOut">
               <a:rPr lang="en-US" dirty="0"/>
               <a:pPr/>
-              <a:t>11/28/2017</a:t>
+              <a:t>11/29/2017</a:t>
             </a:fld>
             <a:endParaRPr lang="en-US" dirty="0"/>
           </a:p>
@@ -4428,7 +4432,7 @@
             <a:fld id="{B61BEF0D-F0BB-DE4B-95CE-6DB70DBA9567}" type="datetimeFigureOut">
               <a:rPr lang="en-US" dirty="0"/>
               <a:pPr/>
-              <a:t>11/28/2017</a:t>
+              <a:t>11/29/2017</a:t>
             </a:fld>
             <a:endParaRPr lang="en-US" dirty="0"/>
           </a:p>
@@ -4717,7 +4721,7 @@
             <a:fld id="{B61BEF0D-F0BB-DE4B-95CE-6DB70DBA9567}" type="datetimeFigureOut">
               <a:rPr lang="en-US" dirty="0"/>
               <a:pPr/>
-              <a:t>11/28/2017</a:t>
+              <a:t>11/29/2017</a:t>
             </a:fld>
             <a:endParaRPr lang="en-US" dirty="0"/>
           </a:p>
@@ -5144,7 +5148,7 @@
             <a:fld id="{B61BEF0D-F0BB-DE4B-95CE-6DB70DBA9567}" type="datetimeFigureOut">
               <a:rPr lang="en-US" dirty="0"/>
               <a:pPr/>
-              <a:t>11/28/2017</a:t>
+              <a:t>11/29/2017</a:t>
             </a:fld>
             <a:endParaRPr lang="en-US" dirty="0"/>
           </a:p>
@@ -5264,7 +5268,7 @@
             <a:fld id="{B61BEF0D-F0BB-DE4B-95CE-6DB70DBA9567}" type="datetimeFigureOut">
               <a:rPr lang="en-US" dirty="0"/>
               <a:pPr/>
-              <a:t>11/28/2017</a:t>
+              <a:t>11/29/2017</a:t>
             </a:fld>
             <a:endParaRPr lang="en-US" dirty="0"/>
           </a:p>
@@ -5356,7 +5360,7 @@
             <a:fld id="{B61BEF0D-F0BB-DE4B-95CE-6DB70DBA9567}" type="datetimeFigureOut">
               <a:rPr lang="en-US" dirty="0"/>
               <a:pPr/>
-              <a:t>11/28/2017</a:t>
+              <a:t>11/29/2017</a:t>
             </a:fld>
             <a:endParaRPr lang="en-US" dirty="0"/>
           </a:p>
@@ -5636,7 +5640,7 @@
             <a:fld id="{B61BEF0D-F0BB-DE4B-95CE-6DB70DBA9567}" type="datetimeFigureOut">
               <a:rPr lang="en-US" dirty="0"/>
               <a:pPr/>
-              <a:t>11/28/2017</a:t>
+              <a:t>11/29/2017</a:t>
             </a:fld>
             <a:endParaRPr lang="en-US" dirty="0"/>
           </a:p>
@@ -5924,7 +5928,7 @@
             <a:fld id="{B61BEF0D-F0BB-DE4B-95CE-6DB70DBA9567}" type="datetimeFigureOut">
               <a:rPr lang="en-US" dirty="0"/>
               <a:pPr/>
-              <a:t>11/28/2017</a:t>
+              <a:t>11/29/2017</a:t>
             </a:fld>
             <a:endParaRPr lang="en-US" dirty="0"/>
           </a:p>
@@ -6155,7 +6159,7 @@
             <a:fld id="{B61BEF0D-F0BB-DE4B-95CE-6DB70DBA9567}" type="datetimeFigureOut">
               <a:rPr lang="en-US" dirty="0"/>
               <a:pPr/>
-              <a:t>11/28/2017</a:t>
+              <a:t>11/29/2017</a:t>
             </a:fld>
             <a:endParaRPr lang="en-US" dirty="0"/>
           </a:p>
@@ -7065,12 +7069,317 @@
           <a:chExt cx="0" cy="0"/>
         </a:xfrm>
       </p:grpSpPr>
+      <p:sp>
+        <p:nvSpPr>
+          <p:cNvPr id="2" name="TextBox 1"/>
+          <p:cNvSpPr txBox="1">
+            <a:spLocks/>
+          </p:cNvSpPr>
+          <p:nvPr/>
+        </p:nvSpPr>
+        <p:spPr>
+          <a:xfrm>
+            <a:off x="791845" y="423545"/>
+            <a:ext cx="5614035" cy="768985"/>
+          </a:xfrm>
+          <a:prstGeom prst="rect">
+            <a:avLst/>
+          </a:prstGeom>
+          <a:noFill/>
+        </p:spPr>
+        <p:txBody>
+          <a:bodyPr vert="horz" wrap="square" lIns="91440" tIns="45720" rIns="91440" bIns="45720" anchor="t">
+            <a:spAutoFit/>
+          </a:bodyPr>
+          <a:lstStyle/>
+          <a:p>
+            <a:pPr marL="0" indent="0" algn="l" defTabSz="457200" eaLnBrk="0" fontAlgn="auto" latinLnBrk="0">
+              <a:lnSpc>
+                <a:spcPct val="100000"/>
+              </a:lnSpc>
+              <a:spcBef>
+                <a:spcPts val="0"/>
+              </a:spcBef>
+              <a:spcAft>
+                <a:spcPts val="0"/>
+              </a:spcAft>
+              <a:buFontTx/>
+              <a:buNone/>
+            </a:pPr>
+            <a:r>
+              <a:rPr lang="en-US" altLang="ko-KR" sz="4400" b="0" cap="none" dirty="0" err="1">
+                <a:solidFill>
+                  <a:schemeClr val="accent1">
+                    <a:lumMod val="75000"/>
+                  </a:schemeClr>
+                </a:solidFill>
+                <a:latin typeface="맑은 고딕" charset="0"/>
+                <a:ea typeface="맑은 고딕" charset="0"/>
+              </a:rPr>
+              <a:t>게임</a:t>
+            </a:r>
+            <a:r>
+              <a:rPr lang="ko-KR" altLang="en-US" sz="4400" dirty="0">
+                <a:solidFill>
+                  <a:schemeClr val="accent1">
+                    <a:lumMod val="75000"/>
+                  </a:schemeClr>
+                </a:solidFill>
+                <a:latin typeface="맑은 고딕" charset="0"/>
+                <a:ea typeface="맑은 고딕" charset="0"/>
+              </a:rPr>
+              <a:t>소개</a:t>
+            </a:r>
+            <a:r>
+              <a:rPr lang="en-US" altLang="ko-KR" sz="4400" dirty="0">
+                <a:solidFill>
+                  <a:schemeClr val="accent1">
+                    <a:lumMod val="75000"/>
+                  </a:schemeClr>
+                </a:solidFill>
+                <a:latin typeface="맑은 고딕" charset="0"/>
+                <a:ea typeface="맑은 고딕" charset="0"/>
+              </a:rPr>
+              <a:t>-</a:t>
+            </a:r>
+            <a:r>
+              <a:rPr lang="ko-KR" altLang="en-US" sz="4400" dirty="0">
+                <a:solidFill>
+                  <a:schemeClr val="accent1">
+                    <a:lumMod val="75000"/>
+                  </a:schemeClr>
+                </a:solidFill>
+                <a:latin typeface="맑은 고딕" charset="0"/>
+                <a:ea typeface="맑은 고딕" charset="0"/>
+              </a:rPr>
+              <a:t>예시</a:t>
+            </a:r>
+            <a:endParaRPr lang="ko-KR" altLang="en-US" sz="4400" b="0" cap="none" dirty="0">
+              <a:solidFill>
+                <a:schemeClr val="accent1">
+                  <a:lumMod val="75000"/>
+                </a:schemeClr>
+              </a:solidFill>
+              <a:latin typeface="맑은 고딕" charset="0"/>
+              <a:ea typeface="맑은 고딕" charset="0"/>
+            </a:endParaRPr>
+          </a:p>
+        </p:txBody>
+      </p:sp>
       <p:pic>
         <p:nvPicPr>
-          <p:cNvPr id="5" name="그림 4">
+          <p:cNvPr id="3" name="그림 2" descr="C:/Users/yang/AppData/Roaming/PolarisOffice/ETemp/1400_16054944/fImage25819412441.png"/>
+          <p:cNvPicPr>
+            <a:picLocks noChangeAspect="1"/>
+          </p:cNvPicPr>
+          <p:nvPr/>
+        </p:nvPicPr>
+        <p:blipFill rotWithShape="1">
+          <a:blip r:embed="rId2">
+            <a:extLst>
+              <a:ext uri="{28A0092B-C50C-407E-A947-70E740481C1C}">
+                <a14:useLocalDpi xmlns:a14="http://schemas.microsoft.com/office/drawing/2010/main" val="0"/>
+              </a:ext>
+            </a:extLst>
+          </a:blip>
+          <a:stretch>
+            <a:fillRect/>
+          </a:stretch>
+        </p:blipFill>
+        <p:spPr>
+          <a:xfrm>
+            <a:off x="791845" y="1454062"/>
+            <a:ext cx="6038215" cy="4224830"/>
+          </a:xfrm>
+          <a:prstGeom prst="rect">
+            <a:avLst/>
+          </a:prstGeom>
+          <a:noFill/>
+        </p:spPr>
+      </p:pic>
+      <p:sp>
+        <p:nvSpPr>
+          <p:cNvPr id="5" name="타원 4">
             <a:extLst>
               <a:ext uri="{FF2B5EF4-FFF2-40B4-BE49-F238E27FC236}">
-                <a16:creationId xmlns:a16="http://schemas.microsoft.com/office/drawing/2014/main" id="{2D6179B6-1AB8-41A8-A304-342E51B0C537}"/>
+                <a16:creationId xmlns:a16="http://schemas.microsoft.com/office/drawing/2014/main" id="{F9120B8E-B6C3-42F6-87D0-8CF5F35E0751}"/>
+              </a:ext>
+            </a:extLst>
+          </p:cNvPr>
+          <p:cNvSpPr/>
+          <p:nvPr/>
+        </p:nvSpPr>
+        <p:spPr>
+          <a:xfrm>
+            <a:off x="3559175" y="4413250"/>
+            <a:ext cx="939800" cy="711200"/>
+          </a:xfrm>
+          <a:prstGeom prst="ellipse">
+            <a:avLst/>
+          </a:prstGeom>
+          <a:noFill/>
+          <a:ln w="76200">
+            <a:solidFill>
+              <a:srgbClr val="FF0000"/>
+            </a:solidFill>
+          </a:ln>
+        </p:spPr>
+        <p:style>
+          <a:lnRef idx="2">
+            <a:schemeClr val="accent1">
+              <a:shade val="50000"/>
+            </a:schemeClr>
+          </a:lnRef>
+          <a:fillRef idx="1">
+            <a:schemeClr val="accent1"/>
+          </a:fillRef>
+          <a:effectRef idx="0">
+            <a:schemeClr val="accent1"/>
+          </a:effectRef>
+          <a:fontRef idx="minor">
+            <a:schemeClr val="lt1"/>
+          </a:fontRef>
+        </p:style>
+        <p:txBody>
+          <a:bodyPr rtlCol="0" anchor="ctr"/>
+          <a:lstStyle/>
+          <a:p>
+            <a:pPr algn="ctr"/>
+            <a:endParaRPr lang="ko-KR" altLang="en-US"/>
+          </a:p>
+        </p:txBody>
+      </p:sp>
+      <p:sp>
+        <p:nvSpPr>
+          <p:cNvPr id="6" name="타원 5">
+            <a:extLst>
+              <a:ext uri="{FF2B5EF4-FFF2-40B4-BE49-F238E27FC236}">
+                <a16:creationId xmlns:a16="http://schemas.microsoft.com/office/drawing/2014/main" id="{105717F3-465C-4DAA-8087-80E6192BD2D8}"/>
+              </a:ext>
+            </a:extLst>
+          </p:cNvPr>
+          <p:cNvSpPr/>
+          <p:nvPr/>
+        </p:nvSpPr>
+        <p:spPr>
+          <a:xfrm>
+            <a:off x="1651000" y="3566477"/>
+            <a:ext cx="939800" cy="711200"/>
+          </a:xfrm>
+          <a:prstGeom prst="ellipse">
+            <a:avLst/>
+          </a:prstGeom>
+          <a:noFill/>
+          <a:ln w="76200">
+            <a:solidFill>
+              <a:srgbClr val="FF0000"/>
+            </a:solidFill>
+          </a:ln>
+        </p:spPr>
+        <p:style>
+          <a:lnRef idx="2">
+            <a:schemeClr val="accent1">
+              <a:shade val="50000"/>
+            </a:schemeClr>
+          </a:lnRef>
+          <a:fillRef idx="1">
+            <a:schemeClr val="accent1"/>
+          </a:fillRef>
+          <a:effectRef idx="0">
+            <a:schemeClr val="accent1"/>
+          </a:effectRef>
+          <a:fontRef idx="minor">
+            <a:schemeClr val="lt1"/>
+          </a:fontRef>
+        </p:style>
+        <p:txBody>
+          <a:bodyPr rtlCol="0" anchor="ctr"/>
+          <a:lstStyle/>
+          <a:p>
+            <a:pPr algn="ctr"/>
+            <a:endParaRPr lang="ko-KR" altLang="en-US"/>
+          </a:p>
+        </p:txBody>
+      </p:sp>
+      <p:sp>
+        <p:nvSpPr>
+          <p:cNvPr id="7" name="TextBox 6">
+            <a:extLst>
+              <a:ext uri="{FF2B5EF4-FFF2-40B4-BE49-F238E27FC236}">
+                <a16:creationId xmlns:a16="http://schemas.microsoft.com/office/drawing/2014/main" id="{2262DBEF-5AF3-4318-8F08-2CAD10C55383}"/>
+              </a:ext>
+            </a:extLst>
+          </p:cNvPr>
+          <p:cNvSpPr txBox="1"/>
+          <p:nvPr/>
+        </p:nvSpPr>
+        <p:spPr>
+          <a:xfrm>
+            <a:off x="7689215" y="2644170"/>
+            <a:ext cx="4031615" cy="1569660"/>
+          </a:xfrm>
+          <a:prstGeom prst="rect">
+            <a:avLst/>
+          </a:prstGeom>
+          <a:noFill/>
+        </p:spPr>
+        <p:txBody>
+          <a:bodyPr wrap="square" rtlCol="0">
+            <a:spAutoFit/>
+          </a:bodyPr>
+          <a:lstStyle/>
+          <a:p>
+            <a:r>
+              <a:rPr lang="ko-KR" altLang="en-US" sz="2400" dirty="0"/>
+              <a:t>게임 맵</a:t>
+            </a:r>
+            <a:r>
+              <a:rPr lang="en-US" altLang="ko-KR" sz="2400" dirty="0"/>
+              <a:t>(</a:t>
+            </a:r>
+            <a:r>
+              <a:rPr lang="ko-KR" altLang="en-US" sz="2400" dirty="0"/>
+              <a:t>큐브</a:t>
+            </a:r>
+            <a:r>
+              <a:rPr lang="en-US" altLang="ko-KR" sz="2400" dirty="0"/>
+              <a:t>) </a:t>
+            </a:r>
+            <a:r>
+              <a:rPr lang="ko-KR" altLang="en-US" sz="2400" dirty="0"/>
+              <a:t>예시</a:t>
+            </a:r>
+            <a:endParaRPr lang="en-US" altLang="ko-KR" sz="2400" dirty="0"/>
+          </a:p>
+          <a:p>
+            <a:endParaRPr lang="en-US" altLang="ko-KR" sz="2400" dirty="0"/>
+          </a:p>
+          <a:p>
+            <a:r>
+              <a:rPr lang="ko-KR" altLang="en-US" sz="2400" dirty="0"/>
+              <a:t>플레이어가 각 큐브마다</a:t>
+            </a:r>
+            <a:endParaRPr lang="en-US" altLang="ko-KR" sz="2400" dirty="0"/>
+          </a:p>
+          <a:p>
+            <a:r>
+              <a:rPr lang="ko-KR" altLang="en-US" sz="2400" dirty="0"/>
+              <a:t>정해진 위치에서 등장한다</a:t>
+            </a:r>
+            <a:r>
+              <a:rPr lang="en-US" altLang="ko-KR" sz="2400" dirty="0"/>
+              <a:t>.</a:t>
+            </a:r>
+            <a:endParaRPr lang="ko-KR" altLang="en-US" sz="2400" dirty="0"/>
+          </a:p>
+        </p:txBody>
+      </p:sp>
+      <p:pic>
+        <p:nvPicPr>
+          <p:cNvPr id="9" name="그림 8">
+            <a:extLst>
+              <a:ext uri="{FF2B5EF4-FFF2-40B4-BE49-F238E27FC236}">
+                <a16:creationId xmlns:a16="http://schemas.microsoft.com/office/drawing/2014/main" id="{9D17853C-AA43-421D-AF50-407FE70B2CA2}"/>
               </a:ext>
             </a:extLst>
           </p:cNvPr>
@@ -7080,235 +7389,25 @@
           <p:nvPr/>
         </p:nvPicPr>
         <p:blipFill>
-          <a:blip r:embed="rId2"/>
+          <a:blip r:embed="rId3"/>
           <a:stretch>
             <a:fillRect/>
           </a:stretch>
         </p:blipFill>
         <p:spPr>
           <a:xfrm>
-            <a:off x="482600" y="1722120"/>
-            <a:ext cx="6096000" cy="3413760"/>
+            <a:off x="2011362" y="3798252"/>
+            <a:ext cx="219075" cy="247650"/>
           </a:xfrm>
           <a:prstGeom prst="rect">
             <a:avLst/>
           </a:prstGeom>
         </p:spPr>
       </p:pic>
-      <p:sp>
-        <p:nvSpPr>
-          <p:cNvPr id="6" name="TextBox 5">
-            <a:extLst>
-              <a:ext uri="{FF2B5EF4-FFF2-40B4-BE49-F238E27FC236}">
-                <a16:creationId xmlns:a16="http://schemas.microsoft.com/office/drawing/2014/main" id="{4F5F6214-4ED6-440C-8488-40370266643C}"/>
-              </a:ext>
-            </a:extLst>
-          </p:cNvPr>
-          <p:cNvSpPr txBox="1"/>
-          <p:nvPr/>
-        </p:nvSpPr>
-        <p:spPr>
-          <a:xfrm>
-            <a:off x="482600" y="381000"/>
-            <a:ext cx="5613400" cy="769441"/>
-          </a:xfrm>
-          <a:prstGeom prst="rect">
-            <a:avLst/>
-          </a:prstGeom>
-          <a:noFill/>
-        </p:spPr>
-        <p:txBody>
-          <a:bodyPr wrap="square" rtlCol="0">
-            <a:spAutoFit/>
-          </a:bodyPr>
-          <a:lstStyle/>
-          <a:p>
-            <a:r>
-              <a:rPr lang="ko-KR" altLang="en-US" sz="4400" dirty="0">
-                <a:solidFill>
-                  <a:schemeClr val="accent1">
-                    <a:lumMod val="75000"/>
-                  </a:schemeClr>
-                </a:solidFill>
-              </a:rPr>
-              <a:t>게임소개 </a:t>
-            </a:r>
-            <a:r>
-              <a:rPr lang="en-US" altLang="ko-KR" sz="4400" dirty="0">
-                <a:solidFill>
-                  <a:schemeClr val="accent1">
-                    <a:lumMod val="75000"/>
-                  </a:schemeClr>
-                </a:solidFill>
-              </a:rPr>
-              <a:t>– </a:t>
-            </a:r>
-            <a:r>
-              <a:rPr lang="ko-KR" altLang="en-US" sz="4400" dirty="0">
-                <a:solidFill>
-                  <a:schemeClr val="accent1">
-                    <a:lumMod val="75000"/>
-                  </a:schemeClr>
-                </a:solidFill>
-              </a:rPr>
-              <a:t>내부</a:t>
-            </a:r>
-            <a:r>
-              <a:rPr lang="en-US" altLang="ko-KR" sz="4400" dirty="0">
-                <a:solidFill>
-                  <a:schemeClr val="accent1">
-                    <a:lumMod val="75000"/>
-                  </a:schemeClr>
-                </a:solidFill>
-              </a:rPr>
-              <a:t>(</a:t>
-            </a:r>
-            <a:r>
-              <a:rPr lang="ko-KR" altLang="en-US" sz="4400" dirty="0">
-                <a:solidFill>
-                  <a:schemeClr val="accent1">
-                    <a:lumMod val="75000"/>
-                  </a:schemeClr>
-                </a:solidFill>
-              </a:rPr>
-              <a:t>큐브</a:t>
-            </a:r>
-            <a:r>
-              <a:rPr lang="en-US" altLang="ko-KR" sz="4400" dirty="0">
-                <a:solidFill>
-                  <a:schemeClr val="accent1">
-                    <a:lumMod val="75000"/>
-                  </a:schemeClr>
-                </a:solidFill>
-              </a:rPr>
-              <a:t>)</a:t>
-            </a:r>
-            <a:endParaRPr lang="ko-KR" altLang="en-US" sz="4400" dirty="0">
-              <a:solidFill>
-                <a:schemeClr val="accent1">
-                  <a:lumMod val="75000"/>
-                </a:schemeClr>
-              </a:solidFill>
-            </a:endParaRPr>
-          </a:p>
-        </p:txBody>
-      </p:sp>
-      <p:sp>
-        <p:nvSpPr>
-          <p:cNvPr id="2" name="TextBox 1">
-            <a:extLst>
-              <a:ext uri="{FF2B5EF4-FFF2-40B4-BE49-F238E27FC236}">
-                <a16:creationId xmlns:a16="http://schemas.microsoft.com/office/drawing/2014/main" id="{E2885DD5-D5F5-408D-AD65-6045423110FB}"/>
-              </a:ext>
-            </a:extLst>
-          </p:cNvPr>
-          <p:cNvSpPr txBox="1"/>
-          <p:nvPr/>
-        </p:nvSpPr>
-        <p:spPr>
-          <a:xfrm>
-            <a:off x="6997700" y="1722120"/>
-            <a:ext cx="4597400" cy="3416320"/>
-          </a:xfrm>
-          <a:prstGeom prst="rect">
-            <a:avLst/>
-          </a:prstGeom>
-          <a:noFill/>
-        </p:spPr>
-        <p:txBody>
-          <a:bodyPr wrap="square" rtlCol="0">
-            <a:spAutoFit/>
-          </a:bodyPr>
-          <a:lstStyle/>
-          <a:p>
-            <a:pPr marL="285750" indent="-285750">
-              <a:buFont typeface="Wingdings" panose="05000000000000000000" pitchFamily="2" charset="2"/>
-              <a:buChar char="v"/>
-            </a:pPr>
-            <a:r>
-              <a:rPr lang="en-US" altLang="ko-KR" sz="2400" dirty="0"/>
-              <a:t> </a:t>
-            </a:r>
-            <a:r>
-              <a:rPr lang="ko-KR" altLang="en-US" sz="2400" dirty="0"/>
-              <a:t>큐브는 총 </a:t>
-            </a:r>
-            <a:r>
-              <a:rPr lang="en-US" altLang="ko-KR" sz="2400" dirty="0"/>
-              <a:t>6</a:t>
-            </a:r>
-            <a:r>
-              <a:rPr lang="ko-KR" altLang="en-US" sz="2400" dirty="0"/>
-              <a:t>개로 구성된다</a:t>
-            </a:r>
-            <a:r>
-              <a:rPr lang="en-US" altLang="ko-KR" sz="2400" dirty="0"/>
-              <a:t>.</a:t>
-            </a:r>
-          </a:p>
-          <a:p>
-            <a:pPr marL="285750" indent="-285750">
-              <a:buFont typeface="Wingdings" panose="05000000000000000000" pitchFamily="2" charset="2"/>
-              <a:buChar char="v"/>
-            </a:pPr>
-            <a:endParaRPr lang="en-US" altLang="ko-KR" sz="2400" dirty="0"/>
-          </a:p>
-          <a:p>
-            <a:pPr marL="285750" indent="-285750">
-              <a:buFont typeface="Wingdings" panose="05000000000000000000" pitchFamily="2" charset="2"/>
-              <a:buChar char="v"/>
-            </a:pPr>
-            <a:r>
-              <a:rPr lang="en-US" altLang="ko-KR" sz="2400" dirty="0"/>
-              <a:t> </a:t>
-            </a:r>
-            <a:r>
-              <a:rPr lang="ko-KR" altLang="en-US" sz="2400" dirty="0"/>
-              <a:t>큐브마다 문제를 해결해야 다음 큐브로 넘어간다</a:t>
-            </a:r>
-            <a:r>
-              <a:rPr lang="en-US" altLang="ko-KR" sz="2400" dirty="0"/>
-              <a:t>.</a:t>
-            </a:r>
-          </a:p>
-          <a:p>
-            <a:pPr marL="285750" indent="-285750">
-              <a:buFont typeface="Wingdings" panose="05000000000000000000" pitchFamily="2" charset="2"/>
-              <a:buChar char="v"/>
-            </a:pPr>
-            <a:endParaRPr lang="en-US" altLang="ko-KR" sz="2400" dirty="0"/>
-          </a:p>
-          <a:p>
-            <a:pPr marL="285750" indent="-285750">
-              <a:buFont typeface="Wingdings" panose="05000000000000000000" pitchFamily="2" charset="2"/>
-              <a:buChar char="v"/>
-            </a:pPr>
-            <a:r>
-              <a:rPr lang="en-US" altLang="ko-KR" sz="2400" dirty="0"/>
-              <a:t> </a:t>
-            </a:r>
-            <a:r>
-              <a:rPr lang="ko-KR" altLang="en-US" sz="2400" dirty="0"/>
-              <a:t>오브젝트와 플레이어의 상호작용으로 발생하는 이벤트로 큐브를 클리어한다</a:t>
-            </a:r>
-            <a:r>
-              <a:rPr lang="en-US" altLang="ko-KR" sz="2400" dirty="0"/>
-              <a:t>.</a:t>
-            </a:r>
-          </a:p>
-          <a:p>
-            <a:pPr marL="285750" indent="-285750">
-              <a:buFont typeface="Wingdings" panose="05000000000000000000" pitchFamily="2" charset="2"/>
-              <a:buChar char="v"/>
-            </a:pPr>
-            <a:endParaRPr lang="ko-KR" altLang="en-US" sz="2400" dirty="0"/>
-          </a:p>
-        </p:txBody>
-      </p:sp>
     </p:spTree>
     <p:extLst>
       <p:ext uri="{BB962C8B-B14F-4D97-AF65-F5344CB8AC3E}">
-        <p14:creationId xmlns:p14="http://schemas.microsoft.com/office/powerpoint/2010/main" val="3957995664"/>
+        <p14:creationId xmlns:p14="http://schemas.microsoft.com/office/powerpoint/2010/main" val="611401221"/>
       </p:ext>
     </p:extLst>
   </p:cSld>
@@ -7373,7 +7472,7 @@
               <a:buNone/>
             </a:pPr>
             <a:r>
-              <a:rPr lang="en-US" altLang="ko-KR" sz="4400" b="0" cap="none" dirty="0">
+              <a:rPr lang="en-US" altLang="ko-KR" sz="4400" b="0" cap="none" dirty="0" err="1">
                 <a:solidFill>
                   <a:schemeClr val="accent1">
                     <a:lumMod val="75000"/>
@@ -7382,7 +7481,43 @@
                 <a:latin typeface="맑은 고딕" charset="0"/>
                 <a:ea typeface="맑은 고딕" charset="0"/>
               </a:rPr>
-              <a:t>게임 플레이</a:t>
+              <a:t>게임</a:t>
+            </a:r>
+            <a:r>
+              <a:rPr lang="ko-KR" altLang="en-US" sz="4400" dirty="0">
+                <a:solidFill>
+                  <a:schemeClr val="accent1">
+                    <a:lumMod val="75000"/>
+                  </a:schemeClr>
+                </a:solidFill>
+                <a:latin typeface="맑은 고딕" charset="0"/>
+                <a:ea typeface="맑은 고딕" charset="0"/>
+              </a:rPr>
+              <a:t>소개</a:t>
+            </a:r>
+            <a:r>
+              <a:rPr lang="en-US" altLang="ko-KR" sz="4400" dirty="0">
+                <a:solidFill>
+                  <a:schemeClr val="accent1">
+                    <a:lumMod val="75000"/>
+                  </a:schemeClr>
+                </a:solidFill>
+                <a:latin typeface="맑은 고딕" charset="0"/>
+                <a:ea typeface="맑은 고딕" charset="0"/>
+              </a:rPr>
+              <a:t>-</a:t>
+            </a:r>
+            <a:r>
+              <a:rPr lang="ko-KR" altLang="en-US" sz="4400" dirty="0">
+                <a:solidFill>
+                  <a:schemeClr val="accent1">
+                    <a:lumMod val="75000"/>
+                  </a:schemeClr>
+                </a:solidFill>
+                <a:latin typeface="맑은 고딕" charset="0"/>
+                <a:ea typeface="맑은 고딕" charset="0"/>
+              </a:rPr>
+              <a:t>예시</a:t>
             </a:r>
             <a:endParaRPr lang="ko-KR" altLang="en-US" sz="4400" b="0" cap="none" dirty="0">
               <a:solidFill>
@@ -7396,37 +7531,6 @@
           </a:p>
         </p:txBody>
       </p:sp>
-      <p:pic>
-        <p:nvPicPr>
-          <p:cNvPr id="3" name="그림 2" descr="C:/Users/yang/AppData/Roaming/PolarisOffice/ETemp/1400_16054944/fImage25819412441.png"/>
-          <p:cNvPicPr>
-            <a:picLocks noChangeAspect="1"/>
-          </p:cNvPicPr>
-          <p:nvPr/>
-        </p:nvPicPr>
-        <p:blipFill rotWithShape="1">
-          <a:blip r:embed="rId2">
-            <a:extLst>
-              <a:ext uri="{28A0092B-C50C-407E-A947-70E740481C1C}">
-                <a14:useLocalDpi xmlns:a14="http://schemas.microsoft.com/office/drawing/2010/main" val="0"/>
-              </a:ext>
-            </a:extLst>
-          </a:blip>
-          <a:stretch>
-            <a:fillRect/>
-          </a:stretch>
-        </p:blipFill>
-        <p:spPr>
-          <a:xfrm>
-            <a:off x="895985" y="1794510"/>
-            <a:ext cx="5391785" cy="3772535"/>
-          </a:xfrm>
-          <a:prstGeom prst="rect">
-            <a:avLst/>
-          </a:prstGeom>
-          <a:noFill/>
-        </p:spPr>
-      </p:pic>
       <p:sp>
         <p:nvSpPr>
           <p:cNvPr id="5" name="타원 4">
@@ -7545,8 +7649,8 @@
         </p:nvSpPr>
         <p:spPr>
           <a:xfrm>
-            <a:off x="7264400" y="3013501"/>
-            <a:ext cx="4031615" cy="830997"/>
+            <a:off x="8491855" y="3094344"/>
+            <a:ext cx="2877820" cy="461665"/>
           </a:xfrm>
           <a:prstGeom prst="rect">
             <a:avLst/>
@@ -7561,27 +7665,241 @@
           <a:p>
             <a:r>
               <a:rPr lang="ko-KR" altLang="en-US" sz="2400" dirty="0"/>
-              <a:t>플레이어가 각 큐브마다</a:t>
-            </a:r>
-            <a:endParaRPr lang="en-US" altLang="ko-KR" sz="2400" dirty="0"/>
-          </a:p>
-          <a:p>
-            <a:r>
-              <a:rPr lang="ko-KR" altLang="en-US" sz="2400" dirty="0"/>
-              <a:t>정해진 위치에서 등장한다</a:t>
-            </a:r>
-            <a:r>
-              <a:rPr lang="en-US" altLang="ko-KR" sz="2400" dirty="0"/>
+              <a:t>개인 게임화면 예시</a:t>
+            </a:r>
+          </a:p>
+        </p:txBody>
+      </p:sp>
+      <p:pic>
+        <p:nvPicPr>
+          <p:cNvPr id="8" name="그림 7">
+            <a:extLst>
+              <a:ext uri="{FF2B5EF4-FFF2-40B4-BE49-F238E27FC236}">
+                <a16:creationId xmlns:a16="http://schemas.microsoft.com/office/drawing/2014/main" id="{ABC8A8D8-987A-4722-84D2-595B385E149D}"/>
+              </a:ext>
+            </a:extLst>
+          </p:cNvPr>
+          <p:cNvPicPr>
+            <a:picLocks noChangeAspect="1"/>
+          </p:cNvPicPr>
+          <p:nvPr/>
+        </p:nvPicPr>
+        <p:blipFill>
+          <a:blip r:embed="rId2"/>
+          <a:stretch>
+            <a:fillRect/>
+          </a:stretch>
+        </p:blipFill>
+        <p:spPr>
+          <a:xfrm>
+            <a:off x="822325" y="1821616"/>
+            <a:ext cx="6610350" cy="3718322"/>
+          </a:xfrm>
+          <a:prstGeom prst="rect">
+            <a:avLst/>
+          </a:prstGeom>
+        </p:spPr>
+      </p:pic>
+      <p:sp>
+        <p:nvSpPr>
+          <p:cNvPr id="4" name="TextBox 3">
+            <a:extLst>
+              <a:ext uri="{FF2B5EF4-FFF2-40B4-BE49-F238E27FC236}">
+                <a16:creationId xmlns:a16="http://schemas.microsoft.com/office/drawing/2014/main" id="{0A276072-664F-4F63-BB67-38758F452A18}"/>
+              </a:ext>
+            </a:extLst>
+          </p:cNvPr>
+          <p:cNvSpPr txBox="1"/>
+          <p:nvPr/>
+        </p:nvSpPr>
+        <p:spPr>
+          <a:xfrm>
+            <a:off x="791845" y="4607123"/>
+            <a:ext cx="3571875" cy="523220"/>
+          </a:xfrm>
+          <a:prstGeom prst="rect">
+            <a:avLst/>
+          </a:prstGeom>
+          <a:noFill/>
+        </p:spPr>
+        <p:txBody>
+          <a:bodyPr wrap="square" rtlCol="0">
+            <a:spAutoFit/>
+          </a:bodyPr>
+          <a:lstStyle/>
+          <a:p>
+            <a:r>
+              <a:rPr lang="en-US" altLang="ko-KR" sz="1400" dirty="0"/>
+              <a:t>[SYSTEM] </a:t>
+            </a:r>
+            <a:r>
+              <a:rPr lang="ko-KR" altLang="en-US" sz="1400" dirty="0"/>
+              <a:t>게임이 시작되었습니다</a:t>
+            </a:r>
+            <a:r>
+              <a:rPr lang="en-US" altLang="ko-KR" sz="1400" dirty="0"/>
               <a:t>.</a:t>
             </a:r>
-            <a:endParaRPr lang="ko-KR" altLang="en-US" sz="2400" dirty="0"/>
+          </a:p>
+          <a:p>
+            <a:r>
+              <a:rPr lang="en-US" altLang="ko-KR" sz="1400" dirty="0"/>
+              <a:t>1p</a:t>
+            </a:r>
+            <a:r>
+              <a:rPr lang="ko-KR" altLang="en-US" sz="1400" dirty="0"/>
+              <a:t>가 이벤트를 생성했습니다</a:t>
+            </a:r>
+            <a:r>
+              <a:rPr lang="en-US" altLang="ko-KR" sz="1400" dirty="0"/>
+              <a:t>.</a:t>
+            </a:r>
+            <a:endParaRPr lang="ko-KR" altLang="en-US" sz="1400" dirty="0"/>
+          </a:p>
+        </p:txBody>
+      </p:sp>
+      <p:sp>
+        <p:nvSpPr>
+          <p:cNvPr id="9" name="직사각형 8">
+            <a:extLst>
+              <a:ext uri="{FF2B5EF4-FFF2-40B4-BE49-F238E27FC236}">
+                <a16:creationId xmlns:a16="http://schemas.microsoft.com/office/drawing/2014/main" id="{4D1E5E0C-0602-4A01-9777-59C0C7D65693}"/>
+              </a:ext>
+            </a:extLst>
+          </p:cNvPr>
+          <p:cNvSpPr/>
+          <p:nvPr/>
+        </p:nvSpPr>
+        <p:spPr>
+          <a:xfrm>
+            <a:off x="374650" y="4419600"/>
+            <a:ext cx="3603625" cy="847725"/>
+          </a:xfrm>
+          <a:prstGeom prst="rect">
+            <a:avLst/>
+          </a:prstGeom>
+          <a:noFill/>
+          <a:ln w="76200">
+            <a:solidFill>
+              <a:srgbClr val="FF0000"/>
+            </a:solidFill>
+          </a:ln>
+        </p:spPr>
+        <p:style>
+          <a:lnRef idx="2">
+            <a:schemeClr val="accent1">
+              <a:shade val="50000"/>
+            </a:schemeClr>
+          </a:lnRef>
+          <a:fillRef idx="1">
+            <a:schemeClr val="accent1"/>
+          </a:fillRef>
+          <a:effectRef idx="0">
+            <a:schemeClr val="accent1"/>
+          </a:effectRef>
+          <a:fontRef idx="minor">
+            <a:schemeClr val="lt1"/>
+          </a:fontRef>
+        </p:style>
+        <p:txBody>
+          <a:bodyPr rtlCol="0" anchor="ctr"/>
+          <a:lstStyle/>
+          <a:p>
+            <a:pPr algn="ctr"/>
+            <a:endParaRPr lang="ko-KR" altLang="en-US"/>
+          </a:p>
+        </p:txBody>
+      </p:sp>
+      <p:cxnSp>
+        <p:nvCxnSpPr>
+          <p:cNvPr id="11" name="직선 화살표 연결선 10">
+            <a:extLst>
+              <a:ext uri="{FF2B5EF4-FFF2-40B4-BE49-F238E27FC236}">
+                <a16:creationId xmlns:a16="http://schemas.microsoft.com/office/drawing/2014/main" id="{E0AD5A77-EDC6-4F5F-BC5D-511EF91DE35A}"/>
+              </a:ext>
+            </a:extLst>
+          </p:cNvPr>
+          <p:cNvCxnSpPr>
+            <a:cxnSpLocks/>
+            <a:stCxn id="9" idx="2"/>
+            <a:endCxn id="14" idx="1"/>
+          </p:cNvCxnSpPr>
+          <p:nvPr/>
+        </p:nvCxnSpPr>
+        <p:spPr>
+          <a:xfrm>
+            <a:off x="2176463" y="5267325"/>
+            <a:ext cx="1801812" cy="644802"/>
+          </a:xfrm>
+          <a:prstGeom prst="straightConnector1">
+            <a:avLst/>
+          </a:prstGeom>
+          <a:ln w="38100">
+            <a:solidFill>
+              <a:srgbClr val="FF0000"/>
+            </a:solidFill>
+            <a:tailEnd type="triangle"/>
+          </a:ln>
+        </p:spPr>
+        <p:style>
+          <a:lnRef idx="1">
+            <a:schemeClr val="accent1"/>
+          </a:lnRef>
+          <a:fillRef idx="0">
+            <a:schemeClr val="accent1"/>
+          </a:fillRef>
+          <a:effectRef idx="0">
+            <a:schemeClr val="accent1"/>
+          </a:effectRef>
+          <a:fontRef idx="minor">
+            <a:schemeClr val="tx1"/>
+          </a:fontRef>
+        </p:style>
+      </p:cxnSp>
+      <p:sp>
+        <p:nvSpPr>
+          <p:cNvPr id="14" name="TextBox 13">
+            <a:extLst>
+              <a:ext uri="{FF2B5EF4-FFF2-40B4-BE49-F238E27FC236}">
+                <a16:creationId xmlns:a16="http://schemas.microsoft.com/office/drawing/2014/main" id="{7E8517D6-D7CE-48D6-82F2-D8176CF25001}"/>
+              </a:ext>
+            </a:extLst>
+          </p:cNvPr>
+          <p:cNvSpPr txBox="1"/>
+          <p:nvPr/>
+        </p:nvSpPr>
+        <p:spPr>
+          <a:xfrm>
+            <a:off x="3978275" y="5727461"/>
+            <a:ext cx="1951037" cy="369332"/>
+          </a:xfrm>
+          <a:prstGeom prst="rect">
+            <a:avLst/>
+          </a:prstGeom>
+          <a:noFill/>
+        </p:spPr>
+        <p:txBody>
+          <a:bodyPr wrap="square" rtlCol="0">
+            <a:spAutoFit/>
+          </a:bodyPr>
+          <a:lstStyle/>
+          <a:p>
+            <a:r>
+              <a:rPr lang="ko-KR" altLang="en-US" dirty="0"/>
+              <a:t>시스템 </a:t>
+            </a:r>
+            <a:r>
+              <a:rPr lang="ko-KR" altLang="en-US" dirty="0" err="1"/>
+              <a:t>알림창</a:t>
+            </a:r>
+            <a:endParaRPr lang="ko-KR" altLang="en-US" dirty="0"/>
           </a:p>
         </p:txBody>
       </p:sp>
     </p:spTree>
     <p:extLst>
       <p:ext uri="{BB962C8B-B14F-4D97-AF65-F5344CB8AC3E}">
-        <p14:creationId xmlns:p14="http://schemas.microsoft.com/office/powerpoint/2010/main" val="611401221"/>
+        <p14:creationId xmlns:p14="http://schemas.microsoft.com/office/powerpoint/2010/main" val="4088386385"/>
       </p:ext>
     </p:extLst>
   </p:cSld>
@@ -7610,10 +7928,10 @@
       </p:grpSpPr>
       <p:sp>
         <p:nvSpPr>
-          <p:cNvPr id="2" name="TextBox 1">
+          <p:cNvPr id="6" name="TextBox 5">
             <a:extLst>
               <a:ext uri="{FF2B5EF4-FFF2-40B4-BE49-F238E27FC236}">
-                <a16:creationId xmlns:a16="http://schemas.microsoft.com/office/drawing/2014/main" id="{47F9A707-3D99-4155-8F2F-4414109D7A5A}"/>
+                <a16:creationId xmlns:a16="http://schemas.microsoft.com/office/drawing/2014/main" id="{4F5F6214-4ED6-440C-8488-40370266643C}"/>
               </a:ext>
             </a:extLst>
           </p:cNvPr>
@@ -7622,8 +7940,8 @@
         </p:nvSpPr>
         <p:spPr>
           <a:xfrm>
-            <a:off x="791845" y="423545"/>
-            <a:ext cx="5614035" cy="768985"/>
+            <a:off x="482600" y="381000"/>
+            <a:ext cx="5240020" cy="769620"/>
           </a:xfrm>
           <a:prstGeom prst="rect">
             <a:avLst/>
@@ -7631,54 +7949,44 @@
           <a:noFill/>
         </p:spPr>
         <p:txBody>
-          <a:bodyPr vert="horz" wrap="square" lIns="91440" tIns="45720" rIns="91440" bIns="45720" numCol="1" anchor="t">
+          <a:bodyPr wrap="square" rtlCol="0">
             <a:spAutoFit/>
           </a:bodyPr>
           <a:lstStyle/>
           <a:p>
-            <a:pPr marL="0" indent="0" algn="l" defTabSz="457200" eaLnBrk="0" fontAlgn="auto" latinLnBrk="0">
-              <a:lnSpc>
-                <a:spcPct val="100000"/>
-              </a:lnSpc>
-              <a:spcBef>
-                <a:spcPts val="0"/>
-              </a:spcBef>
-              <a:spcAft>
-                <a:spcPts val="0"/>
-              </a:spcAft>
-              <a:buFontTx/>
-              <a:buNone/>
-            </a:pPr>
-            <a:r>
-              <a:rPr lang="en-US" altLang="ko-KR" sz="4400" b="0" cap="none" dirty="0">
-                <a:solidFill>
-                  <a:schemeClr val="accent1">
-                    <a:lumMod val="75000"/>
-                  </a:schemeClr>
-                </a:solidFill>
-                <a:latin typeface="맑은 고딕" charset="0"/>
-                <a:ea typeface="맑은 고딕" charset="0"/>
+            <a:r>
+              <a:rPr lang="ko-KR" altLang="en-US" sz="4400" dirty="0">
+                <a:solidFill>
+                  <a:srgbClr val="E1930E"/>
+                </a:solidFill>
               </a:rPr>
-              <a:t>게임 플레이</a:t>
-            </a:r>
-            <a:endParaRPr lang="ko-KR" altLang="en-US" sz="4400" b="0" cap="none" dirty="0">
-              <a:solidFill>
-                <a:schemeClr val="accent1">
-                  <a:lumMod val="75000"/>
-                </a:schemeClr>
-              </a:solidFill>
-              <a:latin typeface="맑은 고딕" charset="0"/>
-              <a:ea typeface="맑은 고딕" charset="0"/>
-            </a:endParaRPr>
+              <a:t>게임소개 </a:t>
+            </a:r>
+            <a:r>
+              <a:rPr lang="en-US" altLang="ko-KR" sz="4400" dirty="0">
+                <a:solidFill>
+                  <a:srgbClr val="E1930E"/>
+                </a:solidFill>
+              </a:rPr>
+              <a:t>- </a:t>
+            </a:r>
+            <a:r>
+              <a:rPr lang="ko-KR" altLang="en-US" sz="4400" dirty="0">
+                <a:solidFill>
+                  <a:srgbClr val="E1930E"/>
+                </a:solidFill>
+              </a:rPr>
+              <a:t>캐릭터</a:t>
+            </a:r>
           </a:p>
         </p:txBody>
       </p:sp>
       <p:pic>
         <p:nvPicPr>
-          <p:cNvPr id="5" name="그림 4">
+          <p:cNvPr id="3" name="그림 2">
             <a:extLst>
               <a:ext uri="{FF2B5EF4-FFF2-40B4-BE49-F238E27FC236}">
-                <a16:creationId xmlns:a16="http://schemas.microsoft.com/office/drawing/2014/main" id="{E5D30BB3-842F-486D-9D4E-DDC57E799029}"/>
+                <a16:creationId xmlns:a16="http://schemas.microsoft.com/office/drawing/2014/main" id="{30FB801F-9F39-4030-BC03-B22DD3F87B55}"/>
               </a:ext>
             </a:extLst>
           </p:cNvPr>
@@ -7695,8 +8003,8 @@
         </p:blipFill>
         <p:spPr>
           <a:xfrm>
-            <a:off x="791845" y="2127885"/>
-            <a:ext cx="3469640" cy="2602230"/>
+            <a:off x="862965" y="1448435"/>
+            <a:ext cx="3355340" cy="4430395"/>
           </a:xfrm>
           <a:prstGeom prst="rect">
             <a:avLst/>
@@ -7705,33 +8013,81 @@
       </p:pic>
       <p:sp>
         <p:nvSpPr>
-          <p:cNvPr id="7" name="텍스트 상자 6"/>
-          <p:cNvSpPr txBox="1">
-            <a:spLocks/>
-          </p:cNvSpPr>
+          <p:cNvPr id="4" name="TextBox 3">
+            <a:extLst>
+              <a:ext uri="{FF2B5EF4-FFF2-40B4-BE49-F238E27FC236}">
+                <a16:creationId xmlns:a16="http://schemas.microsoft.com/office/drawing/2014/main" id="{59B0DA41-64D1-4DEF-A4C1-D0C2E82FBDE2}"/>
+              </a:ext>
+            </a:extLst>
+          </p:cNvPr>
+          <p:cNvSpPr txBox="1"/>
           <p:nvPr/>
         </p:nvSpPr>
         <p:spPr>
           <a:xfrm>
-            <a:off x="5364480" y="800735"/>
-            <a:ext cx="4872990" cy="370205"/>
+            <a:off x="4863467" y="2255401"/>
+            <a:ext cx="6220460" cy="369332"/>
           </a:xfrm>
           <a:prstGeom prst="rect">
             <a:avLst/>
           </a:prstGeom>
           <a:noFill/>
-          <a:ln w="0">
-            <a:noFill/>
-            <a:prstDash/>
-          </a:ln>
         </p:spPr>
         <p:txBody>
-          <a:bodyPr vert="horz" wrap="square" lIns="89535" tIns="46355" rIns="89535" bIns="46355" anchor="t">
+          <a:bodyPr wrap="square" rtlCol="0">
             <a:spAutoFit/>
           </a:bodyPr>
           <a:lstStyle/>
           <a:p>
-            <a:pPr marL="0" indent="0" algn="l" defTabSz="508000" fontAlgn="auto">
+            <a:r>
+              <a:rPr lang="ko-KR" altLang="en-US" dirty="0"/>
+              <a:t>깡통 로봇이 주인공이며</a:t>
+            </a:r>
+            <a:r>
+              <a:rPr lang="en-US" altLang="ko-KR" dirty="0"/>
+              <a:t>,</a:t>
+            </a:r>
+            <a:r>
+              <a:rPr lang="ko-KR" altLang="en-US" dirty="0"/>
+              <a:t>플레이어가 컨트롤하는 캐릭터</a:t>
+            </a:r>
+            <a:r>
+              <a:rPr lang="en-US" altLang="ko-KR" dirty="0"/>
+              <a:t>.</a:t>
+            </a:r>
+            <a:endParaRPr lang="ko-KR" altLang="en-US" dirty="0"/>
+          </a:p>
+        </p:txBody>
+      </p:sp>
+      <p:sp>
+        <p:nvSpPr>
+          <p:cNvPr id="7" name="TextBox 6">
+            <a:extLst>
+              <a:ext uri="{FF2B5EF4-FFF2-40B4-BE49-F238E27FC236}">
+                <a16:creationId xmlns:a16="http://schemas.microsoft.com/office/drawing/2014/main" id="{41011E5D-D0CB-4AB7-B5E9-FF9AB26E8B4D}"/>
+              </a:ext>
+            </a:extLst>
+          </p:cNvPr>
+          <p:cNvSpPr txBox="1"/>
+          <p:nvPr/>
+        </p:nvSpPr>
+        <p:spPr>
+          <a:xfrm>
+            <a:off x="4747579" y="3129349"/>
+            <a:ext cx="6452235" cy="1200329"/>
+          </a:xfrm>
+          <a:prstGeom prst="rect">
+            <a:avLst/>
+          </a:prstGeom>
+          <a:noFill/>
+        </p:spPr>
+        <p:txBody>
+          <a:bodyPr vert="horz" wrap="square" lIns="91440" tIns="45720" rIns="91440" bIns="45720" numCol="1" anchor="t">
+            <a:spAutoFit/>
+          </a:bodyPr>
+          <a:lstStyle/>
+          <a:p>
+            <a:pPr marL="0" indent="0" algn="l" defTabSz="457200" eaLnBrk="0" fontAlgn="auto" latinLnBrk="0">
               <a:lnSpc>
                 <a:spcPct val="100000"/>
               </a:lnSpc>
@@ -7746,20 +8102,151 @@
             </a:pPr>
             <a:r>
               <a:rPr lang="en-US" altLang="ko-KR" sz="1800" b="0" cap="none" dirty="0">
-                <a:solidFill>
-                  <a:schemeClr val="tx1"/>
-                </a:solidFill>
                 <a:latin typeface="맑은 고딕" charset="0"/>
                 <a:ea typeface="맑은 고딕" charset="0"/>
               </a:rPr>
-              <a:t>각종 트랩 사용법을 설명한다</a:t>
+              <a:t>특징</a:t>
+            </a:r>
+            <a:r>
+              <a:rPr lang="en-US" altLang="ko-KR" sz="1800" b="0" cap="none" dirty="0">
+                <a:latin typeface="Century Gothic" charset="0"/>
+                <a:ea typeface="Century Gothic" charset="0"/>
+              </a:rPr>
+              <a:t> : </a:t>
+            </a:r>
+            <a:r>
+              <a:rPr lang="en-US" altLang="ko-KR" sz="1800" b="0" cap="none" dirty="0">
+                <a:latin typeface="맑은 고딕" charset="0"/>
+                <a:ea typeface="맑은 고딕" charset="0"/>
+              </a:rPr>
+              <a:t>철깡통으로</a:t>
+            </a:r>
+            <a:r>
+              <a:rPr lang="en-US" altLang="ko-KR" sz="1800" b="0" cap="none" dirty="0">
+                <a:latin typeface="Century Gothic" charset="0"/>
+                <a:ea typeface="Century Gothic" charset="0"/>
+              </a:rPr>
+              <a:t> </a:t>
+            </a:r>
+            <a:r>
+              <a:rPr lang="en-US" altLang="ko-KR" sz="1800" b="0" cap="none" dirty="0">
+                <a:latin typeface="맑은 고딕" charset="0"/>
+                <a:ea typeface="맑은 고딕" charset="0"/>
+              </a:rPr>
+              <a:t>구성된</a:t>
+            </a:r>
+            <a:r>
+              <a:rPr lang="en-US" altLang="ko-KR" sz="1800" b="0" cap="none" dirty="0">
+                <a:latin typeface="Century Gothic" charset="0"/>
+                <a:ea typeface="Century Gothic" charset="0"/>
+              </a:rPr>
+              <a:t> </a:t>
+            </a:r>
+            <a:r>
+              <a:rPr lang="en-US" altLang="ko-KR" sz="1800" b="0" cap="none" dirty="0">
+                <a:latin typeface="맑은 고딕" charset="0"/>
+                <a:ea typeface="맑은 고딕" charset="0"/>
+              </a:rPr>
+              <a:t>주인공</a:t>
+            </a:r>
+            <a:r>
+              <a:rPr lang="en-US" altLang="ko-KR" sz="1800" b="0" cap="none" dirty="0">
+                <a:latin typeface="Century Gothic" charset="0"/>
+                <a:ea typeface="Century Gothic" charset="0"/>
+              </a:rPr>
+              <a:t>.</a:t>
             </a:r>
             <a:endParaRPr lang="ko-KR" altLang="en-US" sz="1800" b="0" cap="none" dirty="0">
-              <a:solidFill>
-                <a:schemeClr val="tx1"/>
-              </a:solidFill>
-              <a:latin typeface="맑은 고딕" charset="0"/>
-              <a:ea typeface="맑은 고딕" charset="0"/>
+              <a:latin typeface="Century Gothic" charset="0"/>
+              <a:ea typeface="Century Gothic" charset="0"/>
+            </a:endParaRPr>
+          </a:p>
+          <a:p>
+            <a:pPr marL="0" indent="0" algn="l" defTabSz="457200" eaLnBrk="0" fontAlgn="auto" latinLnBrk="0">
+              <a:lnSpc>
+                <a:spcPct val="100000"/>
+              </a:lnSpc>
+              <a:spcBef>
+                <a:spcPts val="0"/>
+              </a:spcBef>
+              <a:spcAft>
+                <a:spcPts val="0"/>
+              </a:spcAft>
+              <a:buFontTx/>
+              <a:buNone/>
+            </a:pPr>
+            <a:r>
+              <a:rPr lang="en-US" altLang="ko-KR" sz="1800" b="0" cap="none" dirty="0">
+                <a:latin typeface="Century Gothic" charset="0"/>
+                <a:ea typeface="Century Gothic" charset="0"/>
+              </a:rPr>
+              <a:t>    </a:t>
+            </a:r>
+            <a:endParaRPr lang="ko-KR" altLang="en-US" sz="1800" b="0" cap="none" dirty="0">
+              <a:latin typeface="Century Gothic" charset="0"/>
+              <a:ea typeface="Century Gothic" charset="0"/>
+            </a:endParaRPr>
+          </a:p>
+          <a:p>
+            <a:pPr marL="0" indent="0" algn="l" defTabSz="457200" eaLnBrk="0" fontAlgn="auto" latinLnBrk="0">
+              <a:lnSpc>
+                <a:spcPct val="100000"/>
+              </a:lnSpc>
+              <a:spcBef>
+                <a:spcPts val="0"/>
+              </a:spcBef>
+              <a:spcAft>
+                <a:spcPts val="0"/>
+              </a:spcAft>
+              <a:buFontTx/>
+              <a:buNone/>
+            </a:pPr>
+            <a:r>
+              <a:rPr lang="en-US" altLang="ko-KR" sz="1800" b="0" cap="none" dirty="0">
+                <a:latin typeface="Century Gothic" charset="0"/>
+                <a:ea typeface="Century Gothic" charset="0"/>
+              </a:rPr>
+              <a:t>          전류를 흘려보내 자석의 성질을 가질 수 </a:t>
+            </a:r>
+            <a:r>
+              <a:rPr lang="en-US" altLang="ko-KR" sz="1800" b="0" cap="none" dirty="0" err="1">
+                <a:latin typeface="Century Gothic" charset="0"/>
+                <a:ea typeface="Century Gothic" charset="0"/>
+              </a:rPr>
+              <a:t>있다</a:t>
+            </a:r>
+            <a:r>
+              <a:rPr lang="en-US" altLang="ko-KR" sz="1800" b="0" cap="none" dirty="0">
+                <a:latin typeface="Century Gothic" charset="0"/>
+                <a:ea typeface="Century Gothic" charset="0"/>
+              </a:rPr>
+              <a:t>.</a:t>
+            </a:r>
+          </a:p>
+          <a:p>
+            <a:pPr marL="0" indent="0" algn="l" defTabSz="457200" eaLnBrk="0" fontAlgn="auto" latinLnBrk="0">
+              <a:lnSpc>
+                <a:spcPct val="100000"/>
+              </a:lnSpc>
+              <a:spcBef>
+                <a:spcPts val="0"/>
+              </a:spcBef>
+              <a:spcAft>
+                <a:spcPts val="0"/>
+              </a:spcAft>
+              <a:buFontTx/>
+              <a:buNone/>
+            </a:pPr>
+            <a:r>
+              <a:rPr lang="en-US" altLang="ko-KR" dirty="0">
+                <a:latin typeface="Century Gothic" charset="0"/>
+                <a:ea typeface="Century Gothic" charset="0"/>
+              </a:rPr>
+              <a:t>	   </a:t>
+            </a:r>
+            <a:endParaRPr lang="en-US" altLang="ko-KR" sz="1800" b="0" cap="none" dirty="0">
+              <a:latin typeface="Century Gothic" charset="0"/>
+              <a:ea typeface="Century Gothic" charset="0"/>
             </a:endParaRPr>
           </a:p>
         </p:txBody>
@@ -7767,7 +8254,7 @@
     </p:spTree>
     <p:extLst>
       <p:ext uri="{BB962C8B-B14F-4D97-AF65-F5344CB8AC3E}">
-        <p14:creationId xmlns:p14="http://schemas.microsoft.com/office/powerpoint/2010/main" val="2532134966"/>
+        <p14:creationId xmlns:p14="http://schemas.microsoft.com/office/powerpoint/2010/main" val="1106448981"/>
       </p:ext>
     </p:extLst>
   </p:cSld>
@@ -7794,71 +8281,6 @@
           <a:chExt cx="0" cy="0"/>
         </a:xfrm>
       </p:grpSpPr>
-      <p:sp>
-        <p:nvSpPr>
-          <p:cNvPr id="2" name="TextBox 1">
-            <a:extLst>
-              <a:ext uri="{FF2B5EF4-FFF2-40B4-BE49-F238E27FC236}">
-                <a16:creationId xmlns:a16="http://schemas.microsoft.com/office/drawing/2014/main" id="{47F9A707-3D99-4155-8F2F-4414109D7A5A}"/>
-              </a:ext>
-            </a:extLst>
-          </p:cNvPr>
-          <p:cNvSpPr txBox="1"/>
-          <p:nvPr/>
-        </p:nvSpPr>
-        <p:spPr>
-          <a:xfrm>
-            <a:off x="791845" y="423545"/>
-            <a:ext cx="5614035" cy="768985"/>
-          </a:xfrm>
-          <a:prstGeom prst="rect">
-            <a:avLst/>
-          </a:prstGeom>
-          <a:noFill/>
-        </p:spPr>
-        <p:txBody>
-          <a:bodyPr vert="horz" wrap="square" lIns="91440" tIns="45720" rIns="91440" bIns="45720" numCol="1" anchor="t">
-            <a:spAutoFit/>
-          </a:bodyPr>
-          <a:lstStyle/>
-          <a:p>
-            <a:pPr marL="0" indent="0" algn="l" defTabSz="457200" eaLnBrk="0" fontAlgn="auto" latinLnBrk="0">
-              <a:lnSpc>
-                <a:spcPct val="100000"/>
-              </a:lnSpc>
-              <a:spcBef>
-                <a:spcPts val="0"/>
-              </a:spcBef>
-              <a:spcAft>
-                <a:spcPts val="0"/>
-              </a:spcAft>
-              <a:buFontTx/>
-              <a:buNone/>
-            </a:pPr>
-            <a:r>
-              <a:rPr lang="en-US" altLang="ko-KR" sz="4400" b="0" cap="none" dirty="0">
-                <a:solidFill>
-                  <a:schemeClr val="accent1">
-                    <a:lumMod val="75000"/>
-                  </a:schemeClr>
-                </a:solidFill>
-                <a:latin typeface="맑은 고딕" charset="0"/>
-                <a:ea typeface="맑은 고딕" charset="0"/>
-              </a:rPr>
-              <a:t>게임 플레이</a:t>
-            </a:r>
-            <a:endParaRPr lang="ko-KR" altLang="en-US" sz="4400" b="0" cap="none" dirty="0">
-              <a:solidFill>
-                <a:schemeClr val="accent1">
-                  <a:lumMod val="75000"/>
-                </a:schemeClr>
-              </a:solidFill>
-              <a:latin typeface="맑은 고딕" charset="0"/>
-              <a:ea typeface="맑은 고딕" charset="0"/>
-            </a:endParaRPr>
-          </a:p>
-        </p:txBody>
-      </p:sp>
       <p:pic>
         <p:nvPicPr>
           <p:cNvPr id="5" name="그림 4">
@@ -7881,20 +8303,333 @@
         </p:blipFill>
         <p:spPr>
           <a:xfrm>
-            <a:off x="482600" y="2127885"/>
-            <a:ext cx="3469640" cy="2602230"/>
+            <a:off x="1930400" y="1784194"/>
+            <a:ext cx="2399030" cy="1799273"/>
           </a:xfrm>
           <a:prstGeom prst="rect">
             <a:avLst/>
           </a:prstGeom>
         </p:spPr>
       </p:pic>
+      <p:graphicFrame>
+        <p:nvGraphicFramePr>
+          <p:cNvPr id="8" name="표 7">
+            <a:extLst>
+              <a:ext uri="{FF2B5EF4-FFF2-40B4-BE49-F238E27FC236}">
+                <a16:creationId xmlns:a16="http://schemas.microsoft.com/office/drawing/2014/main" id="{81BCD78A-0C43-4CCC-814B-CA270AE1807A}"/>
+              </a:ext>
+            </a:extLst>
+          </p:cNvPr>
+          <p:cNvGraphicFramePr>
+            <a:graphicFrameLocks noGrp="1"/>
+          </p:cNvGraphicFramePr>
+          <p:nvPr>
+            <p:extLst>
+              <p:ext uri="{D42A27DB-BD31-4B8C-83A1-F6EECF244321}">
+                <p14:modId xmlns:p14="http://schemas.microsoft.com/office/powerpoint/2010/main" val="1668372983"/>
+              </p:ext>
+            </p:extLst>
+          </p:nvPr>
+        </p:nvGraphicFramePr>
+        <p:xfrm>
+          <a:off x="1930400" y="1266826"/>
+          <a:ext cx="8066405" cy="5279644"/>
+        </p:xfrm>
+        <a:graphic>
+          <a:graphicData uri="http://schemas.openxmlformats.org/drawingml/2006/table">
+            <a:tbl>
+              <a:tblPr firstRow="1" bandRow="1">
+                <a:tableStyleId>{5940675A-B579-460E-94D1-54222C63F5DA}</a:tableStyleId>
+              </a:tblPr>
+              <a:tblGrid>
+                <a:gridCol w="2560993">
+                  <a:extLst>
+                    <a:ext uri="{9D8B030D-6E8A-4147-A177-3AD203B41FA5}">
+                      <a16:colId xmlns:a16="http://schemas.microsoft.com/office/drawing/2014/main" val="4247475573"/>
+                    </a:ext>
+                  </a:extLst>
+                </a:gridCol>
+                <a:gridCol w="5505412">
+                  <a:extLst>
+                    <a:ext uri="{9D8B030D-6E8A-4147-A177-3AD203B41FA5}">
+                      <a16:colId xmlns:a16="http://schemas.microsoft.com/office/drawing/2014/main" val="1913436511"/>
+                    </a:ext>
+                  </a:extLst>
+                </a:gridCol>
+              </a:tblGrid>
+              <a:tr h="635734">
+                <a:tc>
+                  <a:txBody>
+                    <a:bodyPr/>
+                    <a:lstStyle/>
+                    <a:p>
+                      <a:pPr latinLnBrk="1"/>
+                      <a:endParaRPr lang="ko-KR" altLang="en-US" dirty="0"/>
+                    </a:p>
+                  </a:txBody>
+                  <a:tcPr/>
+                </a:tc>
+                <a:tc>
+                  <a:txBody>
+                    <a:bodyPr/>
+                    <a:lstStyle/>
+                    <a:p>
+                      <a:pPr algn="ctr" latinLnBrk="1"/>
+                      <a:r>
+                        <a:rPr lang="ko-KR" altLang="en-US" sz="2800" dirty="0"/>
+                        <a:t>특징</a:t>
+                      </a:r>
+                    </a:p>
+                  </a:txBody>
+                  <a:tcPr/>
+                </a:tc>
+                <a:extLst>
+                  <a:ext uri="{0D108BD9-81ED-4DB2-BD59-A6C34878D82A}">
+                    <a16:rowId xmlns:a16="http://schemas.microsoft.com/office/drawing/2014/main" val="4103076275"/>
+                  </a:ext>
+                </a:extLst>
+              </a:tr>
+              <a:tr h="1625346">
+                <a:tc>
+                  <a:txBody>
+                    <a:bodyPr/>
+                    <a:lstStyle/>
+                    <a:p>
+                      <a:pPr latinLnBrk="1"/>
+                      <a:endParaRPr lang="ko-KR" altLang="en-US" dirty="0"/>
+                    </a:p>
+                  </a:txBody>
+                  <a:tcPr/>
+                </a:tc>
+                <a:tc>
+                  <a:txBody>
+                    <a:bodyPr/>
+                    <a:lstStyle/>
+                    <a:p>
+                      <a:pPr algn="ctr" latinLnBrk="1"/>
+                      <a:endParaRPr lang="en-US" altLang="ko-KR" dirty="0"/>
+                    </a:p>
+                    <a:p>
+                      <a:pPr algn="ctr" latinLnBrk="1"/>
+                      <a:endParaRPr lang="en-US" altLang="ko-KR" dirty="0"/>
+                    </a:p>
+                    <a:p>
+                      <a:pPr algn="ctr" latinLnBrk="1"/>
+                      <a:r>
+                        <a:rPr lang="ko-KR" altLang="en-US" dirty="0"/>
+                        <a:t>버튼과 플레이어가 상호작용하면</a:t>
+                      </a:r>
+                      <a:endParaRPr lang="en-US" altLang="ko-KR" dirty="0"/>
+                    </a:p>
+                    <a:p>
+                      <a:pPr algn="ctr" latinLnBrk="1"/>
+                      <a:r>
+                        <a:rPr lang="ko-KR" altLang="en-US" dirty="0"/>
+                        <a:t>버튼과 </a:t>
+                      </a:r>
+                      <a:r>
+                        <a:rPr lang="ko-KR" altLang="en-US" dirty="0" err="1"/>
+                        <a:t>연결되어있는</a:t>
+                      </a:r>
+                      <a:r>
+                        <a:rPr lang="ko-KR" altLang="en-US" dirty="0"/>
+                        <a:t> 오브젝트에서 이벤트가 발생</a:t>
+                      </a:r>
+                      <a:endParaRPr lang="en-US" altLang="ko-KR" dirty="0"/>
+                    </a:p>
+                    <a:p>
+                      <a:pPr algn="ctr" latinLnBrk="1"/>
+                      <a:endParaRPr lang="en-US" altLang="ko-KR" dirty="0"/>
+                    </a:p>
+                    <a:p>
+                      <a:pPr algn="ctr" latinLnBrk="1"/>
+                      <a:endParaRPr lang="ko-KR" altLang="en-US" dirty="0"/>
+                    </a:p>
+                  </a:txBody>
+                  <a:tcPr/>
+                </a:tc>
+                <a:extLst>
+                  <a:ext uri="{0D108BD9-81ED-4DB2-BD59-A6C34878D82A}">
+                    <a16:rowId xmlns:a16="http://schemas.microsoft.com/office/drawing/2014/main" val="2273506597"/>
+                  </a:ext>
+                </a:extLst>
+              </a:tr>
+              <a:tr h="1542902">
+                <a:tc>
+                  <a:txBody>
+                    <a:bodyPr/>
+                    <a:lstStyle/>
+                    <a:p>
+                      <a:pPr latinLnBrk="1"/>
+                      <a:endParaRPr lang="ko-KR" altLang="en-US" dirty="0"/>
+                    </a:p>
+                  </a:txBody>
+                  <a:tcPr/>
+                </a:tc>
+                <a:tc>
+                  <a:txBody>
+                    <a:bodyPr/>
+                    <a:lstStyle/>
+                    <a:p>
+                      <a:pPr algn="ctr" latinLnBrk="1"/>
+                      <a:endParaRPr lang="en-US" altLang="ko-KR" dirty="0"/>
+                    </a:p>
+                    <a:p>
+                      <a:pPr algn="ctr" latinLnBrk="1"/>
+                      <a:endParaRPr lang="en-US" altLang="ko-KR" dirty="0"/>
+                    </a:p>
+                    <a:p>
+                      <a:pPr algn="ctr" latinLnBrk="1"/>
+                      <a:r>
+                        <a:rPr lang="ko-KR" altLang="en-US" dirty="0"/>
+                        <a:t>플레이어가 번개와 상호작용하면</a:t>
+                      </a:r>
+                      <a:endParaRPr lang="en-US" altLang="ko-KR" dirty="0"/>
+                    </a:p>
+                    <a:p>
+                      <a:pPr algn="ctr" latinLnBrk="1"/>
+                      <a:r>
+                        <a:rPr lang="ko-KR" altLang="en-US" dirty="0"/>
+                        <a:t>플레이어가 자석이 된다</a:t>
+                      </a:r>
+                      <a:r>
+                        <a:rPr lang="en-US" altLang="ko-KR" dirty="0"/>
+                        <a:t>.</a:t>
+                      </a:r>
+                      <a:endParaRPr lang="ko-KR" altLang="en-US" dirty="0"/>
+                    </a:p>
+                  </a:txBody>
+                  <a:tcPr/>
+                </a:tc>
+                <a:extLst>
+                  <a:ext uri="{0D108BD9-81ED-4DB2-BD59-A6C34878D82A}">
+                    <a16:rowId xmlns:a16="http://schemas.microsoft.com/office/drawing/2014/main" val="2393207849"/>
+                  </a:ext>
+                </a:extLst>
+              </a:tr>
+              <a:tr h="1363648">
+                <a:tc>
+                  <a:txBody>
+                    <a:bodyPr/>
+                    <a:lstStyle/>
+                    <a:p>
+                      <a:pPr latinLnBrk="1"/>
+                      <a:endParaRPr lang="ko-KR" altLang="en-US" dirty="0"/>
+                    </a:p>
+                  </a:txBody>
+                  <a:tcPr/>
+                </a:tc>
+                <a:tc>
+                  <a:txBody>
+                    <a:bodyPr/>
+                    <a:lstStyle/>
+                    <a:p>
+                      <a:pPr algn="ctr" latinLnBrk="1"/>
+                      <a:endParaRPr lang="en-US" altLang="ko-KR" dirty="0"/>
+                    </a:p>
+                    <a:p>
+                      <a:pPr algn="ctr" latinLnBrk="1"/>
+                      <a:r>
+                        <a:rPr lang="ko-KR" altLang="en-US" dirty="0"/>
+                        <a:t>자석 성질을 갖는 오브젝트들이</a:t>
+                      </a:r>
+                      <a:endParaRPr lang="en-US" altLang="ko-KR" dirty="0"/>
+                    </a:p>
+                    <a:p>
+                      <a:pPr algn="ctr" latinLnBrk="1"/>
+                      <a:r>
+                        <a:rPr lang="ko-KR" altLang="en-US" dirty="0" err="1"/>
+                        <a:t>달라붙게된다</a:t>
+                      </a:r>
+                      <a:r>
+                        <a:rPr lang="en-US" altLang="ko-KR" dirty="0"/>
+                        <a:t>.</a:t>
+                      </a:r>
+                    </a:p>
+                  </a:txBody>
+                  <a:tcPr/>
+                </a:tc>
+                <a:extLst>
+                  <a:ext uri="{0D108BD9-81ED-4DB2-BD59-A6C34878D82A}">
+                    <a16:rowId xmlns:a16="http://schemas.microsoft.com/office/drawing/2014/main" val="2096653109"/>
+                  </a:ext>
+                </a:extLst>
+              </a:tr>
+            </a:tbl>
+          </a:graphicData>
+        </a:graphic>
+      </p:graphicFrame>
+      <p:sp>
+        <p:nvSpPr>
+          <p:cNvPr id="2" name="TextBox 1">
+            <a:extLst>
+              <a:ext uri="{FF2B5EF4-FFF2-40B4-BE49-F238E27FC236}">
+                <a16:creationId xmlns:a16="http://schemas.microsoft.com/office/drawing/2014/main" id="{47F9A707-3D99-4155-8F2F-4414109D7A5A}"/>
+              </a:ext>
+            </a:extLst>
+          </p:cNvPr>
+          <p:cNvSpPr txBox="1"/>
+          <p:nvPr/>
+        </p:nvSpPr>
+        <p:spPr>
+          <a:xfrm>
+            <a:off x="791845" y="423545"/>
+            <a:ext cx="5614035" cy="768985"/>
+          </a:xfrm>
+          <a:prstGeom prst="rect">
+            <a:avLst/>
+          </a:prstGeom>
+          <a:noFill/>
+        </p:spPr>
+        <p:txBody>
+          <a:bodyPr vert="horz" wrap="square" lIns="91440" tIns="45720" rIns="91440" bIns="45720" numCol="1" anchor="t">
+            <a:spAutoFit/>
+          </a:bodyPr>
+          <a:lstStyle/>
+          <a:p>
+            <a:pPr marL="0" indent="0" algn="l" defTabSz="457200" eaLnBrk="0" fontAlgn="auto" latinLnBrk="0">
+              <a:lnSpc>
+                <a:spcPct val="100000"/>
+              </a:lnSpc>
+              <a:spcBef>
+                <a:spcPts val="0"/>
+              </a:spcBef>
+              <a:spcAft>
+                <a:spcPts val="0"/>
+              </a:spcAft>
+              <a:buFontTx/>
+              <a:buNone/>
+            </a:pPr>
+            <a:r>
+              <a:rPr lang="en-US" altLang="ko-KR" sz="4400" b="0" cap="none" dirty="0">
+                <a:solidFill>
+                  <a:schemeClr val="accent1">
+                    <a:lumMod val="75000"/>
+                  </a:schemeClr>
+                </a:solidFill>
+                <a:latin typeface="맑은 고딕" charset="0"/>
+                <a:ea typeface="맑은 고딕" charset="0"/>
+              </a:rPr>
+              <a:t>게임 플레이</a:t>
+            </a:r>
+            <a:endParaRPr lang="ko-KR" altLang="en-US" sz="4400" b="0" cap="none" dirty="0">
+              <a:solidFill>
+                <a:schemeClr val="accent1">
+                  <a:lumMod val="75000"/>
+                </a:schemeClr>
+              </a:solidFill>
+              <a:latin typeface="맑은 고딕" charset="0"/>
+              <a:ea typeface="맑은 고딕" charset="0"/>
+            </a:endParaRPr>
+          </a:p>
+        </p:txBody>
+      </p:sp>
       <p:sp>
         <p:nvSpPr>
           <p:cNvPr id="6" name="번개 5">
             <a:extLst>
               <a:ext uri="{FF2B5EF4-FFF2-40B4-BE49-F238E27FC236}">
-                <a16:creationId xmlns:a16="http://schemas.microsoft.com/office/drawing/2014/main" id="{82250C36-12A3-41D7-904E-0B3663EA3A99}"/>
+                <a16:creationId xmlns:a16="http://schemas.microsoft.com/office/drawing/2014/main" id="{0D2479F0-3A26-4F6B-B523-4D5075F54109}"/>
               </a:ext>
             </a:extLst>
           </p:cNvPr>
@@ -7903,8 +8638,8 @@
         </p:nvSpPr>
         <p:spPr>
           <a:xfrm>
-            <a:off x="5010150" y="2023110"/>
-            <a:ext cx="2409825" cy="3015615"/>
+            <a:off x="2694102" y="3780417"/>
+            <a:ext cx="1130503" cy="1277358"/>
           </a:xfrm>
           <a:prstGeom prst="lightningBolt">
             <a:avLst/>
@@ -7941,71 +8676,70 @@
           </a:p>
         </p:txBody>
       </p:sp>
-      <p:sp>
-        <p:nvSpPr>
-          <p:cNvPr id="7" name="텍스트 상자 6"/>
-          <p:cNvSpPr txBox="1">
-            <a:spLocks/>
-          </p:cNvSpPr>
+      <p:pic>
+        <p:nvPicPr>
+          <p:cNvPr id="9" name="그림 8">
+            <a:extLst>
+              <a:ext uri="{FF2B5EF4-FFF2-40B4-BE49-F238E27FC236}">
+                <a16:creationId xmlns:a16="http://schemas.microsoft.com/office/drawing/2014/main" id="{D87C5E84-8C31-4D0D-A566-8E6C70229C21}"/>
+              </a:ext>
+            </a:extLst>
+          </p:cNvPr>
+          <p:cNvPicPr>
+            <a:picLocks noChangeAspect="1"/>
+          </p:cNvPicPr>
           <p:nvPr/>
-        </p:nvSpPr>
+        </p:nvPicPr>
+        <p:blipFill>
+          <a:blip r:embed="rId3"/>
+          <a:stretch>
+            <a:fillRect/>
+          </a:stretch>
+        </p:blipFill>
         <p:spPr>
           <a:xfrm>
-            <a:off x="5364480" y="800735"/>
-            <a:ext cx="4872990" cy="370205"/>
+            <a:off x="2576830" y="5254725"/>
+            <a:ext cx="1247775" cy="1247775"/>
           </a:xfrm>
           <a:prstGeom prst="rect">
             <a:avLst/>
           </a:prstGeom>
-          <a:noFill/>
-          <a:ln w="0">
-            <a:noFill/>
-            <a:prstDash/>
+          <a:solidFill>
+            <a:srgbClr val="FFFFFF">
+              <a:shade val="85000"/>
+            </a:srgbClr>
+          </a:solidFill>
+          <a:ln w="88900" cap="sq">
+            <a:solidFill>
+              <a:srgbClr val="FFFFFF"/>
+            </a:solidFill>
+            <a:miter lim="800000"/>
           </a:ln>
+          <a:effectLst>
+            <a:outerShdw blurRad="55000" dist="18000" dir="5400000" algn="tl" rotWithShape="0">
+              <a:srgbClr val="000000">
+                <a:alpha val="40000"/>
+              </a:srgbClr>
+            </a:outerShdw>
+          </a:effectLst>
+          <a:scene3d>
+            <a:camera prst="orthographicFront"/>
+            <a:lightRig rig="twoPt" dir="t">
+              <a:rot lat="0" lon="0" rev="7200000"/>
+            </a:lightRig>
+          </a:scene3d>
+          <a:sp3d>
+            <a:bevelT w="25400" h="19050"/>
+            <a:contourClr>
+              <a:srgbClr val="FFFFFF"/>
+            </a:contourClr>
+          </a:sp3d>
         </p:spPr>
-        <p:txBody>
-          <a:bodyPr vert="horz" wrap="square" lIns="89535" tIns="46355" rIns="89535" bIns="46355" anchor="t">
-            <a:spAutoFit/>
-          </a:bodyPr>
-          <a:lstStyle/>
-          <a:p>
-            <a:pPr marL="0" indent="0" algn="l" defTabSz="508000" fontAlgn="auto">
-              <a:lnSpc>
-                <a:spcPct val="100000"/>
-              </a:lnSpc>
-              <a:spcBef>
-                <a:spcPts val="0"/>
-              </a:spcBef>
-              <a:spcAft>
-                <a:spcPts val="0"/>
-              </a:spcAft>
-              <a:buFontTx/>
-              <a:buNone/>
-            </a:pPr>
-            <a:r>
-              <a:rPr lang="en-US" altLang="ko-KR" sz="1800" b="0" cap="none" dirty="0">
-                <a:solidFill>
-                  <a:schemeClr val="tx1"/>
-                </a:solidFill>
-                <a:latin typeface="맑은 고딕" charset="0"/>
-                <a:ea typeface="맑은 고딕" charset="0"/>
-              </a:rPr>
-              <a:t>각종 트랩 사용법을 설명한다</a:t>
-            </a:r>
-            <a:endParaRPr lang="ko-KR" altLang="en-US" sz="1800" b="0" cap="none" dirty="0">
-              <a:solidFill>
-                <a:schemeClr val="tx1"/>
-              </a:solidFill>
-              <a:latin typeface="맑은 고딕" charset="0"/>
-              <a:ea typeface="맑은 고딕" charset="0"/>
-            </a:endParaRPr>
-          </a:p>
-        </p:txBody>
-      </p:sp>
+      </p:pic>
     </p:spTree>
     <p:extLst>
       <p:ext uri="{BB962C8B-B14F-4D97-AF65-F5344CB8AC3E}">
-        <p14:creationId xmlns:p14="http://schemas.microsoft.com/office/powerpoint/2010/main" val="3674669559"/>
+        <p14:creationId xmlns:p14="http://schemas.microsoft.com/office/powerpoint/2010/main" val="2532134966"/>
       </p:ext>
     </p:extLst>
   </p:cSld>
@@ -8032,49 +8766,6 @@
           <a:chExt cx="0" cy="0"/>
         </a:xfrm>
       </p:grpSpPr>
-      <p:pic>
-        <p:nvPicPr>
-          <p:cNvPr id="4" name="그림 3">
-            <a:extLst>
-              <a:ext uri="{FF2B5EF4-FFF2-40B4-BE49-F238E27FC236}">
-                <a16:creationId xmlns:a16="http://schemas.microsoft.com/office/drawing/2014/main" id="{728B0F3F-3A09-4C67-95AD-23C8AF240893}"/>
-              </a:ext>
-            </a:extLst>
-          </p:cNvPr>
-          <p:cNvPicPr>
-            <a:picLocks noChangeAspect="1"/>
-          </p:cNvPicPr>
-          <p:nvPr/>
-        </p:nvPicPr>
-        <p:blipFill>
-          <a:blip r:embed="rId2"/>
-          <a:stretch>
-            <a:fillRect/>
-          </a:stretch>
-        </p:blipFill>
-        <p:spPr>
-          <a:xfrm>
-            <a:off x="1238250" y="1766570"/>
-            <a:ext cx="3324225" cy="3324225"/>
-          </a:xfrm>
-          <a:prstGeom prst="roundRect">
-            <a:avLst>
-              <a:gd name="adj" fmla="val 8594"/>
-            </a:avLst>
-          </a:prstGeom>
-          <a:solidFill>
-            <a:srgbClr val="FFFFFF">
-              <a:shade val="85000"/>
-            </a:srgbClr>
-          </a:solidFill>
-          <a:ln>
-            <a:noFill/>
-          </a:ln>
-          <a:effectLst>
-            <a:reflection blurRad="12700" stA="38000" endPos="28000" dist="5000" dir="5400000" sy="-100000" algn="bl" rotWithShape="0"/>
-          </a:effectLst>
-        </p:spPr>
-      </p:pic>
       <p:sp>
         <p:nvSpPr>
           <p:cNvPr id="5" name="TextBox 4"/>
@@ -8691,7 +9382,7 @@
           <a:lstStyle/>
           <a:p>
             <a:r>
-              <a:rPr lang="ko-KR" altLang="en-US" sz="4400">
+              <a:rPr lang="ko-KR" altLang="en-US" sz="4400" dirty="0">
                 <a:solidFill>
                   <a:schemeClr val="accent1">
                     <a:lumMod val="75000"/>
@@ -8700,13 +9391,6 @@
               </a:rPr>
               <a:t>연구목적</a:t>
             </a:r>
-            <a:endParaRPr lang="ko-KR" altLang="en-US" sz="4400" dirty="0">
-              <a:solidFill>
-                <a:schemeClr val="accent1">
-                  <a:lumMod val="75000"/>
-                </a:schemeClr>
-              </a:solidFill>
-            </a:endParaRPr>
           </a:p>
         </p:txBody>
       </p:sp>
@@ -8782,7 +9466,7 @@
           <a:p>
             <a:r>
               <a:rPr lang="ko-KR" altLang="en-US" sz="2400" dirty="0"/>
-              <a:t>협동심을 </a:t>
+              <a:t>협동을 </a:t>
             </a:r>
             <a:r>
               <a:rPr lang="ko-KR" altLang="en-US" sz="2400" dirty="0" err="1"/>
@@ -8885,8 +9569,8 @@
         </p:nvSpPr>
         <p:spPr>
           <a:xfrm>
-            <a:off x="960120" y="1791970"/>
-            <a:ext cx="7138035" cy="2370455"/>
+            <a:off x="960120" y="2172970"/>
+            <a:ext cx="7138035" cy="3108543"/>
           </a:xfrm>
           <a:prstGeom prst="rect">
             <a:avLst/>
@@ -9049,7 +9733,7 @@
               <a:t> </a:t>
             </a:r>
             <a:r>
-              <a:rPr lang="en-US" altLang="ko-KR" sz="2800" b="0" cap="none" dirty="0">
+              <a:rPr lang="en-US" altLang="ko-KR" sz="2800" b="0" cap="none" dirty="0" err="1">
                 <a:latin typeface="맑은 고딕" charset="0"/>
                 <a:ea typeface="맑은 고딕" charset="0"/>
               </a:rPr>
@@ -9063,13 +9747,13 @@
               <a:t> </a:t>
             </a:r>
             <a:r>
-              <a:rPr lang="en-US" altLang="ko-KR" sz="2800" b="0" cap="none" dirty="0">
+              <a:rPr lang="en-US" altLang="ko-KR" sz="2800" b="0" cap="none" dirty="0" err="1">
                 <a:latin typeface="맑은 고딕" charset="0"/>
                 <a:ea typeface="맑은 고딕" charset="0"/>
               </a:rPr>
               <a:t>도입</a:t>
             </a:r>
-            <a:endParaRPr lang="ko-KR" altLang="en-US" sz="2800" b="0" cap="none" dirty="0">
+            <a:endParaRPr lang="en-US" altLang="ko-KR" sz="2800" b="0" cap="none" dirty="0">
               <a:latin typeface="맑은 고딕" charset="0"/>
               <a:ea typeface="맑은 고딕" charset="0"/>
             </a:endParaRPr>
@@ -9088,9 +9772,9 @@
               <a:buFontTx/>
               <a:buNone/>
             </a:pPr>
-            <a:endParaRPr lang="ko-KR" altLang="en-US" sz="2800" b="0" cap="none" dirty="0">
-              <a:latin typeface="Century Gothic" charset="0"/>
-              <a:ea typeface="Century Gothic" charset="0"/>
+            <a:endParaRPr lang="en-US" altLang="ko-KR" sz="2800" dirty="0">
+              <a:latin typeface="맑은 고딕" charset="0"/>
+              <a:ea typeface="맑은 고딕" charset="0"/>
             </a:endParaRPr>
           </a:p>
           <a:p>
@@ -9107,9 +9791,9 @@
               <a:buFontTx/>
               <a:buNone/>
             </a:pPr>
-            <a:endParaRPr lang="ko-KR" altLang="en-US" sz="1800" b="0" cap="none" dirty="0">
-              <a:latin typeface="Century Gothic" charset="0"/>
-              <a:ea typeface="Century Gothic" charset="0"/>
+            <a:endParaRPr lang="ko-KR" altLang="en-US" sz="2800" b="0" cap="none" dirty="0">
+              <a:latin typeface="맑은 고딕" charset="0"/>
+              <a:ea typeface="맑은 고딕" charset="0"/>
             </a:endParaRPr>
           </a:p>
           <a:p>
@@ -9126,7 +9810,26 @@
               <a:buFontTx/>
               <a:buNone/>
             </a:pPr>
-            <a:endParaRPr lang="ko-KR" altLang="en-US" sz="1800" b="0" cap="none" dirty="0">
+            <a:endParaRPr lang="en-US" altLang="ko-KR" sz="2800" b="0" cap="none" dirty="0">
+              <a:latin typeface="Century Gothic" charset="0"/>
+              <a:ea typeface="Century Gothic" charset="0"/>
+            </a:endParaRPr>
+          </a:p>
+          <a:p>
+            <a:pPr marL="0" indent="0" algn="l" defTabSz="457200" eaLnBrk="0" fontAlgn="auto" latinLnBrk="0">
+              <a:lnSpc>
+                <a:spcPct val="100000"/>
+              </a:lnSpc>
+              <a:spcBef>
+                <a:spcPts val="0"/>
+              </a:spcBef>
+              <a:spcAft>
+                <a:spcPts val="0"/>
+              </a:spcAft>
+              <a:buFontTx/>
+              <a:buNone/>
+            </a:pPr>
+            <a:endParaRPr lang="ko-KR" altLang="en-US" sz="2800" b="0" cap="none" dirty="0">
               <a:latin typeface="Century Gothic" charset="0"/>
               <a:ea typeface="Century Gothic" charset="0"/>
             </a:endParaRPr>
@@ -9218,7 +9921,7 @@
         </p:nvSpPr>
         <p:spPr>
           <a:xfrm>
-            <a:off x="680224" y="1984917"/>
+            <a:off x="715536" y="1443841"/>
             <a:ext cx="10760927" cy="3970318"/>
           </a:xfrm>
           <a:prstGeom prst="rect">
@@ -9234,6 +9937,27 @@
           <a:p>
             <a:r>
               <a:rPr lang="ko-KR" altLang="en-US" sz="2800" dirty="0"/>
+              <a:t>게임장르 </a:t>
+            </a:r>
+            <a:r>
+              <a:rPr lang="en-US" altLang="ko-KR" sz="2800" dirty="0"/>
+              <a:t>– </a:t>
+            </a:r>
+            <a:r>
+              <a:rPr lang="ko-KR" altLang="en-US" sz="2800" dirty="0"/>
+              <a:t>어드벤처 퍼즐</a:t>
+            </a:r>
+            <a:r>
+              <a:rPr lang="en-US" altLang="ko-KR" sz="2800" dirty="0"/>
+              <a:t>, CO-OP</a:t>
+            </a:r>
+          </a:p>
+          <a:p>
+            <a:endParaRPr lang="en-US" altLang="ko-KR" sz="2800" dirty="0"/>
+          </a:p>
+          <a:p>
+            <a:r>
+              <a:rPr lang="ko-KR" altLang="en-US" sz="2800" dirty="0"/>
               <a:t>시점  </a:t>
             </a:r>
             <a:r>
@@ -9245,6 +9969,32 @@
               <a:t>인칭 시점</a:t>
             </a:r>
             <a:endParaRPr lang="en-US" altLang="ko-KR" sz="2800" dirty="0"/>
+          </a:p>
+          <a:p>
+            <a:endParaRPr lang="en-US" altLang="ko-KR" sz="2800" dirty="0"/>
+          </a:p>
+          <a:p>
+            <a:r>
+              <a:rPr lang="ko-KR" altLang="en-US" sz="2800" dirty="0"/>
+              <a:t>맵 구성 </a:t>
+            </a:r>
+            <a:r>
+              <a:rPr lang="en-US" altLang="ko-KR" sz="2800" dirty="0"/>
+              <a:t>– </a:t>
+            </a:r>
+          </a:p>
+          <a:p>
+            <a:endParaRPr lang="en-US" altLang="ko-KR" sz="2800" dirty="0"/>
+          </a:p>
+          <a:p>
+            <a:r>
+              <a:rPr lang="ko-KR" altLang="en-US" sz="2800" dirty="0"/>
+              <a:t>맵 크기 </a:t>
+            </a:r>
+            <a:r>
+              <a:rPr lang="en-US" altLang="ko-KR" sz="2800" dirty="0"/>
+              <a:t>– </a:t>
+            </a:r>
           </a:p>
           <a:p>
             <a:br>
@@ -9252,89 +10002,12 @@
             </a:br>
             <a:r>
               <a:rPr lang="ko-KR" altLang="en-US" sz="2800" dirty="0"/>
-              <a:t>게임장르 </a:t>
+              <a:t>캐릭터 크기 </a:t>
             </a:r>
             <a:r>
               <a:rPr lang="en-US" altLang="ko-KR" sz="2800" dirty="0"/>
               <a:t>– </a:t>
             </a:r>
-            <a:r>
-              <a:rPr lang="ko-KR" altLang="en-US" sz="2800" dirty="0"/>
-              <a:t>어드벤처 퍼즐</a:t>
-            </a:r>
-            <a:endParaRPr lang="en-US" altLang="ko-KR" sz="2800" dirty="0"/>
-          </a:p>
-          <a:p>
-            <a:br>
-              <a:rPr lang="en-US" altLang="ko-KR" sz="2800" dirty="0"/>
-            </a:br>
-            <a:r>
-              <a:rPr lang="ko-KR" altLang="en-US" sz="2800" dirty="0"/>
-              <a:t>플랫폼 </a:t>
-            </a:r>
-            <a:r>
-              <a:rPr lang="en-US" altLang="ko-KR" sz="2800" dirty="0"/>
-              <a:t>– Window OS PC</a:t>
-            </a:r>
-          </a:p>
-          <a:p>
-            <a:br>
-              <a:rPr lang="en-US" altLang="ko-KR" sz="2800" dirty="0"/>
-            </a:br>
-            <a:r>
-              <a:rPr lang="ko-KR" altLang="en-US" sz="2800" dirty="0"/>
-              <a:t>스토리 </a:t>
-            </a:r>
-            <a:r>
-              <a:rPr lang="en-US" altLang="ko-KR" sz="2800" dirty="0"/>
-              <a:t>– </a:t>
-            </a:r>
-            <a:r>
-              <a:rPr lang="ko-KR" altLang="en-US" sz="2800" dirty="0"/>
-              <a:t>개발되는 </a:t>
-            </a:r>
-            <a:r>
-              <a:rPr lang="en-US" altLang="ko-KR" sz="2800" dirty="0"/>
-              <a:t>AI </a:t>
-            </a:r>
-            <a:r>
-              <a:rPr lang="ko-KR" altLang="en-US" sz="2800" dirty="0"/>
-              <a:t>로봇을 소재로 </a:t>
-            </a:r>
-            <a:r>
-              <a:rPr lang="ko-KR" altLang="en-US" sz="2800" dirty="0" err="1"/>
-              <a:t>큐브안에</a:t>
-            </a:r>
-            <a:r>
-              <a:rPr lang="ko-KR" altLang="en-US" sz="2800" dirty="0"/>
-              <a:t> 갇힌 이유를 </a:t>
-            </a:r>
-            <a:r>
-              <a:rPr lang="en-US" altLang="ko-KR" sz="2800" dirty="0"/>
-              <a:t>		</a:t>
-            </a:r>
-          </a:p>
-          <a:p>
-            <a:r>
-              <a:rPr lang="en-US" altLang="ko-KR" sz="2800" dirty="0"/>
-              <a:t>			 </a:t>
-            </a:r>
-            <a:r>
-              <a:rPr lang="ko-KR" altLang="en-US" sz="2800" dirty="0"/>
-              <a:t>풀어가는</a:t>
-            </a:r>
-            <a:r>
-              <a:rPr lang="en-US" altLang="ko-KR" sz="2800" dirty="0"/>
-              <a:t>2</a:t>
-            </a:r>
-            <a:r>
-              <a:rPr lang="ko-KR" altLang="en-US" sz="2800" dirty="0"/>
-              <a:t>인용게임</a:t>
-            </a:r>
-            <a:endParaRPr lang="en-US" altLang="ko-KR" sz="2800" dirty="0"/>
-          </a:p>
-          <a:p>
-            <a:endParaRPr lang="ko-KR" altLang="en-US" sz="2800" dirty="0"/>
           </a:p>
         </p:txBody>
       </p:sp>
@@ -10773,353 +11446,6 @@
         <p:spPr>
           <a:xfrm>
             <a:off x="482600" y="381000"/>
-            <a:ext cx="5240020" cy="769620"/>
-          </a:xfrm>
-          <a:prstGeom prst="rect">
-            <a:avLst/>
-          </a:prstGeom>
-          <a:noFill/>
-        </p:spPr>
-        <p:txBody>
-          <a:bodyPr wrap="square" rtlCol="0">
-            <a:spAutoFit/>
-          </a:bodyPr>
-          <a:lstStyle/>
-          <a:p>
-            <a:r>
-              <a:rPr lang="ko-KR" altLang="en-US" sz="4400" dirty="0">
-                <a:solidFill>
-                  <a:srgbClr val="E1930E"/>
-                </a:solidFill>
-              </a:rPr>
-              <a:t>게임소개 </a:t>
-            </a:r>
-            <a:r>
-              <a:rPr lang="en-US" altLang="ko-KR" sz="4400" dirty="0">
-                <a:solidFill>
-                  <a:srgbClr val="E1930E"/>
-                </a:solidFill>
-              </a:rPr>
-              <a:t>- </a:t>
-            </a:r>
-            <a:r>
-              <a:rPr lang="ko-KR" altLang="en-US" sz="4400" dirty="0">
-                <a:solidFill>
-                  <a:srgbClr val="E1930E"/>
-                </a:solidFill>
-              </a:rPr>
-              <a:t>캐릭터</a:t>
-            </a:r>
-          </a:p>
-        </p:txBody>
-      </p:sp>
-      <p:pic>
-        <p:nvPicPr>
-          <p:cNvPr id="3" name="그림 2">
-            <a:extLst>
-              <a:ext uri="{FF2B5EF4-FFF2-40B4-BE49-F238E27FC236}">
-                <a16:creationId xmlns:a16="http://schemas.microsoft.com/office/drawing/2014/main" id="{30FB801F-9F39-4030-BC03-B22DD3F87B55}"/>
-              </a:ext>
-            </a:extLst>
-          </p:cNvPr>
-          <p:cNvPicPr>
-            <a:picLocks noChangeAspect="1"/>
-          </p:cNvPicPr>
-          <p:nvPr/>
-        </p:nvPicPr>
-        <p:blipFill>
-          <a:blip r:embed="rId2"/>
-          <a:stretch>
-            <a:fillRect/>
-          </a:stretch>
-        </p:blipFill>
-        <p:spPr>
-          <a:xfrm>
-            <a:off x="862965" y="1448435"/>
-            <a:ext cx="3355340" cy="4430395"/>
-          </a:xfrm>
-          <a:prstGeom prst="rect">
-            <a:avLst/>
-          </a:prstGeom>
-        </p:spPr>
-      </p:pic>
-      <p:sp>
-        <p:nvSpPr>
-          <p:cNvPr id="4" name="TextBox 3">
-            <a:extLst>
-              <a:ext uri="{FF2B5EF4-FFF2-40B4-BE49-F238E27FC236}">
-                <a16:creationId xmlns:a16="http://schemas.microsoft.com/office/drawing/2014/main" id="{59B0DA41-64D1-4DEF-A4C1-D0C2E82FBDE2}"/>
-              </a:ext>
-            </a:extLst>
-          </p:cNvPr>
-          <p:cNvSpPr txBox="1"/>
-          <p:nvPr/>
-        </p:nvSpPr>
-        <p:spPr>
-          <a:xfrm>
-            <a:off x="4895215" y="2070735"/>
-            <a:ext cx="6451600" cy="369332"/>
-          </a:xfrm>
-          <a:prstGeom prst="rect">
-            <a:avLst/>
-          </a:prstGeom>
-          <a:noFill/>
-        </p:spPr>
-        <p:txBody>
-          <a:bodyPr wrap="square" rtlCol="0">
-            <a:spAutoFit/>
-          </a:bodyPr>
-          <a:lstStyle/>
-          <a:p>
-            <a:r>
-              <a:rPr lang="ko-KR" altLang="en-US" dirty="0"/>
-              <a:t>플레이어가 컨트롤하는 캐릭터</a:t>
-            </a:r>
-            <a:r>
-              <a:rPr lang="en-US" altLang="ko-KR" dirty="0"/>
-              <a:t>.</a:t>
-            </a:r>
-            <a:endParaRPr lang="ko-KR" altLang="en-US" dirty="0"/>
-          </a:p>
-        </p:txBody>
-      </p:sp>
-      <p:sp>
-        <p:nvSpPr>
-          <p:cNvPr id="7" name="TextBox 6">
-            <a:extLst>
-              <a:ext uri="{FF2B5EF4-FFF2-40B4-BE49-F238E27FC236}">
-                <a16:creationId xmlns:a16="http://schemas.microsoft.com/office/drawing/2014/main" id="{41011E5D-D0CB-4AB7-B5E9-FF9AB26E8B4D}"/>
-              </a:ext>
-            </a:extLst>
-          </p:cNvPr>
-          <p:cNvSpPr txBox="1"/>
-          <p:nvPr/>
-        </p:nvSpPr>
-        <p:spPr>
-          <a:xfrm>
-            <a:off x="4876800" y="3342043"/>
-            <a:ext cx="6452235" cy="1200329"/>
-          </a:xfrm>
-          <a:prstGeom prst="rect">
-            <a:avLst/>
-          </a:prstGeom>
-          <a:noFill/>
-        </p:spPr>
-        <p:txBody>
-          <a:bodyPr vert="horz" wrap="square" lIns="91440" tIns="45720" rIns="91440" bIns="45720" numCol="1" anchor="t">
-            <a:spAutoFit/>
-          </a:bodyPr>
-          <a:lstStyle/>
-          <a:p>
-            <a:pPr marL="0" indent="0" algn="l" defTabSz="457200" eaLnBrk="0" fontAlgn="auto" latinLnBrk="0">
-              <a:lnSpc>
-                <a:spcPct val="100000"/>
-              </a:lnSpc>
-              <a:spcBef>
-                <a:spcPts val="0"/>
-              </a:spcBef>
-              <a:spcAft>
-                <a:spcPts val="0"/>
-              </a:spcAft>
-              <a:buFontTx/>
-              <a:buNone/>
-            </a:pPr>
-            <a:r>
-              <a:rPr lang="en-US" altLang="ko-KR" sz="1800" b="0" cap="none" dirty="0">
-                <a:latin typeface="맑은 고딕" charset="0"/>
-                <a:ea typeface="맑은 고딕" charset="0"/>
-              </a:rPr>
-              <a:t>특징</a:t>
-            </a:r>
-            <a:r>
-              <a:rPr lang="en-US" altLang="ko-KR" sz="1800" b="0" cap="none" dirty="0">
-                <a:latin typeface="Century Gothic" charset="0"/>
-                <a:ea typeface="Century Gothic" charset="0"/>
-              </a:rPr>
-              <a:t> : </a:t>
-            </a:r>
-            <a:r>
-              <a:rPr lang="en-US" altLang="ko-KR" sz="1800" b="0" cap="none" dirty="0">
-                <a:latin typeface="맑은 고딕" charset="0"/>
-                <a:ea typeface="맑은 고딕" charset="0"/>
-              </a:rPr>
-              <a:t>철깡통으로</a:t>
-            </a:r>
-            <a:r>
-              <a:rPr lang="en-US" altLang="ko-KR" sz="1800" b="0" cap="none" dirty="0">
-                <a:latin typeface="Century Gothic" charset="0"/>
-                <a:ea typeface="Century Gothic" charset="0"/>
-              </a:rPr>
-              <a:t> </a:t>
-            </a:r>
-            <a:r>
-              <a:rPr lang="en-US" altLang="ko-KR" sz="1800" b="0" cap="none" dirty="0">
-                <a:latin typeface="맑은 고딕" charset="0"/>
-                <a:ea typeface="맑은 고딕" charset="0"/>
-              </a:rPr>
-              <a:t>구성된</a:t>
-            </a:r>
-            <a:r>
-              <a:rPr lang="en-US" altLang="ko-KR" sz="1800" b="0" cap="none" dirty="0">
-                <a:latin typeface="Century Gothic" charset="0"/>
-                <a:ea typeface="Century Gothic" charset="0"/>
-              </a:rPr>
-              <a:t> </a:t>
-            </a:r>
-            <a:r>
-              <a:rPr lang="en-US" altLang="ko-KR" sz="1800" b="0" cap="none" dirty="0">
-                <a:latin typeface="맑은 고딕" charset="0"/>
-                <a:ea typeface="맑은 고딕" charset="0"/>
-              </a:rPr>
-              <a:t>주인공</a:t>
-            </a:r>
-            <a:r>
-              <a:rPr lang="en-US" altLang="ko-KR" sz="1800" b="0" cap="none" dirty="0">
-                <a:latin typeface="Century Gothic" charset="0"/>
-                <a:ea typeface="Century Gothic" charset="0"/>
-              </a:rPr>
-              <a:t>.</a:t>
-            </a:r>
-            <a:endParaRPr lang="ko-KR" altLang="en-US" sz="1800" b="0" cap="none" dirty="0">
-              <a:latin typeface="Century Gothic" charset="0"/>
-              <a:ea typeface="Century Gothic" charset="0"/>
-            </a:endParaRPr>
-          </a:p>
-          <a:p>
-            <a:pPr marL="0" indent="0" algn="l" defTabSz="457200" eaLnBrk="0" fontAlgn="auto" latinLnBrk="0">
-              <a:lnSpc>
-                <a:spcPct val="100000"/>
-              </a:lnSpc>
-              <a:spcBef>
-                <a:spcPts val="0"/>
-              </a:spcBef>
-              <a:spcAft>
-                <a:spcPts val="0"/>
-              </a:spcAft>
-              <a:buFontTx/>
-              <a:buNone/>
-            </a:pPr>
-            <a:r>
-              <a:rPr lang="en-US" altLang="ko-KR" sz="1800" b="0" cap="none" dirty="0">
-                <a:latin typeface="Century Gothic" charset="0"/>
-                <a:ea typeface="Century Gothic" charset="0"/>
-              </a:rPr>
-              <a:t>    </a:t>
-            </a:r>
-            <a:endParaRPr lang="ko-KR" altLang="en-US" sz="1800" b="0" cap="none" dirty="0">
-              <a:latin typeface="Century Gothic" charset="0"/>
-              <a:ea typeface="Century Gothic" charset="0"/>
-            </a:endParaRPr>
-          </a:p>
-          <a:p>
-            <a:pPr marL="0" indent="0" algn="l" defTabSz="457200" eaLnBrk="0" fontAlgn="auto" latinLnBrk="0">
-              <a:lnSpc>
-                <a:spcPct val="100000"/>
-              </a:lnSpc>
-              <a:spcBef>
-                <a:spcPts val="0"/>
-              </a:spcBef>
-              <a:spcAft>
-                <a:spcPts val="0"/>
-              </a:spcAft>
-              <a:buFontTx/>
-              <a:buNone/>
-            </a:pPr>
-            <a:r>
-              <a:rPr lang="en-US" altLang="ko-KR" sz="1800" b="0" cap="none" dirty="0">
-                <a:latin typeface="Century Gothic" charset="0"/>
-                <a:ea typeface="Century Gothic" charset="0"/>
-              </a:rPr>
-              <a:t>          전류를 흘려보내 자석의 성질을 가질 수 </a:t>
-            </a:r>
-            <a:r>
-              <a:rPr lang="en-US" altLang="ko-KR" sz="1800" b="0" cap="none" dirty="0" err="1">
-                <a:latin typeface="Century Gothic" charset="0"/>
-                <a:ea typeface="Century Gothic" charset="0"/>
-              </a:rPr>
-              <a:t>있다</a:t>
-            </a:r>
-            <a:r>
-              <a:rPr lang="en-US" altLang="ko-KR" sz="1800" b="0" cap="none" dirty="0">
-                <a:latin typeface="Century Gothic" charset="0"/>
-                <a:ea typeface="Century Gothic" charset="0"/>
-              </a:rPr>
-              <a:t>.</a:t>
-            </a:r>
-          </a:p>
-          <a:p>
-            <a:pPr marL="0" indent="0" algn="l" defTabSz="457200" eaLnBrk="0" fontAlgn="auto" latinLnBrk="0">
-              <a:lnSpc>
-                <a:spcPct val="100000"/>
-              </a:lnSpc>
-              <a:spcBef>
-                <a:spcPts val="0"/>
-              </a:spcBef>
-              <a:spcAft>
-                <a:spcPts val="0"/>
-              </a:spcAft>
-              <a:buFontTx/>
-              <a:buNone/>
-            </a:pPr>
-            <a:r>
-              <a:rPr lang="en-US" altLang="ko-KR" dirty="0">
-                <a:latin typeface="Century Gothic" charset="0"/>
-                <a:ea typeface="Century Gothic" charset="0"/>
-              </a:rPr>
-              <a:t>	   </a:t>
-            </a:r>
-            <a:endParaRPr lang="en-US" altLang="ko-KR" sz="1800" b="0" cap="none" dirty="0">
-              <a:latin typeface="Century Gothic" charset="0"/>
-              <a:ea typeface="Century Gothic" charset="0"/>
-            </a:endParaRPr>
-          </a:p>
-        </p:txBody>
-      </p:sp>
-    </p:spTree>
-    <p:extLst>
-      <p:ext uri="{BB962C8B-B14F-4D97-AF65-F5344CB8AC3E}">
-        <p14:creationId xmlns:p14="http://schemas.microsoft.com/office/powerpoint/2010/main" val="1106448981"/>
-      </p:ext>
-    </p:extLst>
-  </p:cSld>
-  <p:clrMapOvr>
-    <a:masterClrMapping/>
-  </p:clrMapOvr>
-</p:sld>
-</file>
-
-<file path=ppt/slides/slide9.xml><?xml version="1.0" encoding="utf-8"?>
-<p:sld xmlns:a="http://schemas.openxmlformats.org/drawingml/2006/main" xmlns:r="http://schemas.openxmlformats.org/officeDocument/2006/relationships" xmlns:p="http://schemas.openxmlformats.org/presentationml/2006/main">
-  <p:cSld>
-    <p:spTree>
-      <p:nvGrpSpPr>
-        <p:cNvPr id="1" name=""/>
-        <p:cNvGrpSpPr/>
-        <p:nvPr/>
-      </p:nvGrpSpPr>
-      <p:grpSpPr>
-        <a:xfrm>
-          <a:off x="0" y="0"/>
-          <a:ext cx="0" cy="0"/>
-          <a:chOff x="0" y="0"/>
-          <a:chExt cx="0" cy="0"/>
-        </a:xfrm>
-      </p:grpSpPr>
-      <p:sp>
-        <p:nvSpPr>
-          <p:cNvPr id="6" name="TextBox 5">
-            <a:extLst>
-              <a:ext uri="{FF2B5EF4-FFF2-40B4-BE49-F238E27FC236}">
-                <a16:creationId xmlns:a16="http://schemas.microsoft.com/office/drawing/2014/main" id="{4F5F6214-4ED6-440C-8488-40370266643C}"/>
-              </a:ext>
-            </a:extLst>
-          </p:cNvPr>
-          <p:cNvSpPr txBox="1"/>
-          <p:nvPr/>
-        </p:nvSpPr>
-        <p:spPr>
-          <a:xfrm>
-            <a:off x="482600" y="381000"/>
             <a:ext cx="4610100" cy="769441"/>
           </a:xfrm>
           <a:prstGeom prst="rect">
@@ -11200,6 +11526,240 @@
     <p:extLst>
       <p:ext uri="{BB962C8B-B14F-4D97-AF65-F5344CB8AC3E}">
         <p14:creationId xmlns:p14="http://schemas.microsoft.com/office/powerpoint/2010/main" val="3481522497"/>
+      </p:ext>
+    </p:extLst>
+  </p:cSld>
+  <p:clrMapOvr>
+    <a:masterClrMapping/>
+  </p:clrMapOvr>
+</p:sld>
+</file>
+
+<file path=ppt/slides/slide9.xml><?xml version="1.0" encoding="utf-8"?>
+<p:sld xmlns:a="http://schemas.openxmlformats.org/drawingml/2006/main" xmlns:r="http://schemas.openxmlformats.org/officeDocument/2006/relationships" xmlns:p="http://schemas.openxmlformats.org/presentationml/2006/main">
+  <p:cSld>
+    <p:spTree>
+      <p:nvGrpSpPr>
+        <p:cNvPr id="1" name=""/>
+        <p:cNvGrpSpPr/>
+        <p:nvPr/>
+      </p:nvGrpSpPr>
+      <p:grpSpPr>
+        <a:xfrm>
+          <a:off x="0" y="0"/>
+          <a:ext cx="0" cy="0"/>
+          <a:chOff x="0" y="0"/>
+          <a:chExt cx="0" cy="0"/>
+        </a:xfrm>
+      </p:grpSpPr>
+      <p:pic>
+        <p:nvPicPr>
+          <p:cNvPr id="5" name="그림 4">
+            <a:extLst>
+              <a:ext uri="{FF2B5EF4-FFF2-40B4-BE49-F238E27FC236}">
+                <a16:creationId xmlns:a16="http://schemas.microsoft.com/office/drawing/2014/main" id="{2D6179B6-1AB8-41A8-A304-342E51B0C537}"/>
+              </a:ext>
+            </a:extLst>
+          </p:cNvPr>
+          <p:cNvPicPr>
+            <a:picLocks noChangeAspect="1"/>
+          </p:cNvPicPr>
+          <p:nvPr/>
+        </p:nvPicPr>
+        <p:blipFill>
+          <a:blip r:embed="rId2"/>
+          <a:stretch>
+            <a:fillRect/>
+          </a:stretch>
+        </p:blipFill>
+        <p:spPr>
+          <a:xfrm>
+            <a:off x="482600" y="1722120"/>
+            <a:ext cx="6096000" cy="3413760"/>
+          </a:xfrm>
+          <a:prstGeom prst="rect">
+            <a:avLst/>
+          </a:prstGeom>
+        </p:spPr>
+      </p:pic>
+      <p:sp>
+        <p:nvSpPr>
+          <p:cNvPr id="6" name="TextBox 5">
+            <a:extLst>
+              <a:ext uri="{FF2B5EF4-FFF2-40B4-BE49-F238E27FC236}">
+                <a16:creationId xmlns:a16="http://schemas.microsoft.com/office/drawing/2014/main" id="{4F5F6214-4ED6-440C-8488-40370266643C}"/>
+              </a:ext>
+            </a:extLst>
+          </p:cNvPr>
+          <p:cNvSpPr txBox="1"/>
+          <p:nvPr/>
+        </p:nvSpPr>
+        <p:spPr>
+          <a:xfrm>
+            <a:off x="482600" y="381000"/>
+            <a:ext cx="5613400" cy="769441"/>
+          </a:xfrm>
+          <a:prstGeom prst="rect">
+            <a:avLst/>
+          </a:prstGeom>
+          <a:noFill/>
+        </p:spPr>
+        <p:txBody>
+          <a:bodyPr wrap="square" rtlCol="0">
+            <a:spAutoFit/>
+          </a:bodyPr>
+          <a:lstStyle/>
+          <a:p>
+            <a:r>
+              <a:rPr lang="ko-KR" altLang="en-US" sz="4400" dirty="0">
+                <a:solidFill>
+                  <a:schemeClr val="accent1">
+                    <a:lumMod val="75000"/>
+                  </a:schemeClr>
+                </a:solidFill>
+              </a:rPr>
+              <a:t>게임소개 </a:t>
+            </a:r>
+            <a:r>
+              <a:rPr lang="en-US" altLang="ko-KR" sz="4400" dirty="0">
+                <a:solidFill>
+                  <a:schemeClr val="accent1">
+                    <a:lumMod val="75000"/>
+                  </a:schemeClr>
+                </a:solidFill>
+              </a:rPr>
+              <a:t>– </a:t>
+            </a:r>
+            <a:r>
+              <a:rPr lang="ko-KR" altLang="en-US" sz="4400" dirty="0">
+                <a:solidFill>
+                  <a:schemeClr val="accent1">
+                    <a:lumMod val="75000"/>
+                  </a:schemeClr>
+                </a:solidFill>
+              </a:rPr>
+              <a:t>내부</a:t>
+            </a:r>
+            <a:r>
+              <a:rPr lang="en-US" altLang="ko-KR" sz="4400" dirty="0">
+                <a:solidFill>
+                  <a:schemeClr val="accent1">
+                    <a:lumMod val="75000"/>
+                  </a:schemeClr>
+                </a:solidFill>
+              </a:rPr>
+              <a:t>(</a:t>
+            </a:r>
+            <a:r>
+              <a:rPr lang="ko-KR" altLang="en-US" sz="4400" dirty="0">
+                <a:solidFill>
+                  <a:schemeClr val="accent1">
+                    <a:lumMod val="75000"/>
+                  </a:schemeClr>
+                </a:solidFill>
+              </a:rPr>
+              <a:t>큐브</a:t>
+            </a:r>
+            <a:r>
+              <a:rPr lang="en-US" altLang="ko-KR" sz="4400" dirty="0">
+                <a:solidFill>
+                  <a:schemeClr val="accent1">
+                    <a:lumMod val="75000"/>
+                  </a:schemeClr>
+                </a:solidFill>
+              </a:rPr>
+              <a:t>)</a:t>
+            </a:r>
+            <a:endParaRPr lang="ko-KR" altLang="en-US" sz="4400" dirty="0">
+              <a:solidFill>
+                <a:schemeClr val="accent1">
+                  <a:lumMod val="75000"/>
+                </a:schemeClr>
+              </a:solidFill>
+            </a:endParaRPr>
+          </a:p>
+        </p:txBody>
+      </p:sp>
+      <p:sp>
+        <p:nvSpPr>
+          <p:cNvPr id="2" name="TextBox 1">
+            <a:extLst>
+              <a:ext uri="{FF2B5EF4-FFF2-40B4-BE49-F238E27FC236}">
+                <a16:creationId xmlns:a16="http://schemas.microsoft.com/office/drawing/2014/main" id="{E2885DD5-D5F5-408D-AD65-6045423110FB}"/>
+              </a:ext>
+            </a:extLst>
+          </p:cNvPr>
+          <p:cNvSpPr txBox="1"/>
+          <p:nvPr/>
+        </p:nvSpPr>
+        <p:spPr>
+          <a:xfrm>
+            <a:off x="6997700" y="1722120"/>
+            <a:ext cx="4889500" cy="3416320"/>
+          </a:xfrm>
+          <a:prstGeom prst="rect">
+            <a:avLst/>
+          </a:prstGeom>
+          <a:noFill/>
+        </p:spPr>
+        <p:txBody>
+          <a:bodyPr wrap="square" rtlCol="0">
+            <a:spAutoFit/>
+          </a:bodyPr>
+          <a:lstStyle/>
+          <a:p>
+            <a:r>
+              <a:rPr lang="ko-KR" altLang="en-US" sz="2400" dirty="0"/>
+              <a:t>큐브는 총 </a:t>
+            </a:r>
+            <a:r>
+              <a:rPr lang="en-US" altLang="ko-KR" sz="2400" dirty="0"/>
+              <a:t>6</a:t>
+            </a:r>
+            <a:r>
+              <a:rPr lang="ko-KR" altLang="en-US" sz="2400" dirty="0"/>
+              <a:t>개로 구성된다</a:t>
+            </a:r>
+            <a:r>
+              <a:rPr lang="en-US" altLang="ko-KR" sz="2400" dirty="0"/>
+              <a:t>.</a:t>
+            </a:r>
+          </a:p>
+          <a:p>
+            <a:endParaRPr lang="en-US" altLang="ko-KR" sz="2400" dirty="0"/>
+          </a:p>
+          <a:p>
+            <a:r>
+              <a:rPr lang="ko-KR" altLang="en-US" sz="2400" dirty="0"/>
+              <a:t>큐브마다 문제를 해결해야 다음 큐브로 넘어간다</a:t>
+            </a:r>
+            <a:r>
+              <a:rPr lang="en-US" altLang="ko-KR" sz="2400" dirty="0"/>
+              <a:t>.</a:t>
+            </a:r>
+          </a:p>
+          <a:p>
+            <a:endParaRPr lang="en-US" altLang="ko-KR" sz="2400" dirty="0"/>
+          </a:p>
+          <a:p>
+            <a:r>
+              <a:rPr lang="ko-KR" altLang="en-US" sz="2400" dirty="0"/>
+              <a:t>오브젝트와 플레이어의 상호작용으로 발생하는 이벤트로 큐브를 클리어한다</a:t>
+            </a:r>
+            <a:r>
+              <a:rPr lang="en-US" altLang="ko-KR" sz="2400" dirty="0"/>
+              <a:t>.</a:t>
+            </a:r>
+          </a:p>
+          <a:p>
+            <a:endParaRPr lang="ko-KR" altLang="en-US" sz="2400" dirty="0"/>
+          </a:p>
+        </p:txBody>
+      </p:sp>
+    </p:spTree>
+    <p:extLst>
+      <p:ext uri="{BB962C8B-B14F-4D97-AF65-F5344CB8AC3E}">
+        <p14:creationId xmlns:p14="http://schemas.microsoft.com/office/powerpoint/2010/main" val="3957995664"/>
       </p:ext>
     </p:extLst>
   </p:cSld>

--- a/Document/Escape Cube(가제) ppt.pptx
+++ b/Document/Escape Cube(가제) ppt.pptx
@@ -1,29 +1,29 @@
 
 <file path=ppt/presentation.xml><?xml version="1.0" encoding="utf-8"?>
-<p:presentation xmlns:a="http://schemas.openxmlformats.org/drawingml/2006/main" xmlns:r="http://schemas.openxmlformats.org/officeDocument/2006/relationships" xmlns:p="http://schemas.openxmlformats.org/presentationml/2006/main" autoCompressPictures="0">
+<p:presentation xmlns:a="http://schemas.openxmlformats.org/drawingml/2006/main" xmlns:r="http://schemas.openxmlformats.org/officeDocument/2006/relationships" xmlns:p="http://schemas.openxmlformats.org/presentationml/2006/main" xmlns:p14="http://schemas.microsoft.com/office/powerpoint/2010/main" autoCompressPictures="0">
   <p:sldMasterIdLst>
-    <p:sldMasterId id="2147483676" r:id="rId1"/>
+    <p:sldMasterId id="2147483679" r:id="rId21"/>
   </p:sldMasterIdLst>
   <p:notesMasterIdLst>
-    <p:notesMasterId r:id="rId18"/>
+    <p:notesMasterId r:id="rId23"/>
   </p:notesMasterIdLst>
   <p:sldIdLst>
-    <p:sldId id="256" r:id="rId2"/>
-    <p:sldId id="259" r:id="rId3"/>
-    <p:sldId id="266" r:id="rId4"/>
-    <p:sldId id="260" r:id="rId5"/>
-    <p:sldId id="257" r:id="rId6"/>
-    <p:sldId id="265" r:id="rId7"/>
-    <p:sldId id="267" r:id="rId8"/>
-    <p:sldId id="264" r:id="rId9"/>
-    <p:sldId id="258" r:id="rId10"/>
-    <p:sldId id="270" r:id="rId11"/>
-    <p:sldId id="272" r:id="rId12"/>
-    <p:sldId id="261" r:id="rId13"/>
-    <p:sldId id="262" r:id="rId14"/>
-    <p:sldId id="269" r:id="rId15"/>
-    <p:sldId id="263" r:id="rId16"/>
-    <p:sldId id="268" r:id="rId17"/>
+    <p:sldId id="256" r:id="rId25"/>
+    <p:sldId id="259" r:id="rId26"/>
+    <p:sldId id="266" r:id="rId27"/>
+    <p:sldId id="260" r:id="rId28"/>
+    <p:sldId id="257" r:id="rId29"/>
+    <p:sldId id="265" r:id="rId30"/>
+    <p:sldId id="267" r:id="rId31"/>
+    <p:sldId id="264" r:id="rId32"/>
+    <p:sldId id="258" r:id="rId33"/>
+    <p:sldId id="270" r:id="rId34"/>
+    <p:sldId id="272" r:id="rId35"/>
+    <p:sldId id="261" r:id="rId36"/>
+    <p:sldId id="262" r:id="rId37"/>
+    <p:sldId id="269" r:id="rId38"/>
+    <p:sldId id="263" r:id="rId39"/>
+    <p:sldId id="268" r:id="rId40"/>
   </p:sldIdLst>
   <p:sldSz cx="12192000" cy="6858000"/>
   <p:notesSz cx="6858000" cy="9144000"/>
@@ -123,9 +123,6 @@
     </a:lvl9pPr>
   </p:defaultTextStyle>
   <p:extLst>
-    <p:ext uri="{EFAFB233-063F-42B5-8137-9DF3F51BA10A}">
-      <p15:sldGuideLst xmlns:p15="http://schemas.microsoft.com/office/powerpoint/2012/main"/>
-    </p:ext>
     <p:ext uri="{2D200454-40CA-4A62-9FC3-DE9A4176ACB9}">
       <p15:notesGuideLst xmlns:p15="http://schemas.microsoft.com/office/powerpoint/2012/main"/>
     </p:ext>
@@ -7418,7 +7415,7 @@
 </file>
 
 <file path=ppt/slides/slide11.xml><?xml version="1.0" encoding="utf-8"?>
-<p:sld xmlns:a="http://schemas.openxmlformats.org/drawingml/2006/main" xmlns:r="http://schemas.openxmlformats.org/officeDocument/2006/relationships" xmlns:p="http://schemas.openxmlformats.org/presentationml/2006/main">
+<p:sld xmlns:a="http://schemas.openxmlformats.org/drawingml/2006/main" xmlns:r="http://schemas.openxmlformats.org/officeDocument/2006/relationships" xmlns:p="http://schemas.openxmlformats.org/presentationml/2006/main" xmlns:p14="http://schemas.microsoft.com/office/powerpoint/2010/main">
   <p:cSld>
     <p:spTree>
       <p:nvGrpSpPr>
@@ -7445,7 +7442,7 @@
         <p:spPr>
           <a:xfrm>
             <a:off x="791845" y="423545"/>
-            <a:ext cx="5614035" cy="768985"/>
+            <a:ext cx="5614670" cy="768985"/>
           </a:xfrm>
           <a:prstGeom prst="rect">
             <a:avLst/>
@@ -7453,12 +7450,12 @@
           <a:noFill/>
         </p:spPr>
         <p:txBody>
-          <a:bodyPr vert="horz" wrap="square" lIns="91440" tIns="45720" rIns="91440" bIns="45720" anchor="t">
+          <a:bodyPr wrap="square" lIns="91440" tIns="45720" rIns="91440" bIns="45720" numCol="1" vert="horz" anchor="t">
             <a:spAutoFit/>
           </a:bodyPr>
           <a:lstStyle/>
           <a:p>
-            <a:pPr marL="0" indent="0" algn="l" defTabSz="457200" eaLnBrk="0" fontAlgn="auto" latinLnBrk="0">
+            <a:pPr marL="0" indent="0" algn="l" fontAlgn="auto" defTabSz="457200" eaLnBrk="0" latinLnBrk="0">
               <a:lnSpc>
                 <a:spcPct val="100000"/>
               </a:lnSpc>
@@ -7472,7 +7469,7 @@
               <a:buNone/>
             </a:pPr>
             <a:r>
-              <a:rPr lang="en-US" altLang="ko-KR" sz="4400" b="0" cap="none" dirty="0" err="1">
+              <a:rPr lang="en-US" altLang="ko-KR" sz="4400" cap="none" dirty="0" smtClean="0" b="0">
                 <a:solidFill>
                   <a:schemeClr val="accent1">
                     <a:lumMod val="75000"/>
@@ -7481,45 +7478,9 @@
                 <a:latin typeface="맑은 고딕" charset="0"/>
                 <a:ea typeface="맑은 고딕" charset="0"/>
               </a:rPr>
-              <a:t>게임</a:t>
-            </a:r>
-            <a:r>
-              <a:rPr lang="ko-KR" altLang="en-US" sz="4400" dirty="0">
-                <a:solidFill>
-                  <a:schemeClr val="accent1">
-                    <a:lumMod val="75000"/>
-                  </a:schemeClr>
-                </a:solidFill>
-                <a:latin typeface="맑은 고딕" charset="0"/>
-                <a:ea typeface="맑은 고딕" charset="0"/>
-              </a:rPr>
-              <a:t>소개</a:t>
-            </a:r>
-            <a:r>
-              <a:rPr lang="en-US" altLang="ko-KR" sz="4400" dirty="0">
-                <a:solidFill>
-                  <a:schemeClr val="accent1">
-                    <a:lumMod val="75000"/>
-                  </a:schemeClr>
-                </a:solidFill>
-                <a:latin typeface="맑은 고딕" charset="0"/>
-                <a:ea typeface="맑은 고딕" charset="0"/>
-              </a:rPr>
-              <a:t>-</a:t>
-            </a:r>
-            <a:r>
-              <a:rPr lang="ko-KR" altLang="en-US" sz="4400" dirty="0">
-                <a:solidFill>
-                  <a:schemeClr val="accent1">
-                    <a:lumMod val="75000"/>
-                  </a:schemeClr>
-                </a:solidFill>
-                <a:latin typeface="맑은 고딕" charset="0"/>
-                <a:ea typeface="맑은 고딕" charset="0"/>
-              </a:rPr>
-              <a:t>예시</a:t>
-            </a:r>
-            <a:endParaRPr lang="ko-KR" altLang="en-US" sz="4400" b="0" cap="none" dirty="0">
+              <a:t>게임소개 - 예시</a:t>
+            </a:r>
+            <a:endParaRPr lang="ko-KR" altLang="en-US" sz="4400" cap="none" dirty="0" smtClean="0" b="0">
               <a:solidFill>
                 <a:schemeClr val="accent1">
                   <a:lumMod val="75000"/>
@@ -7597,7 +7558,7 @@
         </p:nvSpPr>
         <p:spPr>
           <a:xfrm>
-            <a:off x="1651000" y="3325177"/>
+            <a:off x="1651000" y="3324860"/>
             <a:ext cx="939800" cy="711200"/>
           </a:xfrm>
           <a:prstGeom prst="ellipse">
@@ -7649,8 +7610,8 @@
         </p:nvSpPr>
         <p:spPr>
           <a:xfrm>
-            <a:off x="8491855" y="3094344"/>
-            <a:ext cx="2877820" cy="461665"/>
+            <a:off x="8491855" y="3094355"/>
+            <a:ext cx="2877820" cy="461645"/>
           </a:xfrm>
           <a:prstGeom prst="rect">
             <a:avLst/>
@@ -7672,32 +7633,32 @@
       </p:sp>
       <p:pic>
         <p:nvPicPr>
-          <p:cNvPr id="8" name="그림 7">
-            <a:extLst>
-              <a:ext uri="{FF2B5EF4-FFF2-40B4-BE49-F238E27FC236}">
-                <a16:creationId xmlns:a16="http://schemas.microsoft.com/office/drawing/2014/main" id="{ABC8A8D8-987A-4722-84D2-595B385E149D}"/>
-              </a:ext>
-            </a:extLst>
-          </p:cNvPr>
+          <p:cNvPr id="8" name="그림 7" descr="C:/Users/yang/AppData/Roaming/PolarisOffice/ETemp/8464_12189824/image9.jpg"/>
           <p:cNvPicPr>
             <a:picLocks noChangeAspect="1"/>
           </p:cNvPicPr>
           <p:nvPr/>
         </p:nvPicPr>
-        <p:blipFill>
-          <a:blip r:embed="rId2"/>
+        <p:blipFill rotWithShape="1">
+          <a:blip r:embed="rId2">
+            <a:extLst>
+              <a:ext uri="{28A0092B-C50C-407E-A947-70E740481C1C}">
+                <a14:useLocalDpi xmlns:a14="http://schemas.microsoft.com/office/drawing/2010/main" val="0"/>
+              </a:ext>
+            </a:extLst>
+          </a:blip>
+          <a:srcRect/>
           <a:stretch>
             <a:fillRect/>
           </a:stretch>
         </p:blipFill>
         <p:spPr>
-          <a:xfrm>
-            <a:off x="822325" y="1821616"/>
-            <a:ext cx="6610350" cy="3718322"/>
+          <a:xfrm rot="0">
+            <a:off x="822325" y="1821815"/>
+            <a:ext cx="6610985" cy="3719195"/>
           </a:xfrm>
-          <a:prstGeom prst="rect">
-            <a:avLst/>
-          </a:prstGeom>
+          <a:prstGeom prst="rect"/>
+          <a:noFill/>
         </p:spPr>
       </p:pic>
       <p:sp>
@@ -7714,8 +7675,8 @@
         </p:nvSpPr>
         <p:spPr>
           <a:xfrm>
-            <a:off x="791845" y="4607123"/>
-            <a:ext cx="3571875" cy="523220"/>
+            <a:off x="791845" y="4606925"/>
+            <a:ext cx="3571875" cy="523240"/>
           </a:xfrm>
           <a:prstGeom prst="rect">
             <a:avLst/>
@@ -7812,33 +7773,27 @@
       </p:sp>
       <p:cxnSp>
         <p:nvCxnSpPr>
-          <p:cNvPr id="11" name="직선 화살표 연결선 10">
-            <a:extLst>
-              <a:ext uri="{FF2B5EF4-FFF2-40B4-BE49-F238E27FC236}">
-                <a16:creationId xmlns:a16="http://schemas.microsoft.com/office/drawing/2014/main" id="{E0AD5A77-EDC6-4F5F-BC5D-511EF91DE35A}"/>
-              </a:ext>
-            </a:extLst>
-          </p:cNvPr>
+          <p:cNvPr id="11" name="직선 화살표 연결선 10"/>
           <p:cNvCxnSpPr>
-            <a:cxnSpLocks/>
             <a:stCxn id="9" idx="2"/>
             <a:endCxn id="14" idx="1"/>
           </p:cNvCxnSpPr>
           <p:nvPr/>
         </p:nvCxnSpPr>
         <p:spPr>
-          <a:xfrm>
-            <a:off x="2176463" y="5267325"/>
-            <a:ext cx="1801812" cy="644802"/>
+          <a:xfrm rot="0">
+            <a:off x="2176145" y="5267325"/>
+            <a:ext cx="1802765" cy="645795"/>
           </a:xfrm>
-          <a:prstGeom prst="straightConnector1">
-            <a:avLst/>
-          </a:prstGeom>
-          <a:ln w="38100">
+          <a:prstGeom prst="straightConnector1"/>
+          <a:ln w="38100" cap="flat" cmpd="sng">
             <a:solidFill>
-              <a:srgbClr val="FF0000"/>
+              <a:srgbClr val="FF0000">
+                <a:alpha val="100000"/>
+              </a:srgbClr>
             </a:solidFill>
-            <a:tailEnd type="triangle"/>
+            <a:prstDash val="solid"/>
+            <a:tailEnd type="triangle" w="med" len="med"/>
           </a:ln>
         </p:spPr>
         <p:style>
@@ -7858,41 +7813,211 @@
       </p:cxnSp>
       <p:sp>
         <p:nvSpPr>
-          <p:cNvPr id="14" name="TextBox 13">
-            <a:extLst>
-              <a:ext uri="{FF2B5EF4-FFF2-40B4-BE49-F238E27FC236}">
-                <a16:creationId xmlns:a16="http://schemas.microsoft.com/office/drawing/2014/main" id="{7E8517D6-D7CE-48D6-82F2-D8176CF25001}"/>
-              </a:ext>
-            </a:extLst>
-          </p:cNvPr>
-          <p:cNvSpPr txBox="1"/>
+          <p:cNvPr id="14" name="TextBox 13"/>
+          <p:cNvSpPr txBox="1">
+            <a:spLocks/>
+          </p:cNvSpPr>
           <p:nvPr/>
         </p:nvSpPr>
         <p:spPr>
-          <a:xfrm>
-            <a:off x="3978275" y="5727461"/>
-            <a:ext cx="1951037" cy="369332"/>
+          <a:xfrm rot="0">
+            <a:off x="3978275" y="5727700"/>
+            <a:ext cx="1951355" cy="370205"/>
           </a:xfrm>
-          <a:prstGeom prst="rect">
-            <a:avLst/>
-          </a:prstGeom>
+          <a:prstGeom prst="rect"/>
           <a:noFill/>
         </p:spPr>
         <p:txBody>
-          <a:bodyPr wrap="square" rtlCol="0">
+          <a:bodyPr wrap="square" lIns="91440" tIns="45720" rIns="91440" bIns="45720" numCol="1" vert="horz" anchor="t">
             <a:spAutoFit/>
           </a:bodyPr>
           <a:lstStyle/>
           <a:p>
-            <a:r>
-              <a:rPr lang="ko-KR" altLang="en-US" dirty="0"/>
-              <a:t>시스템 </a:t>
-            </a:r>
-            <a:r>
-              <a:rPr lang="ko-KR" altLang="en-US" dirty="0" err="1"/>
+            <a:pPr marL="0" indent="0" algn="l" fontAlgn="auto" defTabSz="457200" eaLnBrk="0" latinLnBrk="0">
+              <a:lnSpc>
+                <a:spcPct val="100000"/>
+              </a:lnSpc>
+              <a:spcBef>
+                <a:spcPts val="0"/>
+              </a:spcBef>
+              <a:spcAft>
+                <a:spcPts val="0"/>
+              </a:spcAft>
+              <a:buFontTx/>
+              <a:buNone/>
+            </a:pPr>
+            <a:r>
+              <a:rPr lang="en-US" altLang="ko-KR" sz="1800" cap="none" dirty="0" smtClean="0" b="0">
+                <a:latin typeface="맑은 고딕" charset="0"/>
+                <a:ea typeface="맑은 고딕" charset="0"/>
+              </a:rPr>
+              <a:t>시스템</a:t>
+            </a:r>
+            <a:r>
+              <a:rPr lang="en-US" altLang="ko-KR" sz="1800" cap="none" dirty="0" smtClean="0" b="0">
+                <a:latin typeface="Century Gothic" charset="0"/>
+                <a:ea typeface="Century Gothic" charset="0"/>
+              </a:rPr>
+              <a:t> </a:t>
+            </a:r>
+            <a:r>
+              <a:rPr lang="en-US" altLang="ko-KR" sz="1800" cap="none" dirty="0" smtClean="0" b="0">
+                <a:latin typeface="맑은 고딕" charset="0"/>
+                <a:ea typeface="맑은 고딕" charset="0"/>
+              </a:rPr>
               <a:t>알림창</a:t>
             </a:r>
-            <a:endParaRPr lang="ko-KR" altLang="en-US" dirty="0"/>
+            <a:endParaRPr lang="ko-KR" altLang="en-US" sz="1800" cap="none" dirty="0" smtClean="0" b="0">
+              <a:latin typeface="맑은 고딕" charset="0"/>
+              <a:ea typeface="맑은 고딕" charset="0"/>
+            </a:endParaRPr>
+          </a:p>
+        </p:txBody>
+      </p:sp>
+      <p:sp>
+        <p:nvSpPr>
+          <p:cNvPr id="15" name="번개 14"/>
+          <p:cNvSpPr>
+            <a:spLocks/>
+          </p:cNvSpPr>
+          <p:nvPr/>
+        </p:nvSpPr>
+        <p:spPr>
+          <a:xfrm rot="0">
+            <a:off x="6707505" y="4681855"/>
+            <a:ext cx="545465" cy="586105"/>
+          </a:xfrm>
+          <a:prstGeom prst="lightningBolt"/>
+          <a:solidFill>
+            <a:srgbClr val="E1930E"/>
+          </a:solidFill>
+          <a:ln w="0">
+            <a:noFill/>
+            <a:prstDash/>
+          </a:ln>
+        </p:spPr>
+        <p:style>
+          <a:lnRef idx="2">
+            <a:schemeClr val="accent1">
+              <a:shade val="50000"/>
+            </a:schemeClr>
+          </a:lnRef>
+          <a:fillRef idx="1">
+            <a:schemeClr val="accent1"/>
+          </a:fillRef>
+          <a:effectRef idx="0">
+            <a:schemeClr val="accent1"/>
+          </a:effectRef>
+          <a:fontRef idx="minor">
+            <a:schemeClr val="lt1"/>
+          </a:fontRef>
+        </p:style>
+        <p:txBody>
+          <a:bodyPr wrap="square" lIns="91440" tIns="45720" rIns="91440" bIns="45720" vert="horz" anchor="ctr">
+            <a:noAutofit/>
+          </a:bodyPr>
+          <a:lstStyle/>
+          <a:p>
+            <a:pPr marL="0" indent="0" algn="ctr" fontAlgn="auto" defTabSz="457200" eaLnBrk="0" latinLnBrk="0">
+              <a:lnSpc>
+                <a:spcPct val="100000"/>
+              </a:lnSpc>
+              <a:spcBef>
+                <a:spcPts val="0"/>
+              </a:spcBef>
+              <a:spcAft>
+                <a:spcPts val="0"/>
+              </a:spcAft>
+              <a:buFontTx/>
+              <a:buNone/>
+            </a:pPr>
+            <a:endParaRPr lang="ko-KR" altLang="en-US" sz="1800" cap="none" dirty="0" smtClean="0" b="0">
+              <a:latin typeface="맑은 고딕" charset="0"/>
+              <a:ea typeface="맑은 고딕" charset="0"/>
+            </a:endParaRPr>
+          </a:p>
+        </p:txBody>
+      </p:sp>
+      <p:cxnSp>
+        <p:nvCxnSpPr>
+          <p:cNvPr id="16" name="도형 15"/>
+          <p:cNvCxnSpPr/>
+          <p:nvPr/>
+        </p:nvCxnSpPr>
+        <p:spPr>
+          <a:xfrm rot="0">
+            <a:off x="7186930" y="5180330"/>
+            <a:ext cx="1403985" cy="131445"/>
+          </a:xfrm>
+          <a:prstGeom prst="straightConnector1"/>
+          <a:ln w="31750" cap="rnd" cmpd="sng">
+            <a:prstDash val="solid"/>
+            <a:round/>
+            <a:headEnd type="none" w="med" len="med"/>
+            <a:tailEnd type="triangle" w="med" len="med"/>
+          </a:ln>
+        </p:spPr>
+        <p:style>
+          <a:lnRef idx="1">
+            <a:schemeClr val="accent1"/>
+          </a:lnRef>
+          <a:fillRef idx="0">
+            <a:schemeClr val="accent1"/>
+          </a:fillRef>
+          <a:effectRef idx="0">
+            <a:schemeClr val="accent1"/>
+          </a:effectRef>
+          <a:fontRef idx="minor">
+            <a:schemeClr val="tx1"/>
+          </a:fontRef>
+        </p:style>
+      </p:cxnSp>
+      <p:sp>
+        <p:nvSpPr>
+          <p:cNvPr id="17" name="TextBox 16"/>
+          <p:cNvSpPr txBox="1">
+            <a:spLocks/>
+          </p:cNvSpPr>
+          <p:nvPr/>
+        </p:nvSpPr>
+        <p:spPr>
+          <a:xfrm rot="0">
+            <a:off x="8564245" y="5128260"/>
+            <a:ext cx="1951355" cy="368935"/>
+          </a:xfrm>
+          <a:prstGeom prst="rect"/>
+          <a:noFill/>
+        </p:spPr>
+        <p:txBody>
+          <a:bodyPr wrap="square" lIns="91440" tIns="45720" rIns="91440" bIns="45720" vert="horz" anchor="t">
+            <a:spAutoFit/>
+          </a:bodyPr>
+          <a:lstStyle/>
+          <a:p>
+            <a:pPr marL="0" indent="0" algn="l" fontAlgn="auto" defTabSz="457200" eaLnBrk="0" latinLnBrk="0">
+              <a:lnSpc>
+                <a:spcPct val="100000"/>
+              </a:lnSpc>
+              <a:spcBef>
+                <a:spcPts val="0"/>
+              </a:spcBef>
+              <a:spcAft>
+                <a:spcPts val="0"/>
+              </a:spcAft>
+              <a:buFontTx/>
+              <a:buNone/>
+            </a:pPr>
+            <a:r>
+              <a:rPr lang="en-US" altLang="ko-KR" sz="1800" cap="none" dirty="0" smtClean="0" b="0">
+                <a:latin typeface="맑은 고딕" charset="0"/>
+                <a:ea typeface="맑은 고딕" charset="0"/>
+              </a:rPr>
+              <a:t>에너지 충천 상태</a:t>
+            </a:r>
+            <a:endParaRPr lang="ko-KR" altLang="en-US" sz="1800" cap="none" dirty="0" smtClean="0" b="0">
+              <a:latin typeface="맑은 고딕" charset="0"/>
+              <a:ea typeface="맑은 고딕" charset="0"/>
+            </a:endParaRPr>
           </a:p>
         </p:txBody>
       </p:sp>
@@ -7906,11 +8031,26 @@
   <p:clrMapOvr>
     <a:masterClrMapping/>
   </p:clrMapOvr>
+  <mc:AlternateContent xmlns:mc="http://schemas.openxmlformats.org/markup-compatibility/2006">
+    <mc:Choice xmlns:p14="http://schemas.microsoft.com/office/powerpoint/2010/main" Requires="p14">
+      <p:transition spd="slow" p14:dur="2000"/>
+    </mc:Choice>
+    <mc:Fallback>
+      <p:transition spd="slow"/>
+    </mc:Fallback>
+  </mc:AlternateContent>
+  <p:timing>
+    <p:tnLst>
+      <p:par>
+        <p:cTn id="1" dur="indefinite" restart="never" nodeType="tmRoot"/>
+      </p:par>
+    </p:tnLst>
+  </p:timing>
 </p:sld>
 </file>
 
 <file path=ppt/slides/slide12.xml><?xml version="1.0" encoding="utf-8"?>
-<p:sld xmlns:a="http://schemas.openxmlformats.org/drawingml/2006/main" xmlns:r="http://schemas.openxmlformats.org/officeDocument/2006/relationships" xmlns:p="http://schemas.openxmlformats.org/presentationml/2006/main">
+<p:sld xmlns:a="http://schemas.openxmlformats.org/drawingml/2006/main" xmlns:r="http://schemas.openxmlformats.org/officeDocument/2006/relationships" xmlns:p="http://schemas.openxmlformats.org/presentationml/2006/main" xmlns:p14="http://schemas.microsoft.com/office/powerpoint/2010/main">
   <p:cSld>
     <p:spTree>
       <p:nvGrpSpPr>
@@ -8025,8 +8165,8 @@
         </p:nvSpPr>
         <p:spPr>
           <a:xfrm>
-            <a:off x="4863467" y="2255401"/>
-            <a:ext cx="6220460" cy="369332"/>
+            <a:off x="4863465" y="2255520"/>
+            <a:ext cx="6220460" cy="369570"/>
           </a:xfrm>
           <a:prstGeom prst="rect">
             <a:avLst/>
@@ -8073,8 +8213,8 @@
         </p:nvSpPr>
         <p:spPr>
           <a:xfrm>
-            <a:off x="4747579" y="3129349"/>
-            <a:ext cx="6452235" cy="1200329"/>
+            <a:off x="4747895" y="3129280"/>
+            <a:ext cx="6452870" cy="1199515"/>
           </a:xfrm>
           <a:prstGeom prst="rect">
             <a:avLst/>
@@ -8082,12 +8222,12 @@
           <a:noFill/>
         </p:spPr>
         <p:txBody>
-          <a:bodyPr vert="horz" wrap="square" lIns="91440" tIns="45720" rIns="91440" bIns="45720" numCol="1" anchor="t">
+          <a:bodyPr wrap="square" lIns="91440" tIns="45720" rIns="91440" bIns="45720" numCol="1" vert="horz" anchor="t">
             <a:spAutoFit/>
           </a:bodyPr>
           <a:lstStyle/>
           <a:p>
-            <a:pPr marL="0" indent="0" algn="l" defTabSz="457200" eaLnBrk="0" fontAlgn="auto" latinLnBrk="0">
+            <a:pPr marL="0" indent="0" algn="l" fontAlgn="auto" defTabSz="457200" eaLnBrk="0" latinLnBrk="0">
               <a:lnSpc>
                 <a:spcPct val="100000"/>
               </a:lnSpc>
@@ -8101,68 +8241,68 @@
               <a:buNone/>
             </a:pPr>
             <a:r>
-              <a:rPr lang="en-US" altLang="ko-KR" sz="1800" b="0" cap="none" dirty="0">
+              <a:rPr lang="en-US" altLang="ko-KR" sz="1800" cap="none" dirty="0" smtClean="0" b="0">
                 <a:latin typeface="맑은 고딕" charset="0"/>
                 <a:ea typeface="맑은 고딕" charset="0"/>
               </a:rPr>
-              <a:t>특징</a:t>
-            </a:r>
-            <a:r>
-              <a:rPr lang="en-US" altLang="ko-KR" sz="1800" b="0" cap="none" dirty="0">
+              <a:t>  특징</a:t>
+            </a:r>
+            <a:r>
+              <a:rPr lang="en-US" altLang="ko-KR" sz="1800" cap="none" dirty="0" smtClean="0" b="0">
                 <a:latin typeface="Century Gothic" charset="0"/>
                 <a:ea typeface="Century Gothic" charset="0"/>
               </a:rPr>
               <a:t> : </a:t>
             </a:r>
             <a:r>
-              <a:rPr lang="en-US" altLang="ko-KR" sz="1800" b="0" cap="none" dirty="0">
+              <a:rPr lang="en-US" altLang="ko-KR" sz="1800" cap="none" dirty="0" smtClean="0" b="0">
                 <a:latin typeface="맑은 고딕" charset="0"/>
                 <a:ea typeface="맑은 고딕" charset="0"/>
               </a:rPr>
               <a:t>철깡통으로</a:t>
             </a:r>
             <a:r>
-              <a:rPr lang="en-US" altLang="ko-KR" sz="1800" b="0" cap="none" dirty="0">
+              <a:rPr lang="en-US" altLang="ko-KR" sz="1800" cap="none" dirty="0" smtClean="0" b="0">
                 <a:latin typeface="Century Gothic" charset="0"/>
                 <a:ea typeface="Century Gothic" charset="0"/>
               </a:rPr>
               <a:t> </a:t>
             </a:r>
             <a:r>
-              <a:rPr lang="en-US" altLang="ko-KR" sz="1800" b="0" cap="none" dirty="0">
+              <a:rPr lang="en-US" altLang="ko-KR" sz="1800" cap="none" dirty="0" smtClean="0" b="0">
                 <a:latin typeface="맑은 고딕" charset="0"/>
                 <a:ea typeface="맑은 고딕" charset="0"/>
               </a:rPr>
               <a:t>구성된</a:t>
             </a:r>
             <a:r>
-              <a:rPr lang="en-US" altLang="ko-KR" sz="1800" b="0" cap="none" dirty="0">
+              <a:rPr lang="en-US" altLang="ko-KR" sz="1800" cap="none" dirty="0" smtClean="0" b="0">
                 <a:latin typeface="Century Gothic" charset="0"/>
                 <a:ea typeface="Century Gothic" charset="0"/>
               </a:rPr>
               <a:t> </a:t>
             </a:r>
             <a:r>
-              <a:rPr lang="en-US" altLang="ko-KR" sz="1800" b="0" cap="none" dirty="0">
+              <a:rPr lang="en-US" altLang="ko-KR" sz="1800" cap="none" dirty="0" smtClean="0" b="0">
                 <a:latin typeface="맑은 고딕" charset="0"/>
                 <a:ea typeface="맑은 고딕" charset="0"/>
               </a:rPr>
               <a:t>주인공</a:t>
             </a:r>
             <a:r>
-              <a:rPr lang="en-US" altLang="ko-KR" sz="1800" b="0" cap="none" dirty="0">
+              <a:rPr lang="en-US" altLang="ko-KR" sz="1800" cap="none" dirty="0" smtClean="0" b="0">
                 <a:latin typeface="Century Gothic" charset="0"/>
                 <a:ea typeface="Century Gothic" charset="0"/>
               </a:rPr>
               <a:t>.</a:t>
             </a:r>
-            <a:endParaRPr lang="ko-KR" altLang="en-US" sz="1800" b="0" cap="none" dirty="0">
+            <a:endParaRPr lang="ko-KR" altLang="en-US" sz="1800" cap="none" dirty="0" smtClean="0" b="0">
               <a:latin typeface="Century Gothic" charset="0"/>
               <a:ea typeface="Century Gothic" charset="0"/>
             </a:endParaRPr>
           </a:p>
           <a:p>
-            <a:pPr marL="0" indent="0" algn="l" defTabSz="457200" eaLnBrk="0" fontAlgn="auto" latinLnBrk="0">
+            <a:pPr marL="0" indent="0" algn="l" fontAlgn="auto" defTabSz="457200" eaLnBrk="0" latinLnBrk="0">
               <a:lnSpc>
                 <a:spcPct val="100000"/>
               </a:lnSpc>
@@ -8176,19 +8316,19 @@
               <a:buNone/>
             </a:pPr>
             <a:r>
-              <a:rPr lang="en-US" altLang="ko-KR" sz="1800" b="0" cap="none" dirty="0">
+              <a:rPr lang="en-US" altLang="ko-KR" sz="1800" cap="none" dirty="0" smtClean="0" b="0">
                 <a:latin typeface="Century Gothic" charset="0"/>
                 <a:ea typeface="Century Gothic" charset="0"/>
               </a:rPr>
               <a:t>    </a:t>
             </a:r>
-            <a:endParaRPr lang="ko-KR" altLang="en-US" sz="1800" b="0" cap="none" dirty="0">
+            <a:endParaRPr lang="ko-KR" altLang="en-US" sz="1800" cap="none" dirty="0" smtClean="0" b="0">
               <a:latin typeface="Century Gothic" charset="0"/>
               <a:ea typeface="Century Gothic" charset="0"/>
             </a:endParaRPr>
           </a:p>
           <a:p>
-            <a:pPr marL="0" indent="0" algn="l" defTabSz="457200" eaLnBrk="0" fontAlgn="auto" latinLnBrk="0">
+            <a:pPr marL="0" indent="0" algn="l" fontAlgn="auto" defTabSz="457200" eaLnBrk="0" latinLnBrk="0">
               <a:lnSpc>
                 <a:spcPct val="100000"/>
               </a:lnSpc>
@@ -8202,29 +8342,19 @@
               <a:buNone/>
             </a:pPr>
             <a:r>
-              <a:rPr lang="en-US" altLang="ko-KR" sz="1800" b="0" cap="none" dirty="0">
+              <a:rPr lang="en-US" altLang="ko-KR" sz="1800" cap="none" dirty="0" smtClean="0" b="0">
                 <a:latin typeface="Century Gothic" charset="0"/>
                 <a:ea typeface="Century Gothic" charset="0"/>
               </a:rPr>
-              <a:t>          전류를 흘려보내 자석의 성질을 가질 수 </a:t>
-            </a:r>
-            <a:r>
-              <a:rPr lang="en-US" altLang="ko-KR" sz="1800" b="0" cap="none" dirty="0" err="1">
-                <a:latin typeface="Century Gothic" charset="0"/>
-                <a:ea typeface="Century Gothic" charset="0"/>
-              </a:rPr>
-              <a:t>있다</a:t>
-            </a:r>
-            <a:r>
-              <a:rPr lang="en-US" altLang="ko-KR" sz="1800" b="0" cap="none" dirty="0">
-                <a:latin typeface="Century Gothic" charset="0"/>
-                <a:ea typeface="Century Gothic" charset="0"/>
-              </a:rPr>
-              <a:t>.</a:t>
-            </a:r>
-          </a:p>
-          <a:p>
-            <a:pPr marL="0" indent="0" algn="l" defTabSz="457200" eaLnBrk="0" fontAlgn="auto" latinLnBrk="0">
+              <a:t>          전류를 흘려보내 자석의 성질을 가질 수 있다.</a:t>
+            </a:r>
+            <a:endParaRPr lang="ko-KR" altLang="en-US" sz="1800" cap="none" dirty="0" smtClean="0" b="0">
+              <a:latin typeface="Century Gothic" charset="0"/>
+              <a:ea typeface="Century Gothic" charset="0"/>
+            </a:endParaRPr>
+          </a:p>
+          <a:p>
+            <a:pPr marL="0" indent="0" algn="l" fontAlgn="auto" defTabSz="457200" eaLnBrk="0" latinLnBrk="0">
               <a:lnSpc>
                 <a:spcPct val="100000"/>
               </a:lnSpc>
@@ -8238,13 +8368,13 @@
               <a:buNone/>
             </a:pPr>
             <a:r>
-              <a:rPr lang="en-US" altLang="ko-KR" dirty="0">
+              <a:rPr lang="en-US" altLang="ko-KR" sz="1800" cap="none" dirty="0" smtClean="0" b="0">
                 <a:latin typeface="Century Gothic" charset="0"/>
                 <a:ea typeface="Century Gothic" charset="0"/>
               </a:rPr>
               <a:t>	   </a:t>
             </a:r>
-            <a:endParaRPr lang="en-US" altLang="ko-KR" sz="1800" b="0" cap="none" dirty="0">
+            <a:endParaRPr lang="ko-KR" altLang="en-US" sz="1800" cap="none" dirty="0" smtClean="0" b="0">
               <a:latin typeface="Century Gothic" charset="0"/>
               <a:ea typeface="Century Gothic" charset="0"/>
             </a:endParaRPr>
@@ -8261,11 +8391,26 @@
   <p:clrMapOvr>
     <a:masterClrMapping/>
   </p:clrMapOvr>
+  <mc:AlternateContent xmlns:mc="http://schemas.openxmlformats.org/markup-compatibility/2006">
+    <mc:Choice xmlns:p14="http://schemas.microsoft.com/office/powerpoint/2010/main" Requires="p14">
+      <p:transition spd="slow" p14:dur="2000"/>
+    </mc:Choice>
+    <mc:Fallback>
+      <p:transition spd="slow"/>
+    </mc:Fallback>
+  </mc:AlternateContent>
+  <p:timing>
+    <p:tnLst>
+      <p:par>
+        <p:cTn id="1" dur="indefinite" restart="never" nodeType="tmRoot"/>
+      </p:par>
+    </p:tnLst>
+  </p:timing>
 </p:sld>
 </file>
 
 <file path=ppt/slides/slide13.xml><?xml version="1.0" encoding="utf-8"?>
-<p:sld xmlns:a="http://schemas.openxmlformats.org/drawingml/2006/main" xmlns:r="http://schemas.openxmlformats.org/officeDocument/2006/relationships" xmlns:p="http://schemas.openxmlformats.org/presentationml/2006/main">
+<p:sld xmlns:a="http://schemas.openxmlformats.org/drawingml/2006/main" xmlns:r="http://schemas.openxmlformats.org/officeDocument/2006/relationships" xmlns:p="http://schemas.openxmlformats.org/presentationml/2006/main" xmlns:p14="http://schemas.microsoft.com/office/powerpoint/2010/main">
   <p:cSld>
     <p:spTree>
       <p:nvGrpSpPr>
@@ -8303,8 +8448,8 @@
         </p:blipFill>
         <p:spPr>
           <a:xfrm>
-            <a:off x="1930400" y="1784194"/>
-            <a:ext cx="2399030" cy="1799273"/>
+            <a:off x="1930400" y="1784350"/>
+            <a:ext cx="2399030" cy="1799590"/>
           </a:xfrm>
           <a:prstGeom prst="rect">
             <a:avLst/>
@@ -8313,27 +8458,15 @@
       </p:pic>
       <p:graphicFrame>
         <p:nvGraphicFramePr>
-          <p:cNvPr id="8" name="표 7">
-            <a:extLst>
-              <a:ext uri="{FF2B5EF4-FFF2-40B4-BE49-F238E27FC236}">
-                <a16:creationId xmlns:a16="http://schemas.microsoft.com/office/drawing/2014/main" id="{81BCD78A-0C43-4CCC-814B-CA270AE1807A}"/>
-              </a:ext>
-            </a:extLst>
-          </p:cNvPr>
+          <p:cNvPr id="8" name="표 7"/>
           <p:cNvGraphicFramePr>
             <a:graphicFrameLocks noGrp="1"/>
           </p:cNvGraphicFramePr>
-          <p:nvPr>
-            <p:extLst>
-              <p:ext uri="{D42A27DB-BD31-4B8C-83A1-F6EECF244321}">
-                <p14:modId xmlns:p14="http://schemas.microsoft.com/office/powerpoint/2010/main" val="1668372983"/>
-              </p:ext>
-            </p:extLst>
-          </p:nvPr>
+          <p:nvPr/>
         </p:nvGraphicFramePr>
         <p:xfrm>
-          <a:off x="1930400" y="1266826"/>
-          <a:ext cx="8066405" cy="5279644"/>
+          <a:off x="1930400" y="1266825"/>
+          <a:ext cx="8066405" cy="5294630"/>
         </p:xfrm>
         <a:graphic>
           <a:graphicData uri="http://schemas.openxmlformats.org/drawingml/2006/table">
@@ -8342,218 +8475,1186 @@
                 <a:tableStyleId>{5940675A-B579-460E-94D1-54222C63F5DA}</a:tableStyleId>
               </a:tblPr>
               <a:tblGrid>
-                <a:gridCol w="2560993">
-                  <a:extLst>
-                    <a:ext uri="{9D8B030D-6E8A-4147-A177-3AD203B41FA5}">
-                      <a16:colId xmlns:a16="http://schemas.microsoft.com/office/drawing/2014/main" val="4247475573"/>
-                    </a:ext>
-                  </a:extLst>
-                </a:gridCol>
-                <a:gridCol w="5505412">
-                  <a:extLst>
-                    <a:ext uri="{9D8B030D-6E8A-4147-A177-3AD203B41FA5}">
-                      <a16:colId xmlns:a16="http://schemas.microsoft.com/office/drawing/2014/main" val="1913436511"/>
-                    </a:ext>
-                  </a:extLst>
-                </a:gridCol>
+                <a:gridCol w="2560955"/>
+                <a:gridCol w="5505450"/>
               </a:tblGrid>
-              <a:tr h="635734">
+              <a:tr h="635635">
                 <a:tc>
                   <a:txBody>
                     <a:bodyPr/>
                     <a:lstStyle/>
                     <a:p>
-                      <a:pPr latinLnBrk="1"/>
-                      <a:endParaRPr lang="ko-KR" altLang="en-US" dirty="0"/>
+                      <a:pPr marL="0" indent="0" algn="l" fontAlgn="auto" defTabSz="457200" eaLnBrk="0">
+                        <a:lnSpc>
+                          <a:spcPct val="100000"/>
+                        </a:lnSpc>
+                        <a:spcBef>
+                          <a:spcPts val="0"/>
+                        </a:spcBef>
+                        <a:spcAft>
+                          <a:spcPts val="0"/>
+                        </a:spcAft>
+                        <a:buFontTx/>
+                        <a:buNone/>
+                      </a:pPr>
+                      <a:endParaRPr lang="ko-KR" altLang="en-US" sz="1800" kern="1200" dirty="0" smtClean="0" b="0">
+                        <a:solidFill>
+                          <a:srgbClr val="FFFFFF"/>
+                        </a:solidFill>
+                        <a:latin typeface="맑은 고딕" charset="0"/>
+                        <a:ea typeface="맑은 고딕" charset="0"/>
+                      </a:endParaRPr>
                     </a:p>
                   </a:txBody>
-                  <a:tcPr/>
+                  <a:tcPr marL="91440" marR="91440" marT="45720" marB="45720" anchor="t">
+                    <a:lnL w="12700" cap="flat" cmpd="sng" algn="ctr">
+                      <a:solidFill>
+                        <a:srgbClr val="FFFFFF">
+                          <a:alpha val="100000"/>
+                        </a:srgbClr>
+                      </a:solidFill>
+                      <a:prstDash val="solid"/>
+                      <a:round/>
+                      <a:headEnd type="none" w="med" len="med"/>
+                      <a:tailEnd type="none" w="med" len="med"/>
+                    </a:lnL>
+                    <a:lnR w="12700" cap="flat" cmpd="sng" algn="ctr">
+                      <a:solidFill>
+                        <a:srgbClr val="FFFFFF">
+                          <a:alpha val="100000"/>
+                        </a:srgbClr>
+                      </a:solidFill>
+                      <a:prstDash val="solid"/>
+                      <a:round/>
+                      <a:headEnd type="none" w="med" len="med"/>
+                      <a:tailEnd type="none" w="med" len="med"/>
+                    </a:lnR>
+                    <a:lnT w="12700" cap="flat" cmpd="sng" algn="ctr">
+                      <a:solidFill>
+                        <a:srgbClr val="FFFFFF">
+                          <a:alpha val="100000"/>
+                        </a:srgbClr>
+                      </a:solidFill>
+                      <a:prstDash val="solid"/>
+                      <a:round/>
+                      <a:headEnd type="none" w="med" len="med"/>
+                      <a:tailEnd type="none" w="med" len="med"/>
+                    </a:lnT>
+                    <a:lnB w="12700" cap="flat" cmpd="sng" algn="ctr">
+                      <a:solidFill>
+                        <a:srgbClr val="FFFFFF">
+                          <a:alpha val="100000"/>
+                        </a:srgbClr>
+                      </a:solidFill>
+                      <a:prstDash val="solid"/>
+                      <a:round/>
+                      <a:headEnd type="none" w="med" len="med"/>
+                      <a:tailEnd type="none" w="med" len="med"/>
+                    </a:lnB>
+                    <a:noFill/>
+                  </a:tcPr>
                 </a:tc>
                 <a:tc>
                   <a:txBody>
                     <a:bodyPr/>
                     <a:lstStyle/>
                     <a:p>
-                      <a:pPr algn="ctr" latinLnBrk="1"/>
+                      <a:pPr marL="0" indent="0" algn="ctr" fontAlgn="auto" defTabSz="457200" eaLnBrk="0">
+                        <a:lnSpc>
+                          <a:spcPct val="100000"/>
+                        </a:lnSpc>
+                        <a:spcBef>
+                          <a:spcPts val="0"/>
+                        </a:spcBef>
+                        <a:spcAft>
+                          <a:spcPts val="0"/>
+                        </a:spcAft>
+                        <a:buFontTx/>
+                        <a:buNone/>
+                      </a:pPr>
                       <a:r>
-                        <a:rPr lang="ko-KR" altLang="en-US" sz="2800" dirty="0"/>
+                        <a:rPr lang="en-US" altLang="ko-KR" sz="2800" kern="1200" dirty="0" smtClean="0" b="0">
+                          <a:solidFill>
+                            <a:srgbClr val="FFFFFF"/>
+                          </a:solidFill>
+                          <a:latin typeface="맑은 고딕" charset="0"/>
+                          <a:ea typeface="맑은 고딕" charset="0"/>
+                        </a:rPr>
                         <a:t>특징</a:t>
                       </a:r>
+                      <a:endParaRPr lang="ko-KR" altLang="en-US" sz="2800" kern="1200" dirty="0" smtClean="0" b="0">
+                        <a:solidFill>
+                          <a:srgbClr val="FFFFFF"/>
+                        </a:solidFill>
+                        <a:latin typeface="맑은 고딕" charset="0"/>
+                        <a:ea typeface="맑은 고딕" charset="0"/>
+                      </a:endParaRPr>
                     </a:p>
                   </a:txBody>
-                  <a:tcPr/>
+                  <a:tcPr marL="91440" marR="91440" marT="45720" marB="45720" anchor="t">
+                    <a:lnL w="12700" cap="flat" cmpd="sng" algn="ctr">
+                      <a:solidFill>
+                        <a:srgbClr val="FFFFFF">
+                          <a:alpha val="100000"/>
+                        </a:srgbClr>
+                      </a:solidFill>
+                      <a:prstDash val="solid"/>
+                      <a:round/>
+                      <a:headEnd type="none" w="med" len="med"/>
+                      <a:tailEnd type="none" w="med" len="med"/>
+                    </a:lnL>
+                    <a:lnR w="12700" cap="flat" cmpd="sng" algn="ctr">
+                      <a:solidFill>
+                        <a:srgbClr val="FFFFFF">
+                          <a:alpha val="100000"/>
+                        </a:srgbClr>
+                      </a:solidFill>
+                      <a:prstDash val="solid"/>
+                      <a:round/>
+                      <a:headEnd type="none" w="med" len="med"/>
+                      <a:tailEnd type="none" w="med" len="med"/>
+                    </a:lnR>
+                    <a:lnT w="12700" cap="flat" cmpd="sng" algn="ctr">
+                      <a:solidFill>
+                        <a:srgbClr val="FFFFFF">
+                          <a:alpha val="100000"/>
+                        </a:srgbClr>
+                      </a:solidFill>
+                      <a:prstDash val="solid"/>
+                      <a:round/>
+                      <a:headEnd type="none" w="med" len="med"/>
+                      <a:tailEnd type="none" w="med" len="med"/>
+                    </a:lnT>
+                    <a:lnB w="12700" cap="flat" cmpd="sng" algn="ctr">
+                      <a:solidFill>
+                        <a:srgbClr val="FFFFFF">
+                          <a:alpha val="100000"/>
+                        </a:srgbClr>
+                      </a:solidFill>
+                      <a:prstDash val="solid"/>
+                      <a:round/>
+                      <a:headEnd type="none" w="med" len="med"/>
+                      <a:tailEnd type="none" w="med" len="med"/>
+                    </a:lnB>
+                    <a:noFill/>
+                  </a:tcPr>
                 </a:tc>
-                <a:extLst>
-                  <a:ext uri="{0D108BD9-81ED-4DB2-BD59-A6C34878D82A}">
-                    <a16:rowId xmlns:a16="http://schemas.microsoft.com/office/drawing/2014/main" val="4103076275"/>
-                  </a:ext>
-                </a:extLst>
               </a:tr>
-              <a:tr h="1625346">
+              <a:tr h="1752600">
                 <a:tc>
                   <a:txBody>
                     <a:bodyPr/>
                     <a:lstStyle/>
                     <a:p>
-                      <a:pPr latinLnBrk="1"/>
-                      <a:endParaRPr lang="ko-KR" altLang="en-US" dirty="0"/>
+                      <a:pPr marL="0" indent="0" algn="l" fontAlgn="auto" defTabSz="457200" eaLnBrk="0">
+                        <a:lnSpc>
+                          <a:spcPct val="100000"/>
+                        </a:lnSpc>
+                        <a:spcBef>
+                          <a:spcPts val="0"/>
+                        </a:spcBef>
+                        <a:spcAft>
+                          <a:spcPts val="0"/>
+                        </a:spcAft>
+                        <a:buFontTx/>
+                        <a:buNone/>
+                      </a:pPr>
+                      <a:endParaRPr lang="ko-KR" altLang="en-US" sz="1800" kern="1200" dirty="0" smtClean="0" b="0">
+                        <a:solidFill>
+                          <a:srgbClr val="FFFFFF"/>
+                        </a:solidFill>
+                        <a:latin typeface="맑은 고딕" charset="0"/>
+                        <a:ea typeface="맑은 고딕" charset="0"/>
+                      </a:endParaRPr>
                     </a:p>
                   </a:txBody>
-                  <a:tcPr/>
+                  <a:tcPr marL="91440" marR="91440" marT="45720" marB="45720" anchor="t">
+                    <a:lnL w="12700" cap="flat" cmpd="sng" algn="ctr">
+                      <a:solidFill>
+                        <a:srgbClr val="FFFFFF">
+                          <a:alpha val="100000"/>
+                        </a:srgbClr>
+                      </a:solidFill>
+                      <a:prstDash val="solid"/>
+                      <a:round/>
+                      <a:headEnd type="none" w="med" len="med"/>
+                      <a:tailEnd type="none" w="med" len="med"/>
+                    </a:lnL>
+                    <a:lnR w="12700" cap="flat" cmpd="sng" algn="ctr">
+                      <a:solidFill>
+                        <a:srgbClr val="FFFFFF">
+                          <a:alpha val="100000"/>
+                        </a:srgbClr>
+                      </a:solidFill>
+                      <a:prstDash val="solid"/>
+                      <a:round/>
+                      <a:headEnd type="none" w="med" len="med"/>
+                      <a:tailEnd type="none" w="med" len="med"/>
+                    </a:lnR>
+                    <a:lnT w="12700" cap="flat" cmpd="sng" algn="ctr">
+                      <a:solidFill>
+                        <a:srgbClr val="FFFFFF">
+                          <a:alpha val="100000"/>
+                        </a:srgbClr>
+                      </a:solidFill>
+                      <a:prstDash val="solid"/>
+                      <a:round/>
+                      <a:headEnd type="none" w="med" len="med"/>
+                      <a:tailEnd type="none" w="med" len="med"/>
+                    </a:lnT>
+                    <a:lnB w="12700" cap="flat" cmpd="sng" algn="ctr">
+                      <a:solidFill>
+                        <a:srgbClr val="FFFFFF">
+                          <a:alpha val="100000"/>
+                        </a:srgbClr>
+                      </a:solidFill>
+                      <a:prstDash val="solid"/>
+                      <a:round/>
+                      <a:headEnd type="none" w="med" len="med"/>
+                      <a:tailEnd type="none" w="med" len="med"/>
+                    </a:lnB>
+                    <a:noFill/>
+                  </a:tcPr>
                 </a:tc>
                 <a:tc>
                   <a:txBody>
                     <a:bodyPr/>
                     <a:lstStyle/>
                     <a:p>
-                      <a:pPr algn="ctr" latinLnBrk="1"/>
-                      <a:endParaRPr lang="en-US" altLang="ko-KR" dirty="0"/>
+                      <a:pPr marL="0" indent="0" algn="ctr" fontAlgn="auto" defTabSz="457200" eaLnBrk="0">
+                        <a:lnSpc>
+                          <a:spcPct val="100000"/>
+                        </a:lnSpc>
+                        <a:spcBef>
+                          <a:spcPts val="0"/>
+                        </a:spcBef>
+                        <a:spcAft>
+                          <a:spcPts val="0"/>
+                        </a:spcAft>
+                        <a:buFontTx/>
+                        <a:buNone/>
+                      </a:pPr>
+                      <a:endParaRPr lang="ko-KR" altLang="en-US" sz="1800" kern="1200" dirty="0" smtClean="0" b="0">
+                        <a:solidFill>
+                          <a:srgbClr val="FFFFFF"/>
+                        </a:solidFill>
+                        <a:latin typeface="Century Gothic" charset="0"/>
+                        <a:ea typeface="Century Gothic" charset="0"/>
+                      </a:endParaRPr>
                     </a:p>
                     <a:p>
-                      <a:pPr algn="ctr" latinLnBrk="1"/>
-                      <a:endParaRPr lang="en-US" altLang="ko-KR" dirty="0"/>
+                      <a:pPr marL="0" indent="0" algn="ctr" fontAlgn="auto" defTabSz="457200" eaLnBrk="0">
+                        <a:lnSpc>
+                          <a:spcPct val="100000"/>
+                        </a:lnSpc>
+                        <a:spcBef>
+                          <a:spcPts val="0"/>
+                        </a:spcBef>
+                        <a:spcAft>
+                          <a:spcPts val="0"/>
+                        </a:spcAft>
+                        <a:buFontTx/>
+                        <a:buNone/>
+                      </a:pPr>
+                      <a:endParaRPr lang="ko-KR" altLang="en-US" sz="1800" kern="1200" dirty="0" smtClean="0" b="0">
+                        <a:solidFill>
+                          <a:srgbClr val="FFFFFF"/>
+                        </a:solidFill>
+                        <a:latin typeface="Century Gothic" charset="0"/>
+                        <a:ea typeface="Century Gothic" charset="0"/>
+                      </a:endParaRPr>
                     </a:p>
                     <a:p>
-                      <a:pPr algn="ctr" latinLnBrk="1"/>
+                      <a:pPr marL="0" indent="0" algn="ctr" fontAlgn="auto" defTabSz="457200" eaLnBrk="0">
+                        <a:lnSpc>
+                          <a:spcPct val="100000"/>
+                        </a:lnSpc>
+                        <a:spcBef>
+                          <a:spcPts val="0"/>
+                        </a:spcBef>
+                        <a:spcAft>
+                          <a:spcPts val="0"/>
+                        </a:spcAft>
+                        <a:buFontTx/>
+                        <a:buNone/>
+                      </a:pPr>
                       <a:r>
-                        <a:rPr lang="ko-KR" altLang="en-US" dirty="0"/>
-                        <a:t>버튼과 플레이어가 상호작용하면</a:t>
+                        <a:rPr lang="en-US" altLang="ko-KR" sz="1800" kern="1200" dirty="0" smtClean="0" b="0">
+                          <a:solidFill>
+                            <a:srgbClr val="FFFFFF"/>
+                          </a:solidFill>
+                          <a:latin typeface="맑은 고딕" charset="0"/>
+                          <a:ea typeface="맑은 고딕" charset="0"/>
+                        </a:rPr>
+                        <a:t>버튼과</a:t>
                       </a:r>
-                      <a:endParaRPr lang="en-US" altLang="ko-KR" dirty="0"/>
+                      <a:r>
+                        <a:rPr lang="en-US" altLang="ko-KR" sz="1800" kern="1200" dirty="0" smtClean="0" b="0">
+                          <a:solidFill>
+                            <a:srgbClr val="FFFFFF"/>
+                          </a:solidFill>
+                          <a:latin typeface="Century Gothic" charset="0"/>
+                          <a:ea typeface="Century Gothic" charset="0"/>
+                        </a:rPr>
+                        <a:t> </a:t>
+                      </a:r>
+                      <a:r>
+                        <a:rPr lang="en-US" altLang="ko-KR" sz="1800" kern="1200" dirty="0" smtClean="0" b="0">
+                          <a:solidFill>
+                            <a:srgbClr val="FFFFFF"/>
+                          </a:solidFill>
+                          <a:latin typeface="맑은 고딕" charset="0"/>
+                          <a:ea typeface="맑은 고딕" charset="0"/>
+                        </a:rPr>
+                        <a:t>플레이어가</a:t>
+                      </a:r>
+                      <a:r>
+                        <a:rPr lang="en-US" altLang="ko-KR" sz="1800" kern="1200" dirty="0" smtClean="0" b="0">
+                          <a:solidFill>
+                            <a:srgbClr val="FFFFFF"/>
+                          </a:solidFill>
+                          <a:latin typeface="Century Gothic" charset="0"/>
+                          <a:ea typeface="Century Gothic" charset="0"/>
+                        </a:rPr>
+                        <a:t> </a:t>
+                      </a:r>
+                      <a:r>
+                        <a:rPr lang="en-US" altLang="ko-KR" sz="1800" kern="1200" dirty="0" smtClean="0" b="0">
+                          <a:solidFill>
+                            <a:srgbClr val="FFFFFF"/>
+                          </a:solidFill>
+                          <a:latin typeface="맑은 고딕" charset="0"/>
+                          <a:ea typeface="맑은 고딕" charset="0"/>
+                        </a:rPr>
+                        <a:t>상호작용하면</a:t>
+                      </a:r>
+                      <a:endParaRPr lang="ko-KR" altLang="en-US" sz="1800" kern="1200" dirty="0" smtClean="0" b="0">
+                        <a:solidFill>
+                          <a:srgbClr val="FFFFFF"/>
+                        </a:solidFill>
+                        <a:latin typeface="맑은 고딕" charset="0"/>
+                        <a:ea typeface="맑은 고딕" charset="0"/>
+                      </a:endParaRPr>
                     </a:p>
                     <a:p>
-                      <a:pPr algn="ctr" latinLnBrk="1"/>
+                      <a:pPr marL="0" indent="0" algn="ctr" fontAlgn="auto" defTabSz="457200" eaLnBrk="0">
+                        <a:lnSpc>
+                          <a:spcPct val="100000"/>
+                        </a:lnSpc>
+                        <a:spcBef>
+                          <a:spcPts val="0"/>
+                        </a:spcBef>
+                        <a:spcAft>
+                          <a:spcPts val="0"/>
+                        </a:spcAft>
+                        <a:buFontTx/>
+                        <a:buNone/>
+                      </a:pPr>
                       <a:r>
-                        <a:rPr lang="ko-KR" altLang="en-US" dirty="0"/>
-                        <a:t>버튼과 </a:t>
+                        <a:rPr lang="en-US" altLang="ko-KR" sz="1800" kern="1200" dirty="0" smtClean="0" b="0">
+                          <a:solidFill>
+                            <a:srgbClr val="FFFFFF"/>
+                          </a:solidFill>
+                          <a:latin typeface="맑은 고딕" charset="0"/>
+                          <a:ea typeface="맑은 고딕" charset="0"/>
+                        </a:rPr>
+                        <a:t>버튼과</a:t>
                       </a:r>
                       <a:r>
-                        <a:rPr lang="ko-KR" altLang="en-US" dirty="0" err="1"/>
+                        <a:rPr lang="en-US" altLang="ko-KR" sz="1800" kern="1200" dirty="0" smtClean="0" b="0">
+                          <a:solidFill>
+                            <a:srgbClr val="FFFFFF"/>
+                          </a:solidFill>
+                          <a:latin typeface="Century Gothic" charset="0"/>
+                          <a:ea typeface="Century Gothic" charset="0"/>
+                        </a:rPr>
+                        <a:t> </a:t>
+                      </a:r>
+                      <a:r>
+                        <a:rPr lang="en-US" altLang="ko-KR" sz="1800" kern="1200" dirty="0" smtClean="0" b="0">
+                          <a:solidFill>
+                            <a:srgbClr val="FFFFFF"/>
+                          </a:solidFill>
+                          <a:latin typeface="맑은 고딕" charset="0"/>
+                          <a:ea typeface="맑은 고딕" charset="0"/>
+                        </a:rPr>
                         <a:t>연결되어있는</a:t>
                       </a:r>
                       <a:r>
-                        <a:rPr lang="ko-KR" altLang="en-US" dirty="0"/>
-                        <a:t> 오브젝트에서 이벤트가 발생</a:t>
+                        <a:rPr lang="en-US" altLang="ko-KR" sz="1800" kern="1200" dirty="0" smtClean="0" b="0">
+                          <a:solidFill>
+                            <a:srgbClr val="FFFFFF"/>
+                          </a:solidFill>
+                          <a:latin typeface="Century Gothic" charset="0"/>
+                          <a:ea typeface="Century Gothic" charset="0"/>
+                        </a:rPr>
+                        <a:t> </a:t>
                       </a:r>
-                      <a:endParaRPr lang="en-US" altLang="ko-KR" dirty="0"/>
+                      <a:r>
+                        <a:rPr lang="en-US" altLang="ko-KR" sz="1800" kern="1200" dirty="0" smtClean="0" b="0">
+                          <a:solidFill>
+                            <a:srgbClr val="FFFFFF"/>
+                          </a:solidFill>
+                          <a:latin typeface="맑은 고딕" charset="0"/>
+                          <a:ea typeface="맑은 고딕" charset="0"/>
+                        </a:rPr>
+                        <a:t>오브젝트에서</a:t>
+                      </a:r>
+                      <a:r>
+                        <a:rPr lang="en-US" altLang="ko-KR" sz="1800" kern="1200" dirty="0" smtClean="0" b="0">
+                          <a:solidFill>
+                            <a:srgbClr val="FFFFFF"/>
+                          </a:solidFill>
+                          <a:latin typeface="Century Gothic" charset="0"/>
+                          <a:ea typeface="Century Gothic" charset="0"/>
+                        </a:rPr>
+                        <a:t> </a:t>
+                      </a:r>
+                      <a:r>
+                        <a:rPr lang="en-US" altLang="ko-KR" sz="1800" kern="1200" dirty="0" smtClean="0" b="0">
+                          <a:solidFill>
+                            <a:srgbClr val="FFFFFF"/>
+                          </a:solidFill>
+                          <a:latin typeface="맑은 고딕" charset="0"/>
+                          <a:ea typeface="맑은 고딕" charset="0"/>
+                        </a:rPr>
+                        <a:t>이벤트가</a:t>
+                      </a:r>
+                      <a:r>
+                        <a:rPr lang="en-US" altLang="ko-KR" sz="1800" kern="1200" dirty="0" smtClean="0" b="0">
+                          <a:solidFill>
+                            <a:srgbClr val="FFFFFF"/>
+                          </a:solidFill>
+                          <a:latin typeface="Century Gothic" charset="0"/>
+                          <a:ea typeface="Century Gothic" charset="0"/>
+                        </a:rPr>
+                        <a:t> </a:t>
+                      </a:r>
+                      <a:r>
+                        <a:rPr lang="en-US" altLang="ko-KR" sz="1800" kern="1200" dirty="0" smtClean="0" b="0">
+                          <a:solidFill>
+                            <a:srgbClr val="FFFFFF"/>
+                          </a:solidFill>
+                          <a:latin typeface="맑은 고딕" charset="0"/>
+                          <a:ea typeface="맑은 고딕" charset="0"/>
+                        </a:rPr>
+                        <a:t>발생</a:t>
+                      </a:r>
+                      <a:endParaRPr lang="ko-KR" altLang="en-US" sz="1800" kern="1200" dirty="0" smtClean="0" b="0">
+                        <a:solidFill>
+                          <a:srgbClr val="FFFFFF"/>
+                        </a:solidFill>
+                        <a:latin typeface="맑은 고딕" charset="0"/>
+                        <a:ea typeface="맑은 고딕" charset="0"/>
+                      </a:endParaRPr>
                     </a:p>
                     <a:p>
-                      <a:pPr algn="ctr" latinLnBrk="1"/>
-                      <a:endParaRPr lang="en-US" altLang="ko-KR" dirty="0"/>
+                      <a:pPr marL="0" indent="0" algn="ctr" fontAlgn="auto" defTabSz="457200" eaLnBrk="0">
+                        <a:lnSpc>
+                          <a:spcPct val="100000"/>
+                        </a:lnSpc>
+                        <a:spcBef>
+                          <a:spcPts val="0"/>
+                        </a:spcBef>
+                        <a:spcAft>
+                          <a:spcPts val="0"/>
+                        </a:spcAft>
+                        <a:buFontTx/>
+                        <a:buNone/>
+                      </a:pPr>
+                      <a:endParaRPr lang="ko-KR" altLang="en-US" sz="1800" kern="1200" dirty="0" smtClean="0" b="0">
+                        <a:solidFill>
+                          <a:srgbClr val="FFFFFF"/>
+                        </a:solidFill>
+                        <a:latin typeface="Century Gothic" charset="0"/>
+                        <a:ea typeface="Century Gothic" charset="0"/>
+                      </a:endParaRPr>
                     </a:p>
                     <a:p>
-                      <a:pPr algn="ctr" latinLnBrk="1"/>
-                      <a:endParaRPr lang="ko-KR" altLang="en-US" dirty="0"/>
+                      <a:pPr marL="0" indent="0" algn="ctr" fontAlgn="auto" defTabSz="457200" eaLnBrk="0">
+                        <a:lnSpc>
+                          <a:spcPct val="100000"/>
+                        </a:lnSpc>
+                        <a:spcBef>
+                          <a:spcPts val="0"/>
+                        </a:spcBef>
+                        <a:spcAft>
+                          <a:spcPts val="0"/>
+                        </a:spcAft>
+                        <a:buFontTx/>
+                        <a:buNone/>
+                      </a:pPr>
+                      <a:endParaRPr lang="ko-KR" altLang="en-US" sz="1800" kern="1200" dirty="0" smtClean="0" b="0">
+                        <a:solidFill>
+                          <a:srgbClr val="FFFFFF"/>
+                        </a:solidFill>
+                        <a:latin typeface="맑은 고딕" charset="0"/>
+                        <a:ea typeface="맑은 고딕" charset="0"/>
+                      </a:endParaRPr>
                     </a:p>
                   </a:txBody>
-                  <a:tcPr/>
+                  <a:tcPr marL="91440" marR="91440" marT="45720" marB="45720" anchor="t">
+                    <a:lnL w="12700" cap="flat" cmpd="sng" algn="ctr">
+                      <a:solidFill>
+                        <a:srgbClr val="FFFFFF">
+                          <a:alpha val="100000"/>
+                        </a:srgbClr>
+                      </a:solidFill>
+                      <a:prstDash val="solid"/>
+                      <a:round/>
+                      <a:headEnd type="none" w="med" len="med"/>
+                      <a:tailEnd type="none" w="med" len="med"/>
+                    </a:lnL>
+                    <a:lnR w="12700" cap="flat" cmpd="sng" algn="ctr">
+                      <a:solidFill>
+                        <a:srgbClr val="FFFFFF">
+                          <a:alpha val="100000"/>
+                        </a:srgbClr>
+                      </a:solidFill>
+                      <a:prstDash val="solid"/>
+                      <a:round/>
+                      <a:headEnd type="none" w="med" len="med"/>
+                      <a:tailEnd type="none" w="med" len="med"/>
+                    </a:lnR>
+                    <a:lnT w="12700" cap="flat" cmpd="sng" algn="ctr">
+                      <a:solidFill>
+                        <a:srgbClr val="FFFFFF">
+                          <a:alpha val="100000"/>
+                        </a:srgbClr>
+                      </a:solidFill>
+                      <a:prstDash val="solid"/>
+                      <a:round/>
+                      <a:headEnd type="none" w="med" len="med"/>
+                      <a:tailEnd type="none" w="med" len="med"/>
+                    </a:lnT>
+                    <a:lnB w="12700" cap="flat" cmpd="sng" algn="ctr">
+                      <a:solidFill>
+                        <a:srgbClr val="FFFFFF">
+                          <a:alpha val="100000"/>
+                        </a:srgbClr>
+                      </a:solidFill>
+                      <a:prstDash val="solid"/>
+                      <a:round/>
+                      <a:headEnd type="none" w="med" len="med"/>
+                      <a:tailEnd type="none" w="med" len="med"/>
+                    </a:lnB>
+                    <a:noFill/>
+                  </a:tcPr>
                 </a:tc>
-                <a:extLst>
-                  <a:ext uri="{0D108BD9-81ED-4DB2-BD59-A6C34878D82A}">
-                    <a16:rowId xmlns:a16="http://schemas.microsoft.com/office/drawing/2014/main" val="2273506597"/>
-                  </a:ext>
-                </a:extLst>
               </a:tr>
-              <a:tr h="1542902">
+              <a:tr h="1543050">
                 <a:tc>
                   <a:txBody>
                     <a:bodyPr/>
                     <a:lstStyle/>
                     <a:p>
-                      <a:pPr latinLnBrk="1"/>
-                      <a:endParaRPr lang="ko-KR" altLang="en-US" dirty="0"/>
+                      <a:pPr marL="0" indent="0" algn="l" fontAlgn="auto" defTabSz="457200" eaLnBrk="0">
+                        <a:lnSpc>
+                          <a:spcPct val="100000"/>
+                        </a:lnSpc>
+                        <a:spcBef>
+                          <a:spcPts val="0"/>
+                        </a:spcBef>
+                        <a:spcAft>
+                          <a:spcPts val="0"/>
+                        </a:spcAft>
+                        <a:buFontTx/>
+                        <a:buNone/>
+                      </a:pPr>
+                      <a:endParaRPr lang="ko-KR" altLang="en-US" sz="1800" kern="1200" dirty="0" smtClean="0" b="0">
+                        <a:solidFill>
+                          <a:srgbClr val="FFFFFF"/>
+                        </a:solidFill>
+                        <a:latin typeface="맑은 고딕" charset="0"/>
+                        <a:ea typeface="맑은 고딕" charset="0"/>
+                      </a:endParaRPr>
                     </a:p>
                   </a:txBody>
-                  <a:tcPr/>
+                  <a:tcPr marL="91440" marR="91440" marT="45720" marB="45720" anchor="t">
+                    <a:lnL w="12700" cap="flat" cmpd="sng" algn="ctr">
+                      <a:solidFill>
+                        <a:srgbClr val="FFFFFF">
+                          <a:alpha val="100000"/>
+                        </a:srgbClr>
+                      </a:solidFill>
+                      <a:prstDash val="solid"/>
+                      <a:round/>
+                      <a:headEnd type="none" w="med" len="med"/>
+                      <a:tailEnd type="none" w="med" len="med"/>
+                    </a:lnL>
+                    <a:lnR w="12700" cap="flat" cmpd="sng" algn="ctr">
+                      <a:solidFill>
+                        <a:srgbClr val="FFFFFF">
+                          <a:alpha val="100000"/>
+                        </a:srgbClr>
+                      </a:solidFill>
+                      <a:prstDash val="solid"/>
+                      <a:round/>
+                      <a:headEnd type="none" w="med" len="med"/>
+                      <a:tailEnd type="none" w="med" len="med"/>
+                    </a:lnR>
+                    <a:lnT w="12700" cap="flat" cmpd="sng" algn="ctr">
+                      <a:solidFill>
+                        <a:srgbClr val="FFFFFF">
+                          <a:alpha val="100000"/>
+                        </a:srgbClr>
+                      </a:solidFill>
+                      <a:prstDash val="solid"/>
+                      <a:round/>
+                      <a:headEnd type="none" w="med" len="med"/>
+                      <a:tailEnd type="none" w="med" len="med"/>
+                    </a:lnT>
+                    <a:lnB w="12700" cap="flat" cmpd="sng" algn="ctr">
+                      <a:solidFill>
+                        <a:srgbClr val="FFFFFF">
+                          <a:alpha val="100000"/>
+                        </a:srgbClr>
+                      </a:solidFill>
+                      <a:prstDash val="solid"/>
+                      <a:round/>
+                      <a:headEnd type="none" w="med" len="med"/>
+                      <a:tailEnd type="none" w="med" len="med"/>
+                    </a:lnB>
+                    <a:noFill/>
+                  </a:tcPr>
                 </a:tc>
                 <a:tc>
                   <a:txBody>
                     <a:bodyPr/>
                     <a:lstStyle/>
                     <a:p>
-                      <a:pPr algn="ctr" latinLnBrk="1"/>
-                      <a:endParaRPr lang="en-US" altLang="ko-KR" dirty="0"/>
+                      <a:pPr marL="0" indent="0" algn="ctr" fontAlgn="auto" defTabSz="457200" eaLnBrk="0">
+                        <a:lnSpc>
+                          <a:spcPct val="100000"/>
+                        </a:lnSpc>
+                        <a:spcBef>
+                          <a:spcPts val="0"/>
+                        </a:spcBef>
+                        <a:spcAft>
+                          <a:spcPts val="0"/>
+                        </a:spcAft>
+                        <a:buFontTx/>
+                        <a:buNone/>
+                      </a:pPr>
+                      <a:endParaRPr lang="ko-KR" altLang="en-US" sz="1800" kern="1200" dirty="0" smtClean="0" b="0">
+                        <a:solidFill>
+                          <a:srgbClr val="FFFFFF"/>
+                        </a:solidFill>
+                        <a:latin typeface="Century Gothic" charset="0"/>
+                        <a:ea typeface="Century Gothic" charset="0"/>
+                      </a:endParaRPr>
                     </a:p>
                     <a:p>
-                      <a:pPr algn="ctr" latinLnBrk="1"/>
-                      <a:endParaRPr lang="en-US" altLang="ko-KR" dirty="0"/>
+                      <a:pPr marL="0" indent="0" algn="ctr" fontAlgn="auto" defTabSz="457200" eaLnBrk="0">
+                        <a:lnSpc>
+                          <a:spcPct val="100000"/>
+                        </a:lnSpc>
+                        <a:spcBef>
+                          <a:spcPts val="0"/>
+                        </a:spcBef>
+                        <a:spcAft>
+                          <a:spcPts val="0"/>
+                        </a:spcAft>
+                        <a:buFontTx/>
+                        <a:buNone/>
+                      </a:pPr>
+                      <a:r>
+                        <a:rPr lang="en-US" altLang="ko-KR" sz="1800" kern="1200" dirty="0" smtClean="0" b="0">
+                          <a:solidFill>
+                            <a:srgbClr val="FFFFFF"/>
+                          </a:solidFill>
+                          <a:latin typeface="맑은 고딕" charset="0"/>
+                          <a:ea typeface="맑은 고딕" charset="0"/>
+                        </a:rPr>
+                        <a:t>플레이어가</a:t>
+                      </a:r>
+                      <a:r>
+                        <a:rPr lang="en-US" altLang="ko-KR" sz="1800" kern="1200" dirty="0" smtClean="0" b="0">
+                          <a:solidFill>
+                            <a:srgbClr val="FFFFFF"/>
+                          </a:solidFill>
+                          <a:latin typeface="Century Gothic" charset="0"/>
+                          <a:ea typeface="Century Gothic" charset="0"/>
+                        </a:rPr>
+                        <a:t> </a:t>
+                      </a:r>
+                      <a:r>
+                        <a:rPr lang="en-US" altLang="ko-KR" sz="1800" kern="1200" dirty="0" smtClean="0" b="0">
+                          <a:solidFill>
+                            <a:srgbClr val="FFFFFF"/>
+                          </a:solidFill>
+                          <a:latin typeface="맑은 고딕" charset="0"/>
+                          <a:ea typeface="맑은 고딕" charset="0"/>
+                        </a:rPr>
+                        <a:t>번개표시와</a:t>
+                      </a:r>
+                      <a:r>
+                        <a:rPr lang="en-US" altLang="ko-KR" sz="1800" kern="1200" dirty="0" smtClean="0" b="0">
+                          <a:solidFill>
+                            <a:srgbClr val="FFFFFF"/>
+                          </a:solidFill>
+                          <a:latin typeface="Century Gothic" charset="0"/>
+                          <a:ea typeface="Century Gothic" charset="0"/>
+                        </a:rPr>
+                        <a:t> </a:t>
+                      </a:r>
+                      <a:r>
+                        <a:rPr lang="en-US" altLang="ko-KR" sz="1800" kern="1200" dirty="0" smtClean="0" b="0">
+                          <a:solidFill>
+                            <a:srgbClr val="FFFFFF"/>
+                          </a:solidFill>
+                          <a:latin typeface="맑은 고딕" charset="0"/>
+                          <a:ea typeface="맑은 고딕" charset="0"/>
+                        </a:rPr>
+                        <a:t>상호작용하면 충전이 된다.</a:t>
+                      </a:r>
+                      <a:endParaRPr lang="ko-KR" altLang="en-US" sz="1800" kern="1200" dirty="0" smtClean="0" b="0">
+                        <a:solidFill>
+                          <a:srgbClr val="FFFFFF"/>
+                        </a:solidFill>
+                        <a:latin typeface="맑은 고딕" charset="0"/>
+                        <a:ea typeface="맑은 고딕" charset="0"/>
+                      </a:endParaRPr>
                     </a:p>
                     <a:p>
-                      <a:pPr algn="ctr" latinLnBrk="1"/>
-                      <a:r>
-                        <a:rPr lang="ko-KR" altLang="en-US" dirty="0"/>
-                        <a:t>플레이어가 번개와 상호작용하면</a:t>
-                      </a:r>
-                      <a:endParaRPr lang="en-US" altLang="ko-KR" dirty="0"/>
+                      <a:pPr marL="0" indent="0" algn="ctr" fontAlgn="auto" defTabSz="457200" eaLnBrk="0">
+                        <a:lnSpc>
+                          <a:spcPct val="100000"/>
+                        </a:lnSpc>
+                        <a:spcBef>
+                          <a:spcPts val="0"/>
+                        </a:spcBef>
+                        <a:spcAft>
+                          <a:spcPts val="0"/>
+                        </a:spcAft>
+                        <a:buFontTx/>
+                        <a:buNone/>
+                      </a:pPr>
+                      <a:endParaRPr lang="ko-KR" altLang="en-US" sz="1800" kern="1200" dirty="0" smtClean="0" b="0">
+                        <a:solidFill>
+                          <a:srgbClr val="FFFFFF"/>
+                        </a:solidFill>
+                        <a:latin typeface="맑은 고딕" charset="0"/>
+                        <a:ea typeface="맑은 고딕" charset="0"/>
+                      </a:endParaRPr>
                     </a:p>
                     <a:p>
-                      <a:pPr algn="ctr" latinLnBrk="1"/>
+                      <a:pPr marL="0" indent="0" algn="ctr" fontAlgn="auto" defTabSz="457200" eaLnBrk="0">
+                        <a:lnSpc>
+                          <a:spcPct val="100000"/>
+                        </a:lnSpc>
+                        <a:spcBef>
+                          <a:spcPts val="0"/>
+                        </a:spcBef>
+                        <a:spcAft>
+                          <a:spcPts val="0"/>
+                        </a:spcAft>
+                        <a:buFontTx/>
+                        <a:buNone/>
+                      </a:pPr>
                       <a:r>
-                        <a:rPr lang="ko-KR" altLang="en-US" dirty="0"/>
-                        <a:t>플레이어가 자석이 된다</a:t>
+                        <a:rPr lang="en-US" altLang="ko-KR" sz="1800" kern="1200" dirty="0" smtClean="0" b="0">
+                          <a:solidFill>
+                            <a:srgbClr val="FFFFFF"/>
+                          </a:solidFill>
+                          <a:latin typeface="맑은 고딕" charset="0"/>
+                          <a:ea typeface="맑은 고딕" charset="0"/>
+                        </a:rPr>
+                        <a:t>특정 키를 누르면 플레이어가</a:t>
                       </a:r>
                       <a:r>
-                        <a:rPr lang="en-US" altLang="ko-KR" dirty="0"/>
+                        <a:rPr lang="en-US" altLang="ko-KR" sz="1800" kern="1200" dirty="0" smtClean="0" b="0">
+                          <a:solidFill>
+                            <a:srgbClr val="FFFFFF"/>
+                          </a:solidFill>
+                          <a:latin typeface="Century Gothic" charset="0"/>
+                          <a:ea typeface="Century Gothic" charset="0"/>
+                        </a:rPr>
+                        <a:t> </a:t>
+                      </a:r>
+                      <a:r>
+                        <a:rPr lang="en-US" altLang="ko-KR" sz="1800" kern="1200" dirty="0" smtClean="0" b="0">
+                          <a:solidFill>
+                            <a:srgbClr val="FFFFFF"/>
+                          </a:solidFill>
+                          <a:latin typeface="맑은 고딕" charset="0"/>
+                          <a:ea typeface="맑은 고딕" charset="0"/>
+                        </a:rPr>
+                        <a:t>자석이</a:t>
+                      </a:r>
+                      <a:r>
+                        <a:rPr lang="en-US" altLang="ko-KR" sz="1800" kern="1200" dirty="0" smtClean="0" b="0">
+                          <a:solidFill>
+                            <a:srgbClr val="FFFFFF"/>
+                          </a:solidFill>
+                          <a:latin typeface="Century Gothic" charset="0"/>
+                          <a:ea typeface="Century Gothic" charset="0"/>
+                        </a:rPr>
+                        <a:t> </a:t>
+                      </a:r>
+                      <a:r>
+                        <a:rPr lang="en-US" altLang="ko-KR" sz="1800" kern="1200" dirty="0" smtClean="0" b="0">
+                          <a:solidFill>
+                            <a:srgbClr val="FFFFFF"/>
+                          </a:solidFill>
+                          <a:latin typeface="맑은 고딕" charset="0"/>
+                          <a:ea typeface="맑은 고딕" charset="0"/>
+                        </a:rPr>
+                        <a:t>된다</a:t>
+                      </a:r>
+                      <a:r>
+                        <a:rPr lang="en-US" altLang="ko-KR" sz="1800" kern="1200" dirty="0" smtClean="0" b="0">
+                          <a:solidFill>
+                            <a:srgbClr val="FFFFFF"/>
+                          </a:solidFill>
+                          <a:latin typeface="Century Gothic" charset="0"/>
+                          <a:ea typeface="Century Gothic" charset="0"/>
+                        </a:rPr>
                         <a:t>.</a:t>
                       </a:r>
-                      <a:endParaRPr lang="ko-KR" altLang="en-US" dirty="0"/>
+                      <a:endParaRPr lang="ko-KR" altLang="en-US" sz="1800" kern="1200" dirty="0" smtClean="0" b="0">
+                        <a:solidFill>
+                          <a:srgbClr val="FFFFFF"/>
+                        </a:solidFill>
+                        <a:latin typeface="Century Gothic" charset="0"/>
+                        <a:ea typeface="Century Gothic" charset="0"/>
+                      </a:endParaRPr>
                     </a:p>
                   </a:txBody>
-                  <a:tcPr/>
+                  <a:tcPr marL="91440" marR="91440" marT="45720" marB="45720" anchor="t">
+                    <a:lnL w="12700" cap="flat" cmpd="sng" algn="ctr">
+                      <a:solidFill>
+                        <a:srgbClr val="FFFFFF">
+                          <a:alpha val="100000"/>
+                        </a:srgbClr>
+                      </a:solidFill>
+                      <a:prstDash val="solid"/>
+                      <a:round/>
+                      <a:headEnd type="none" w="med" len="med"/>
+                      <a:tailEnd type="none" w="med" len="med"/>
+                    </a:lnL>
+                    <a:lnR w="12700" cap="flat" cmpd="sng" algn="ctr">
+                      <a:solidFill>
+                        <a:srgbClr val="FFFFFF">
+                          <a:alpha val="100000"/>
+                        </a:srgbClr>
+                      </a:solidFill>
+                      <a:prstDash val="solid"/>
+                      <a:round/>
+                      <a:headEnd type="none" w="med" len="med"/>
+                      <a:tailEnd type="none" w="med" len="med"/>
+                    </a:lnR>
+                    <a:lnT w="12700" cap="flat" cmpd="sng" algn="ctr">
+                      <a:solidFill>
+                        <a:srgbClr val="FFFFFF">
+                          <a:alpha val="100000"/>
+                        </a:srgbClr>
+                      </a:solidFill>
+                      <a:prstDash val="solid"/>
+                      <a:round/>
+                      <a:headEnd type="none" w="med" len="med"/>
+                      <a:tailEnd type="none" w="med" len="med"/>
+                    </a:lnT>
+                    <a:lnB w="12700" cap="flat" cmpd="sng" algn="ctr">
+                      <a:solidFill>
+                        <a:srgbClr val="FFFFFF">
+                          <a:alpha val="100000"/>
+                        </a:srgbClr>
+                      </a:solidFill>
+                      <a:prstDash val="solid"/>
+                      <a:round/>
+                      <a:headEnd type="none" w="med" len="med"/>
+                      <a:tailEnd type="none" w="med" len="med"/>
+                    </a:lnB>
+                    <a:noFill/>
+                  </a:tcPr>
                 </a:tc>
-                <a:extLst>
-                  <a:ext uri="{0D108BD9-81ED-4DB2-BD59-A6C34878D82A}">
-                    <a16:rowId xmlns:a16="http://schemas.microsoft.com/office/drawing/2014/main" val="2393207849"/>
-                  </a:ext>
-                </a:extLst>
               </a:tr>
-              <a:tr h="1363648">
+              <a:tr h="1363345">
                 <a:tc>
                   <a:txBody>
                     <a:bodyPr/>
                     <a:lstStyle/>
                     <a:p>
-                      <a:pPr latinLnBrk="1"/>
-                      <a:endParaRPr lang="ko-KR" altLang="en-US" dirty="0"/>
+                      <a:pPr marL="0" indent="0" algn="l" fontAlgn="auto" defTabSz="457200" eaLnBrk="0">
+                        <a:lnSpc>
+                          <a:spcPct val="100000"/>
+                        </a:lnSpc>
+                        <a:spcBef>
+                          <a:spcPts val="0"/>
+                        </a:spcBef>
+                        <a:spcAft>
+                          <a:spcPts val="0"/>
+                        </a:spcAft>
+                        <a:buFontTx/>
+                        <a:buNone/>
+                      </a:pPr>
+                      <a:endParaRPr lang="ko-KR" altLang="en-US" sz="1800" kern="1200" dirty="0" smtClean="0" b="0">
+                        <a:solidFill>
+                          <a:srgbClr val="FFFFFF"/>
+                        </a:solidFill>
+                        <a:latin typeface="맑은 고딕" charset="0"/>
+                        <a:ea typeface="맑은 고딕" charset="0"/>
+                      </a:endParaRPr>
                     </a:p>
                   </a:txBody>
-                  <a:tcPr/>
+                  <a:tcPr marL="91440" marR="91440" marT="45720" marB="45720" anchor="t">
+                    <a:lnL w="12700" cap="flat" cmpd="sng" algn="ctr">
+                      <a:solidFill>
+                        <a:srgbClr val="FFFFFF">
+                          <a:alpha val="100000"/>
+                        </a:srgbClr>
+                      </a:solidFill>
+                      <a:prstDash val="solid"/>
+                      <a:round/>
+                      <a:headEnd type="none" w="med" len="med"/>
+                      <a:tailEnd type="none" w="med" len="med"/>
+                    </a:lnL>
+                    <a:lnR w="12700" cap="flat" cmpd="sng" algn="ctr">
+                      <a:solidFill>
+                        <a:srgbClr val="FFFFFF">
+                          <a:alpha val="100000"/>
+                        </a:srgbClr>
+                      </a:solidFill>
+                      <a:prstDash val="solid"/>
+                      <a:round/>
+                      <a:headEnd type="none" w="med" len="med"/>
+                      <a:tailEnd type="none" w="med" len="med"/>
+                    </a:lnR>
+                    <a:lnT w="12700" cap="flat" cmpd="sng" algn="ctr">
+                      <a:solidFill>
+                        <a:srgbClr val="FFFFFF">
+                          <a:alpha val="100000"/>
+                        </a:srgbClr>
+                      </a:solidFill>
+                      <a:prstDash val="solid"/>
+                      <a:round/>
+                      <a:headEnd type="none" w="med" len="med"/>
+                      <a:tailEnd type="none" w="med" len="med"/>
+                    </a:lnT>
+                    <a:lnB w="12700" cap="flat" cmpd="sng" algn="ctr">
+                      <a:solidFill>
+                        <a:srgbClr val="FFFFFF">
+                          <a:alpha val="100000"/>
+                        </a:srgbClr>
+                      </a:solidFill>
+                      <a:prstDash val="solid"/>
+                      <a:round/>
+                      <a:headEnd type="none" w="med" len="med"/>
+                      <a:tailEnd type="none" w="med" len="med"/>
+                    </a:lnB>
+                    <a:noFill/>
+                  </a:tcPr>
                 </a:tc>
                 <a:tc>
                   <a:txBody>
                     <a:bodyPr/>
                     <a:lstStyle/>
                     <a:p>
-                      <a:pPr algn="ctr" latinLnBrk="1"/>
-                      <a:endParaRPr lang="en-US" altLang="ko-KR" dirty="0"/>
+                      <a:pPr marL="0" indent="0" algn="ctr" fontAlgn="auto" defTabSz="457200" eaLnBrk="0">
+                        <a:lnSpc>
+                          <a:spcPct val="100000"/>
+                        </a:lnSpc>
+                        <a:spcBef>
+                          <a:spcPts val="0"/>
+                        </a:spcBef>
+                        <a:spcAft>
+                          <a:spcPts val="0"/>
+                        </a:spcAft>
+                        <a:buFontTx/>
+                        <a:buNone/>
+                      </a:pPr>
+                      <a:endParaRPr lang="ko-KR" altLang="en-US" sz="1800" kern="1200" dirty="0" smtClean="0" b="0">
+                        <a:solidFill>
+                          <a:srgbClr val="FFFFFF"/>
+                        </a:solidFill>
+                        <a:latin typeface="Century Gothic" charset="0"/>
+                        <a:ea typeface="Century Gothic" charset="0"/>
+                      </a:endParaRPr>
                     </a:p>
                     <a:p>
-                      <a:pPr algn="ctr" latinLnBrk="1"/>
+                      <a:pPr marL="0" indent="0" algn="ctr" fontAlgn="auto" defTabSz="457200" eaLnBrk="0">
+                        <a:lnSpc>
+                          <a:spcPct val="100000"/>
+                        </a:lnSpc>
+                        <a:spcBef>
+                          <a:spcPts val="0"/>
+                        </a:spcBef>
+                        <a:spcAft>
+                          <a:spcPts val="0"/>
+                        </a:spcAft>
+                        <a:buFontTx/>
+                        <a:buNone/>
+                      </a:pPr>
                       <a:r>
-                        <a:rPr lang="ko-KR" altLang="en-US" dirty="0"/>
-                        <a:t>자석 성질을 갖는 오브젝트들이</a:t>
+                        <a:rPr lang="en-US" altLang="ko-KR" sz="1800" kern="1200" dirty="0" smtClean="0" b="0">
+                          <a:solidFill>
+                            <a:srgbClr val="FFFFFF"/>
+                          </a:solidFill>
+                          <a:latin typeface="맑은 고딕" charset="0"/>
+                          <a:ea typeface="맑은 고딕" charset="0"/>
+                        </a:rPr>
+                        <a:t>자석</a:t>
                       </a:r>
-                      <a:endParaRPr lang="en-US" altLang="ko-KR" dirty="0"/>
+                      <a:r>
+                        <a:rPr lang="en-US" altLang="ko-KR" sz="1800" kern="1200" dirty="0" smtClean="0" b="0">
+                          <a:solidFill>
+                            <a:srgbClr val="FFFFFF"/>
+                          </a:solidFill>
+                          <a:latin typeface="Century Gothic" charset="0"/>
+                          <a:ea typeface="Century Gothic" charset="0"/>
+                        </a:rPr>
+                        <a:t> </a:t>
+                      </a:r>
+                      <a:r>
+                        <a:rPr lang="en-US" altLang="ko-KR" sz="1800" kern="1200" dirty="0" smtClean="0" b="0">
+                          <a:solidFill>
+                            <a:srgbClr val="FFFFFF"/>
+                          </a:solidFill>
+                          <a:latin typeface="맑은 고딕" charset="0"/>
+                          <a:ea typeface="맑은 고딕" charset="0"/>
+                        </a:rPr>
+                        <a:t>성질을</a:t>
+                      </a:r>
+                      <a:r>
+                        <a:rPr lang="en-US" altLang="ko-KR" sz="1800" kern="1200" dirty="0" smtClean="0" b="0">
+                          <a:solidFill>
+                            <a:srgbClr val="FFFFFF"/>
+                          </a:solidFill>
+                          <a:latin typeface="Century Gothic" charset="0"/>
+                          <a:ea typeface="Century Gothic" charset="0"/>
+                        </a:rPr>
+                        <a:t> </a:t>
+                      </a:r>
+                      <a:r>
+                        <a:rPr lang="en-US" altLang="ko-KR" sz="1800" kern="1200" dirty="0" smtClean="0" b="0">
+                          <a:solidFill>
+                            <a:srgbClr val="FFFFFF"/>
+                          </a:solidFill>
+                          <a:latin typeface="맑은 고딕" charset="0"/>
+                          <a:ea typeface="맑은 고딕" charset="0"/>
+                        </a:rPr>
+                        <a:t>갖는</a:t>
+                      </a:r>
+                      <a:r>
+                        <a:rPr lang="en-US" altLang="ko-KR" sz="1800" kern="1200" dirty="0" smtClean="0" b="0">
+                          <a:solidFill>
+                            <a:srgbClr val="FFFFFF"/>
+                          </a:solidFill>
+                          <a:latin typeface="Century Gothic" charset="0"/>
+                          <a:ea typeface="Century Gothic" charset="0"/>
+                        </a:rPr>
+                        <a:t> </a:t>
+                      </a:r>
+                      <a:r>
+                        <a:rPr lang="en-US" altLang="ko-KR" sz="1800" kern="1200" dirty="0" smtClean="0" b="0">
+                          <a:solidFill>
+                            <a:srgbClr val="FFFFFF"/>
+                          </a:solidFill>
+                          <a:latin typeface="맑은 고딕" charset="0"/>
+                          <a:ea typeface="맑은 고딕" charset="0"/>
+                        </a:rPr>
+                        <a:t>오브젝트들이</a:t>
+                      </a:r>
+                      <a:endParaRPr lang="ko-KR" altLang="en-US" sz="1800" kern="1200" dirty="0" smtClean="0" b="0">
+                        <a:solidFill>
+                          <a:srgbClr val="FFFFFF"/>
+                        </a:solidFill>
+                        <a:latin typeface="맑은 고딕" charset="0"/>
+                        <a:ea typeface="맑은 고딕" charset="0"/>
+                      </a:endParaRPr>
                     </a:p>
                     <a:p>
-                      <a:pPr algn="ctr" latinLnBrk="1"/>
+                      <a:pPr marL="0" indent="0" algn="ctr" fontAlgn="auto" defTabSz="457200" eaLnBrk="0">
+                        <a:lnSpc>
+                          <a:spcPct val="100000"/>
+                        </a:lnSpc>
+                        <a:spcBef>
+                          <a:spcPts val="0"/>
+                        </a:spcBef>
+                        <a:spcAft>
+                          <a:spcPts val="0"/>
+                        </a:spcAft>
+                        <a:buFontTx/>
+                        <a:buNone/>
+                      </a:pPr>
                       <a:r>
-                        <a:rPr lang="ko-KR" altLang="en-US" dirty="0" err="1"/>
+                        <a:rPr lang="en-US" altLang="ko-KR" sz="1800" kern="1200" dirty="0" smtClean="0" b="0">
+                          <a:solidFill>
+                            <a:srgbClr val="FFFFFF"/>
+                          </a:solidFill>
+                          <a:latin typeface="맑은 고딕" charset="0"/>
+                          <a:ea typeface="맑은 고딕" charset="0"/>
+                        </a:rPr>
                         <a:t>달라붙게된다</a:t>
                       </a:r>
                       <a:r>
-                        <a:rPr lang="en-US" altLang="ko-KR" dirty="0"/>
+                        <a:rPr lang="en-US" altLang="ko-KR" sz="1800" kern="1200" dirty="0" smtClean="0" b="0">
+                          <a:solidFill>
+                            <a:srgbClr val="FFFFFF"/>
+                          </a:solidFill>
+                          <a:latin typeface="Century Gothic" charset="0"/>
+                          <a:ea typeface="Century Gothic" charset="0"/>
+                        </a:rPr>
                         <a:t>.</a:t>
                       </a:r>
+                      <a:endParaRPr lang="ko-KR" altLang="en-US" sz="1800" kern="1200" dirty="0" smtClean="0" b="0">
+                        <a:solidFill>
+                          <a:srgbClr val="FFFFFF"/>
+                        </a:solidFill>
+                        <a:latin typeface="Century Gothic" charset="0"/>
+                        <a:ea typeface="Century Gothic" charset="0"/>
+                      </a:endParaRPr>
                     </a:p>
                   </a:txBody>
-                  <a:tcPr/>
+                  <a:tcPr marL="91440" marR="91440" marT="45720" marB="45720" anchor="t">
+                    <a:lnL w="12700" cap="flat" cmpd="sng" algn="ctr">
+                      <a:solidFill>
+                        <a:srgbClr val="FFFFFF">
+                          <a:alpha val="100000"/>
+                        </a:srgbClr>
+                      </a:solidFill>
+                      <a:prstDash val="solid"/>
+                      <a:round/>
+                      <a:headEnd type="none" w="med" len="med"/>
+                      <a:tailEnd type="none" w="med" len="med"/>
+                    </a:lnL>
+                    <a:lnR w="12700" cap="flat" cmpd="sng" algn="ctr">
+                      <a:solidFill>
+                        <a:srgbClr val="FFFFFF">
+                          <a:alpha val="100000"/>
+                        </a:srgbClr>
+                      </a:solidFill>
+                      <a:prstDash val="solid"/>
+                      <a:round/>
+                      <a:headEnd type="none" w="med" len="med"/>
+                      <a:tailEnd type="none" w="med" len="med"/>
+                    </a:lnR>
+                    <a:lnT w="12700" cap="flat" cmpd="sng" algn="ctr">
+                      <a:solidFill>
+                        <a:srgbClr val="FFFFFF">
+                          <a:alpha val="100000"/>
+                        </a:srgbClr>
+                      </a:solidFill>
+                      <a:prstDash val="solid"/>
+                      <a:round/>
+                      <a:headEnd type="none" w="med" len="med"/>
+                      <a:tailEnd type="none" w="med" len="med"/>
+                    </a:lnT>
+                    <a:lnB w="12700" cap="flat" cmpd="sng" algn="ctr">
+                      <a:solidFill>
+                        <a:srgbClr val="FFFFFF">
+                          <a:alpha val="100000"/>
+                        </a:srgbClr>
+                      </a:solidFill>
+                      <a:prstDash val="solid"/>
+                      <a:round/>
+                      <a:headEnd type="none" w="med" len="med"/>
+                      <a:tailEnd type="none" w="med" len="med"/>
+                    </a:lnB>
+                    <a:noFill/>
+                  </a:tcPr>
                 </a:tc>
-                <a:extLst>
-                  <a:ext uri="{0D108BD9-81ED-4DB2-BD59-A6C34878D82A}">
-                    <a16:rowId xmlns:a16="http://schemas.microsoft.com/office/drawing/2014/main" val="2096653109"/>
-                  </a:ext>
-                </a:extLst>
               </a:tr>
             </a:tbl>
           </a:graphicData>
@@ -8638,8 +9739,8 @@
         </p:nvSpPr>
         <p:spPr>
           <a:xfrm>
-            <a:off x="2694102" y="3780417"/>
-            <a:ext cx="1130503" cy="1277358"/>
+            <a:off x="2694305" y="3780155"/>
+            <a:ext cx="1130300" cy="1277620"/>
           </a:xfrm>
           <a:prstGeom prst="lightningBolt">
             <a:avLst/>
@@ -8698,7 +9799,7 @@
         </p:blipFill>
         <p:spPr>
           <a:xfrm>
-            <a:off x="2576830" y="5254725"/>
+            <a:off x="2576830" y="5254625"/>
             <a:ext cx="1247775" cy="1247775"/>
           </a:xfrm>
           <a:prstGeom prst="rect">
@@ -8746,11 +9847,26 @@
   <p:clrMapOvr>
     <a:masterClrMapping/>
   </p:clrMapOvr>
+  <mc:AlternateContent xmlns:mc="http://schemas.openxmlformats.org/markup-compatibility/2006">
+    <mc:Choice xmlns:p14="http://schemas.microsoft.com/office/powerpoint/2010/main" Requires="p14">
+      <p:transition spd="slow" p14:dur="2000"/>
+    </mc:Choice>
+    <mc:Fallback>
+      <p:transition spd="slow"/>
+    </mc:Fallback>
+  </mc:AlternateContent>
+  <p:timing>
+    <p:tnLst>
+      <p:par>
+        <p:cTn id="1" dur="indefinite" restart="never" nodeType="tmRoot"/>
+      </p:par>
+    </p:tnLst>
+  </p:timing>
 </p:sld>
 </file>
 
 <file path=ppt/slides/slide14.xml><?xml version="1.0" encoding="utf-8"?>
-<p:sld xmlns:a="http://schemas.openxmlformats.org/drawingml/2006/main" xmlns:r="http://schemas.openxmlformats.org/officeDocument/2006/relationships" xmlns:p="http://schemas.openxmlformats.org/presentationml/2006/main">
+<p:sld xmlns:a="http://schemas.openxmlformats.org/drawingml/2006/main" xmlns:r="http://schemas.openxmlformats.org/officeDocument/2006/relationships" xmlns:p="http://schemas.openxmlformats.org/presentationml/2006/main" xmlns:p14="http://schemas.microsoft.com/office/powerpoint/2010/main">
   <p:cSld>
     <p:spTree>
       <p:nvGrpSpPr>
@@ -8777,7 +9893,7 @@
         <p:spPr>
           <a:xfrm>
             <a:off x="791845" y="423545"/>
-            <a:ext cx="5614035" cy="768985"/>
+            <a:ext cx="5614670" cy="768985"/>
           </a:xfrm>
           <a:prstGeom prst="rect">
             <a:avLst/>
@@ -8785,12 +9901,12 @@
           <a:noFill/>
         </p:spPr>
         <p:txBody>
-          <a:bodyPr vert="horz" wrap="square" lIns="91440" tIns="45720" rIns="91440" bIns="45720" anchor="t">
+          <a:bodyPr wrap="square" lIns="91440" tIns="45720" rIns="91440" bIns="45720" numCol="1" vert="horz" anchor="t">
             <a:spAutoFit/>
           </a:bodyPr>
           <a:lstStyle/>
           <a:p>
-            <a:pPr marL="0" indent="0" algn="l" defTabSz="457200" eaLnBrk="0" fontAlgn="auto" latinLnBrk="0">
+            <a:pPr marL="0" indent="0" algn="l" fontAlgn="auto" defTabSz="457200" eaLnBrk="0" latinLnBrk="0">
               <a:lnSpc>
                 <a:spcPct val="100000"/>
               </a:lnSpc>
@@ -8804,7 +9920,7 @@
               <a:buNone/>
             </a:pPr>
             <a:r>
-              <a:rPr lang="en-US" altLang="ko-KR" sz="4400" b="0" cap="none" dirty="0">
+              <a:rPr lang="en-US" altLang="ko-KR" sz="4400" cap="none" dirty="0" smtClean="0" b="0">
                 <a:solidFill>
                   <a:schemeClr val="accent1">
                     <a:lumMod val="75000"/>
@@ -8813,9 +9929,9 @@
                 <a:latin typeface="맑은 고딕" charset="0"/>
                 <a:ea typeface="맑은 고딕" charset="0"/>
               </a:rPr>
-              <a:t>게임 플레이</a:t>
-            </a:r>
-            <a:endParaRPr lang="ko-KR" altLang="en-US" sz="4400" b="0" cap="none" dirty="0">
+              <a:t>게임 플레이 - 예시</a:t>
+            </a:r>
+            <a:endParaRPr lang="ko-KR" altLang="en-US" sz="4400" cap="none" dirty="0" smtClean="0" b="0">
               <a:solidFill>
                 <a:schemeClr val="accent1">
                   <a:lumMod val="75000"/>
@@ -8827,6 +9943,1450 @@
           </a:p>
         </p:txBody>
       </p:sp>
+      <p:sp>
+        <p:nvSpPr>
+          <p:cNvPr id="7" name="도형 6"/>
+          <p:cNvSpPr>
+            <a:spLocks/>
+          </p:cNvSpPr>
+          <p:nvPr/>
+        </p:nvSpPr>
+        <p:spPr>
+          <a:xfrm rot="0">
+            <a:off x="2085340" y="1823085"/>
+            <a:ext cx="7318375" cy="420370"/>
+          </a:xfrm>
+          <a:prstGeom prst="roundRect"/>
+          <a:solidFill>
+            <a:schemeClr val="accent1">
+              <a:alpha val="0"/>
+            </a:schemeClr>
+          </a:solidFill>
+          <a:ln w="19050" cap="flat" cmpd="sng">
+            <a:solidFill>
+              <a:srgbClr val="B38435">
+                <a:alpha val="100000"/>
+              </a:srgbClr>
+            </a:solidFill>
+            <a:prstDash val="solid"/>
+          </a:ln>
+        </p:spPr>
+        <p:style>
+          <a:lnRef idx="2">
+            <a:schemeClr val="accent1">
+              <a:shade val="50000"/>
+            </a:schemeClr>
+          </a:lnRef>
+          <a:fillRef idx="1">
+            <a:schemeClr val="accent1"/>
+          </a:fillRef>
+          <a:effectRef idx="0">
+            <a:schemeClr val="accent1"/>
+          </a:effectRef>
+          <a:fontRef idx="minor">
+            <a:schemeClr val="lt1"/>
+          </a:fontRef>
+        </p:style>
+        <p:txBody>
+          <a:bodyPr wrap="square" lIns="91440" tIns="45720" rIns="91440" bIns="45720" vert="horz" anchor="ctr">
+            <a:noAutofit/>
+          </a:bodyPr>
+          <a:lstStyle/>
+          <a:p>
+            <a:pPr marL="0" indent="0" algn="ctr" fontAlgn="auto" defTabSz="508000">
+              <a:lnSpc>
+                <a:spcPct val="100000"/>
+              </a:lnSpc>
+              <a:spcBef>
+                <a:spcPts val="0"/>
+              </a:spcBef>
+              <a:spcAft>
+                <a:spcPts val="0"/>
+              </a:spcAft>
+              <a:buFontTx/>
+              <a:buNone/>
+            </a:pPr>
+            <a:endParaRPr lang="ko-KR" altLang="en-US" sz="1800" cap="none" dirty="0" smtClean="0" b="0">
+              <a:latin typeface="맑은 고딕" charset="0"/>
+              <a:ea typeface="맑은 고딕" charset="0"/>
+            </a:endParaRPr>
+          </a:p>
+        </p:txBody>
+      </p:sp>
+      <p:sp>
+        <p:nvSpPr>
+          <p:cNvPr id="8" name="도형 7"/>
+          <p:cNvSpPr>
+            <a:spLocks/>
+          </p:cNvSpPr>
+          <p:nvPr/>
+        </p:nvSpPr>
+        <p:spPr>
+          <a:xfrm rot="0">
+            <a:off x="2308225" y="2242820"/>
+            <a:ext cx="341630" cy="341630"/>
+          </a:xfrm>
+          <a:prstGeom prst="roundRect"/>
+          <a:solidFill>
+            <a:schemeClr val="accent1">
+              <a:alpha val="0"/>
+            </a:schemeClr>
+          </a:solidFill>
+        </p:spPr>
+        <p:style>
+          <a:lnRef idx="2">
+            <a:schemeClr val="accent1">
+              <a:shade val="50000"/>
+            </a:schemeClr>
+          </a:lnRef>
+          <a:fillRef idx="1">
+            <a:schemeClr val="accent1"/>
+          </a:fillRef>
+          <a:effectRef idx="0">
+            <a:schemeClr val="accent1"/>
+          </a:effectRef>
+          <a:fontRef idx="minor">
+            <a:schemeClr val="lt1"/>
+          </a:fontRef>
+        </p:style>
+        <p:txBody>
+          <a:bodyPr wrap="square" lIns="91440" tIns="45720" rIns="91440" bIns="45720" vert="horz" anchor="ctr">
+            <a:noAutofit/>
+          </a:bodyPr>
+          <a:lstStyle/>
+          <a:p>
+            <a:pPr marL="0" indent="0" algn="ctr" fontAlgn="auto" defTabSz="508000">
+              <a:lnSpc>
+                <a:spcPct val="100000"/>
+              </a:lnSpc>
+              <a:spcBef>
+                <a:spcPts val="0"/>
+              </a:spcBef>
+              <a:spcAft>
+                <a:spcPts val="0"/>
+              </a:spcAft>
+              <a:buFontTx/>
+              <a:buNone/>
+            </a:pPr>
+            <a:endParaRPr lang="ko-KR" altLang="en-US" sz="1800" cap="none" dirty="0" smtClean="0" b="0">
+              <a:latin typeface="맑은 고딕" charset="0"/>
+              <a:ea typeface="맑은 고딕" charset="0"/>
+            </a:endParaRPr>
+          </a:p>
+        </p:txBody>
+      </p:sp>
+      <p:sp>
+        <p:nvSpPr>
+          <p:cNvPr id="9" name="도형 8"/>
+          <p:cNvSpPr>
+            <a:spLocks/>
+          </p:cNvSpPr>
+          <p:nvPr/>
+        </p:nvSpPr>
+        <p:spPr>
+          <a:xfrm rot="0">
+            <a:off x="3593465" y="2242820"/>
+            <a:ext cx="341630" cy="341630"/>
+          </a:xfrm>
+          <a:prstGeom prst="roundRect"/>
+          <a:solidFill>
+            <a:schemeClr val="accent1">
+              <a:alpha val="0"/>
+            </a:schemeClr>
+          </a:solidFill>
+        </p:spPr>
+        <p:style>
+          <a:lnRef idx="2">
+            <a:schemeClr val="accent1">
+              <a:shade val="50000"/>
+            </a:schemeClr>
+          </a:lnRef>
+          <a:fillRef idx="1">
+            <a:schemeClr val="accent1"/>
+          </a:fillRef>
+          <a:effectRef idx="0">
+            <a:schemeClr val="accent1"/>
+          </a:effectRef>
+          <a:fontRef idx="minor">
+            <a:schemeClr val="lt1"/>
+          </a:fontRef>
+        </p:style>
+        <p:txBody>
+          <a:bodyPr wrap="square" lIns="91440" tIns="45720" rIns="91440" bIns="45720" vert="horz" anchor="ctr">
+            <a:noAutofit/>
+          </a:bodyPr>
+          <a:lstStyle/>
+          <a:p>
+            <a:pPr marL="0" indent="0" algn="ctr" fontAlgn="auto" defTabSz="508000">
+              <a:lnSpc>
+                <a:spcPct val="100000"/>
+              </a:lnSpc>
+              <a:spcBef>
+                <a:spcPts val="0"/>
+              </a:spcBef>
+              <a:spcAft>
+                <a:spcPts val="0"/>
+              </a:spcAft>
+              <a:buFontTx/>
+              <a:buNone/>
+            </a:pPr>
+            <a:endParaRPr lang="ko-KR" altLang="en-US" sz="1800" cap="none" dirty="0" smtClean="0" b="0">
+              <a:latin typeface="맑은 고딕" charset="0"/>
+              <a:ea typeface="맑은 고딕" charset="0"/>
+            </a:endParaRPr>
+          </a:p>
+        </p:txBody>
+      </p:sp>
+      <p:sp>
+        <p:nvSpPr>
+          <p:cNvPr id="10" name="도형 9"/>
+          <p:cNvSpPr>
+            <a:spLocks/>
+          </p:cNvSpPr>
+          <p:nvPr/>
+        </p:nvSpPr>
+        <p:spPr>
+          <a:xfrm rot="0">
+            <a:off x="6229350" y="2242820"/>
+            <a:ext cx="341630" cy="341630"/>
+          </a:xfrm>
+          <a:prstGeom prst="roundRect"/>
+          <a:solidFill>
+            <a:schemeClr val="accent1">
+              <a:alpha val="0"/>
+            </a:schemeClr>
+          </a:solidFill>
+        </p:spPr>
+        <p:style>
+          <a:lnRef idx="2">
+            <a:schemeClr val="accent1">
+              <a:shade val="50000"/>
+            </a:schemeClr>
+          </a:lnRef>
+          <a:fillRef idx="1">
+            <a:schemeClr val="accent1"/>
+          </a:fillRef>
+          <a:effectRef idx="0">
+            <a:schemeClr val="accent1"/>
+          </a:effectRef>
+          <a:fontRef idx="minor">
+            <a:schemeClr val="lt1"/>
+          </a:fontRef>
+        </p:style>
+        <p:txBody>
+          <a:bodyPr wrap="square" lIns="91440" tIns="45720" rIns="91440" bIns="45720" vert="horz" anchor="ctr">
+            <a:noAutofit/>
+          </a:bodyPr>
+          <a:lstStyle/>
+          <a:p>
+            <a:pPr marL="0" indent="0" algn="ctr" fontAlgn="auto" defTabSz="508000">
+              <a:lnSpc>
+                <a:spcPct val="100000"/>
+              </a:lnSpc>
+              <a:spcBef>
+                <a:spcPts val="0"/>
+              </a:spcBef>
+              <a:spcAft>
+                <a:spcPts val="0"/>
+              </a:spcAft>
+              <a:buFontTx/>
+              <a:buNone/>
+            </a:pPr>
+            <a:endParaRPr lang="ko-KR" altLang="en-US" sz="1800" cap="none" dirty="0" smtClean="0" b="0">
+              <a:latin typeface="맑은 고딕" charset="0"/>
+              <a:ea typeface="맑은 고딕" charset="0"/>
+            </a:endParaRPr>
+          </a:p>
+        </p:txBody>
+      </p:sp>
+      <p:sp>
+        <p:nvSpPr>
+          <p:cNvPr id="11" name="도형 10"/>
+          <p:cNvSpPr>
+            <a:spLocks/>
+          </p:cNvSpPr>
+          <p:nvPr/>
+        </p:nvSpPr>
+        <p:spPr>
+          <a:xfrm rot="0">
+            <a:off x="4931410" y="2242820"/>
+            <a:ext cx="341630" cy="341630"/>
+          </a:xfrm>
+          <a:prstGeom prst="roundRect"/>
+          <a:solidFill>
+            <a:schemeClr val="accent1">
+              <a:alpha val="0"/>
+            </a:schemeClr>
+          </a:solidFill>
+        </p:spPr>
+        <p:style>
+          <a:lnRef idx="2">
+            <a:schemeClr val="accent1">
+              <a:shade val="50000"/>
+            </a:schemeClr>
+          </a:lnRef>
+          <a:fillRef idx="1">
+            <a:schemeClr val="accent1"/>
+          </a:fillRef>
+          <a:effectRef idx="0">
+            <a:schemeClr val="accent1"/>
+          </a:effectRef>
+          <a:fontRef idx="minor">
+            <a:schemeClr val="lt1"/>
+          </a:fontRef>
+        </p:style>
+        <p:txBody>
+          <a:bodyPr wrap="square" lIns="91440" tIns="45720" rIns="91440" bIns="45720" vert="horz" anchor="ctr">
+            <a:noAutofit/>
+          </a:bodyPr>
+          <a:lstStyle/>
+          <a:p>
+            <a:pPr marL="0" indent="0" algn="ctr" fontAlgn="auto" defTabSz="508000">
+              <a:lnSpc>
+                <a:spcPct val="100000"/>
+              </a:lnSpc>
+              <a:spcBef>
+                <a:spcPts val="0"/>
+              </a:spcBef>
+              <a:spcAft>
+                <a:spcPts val="0"/>
+              </a:spcAft>
+              <a:buFontTx/>
+              <a:buNone/>
+            </a:pPr>
+            <a:endParaRPr lang="ko-KR" altLang="en-US" sz="1800" cap="none" dirty="0" smtClean="0" b="0">
+              <a:latin typeface="맑은 고딕" charset="0"/>
+              <a:ea typeface="맑은 고딕" charset="0"/>
+            </a:endParaRPr>
+          </a:p>
+        </p:txBody>
+      </p:sp>
+      <p:sp>
+        <p:nvSpPr>
+          <p:cNvPr id="12" name="도형 11"/>
+          <p:cNvSpPr>
+            <a:spLocks/>
+          </p:cNvSpPr>
+          <p:nvPr/>
+        </p:nvSpPr>
+        <p:spPr>
+          <a:xfrm rot="0">
+            <a:off x="7501890" y="2242820"/>
+            <a:ext cx="341630" cy="341630"/>
+          </a:xfrm>
+          <a:prstGeom prst="roundRect"/>
+          <a:solidFill>
+            <a:schemeClr val="accent1">
+              <a:alpha val="0"/>
+            </a:schemeClr>
+          </a:solidFill>
+        </p:spPr>
+        <p:style>
+          <a:lnRef idx="2">
+            <a:schemeClr val="accent1">
+              <a:shade val="50000"/>
+            </a:schemeClr>
+          </a:lnRef>
+          <a:fillRef idx="1">
+            <a:schemeClr val="accent1"/>
+          </a:fillRef>
+          <a:effectRef idx="0">
+            <a:schemeClr val="accent1"/>
+          </a:effectRef>
+          <a:fontRef idx="minor">
+            <a:schemeClr val="lt1"/>
+          </a:fontRef>
+        </p:style>
+        <p:txBody>
+          <a:bodyPr wrap="square" lIns="91440" tIns="45720" rIns="91440" bIns="45720" vert="horz" anchor="ctr">
+            <a:noAutofit/>
+          </a:bodyPr>
+          <a:lstStyle/>
+          <a:p>
+            <a:pPr marL="0" indent="0" algn="ctr" fontAlgn="auto" defTabSz="508000">
+              <a:lnSpc>
+                <a:spcPct val="100000"/>
+              </a:lnSpc>
+              <a:spcBef>
+                <a:spcPts val="0"/>
+              </a:spcBef>
+              <a:spcAft>
+                <a:spcPts val="0"/>
+              </a:spcAft>
+              <a:buFontTx/>
+              <a:buNone/>
+            </a:pPr>
+            <a:endParaRPr lang="ko-KR" altLang="en-US" sz="1800" cap="none" dirty="0" smtClean="0" b="0">
+              <a:latin typeface="맑은 고딕" charset="0"/>
+              <a:ea typeface="맑은 고딕" charset="0"/>
+            </a:endParaRPr>
+          </a:p>
+        </p:txBody>
+      </p:sp>
+      <p:sp>
+        <p:nvSpPr>
+          <p:cNvPr id="13" name="도형 12"/>
+          <p:cNvSpPr>
+            <a:spLocks/>
+          </p:cNvSpPr>
+          <p:nvPr/>
+        </p:nvSpPr>
+        <p:spPr>
+          <a:xfrm rot="0">
+            <a:off x="9403080" y="1691640"/>
+            <a:ext cx="341630" cy="341630"/>
+          </a:xfrm>
+          <a:prstGeom prst="roundRect"/>
+          <a:solidFill>
+            <a:schemeClr val="accent1">
+              <a:alpha val="0"/>
+            </a:schemeClr>
+          </a:solidFill>
+        </p:spPr>
+        <p:style>
+          <a:lnRef idx="2">
+            <a:schemeClr val="accent1">
+              <a:shade val="50000"/>
+            </a:schemeClr>
+          </a:lnRef>
+          <a:fillRef idx="1">
+            <a:schemeClr val="accent1"/>
+          </a:fillRef>
+          <a:effectRef idx="0">
+            <a:schemeClr val="accent1"/>
+          </a:effectRef>
+          <a:fontRef idx="minor">
+            <a:schemeClr val="lt1"/>
+          </a:fontRef>
+        </p:style>
+        <p:txBody>
+          <a:bodyPr wrap="square" lIns="91440" tIns="45720" rIns="91440" bIns="45720" vert="horz" anchor="ctr">
+            <a:noAutofit/>
+          </a:bodyPr>
+          <a:lstStyle/>
+          <a:p>
+            <a:pPr marL="0" indent="0" algn="ctr" fontAlgn="auto" defTabSz="508000">
+              <a:lnSpc>
+                <a:spcPct val="100000"/>
+              </a:lnSpc>
+              <a:spcBef>
+                <a:spcPts val="0"/>
+              </a:spcBef>
+              <a:spcAft>
+                <a:spcPts val="0"/>
+              </a:spcAft>
+              <a:buFontTx/>
+              <a:buNone/>
+            </a:pPr>
+            <a:endParaRPr lang="ko-KR" altLang="en-US" sz="1800" cap="none" dirty="0" smtClean="0" b="0">
+              <a:latin typeface="맑은 고딕" charset="0"/>
+              <a:ea typeface="맑은 고딕" charset="0"/>
+            </a:endParaRPr>
+          </a:p>
+        </p:txBody>
+      </p:sp>
+      <p:sp>
+        <p:nvSpPr>
+          <p:cNvPr id="14" name="도형 13"/>
+          <p:cNvSpPr>
+            <a:spLocks/>
+          </p:cNvSpPr>
+          <p:nvPr/>
+        </p:nvSpPr>
+        <p:spPr>
+          <a:xfrm rot="0">
+            <a:off x="8904605" y="2242185"/>
+            <a:ext cx="341630" cy="341630"/>
+          </a:xfrm>
+          <a:prstGeom prst="roundRect"/>
+          <a:solidFill>
+            <a:schemeClr val="accent1">
+              <a:alpha val="0"/>
+            </a:schemeClr>
+          </a:solidFill>
+        </p:spPr>
+        <p:style>
+          <a:lnRef idx="2">
+            <a:schemeClr val="accent1">
+              <a:shade val="50000"/>
+            </a:schemeClr>
+          </a:lnRef>
+          <a:fillRef idx="1">
+            <a:schemeClr val="accent1"/>
+          </a:fillRef>
+          <a:effectRef idx="0">
+            <a:schemeClr val="accent1"/>
+          </a:effectRef>
+          <a:fontRef idx="minor">
+            <a:schemeClr val="lt1"/>
+          </a:fontRef>
+        </p:style>
+        <p:txBody>
+          <a:bodyPr wrap="square" lIns="91440" tIns="45720" rIns="91440" bIns="45720" vert="horz" anchor="ctr">
+            <a:noAutofit/>
+          </a:bodyPr>
+          <a:lstStyle/>
+          <a:p>
+            <a:pPr marL="0" indent="0" algn="ctr" fontAlgn="auto" defTabSz="508000">
+              <a:lnSpc>
+                <a:spcPct val="100000"/>
+              </a:lnSpc>
+              <a:spcBef>
+                <a:spcPts val="0"/>
+              </a:spcBef>
+              <a:spcAft>
+                <a:spcPts val="0"/>
+              </a:spcAft>
+              <a:buFontTx/>
+              <a:buNone/>
+            </a:pPr>
+            <a:endParaRPr lang="ko-KR" altLang="en-US" sz="1800" cap="none" dirty="0" smtClean="0" b="0">
+              <a:latin typeface="맑은 고딕" charset="0"/>
+              <a:ea typeface="맑은 고딕" charset="0"/>
+            </a:endParaRPr>
+          </a:p>
+        </p:txBody>
+      </p:sp>
+      <p:sp>
+        <p:nvSpPr>
+          <p:cNvPr id="15" name="도형 14"/>
+          <p:cNvSpPr>
+            <a:spLocks/>
+          </p:cNvSpPr>
+          <p:nvPr/>
+        </p:nvSpPr>
+        <p:spPr>
+          <a:xfrm rot="0">
+            <a:off x="7960360" y="1469390"/>
+            <a:ext cx="341630" cy="341630"/>
+          </a:xfrm>
+          <a:prstGeom prst="roundRect"/>
+          <a:solidFill>
+            <a:schemeClr val="accent1">
+              <a:alpha val="0"/>
+            </a:schemeClr>
+          </a:solidFill>
+        </p:spPr>
+        <p:style>
+          <a:lnRef idx="2">
+            <a:schemeClr val="accent1">
+              <a:shade val="50000"/>
+            </a:schemeClr>
+          </a:lnRef>
+          <a:fillRef idx="1">
+            <a:schemeClr val="accent1"/>
+          </a:fillRef>
+          <a:effectRef idx="0">
+            <a:schemeClr val="accent1"/>
+          </a:effectRef>
+          <a:fontRef idx="minor">
+            <a:schemeClr val="lt1"/>
+          </a:fontRef>
+        </p:style>
+        <p:txBody>
+          <a:bodyPr wrap="square" lIns="91440" tIns="45720" rIns="91440" bIns="45720" vert="horz" anchor="ctr">
+            <a:noAutofit/>
+          </a:bodyPr>
+          <a:lstStyle/>
+          <a:p>
+            <a:pPr marL="0" indent="0" algn="ctr" fontAlgn="auto" defTabSz="508000">
+              <a:lnSpc>
+                <a:spcPct val="100000"/>
+              </a:lnSpc>
+              <a:spcBef>
+                <a:spcPts val="0"/>
+              </a:spcBef>
+              <a:spcAft>
+                <a:spcPts val="0"/>
+              </a:spcAft>
+              <a:buFontTx/>
+              <a:buNone/>
+            </a:pPr>
+            <a:endParaRPr lang="ko-KR" altLang="en-US" sz="1800" cap="none" dirty="0" smtClean="0" b="0">
+              <a:latin typeface="맑은 고딕" charset="0"/>
+              <a:ea typeface="맑은 고딕" charset="0"/>
+            </a:endParaRPr>
+          </a:p>
+        </p:txBody>
+      </p:sp>
+      <p:sp>
+        <p:nvSpPr>
+          <p:cNvPr id="16" name="도형 15"/>
+          <p:cNvSpPr>
+            <a:spLocks/>
+          </p:cNvSpPr>
+          <p:nvPr/>
+        </p:nvSpPr>
+        <p:spPr>
+          <a:xfrm rot="0">
+            <a:off x="6504940" y="1482090"/>
+            <a:ext cx="341630" cy="341630"/>
+          </a:xfrm>
+          <a:prstGeom prst="roundRect"/>
+          <a:solidFill>
+            <a:schemeClr val="accent1">
+              <a:alpha val="0"/>
+            </a:schemeClr>
+          </a:solidFill>
+        </p:spPr>
+        <p:style>
+          <a:lnRef idx="2">
+            <a:schemeClr val="accent1">
+              <a:shade val="50000"/>
+            </a:schemeClr>
+          </a:lnRef>
+          <a:fillRef idx="1">
+            <a:schemeClr val="accent1"/>
+          </a:fillRef>
+          <a:effectRef idx="0">
+            <a:schemeClr val="accent1"/>
+          </a:effectRef>
+          <a:fontRef idx="minor">
+            <a:schemeClr val="lt1"/>
+          </a:fontRef>
+        </p:style>
+        <p:txBody>
+          <a:bodyPr wrap="square" lIns="91440" tIns="45720" rIns="91440" bIns="45720" vert="horz" anchor="ctr">
+            <a:noAutofit/>
+          </a:bodyPr>
+          <a:lstStyle/>
+          <a:p>
+            <a:pPr marL="0" indent="0" algn="ctr" fontAlgn="auto" defTabSz="508000">
+              <a:lnSpc>
+                <a:spcPct val="100000"/>
+              </a:lnSpc>
+              <a:spcBef>
+                <a:spcPts val="0"/>
+              </a:spcBef>
+              <a:spcAft>
+                <a:spcPts val="0"/>
+              </a:spcAft>
+              <a:buFontTx/>
+              <a:buNone/>
+            </a:pPr>
+            <a:endParaRPr lang="ko-KR" altLang="en-US" sz="1800" cap="none" dirty="0" smtClean="0" b="0">
+              <a:latin typeface="맑은 고딕" charset="0"/>
+              <a:ea typeface="맑은 고딕" charset="0"/>
+            </a:endParaRPr>
+          </a:p>
+        </p:txBody>
+      </p:sp>
+      <p:sp>
+        <p:nvSpPr>
+          <p:cNvPr id="17" name="도형 16"/>
+          <p:cNvSpPr>
+            <a:spLocks/>
+          </p:cNvSpPr>
+          <p:nvPr/>
+        </p:nvSpPr>
+        <p:spPr>
+          <a:xfrm rot="0">
+            <a:off x="5114925" y="1482090"/>
+            <a:ext cx="341630" cy="341630"/>
+          </a:xfrm>
+          <a:prstGeom prst="roundRect"/>
+          <a:solidFill>
+            <a:schemeClr val="accent1">
+              <a:alpha val="0"/>
+            </a:schemeClr>
+          </a:solidFill>
+        </p:spPr>
+        <p:style>
+          <a:lnRef idx="2">
+            <a:schemeClr val="accent1">
+              <a:shade val="50000"/>
+            </a:schemeClr>
+          </a:lnRef>
+          <a:fillRef idx="1">
+            <a:schemeClr val="accent1"/>
+          </a:fillRef>
+          <a:effectRef idx="0">
+            <a:schemeClr val="accent1"/>
+          </a:effectRef>
+          <a:fontRef idx="minor">
+            <a:schemeClr val="lt1"/>
+          </a:fontRef>
+        </p:style>
+        <p:txBody>
+          <a:bodyPr wrap="square" lIns="91440" tIns="45720" rIns="91440" bIns="45720" vert="horz" anchor="ctr">
+            <a:noAutofit/>
+          </a:bodyPr>
+          <a:lstStyle/>
+          <a:p>
+            <a:pPr marL="0" indent="0" algn="ctr" fontAlgn="auto" defTabSz="508000">
+              <a:lnSpc>
+                <a:spcPct val="100000"/>
+              </a:lnSpc>
+              <a:spcBef>
+                <a:spcPts val="0"/>
+              </a:spcBef>
+              <a:spcAft>
+                <a:spcPts val="0"/>
+              </a:spcAft>
+              <a:buFontTx/>
+              <a:buNone/>
+            </a:pPr>
+            <a:endParaRPr lang="ko-KR" altLang="en-US" sz="1800" cap="none" dirty="0" smtClean="0" b="0">
+              <a:latin typeface="맑은 고딕" charset="0"/>
+              <a:ea typeface="맑은 고딕" charset="0"/>
+            </a:endParaRPr>
+          </a:p>
+        </p:txBody>
+      </p:sp>
+      <p:sp>
+        <p:nvSpPr>
+          <p:cNvPr id="18" name="도형 17"/>
+          <p:cNvSpPr>
+            <a:spLocks/>
+          </p:cNvSpPr>
+          <p:nvPr/>
+        </p:nvSpPr>
+        <p:spPr>
+          <a:xfrm rot="0">
+            <a:off x="3776980" y="1482090"/>
+            <a:ext cx="341630" cy="341630"/>
+          </a:xfrm>
+          <a:prstGeom prst="roundRect"/>
+          <a:solidFill>
+            <a:schemeClr val="accent1">
+              <a:alpha val="0"/>
+            </a:schemeClr>
+          </a:solidFill>
+        </p:spPr>
+        <p:style>
+          <a:lnRef idx="2">
+            <a:schemeClr val="accent1">
+              <a:shade val="50000"/>
+            </a:schemeClr>
+          </a:lnRef>
+          <a:fillRef idx="1">
+            <a:schemeClr val="accent1"/>
+          </a:fillRef>
+          <a:effectRef idx="0">
+            <a:schemeClr val="accent1"/>
+          </a:effectRef>
+          <a:fontRef idx="minor">
+            <a:schemeClr val="lt1"/>
+          </a:fontRef>
+        </p:style>
+        <p:txBody>
+          <a:bodyPr wrap="square" lIns="91440" tIns="45720" rIns="91440" bIns="45720" vert="horz" anchor="ctr">
+            <a:noAutofit/>
+          </a:bodyPr>
+          <a:lstStyle/>
+          <a:p>
+            <a:pPr marL="0" indent="0" algn="ctr" fontAlgn="auto" defTabSz="508000">
+              <a:lnSpc>
+                <a:spcPct val="100000"/>
+              </a:lnSpc>
+              <a:spcBef>
+                <a:spcPts val="0"/>
+              </a:spcBef>
+              <a:spcAft>
+                <a:spcPts val="0"/>
+              </a:spcAft>
+              <a:buFontTx/>
+              <a:buNone/>
+            </a:pPr>
+            <a:endParaRPr lang="ko-KR" altLang="en-US" sz="1800" cap="none" dirty="0" smtClean="0" b="0">
+              <a:latin typeface="맑은 고딕" charset="0"/>
+              <a:ea typeface="맑은 고딕" charset="0"/>
+            </a:endParaRPr>
+          </a:p>
+        </p:txBody>
+      </p:sp>
+      <p:sp>
+        <p:nvSpPr>
+          <p:cNvPr id="19" name="도형 18"/>
+          <p:cNvSpPr>
+            <a:spLocks/>
+          </p:cNvSpPr>
+          <p:nvPr/>
+        </p:nvSpPr>
+        <p:spPr>
+          <a:xfrm rot="0">
+            <a:off x="2504440" y="1482090"/>
+            <a:ext cx="341630" cy="341630"/>
+          </a:xfrm>
+          <a:prstGeom prst="roundRect"/>
+          <a:solidFill>
+            <a:schemeClr val="accent1">
+              <a:alpha val="0"/>
+            </a:schemeClr>
+          </a:solidFill>
+        </p:spPr>
+        <p:style>
+          <a:lnRef idx="2">
+            <a:schemeClr val="accent1">
+              <a:shade val="50000"/>
+            </a:schemeClr>
+          </a:lnRef>
+          <a:fillRef idx="1">
+            <a:schemeClr val="accent1"/>
+          </a:fillRef>
+          <a:effectRef idx="0">
+            <a:schemeClr val="accent1"/>
+          </a:effectRef>
+          <a:fontRef idx="minor">
+            <a:schemeClr val="lt1"/>
+          </a:fontRef>
+        </p:style>
+        <p:txBody>
+          <a:bodyPr wrap="square" lIns="91440" tIns="45720" rIns="91440" bIns="45720" vert="horz" anchor="ctr">
+            <a:noAutofit/>
+          </a:bodyPr>
+          <a:lstStyle/>
+          <a:p>
+            <a:pPr marL="0" indent="0" algn="ctr" fontAlgn="auto" defTabSz="508000">
+              <a:lnSpc>
+                <a:spcPct val="100000"/>
+              </a:lnSpc>
+              <a:spcBef>
+                <a:spcPts val="0"/>
+              </a:spcBef>
+              <a:spcAft>
+                <a:spcPts val="0"/>
+              </a:spcAft>
+              <a:buFontTx/>
+              <a:buNone/>
+            </a:pPr>
+            <a:endParaRPr lang="ko-KR" altLang="en-US" sz="1800" cap="none" dirty="0" smtClean="0" b="0">
+              <a:latin typeface="맑은 고딕" charset="0"/>
+              <a:ea typeface="맑은 고딕" charset="0"/>
+            </a:endParaRPr>
+          </a:p>
+        </p:txBody>
+      </p:sp>
+      <p:sp>
+        <p:nvSpPr>
+          <p:cNvPr id="20" name="도형 19"/>
+          <p:cNvSpPr>
+            <a:spLocks/>
+          </p:cNvSpPr>
+          <p:nvPr/>
+        </p:nvSpPr>
+        <p:spPr>
+          <a:xfrm rot="0">
+            <a:off x="92075" y="4078605"/>
+            <a:ext cx="3843019" cy="2689225"/>
+          </a:xfrm>
+          <a:prstGeom prst="rect"/>
+          <a:solidFill>
+            <a:schemeClr val="accent1">
+              <a:alpha val="0"/>
+            </a:schemeClr>
+          </a:solidFill>
+        </p:spPr>
+        <p:style>
+          <a:lnRef idx="2">
+            <a:schemeClr val="accent1">
+              <a:shade val="50000"/>
+            </a:schemeClr>
+          </a:lnRef>
+          <a:fillRef idx="1">
+            <a:schemeClr val="accent1"/>
+          </a:fillRef>
+          <a:effectRef idx="0">
+            <a:schemeClr val="accent1"/>
+          </a:effectRef>
+          <a:fontRef idx="minor">
+            <a:schemeClr val="lt1"/>
+          </a:fontRef>
+        </p:style>
+        <p:txBody>
+          <a:bodyPr wrap="square" lIns="91440" tIns="45720" rIns="91440" bIns="45720" vert="horz" anchor="ctr">
+            <a:noAutofit/>
+          </a:bodyPr>
+          <a:lstStyle/>
+          <a:p>
+            <a:pPr marL="0" indent="0" algn="ctr" fontAlgn="auto" defTabSz="508000">
+              <a:lnSpc>
+                <a:spcPct val="100000"/>
+              </a:lnSpc>
+              <a:spcBef>
+                <a:spcPts val="0"/>
+              </a:spcBef>
+              <a:spcAft>
+                <a:spcPts val="0"/>
+              </a:spcAft>
+              <a:buFontTx/>
+              <a:buNone/>
+            </a:pPr>
+            <a:endParaRPr lang="ko-KR" altLang="en-US" sz="1800" cap="none" dirty="0" smtClean="0" b="0">
+              <a:latin typeface="맑은 고딕" charset="0"/>
+              <a:ea typeface="맑은 고딕" charset="0"/>
+            </a:endParaRPr>
+          </a:p>
+        </p:txBody>
+      </p:sp>
+      <p:sp>
+        <p:nvSpPr>
+          <p:cNvPr id="21" name="도형 20"/>
+          <p:cNvSpPr>
+            <a:spLocks/>
+          </p:cNvSpPr>
+          <p:nvPr/>
+        </p:nvSpPr>
+        <p:spPr>
+          <a:xfrm rot="0">
+            <a:off x="8996680" y="4078605"/>
+            <a:ext cx="3094990" cy="2689225"/>
+          </a:xfrm>
+          <a:prstGeom prst="rect"/>
+          <a:solidFill>
+            <a:schemeClr val="accent1">
+              <a:alpha val="0"/>
+            </a:schemeClr>
+          </a:solidFill>
+        </p:spPr>
+        <p:style>
+          <a:lnRef idx="2">
+            <a:schemeClr val="accent1">
+              <a:shade val="50000"/>
+            </a:schemeClr>
+          </a:lnRef>
+          <a:fillRef idx="1">
+            <a:schemeClr val="accent1"/>
+          </a:fillRef>
+          <a:effectRef idx="0">
+            <a:schemeClr val="accent1"/>
+          </a:effectRef>
+          <a:fontRef idx="minor">
+            <a:schemeClr val="lt1"/>
+          </a:fontRef>
+        </p:style>
+        <p:txBody>
+          <a:bodyPr wrap="square" lIns="91440" tIns="45720" rIns="91440" bIns="45720" vert="horz" anchor="ctr">
+            <a:noAutofit/>
+          </a:bodyPr>
+          <a:lstStyle/>
+          <a:p>
+            <a:pPr marL="0" indent="0" algn="ctr" fontAlgn="auto" defTabSz="508000">
+              <a:lnSpc>
+                <a:spcPct val="100000"/>
+              </a:lnSpc>
+              <a:spcBef>
+                <a:spcPts val="0"/>
+              </a:spcBef>
+              <a:spcAft>
+                <a:spcPts val="0"/>
+              </a:spcAft>
+              <a:buFontTx/>
+              <a:buNone/>
+            </a:pPr>
+            <a:endParaRPr lang="ko-KR" altLang="en-US" sz="1800" cap="none" dirty="0" smtClean="0" b="0">
+              <a:latin typeface="맑은 고딕" charset="0"/>
+              <a:ea typeface="맑은 고딕" charset="0"/>
+            </a:endParaRPr>
+          </a:p>
+        </p:txBody>
+      </p:sp>
+      <p:sp>
+        <p:nvSpPr>
+          <p:cNvPr id="22" name="텍스트 상자 21"/>
+          <p:cNvSpPr txBox="1">
+            <a:spLocks/>
+          </p:cNvSpPr>
+          <p:nvPr/>
+        </p:nvSpPr>
+        <p:spPr>
+          <a:xfrm rot="0">
+            <a:off x="5114925" y="5390515"/>
+            <a:ext cx="2229485" cy="370205"/>
+          </a:xfrm>
+          <a:prstGeom prst="rect"/>
+          <a:noFill/>
+          <a:ln w="0">
+            <a:noFill/>
+            <a:prstDash/>
+          </a:ln>
+        </p:spPr>
+        <p:txBody>
+          <a:bodyPr wrap="square" lIns="89535" tIns="46355" rIns="89535" bIns="46355" vert="horz" anchor="t">
+            <a:spAutoFit/>
+          </a:bodyPr>
+          <a:lstStyle/>
+          <a:p>
+            <a:pPr marL="0" indent="0" algn="l" fontAlgn="auto" defTabSz="508000">
+              <a:lnSpc>
+                <a:spcPct val="100000"/>
+              </a:lnSpc>
+              <a:spcBef>
+                <a:spcPts val="0"/>
+              </a:spcBef>
+              <a:spcAft>
+                <a:spcPts val="0"/>
+              </a:spcAft>
+              <a:buFontTx/>
+              <a:buNone/>
+            </a:pPr>
+            <a:r>
+              <a:rPr lang="en-US" altLang="ko-KR" sz="1800" cap="none" dirty="0" smtClean="0" b="0">
+                <a:solidFill>
+                  <a:schemeClr val="tx1"/>
+                </a:solidFill>
+                <a:latin typeface="맑은 고딕" charset="0"/>
+                <a:ea typeface="맑은 고딕" charset="0"/>
+              </a:rPr>
+              <a:t>점프 불가능한 공간</a:t>
+            </a:r>
+            <a:endParaRPr lang="ko-KR" altLang="en-US" sz="1800" cap="none" dirty="0" smtClean="0" b="0">
+              <a:solidFill>
+                <a:schemeClr val="tx1"/>
+              </a:solidFill>
+              <a:latin typeface="맑은 고딕" charset="0"/>
+              <a:ea typeface="맑은 고딕" charset="0"/>
+            </a:endParaRPr>
+          </a:p>
+        </p:txBody>
+      </p:sp>
+      <p:sp>
+        <p:nvSpPr>
+          <p:cNvPr id="23" name="도형 22"/>
+          <p:cNvSpPr>
+            <a:spLocks/>
+          </p:cNvSpPr>
+          <p:nvPr/>
+        </p:nvSpPr>
+        <p:spPr>
+          <a:xfrm rot="0">
+            <a:off x="9980295" y="3278505"/>
+            <a:ext cx="328295" cy="761365"/>
+          </a:xfrm>
+          <a:prstGeom prst="roundRect"/>
+          <a:solidFill>
+            <a:schemeClr val="accent1">
+              <a:alpha val="0"/>
+            </a:schemeClr>
+          </a:solidFill>
+        </p:spPr>
+        <p:style>
+          <a:lnRef idx="2">
+            <a:schemeClr val="accent1">
+              <a:shade val="50000"/>
+            </a:schemeClr>
+          </a:lnRef>
+          <a:fillRef idx="1">
+            <a:schemeClr val="accent1"/>
+          </a:fillRef>
+          <a:effectRef idx="0">
+            <a:schemeClr val="accent1"/>
+          </a:effectRef>
+          <a:fontRef idx="minor">
+            <a:schemeClr val="lt1"/>
+          </a:fontRef>
+        </p:style>
+        <p:txBody>
+          <a:bodyPr wrap="square" lIns="91440" tIns="45720" rIns="91440" bIns="45720" vert="horz" anchor="ctr">
+            <a:noAutofit/>
+          </a:bodyPr>
+          <a:lstStyle/>
+          <a:p>
+            <a:pPr marL="0" indent="0" algn="ctr" fontAlgn="auto" defTabSz="508000">
+              <a:lnSpc>
+                <a:spcPct val="100000"/>
+              </a:lnSpc>
+              <a:spcBef>
+                <a:spcPts val="0"/>
+              </a:spcBef>
+              <a:spcAft>
+                <a:spcPts val="0"/>
+              </a:spcAft>
+              <a:buFontTx/>
+              <a:buNone/>
+            </a:pPr>
+            <a:endParaRPr lang="ko-KR" altLang="en-US" sz="1800" cap="none" dirty="0" smtClean="0" b="0">
+              <a:latin typeface="맑은 고딕" charset="0"/>
+              <a:ea typeface="맑은 고딕" charset="0"/>
+            </a:endParaRPr>
+          </a:p>
+        </p:txBody>
+      </p:sp>
+      <p:sp>
+        <p:nvSpPr>
+          <p:cNvPr id="24" name="텍스트 상자 23"/>
+          <p:cNvSpPr txBox="1">
+            <a:spLocks/>
+          </p:cNvSpPr>
+          <p:nvPr/>
+        </p:nvSpPr>
+        <p:spPr>
+          <a:xfrm rot="0">
+            <a:off x="10307955" y="2780030"/>
+            <a:ext cx="1141730" cy="370205"/>
+          </a:xfrm>
+          <a:prstGeom prst="rect"/>
+          <a:noFill/>
+          <a:ln w="0">
+            <a:noFill/>
+            <a:prstDash/>
+          </a:ln>
+        </p:spPr>
+        <p:txBody>
+          <a:bodyPr wrap="square" lIns="89535" tIns="46355" rIns="89535" bIns="46355" vert="horz" anchor="t">
+            <a:spAutoFit/>
+          </a:bodyPr>
+          <a:lstStyle/>
+          <a:p>
+            <a:pPr marL="0" indent="0" algn="l" fontAlgn="auto" defTabSz="508000">
+              <a:lnSpc>
+                <a:spcPct val="100000"/>
+              </a:lnSpc>
+              <a:spcBef>
+                <a:spcPts val="0"/>
+              </a:spcBef>
+              <a:spcAft>
+                <a:spcPts val="0"/>
+              </a:spcAft>
+              <a:buFontTx/>
+              <a:buNone/>
+            </a:pPr>
+            <a:r>
+              <a:rPr lang="en-US" altLang="ko-KR" sz="1800" cap="none" dirty="0" smtClean="0" b="0">
+                <a:solidFill>
+                  <a:schemeClr val="tx1"/>
+                </a:solidFill>
+                <a:latin typeface="맑은 고딕" charset="0"/>
+                <a:ea typeface="맑은 고딕" charset="0"/>
+              </a:rPr>
+              <a:t>플레이어</a:t>
+            </a:r>
+            <a:endParaRPr lang="ko-KR" altLang="en-US" sz="1800" cap="none" dirty="0" smtClean="0" b="0">
+              <a:solidFill>
+                <a:schemeClr val="tx1"/>
+              </a:solidFill>
+              <a:latin typeface="맑은 고딕" charset="0"/>
+              <a:ea typeface="맑은 고딕" charset="0"/>
+            </a:endParaRPr>
+          </a:p>
+        </p:txBody>
+      </p:sp>
+      <p:cxnSp>
+        <p:nvCxnSpPr>
+          <p:cNvPr id="25" name="도형 24"/>
+          <p:cNvCxnSpPr/>
+          <p:nvPr/>
+        </p:nvCxnSpPr>
+        <p:spPr>
+          <a:xfrm rot="0" flipV="1">
+            <a:off x="10307955" y="3134360"/>
+            <a:ext cx="210820" cy="197485"/>
+          </a:xfrm>
+          <a:prstGeom prst="line"/>
+          <a:ln w="9525" cap="flat" cmpd="sng">
+            <a:prstDash/>
+            <a:headEnd type="none" w="med" len="med"/>
+            <a:tailEnd type="none" w="med" len="med"/>
+          </a:ln>
+        </p:spPr>
+        <p:style>
+          <a:lnRef idx="1">
+            <a:schemeClr val="accent1"/>
+          </a:lnRef>
+          <a:fillRef idx="0">
+            <a:schemeClr val="accent1"/>
+          </a:fillRef>
+          <a:effectRef idx="0">
+            <a:schemeClr val="accent1"/>
+          </a:effectRef>
+          <a:fontRef idx="minor">
+            <a:schemeClr val="tx1"/>
+          </a:fontRef>
+        </p:style>
+      </p:cxnSp>
+      <p:cxnSp>
+        <p:nvCxnSpPr>
+          <p:cNvPr id="26" name="도형 25"/>
+          <p:cNvCxnSpPr/>
+          <p:nvPr/>
+        </p:nvCxnSpPr>
+        <p:spPr>
+          <a:xfrm rot="0" flipV="1">
+            <a:off x="9731375" y="1665605"/>
+            <a:ext cx="577215" cy="66040"/>
+          </a:xfrm>
+          <a:prstGeom prst="line"/>
+          <a:ln w="9525" cap="flat" cmpd="sng">
+            <a:prstDash/>
+            <a:headEnd type="none" w="med" len="med"/>
+            <a:tailEnd type="none" w="med" len="med"/>
+          </a:ln>
+        </p:spPr>
+        <p:style>
+          <a:lnRef idx="1">
+            <a:schemeClr val="accent1"/>
+          </a:lnRef>
+          <a:fillRef idx="0">
+            <a:schemeClr val="accent1"/>
+          </a:fillRef>
+          <a:effectRef idx="0">
+            <a:schemeClr val="accent1"/>
+          </a:effectRef>
+          <a:fontRef idx="minor">
+            <a:schemeClr val="tx1"/>
+          </a:fontRef>
+        </p:style>
+      </p:cxnSp>
+      <p:sp>
+        <p:nvSpPr>
+          <p:cNvPr id="27" name="텍스트 상자 26"/>
+          <p:cNvSpPr txBox="1">
+            <a:spLocks/>
+          </p:cNvSpPr>
+          <p:nvPr/>
+        </p:nvSpPr>
+        <p:spPr>
+          <a:xfrm rot="0">
+            <a:off x="10268585" y="1468755"/>
+            <a:ext cx="984250" cy="370205"/>
+          </a:xfrm>
+          <a:prstGeom prst="rect"/>
+          <a:noFill/>
+          <a:ln w="0">
+            <a:noFill/>
+            <a:prstDash/>
+          </a:ln>
+        </p:spPr>
+        <p:txBody>
+          <a:bodyPr wrap="square" lIns="89535" tIns="46355" rIns="89535" bIns="46355" vert="horz" anchor="t">
+            <a:spAutoFit/>
+          </a:bodyPr>
+          <a:lstStyle/>
+          <a:p>
+            <a:pPr marL="0" indent="0" algn="l" fontAlgn="auto" defTabSz="508000">
+              <a:lnSpc>
+                <a:spcPct val="100000"/>
+              </a:lnSpc>
+              <a:spcBef>
+                <a:spcPts val="0"/>
+              </a:spcBef>
+              <a:spcAft>
+                <a:spcPts val="0"/>
+              </a:spcAft>
+              <a:buFontTx/>
+              <a:buNone/>
+            </a:pPr>
+            <a:r>
+              <a:rPr lang="en-US" altLang="ko-KR" sz="1800" cap="none" dirty="0" smtClean="0" b="0">
+                <a:solidFill>
+                  <a:schemeClr val="tx1"/>
+                </a:solidFill>
+                <a:latin typeface="맑은 고딕" charset="0"/>
+                <a:ea typeface="맑은 고딕" charset="0"/>
+              </a:rPr>
+              <a:t>자석</a:t>
+            </a:r>
+            <a:endParaRPr lang="ko-KR" altLang="en-US" sz="1800" cap="none" dirty="0" smtClean="0" b="0">
+              <a:solidFill>
+                <a:schemeClr val="tx1"/>
+              </a:solidFill>
+              <a:latin typeface="맑은 고딕" charset="0"/>
+              <a:ea typeface="맑은 고딕" charset="0"/>
+            </a:endParaRPr>
+          </a:p>
+        </p:txBody>
+      </p:sp>
+      <p:sp>
+        <p:nvSpPr>
+          <p:cNvPr id="28" name="도형 27"/>
+          <p:cNvSpPr>
+            <a:spLocks/>
+          </p:cNvSpPr>
+          <p:nvPr/>
+        </p:nvSpPr>
+        <p:spPr>
+          <a:xfrm rot="0">
+            <a:off x="301625" y="3199765"/>
+            <a:ext cx="721995" cy="879475"/>
+          </a:xfrm>
+          <a:prstGeom prst="roundRect"/>
+          <a:solidFill>
+            <a:schemeClr val="accent1">
+              <a:alpha val="0"/>
+            </a:schemeClr>
+          </a:solidFill>
+        </p:spPr>
+        <p:style>
+          <a:lnRef idx="2">
+            <a:schemeClr val="accent1">
+              <a:shade val="50000"/>
+            </a:schemeClr>
+          </a:lnRef>
+          <a:fillRef idx="1">
+            <a:schemeClr val="accent1"/>
+          </a:fillRef>
+          <a:effectRef idx="0">
+            <a:schemeClr val="accent1"/>
+          </a:effectRef>
+          <a:fontRef idx="minor">
+            <a:schemeClr val="lt1"/>
+          </a:fontRef>
+        </p:style>
+        <p:txBody>
+          <a:bodyPr wrap="square" lIns="91440" tIns="45720" rIns="91440" bIns="45720" vert="horz" anchor="ctr">
+            <a:noAutofit/>
+          </a:bodyPr>
+          <a:lstStyle/>
+          <a:p>
+            <a:pPr marL="0" indent="0" algn="ctr" fontAlgn="auto" defTabSz="508000">
+              <a:lnSpc>
+                <a:spcPct val="100000"/>
+              </a:lnSpc>
+              <a:spcBef>
+                <a:spcPts val="0"/>
+              </a:spcBef>
+              <a:spcAft>
+                <a:spcPts val="0"/>
+              </a:spcAft>
+              <a:buFontTx/>
+              <a:buNone/>
+            </a:pPr>
+            <a:r>
+              <a:rPr lang="en-US" altLang="ko-KR" sz="1800" cap="none" dirty="0" smtClean="0" b="0">
+                <a:latin typeface="맑은 고딕" charset="0"/>
+                <a:ea typeface="맑은 고딕" charset="0"/>
+              </a:rPr>
+              <a:t>출구</a:t>
+            </a:r>
+            <a:endParaRPr lang="ko-KR" altLang="en-US" sz="1800" cap="none" dirty="0" smtClean="0" b="0">
+              <a:latin typeface="맑은 고딕" charset="0"/>
+              <a:ea typeface="맑은 고딕" charset="0"/>
+            </a:endParaRPr>
+          </a:p>
+        </p:txBody>
+      </p:sp>
+      <p:cxnSp>
+        <p:nvCxnSpPr>
+          <p:cNvPr id="29" name="도형 28"/>
+          <p:cNvCxnSpPr/>
+          <p:nvPr/>
+        </p:nvCxnSpPr>
+        <p:spPr>
+          <a:xfrm rot="0">
+            <a:off x="7029450" y="1626235"/>
+            <a:ext cx="800735" cy="635"/>
+          </a:xfrm>
+          <a:prstGeom prst="straightConnector1"/>
+          <a:ln w="9525" cap="flat" cmpd="sng">
+            <a:prstDash/>
+            <a:headEnd type="none" w="med" len="med"/>
+            <a:tailEnd type="triangle" w="med" len="med"/>
+          </a:ln>
+        </p:spPr>
+        <p:style>
+          <a:lnRef idx="1">
+            <a:schemeClr val="accent1"/>
+          </a:lnRef>
+          <a:fillRef idx="0">
+            <a:schemeClr val="accent1"/>
+          </a:fillRef>
+          <a:effectRef idx="0">
+            <a:schemeClr val="accent1"/>
+          </a:effectRef>
+          <a:fontRef idx="minor">
+            <a:schemeClr val="tx1"/>
+          </a:fontRef>
+        </p:style>
+      </p:cxnSp>
+      <p:cxnSp>
+        <p:nvCxnSpPr>
+          <p:cNvPr id="30" name="도형 29"/>
+          <p:cNvCxnSpPr/>
+          <p:nvPr/>
+        </p:nvCxnSpPr>
+        <p:spPr>
+          <a:xfrm rot="0">
+            <a:off x="4183380" y="1626235"/>
+            <a:ext cx="800735" cy="635"/>
+          </a:xfrm>
+          <a:prstGeom prst="straightConnector1"/>
+          <a:ln w="9525" cap="flat" cmpd="sng">
+            <a:prstDash/>
+            <a:headEnd type="none" w="med" len="med"/>
+            <a:tailEnd type="triangle" w="med" len="med"/>
+          </a:ln>
+        </p:spPr>
+        <p:style>
+          <a:lnRef idx="1">
+            <a:schemeClr val="accent1"/>
+          </a:lnRef>
+          <a:fillRef idx="0">
+            <a:schemeClr val="accent1"/>
+          </a:fillRef>
+          <a:effectRef idx="0">
+            <a:schemeClr val="accent1"/>
+          </a:effectRef>
+          <a:fontRef idx="minor">
+            <a:schemeClr val="tx1"/>
+          </a:fontRef>
+        </p:style>
+      </p:cxnSp>
+      <p:cxnSp>
+        <p:nvCxnSpPr>
+          <p:cNvPr id="31" name="도형 30"/>
+          <p:cNvCxnSpPr/>
+          <p:nvPr/>
+        </p:nvCxnSpPr>
+        <p:spPr>
+          <a:xfrm rot="0" flipH="1">
+            <a:off x="6675120" y="2413000"/>
+            <a:ext cx="748665" cy="635"/>
+          </a:xfrm>
+          <a:prstGeom prst="straightConnector1"/>
+          <a:ln w="9525" cap="flat" cmpd="sng">
+            <a:prstDash/>
+            <a:headEnd type="none" w="med" len="med"/>
+            <a:tailEnd type="triangle" w="med" len="med"/>
+          </a:ln>
+        </p:spPr>
+        <p:style>
+          <a:lnRef idx="1">
+            <a:schemeClr val="accent1"/>
+          </a:lnRef>
+          <a:fillRef idx="0">
+            <a:schemeClr val="accent1"/>
+          </a:fillRef>
+          <a:effectRef idx="0">
+            <a:schemeClr val="accent1"/>
+          </a:effectRef>
+          <a:fontRef idx="minor">
+            <a:schemeClr val="tx1"/>
+          </a:fontRef>
+        </p:style>
+      </p:cxnSp>
+      <p:cxnSp>
+        <p:nvCxnSpPr>
+          <p:cNvPr id="32" name="도형 31"/>
+          <p:cNvCxnSpPr/>
+          <p:nvPr/>
+        </p:nvCxnSpPr>
+        <p:spPr>
+          <a:xfrm rot="0" flipH="1">
+            <a:off x="4079240" y="2413000"/>
+            <a:ext cx="748665" cy="635"/>
+          </a:xfrm>
+          <a:prstGeom prst="straightConnector1"/>
+          <a:ln w="9525" cap="flat" cmpd="sng">
+            <a:prstDash/>
+            <a:headEnd type="none" w="med" len="med"/>
+            <a:tailEnd type="triangle" w="med" len="med"/>
+          </a:ln>
+        </p:spPr>
+        <p:style>
+          <a:lnRef idx="1">
+            <a:schemeClr val="accent1"/>
+          </a:lnRef>
+          <a:fillRef idx="0">
+            <a:schemeClr val="accent1"/>
+          </a:fillRef>
+          <a:effectRef idx="0">
+            <a:schemeClr val="accent1"/>
+          </a:effectRef>
+          <a:fontRef idx="minor">
+            <a:schemeClr val="tx1"/>
+          </a:fontRef>
+        </p:style>
+      </p:cxnSp>
     </p:spTree>
     <p:extLst>
       <p:ext uri="{BB962C8B-B14F-4D97-AF65-F5344CB8AC3E}">
@@ -8837,6 +11397,21 @@
   <p:clrMapOvr>
     <a:masterClrMapping/>
   </p:clrMapOvr>
+  <mc:AlternateContent xmlns:mc="http://schemas.openxmlformats.org/markup-compatibility/2006">
+    <mc:Choice xmlns:p14="http://schemas.microsoft.com/office/powerpoint/2010/main" Requires="p14">
+      <p:transition spd="slow" p14:dur="2000"/>
+    </mc:Choice>
+    <mc:Fallback>
+      <p:transition spd="slow"/>
+    </mc:Fallback>
+  </mc:AlternateContent>
+  <p:timing>
+    <p:tnLst>
+      <p:par>
+        <p:cTn id="1" dur="indefinite" restart="never" nodeType="tmRoot"/>
+      </p:par>
+    </p:tnLst>
+  </p:timing>
 </p:sld>
 </file>
 

--- a/Document/Escape Cube(가제) ppt.pptx
+++ b/Document/Escape Cube(가제) ppt.pptx
@@ -2,7 +2,7 @@
 <file path=ppt/presentation.xml><?xml version="1.0" encoding="utf-8"?>
 <p:presentation xmlns:a="http://schemas.openxmlformats.org/drawingml/2006/main" xmlns:r="http://schemas.openxmlformats.org/officeDocument/2006/relationships" xmlns:p="http://schemas.openxmlformats.org/presentationml/2006/main" xmlns:p14="http://schemas.microsoft.com/office/powerpoint/2010/main" autoCompressPictures="0">
   <p:sldMasterIdLst>
-    <p:sldMasterId id="2147483679" r:id="rId21"/>
+    <p:sldMasterId id="2147483699" r:id="rId21"/>
   </p:sldMasterIdLst>
   <p:notesMasterIdLst>
     <p:notesMasterId r:id="rId23"/>
@@ -11,19 +11,22 @@
     <p:sldId id="256" r:id="rId25"/>
     <p:sldId id="259" r:id="rId26"/>
     <p:sldId id="266" r:id="rId27"/>
-    <p:sldId id="260" r:id="rId28"/>
-    <p:sldId id="257" r:id="rId29"/>
-    <p:sldId id="265" r:id="rId30"/>
-    <p:sldId id="267" r:id="rId31"/>
-    <p:sldId id="264" r:id="rId32"/>
-    <p:sldId id="258" r:id="rId33"/>
-    <p:sldId id="270" r:id="rId34"/>
-    <p:sldId id="272" r:id="rId35"/>
-    <p:sldId id="261" r:id="rId36"/>
+    <p:sldId id="273" r:id="rId28"/>
+    <p:sldId id="260" r:id="rId29"/>
+    <p:sldId id="257" r:id="rId30"/>
+    <p:sldId id="274" r:id="rId31"/>
+    <p:sldId id="258" r:id="rId32"/>
+    <p:sldId id="270" r:id="rId33"/>
+    <p:sldId id="272" r:id="rId34"/>
+    <p:sldId id="261" r:id="rId35"/>
+    <p:sldId id="265" r:id="rId36"/>
     <p:sldId id="262" r:id="rId37"/>
     <p:sldId id="269" r:id="rId38"/>
-    <p:sldId id="263" r:id="rId39"/>
-    <p:sldId id="268" r:id="rId40"/>
+    <p:sldId id="275" r:id="rId39"/>
+    <p:sldId id="276" r:id="rId40"/>
+    <p:sldId id="267" r:id="rId41"/>
+    <p:sldId id="263" r:id="rId42"/>
+    <p:sldId id="268" r:id="rId43"/>
   </p:sldIdLst>
   <p:sldSz cx="12192000" cy="6858000"/>
   <p:notesSz cx="6858000" cy="9144000"/>
@@ -6795,7 +6798,7 @@
 </file>
 
 <file path=ppt/slides/slide1.xml><?xml version="1.0" encoding="utf-8"?>
-<p:sld xmlns:a="http://schemas.openxmlformats.org/drawingml/2006/main" xmlns:r="http://schemas.openxmlformats.org/officeDocument/2006/relationships" xmlns:p="http://schemas.openxmlformats.org/presentationml/2006/main">
+<p:sld xmlns:a="http://schemas.openxmlformats.org/drawingml/2006/main" xmlns:r="http://schemas.openxmlformats.org/officeDocument/2006/relationships" xmlns:p="http://schemas.openxmlformats.org/presentationml/2006/main" xmlns:p14="http://schemas.microsoft.com/office/powerpoint/2010/main">
   <p:cSld>
     <p:spTree>
       <p:nvGrpSpPr>
@@ -7046,375 +7049,25 @@
   <p:clrMapOvr>
     <a:masterClrMapping/>
   </p:clrMapOvr>
+  <mc:AlternateContent xmlns:mc="http://schemas.openxmlformats.org/markup-compatibility/2006">
+    <mc:Choice xmlns:p14="http://schemas.microsoft.com/office/powerpoint/2010/main" Requires="p14">
+      <p:transition spd="slow" p14:dur="2000"/>
+    </mc:Choice>
+    <mc:Fallback>
+      <p:transition spd="slow"/>
+    </mc:Fallback>
+  </mc:AlternateContent>
+  <p:timing>
+    <p:tnLst>
+      <p:par>
+        <p:cTn id="1" dur="indefinite" restart="never" nodeType="tmRoot"/>
+      </p:par>
+    </p:tnLst>
+  </p:timing>
 </p:sld>
 </file>
 
 <file path=ppt/slides/slide10.xml><?xml version="1.0" encoding="utf-8"?>
-<p:sld xmlns:a="http://schemas.openxmlformats.org/drawingml/2006/main" xmlns:r="http://schemas.openxmlformats.org/officeDocument/2006/relationships" xmlns:p="http://schemas.openxmlformats.org/presentationml/2006/main">
-  <p:cSld>
-    <p:spTree>
-      <p:nvGrpSpPr>
-        <p:cNvPr id="1" name=""/>
-        <p:cNvGrpSpPr/>
-        <p:nvPr/>
-      </p:nvGrpSpPr>
-      <p:grpSpPr>
-        <a:xfrm>
-          <a:off x="0" y="0"/>
-          <a:ext cx="0" cy="0"/>
-          <a:chOff x="0" y="0"/>
-          <a:chExt cx="0" cy="0"/>
-        </a:xfrm>
-      </p:grpSpPr>
-      <p:sp>
-        <p:nvSpPr>
-          <p:cNvPr id="2" name="TextBox 1"/>
-          <p:cNvSpPr txBox="1">
-            <a:spLocks/>
-          </p:cNvSpPr>
-          <p:nvPr/>
-        </p:nvSpPr>
-        <p:spPr>
-          <a:xfrm>
-            <a:off x="791845" y="423545"/>
-            <a:ext cx="5614035" cy="768985"/>
-          </a:xfrm>
-          <a:prstGeom prst="rect">
-            <a:avLst/>
-          </a:prstGeom>
-          <a:noFill/>
-        </p:spPr>
-        <p:txBody>
-          <a:bodyPr vert="horz" wrap="square" lIns="91440" tIns="45720" rIns="91440" bIns="45720" anchor="t">
-            <a:spAutoFit/>
-          </a:bodyPr>
-          <a:lstStyle/>
-          <a:p>
-            <a:pPr marL="0" indent="0" algn="l" defTabSz="457200" eaLnBrk="0" fontAlgn="auto" latinLnBrk="0">
-              <a:lnSpc>
-                <a:spcPct val="100000"/>
-              </a:lnSpc>
-              <a:spcBef>
-                <a:spcPts val="0"/>
-              </a:spcBef>
-              <a:spcAft>
-                <a:spcPts val="0"/>
-              </a:spcAft>
-              <a:buFontTx/>
-              <a:buNone/>
-            </a:pPr>
-            <a:r>
-              <a:rPr lang="en-US" altLang="ko-KR" sz="4400" b="0" cap="none" dirty="0" err="1">
-                <a:solidFill>
-                  <a:schemeClr val="accent1">
-                    <a:lumMod val="75000"/>
-                  </a:schemeClr>
-                </a:solidFill>
-                <a:latin typeface="맑은 고딕" charset="0"/>
-                <a:ea typeface="맑은 고딕" charset="0"/>
-              </a:rPr>
-              <a:t>게임</a:t>
-            </a:r>
-            <a:r>
-              <a:rPr lang="ko-KR" altLang="en-US" sz="4400" dirty="0">
-                <a:solidFill>
-                  <a:schemeClr val="accent1">
-                    <a:lumMod val="75000"/>
-                  </a:schemeClr>
-                </a:solidFill>
-                <a:latin typeface="맑은 고딕" charset="0"/>
-                <a:ea typeface="맑은 고딕" charset="0"/>
-              </a:rPr>
-              <a:t>소개</a:t>
-            </a:r>
-            <a:r>
-              <a:rPr lang="en-US" altLang="ko-KR" sz="4400" dirty="0">
-                <a:solidFill>
-                  <a:schemeClr val="accent1">
-                    <a:lumMod val="75000"/>
-                  </a:schemeClr>
-                </a:solidFill>
-                <a:latin typeface="맑은 고딕" charset="0"/>
-                <a:ea typeface="맑은 고딕" charset="0"/>
-              </a:rPr>
-              <a:t>-</a:t>
-            </a:r>
-            <a:r>
-              <a:rPr lang="ko-KR" altLang="en-US" sz="4400" dirty="0">
-                <a:solidFill>
-                  <a:schemeClr val="accent1">
-                    <a:lumMod val="75000"/>
-                  </a:schemeClr>
-                </a:solidFill>
-                <a:latin typeface="맑은 고딕" charset="0"/>
-                <a:ea typeface="맑은 고딕" charset="0"/>
-              </a:rPr>
-              <a:t>예시</a:t>
-            </a:r>
-            <a:endParaRPr lang="ko-KR" altLang="en-US" sz="4400" b="0" cap="none" dirty="0">
-              <a:solidFill>
-                <a:schemeClr val="accent1">
-                  <a:lumMod val="75000"/>
-                </a:schemeClr>
-              </a:solidFill>
-              <a:latin typeface="맑은 고딕" charset="0"/>
-              <a:ea typeface="맑은 고딕" charset="0"/>
-            </a:endParaRPr>
-          </a:p>
-        </p:txBody>
-      </p:sp>
-      <p:pic>
-        <p:nvPicPr>
-          <p:cNvPr id="3" name="그림 2" descr="C:/Users/yang/AppData/Roaming/PolarisOffice/ETemp/1400_16054944/fImage25819412441.png"/>
-          <p:cNvPicPr>
-            <a:picLocks noChangeAspect="1"/>
-          </p:cNvPicPr>
-          <p:nvPr/>
-        </p:nvPicPr>
-        <p:blipFill rotWithShape="1">
-          <a:blip r:embed="rId2">
-            <a:extLst>
-              <a:ext uri="{28A0092B-C50C-407E-A947-70E740481C1C}">
-                <a14:useLocalDpi xmlns:a14="http://schemas.microsoft.com/office/drawing/2010/main" val="0"/>
-              </a:ext>
-            </a:extLst>
-          </a:blip>
-          <a:stretch>
-            <a:fillRect/>
-          </a:stretch>
-        </p:blipFill>
-        <p:spPr>
-          <a:xfrm>
-            <a:off x="791845" y="1454062"/>
-            <a:ext cx="6038215" cy="4224830"/>
-          </a:xfrm>
-          <a:prstGeom prst="rect">
-            <a:avLst/>
-          </a:prstGeom>
-          <a:noFill/>
-        </p:spPr>
-      </p:pic>
-      <p:sp>
-        <p:nvSpPr>
-          <p:cNvPr id="5" name="타원 4">
-            <a:extLst>
-              <a:ext uri="{FF2B5EF4-FFF2-40B4-BE49-F238E27FC236}">
-                <a16:creationId xmlns:a16="http://schemas.microsoft.com/office/drawing/2014/main" id="{F9120B8E-B6C3-42F6-87D0-8CF5F35E0751}"/>
-              </a:ext>
-            </a:extLst>
-          </p:cNvPr>
-          <p:cNvSpPr/>
-          <p:nvPr/>
-        </p:nvSpPr>
-        <p:spPr>
-          <a:xfrm>
-            <a:off x="3559175" y="4413250"/>
-            <a:ext cx="939800" cy="711200"/>
-          </a:xfrm>
-          <a:prstGeom prst="ellipse">
-            <a:avLst/>
-          </a:prstGeom>
-          <a:noFill/>
-          <a:ln w="76200">
-            <a:solidFill>
-              <a:srgbClr val="FF0000"/>
-            </a:solidFill>
-          </a:ln>
-        </p:spPr>
-        <p:style>
-          <a:lnRef idx="2">
-            <a:schemeClr val="accent1">
-              <a:shade val="50000"/>
-            </a:schemeClr>
-          </a:lnRef>
-          <a:fillRef idx="1">
-            <a:schemeClr val="accent1"/>
-          </a:fillRef>
-          <a:effectRef idx="0">
-            <a:schemeClr val="accent1"/>
-          </a:effectRef>
-          <a:fontRef idx="minor">
-            <a:schemeClr val="lt1"/>
-          </a:fontRef>
-        </p:style>
-        <p:txBody>
-          <a:bodyPr rtlCol="0" anchor="ctr"/>
-          <a:lstStyle/>
-          <a:p>
-            <a:pPr algn="ctr"/>
-            <a:endParaRPr lang="ko-KR" altLang="en-US"/>
-          </a:p>
-        </p:txBody>
-      </p:sp>
-      <p:sp>
-        <p:nvSpPr>
-          <p:cNvPr id="6" name="타원 5">
-            <a:extLst>
-              <a:ext uri="{FF2B5EF4-FFF2-40B4-BE49-F238E27FC236}">
-                <a16:creationId xmlns:a16="http://schemas.microsoft.com/office/drawing/2014/main" id="{105717F3-465C-4DAA-8087-80E6192BD2D8}"/>
-              </a:ext>
-            </a:extLst>
-          </p:cNvPr>
-          <p:cNvSpPr/>
-          <p:nvPr/>
-        </p:nvSpPr>
-        <p:spPr>
-          <a:xfrm>
-            <a:off x="1651000" y="3566477"/>
-            <a:ext cx="939800" cy="711200"/>
-          </a:xfrm>
-          <a:prstGeom prst="ellipse">
-            <a:avLst/>
-          </a:prstGeom>
-          <a:noFill/>
-          <a:ln w="76200">
-            <a:solidFill>
-              <a:srgbClr val="FF0000"/>
-            </a:solidFill>
-          </a:ln>
-        </p:spPr>
-        <p:style>
-          <a:lnRef idx="2">
-            <a:schemeClr val="accent1">
-              <a:shade val="50000"/>
-            </a:schemeClr>
-          </a:lnRef>
-          <a:fillRef idx="1">
-            <a:schemeClr val="accent1"/>
-          </a:fillRef>
-          <a:effectRef idx="0">
-            <a:schemeClr val="accent1"/>
-          </a:effectRef>
-          <a:fontRef idx="minor">
-            <a:schemeClr val="lt1"/>
-          </a:fontRef>
-        </p:style>
-        <p:txBody>
-          <a:bodyPr rtlCol="0" anchor="ctr"/>
-          <a:lstStyle/>
-          <a:p>
-            <a:pPr algn="ctr"/>
-            <a:endParaRPr lang="ko-KR" altLang="en-US"/>
-          </a:p>
-        </p:txBody>
-      </p:sp>
-      <p:sp>
-        <p:nvSpPr>
-          <p:cNvPr id="7" name="TextBox 6">
-            <a:extLst>
-              <a:ext uri="{FF2B5EF4-FFF2-40B4-BE49-F238E27FC236}">
-                <a16:creationId xmlns:a16="http://schemas.microsoft.com/office/drawing/2014/main" id="{2262DBEF-5AF3-4318-8F08-2CAD10C55383}"/>
-              </a:ext>
-            </a:extLst>
-          </p:cNvPr>
-          <p:cNvSpPr txBox="1"/>
-          <p:nvPr/>
-        </p:nvSpPr>
-        <p:spPr>
-          <a:xfrm>
-            <a:off x="7689215" y="2644170"/>
-            <a:ext cx="4031615" cy="1569660"/>
-          </a:xfrm>
-          <a:prstGeom prst="rect">
-            <a:avLst/>
-          </a:prstGeom>
-          <a:noFill/>
-        </p:spPr>
-        <p:txBody>
-          <a:bodyPr wrap="square" rtlCol="0">
-            <a:spAutoFit/>
-          </a:bodyPr>
-          <a:lstStyle/>
-          <a:p>
-            <a:r>
-              <a:rPr lang="ko-KR" altLang="en-US" sz="2400" dirty="0"/>
-              <a:t>게임 맵</a:t>
-            </a:r>
-            <a:r>
-              <a:rPr lang="en-US" altLang="ko-KR" sz="2400" dirty="0"/>
-              <a:t>(</a:t>
-            </a:r>
-            <a:r>
-              <a:rPr lang="ko-KR" altLang="en-US" sz="2400" dirty="0"/>
-              <a:t>큐브</a:t>
-            </a:r>
-            <a:r>
-              <a:rPr lang="en-US" altLang="ko-KR" sz="2400" dirty="0"/>
-              <a:t>) </a:t>
-            </a:r>
-            <a:r>
-              <a:rPr lang="ko-KR" altLang="en-US" sz="2400" dirty="0"/>
-              <a:t>예시</a:t>
-            </a:r>
-            <a:endParaRPr lang="en-US" altLang="ko-KR" sz="2400" dirty="0"/>
-          </a:p>
-          <a:p>
-            <a:endParaRPr lang="en-US" altLang="ko-KR" sz="2400" dirty="0"/>
-          </a:p>
-          <a:p>
-            <a:r>
-              <a:rPr lang="ko-KR" altLang="en-US" sz="2400" dirty="0"/>
-              <a:t>플레이어가 각 큐브마다</a:t>
-            </a:r>
-            <a:endParaRPr lang="en-US" altLang="ko-KR" sz="2400" dirty="0"/>
-          </a:p>
-          <a:p>
-            <a:r>
-              <a:rPr lang="ko-KR" altLang="en-US" sz="2400" dirty="0"/>
-              <a:t>정해진 위치에서 등장한다</a:t>
-            </a:r>
-            <a:r>
-              <a:rPr lang="en-US" altLang="ko-KR" sz="2400" dirty="0"/>
-              <a:t>.</a:t>
-            </a:r>
-            <a:endParaRPr lang="ko-KR" altLang="en-US" sz="2400" dirty="0"/>
-          </a:p>
-        </p:txBody>
-      </p:sp>
-      <p:pic>
-        <p:nvPicPr>
-          <p:cNvPr id="9" name="그림 8">
-            <a:extLst>
-              <a:ext uri="{FF2B5EF4-FFF2-40B4-BE49-F238E27FC236}">
-                <a16:creationId xmlns:a16="http://schemas.microsoft.com/office/drawing/2014/main" id="{9D17853C-AA43-421D-AF50-407FE70B2CA2}"/>
-              </a:ext>
-            </a:extLst>
-          </p:cNvPr>
-          <p:cNvPicPr>
-            <a:picLocks noChangeAspect="1"/>
-          </p:cNvPicPr>
-          <p:nvPr/>
-        </p:nvPicPr>
-        <p:blipFill>
-          <a:blip r:embed="rId3"/>
-          <a:stretch>
-            <a:fillRect/>
-          </a:stretch>
-        </p:blipFill>
-        <p:spPr>
-          <a:xfrm>
-            <a:off x="2011362" y="3798252"/>
-            <a:ext cx="219075" cy="247650"/>
-          </a:xfrm>
-          <a:prstGeom prst="rect">
-            <a:avLst/>
-          </a:prstGeom>
-        </p:spPr>
-      </p:pic>
-    </p:spTree>
-    <p:extLst>
-      <p:ext uri="{BB962C8B-B14F-4D97-AF65-F5344CB8AC3E}">
-        <p14:creationId xmlns:p14="http://schemas.microsoft.com/office/powerpoint/2010/main" val="611401221"/>
-      </p:ext>
-    </p:extLst>
-  </p:cSld>
-  <p:clrMapOvr>
-    <a:masterClrMapping/>
-  </p:clrMapOvr>
-</p:sld>
-</file>
-
-<file path=ppt/slides/slide11.xml><?xml version="1.0" encoding="utf-8"?>
 <p:sld xmlns:a="http://schemas.openxmlformats.org/drawingml/2006/main" xmlns:r="http://schemas.openxmlformats.org/officeDocument/2006/relationships" xmlns:p="http://schemas.openxmlformats.org/presentationml/2006/main" xmlns:p14="http://schemas.microsoft.com/office/powerpoint/2010/main">
   <p:cSld>
     <p:spTree>
@@ -7633,7 +7286,7 @@
       </p:sp>
       <p:pic>
         <p:nvPicPr>
-          <p:cNvPr id="8" name="그림 7" descr="C:/Users/yang/AppData/Roaming/PolarisOffice/ETemp/8464_12189824/image9.jpg"/>
+          <p:cNvPr id="8" name="그림 7"/>
           <p:cNvPicPr>
             <a:picLocks noChangeAspect="1"/>
           </p:cNvPicPr>
@@ -7676,7 +7329,7 @@
         <p:spPr>
           <a:xfrm>
             <a:off x="791845" y="4606925"/>
-            <a:ext cx="3571875" cy="523240"/>
+            <a:ext cx="3572510" cy="522604"/>
           </a:xfrm>
           <a:prstGeom prst="rect">
             <a:avLst/>
@@ -7684,38 +7337,172 @@
           <a:noFill/>
         </p:spPr>
         <p:txBody>
-          <a:bodyPr wrap="square" rtlCol="0">
+          <a:bodyPr wrap="square" lIns="91440" tIns="45720" rIns="91440" bIns="45720" numCol="1" vert="horz" anchor="t">
             <a:spAutoFit/>
           </a:bodyPr>
           <a:lstStyle/>
           <a:p>
-            <a:r>
-              <a:rPr lang="en-US" altLang="ko-KR" sz="1400" dirty="0"/>
-              <a:t>[SYSTEM] </a:t>
-            </a:r>
-            <a:r>
-              <a:rPr lang="ko-KR" altLang="en-US" sz="1400" dirty="0"/>
-              <a:t>게임이 시작되었습니다</a:t>
-            </a:r>
-            <a:r>
-              <a:rPr lang="en-US" altLang="ko-KR" sz="1400" dirty="0"/>
+            <a:pPr marL="0" indent="0" algn="l" fontAlgn="auto" defTabSz="457200" eaLnBrk="0" latinLnBrk="0">
+              <a:lnSpc>
+                <a:spcPct val="100000"/>
+              </a:lnSpc>
+              <a:spcBef>
+                <a:spcPts val="0"/>
+              </a:spcBef>
+              <a:spcAft>
+                <a:spcPts val="0"/>
+              </a:spcAft>
+              <a:buFontTx/>
+              <a:buNone/>
+            </a:pPr>
+            <a:r>
+              <a:rPr lang="en-US" altLang="ko-KR" sz="1400" cap="none" dirty="0" smtClean="0" b="0">
+                <a:latin typeface="Century Gothic" charset="0"/>
+                <a:ea typeface="Century Gothic" charset="0"/>
+              </a:rPr>
+              <a:t>[</a:t>
+            </a:r>
+            <a:r>
+              <a:rPr lang="en-US" altLang="ko-KR" sz="1400" cap="none" dirty="0" smtClean="0" b="0">
+                <a:solidFill>
+                  <a:srgbClr val="FFFFFF"/>
+                </a:solidFill>
+                <a:latin typeface="맑은 고딕" charset="0"/>
+                <a:ea typeface="맑은 고딕" charset="0"/>
+              </a:rPr>
+              <a:t>연구소</a:t>
+            </a:r>
+            <a:r>
+              <a:rPr lang="en-US" altLang="ko-KR" sz="1400" cap="none" dirty="0" smtClean="0" b="0">
+                <a:latin typeface="Century Gothic" charset="0"/>
+                <a:ea typeface="Century Gothic" charset="0"/>
+              </a:rPr>
+              <a:t>] </a:t>
+            </a:r>
+            <a:r>
+              <a:rPr lang="en-US" altLang="ko-KR" sz="1400" cap="none" dirty="0" smtClean="0" b="0">
+                <a:latin typeface="맑은 고딕" charset="0"/>
+                <a:ea typeface="맑은 고딕" charset="0"/>
+              </a:rPr>
+              <a:t>게임이</a:t>
+            </a:r>
+            <a:r>
+              <a:rPr lang="en-US" altLang="ko-KR" sz="1400" cap="none" dirty="0" smtClean="0" b="0">
+                <a:latin typeface="Century Gothic" charset="0"/>
+                <a:ea typeface="Century Gothic" charset="0"/>
+              </a:rPr>
+              <a:t> </a:t>
+            </a:r>
+            <a:r>
+              <a:rPr lang="en-US" altLang="ko-KR" sz="1400" cap="none" dirty="0" smtClean="0" b="0">
+                <a:latin typeface="맑은 고딕" charset="0"/>
+                <a:ea typeface="맑은 고딕" charset="0"/>
+              </a:rPr>
+              <a:t>시작되었습니다</a:t>
+            </a:r>
+            <a:r>
+              <a:rPr lang="en-US" altLang="ko-KR" sz="1400" cap="none" dirty="0" smtClean="0" b="0">
+                <a:latin typeface="Century Gothic" charset="0"/>
+                <a:ea typeface="Century Gothic" charset="0"/>
+              </a:rPr>
               <a:t>.</a:t>
             </a:r>
-          </a:p>
-          <a:p>
-            <a:r>
-              <a:rPr lang="en-US" altLang="ko-KR" sz="1400" dirty="0"/>
+            <a:endParaRPr lang="ko-KR" altLang="en-US" sz="1400" cap="none" dirty="0" smtClean="0" b="0">
+              <a:latin typeface="Century Gothic" charset="0"/>
+              <a:ea typeface="Century Gothic" charset="0"/>
+            </a:endParaRPr>
+          </a:p>
+          <a:p>
+            <a:pPr marL="0" indent="0" algn="l" fontAlgn="auto" defTabSz="457200" eaLnBrk="0" latinLnBrk="0">
+              <a:lnSpc>
+                <a:spcPct val="100000"/>
+              </a:lnSpc>
+              <a:spcBef>
+                <a:spcPts val="0"/>
+              </a:spcBef>
+              <a:spcAft>
+                <a:spcPts val="0"/>
+              </a:spcAft>
+              <a:buFontTx/>
+              <a:buNone/>
+            </a:pPr>
+            <a:r>
+              <a:rPr lang="en-US" altLang="ko-KR" sz="1400" cap="none" dirty="0" smtClean="0" b="1">
+                <a:solidFill>
+                  <a:schemeClr val="accent4"/>
+                </a:solidFill>
+                <a:latin typeface="Century Gothic" charset="0"/>
+                <a:ea typeface="Century Gothic" charset="0"/>
+              </a:rPr>
               <a:t>1p</a:t>
             </a:r>
             <a:r>
-              <a:rPr lang="ko-KR" altLang="en-US" sz="1400" dirty="0"/>
-              <a:t>가 이벤트를 생성했습니다</a:t>
-            </a:r>
-            <a:r>
-              <a:rPr lang="en-US" altLang="ko-KR" sz="1400" dirty="0"/>
+              <a:rPr lang="en-US" altLang="ko-KR" sz="1400" cap="none" dirty="0" smtClean="0" b="1">
+                <a:solidFill>
+                  <a:schemeClr val="accent4"/>
+                </a:solidFill>
+                <a:latin typeface="맑은 고딕" charset="0"/>
+                <a:ea typeface="맑은 고딕" charset="0"/>
+              </a:rPr>
+              <a:t>가</a:t>
+            </a:r>
+            <a:r>
+              <a:rPr lang="en-US" altLang="ko-KR" sz="1400" cap="none" dirty="0" smtClean="0" b="1">
+                <a:solidFill>
+                  <a:schemeClr val="accent4"/>
+                </a:solidFill>
+                <a:latin typeface="Century Gothic" charset="0"/>
+                <a:ea typeface="Century Gothic" charset="0"/>
+              </a:rPr>
+              <a:t> </a:t>
+            </a:r>
+            <a:r>
+              <a:rPr lang="en-US" altLang="ko-KR" sz="1400" cap="none" dirty="0" smtClean="0" b="1">
+                <a:solidFill>
+                  <a:schemeClr val="accent4"/>
+                </a:solidFill>
+                <a:latin typeface="맑은 고딕" charset="0"/>
+                <a:ea typeface="맑은 고딕" charset="0"/>
+              </a:rPr>
+              <a:t>503을</a:t>
+            </a:r>
+            <a:r>
+              <a:rPr lang="en-US" altLang="ko-KR" sz="1400" cap="none" dirty="0" smtClean="0" b="1">
+                <a:solidFill>
+                  <a:schemeClr val="accent4"/>
+                </a:solidFill>
+                <a:latin typeface="Century Gothic" charset="0"/>
+                <a:ea typeface="Century Gothic" charset="0"/>
+              </a:rPr>
+              <a:t> </a:t>
+            </a:r>
+            <a:r>
+              <a:rPr lang="en-US" altLang="ko-KR" sz="1400" cap="none" dirty="0" smtClean="0" b="1">
+                <a:solidFill>
+                  <a:schemeClr val="accent4"/>
+                </a:solidFill>
+                <a:latin typeface="맑은 고딕" charset="0"/>
+                <a:ea typeface="맑은 고딕" charset="0"/>
+              </a:rPr>
+              <a:t>생성했습니다</a:t>
+            </a:r>
+            <a:r>
+              <a:rPr lang="en-US" altLang="ko-KR" sz="1400" cap="none" dirty="0" smtClean="0" b="1">
+                <a:solidFill>
+                  <a:schemeClr val="accent4"/>
+                </a:solidFill>
+                <a:latin typeface="Century Gothic" charset="0"/>
+                <a:ea typeface="Century Gothic" charset="0"/>
+              </a:rPr>
               <a:t>.</a:t>
             </a:r>
-            <a:endParaRPr lang="ko-KR" altLang="en-US" sz="1400" dirty="0"/>
+            <a:endParaRPr lang="ko-KR" altLang="en-US" sz="1400" cap="none" dirty="0" smtClean="0" b="1">
+              <a:solidFill>
+                <a:schemeClr val="accent4"/>
+              </a:solidFill>
+              <a:latin typeface="Century Gothic" charset="0"/>
+              <a:ea typeface="Century Gothic" charset="0"/>
+            </a:endParaRPr>
           </a:p>
         </p:txBody>
       </p:sp>
@@ -8025,6 +7812,454 @@
     <p:extLst>
       <p:ext uri="{BB962C8B-B14F-4D97-AF65-F5344CB8AC3E}">
         <p14:creationId xmlns:p14="http://schemas.microsoft.com/office/powerpoint/2010/main" val="4088386385"/>
+      </p:ext>
+    </p:extLst>
+  </p:cSld>
+  <p:clrMapOvr>
+    <a:masterClrMapping/>
+  </p:clrMapOvr>
+  <mc:AlternateContent xmlns:mc="http://schemas.openxmlformats.org/markup-compatibility/2006">
+    <mc:Choice xmlns:p14="http://schemas.microsoft.com/office/powerpoint/2010/main" Requires="p14">
+      <p:transition spd="slow" p14:dur="2000"/>
+    </mc:Choice>
+    <mc:Fallback>
+      <p:transition spd="slow"/>
+    </mc:Fallback>
+  </mc:AlternateContent>
+  <p:timing>
+    <p:tnLst>
+      <p:par>
+        <p:cTn id="1" dur="indefinite" restart="never" nodeType="tmRoot"/>
+      </p:par>
+    </p:tnLst>
+  </p:timing>
+</p:sld>
+</file>
+
+<file path=ppt/slides/slide11.xml><?xml version="1.0" encoding="utf-8"?>
+<p:sld xmlns:a="http://schemas.openxmlformats.org/drawingml/2006/main" xmlns:r="http://schemas.openxmlformats.org/officeDocument/2006/relationships" xmlns:p="http://schemas.openxmlformats.org/presentationml/2006/main" xmlns:p14="http://schemas.microsoft.com/office/powerpoint/2010/main">
+  <p:cSld>
+    <p:spTree>
+      <p:nvGrpSpPr>
+        <p:cNvPr id="1" name=""/>
+        <p:cNvGrpSpPr/>
+        <p:nvPr/>
+      </p:nvGrpSpPr>
+      <p:grpSpPr>
+        <a:xfrm>
+          <a:off x="0" y="0"/>
+          <a:ext cx="0" cy="0"/>
+          <a:chOff x="0" y="0"/>
+          <a:chExt cx="0" cy="0"/>
+        </a:xfrm>
+      </p:grpSpPr>
+      <p:sp>
+        <p:nvSpPr>
+          <p:cNvPr id="6" name="TextBox 5">
+            <a:extLst>
+              <a:ext uri="{FF2B5EF4-FFF2-40B4-BE49-F238E27FC236}">
+                <a16:creationId xmlns:a16="http://schemas.microsoft.com/office/drawing/2014/main" id="{4F5F6214-4ED6-440C-8488-40370266643C}"/>
+              </a:ext>
+            </a:extLst>
+          </p:cNvPr>
+          <p:cNvSpPr txBox="1"/>
+          <p:nvPr/>
+        </p:nvSpPr>
+        <p:spPr>
+          <a:xfrm>
+            <a:off x="482600" y="381000"/>
+            <a:ext cx="5240020" cy="769620"/>
+          </a:xfrm>
+          <a:prstGeom prst="rect">
+            <a:avLst/>
+          </a:prstGeom>
+          <a:noFill/>
+        </p:spPr>
+        <p:txBody>
+          <a:bodyPr wrap="square" rtlCol="0">
+            <a:spAutoFit/>
+          </a:bodyPr>
+          <a:lstStyle/>
+          <a:p>
+            <a:r>
+              <a:rPr lang="ko-KR" altLang="en-US" sz="4400" dirty="0">
+                <a:solidFill>
+                  <a:srgbClr val="E1930E"/>
+                </a:solidFill>
+              </a:rPr>
+              <a:t>게임소개 </a:t>
+            </a:r>
+            <a:r>
+              <a:rPr lang="en-US" altLang="ko-KR" sz="4400" dirty="0">
+                <a:solidFill>
+                  <a:srgbClr val="E1930E"/>
+                </a:solidFill>
+              </a:rPr>
+              <a:t>- </a:t>
+            </a:r>
+            <a:r>
+              <a:rPr lang="ko-KR" altLang="en-US" sz="4400" dirty="0">
+                <a:solidFill>
+                  <a:srgbClr val="E1930E"/>
+                </a:solidFill>
+              </a:rPr>
+              <a:t>캐릭터</a:t>
+            </a:r>
+          </a:p>
+        </p:txBody>
+      </p:sp>
+      <p:pic>
+        <p:nvPicPr>
+          <p:cNvPr id="3" name="그림 2">
+            <a:extLst>
+              <a:ext uri="{FF2B5EF4-FFF2-40B4-BE49-F238E27FC236}">
+                <a16:creationId xmlns:a16="http://schemas.microsoft.com/office/drawing/2014/main" id="{30FB801F-9F39-4030-BC03-B22DD3F87B55}"/>
+              </a:ext>
+            </a:extLst>
+          </p:cNvPr>
+          <p:cNvPicPr>
+            <a:picLocks noChangeAspect="1"/>
+          </p:cNvPicPr>
+          <p:nvPr/>
+        </p:nvPicPr>
+        <p:blipFill>
+          <a:blip r:embed="rId2"/>
+          <a:stretch>
+            <a:fillRect/>
+          </a:stretch>
+        </p:blipFill>
+        <p:spPr>
+          <a:xfrm>
+            <a:off x="862965" y="1448435"/>
+            <a:ext cx="3355340" cy="4430395"/>
+          </a:xfrm>
+          <a:prstGeom prst="rect">
+            <a:avLst/>
+          </a:prstGeom>
+        </p:spPr>
+      </p:pic>
+      <p:sp>
+        <p:nvSpPr>
+          <p:cNvPr id="4" name="TextBox 3">
+            <a:extLst>
+              <a:ext uri="{FF2B5EF4-FFF2-40B4-BE49-F238E27FC236}">
+                <a16:creationId xmlns:a16="http://schemas.microsoft.com/office/drawing/2014/main" id="{59B0DA41-64D1-4DEF-A4C1-D0C2E82FBDE2}"/>
+              </a:ext>
+            </a:extLst>
+          </p:cNvPr>
+          <p:cNvSpPr txBox="1"/>
+          <p:nvPr/>
+        </p:nvSpPr>
+        <p:spPr>
+          <a:xfrm>
+            <a:off x="4863465" y="2255520"/>
+            <a:ext cx="6221095" cy="922655"/>
+          </a:xfrm>
+          <a:prstGeom prst="rect">
+            <a:avLst/>
+          </a:prstGeom>
+          <a:noFill/>
+        </p:spPr>
+        <p:txBody>
+          <a:bodyPr wrap="square" lIns="91440" tIns="45720" rIns="91440" bIns="45720" numCol="1" vert="horz" anchor="t">
+            <a:spAutoFit/>
+          </a:bodyPr>
+          <a:lstStyle/>
+          <a:p>
+            <a:pPr marL="0" indent="0" algn="l" fontAlgn="auto" defTabSz="457200" eaLnBrk="0" latinLnBrk="0">
+              <a:lnSpc>
+                <a:spcPct val="100000"/>
+              </a:lnSpc>
+              <a:spcBef>
+                <a:spcPts val="0"/>
+              </a:spcBef>
+              <a:spcAft>
+                <a:spcPts val="0"/>
+              </a:spcAft>
+              <a:buFontTx/>
+              <a:buNone/>
+            </a:pPr>
+            <a:r>
+              <a:rPr lang="en-US" altLang="ko-KR" sz="1800" cap="none" dirty="0" smtClean="0" b="0">
+                <a:latin typeface="맑은 고딕" charset="0"/>
+                <a:ea typeface="맑은 고딕" charset="0"/>
+              </a:rPr>
+              <a:t>로봇이</a:t>
+            </a:r>
+            <a:r>
+              <a:rPr lang="en-US" altLang="ko-KR" sz="1800" cap="none" dirty="0" smtClean="0" b="0">
+                <a:latin typeface="Century Gothic" charset="0"/>
+                <a:ea typeface="Century Gothic" charset="0"/>
+              </a:rPr>
+              <a:t> </a:t>
+            </a:r>
+            <a:r>
+              <a:rPr lang="en-US" altLang="ko-KR" sz="1800" cap="none" dirty="0" smtClean="0" b="0">
+                <a:latin typeface="맑은 고딕" charset="0"/>
+                <a:ea typeface="맑은 고딕" charset="0"/>
+              </a:rPr>
+              <a:t>주인공이며</a:t>
+            </a:r>
+            <a:r>
+              <a:rPr lang="en-US" altLang="ko-KR" sz="1800" cap="none" dirty="0" smtClean="0" b="0">
+                <a:latin typeface="Century Gothic" charset="0"/>
+                <a:ea typeface="Century Gothic" charset="0"/>
+              </a:rPr>
+              <a:t>, </a:t>
+            </a:r>
+            <a:r>
+              <a:rPr lang="en-US" altLang="ko-KR" sz="1800" cap="none" dirty="0" smtClean="0" b="0">
+                <a:latin typeface="맑은 고딕" charset="0"/>
+                <a:ea typeface="맑은 고딕" charset="0"/>
+              </a:rPr>
+              <a:t>플레이어가</a:t>
+            </a:r>
+            <a:r>
+              <a:rPr lang="en-US" altLang="ko-KR" sz="1800" cap="none" dirty="0" smtClean="0" b="0">
+                <a:latin typeface="Century Gothic" charset="0"/>
+                <a:ea typeface="Century Gothic" charset="0"/>
+              </a:rPr>
+              <a:t> </a:t>
+            </a:r>
+            <a:r>
+              <a:rPr lang="en-US" altLang="ko-KR" sz="1800" cap="none" dirty="0" smtClean="0" b="0">
+                <a:latin typeface="맑은 고딕" charset="0"/>
+                <a:ea typeface="맑은 고딕" charset="0"/>
+              </a:rPr>
+              <a:t>컨트롤하는</a:t>
+            </a:r>
+            <a:r>
+              <a:rPr lang="en-US" altLang="ko-KR" sz="1800" cap="none" dirty="0" smtClean="0" b="0">
+                <a:latin typeface="Century Gothic" charset="0"/>
+                <a:ea typeface="Century Gothic" charset="0"/>
+              </a:rPr>
+              <a:t> </a:t>
+            </a:r>
+            <a:r>
+              <a:rPr lang="en-US" altLang="ko-KR" sz="1800" cap="none" dirty="0" smtClean="0" b="0">
+                <a:latin typeface="맑은 고딕" charset="0"/>
+                <a:ea typeface="맑은 고딕" charset="0"/>
+              </a:rPr>
+              <a:t>캐릭터이다</a:t>
+            </a:r>
+            <a:r>
+              <a:rPr lang="en-US" altLang="ko-KR" sz="1800" cap="none" dirty="0" smtClean="0" b="0">
+                <a:latin typeface="Century Gothic" charset="0"/>
+                <a:ea typeface="Century Gothic" charset="0"/>
+              </a:rPr>
+              <a:t>.</a:t>
+            </a:r>
+            <a:endParaRPr lang="ko-KR" altLang="en-US" sz="1800" cap="none" dirty="0" smtClean="0" b="0">
+              <a:latin typeface="Century Gothic" charset="0"/>
+              <a:ea typeface="Century Gothic" charset="0"/>
+            </a:endParaRPr>
+          </a:p>
+          <a:p>
+            <a:pPr marL="0" indent="0" algn="l" fontAlgn="auto" defTabSz="457200" eaLnBrk="0" latinLnBrk="0">
+              <a:lnSpc>
+                <a:spcPct val="100000"/>
+              </a:lnSpc>
+              <a:spcBef>
+                <a:spcPts val="0"/>
+              </a:spcBef>
+              <a:spcAft>
+                <a:spcPts val="0"/>
+              </a:spcAft>
+              <a:buFontTx/>
+              <a:buNone/>
+            </a:pPr>
+            <a:endParaRPr lang="ko-KR" altLang="en-US" sz="1800" cap="none" dirty="0" smtClean="0" b="0">
+              <a:latin typeface="Century Gothic" charset="0"/>
+              <a:ea typeface="Century Gothic" charset="0"/>
+            </a:endParaRPr>
+          </a:p>
+          <a:p>
+            <a:pPr marL="0" indent="0" algn="l" fontAlgn="auto" defTabSz="457200" eaLnBrk="0" latinLnBrk="0">
+              <a:lnSpc>
+                <a:spcPct val="100000"/>
+              </a:lnSpc>
+              <a:spcBef>
+                <a:spcPts val="0"/>
+              </a:spcBef>
+              <a:spcAft>
+                <a:spcPts val="0"/>
+              </a:spcAft>
+              <a:buFontTx/>
+              <a:buNone/>
+            </a:pPr>
+            <a:r>
+              <a:rPr lang="en-US" altLang="ko-KR" sz="1800" cap="none" dirty="0" smtClean="0" b="0">
+                <a:latin typeface="맑은 고딕" charset="0"/>
+                <a:ea typeface="맑은 고딕" charset="0"/>
+              </a:rPr>
+              <a:t>해당 로봇 가운데에는 식별코드가 적혀있다.</a:t>
+            </a:r>
+            <a:endParaRPr lang="ko-KR" altLang="en-US" sz="1800" cap="none" dirty="0" smtClean="0" b="0">
+              <a:latin typeface="맑은 고딕" charset="0"/>
+              <a:ea typeface="맑은 고딕" charset="0"/>
+            </a:endParaRPr>
+          </a:p>
+        </p:txBody>
+      </p:sp>
+      <p:sp>
+        <p:nvSpPr>
+          <p:cNvPr id="7" name="TextBox 6"/>
+          <p:cNvSpPr txBox="1">
+            <a:spLocks/>
+          </p:cNvSpPr>
+          <p:nvPr/>
+        </p:nvSpPr>
+        <p:spPr>
+          <a:xfrm rot="0">
+            <a:off x="4747895" y="3766185"/>
+            <a:ext cx="6453505" cy="1199515"/>
+          </a:xfrm>
+          <a:prstGeom prst="rect"/>
+          <a:noFill/>
+        </p:spPr>
+        <p:txBody>
+          <a:bodyPr wrap="square" lIns="91440" tIns="45720" rIns="91440" bIns="45720" numCol="1" vert="horz" anchor="t">
+            <a:spAutoFit/>
+          </a:bodyPr>
+          <a:lstStyle/>
+          <a:p>
+            <a:pPr marL="0" indent="0" algn="l" fontAlgn="auto" defTabSz="457200" eaLnBrk="0" latinLnBrk="0">
+              <a:lnSpc>
+                <a:spcPct val="100000"/>
+              </a:lnSpc>
+              <a:spcBef>
+                <a:spcPts val="0"/>
+              </a:spcBef>
+              <a:spcAft>
+                <a:spcPts val="0"/>
+              </a:spcAft>
+              <a:buFontTx/>
+              <a:buNone/>
+            </a:pPr>
+            <a:r>
+              <a:rPr lang="en-US" altLang="ko-KR" sz="1800" cap="none" dirty="0" smtClean="0" b="0">
+                <a:latin typeface="맑은 고딕" charset="0"/>
+                <a:ea typeface="맑은 고딕" charset="0"/>
+              </a:rPr>
+              <a:t>  특징</a:t>
+            </a:r>
+            <a:r>
+              <a:rPr lang="en-US" altLang="ko-KR" sz="1800" cap="none" dirty="0" smtClean="0" b="0">
+                <a:latin typeface="Century Gothic" charset="0"/>
+                <a:ea typeface="Century Gothic" charset="0"/>
+              </a:rPr>
+              <a:t> : </a:t>
+            </a:r>
+            <a:r>
+              <a:rPr lang="en-US" altLang="ko-KR" sz="1800" cap="none" dirty="0" smtClean="0" b="0">
+                <a:latin typeface="맑은 고딕" charset="0"/>
+                <a:ea typeface="맑은 고딕" charset="0"/>
+              </a:rPr>
+              <a:t>전류를 흘려보내</a:t>
+            </a:r>
+            <a:r>
+              <a:rPr lang="en-US" altLang="ko-KR" sz="1800" cap="none" dirty="0" smtClean="0" b="0">
+                <a:latin typeface="Century Gothic" charset="0"/>
+                <a:ea typeface="Century Gothic" charset="0"/>
+              </a:rPr>
+              <a:t> </a:t>
+            </a:r>
+            <a:r>
+              <a:rPr lang="en-US" altLang="ko-KR" sz="1800" cap="none" dirty="0" smtClean="0" b="0">
+                <a:latin typeface="맑은 고딕" charset="0"/>
+                <a:ea typeface="맑은 고딕" charset="0"/>
+              </a:rPr>
+              <a:t>자석의 성질을 가질 수 있다.</a:t>
+            </a:r>
+            <a:endParaRPr lang="ko-KR" altLang="en-US" sz="1800" cap="none" dirty="0" smtClean="0" b="0">
+              <a:latin typeface="맑은 고딕" charset="0"/>
+              <a:ea typeface="맑은 고딕" charset="0"/>
+            </a:endParaRPr>
+          </a:p>
+          <a:p>
+            <a:pPr marL="0" indent="0" algn="l" fontAlgn="auto" defTabSz="457200" eaLnBrk="0" latinLnBrk="0">
+              <a:lnSpc>
+                <a:spcPct val="100000"/>
+              </a:lnSpc>
+              <a:spcBef>
+                <a:spcPts val="0"/>
+              </a:spcBef>
+              <a:spcAft>
+                <a:spcPts val="0"/>
+              </a:spcAft>
+              <a:buFontTx/>
+              <a:buNone/>
+            </a:pPr>
+            <a:r>
+              <a:rPr lang="en-US" altLang="ko-KR" sz="1800" cap="none" dirty="0" smtClean="0" b="0">
+                <a:latin typeface="맑은 고딕" charset="0"/>
+                <a:ea typeface="맑은 고딕" charset="0"/>
+              </a:rPr>
+              <a:t>        </a:t>
+            </a:r>
+            <a:endParaRPr lang="ko-KR" altLang="en-US" sz="1800" cap="none" dirty="0" smtClean="0" b="0">
+              <a:latin typeface="맑은 고딕" charset="0"/>
+              <a:ea typeface="맑은 고딕" charset="0"/>
+            </a:endParaRPr>
+          </a:p>
+          <a:p>
+            <a:pPr marL="0" indent="0" algn="l" fontAlgn="auto" defTabSz="457200" eaLnBrk="0" latinLnBrk="0">
+              <a:lnSpc>
+                <a:spcPct val="100000"/>
+              </a:lnSpc>
+              <a:spcBef>
+                <a:spcPts val="0"/>
+              </a:spcBef>
+              <a:spcAft>
+                <a:spcPts val="0"/>
+              </a:spcAft>
+              <a:buFontTx/>
+              <a:buNone/>
+            </a:pPr>
+            <a:r>
+              <a:rPr lang="en-US" altLang="ko-KR" sz="1800" cap="none" dirty="0" smtClean="0" b="0">
+                <a:latin typeface="맑은 고딕" charset="0"/>
+                <a:ea typeface="맑은 고딕" charset="0"/>
+              </a:rPr>
+              <a:t>            전류를 흘려보내지 않는다면 자석의 성질을 잃는다.</a:t>
+            </a:r>
+            <a:endParaRPr lang="ko-KR" altLang="en-US" sz="1800" cap="none" dirty="0" smtClean="0" b="0">
+              <a:latin typeface="Century Gothic" charset="0"/>
+              <a:ea typeface="Century Gothic" charset="0"/>
+            </a:endParaRPr>
+          </a:p>
+          <a:p>
+            <a:pPr marL="0" indent="0" algn="l" fontAlgn="auto" defTabSz="457200" eaLnBrk="0" latinLnBrk="0">
+              <a:lnSpc>
+                <a:spcPct val="100000"/>
+              </a:lnSpc>
+              <a:spcBef>
+                <a:spcPts val="0"/>
+              </a:spcBef>
+              <a:spcAft>
+                <a:spcPts val="0"/>
+              </a:spcAft>
+              <a:buFontTx/>
+              <a:buNone/>
+            </a:pPr>
+            <a:r>
+              <a:rPr lang="en-US" altLang="ko-KR" sz="1800" cap="none" dirty="0" smtClean="0" b="0">
+                <a:latin typeface="Century Gothic" charset="0"/>
+                <a:ea typeface="Century Gothic" charset="0"/>
+              </a:rPr>
+              <a:t>	   </a:t>
+            </a:r>
+            <a:endParaRPr lang="ko-KR" altLang="en-US" sz="1800" cap="none" dirty="0" smtClean="0" b="0">
+              <a:latin typeface="Century Gothic" charset="0"/>
+              <a:ea typeface="Century Gothic" charset="0"/>
+            </a:endParaRPr>
+          </a:p>
+        </p:txBody>
+      </p:sp>
+    </p:spTree>
+    <p:extLst>
+      <p:ext uri="{BB962C8B-B14F-4D97-AF65-F5344CB8AC3E}">
+        <p14:creationId xmlns:p14="http://schemas.microsoft.com/office/powerpoint/2010/main" val="1106448981"/>
       </p:ext>
     </p:extLst>
   </p:cSld>
@@ -8068,166 +8303,227 @@
       </p:grpSpPr>
       <p:sp>
         <p:nvSpPr>
-          <p:cNvPr id="6" name="TextBox 5">
+          <p:cNvPr id="6" name="TextBox 5"/>
+          <p:cNvSpPr txBox="1">
+            <a:spLocks/>
+          </p:cNvSpPr>
+          <p:nvPr/>
+        </p:nvSpPr>
+        <p:spPr>
+          <a:xfrm rot="0">
+            <a:off x="821055" y="418465"/>
+            <a:ext cx="6376035" cy="768985"/>
+          </a:xfrm>
+          <a:prstGeom prst="rect"/>
+          <a:noFill/>
+        </p:spPr>
+        <p:txBody>
+          <a:bodyPr wrap="square" lIns="91440" tIns="45720" rIns="91440" bIns="45720" numCol="1" vert="horz" anchor="t">
+            <a:spAutoFit/>
+          </a:bodyPr>
+          <a:lstStyle/>
+          <a:p>
+            <a:pPr marL="0" indent="0" algn="l" fontAlgn="auto" defTabSz="457200" eaLnBrk="0" latinLnBrk="0">
+              <a:lnSpc>
+                <a:spcPct val="100000"/>
+              </a:lnSpc>
+              <a:spcBef>
+                <a:spcPts val="0"/>
+              </a:spcBef>
+              <a:spcAft>
+                <a:spcPts val="0"/>
+              </a:spcAft>
+              <a:buFontTx/>
+              <a:buNone/>
+            </a:pPr>
+            <a:r>
+              <a:rPr lang="en-US" altLang="ko-KR" sz="4400" cap="none" dirty="0" smtClean="0" b="0">
+                <a:solidFill>
+                  <a:schemeClr val="accent1">
+                    <a:lumMod val="75000"/>
+                  </a:schemeClr>
+                </a:solidFill>
+                <a:latin typeface="맑은 고딕" charset="0"/>
+                <a:ea typeface="맑은 고딕" charset="0"/>
+              </a:rPr>
+              <a:t>게임 플레이 -조작방법</a:t>
+            </a:r>
+            <a:endParaRPr lang="ko-KR" altLang="en-US" sz="4400" cap="none" dirty="0" smtClean="0" b="0">
+              <a:solidFill>
+                <a:schemeClr val="accent1">
+                  <a:lumMod val="75000"/>
+                </a:schemeClr>
+              </a:solidFill>
+              <a:latin typeface="맑은 고딕" charset="0"/>
+              <a:ea typeface="맑은 고딕" charset="0"/>
+            </a:endParaRPr>
+          </a:p>
+        </p:txBody>
+      </p:sp>
+      <p:pic>
+        <p:nvPicPr>
+          <p:cNvPr id="1026" name="Picture 2">
             <a:extLst>
               <a:ext uri="{FF2B5EF4-FFF2-40B4-BE49-F238E27FC236}">
-                <a16:creationId xmlns:a16="http://schemas.microsoft.com/office/drawing/2014/main" id="{4F5F6214-4ED6-440C-8488-40370266643C}"/>
+                <a16:creationId xmlns:a16="http://schemas.microsoft.com/office/drawing/2014/main" id="{805EE7AA-D1F4-47C0-B634-1918D02D1E2C}"/>
               </a:ext>
             </a:extLst>
           </p:cNvPr>
-          <p:cNvSpPr txBox="1"/>
+          <p:cNvPicPr>
+            <a:picLocks noChangeAspect="1" noChangeArrowheads="1"/>
+          </p:cNvPicPr>
           <p:nvPr/>
-        </p:nvSpPr>
+        </p:nvPicPr>
+        <p:blipFill>
+          <a:blip r:embed="rId2">
+            <a:extLst>
+              <a:ext uri="{BEBA8EAE-BF5A-486C-A8C5-ECC9F3942E4B}">
+                <a14:imgProps xmlns:a14="http://schemas.microsoft.com/office/drawing/2010/main">
+                  <a14:imgLayer r:embed="rId3">
+                    <a14:imgEffect>
+                      <a14:backgroundRemoval t="10000" b="90000" l="10000" r="90000">
+                        <a14:backgroundMark x1="16352" y1="5660" x2="26415" y2="5660"/>
+                        <a14:backgroundMark x1="30189" y1="5031" x2="41824" y2="32075"/>
+                        <a14:backgroundMark x1="37421" y1="79245" x2="55975" y2="79245"/>
+                      </a14:backgroundRemoval>
+                    </a14:imgEffect>
+                  </a14:imgLayer>
+                </a14:imgProps>
+              </a:ext>
+              <a:ext uri="{28A0092B-C50C-407E-A947-70E740481C1C}">
+                <a14:useLocalDpi xmlns:a14="http://schemas.microsoft.com/office/drawing/2010/main" val="0"/>
+              </a:ext>
+            </a:extLst>
+          </a:blip>
+          <a:srcRect/>
+          <a:stretch>
+            <a:fillRect/>
+          </a:stretch>
+        </p:blipFill>
+        <p:spPr bwMode="auto">
+          <a:xfrm>
+            <a:off x="358775" y="1905000"/>
+            <a:ext cx="6096000" cy="3048000"/>
+          </a:xfrm>
+          <a:prstGeom prst="rect">
+            <a:avLst/>
+          </a:prstGeom>
+          <a:noFill/>
+          <a:extLst>
+            <a:ext uri="{909E8E84-426E-40DD-AFC4-6F175D3DCCD1}">
+              <a14:hiddenFill xmlns:a14="http://schemas.microsoft.com/office/drawing/2010/main">
+                <a:solidFill>
+                  <a:srgbClr val="FFFFFF"/>
+                </a:solidFill>
+              </a14:hiddenFill>
+            </a:ext>
+          </a:extLst>
+        </p:spPr>
+      </p:pic>
+      <p:pic>
+        <p:nvPicPr>
+          <p:cNvPr id="4" name="그림 3"/>
+          <p:cNvPicPr>
+            <a:picLocks noChangeAspect="1"/>
+          </p:cNvPicPr>
+          <p:nvPr/>
+        </p:nvPicPr>
+        <p:blipFill rotWithShape="1">
+          <a:blip r:embed="rId4">
+            <a:extLst>
+              <a:ext uri="{28A0092B-C50C-407E-A947-70E740481C1C}">
+                <a14:useLocalDpi xmlns:a14="http://schemas.microsoft.com/office/drawing/2010/main" val="0"/>
+              </a:ext>
+            </a:extLst>
+          </a:blip>
+          <a:srcRect l="889" t="31746" r="34917" b="18571"/>
+          <a:stretch>
+            <a:fillRect/>
+          </a:stretch>
+        </p:blipFill>
         <p:spPr>
           <a:xfrm>
-            <a:off x="482600" y="381000"/>
-            <a:ext cx="5240020" cy="769620"/>
+            <a:off x="942975" y="2496185"/>
+            <a:ext cx="6909435" cy="2807970"/>
           </a:xfrm>
           <a:prstGeom prst="rect">
             <a:avLst/>
           </a:prstGeom>
           <a:noFill/>
         </p:spPr>
-        <p:txBody>
-          <a:bodyPr wrap="square" rtlCol="0">
-            <a:spAutoFit/>
-          </a:bodyPr>
-          <a:lstStyle/>
-          <a:p>
-            <a:r>
-              <a:rPr lang="ko-KR" altLang="en-US" sz="4400" dirty="0">
-                <a:solidFill>
-                  <a:srgbClr val="E1930E"/>
-                </a:solidFill>
-              </a:rPr>
-              <a:t>게임소개 </a:t>
-            </a:r>
-            <a:r>
-              <a:rPr lang="en-US" altLang="ko-KR" sz="4400" dirty="0">
-                <a:solidFill>
-                  <a:srgbClr val="E1930E"/>
-                </a:solidFill>
-              </a:rPr>
-              <a:t>- </a:t>
-            </a:r>
-            <a:r>
-              <a:rPr lang="ko-KR" altLang="en-US" sz="4400" dirty="0">
-                <a:solidFill>
-                  <a:srgbClr val="E1930E"/>
-                </a:solidFill>
-              </a:rPr>
-              <a:t>캐릭터</a:t>
-            </a:r>
-          </a:p>
-        </p:txBody>
-      </p:sp>
+      </p:pic>
       <p:pic>
         <p:nvPicPr>
-          <p:cNvPr id="3" name="그림 2">
-            <a:extLst>
-              <a:ext uri="{FF2B5EF4-FFF2-40B4-BE49-F238E27FC236}">
-                <a16:creationId xmlns:a16="http://schemas.microsoft.com/office/drawing/2014/main" id="{30FB801F-9F39-4030-BC03-B22DD3F87B55}"/>
-              </a:ext>
-            </a:extLst>
-          </p:cNvPr>
+          <p:cNvPr id="1028" name="Picture 4"/>
           <p:cNvPicPr>
             <a:picLocks noChangeAspect="1"/>
           </p:cNvPicPr>
           <p:nvPr/>
         </p:nvPicPr>
-        <p:blipFill>
-          <a:blip r:embed="rId2"/>
+        <p:blipFill rotWithShape="1">
+          <a:blip r:embed="rId5">
+            <a:extLst>
+              <a:ext uri="{28A0092B-C50C-407E-A947-70E740481C1C}">
+                <a14:useLocalDpi xmlns:a14="http://schemas.microsoft.com/office/drawing/2010/main" val="0"/>
+              </a:ext>
+            </a:extLst>
+          </a:blip>
+          <a:srcRect l="22620" t="23477" r="22882" b="21210"/>
           <a:stretch>
             <a:fillRect/>
           </a:stretch>
         </p:blipFill>
-        <p:spPr>
+        <p:spPr bwMode="auto">
           <a:xfrm>
-            <a:off x="862965" y="1448435"/>
-            <a:ext cx="3355340" cy="4430395"/>
+            <a:off x="8651240" y="2496820"/>
+            <a:ext cx="2397125" cy="2401570"/>
           </a:xfrm>
-          <a:prstGeom prst="rect">
-            <a:avLst/>
-          </a:prstGeom>
-        </p:spPr>
-      </p:pic>
-      <p:sp>
-        <p:nvSpPr>
-          <p:cNvPr id="4" name="TextBox 3">
-            <a:extLst>
-              <a:ext uri="{FF2B5EF4-FFF2-40B4-BE49-F238E27FC236}">
-                <a16:creationId xmlns:a16="http://schemas.microsoft.com/office/drawing/2014/main" id="{59B0DA41-64D1-4DEF-A4C1-D0C2E82FBDE2}"/>
-              </a:ext>
-            </a:extLst>
-          </p:cNvPr>
-          <p:cNvSpPr txBox="1"/>
-          <p:nvPr/>
-        </p:nvSpPr>
-        <p:spPr>
-          <a:xfrm>
-            <a:off x="4863465" y="2255520"/>
-            <a:ext cx="6220460" cy="369570"/>
-          </a:xfrm>
-          <a:prstGeom prst="rect">
+          <a:prstGeom prst="ellipse">
             <a:avLst/>
           </a:prstGeom>
           <a:noFill/>
         </p:spPr>
-        <p:txBody>
-          <a:bodyPr wrap="square" rtlCol="0">
-            <a:spAutoFit/>
+      </p:pic>
+      <p:sp>
+        <p:nvSpPr>
+          <p:cNvPr id="7" name="사각형: 둥근 모서리 6"/>
+          <p:cNvSpPr>
+            <a:spLocks/>
+          </p:cNvSpPr>
+          <p:nvPr/>
+        </p:nvSpPr>
+        <p:spPr>
+          <a:xfrm>
+            <a:off x="1866265" y="3852545"/>
+            <a:ext cx="400685" cy="381635"/>
+          </a:xfrm>
+          <a:prstGeom prst="roundRect">
+            <a:avLst/>
+          </a:prstGeom>
+        </p:spPr>
+        <p:style>
+          <a:lnRef idx="2">
+            <a:schemeClr val="accent1">
+              <a:shade val="50000"/>
+            </a:schemeClr>
+          </a:lnRef>
+          <a:fillRef idx="1">
+            <a:schemeClr val="accent1"/>
+          </a:fillRef>
+          <a:effectRef idx="0">
+            <a:schemeClr val="accent1"/>
+          </a:effectRef>
+          <a:fontRef idx="minor">
+            <a:schemeClr val="lt1"/>
+          </a:fontRef>
+        </p:style>
+        <p:txBody>
+          <a:bodyPr vert="horz" wrap="square" lIns="91440" tIns="45720" rIns="91440" bIns="45720" numCol="1" anchor="ctr">
+            <a:noAutofit/>
           </a:bodyPr>
           <a:lstStyle/>
           <a:p>
-            <a:r>
-              <a:rPr lang="ko-KR" altLang="en-US" dirty="0"/>
-              <a:t>깡통 로봇이 주인공이며</a:t>
-            </a:r>
-            <a:r>
-              <a:rPr lang="en-US" altLang="ko-KR" dirty="0"/>
-              <a:t>,</a:t>
-            </a:r>
-            <a:r>
-              <a:rPr lang="ko-KR" altLang="en-US" dirty="0"/>
-              <a:t>플레이어가 컨트롤하는 캐릭터</a:t>
-            </a:r>
-            <a:r>
-              <a:rPr lang="en-US" altLang="ko-KR" dirty="0"/>
-              <a:t>.</a:t>
-            </a:r>
-            <a:endParaRPr lang="ko-KR" altLang="en-US" dirty="0"/>
-          </a:p>
-        </p:txBody>
-      </p:sp>
-      <p:sp>
-        <p:nvSpPr>
-          <p:cNvPr id="7" name="TextBox 6">
-            <a:extLst>
-              <a:ext uri="{FF2B5EF4-FFF2-40B4-BE49-F238E27FC236}">
-                <a16:creationId xmlns:a16="http://schemas.microsoft.com/office/drawing/2014/main" id="{41011E5D-D0CB-4AB7-B5E9-FF9AB26E8B4D}"/>
-              </a:ext>
-            </a:extLst>
-          </p:cNvPr>
-          <p:cNvSpPr txBox="1"/>
-          <p:nvPr/>
-        </p:nvSpPr>
-        <p:spPr>
-          <a:xfrm>
-            <a:off x="4747895" y="3129280"/>
-            <a:ext cx="6452870" cy="1199515"/>
-          </a:xfrm>
-          <a:prstGeom prst="rect">
-            <a:avLst/>
-          </a:prstGeom>
-          <a:noFill/>
-        </p:spPr>
-        <p:txBody>
-          <a:bodyPr wrap="square" lIns="91440" tIns="45720" rIns="91440" bIns="45720" numCol="1" vert="horz" anchor="t">
-            <a:spAutoFit/>
-          </a:bodyPr>
-          <a:lstStyle/>
-          <a:p>
-            <a:pPr marL="0" indent="0" algn="l" fontAlgn="auto" defTabSz="457200" eaLnBrk="0" latinLnBrk="0">
+            <a:pPr marL="0" indent="0" algn="ctr" defTabSz="457200" eaLnBrk="0" fontAlgn="auto" latinLnBrk="0">
               <a:lnSpc>
                 <a:spcPct val="100000"/>
               </a:lnSpc>
@@ -8241,68 +8537,59 @@
               <a:buNone/>
             </a:pPr>
             <a:r>
-              <a:rPr lang="en-US" altLang="ko-KR" sz="1800" cap="none" dirty="0" smtClean="0" b="0">
-                <a:latin typeface="맑은 고딕" charset="0"/>
-                <a:ea typeface="맑은 고딕" charset="0"/>
-              </a:rPr>
-              <a:t>  특징</a:t>
-            </a:r>
-            <a:r>
-              <a:rPr lang="en-US" altLang="ko-KR" sz="1800" cap="none" dirty="0" smtClean="0" b="0">
+              <a:rPr lang="en-US" altLang="ko-KR" sz="1800" b="1" cap="none" dirty="0">
                 <a:latin typeface="Century Gothic" charset="0"/>
                 <a:ea typeface="Century Gothic" charset="0"/>
               </a:rPr>
-              <a:t> : </a:t>
-            </a:r>
-            <a:r>
-              <a:rPr lang="en-US" altLang="ko-KR" sz="1800" cap="none" dirty="0" smtClean="0" b="0">
-                <a:latin typeface="맑은 고딕" charset="0"/>
-                <a:ea typeface="맑은 고딕" charset="0"/>
-              </a:rPr>
-              <a:t>철깡통으로</a:t>
-            </a:r>
-            <a:r>
-              <a:rPr lang="en-US" altLang="ko-KR" sz="1800" cap="none" dirty="0" smtClean="0" b="0">
-                <a:latin typeface="Century Gothic" charset="0"/>
-                <a:ea typeface="Century Gothic" charset="0"/>
-              </a:rPr>
-              <a:t> </a:t>
-            </a:r>
-            <a:r>
-              <a:rPr lang="en-US" altLang="ko-KR" sz="1800" cap="none" dirty="0" smtClean="0" b="0">
-                <a:latin typeface="맑은 고딕" charset="0"/>
-                <a:ea typeface="맑은 고딕" charset="0"/>
-              </a:rPr>
-              <a:t>구성된</a:t>
-            </a:r>
-            <a:r>
-              <a:rPr lang="en-US" altLang="ko-KR" sz="1800" cap="none" dirty="0" smtClean="0" b="0">
-                <a:latin typeface="Century Gothic" charset="0"/>
-                <a:ea typeface="Century Gothic" charset="0"/>
-              </a:rPr>
-              <a:t> </a:t>
-            </a:r>
-            <a:r>
-              <a:rPr lang="en-US" altLang="ko-KR" sz="1800" cap="none" dirty="0" smtClean="0" b="0">
-                <a:latin typeface="맑은 고딕" charset="0"/>
-                <a:ea typeface="맑은 고딕" charset="0"/>
-              </a:rPr>
-              <a:t>주인공</a:t>
-            </a:r>
-            <a:r>
-              <a:rPr lang="en-US" altLang="ko-KR" sz="1800" cap="none" dirty="0" smtClean="0" b="0">
-                <a:latin typeface="Century Gothic" charset="0"/>
-                <a:ea typeface="Century Gothic" charset="0"/>
-              </a:rPr>
-              <a:t>.</a:t>
-            </a:r>
-            <a:endParaRPr lang="ko-KR" altLang="en-US" sz="1800" cap="none" dirty="0" smtClean="0" b="0">
+              <a:t>A</a:t>
+            </a:r>
+            <a:endParaRPr lang="ko-KR" altLang="en-US" sz="1800" b="1" cap="none" dirty="0">
               <a:latin typeface="Century Gothic" charset="0"/>
               <a:ea typeface="Century Gothic" charset="0"/>
             </a:endParaRPr>
           </a:p>
-          <a:p>
-            <a:pPr marL="0" indent="0" algn="l" fontAlgn="auto" defTabSz="457200" eaLnBrk="0" latinLnBrk="0">
+        </p:txBody>
+      </p:sp>
+      <p:sp>
+        <p:nvSpPr>
+          <p:cNvPr id="14" name="사각형: 둥근 모서리 13"/>
+          <p:cNvSpPr>
+            <a:spLocks/>
+          </p:cNvSpPr>
+          <p:nvPr/>
+        </p:nvSpPr>
+        <p:spPr>
+          <a:xfrm>
+            <a:off x="2218690" y="3401695"/>
+            <a:ext cx="400685" cy="381635"/>
+          </a:xfrm>
+          <a:prstGeom prst="roundRect">
+            <a:avLst/>
+          </a:prstGeom>
+        </p:spPr>
+        <p:style>
+          <a:lnRef idx="2">
+            <a:schemeClr val="accent1">
+              <a:shade val="50000"/>
+            </a:schemeClr>
+          </a:lnRef>
+          <a:fillRef idx="1">
+            <a:schemeClr val="accent1"/>
+          </a:fillRef>
+          <a:effectRef idx="0">
+            <a:schemeClr val="accent1"/>
+          </a:effectRef>
+          <a:fontRef idx="minor">
+            <a:schemeClr val="lt1"/>
+          </a:fontRef>
+        </p:style>
+        <p:txBody>
+          <a:bodyPr vert="horz" wrap="square" lIns="91440" tIns="45720" rIns="91440" bIns="45720" numCol="1" anchor="ctr">
+            <a:noAutofit/>
+          </a:bodyPr>
+          <a:lstStyle/>
+          <a:p>
+            <a:pPr marL="0" indent="0" algn="ctr" defTabSz="457200" eaLnBrk="0" fontAlgn="auto" latinLnBrk="0">
               <a:lnSpc>
                 <a:spcPct val="100000"/>
               </a:lnSpc>
@@ -8316,19 +8603,59 @@
               <a:buNone/>
             </a:pPr>
             <a:r>
-              <a:rPr lang="en-US" altLang="ko-KR" sz="1800" cap="none" dirty="0" smtClean="0" b="0">
+              <a:rPr lang="en-US" altLang="ko-KR" sz="1800" b="1" cap="none" dirty="0">
                 <a:latin typeface="Century Gothic" charset="0"/>
                 <a:ea typeface="Century Gothic" charset="0"/>
               </a:rPr>
-              <a:t>    </a:t>
-            </a:r>
-            <a:endParaRPr lang="ko-KR" altLang="en-US" sz="1800" cap="none" dirty="0" smtClean="0" b="0">
+              <a:t>W</a:t>
+            </a:r>
+            <a:endParaRPr lang="ko-KR" altLang="en-US" sz="1800" b="1" cap="none" dirty="0">
               <a:latin typeface="Century Gothic" charset="0"/>
               <a:ea typeface="Century Gothic" charset="0"/>
             </a:endParaRPr>
           </a:p>
-          <a:p>
-            <a:pPr marL="0" indent="0" algn="l" fontAlgn="auto" defTabSz="457200" eaLnBrk="0" latinLnBrk="0">
+        </p:txBody>
+      </p:sp>
+      <p:sp>
+        <p:nvSpPr>
+          <p:cNvPr id="15" name="사각형: 둥근 모서리 14"/>
+          <p:cNvSpPr>
+            <a:spLocks/>
+          </p:cNvSpPr>
+          <p:nvPr/>
+        </p:nvSpPr>
+        <p:spPr>
+          <a:xfrm>
+            <a:off x="2332990" y="3851275"/>
+            <a:ext cx="400685" cy="381635"/>
+          </a:xfrm>
+          <a:prstGeom prst="roundRect">
+            <a:avLst/>
+          </a:prstGeom>
+        </p:spPr>
+        <p:style>
+          <a:lnRef idx="2">
+            <a:schemeClr val="accent1">
+              <a:shade val="50000"/>
+            </a:schemeClr>
+          </a:lnRef>
+          <a:fillRef idx="1">
+            <a:schemeClr val="accent1"/>
+          </a:fillRef>
+          <a:effectRef idx="0">
+            <a:schemeClr val="accent1"/>
+          </a:effectRef>
+          <a:fontRef idx="minor">
+            <a:schemeClr val="lt1"/>
+          </a:fontRef>
+        </p:style>
+        <p:txBody>
+          <a:bodyPr vert="horz" wrap="square" lIns="91440" tIns="45720" rIns="91440" bIns="45720" numCol="1" anchor="ctr">
+            <a:noAutofit/>
+          </a:bodyPr>
+          <a:lstStyle/>
+          <a:p>
+            <a:pPr marL="0" indent="0" algn="ctr" defTabSz="457200" eaLnBrk="0" fontAlgn="auto" latinLnBrk="0">
               <a:lnSpc>
                 <a:spcPct val="100000"/>
               </a:lnSpc>
@@ -8342,19 +8669,59 @@
               <a:buNone/>
             </a:pPr>
             <a:r>
-              <a:rPr lang="en-US" altLang="ko-KR" sz="1800" cap="none" dirty="0" smtClean="0" b="0">
+              <a:rPr lang="en-US" altLang="ko-KR" sz="1800" b="1" cap="none" dirty="0">
                 <a:latin typeface="Century Gothic" charset="0"/>
                 <a:ea typeface="Century Gothic" charset="0"/>
               </a:rPr>
-              <a:t>          전류를 흘려보내 자석의 성질을 가질 수 있다.</a:t>
-            </a:r>
-            <a:endParaRPr lang="ko-KR" altLang="en-US" sz="1800" cap="none" dirty="0" smtClean="0" b="0">
+              <a:t>S</a:t>
+            </a:r>
+            <a:endParaRPr lang="ko-KR" altLang="en-US" sz="1800" b="1" cap="none" dirty="0">
               <a:latin typeface="Century Gothic" charset="0"/>
               <a:ea typeface="Century Gothic" charset="0"/>
             </a:endParaRPr>
           </a:p>
-          <a:p>
-            <a:pPr marL="0" indent="0" algn="l" fontAlgn="auto" defTabSz="457200" eaLnBrk="0" latinLnBrk="0">
+        </p:txBody>
+      </p:sp>
+      <p:sp>
+        <p:nvSpPr>
+          <p:cNvPr id="16" name="사각형: 둥근 모서리 15"/>
+          <p:cNvSpPr>
+            <a:spLocks/>
+          </p:cNvSpPr>
+          <p:nvPr/>
+        </p:nvSpPr>
+        <p:spPr>
+          <a:xfrm>
+            <a:off x="2802890" y="3851275"/>
+            <a:ext cx="400685" cy="381635"/>
+          </a:xfrm>
+          <a:prstGeom prst="roundRect">
+            <a:avLst/>
+          </a:prstGeom>
+        </p:spPr>
+        <p:style>
+          <a:lnRef idx="2">
+            <a:schemeClr val="accent1">
+              <a:shade val="50000"/>
+            </a:schemeClr>
+          </a:lnRef>
+          <a:fillRef idx="1">
+            <a:schemeClr val="accent1"/>
+          </a:fillRef>
+          <a:effectRef idx="0">
+            <a:schemeClr val="accent1"/>
+          </a:effectRef>
+          <a:fontRef idx="minor">
+            <a:schemeClr val="lt1"/>
+          </a:fontRef>
+        </p:style>
+        <p:txBody>
+          <a:bodyPr vert="horz" wrap="square" lIns="91440" tIns="45720" rIns="91440" bIns="45720" numCol="1" anchor="ctr">
+            <a:noAutofit/>
+          </a:bodyPr>
+          <a:lstStyle/>
+          <a:p>
+            <a:pPr marL="0" indent="0" algn="ctr" defTabSz="457200" eaLnBrk="0" fontAlgn="auto" latinLnBrk="0">
               <a:lnSpc>
                 <a:spcPct val="100000"/>
               </a:lnSpc>
@@ -8368,23 +8735,671 @@
               <a:buNone/>
             </a:pPr>
             <a:r>
-              <a:rPr lang="en-US" altLang="ko-KR" sz="1800" cap="none" dirty="0" smtClean="0" b="0">
+              <a:rPr lang="en-US" altLang="ko-KR" sz="1800" b="1" cap="none" dirty="0">
                 <a:latin typeface="Century Gothic" charset="0"/>
                 <a:ea typeface="Century Gothic" charset="0"/>
               </a:rPr>
-              <a:t>	   </a:t>
-            </a:r>
-            <a:endParaRPr lang="ko-KR" altLang="en-US" sz="1800" cap="none" dirty="0" smtClean="0" b="0">
+              <a:t>D</a:t>
+            </a:r>
+            <a:endParaRPr lang="ko-KR" altLang="en-US" sz="1800" b="1" cap="none" dirty="0">
               <a:latin typeface="Century Gothic" charset="0"/>
               <a:ea typeface="Century Gothic" charset="0"/>
             </a:endParaRPr>
           </a:p>
         </p:txBody>
       </p:sp>
+      <p:sp>
+        <p:nvSpPr>
+          <p:cNvPr id="1030" name="도형 1029"/>
+          <p:cNvSpPr>
+            <a:spLocks/>
+          </p:cNvSpPr>
+          <p:nvPr/>
+        </p:nvSpPr>
+        <p:spPr>
+          <a:xfrm>
+            <a:off x="1600200" y="1821815"/>
+            <a:ext cx="1626870" cy="423545"/>
+          </a:xfrm>
+          <a:prstGeom prst="roundRect">
+            <a:avLst/>
+          </a:prstGeom>
+          <a:solidFill>
+            <a:schemeClr val="accent1">
+              <a:alpha val="0"/>
+            </a:schemeClr>
+          </a:solidFill>
+          <a:ln w="31750" cap="rnd" cmpd="sng">
+            <a:solidFill>
+              <a:schemeClr val="accent1">
+                <a:alpha val="100000"/>
+              </a:schemeClr>
+            </a:solidFill>
+            <a:prstDash val="solid"/>
+            <a:round/>
+          </a:ln>
+        </p:spPr>
+        <p:style>
+          <a:lnRef idx="2">
+            <a:schemeClr val="accent1">
+              <a:shade val="50000"/>
+            </a:schemeClr>
+          </a:lnRef>
+          <a:fillRef idx="1">
+            <a:schemeClr val="accent1"/>
+          </a:fillRef>
+          <a:effectRef idx="0">
+            <a:schemeClr val="accent1"/>
+          </a:effectRef>
+          <a:fontRef idx="minor">
+            <a:schemeClr val="lt1"/>
+          </a:fontRef>
+        </p:style>
+        <p:txBody>
+          <a:bodyPr vert="horz" wrap="square" lIns="91440" tIns="45720" rIns="91440" bIns="45720" anchor="ctr">
+            <a:noAutofit/>
+          </a:bodyPr>
+          <a:lstStyle/>
+          <a:p>
+            <a:pPr marL="0" indent="0" algn="ctr" defTabSz="508000" fontAlgn="auto">
+              <a:lnSpc>
+                <a:spcPct val="100000"/>
+              </a:lnSpc>
+              <a:spcBef>
+                <a:spcPts val="0"/>
+              </a:spcBef>
+              <a:spcAft>
+                <a:spcPts val="0"/>
+              </a:spcAft>
+              <a:buFontTx/>
+              <a:buNone/>
+            </a:pPr>
+            <a:r>
+              <a:rPr lang="en-US" altLang="ko-KR" sz="1800" b="0" cap="none" dirty="0">
+                <a:latin typeface="맑은 고딕" charset="0"/>
+                <a:ea typeface="맑은 고딕" charset="0"/>
+              </a:rPr>
+              <a:t>캐릭터 이동</a:t>
+            </a:r>
+            <a:endParaRPr lang="ko-KR" altLang="en-US" sz="1800" b="0" cap="none" dirty="0">
+              <a:latin typeface="맑은 고딕" charset="0"/>
+              <a:ea typeface="맑은 고딕" charset="0"/>
+            </a:endParaRPr>
+          </a:p>
+        </p:txBody>
+      </p:sp>
+      <p:sp>
+        <p:nvSpPr>
+          <p:cNvPr id="13" name="사각형: 둥근 모서리 12">
+            <a:extLst>
+              <a:ext uri="{FF2B5EF4-FFF2-40B4-BE49-F238E27FC236}">
+                <a16:creationId xmlns:a16="http://schemas.microsoft.com/office/drawing/2014/main" id="{E1F1D231-334E-4D00-AEA2-E120034AB237}"/>
+              </a:ext>
+            </a:extLst>
+          </p:cNvPr>
+          <p:cNvSpPr>
+            <a:spLocks/>
+          </p:cNvSpPr>
+          <p:nvPr/>
+        </p:nvSpPr>
+        <p:spPr>
+          <a:xfrm>
+            <a:off x="3156585" y="3388360"/>
+            <a:ext cx="400685" cy="381635"/>
+          </a:xfrm>
+          <a:prstGeom prst="roundRect">
+            <a:avLst/>
+          </a:prstGeom>
+        </p:spPr>
+        <p:style>
+          <a:lnRef idx="2">
+            <a:schemeClr val="accent1">
+              <a:shade val="50000"/>
+            </a:schemeClr>
+          </a:lnRef>
+          <a:fillRef idx="1">
+            <a:schemeClr val="accent1"/>
+          </a:fillRef>
+          <a:effectRef idx="0">
+            <a:schemeClr val="accent1"/>
+          </a:effectRef>
+          <a:fontRef idx="minor">
+            <a:schemeClr val="lt1"/>
+          </a:fontRef>
+        </p:style>
+        <p:txBody>
+          <a:bodyPr vert="horz" wrap="square" lIns="91440" tIns="45720" rIns="91440" bIns="45720" numCol="1" anchor="ctr">
+            <a:noAutofit/>
+          </a:bodyPr>
+          <a:lstStyle/>
+          <a:p>
+            <a:pPr marL="0" indent="0" algn="ctr" defTabSz="457200" eaLnBrk="0" fontAlgn="auto" latinLnBrk="0">
+              <a:lnSpc>
+                <a:spcPct val="100000"/>
+              </a:lnSpc>
+              <a:spcBef>
+                <a:spcPts val="0"/>
+              </a:spcBef>
+              <a:spcAft>
+                <a:spcPts val="0"/>
+              </a:spcAft>
+              <a:buFontTx/>
+              <a:buNone/>
+            </a:pPr>
+            <a:r>
+              <a:rPr lang="en-US" altLang="ko-KR" b="1" dirty="0">
+                <a:latin typeface="Century Gothic" charset="0"/>
+                <a:ea typeface="Century Gothic" charset="0"/>
+              </a:rPr>
+              <a:t>R</a:t>
+            </a:r>
+            <a:endParaRPr lang="ko-KR" altLang="en-US" sz="1800" b="1" cap="none" dirty="0">
+              <a:latin typeface="Century Gothic" charset="0"/>
+              <a:ea typeface="Century Gothic" charset="0"/>
+            </a:endParaRPr>
+          </a:p>
+        </p:txBody>
+      </p:sp>
+      <p:sp>
+        <p:nvSpPr>
+          <p:cNvPr id="17" name="도형 1029">
+            <a:extLst>
+              <a:ext uri="{FF2B5EF4-FFF2-40B4-BE49-F238E27FC236}">
+                <a16:creationId xmlns:a16="http://schemas.microsoft.com/office/drawing/2014/main" id="{25A62EA8-4775-4848-9367-1AD7A00C7546}"/>
+              </a:ext>
+            </a:extLst>
+          </p:cNvPr>
+          <p:cNvSpPr>
+            <a:spLocks/>
+          </p:cNvSpPr>
+          <p:nvPr/>
+        </p:nvSpPr>
+        <p:spPr>
+          <a:xfrm>
+            <a:off x="3357245" y="1809115"/>
+            <a:ext cx="1626870" cy="423545"/>
+          </a:xfrm>
+          <a:prstGeom prst="roundRect">
+            <a:avLst/>
+          </a:prstGeom>
+          <a:solidFill>
+            <a:schemeClr val="accent1">
+              <a:alpha val="0"/>
+            </a:schemeClr>
+          </a:solidFill>
+          <a:ln w="31750" cap="rnd" cmpd="sng">
+            <a:solidFill>
+              <a:schemeClr val="accent1">
+                <a:alpha val="100000"/>
+              </a:schemeClr>
+            </a:solidFill>
+            <a:prstDash val="solid"/>
+            <a:round/>
+          </a:ln>
+        </p:spPr>
+        <p:style>
+          <a:lnRef idx="2">
+            <a:schemeClr val="accent1">
+              <a:shade val="50000"/>
+            </a:schemeClr>
+          </a:lnRef>
+          <a:fillRef idx="1">
+            <a:schemeClr val="accent1"/>
+          </a:fillRef>
+          <a:effectRef idx="0">
+            <a:schemeClr val="accent1"/>
+          </a:effectRef>
+          <a:fontRef idx="minor">
+            <a:schemeClr val="lt1"/>
+          </a:fontRef>
+        </p:style>
+        <p:txBody>
+          <a:bodyPr vert="horz" wrap="square" lIns="91440" tIns="45720" rIns="91440" bIns="45720" anchor="ctr">
+            <a:noAutofit/>
+          </a:bodyPr>
+          <a:lstStyle/>
+          <a:p>
+            <a:pPr marL="0" indent="0" algn="ctr" defTabSz="508000" fontAlgn="auto">
+              <a:lnSpc>
+                <a:spcPct val="100000"/>
+              </a:lnSpc>
+              <a:spcBef>
+                <a:spcPts val="0"/>
+              </a:spcBef>
+              <a:spcAft>
+                <a:spcPts val="0"/>
+              </a:spcAft>
+              <a:buFontTx/>
+              <a:buNone/>
+            </a:pPr>
+            <a:r>
+              <a:rPr lang="ko-KR" altLang="en-US" dirty="0">
+                <a:latin typeface="맑은 고딕" charset="0"/>
+                <a:ea typeface="맑은 고딕" charset="0"/>
+              </a:rPr>
+              <a:t>전기생성</a:t>
+            </a:r>
+            <a:endParaRPr lang="ko-KR" altLang="en-US" sz="1800" b="0" cap="none" dirty="0">
+              <a:latin typeface="맑은 고딕" charset="0"/>
+              <a:ea typeface="맑은 고딕" charset="0"/>
+            </a:endParaRPr>
+          </a:p>
+        </p:txBody>
+      </p:sp>
+      <p:cxnSp>
+        <p:nvCxnSpPr>
+          <p:cNvPr id="3" name="직선 연결선 2">
+            <a:extLst>
+              <a:ext uri="{FF2B5EF4-FFF2-40B4-BE49-F238E27FC236}">
+                <a16:creationId xmlns:a16="http://schemas.microsoft.com/office/drawing/2014/main" id="{E6B20D74-03E7-4E50-B1B5-B53440D29E16}"/>
+              </a:ext>
+            </a:extLst>
+          </p:cNvPr>
+          <p:cNvCxnSpPr>
+            <a:cxnSpLocks/>
+            <a:stCxn id="17" idx="2"/>
+            <a:endCxn id="13" idx="0"/>
+          </p:cNvCxnSpPr>
+          <p:nvPr/>
+        </p:nvCxnSpPr>
+        <p:spPr>
+          <a:xfrm flipH="1">
+            <a:off x="3357245" y="2232660"/>
+            <a:ext cx="813435" cy="1155700"/>
+          </a:xfrm>
+          <a:prstGeom prst="line">
+            <a:avLst/>
+          </a:prstGeom>
+          <a:ln w="57150"/>
+        </p:spPr>
+        <p:style>
+          <a:lnRef idx="1">
+            <a:schemeClr val="accent1"/>
+          </a:lnRef>
+          <a:fillRef idx="0">
+            <a:schemeClr val="accent1"/>
+          </a:fillRef>
+          <a:effectRef idx="0">
+            <a:schemeClr val="accent1"/>
+          </a:effectRef>
+          <a:fontRef idx="minor">
+            <a:schemeClr val="tx1"/>
+          </a:fontRef>
+        </p:style>
+      </p:cxnSp>
+      <p:cxnSp>
+        <p:nvCxnSpPr>
+          <p:cNvPr id="18" name="직선 연결선 17">
+            <a:extLst>
+              <a:ext uri="{FF2B5EF4-FFF2-40B4-BE49-F238E27FC236}">
+                <a16:creationId xmlns:a16="http://schemas.microsoft.com/office/drawing/2014/main" id="{0544673F-3E4A-4E51-BAD0-B040AEA21554}"/>
+              </a:ext>
+            </a:extLst>
+          </p:cNvPr>
+          <p:cNvCxnSpPr>
+            <a:cxnSpLocks/>
+            <a:stCxn id="1030" idx="2"/>
+          </p:cNvCxnSpPr>
+          <p:nvPr/>
+        </p:nvCxnSpPr>
+        <p:spPr>
+          <a:xfrm>
+            <a:off x="2413635" y="2245360"/>
+            <a:ext cx="0" cy="1143000"/>
+          </a:xfrm>
+          <a:prstGeom prst="line">
+            <a:avLst/>
+          </a:prstGeom>
+          <a:ln w="57150"/>
+        </p:spPr>
+        <p:style>
+          <a:lnRef idx="1">
+            <a:schemeClr val="accent1"/>
+          </a:lnRef>
+          <a:fillRef idx="0">
+            <a:schemeClr val="accent1"/>
+          </a:fillRef>
+          <a:effectRef idx="0">
+            <a:schemeClr val="accent1"/>
+          </a:effectRef>
+          <a:fontRef idx="minor">
+            <a:schemeClr val="tx1"/>
+          </a:fontRef>
+        </p:style>
+      </p:cxnSp>
+      <p:sp>
+        <p:nvSpPr>
+          <p:cNvPr id="21" name="도형 1029">
+            <a:extLst>
+              <a:ext uri="{FF2B5EF4-FFF2-40B4-BE49-F238E27FC236}">
+                <a16:creationId xmlns:a16="http://schemas.microsoft.com/office/drawing/2014/main" id="{612C78D7-68BF-49F6-84A7-AF6FE1DCB8D0}"/>
+              </a:ext>
+            </a:extLst>
+          </p:cNvPr>
+          <p:cNvSpPr>
+            <a:spLocks/>
+          </p:cNvSpPr>
+          <p:nvPr/>
+        </p:nvSpPr>
+        <p:spPr>
+          <a:xfrm>
+            <a:off x="7852410" y="1809115"/>
+            <a:ext cx="1626870" cy="423545"/>
+          </a:xfrm>
+          <a:prstGeom prst="roundRect">
+            <a:avLst/>
+          </a:prstGeom>
+          <a:solidFill>
+            <a:schemeClr val="accent1">
+              <a:alpha val="0"/>
+            </a:schemeClr>
+          </a:solidFill>
+          <a:ln w="31750" cap="rnd" cmpd="sng">
+            <a:solidFill>
+              <a:schemeClr val="accent1">
+                <a:alpha val="100000"/>
+              </a:schemeClr>
+            </a:solidFill>
+            <a:prstDash val="solid"/>
+            <a:round/>
+          </a:ln>
+        </p:spPr>
+        <p:style>
+          <a:lnRef idx="2">
+            <a:schemeClr val="accent1">
+              <a:shade val="50000"/>
+            </a:schemeClr>
+          </a:lnRef>
+          <a:fillRef idx="1">
+            <a:schemeClr val="accent1"/>
+          </a:fillRef>
+          <a:effectRef idx="0">
+            <a:schemeClr val="accent1"/>
+          </a:effectRef>
+          <a:fontRef idx="minor">
+            <a:schemeClr val="lt1"/>
+          </a:fontRef>
+        </p:style>
+        <p:txBody>
+          <a:bodyPr vert="horz" wrap="square" lIns="91440" tIns="45720" rIns="91440" bIns="45720" anchor="ctr">
+            <a:noAutofit/>
+          </a:bodyPr>
+          <a:lstStyle/>
+          <a:p>
+            <a:pPr marL="0" indent="0" algn="ctr" defTabSz="508000" fontAlgn="auto">
+              <a:lnSpc>
+                <a:spcPct val="100000"/>
+              </a:lnSpc>
+              <a:spcBef>
+                <a:spcPts val="0"/>
+              </a:spcBef>
+              <a:spcAft>
+                <a:spcPts val="0"/>
+              </a:spcAft>
+              <a:buFontTx/>
+              <a:buNone/>
+            </a:pPr>
+            <a:r>
+              <a:rPr lang="ko-KR" altLang="en-US" sz="1800" b="0" cap="none" dirty="0">
+                <a:latin typeface="맑은 고딕" charset="0"/>
+                <a:ea typeface="맑은 고딕" charset="0"/>
+              </a:rPr>
+              <a:t>상호작용</a:t>
+            </a:r>
+          </a:p>
+        </p:txBody>
+      </p:sp>
+      <p:cxnSp>
+        <p:nvCxnSpPr>
+          <p:cNvPr id="22" name="직선 연결선 21">
+            <a:extLst>
+              <a:ext uri="{FF2B5EF4-FFF2-40B4-BE49-F238E27FC236}">
+                <a16:creationId xmlns:a16="http://schemas.microsoft.com/office/drawing/2014/main" id="{FC9EDE35-637E-48FF-A85C-FA935DEA4013}"/>
+              </a:ext>
+            </a:extLst>
+          </p:cNvPr>
+          <p:cNvCxnSpPr>
+            <a:cxnSpLocks/>
+          </p:cNvCxnSpPr>
+          <p:nvPr/>
+        </p:nvCxnSpPr>
+        <p:spPr>
+          <a:xfrm>
+            <a:off x="8763000" y="2245360"/>
+            <a:ext cx="818515" cy="895350"/>
+          </a:xfrm>
+          <a:prstGeom prst="line">
+            <a:avLst/>
+          </a:prstGeom>
+          <a:ln w="57150"/>
+        </p:spPr>
+        <p:style>
+          <a:lnRef idx="1">
+            <a:schemeClr val="accent1"/>
+          </a:lnRef>
+          <a:fillRef idx="0">
+            <a:schemeClr val="accent1"/>
+          </a:fillRef>
+          <a:effectRef idx="0">
+            <a:schemeClr val="accent1"/>
+          </a:effectRef>
+          <a:fontRef idx="minor">
+            <a:schemeClr val="tx1"/>
+          </a:fontRef>
+        </p:style>
+      </p:cxnSp>
+      <p:sp>
+        <p:nvSpPr>
+          <p:cNvPr id="25" name="도형 1029">
+            <a:extLst>
+              <a:ext uri="{FF2B5EF4-FFF2-40B4-BE49-F238E27FC236}">
+                <a16:creationId xmlns:a16="http://schemas.microsoft.com/office/drawing/2014/main" id="{013CE114-3668-4A12-BF68-1BDAF9B68663}"/>
+              </a:ext>
+            </a:extLst>
+          </p:cNvPr>
+          <p:cNvSpPr>
+            <a:spLocks/>
+          </p:cNvSpPr>
+          <p:nvPr/>
+        </p:nvSpPr>
+        <p:spPr>
+          <a:xfrm>
+            <a:off x="10181590" y="1761490"/>
+            <a:ext cx="1626870" cy="423545"/>
+          </a:xfrm>
+          <a:prstGeom prst="roundRect">
+            <a:avLst/>
+          </a:prstGeom>
+          <a:solidFill>
+            <a:schemeClr val="accent1">
+              <a:alpha val="0"/>
+            </a:schemeClr>
+          </a:solidFill>
+          <a:ln w="31750" cap="rnd" cmpd="sng">
+            <a:solidFill>
+              <a:schemeClr val="accent1">
+                <a:alpha val="100000"/>
+              </a:schemeClr>
+            </a:solidFill>
+            <a:prstDash val="solid"/>
+            <a:round/>
+          </a:ln>
+        </p:spPr>
+        <p:style>
+          <a:lnRef idx="2">
+            <a:schemeClr val="accent1">
+              <a:shade val="50000"/>
+            </a:schemeClr>
+          </a:lnRef>
+          <a:fillRef idx="1">
+            <a:schemeClr val="accent1"/>
+          </a:fillRef>
+          <a:effectRef idx="0">
+            <a:schemeClr val="accent1"/>
+          </a:effectRef>
+          <a:fontRef idx="minor">
+            <a:schemeClr val="lt1"/>
+          </a:fontRef>
+        </p:style>
+        <p:txBody>
+          <a:bodyPr vert="horz" wrap="square" lIns="91440" tIns="45720" rIns="91440" bIns="45720" anchor="ctr">
+            <a:noAutofit/>
+          </a:bodyPr>
+          <a:lstStyle/>
+          <a:p>
+            <a:pPr marL="0" indent="0" algn="ctr" defTabSz="508000" fontAlgn="auto">
+              <a:lnSpc>
+                <a:spcPct val="100000"/>
+              </a:lnSpc>
+              <a:spcBef>
+                <a:spcPts val="0"/>
+              </a:spcBef>
+              <a:spcAft>
+                <a:spcPts val="0"/>
+              </a:spcAft>
+              <a:buFontTx/>
+              <a:buNone/>
+            </a:pPr>
+            <a:r>
+              <a:rPr lang="ko-KR" altLang="en-US" sz="1800" b="0" cap="none" dirty="0">
+                <a:latin typeface="맑은 고딕" charset="0"/>
+                <a:ea typeface="맑은 고딕" charset="0"/>
+              </a:rPr>
+              <a:t>시점전환</a:t>
+            </a:r>
+          </a:p>
+        </p:txBody>
+      </p:sp>
+      <p:cxnSp>
+        <p:nvCxnSpPr>
+          <p:cNvPr id="26" name="직선 연결선 25">
+            <a:extLst>
+              <a:ext uri="{FF2B5EF4-FFF2-40B4-BE49-F238E27FC236}">
+                <a16:creationId xmlns:a16="http://schemas.microsoft.com/office/drawing/2014/main" id="{D1F288F8-1060-463A-B7BA-40E8877D13F6}"/>
+              </a:ext>
+            </a:extLst>
+          </p:cNvPr>
+          <p:cNvCxnSpPr>
+            <a:cxnSpLocks/>
+            <a:stCxn id="25" idx="2"/>
+          </p:cNvCxnSpPr>
+          <p:nvPr/>
+        </p:nvCxnSpPr>
+        <p:spPr>
+          <a:xfrm flipH="1">
+            <a:off x="10181590" y="2185035"/>
+            <a:ext cx="813435" cy="940435"/>
+          </a:xfrm>
+          <a:prstGeom prst="line">
+            <a:avLst/>
+          </a:prstGeom>
+          <a:ln w="57150"/>
+        </p:spPr>
+        <p:style>
+          <a:lnRef idx="1">
+            <a:schemeClr val="accent1"/>
+          </a:lnRef>
+          <a:fillRef idx="0">
+            <a:schemeClr val="accent1"/>
+          </a:fillRef>
+          <a:effectRef idx="0">
+            <a:schemeClr val="accent1"/>
+          </a:effectRef>
+          <a:fontRef idx="minor">
+            <a:schemeClr val="tx1"/>
+          </a:fontRef>
+        </p:style>
+      </p:cxnSp>
+      <p:sp>
+        <p:nvSpPr>
+          <p:cNvPr id="20" name="화살표: 왼쪽/오른쪽 19">
+            <a:extLst>
+              <a:ext uri="{FF2B5EF4-FFF2-40B4-BE49-F238E27FC236}">
+                <a16:creationId xmlns:a16="http://schemas.microsoft.com/office/drawing/2014/main" id="{305FD8B4-5D52-4CE2-B5D9-0875B8FB5EE1}"/>
+              </a:ext>
+            </a:extLst>
+          </p:cNvPr>
+          <p:cNvSpPr/>
+          <p:nvPr/>
+        </p:nvSpPr>
+        <p:spPr>
+          <a:xfrm>
+            <a:off x="8844280" y="3662045"/>
+            <a:ext cx="2290445" cy="423545"/>
+          </a:xfrm>
+          <a:prstGeom prst="leftRightArrow">
+            <a:avLst/>
+          </a:prstGeom>
+        </p:spPr>
+        <p:style>
+          <a:lnRef idx="2">
+            <a:schemeClr val="accent1">
+              <a:shade val="50000"/>
+            </a:schemeClr>
+          </a:lnRef>
+          <a:fillRef idx="1">
+            <a:schemeClr val="accent1"/>
+          </a:fillRef>
+          <a:effectRef idx="0">
+            <a:schemeClr val="accent1"/>
+          </a:effectRef>
+          <a:fontRef idx="minor">
+            <a:schemeClr val="lt1"/>
+          </a:fontRef>
+        </p:style>
+        <p:txBody>
+          <a:bodyPr rtlCol="0" anchor="ctr"/>
+          <a:lstStyle/>
+          <a:p>
+            <a:pPr algn="ctr"/>
+            <a:endParaRPr lang="ko-KR" altLang="en-US"/>
+          </a:p>
+        </p:txBody>
+      </p:sp>
+      <p:cxnSp>
+        <p:nvCxnSpPr>
+          <p:cNvPr id="32" name="직선 연결선 31">
+            <a:extLst>
+              <a:ext uri="{FF2B5EF4-FFF2-40B4-BE49-F238E27FC236}">
+                <a16:creationId xmlns:a16="http://schemas.microsoft.com/office/drawing/2014/main" id="{A799AA54-5676-4887-BF0B-A68494ACE3B7}"/>
+              </a:ext>
+            </a:extLst>
+          </p:cNvPr>
+          <p:cNvCxnSpPr>
+            <a:cxnSpLocks/>
+            <a:stCxn id="25" idx="2"/>
+          </p:cNvCxnSpPr>
+          <p:nvPr/>
+        </p:nvCxnSpPr>
+        <p:spPr>
+          <a:xfrm flipH="1">
+            <a:off x="10278110" y="2185035"/>
+            <a:ext cx="716915" cy="1598295"/>
+          </a:xfrm>
+          <a:prstGeom prst="line">
+            <a:avLst/>
+          </a:prstGeom>
+          <a:ln w="57150"/>
+        </p:spPr>
+        <p:style>
+          <a:lnRef idx="1">
+            <a:schemeClr val="accent1"/>
+          </a:lnRef>
+          <a:fillRef idx="0">
+            <a:schemeClr val="accent1"/>
+          </a:fillRef>
+          <a:effectRef idx="0">
+            <a:schemeClr val="accent1"/>
+          </a:effectRef>
+          <a:fontRef idx="minor">
+            <a:schemeClr val="tx1"/>
+          </a:fontRef>
+        </p:style>
+      </p:cxnSp>
     </p:spTree>
     <p:extLst>
       <p:ext uri="{BB962C8B-B14F-4D97-AF65-F5344CB8AC3E}">
-        <p14:creationId xmlns:p14="http://schemas.microsoft.com/office/powerpoint/2010/main" val="1106448981"/>
+        <p14:creationId xmlns:p14="http://schemas.microsoft.com/office/powerpoint/2010/main" val="226358864"/>
       </p:ext>
     </p:extLst>
   </p:cSld>
@@ -9662,33 +10677,27 @@
       </p:graphicFrame>
       <p:sp>
         <p:nvSpPr>
-          <p:cNvPr id="2" name="TextBox 1">
-            <a:extLst>
-              <a:ext uri="{FF2B5EF4-FFF2-40B4-BE49-F238E27FC236}">
-                <a16:creationId xmlns:a16="http://schemas.microsoft.com/office/drawing/2014/main" id="{47F9A707-3D99-4155-8F2F-4414109D7A5A}"/>
-              </a:ext>
-            </a:extLst>
-          </p:cNvPr>
-          <p:cNvSpPr txBox="1"/>
+          <p:cNvPr id="2" name="TextBox 1"/>
+          <p:cNvSpPr txBox="1">
+            <a:spLocks/>
+          </p:cNvSpPr>
           <p:nvPr/>
         </p:nvSpPr>
         <p:spPr>
-          <a:xfrm>
+          <a:xfrm rot="0">
             <a:off x="791845" y="423545"/>
-            <a:ext cx="5614035" cy="768985"/>
+            <a:ext cx="6191250" cy="768985"/>
           </a:xfrm>
-          <a:prstGeom prst="rect">
-            <a:avLst/>
-          </a:prstGeom>
+          <a:prstGeom prst="rect"/>
           <a:noFill/>
         </p:spPr>
         <p:txBody>
-          <a:bodyPr vert="horz" wrap="square" lIns="91440" tIns="45720" rIns="91440" bIns="45720" numCol="1" anchor="t">
+          <a:bodyPr wrap="square" lIns="91440" tIns="45720" rIns="91440" bIns="45720" numCol="1" vert="horz" anchor="t">
             <a:spAutoFit/>
           </a:bodyPr>
           <a:lstStyle/>
           <a:p>
-            <a:pPr marL="0" indent="0" algn="l" defTabSz="457200" eaLnBrk="0" fontAlgn="auto" latinLnBrk="0">
+            <a:pPr marL="0" indent="0" algn="l" fontAlgn="auto" defTabSz="457200" eaLnBrk="0" latinLnBrk="0">
               <a:lnSpc>
                 <a:spcPct val="100000"/>
               </a:lnSpc>
@@ -9702,7 +10711,7 @@
               <a:buNone/>
             </a:pPr>
             <a:r>
-              <a:rPr lang="en-US" altLang="ko-KR" sz="4400" b="0" cap="none" dirty="0">
+              <a:rPr lang="en-US" altLang="ko-KR" sz="4400" cap="none" dirty="0" smtClean="0" b="0">
                 <a:solidFill>
                   <a:schemeClr val="accent1">
                     <a:lumMod val="75000"/>
@@ -9711,9 +10720,9 @@
                 <a:latin typeface="맑은 고딕" charset="0"/>
                 <a:ea typeface="맑은 고딕" charset="0"/>
               </a:rPr>
-              <a:t>게임 플레이</a:t>
-            </a:r>
-            <a:endParaRPr lang="ko-KR" altLang="en-US" sz="4400" b="0" cap="none" dirty="0">
+              <a:t>게임 플레이 - 오브젝트</a:t>
+            </a:r>
+            <a:endParaRPr lang="ko-KR" altLang="en-US" sz="4400" cap="none" dirty="0" smtClean="0" b="0">
               <a:solidFill>
                 <a:schemeClr val="accent1">
                   <a:lumMod val="75000"/>
@@ -9891,13 +10900,11 @@
           <p:nvPr/>
         </p:nvSpPr>
         <p:spPr>
-          <a:xfrm>
+          <a:xfrm rot="0">
             <a:off x="791845" y="423545"/>
-            <a:ext cx="5614670" cy="768985"/>
+            <a:ext cx="7065645" cy="768985"/>
           </a:xfrm>
-          <a:prstGeom prst="rect">
-            <a:avLst/>
-          </a:prstGeom>
+          <a:prstGeom prst="rect"/>
           <a:noFill/>
         </p:spPr>
         <p:txBody>
@@ -9929,7 +10936,7 @@
                 <a:latin typeface="맑은 고딕" charset="0"/>
                 <a:ea typeface="맑은 고딕" charset="0"/>
               </a:rPr>
-              <a:t>게임 플레이 - 예시</a:t>
+              <a:t>게임 플레이 - 게임플로우</a:t>
             </a:r>
             <a:endParaRPr lang="ko-KR" altLang="en-US" sz="4400" cap="none" dirty="0" smtClean="0" b="0">
               <a:solidFill>
@@ -9943,1450 +10950,6 @@
           </a:p>
         </p:txBody>
       </p:sp>
-      <p:sp>
-        <p:nvSpPr>
-          <p:cNvPr id="7" name="도형 6"/>
-          <p:cNvSpPr>
-            <a:spLocks/>
-          </p:cNvSpPr>
-          <p:nvPr/>
-        </p:nvSpPr>
-        <p:spPr>
-          <a:xfrm rot="0">
-            <a:off x="2085340" y="1823085"/>
-            <a:ext cx="7318375" cy="420370"/>
-          </a:xfrm>
-          <a:prstGeom prst="roundRect"/>
-          <a:solidFill>
-            <a:schemeClr val="accent1">
-              <a:alpha val="0"/>
-            </a:schemeClr>
-          </a:solidFill>
-          <a:ln w="19050" cap="flat" cmpd="sng">
-            <a:solidFill>
-              <a:srgbClr val="B38435">
-                <a:alpha val="100000"/>
-              </a:srgbClr>
-            </a:solidFill>
-            <a:prstDash val="solid"/>
-          </a:ln>
-        </p:spPr>
-        <p:style>
-          <a:lnRef idx="2">
-            <a:schemeClr val="accent1">
-              <a:shade val="50000"/>
-            </a:schemeClr>
-          </a:lnRef>
-          <a:fillRef idx="1">
-            <a:schemeClr val="accent1"/>
-          </a:fillRef>
-          <a:effectRef idx="0">
-            <a:schemeClr val="accent1"/>
-          </a:effectRef>
-          <a:fontRef idx="minor">
-            <a:schemeClr val="lt1"/>
-          </a:fontRef>
-        </p:style>
-        <p:txBody>
-          <a:bodyPr wrap="square" lIns="91440" tIns="45720" rIns="91440" bIns="45720" vert="horz" anchor="ctr">
-            <a:noAutofit/>
-          </a:bodyPr>
-          <a:lstStyle/>
-          <a:p>
-            <a:pPr marL="0" indent="0" algn="ctr" fontAlgn="auto" defTabSz="508000">
-              <a:lnSpc>
-                <a:spcPct val="100000"/>
-              </a:lnSpc>
-              <a:spcBef>
-                <a:spcPts val="0"/>
-              </a:spcBef>
-              <a:spcAft>
-                <a:spcPts val="0"/>
-              </a:spcAft>
-              <a:buFontTx/>
-              <a:buNone/>
-            </a:pPr>
-            <a:endParaRPr lang="ko-KR" altLang="en-US" sz="1800" cap="none" dirty="0" smtClean="0" b="0">
-              <a:latin typeface="맑은 고딕" charset="0"/>
-              <a:ea typeface="맑은 고딕" charset="0"/>
-            </a:endParaRPr>
-          </a:p>
-        </p:txBody>
-      </p:sp>
-      <p:sp>
-        <p:nvSpPr>
-          <p:cNvPr id="8" name="도형 7"/>
-          <p:cNvSpPr>
-            <a:spLocks/>
-          </p:cNvSpPr>
-          <p:nvPr/>
-        </p:nvSpPr>
-        <p:spPr>
-          <a:xfrm rot="0">
-            <a:off x="2308225" y="2242820"/>
-            <a:ext cx="341630" cy="341630"/>
-          </a:xfrm>
-          <a:prstGeom prst="roundRect"/>
-          <a:solidFill>
-            <a:schemeClr val="accent1">
-              <a:alpha val="0"/>
-            </a:schemeClr>
-          </a:solidFill>
-        </p:spPr>
-        <p:style>
-          <a:lnRef idx="2">
-            <a:schemeClr val="accent1">
-              <a:shade val="50000"/>
-            </a:schemeClr>
-          </a:lnRef>
-          <a:fillRef idx="1">
-            <a:schemeClr val="accent1"/>
-          </a:fillRef>
-          <a:effectRef idx="0">
-            <a:schemeClr val="accent1"/>
-          </a:effectRef>
-          <a:fontRef idx="minor">
-            <a:schemeClr val="lt1"/>
-          </a:fontRef>
-        </p:style>
-        <p:txBody>
-          <a:bodyPr wrap="square" lIns="91440" tIns="45720" rIns="91440" bIns="45720" vert="horz" anchor="ctr">
-            <a:noAutofit/>
-          </a:bodyPr>
-          <a:lstStyle/>
-          <a:p>
-            <a:pPr marL="0" indent="0" algn="ctr" fontAlgn="auto" defTabSz="508000">
-              <a:lnSpc>
-                <a:spcPct val="100000"/>
-              </a:lnSpc>
-              <a:spcBef>
-                <a:spcPts val="0"/>
-              </a:spcBef>
-              <a:spcAft>
-                <a:spcPts val="0"/>
-              </a:spcAft>
-              <a:buFontTx/>
-              <a:buNone/>
-            </a:pPr>
-            <a:endParaRPr lang="ko-KR" altLang="en-US" sz="1800" cap="none" dirty="0" smtClean="0" b="0">
-              <a:latin typeface="맑은 고딕" charset="0"/>
-              <a:ea typeface="맑은 고딕" charset="0"/>
-            </a:endParaRPr>
-          </a:p>
-        </p:txBody>
-      </p:sp>
-      <p:sp>
-        <p:nvSpPr>
-          <p:cNvPr id="9" name="도형 8"/>
-          <p:cNvSpPr>
-            <a:spLocks/>
-          </p:cNvSpPr>
-          <p:nvPr/>
-        </p:nvSpPr>
-        <p:spPr>
-          <a:xfrm rot="0">
-            <a:off x="3593465" y="2242820"/>
-            <a:ext cx="341630" cy="341630"/>
-          </a:xfrm>
-          <a:prstGeom prst="roundRect"/>
-          <a:solidFill>
-            <a:schemeClr val="accent1">
-              <a:alpha val="0"/>
-            </a:schemeClr>
-          </a:solidFill>
-        </p:spPr>
-        <p:style>
-          <a:lnRef idx="2">
-            <a:schemeClr val="accent1">
-              <a:shade val="50000"/>
-            </a:schemeClr>
-          </a:lnRef>
-          <a:fillRef idx="1">
-            <a:schemeClr val="accent1"/>
-          </a:fillRef>
-          <a:effectRef idx="0">
-            <a:schemeClr val="accent1"/>
-          </a:effectRef>
-          <a:fontRef idx="minor">
-            <a:schemeClr val="lt1"/>
-          </a:fontRef>
-        </p:style>
-        <p:txBody>
-          <a:bodyPr wrap="square" lIns="91440" tIns="45720" rIns="91440" bIns="45720" vert="horz" anchor="ctr">
-            <a:noAutofit/>
-          </a:bodyPr>
-          <a:lstStyle/>
-          <a:p>
-            <a:pPr marL="0" indent="0" algn="ctr" fontAlgn="auto" defTabSz="508000">
-              <a:lnSpc>
-                <a:spcPct val="100000"/>
-              </a:lnSpc>
-              <a:spcBef>
-                <a:spcPts val="0"/>
-              </a:spcBef>
-              <a:spcAft>
-                <a:spcPts val="0"/>
-              </a:spcAft>
-              <a:buFontTx/>
-              <a:buNone/>
-            </a:pPr>
-            <a:endParaRPr lang="ko-KR" altLang="en-US" sz="1800" cap="none" dirty="0" smtClean="0" b="0">
-              <a:latin typeface="맑은 고딕" charset="0"/>
-              <a:ea typeface="맑은 고딕" charset="0"/>
-            </a:endParaRPr>
-          </a:p>
-        </p:txBody>
-      </p:sp>
-      <p:sp>
-        <p:nvSpPr>
-          <p:cNvPr id="10" name="도형 9"/>
-          <p:cNvSpPr>
-            <a:spLocks/>
-          </p:cNvSpPr>
-          <p:nvPr/>
-        </p:nvSpPr>
-        <p:spPr>
-          <a:xfrm rot="0">
-            <a:off x="6229350" y="2242820"/>
-            <a:ext cx="341630" cy="341630"/>
-          </a:xfrm>
-          <a:prstGeom prst="roundRect"/>
-          <a:solidFill>
-            <a:schemeClr val="accent1">
-              <a:alpha val="0"/>
-            </a:schemeClr>
-          </a:solidFill>
-        </p:spPr>
-        <p:style>
-          <a:lnRef idx="2">
-            <a:schemeClr val="accent1">
-              <a:shade val="50000"/>
-            </a:schemeClr>
-          </a:lnRef>
-          <a:fillRef idx="1">
-            <a:schemeClr val="accent1"/>
-          </a:fillRef>
-          <a:effectRef idx="0">
-            <a:schemeClr val="accent1"/>
-          </a:effectRef>
-          <a:fontRef idx="minor">
-            <a:schemeClr val="lt1"/>
-          </a:fontRef>
-        </p:style>
-        <p:txBody>
-          <a:bodyPr wrap="square" lIns="91440" tIns="45720" rIns="91440" bIns="45720" vert="horz" anchor="ctr">
-            <a:noAutofit/>
-          </a:bodyPr>
-          <a:lstStyle/>
-          <a:p>
-            <a:pPr marL="0" indent="0" algn="ctr" fontAlgn="auto" defTabSz="508000">
-              <a:lnSpc>
-                <a:spcPct val="100000"/>
-              </a:lnSpc>
-              <a:spcBef>
-                <a:spcPts val="0"/>
-              </a:spcBef>
-              <a:spcAft>
-                <a:spcPts val="0"/>
-              </a:spcAft>
-              <a:buFontTx/>
-              <a:buNone/>
-            </a:pPr>
-            <a:endParaRPr lang="ko-KR" altLang="en-US" sz="1800" cap="none" dirty="0" smtClean="0" b="0">
-              <a:latin typeface="맑은 고딕" charset="0"/>
-              <a:ea typeface="맑은 고딕" charset="0"/>
-            </a:endParaRPr>
-          </a:p>
-        </p:txBody>
-      </p:sp>
-      <p:sp>
-        <p:nvSpPr>
-          <p:cNvPr id="11" name="도형 10"/>
-          <p:cNvSpPr>
-            <a:spLocks/>
-          </p:cNvSpPr>
-          <p:nvPr/>
-        </p:nvSpPr>
-        <p:spPr>
-          <a:xfrm rot="0">
-            <a:off x="4931410" y="2242820"/>
-            <a:ext cx="341630" cy="341630"/>
-          </a:xfrm>
-          <a:prstGeom prst="roundRect"/>
-          <a:solidFill>
-            <a:schemeClr val="accent1">
-              <a:alpha val="0"/>
-            </a:schemeClr>
-          </a:solidFill>
-        </p:spPr>
-        <p:style>
-          <a:lnRef idx="2">
-            <a:schemeClr val="accent1">
-              <a:shade val="50000"/>
-            </a:schemeClr>
-          </a:lnRef>
-          <a:fillRef idx="1">
-            <a:schemeClr val="accent1"/>
-          </a:fillRef>
-          <a:effectRef idx="0">
-            <a:schemeClr val="accent1"/>
-          </a:effectRef>
-          <a:fontRef idx="minor">
-            <a:schemeClr val="lt1"/>
-          </a:fontRef>
-        </p:style>
-        <p:txBody>
-          <a:bodyPr wrap="square" lIns="91440" tIns="45720" rIns="91440" bIns="45720" vert="horz" anchor="ctr">
-            <a:noAutofit/>
-          </a:bodyPr>
-          <a:lstStyle/>
-          <a:p>
-            <a:pPr marL="0" indent="0" algn="ctr" fontAlgn="auto" defTabSz="508000">
-              <a:lnSpc>
-                <a:spcPct val="100000"/>
-              </a:lnSpc>
-              <a:spcBef>
-                <a:spcPts val="0"/>
-              </a:spcBef>
-              <a:spcAft>
-                <a:spcPts val="0"/>
-              </a:spcAft>
-              <a:buFontTx/>
-              <a:buNone/>
-            </a:pPr>
-            <a:endParaRPr lang="ko-KR" altLang="en-US" sz="1800" cap="none" dirty="0" smtClean="0" b="0">
-              <a:latin typeface="맑은 고딕" charset="0"/>
-              <a:ea typeface="맑은 고딕" charset="0"/>
-            </a:endParaRPr>
-          </a:p>
-        </p:txBody>
-      </p:sp>
-      <p:sp>
-        <p:nvSpPr>
-          <p:cNvPr id="12" name="도형 11"/>
-          <p:cNvSpPr>
-            <a:spLocks/>
-          </p:cNvSpPr>
-          <p:nvPr/>
-        </p:nvSpPr>
-        <p:spPr>
-          <a:xfrm rot="0">
-            <a:off x="7501890" y="2242820"/>
-            <a:ext cx="341630" cy="341630"/>
-          </a:xfrm>
-          <a:prstGeom prst="roundRect"/>
-          <a:solidFill>
-            <a:schemeClr val="accent1">
-              <a:alpha val="0"/>
-            </a:schemeClr>
-          </a:solidFill>
-        </p:spPr>
-        <p:style>
-          <a:lnRef idx="2">
-            <a:schemeClr val="accent1">
-              <a:shade val="50000"/>
-            </a:schemeClr>
-          </a:lnRef>
-          <a:fillRef idx="1">
-            <a:schemeClr val="accent1"/>
-          </a:fillRef>
-          <a:effectRef idx="0">
-            <a:schemeClr val="accent1"/>
-          </a:effectRef>
-          <a:fontRef idx="minor">
-            <a:schemeClr val="lt1"/>
-          </a:fontRef>
-        </p:style>
-        <p:txBody>
-          <a:bodyPr wrap="square" lIns="91440" tIns="45720" rIns="91440" bIns="45720" vert="horz" anchor="ctr">
-            <a:noAutofit/>
-          </a:bodyPr>
-          <a:lstStyle/>
-          <a:p>
-            <a:pPr marL="0" indent="0" algn="ctr" fontAlgn="auto" defTabSz="508000">
-              <a:lnSpc>
-                <a:spcPct val="100000"/>
-              </a:lnSpc>
-              <a:spcBef>
-                <a:spcPts val="0"/>
-              </a:spcBef>
-              <a:spcAft>
-                <a:spcPts val="0"/>
-              </a:spcAft>
-              <a:buFontTx/>
-              <a:buNone/>
-            </a:pPr>
-            <a:endParaRPr lang="ko-KR" altLang="en-US" sz="1800" cap="none" dirty="0" smtClean="0" b="0">
-              <a:latin typeface="맑은 고딕" charset="0"/>
-              <a:ea typeface="맑은 고딕" charset="0"/>
-            </a:endParaRPr>
-          </a:p>
-        </p:txBody>
-      </p:sp>
-      <p:sp>
-        <p:nvSpPr>
-          <p:cNvPr id="13" name="도형 12"/>
-          <p:cNvSpPr>
-            <a:spLocks/>
-          </p:cNvSpPr>
-          <p:nvPr/>
-        </p:nvSpPr>
-        <p:spPr>
-          <a:xfrm rot="0">
-            <a:off x="9403080" y="1691640"/>
-            <a:ext cx="341630" cy="341630"/>
-          </a:xfrm>
-          <a:prstGeom prst="roundRect"/>
-          <a:solidFill>
-            <a:schemeClr val="accent1">
-              <a:alpha val="0"/>
-            </a:schemeClr>
-          </a:solidFill>
-        </p:spPr>
-        <p:style>
-          <a:lnRef idx="2">
-            <a:schemeClr val="accent1">
-              <a:shade val="50000"/>
-            </a:schemeClr>
-          </a:lnRef>
-          <a:fillRef idx="1">
-            <a:schemeClr val="accent1"/>
-          </a:fillRef>
-          <a:effectRef idx="0">
-            <a:schemeClr val="accent1"/>
-          </a:effectRef>
-          <a:fontRef idx="minor">
-            <a:schemeClr val="lt1"/>
-          </a:fontRef>
-        </p:style>
-        <p:txBody>
-          <a:bodyPr wrap="square" lIns="91440" tIns="45720" rIns="91440" bIns="45720" vert="horz" anchor="ctr">
-            <a:noAutofit/>
-          </a:bodyPr>
-          <a:lstStyle/>
-          <a:p>
-            <a:pPr marL="0" indent="0" algn="ctr" fontAlgn="auto" defTabSz="508000">
-              <a:lnSpc>
-                <a:spcPct val="100000"/>
-              </a:lnSpc>
-              <a:spcBef>
-                <a:spcPts val="0"/>
-              </a:spcBef>
-              <a:spcAft>
-                <a:spcPts val="0"/>
-              </a:spcAft>
-              <a:buFontTx/>
-              <a:buNone/>
-            </a:pPr>
-            <a:endParaRPr lang="ko-KR" altLang="en-US" sz="1800" cap="none" dirty="0" smtClean="0" b="0">
-              <a:latin typeface="맑은 고딕" charset="0"/>
-              <a:ea typeface="맑은 고딕" charset="0"/>
-            </a:endParaRPr>
-          </a:p>
-        </p:txBody>
-      </p:sp>
-      <p:sp>
-        <p:nvSpPr>
-          <p:cNvPr id="14" name="도형 13"/>
-          <p:cNvSpPr>
-            <a:spLocks/>
-          </p:cNvSpPr>
-          <p:nvPr/>
-        </p:nvSpPr>
-        <p:spPr>
-          <a:xfrm rot="0">
-            <a:off x="8904605" y="2242185"/>
-            <a:ext cx="341630" cy="341630"/>
-          </a:xfrm>
-          <a:prstGeom prst="roundRect"/>
-          <a:solidFill>
-            <a:schemeClr val="accent1">
-              <a:alpha val="0"/>
-            </a:schemeClr>
-          </a:solidFill>
-        </p:spPr>
-        <p:style>
-          <a:lnRef idx="2">
-            <a:schemeClr val="accent1">
-              <a:shade val="50000"/>
-            </a:schemeClr>
-          </a:lnRef>
-          <a:fillRef idx="1">
-            <a:schemeClr val="accent1"/>
-          </a:fillRef>
-          <a:effectRef idx="0">
-            <a:schemeClr val="accent1"/>
-          </a:effectRef>
-          <a:fontRef idx="minor">
-            <a:schemeClr val="lt1"/>
-          </a:fontRef>
-        </p:style>
-        <p:txBody>
-          <a:bodyPr wrap="square" lIns="91440" tIns="45720" rIns="91440" bIns="45720" vert="horz" anchor="ctr">
-            <a:noAutofit/>
-          </a:bodyPr>
-          <a:lstStyle/>
-          <a:p>
-            <a:pPr marL="0" indent="0" algn="ctr" fontAlgn="auto" defTabSz="508000">
-              <a:lnSpc>
-                <a:spcPct val="100000"/>
-              </a:lnSpc>
-              <a:spcBef>
-                <a:spcPts val="0"/>
-              </a:spcBef>
-              <a:spcAft>
-                <a:spcPts val="0"/>
-              </a:spcAft>
-              <a:buFontTx/>
-              <a:buNone/>
-            </a:pPr>
-            <a:endParaRPr lang="ko-KR" altLang="en-US" sz="1800" cap="none" dirty="0" smtClean="0" b="0">
-              <a:latin typeface="맑은 고딕" charset="0"/>
-              <a:ea typeface="맑은 고딕" charset="0"/>
-            </a:endParaRPr>
-          </a:p>
-        </p:txBody>
-      </p:sp>
-      <p:sp>
-        <p:nvSpPr>
-          <p:cNvPr id="15" name="도형 14"/>
-          <p:cNvSpPr>
-            <a:spLocks/>
-          </p:cNvSpPr>
-          <p:nvPr/>
-        </p:nvSpPr>
-        <p:spPr>
-          <a:xfrm rot="0">
-            <a:off x="7960360" y="1469390"/>
-            <a:ext cx="341630" cy="341630"/>
-          </a:xfrm>
-          <a:prstGeom prst="roundRect"/>
-          <a:solidFill>
-            <a:schemeClr val="accent1">
-              <a:alpha val="0"/>
-            </a:schemeClr>
-          </a:solidFill>
-        </p:spPr>
-        <p:style>
-          <a:lnRef idx="2">
-            <a:schemeClr val="accent1">
-              <a:shade val="50000"/>
-            </a:schemeClr>
-          </a:lnRef>
-          <a:fillRef idx="1">
-            <a:schemeClr val="accent1"/>
-          </a:fillRef>
-          <a:effectRef idx="0">
-            <a:schemeClr val="accent1"/>
-          </a:effectRef>
-          <a:fontRef idx="minor">
-            <a:schemeClr val="lt1"/>
-          </a:fontRef>
-        </p:style>
-        <p:txBody>
-          <a:bodyPr wrap="square" lIns="91440" tIns="45720" rIns="91440" bIns="45720" vert="horz" anchor="ctr">
-            <a:noAutofit/>
-          </a:bodyPr>
-          <a:lstStyle/>
-          <a:p>
-            <a:pPr marL="0" indent="0" algn="ctr" fontAlgn="auto" defTabSz="508000">
-              <a:lnSpc>
-                <a:spcPct val="100000"/>
-              </a:lnSpc>
-              <a:spcBef>
-                <a:spcPts val="0"/>
-              </a:spcBef>
-              <a:spcAft>
-                <a:spcPts val="0"/>
-              </a:spcAft>
-              <a:buFontTx/>
-              <a:buNone/>
-            </a:pPr>
-            <a:endParaRPr lang="ko-KR" altLang="en-US" sz="1800" cap="none" dirty="0" smtClean="0" b="0">
-              <a:latin typeface="맑은 고딕" charset="0"/>
-              <a:ea typeface="맑은 고딕" charset="0"/>
-            </a:endParaRPr>
-          </a:p>
-        </p:txBody>
-      </p:sp>
-      <p:sp>
-        <p:nvSpPr>
-          <p:cNvPr id="16" name="도형 15"/>
-          <p:cNvSpPr>
-            <a:spLocks/>
-          </p:cNvSpPr>
-          <p:nvPr/>
-        </p:nvSpPr>
-        <p:spPr>
-          <a:xfrm rot="0">
-            <a:off x="6504940" y="1482090"/>
-            <a:ext cx="341630" cy="341630"/>
-          </a:xfrm>
-          <a:prstGeom prst="roundRect"/>
-          <a:solidFill>
-            <a:schemeClr val="accent1">
-              <a:alpha val="0"/>
-            </a:schemeClr>
-          </a:solidFill>
-        </p:spPr>
-        <p:style>
-          <a:lnRef idx="2">
-            <a:schemeClr val="accent1">
-              <a:shade val="50000"/>
-            </a:schemeClr>
-          </a:lnRef>
-          <a:fillRef idx="1">
-            <a:schemeClr val="accent1"/>
-          </a:fillRef>
-          <a:effectRef idx="0">
-            <a:schemeClr val="accent1"/>
-          </a:effectRef>
-          <a:fontRef idx="minor">
-            <a:schemeClr val="lt1"/>
-          </a:fontRef>
-        </p:style>
-        <p:txBody>
-          <a:bodyPr wrap="square" lIns="91440" tIns="45720" rIns="91440" bIns="45720" vert="horz" anchor="ctr">
-            <a:noAutofit/>
-          </a:bodyPr>
-          <a:lstStyle/>
-          <a:p>
-            <a:pPr marL="0" indent="0" algn="ctr" fontAlgn="auto" defTabSz="508000">
-              <a:lnSpc>
-                <a:spcPct val="100000"/>
-              </a:lnSpc>
-              <a:spcBef>
-                <a:spcPts val="0"/>
-              </a:spcBef>
-              <a:spcAft>
-                <a:spcPts val="0"/>
-              </a:spcAft>
-              <a:buFontTx/>
-              <a:buNone/>
-            </a:pPr>
-            <a:endParaRPr lang="ko-KR" altLang="en-US" sz="1800" cap="none" dirty="0" smtClean="0" b="0">
-              <a:latin typeface="맑은 고딕" charset="0"/>
-              <a:ea typeface="맑은 고딕" charset="0"/>
-            </a:endParaRPr>
-          </a:p>
-        </p:txBody>
-      </p:sp>
-      <p:sp>
-        <p:nvSpPr>
-          <p:cNvPr id="17" name="도형 16"/>
-          <p:cNvSpPr>
-            <a:spLocks/>
-          </p:cNvSpPr>
-          <p:nvPr/>
-        </p:nvSpPr>
-        <p:spPr>
-          <a:xfrm rot="0">
-            <a:off x="5114925" y="1482090"/>
-            <a:ext cx="341630" cy="341630"/>
-          </a:xfrm>
-          <a:prstGeom prst="roundRect"/>
-          <a:solidFill>
-            <a:schemeClr val="accent1">
-              <a:alpha val="0"/>
-            </a:schemeClr>
-          </a:solidFill>
-        </p:spPr>
-        <p:style>
-          <a:lnRef idx="2">
-            <a:schemeClr val="accent1">
-              <a:shade val="50000"/>
-            </a:schemeClr>
-          </a:lnRef>
-          <a:fillRef idx="1">
-            <a:schemeClr val="accent1"/>
-          </a:fillRef>
-          <a:effectRef idx="0">
-            <a:schemeClr val="accent1"/>
-          </a:effectRef>
-          <a:fontRef idx="minor">
-            <a:schemeClr val="lt1"/>
-          </a:fontRef>
-        </p:style>
-        <p:txBody>
-          <a:bodyPr wrap="square" lIns="91440" tIns="45720" rIns="91440" bIns="45720" vert="horz" anchor="ctr">
-            <a:noAutofit/>
-          </a:bodyPr>
-          <a:lstStyle/>
-          <a:p>
-            <a:pPr marL="0" indent="0" algn="ctr" fontAlgn="auto" defTabSz="508000">
-              <a:lnSpc>
-                <a:spcPct val="100000"/>
-              </a:lnSpc>
-              <a:spcBef>
-                <a:spcPts val="0"/>
-              </a:spcBef>
-              <a:spcAft>
-                <a:spcPts val="0"/>
-              </a:spcAft>
-              <a:buFontTx/>
-              <a:buNone/>
-            </a:pPr>
-            <a:endParaRPr lang="ko-KR" altLang="en-US" sz="1800" cap="none" dirty="0" smtClean="0" b="0">
-              <a:latin typeface="맑은 고딕" charset="0"/>
-              <a:ea typeface="맑은 고딕" charset="0"/>
-            </a:endParaRPr>
-          </a:p>
-        </p:txBody>
-      </p:sp>
-      <p:sp>
-        <p:nvSpPr>
-          <p:cNvPr id="18" name="도형 17"/>
-          <p:cNvSpPr>
-            <a:spLocks/>
-          </p:cNvSpPr>
-          <p:nvPr/>
-        </p:nvSpPr>
-        <p:spPr>
-          <a:xfrm rot="0">
-            <a:off x="3776980" y="1482090"/>
-            <a:ext cx="341630" cy="341630"/>
-          </a:xfrm>
-          <a:prstGeom prst="roundRect"/>
-          <a:solidFill>
-            <a:schemeClr val="accent1">
-              <a:alpha val="0"/>
-            </a:schemeClr>
-          </a:solidFill>
-        </p:spPr>
-        <p:style>
-          <a:lnRef idx="2">
-            <a:schemeClr val="accent1">
-              <a:shade val="50000"/>
-            </a:schemeClr>
-          </a:lnRef>
-          <a:fillRef idx="1">
-            <a:schemeClr val="accent1"/>
-          </a:fillRef>
-          <a:effectRef idx="0">
-            <a:schemeClr val="accent1"/>
-          </a:effectRef>
-          <a:fontRef idx="minor">
-            <a:schemeClr val="lt1"/>
-          </a:fontRef>
-        </p:style>
-        <p:txBody>
-          <a:bodyPr wrap="square" lIns="91440" tIns="45720" rIns="91440" bIns="45720" vert="horz" anchor="ctr">
-            <a:noAutofit/>
-          </a:bodyPr>
-          <a:lstStyle/>
-          <a:p>
-            <a:pPr marL="0" indent="0" algn="ctr" fontAlgn="auto" defTabSz="508000">
-              <a:lnSpc>
-                <a:spcPct val="100000"/>
-              </a:lnSpc>
-              <a:spcBef>
-                <a:spcPts val="0"/>
-              </a:spcBef>
-              <a:spcAft>
-                <a:spcPts val="0"/>
-              </a:spcAft>
-              <a:buFontTx/>
-              <a:buNone/>
-            </a:pPr>
-            <a:endParaRPr lang="ko-KR" altLang="en-US" sz="1800" cap="none" dirty="0" smtClean="0" b="0">
-              <a:latin typeface="맑은 고딕" charset="0"/>
-              <a:ea typeface="맑은 고딕" charset="0"/>
-            </a:endParaRPr>
-          </a:p>
-        </p:txBody>
-      </p:sp>
-      <p:sp>
-        <p:nvSpPr>
-          <p:cNvPr id="19" name="도형 18"/>
-          <p:cNvSpPr>
-            <a:spLocks/>
-          </p:cNvSpPr>
-          <p:nvPr/>
-        </p:nvSpPr>
-        <p:spPr>
-          <a:xfrm rot="0">
-            <a:off x="2504440" y="1482090"/>
-            <a:ext cx="341630" cy="341630"/>
-          </a:xfrm>
-          <a:prstGeom prst="roundRect"/>
-          <a:solidFill>
-            <a:schemeClr val="accent1">
-              <a:alpha val="0"/>
-            </a:schemeClr>
-          </a:solidFill>
-        </p:spPr>
-        <p:style>
-          <a:lnRef idx="2">
-            <a:schemeClr val="accent1">
-              <a:shade val="50000"/>
-            </a:schemeClr>
-          </a:lnRef>
-          <a:fillRef idx="1">
-            <a:schemeClr val="accent1"/>
-          </a:fillRef>
-          <a:effectRef idx="0">
-            <a:schemeClr val="accent1"/>
-          </a:effectRef>
-          <a:fontRef idx="minor">
-            <a:schemeClr val="lt1"/>
-          </a:fontRef>
-        </p:style>
-        <p:txBody>
-          <a:bodyPr wrap="square" lIns="91440" tIns="45720" rIns="91440" bIns="45720" vert="horz" anchor="ctr">
-            <a:noAutofit/>
-          </a:bodyPr>
-          <a:lstStyle/>
-          <a:p>
-            <a:pPr marL="0" indent="0" algn="ctr" fontAlgn="auto" defTabSz="508000">
-              <a:lnSpc>
-                <a:spcPct val="100000"/>
-              </a:lnSpc>
-              <a:spcBef>
-                <a:spcPts val="0"/>
-              </a:spcBef>
-              <a:spcAft>
-                <a:spcPts val="0"/>
-              </a:spcAft>
-              <a:buFontTx/>
-              <a:buNone/>
-            </a:pPr>
-            <a:endParaRPr lang="ko-KR" altLang="en-US" sz="1800" cap="none" dirty="0" smtClean="0" b="0">
-              <a:latin typeface="맑은 고딕" charset="0"/>
-              <a:ea typeface="맑은 고딕" charset="0"/>
-            </a:endParaRPr>
-          </a:p>
-        </p:txBody>
-      </p:sp>
-      <p:sp>
-        <p:nvSpPr>
-          <p:cNvPr id="20" name="도형 19"/>
-          <p:cNvSpPr>
-            <a:spLocks/>
-          </p:cNvSpPr>
-          <p:nvPr/>
-        </p:nvSpPr>
-        <p:spPr>
-          <a:xfrm rot="0">
-            <a:off x="92075" y="4078605"/>
-            <a:ext cx="3843019" cy="2689225"/>
-          </a:xfrm>
-          <a:prstGeom prst="rect"/>
-          <a:solidFill>
-            <a:schemeClr val="accent1">
-              <a:alpha val="0"/>
-            </a:schemeClr>
-          </a:solidFill>
-        </p:spPr>
-        <p:style>
-          <a:lnRef idx="2">
-            <a:schemeClr val="accent1">
-              <a:shade val="50000"/>
-            </a:schemeClr>
-          </a:lnRef>
-          <a:fillRef idx="1">
-            <a:schemeClr val="accent1"/>
-          </a:fillRef>
-          <a:effectRef idx="0">
-            <a:schemeClr val="accent1"/>
-          </a:effectRef>
-          <a:fontRef idx="minor">
-            <a:schemeClr val="lt1"/>
-          </a:fontRef>
-        </p:style>
-        <p:txBody>
-          <a:bodyPr wrap="square" lIns="91440" tIns="45720" rIns="91440" bIns="45720" vert="horz" anchor="ctr">
-            <a:noAutofit/>
-          </a:bodyPr>
-          <a:lstStyle/>
-          <a:p>
-            <a:pPr marL="0" indent="0" algn="ctr" fontAlgn="auto" defTabSz="508000">
-              <a:lnSpc>
-                <a:spcPct val="100000"/>
-              </a:lnSpc>
-              <a:spcBef>
-                <a:spcPts val="0"/>
-              </a:spcBef>
-              <a:spcAft>
-                <a:spcPts val="0"/>
-              </a:spcAft>
-              <a:buFontTx/>
-              <a:buNone/>
-            </a:pPr>
-            <a:endParaRPr lang="ko-KR" altLang="en-US" sz="1800" cap="none" dirty="0" smtClean="0" b="0">
-              <a:latin typeface="맑은 고딕" charset="0"/>
-              <a:ea typeface="맑은 고딕" charset="0"/>
-            </a:endParaRPr>
-          </a:p>
-        </p:txBody>
-      </p:sp>
-      <p:sp>
-        <p:nvSpPr>
-          <p:cNvPr id="21" name="도형 20"/>
-          <p:cNvSpPr>
-            <a:spLocks/>
-          </p:cNvSpPr>
-          <p:nvPr/>
-        </p:nvSpPr>
-        <p:spPr>
-          <a:xfrm rot="0">
-            <a:off x="8996680" y="4078605"/>
-            <a:ext cx="3094990" cy="2689225"/>
-          </a:xfrm>
-          <a:prstGeom prst="rect"/>
-          <a:solidFill>
-            <a:schemeClr val="accent1">
-              <a:alpha val="0"/>
-            </a:schemeClr>
-          </a:solidFill>
-        </p:spPr>
-        <p:style>
-          <a:lnRef idx="2">
-            <a:schemeClr val="accent1">
-              <a:shade val="50000"/>
-            </a:schemeClr>
-          </a:lnRef>
-          <a:fillRef idx="1">
-            <a:schemeClr val="accent1"/>
-          </a:fillRef>
-          <a:effectRef idx="0">
-            <a:schemeClr val="accent1"/>
-          </a:effectRef>
-          <a:fontRef idx="minor">
-            <a:schemeClr val="lt1"/>
-          </a:fontRef>
-        </p:style>
-        <p:txBody>
-          <a:bodyPr wrap="square" lIns="91440" tIns="45720" rIns="91440" bIns="45720" vert="horz" anchor="ctr">
-            <a:noAutofit/>
-          </a:bodyPr>
-          <a:lstStyle/>
-          <a:p>
-            <a:pPr marL="0" indent="0" algn="ctr" fontAlgn="auto" defTabSz="508000">
-              <a:lnSpc>
-                <a:spcPct val="100000"/>
-              </a:lnSpc>
-              <a:spcBef>
-                <a:spcPts val="0"/>
-              </a:spcBef>
-              <a:spcAft>
-                <a:spcPts val="0"/>
-              </a:spcAft>
-              <a:buFontTx/>
-              <a:buNone/>
-            </a:pPr>
-            <a:endParaRPr lang="ko-KR" altLang="en-US" sz="1800" cap="none" dirty="0" smtClean="0" b="0">
-              <a:latin typeface="맑은 고딕" charset="0"/>
-              <a:ea typeface="맑은 고딕" charset="0"/>
-            </a:endParaRPr>
-          </a:p>
-        </p:txBody>
-      </p:sp>
-      <p:sp>
-        <p:nvSpPr>
-          <p:cNvPr id="22" name="텍스트 상자 21"/>
-          <p:cNvSpPr txBox="1">
-            <a:spLocks/>
-          </p:cNvSpPr>
-          <p:nvPr/>
-        </p:nvSpPr>
-        <p:spPr>
-          <a:xfrm rot="0">
-            <a:off x="5114925" y="5390515"/>
-            <a:ext cx="2229485" cy="370205"/>
-          </a:xfrm>
-          <a:prstGeom prst="rect"/>
-          <a:noFill/>
-          <a:ln w="0">
-            <a:noFill/>
-            <a:prstDash/>
-          </a:ln>
-        </p:spPr>
-        <p:txBody>
-          <a:bodyPr wrap="square" lIns="89535" tIns="46355" rIns="89535" bIns="46355" vert="horz" anchor="t">
-            <a:spAutoFit/>
-          </a:bodyPr>
-          <a:lstStyle/>
-          <a:p>
-            <a:pPr marL="0" indent="0" algn="l" fontAlgn="auto" defTabSz="508000">
-              <a:lnSpc>
-                <a:spcPct val="100000"/>
-              </a:lnSpc>
-              <a:spcBef>
-                <a:spcPts val="0"/>
-              </a:spcBef>
-              <a:spcAft>
-                <a:spcPts val="0"/>
-              </a:spcAft>
-              <a:buFontTx/>
-              <a:buNone/>
-            </a:pPr>
-            <a:r>
-              <a:rPr lang="en-US" altLang="ko-KR" sz="1800" cap="none" dirty="0" smtClean="0" b="0">
-                <a:solidFill>
-                  <a:schemeClr val="tx1"/>
-                </a:solidFill>
-                <a:latin typeface="맑은 고딕" charset="0"/>
-                <a:ea typeface="맑은 고딕" charset="0"/>
-              </a:rPr>
-              <a:t>점프 불가능한 공간</a:t>
-            </a:r>
-            <a:endParaRPr lang="ko-KR" altLang="en-US" sz="1800" cap="none" dirty="0" smtClean="0" b="0">
-              <a:solidFill>
-                <a:schemeClr val="tx1"/>
-              </a:solidFill>
-              <a:latin typeface="맑은 고딕" charset="0"/>
-              <a:ea typeface="맑은 고딕" charset="0"/>
-            </a:endParaRPr>
-          </a:p>
-        </p:txBody>
-      </p:sp>
-      <p:sp>
-        <p:nvSpPr>
-          <p:cNvPr id="23" name="도형 22"/>
-          <p:cNvSpPr>
-            <a:spLocks/>
-          </p:cNvSpPr>
-          <p:nvPr/>
-        </p:nvSpPr>
-        <p:spPr>
-          <a:xfrm rot="0">
-            <a:off x="9980295" y="3278505"/>
-            <a:ext cx="328295" cy="761365"/>
-          </a:xfrm>
-          <a:prstGeom prst="roundRect"/>
-          <a:solidFill>
-            <a:schemeClr val="accent1">
-              <a:alpha val="0"/>
-            </a:schemeClr>
-          </a:solidFill>
-        </p:spPr>
-        <p:style>
-          <a:lnRef idx="2">
-            <a:schemeClr val="accent1">
-              <a:shade val="50000"/>
-            </a:schemeClr>
-          </a:lnRef>
-          <a:fillRef idx="1">
-            <a:schemeClr val="accent1"/>
-          </a:fillRef>
-          <a:effectRef idx="0">
-            <a:schemeClr val="accent1"/>
-          </a:effectRef>
-          <a:fontRef idx="minor">
-            <a:schemeClr val="lt1"/>
-          </a:fontRef>
-        </p:style>
-        <p:txBody>
-          <a:bodyPr wrap="square" lIns="91440" tIns="45720" rIns="91440" bIns="45720" vert="horz" anchor="ctr">
-            <a:noAutofit/>
-          </a:bodyPr>
-          <a:lstStyle/>
-          <a:p>
-            <a:pPr marL="0" indent="0" algn="ctr" fontAlgn="auto" defTabSz="508000">
-              <a:lnSpc>
-                <a:spcPct val="100000"/>
-              </a:lnSpc>
-              <a:spcBef>
-                <a:spcPts val="0"/>
-              </a:spcBef>
-              <a:spcAft>
-                <a:spcPts val="0"/>
-              </a:spcAft>
-              <a:buFontTx/>
-              <a:buNone/>
-            </a:pPr>
-            <a:endParaRPr lang="ko-KR" altLang="en-US" sz="1800" cap="none" dirty="0" smtClean="0" b="0">
-              <a:latin typeface="맑은 고딕" charset="0"/>
-              <a:ea typeface="맑은 고딕" charset="0"/>
-            </a:endParaRPr>
-          </a:p>
-        </p:txBody>
-      </p:sp>
-      <p:sp>
-        <p:nvSpPr>
-          <p:cNvPr id="24" name="텍스트 상자 23"/>
-          <p:cNvSpPr txBox="1">
-            <a:spLocks/>
-          </p:cNvSpPr>
-          <p:nvPr/>
-        </p:nvSpPr>
-        <p:spPr>
-          <a:xfrm rot="0">
-            <a:off x="10307955" y="2780030"/>
-            <a:ext cx="1141730" cy="370205"/>
-          </a:xfrm>
-          <a:prstGeom prst="rect"/>
-          <a:noFill/>
-          <a:ln w="0">
-            <a:noFill/>
-            <a:prstDash/>
-          </a:ln>
-        </p:spPr>
-        <p:txBody>
-          <a:bodyPr wrap="square" lIns="89535" tIns="46355" rIns="89535" bIns="46355" vert="horz" anchor="t">
-            <a:spAutoFit/>
-          </a:bodyPr>
-          <a:lstStyle/>
-          <a:p>
-            <a:pPr marL="0" indent="0" algn="l" fontAlgn="auto" defTabSz="508000">
-              <a:lnSpc>
-                <a:spcPct val="100000"/>
-              </a:lnSpc>
-              <a:spcBef>
-                <a:spcPts val="0"/>
-              </a:spcBef>
-              <a:spcAft>
-                <a:spcPts val="0"/>
-              </a:spcAft>
-              <a:buFontTx/>
-              <a:buNone/>
-            </a:pPr>
-            <a:r>
-              <a:rPr lang="en-US" altLang="ko-KR" sz="1800" cap="none" dirty="0" smtClean="0" b="0">
-                <a:solidFill>
-                  <a:schemeClr val="tx1"/>
-                </a:solidFill>
-                <a:latin typeface="맑은 고딕" charset="0"/>
-                <a:ea typeface="맑은 고딕" charset="0"/>
-              </a:rPr>
-              <a:t>플레이어</a:t>
-            </a:r>
-            <a:endParaRPr lang="ko-KR" altLang="en-US" sz="1800" cap="none" dirty="0" smtClean="0" b="0">
-              <a:solidFill>
-                <a:schemeClr val="tx1"/>
-              </a:solidFill>
-              <a:latin typeface="맑은 고딕" charset="0"/>
-              <a:ea typeface="맑은 고딕" charset="0"/>
-            </a:endParaRPr>
-          </a:p>
-        </p:txBody>
-      </p:sp>
-      <p:cxnSp>
-        <p:nvCxnSpPr>
-          <p:cNvPr id="25" name="도형 24"/>
-          <p:cNvCxnSpPr/>
-          <p:nvPr/>
-        </p:nvCxnSpPr>
-        <p:spPr>
-          <a:xfrm rot="0" flipV="1">
-            <a:off x="10307955" y="3134360"/>
-            <a:ext cx="210820" cy="197485"/>
-          </a:xfrm>
-          <a:prstGeom prst="line"/>
-          <a:ln w="9525" cap="flat" cmpd="sng">
-            <a:prstDash/>
-            <a:headEnd type="none" w="med" len="med"/>
-            <a:tailEnd type="none" w="med" len="med"/>
-          </a:ln>
-        </p:spPr>
-        <p:style>
-          <a:lnRef idx="1">
-            <a:schemeClr val="accent1"/>
-          </a:lnRef>
-          <a:fillRef idx="0">
-            <a:schemeClr val="accent1"/>
-          </a:fillRef>
-          <a:effectRef idx="0">
-            <a:schemeClr val="accent1"/>
-          </a:effectRef>
-          <a:fontRef idx="minor">
-            <a:schemeClr val="tx1"/>
-          </a:fontRef>
-        </p:style>
-      </p:cxnSp>
-      <p:cxnSp>
-        <p:nvCxnSpPr>
-          <p:cNvPr id="26" name="도형 25"/>
-          <p:cNvCxnSpPr/>
-          <p:nvPr/>
-        </p:nvCxnSpPr>
-        <p:spPr>
-          <a:xfrm rot="0" flipV="1">
-            <a:off x="9731375" y="1665605"/>
-            <a:ext cx="577215" cy="66040"/>
-          </a:xfrm>
-          <a:prstGeom prst="line"/>
-          <a:ln w="9525" cap="flat" cmpd="sng">
-            <a:prstDash/>
-            <a:headEnd type="none" w="med" len="med"/>
-            <a:tailEnd type="none" w="med" len="med"/>
-          </a:ln>
-        </p:spPr>
-        <p:style>
-          <a:lnRef idx="1">
-            <a:schemeClr val="accent1"/>
-          </a:lnRef>
-          <a:fillRef idx="0">
-            <a:schemeClr val="accent1"/>
-          </a:fillRef>
-          <a:effectRef idx="0">
-            <a:schemeClr val="accent1"/>
-          </a:effectRef>
-          <a:fontRef idx="minor">
-            <a:schemeClr val="tx1"/>
-          </a:fontRef>
-        </p:style>
-      </p:cxnSp>
-      <p:sp>
-        <p:nvSpPr>
-          <p:cNvPr id="27" name="텍스트 상자 26"/>
-          <p:cNvSpPr txBox="1">
-            <a:spLocks/>
-          </p:cNvSpPr>
-          <p:nvPr/>
-        </p:nvSpPr>
-        <p:spPr>
-          <a:xfrm rot="0">
-            <a:off x="10268585" y="1468755"/>
-            <a:ext cx="984250" cy="370205"/>
-          </a:xfrm>
-          <a:prstGeom prst="rect"/>
-          <a:noFill/>
-          <a:ln w="0">
-            <a:noFill/>
-            <a:prstDash/>
-          </a:ln>
-        </p:spPr>
-        <p:txBody>
-          <a:bodyPr wrap="square" lIns="89535" tIns="46355" rIns="89535" bIns="46355" vert="horz" anchor="t">
-            <a:spAutoFit/>
-          </a:bodyPr>
-          <a:lstStyle/>
-          <a:p>
-            <a:pPr marL="0" indent="0" algn="l" fontAlgn="auto" defTabSz="508000">
-              <a:lnSpc>
-                <a:spcPct val="100000"/>
-              </a:lnSpc>
-              <a:spcBef>
-                <a:spcPts val="0"/>
-              </a:spcBef>
-              <a:spcAft>
-                <a:spcPts val="0"/>
-              </a:spcAft>
-              <a:buFontTx/>
-              <a:buNone/>
-            </a:pPr>
-            <a:r>
-              <a:rPr lang="en-US" altLang="ko-KR" sz="1800" cap="none" dirty="0" smtClean="0" b="0">
-                <a:solidFill>
-                  <a:schemeClr val="tx1"/>
-                </a:solidFill>
-                <a:latin typeface="맑은 고딕" charset="0"/>
-                <a:ea typeface="맑은 고딕" charset="0"/>
-              </a:rPr>
-              <a:t>자석</a:t>
-            </a:r>
-            <a:endParaRPr lang="ko-KR" altLang="en-US" sz="1800" cap="none" dirty="0" smtClean="0" b="0">
-              <a:solidFill>
-                <a:schemeClr val="tx1"/>
-              </a:solidFill>
-              <a:latin typeface="맑은 고딕" charset="0"/>
-              <a:ea typeface="맑은 고딕" charset="0"/>
-            </a:endParaRPr>
-          </a:p>
-        </p:txBody>
-      </p:sp>
-      <p:sp>
-        <p:nvSpPr>
-          <p:cNvPr id="28" name="도형 27"/>
-          <p:cNvSpPr>
-            <a:spLocks/>
-          </p:cNvSpPr>
-          <p:nvPr/>
-        </p:nvSpPr>
-        <p:spPr>
-          <a:xfrm rot="0">
-            <a:off x="301625" y="3199765"/>
-            <a:ext cx="721995" cy="879475"/>
-          </a:xfrm>
-          <a:prstGeom prst="roundRect"/>
-          <a:solidFill>
-            <a:schemeClr val="accent1">
-              <a:alpha val="0"/>
-            </a:schemeClr>
-          </a:solidFill>
-        </p:spPr>
-        <p:style>
-          <a:lnRef idx="2">
-            <a:schemeClr val="accent1">
-              <a:shade val="50000"/>
-            </a:schemeClr>
-          </a:lnRef>
-          <a:fillRef idx="1">
-            <a:schemeClr val="accent1"/>
-          </a:fillRef>
-          <a:effectRef idx="0">
-            <a:schemeClr val="accent1"/>
-          </a:effectRef>
-          <a:fontRef idx="minor">
-            <a:schemeClr val="lt1"/>
-          </a:fontRef>
-        </p:style>
-        <p:txBody>
-          <a:bodyPr wrap="square" lIns="91440" tIns="45720" rIns="91440" bIns="45720" vert="horz" anchor="ctr">
-            <a:noAutofit/>
-          </a:bodyPr>
-          <a:lstStyle/>
-          <a:p>
-            <a:pPr marL="0" indent="0" algn="ctr" fontAlgn="auto" defTabSz="508000">
-              <a:lnSpc>
-                <a:spcPct val="100000"/>
-              </a:lnSpc>
-              <a:spcBef>
-                <a:spcPts val="0"/>
-              </a:spcBef>
-              <a:spcAft>
-                <a:spcPts val="0"/>
-              </a:spcAft>
-              <a:buFontTx/>
-              <a:buNone/>
-            </a:pPr>
-            <a:r>
-              <a:rPr lang="en-US" altLang="ko-KR" sz="1800" cap="none" dirty="0" smtClean="0" b="0">
-                <a:latin typeface="맑은 고딕" charset="0"/>
-                <a:ea typeface="맑은 고딕" charset="0"/>
-              </a:rPr>
-              <a:t>출구</a:t>
-            </a:r>
-            <a:endParaRPr lang="ko-KR" altLang="en-US" sz="1800" cap="none" dirty="0" smtClean="0" b="0">
-              <a:latin typeface="맑은 고딕" charset="0"/>
-              <a:ea typeface="맑은 고딕" charset="0"/>
-            </a:endParaRPr>
-          </a:p>
-        </p:txBody>
-      </p:sp>
-      <p:cxnSp>
-        <p:nvCxnSpPr>
-          <p:cNvPr id="29" name="도형 28"/>
-          <p:cNvCxnSpPr/>
-          <p:nvPr/>
-        </p:nvCxnSpPr>
-        <p:spPr>
-          <a:xfrm rot="0">
-            <a:off x="7029450" y="1626235"/>
-            <a:ext cx="800735" cy="635"/>
-          </a:xfrm>
-          <a:prstGeom prst="straightConnector1"/>
-          <a:ln w="9525" cap="flat" cmpd="sng">
-            <a:prstDash/>
-            <a:headEnd type="none" w="med" len="med"/>
-            <a:tailEnd type="triangle" w="med" len="med"/>
-          </a:ln>
-        </p:spPr>
-        <p:style>
-          <a:lnRef idx="1">
-            <a:schemeClr val="accent1"/>
-          </a:lnRef>
-          <a:fillRef idx="0">
-            <a:schemeClr val="accent1"/>
-          </a:fillRef>
-          <a:effectRef idx="0">
-            <a:schemeClr val="accent1"/>
-          </a:effectRef>
-          <a:fontRef idx="minor">
-            <a:schemeClr val="tx1"/>
-          </a:fontRef>
-        </p:style>
-      </p:cxnSp>
-      <p:cxnSp>
-        <p:nvCxnSpPr>
-          <p:cNvPr id="30" name="도형 29"/>
-          <p:cNvCxnSpPr/>
-          <p:nvPr/>
-        </p:nvCxnSpPr>
-        <p:spPr>
-          <a:xfrm rot="0">
-            <a:off x="4183380" y="1626235"/>
-            <a:ext cx="800735" cy="635"/>
-          </a:xfrm>
-          <a:prstGeom prst="straightConnector1"/>
-          <a:ln w="9525" cap="flat" cmpd="sng">
-            <a:prstDash/>
-            <a:headEnd type="none" w="med" len="med"/>
-            <a:tailEnd type="triangle" w="med" len="med"/>
-          </a:ln>
-        </p:spPr>
-        <p:style>
-          <a:lnRef idx="1">
-            <a:schemeClr val="accent1"/>
-          </a:lnRef>
-          <a:fillRef idx="0">
-            <a:schemeClr val="accent1"/>
-          </a:fillRef>
-          <a:effectRef idx="0">
-            <a:schemeClr val="accent1"/>
-          </a:effectRef>
-          <a:fontRef idx="minor">
-            <a:schemeClr val="tx1"/>
-          </a:fontRef>
-        </p:style>
-      </p:cxnSp>
-      <p:cxnSp>
-        <p:nvCxnSpPr>
-          <p:cNvPr id="31" name="도형 30"/>
-          <p:cNvCxnSpPr/>
-          <p:nvPr/>
-        </p:nvCxnSpPr>
-        <p:spPr>
-          <a:xfrm rot="0" flipH="1">
-            <a:off x="6675120" y="2413000"/>
-            <a:ext cx="748665" cy="635"/>
-          </a:xfrm>
-          <a:prstGeom prst="straightConnector1"/>
-          <a:ln w="9525" cap="flat" cmpd="sng">
-            <a:prstDash/>
-            <a:headEnd type="none" w="med" len="med"/>
-            <a:tailEnd type="triangle" w="med" len="med"/>
-          </a:ln>
-        </p:spPr>
-        <p:style>
-          <a:lnRef idx="1">
-            <a:schemeClr val="accent1"/>
-          </a:lnRef>
-          <a:fillRef idx="0">
-            <a:schemeClr val="accent1"/>
-          </a:fillRef>
-          <a:effectRef idx="0">
-            <a:schemeClr val="accent1"/>
-          </a:effectRef>
-          <a:fontRef idx="minor">
-            <a:schemeClr val="tx1"/>
-          </a:fontRef>
-        </p:style>
-      </p:cxnSp>
-      <p:cxnSp>
-        <p:nvCxnSpPr>
-          <p:cNvPr id="32" name="도형 31"/>
-          <p:cNvCxnSpPr/>
-          <p:nvPr/>
-        </p:nvCxnSpPr>
-        <p:spPr>
-          <a:xfrm rot="0" flipH="1">
-            <a:off x="4079240" y="2413000"/>
-            <a:ext cx="748665" cy="635"/>
-          </a:xfrm>
-          <a:prstGeom prst="straightConnector1"/>
-          <a:ln w="9525" cap="flat" cmpd="sng">
-            <a:prstDash/>
-            <a:headEnd type="none" w="med" len="med"/>
-            <a:tailEnd type="triangle" w="med" len="med"/>
-          </a:ln>
-        </p:spPr>
-        <p:style>
-          <a:lnRef idx="1">
-            <a:schemeClr val="accent1"/>
-          </a:lnRef>
-          <a:fillRef idx="0">
-            <a:schemeClr val="accent1"/>
-          </a:fillRef>
-          <a:effectRef idx="0">
-            <a:schemeClr val="accent1"/>
-          </a:effectRef>
-          <a:fontRef idx="minor">
-            <a:schemeClr val="tx1"/>
-          </a:fontRef>
-        </p:style>
-      </p:cxnSp>
     </p:spTree>
     <p:extLst>
       <p:ext uri="{BB962C8B-B14F-4D97-AF65-F5344CB8AC3E}">
@@ -11434,29 +10997,27 @@
       </p:grpSpPr>
       <p:sp>
         <p:nvSpPr>
-          <p:cNvPr id="3" name="TextBox 2"/>
+          <p:cNvPr id="5" name="TextBox 4"/>
           <p:cNvSpPr txBox="1">
             <a:spLocks/>
           </p:cNvSpPr>
           <p:nvPr/>
         </p:nvSpPr>
         <p:spPr>
-          <a:xfrm>
-            <a:off x="813435" y="508635"/>
-            <a:ext cx="5614035" cy="768985"/>
+          <a:xfrm rot="0">
+            <a:off x="791845" y="423545"/>
+            <a:ext cx="7065645" cy="768985"/>
           </a:xfrm>
-          <a:prstGeom prst="rect">
-            <a:avLst/>
-          </a:prstGeom>
+          <a:prstGeom prst="rect"/>
           <a:noFill/>
         </p:spPr>
         <p:txBody>
-          <a:bodyPr vert="horz" wrap="square" lIns="91440" tIns="45720" rIns="91440" bIns="45720" numCol="1" anchor="t">
+          <a:bodyPr wrap="square" lIns="91440" tIns="45720" rIns="91440" bIns="45720" vert="horz" anchor="t">
             <a:spAutoFit/>
           </a:bodyPr>
           <a:lstStyle/>
           <a:p>
-            <a:pPr marL="0" indent="0" algn="l" defTabSz="457200" eaLnBrk="0" fontAlgn="auto" latinLnBrk="0">
+            <a:pPr marL="0" indent="0" algn="l" fontAlgn="auto" defTabSz="457200" eaLnBrk="0" latinLnBrk="0">
               <a:lnSpc>
                 <a:spcPct val="100000"/>
               </a:lnSpc>
@@ -11470,22 +11031,18 @@
               <a:buNone/>
             </a:pPr>
             <a:r>
-              <a:rPr lang="en-US" altLang="ko-KR" sz="4400" b="0" cap="none" dirty="0">
+              <a:rPr lang="en-US" altLang="ko-KR" sz="4400" cap="none" dirty="0" smtClean="0" b="0">
                 <a:solidFill>
-                  <a:schemeClr val="accent1">
-                    <a:lumMod val="75000"/>
-                  </a:schemeClr>
+                  <a:srgbClr val="E1930E"/>
                 </a:solidFill>
                 <a:latin typeface="맑은 고딕" charset="0"/>
                 <a:ea typeface="맑은 고딕" charset="0"/>
               </a:rPr>
-              <a:t>개발 일정</a:t>
-            </a:r>
-            <a:endParaRPr lang="ko-KR" altLang="en-US" sz="4400" b="0" cap="none" dirty="0">
+              <a:t>기술적 요소 - 클라이언트</a:t>
+            </a:r>
+            <a:endParaRPr lang="ko-KR" altLang="en-US" sz="4400" cap="none" dirty="0" smtClean="0" b="0">
               <a:solidFill>
-                <a:schemeClr val="accent1">
-                  <a:lumMod val="75000"/>
-                </a:schemeClr>
+                <a:srgbClr val="E1930E"/>
               </a:solidFill>
               <a:latin typeface="맑은 고딕" charset="0"/>
               <a:ea typeface="맑은 고딕" charset="0"/>
@@ -11493,16 +11050,150 @@
           </a:p>
         </p:txBody>
       </p:sp>
+      <p:sp>
+        <p:nvSpPr>
+          <p:cNvPr id="6" name="텍스트 상자 5"/>
+          <p:cNvSpPr txBox="1">
+            <a:spLocks/>
+          </p:cNvSpPr>
+          <p:nvPr/>
+        </p:nvSpPr>
+        <p:spPr>
+          <a:xfrm rot="0">
+            <a:off x="1036320" y="1986280"/>
+            <a:ext cx="6221730" cy="1200785"/>
+          </a:xfrm>
+          <a:prstGeom prst="rect"/>
+          <a:noFill/>
+          <a:ln w="0">
+            <a:noFill/>
+            <a:prstDash/>
+          </a:ln>
+        </p:spPr>
+        <p:txBody>
+          <a:bodyPr wrap="square" lIns="89535" tIns="46355" rIns="89535" bIns="46355" vert="horz" anchor="t">
+            <a:spAutoFit/>
+          </a:bodyPr>
+          <a:lstStyle/>
+          <a:p>
+            <a:pPr marL="0" indent="0" algn="l" fontAlgn="auto" defTabSz="508000">
+              <a:lnSpc>
+                <a:spcPct val="100000"/>
+              </a:lnSpc>
+              <a:spcBef>
+                <a:spcPts val="0"/>
+              </a:spcBef>
+              <a:spcAft>
+                <a:spcPts val="0"/>
+              </a:spcAft>
+              <a:buFontTx/>
+              <a:buNone/>
+            </a:pPr>
+            <a:r>
+              <a:rPr lang="en-US" altLang="ko-KR" sz="1800" cap="none" dirty="0" smtClean="0" b="0">
+                <a:latin typeface="맑은 고딕" charset="0"/>
+                <a:ea typeface="맑은 고딕" charset="0"/>
+              </a:rPr>
+              <a:t>블러 효과</a:t>
+            </a:r>
+            <a:endParaRPr lang="ko-KR" altLang="en-US" sz="1800" cap="none" dirty="0" smtClean="0" b="0">
+              <a:latin typeface="맑은 고딕" charset="0"/>
+              <a:ea typeface="맑은 고딕" charset="0"/>
+            </a:endParaRPr>
+          </a:p>
+          <a:p>
+            <a:pPr marL="0" indent="0" algn="l" fontAlgn="auto" defTabSz="508000">
+              <a:lnSpc>
+                <a:spcPct val="100000"/>
+              </a:lnSpc>
+              <a:spcBef>
+                <a:spcPts val="0"/>
+              </a:spcBef>
+              <a:spcAft>
+                <a:spcPts val="0"/>
+              </a:spcAft>
+              <a:buFontTx/>
+              <a:buNone/>
+            </a:pPr>
+            <a:r>
+              <a:rPr lang="en-US" altLang="ko-KR" sz="1800" cap="none" dirty="0" smtClean="0" b="0">
+                <a:latin typeface="맑은 고딕" charset="0"/>
+                <a:ea typeface="맑은 고딕" charset="0"/>
+              </a:rPr>
+              <a:t>거울 효과</a:t>
+            </a:r>
+            <a:endParaRPr lang="ko-KR" altLang="en-US" sz="1800" cap="none" dirty="0" smtClean="0" b="0">
+              <a:latin typeface="맑은 고딕" charset="0"/>
+              <a:ea typeface="맑은 고딕" charset="0"/>
+            </a:endParaRPr>
+          </a:p>
+          <a:p>
+            <a:pPr marL="0" indent="0" algn="l" fontAlgn="auto" defTabSz="508000">
+              <a:lnSpc>
+                <a:spcPct val="100000"/>
+              </a:lnSpc>
+              <a:spcBef>
+                <a:spcPts val="0"/>
+              </a:spcBef>
+              <a:spcAft>
+                <a:spcPts val="0"/>
+              </a:spcAft>
+              <a:buFontTx/>
+              <a:buNone/>
+            </a:pPr>
+            <a:r>
+              <a:rPr lang="en-US" altLang="ko-KR" sz="1800" cap="none" dirty="0" smtClean="0" b="0">
+                <a:latin typeface="맑은 고딕" charset="0"/>
+                <a:ea typeface="맑은 고딕" charset="0"/>
+              </a:rPr>
+              <a:t>법선 매핑을 이용한 사실적 표현</a:t>
+            </a:r>
+            <a:endParaRPr lang="ko-KR" altLang="en-US" sz="1800" cap="none" dirty="0" smtClean="0" b="0">
+              <a:latin typeface="맑은 고딕" charset="0"/>
+              <a:ea typeface="맑은 고딕" charset="0"/>
+            </a:endParaRPr>
+          </a:p>
+          <a:p>
+            <a:pPr marL="0" indent="0" algn="l" fontAlgn="auto" defTabSz="508000">
+              <a:lnSpc>
+                <a:spcPct val="100000"/>
+              </a:lnSpc>
+              <a:spcBef>
+                <a:spcPts val="0"/>
+              </a:spcBef>
+              <a:spcAft>
+                <a:spcPts val="0"/>
+              </a:spcAft>
+              <a:buFontTx/>
+              <a:buNone/>
+            </a:pPr>
+            <a:endParaRPr lang="ko-KR" altLang="en-US" sz="1800" cap="none" dirty="0" smtClean="0" b="0">
+              <a:latin typeface="맑은 고딕" charset="0"/>
+              <a:ea typeface="맑은 고딕" charset="0"/>
+            </a:endParaRPr>
+          </a:p>
+        </p:txBody>
+      </p:sp>
     </p:spTree>
-    <p:extLst>
-      <p:ext uri="{BB962C8B-B14F-4D97-AF65-F5344CB8AC3E}">
-        <p14:creationId xmlns:p14="http://schemas.microsoft.com/office/powerpoint/2010/main" val="2611412412"/>
-      </p:ext>
-    </p:extLst>
   </p:cSld>
   <p:clrMapOvr>
     <a:masterClrMapping/>
   </p:clrMapOvr>
+  <mc:AlternateContent xmlns:mc="http://schemas.openxmlformats.org/markup-compatibility/2006">
+    <mc:Choice xmlns:p14="http://schemas.microsoft.com/office/powerpoint/2010/main" Requires="p14">
+      <p:transition spd="slow" p14:dur="2000"/>
+    </mc:Choice>
+    <mc:Fallback>
+      <p:transition spd="slow"/>
+    </mc:Fallback>
+  </mc:AlternateContent>
+  <p:timing>
+    <p:tnLst>
+      <p:par>
+        <p:cTn id="1" dur="indefinite" restart="never" nodeType="tmRoot"/>
+      </p:par>
+    </p:tnLst>
+  </p:timing>
 </p:sld>
 </file>
 
@@ -11525,60 +11216,84 @@
       </p:grpSpPr>
       <p:sp>
         <p:nvSpPr>
-          <p:cNvPr id="3" name="TextBox 2">
-            <a:extLst>
-              <a:ext uri="{FF2B5EF4-FFF2-40B4-BE49-F238E27FC236}">
-                <a16:creationId xmlns:a16="http://schemas.microsoft.com/office/drawing/2014/main" id="{D957C641-0286-4C53-9378-90E22A96150C}"/>
-              </a:ext>
-            </a:extLst>
-          </p:cNvPr>
-          <p:cNvSpPr txBox="1"/>
+          <p:cNvPr id="5" name="TextBox 4"/>
+          <p:cNvSpPr txBox="1">
+            <a:spLocks/>
+          </p:cNvSpPr>
           <p:nvPr/>
         </p:nvSpPr>
         <p:spPr>
-          <a:xfrm>
-            <a:off x="4559300" y="3044279"/>
-            <a:ext cx="3073400" cy="769441"/>
+          <a:xfrm rot="0">
+            <a:off x="791845" y="423545"/>
+            <a:ext cx="7065645" cy="768985"/>
           </a:xfrm>
-          <a:prstGeom prst="rect">
-            <a:avLst/>
-          </a:prstGeom>
+          <a:prstGeom prst="rect"/>
           <a:noFill/>
         </p:spPr>
         <p:txBody>
-          <a:bodyPr wrap="square" rtlCol="0">
+          <a:bodyPr wrap="square" lIns="91440" tIns="45720" rIns="91440" bIns="45720" vert="horz" anchor="t">
             <a:spAutoFit/>
           </a:bodyPr>
           <a:lstStyle/>
           <a:p>
-            <a:r>
-              <a:rPr lang="ko-KR" altLang="en-US" sz="4400" dirty="0">
+            <a:pPr marL="0" indent="0" algn="l" fontAlgn="auto" defTabSz="457200" eaLnBrk="0" latinLnBrk="0">
+              <a:lnSpc>
+                <a:spcPct val="100000"/>
+              </a:lnSpc>
+              <a:spcBef>
+                <a:spcPts val="0"/>
+              </a:spcBef>
+              <a:spcAft>
+                <a:spcPts val="0"/>
+              </a:spcAft>
+              <a:buFontTx/>
+              <a:buNone/>
+            </a:pPr>
+            <a:r>
+              <a:rPr lang="en-US" altLang="ko-KR" sz="4400" cap="none" dirty="0" smtClean="0" b="0">
                 <a:solidFill>
-                  <a:schemeClr val="accent1">
-                    <a:lumMod val="75000"/>
-                  </a:schemeClr>
+                  <a:srgbClr val="E1930E"/>
                 </a:solidFill>
-              </a:rPr>
-              <a:t>감사합니다</a:t>
-            </a:r>
+                <a:latin typeface="맑은 고딕" charset="0"/>
+                <a:ea typeface="맑은 고딕" charset="0"/>
+              </a:rPr>
+              <a:t>기술적 요소 - 서버</a:t>
+            </a:r>
+            <a:endParaRPr lang="ko-KR" altLang="en-US" sz="4400" cap="none" dirty="0" smtClean="0" b="0">
+              <a:solidFill>
+                <a:srgbClr val="E1930E"/>
+              </a:solidFill>
+              <a:latin typeface="맑은 고딕" charset="0"/>
+              <a:ea typeface="맑은 고딕" charset="0"/>
+            </a:endParaRPr>
           </a:p>
         </p:txBody>
       </p:sp>
     </p:spTree>
-    <p:extLst>
-      <p:ext uri="{BB962C8B-B14F-4D97-AF65-F5344CB8AC3E}">
-        <p14:creationId xmlns:p14="http://schemas.microsoft.com/office/powerpoint/2010/main" val="1813274950"/>
-      </p:ext>
-    </p:extLst>
   </p:cSld>
   <p:clrMapOvr>
     <a:masterClrMapping/>
   </p:clrMapOvr>
+  <mc:AlternateContent xmlns:mc="http://schemas.openxmlformats.org/markup-compatibility/2006">
+    <mc:Choice xmlns:p14="http://schemas.microsoft.com/office/powerpoint/2010/main" Requires="p14">
+      <p:transition spd="slow" p14:dur="2000"/>
+    </mc:Choice>
+    <mc:Fallback>
+      <p:transition spd="slow"/>
+    </mc:Fallback>
+  </mc:AlternateContent>
+  <p:timing>
+    <p:tnLst>
+      <p:par>
+        <p:cTn id="1" dur="indefinite" restart="never" nodeType="tmRoot"/>
+      </p:par>
+    </p:tnLst>
+  </p:timing>
 </p:sld>
 </file>
 
-<file path=ppt/slides/slide2.xml><?xml version="1.0" encoding="utf-8"?>
-<p:sld xmlns:a="http://schemas.openxmlformats.org/drawingml/2006/main" xmlns:r="http://schemas.openxmlformats.org/officeDocument/2006/relationships" xmlns:p="http://schemas.openxmlformats.org/presentationml/2006/main">
+<file path=ppt/slides/slide17.xml><?xml version="1.0" encoding="utf-8"?>
+<p:sld xmlns:a="http://schemas.openxmlformats.org/drawingml/2006/main" xmlns:r="http://schemas.openxmlformats.org/officeDocument/2006/relationships" xmlns:p="http://schemas.openxmlformats.org/presentationml/2006/main" xmlns:p14="http://schemas.microsoft.com/office/powerpoint/2010/main">
   <p:cSld>
     <p:spTree>
       <p:nvGrpSpPr>
@@ -11596,16 +11311,20 @@
       </p:grpSpPr>
       <p:sp>
         <p:nvSpPr>
-          <p:cNvPr id="6" name="TextBox 5"/>
-          <p:cNvSpPr txBox="1">
-            <a:spLocks/>
-          </p:cNvSpPr>
+          <p:cNvPr id="6" name="TextBox 5">
+            <a:extLst>
+              <a:ext uri="{FF2B5EF4-FFF2-40B4-BE49-F238E27FC236}">
+                <a16:creationId xmlns:a16="http://schemas.microsoft.com/office/drawing/2014/main" id="{4F5F6214-4ED6-440C-8488-40370266643C}"/>
+              </a:ext>
+            </a:extLst>
+          </p:cNvPr>
+          <p:cNvSpPr txBox="1"/>
           <p:nvPr/>
         </p:nvSpPr>
         <p:spPr>
           <a:xfrm>
-            <a:off x="565785" y="504825"/>
-            <a:ext cx="4610735" cy="770255"/>
+            <a:off x="482600" y="381000"/>
+            <a:ext cx="5283200" cy="769620"/>
           </a:xfrm>
           <a:prstGeom prst="rect">
             <a:avLst/>
@@ -11613,45 +11332,21 @@
           <a:noFill/>
         </p:spPr>
         <p:txBody>
-          <a:bodyPr vert="horz" wrap="square" lIns="91440" tIns="45720" rIns="91440" bIns="45720" numCol="1" anchor="t">
+          <a:bodyPr wrap="square" rtlCol="0">
             <a:spAutoFit/>
           </a:bodyPr>
           <a:lstStyle/>
           <a:p>
-            <a:pPr marL="0" indent="0" algn="l" defTabSz="457200" eaLnBrk="0" fontAlgn="auto" latinLnBrk="0">
-              <a:lnSpc>
-                <a:spcPct val="100000"/>
-              </a:lnSpc>
-              <a:spcBef>
-                <a:spcPts val="0"/>
-              </a:spcBef>
-              <a:spcAft>
-                <a:spcPts val="0"/>
-              </a:spcAft>
-              <a:buFontTx/>
-              <a:buNone/>
-            </a:pPr>
-            <a:r>
-              <a:rPr lang="en-US" altLang="ko-KR" sz="4400" b="0" cap="none" dirty="0">
+            <a:r>
+              <a:rPr lang="ko-KR" altLang="en-US" sz="4400" dirty="0">
                 <a:solidFill>
                   <a:schemeClr val="accent1">
                     <a:lumMod val="75000"/>
                   </a:schemeClr>
                 </a:solidFill>
-                <a:latin typeface="맑은 고딕" charset="0"/>
-                <a:ea typeface="맑은 고딕" charset="0"/>
-              </a:rPr>
-              <a:t>목차</a:t>
-            </a:r>
-            <a:endParaRPr lang="ko-KR" altLang="en-US" sz="4400" b="0" cap="none" dirty="0">
-              <a:solidFill>
-                <a:schemeClr val="accent1">
-                  <a:lumMod val="75000"/>
-                </a:schemeClr>
-              </a:solidFill>
-              <a:latin typeface="맑은 고딕" charset="0"/>
-              <a:ea typeface="맑은 고딕" charset="0"/>
-            </a:endParaRPr>
+              </a:rPr>
+              <a:t>플랫폼 및 개발환경</a:t>
+            </a:r>
           </a:p>
         </p:txBody>
       </p:sp>
@@ -11665,8 +11360,8 @@
         </p:nvSpPr>
         <p:spPr>
           <a:xfrm>
-            <a:off x="1085850" y="2090419"/>
-            <a:ext cx="10020935" cy="3781425"/>
+            <a:off x="680085" y="1985010"/>
+            <a:ext cx="10761345" cy="3536315"/>
           </a:xfrm>
           <a:prstGeom prst="rect">
             <a:avLst/>
@@ -11693,13 +11388,13 @@
               <a:buChar char="v"/>
             </a:pPr>
             <a:r>
-              <a:rPr lang="en-US" altLang="ko-KR" sz="2400" b="0" cap="none" dirty="0">
+              <a:rPr lang="en-US" altLang="ko-KR" sz="2800" b="0" cap="none" dirty="0">
                 <a:latin typeface="맑은 고딕" charset="0"/>
                 <a:ea typeface="맑은 고딕" charset="0"/>
               </a:rPr>
-              <a:t> 연구 목적</a:t>
-            </a:r>
-            <a:endParaRPr lang="ko-KR" altLang="en-US" sz="2400" b="0" cap="none" dirty="0">
+              <a:t> DirectX 12</a:t>
+            </a:r>
+            <a:endParaRPr lang="ko-KR" altLang="en-US" sz="2800" b="0" cap="none" dirty="0">
               <a:latin typeface="맑은 고딕" charset="0"/>
               <a:ea typeface="맑은 고딕" charset="0"/>
             </a:endParaRPr>
@@ -11718,7 +11413,7 @@
               <a:buFont typeface="Wingdings"/>
               <a:buChar char="v"/>
             </a:pPr>
-            <a:endParaRPr lang="ko-KR" altLang="en-US" sz="2400" b="0" cap="none" dirty="0">
+            <a:endParaRPr lang="ko-KR" altLang="en-US" sz="2800" b="0" cap="none" dirty="0">
               <a:latin typeface="맑은 고딕" charset="0"/>
               <a:ea typeface="맑은 고딕" charset="0"/>
             </a:endParaRPr>
@@ -11738,13 +11433,13 @@
               <a:buChar char="v"/>
             </a:pPr>
             <a:r>
-              <a:rPr lang="en-US" altLang="ko-KR" sz="2400" b="0" cap="none" dirty="0">
+              <a:rPr lang="en-US" altLang="ko-KR" sz="2800" b="0" cap="none" dirty="0">
                 <a:latin typeface="맑은 고딕" charset="0"/>
                 <a:ea typeface="맑은 고딕" charset="0"/>
               </a:rPr>
-              <a:t> 게임 소개</a:t>
-            </a:r>
-            <a:endParaRPr lang="ko-KR" altLang="en-US" sz="2400" b="0" cap="none" dirty="0">
+              <a:t> GitHub</a:t>
+            </a:r>
+            <a:endParaRPr lang="ko-KR" altLang="en-US" sz="2800" b="0" cap="none" dirty="0">
               <a:latin typeface="맑은 고딕" charset="0"/>
               <a:ea typeface="맑은 고딕" charset="0"/>
             </a:endParaRPr>
@@ -11763,7 +11458,7 @@
               <a:buFont typeface="Wingdings"/>
               <a:buChar char="v"/>
             </a:pPr>
-            <a:endParaRPr lang="ko-KR" altLang="en-US" sz="2400" b="0" cap="none" dirty="0">
+            <a:endParaRPr lang="ko-KR" altLang="en-US" sz="2800" b="0" cap="none" dirty="0">
               <a:latin typeface="맑은 고딕" charset="0"/>
               <a:ea typeface="맑은 고딕" charset="0"/>
             </a:endParaRPr>
@@ -11783,13 +11478,58 @@
               <a:buChar char="v"/>
             </a:pPr>
             <a:r>
-              <a:rPr lang="en-US" altLang="ko-KR" sz="2400" b="0" cap="none" dirty="0">
+              <a:rPr lang="en-US" altLang="ko-KR" sz="2800" b="0" cap="none" dirty="0">
                 <a:latin typeface="맑은 고딕" charset="0"/>
                 <a:ea typeface="맑은 고딕" charset="0"/>
               </a:rPr>
-              <a:t> 조작 방법</a:t>
-            </a:r>
-            <a:endParaRPr lang="ko-KR" altLang="en-US" sz="2400" b="0" cap="none" dirty="0">
+              <a:t> Visual Studio 2017</a:t>
+            </a:r>
+            <a:endParaRPr lang="ko-KR" altLang="en-US" sz="2800" b="0" cap="none" dirty="0">
+              <a:latin typeface="맑은 고딕" charset="0"/>
+              <a:ea typeface="맑은 고딕" charset="0"/>
+            </a:endParaRPr>
+          </a:p>
+          <a:p>
+            <a:pPr marL="254000" indent="-254000" algn="l" defTabSz="457200" eaLnBrk="0" fontAlgn="auto" latinLnBrk="0">
+              <a:lnSpc>
+                <a:spcPct val="100000"/>
+              </a:lnSpc>
+              <a:spcBef>
+                <a:spcPts val="0"/>
+              </a:spcBef>
+              <a:spcAft>
+                <a:spcPts val="0"/>
+              </a:spcAft>
+              <a:buFont typeface="Wingdings"/>
+              <a:buChar char="v"/>
+            </a:pPr>
+            <a:endParaRPr lang="ko-KR" altLang="en-US" sz="2800" b="0" cap="none" dirty="0">
+              <a:latin typeface="맑은 고딕" charset="0"/>
+              <a:ea typeface="맑은 고딕" charset="0"/>
+            </a:endParaRPr>
+          </a:p>
+          <a:p>
+            <a:pPr marL="254000" indent="-254000" algn="l" defTabSz="457200" eaLnBrk="0" fontAlgn="auto" latinLnBrk="0">
+              <a:lnSpc>
+                <a:spcPct val="100000"/>
+              </a:lnSpc>
+              <a:spcBef>
+                <a:spcPts val="0"/>
+              </a:spcBef>
+              <a:spcAft>
+                <a:spcPts val="0"/>
+              </a:spcAft>
+              <a:buFont typeface="Wingdings"/>
+              <a:buChar char="v"/>
+            </a:pPr>
+            <a:r>
+              <a:rPr lang="en-US" altLang="ko-KR" sz="2800" b="0" cap="none" dirty="0">
+                <a:latin typeface="맑은 고딕" charset="0"/>
+                <a:ea typeface="맑은 고딕" charset="0"/>
+              </a:rPr>
+              <a:t> Windows OS</a:t>
+            </a:r>
+            <a:endParaRPr lang="ko-KR" altLang="en-US" sz="2800" b="0" cap="none" dirty="0">
               <a:latin typeface="맑은 고딕" charset="0"/>
               <a:ea typeface="맑은 고딕" charset="0"/>
             </a:endParaRPr>
@@ -11808,111 +11548,50 @@
               <a:buFontTx/>
               <a:buNone/>
             </a:pPr>
-            <a:endParaRPr lang="ko-KR" altLang="en-US" sz="2400" b="0" cap="none" dirty="0">
+            <a:r>
+              <a:rPr lang="en-US" altLang="ko-KR" sz="2800" b="0" cap="none" dirty="0">
+                <a:latin typeface="맑은 고딕" charset="0"/>
+                <a:ea typeface="맑은 고딕" charset="0"/>
+              </a:rPr>
+              <a:t>   </a:t>
+            </a:r>
+            <a:endParaRPr lang="ko-KR" altLang="en-US" sz="2800" b="0" cap="none" dirty="0">
               <a:latin typeface="맑은 고딕" charset="0"/>
               <a:ea typeface="맑은 고딕" charset="0"/>
             </a:endParaRPr>
           </a:p>
-          <a:p>
-            <a:pPr marL="254000" indent="-254000" algn="l" defTabSz="457200" eaLnBrk="0" fontAlgn="auto" latinLnBrk="0">
-              <a:lnSpc>
-                <a:spcPct val="100000"/>
-              </a:lnSpc>
-              <a:spcBef>
-                <a:spcPts val="0"/>
-              </a:spcBef>
-              <a:spcAft>
-                <a:spcPts val="0"/>
-              </a:spcAft>
-              <a:buFont typeface="Wingdings"/>
-              <a:buChar char="v"/>
-            </a:pPr>
-            <a:r>
-              <a:rPr lang="en-US" altLang="ko-KR" sz="2400" b="0" cap="none" dirty="0">
-                <a:latin typeface="맑은 고딕" charset="0"/>
-                <a:ea typeface="맑은 고딕" charset="0"/>
-              </a:rPr>
-              <a:t> 게임 플레이</a:t>
-            </a:r>
-            <a:endParaRPr lang="ko-KR" altLang="en-US" sz="2400" b="0" cap="none" dirty="0">
-              <a:latin typeface="맑은 고딕" charset="0"/>
-              <a:ea typeface="맑은 고딕" charset="0"/>
-            </a:endParaRPr>
-          </a:p>
-          <a:p>
-            <a:pPr marL="254000" indent="-254000" algn="l" defTabSz="457200" eaLnBrk="0" fontAlgn="auto" latinLnBrk="0">
-              <a:lnSpc>
-                <a:spcPct val="100000"/>
-              </a:lnSpc>
-              <a:spcBef>
-                <a:spcPts val="0"/>
-              </a:spcBef>
-              <a:spcAft>
-                <a:spcPts val="0"/>
-              </a:spcAft>
-              <a:buFont typeface="Wingdings"/>
-              <a:buChar char="v"/>
-            </a:pPr>
-            <a:endParaRPr lang="ko-KR" altLang="en-US" sz="2400" b="0" cap="none" dirty="0">
-              <a:latin typeface="맑은 고딕" charset="0"/>
-              <a:ea typeface="맑은 고딕" charset="0"/>
-            </a:endParaRPr>
-          </a:p>
-          <a:p>
-            <a:pPr marL="254000" indent="-254000" algn="l" defTabSz="457200" eaLnBrk="0" fontAlgn="auto" latinLnBrk="0">
-              <a:lnSpc>
-                <a:spcPct val="100000"/>
-              </a:lnSpc>
-              <a:spcBef>
-                <a:spcPts val="0"/>
-              </a:spcBef>
-              <a:spcAft>
-                <a:spcPts val="0"/>
-              </a:spcAft>
-              <a:buFont typeface="Wingdings"/>
-              <a:buChar char="v"/>
-            </a:pPr>
-            <a:endParaRPr lang="ko-KR" altLang="en-US" sz="2400" b="0" cap="none" dirty="0">
-              <a:latin typeface="맑은 고딕" charset="0"/>
-              <a:ea typeface="맑은 고딕" charset="0"/>
-            </a:endParaRPr>
-          </a:p>
-          <a:p>
-            <a:pPr marL="0" indent="0" algn="l" defTabSz="457200" eaLnBrk="0" fontAlgn="auto" latinLnBrk="0">
-              <a:lnSpc>
-                <a:spcPct val="100000"/>
-              </a:lnSpc>
-              <a:spcBef>
-                <a:spcPts val="0"/>
-              </a:spcBef>
-              <a:spcAft>
-                <a:spcPts val="0"/>
-              </a:spcAft>
-              <a:buFontTx/>
-              <a:buNone/>
-            </a:pPr>
-            <a:endParaRPr lang="ko-KR" altLang="en-US" sz="2400" b="0" cap="none" dirty="0">
-              <a:latin typeface="맑은 고딕" charset="0"/>
-              <a:ea typeface="맑은 고딕" charset="0"/>
-            </a:endParaRPr>
-          </a:p>
         </p:txBody>
       </p:sp>
     </p:spTree>
     <p:extLst>
       <p:ext uri="{BB962C8B-B14F-4D97-AF65-F5344CB8AC3E}">
-        <p14:creationId xmlns:p14="http://schemas.microsoft.com/office/powerpoint/2010/main" val="2091678307"/>
+        <p14:creationId xmlns:p14="http://schemas.microsoft.com/office/powerpoint/2010/main" val="4148332174"/>
       </p:ext>
     </p:extLst>
   </p:cSld>
   <p:clrMapOvr>
     <a:masterClrMapping/>
   </p:clrMapOvr>
+  <mc:AlternateContent xmlns:mc="http://schemas.openxmlformats.org/markup-compatibility/2006">
+    <mc:Choice xmlns:p14="http://schemas.microsoft.com/office/powerpoint/2010/main" Requires="p14">
+      <p:transition spd="slow" p14:dur="2000"/>
+    </mc:Choice>
+    <mc:Fallback>
+      <p:transition spd="slow"/>
+    </mc:Fallback>
+  </mc:AlternateContent>
+  <p:timing>
+    <p:tnLst>
+      <p:par>
+        <p:cTn id="1" dur="indefinite" restart="never" nodeType="tmRoot"/>
+      </p:par>
+    </p:tnLst>
+  </p:timing>
 </p:sld>
 </file>
 
-<file path=ppt/slides/slide3.xml><?xml version="1.0" encoding="utf-8"?>
-<p:sld xmlns:a="http://schemas.openxmlformats.org/drawingml/2006/main" xmlns:r="http://schemas.openxmlformats.org/officeDocument/2006/relationships" xmlns:p="http://schemas.openxmlformats.org/presentationml/2006/main">
+<file path=ppt/slides/slide18.xml><?xml version="1.0" encoding="utf-8"?>
+<p:sld xmlns:a="http://schemas.openxmlformats.org/drawingml/2006/main" xmlns:r="http://schemas.openxmlformats.org/officeDocument/2006/relationships" xmlns:p="http://schemas.openxmlformats.org/presentationml/2006/main" xmlns:p14="http://schemas.microsoft.com/office/powerpoint/2010/main">
   <p:cSld>
     <p:spTree>
       <p:nvGrpSpPr>
@@ -11930,6 +11609,585 @@
       </p:grpSpPr>
       <p:sp>
         <p:nvSpPr>
+          <p:cNvPr id="3" name="TextBox 2"/>
+          <p:cNvSpPr txBox="1">
+            <a:spLocks/>
+          </p:cNvSpPr>
+          <p:nvPr/>
+        </p:nvSpPr>
+        <p:spPr>
+          <a:xfrm>
+            <a:off x="813435" y="508635"/>
+            <a:ext cx="5614035" cy="768985"/>
+          </a:xfrm>
+          <a:prstGeom prst="rect">
+            <a:avLst/>
+          </a:prstGeom>
+          <a:noFill/>
+        </p:spPr>
+        <p:txBody>
+          <a:bodyPr vert="horz" wrap="square" lIns="91440" tIns="45720" rIns="91440" bIns="45720" numCol="1" anchor="t">
+            <a:spAutoFit/>
+          </a:bodyPr>
+          <a:lstStyle/>
+          <a:p>
+            <a:pPr marL="0" indent="0" algn="l" defTabSz="457200" eaLnBrk="0" fontAlgn="auto" latinLnBrk="0">
+              <a:lnSpc>
+                <a:spcPct val="100000"/>
+              </a:lnSpc>
+              <a:spcBef>
+                <a:spcPts val="0"/>
+              </a:spcBef>
+              <a:spcAft>
+                <a:spcPts val="0"/>
+              </a:spcAft>
+              <a:buFontTx/>
+              <a:buNone/>
+            </a:pPr>
+            <a:r>
+              <a:rPr lang="en-US" altLang="ko-KR" sz="4400" b="0" cap="none" dirty="0">
+                <a:solidFill>
+                  <a:schemeClr val="accent1">
+                    <a:lumMod val="75000"/>
+                  </a:schemeClr>
+                </a:solidFill>
+                <a:latin typeface="맑은 고딕" charset="0"/>
+                <a:ea typeface="맑은 고딕" charset="0"/>
+              </a:rPr>
+              <a:t>개발 일정</a:t>
+            </a:r>
+            <a:endParaRPr lang="ko-KR" altLang="en-US" sz="4400" b="0" cap="none" dirty="0">
+              <a:solidFill>
+                <a:schemeClr val="accent1">
+                  <a:lumMod val="75000"/>
+                </a:schemeClr>
+              </a:solidFill>
+              <a:latin typeface="맑은 고딕" charset="0"/>
+              <a:ea typeface="맑은 고딕" charset="0"/>
+            </a:endParaRPr>
+          </a:p>
+        </p:txBody>
+      </p:sp>
+    </p:spTree>
+    <p:extLst>
+      <p:ext uri="{BB962C8B-B14F-4D97-AF65-F5344CB8AC3E}">
+        <p14:creationId xmlns:p14="http://schemas.microsoft.com/office/powerpoint/2010/main" val="2611412412"/>
+      </p:ext>
+    </p:extLst>
+  </p:cSld>
+  <p:clrMapOvr>
+    <a:masterClrMapping/>
+  </p:clrMapOvr>
+  <mc:AlternateContent xmlns:mc="http://schemas.openxmlformats.org/markup-compatibility/2006">
+    <mc:Choice xmlns:p14="http://schemas.microsoft.com/office/powerpoint/2010/main" Requires="p14">
+      <p:transition spd="slow" p14:dur="2000"/>
+    </mc:Choice>
+    <mc:Fallback>
+      <p:transition spd="slow"/>
+    </mc:Fallback>
+  </mc:AlternateContent>
+  <p:timing>
+    <p:tnLst>
+      <p:par>
+        <p:cTn id="1" dur="indefinite" restart="never" nodeType="tmRoot"/>
+      </p:par>
+    </p:tnLst>
+  </p:timing>
+</p:sld>
+</file>
+
+<file path=ppt/slides/slide19.xml><?xml version="1.0" encoding="utf-8"?>
+<p:sld xmlns:a="http://schemas.openxmlformats.org/drawingml/2006/main" xmlns:r="http://schemas.openxmlformats.org/officeDocument/2006/relationships" xmlns:p="http://schemas.openxmlformats.org/presentationml/2006/main" xmlns:p14="http://schemas.microsoft.com/office/powerpoint/2010/main">
+  <p:cSld>
+    <p:spTree>
+      <p:nvGrpSpPr>
+        <p:cNvPr id="1" name=""/>
+        <p:cNvGrpSpPr/>
+        <p:nvPr/>
+      </p:nvGrpSpPr>
+      <p:grpSpPr>
+        <a:xfrm>
+          <a:off x="0" y="0"/>
+          <a:ext cx="0" cy="0"/>
+          <a:chOff x="0" y="0"/>
+          <a:chExt cx="0" cy="0"/>
+        </a:xfrm>
+      </p:grpSpPr>
+      <p:sp>
+        <p:nvSpPr>
+          <p:cNvPr id="2" name="TextBox 1"/>
+          <p:cNvSpPr txBox="1">
+            <a:spLocks/>
+          </p:cNvSpPr>
+          <p:nvPr/>
+        </p:nvSpPr>
+        <p:spPr>
+          <a:xfrm rot="0">
+            <a:off x="813435" y="508635"/>
+            <a:ext cx="5614670" cy="768985"/>
+          </a:xfrm>
+          <a:prstGeom prst="rect"/>
+          <a:noFill/>
+        </p:spPr>
+        <p:txBody>
+          <a:bodyPr wrap="square" lIns="91440" tIns="45720" rIns="91440" bIns="45720" vert="horz" anchor="t">
+            <a:spAutoFit/>
+          </a:bodyPr>
+          <a:lstStyle/>
+          <a:p>
+            <a:pPr marL="0" indent="0" algn="l" fontAlgn="auto" defTabSz="457200" eaLnBrk="0" latinLnBrk="0">
+              <a:lnSpc>
+                <a:spcPct val="100000"/>
+              </a:lnSpc>
+              <a:spcBef>
+                <a:spcPts val="0"/>
+              </a:spcBef>
+              <a:spcAft>
+                <a:spcPts val="0"/>
+              </a:spcAft>
+              <a:buFontTx/>
+              <a:buNone/>
+            </a:pPr>
+            <a:r>
+              <a:rPr lang="en-US" altLang="ko-KR" sz="4400" cap="none" dirty="0" smtClean="0" b="0">
+                <a:solidFill>
+                  <a:srgbClr val="E1930E"/>
+                </a:solidFill>
+                <a:latin typeface="맑은 고딕" charset="0"/>
+                <a:ea typeface="맑은 고딕" charset="0"/>
+              </a:rPr>
+              <a:t>참고 문헌</a:t>
+            </a:r>
+            <a:endParaRPr lang="ko-KR" altLang="en-US" sz="4400" cap="none" dirty="0" smtClean="0" b="0">
+              <a:solidFill>
+                <a:srgbClr val="E1930E"/>
+              </a:solidFill>
+              <a:latin typeface="맑은 고딕" charset="0"/>
+              <a:ea typeface="맑은 고딕" charset="0"/>
+            </a:endParaRPr>
+          </a:p>
+        </p:txBody>
+      </p:sp>
+    </p:spTree>
+    <p:extLst>
+      <p:ext uri="{BB962C8B-B14F-4D97-AF65-F5344CB8AC3E}">
+        <p14:creationId xmlns:p14="http://schemas.microsoft.com/office/powerpoint/2010/main" val="1813274950"/>
+      </p:ext>
+    </p:extLst>
+  </p:cSld>
+  <p:clrMapOvr>
+    <a:masterClrMapping/>
+  </p:clrMapOvr>
+  <mc:AlternateContent xmlns:mc="http://schemas.openxmlformats.org/markup-compatibility/2006">
+    <mc:Choice xmlns:p14="http://schemas.microsoft.com/office/powerpoint/2010/main" Requires="p14">
+      <p:transition spd="slow" p14:dur="2000"/>
+    </mc:Choice>
+    <mc:Fallback>
+      <p:transition spd="slow"/>
+    </mc:Fallback>
+  </mc:AlternateContent>
+  <p:timing>
+    <p:tnLst>
+      <p:par>
+        <p:cTn id="1" dur="indefinite" restart="never" nodeType="tmRoot"/>
+      </p:par>
+    </p:tnLst>
+  </p:timing>
+</p:sld>
+</file>
+
+<file path=ppt/slides/slide2.xml><?xml version="1.0" encoding="utf-8"?>
+<p:sld xmlns:a="http://schemas.openxmlformats.org/drawingml/2006/main" xmlns:r="http://schemas.openxmlformats.org/officeDocument/2006/relationships" xmlns:p="http://schemas.openxmlformats.org/presentationml/2006/main" xmlns:p14="http://schemas.microsoft.com/office/powerpoint/2010/main">
+  <p:cSld>
+    <p:spTree>
+      <p:nvGrpSpPr>
+        <p:cNvPr id="1" name=""/>
+        <p:cNvGrpSpPr/>
+        <p:nvPr/>
+      </p:nvGrpSpPr>
+      <p:grpSpPr>
+        <a:xfrm>
+          <a:off x="0" y="0"/>
+          <a:ext cx="0" cy="0"/>
+          <a:chOff x="0" y="0"/>
+          <a:chExt cx="0" cy="0"/>
+        </a:xfrm>
+      </p:grpSpPr>
+      <p:sp>
+        <p:nvSpPr>
+          <p:cNvPr id="6" name="TextBox 5"/>
+          <p:cNvSpPr txBox="1">
+            <a:spLocks/>
+          </p:cNvSpPr>
+          <p:nvPr/>
+        </p:nvSpPr>
+        <p:spPr>
+          <a:xfrm rot="0">
+            <a:off x="494664" y="257175"/>
+            <a:ext cx="4611370" cy="770890"/>
+          </a:xfrm>
+          <a:prstGeom prst="rect"/>
+          <a:noFill/>
+        </p:spPr>
+        <p:txBody>
+          <a:bodyPr wrap="square" lIns="91440" tIns="45720" rIns="91440" bIns="45720" numCol="1" vert="horz" anchor="t">
+            <a:spAutoFit/>
+          </a:bodyPr>
+          <a:lstStyle/>
+          <a:p>
+            <a:pPr marL="0" indent="0" algn="l" fontAlgn="auto" defTabSz="457200" eaLnBrk="0" latinLnBrk="0">
+              <a:lnSpc>
+                <a:spcPct val="100000"/>
+              </a:lnSpc>
+              <a:spcBef>
+                <a:spcPts val="0"/>
+              </a:spcBef>
+              <a:spcAft>
+                <a:spcPts val="0"/>
+              </a:spcAft>
+              <a:buFontTx/>
+              <a:buNone/>
+            </a:pPr>
+            <a:r>
+              <a:rPr lang="en-US" altLang="ko-KR" sz="4400" cap="none" dirty="0" smtClean="0" b="0">
+                <a:solidFill>
+                  <a:schemeClr val="accent1">
+                    <a:lumMod val="75000"/>
+                  </a:schemeClr>
+                </a:solidFill>
+                <a:latin typeface="맑은 고딕" charset="0"/>
+                <a:ea typeface="맑은 고딕" charset="0"/>
+              </a:rPr>
+              <a:t>목차</a:t>
+            </a:r>
+            <a:endParaRPr lang="ko-KR" altLang="en-US" sz="4400" cap="none" dirty="0" smtClean="0" b="0">
+              <a:solidFill>
+                <a:schemeClr val="accent1">
+                  <a:lumMod val="75000"/>
+                </a:schemeClr>
+              </a:solidFill>
+              <a:latin typeface="맑은 고딕" charset="0"/>
+              <a:ea typeface="맑은 고딕" charset="0"/>
+            </a:endParaRPr>
+          </a:p>
+        </p:txBody>
+      </p:sp>
+      <p:sp>
+        <p:nvSpPr>
+          <p:cNvPr id="7" name="TextBox 6"/>
+          <p:cNvSpPr txBox="1">
+            <a:spLocks/>
+          </p:cNvSpPr>
+          <p:nvPr/>
+        </p:nvSpPr>
+        <p:spPr>
+          <a:xfrm rot="0">
+            <a:off x="678815" y="1263015"/>
+            <a:ext cx="10021570" cy="4890770"/>
+          </a:xfrm>
+          <a:prstGeom prst="rect"/>
+          <a:noFill/>
+        </p:spPr>
+        <p:txBody>
+          <a:bodyPr wrap="square" lIns="91440" tIns="45720" rIns="91440" bIns="45720" numCol="1" vert="horz" anchor="t">
+            <a:spAutoFit/>
+          </a:bodyPr>
+          <a:lstStyle/>
+          <a:p>
+            <a:pPr marL="254000" indent="-254000" algn="l" fontAlgn="auto" defTabSz="457200" eaLnBrk="0" latinLnBrk="0">
+              <a:lnSpc>
+                <a:spcPct val="150000"/>
+              </a:lnSpc>
+              <a:spcBef>
+                <a:spcPts val="0"/>
+              </a:spcBef>
+              <a:spcAft>
+                <a:spcPts val="0"/>
+              </a:spcAft>
+              <a:buFont typeface="Wingdings"/>
+              <a:buChar char="v"/>
+            </a:pPr>
+            <a:r>
+              <a:rPr lang="en-US" altLang="ko-KR" sz="2400" cap="none" dirty="0" smtClean="0" b="0">
+                <a:latin typeface="맑은 고딕" charset="0"/>
+                <a:ea typeface="맑은 고딕" charset="0"/>
+              </a:rPr>
+              <a:t> 연구 목적</a:t>
+            </a:r>
+            <a:endParaRPr lang="ko-KR" altLang="en-US" sz="2400" cap="none" dirty="0" smtClean="0" b="0">
+              <a:latin typeface="맑은 고딕" charset="0"/>
+              <a:ea typeface="맑은 고딕" charset="0"/>
+            </a:endParaRPr>
+          </a:p>
+          <a:p>
+            <a:pPr marL="254000" indent="-254000" algn="l" fontAlgn="auto" defTabSz="457200" eaLnBrk="0" latinLnBrk="0">
+              <a:lnSpc>
+                <a:spcPct val="150000"/>
+              </a:lnSpc>
+              <a:spcBef>
+                <a:spcPts val="0"/>
+              </a:spcBef>
+              <a:spcAft>
+                <a:spcPts val="0"/>
+              </a:spcAft>
+              <a:buFont typeface="Wingdings"/>
+              <a:buChar char="v"/>
+            </a:pPr>
+            <a:r>
+              <a:rPr lang="en-US" altLang="ko-KR" sz="2400" cap="none" dirty="0" smtClean="0" b="0">
+                <a:latin typeface="맑은 고딕" charset="0"/>
+                <a:ea typeface="맑은 고딕" charset="0"/>
+              </a:rPr>
+              <a:t> </a:t>
+            </a:r>
+            <a:r>
+              <a:rPr lang="en-US" altLang="ko-KR" sz="2400" cap="none" dirty="0" smtClean="0" b="0">
+                <a:solidFill>
+                  <a:srgbClr val="FFFFFF"/>
+                </a:solidFill>
+                <a:latin typeface="맑은 고딕" charset="0"/>
+                <a:ea typeface="맑은 고딕" charset="0"/>
+              </a:rPr>
+              <a:t>재미 요소</a:t>
+            </a:r>
+            <a:endParaRPr lang="ko-KR" altLang="en-US" sz="2400" cap="none" dirty="0" smtClean="0" b="0">
+              <a:solidFill>
+                <a:srgbClr val="FFFFFF"/>
+              </a:solidFill>
+              <a:latin typeface="맑은 고딕" charset="0"/>
+              <a:ea typeface="맑은 고딕" charset="0"/>
+            </a:endParaRPr>
+          </a:p>
+          <a:p>
+            <a:pPr marL="254000" indent="-254000" algn="l" fontAlgn="auto" defTabSz="457200" eaLnBrk="0" latinLnBrk="0">
+              <a:lnSpc>
+                <a:spcPct val="150000"/>
+              </a:lnSpc>
+              <a:spcBef>
+                <a:spcPts val="0"/>
+              </a:spcBef>
+              <a:spcAft>
+                <a:spcPts val="0"/>
+              </a:spcAft>
+              <a:buClr>
+                <a:srgbClr val="FFFFFF"/>
+              </a:buClr>
+              <a:buFont typeface="Wingdings"/>
+              <a:buChar char="v"/>
+            </a:pPr>
+            <a:r>
+              <a:rPr lang="en-US" altLang="ko-KR" sz="2400" cap="none" dirty="0" smtClean="0" b="0">
+                <a:solidFill>
+                  <a:srgbClr val="FFFFFF"/>
+                </a:solidFill>
+                <a:latin typeface="맑은 고딕" charset="0"/>
+                <a:ea typeface="맑은 고딕" charset="0"/>
+              </a:rPr>
+              <a:t> 게임 소개 </a:t>
+            </a:r>
+            <a:endParaRPr lang="ko-KR" altLang="en-US" sz="2400" cap="none" dirty="0" smtClean="0" b="0">
+              <a:latin typeface="맑은 고딕" charset="0"/>
+              <a:ea typeface="맑은 고딕" charset="0"/>
+            </a:endParaRPr>
+          </a:p>
+          <a:p>
+            <a:pPr marL="254000" indent="-254000" algn="l" fontAlgn="auto" defTabSz="457200" eaLnBrk="0" latinLnBrk="0">
+              <a:lnSpc>
+                <a:spcPct val="150000"/>
+              </a:lnSpc>
+              <a:spcBef>
+                <a:spcPts val="0"/>
+              </a:spcBef>
+              <a:spcAft>
+                <a:spcPts val="0"/>
+              </a:spcAft>
+              <a:buFont typeface="Wingdings"/>
+              <a:buChar char="v"/>
+            </a:pPr>
+            <a:r>
+              <a:rPr lang="en-US" altLang="ko-KR" sz="2400" cap="none" dirty="0" smtClean="0" b="0">
+                <a:latin typeface="맑은 고딕" charset="0"/>
+                <a:ea typeface="맑은 고딕" charset="0"/>
+              </a:rPr>
+              <a:t> 게임 플레이</a:t>
+            </a:r>
+            <a:endParaRPr lang="ko-KR" altLang="en-US" sz="2400" cap="none" dirty="0" smtClean="0" b="0">
+              <a:latin typeface="맑은 고딕" charset="0"/>
+              <a:ea typeface="맑은 고딕" charset="0"/>
+            </a:endParaRPr>
+          </a:p>
+          <a:p>
+            <a:pPr marL="254000" indent="-254000" algn="l" fontAlgn="auto" defTabSz="457200" eaLnBrk="0" latinLnBrk="0">
+              <a:lnSpc>
+                <a:spcPct val="150000"/>
+              </a:lnSpc>
+              <a:spcBef>
+                <a:spcPts val="0"/>
+              </a:spcBef>
+              <a:spcAft>
+                <a:spcPts val="0"/>
+              </a:spcAft>
+              <a:buFont typeface="Wingdings"/>
+              <a:buChar char="v"/>
+            </a:pPr>
+            <a:r>
+              <a:rPr lang="en-US" altLang="ko-KR" sz="2400" cap="none" dirty="0" smtClean="0" b="0">
+                <a:latin typeface="맑은 고딕" charset="0"/>
+                <a:ea typeface="맑은 고딕" charset="0"/>
+              </a:rPr>
+              <a:t> 기술적 요소</a:t>
+            </a:r>
+            <a:endParaRPr lang="ko-KR" altLang="en-US" sz="2400" cap="none" dirty="0" smtClean="0" b="0">
+              <a:latin typeface="맑은 고딕" charset="0"/>
+              <a:ea typeface="맑은 고딕" charset="0"/>
+            </a:endParaRPr>
+          </a:p>
+          <a:p>
+            <a:pPr marL="254000" indent="-254000" algn="l" fontAlgn="auto" defTabSz="457200" eaLnBrk="0" latinLnBrk="0">
+              <a:lnSpc>
+                <a:spcPct val="150000"/>
+              </a:lnSpc>
+              <a:spcBef>
+                <a:spcPts val="0"/>
+              </a:spcBef>
+              <a:spcAft>
+                <a:spcPts val="0"/>
+              </a:spcAft>
+              <a:buFont typeface="Wingdings"/>
+              <a:buChar char="v"/>
+            </a:pPr>
+            <a:r>
+              <a:rPr lang="en-US" altLang="ko-KR" sz="2400" cap="none" dirty="0" smtClean="0" b="0">
+                <a:latin typeface="맑은 고딕" charset="0"/>
+                <a:ea typeface="맑은 고딕" charset="0"/>
+              </a:rPr>
+              <a:t> 플랫폼 &amp; 개발환경</a:t>
+            </a:r>
+            <a:endParaRPr lang="ko-KR" altLang="en-US" sz="2400" cap="none" dirty="0" smtClean="0" b="0">
+              <a:latin typeface="맑은 고딕" charset="0"/>
+              <a:ea typeface="맑은 고딕" charset="0"/>
+            </a:endParaRPr>
+          </a:p>
+          <a:p>
+            <a:pPr marL="254000" indent="-254000" algn="l" fontAlgn="auto" defTabSz="457200" eaLnBrk="0" latinLnBrk="0">
+              <a:lnSpc>
+                <a:spcPct val="150000"/>
+              </a:lnSpc>
+              <a:spcBef>
+                <a:spcPts val="0"/>
+              </a:spcBef>
+              <a:spcAft>
+                <a:spcPts val="0"/>
+              </a:spcAft>
+              <a:buFont typeface="Wingdings"/>
+              <a:buChar char="v"/>
+            </a:pPr>
+            <a:r>
+              <a:rPr lang="en-US" altLang="ko-KR" sz="2400" cap="none" dirty="0" smtClean="0" b="0">
+                <a:latin typeface="맑은 고딕" charset="0"/>
+                <a:ea typeface="맑은 고딕" charset="0"/>
+              </a:rPr>
+              <a:t> 개발 일정</a:t>
+            </a:r>
+            <a:endParaRPr lang="ko-KR" altLang="en-US" sz="2400" cap="none" dirty="0" smtClean="0" b="0">
+              <a:latin typeface="맑은 고딕" charset="0"/>
+              <a:ea typeface="맑은 고딕" charset="0"/>
+            </a:endParaRPr>
+          </a:p>
+          <a:p>
+            <a:pPr marL="254000" indent="-254000" algn="l" fontAlgn="auto" defTabSz="457200" eaLnBrk="0" latinLnBrk="0">
+              <a:lnSpc>
+                <a:spcPct val="150000"/>
+              </a:lnSpc>
+              <a:spcBef>
+                <a:spcPts val="0"/>
+              </a:spcBef>
+              <a:spcAft>
+                <a:spcPts val="0"/>
+              </a:spcAft>
+              <a:buFont typeface="Wingdings"/>
+              <a:buChar char="v"/>
+            </a:pPr>
+            <a:r>
+              <a:rPr lang="en-US" altLang="ko-KR" sz="2400" cap="none" dirty="0" smtClean="0" b="0">
+                <a:latin typeface="맑은 고딕" charset="0"/>
+                <a:ea typeface="맑은 고딕" charset="0"/>
+              </a:rPr>
+              <a:t> 참고 문헌</a:t>
+            </a:r>
+            <a:endParaRPr lang="ko-KR" altLang="en-US" sz="2400" cap="none" dirty="0" smtClean="0" b="0">
+              <a:latin typeface="맑은 고딕" charset="0"/>
+              <a:ea typeface="맑은 고딕" charset="0"/>
+            </a:endParaRPr>
+          </a:p>
+          <a:p>
+            <a:pPr marL="0" indent="0" algn="l" fontAlgn="auto" defTabSz="457200" eaLnBrk="0" latinLnBrk="0">
+              <a:lnSpc>
+                <a:spcPct val="100000"/>
+              </a:lnSpc>
+              <a:spcBef>
+                <a:spcPts val="0"/>
+              </a:spcBef>
+              <a:spcAft>
+                <a:spcPts val="0"/>
+              </a:spcAft>
+              <a:buFontTx/>
+              <a:buNone/>
+            </a:pPr>
+            <a:endParaRPr lang="ko-KR" altLang="en-US" sz="2400" cap="none" dirty="0" smtClean="0" b="0">
+              <a:latin typeface="맑은 고딕" charset="0"/>
+              <a:ea typeface="맑은 고딕" charset="0"/>
+            </a:endParaRPr>
+          </a:p>
+        </p:txBody>
+      </p:sp>
+    </p:spTree>
+    <p:extLst>
+      <p:ext uri="{BB962C8B-B14F-4D97-AF65-F5344CB8AC3E}">
+        <p14:creationId xmlns:p14="http://schemas.microsoft.com/office/powerpoint/2010/main" val="2091678307"/>
+      </p:ext>
+    </p:extLst>
+  </p:cSld>
+  <p:clrMapOvr>
+    <a:masterClrMapping/>
+  </p:clrMapOvr>
+  <mc:AlternateContent xmlns:mc="http://schemas.openxmlformats.org/markup-compatibility/2006">
+    <mc:Choice xmlns:p14="http://schemas.microsoft.com/office/powerpoint/2010/main" Requires="p14">
+      <p:transition spd="slow" p14:dur="2000"/>
+    </mc:Choice>
+    <mc:Fallback>
+      <p:transition spd="slow"/>
+    </mc:Fallback>
+  </mc:AlternateContent>
+  <p:timing>
+    <p:tnLst>
+      <p:par>
+        <p:cTn id="1" dur="indefinite" restart="never" nodeType="tmRoot"/>
+      </p:par>
+    </p:tnLst>
+  </p:timing>
+</p:sld>
+</file>
+
+<file path=ppt/slides/slide3.xml><?xml version="1.0" encoding="utf-8"?>
+<p:sld xmlns:a="http://schemas.openxmlformats.org/drawingml/2006/main" xmlns:r="http://schemas.openxmlformats.org/officeDocument/2006/relationships" xmlns:p="http://schemas.openxmlformats.org/presentationml/2006/main" xmlns:p14="http://schemas.microsoft.com/office/powerpoint/2010/main">
+  <p:cSld>
+    <p:spTree>
+      <p:nvGrpSpPr>
+        <p:cNvPr id="1" name=""/>
+        <p:cNvGrpSpPr/>
+        <p:nvPr/>
+      </p:nvGrpSpPr>
+      <p:grpSpPr>
+        <a:xfrm>
+          <a:off x="0" y="0"/>
+          <a:ext cx="0" cy="0"/>
+          <a:chOff x="0" y="0"/>
+          <a:chExt cx="0" cy="0"/>
+        </a:xfrm>
+      </p:grpSpPr>
+      <p:sp>
+        <p:nvSpPr>
           <p:cNvPr id="6" name="TextBox 5">
             <a:extLst>
               <a:ext uri="{FF2B5EF4-FFF2-40B4-BE49-F238E27FC236}">
@@ -11943,7 +12201,7 @@
         <p:spPr>
           <a:xfrm>
             <a:off x="482600" y="381000"/>
-            <a:ext cx="4610100" cy="769441"/>
+            <a:ext cx="4610735" cy="768985"/>
           </a:xfrm>
           <a:prstGeom prst="rect">
             <a:avLst/>
@@ -11951,115 +12209,409 @@
           <a:noFill/>
         </p:spPr>
         <p:txBody>
-          <a:bodyPr wrap="square" rtlCol="0">
+          <a:bodyPr wrap="square" lIns="91440" tIns="45720" rIns="91440" bIns="45720" numCol="1" vert="horz" anchor="t">
             <a:spAutoFit/>
           </a:bodyPr>
           <a:lstStyle/>
           <a:p>
-            <a:r>
-              <a:rPr lang="ko-KR" altLang="en-US" sz="4400" dirty="0">
+            <a:pPr marL="0" indent="0" algn="l" fontAlgn="auto" defTabSz="457200" eaLnBrk="0" latinLnBrk="0">
+              <a:lnSpc>
+                <a:spcPct val="100000"/>
+              </a:lnSpc>
+              <a:spcBef>
+                <a:spcPts val="0"/>
+              </a:spcBef>
+              <a:spcAft>
+                <a:spcPts val="0"/>
+              </a:spcAft>
+              <a:buFontTx/>
+              <a:buNone/>
+            </a:pPr>
+            <a:r>
+              <a:rPr lang="en-US" altLang="ko-KR" sz="4400" cap="none" dirty="0" smtClean="0" b="0">
                 <a:solidFill>
                   <a:schemeClr val="accent1">
                     <a:lumMod val="75000"/>
                   </a:schemeClr>
                 </a:solidFill>
-              </a:rPr>
-              <a:t>연구목적</a:t>
-            </a:r>
-          </a:p>
-        </p:txBody>
-      </p:sp>
-      <p:sp>
-        <p:nvSpPr>
-          <p:cNvPr id="2" name="TextBox 1">
-            <a:extLst>
-              <a:ext uri="{FF2B5EF4-FFF2-40B4-BE49-F238E27FC236}">
-                <a16:creationId xmlns:a16="http://schemas.microsoft.com/office/drawing/2014/main" id="{CCA50935-4D93-4F33-8E52-6B10303CCC69}"/>
-              </a:ext>
-            </a:extLst>
-          </p:cNvPr>
-          <p:cNvSpPr txBox="1"/>
+                <a:latin typeface="맑은 고딕" charset="0"/>
+                <a:ea typeface="맑은 고딕" charset="0"/>
+              </a:rPr>
+              <a:t>연구 목적</a:t>
+            </a:r>
+            <a:endParaRPr lang="ko-KR" altLang="en-US" sz="4400" cap="none" dirty="0" smtClean="0" b="0">
+              <a:solidFill>
+                <a:schemeClr val="accent1">
+                  <a:lumMod val="75000"/>
+                </a:schemeClr>
+              </a:solidFill>
+              <a:latin typeface="맑은 고딕" charset="0"/>
+              <a:ea typeface="맑은 고딕" charset="0"/>
+            </a:endParaRPr>
+          </a:p>
+        </p:txBody>
+      </p:sp>
+      <p:sp>
+        <p:nvSpPr>
+          <p:cNvPr id="2" name="TextBox 1"/>
+          <p:cNvSpPr txBox="1">
+            <a:spLocks/>
+          </p:cNvSpPr>
           <p:nvPr/>
         </p:nvSpPr>
         <p:spPr>
-          <a:xfrm>
-            <a:off x="1085850" y="2090172"/>
-            <a:ext cx="10020300" cy="2677656"/>
+          <a:xfrm rot="0">
+            <a:off x="1224280" y="1412240"/>
+            <a:ext cx="10020935" cy="1198880"/>
           </a:xfrm>
-          <a:prstGeom prst="rect">
-            <a:avLst/>
-          </a:prstGeom>
+          <a:prstGeom prst="rect"/>
           <a:noFill/>
         </p:spPr>
         <p:txBody>
-          <a:bodyPr wrap="square" rtlCol="0">
+          <a:bodyPr wrap="square" lIns="91440" tIns="45720" rIns="91440" bIns="45720" numCol="1" vert="horz" anchor="t">
             <a:spAutoFit/>
           </a:bodyPr>
           <a:lstStyle/>
           <a:p>
-            <a:r>
-              <a:rPr lang="en-US" altLang="ko-KR" sz="2400" dirty="0"/>
-              <a:t>Direct X 12</a:t>
-            </a:r>
-            <a:r>
-              <a:rPr lang="ko-KR" altLang="en-US" sz="2400" dirty="0"/>
-              <a:t>로 개발하는 </a:t>
-            </a:r>
-            <a:r>
-              <a:rPr lang="en-US" altLang="ko-KR" sz="2400" dirty="0"/>
-              <a:t>3D 1,3</a:t>
-            </a:r>
-            <a:r>
-              <a:rPr lang="ko-KR" altLang="en-US" sz="2400" dirty="0"/>
-              <a:t>인칭 어드벤처 퍼즐 구현</a:t>
-            </a:r>
-            <a:endParaRPr lang="en-US" altLang="ko-KR" sz="2400" dirty="0"/>
-          </a:p>
-          <a:p>
-            <a:endParaRPr lang="en-US" altLang="ko-KR" sz="2400" dirty="0"/>
-          </a:p>
-          <a:p>
-            <a:r>
-              <a:rPr lang="ko-KR" altLang="en-US" sz="2400" dirty="0"/>
-              <a:t>큐브 스테이지를 저장해서 불러 올 수 있는 로드시스템 구현</a:t>
-            </a:r>
-            <a:endParaRPr lang="en-US" altLang="ko-KR" sz="2400" dirty="0"/>
-          </a:p>
-          <a:p>
-            <a:endParaRPr lang="en-US" altLang="ko-KR" sz="2400" dirty="0"/>
-          </a:p>
-          <a:p>
-            <a:r>
-              <a:rPr lang="ko-KR" altLang="en-US" sz="2400" dirty="0"/>
-              <a:t>팀 프로젝트를 통한 협업능력과 분할 작업능력 배양</a:t>
-            </a:r>
-            <a:endParaRPr lang="en-US" altLang="ko-KR" sz="2400" dirty="0"/>
-          </a:p>
-          <a:p>
-            <a:endParaRPr lang="en-US" altLang="ko-KR" sz="2400" dirty="0"/>
-          </a:p>
-          <a:p>
-            <a:r>
-              <a:rPr lang="ko-KR" altLang="en-US" sz="2400" dirty="0"/>
-              <a:t>협동을 </a:t>
-            </a:r>
-            <a:r>
-              <a:rPr lang="ko-KR" altLang="en-US" sz="2400" dirty="0" err="1"/>
-              <a:t>필요로하는</a:t>
-            </a:r>
-            <a:r>
-              <a:rPr lang="ko-KR" altLang="en-US" sz="2400" dirty="0"/>
-              <a:t> </a:t>
-            </a:r>
-            <a:r>
-              <a:rPr lang="en-US" altLang="ko-KR" sz="2400" dirty="0"/>
-              <a:t>2</a:t>
-            </a:r>
-            <a:r>
-              <a:rPr lang="ko-KR" altLang="en-US" sz="2400" dirty="0"/>
-              <a:t>인 게임을 제작</a:t>
-            </a:r>
-            <a:endParaRPr lang="en-US" altLang="ko-KR" sz="2400" dirty="0"/>
+            <a:pPr marL="0" indent="0" algn="l" fontAlgn="auto" defTabSz="457200" eaLnBrk="0" latinLnBrk="0">
+              <a:lnSpc>
+                <a:spcPct val="100000"/>
+              </a:lnSpc>
+              <a:spcBef>
+                <a:spcPts val="0"/>
+              </a:spcBef>
+              <a:spcAft>
+                <a:spcPts val="0"/>
+              </a:spcAft>
+              <a:buFontTx/>
+              <a:buNone/>
+            </a:pPr>
+            <a:r>
+              <a:rPr lang="en-US" altLang="ko-KR" sz="2400" cap="none" dirty="0" smtClean="0" b="0">
+                <a:latin typeface="맑은 고딕" charset="0"/>
+                <a:ea typeface="맑은 고딕" charset="0"/>
+              </a:rPr>
+              <a:t>이슈가 되었던 사건을 배경으로 재미있게 풀어나가는 형식의 </a:t>
+            </a:r>
+            <a:endParaRPr lang="ko-KR" altLang="en-US" sz="2400" cap="none" dirty="0" smtClean="0" b="0">
+              <a:latin typeface="맑은 고딕" charset="0"/>
+              <a:ea typeface="맑은 고딕" charset="0"/>
+            </a:endParaRPr>
+          </a:p>
+          <a:p>
+            <a:pPr marL="0" indent="0" algn="l" fontAlgn="auto" defTabSz="457200" eaLnBrk="0" latinLnBrk="0">
+              <a:lnSpc>
+                <a:spcPct val="100000"/>
+              </a:lnSpc>
+              <a:spcBef>
+                <a:spcPts val="0"/>
+              </a:spcBef>
+              <a:spcAft>
+                <a:spcPts val="0"/>
+              </a:spcAft>
+              <a:buFontTx/>
+              <a:buNone/>
+            </a:pPr>
+            <a:endParaRPr lang="ko-KR" altLang="en-US" sz="2400" cap="none" dirty="0" smtClean="0" b="0">
+              <a:latin typeface="맑은 고딕" charset="0"/>
+              <a:ea typeface="맑은 고딕" charset="0"/>
+            </a:endParaRPr>
+          </a:p>
+          <a:p>
+            <a:pPr marL="0" indent="0" algn="l" fontAlgn="auto" defTabSz="457200" eaLnBrk="0" latinLnBrk="0">
+              <a:lnSpc>
+                <a:spcPct val="100000"/>
+              </a:lnSpc>
+              <a:spcBef>
+                <a:spcPts val="0"/>
+              </a:spcBef>
+              <a:spcAft>
+                <a:spcPts val="0"/>
+              </a:spcAft>
+              <a:buFontTx/>
+              <a:buNone/>
+            </a:pPr>
+            <a:r>
+              <a:rPr lang="en-US" altLang="ko-KR" sz="2400" cap="none" dirty="0" smtClean="0" b="0">
+                <a:latin typeface="맑은 고딕" charset="0"/>
+                <a:ea typeface="맑은 고딕" charset="0"/>
+              </a:rPr>
+              <a:t>게임이 있다면, 많은 사람들이 즐길 수 있을 것이라고 생각한다.</a:t>
+            </a:r>
+            <a:endParaRPr lang="ko-KR" altLang="en-US" sz="2400" cap="none" dirty="0" smtClean="0" b="0">
+              <a:latin typeface="맑은 고딕" charset="0"/>
+              <a:ea typeface="맑은 고딕" charset="0"/>
+            </a:endParaRPr>
+          </a:p>
+        </p:txBody>
+      </p:sp>
+      <p:pic>
+        <p:nvPicPr>
+          <p:cNvPr id="7" name="그림 6" descr="C:/Users/yang/AppData/Roaming/PolarisOffice/ETemp/2012_14164936/fImage18494324041.png"/>
+          <p:cNvPicPr>
+            <a:picLocks noChangeAspect="1"/>
+          </p:cNvPicPr>
+          <p:nvPr/>
+        </p:nvPicPr>
+        <p:blipFill rotWithShape="1">
+          <a:blip r:embed="rId1">
+            <a:extLst>
+              <a:ext uri="{28A0092B-C50C-407E-A947-70E740481C1C}">
+                <a14:useLocalDpi xmlns:a14="http://schemas.microsoft.com/office/drawing/2010/main" val="0"/>
+              </a:ext>
+            </a:extLst>
+          </a:blip>
+          <a:stretch>
+            <a:fillRect/>
+          </a:stretch>
+        </p:blipFill>
+        <p:spPr>
+          <a:xfrm rot="0">
+            <a:off x="1517650" y="2937510"/>
+            <a:ext cx="2334260" cy="3086735"/>
+          </a:xfrm>
+          <a:prstGeom prst="rect"/>
+          <a:noFill/>
+        </p:spPr>
+      </p:pic>
+      <p:sp>
+        <p:nvSpPr>
+          <p:cNvPr id="8" name="텍스트 상자 7"/>
+          <p:cNvSpPr txBox="1">
+            <a:spLocks/>
+          </p:cNvSpPr>
+          <p:nvPr/>
+        </p:nvSpPr>
+        <p:spPr>
+          <a:xfrm rot="0">
+            <a:off x="1524000" y="6008370"/>
+            <a:ext cx="2336165" cy="370205"/>
+          </a:xfrm>
+          <a:prstGeom prst="rect"/>
+          <a:noFill/>
+          <a:ln w="0">
+            <a:noFill/>
+            <a:prstDash/>
+          </a:ln>
+        </p:spPr>
+        <p:txBody>
+          <a:bodyPr wrap="square" lIns="89535" tIns="46355" rIns="89535" bIns="46355" vert="horz" anchor="t">
+            <a:spAutoFit/>
+          </a:bodyPr>
+          <a:lstStyle/>
+          <a:p>
+            <a:pPr marL="0" indent="0" algn="ctr" fontAlgn="auto" defTabSz="508000">
+              <a:lnSpc>
+                <a:spcPct val="100000"/>
+              </a:lnSpc>
+              <a:spcBef>
+                <a:spcPts val="0"/>
+              </a:spcBef>
+              <a:spcAft>
+                <a:spcPts val="0"/>
+              </a:spcAft>
+              <a:buFontTx/>
+              <a:buNone/>
+            </a:pPr>
+            <a:r>
+              <a:rPr lang="en-US" altLang="ko-KR" sz="1800" cap="none" dirty="0" smtClean="0" b="0">
+                <a:latin typeface="맑은 고딕" charset="0"/>
+                <a:ea typeface="맑은 고딕" charset="0"/>
+              </a:rPr>
+              <a:t>최순실 게이트 사건</a:t>
+            </a:r>
+            <a:endParaRPr lang="ko-KR" altLang="en-US" sz="1800" cap="none" dirty="0" smtClean="0" b="0">
+              <a:latin typeface="맑은 고딕" charset="0"/>
+              <a:ea typeface="맑은 고딕" charset="0"/>
+            </a:endParaRPr>
+          </a:p>
+        </p:txBody>
+      </p:sp>
+      <p:sp>
+        <p:nvSpPr>
+          <p:cNvPr id="9" name="도형 8"/>
+          <p:cNvSpPr>
+            <a:spLocks/>
+          </p:cNvSpPr>
+          <p:nvPr/>
+        </p:nvSpPr>
+        <p:spPr>
+          <a:xfrm rot="0">
+            <a:off x="4646930" y="3547745"/>
+            <a:ext cx="1861819" cy="1861819"/>
+          </a:xfrm>
+          <a:prstGeom prst="mathPlus"/>
+          <a:solidFill>
+            <a:schemeClr val="accent4"/>
+          </a:solidFill>
+          <a:ln w="19050" cap="flat" cmpd="sng">
+            <a:solidFill>
+              <a:srgbClr val="0611F2">
+                <a:alpha val="100000"/>
+              </a:srgbClr>
+            </a:solidFill>
+            <a:prstDash val="solid"/>
+          </a:ln>
+        </p:spPr>
+        <p:style>
+          <a:lnRef idx="2">
+            <a:schemeClr val="accent1">
+              <a:shade val="50000"/>
+            </a:schemeClr>
+          </a:lnRef>
+          <a:fillRef idx="1">
+            <a:schemeClr val="accent1"/>
+          </a:fillRef>
+          <a:effectRef idx="0">
+            <a:schemeClr val="accent1"/>
+          </a:effectRef>
+          <a:fontRef idx="minor">
+            <a:schemeClr val="lt1"/>
+          </a:fontRef>
+        </p:style>
+        <p:txBody>
+          <a:bodyPr wrap="square" lIns="91440" tIns="45720" rIns="91440" bIns="45720" vert="horz" anchor="ctr">
+            <a:noAutofit/>
+          </a:bodyPr>
+          <a:lstStyle/>
+          <a:p>
+            <a:pPr marL="0" indent="0" algn="ctr" fontAlgn="auto" defTabSz="508000">
+              <a:lnSpc>
+                <a:spcPct val="100000"/>
+              </a:lnSpc>
+              <a:spcBef>
+                <a:spcPts val="0"/>
+              </a:spcBef>
+              <a:spcAft>
+                <a:spcPts val="0"/>
+              </a:spcAft>
+              <a:buFontTx/>
+              <a:buNone/>
+            </a:pPr>
+            <a:endParaRPr lang="ko-KR" altLang="en-US" sz="1800" cap="none" dirty="0" smtClean="0" b="0">
+              <a:latin typeface="맑은 고딕" charset="0"/>
+              <a:ea typeface="맑은 고딕" charset="0"/>
+            </a:endParaRPr>
+          </a:p>
+        </p:txBody>
+      </p:sp>
+      <p:pic>
+        <p:nvPicPr>
+          <p:cNvPr id="10" name="그림 9" descr="C:/Users/yang/AppData/Roaming/PolarisOffice/ETemp/2012_14164936/fImage984322448467.jpeg"/>
+          <p:cNvPicPr>
+            <a:picLocks noChangeAspect="1"/>
+          </p:cNvPicPr>
+          <p:nvPr/>
+        </p:nvPicPr>
+        <p:blipFill rotWithShape="1">
+          <a:blip r:embed="rId2">
+            <a:extLst>
+              <a:ext uri="{28A0092B-C50C-407E-A947-70E740481C1C}">
+                <a14:useLocalDpi xmlns:a14="http://schemas.microsoft.com/office/drawing/2010/main" val="0"/>
+              </a:ext>
+            </a:extLst>
+          </a:blip>
+          <a:stretch>
+            <a:fillRect/>
+          </a:stretch>
+        </p:blipFill>
+        <p:spPr>
+          <a:xfrm rot="0">
+            <a:off x="7167880" y="3347720"/>
+            <a:ext cx="3488055" cy="2174240"/>
+          </a:xfrm>
+          <a:prstGeom prst="rect"/>
+          <a:noFill/>
+        </p:spPr>
+      </p:pic>
+      <p:sp>
+        <p:nvSpPr>
+          <p:cNvPr id="11" name="텍스트 상자 10"/>
+          <p:cNvSpPr txBox="1">
+            <a:spLocks/>
+          </p:cNvSpPr>
+          <p:nvPr/>
+        </p:nvSpPr>
+        <p:spPr>
+          <a:xfrm rot="0">
+            <a:off x="7179945" y="5793105"/>
+            <a:ext cx="3476625" cy="647065"/>
+          </a:xfrm>
+          <a:prstGeom prst="rect"/>
+          <a:noFill/>
+          <a:ln w="0">
+            <a:noFill/>
+            <a:prstDash/>
+          </a:ln>
+        </p:spPr>
+        <p:txBody>
+          <a:bodyPr wrap="square" lIns="89535" tIns="46355" rIns="89535" bIns="46355" vert="horz" anchor="t">
+            <a:spAutoFit/>
+          </a:bodyPr>
+          <a:lstStyle/>
+          <a:p>
+            <a:pPr marL="0" indent="0" algn="ctr" fontAlgn="auto" defTabSz="508000">
+              <a:lnSpc>
+                <a:spcPct val="100000"/>
+              </a:lnSpc>
+              <a:spcBef>
+                <a:spcPts val="0"/>
+              </a:spcBef>
+              <a:spcAft>
+                <a:spcPts val="0"/>
+              </a:spcAft>
+              <a:buFontTx/>
+              <a:buNone/>
+            </a:pPr>
+            <a:r>
+              <a:rPr lang="en-US" altLang="ko-KR" sz="1800" cap="none" dirty="0" smtClean="0" b="0">
+                <a:solidFill>
+                  <a:srgbClr val="FFFFFF"/>
+                </a:solidFill>
+                <a:latin typeface="맑은 고딕" charset="0"/>
+                <a:ea typeface="맑은 고딕" charset="0"/>
+              </a:rPr>
+              <a:t>포탈 건을 이용해 탈출하는</a:t>
+            </a:r>
+            <a:endParaRPr lang="ko-KR" altLang="en-US" sz="1800" cap="none" dirty="0" smtClean="0" b="0">
+              <a:solidFill>
+                <a:srgbClr val="FFFFFF"/>
+              </a:solidFill>
+              <a:latin typeface="맑은 고딕" charset="0"/>
+              <a:ea typeface="맑은 고딕" charset="0"/>
+            </a:endParaRPr>
+          </a:p>
+          <a:p>
+            <a:pPr marL="0" indent="0" algn="ctr" fontAlgn="auto" defTabSz="508000">
+              <a:lnSpc>
+                <a:spcPct val="100000"/>
+              </a:lnSpc>
+              <a:spcBef>
+                <a:spcPts val="0"/>
+              </a:spcBef>
+              <a:spcAft>
+                <a:spcPts val="0"/>
+              </a:spcAft>
+              <a:buFontTx/>
+              <a:buNone/>
+            </a:pPr>
+            <a:r>
+              <a:rPr lang="en-US" altLang="ko-KR" sz="1800" cap="none" dirty="0" smtClean="0" b="0">
+                <a:solidFill>
+                  <a:srgbClr val="FFFFFF"/>
+                </a:solidFill>
+                <a:latin typeface="맑은 고딕" charset="0"/>
+                <a:ea typeface="맑은 고딕" charset="0"/>
+              </a:rPr>
+              <a:t>게임 ”Portal”</a:t>
+            </a:r>
+            <a:endParaRPr lang="ko-KR" altLang="en-US" sz="1800" cap="none" dirty="0" smtClean="0" b="0">
+              <a:solidFill>
+                <a:srgbClr val="FFFFFF"/>
+              </a:solidFill>
+              <a:latin typeface="맑은 고딕" charset="0"/>
+              <a:ea typeface="맑은 고딕" charset="0"/>
+            </a:endParaRPr>
           </a:p>
         </p:txBody>
       </p:sp>
@@ -12073,6 +12625,21 @@
   <p:clrMapOvr>
     <a:masterClrMapping/>
   </p:clrMapOvr>
+  <mc:AlternateContent xmlns:mc="http://schemas.openxmlformats.org/markup-compatibility/2006">
+    <mc:Choice xmlns:p14="http://schemas.microsoft.com/office/powerpoint/2010/main" Requires="p14">
+      <p:transition spd="slow" p14:dur="2000"/>
+    </mc:Choice>
+    <mc:Fallback>
+      <p:transition spd="slow"/>
+    </mc:Fallback>
+  </mc:AlternateContent>
+  <p:timing>
+    <p:tnLst>
+      <p:par>
+        <p:cTn id="1" dur="indefinite" restart="never" nodeType="tmRoot"/>
+      </p:par>
+    </p:tnLst>
+  </p:timing>
 </p:sld>
 </file>
 
@@ -12095,42 +12662,56 @@
       </p:grpSpPr>
       <p:sp>
         <p:nvSpPr>
-          <p:cNvPr id="6" name="TextBox 5">
-            <a:extLst>
-              <a:ext uri="{FF2B5EF4-FFF2-40B4-BE49-F238E27FC236}">
-                <a16:creationId xmlns:a16="http://schemas.microsoft.com/office/drawing/2014/main" id="{4F5F6214-4ED6-440C-8488-40370266643C}"/>
-              </a:ext>
-            </a:extLst>
-          </p:cNvPr>
-          <p:cNvSpPr txBox="1"/>
+          <p:cNvPr id="6" name="TextBox 5"/>
+          <p:cNvSpPr txBox="1">
+            <a:spLocks/>
+          </p:cNvSpPr>
           <p:nvPr/>
         </p:nvSpPr>
         <p:spPr>
-          <a:xfrm>
+          <a:xfrm rot="0">
             <a:off x="482600" y="381000"/>
-            <a:ext cx="5880100" cy="769620"/>
+            <a:ext cx="4610735" cy="768985"/>
           </a:xfrm>
-          <a:prstGeom prst="rect">
-            <a:avLst/>
-          </a:prstGeom>
+          <a:prstGeom prst="rect"/>
           <a:noFill/>
         </p:spPr>
         <p:txBody>
-          <a:bodyPr wrap="square" rtlCol="0">
+          <a:bodyPr wrap="square" lIns="91440" tIns="45720" rIns="91440" bIns="45720" vert="horz" anchor="t">
             <a:spAutoFit/>
           </a:bodyPr>
           <a:lstStyle/>
           <a:p>
-            <a:r>
-              <a:rPr lang="ko-KR" altLang="en-US" sz="4400" dirty="0">
+            <a:pPr marL="0" indent="0" algn="l" fontAlgn="auto" defTabSz="457200" eaLnBrk="0" latinLnBrk="0">
+              <a:lnSpc>
+                <a:spcPct val="100000"/>
+              </a:lnSpc>
+              <a:spcBef>
+                <a:spcPts val="0"/>
+              </a:spcBef>
+              <a:spcAft>
+                <a:spcPts val="0"/>
+              </a:spcAft>
+              <a:buFontTx/>
+              <a:buNone/>
+            </a:pPr>
+            <a:r>
+              <a:rPr lang="en-US" altLang="ko-KR" sz="4400" cap="none" dirty="0" smtClean="0" b="0">
                 <a:solidFill>
-                  <a:schemeClr val="accent1">
-                    <a:lumMod val="75000"/>
-                  </a:schemeClr>
+                  <a:srgbClr val="E1930E"/>
                 </a:solidFill>
-              </a:rPr>
-              <a:t>기존게임과의 차별성</a:t>
-            </a:r>
+                <a:latin typeface="맑은 고딕" charset="0"/>
+                <a:ea typeface="맑은 고딕" charset="0"/>
+              </a:rPr>
+              <a:t>연구 목적</a:t>
+            </a:r>
+            <a:endParaRPr lang="ko-KR" altLang="en-US" sz="4400" cap="none" dirty="0" smtClean="0" b="0">
+              <a:solidFill>
+                <a:srgbClr val="E1930E"/>
+              </a:solidFill>
+              <a:latin typeface="맑은 고딕" charset="0"/>
+              <a:ea typeface="맑은 고딕" charset="0"/>
+            </a:endParaRPr>
           </a:p>
         </p:txBody>
       </p:sp>
@@ -12143,22 +12724,20 @@
           <p:nvPr/>
         </p:nvSpPr>
         <p:spPr>
-          <a:xfrm>
-            <a:off x="960120" y="2172970"/>
-            <a:ext cx="7138035" cy="3108543"/>
+          <a:xfrm rot="0">
+            <a:off x="1186815" y="1899285"/>
+            <a:ext cx="10020935" cy="3043555"/>
           </a:xfrm>
-          <a:prstGeom prst="rect">
-            <a:avLst/>
-          </a:prstGeom>
+          <a:prstGeom prst="rect"/>
           <a:noFill/>
         </p:spPr>
         <p:txBody>
-          <a:bodyPr vert="horz" wrap="square" lIns="91440" tIns="45720" rIns="91440" bIns="45720" numCol="1" anchor="t">
+          <a:bodyPr wrap="square" lIns="91440" tIns="45720" rIns="91440" bIns="45720" vert="horz" anchor="t">
             <a:spAutoFit/>
           </a:bodyPr>
           <a:lstStyle/>
           <a:p>
-            <a:pPr marL="0" indent="0" algn="l" defTabSz="457200" eaLnBrk="0" fontAlgn="auto" latinLnBrk="0">
+            <a:pPr marL="0" indent="0" algn="l" fontAlgn="auto" defTabSz="457200" eaLnBrk="0" latinLnBrk="0">
               <a:lnSpc>
                 <a:spcPct val="100000"/>
               </a:lnSpc>
@@ -12171,97 +12750,16 @@
               <a:buFontTx/>
               <a:buNone/>
             </a:pPr>
-            <a:r>
-              <a:rPr lang="en-US" altLang="ko-KR" sz="2800" b="0" cap="none" dirty="0">
-                <a:latin typeface="맑은 고딕" charset="0"/>
-                <a:ea typeface="맑은 고딕" charset="0"/>
-              </a:rPr>
-              <a:t>캐릭터의</a:t>
-            </a:r>
-            <a:r>
-              <a:rPr lang="en-US" altLang="ko-KR" sz="2800" b="0" cap="none" dirty="0">
-                <a:latin typeface="Century Gothic" charset="0"/>
-                <a:ea typeface="Century Gothic" charset="0"/>
-              </a:rPr>
-              <a:t> </a:t>
-            </a:r>
-            <a:r>
-              <a:rPr lang="en-US" altLang="ko-KR" sz="2800" b="0" cap="none" dirty="0">
-                <a:latin typeface="맑은 고딕" charset="0"/>
-                <a:ea typeface="맑은 고딕" charset="0"/>
-              </a:rPr>
-              <a:t>특징을</a:t>
-            </a:r>
-            <a:r>
-              <a:rPr lang="en-US" altLang="ko-KR" sz="2800" b="0" cap="none" dirty="0">
-                <a:latin typeface="Century Gothic" charset="0"/>
-                <a:ea typeface="Century Gothic" charset="0"/>
-              </a:rPr>
-              <a:t> </a:t>
-            </a:r>
-            <a:r>
-              <a:rPr lang="en-US" altLang="ko-KR" sz="2800" b="0" cap="none" dirty="0">
-                <a:latin typeface="맑은 고딕" charset="0"/>
-                <a:ea typeface="맑은 고딕" charset="0"/>
-              </a:rPr>
-              <a:t>살리기</a:t>
-            </a:r>
-            <a:r>
-              <a:rPr lang="en-US" altLang="ko-KR" sz="2800" b="0" cap="none" dirty="0">
-                <a:latin typeface="Century Gothic" charset="0"/>
-                <a:ea typeface="Century Gothic" charset="0"/>
-              </a:rPr>
-              <a:t> </a:t>
-            </a:r>
-            <a:r>
-              <a:rPr lang="en-US" altLang="ko-KR" sz="2800" b="0" cap="none" dirty="0">
-                <a:latin typeface="맑은 고딕" charset="0"/>
-                <a:ea typeface="맑은 고딕" charset="0"/>
-              </a:rPr>
-              <a:t>위한</a:t>
-            </a:r>
-            <a:r>
-              <a:rPr lang="en-US" altLang="ko-KR" sz="2800" b="0" cap="none" dirty="0">
-                <a:latin typeface="Century Gothic" charset="0"/>
-                <a:ea typeface="Century Gothic" charset="0"/>
-              </a:rPr>
-              <a:t> </a:t>
-            </a:r>
-            <a:r>
-              <a:rPr lang="en-US" altLang="ko-KR" sz="2800" b="0" cap="none" dirty="0">
-                <a:latin typeface="맑은 고딕" charset="0"/>
-                <a:ea typeface="맑은 고딕" charset="0"/>
-              </a:rPr>
-              <a:t>자석요소</a:t>
-            </a:r>
-            <a:r>
-              <a:rPr lang="en-US" altLang="ko-KR" sz="2800" b="0" cap="none" dirty="0">
-                <a:latin typeface="Century Gothic" charset="0"/>
-                <a:ea typeface="Century Gothic" charset="0"/>
-              </a:rPr>
-              <a:t> </a:t>
-            </a:r>
-            <a:r>
-              <a:rPr lang="en-US" altLang="ko-KR" sz="2800" b="0" cap="none" dirty="0">
-                <a:latin typeface="맑은 고딕" charset="0"/>
-                <a:ea typeface="맑은 고딕" charset="0"/>
-              </a:rPr>
-              <a:t>추가</a:t>
-            </a:r>
-            <a:r>
-              <a:rPr lang="en-US" altLang="ko-KR" sz="2800" b="0" cap="none" dirty="0">
-                <a:latin typeface="Century Gothic" charset="0"/>
-                <a:ea typeface="Century Gothic" charset="0"/>
-              </a:rPr>
-              <a:t>.</a:t>
-            </a:r>
-            <a:endParaRPr lang="ko-KR" altLang="en-US" sz="2800" b="0" cap="none" dirty="0">
-              <a:latin typeface="Century Gothic" charset="0"/>
-              <a:ea typeface="Century Gothic" charset="0"/>
+            <a:endParaRPr lang="ko-KR" altLang="en-US" sz="2400" cap="none" dirty="0" smtClean="0" b="0">
+              <a:solidFill>
+                <a:srgbClr val="FFFFFF"/>
+              </a:solidFill>
+              <a:latin typeface="맑은 고딕" charset="0"/>
+              <a:ea typeface="맑은 고딕" charset="0"/>
             </a:endParaRPr>
           </a:p>
           <a:p>
-            <a:pPr marL="0" indent="0" algn="l" defTabSz="457200" eaLnBrk="0" fontAlgn="auto" latinLnBrk="0">
+            <a:pPr marL="0" indent="0" algn="l" fontAlgn="auto" defTabSz="457200" eaLnBrk="0" latinLnBrk="0">
               <a:lnSpc>
                 <a:spcPct val="100000"/>
               </a:lnSpc>
@@ -12274,13 +12772,26 @@
               <a:buFontTx/>
               <a:buNone/>
             </a:pPr>
-            <a:endParaRPr lang="ko-KR" altLang="en-US" sz="2800" b="0" cap="none" dirty="0">
-              <a:latin typeface="Century Gothic" charset="0"/>
-              <a:ea typeface="Century Gothic" charset="0"/>
+            <a:r>
+              <a:rPr lang="en-US" altLang="ko-KR" sz="2400" cap="none" dirty="0" smtClean="0" b="0">
+                <a:solidFill>
+                  <a:srgbClr val="FFFFFF"/>
+                </a:solidFill>
+                <a:latin typeface="맑은 고딕" charset="0"/>
+                <a:ea typeface="맑은 고딕" charset="0"/>
+              </a:rPr>
+              <a:t>큰 사회적 이슈가 되었던 최순실 게이트 사건을 풍자하여 </a:t>
+            </a:r>
+            <a:endParaRPr lang="ko-KR" altLang="en-US" sz="2400" cap="none" dirty="0" smtClean="0" b="0">
+              <a:solidFill>
+                <a:srgbClr val="FFFFFF"/>
+              </a:solidFill>
+              <a:latin typeface="맑은 고딕" charset="0"/>
+              <a:ea typeface="맑은 고딕" charset="0"/>
             </a:endParaRPr>
           </a:p>
           <a:p>
-            <a:pPr marL="0" indent="0" algn="l" defTabSz="457200" eaLnBrk="0" fontAlgn="auto" latinLnBrk="0">
+            <a:pPr marL="0" indent="0" algn="l" fontAlgn="auto" defTabSz="457200" eaLnBrk="0" latinLnBrk="0">
               <a:lnSpc>
                 <a:spcPct val="100000"/>
               </a:lnSpc>
@@ -12293,48 +12804,16 @@
               <a:buFontTx/>
               <a:buNone/>
             </a:pPr>
-            <a:r>
-              <a:rPr lang="en-US" altLang="ko-KR" sz="2800" b="0" cap="none" dirty="0">
-                <a:latin typeface="맑은 고딕" charset="0"/>
-                <a:ea typeface="맑은 고딕" charset="0"/>
-              </a:rPr>
-              <a:t>전자석이라는</a:t>
-            </a:r>
-            <a:r>
-              <a:rPr lang="en-US" altLang="ko-KR" sz="2800" b="0" cap="none" dirty="0">
-                <a:latin typeface="Century Gothic" charset="0"/>
-                <a:ea typeface="Century Gothic" charset="0"/>
-              </a:rPr>
-              <a:t> </a:t>
-            </a:r>
-            <a:r>
-              <a:rPr lang="en-US" altLang="ko-KR" sz="2800" b="0" cap="none" dirty="0" err="1">
-                <a:latin typeface="맑은 고딕" charset="0"/>
-                <a:ea typeface="맑은 고딕" charset="0"/>
-              </a:rPr>
-              <a:t>요소를</a:t>
-            </a:r>
-            <a:r>
-              <a:rPr lang="en-US" altLang="ko-KR" sz="2800" b="0" cap="none" dirty="0">
-                <a:latin typeface="Century Gothic" charset="0"/>
-                <a:ea typeface="Century Gothic" charset="0"/>
-              </a:rPr>
-              <a:t> </a:t>
-            </a:r>
-            <a:r>
-              <a:rPr lang="en-US" altLang="ko-KR" sz="2800" b="0" cap="none" dirty="0" err="1">
-                <a:latin typeface="맑은 고딕" charset="0"/>
-                <a:ea typeface="맑은 고딕" charset="0"/>
-              </a:rPr>
-              <a:t>도입</a:t>
-            </a:r>
-            <a:endParaRPr lang="en-US" altLang="ko-KR" sz="2800" b="0" cap="none" dirty="0">
+            <a:endParaRPr lang="ko-KR" altLang="en-US" sz="2400" cap="none" dirty="0" smtClean="0" b="0">
+              <a:solidFill>
+                <a:srgbClr val="FFFFFF"/>
+              </a:solidFill>
               <a:latin typeface="맑은 고딕" charset="0"/>
               <a:ea typeface="맑은 고딕" charset="0"/>
             </a:endParaRPr>
           </a:p>
           <a:p>
-            <a:pPr marL="0" indent="0" algn="l" defTabSz="457200" eaLnBrk="0" fontAlgn="auto" latinLnBrk="0">
+            <a:pPr marL="0" indent="0" algn="l" fontAlgn="auto" defTabSz="457200" eaLnBrk="0" latinLnBrk="0">
               <a:lnSpc>
                 <a:spcPct val="100000"/>
               </a:lnSpc>
@@ -12347,13 +12826,26 @@
               <a:buFontTx/>
               <a:buNone/>
             </a:pPr>
-            <a:endParaRPr lang="en-US" altLang="ko-KR" sz="2800" dirty="0">
+            <a:r>
+              <a:rPr lang="en-US" altLang="ko-KR" sz="2400" cap="none" dirty="0" smtClean="0" b="0">
+                <a:solidFill>
+                  <a:srgbClr val="FFFFFF"/>
+                </a:solidFill>
+                <a:latin typeface="맑은 고딕" charset="0"/>
+                <a:ea typeface="맑은 고딕" charset="0"/>
+              </a:rPr>
+              <a:t>게임의 설정에 적절히 넣는다면, 플레이어들에게 색다른 재미를 </a:t>
+            </a:r>
+            <a:endParaRPr lang="ko-KR" altLang="en-US" sz="2400" cap="none" dirty="0" smtClean="0" b="0">
+              <a:solidFill>
+                <a:srgbClr val="FFFFFF"/>
+              </a:solidFill>
               <a:latin typeface="맑은 고딕" charset="0"/>
               <a:ea typeface="맑은 고딕" charset="0"/>
             </a:endParaRPr>
           </a:p>
           <a:p>
-            <a:pPr marL="0" indent="0" algn="l" defTabSz="457200" eaLnBrk="0" fontAlgn="auto" latinLnBrk="0">
+            <a:pPr marL="0" indent="0" algn="l" fontAlgn="auto" defTabSz="457200" eaLnBrk="0" latinLnBrk="0">
               <a:lnSpc>
                 <a:spcPct val="100000"/>
               </a:lnSpc>
@@ -12366,13 +12858,26 @@
               <a:buFontTx/>
               <a:buNone/>
             </a:pPr>
-            <a:endParaRPr lang="ko-KR" altLang="en-US" sz="2800" b="0" cap="none" dirty="0">
+            <a:r>
+              <a:rPr lang="en-US" altLang="ko-KR" sz="2400" cap="none" dirty="0" smtClean="0" b="0">
+                <a:solidFill>
+                  <a:srgbClr val="FFFFFF"/>
+                </a:solidFill>
+                <a:latin typeface="맑은 고딕" charset="0"/>
+                <a:ea typeface="맑은 고딕" charset="0"/>
+              </a:rPr>
+              <a:t>줄 수 있다고 생각하였다.</a:t>
+            </a:r>
+            <a:endParaRPr lang="ko-KR" altLang="en-US" sz="2400" cap="none" dirty="0" smtClean="0" b="0">
+              <a:solidFill>
+                <a:srgbClr val="FFFFFF"/>
+              </a:solidFill>
               <a:latin typeface="맑은 고딕" charset="0"/>
               <a:ea typeface="맑은 고딕" charset="0"/>
             </a:endParaRPr>
           </a:p>
           <a:p>
-            <a:pPr marL="0" indent="0" algn="l" defTabSz="457200" eaLnBrk="0" fontAlgn="auto" latinLnBrk="0">
+            <a:pPr marL="0" indent="0" algn="l" fontAlgn="auto" defTabSz="457200" eaLnBrk="0" latinLnBrk="0">
               <a:lnSpc>
                 <a:spcPct val="100000"/>
               </a:lnSpc>
@@ -12385,13 +12890,16 @@
               <a:buFontTx/>
               <a:buNone/>
             </a:pPr>
-            <a:endParaRPr lang="en-US" altLang="ko-KR" sz="2800" b="0" cap="none" dirty="0">
-              <a:latin typeface="Century Gothic" charset="0"/>
-              <a:ea typeface="Century Gothic" charset="0"/>
+            <a:endParaRPr lang="ko-KR" altLang="en-US" sz="2400" cap="none" dirty="0" smtClean="0" b="0">
+              <a:solidFill>
+                <a:srgbClr val="FFFFFF"/>
+              </a:solidFill>
+              <a:latin typeface="맑은 고딕" charset="0"/>
+              <a:ea typeface="맑은 고딕" charset="0"/>
             </a:endParaRPr>
           </a:p>
           <a:p>
-            <a:pPr marL="0" indent="0" algn="l" defTabSz="457200" eaLnBrk="0" fontAlgn="auto" latinLnBrk="0">
+            <a:pPr marL="0" indent="0" algn="l" fontAlgn="auto" defTabSz="457200" eaLnBrk="0" latinLnBrk="0">
               <a:lnSpc>
                 <a:spcPct val="100000"/>
               </a:lnSpc>
@@ -12404,28 +12912,51 @@
               <a:buFontTx/>
               <a:buNone/>
             </a:pPr>
-            <a:endParaRPr lang="ko-KR" altLang="en-US" sz="2800" b="0" cap="none" dirty="0">
-              <a:latin typeface="Century Gothic" charset="0"/>
-              <a:ea typeface="Century Gothic" charset="0"/>
+            <a:r>
+              <a:rPr lang="en-US" altLang="ko-KR" sz="2400" cap="none" dirty="0" smtClean="0" b="0">
+                <a:solidFill>
+                  <a:srgbClr val="FFFFFF"/>
+                </a:solidFill>
+                <a:latin typeface="맑은 고딕" charset="0"/>
+                <a:ea typeface="맑은 고딕" charset="0"/>
+              </a:rPr>
+              <a:t>또한, 즐겁게 개발을 할 수 있다면 분명 재밌는 게임이 나올 것이라는 확신이 있기에 이 게임을 개발하려고 한다.</a:t>
+            </a:r>
+            <a:endParaRPr lang="ko-KR" altLang="en-US" sz="2400" cap="none" dirty="0" smtClean="0" b="0">
+              <a:solidFill>
+                <a:srgbClr val="FFFFFF"/>
+              </a:solidFill>
+              <a:latin typeface="맑은 고딕" charset="0"/>
+              <a:ea typeface="맑은 고딕" charset="0"/>
             </a:endParaRPr>
           </a:p>
         </p:txBody>
       </p:sp>
     </p:spTree>
-    <p:extLst>
-      <p:ext uri="{BB962C8B-B14F-4D97-AF65-F5344CB8AC3E}">
-        <p14:creationId xmlns:p14="http://schemas.microsoft.com/office/powerpoint/2010/main" val="1647177349"/>
-      </p:ext>
-    </p:extLst>
   </p:cSld>
   <p:clrMapOvr>
     <a:masterClrMapping/>
   </p:clrMapOvr>
+  <mc:AlternateContent xmlns:mc="http://schemas.openxmlformats.org/markup-compatibility/2006">
+    <mc:Choice xmlns:p14="http://schemas.microsoft.com/office/powerpoint/2010/main" Requires="p14">
+      <p:transition spd="slow" p14:dur="2000"/>
+    </mc:Choice>
+    <mc:Fallback>
+      <p:transition spd="slow"/>
+    </mc:Fallback>
+  </mc:AlternateContent>
+  <p:timing>
+    <p:tnLst>
+      <p:par>
+        <p:cTn id="1" dur="indefinite" restart="never" nodeType="tmRoot"/>
+      </p:par>
+    </p:tnLst>
+  </p:timing>
 </p:sld>
 </file>
 
 <file path=ppt/slides/slide5.xml><?xml version="1.0" encoding="utf-8"?>
-<p:sld xmlns:a="http://schemas.openxmlformats.org/drawingml/2006/main" xmlns:r="http://schemas.openxmlformats.org/officeDocument/2006/relationships" xmlns:p="http://schemas.openxmlformats.org/presentationml/2006/main">
+<p:sld xmlns:a="http://schemas.openxmlformats.org/drawingml/2006/main" xmlns:r="http://schemas.openxmlformats.org/officeDocument/2006/relationships" xmlns:p="http://schemas.openxmlformats.org/presentationml/2006/main" xmlns:p14="http://schemas.microsoft.com/office/powerpoint/2010/main">
   <p:cSld>
     <p:spTree>
       <p:nvGrpSpPr>
@@ -12456,7 +12987,7 @@
         <p:spPr>
           <a:xfrm>
             <a:off x="482600" y="381000"/>
-            <a:ext cx="4610100" cy="769441"/>
+            <a:ext cx="5880735" cy="768985"/>
           </a:xfrm>
           <a:prstGeom prst="rect">
             <a:avLst/>
@@ -12464,143 +12995,330 @@
           <a:noFill/>
         </p:spPr>
         <p:txBody>
-          <a:bodyPr wrap="square" rtlCol="0">
+          <a:bodyPr wrap="square" lIns="91440" tIns="45720" rIns="91440" bIns="45720" numCol="1" vert="horz" anchor="t">
             <a:spAutoFit/>
           </a:bodyPr>
           <a:lstStyle/>
           <a:p>
-            <a:r>
-              <a:rPr lang="ko-KR" altLang="en-US" sz="4400" dirty="0">
+            <a:pPr marL="0" indent="0" algn="l" fontAlgn="auto" defTabSz="457200" eaLnBrk="0" latinLnBrk="0">
+              <a:lnSpc>
+                <a:spcPct val="100000"/>
+              </a:lnSpc>
+              <a:spcBef>
+                <a:spcPts val="0"/>
+              </a:spcBef>
+              <a:spcAft>
+                <a:spcPts val="0"/>
+              </a:spcAft>
+              <a:buFontTx/>
+              <a:buNone/>
+            </a:pPr>
+            <a:r>
+              <a:rPr lang="en-US" altLang="ko-KR" sz="4400" cap="none" dirty="0" smtClean="0" b="0">
                 <a:solidFill>
                   <a:schemeClr val="accent1">
                     <a:lumMod val="75000"/>
                   </a:schemeClr>
                 </a:solidFill>
-              </a:rPr>
-              <a:t>게임소개</a:t>
-            </a:r>
-          </a:p>
-        </p:txBody>
-      </p:sp>
-      <p:sp>
-        <p:nvSpPr>
-          <p:cNvPr id="7" name="TextBox 6">
-            <a:extLst>
-              <a:ext uri="{FF2B5EF4-FFF2-40B4-BE49-F238E27FC236}">
-                <a16:creationId xmlns:a16="http://schemas.microsoft.com/office/drawing/2014/main" id="{9FAFA7CE-C7C5-4420-ACBD-A8440538B18F}"/>
-              </a:ext>
-            </a:extLst>
-          </p:cNvPr>
-          <p:cNvSpPr txBox="1"/>
+                <a:latin typeface="맑은 고딕" charset="0"/>
+                <a:ea typeface="맑은 고딕" charset="0"/>
+              </a:rPr>
+              <a:t> 재미 요소</a:t>
+            </a:r>
+            <a:endParaRPr lang="ko-KR" altLang="en-US" sz="4400" cap="none" dirty="0" smtClean="0" b="0">
+              <a:solidFill>
+                <a:schemeClr val="accent1">
+                  <a:lumMod val="75000"/>
+                </a:schemeClr>
+              </a:solidFill>
+              <a:latin typeface="맑은 고딕" charset="0"/>
+              <a:ea typeface="맑은 고딕" charset="0"/>
+            </a:endParaRPr>
+          </a:p>
+        </p:txBody>
+      </p:sp>
+      <p:sp>
+        <p:nvSpPr>
+          <p:cNvPr id="2" name="TextBox 1"/>
+          <p:cNvSpPr txBox="1">
+            <a:spLocks/>
+          </p:cNvSpPr>
           <p:nvPr/>
         </p:nvSpPr>
         <p:spPr>
-          <a:xfrm>
-            <a:off x="715536" y="1443841"/>
-            <a:ext cx="10760927" cy="3970318"/>
+          <a:xfrm rot="0">
+            <a:off x="960120" y="2172970"/>
+            <a:ext cx="9895840" cy="3966845"/>
           </a:xfrm>
-          <a:prstGeom prst="rect">
-            <a:avLst/>
-          </a:prstGeom>
+          <a:prstGeom prst="rect"/>
           <a:noFill/>
         </p:spPr>
         <p:txBody>
-          <a:bodyPr wrap="square" rtlCol="0">
+          <a:bodyPr wrap="square" lIns="91440" tIns="45720" rIns="91440" bIns="45720" numCol="1" vert="horz" anchor="t">
             <a:spAutoFit/>
           </a:bodyPr>
           <a:lstStyle/>
           <a:p>
-            <a:r>
-              <a:rPr lang="ko-KR" altLang="en-US" sz="2800" dirty="0"/>
-              <a:t>게임장르 </a:t>
-            </a:r>
-            <a:r>
-              <a:rPr lang="en-US" altLang="ko-KR" sz="2800" dirty="0"/>
-              <a:t>– </a:t>
-            </a:r>
-            <a:r>
-              <a:rPr lang="ko-KR" altLang="en-US" sz="2800" dirty="0"/>
-              <a:t>어드벤처 퍼즐</a:t>
-            </a:r>
-            <a:r>
-              <a:rPr lang="en-US" altLang="ko-KR" sz="2800" dirty="0"/>
-              <a:t>, CO-OP</a:t>
-            </a:r>
-          </a:p>
-          <a:p>
-            <a:endParaRPr lang="en-US" altLang="ko-KR" sz="2800" dirty="0"/>
-          </a:p>
-          <a:p>
-            <a:r>
-              <a:rPr lang="ko-KR" altLang="en-US" sz="2800" dirty="0"/>
-              <a:t>시점  </a:t>
-            </a:r>
-            <a:r>
-              <a:rPr lang="en-US" altLang="ko-KR" sz="2800" dirty="0"/>
-              <a:t>–  3</a:t>
-            </a:r>
-            <a:r>
-              <a:rPr lang="ko-KR" altLang="en-US" sz="2800" dirty="0"/>
-              <a:t>인칭 시점</a:t>
-            </a:r>
-            <a:endParaRPr lang="en-US" altLang="ko-KR" sz="2800" dirty="0"/>
-          </a:p>
-          <a:p>
-            <a:endParaRPr lang="en-US" altLang="ko-KR" sz="2800" dirty="0"/>
-          </a:p>
-          <a:p>
-            <a:r>
-              <a:rPr lang="ko-KR" altLang="en-US" sz="2800" dirty="0"/>
-              <a:t>맵 구성 </a:t>
-            </a:r>
-            <a:r>
-              <a:rPr lang="en-US" altLang="ko-KR" sz="2800" dirty="0"/>
-              <a:t>– </a:t>
-            </a:r>
-          </a:p>
-          <a:p>
-            <a:endParaRPr lang="en-US" altLang="ko-KR" sz="2800" dirty="0"/>
-          </a:p>
-          <a:p>
-            <a:r>
-              <a:rPr lang="ko-KR" altLang="en-US" sz="2800" dirty="0"/>
-              <a:t>맵 크기 </a:t>
-            </a:r>
-            <a:r>
-              <a:rPr lang="en-US" altLang="ko-KR" sz="2800" dirty="0"/>
-              <a:t>– </a:t>
-            </a:r>
-          </a:p>
-          <a:p>
-            <a:br>
-              <a:rPr lang="en-US" altLang="ko-KR" sz="2800" dirty="0"/>
-            </a:br>
-            <a:r>
-              <a:rPr lang="ko-KR" altLang="en-US" sz="2800" dirty="0"/>
-              <a:t>캐릭터 크기 </a:t>
-            </a:r>
-            <a:r>
-              <a:rPr lang="en-US" altLang="ko-KR" sz="2800" dirty="0"/>
-              <a:t>– </a:t>
-            </a:r>
+            <a:pPr marL="254000" indent="-254000" algn="l" fontAlgn="auto" defTabSz="457200" eaLnBrk="0" latinLnBrk="0">
+              <a:lnSpc>
+                <a:spcPct val="100000"/>
+              </a:lnSpc>
+              <a:spcBef>
+                <a:spcPts val="0"/>
+              </a:spcBef>
+              <a:spcAft>
+                <a:spcPts val="0"/>
+              </a:spcAft>
+              <a:buFont typeface="Wingdings"/>
+              <a:buChar char="v"/>
+            </a:pPr>
+            <a:r>
+              <a:rPr lang="en-US" altLang="ko-KR" sz="2800" cap="none" dirty="0" smtClean="0" b="0">
+                <a:latin typeface="맑은 고딕" charset="0"/>
+                <a:ea typeface="맑은 고딕" charset="0"/>
+              </a:rPr>
+              <a:t> 두 명의 멀티 플레이어가 협동하여 퍼즐을 해결.</a:t>
+            </a:r>
+            <a:endParaRPr lang="ko-KR" altLang="en-US" sz="2800" cap="none" dirty="0" smtClean="0" b="0">
+              <a:latin typeface="맑은 고딕" charset="0"/>
+              <a:ea typeface="맑은 고딕" charset="0"/>
+            </a:endParaRPr>
+          </a:p>
+          <a:p>
+            <a:pPr marL="254000" indent="-254000" algn="l" fontAlgn="auto" defTabSz="457200" eaLnBrk="0" latinLnBrk="0">
+              <a:lnSpc>
+                <a:spcPct val="100000"/>
+              </a:lnSpc>
+              <a:spcBef>
+                <a:spcPts val="0"/>
+              </a:spcBef>
+              <a:spcAft>
+                <a:spcPts val="0"/>
+              </a:spcAft>
+              <a:buFont typeface="Wingdings"/>
+              <a:buChar char="v"/>
+            </a:pPr>
+            <a:endParaRPr lang="ko-KR" altLang="en-US" sz="2800" cap="none" dirty="0" smtClean="0" b="0">
+              <a:latin typeface="맑은 고딕" charset="0"/>
+              <a:ea typeface="맑은 고딕" charset="0"/>
+            </a:endParaRPr>
+          </a:p>
+          <a:p>
+            <a:pPr marL="254000" indent="-254000" algn="l" fontAlgn="auto" defTabSz="457200" eaLnBrk="0" latinLnBrk="0">
+              <a:lnSpc>
+                <a:spcPct val="100000"/>
+              </a:lnSpc>
+              <a:spcBef>
+                <a:spcPts val="0"/>
+              </a:spcBef>
+              <a:spcAft>
+                <a:spcPts val="0"/>
+              </a:spcAft>
+              <a:buFont typeface="Wingdings"/>
+              <a:buChar char="v"/>
+            </a:pPr>
+            <a:r>
+              <a:rPr lang="en-US" altLang="ko-KR" sz="2800" cap="none" dirty="0" smtClean="0" b="0">
+                <a:latin typeface="맑은 고딕" charset="0"/>
+                <a:ea typeface="맑은 고딕" charset="0"/>
+              </a:rPr>
+              <a:t> 두 명의 플레이어에게 “503”과 “순시리” 라는 이름을 부여하여 한편의 희극을 보는 듯한 대화가 UI를 통해 오감.</a:t>
+            </a:r>
+            <a:endParaRPr lang="ko-KR" altLang="en-US" sz="2800" cap="none" dirty="0" smtClean="0" b="0">
+              <a:latin typeface="맑은 고딕" charset="0"/>
+              <a:ea typeface="맑은 고딕" charset="0"/>
+            </a:endParaRPr>
+          </a:p>
+          <a:p>
+            <a:pPr marL="254000" indent="-254000" algn="l" fontAlgn="auto" defTabSz="457200" eaLnBrk="0" latinLnBrk="0">
+              <a:lnSpc>
+                <a:spcPct val="100000"/>
+              </a:lnSpc>
+              <a:spcBef>
+                <a:spcPts val="0"/>
+              </a:spcBef>
+              <a:spcAft>
+                <a:spcPts val="0"/>
+              </a:spcAft>
+              <a:buFont typeface="Wingdings"/>
+              <a:buChar char="v"/>
+            </a:pPr>
+            <a:endParaRPr lang="ko-KR" altLang="en-US" sz="2800" cap="none" dirty="0" smtClean="0" b="0">
+              <a:latin typeface="맑은 고딕" charset="0"/>
+              <a:ea typeface="맑은 고딕" charset="0"/>
+            </a:endParaRPr>
+          </a:p>
+          <a:p>
+            <a:pPr marL="254000" indent="-254000" algn="l" fontAlgn="auto" defTabSz="457200" eaLnBrk="0" latinLnBrk="0">
+              <a:lnSpc>
+                <a:spcPct val="100000"/>
+              </a:lnSpc>
+              <a:spcBef>
+                <a:spcPts val="0"/>
+              </a:spcBef>
+              <a:spcAft>
+                <a:spcPts val="0"/>
+              </a:spcAft>
+              <a:buFont typeface="Wingdings"/>
+              <a:buChar char="v"/>
+            </a:pPr>
+            <a:r>
+              <a:rPr lang="en-US" altLang="ko-KR" sz="2800" cap="none" dirty="0" smtClean="0" b="0">
+                <a:latin typeface="맑은 고딕" charset="0"/>
+                <a:ea typeface="맑은 고딕" charset="0"/>
+              </a:rPr>
+              <a:t> 퍼즐의 난이도가 “문고리 3인방” 과 같이 점점 올라감.</a:t>
+            </a:r>
+            <a:endParaRPr lang="ko-KR" altLang="en-US" sz="2800" cap="none" dirty="0" smtClean="0" b="0">
+              <a:latin typeface="맑은 고딕" charset="0"/>
+              <a:ea typeface="맑은 고딕" charset="0"/>
+            </a:endParaRPr>
+          </a:p>
+          <a:p>
+            <a:pPr marL="0" indent="0" algn="l" fontAlgn="auto" defTabSz="457200" eaLnBrk="0" latinLnBrk="0">
+              <a:lnSpc>
+                <a:spcPct val="100000"/>
+              </a:lnSpc>
+              <a:spcBef>
+                <a:spcPts val="0"/>
+              </a:spcBef>
+              <a:spcAft>
+                <a:spcPts val="0"/>
+              </a:spcAft>
+              <a:buFontTx/>
+              <a:buNone/>
+            </a:pPr>
+            <a:endParaRPr lang="ko-KR" altLang="en-US" sz="2800" cap="none" dirty="0" smtClean="0" b="0">
+              <a:latin typeface="맑은 고딕" charset="0"/>
+              <a:ea typeface="맑은 고딕" charset="0"/>
+            </a:endParaRPr>
+          </a:p>
+          <a:p>
+            <a:pPr marL="254000" indent="-254000" algn="l" fontAlgn="auto" defTabSz="457200" eaLnBrk="0" latinLnBrk="0">
+              <a:lnSpc>
+                <a:spcPct val="100000"/>
+              </a:lnSpc>
+              <a:spcBef>
+                <a:spcPts val="0"/>
+              </a:spcBef>
+              <a:spcAft>
+                <a:spcPts val="0"/>
+              </a:spcAft>
+              <a:buFont typeface="Wingdings"/>
+              <a:buChar char="v"/>
+            </a:pPr>
+            <a:r>
+              <a:rPr lang="en-US" altLang="ko-KR" sz="2800" cap="none" dirty="0" smtClean="0" b="0">
+                <a:latin typeface="맑은 고딕" charset="0"/>
+                <a:ea typeface="맑은 고딕" charset="0"/>
+              </a:rPr>
+              <a:t> 캐릭터의</a:t>
+            </a:r>
+            <a:r>
+              <a:rPr lang="en-US" altLang="ko-KR" sz="2800" cap="none" dirty="0" smtClean="0" b="0">
+                <a:latin typeface="Century Gothic" charset="0"/>
+                <a:ea typeface="Century Gothic" charset="0"/>
+              </a:rPr>
+              <a:t> </a:t>
+            </a:r>
+            <a:r>
+              <a:rPr lang="en-US" altLang="ko-KR" sz="2800" cap="none" dirty="0" smtClean="0" b="0">
+                <a:latin typeface="맑은 고딕" charset="0"/>
+                <a:ea typeface="맑은 고딕" charset="0"/>
+              </a:rPr>
+              <a:t>특징을</a:t>
+            </a:r>
+            <a:r>
+              <a:rPr lang="en-US" altLang="ko-KR" sz="2800" cap="none" dirty="0" smtClean="0" b="0">
+                <a:latin typeface="Century Gothic" charset="0"/>
+                <a:ea typeface="Century Gothic" charset="0"/>
+              </a:rPr>
+              <a:t> </a:t>
+            </a:r>
+            <a:r>
+              <a:rPr lang="en-US" altLang="ko-KR" sz="2800" cap="none" dirty="0" smtClean="0" b="0">
+                <a:latin typeface="맑은 고딕" charset="0"/>
+                <a:ea typeface="맑은 고딕" charset="0"/>
+              </a:rPr>
+              <a:t>살리기</a:t>
+            </a:r>
+            <a:r>
+              <a:rPr lang="en-US" altLang="ko-KR" sz="2800" cap="none" dirty="0" smtClean="0" b="0">
+                <a:latin typeface="Century Gothic" charset="0"/>
+                <a:ea typeface="Century Gothic" charset="0"/>
+              </a:rPr>
+              <a:t> </a:t>
+            </a:r>
+            <a:r>
+              <a:rPr lang="en-US" altLang="ko-KR" sz="2800" cap="none" dirty="0" smtClean="0" b="0">
+                <a:latin typeface="맑은 고딕" charset="0"/>
+                <a:ea typeface="맑은 고딕" charset="0"/>
+              </a:rPr>
+              <a:t>위한 자석요소추가</a:t>
+            </a:r>
+            <a:r>
+              <a:rPr lang="en-US" altLang="ko-KR" sz="2800" cap="none" dirty="0" smtClean="0" b="0">
+                <a:latin typeface="Century Gothic" charset="0"/>
+                <a:ea typeface="Century Gothic" charset="0"/>
+              </a:rPr>
+              <a:t>.</a:t>
+            </a:r>
+            <a:endParaRPr lang="ko-KR" altLang="en-US" sz="2800" cap="none" dirty="0" smtClean="0" b="0">
+              <a:latin typeface="Century Gothic" charset="0"/>
+              <a:ea typeface="Century Gothic" charset="0"/>
+            </a:endParaRPr>
+          </a:p>
+          <a:p>
+            <a:pPr marL="0" indent="0" algn="l" fontAlgn="auto" defTabSz="457200" eaLnBrk="0" latinLnBrk="0">
+              <a:lnSpc>
+                <a:spcPct val="100000"/>
+              </a:lnSpc>
+              <a:spcBef>
+                <a:spcPts val="0"/>
+              </a:spcBef>
+              <a:spcAft>
+                <a:spcPts val="0"/>
+              </a:spcAft>
+              <a:buFontTx/>
+              <a:buNone/>
+            </a:pPr>
+            <a:endParaRPr lang="ko-KR" altLang="en-US" sz="2800" cap="none" dirty="0" smtClean="0" b="0">
+              <a:latin typeface="Century Gothic" charset="0"/>
+              <a:ea typeface="Century Gothic" charset="0"/>
+            </a:endParaRPr>
           </a:p>
         </p:txBody>
       </p:sp>
     </p:spTree>
     <p:extLst>
       <p:ext uri="{BB962C8B-B14F-4D97-AF65-F5344CB8AC3E}">
-        <p14:creationId xmlns:p14="http://schemas.microsoft.com/office/powerpoint/2010/main" val="4172613643"/>
+        <p14:creationId xmlns:p14="http://schemas.microsoft.com/office/powerpoint/2010/main" val="1647177349"/>
       </p:ext>
     </p:extLst>
   </p:cSld>
   <p:clrMapOvr>
     <a:masterClrMapping/>
   </p:clrMapOvr>
+  <mc:AlternateContent xmlns:mc="http://schemas.openxmlformats.org/markup-compatibility/2006">
+    <mc:Choice xmlns:p14="http://schemas.microsoft.com/office/powerpoint/2010/main" Requires="p14">
+      <p:transition spd="slow" p14:dur="2000"/>
+    </mc:Choice>
+    <mc:Fallback>
+      <p:transition spd="slow"/>
+    </mc:Fallback>
+  </mc:AlternateContent>
+  <p:timing>
+    <p:tnLst>
+      <p:par>
+        <p:cTn id="1" dur="indefinite" restart="never" nodeType="tmRoot"/>
+      </p:par>
+    </p:tnLst>
+  </p:timing>
 </p:sld>
 </file>
 
 <file path=ppt/slides/slide6.xml><?xml version="1.0" encoding="utf-8"?>
-<p:sld xmlns:a="http://schemas.openxmlformats.org/drawingml/2006/main" xmlns:r="http://schemas.openxmlformats.org/officeDocument/2006/relationships" xmlns:p="http://schemas.openxmlformats.org/presentationml/2006/main">
+<p:sld xmlns:a="http://schemas.openxmlformats.org/drawingml/2006/main" xmlns:r="http://schemas.openxmlformats.org/officeDocument/2006/relationships" xmlns:p="http://schemas.openxmlformats.org/presentationml/2006/main" xmlns:p14="http://schemas.microsoft.com/office/powerpoint/2010/main">
   <p:cSld>
     <p:spTree>
       <p:nvGrpSpPr>
@@ -12652,175 +13370,40 @@
                   </a:schemeClr>
                 </a:solidFill>
               </a:rPr>
-              <a:t>조작방법</a:t>
-            </a:r>
-          </a:p>
-        </p:txBody>
-      </p:sp>
-      <p:pic>
-        <p:nvPicPr>
-          <p:cNvPr id="1026" name="Picture 2">
+              <a:t>게임소개</a:t>
+            </a:r>
+          </a:p>
+        </p:txBody>
+      </p:sp>
+      <p:sp>
+        <p:nvSpPr>
+          <p:cNvPr id="7" name="TextBox 6">
             <a:extLst>
               <a:ext uri="{FF2B5EF4-FFF2-40B4-BE49-F238E27FC236}">
-                <a16:creationId xmlns:a16="http://schemas.microsoft.com/office/drawing/2014/main" id="{805EE7AA-D1F4-47C0-B634-1918D02D1E2C}"/>
+                <a16:creationId xmlns:a16="http://schemas.microsoft.com/office/drawing/2014/main" id="{9FAFA7CE-C7C5-4420-ACBD-A8440538B18F}"/>
               </a:ext>
             </a:extLst>
           </p:cNvPr>
-          <p:cNvPicPr>
-            <a:picLocks noChangeAspect="1" noChangeArrowheads="1"/>
-          </p:cNvPicPr>
+          <p:cNvSpPr txBox="1"/>
           <p:nvPr/>
-        </p:nvPicPr>
-        <p:blipFill>
-          <a:blip r:embed="rId2">
-            <a:extLst>
-              <a:ext uri="{BEBA8EAE-BF5A-486C-A8C5-ECC9F3942E4B}">
-                <a14:imgProps xmlns:a14="http://schemas.microsoft.com/office/drawing/2010/main">
-                  <a14:imgLayer r:embed="rId3">
-                    <a14:imgEffect>
-                      <a14:backgroundRemoval t="10000" b="90000" l="10000" r="90000">
-                        <a14:backgroundMark x1="16352" y1="5660" x2="26415" y2="5660"/>
-                        <a14:backgroundMark x1="30189" y1="5031" x2="41824" y2="32075"/>
-                        <a14:backgroundMark x1="37421" y1="79245" x2="55975" y2="79245"/>
-                      </a14:backgroundRemoval>
-                    </a14:imgEffect>
-                  </a14:imgLayer>
-                </a14:imgProps>
-              </a:ext>
-              <a:ext uri="{28A0092B-C50C-407E-A947-70E740481C1C}">
-                <a14:useLocalDpi xmlns:a14="http://schemas.microsoft.com/office/drawing/2010/main" val="0"/>
-              </a:ext>
-            </a:extLst>
-          </a:blip>
-          <a:srcRect/>
-          <a:stretch>
-            <a:fillRect/>
-          </a:stretch>
-        </p:blipFill>
-        <p:spPr bwMode="auto">
-          <a:xfrm>
-            <a:off x="358775" y="1905000"/>
-            <a:ext cx="6096000" cy="3048000"/>
-          </a:xfrm>
-          <a:prstGeom prst="rect">
-            <a:avLst/>
-          </a:prstGeom>
-          <a:noFill/>
-          <a:extLst>
-            <a:ext uri="{909E8E84-426E-40DD-AFC4-6F175D3DCCD1}">
-              <a14:hiddenFill xmlns:a14="http://schemas.microsoft.com/office/drawing/2010/main">
-                <a:solidFill>
-                  <a:srgbClr val="FFFFFF"/>
-                </a:solidFill>
-              </a14:hiddenFill>
-            </a:ext>
-          </a:extLst>
-        </p:spPr>
-      </p:pic>
-      <p:pic>
-        <p:nvPicPr>
-          <p:cNvPr id="4" name="그림 3" descr="C:/Users/yang/AppData/Roaming/PolarisOffice/ETemp/1400_16054944/image3.jpg"/>
-          <p:cNvPicPr>
-            <a:picLocks noChangeAspect="1"/>
-          </p:cNvPicPr>
-          <p:nvPr/>
-        </p:nvPicPr>
-        <p:blipFill rotWithShape="1">
-          <a:blip r:embed="rId4">
-            <a:extLst>
-              <a:ext uri="{28A0092B-C50C-407E-A947-70E740481C1C}">
-                <a14:useLocalDpi xmlns:a14="http://schemas.microsoft.com/office/drawing/2010/main" val="0"/>
-              </a:ext>
-            </a:extLst>
-          </a:blip>
-          <a:srcRect l="889" t="31746" r="34917" b="18571"/>
-          <a:stretch>
-            <a:fillRect/>
-          </a:stretch>
-        </p:blipFill>
+        </p:nvSpPr>
         <p:spPr>
           <a:xfrm>
-            <a:off x="942975" y="2496185"/>
-            <a:ext cx="6909435" cy="2807970"/>
+            <a:off x="715645" y="1443990"/>
+            <a:ext cx="10761345" cy="4827905"/>
           </a:xfrm>
           <a:prstGeom prst="rect">
             <a:avLst/>
           </a:prstGeom>
           <a:noFill/>
         </p:spPr>
-      </p:pic>
-      <p:pic>
-        <p:nvPicPr>
-          <p:cNvPr id="1028" name="Picture 4" descr="C:/Users/yang/AppData/Roaming/PolarisOffice/ETemp/1400_16054944/image4.png"/>
-          <p:cNvPicPr>
-            <a:picLocks noChangeAspect="1"/>
-          </p:cNvPicPr>
-          <p:nvPr/>
-        </p:nvPicPr>
-        <p:blipFill rotWithShape="1">
-          <a:blip r:embed="rId5">
-            <a:extLst>
-              <a:ext uri="{28A0092B-C50C-407E-A947-70E740481C1C}">
-                <a14:useLocalDpi xmlns:a14="http://schemas.microsoft.com/office/drawing/2010/main" val="0"/>
-              </a:ext>
-            </a:extLst>
-          </a:blip>
-          <a:srcRect l="22620" t="23477" r="22882" b="21210"/>
-          <a:stretch>
-            <a:fillRect/>
-          </a:stretch>
-        </p:blipFill>
-        <p:spPr bwMode="auto">
-          <a:xfrm>
-            <a:off x="8651240" y="2496820"/>
-            <a:ext cx="2397125" cy="2401570"/>
-          </a:xfrm>
-          <a:prstGeom prst="ellipse">
-            <a:avLst/>
-          </a:prstGeom>
-          <a:noFill/>
-        </p:spPr>
-      </p:pic>
-      <p:sp>
-        <p:nvSpPr>
-          <p:cNvPr id="7" name="사각형: 둥근 모서리 6"/>
-          <p:cNvSpPr>
-            <a:spLocks/>
-          </p:cNvSpPr>
-          <p:nvPr/>
-        </p:nvSpPr>
-        <p:spPr>
-          <a:xfrm>
-            <a:off x="1866265" y="3852628"/>
-            <a:ext cx="400685" cy="381635"/>
-          </a:xfrm>
-          <a:prstGeom prst="roundRect">
-            <a:avLst/>
-          </a:prstGeom>
-        </p:spPr>
-        <p:style>
-          <a:lnRef idx="2">
-            <a:schemeClr val="accent1">
-              <a:shade val="50000"/>
-            </a:schemeClr>
-          </a:lnRef>
-          <a:fillRef idx="1">
-            <a:schemeClr val="accent1"/>
-          </a:fillRef>
-          <a:effectRef idx="0">
-            <a:schemeClr val="accent1"/>
-          </a:effectRef>
-          <a:fontRef idx="minor">
-            <a:schemeClr val="lt1"/>
-          </a:fontRef>
-        </p:style>
-        <p:txBody>
-          <a:bodyPr vert="horz" wrap="square" lIns="91440" tIns="45720" rIns="91440" bIns="45720" numCol="1" anchor="ctr">
-            <a:noAutofit/>
+        <p:txBody>
+          <a:bodyPr wrap="square" lIns="91440" tIns="45720" rIns="91440" bIns="45720" numCol="1" vert="horz" anchor="t">
+            <a:spAutoFit/>
           </a:bodyPr>
           <a:lstStyle/>
           <a:p>
-            <a:pPr marL="0" indent="0" algn="ctr" defTabSz="457200" eaLnBrk="0" fontAlgn="auto" latinLnBrk="0">
+            <a:pPr marL="0" indent="0" algn="l" fontAlgn="auto" defTabSz="457200" eaLnBrk="0" latinLnBrk="0">
               <a:lnSpc>
                 <a:spcPct val="100000"/>
               </a:lnSpc>
@@ -12834,59 +13417,54 @@
               <a:buNone/>
             </a:pPr>
             <a:r>
-              <a:rPr lang="en-US" altLang="ko-KR" sz="1800" b="1" cap="none" dirty="0">
+              <a:rPr lang="en-US" altLang="ko-KR" sz="2800" cap="none" dirty="0" smtClean="0" b="0">
+                <a:latin typeface="맑은 고딕" charset="0"/>
+                <a:ea typeface="맑은 고딕" charset="0"/>
+              </a:rPr>
+              <a:t>게임장르</a:t>
+            </a:r>
+            <a:r>
+              <a:rPr lang="en-US" altLang="ko-KR" sz="2800" cap="none" dirty="0" smtClean="0" b="0">
                 <a:latin typeface="Century Gothic" charset="0"/>
                 <a:ea typeface="Century Gothic" charset="0"/>
               </a:rPr>
-              <a:t>A</a:t>
-            </a:r>
-            <a:endParaRPr lang="ko-KR" altLang="en-US" sz="1800" b="1" cap="none" dirty="0">
+              <a:t> – </a:t>
+            </a:r>
+            <a:r>
+              <a:rPr lang="en-US" altLang="ko-KR" sz="2800" cap="none" dirty="0" smtClean="0" b="0">
+                <a:latin typeface="맑은 고딕" charset="0"/>
+                <a:ea typeface="맑은 고딕" charset="0"/>
+              </a:rPr>
+              <a:t>어드벤처</a:t>
+            </a:r>
+            <a:r>
+              <a:rPr lang="en-US" altLang="ko-KR" sz="2800" cap="none" dirty="0" smtClean="0" b="0">
+                <a:latin typeface="Century Gothic" charset="0"/>
+                <a:ea typeface="Century Gothic" charset="0"/>
+              </a:rPr>
+              <a:t> </a:t>
+            </a:r>
+            <a:r>
+              <a:rPr lang="en-US" altLang="ko-KR" sz="2800" cap="none" dirty="0" smtClean="0" b="0">
+                <a:latin typeface="맑은 고딕" charset="0"/>
+                <a:ea typeface="맑은 고딕" charset="0"/>
+              </a:rPr>
+              <a:t>퍼즐</a:t>
+            </a:r>
+            <a:r>
+              <a:rPr lang="en-US" altLang="ko-KR" sz="2800" cap="none" dirty="0" smtClean="0" b="0">
+                <a:latin typeface="Century Gothic" charset="0"/>
+                <a:ea typeface="Century Gothic" charset="0"/>
+              </a:rPr>
+              <a:t>, CO-OP</a:t>
+            </a:r>
+            <a:endParaRPr lang="ko-KR" altLang="en-US" sz="2800" cap="none" dirty="0" smtClean="0" b="0">
               <a:latin typeface="Century Gothic" charset="0"/>
               <a:ea typeface="Century Gothic" charset="0"/>
             </a:endParaRPr>
           </a:p>
-        </p:txBody>
-      </p:sp>
-      <p:sp>
-        <p:nvSpPr>
-          <p:cNvPr id="14" name="사각형: 둥근 모서리 13"/>
-          <p:cNvSpPr>
-            <a:spLocks/>
-          </p:cNvSpPr>
-          <p:nvPr/>
-        </p:nvSpPr>
-        <p:spPr>
-          <a:xfrm>
-            <a:off x="2218690" y="3401778"/>
-            <a:ext cx="400685" cy="381635"/>
-          </a:xfrm>
-          <a:prstGeom prst="roundRect">
-            <a:avLst/>
-          </a:prstGeom>
-        </p:spPr>
-        <p:style>
-          <a:lnRef idx="2">
-            <a:schemeClr val="accent1">
-              <a:shade val="50000"/>
-            </a:schemeClr>
-          </a:lnRef>
-          <a:fillRef idx="1">
-            <a:schemeClr val="accent1"/>
-          </a:fillRef>
-          <a:effectRef idx="0">
-            <a:schemeClr val="accent1"/>
-          </a:effectRef>
-          <a:fontRef idx="minor">
-            <a:schemeClr val="lt1"/>
-          </a:fontRef>
-        </p:style>
-        <p:txBody>
-          <a:bodyPr vert="horz" wrap="square" lIns="91440" tIns="45720" rIns="91440" bIns="45720" numCol="1" anchor="ctr">
-            <a:noAutofit/>
-          </a:bodyPr>
-          <a:lstStyle/>
-          <a:p>
-            <a:pPr marL="0" indent="0" algn="ctr" defTabSz="457200" eaLnBrk="0" fontAlgn="auto" latinLnBrk="0">
+          <a:p>
+            <a:pPr marL="0" indent="0" algn="l" fontAlgn="auto" defTabSz="457200" eaLnBrk="0" latinLnBrk="0">
               <a:lnSpc>
                 <a:spcPct val="100000"/>
               </a:lnSpc>
@@ -12899,60 +13477,13 @@
               <a:buFontTx/>
               <a:buNone/>
             </a:pPr>
-            <a:r>
-              <a:rPr lang="en-US" altLang="ko-KR" sz="1800" b="1" cap="none" dirty="0">
-                <a:latin typeface="Century Gothic" charset="0"/>
-                <a:ea typeface="Century Gothic" charset="0"/>
-              </a:rPr>
-              <a:t>W</a:t>
-            </a:r>
-            <a:endParaRPr lang="ko-KR" altLang="en-US" sz="1800" b="1" cap="none" dirty="0">
+            <a:endParaRPr lang="ko-KR" altLang="en-US" sz="2800" cap="none" dirty="0" smtClean="0" b="0">
               <a:latin typeface="Century Gothic" charset="0"/>
               <a:ea typeface="Century Gothic" charset="0"/>
             </a:endParaRPr>
           </a:p>
-        </p:txBody>
-      </p:sp>
-      <p:sp>
-        <p:nvSpPr>
-          <p:cNvPr id="15" name="사각형: 둥근 모서리 14"/>
-          <p:cNvSpPr>
-            <a:spLocks/>
-          </p:cNvSpPr>
-          <p:nvPr/>
-        </p:nvSpPr>
-        <p:spPr>
-          <a:xfrm>
-            <a:off x="2332990" y="3851358"/>
-            <a:ext cx="400685" cy="381635"/>
-          </a:xfrm>
-          <a:prstGeom prst="roundRect">
-            <a:avLst/>
-          </a:prstGeom>
-        </p:spPr>
-        <p:style>
-          <a:lnRef idx="2">
-            <a:schemeClr val="accent1">
-              <a:shade val="50000"/>
-            </a:schemeClr>
-          </a:lnRef>
-          <a:fillRef idx="1">
-            <a:schemeClr val="accent1"/>
-          </a:fillRef>
-          <a:effectRef idx="0">
-            <a:schemeClr val="accent1"/>
-          </a:effectRef>
-          <a:fontRef idx="minor">
-            <a:schemeClr val="lt1"/>
-          </a:fontRef>
-        </p:style>
-        <p:txBody>
-          <a:bodyPr vert="horz" wrap="square" lIns="91440" tIns="45720" rIns="91440" bIns="45720" numCol="1" anchor="ctr">
-            <a:noAutofit/>
-          </a:bodyPr>
-          <a:lstStyle/>
-          <a:p>
-            <a:pPr marL="0" indent="0" algn="ctr" defTabSz="457200" eaLnBrk="0" fontAlgn="auto" latinLnBrk="0">
+          <a:p>
+            <a:pPr marL="0" indent="0" algn="l" fontAlgn="auto" defTabSz="457200" eaLnBrk="0" latinLnBrk="0">
               <a:lnSpc>
                 <a:spcPct val="100000"/>
               </a:lnSpc>
@@ -12966,59 +13497,47 @@
               <a:buNone/>
             </a:pPr>
             <a:r>
-              <a:rPr lang="en-US" altLang="ko-KR" sz="1800" b="1" cap="none" dirty="0">
+              <a:rPr lang="en-US" altLang="ko-KR" sz="2800" cap="none" dirty="0" smtClean="0" b="0">
+                <a:latin typeface="맑은 고딕" charset="0"/>
+                <a:ea typeface="맑은 고딕" charset="0"/>
+              </a:rPr>
+              <a:t>시점</a:t>
+            </a:r>
+            <a:r>
+              <a:rPr lang="en-US" altLang="ko-KR" sz="2800" cap="none" dirty="0" smtClean="0" b="0">
                 <a:latin typeface="Century Gothic" charset="0"/>
                 <a:ea typeface="Century Gothic" charset="0"/>
               </a:rPr>
-              <a:t>S</a:t>
-            </a:r>
-            <a:endParaRPr lang="ko-KR" altLang="en-US" sz="1800" b="1" cap="none" dirty="0">
-              <a:latin typeface="Century Gothic" charset="0"/>
-              <a:ea typeface="Century Gothic" charset="0"/>
+              <a:t>  –  3</a:t>
+            </a:r>
+            <a:r>
+              <a:rPr lang="en-US" altLang="ko-KR" sz="2800" cap="none" dirty="0" smtClean="0" b="0">
+                <a:latin typeface="맑은 고딕" charset="0"/>
+                <a:ea typeface="맑은 고딕" charset="0"/>
+              </a:rPr>
+              <a:t>인칭</a:t>
+            </a:r>
+            <a:r>
+              <a:rPr lang="en-US" altLang="ko-KR" sz="2800" cap="none" dirty="0" smtClean="0" b="0">
+                <a:latin typeface="Century Gothic" charset="0"/>
+                <a:ea typeface="Century Gothic" charset="0"/>
+              </a:rPr>
+              <a:t> </a:t>
+            </a:r>
+            <a:r>
+              <a:rPr lang="en-US" altLang="ko-KR" sz="2800" cap="none" dirty="0" smtClean="0" b="0">
+                <a:latin typeface="맑은 고딕" charset="0"/>
+                <a:ea typeface="맑은 고딕" charset="0"/>
+              </a:rPr>
+              <a:t>시점</a:t>
+            </a:r>
+            <a:endParaRPr lang="ko-KR" altLang="en-US" sz="2800" cap="none" dirty="0" smtClean="0" b="0">
+              <a:latin typeface="맑은 고딕" charset="0"/>
+              <a:ea typeface="맑은 고딕" charset="0"/>
             </a:endParaRPr>
           </a:p>
-        </p:txBody>
-      </p:sp>
-      <p:sp>
-        <p:nvSpPr>
-          <p:cNvPr id="16" name="사각형: 둥근 모서리 15"/>
-          <p:cNvSpPr>
-            <a:spLocks/>
-          </p:cNvSpPr>
-          <p:nvPr/>
-        </p:nvSpPr>
-        <p:spPr>
-          <a:xfrm>
-            <a:off x="2802890" y="3851358"/>
-            <a:ext cx="400685" cy="381635"/>
-          </a:xfrm>
-          <a:prstGeom prst="roundRect">
-            <a:avLst/>
-          </a:prstGeom>
-        </p:spPr>
-        <p:style>
-          <a:lnRef idx="2">
-            <a:schemeClr val="accent1">
-              <a:shade val="50000"/>
-            </a:schemeClr>
-          </a:lnRef>
-          <a:fillRef idx="1">
-            <a:schemeClr val="accent1"/>
-          </a:fillRef>
-          <a:effectRef idx="0">
-            <a:schemeClr val="accent1"/>
-          </a:effectRef>
-          <a:fontRef idx="minor">
-            <a:schemeClr val="lt1"/>
-          </a:fontRef>
-        </p:style>
-        <p:txBody>
-          <a:bodyPr vert="horz" wrap="square" lIns="91440" tIns="45720" rIns="91440" bIns="45720" numCol="1" anchor="ctr">
-            <a:noAutofit/>
-          </a:bodyPr>
-          <a:lstStyle/>
-          <a:p>
-            <a:pPr marL="0" indent="0" algn="ctr" defTabSz="457200" eaLnBrk="0" fontAlgn="auto" latinLnBrk="0">
+          <a:p>
+            <a:pPr marL="0" indent="0" algn="l" fontAlgn="auto" defTabSz="457200" eaLnBrk="0" latinLnBrk="0">
               <a:lnSpc>
                 <a:spcPct val="100000"/>
               </a:lnSpc>
@@ -13031,74 +13550,13 @@
               <a:buFontTx/>
               <a:buNone/>
             </a:pPr>
-            <a:r>
-              <a:rPr lang="en-US" altLang="ko-KR" sz="1800" b="1" cap="none" dirty="0">
-                <a:latin typeface="Century Gothic" charset="0"/>
-                <a:ea typeface="Century Gothic" charset="0"/>
-              </a:rPr>
-              <a:t>D</a:t>
-            </a:r>
-            <a:endParaRPr lang="ko-KR" altLang="en-US" sz="1800" b="1" cap="none" dirty="0">
+            <a:endParaRPr lang="ko-KR" altLang="en-US" sz="2800" cap="none" dirty="0" smtClean="0" b="0">
               <a:latin typeface="Century Gothic" charset="0"/>
               <a:ea typeface="Century Gothic" charset="0"/>
             </a:endParaRPr>
           </a:p>
-        </p:txBody>
-      </p:sp>
-      <p:sp>
-        <p:nvSpPr>
-          <p:cNvPr id="1030" name="도형 1029"/>
-          <p:cNvSpPr>
-            <a:spLocks/>
-          </p:cNvSpPr>
-          <p:nvPr/>
-        </p:nvSpPr>
-        <p:spPr>
-          <a:xfrm>
-            <a:off x="1600200" y="1821815"/>
-            <a:ext cx="1626870" cy="423545"/>
-          </a:xfrm>
-          <a:prstGeom prst="roundRect">
-            <a:avLst/>
-          </a:prstGeom>
-          <a:solidFill>
-            <a:schemeClr val="accent1">
-              <a:alpha val="0"/>
-            </a:schemeClr>
-          </a:solidFill>
-          <a:ln w="31750" cap="rnd" cmpd="sng">
-            <a:solidFill>
-              <a:schemeClr val="accent1">
-                <a:alpha val="100000"/>
-              </a:schemeClr>
-            </a:solidFill>
-            <a:prstDash val="solid"/>
-            <a:round/>
-          </a:ln>
-        </p:spPr>
-        <p:style>
-          <a:lnRef idx="2">
-            <a:schemeClr val="accent1">
-              <a:shade val="50000"/>
-            </a:schemeClr>
-          </a:lnRef>
-          <a:fillRef idx="1">
-            <a:schemeClr val="accent1"/>
-          </a:fillRef>
-          <a:effectRef idx="0">
-            <a:schemeClr val="accent1"/>
-          </a:effectRef>
-          <a:fontRef idx="minor">
-            <a:schemeClr val="lt1"/>
-          </a:fontRef>
-        </p:style>
-        <p:txBody>
-          <a:bodyPr vert="horz" wrap="square" lIns="91440" tIns="45720" rIns="91440" bIns="45720" anchor="ctr">
-            <a:noAutofit/>
-          </a:bodyPr>
-          <a:lstStyle/>
-          <a:p>
-            <a:pPr marL="0" indent="0" algn="ctr" defTabSz="508000" fontAlgn="auto">
+          <a:p>
+            <a:pPr marL="0" indent="0" algn="l" fontAlgn="auto" defTabSz="457200" eaLnBrk="0" latinLnBrk="0">
               <a:lnSpc>
                 <a:spcPct val="100000"/>
               </a:lnSpc>
@@ -13112,65 +13570,46 @@
               <a:buNone/>
             </a:pPr>
             <a:r>
-              <a:rPr lang="en-US" altLang="ko-KR" sz="1800" b="0" cap="none" dirty="0">
+              <a:rPr lang="en-US" altLang="ko-KR" sz="2800" cap="none" dirty="0" smtClean="0" b="0">
                 <a:latin typeface="맑은 고딕" charset="0"/>
                 <a:ea typeface="맑은 고딕" charset="0"/>
               </a:rPr>
-              <a:t>캐릭터 이동</a:t>
-            </a:r>
-            <a:endParaRPr lang="ko-KR" altLang="en-US" sz="1800" b="0" cap="none" dirty="0">
+              <a:t>맵 </a:t>
+            </a:r>
+            <a:r>
+              <a:rPr lang="en-US" altLang="ko-KR" sz="2800" cap="none" dirty="0" smtClean="0" b="0">
+                <a:latin typeface="맑은 고딕" charset="0"/>
+                <a:ea typeface="맑은 고딕" charset="0"/>
+              </a:rPr>
+              <a:t>구성</a:t>
+            </a:r>
+            <a:r>
+              <a:rPr lang="en-US" altLang="ko-KR" sz="2800" cap="none" dirty="0" smtClean="0" b="0">
+                <a:latin typeface="Century Gothic" charset="0"/>
+                <a:ea typeface="Century Gothic" charset="0"/>
+              </a:rPr>
+              <a:t> – </a:t>
+            </a:r>
+            <a:r>
+              <a:rPr lang="en-US" altLang="ko-KR" sz="2800" cap="none" dirty="0" smtClean="0" b="0">
+                <a:solidFill>
+                  <a:srgbClr val="FFFFFF"/>
+                </a:solidFill>
+                <a:latin typeface="맑은 고딕" charset="0"/>
+                <a:ea typeface="맑은 고딕" charset="0"/>
+              </a:rPr>
+              <a:t>천장이 닫힌 밀폐된 공간으로 구성.</a:t>
+            </a:r>
+            <a:endParaRPr lang="ko-KR" altLang="en-US" sz="2800" cap="none" dirty="0" smtClean="0" b="0">
+              <a:solidFill>
+                <a:srgbClr val="FFFFFF"/>
+              </a:solidFill>
               <a:latin typeface="맑은 고딕" charset="0"/>
               <a:ea typeface="맑은 고딕" charset="0"/>
             </a:endParaRPr>
           </a:p>
-        </p:txBody>
-      </p:sp>
-      <p:sp>
-        <p:nvSpPr>
-          <p:cNvPr id="13" name="사각형: 둥근 모서리 12">
-            <a:extLst>
-              <a:ext uri="{FF2B5EF4-FFF2-40B4-BE49-F238E27FC236}">
-                <a16:creationId xmlns:a16="http://schemas.microsoft.com/office/drawing/2014/main" id="{E1F1D231-334E-4D00-AEA2-E120034AB237}"/>
-              </a:ext>
-            </a:extLst>
-          </p:cNvPr>
-          <p:cNvSpPr>
-            <a:spLocks/>
-          </p:cNvSpPr>
-          <p:nvPr/>
-        </p:nvSpPr>
-        <p:spPr>
-          <a:xfrm>
-            <a:off x="3156736" y="3388443"/>
-            <a:ext cx="400685" cy="381635"/>
-          </a:xfrm>
-          <a:prstGeom prst="roundRect">
-            <a:avLst/>
-          </a:prstGeom>
-        </p:spPr>
-        <p:style>
-          <a:lnRef idx="2">
-            <a:schemeClr val="accent1">
-              <a:shade val="50000"/>
-            </a:schemeClr>
-          </a:lnRef>
-          <a:fillRef idx="1">
-            <a:schemeClr val="accent1"/>
-          </a:fillRef>
-          <a:effectRef idx="0">
-            <a:schemeClr val="accent1"/>
-          </a:effectRef>
-          <a:fontRef idx="minor">
-            <a:schemeClr val="lt1"/>
-          </a:fontRef>
-        </p:style>
-        <p:txBody>
-          <a:bodyPr vert="horz" wrap="square" lIns="91440" tIns="45720" rIns="91440" bIns="45720" numCol="1" anchor="ctr">
-            <a:noAutofit/>
-          </a:bodyPr>
-          <a:lstStyle/>
-          <a:p>
-            <a:pPr marL="0" indent="0" algn="ctr" defTabSz="457200" eaLnBrk="0" fontAlgn="auto" latinLnBrk="0">
+          <a:p>
+            <a:pPr marL="0" indent="0" algn="l" fontAlgn="auto" defTabSz="457200" eaLnBrk="0" latinLnBrk="0">
               <a:lnSpc>
                 <a:spcPct val="100000"/>
               </a:lnSpc>
@@ -13183,80 +13622,16 @@
               <a:buFontTx/>
               <a:buNone/>
             </a:pPr>
-            <a:r>
-              <a:rPr lang="en-US" altLang="ko-KR" b="1" dirty="0">
-                <a:latin typeface="Century Gothic" charset="0"/>
-                <a:ea typeface="Century Gothic" charset="0"/>
-              </a:rPr>
-              <a:t>R</a:t>
-            </a:r>
-            <a:endParaRPr lang="ko-KR" altLang="en-US" sz="1800" b="1" cap="none" dirty="0">
-              <a:latin typeface="Century Gothic" charset="0"/>
-              <a:ea typeface="Century Gothic" charset="0"/>
+            <a:endParaRPr lang="ko-KR" altLang="en-US" sz="2800" cap="none" dirty="0" smtClean="0" b="0">
+              <a:solidFill>
+                <a:srgbClr val="FFFFFF"/>
+              </a:solidFill>
+              <a:latin typeface="맑은 고딕" charset="0"/>
+              <a:ea typeface="맑은 고딕" charset="0"/>
             </a:endParaRPr>
           </a:p>
-        </p:txBody>
-      </p:sp>
-      <p:sp>
-        <p:nvSpPr>
-          <p:cNvPr id="17" name="도형 1029">
-            <a:extLst>
-              <a:ext uri="{FF2B5EF4-FFF2-40B4-BE49-F238E27FC236}">
-                <a16:creationId xmlns:a16="http://schemas.microsoft.com/office/drawing/2014/main" id="{25A62EA8-4775-4848-9367-1AD7A00C7546}"/>
-              </a:ext>
-            </a:extLst>
-          </p:cNvPr>
-          <p:cNvSpPr>
-            <a:spLocks/>
-          </p:cNvSpPr>
-          <p:nvPr/>
-        </p:nvSpPr>
-        <p:spPr>
-          <a:xfrm>
-            <a:off x="3357078" y="1808950"/>
-            <a:ext cx="1626870" cy="423545"/>
-          </a:xfrm>
-          <a:prstGeom prst="roundRect">
-            <a:avLst/>
-          </a:prstGeom>
-          <a:solidFill>
-            <a:schemeClr val="accent1">
-              <a:alpha val="0"/>
-            </a:schemeClr>
-          </a:solidFill>
-          <a:ln w="31750" cap="rnd" cmpd="sng">
-            <a:solidFill>
-              <a:schemeClr val="accent1">
-                <a:alpha val="100000"/>
-              </a:schemeClr>
-            </a:solidFill>
-            <a:prstDash val="solid"/>
-            <a:round/>
-          </a:ln>
-        </p:spPr>
-        <p:style>
-          <a:lnRef idx="2">
-            <a:schemeClr val="accent1">
-              <a:shade val="50000"/>
-            </a:schemeClr>
-          </a:lnRef>
-          <a:fillRef idx="1">
-            <a:schemeClr val="accent1"/>
-          </a:fillRef>
-          <a:effectRef idx="0">
-            <a:schemeClr val="accent1"/>
-          </a:effectRef>
-          <a:fontRef idx="minor">
-            <a:schemeClr val="lt1"/>
-          </a:fontRef>
-        </p:style>
-        <p:txBody>
-          <a:bodyPr vert="horz" wrap="square" lIns="91440" tIns="45720" rIns="91440" bIns="45720" anchor="ctr">
-            <a:noAutofit/>
-          </a:bodyPr>
-          <a:lstStyle/>
-          <a:p>
-            <a:pPr marL="0" indent="0" algn="ctr" defTabSz="508000" fontAlgn="auto">
+          <a:p>
+            <a:pPr marL="0" indent="0" algn="l" fontAlgn="auto" defTabSz="457200" eaLnBrk="0" latinLnBrk="0">
               <a:lnSpc>
                 <a:spcPct val="100000"/>
               </a:lnSpc>
@@ -13270,160 +13645,25 @@
               <a:buNone/>
             </a:pPr>
             <a:r>
-              <a:rPr lang="ko-KR" altLang="en-US" dirty="0">
+              <a:rPr lang="en-US" altLang="ko-KR" sz="2800" cap="none" dirty="0" smtClean="0" b="0">
+                <a:solidFill>
+                  <a:srgbClr val="FFFFFF"/>
+                </a:solidFill>
                 <a:latin typeface="맑은 고딕" charset="0"/>
                 <a:ea typeface="맑은 고딕" charset="0"/>
               </a:rPr>
-              <a:t>전기생성</a:t>
-            </a:r>
-            <a:endParaRPr lang="ko-KR" altLang="en-US" sz="1800" b="0" cap="none" dirty="0">
+              <a:t>거리 단위 - //</a:t>
+            </a:r>
+            <a:endParaRPr lang="ko-KR" altLang="en-US" sz="2800" cap="none" dirty="0" smtClean="0" b="0">
+              <a:solidFill>
+                <a:srgbClr val="FFFFFF"/>
+              </a:solidFill>
               <a:latin typeface="맑은 고딕" charset="0"/>
               <a:ea typeface="맑은 고딕" charset="0"/>
             </a:endParaRPr>
           </a:p>
-        </p:txBody>
-      </p:sp>
-      <p:cxnSp>
-        <p:nvCxnSpPr>
-          <p:cNvPr id="3" name="직선 연결선 2">
-            <a:extLst>
-              <a:ext uri="{FF2B5EF4-FFF2-40B4-BE49-F238E27FC236}">
-                <a16:creationId xmlns:a16="http://schemas.microsoft.com/office/drawing/2014/main" id="{E6B20D74-03E7-4E50-B1B5-B53440D29E16}"/>
-              </a:ext>
-            </a:extLst>
-          </p:cNvPr>
-          <p:cNvCxnSpPr>
-            <a:cxnSpLocks/>
-            <a:stCxn id="17" idx="2"/>
-            <a:endCxn id="13" idx="0"/>
-          </p:cNvCxnSpPr>
-          <p:nvPr/>
-        </p:nvCxnSpPr>
-        <p:spPr>
-          <a:xfrm flipH="1">
-            <a:off x="3357079" y="2232495"/>
-            <a:ext cx="813434" cy="1155948"/>
-          </a:xfrm>
-          <a:prstGeom prst="line">
-            <a:avLst/>
-          </a:prstGeom>
-          <a:ln w="57150"/>
-        </p:spPr>
-        <p:style>
-          <a:lnRef idx="1">
-            <a:schemeClr val="accent1"/>
-          </a:lnRef>
-          <a:fillRef idx="0">
-            <a:schemeClr val="accent1"/>
-          </a:fillRef>
-          <a:effectRef idx="0">
-            <a:schemeClr val="accent1"/>
-          </a:effectRef>
-          <a:fontRef idx="minor">
-            <a:schemeClr val="tx1"/>
-          </a:fontRef>
-        </p:style>
-      </p:cxnSp>
-      <p:cxnSp>
-        <p:nvCxnSpPr>
-          <p:cNvPr id="18" name="직선 연결선 17">
-            <a:extLst>
-              <a:ext uri="{FF2B5EF4-FFF2-40B4-BE49-F238E27FC236}">
-                <a16:creationId xmlns:a16="http://schemas.microsoft.com/office/drawing/2014/main" id="{0544673F-3E4A-4E51-BAD0-B040AEA21554}"/>
-              </a:ext>
-            </a:extLst>
-          </p:cNvPr>
-          <p:cNvCxnSpPr>
-            <a:cxnSpLocks/>
-            <a:stCxn id="1030" idx="2"/>
-          </p:cNvCxnSpPr>
-          <p:nvPr/>
-        </p:nvCxnSpPr>
-        <p:spPr>
-          <a:xfrm>
-            <a:off x="2413635" y="2245360"/>
-            <a:ext cx="0" cy="1143083"/>
-          </a:xfrm>
-          <a:prstGeom prst="line">
-            <a:avLst/>
-          </a:prstGeom>
-          <a:ln w="57150"/>
-        </p:spPr>
-        <p:style>
-          <a:lnRef idx="1">
-            <a:schemeClr val="accent1"/>
-          </a:lnRef>
-          <a:fillRef idx="0">
-            <a:schemeClr val="accent1"/>
-          </a:fillRef>
-          <a:effectRef idx="0">
-            <a:schemeClr val="accent1"/>
-          </a:effectRef>
-          <a:fontRef idx="minor">
-            <a:schemeClr val="tx1"/>
-          </a:fontRef>
-        </p:style>
-      </p:cxnSp>
-      <p:sp>
-        <p:nvSpPr>
-          <p:cNvPr id="21" name="도형 1029">
-            <a:extLst>
-              <a:ext uri="{FF2B5EF4-FFF2-40B4-BE49-F238E27FC236}">
-                <a16:creationId xmlns:a16="http://schemas.microsoft.com/office/drawing/2014/main" id="{612C78D7-68BF-49F6-84A7-AF6FE1DCB8D0}"/>
-              </a:ext>
-            </a:extLst>
-          </p:cNvPr>
-          <p:cNvSpPr>
-            <a:spLocks/>
-          </p:cNvSpPr>
-          <p:nvPr/>
-        </p:nvSpPr>
-        <p:spPr>
-          <a:xfrm>
-            <a:off x="7852410" y="1808949"/>
-            <a:ext cx="1626870" cy="423545"/>
-          </a:xfrm>
-          <a:prstGeom prst="roundRect">
-            <a:avLst/>
-          </a:prstGeom>
-          <a:solidFill>
-            <a:schemeClr val="accent1">
-              <a:alpha val="0"/>
-            </a:schemeClr>
-          </a:solidFill>
-          <a:ln w="31750" cap="rnd" cmpd="sng">
-            <a:solidFill>
-              <a:schemeClr val="accent1">
-                <a:alpha val="100000"/>
-              </a:schemeClr>
-            </a:solidFill>
-            <a:prstDash val="solid"/>
-            <a:round/>
-          </a:ln>
-        </p:spPr>
-        <p:style>
-          <a:lnRef idx="2">
-            <a:schemeClr val="accent1">
-              <a:shade val="50000"/>
-            </a:schemeClr>
-          </a:lnRef>
-          <a:fillRef idx="1">
-            <a:schemeClr val="accent1"/>
-          </a:fillRef>
-          <a:effectRef idx="0">
-            <a:schemeClr val="accent1"/>
-          </a:effectRef>
-          <a:fontRef idx="minor">
-            <a:schemeClr val="lt1"/>
-          </a:fontRef>
-        </p:style>
-        <p:txBody>
-          <a:bodyPr vert="horz" wrap="square" lIns="91440" tIns="45720" rIns="91440" bIns="45720" anchor="ctr">
-            <a:noAutofit/>
-          </a:bodyPr>
-          <a:lstStyle/>
-          <a:p>
-            <a:pPr marL="0" indent="0" algn="ctr" defTabSz="508000" fontAlgn="auto">
+          <a:p>
+            <a:pPr marL="0" indent="0" algn="l" fontAlgn="auto" defTabSz="457200" eaLnBrk="0" latinLnBrk="0">
               <a:lnSpc>
                 <a:spcPct val="100000"/>
               </a:lnSpc>
@@ -13436,115 +13676,13 @@
               <a:buFontTx/>
               <a:buNone/>
             </a:pPr>
-            <a:r>
-              <a:rPr lang="ko-KR" altLang="en-US" sz="1800" b="0" cap="none" dirty="0">
-                <a:latin typeface="맑은 고딕" charset="0"/>
-                <a:ea typeface="맑은 고딕" charset="0"/>
-              </a:rPr>
-              <a:t>상호작용</a:t>
-            </a:r>
-          </a:p>
-        </p:txBody>
-      </p:sp>
-      <p:cxnSp>
-        <p:nvCxnSpPr>
-          <p:cNvPr id="22" name="직선 연결선 21">
-            <a:extLst>
-              <a:ext uri="{FF2B5EF4-FFF2-40B4-BE49-F238E27FC236}">
-                <a16:creationId xmlns:a16="http://schemas.microsoft.com/office/drawing/2014/main" id="{FC9EDE35-637E-48FF-A85C-FA935DEA4013}"/>
-              </a:ext>
-            </a:extLst>
-          </p:cNvPr>
-          <p:cNvCxnSpPr>
-            <a:cxnSpLocks/>
-          </p:cNvCxnSpPr>
-          <p:nvPr/>
-        </p:nvCxnSpPr>
-        <p:spPr>
-          <a:xfrm>
-            <a:off x="8762953" y="2245360"/>
-            <a:ext cx="818369" cy="895405"/>
-          </a:xfrm>
-          <a:prstGeom prst="line">
-            <a:avLst/>
-          </a:prstGeom>
-          <a:ln w="57150"/>
-        </p:spPr>
-        <p:style>
-          <a:lnRef idx="1">
-            <a:schemeClr val="accent1"/>
-          </a:lnRef>
-          <a:fillRef idx="0">
-            <a:schemeClr val="accent1"/>
-          </a:fillRef>
-          <a:effectRef idx="0">
-            <a:schemeClr val="accent1"/>
-          </a:effectRef>
-          <a:fontRef idx="minor">
-            <a:schemeClr val="tx1"/>
-          </a:fontRef>
-        </p:style>
-      </p:cxnSp>
-      <p:sp>
-        <p:nvSpPr>
-          <p:cNvPr id="25" name="도형 1029">
-            <a:extLst>
-              <a:ext uri="{FF2B5EF4-FFF2-40B4-BE49-F238E27FC236}">
-                <a16:creationId xmlns:a16="http://schemas.microsoft.com/office/drawing/2014/main" id="{013CE114-3668-4A12-BF68-1BDAF9B68663}"/>
-              </a:ext>
-            </a:extLst>
-          </p:cNvPr>
-          <p:cNvSpPr>
-            <a:spLocks/>
-          </p:cNvSpPr>
-          <p:nvPr/>
-        </p:nvSpPr>
-        <p:spPr>
-          <a:xfrm>
-            <a:off x="10181644" y="1761421"/>
-            <a:ext cx="1626870" cy="423545"/>
-          </a:xfrm>
-          <a:prstGeom prst="roundRect">
-            <a:avLst/>
-          </a:prstGeom>
-          <a:solidFill>
-            <a:schemeClr val="accent1">
-              <a:alpha val="0"/>
-            </a:schemeClr>
-          </a:solidFill>
-          <a:ln w="31750" cap="rnd" cmpd="sng">
-            <a:solidFill>
-              <a:schemeClr val="accent1">
-                <a:alpha val="100000"/>
-              </a:schemeClr>
-            </a:solidFill>
-            <a:prstDash val="solid"/>
-            <a:round/>
-          </a:ln>
-        </p:spPr>
-        <p:style>
-          <a:lnRef idx="2">
-            <a:schemeClr val="accent1">
-              <a:shade val="50000"/>
-            </a:schemeClr>
-          </a:lnRef>
-          <a:fillRef idx="1">
-            <a:schemeClr val="accent1"/>
-          </a:fillRef>
-          <a:effectRef idx="0">
-            <a:schemeClr val="accent1"/>
-          </a:effectRef>
-          <a:fontRef idx="minor">
-            <a:schemeClr val="lt1"/>
-          </a:fontRef>
-        </p:style>
-        <p:txBody>
-          <a:bodyPr vert="horz" wrap="square" lIns="91440" tIns="45720" rIns="91440" bIns="45720" anchor="ctr">
-            <a:noAutofit/>
-          </a:bodyPr>
-          <a:lstStyle/>
-          <a:p>
-            <a:pPr marL="0" indent="0" algn="ctr" defTabSz="508000" fontAlgn="auto">
+            <a:endParaRPr lang="ko-KR" altLang="en-US" sz="2800" cap="none" dirty="0" smtClean="0" b="0">
+              <a:latin typeface="Century Gothic" charset="0"/>
+              <a:ea typeface="Century Gothic" charset="0"/>
+            </a:endParaRPr>
+          </a:p>
+          <a:p>
+            <a:pPr marL="0" indent="0" algn="l" fontAlgn="auto" defTabSz="457200" eaLnBrk="0" latinLnBrk="0">
               <a:lnSpc>
                 <a:spcPct val="100000"/>
               </a:lnSpc>
@@ -13558,151 +13696,128 @@
               <a:buNone/>
             </a:pPr>
             <a:r>
-              <a:rPr lang="ko-KR" altLang="en-US" sz="1800" b="0" cap="none" dirty="0">
+              <a:rPr lang="en-US" altLang="ko-KR" sz="2800" cap="none" dirty="0" smtClean="0" b="0">
                 <a:latin typeface="맑은 고딕" charset="0"/>
                 <a:ea typeface="맑은 고딕" charset="0"/>
               </a:rPr>
-              <a:t>시점전환</a:t>
-            </a:r>
-          </a:p>
-        </p:txBody>
-      </p:sp>
-      <p:cxnSp>
-        <p:nvCxnSpPr>
-          <p:cNvPr id="26" name="직선 연결선 25">
-            <a:extLst>
-              <a:ext uri="{FF2B5EF4-FFF2-40B4-BE49-F238E27FC236}">
-                <a16:creationId xmlns:a16="http://schemas.microsoft.com/office/drawing/2014/main" id="{D1F288F8-1060-463A-B7BA-40E8877D13F6}"/>
-              </a:ext>
-            </a:extLst>
-          </p:cNvPr>
-          <p:cNvCxnSpPr>
-            <a:cxnSpLocks/>
-            <a:stCxn id="25" idx="2"/>
-          </p:cNvCxnSpPr>
-          <p:nvPr/>
-        </p:nvCxnSpPr>
-        <p:spPr>
-          <a:xfrm flipH="1">
-            <a:off x="10181644" y="2184966"/>
-            <a:ext cx="813435" cy="940573"/>
-          </a:xfrm>
-          <a:prstGeom prst="line">
-            <a:avLst/>
-          </a:prstGeom>
-          <a:ln w="57150"/>
-        </p:spPr>
-        <p:style>
-          <a:lnRef idx="1">
-            <a:schemeClr val="accent1"/>
-          </a:lnRef>
-          <a:fillRef idx="0">
-            <a:schemeClr val="accent1"/>
-          </a:fillRef>
-          <a:effectRef idx="0">
-            <a:schemeClr val="accent1"/>
-          </a:effectRef>
-          <a:fontRef idx="minor">
-            <a:schemeClr val="tx1"/>
-          </a:fontRef>
-        </p:style>
-      </p:cxnSp>
-      <p:sp>
-        <p:nvSpPr>
-          <p:cNvPr id="20" name="화살표: 왼쪽/오른쪽 19">
-            <a:extLst>
-              <a:ext uri="{FF2B5EF4-FFF2-40B4-BE49-F238E27FC236}">
-                <a16:creationId xmlns:a16="http://schemas.microsoft.com/office/drawing/2014/main" id="{305FD8B4-5D52-4CE2-B5D9-0875B8FB5EE1}"/>
-              </a:ext>
-            </a:extLst>
-          </p:cNvPr>
-          <p:cNvSpPr/>
-          <p:nvPr/>
-        </p:nvSpPr>
-        <p:spPr>
-          <a:xfrm>
-            <a:off x="8844115" y="3662203"/>
-            <a:ext cx="2290555" cy="423545"/>
-          </a:xfrm>
-          <a:prstGeom prst="leftRightArrow">
-            <a:avLst/>
-          </a:prstGeom>
-        </p:spPr>
-        <p:style>
-          <a:lnRef idx="2">
-            <a:schemeClr val="accent1">
-              <a:shade val="50000"/>
-            </a:schemeClr>
-          </a:lnRef>
-          <a:fillRef idx="1">
-            <a:schemeClr val="accent1"/>
-          </a:fillRef>
-          <a:effectRef idx="0">
-            <a:schemeClr val="accent1"/>
-          </a:effectRef>
-          <a:fontRef idx="minor">
-            <a:schemeClr val="lt1"/>
-          </a:fontRef>
-        </p:style>
-        <p:txBody>
-          <a:bodyPr rtlCol="0" anchor="ctr"/>
-          <a:lstStyle/>
-          <a:p>
-            <a:pPr algn="ctr"/>
-            <a:endParaRPr lang="ko-KR" altLang="en-US"/>
-          </a:p>
-        </p:txBody>
-      </p:sp>
-      <p:cxnSp>
-        <p:nvCxnSpPr>
-          <p:cNvPr id="32" name="직선 연결선 31">
-            <a:extLst>
-              <a:ext uri="{FF2B5EF4-FFF2-40B4-BE49-F238E27FC236}">
-                <a16:creationId xmlns:a16="http://schemas.microsoft.com/office/drawing/2014/main" id="{A799AA54-5676-4887-BF0B-A68494ACE3B7}"/>
-              </a:ext>
-            </a:extLst>
-          </p:cNvPr>
-          <p:cNvCxnSpPr>
-            <a:cxnSpLocks/>
-            <a:stCxn id="25" idx="2"/>
-          </p:cNvCxnSpPr>
-          <p:nvPr/>
-        </p:nvCxnSpPr>
-        <p:spPr>
-          <a:xfrm flipH="1">
-            <a:off x="10278110" y="2184966"/>
-            <a:ext cx="716969" cy="1598447"/>
-          </a:xfrm>
-          <a:prstGeom prst="line">
-            <a:avLst/>
-          </a:prstGeom>
-          <a:ln w="57150"/>
-        </p:spPr>
-        <p:style>
-          <a:lnRef idx="1">
-            <a:schemeClr val="accent1"/>
-          </a:lnRef>
-          <a:fillRef idx="0">
-            <a:schemeClr val="accent1"/>
-          </a:fillRef>
-          <a:effectRef idx="0">
-            <a:schemeClr val="accent1"/>
-          </a:effectRef>
-          <a:fontRef idx="minor">
-            <a:schemeClr val="tx1"/>
-          </a:fontRef>
-        </p:style>
-      </p:cxnSp>
+              <a:t>맵 </a:t>
+            </a:r>
+            <a:r>
+              <a:rPr lang="en-US" altLang="ko-KR" sz="2800" cap="none" dirty="0" smtClean="0" b="0">
+                <a:latin typeface="맑은 고딕" charset="0"/>
+                <a:ea typeface="맑은 고딕" charset="0"/>
+              </a:rPr>
+              <a:t>크기</a:t>
+            </a:r>
+            <a:r>
+              <a:rPr lang="en-US" altLang="ko-KR" sz="2800" cap="none" dirty="0" smtClean="0" b="0">
+                <a:latin typeface="Century Gothic" charset="0"/>
+                <a:ea typeface="Century Gothic" charset="0"/>
+              </a:rPr>
+              <a:t> – X축(30M-100M),</a:t>
+            </a:r>
+            <a:r>
+              <a:rPr lang="en-US" altLang="ko-KR" sz="2800" cap="none" dirty="0" smtClean="0" b="0">
+                <a:solidFill>
+                  <a:srgbClr val="FFFFFF"/>
+                </a:solidFill>
+                <a:latin typeface="Century Gothic" charset="0"/>
+                <a:ea typeface="Century Gothic" charset="0"/>
+              </a:rPr>
+              <a:t>Z축(30M-100M), 높이(10M-30M)</a:t>
+            </a:r>
+            <a:endParaRPr lang="ko-KR" altLang="en-US" sz="2800" cap="none" dirty="0" smtClean="0" b="0">
+              <a:latin typeface="Century Gothic" charset="0"/>
+              <a:ea typeface="Century Gothic" charset="0"/>
+            </a:endParaRPr>
+          </a:p>
+          <a:p>
+            <a:pPr marL="0" indent="0" algn="l" fontAlgn="auto" defTabSz="457200" eaLnBrk="0" latinLnBrk="0">
+              <a:lnSpc>
+                <a:spcPct val="100000"/>
+              </a:lnSpc>
+              <a:spcBef>
+                <a:spcPts val="0"/>
+              </a:spcBef>
+              <a:spcAft>
+                <a:spcPts val="0"/>
+              </a:spcAft>
+              <a:buFontTx/>
+              <a:buNone/>
+            </a:pPr>
+            <a:r>
+              <a:rPr lang="en-US" altLang="ko-KR" sz="2800" cap="none" dirty="0" smtClean="0" b="0">
+                <a:latin typeface="Century Gothic" charset="0"/>
+                <a:ea typeface="Century Gothic" charset="0"/>
+              </a:rPr>
+              <a:t/>
+            </a:r>
+            <a:br>
+              <a:rPr lang="en-US" altLang="ko-KR" sz="2800" cap="none" dirty="0" smtClean="0" b="0">
+                <a:latin typeface="Century Gothic" charset="0"/>
+                <a:ea typeface="Century Gothic" charset="0"/>
+              </a:rPr>
+            </a:br>
+            <a:r>
+              <a:rPr lang="en-US" altLang="ko-KR" sz="2800" cap="none" dirty="0" smtClean="0" b="0">
+                <a:latin typeface="맑은 고딕" charset="0"/>
+                <a:ea typeface="맑은 고딕" charset="0"/>
+              </a:rPr>
+              <a:t>캐릭터</a:t>
+            </a:r>
+            <a:r>
+              <a:rPr lang="en-US" altLang="ko-KR" sz="2800" cap="none" dirty="0" smtClean="0" b="0">
+                <a:latin typeface="Century Gothic" charset="0"/>
+                <a:ea typeface="Century Gothic" charset="0"/>
+              </a:rPr>
+              <a:t> </a:t>
+            </a:r>
+            <a:r>
+              <a:rPr lang="en-US" altLang="ko-KR" sz="2800" cap="none" dirty="0" smtClean="0" b="0">
+                <a:latin typeface="맑은 고딕" charset="0"/>
+                <a:ea typeface="맑은 고딕" charset="0"/>
+              </a:rPr>
+              <a:t>크기</a:t>
+            </a:r>
+            <a:r>
+              <a:rPr lang="en-US" altLang="ko-KR" sz="2800" cap="none" dirty="0" smtClean="0" b="0">
+                <a:latin typeface="Century Gothic" charset="0"/>
+                <a:ea typeface="Century Gothic" charset="0"/>
+              </a:rPr>
+              <a:t> – (x,y,z) : (0.3, 1, 0.3) M</a:t>
+            </a:r>
+            <a:endParaRPr lang="ko-KR" altLang="en-US" sz="2800" cap="none" dirty="0" smtClean="0" b="0">
+              <a:latin typeface="Century Gothic" charset="0"/>
+              <a:ea typeface="Century Gothic" charset="0"/>
+            </a:endParaRPr>
+          </a:p>
+        </p:txBody>
+      </p:sp>
     </p:spTree>
     <p:extLst>
       <p:ext uri="{BB962C8B-B14F-4D97-AF65-F5344CB8AC3E}">
-        <p14:creationId xmlns:p14="http://schemas.microsoft.com/office/powerpoint/2010/main" val="226358864"/>
+        <p14:creationId xmlns:p14="http://schemas.microsoft.com/office/powerpoint/2010/main" val="4172613643"/>
       </p:ext>
     </p:extLst>
   </p:cSld>
   <p:clrMapOvr>
     <a:masterClrMapping/>
   </p:clrMapOvr>
+  <mc:AlternateContent xmlns:mc="http://schemas.openxmlformats.org/markup-compatibility/2006">
+    <mc:Choice xmlns:p14="http://schemas.microsoft.com/office/powerpoint/2010/main" Requires="p14">
+      <p:transition spd="slow" p14:dur="2000"/>
+    </mc:Choice>
+    <mc:Fallback>
+      <p:transition spd="slow"/>
+    </mc:Fallback>
+  </mc:AlternateContent>
+  <p:timing>
+    <p:tnLst>
+      <p:par>
+        <p:cTn id="1" dur="indefinite" restart="never" nodeType="tmRoot"/>
+      </p:par>
+    </p:tnLst>
+  </p:timing>
 </p:sld>
 </file>
 
@@ -13725,42 +13840,56 @@
       </p:grpSpPr>
       <p:sp>
         <p:nvSpPr>
-          <p:cNvPr id="6" name="TextBox 5">
-            <a:extLst>
-              <a:ext uri="{FF2B5EF4-FFF2-40B4-BE49-F238E27FC236}">
-                <a16:creationId xmlns:a16="http://schemas.microsoft.com/office/drawing/2014/main" id="{4F5F6214-4ED6-440C-8488-40370266643C}"/>
-              </a:ext>
-            </a:extLst>
-          </p:cNvPr>
-          <p:cNvSpPr txBox="1"/>
+          <p:cNvPr id="6" name="TextBox 5"/>
+          <p:cNvSpPr txBox="1">
+            <a:spLocks/>
+          </p:cNvSpPr>
           <p:nvPr/>
         </p:nvSpPr>
         <p:spPr>
-          <a:xfrm>
+          <a:xfrm rot="0">
             <a:off x="482600" y="381000"/>
-            <a:ext cx="5283200" cy="769620"/>
+            <a:ext cx="6226175" cy="768985"/>
           </a:xfrm>
-          <a:prstGeom prst="rect">
-            <a:avLst/>
-          </a:prstGeom>
+          <a:prstGeom prst="rect"/>
           <a:noFill/>
         </p:spPr>
         <p:txBody>
-          <a:bodyPr wrap="square" rtlCol="0">
+          <a:bodyPr wrap="square" lIns="91440" tIns="45720" rIns="91440" bIns="45720" vert="horz" anchor="t">
             <a:spAutoFit/>
           </a:bodyPr>
           <a:lstStyle/>
           <a:p>
-            <a:r>
-              <a:rPr lang="ko-KR" altLang="en-US" sz="4400" dirty="0">
+            <a:pPr marL="0" indent="0" algn="l" fontAlgn="auto" defTabSz="457200" eaLnBrk="0" latinLnBrk="0">
+              <a:lnSpc>
+                <a:spcPct val="100000"/>
+              </a:lnSpc>
+              <a:spcBef>
+                <a:spcPts val="0"/>
+              </a:spcBef>
+              <a:spcAft>
+                <a:spcPts val="0"/>
+              </a:spcAft>
+              <a:buFontTx/>
+              <a:buNone/>
+            </a:pPr>
+            <a:r>
+              <a:rPr lang="en-US" altLang="ko-KR" sz="4400" cap="none" dirty="0" smtClean="0" b="0">
                 <a:solidFill>
-                  <a:schemeClr val="accent1">
-                    <a:lumMod val="75000"/>
-                  </a:schemeClr>
+                  <a:srgbClr val="E1930E"/>
                 </a:solidFill>
-              </a:rPr>
-              <a:t>플랫폼 및 개발환경</a:t>
-            </a:r>
+                <a:latin typeface="맑은 고딕" charset="0"/>
+                <a:ea typeface="맑은 고딕" charset="0"/>
+              </a:rPr>
+              <a:t>게임소개 - 스토리 설정</a:t>
+            </a:r>
+            <a:endParaRPr lang="ko-KR" altLang="en-US" sz="4400" cap="none" dirty="0" smtClean="0" b="0">
+              <a:solidFill>
+                <a:srgbClr val="E1930E"/>
+              </a:solidFill>
+              <a:latin typeface="맑은 고딕" charset="0"/>
+              <a:ea typeface="맑은 고딕" charset="0"/>
+            </a:endParaRPr>
           </a:p>
         </p:txBody>
       </p:sp>
@@ -13773,22 +13902,20 @@
           <p:nvPr/>
         </p:nvSpPr>
         <p:spPr>
-          <a:xfrm>
-            <a:off x="680085" y="1985010"/>
-            <a:ext cx="10761345" cy="3536315"/>
+          <a:xfrm rot="0">
+            <a:off x="715645" y="1868170"/>
+            <a:ext cx="10761345" cy="4397375"/>
           </a:xfrm>
-          <a:prstGeom prst="rect">
-            <a:avLst/>
-          </a:prstGeom>
+          <a:prstGeom prst="rect"/>
           <a:noFill/>
         </p:spPr>
         <p:txBody>
-          <a:bodyPr vert="horz" wrap="square" lIns="91440" tIns="45720" rIns="91440" bIns="45720" anchor="t">
+          <a:bodyPr wrap="square" lIns="91440" tIns="45720" rIns="91440" bIns="45720" vert="horz" anchor="t">
             <a:spAutoFit/>
           </a:bodyPr>
           <a:lstStyle/>
           <a:p>
-            <a:pPr marL="254000" indent="-254000" algn="l" defTabSz="457200" eaLnBrk="0" fontAlgn="auto" latinLnBrk="0">
+            <a:pPr marL="0" indent="0" algn="l" fontAlgn="auto" defTabSz="457200" eaLnBrk="0" latinLnBrk="0">
               <a:lnSpc>
                 <a:spcPct val="100000"/>
               </a:lnSpc>
@@ -13798,23 +13925,29 @@
               <a:spcAft>
                 <a:spcPts val="0"/>
               </a:spcAft>
-              <a:buFont typeface="Wingdings"/>
-              <a:buChar char="v"/>
+              <a:buFontTx/>
+              <a:buNone/>
             </a:pPr>
             <a:r>
-              <a:rPr lang="en-US" altLang="ko-KR" sz="2800" b="0" cap="none" dirty="0">
+              <a:rPr lang="en-US" altLang="ko-KR" sz="2800" cap="none" dirty="0" smtClean="0" b="0">
+                <a:solidFill>
+                  <a:srgbClr val="FFFFFF"/>
+                </a:solidFill>
                 <a:latin typeface="맑은 고딕" charset="0"/>
                 <a:ea typeface="맑은 고딕" charset="0"/>
               </a:rPr>
-              <a:t> DirectX 12</a:t>
-            </a:r>
-            <a:endParaRPr lang="ko-KR" altLang="en-US" sz="2800" b="0" cap="none" dirty="0">
+              <a:t>감옥에 갇힌 범죄자들의 뇌를 로봇에 이식하는 연구가 진행중이다.</a:t>
+            </a:r>
+            <a:endParaRPr lang="ko-KR" altLang="en-US" sz="2800" cap="none" dirty="0" smtClean="0" b="0">
+              <a:solidFill>
+                <a:srgbClr val="FFFFFF"/>
+              </a:solidFill>
               <a:latin typeface="맑은 고딕" charset="0"/>
               <a:ea typeface="맑은 고딕" charset="0"/>
             </a:endParaRPr>
           </a:p>
           <a:p>
-            <a:pPr marL="254000" indent="-254000" algn="l" defTabSz="457200" eaLnBrk="0" fontAlgn="auto" latinLnBrk="0">
+            <a:pPr marL="0" indent="0" algn="l" fontAlgn="auto" defTabSz="457200" eaLnBrk="0" latinLnBrk="0">
               <a:lnSpc>
                 <a:spcPct val="100000"/>
               </a:lnSpc>
@@ -13824,16 +13957,19 @@
               <a:spcAft>
                 <a:spcPts val="0"/>
               </a:spcAft>
-              <a:buFont typeface="Wingdings"/>
-              <a:buChar char="v"/>
+              <a:buFontTx/>
+              <a:buNone/>
             </a:pPr>
-            <a:endParaRPr lang="ko-KR" altLang="en-US" sz="2800" b="0" cap="none" dirty="0">
+            <a:endParaRPr lang="ko-KR" altLang="en-US" sz="2800" cap="none" dirty="0" smtClean="0" b="0">
+              <a:solidFill>
+                <a:srgbClr val="FFFFFF"/>
+              </a:solidFill>
               <a:latin typeface="맑은 고딕" charset="0"/>
               <a:ea typeface="맑은 고딕" charset="0"/>
             </a:endParaRPr>
           </a:p>
           <a:p>
-            <a:pPr marL="254000" indent="-254000" algn="l" defTabSz="457200" eaLnBrk="0" fontAlgn="auto" latinLnBrk="0">
+            <a:pPr marL="0" indent="0" algn="l" fontAlgn="auto" defTabSz="457200" eaLnBrk="0" latinLnBrk="0">
               <a:lnSpc>
                 <a:spcPct val="100000"/>
               </a:lnSpc>
@@ -13843,23 +13979,29 @@
               <a:spcAft>
                 <a:spcPts val="0"/>
               </a:spcAft>
-              <a:buFont typeface="Wingdings"/>
-              <a:buChar char="v"/>
+              <a:buFontTx/>
+              <a:buNone/>
             </a:pPr>
             <a:r>
-              <a:rPr lang="en-US" altLang="ko-KR" sz="2800" b="0" cap="none" dirty="0">
+              <a:rPr lang="en-US" altLang="ko-KR" sz="2800" cap="none" dirty="0" smtClean="0" b="0">
+                <a:solidFill>
+                  <a:srgbClr val="FFFFFF"/>
+                </a:solidFill>
                 <a:latin typeface="맑은 고딕" charset="0"/>
                 <a:ea typeface="맑은 고딕" charset="0"/>
               </a:rPr>
-              <a:t> GitHub</a:t>
-            </a:r>
-            <a:endParaRPr lang="ko-KR" altLang="en-US" sz="2800" b="0" cap="none" dirty="0">
+              <a:t>로봇에 이식된 범죄자들은 각각의 방에서 자신의 죄에 해당하는 문제를 해결하도록 프로그래밍 되었다.</a:t>
+            </a:r>
+            <a:endParaRPr lang="ko-KR" altLang="en-US" sz="2800" cap="none" dirty="0" smtClean="0" b="0">
+              <a:solidFill>
+                <a:srgbClr val="FFFFFF"/>
+              </a:solidFill>
               <a:latin typeface="맑은 고딕" charset="0"/>
               <a:ea typeface="맑은 고딕" charset="0"/>
             </a:endParaRPr>
           </a:p>
           <a:p>
-            <a:pPr marL="254000" indent="-254000" algn="l" defTabSz="457200" eaLnBrk="0" fontAlgn="auto" latinLnBrk="0">
+            <a:pPr marL="0" indent="0" algn="l" fontAlgn="auto" defTabSz="457200" eaLnBrk="0" latinLnBrk="0">
               <a:lnSpc>
                 <a:spcPct val="100000"/>
               </a:lnSpc>
@@ -13869,16 +14011,19 @@
               <a:spcAft>
                 <a:spcPts val="0"/>
               </a:spcAft>
-              <a:buFont typeface="Wingdings"/>
-              <a:buChar char="v"/>
+              <a:buFontTx/>
+              <a:buNone/>
             </a:pPr>
-            <a:endParaRPr lang="ko-KR" altLang="en-US" sz="2800" b="0" cap="none" dirty="0">
+            <a:endParaRPr lang="ko-KR" altLang="en-US" sz="2800" cap="none" dirty="0" smtClean="0" b="0">
+              <a:solidFill>
+                <a:srgbClr val="FFFFFF"/>
+              </a:solidFill>
               <a:latin typeface="맑은 고딕" charset="0"/>
               <a:ea typeface="맑은 고딕" charset="0"/>
             </a:endParaRPr>
           </a:p>
           <a:p>
-            <a:pPr marL="254000" indent="-254000" algn="l" defTabSz="457200" eaLnBrk="0" fontAlgn="auto" latinLnBrk="0">
+            <a:pPr marL="0" indent="0" algn="l" fontAlgn="auto" defTabSz="457200" eaLnBrk="0" latinLnBrk="0">
               <a:lnSpc>
                 <a:spcPct val="100000"/>
               </a:lnSpc>
@@ -13888,23 +14033,29 @@
               <a:spcAft>
                 <a:spcPts val="0"/>
               </a:spcAft>
-              <a:buFont typeface="Wingdings"/>
-              <a:buChar char="v"/>
+              <a:buFontTx/>
+              <a:buNone/>
             </a:pPr>
             <a:r>
-              <a:rPr lang="en-US" altLang="ko-KR" sz="2800" b="0" cap="none" dirty="0">
+              <a:rPr lang="en-US" altLang="ko-KR" sz="2800" cap="none" dirty="0" smtClean="0" b="0">
+                <a:solidFill>
+                  <a:srgbClr val="FFFFFF"/>
+                </a:solidFill>
                 <a:latin typeface="맑은 고딕" charset="0"/>
                 <a:ea typeface="맑은 고딕" charset="0"/>
               </a:rPr>
-              <a:t> Visual Studio 2017</a:t>
-            </a:r>
-            <a:endParaRPr lang="ko-KR" altLang="en-US" sz="2800" b="0" cap="none" dirty="0">
+              <a:t>같은 죄목으로 퍼즐을 풀어야하는 </a:t>
+            </a:r>
+            <a:endParaRPr lang="ko-KR" altLang="en-US" sz="2800" cap="none" dirty="0" smtClean="0" b="0">
+              <a:solidFill>
+                <a:srgbClr val="FFFFFF"/>
+              </a:solidFill>
               <a:latin typeface="맑은 고딕" charset="0"/>
               <a:ea typeface="맑은 고딕" charset="0"/>
             </a:endParaRPr>
           </a:p>
           <a:p>
-            <a:pPr marL="254000" indent="-254000" algn="l" defTabSz="457200" eaLnBrk="0" fontAlgn="auto" latinLnBrk="0">
+            <a:pPr marL="0" indent="0" algn="l" fontAlgn="auto" defTabSz="457200" eaLnBrk="0" latinLnBrk="0">
               <a:lnSpc>
                 <a:spcPct val="100000"/>
               </a:lnSpc>
@@ -13914,16 +14065,29 @@
               <a:spcAft>
                 <a:spcPts val="0"/>
               </a:spcAft>
-              <a:buFont typeface="Wingdings"/>
-              <a:buChar char="v"/>
+              <a:buFontTx/>
+              <a:buNone/>
             </a:pPr>
-            <a:endParaRPr lang="ko-KR" altLang="en-US" sz="2800" b="0" cap="none" dirty="0">
+            <a:r>
+              <a:rPr lang="en-US" altLang="ko-KR" sz="2800" cap="none" dirty="0" smtClean="0" b="0">
+                <a:solidFill>
+                  <a:srgbClr val="FFFFFF"/>
+                </a:solidFill>
+                <a:latin typeface="맑은 고딕" charset="0"/>
+                <a:ea typeface="맑은 고딕" charset="0"/>
+              </a:rPr>
+              <a:t>범죄자인 “503”과 “순시리”는 </a:t>
+            </a:r>
+            <a:endParaRPr lang="ko-KR" altLang="en-US" sz="2800" cap="none" dirty="0" smtClean="0" b="0">
+              <a:solidFill>
+                <a:srgbClr val="FFFFFF"/>
+              </a:solidFill>
               <a:latin typeface="맑은 고딕" charset="0"/>
               <a:ea typeface="맑은 고딕" charset="0"/>
             </a:endParaRPr>
           </a:p>
           <a:p>
-            <a:pPr marL="254000" indent="-254000" algn="l" defTabSz="457200" eaLnBrk="0" fontAlgn="auto" latinLnBrk="0">
+            <a:pPr marL="0" indent="0" algn="l" fontAlgn="auto" defTabSz="457200" eaLnBrk="0" latinLnBrk="0">
               <a:lnSpc>
                 <a:spcPct val="100000"/>
               </a:lnSpc>
@@ -13933,23 +14097,19 @@
               <a:spcAft>
                 <a:spcPts val="0"/>
               </a:spcAft>
-              <a:buFont typeface="Wingdings"/>
-              <a:buChar char="v"/>
+              <a:buFontTx/>
+              <a:buNone/>
             </a:pPr>
-            <a:r>
-              <a:rPr lang="en-US" altLang="ko-KR" sz="2800" b="0" cap="none" dirty="0">
-                <a:latin typeface="맑은 고딕" charset="0"/>
-                <a:ea typeface="맑은 고딕" charset="0"/>
-              </a:rPr>
-              <a:t> Windows OS</a:t>
-            </a:r>
-            <a:endParaRPr lang="ko-KR" altLang="en-US" sz="2800" b="0" cap="none" dirty="0">
+            <a:endParaRPr lang="ko-KR" altLang="en-US" sz="2800" cap="none" dirty="0" smtClean="0" b="0">
+              <a:solidFill>
+                <a:srgbClr val="FFFFFF"/>
+              </a:solidFill>
               <a:latin typeface="맑은 고딕" charset="0"/>
               <a:ea typeface="맑은 고딕" charset="0"/>
             </a:endParaRPr>
           </a:p>
           <a:p>
-            <a:pPr marL="0" indent="0" algn="l" defTabSz="457200" eaLnBrk="0" fontAlgn="auto" latinLnBrk="0">
+            <a:pPr marL="0" indent="0" algn="l" fontAlgn="auto" defTabSz="457200" eaLnBrk="0" latinLnBrk="0">
               <a:lnSpc>
                 <a:spcPct val="100000"/>
               </a:lnSpc>
@@ -13963,155 +14123,111 @@
               <a:buNone/>
             </a:pPr>
             <a:r>
-              <a:rPr lang="en-US" altLang="ko-KR" sz="2800" b="0" cap="none" dirty="0">
+              <a:rPr lang="en-US" altLang="ko-KR" sz="2800" cap="none" dirty="0" smtClean="0" b="0">
+                <a:solidFill>
+                  <a:srgbClr val="FFFFFF"/>
+                </a:solidFill>
                 <a:latin typeface="맑은 고딕" charset="0"/>
                 <a:ea typeface="맑은 고딕" charset="0"/>
               </a:rPr>
-              <a:t>   </a:t>
-            </a:r>
-            <a:endParaRPr lang="ko-KR" altLang="en-US" sz="2800" b="0" cap="none" dirty="0">
+              <a:t>협동을 하여 모든 퍼즐을 풀고 </a:t>
+            </a:r>
+            <a:endParaRPr lang="ko-KR" altLang="en-US" sz="2800" cap="none" dirty="0" smtClean="0" b="0">
+              <a:solidFill>
+                <a:srgbClr val="FFFFFF"/>
+              </a:solidFill>
               <a:latin typeface="맑은 고딕" charset="0"/>
               <a:ea typeface="맑은 고딕" charset="0"/>
             </a:endParaRPr>
           </a:p>
-        </p:txBody>
-      </p:sp>
-    </p:spTree>
-    <p:extLst>
-      <p:ext uri="{BB962C8B-B14F-4D97-AF65-F5344CB8AC3E}">
-        <p14:creationId xmlns:p14="http://schemas.microsoft.com/office/powerpoint/2010/main" val="4148332174"/>
-      </p:ext>
-    </p:extLst>
-  </p:cSld>
-  <p:clrMapOvr>
-    <a:masterClrMapping/>
-  </p:clrMapOvr>
-</p:sld>
-</file>
-
-<file path=ppt/slides/slide8.xml><?xml version="1.0" encoding="utf-8"?>
-<p:sld xmlns:a="http://schemas.openxmlformats.org/drawingml/2006/main" xmlns:r="http://schemas.openxmlformats.org/officeDocument/2006/relationships" xmlns:p="http://schemas.openxmlformats.org/presentationml/2006/main">
-  <p:cSld>
-    <p:spTree>
-      <p:nvGrpSpPr>
-        <p:cNvPr id="1" name=""/>
-        <p:cNvGrpSpPr/>
-        <p:nvPr/>
-      </p:nvGrpSpPr>
-      <p:grpSpPr>
-        <a:xfrm>
-          <a:off x="0" y="0"/>
-          <a:ext cx="0" cy="0"/>
-          <a:chOff x="0" y="0"/>
-          <a:chExt cx="0" cy="0"/>
-        </a:xfrm>
-      </p:grpSpPr>
-      <p:sp>
-        <p:nvSpPr>
-          <p:cNvPr id="6" name="TextBox 5">
-            <a:extLst>
-              <a:ext uri="{FF2B5EF4-FFF2-40B4-BE49-F238E27FC236}">
-                <a16:creationId xmlns:a16="http://schemas.microsoft.com/office/drawing/2014/main" id="{4F5F6214-4ED6-440C-8488-40370266643C}"/>
-              </a:ext>
-            </a:extLst>
-          </p:cNvPr>
-          <p:cNvSpPr txBox="1"/>
-          <p:nvPr/>
-        </p:nvSpPr>
-        <p:spPr>
-          <a:xfrm>
-            <a:off x="482600" y="381000"/>
-            <a:ext cx="4610100" cy="769441"/>
-          </a:xfrm>
-          <a:prstGeom prst="rect">
-            <a:avLst/>
-          </a:prstGeom>
-          <a:noFill/>
-        </p:spPr>
-        <p:txBody>
-          <a:bodyPr wrap="square" rtlCol="0">
-            <a:spAutoFit/>
-          </a:bodyPr>
-          <a:lstStyle/>
-          <a:p>
-            <a:r>
-              <a:rPr lang="ko-KR" altLang="en-US" sz="4400" dirty="0">
+          <a:p>
+            <a:pPr marL="0" indent="0" algn="l" fontAlgn="auto" defTabSz="457200" eaLnBrk="0" latinLnBrk="0">
+              <a:lnSpc>
+                <a:spcPct val="100000"/>
+              </a:lnSpc>
+              <a:spcBef>
+                <a:spcPts val="0"/>
+              </a:spcBef>
+              <a:spcAft>
+                <a:spcPts val="0"/>
+              </a:spcAft>
+              <a:buFontTx/>
+              <a:buNone/>
+            </a:pPr>
+            <a:r>
+              <a:rPr lang="en-US" altLang="ko-KR" sz="2800" cap="none" dirty="0" smtClean="0" b="0">
                 <a:solidFill>
-                  <a:schemeClr val="accent1">
-                    <a:lumMod val="75000"/>
-                  </a:schemeClr>
+                  <a:srgbClr val="FFFFFF"/>
                 </a:solidFill>
-              </a:rPr>
-              <a:t>게임소개 </a:t>
-            </a:r>
-            <a:r>
-              <a:rPr lang="en-US" altLang="ko-KR" sz="4400" dirty="0">
-                <a:solidFill>
-                  <a:schemeClr val="accent1">
-                    <a:lumMod val="75000"/>
-                  </a:schemeClr>
-                </a:solidFill>
-              </a:rPr>
-              <a:t>– </a:t>
-            </a:r>
-            <a:r>
-              <a:rPr lang="ko-KR" altLang="en-US" sz="4400" dirty="0">
-                <a:solidFill>
-                  <a:schemeClr val="accent1">
-                    <a:lumMod val="75000"/>
-                  </a:schemeClr>
-                </a:solidFill>
-              </a:rPr>
-              <a:t>외부</a:t>
-            </a:r>
+                <a:latin typeface="맑은 고딕" charset="0"/>
+                <a:ea typeface="맑은 고딕" charset="0"/>
+              </a:rPr>
+              <a:t>자유로운 로봇이 되기를 희망한다.</a:t>
+            </a:r>
+            <a:endParaRPr lang="ko-KR" altLang="en-US" sz="2800" cap="none" dirty="0" smtClean="0" b="0">
+              <a:solidFill>
+                <a:srgbClr val="FFFFFF"/>
+              </a:solidFill>
+              <a:latin typeface="Century Gothic" charset="0"/>
+              <a:ea typeface="Century Gothic" charset="0"/>
+            </a:endParaRPr>
           </a:p>
         </p:txBody>
       </p:sp>
       <p:pic>
         <p:nvPicPr>
-          <p:cNvPr id="2" name="그림 1">
-            <a:extLst>
-              <a:ext uri="{FF2B5EF4-FFF2-40B4-BE49-F238E27FC236}">
-                <a16:creationId xmlns:a16="http://schemas.microsoft.com/office/drawing/2014/main" id="{BF2830C9-4639-491F-8B79-578D00B4891D}"/>
-              </a:ext>
-            </a:extLst>
-          </p:cNvPr>
+          <p:cNvPr id="8" name="그림 7" descr="C:/Users/yang/AppData/Roaming/PolarisOffice/ETemp/2012_14164936/fImage867123566334.jpeg"/>
           <p:cNvPicPr>
             <a:picLocks noChangeAspect="1"/>
           </p:cNvPicPr>
           <p:nvPr/>
         </p:nvPicPr>
-        <p:blipFill>
-          <a:blip r:embed="rId2"/>
+        <p:blipFill rotWithShape="1">
+          <a:blip r:embed="rId2">
+            <a:extLst>
+              <a:ext uri="{28A0092B-C50C-407E-A947-70E740481C1C}">
+                <a14:useLocalDpi xmlns:a14="http://schemas.microsoft.com/office/drawing/2010/main" val="0"/>
+              </a:ext>
+            </a:extLst>
+          </a:blip>
           <a:stretch>
             <a:fillRect/>
           </a:stretch>
         </p:blipFill>
         <p:spPr>
-          <a:xfrm>
-            <a:off x="482600" y="1851024"/>
-            <a:ext cx="6615087" cy="2974975"/>
+          <a:xfrm rot="0">
+            <a:off x="7419340" y="3647440"/>
+            <a:ext cx="3935730" cy="2621915"/>
           </a:xfrm>
-          <a:prstGeom prst="rect">
-            <a:avLst/>
-          </a:prstGeom>
+          <a:prstGeom prst="rect"/>
+          <a:noFill/>
         </p:spPr>
       </p:pic>
     </p:spTree>
-    <p:extLst>
-      <p:ext uri="{BB962C8B-B14F-4D97-AF65-F5344CB8AC3E}">
-        <p14:creationId xmlns:p14="http://schemas.microsoft.com/office/powerpoint/2010/main" val="3481522497"/>
-      </p:ext>
-    </p:extLst>
   </p:cSld>
   <p:clrMapOvr>
     <a:masterClrMapping/>
   </p:clrMapOvr>
+  <mc:AlternateContent xmlns:mc="http://schemas.openxmlformats.org/markup-compatibility/2006">
+    <mc:Choice xmlns:p14="http://schemas.microsoft.com/office/powerpoint/2010/main" Requires="p14">
+      <p:transition spd="slow" p14:dur="2000"/>
+    </mc:Choice>
+    <mc:Fallback>
+      <p:transition spd="slow"/>
+    </mc:Fallback>
+  </mc:AlternateContent>
+  <p:timing>
+    <p:tnLst>
+      <p:par>
+        <p:cTn id="1" dur="indefinite" restart="never" nodeType="tmRoot"/>
+      </p:par>
+    </p:tnLst>
+  </p:timing>
 </p:sld>
 </file>
 
-<file path=ppt/slides/slide9.xml><?xml version="1.0" encoding="utf-8"?>
-<p:sld xmlns:a="http://schemas.openxmlformats.org/drawingml/2006/main" xmlns:r="http://schemas.openxmlformats.org/officeDocument/2006/relationships" xmlns:p="http://schemas.openxmlformats.org/presentationml/2006/main">
+<file path=ppt/slides/slide8.xml><?xml version="1.0" encoding="utf-8"?>
+<p:sld xmlns:a="http://schemas.openxmlformats.org/drawingml/2006/main" xmlns:r="http://schemas.openxmlformats.org/officeDocument/2006/relationships" xmlns:p="http://schemas.openxmlformats.org/presentationml/2006/main" xmlns:p14="http://schemas.microsoft.com/office/powerpoint/2010/main">
   <p:cSld>
     <p:spTree>
       <p:nvGrpSpPr>
@@ -14129,32 +14245,32 @@
       </p:grpSpPr>
       <p:pic>
         <p:nvPicPr>
-          <p:cNvPr id="5" name="그림 4">
-            <a:extLst>
-              <a:ext uri="{FF2B5EF4-FFF2-40B4-BE49-F238E27FC236}">
-                <a16:creationId xmlns:a16="http://schemas.microsoft.com/office/drawing/2014/main" id="{2D6179B6-1AB8-41A8-A304-342E51B0C537}"/>
-              </a:ext>
-            </a:extLst>
-          </p:cNvPr>
+          <p:cNvPr id="5" name="그림 4" descr="C:/Users/yang/AppData/Roaming/PolarisOffice/ETemp/2012_14164936/image6.png"/>
           <p:cNvPicPr>
             <a:picLocks noChangeAspect="1"/>
           </p:cNvPicPr>
           <p:nvPr/>
         </p:nvPicPr>
-        <p:blipFill>
-          <a:blip r:embed="rId2"/>
+        <p:blipFill rotWithShape="1">
+          <a:blip r:embed="rId2">
+            <a:extLst>
+              <a:ext uri="{28A0092B-C50C-407E-A947-70E740481C1C}">
+                <a14:useLocalDpi xmlns:a14="http://schemas.microsoft.com/office/drawing/2010/main" val="0"/>
+              </a:ext>
+            </a:extLst>
+          </a:blip>
+          <a:srcRect/>
           <a:stretch>
             <a:fillRect/>
           </a:stretch>
         </p:blipFill>
         <p:spPr>
-          <a:xfrm>
-            <a:off x="482600" y="1722120"/>
-            <a:ext cx="6096000" cy="3413760"/>
+          <a:xfrm rot="0">
+            <a:off x="482600" y="1847215"/>
+            <a:ext cx="6096635" cy="3414395"/>
           </a:xfrm>
-          <a:prstGeom prst="rect">
-            <a:avLst/>
-          </a:prstGeom>
+          <a:prstGeom prst="rect"/>
+          <a:noFill/>
         </p:spPr>
       </p:pic>
       <p:sp>
@@ -14172,7 +14288,7 @@
         <p:spPr>
           <a:xfrm>
             <a:off x="482600" y="381000"/>
-            <a:ext cx="5613400" cy="769441"/>
+            <a:ext cx="5614035" cy="768985"/>
           </a:xfrm>
           <a:prstGeom prst="rect">
             <a:avLst/>
@@ -14180,77 +14296,68 @@
           <a:noFill/>
         </p:spPr>
         <p:txBody>
-          <a:bodyPr wrap="square" rtlCol="0">
+          <a:bodyPr wrap="square" lIns="91440" tIns="45720" rIns="91440" bIns="45720" numCol="1" vert="horz" anchor="t">
             <a:spAutoFit/>
           </a:bodyPr>
           <a:lstStyle/>
           <a:p>
-            <a:r>
-              <a:rPr lang="ko-KR" altLang="en-US" sz="4400" dirty="0">
+            <a:pPr marL="0" indent="0" algn="l" fontAlgn="auto" defTabSz="457200" eaLnBrk="0" latinLnBrk="0">
+              <a:lnSpc>
+                <a:spcPct val="100000"/>
+              </a:lnSpc>
+              <a:spcBef>
+                <a:spcPts val="0"/>
+              </a:spcBef>
+              <a:spcAft>
+                <a:spcPts val="0"/>
+              </a:spcAft>
+              <a:buFontTx/>
+              <a:buNone/>
+            </a:pPr>
+            <a:r>
+              <a:rPr lang="en-US" altLang="ko-KR" sz="4400" cap="none" dirty="0" smtClean="0" b="0">
                 <a:solidFill>
                   <a:schemeClr val="accent1">
                     <a:lumMod val="75000"/>
                   </a:schemeClr>
                 </a:solidFill>
-              </a:rPr>
-              <a:t>게임소개 </a:t>
-            </a:r>
-            <a:r>
-              <a:rPr lang="en-US" altLang="ko-KR" sz="4400" dirty="0">
+                <a:latin typeface="맑은 고딕" charset="0"/>
+                <a:ea typeface="맑은 고딕" charset="0"/>
+              </a:rPr>
+              <a:t>게임소개</a:t>
+            </a:r>
+            <a:r>
+              <a:rPr lang="en-US" altLang="ko-KR" sz="4400" cap="none" dirty="0" smtClean="0" b="0">
                 <a:solidFill>
                   <a:schemeClr val="accent1">
                     <a:lumMod val="75000"/>
                   </a:schemeClr>
                 </a:solidFill>
-              </a:rPr>
-              <a:t>– </a:t>
-            </a:r>
-            <a:r>
-              <a:rPr lang="ko-KR" altLang="en-US" sz="4400" dirty="0">
+                <a:latin typeface="Century Gothic" charset="0"/>
+                <a:ea typeface="Century Gothic" charset="0"/>
+              </a:rPr>
+              <a:t> -</a:t>
+            </a:r>
+            <a:r>
+              <a:rPr lang="en-US" altLang="ko-KR" sz="4400" cap="none" dirty="0" smtClean="0" b="0">
                 <a:solidFill>
                   <a:schemeClr val="accent1">
                     <a:lumMod val="75000"/>
                   </a:schemeClr>
                 </a:solidFill>
-              </a:rPr>
-              <a:t>내부</a:t>
-            </a:r>
-            <a:r>
-              <a:rPr lang="en-US" altLang="ko-KR" sz="4400" dirty="0">
-                <a:solidFill>
-                  <a:schemeClr val="accent1">
-                    <a:lumMod val="75000"/>
-                  </a:schemeClr>
-                </a:solidFill>
-              </a:rPr>
-              <a:t>(</a:t>
-            </a:r>
-            <a:r>
-              <a:rPr lang="ko-KR" altLang="en-US" sz="4400" dirty="0">
-                <a:solidFill>
-                  <a:schemeClr val="accent1">
-                    <a:lumMod val="75000"/>
-                  </a:schemeClr>
-                </a:solidFill>
-              </a:rPr>
-              <a:t>큐브</a:t>
-            </a:r>
-            <a:r>
-              <a:rPr lang="en-US" altLang="ko-KR" sz="4400" dirty="0">
-                <a:solidFill>
-                  <a:schemeClr val="accent1">
-                    <a:lumMod val="75000"/>
-                  </a:schemeClr>
-                </a:solidFill>
-              </a:rPr>
-              <a:t>)</a:t>
-            </a:r>
-            <a:endParaRPr lang="ko-KR" altLang="en-US" sz="4400" dirty="0">
+                <a:latin typeface="맑은 고딕" charset="0"/>
+                <a:ea typeface="맑은 고딕" charset="0"/>
+              </a:rPr>
+              <a:t> 맵</a:t>
+            </a:r>
+            <a:endParaRPr lang="ko-KR" altLang="en-US" sz="4400" cap="none" dirty="0" smtClean="0" b="0">
               <a:solidFill>
                 <a:schemeClr val="accent1">
                   <a:lumMod val="75000"/>
                 </a:schemeClr>
               </a:solidFill>
+              <a:latin typeface="Century Gothic" charset="0"/>
+              <a:ea typeface="Century Gothic" charset="0"/>
             </a:endParaRPr>
           </a:p>
         </p:txBody>
@@ -14270,7 +14377,7 @@
         <p:spPr>
           <a:xfrm>
             <a:off x="6997700" y="1722120"/>
-            <a:ext cx="4889500" cy="3416320"/>
+            <a:ext cx="4890135" cy="3412490"/>
           </a:xfrm>
           <a:prstGeom prst="rect">
             <a:avLst/>
@@ -14278,56 +14385,361 @@
           <a:noFill/>
         </p:spPr>
         <p:txBody>
-          <a:bodyPr wrap="square" rtlCol="0">
+          <a:bodyPr wrap="square" lIns="91440" tIns="45720" rIns="91440" bIns="45720" numCol="1" vert="horz" anchor="t">
             <a:spAutoFit/>
           </a:bodyPr>
           <a:lstStyle/>
           <a:p>
-            <a:r>
-              <a:rPr lang="ko-KR" altLang="en-US" sz="2400" dirty="0"/>
-              <a:t>큐브는 총 </a:t>
-            </a:r>
-            <a:r>
-              <a:rPr lang="en-US" altLang="ko-KR" sz="2400" dirty="0"/>
-              <a:t>6</a:t>
-            </a:r>
-            <a:r>
-              <a:rPr lang="ko-KR" altLang="en-US" sz="2400" dirty="0"/>
-              <a:t>개로 구성된다</a:t>
-            </a:r>
-            <a:r>
-              <a:rPr lang="en-US" altLang="ko-KR" sz="2400" dirty="0"/>
+            <a:pPr marL="0" indent="0" algn="l" fontAlgn="auto" defTabSz="457200" eaLnBrk="0" latinLnBrk="0">
+              <a:lnSpc>
+                <a:spcPct val="100000"/>
+              </a:lnSpc>
+              <a:spcBef>
+                <a:spcPts val="0"/>
+              </a:spcBef>
+              <a:spcAft>
+                <a:spcPts val="0"/>
+              </a:spcAft>
+              <a:buFontTx/>
+              <a:buNone/>
+            </a:pPr>
+            <a:r>
+              <a:rPr lang="en-US" altLang="ko-KR" sz="2400" cap="none" dirty="0" smtClean="0" b="0">
+                <a:latin typeface="맑은 고딕" charset="0"/>
+                <a:ea typeface="맑은 고딕" charset="0"/>
+              </a:rPr>
+              <a:t>맵은</a:t>
+            </a:r>
+            <a:r>
+              <a:rPr lang="en-US" altLang="ko-KR" sz="2400" cap="none" dirty="0" smtClean="0" b="0">
+                <a:latin typeface="Century Gothic" charset="0"/>
+                <a:ea typeface="Century Gothic" charset="0"/>
+              </a:rPr>
+              <a:t> </a:t>
+            </a:r>
+            <a:r>
+              <a:rPr lang="en-US" altLang="ko-KR" sz="2400" cap="none" dirty="0" smtClean="0" b="0">
+                <a:latin typeface="맑은 고딕" charset="0"/>
+                <a:ea typeface="맑은 고딕" charset="0"/>
+              </a:rPr>
+              <a:t>총</a:t>
+            </a:r>
+            <a:r>
+              <a:rPr lang="en-US" altLang="ko-KR" sz="2400" cap="none" dirty="0" smtClean="0" b="0">
+                <a:latin typeface="Century Gothic" charset="0"/>
+                <a:ea typeface="Century Gothic" charset="0"/>
+              </a:rPr>
+              <a:t> 10</a:t>
+            </a:r>
+            <a:r>
+              <a:rPr lang="en-US" altLang="ko-KR" sz="2400" cap="none" dirty="0" smtClean="0" b="0">
+                <a:latin typeface="맑은 고딕" charset="0"/>
+                <a:ea typeface="맑은 고딕" charset="0"/>
+              </a:rPr>
+              <a:t>개로</a:t>
+            </a:r>
+            <a:r>
+              <a:rPr lang="en-US" altLang="ko-KR" sz="2400" cap="none" dirty="0" smtClean="0" b="0">
+                <a:latin typeface="Century Gothic" charset="0"/>
+                <a:ea typeface="Century Gothic" charset="0"/>
+              </a:rPr>
+              <a:t> </a:t>
+            </a:r>
+            <a:r>
+              <a:rPr lang="en-US" altLang="ko-KR" sz="2400" cap="none" dirty="0" smtClean="0" b="0">
+                <a:latin typeface="맑은 고딕" charset="0"/>
+                <a:ea typeface="맑은 고딕" charset="0"/>
+              </a:rPr>
+              <a:t>구성된다</a:t>
+            </a:r>
+            <a:r>
+              <a:rPr lang="en-US" altLang="ko-KR" sz="2400" cap="none" dirty="0" smtClean="0" b="0">
+                <a:latin typeface="Century Gothic" charset="0"/>
+                <a:ea typeface="Century Gothic" charset="0"/>
+              </a:rPr>
               <a:t>.</a:t>
             </a:r>
-          </a:p>
-          <a:p>
-            <a:endParaRPr lang="en-US" altLang="ko-KR" sz="2400" dirty="0"/>
-          </a:p>
-          <a:p>
-            <a:r>
-              <a:rPr lang="ko-KR" altLang="en-US" sz="2400" dirty="0"/>
-              <a:t>큐브마다 문제를 해결해야 다음 큐브로 넘어간다</a:t>
-            </a:r>
-            <a:r>
-              <a:rPr lang="en-US" altLang="ko-KR" sz="2400" dirty="0"/>
+            <a:endParaRPr lang="ko-KR" altLang="en-US" sz="2400" cap="none" dirty="0" smtClean="0" b="0">
+              <a:latin typeface="Century Gothic" charset="0"/>
+              <a:ea typeface="Century Gothic" charset="0"/>
+            </a:endParaRPr>
+          </a:p>
+          <a:p>
+            <a:pPr marL="0" indent="0" algn="l" fontAlgn="auto" defTabSz="457200" eaLnBrk="0" latinLnBrk="0">
+              <a:lnSpc>
+                <a:spcPct val="100000"/>
+              </a:lnSpc>
+              <a:spcBef>
+                <a:spcPts val="0"/>
+              </a:spcBef>
+              <a:spcAft>
+                <a:spcPts val="0"/>
+              </a:spcAft>
+              <a:buFontTx/>
+              <a:buNone/>
+            </a:pPr>
+            <a:endParaRPr lang="ko-KR" altLang="en-US" sz="2400" cap="none" dirty="0" smtClean="0" b="0">
+              <a:latin typeface="Century Gothic" charset="0"/>
+              <a:ea typeface="Century Gothic" charset="0"/>
+            </a:endParaRPr>
+          </a:p>
+          <a:p>
+            <a:pPr marL="0" indent="0" algn="l" fontAlgn="auto" defTabSz="457200" eaLnBrk="0" latinLnBrk="0">
+              <a:lnSpc>
+                <a:spcPct val="100000"/>
+              </a:lnSpc>
+              <a:spcBef>
+                <a:spcPts val="0"/>
+              </a:spcBef>
+              <a:spcAft>
+                <a:spcPts val="0"/>
+              </a:spcAft>
+              <a:buFontTx/>
+              <a:buNone/>
+            </a:pPr>
+            <a:r>
+              <a:rPr lang="en-US" altLang="ko-KR" sz="2400" cap="none" dirty="0" smtClean="0" b="0">
+                <a:latin typeface="맑은 고딕" charset="0"/>
+                <a:ea typeface="맑은 고딕" charset="0"/>
+              </a:rPr>
+              <a:t>맵마다</a:t>
+            </a:r>
+            <a:r>
+              <a:rPr lang="en-US" altLang="ko-KR" sz="2400" cap="none" dirty="0" smtClean="0" b="0">
+                <a:latin typeface="Century Gothic" charset="0"/>
+                <a:ea typeface="Century Gothic" charset="0"/>
+              </a:rPr>
+              <a:t> </a:t>
+            </a:r>
+            <a:r>
+              <a:rPr lang="en-US" altLang="ko-KR" sz="2400" cap="none" dirty="0" smtClean="0" b="0">
+                <a:latin typeface="맑은 고딕" charset="0"/>
+                <a:ea typeface="맑은 고딕" charset="0"/>
+              </a:rPr>
+              <a:t>문제를</a:t>
+            </a:r>
+            <a:r>
+              <a:rPr lang="en-US" altLang="ko-KR" sz="2400" cap="none" dirty="0" smtClean="0" b="0">
+                <a:latin typeface="Century Gothic" charset="0"/>
+                <a:ea typeface="Century Gothic" charset="0"/>
+              </a:rPr>
+              <a:t> </a:t>
+            </a:r>
+            <a:r>
+              <a:rPr lang="en-US" altLang="ko-KR" sz="2400" cap="none" dirty="0" smtClean="0" b="0">
+                <a:latin typeface="맑은 고딕" charset="0"/>
+                <a:ea typeface="맑은 고딕" charset="0"/>
+              </a:rPr>
+              <a:t>해결해야</a:t>
+            </a:r>
+            <a:r>
+              <a:rPr lang="en-US" altLang="ko-KR" sz="2400" cap="none" dirty="0" smtClean="0" b="0">
+                <a:latin typeface="Century Gothic" charset="0"/>
+                <a:ea typeface="Century Gothic" charset="0"/>
+              </a:rPr>
+              <a:t> </a:t>
+            </a:r>
+            <a:r>
+              <a:rPr lang="en-US" altLang="ko-KR" sz="2400" cap="none" dirty="0" smtClean="0" b="0">
+                <a:latin typeface="맑은 고딕" charset="0"/>
+                <a:ea typeface="맑은 고딕" charset="0"/>
+              </a:rPr>
+              <a:t>다음</a:t>
+            </a:r>
+            <a:r>
+              <a:rPr lang="en-US" altLang="ko-KR" sz="2400" cap="none" dirty="0" smtClean="0" b="0">
+                <a:latin typeface="Century Gothic" charset="0"/>
+                <a:ea typeface="Century Gothic" charset="0"/>
+              </a:rPr>
+              <a:t> </a:t>
+            </a:r>
+            <a:r>
+              <a:rPr lang="en-US" altLang="ko-KR" sz="2400" cap="none" dirty="0" smtClean="0" b="0">
+                <a:latin typeface="맑은 고딕" charset="0"/>
+                <a:ea typeface="맑은 고딕" charset="0"/>
+              </a:rPr>
+              <a:t>맵으로</a:t>
+            </a:r>
+            <a:r>
+              <a:rPr lang="en-US" altLang="ko-KR" sz="2400" cap="none" dirty="0" smtClean="0" b="0">
+                <a:latin typeface="Century Gothic" charset="0"/>
+                <a:ea typeface="Century Gothic" charset="0"/>
+              </a:rPr>
+              <a:t> </a:t>
+            </a:r>
+            <a:r>
+              <a:rPr lang="en-US" altLang="ko-KR" sz="2400" cap="none" dirty="0" smtClean="0" b="0">
+                <a:latin typeface="맑은 고딕" charset="0"/>
+                <a:ea typeface="맑은 고딕" charset="0"/>
+              </a:rPr>
+              <a:t>넘어간다</a:t>
+            </a:r>
+            <a:r>
+              <a:rPr lang="en-US" altLang="ko-KR" sz="2400" cap="none" dirty="0" smtClean="0" b="0">
+                <a:latin typeface="Century Gothic" charset="0"/>
+                <a:ea typeface="Century Gothic" charset="0"/>
+              </a:rPr>
               <a:t>.</a:t>
             </a:r>
-          </a:p>
-          <a:p>
-            <a:endParaRPr lang="en-US" altLang="ko-KR" sz="2400" dirty="0"/>
-          </a:p>
-          <a:p>
-            <a:r>
-              <a:rPr lang="ko-KR" altLang="en-US" sz="2400" dirty="0"/>
-              <a:t>오브젝트와 플레이어의 상호작용으로 발생하는 이벤트로 큐브를 클리어한다</a:t>
-            </a:r>
-            <a:r>
-              <a:rPr lang="en-US" altLang="ko-KR" sz="2400" dirty="0"/>
+            <a:endParaRPr lang="ko-KR" altLang="en-US" sz="2400" cap="none" dirty="0" smtClean="0" b="0">
+              <a:latin typeface="Century Gothic" charset="0"/>
+              <a:ea typeface="Century Gothic" charset="0"/>
+            </a:endParaRPr>
+          </a:p>
+          <a:p>
+            <a:pPr marL="0" indent="0" algn="l" fontAlgn="auto" defTabSz="457200" eaLnBrk="0" latinLnBrk="0">
+              <a:lnSpc>
+                <a:spcPct val="100000"/>
+              </a:lnSpc>
+              <a:spcBef>
+                <a:spcPts val="0"/>
+              </a:spcBef>
+              <a:spcAft>
+                <a:spcPts val="0"/>
+              </a:spcAft>
+              <a:buFontTx/>
+              <a:buNone/>
+            </a:pPr>
+            <a:endParaRPr lang="ko-KR" altLang="en-US" sz="2400" cap="none" dirty="0" smtClean="0" b="0">
+              <a:latin typeface="Century Gothic" charset="0"/>
+              <a:ea typeface="Century Gothic" charset="0"/>
+            </a:endParaRPr>
+          </a:p>
+          <a:p>
+            <a:pPr marL="0" indent="0" algn="l" fontAlgn="auto" defTabSz="457200" eaLnBrk="0" latinLnBrk="0">
+              <a:lnSpc>
+                <a:spcPct val="100000"/>
+              </a:lnSpc>
+              <a:spcBef>
+                <a:spcPts val="0"/>
+              </a:spcBef>
+              <a:spcAft>
+                <a:spcPts val="0"/>
+              </a:spcAft>
+              <a:buFontTx/>
+              <a:buNone/>
+            </a:pPr>
+            <a:r>
+              <a:rPr lang="en-US" altLang="ko-KR" sz="2400" cap="none" dirty="0" smtClean="0" b="0">
+                <a:latin typeface="맑은 고딕" charset="0"/>
+                <a:ea typeface="맑은 고딕" charset="0"/>
+              </a:rPr>
+              <a:t>오브젝트와</a:t>
+            </a:r>
+            <a:r>
+              <a:rPr lang="en-US" altLang="ko-KR" sz="2400" cap="none" dirty="0" smtClean="0" b="0">
+                <a:latin typeface="Century Gothic" charset="0"/>
+                <a:ea typeface="Century Gothic" charset="0"/>
+              </a:rPr>
+              <a:t> </a:t>
+            </a:r>
+            <a:r>
+              <a:rPr lang="en-US" altLang="ko-KR" sz="2400" cap="none" dirty="0" smtClean="0" b="0">
+                <a:latin typeface="맑은 고딕" charset="0"/>
+                <a:ea typeface="맑은 고딕" charset="0"/>
+              </a:rPr>
+              <a:t>플레이어의</a:t>
+            </a:r>
+            <a:r>
+              <a:rPr lang="en-US" altLang="ko-KR" sz="2400" cap="none" dirty="0" smtClean="0" b="0">
+                <a:latin typeface="Century Gothic" charset="0"/>
+                <a:ea typeface="Century Gothic" charset="0"/>
+              </a:rPr>
+              <a:t> </a:t>
+            </a:r>
+            <a:r>
+              <a:rPr lang="en-US" altLang="ko-KR" sz="2400" cap="none" dirty="0" smtClean="0" b="0">
+                <a:latin typeface="맑은 고딕" charset="0"/>
+                <a:ea typeface="맑은 고딕" charset="0"/>
+              </a:rPr>
+              <a:t>상호작용으로</a:t>
+            </a:r>
+            <a:r>
+              <a:rPr lang="en-US" altLang="ko-KR" sz="2400" cap="none" dirty="0" smtClean="0" b="0">
+                <a:latin typeface="Century Gothic" charset="0"/>
+                <a:ea typeface="Century Gothic" charset="0"/>
+              </a:rPr>
+              <a:t> </a:t>
+            </a:r>
+            <a:r>
+              <a:rPr lang="en-US" altLang="ko-KR" sz="2400" cap="none" dirty="0" smtClean="0" b="0">
+                <a:latin typeface="맑은 고딕" charset="0"/>
+                <a:ea typeface="맑은 고딕" charset="0"/>
+              </a:rPr>
+              <a:t>발생하는</a:t>
+            </a:r>
+            <a:r>
+              <a:rPr lang="en-US" altLang="ko-KR" sz="2400" cap="none" dirty="0" smtClean="0" b="0">
+                <a:latin typeface="Century Gothic" charset="0"/>
+                <a:ea typeface="Century Gothic" charset="0"/>
+              </a:rPr>
+              <a:t> </a:t>
+            </a:r>
+            <a:r>
+              <a:rPr lang="en-US" altLang="ko-KR" sz="2400" cap="none" dirty="0" smtClean="0" b="0">
+                <a:latin typeface="맑은 고딕" charset="0"/>
+                <a:ea typeface="맑은 고딕" charset="0"/>
+              </a:rPr>
+              <a:t>이벤트로</a:t>
+            </a:r>
+            <a:r>
+              <a:rPr lang="en-US" altLang="ko-KR" sz="2400" cap="none" dirty="0" smtClean="0" b="0">
+                <a:latin typeface="Century Gothic" charset="0"/>
+                <a:ea typeface="Century Gothic" charset="0"/>
+              </a:rPr>
+              <a:t> </a:t>
+            </a:r>
+            <a:r>
+              <a:rPr lang="en-US" altLang="ko-KR" sz="2400" cap="none" dirty="0" smtClean="0" b="0">
+                <a:latin typeface="맑은 고딕" charset="0"/>
+                <a:ea typeface="맑은 고딕" charset="0"/>
+              </a:rPr>
+              <a:t>맵을</a:t>
+            </a:r>
+            <a:r>
+              <a:rPr lang="en-US" altLang="ko-KR" sz="2400" cap="none" dirty="0" smtClean="0" b="0">
+                <a:latin typeface="Century Gothic" charset="0"/>
+                <a:ea typeface="Century Gothic" charset="0"/>
+              </a:rPr>
+              <a:t> </a:t>
+            </a:r>
+            <a:r>
+              <a:rPr lang="en-US" altLang="ko-KR" sz="2400" cap="none" dirty="0" smtClean="0" b="0">
+                <a:latin typeface="맑은 고딕" charset="0"/>
+                <a:ea typeface="맑은 고딕" charset="0"/>
+              </a:rPr>
+              <a:t>클리어한다</a:t>
+            </a:r>
+            <a:r>
+              <a:rPr lang="en-US" altLang="ko-KR" sz="2400" cap="none" dirty="0" smtClean="0" b="0">
+                <a:latin typeface="Century Gothic" charset="0"/>
+                <a:ea typeface="Century Gothic" charset="0"/>
+              </a:rPr>
               <a:t>.</a:t>
             </a:r>
-          </a:p>
-          <a:p>
-            <a:endParaRPr lang="ko-KR" altLang="en-US" sz="2400" dirty="0"/>
+            <a:endParaRPr lang="ko-KR" altLang="en-US" sz="2400" cap="none" dirty="0" smtClean="0" b="0">
+              <a:latin typeface="Century Gothic" charset="0"/>
+              <a:ea typeface="Century Gothic" charset="0"/>
+            </a:endParaRPr>
+          </a:p>
+          <a:p>
+            <a:pPr marL="0" indent="0" algn="l" fontAlgn="auto" defTabSz="457200" eaLnBrk="0" latinLnBrk="0">
+              <a:lnSpc>
+                <a:spcPct val="100000"/>
+              </a:lnSpc>
+              <a:spcBef>
+                <a:spcPts val="0"/>
+              </a:spcBef>
+              <a:spcAft>
+                <a:spcPts val="0"/>
+              </a:spcAft>
+              <a:buFontTx/>
+              <a:buNone/>
+            </a:pPr>
+            <a:endParaRPr lang="ko-KR" altLang="en-US" sz="2400" cap="none" dirty="0" smtClean="0" b="0">
+              <a:latin typeface="맑은 고딕" charset="0"/>
+              <a:ea typeface="맑은 고딕" charset="0"/>
+            </a:endParaRPr>
           </a:p>
         </p:txBody>
       </p:sp>
@@ -14341,6 +14753,509 @@
   <p:clrMapOvr>
     <a:masterClrMapping/>
   </p:clrMapOvr>
+  <mc:AlternateContent xmlns:mc="http://schemas.openxmlformats.org/markup-compatibility/2006">
+    <mc:Choice xmlns:p14="http://schemas.microsoft.com/office/powerpoint/2010/main" Requires="p14">
+      <p:transition spd="slow" p14:dur="2000"/>
+    </mc:Choice>
+    <mc:Fallback>
+      <p:transition spd="slow"/>
+    </mc:Fallback>
+  </mc:AlternateContent>
+  <p:timing>
+    <p:tnLst>
+      <p:par>
+        <p:cTn id="1" dur="indefinite" restart="never" nodeType="tmRoot"/>
+      </p:par>
+    </p:tnLst>
+  </p:timing>
+</p:sld>
+</file>
+
+<file path=ppt/slides/slide9.xml><?xml version="1.0" encoding="utf-8"?>
+<p:sld xmlns:a="http://schemas.openxmlformats.org/drawingml/2006/main" xmlns:r="http://schemas.openxmlformats.org/officeDocument/2006/relationships" xmlns:p="http://schemas.openxmlformats.org/presentationml/2006/main" xmlns:p14="http://schemas.microsoft.com/office/powerpoint/2010/main">
+  <p:cSld>
+    <p:spTree>
+      <p:nvGrpSpPr>
+        <p:cNvPr id="1" name=""/>
+        <p:cNvGrpSpPr/>
+        <p:nvPr/>
+      </p:nvGrpSpPr>
+      <p:grpSpPr>
+        <a:xfrm>
+          <a:off x="0" y="0"/>
+          <a:ext cx="0" cy="0"/>
+          <a:chOff x="0" y="0"/>
+          <a:chExt cx="0" cy="0"/>
+        </a:xfrm>
+      </p:grpSpPr>
+      <p:sp>
+        <p:nvSpPr>
+          <p:cNvPr id="2" name="TextBox 1"/>
+          <p:cNvSpPr txBox="1">
+            <a:spLocks/>
+          </p:cNvSpPr>
+          <p:nvPr/>
+        </p:nvSpPr>
+        <p:spPr>
+          <a:xfrm>
+            <a:off x="791845" y="423545"/>
+            <a:ext cx="5614670" cy="768985"/>
+          </a:xfrm>
+          <a:prstGeom prst="rect">
+            <a:avLst/>
+          </a:prstGeom>
+          <a:noFill/>
+        </p:spPr>
+        <p:txBody>
+          <a:bodyPr wrap="square" lIns="91440" tIns="45720" rIns="91440" bIns="45720" numCol="1" vert="horz" anchor="t">
+            <a:spAutoFit/>
+          </a:bodyPr>
+          <a:lstStyle/>
+          <a:p>
+            <a:pPr marL="0" indent="0" algn="l" fontAlgn="auto" defTabSz="457200" eaLnBrk="0" latinLnBrk="0">
+              <a:lnSpc>
+                <a:spcPct val="100000"/>
+              </a:lnSpc>
+              <a:spcBef>
+                <a:spcPts val="0"/>
+              </a:spcBef>
+              <a:spcAft>
+                <a:spcPts val="0"/>
+              </a:spcAft>
+              <a:buFontTx/>
+              <a:buNone/>
+            </a:pPr>
+            <a:r>
+              <a:rPr lang="en-US" altLang="ko-KR" sz="4400" cap="none" dirty="0" smtClean="0" b="0">
+                <a:solidFill>
+                  <a:schemeClr val="accent1">
+                    <a:lumMod val="75000"/>
+                  </a:schemeClr>
+                </a:solidFill>
+                <a:latin typeface="맑은 고딕" charset="0"/>
+                <a:ea typeface="맑은 고딕" charset="0"/>
+              </a:rPr>
+              <a:t>게임소개 - 예시</a:t>
+            </a:r>
+            <a:endParaRPr lang="ko-KR" altLang="en-US" sz="4400" cap="none" dirty="0" smtClean="0" b="0">
+              <a:solidFill>
+                <a:schemeClr val="accent1">
+                  <a:lumMod val="75000"/>
+                </a:schemeClr>
+              </a:solidFill>
+              <a:latin typeface="맑은 고딕" charset="0"/>
+              <a:ea typeface="맑은 고딕" charset="0"/>
+            </a:endParaRPr>
+          </a:p>
+        </p:txBody>
+      </p:sp>
+      <p:pic>
+        <p:nvPicPr>
+          <p:cNvPr id="3" name="그림 2"/>
+          <p:cNvPicPr>
+            <a:picLocks noChangeAspect="1"/>
+          </p:cNvPicPr>
+          <p:nvPr/>
+        </p:nvPicPr>
+        <p:blipFill rotWithShape="1">
+          <a:blip r:embed="rId2">
+            <a:extLst>
+              <a:ext uri="{28A0092B-C50C-407E-A947-70E740481C1C}">
+                <a14:useLocalDpi xmlns:a14="http://schemas.microsoft.com/office/drawing/2010/main" val="0"/>
+              </a:ext>
+            </a:extLst>
+          </a:blip>
+          <a:stretch>
+            <a:fillRect/>
+          </a:stretch>
+        </p:blipFill>
+        <p:spPr>
+          <a:xfrm>
+            <a:off x="791845" y="1454150"/>
+            <a:ext cx="6038215" cy="4224655"/>
+          </a:xfrm>
+          <a:prstGeom prst="rect">
+            <a:avLst/>
+          </a:prstGeom>
+          <a:noFill/>
+        </p:spPr>
+      </p:pic>
+      <p:sp>
+        <p:nvSpPr>
+          <p:cNvPr id="5" name="타원 4">
+            <a:extLst>
+              <a:ext uri="{FF2B5EF4-FFF2-40B4-BE49-F238E27FC236}">
+                <a16:creationId xmlns:a16="http://schemas.microsoft.com/office/drawing/2014/main" id="{F9120B8E-B6C3-42F6-87D0-8CF5F35E0751}"/>
+              </a:ext>
+            </a:extLst>
+          </p:cNvPr>
+          <p:cNvSpPr/>
+          <p:nvPr/>
+        </p:nvSpPr>
+        <p:spPr>
+          <a:xfrm>
+            <a:off x="3559175" y="4413250"/>
+            <a:ext cx="939800" cy="711200"/>
+          </a:xfrm>
+          <a:prstGeom prst="ellipse">
+            <a:avLst/>
+          </a:prstGeom>
+          <a:noFill/>
+          <a:ln w="76200">
+            <a:solidFill>
+              <a:srgbClr val="FF0000"/>
+            </a:solidFill>
+          </a:ln>
+        </p:spPr>
+        <p:style>
+          <a:lnRef idx="2">
+            <a:schemeClr val="accent1">
+              <a:shade val="50000"/>
+            </a:schemeClr>
+          </a:lnRef>
+          <a:fillRef idx="1">
+            <a:schemeClr val="accent1"/>
+          </a:fillRef>
+          <a:effectRef idx="0">
+            <a:schemeClr val="accent1"/>
+          </a:effectRef>
+          <a:fontRef idx="minor">
+            <a:schemeClr val="lt1"/>
+          </a:fontRef>
+        </p:style>
+        <p:txBody>
+          <a:bodyPr rtlCol="0" anchor="ctr"/>
+          <a:lstStyle/>
+          <a:p>
+            <a:pPr algn="ctr"/>
+            <a:endParaRPr lang="ko-KR" altLang="en-US"/>
+          </a:p>
+        </p:txBody>
+      </p:sp>
+      <p:sp>
+        <p:nvSpPr>
+          <p:cNvPr id="6" name="타원 5">
+            <a:extLst>
+              <a:ext uri="{FF2B5EF4-FFF2-40B4-BE49-F238E27FC236}">
+                <a16:creationId xmlns:a16="http://schemas.microsoft.com/office/drawing/2014/main" id="{105717F3-465C-4DAA-8087-80E6192BD2D8}"/>
+              </a:ext>
+            </a:extLst>
+          </p:cNvPr>
+          <p:cNvSpPr/>
+          <p:nvPr/>
+        </p:nvSpPr>
+        <p:spPr>
+          <a:xfrm>
+            <a:off x="1651000" y="3566160"/>
+            <a:ext cx="939800" cy="711200"/>
+          </a:xfrm>
+          <a:prstGeom prst="ellipse">
+            <a:avLst/>
+          </a:prstGeom>
+          <a:noFill/>
+          <a:ln w="76200">
+            <a:solidFill>
+              <a:srgbClr val="FF0000"/>
+            </a:solidFill>
+          </a:ln>
+        </p:spPr>
+        <p:style>
+          <a:lnRef idx="2">
+            <a:schemeClr val="accent1">
+              <a:shade val="50000"/>
+            </a:schemeClr>
+          </a:lnRef>
+          <a:fillRef idx="1">
+            <a:schemeClr val="accent1"/>
+          </a:fillRef>
+          <a:effectRef idx="0">
+            <a:schemeClr val="accent1"/>
+          </a:effectRef>
+          <a:fontRef idx="minor">
+            <a:schemeClr val="lt1"/>
+          </a:fontRef>
+        </p:style>
+        <p:txBody>
+          <a:bodyPr rtlCol="0" anchor="ctr"/>
+          <a:lstStyle/>
+          <a:p>
+            <a:pPr algn="ctr"/>
+            <a:endParaRPr lang="ko-KR" altLang="en-US"/>
+          </a:p>
+        </p:txBody>
+      </p:sp>
+      <p:sp>
+        <p:nvSpPr>
+          <p:cNvPr id="7" name="TextBox 6">
+            <a:extLst>
+              <a:ext uri="{FF2B5EF4-FFF2-40B4-BE49-F238E27FC236}">
+                <a16:creationId xmlns:a16="http://schemas.microsoft.com/office/drawing/2014/main" id="{2262DBEF-5AF3-4318-8F08-2CAD10C55383}"/>
+              </a:ext>
+            </a:extLst>
+          </p:cNvPr>
+          <p:cNvSpPr txBox="1"/>
+          <p:nvPr/>
+        </p:nvSpPr>
+        <p:spPr>
+          <a:xfrm>
+            <a:off x="7689215" y="2644140"/>
+            <a:ext cx="4032250" cy="1567815"/>
+          </a:xfrm>
+          <a:prstGeom prst="rect">
+            <a:avLst/>
+          </a:prstGeom>
+          <a:noFill/>
+        </p:spPr>
+        <p:txBody>
+          <a:bodyPr wrap="square" lIns="91440" tIns="45720" rIns="91440" bIns="45720" numCol="1" vert="horz" anchor="t">
+            <a:spAutoFit/>
+          </a:bodyPr>
+          <a:lstStyle/>
+          <a:p>
+            <a:pPr marL="0" indent="0" algn="l" fontAlgn="auto" defTabSz="457200" eaLnBrk="0" latinLnBrk="0">
+              <a:lnSpc>
+                <a:spcPct val="100000"/>
+              </a:lnSpc>
+              <a:spcBef>
+                <a:spcPts val="0"/>
+              </a:spcBef>
+              <a:spcAft>
+                <a:spcPts val="0"/>
+              </a:spcAft>
+              <a:buFontTx/>
+              <a:buNone/>
+            </a:pPr>
+            <a:r>
+              <a:rPr lang="en-US" altLang="ko-KR" sz="2400" cap="none" dirty="0" smtClean="0" b="0">
+                <a:latin typeface="맑은 고딕" charset="0"/>
+                <a:ea typeface="맑은 고딕" charset="0"/>
+              </a:rPr>
+              <a:t>게임</a:t>
+            </a:r>
+            <a:r>
+              <a:rPr lang="en-US" altLang="ko-KR" sz="2400" cap="none" dirty="0" smtClean="0" b="0">
+                <a:latin typeface="Century Gothic" charset="0"/>
+                <a:ea typeface="Century Gothic" charset="0"/>
+              </a:rPr>
+              <a:t> </a:t>
+            </a:r>
+            <a:r>
+              <a:rPr lang="en-US" altLang="ko-KR" sz="2400" cap="none" dirty="0" smtClean="0" b="0">
+                <a:latin typeface="맑은 고딕" charset="0"/>
+                <a:ea typeface="맑은 고딕" charset="0"/>
+              </a:rPr>
+              <a:t>맵</a:t>
+            </a:r>
+            <a:r>
+              <a:rPr lang="en-US" altLang="ko-KR" sz="2400" cap="none" dirty="0" smtClean="0" b="0">
+                <a:latin typeface="Century Gothic" charset="0"/>
+                <a:ea typeface="Century Gothic" charset="0"/>
+              </a:rPr>
+              <a:t> </a:t>
+            </a:r>
+            <a:r>
+              <a:rPr lang="en-US" altLang="ko-KR" sz="2400" cap="none" dirty="0" smtClean="0" b="0">
+                <a:latin typeface="맑은 고딕" charset="0"/>
+                <a:ea typeface="맑은 고딕" charset="0"/>
+              </a:rPr>
+              <a:t>예시.</a:t>
+            </a:r>
+            <a:endParaRPr lang="ko-KR" altLang="en-US" sz="2400" cap="none" dirty="0" smtClean="0" b="0">
+              <a:latin typeface="맑은 고딕" charset="0"/>
+              <a:ea typeface="맑은 고딕" charset="0"/>
+            </a:endParaRPr>
+          </a:p>
+          <a:p>
+            <a:pPr marL="0" indent="0" algn="l" fontAlgn="auto" defTabSz="457200" eaLnBrk="0" latinLnBrk="0">
+              <a:lnSpc>
+                <a:spcPct val="100000"/>
+              </a:lnSpc>
+              <a:spcBef>
+                <a:spcPts val="0"/>
+              </a:spcBef>
+              <a:spcAft>
+                <a:spcPts val="0"/>
+              </a:spcAft>
+              <a:buFontTx/>
+              <a:buNone/>
+            </a:pPr>
+            <a:endParaRPr lang="ko-KR" altLang="en-US" sz="2400" cap="none" dirty="0" smtClean="0" b="0">
+              <a:latin typeface="Century Gothic" charset="0"/>
+              <a:ea typeface="Century Gothic" charset="0"/>
+            </a:endParaRPr>
+          </a:p>
+          <a:p>
+            <a:pPr marL="0" indent="0" algn="l" fontAlgn="auto" defTabSz="457200" eaLnBrk="0" latinLnBrk="0">
+              <a:lnSpc>
+                <a:spcPct val="100000"/>
+              </a:lnSpc>
+              <a:spcBef>
+                <a:spcPts val="0"/>
+              </a:spcBef>
+              <a:spcAft>
+                <a:spcPts val="0"/>
+              </a:spcAft>
+              <a:buFontTx/>
+              <a:buNone/>
+            </a:pPr>
+            <a:r>
+              <a:rPr lang="en-US" altLang="ko-KR" sz="2400" cap="none" dirty="0" smtClean="0" b="0">
+                <a:latin typeface="맑은 고딕" charset="0"/>
+                <a:ea typeface="맑은 고딕" charset="0"/>
+              </a:rPr>
+              <a:t>플레이어가</a:t>
+            </a:r>
+            <a:r>
+              <a:rPr lang="en-US" altLang="ko-KR" sz="2400" cap="none" dirty="0" smtClean="0" b="0">
+                <a:latin typeface="Century Gothic" charset="0"/>
+                <a:ea typeface="Century Gothic" charset="0"/>
+              </a:rPr>
+              <a:t> </a:t>
+            </a:r>
+            <a:r>
+              <a:rPr lang="en-US" altLang="ko-KR" sz="2400" cap="none" dirty="0" smtClean="0" b="0">
+                <a:latin typeface="맑은 고딕" charset="0"/>
+                <a:ea typeface="맑은 고딕" charset="0"/>
+              </a:rPr>
+              <a:t>각</a:t>
+            </a:r>
+            <a:r>
+              <a:rPr lang="en-US" altLang="ko-KR" sz="2400" cap="none" dirty="0" smtClean="0" b="0">
+                <a:latin typeface="Century Gothic" charset="0"/>
+                <a:ea typeface="Century Gothic" charset="0"/>
+              </a:rPr>
+              <a:t> </a:t>
+            </a:r>
+            <a:r>
+              <a:rPr lang="en-US" altLang="ko-KR" sz="2400" cap="none" dirty="0" smtClean="0" b="0">
+                <a:latin typeface="맑은 고딕" charset="0"/>
+                <a:ea typeface="맑은 고딕" charset="0"/>
+              </a:rPr>
+              <a:t>맵마다</a:t>
+            </a:r>
+            <a:endParaRPr lang="ko-KR" altLang="en-US" sz="2400" cap="none" dirty="0" smtClean="0" b="0">
+              <a:latin typeface="맑은 고딕" charset="0"/>
+              <a:ea typeface="맑은 고딕" charset="0"/>
+            </a:endParaRPr>
+          </a:p>
+          <a:p>
+            <a:pPr marL="0" indent="0" algn="l" fontAlgn="auto" defTabSz="457200" eaLnBrk="0" latinLnBrk="0">
+              <a:lnSpc>
+                <a:spcPct val="100000"/>
+              </a:lnSpc>
+              <a:spcBef>
+                <a:spcPts val="0"/>
+              </a:spcBef>
+              <a:spcAft>
+                <a:spcPts val="0"/>
+              </a:spcAft>
+              <a:buFontTx/>
+              <a:buNone/>
+            </a:pPr>
+            <a:r>
+              <a:rPr lang="en-US" altLang="ko-KR" sz="2400" cap="none" dirty="0" smtClean="0" b="0">
+                <a:latin typeface="맑은 고딕" charset="0"/>
+                <a:ea typeface="맑은 고딕" charset="0"/>
+              </a:rPr>
+              <a:t>정해진</a:t>
+            </a:r>
+            <a:r>
+              <a:rPr lang="en-US" altLang="ko-KR" sz="2400" cap="none" dirty="0" smtClean="0" b="0">
+                <a:latin typeface="Century Gothic" charset="0"/>
+                <a:ea typeface="Century Gothic" charset="0"/>
+              </a:rPr>
+              <a:t> </a:t>
+            </a:r>
+            <a:r>
+              <a:rPr lang="en-US" altLang="ko-KR" sz="2400" cap="none" dirty="0" smtClean="0" b="0">
+                <a:latin typeface="맑은 고딕" charset="0"/>
+                <a:ea typeface="맑은 고딕" charset="0"/>
+              </a:rPr>
+              <a:t>위치에서</a:t>
+            </a:r>
+            <a:r>
+              <a:rPr lang="en-US" altLang="ko-KR" sz="2400" cap="none" dirty="0" smtClean="0" b="0">
+                <a:latin typeface="Century Gothic" charset="0"/>
+                <a:ea typeface="Century Gothic" charset="0"/>
+              </a:rPr>
+              <a:t> </a:t>
+            </a:r>
+            <a:r>
+              <a:rPr lang="en-US" altLang="ko-KR" sz="2400" cap="none" dirty="0" smtClean="0" b="0">
+                <a:latin typeface="맑은 고딕" charset="0"/>
+                <a:ea typeface="맑은 고딕" charset="0"/>
+              </a:rPr>
+              <a:t>등장한다</a:t>
+            </a:r>
+            <a:r>
+              <a:rPr lang="en-US" altLang="ko-KR" sz="2400" cap="none" dirty="0" smtClean="0" b="0">
+                <a:latin typeface="Century Gothic" charset="0"/>
+                <a:ea typeface="Century Gothic" charset="0"/>
+              </a:rPr>
+              <a:t>.</a:t>
+            </a:r>
+            <a:endParaRPr lang="ko-KR" altLang="en-US" sz="2400" cap="none" dirty="0" smtClean="0" b="0">
+              <a:latin typeface="Century Gothic" charset="0"/>
+              <a:ea typeface="Century Gothic" charset="0"/>
+            </a:endParaRPr>
+          </a:p>
+        </p:txBody>
+      </p:sp>
+      <p:pic>
+        <p:nvPicPr>
+          <p:cNvPr id="9" name="그림 8">
+            <a:extLst>
+              <a:ext uri="{FF2B5EF4-FFF2-40B4-BE49-F238E27FC236}">
+                <a16:creationId xmlns:a16="http://schemas.microsoft.com/office/drawing/2014/main" id="{9D17853C-AA43-421D-AF50-407FE70B2CA2}"/>
+              </a:ext>
+            </a:extLst>
+          </p:cNvPr>
+          <p:cNvPicPr>
+            <a:picLocks noChangeAspect="1"/>
+          </p:cNvPicPr>
+          <p:nvPr/>
+        </p:nvPicPr>
+        <p:blipFill>
+          <a:blip r:embed="rId3"/>
+          <a:stretch>
+            <a:fillRect/>
+          </a:stretch>
+        </p:blipFill>
+        <p:spPr>
+          <a:xfrm>
+            <a:off x="2011045" y="3797935"/>
+            <a:ext cx="219075" cy="247650"/>
+          </a:xfrm>
+          <a:prstGeom prst="rect">
+            <a:avLst/>
+          </a:prstGeom>
+        </p:spPr>
+      </p:pic>
+    </p:spTree>
+    <p:extLst>
+      <p:ext uri="{BB962C8B-B14F-4D97-AF65-F5344CB8AC3E}">
+        <p14:creationId xmlns:p14="http://schemas.microsoft.com/office/powerpoint/2010/main" val="611401221"/>
+      </p:ext>
+    </p:extLst>
+  </p:cSld>
+  <p:clrMapOvr>
+    <a:masterClrMapping/>
+  </p:clrMapOvr>
+  <mc:AlternateContent xmlns:mc="http://schemas.openxmlformats.org/markup-compatibility/2006">
+    <mc:Choice xmlns:p14="http://schemas.microsoft.com/office/powerpoint/2010/main" Requires="p14">
+      <p:transition spd="slow" p14:dur="2000"/>
+    </mc:Choice>
+    <mc:Fallback>
+      <p:transition spd="slow"/>
+    </mc:Fallback>
+  </mc:AlternateContent>
+  <p:timing>
+    <p:tnLst>
+      <p:par>
+        <p:cTn id="1" dur="indefinite" restart="never" nodeType="tmRoot"/>
+      </p:par>
+    </p:tnLst>
+  </p:timing>
 </p:sld>
 </file>
 

--- a/Document/Escape Cube(가제) ppt.pptx
+++ b/Document/Escape Cube(가제) ppt.pptx
@@ -2,7 +2,7 @@
 <file path=ppt/presentation.xml><?xml version="1.0" encoding="utf-8"?>
 <p:presentation xmlns:a="http://schemas.openxmlformats.org/drawingml/2006/main" xmlns:r="http://schemas.openxmlformats.org/officeDocument/2006/relationships" xmlns:p="http://schemas.openxmlformats.org/presentationml/2006/main" xmlns:p14="http://schemas.microsoft.com/office/powerpoint/2010/main" autoCompressPictures="0">
   <p:sldMasterIdLst>
-    <p:sldMasterId id="2147483699" r:id="rId21"/>
+    <p:sldMasterId id="2147483700" r:id="rId21"/>
   </p:sldMasterIdLst>
   <p:notesMasterIdLst>
     <p:notesMasterId r:id="rId23"/>
@@ -13048,7 +13048,7 @@
         <p:spPr>
           <a:xfrm rot="0">
             <a:off x="960120" y="2172970"/>
-            <a:ext cx="9895840" cy="3966845"/>
+            <a:ext cx="9895840" cy="4397375"/>
           </a:xfrm>
           <a:prstGeom prst="rect"/>
           <a:noFill/>
@@ -13167,7 +13167,7 @@
                 <a:latin typeface="맑은 고딕" charset="0"/>
                 <a:ea typeface="맑은 고딕" charset="0"/>
               </a:rPr>
-              <a:t> 퍼즐의 난이도가 “문고리 3인방” 과 같이 점점 올라감.</a:t>
+              <a:t> 퍼즐의 난이도가 “타블렛 PC” 에서  “문고리 3인방” 과 같이 점점 올라감.</a:t>
             </a:r>
             <a:endParaRPr lang="ko-KR" altLang="en-US" sz="2800" cap="none" dirty="0" smtClean="0" b="0">
               <a:latin typeface="맑은 고딕" charset="0"/>

--- a/Document/Escape Cube(가제) ppt.pptx
+++ b/Document/Escape Cube(가제) ppt.pptx
@@ -1,32 +1,32 @@
 
 <file path=ppt/presentation.xml><?xml version="1.0" encoding="utf-8"?>
-<p:presentation xmlns:a="http://schemas.openxmlformats.org/drawingml/2006/main" xmlns:r="http://schemas.openxmlformats.org/officeDocument/2006/relationships" xmlns:p="http://schemas.openxmlformats.org/presentationml/2006/main" xmlns:p14="http://schemas.microsoft.com/office/powerpoint/2010/main" autoCompressPictures="0">
+<p:presentation xmlns:a="http://schemas.openxmlformats.org/drawingml/2006/main" xmlns:r="http://schemas.openxmlformats.org/officeDocument/2006/relationships" xmlns:p="http://schemas.openxmlformats.org/presentationml/2006/main" autoCompressPictures="0">
   <p:sldMasterIdLst>
-    <p:sldMasterId id="2147483700" r:id="rId21"/>
+    <p:sldMasterId id="2147483700" r:id="rId1"/>
   </p:sldMasterIdLst>
   <p:notesMasterIdLst>
-    <p:notesMasterId r:id="rId23"/>
+    <p:notesMasterId r:id="rId21"/>
   </p:notesMasterIdLst>
   <p:sldIdLst>
-    <p:sldId id="256" r:id="rId25"/>
-    <p:sldId id="259" r:id="rId26"/>
-    <p:sldId id="266" r:id="rId27"/>
-    <p:sldId id="273" r:id="rId28"/>
-    <p:sldId id="260" r:id="rId29"/>
-    <p:sldId id="257" r:id="rId30"/>
-    <p:sldId id="274" r:id="rId31"/>
-    <p:sldId id="258" r:id="rId32"/>
-    <p:sldId id="270" r:id="rId33"/>
-    <p:sldId id="272" r:id="rId34"/>
-    <p:sldId id="261" r:id="rId35"/>
-    <p:sldId id="265" r:id="rId36"/>
-    <p:sldId id="262" r:id="rId37"/>
-    <p:sldId id="269" r:id="rId38"/>
-    <p:sldId id="275" r:id="rId39"/>
-    <p:sldId id="276" r:id="rId40"/>
-    <p:sldId id="267" r:id="rId41"/>
-    <p:sldId id="263" r:id="rId42"/>
-    <p:sldId id="268" r:id="rId43"/>
+    <p:sldId id="256" r:id="rId2"/>
+    <p:sldId id="259" r:id="rId3"/>
+    <p:sldId id="266" r:id="rId4"/>
+    <p:sldId id="273" r:id="rId5"/>
+    <p:sldId id="260" r:id="rId6"/>
+    <p:sldId id="257" r:id="rId7"/>
+    <p:sldId id="274" r:id="rId8"/>
+    <p:sldId id="258" r:id="rId9"/>
+    <p:sldId id="270" r:id="rId10"/>
+    <p:sldId id="272" r:id="rId11"/>
+    <p:sldId id="261" r:id="rId12"/>
+    <p:sldId id="265" r:id="rId13"/>
+    <p:sldId id="262" r:id="rId14"/>
+    <p:sldId id="269" r:id="rId15"/>
+    <p:sldId id="275" r:id="rId16"/>
+    <p:sldId id="276" r:id="rId17"/>
+    <p:sldId id="267" r:id="rId18"/>
+    <p:sldId id="263" r:id="rId19"/>
+    <p:sldId id="268" r:id="rId20"/>
   </p:sldIdLst>
   <p:sldSz cx="12192000" cy="6858000"/>
   <p:notesSz cx="6858000" cy="9144000"/>
@@ -126,6 +126,9 @@
     </a:lvl9pPr>
   </p:defaultTextStyle>
   <p:extLst>
+    <p:ext uri="{EFAFB233-063F-42B5-8137-9DF3F51BA10A}">
+      <p15:sldGuideLst xmlns:p15="http://schemas.microsoft.com/office/powerpoint/2012/main"/>
+    </p:ext>
     <p:ext uri="{2D200454-40CA-4A62-9FC3-DE9A4176ACB9}">
       <p15:notesGuideLst xmlns:p15="http://schemas.microsoft.com/office/powerpoint/2012/main"/>
     </p:ext>
@@ -300,19 +303,19 @@
           <pc:sldMk cId="2532134966" sldId="262"/>
         </pc:sldMkLst>
         <pc:spChg chg="del">
+          <ac:chgData name="DongHyeon Ko" userId="113be3d24099a8d3" providerId="LiveId" clId="{116AF83B-99CC-4C50-A28B-70941B365F50}" dt="2017-11-28T13:33:03.055" v="1882" actId="478"/>
+          <ac:spMkLst>
+            <pc:docMk/>
+            <pc:sldMk cId="2532134966" sldId="262"/>
+            <ac:spMk id="6" creationId="{82250C36-12A3-41D7-904E-0B3663EA3A99}"/>
+          </ac:spMkLst>
+        </pc:spChg>
+        <pc:spChg chg="del">
           <ac:chgData name="DongHyeon Ko" userId="113be3d24099a8d3" providerId="LiveId" clId="{116AF83B-99CC-4C50-A28B-70941B365F50}" dt="2017-11-27T15:16:01.517" v="583" actId="478"/>
           <ac:spMkLst>
             <pc:docMk/>
             <pc:sldMk cId="2532134966" sldId="262"/>
             <ac:spMk id="6" creationId="{4F5F6214-4ED6-440C-8488-40370266643C}"/>
-          </ac:spMkLst>
-        </pc:spChg>
-        <pc:spChg chg="del">
-          <ac:chgData name="DongHyeon Ko" userId="113be3d24099a8d3" providerId="LiveId" clId="{116AF83B-99CC-4C50-A28B-70941B365F50}" dt="2017-11-28T13:33:03.055" v="1882" actId="478"/>
-          <ac:spMkLst>
-            <pc:docMk/>
-            <pc:sldMk cId="2532134966" sldId="262"/>
-            <ac:spMk id="6" creationId="{82250C36-12A3-41D7-904E-0B3663EA3A99}"/>
           </ac:spMkLst>
         </pc:spChg>
         <pc:picChg chg="mod">
@@ -1045,7 +1048,7 @@
           <a:p>
             <a:fld id="{36E5AED4-A81B-4011-84EF-4470B62B1E6A}" type="datetimeFigureOut">
               <a:rPr lang="ko-KR" altLang="en-US" smtClean="0"/>
-              <a:t>2017-11-29</a:t>
+              <a:t>2017-12-05</a:t>
             </a:fld>
             <a:endParaRPr lang="ko-KR" altLang="en-US"/>
           </a:p>
@@ -1515,7 +1518,7 @@
             <a:fld id="{B61BEF0D-F0BB-DE4B-95CE-6DB70DBA9567}" type="datetimeFigureOut">
               <a:rPr lang="en-US" dirty="0"/>
               <a:pPr/>
-              <a:t>11/29/2017</a:t>
+              <a:t>12/5/2017</a:t>
             </a:fld>
             <a:endParaRPr lang="en-US" dirty="0"/>
           </a:p>
@@ -1803,7 +1806,7 @@
             <a:fld id="{B61BEF0D-F0BB-DE4B-95CE-6DB70DBA9567}" type="datetimeFigureOut">
               <a:rPr lang="en-US" dirty="0"/>
               <a:pPr/>
-              <a:t>11/29/2017</a:t>
+              <a:t>12/5/2017</a:t>
             </a:fld>
             <a:endParaRPr lang="en-US" dirty="0"/>
           </a:p>
@@ -2048,7 +2051,7 @@
             <a:fld id="{B61BEF0D-F0BB-DE4B-95CE-6DB70DBA9567}" type="datetimeFigureOut">
               <a:rPr lang="en-US" dirty="0"/>
               <a:pPr/>
-              <a:t>11/29/2017</a:t>
+              <a:t>12/5/2017</a:t>
             </a:fld>
             <a:endParaRPr lang="en-US" dirty="0"/>
           </a:p>
@@ -2581,7 +2584,7 @@
             <a:fld id="{B61BEF0D-F0BB-DE4B-95CE-6DB70DBA9567}" type="datetimeFigureOut">
               <a:rPr lang="en-US" dirty="0"/>
               <a:pPr/>
-              <a:t>11/29/2017</a:t>
+              <a:t>12/5/2017</a:t>
             </a:fld>
             <a:endParaRPr lang="en-US" dirty="0"/>
           </a:p>
@@ -2826,7 +2829,7 @@
             <a:fld id="{B61BEF0D-F0BB-DE4B-95CE-6DB70DBA9567}" type="datetimeFigureOut">
               <a:rPr lang="en-US" dirty="0"/>
               <a:pPr/>
-              <a:t>11/29/2017</a:t>
+              <a:t>12/5/2017</a:t>
             </a:fld>
             <a:endParaRPr lang="en-US" dirty="0"/>
           </a:p>
@@ -3366,7 +3369,7 @@
             <a:fld id="{B61BEF0D-F0BB-DE4B-95CE-6DB70DBA9567}" type="datetimeFigureOut">
               <a:rPr lang="en-US" dirty="0"/>
               <a:pPr/>
-              <a:t>11/29/2017</a:t>
+              <a:t>12/5/2017</a:t>
             </a:fld>
             <a:endParaRPr lang="en-US" dirty="0"/>
           </a:p>
@@ -3673,7 +3676,7 @@
             <a:fld id="{B61BEF0D-F0BB-DE4B-95CE-6DB70DBA9567}" type="datetimeFigureOut">
               <a:rPr lang="en-US" dirty="0"/>
               <a:pPr/>
-              <a:t>11/29/2017</a:t>
+              <a:t>12/5/2017</a:t>
             </a:fld>
             <a:endParaRPr lang="en-US" dirty="0"/>
           </a:p>
@@ -3845,7 +3848,7 @@
             <a:fld id="{B61BEF0D-F0BB-DE4B-95CE-6DB70DBA9567}" type="datetimeFigureOut">
               <a:rPr lang="en-US" dirty="0"/>
               <a:pPr/>
-              <a:t>11/29/2017</a:t>
+              <a:t>12/5/2017</a:t>
             </a:fld>
             <a:endParaRPr lang="en-US" dirty="0"/>
           </a:p>
@@ -4022,7 +4025,7 @@
             <a:fld id="{B61BEF0D-F0BB-DE4B-95CE-6DB70DBA9567}" type="datetimeFigureOut">
               <a:rPr lang="en-US" dirty="0"/>
               <a:pPr/>
-              <a:t>11/29/2017</a:t>
+              <a:t>12/5/2017</a:t>
             </a:fld>
             <a:endParaRPr lang="en-US" dirty="0"/>
           </a:p>
@@ -4189,7 +4192,7 @@
             <a:fld id="{B61BEF0D-F0BB-DE4B-95CE-6DB70DBA9567}" type="datetimeFigureOut">
               <a:rPr lang="en-US" dirty="0"/>
               <a:pPr/>
-              <a:t>11/29/2017</a:t>
+              <a:t>12/5/2017</a:t>
             </a:fld>
             <a:endParaRPr lang="en-US" dirty="0"/>
           </a:p>
@@ -4432,7 +4435,7 @@
             <a:fld id="{B61BEF0D-F0BB-DE4B-95CE-6DB70DBA9567}" type="datetimeFigureOut">
               <a:rPr lang="en-US" dirty="0"/>
               <a:pPr/>
-              <a:t>11/29/2017</a:t>
+              <a:t>12/5/2017</a:t>
             </a:fld>
             <a:endParaRPr lang="en-US" dirty="0"/>
           </a:p>
@@ -4721,7 +4724,7 @@
             <a:fld id="{B61BEF0D-F0BB-DE4B-95CE-6DB70DBA9567}" type="datetimeFigureOut">
               <a:rPr lang="en-US" dirty="0"/>
               <a:pPr/>
-              <a:t>11/29/2017</a:t>
+              <a:t>12/5/2017</a:t>
             </a:fld>
             <a:endParaRPr lang="en-US" dirty="0"/>
           </a:p>
@@ -5148,7 +5151,7 @@
             <a:fld id="{B61BEF0D-F0BB-DE4B-95CE-6DB70DBA9567}" type="datetimeFigureOut">
               <a:rPr lang="en-US" dirty="0"/>
               <a:pPr/>
-              <a:t>11/29/2017</a:t>
+              <a:t>12/5/2017</a:t>
             </a:fld>
             <a:endParaRPr lang="en-US" dirty="0"/>
           </a:p>
@@ -5268,7 +5271,7 @@
             <a:fld id="{B61BEF0D-F0BB-DE4B-95CE-6DB70DBA9567}" type="datetimeFigureOut">
               <a:rPr lang="en-US" dirty="0"/>
               <a:pPr/>
-              <a:t>11/29/2017</a:t>
+              <a:t>12/5/2017</a:t>
             </a:fld>
             <a:endParaRPr lang="en-US" dirty="0"/>
           </a:p>
@@ -5360,7 +5363,7 @@
             <a:fld id="{B61BEF0D-F0BB-DE4B-95CE-6DB70DBA9567}" type="datetimeFigureOut">
               <a:rPr lang="en-US" dirty="0"/>
               <a:pPr/>
-              <a:t>11/29/2017</a:t>
+              <a:t>12/5/2017</a:t>
             </a:fld>
             <a:endParaRPr lang="en-US" dirty="0"/>
           </a:p>
@@ -5640,7 +5643,7 @@
             <a:fld id="{B61BEF0D-F0BB-DE4B-95CE-6DB70DBA9567}" type="datetimeFigureOut">
               <a:rPr lang="en-US" dirty="0"/>
               <a:pPr/>
-              <a:t>11/29/2017</a:t>
+              <a:t>12/5/2017</a:t>
             </a:fld>
             <a:endParaRPr lang="en-US" dirty="0"/>
           </a:p>
@@ -5928,7 +5931,7 @@
             <a:fld id="{B61BEF0D-F0BB-DE4B-95CE-6DB70DBA9567}" type="datetimeFigureOut">
               <a:rPr lang="en-US" dirty="0"/>
               <a:pPr/>
-              <a:t>11/29/2017</a:t>
+              <a:t>12/5/2017</a:t>
             </a:fld>
             <a:endParaRPr lang="en-US" dirty="0"/>
           </a:p>
@@ -6159,7 +6162,7 @@
             <a:fld id="{B61BEF0D-F0BB-DE4B-95CE-6DB70DBA9567}" type="datetimeFigureOut">
               <a:rPr lang="en-US" dirty="0"/>
               <a:pPr/>
-              <a:t>11/29/2017</a:t>
+              <a:t>12/5/2017</a:t>
             </a:fld>
             <a:endParaRPr lang="en-US" dirty="0"/>
           </a:p>
@@ -6798,7 +6801,7 @@
 </file>
 
 <file path=ppt/slides/slide1.xml><?xml version="1.0" encoding="utf-8"?>
-<p:sld xmlns:a="http://schemas.openxmlformats.org/drawingml/2006/main" xmlns:r="http://schemas.openxmlformats.org/officeDocument/2006/relationships" xmlns:p="http://schemas.openxmlformats.org/presentationml/2006/main" xmlns:p14="http://schemas.microsoft.com/office/powerpoint/2010/main">
+<p:sld xmlns:a="http://schemas.openxmlformats.org/drawingml/2006/main" xmlns:r="http://schemas.openxmlformats.org/officeDocument/2006/relationships" xmlns:p="http://schemas.openxmlformats.org/presentationml/2006/main">
   <p:cSld>
     <p:spTree>
       <p:nvGrpSpPr>
@@ -7049,26 +7052,11 @@
   <p:clrMapOvr>
     <a:masterClrMapping/>
   </p:clrMapOvr>
-  <mc:AlternateContent xmlns:mc="http://schemas.openxmlformats.org/markup-compatibility/2006">
-    <mc:Choice xmlns:p14="http://schemas.microsoft.com/office/powerpoint/2010/main" Requires="p14">
-      <p:transition spd="slow" p14:dur="2000"/>
-    </mc:Choice>
-    <mc:Fallback>
-      <p:transition spd="slow"/>
-    </mc:Fallback>
-  </mc:AlternateContent>
-  <p:timing>
-    <p:tnLst>
-      <p:par>
-        <p:cTn id="1" dur="indefinite" restart="never" nodeType="tmRoot"/>
-      </p:par>
-    </p:tnLst>
-  </p:timing>
 </p:sld>
 </file>
 
 <file path=ppt/slides/slide10.xml><?xml version="1.0" encoding="utf-8"?>
-<p:sld xmlns:a="http://schemas.openxmlformats.org/drawingml/2006/main" xmlns:r="http://schemas.openxmlformats.org/officeDocument/2006/relationships" xmlns:p="http://schemas.openxmlformats.org/presentationml/2006/main" xmlns:p14="http://schemas.microsoft.com/office/powerpoint/2010/main">
+<p:sld xmlns:a="http://schemas.openxmlformats.org/drawingml/2006/main" xmlns:r="http://schemas.openxmlformats.org/officeDocument/2006/relationships" xmlns:p="http://schemas.openxmlformats.org/presentationml/2006/main">
   <p:cSld>
     <p:spTree>
       <p:nvGrpSpPr>
@@ -7103,12 +7091,12 @@
           <a:noFill/>
         </p:spPr>
         <p:txBody>
-          <a:bodyPr wrap="square" lIns="91440" tIns="45720" rIns="91440" bIns="45720" numCol="1" vert="horz" anchor="t">
+          <a:bodyPr vert="horz" wrap="square" lIns="91440" tIns="45720" rIns="91440" bIns="45720" numCol="1" anchor="t">
             <a:spAutoFit/>
           </a:bodyPr>
           <a:lstStyle/>
           <a:p>
-            <a:pPr marL="0" indent="0" algn="l" fontAlgn="auto" defTabSz="457200" eaLnBrk="0" latinLnBrk="0">
+            <a:pPr marL="0" indent="0" algn="l" defTabSz="457200" eaLnBrk="0" fontAlgn="auto" latinLnBrk="0">
               <a:lnSpc>
                 <a:spcPct val="100000"/>
               </a:lnSpc>
@@ -7122,7 +7110,7 @@
               <a:buNone/>
             </a:pPr>
             <a:r>
-              <a:rPr lang="en-US" altLang="ko-KR" sz="4400" cap="none" dirty="0" smtClean="0" b="0">
+              <a:rPr lang="en-US" altLang="ko-KR" sz="4400" b="0" cap="none" dirty="0">
                 <a:solidFill>
                   <a:schemeClr val="accent1">
                     <a:lumMod val="75000"/>
@@ -7133,7 +7121,7 @@
               </a:rPr>
               <a:t>게임소개 - 예시</a:t>
             </a:r>
-            <a:endParaRPr lang="ko-KR" altLang="en-US" sz="4400" cap="none" dirty="0" smtClean="0" b="0">
+            <a:endParaRPr lang="ko-KR" altLang="en-US" sz="4400" b="0" cap="none" dirty="0">
               <a:solidFill>
                 <a:schemeClr val="accent1">
                   <a:lumMod val="75000"/>
@@ -7306,11 +7294,13 @@
           </a:stretch>
         </p:blipFill>
         <p:spPr>
-          <a:xfrm rot="0">
+          <a:xfrm>
             <a:off x="822325" y="1821815"/>
             <a:ext cx="6610985" cy="3719195"/>
           </a:xfrm>
-          <a:prstGeom prst="rect"/>
+          <a:prstGeom prst="rect">
+            <a:avLst/>
+          </a:prstGeom>
           <a:noFill/>
         </p:spPr>
       </p:pic>
@@ -7337,12 +7327,12 @@
           <a:noFill/>
         </p:spPr>
         <p:txBody>
-          <a:bodyPr wrap="square" lIns="91440" tIns="45720" rIns="91440" bIns="45720" numCol="1" vert="horz" anchor="t">
+          <a:bodyPr vert="horz" wrap="square" lIns="91440" tIns="45720" rIns="91440" bIns="45720" numCol="1" anchor="t">
             <a:spAutoFit/>
           </a:bodyPr>
           <a:lstStyle/>
           <a:p>
-            <a:pPr marL="0" indent="0" algn="l" fontAlgn="auto" defTabSz="457200" eaLnBrk="0" latinLnBrk="0">
+            <a:pPr marL="0" indent="0" algn="l" defTabSz="457200" eaLnBrk="0" fontAlgn="auto" latinLnBrk="0">
               <a:lnSpc>
                 <a:spcPct val="100000"/>
               </a:lnSpc>
@@ -7356,14 +7346,14 @@
               <a:buNone/>
             </a:pPr>
             <a:r>
-              <a:rPr lang="en-US" altLang="ko-KR" sz="1400" cap="none" dirty="0" smtClean="0" b="0">
+              <a:rPr lang="en-US" altLang="ko-KR" sz="1400" b="0" cap="none" dirty="0">
                 <a:latin typeface="Century Gothic" charset="0"/>
                 <a:ea typeface="Century Gothic" charset="0"/>
               </a:rPr>
               <a:t>[</a:t>
             </a:r>
             <a:r>
-              <a:rPr lang="en-US" altLang="ko-KR" sz="1400" cap="none" dirty="0" smtClean="0" b="0">
+              <a:rPr lang="en-US" altLang="ko-KR" sz="1400" b="0" cap="none" dirty="0">
                 <a:solidFill>
                   <a:srgbClr val="FFFFFF"/>
                 </a:solidFill>
@@ -7373,47 +7363,47 @@
               <a:t>연구소</a:t>
             </a:r>
             <a:r>
-              <a:rPr lang="en-US" altLang="ko-KR" sz="1400" cap="none" dirty="0" smtClean="0" b="0">
+              <a:rPr lang="en-US" altLang="ko-KR" sz="1400" b="0" cap="none" dirty="0">
                 <a:latin typeface="Century Gothic" charset="0"/>
                 <a:ea typeface="Century Gothic" charset="0"/>
               </a:rPr>
               <a:t>] </a:t>
             </a:r>
             <a:r>
-              <a:rPr lang="en-US" altLang="ko-KR" sz="1400" cap="none" dirty="0" smtClean="0" b="0">
+              <a:rPr lang="en-US" altLang="ko-KR" sz="1400" b="0" cap="none" dirty="0">
                 <a:latin typeface="맑은 고딕" charset="0"/>
                 <a:ea typeface="맑은 고딕" charset="0"/>
               </a:rPr>
               <a:t>게임이</a:t>
             </a:r>
             <a:r>
-              <a:rPr lang="en-US" altLang="ko-KR" sz="1400" cap="none" dirty="0" smtClean="0" b="0">
+              <a:rPr lang="en-US" altLang="ko-KR" sz="1400" b="0" cap="none" dirty="0">
                 <a:latin typeface="Century Gothic" charset="0"/>
                 <a:ea typeface="Century Gothic" charset="0"/>
               </a:rPr>
               <a:t> </a:t>
             </a:r>
             <a:r>
-              <a:rPr lang="en-US" altLang="ko-KR" sz="1400" cap="none" dirty="0" smtClean="0" b="0">
+              <a:rPr lang="en-US" altLang="ko-KR" sz="1400" b="0" cap="none" dirty="0">
                 <a:latin typeface="맑은 고딕" charset="0"/>
                 <a:ea typeface="맑은 고딕" charset="0"/>
               </a:rPr>
               <a:t>시작되었습니다</a:t>
             </a:r>
             <a:r>
-              <a:rPr lang="en-US" altLang="ko-KR" sz="1400" cap="none" dirty="0" smtClean="0" b="0">
+              <a:rPr lang="en-US" altLang="ko-KR" sz="1400" b="0" cap="none" dirty="0">
                 <a:latin typeface="Century Gothic" charset="0"/>
                 <a:ea typeface="Century Gothic" charset="0"/>
               </a:rPr>
               <a:t>.</a:t>
             </a:r>
-            <a:endParaRPr lang="ko-KR" altLang="en-US" sz="1400" cap="none" dirty="0" smtClean="0" b="0">
+            <a:endParaRPr lang="ko-KR" altLang="en-US" sz="1400" b="0" cap="none" dirty="0">
               <a:latin typeface="Century Gothic" charset="0"/>
               <a:ea typeface="Century Gothic" charset="0"/>
             </a:endParaRPr>
           </a:p>
           <a:p>
-            <a:pPr marL="0" indent="0" algn="l" fontAlgn="auto" defTabSz="457200" eaLnBrk="0" latinLnBrk="0">
+            <a:pPr marL="0" indent="0" algn="l" defTabSz="457200" eaLnBrk="0" fontAlgn="auto" latinLnBrk="0">
               <a:lnSpc>
                 <a:spcPct val="100000"/>
               </a:lnSpc>
@@ -7427,7 +7417,7 @@
               <a:buNone/>
             </a:pPr>
             <a:r>
-              <a:rPr lang="en-US" altLang="ko-KR" sz="1400" cap="none" dirty="0" smtClean="0" b="1">
+              <a:rPr lang="en-US" altLang="ko-KR" sz="1400" b="1" cap="none" dirty="0">
                 <a:solidFill>
                   <a:schemeClr val="accent4"/>
                 </a:solidFill>
@@ -7437,7 +7427,7 @@
               <a:t>1p</a:t>
             </a:r>
             <a:r>
-              <a:rPr lang="en-US" altLang="ko-KR" sz="1400" cap="none" dirty="0" smtClean="0" b="1">
+              <a:rPr lang="en-US" altLang="ko-KR" sz="1400" b="1" cap="none" dirty="0">
                 <a:solidFill>
                   <a:schemeClr val="accent4"/>
                 </a:solidFill>
@@ -7447,7 +7437,7 @@
               <a:t>가</a:t>
             </a:r>
             <a:r>
-              <a:rPr lang="en-US" altLang="ko-KR" sz="1400" cap="none" dirty="0" smtClean="0" b="1">
+              <a:rPr lang="en-US" altLang="ko-KR" sz="1400" b="1" cap="none" dirty="0">
                 <a:solidFill>
                   <a:schemeClr val="accent4"/>
                 </a:solidFill>
@@ -7457,7 +7447,7 @@
               <a:t> </a:t>
             </a:r>
             <a:r>
-              <a:rPr lang="en-US" altLang="ko-KR" sz="1400" cap="none" dirty="0" smtClean="0" b="1">
+              <a:rPr lang="en-US" altLang="ko-KR" sz="1400" b="1" cap="none" dirty="0">
                 <a:solidFill>
                   <a:schemeClr val="accent4"/>
                 </a:solidFill>
@@ -7467,7 +7457,7 @@
               <a:t>503을</a:t>
             </a:r>
             <a:r>
-              <a:rPr lang="en-US" altLang="ko-KR" sz="1400" cap="none" dirty="0" smtClean="0" b="1">
+              <a:rPr lang="en-US" altLang="ko-KR" sz="1400" b="1" cap="none" dirty="0">
                 <a:solidFill>
                   <a:schemeClr val="accent4"/>
                 </a:solidFill>
@@ -7477,7 +7467,7 @@
               <a:t> </a:t>
             </a:r>
             <a:r>
-              <a:rPr lang="en-US" altLang="ko-KR" sz="1400" cap="none" dirty="0" smtClean="0" b="1">
+              <a:rPr lang="en-US" altLang="ko-KR" sz="1400" b="1" cap="none" dirty="0">
                 <a:solidFill>
                   <a:schemeClr val="accent4"/>
                 </a:solidFill>
@@ -7487,7 +7477,7 @@
               <a:t>생성했습니다</a:t>
             </a:r>
             <a:r>
-              <a:rPr lang="en-US" altLang="ko-KR" sz="1400" cap="none" dirty="0" smtClean="0" b="1">
+              <a:rPr lang="en-US" altLang="ko-KR" sz="1400" b="1" cap="none" dirty="0">
                 <a:solidFill>
                   <a:schemeClr val="accent4"/>
                 </a:solidFill>
@@ -7496,7 +7486,7 @@
               </a:rPr>
               <a:t>.</a:t>
             </a:r>
-            <a:endParaRPr lang="ko-KR" altLang="en-US" sz="1400" cap="none" dirty="0" smtClean="0" b="1">
+            <a:endParaRPr lang="ko-KR" altLang="en-US" sz="1400" b="1" cap="none" dirty="0">
               <a:solidFill>
                 <a:schemeClr val="accent4"/>
               </a:solidFill>
@@ -7568,11 +7558,13 @@
           <p:nvPr/>
         </p:nvCxnSpPr>
         <p:spPr>
-          <a:xfrm rot="0">
+          <a:xfrm>
             <a:off x="2176145" y="5267325"/>
             <a:ext cx="1802765" cy="645795"/>
           </a:xfrm>
-          <a:prstGeom prst="straightConnector1"/>
+          <a:prstGeom prst="straightConnector1">
+            <a:avLst/>
+          </a:prstGeom>
           <a:ln w="38100" cap="flat" cmpd="sng">
             <a:solidFill>
               <a:srgbClr val="FF0000">
@@ -7607,20 +7599,22 @@
           <p:nvPr/>
         </p:nvSpPr>
         <p:spPr>
-          <a:xfrm rot="0">
+          <a:xfrm>
             <a:off x="3978275" y="5727700"/>
             <a:ext cx="1951355" cy="370205"/>
           </a:xfrm>
-          <a:prstGeom prst="rect"/>
+          <a:prstGeom prst="rect">
+            <a:avLst/>
+          </a:prstGeom>
           <a:noFill/>
         </p:spPr>
         <p:txBody>
-          <a:bodyPr wrap="square" lIns="91440" tIns="45720" rIns="91440" bIns="45720" numCol="1" vert="horz" anchor="t">
+          <a:bodyPr vert="horz" wrap="square" lIns="91440" tIns="45720" rIns="91440" bIns="45720" numCol="1" anchor="t">
             <a:spAutoFit/>
           </a:bodyPr>
           <a:lstStyle/>
           <a:p>
-            <a:pPr marL="0" indent="0" algn="l" fontAlgn="auto" defTabSz="457200" eaLnBrk="0" latinLnBrk="0">
+            <a:pPr marL="0" indent="0" algn="l" defTabSz="457200" eaLnBrk="0" fontAlgn="auto" latinLnBrk="0">
               <a:lnSpc>
                 <a:spcPct val="100000"/>
               </a:lnSpc>
@@ -7634,27 +7628,27 @@
               <a:buNone/>
             </a:pPr>
             <a:r>
-              <a:rPr lang="en-US" altLang="ko-KR" sz="1800" cap="none" dirty="0" smtClean="0" b="0">
+              <a:rPr lang="en-US" altLang="ko-KR" sz="1800" b="0" cap="none" dirty="0">
                 <a:latin typeface="맑은 고딕" charset="0"/>
                 <a:ea typeface="맑은 고딕" charset="0"/>
               </a:rPr>
               <a:t>시스템</a:t>
             </a:r>
             <a:r>
-              <a:rPr lang="en-US" altLang="ko-KR" sz="1800" cap="none" dirty="0" smtClean="0" b="0">
+              <a:rPr lang="en-US" altLang="ko-KR" sz="1800" b="0" cap="none" dirty="0">
                 <a:latin typeface="Century Gothic" charset="0"/>
                 <a:ea typeface="Century Gothic" charset="0"/>
               </a:rPr>
               <a:t> </a:t>
             </a:r>
             <a:r>
-              <a:rPr lang="en-US" altLang="ko-KR" sz="1800" cap="none" dirty="0" smtClean="0" b="0">
+              <a:rPr lang="en-US" altLang="ko-KR" sz="1800" b="0" cap="none" dirty="0">
                 <a:latin typeface="맑은 고딕" charset="0"/>
                 <a:ea typeface="맑은 고딕" charset="0"/>
               </a:rPr>
               <a:t>알림창</a:t>
             </a:r>
-            <a:endParaRPr lang="ko-KR" altLang="en-US" sz="1800" cap="none" dirty="0" smtClean="0" b="0">
+            <a:endParaRPr lang="ko-KR" altLang="en-US" sz="1800" b="0" cap="none" dirty="0">
               <a:latin typeface="맑은 고딕" charset="0"/>
               <a:ea typeface="맑은 고딕" charset="0"/>
             </a:endParaRPr>
@@ -7670,11 +7664,13 @@
           <p:nvPr/>
         </p:nvSpPr>
         <p:spPr>
-          <a:xfrm rot="0">
+          <a:xfrm>
             <a:off x="6707505" y="4681855"/>
             <a:ext cx="545465" cy="586105"/>
           </a:xfrm>
-          <a:prstGeom prst="lightningBolt"/>
+          <a:prstGeom prst="lightningBolt">
+            <a:avLst/>
+          </a:prstGeom>
           <a:solidFill>
             <a:srgbClr val="E1930E"/>
           </a:solidFill>
@@ -7700,12 +7696,12 @@
           </a:fontRef>
         </p:style>
         <p:txBody>
-          <a:bodyPr wrap="square" lIns="91440" tIns="45720" rIns="91440" bIns="45720" vert="horz" anchor="ctr">
+          <a:bodyPr vert="horz" wrap="square" lIns="91440" tIns="45720" rIns="91440" bIns="45720" anchor="ctr">
             <a:noAutofit/>
           </a:bodyPr>
           <a:lstStyle/>
           <a:p>
-            <a:pPr marL="0" indent="0" algn="ctr" fontAlgn="auto" defTabSz="457200" eaLnBrk="0" latinLnBrk="0">
+            <a:pPr marL="0" indent="0" algn="ctr" defTabSz="457200" eaLnBrk="0" fontAlgn="auto" latinLnBrk="0">
               <a:lnSpc>
                 <a:spcPct val="100000"/>
               </a:lnSpc>
@@ -7718,7 +7714,7 @@
               <a:buFontTx/>
               <a:buNone/>
             </a:pPr>
-            <a:endParaRPr lang="ko-KR" altLang="en-US" sz="1800" cap="none" dirty="0" smtClean="0" b="0">
+            <a:endParaRPr lang="ko-KR" altLang="en-US" sz="1800" b="0" cap="none" dirty="0">
               <a:latin typeface="맑은 고딕" charset="0"/>
               <a:ea typeface="맑은 고딕" charset="0"/>
             </a:endParaRPr>
@@ -7732,11 +7728,13 @@
           <p:nvPr/>
         </p:nvCxnSpPr>
         <p:spPr>
-          <a:xfrm rot="0">
+          <a:xfrm>
             <a:off x="7186930" y="5180330"/>
             <a:ext cx="1403985" cy="131445"/>
           </a:xfrm>
-          <a:prstGeom prst="straightConnector1"/>
+          <a:prstGeom prst="straightConnector1">
+            <a:avLst/>
+          </a:prstGeom>
           <a:ln w="31750" cap="rnd" cmpd="sng">
             <a:prstDash val="solid"/>
             <a:round/>
@@ -7768,20 +7766,22 @@
           <p:nvPr/>
         </p:nvSpPr>
         <p:spPr>
-          <a:xfrm rot="0">
+          <a:xfrm>
             <a:off x="8564245" y="5128260"/>
             <a:ext cx="1951355" cy="368935"/>
           </a:xfrm>
-          <a:prstGeom prst="rect"/>
+          <a:prstGeom prst="rect">
+            <a:avLst/>
+          </a:prstGeom>
           <a:noFill/>
         </p:spPr>
         <p:txBody>
-          <a:bodyPr wrap="square" lIns="91440" tIns="45720" rIns="91440" bIns="45720" vert="horz" anchor="t">
+          <a:bodyPr vert="horz" wrap="square" lIns="91440" tIns="45720" rIns="91440" bIns="45720" anchor="t">
             <a:spAutoFit/>
           </a:bodyPr>
           <a:lstStyle/>
           <a:p>
-            <a:pPr marL="0" indent="0" algn="l" fontAlgn="auto" defTabSz="457200" eaLnBrk="0" latinLnBrk="0">
+            <a:pPr marL="0" indent="0" algn="l" defTabSz="457200" eaLnBrk="0" fontAlgn="auto" latinLnBrk="0">
               <a:lnSpc>
                 <a:spcPct val="100000"/>
               </a:lnSpc>
@@ -7795,13 +7795,13 @@
               <a:buNone/>
             </a:pPr>
             <a:r>
-              <a:rPr lang="en-US" altLang="ko-KR" sz="1800" cap="none" dirty="0" smtClean="0" b="0">
+              <a:rPr lang="en-US" altLang="ko-KR" sz="1800" b="0" cap="none" dirty="0">
                 <a:latin typeface="맑은 고딕" charset="0"/>
                 <a:ea typeface="맑은 고딕" charset="0"/>
               </a:rPr>
               <a:t>에너지 충천 상태</a:t>
             </a:r>
-            <a:endParaRPr lang="ko-KR" altLang="en-US" sz="1800" cap="none" dirty="0" smtClean="0" b="0">
+            <a:endParaRPr lang="ko-KR" altLang="en-US" sz="1800" b="0" cap="none" dirty="0">
               <a:latin typeface="맑은 고딕" charset="0"/>
               <a:ea typeface="맑은 고딕" charset="0"/>
             </a:endParaRPr>
@@ -7818,26 +7818,11 @@
   <p:clrMapOvr>
     <a:masterClrMapping/>
   </p:clrMapOvr>
-  <mc:AlternateContent xmlns:mc="http://schemas.openxmlformats.org/markup-compatibility/2006">
-    <mc:Choice xmlns:p14="http://schemas.microsoft.com/office/powerpoint/2010/main" Requires="p14">
-      <p:transition spd="slow" p14:dur="2000"/>
-    </mc:Choice>
-    <mc:Fallback>
-      <p:transition spd="slow"/>
-    </mc:Fallback>
-  </mc:AlternateContent>
-  <p:timing>
-    <p:tnLst>
-      <p:par>
-        <p:cTn id="1" dur="indefinite" restart="never" nodeType="tmRoot"/>
-      </p:par>
-    </p:tnLst>
-  </p:timing>
 </p:sld>
 </file>
 
 <file path=ppt/slides/slide11.xml><?xml version="1.0" encoding="utf-8"?>
-<p:sld xmlns:a="http://schemas.openxmlformats.org/drawingml/2006/main" xmlns:r="http://schemas.openxmlformats.org/officeDocument/2006/relationships" xmlns:p="http://schemas.openxmlformats.org/presentationml/2006/main" xmlns:p14="http://schemas.microsoft.com/office/powerpoint/2010/main">
+<p:sld xmlns:a="http://schemas.openxmlformats.org/drawingml/2006/main" xmlns:r="http://schemas.openxmlformats.org/officeDocument/2006/relationships" xmlns:p="http://schemas.openxmlformats.org/presentationml/2006/main">
   <p:cSld>
     <p:spTree>
       <p:nvGrpSpPr>
@@ -7961,12 +7946,12 @@
           <a:noFill/>
         </p:spPr>
         <p:txBody>
-          <a:bodyPr wrap="square" lIns="91440" tIns="45720" rIns="91440" bIns="45720" numCol="1" vert="horz" anchor="t">
+          <a:bodyPr vert="horz" wrap="square" lIns="91440" tIns="45720" rIns="91440" bIns="45720" numCol="1" anchor="t">
             <a:spAutoFit/>
           </a:bodyPr>
           <a:lstStyle/>
           <a:p>
-            <a:pPr marL="0" indent="0" algn="l" fontAlgn="auto" defTabSz="457200" eaLnBrk="0" latinLnBrk="0">
+            <a:pPr marL="0" indent="0" algn="l" defTabSz="457200" eaLnBrk="0" fontAlgn="auto" latinLnBrk="0">
               <a:lnSpc>
                 <a:spcPct val="100000"/>
               </a:lnSpc>
@@ -7980,82 +7965,82 @@
               <a:buNone/>
             </a:pPr>
             <a:r>
-              <a:rPr lang="en-US" altLang="ko-KR" sz="1800" cap="none" dirty="0" smtClean="0" b="0">
+              <a:rPr lang="en-US" altLang="ko-KR" sz="1800" b="0" cap="none" dirty="0">
                 <a:latin typeface="맑은 고딕" charset="0"/>
                 <a:ea typeface="맑은 고딕" charset="0"/>
               </a:rPr>
               <a:t>로봇이</a:t>
             </a:r>
             <a:r>
-              <a:rPr lang="en-US" altLang="ko-KR" sz="1800" cap="none" dirty="0" smtClean="0" b="0">
+              <a:rPr lang="en-US" altLang="ko-KR" sz="1800" b="0" cap="none" dirty="0">
                 <a:latin typeface="Century Gothic" charset="0"/>
                 <a:ea typeface="Century Gothic" charset="0"/>
               </a:rPr>
               <a:t> </a:t>
             </a:r>
             <a:r>
-              <a:rPr lang="en-US" altLang="ko-KR" sz="1800" cap="none" dirty="0" smtClean="0" b="0">
+              <a:rPr lang="en-US" altLang="ko-KR" sz="1800" b="0" cap="none" dirty="0">
                 <a:latin typeface="맑은 고딕" charset="0"/>
                 <a:ea typeface="맑은 고딕" charset="0"/>
               </a:rPr>
               <a:t>주인공이며</a:t>
             </a:r>
             <a:r>
-              <a:rPr lang="en-US" altLang="ko-KR" sz="1800" cap="none" dirty="0" smtClean="0" b="0">
+              <a:rPr lang="en-US" altLang="ko-KR" sz="1800" b="0" cap="none" dirty="0">
                 <a:latin typeface="Century Gothic" charset="0"/>
                 <a:ea typeface="Century Gothic" charset="0"/>
               </a:rPr>
               <a:t>, </a:t>
             </a:r>
             <a:r>
-              <a:rPr lang="en-US" altLang="ko-KR" sz="1800" cap="none" dirty="0" smtClean="0" b="0">
+              <a:rPr lang="en-US" altLang="ko-KR" sz="1800" b="0" cap="none" dirty="0">
                 <a:latin typeface="맑은 고딕" charset="0"/>
                 <a:ea typeface="맑은 고딕" charset="0"/>
               </a:rPr>
               <a:t>플레이어가</a:t>
             </a:r>
             <a:r>
-              <a:rPr lang="en-US" altLang="ko-KR" sz="1800" cap="none" dirty="0" smtClean="0" b="0">
+              <a:rPr lang="en-US" altLang="ko-KR" sz="1800" b="0" cap="none" dirty="0">
                 <a:latin typeface="Century Gothic" charset="0"/>
                 <a:ea typeface="Century Gothic" charset="0"/>
               </a:rPr>
               <a:t> </a:t>
             </a:r>
             <a:r>
-              <a:rPr lang="en-US" altLang="ko-KR" sz="1800" cap="none" dirty="0" smtClean="0" b="0">
+              <a:rPr lang="en-US" altLang="ko-KR" sz="1800" b="0" cap="none" dirty="0">
                 <a:latin typeface="맑은 고딕" charset="0"/>
                 <a:ea typeface="맑은 고딕" charset="0"/>
               </a:rPr>
               <a:t>컨트롤하는</a:t>
             </a:r>
             <a:r>
-              <a:rPr lang="en-US" altLang="ko-KR" sz="1800" cap="none" dirty="0" smtClean="0" b="0">
+              <a:rPr lang="en-US" altLang="ko-KR" sz="1800" b="0" cap="none" dirty="0">
                 <a:latin typeface="Century Gothic" charset="0"/>
                 <a:ea typeface="Century Gothic" charset="0"/>
               </a:rPr>
               <a:t> </a:t>
             </a:r>
             <a:r>
-              <a:rPr lang="en-US" altLang="ko-KR" sz="1800" cap="none" dirty="0" smtClean="0" b="0">
+              <a:rPr lang="en-US" altLang="ko-KR" sz="1800" b="0" cap="none" dirty="0">
                 <a:latin typeface="맑은 고딕" charset="0"/>
                 <a:ea typeface="맑은 고딕" charset="0"/>
               </a:rPr>
               <a:t>캐릭터이다</a:t>
             </a:r>
             <a:r>
-              <a:rPr lang="en-US" altLang="ko-KR" sz="1800" cap="none" dirty="0" smtClean="0" b="0">
+              <a:rPr lang="en-US" altLang="ko-KR" sz="1800" b="0" cap="none" dirty="0">
                 <a:latin typeface="Century Gothic" charset="0"/>
                 <a:ea typeface="Century Gothic" charset="0"/>
               </a:rPr>
               <a:t>.</a:t>
             </a:r>
-            <a:endParaRPr lang="ko-KR" altLang="en-US" sz="1800" cap="none" dirty="0" smtClean="0" b="0">
+            <a:endParaRPr lang="ko-KR" altLang="en-US" sz="1800" b="0" cap="none" dirty="0">
               <a:latin typeface="Century Gothic" charset="0"/>
               <a:ea typeface="Century Gothic" charset="0"/>
             </a:endParaRPr>
           </a:p>
           <a:p>
-            <a:pPr marL="0" indent="0" algn="l" fontAlgn="auto" defTabSz="457200" eaLnBrk="0" latinLnBrk="0">
+            <a:pPr marL="0" indent="0" algn="l" defTabSz="457200" eaLnBrk="0" fontAlgn="auto" latinLnBrk="0">
               <a:lnSpc>
                 <a:spcPct val="100000"/>
               </a:lnSpc>
@@ -8068,13 +8053,13 @@
               <a:buFontTx/>
               <a:buNone/>
             </a:pPr>
-            <a:endParaRPr lang="ko-KR" altLang="en-US" sz="1800" cap="none" dirty="0" smtClean="0" b="0">
+            <a:endParaRPr lang="ko-KR" altLang="en-US" sz="1800" b="0" cap="none" dirty="0">
               <a:latin typeface="Century Gothic" charset="0"/>
               <a:ea typeface="Century Gothic" charset="0"/>
             </a:endParaRPr>
           </a:p>
           <a:p>
-            <a:pPr marL="0" indent="0" algn="l" fontAlgn="auto" defTabSz="457200" eaLnBrk="0" latinLnBrk="0">
+            <a:pPr marL="0" indent="0" algn="l" defTabSz="457200" eaLnBrk="0" fontAlgn="auto" latinLnBrk="0">
               <a:lnSpc>
                 <a:spcPct val="100000"/>
               </a:lnSpc>
@@ -8088,13 +8073,13 @@
               <a:buNone/>
             </a:pPr>
             <a:r>
-              <a:rPr lang="en-US" altLang="ko-KR" sz="1800" cap="none" dirty="0" smtClean="0" b="0">
+              <a:rPr lang="en-US" altLang="ko-KR" sz="1800" b="0" cap="none" dirty="0">
                 <a:latin typeface="맑은 고딕" charset="0"/>
                 <a:ea typeface="맑은 고딕" charset="0"/>
               </a:rPr>
               <a:t>해당 로봇 가운데에는 식별코드가 적혀있다.</a:t>
             </a:r>
-            <a:endParaRPr lang="ko-KR" altLang="en-US" sz="1800" cap="none" dirty="0" smtClean="0" b="0">
+            <a:endParaRPr lang="ko-KR" altLang="en-US" sz="1800" b="0" cap="none" dirty="0">
               <a:latin typeface="맑은 고딕" charset="0"/>
               <a:ea typeface="맑은 고딕" charset="0"/>
             </a:endParaRPr>
@@ -8110,20 +8095,22 @@
           <p:nvPr/>
         </p:nvSpPr>
         <p:spPr>
-          <a:xfrm rot="0">
+          <a:xfrm>
             <a:off x="4747895" y="3766185"/>
             <a:ext cx="6453505" cy="1199515"/>
           </a:xfrm>
-          <a:prstGeom prst="rect"/>
+          <a:prstGeom prst="rect">
+            <a:avLst/>
+          </a:prstGeom>
           <a:noFill/>
         </p:spPr>
         <p:txBody>
-          <a:bodyPr wrap="square" lIns="91440" tIns="45720" rIns="91440" bIns="45720" numCol="1" vert="horz" anchor="t">
+          <a:bodyPr vert="horz" wrap="square" lIns="91440" tIns="45720" rIns="91440" bIns="45720" numCol="1" anchor="t">
             <a:spAutoFit/>
           </a:bodyPr>
           <a:lstStyle/>
           <a:p>
-            <a:pPr marL="0" indent="0" algn="l" fontAlgn="auto" defTabSz="457200" eaLnBrk="0" latinLnBrk="0">
+            <a:pPr marL="0" indent="0" algn="l" defTabSz="457200" eaLnBrk="0" fontAlgn="auto" latinLnBrk="0">
               <a:lnSpc>
                 <a:spcPct val="100000"/>
               </a:lnSpc>
@@ -8137,47 +8124,47 @@
               <a:buNone/>
             </a:pPr>
             <a:r>
-              <a:rPr lang="en-US" altLang="ko-KR" sz="1800" cap="none" dirty="0" smtClean="0" b="0">
+              <a:rPr lang="en-US" altLang="ko-KR" sz="1800" b="0" cap="none" dirty="0">
                 <a:latin typeface="맑은 고딕" charset="0"/>
                 <a:ea typeface="맑은 고딕" charset="0"/>
               </a:rPr>
               <a:t>  특징</a:t>
             </a:r>
             <a:r>
-              <a:rPr lang="en-US" altLang="ko-KR" sz="1800" cap="none" dirty="0" smtClean="0" b="0">
+              <a:rPr lang="en-US" altLang="ko-KR" sz="1800" b="0" cap="none" dirty="0">
                 <a:latin typeface="Century Gothic" charset="0"/>
                 <a:ea typeface="Century Gothic" charset="0"/>
               </a:rPr>
               <a:t> : </a:t>
             </a:r>
             <a:r>
-              <a:rPr lang="en-US" altLang="ko-KR" sz="1800" cap="none" dirty="0" smtClean="0" b="0">
+              <a:rPr lang="en-US" altLang="ko-KR" sz="1800" b="0" cap="none" dirty="0">
                 <a:latin typeface="맑은 고딕" charset="0"/>
                 <a:ea typeface="맑은 고딕" charset="0"/>
               </a:rPr>
               <a:t>전류를 흘려보내</a:t>
             </a:r>
             <a:r>
-              <a:rPr lang="en-US" altLang="ko-KR" sz="1800" cap="none" dirty="0" smtClean="0" b="0">
+              <a:rPr lang="en-US" altLang="ko-KR" sz="1800" b="0" cap="none" dirty="0">
                 <a:latin typeface="Century Gothic" charset="0"/>
                 <a:ea typeface="Century Gothic" charset="0"/>
               </a:rPr>
               <a:t> </a:t>
             </a:r>
             <a:r>
-              <a:rPr lang="en-US" altLang="ko-KR" sz="1800" cap="none" dirty="0" smtClean="0" b="0">
+              <a:rPr lang="en-US" altLang="ko-KR" sz="1800" b="0" cap="none" dirty="0">
                 <a:latin typeface="맑은 고딕" charset="0"/>
                 <a:ea typeface="맑은 고딕" charset="0"/>
               </a:rPr>
               <a:t>자석의 성질을 가질 수 있다.</a:t>
             </a:r>
-            <a:endParaRPr lang="ko-KR" altLang="en-US" sz="1800" cap="none" dirty="0" smtClean="0" b="0">
+            <a:endParaRPr lang="ko-KR" altLang="en-US" sz="1800" b="0" cap="none" dirty="0">
               <a:latin typeface="맑은 고딕" charset="0"/>
               <a:ea typeface="맑은 고딕" charset="0"/>
             </a:endParaRPr>
           </a:p>
           <a:p>
-            <a:pPr marL="0" indent="0" algn="l" fontAlgn="auto" defTabSz="457200" eaLnBrk="0" latinLnBrk="0">
+            <a:pPr marL="0" indent="0" algn="l" defTabSz="457200" eaLnBrk="0" fontAlgn="auto" latinLnBrk="0">
               <a:lnSpc>
                 <a:spcPct val="100000"/>
               </a:lnSpc>
@@ -8191,19 +8178,19 @@
               <a:buNone/>
             </a:pPr>
             <a:r>
-              <a:rPr lang="en-US" altLang="ko-KR" sz="1800" cap="none" dirty="0" smtClean="0" b="0">
+              <a:rPr lang="en-US" altLang="ko-KR" sz="1800" b="0" cap="none" dirty="0">
                 <a:latin typeface="맑은 고딕" charset="0"/>
                 <a:ea typeface="맑은 고딕" charset="0"/>
               </a:rPr>
               <a:t>        </a:t>
             </a:r>
-            <a:endParaRPr lang="ko-KR" altLang="en-US" sz="1800" cap="none" dirty="0" smtClean="0" b="0">
+            <a:endParaRPr lang="ko-KR" altLang="en-US" sz="1800" b="0" cap="none" dirty="0">
               <a:latin typeface="맑은 고딕" charset="0"/>
               <a:ea typeface="맑은 고딕" charset="0"/>
             </a:endParaRPr>
           </a:p>
           <a:p>
-            <a:pPr marL="0" indent="0" algn="l" fontAlgn="auto" defTabSz="457200" eaLnBrk="0" latinLnBrk="0">
+            <a:pPr marL="0" indent="0" algn="l" defTabSz="457200" eaLnBrk="0" fontAlgn="auto" latinLnBrk="0">
               <a:lnSpc>
                 <a:spcPct val="100000"/>
               </a:lnSpc>
@@ -8217,19 +8204,19 @@
               <a:buNone/>
             </a:pPr>
             <a:r>
-              <a:rPr lang="en-US" altLang="ko-KR" sz="1800" cap="none" dirty="0" smtClean="0" b="0">
+              <a:rPr lang="en-US" altLang="ko-KR" sz="1800" b="0" cap="none" dirty="0">
                 <a:latin typeface="맑은 고딕" charset="0"/>
                 <a:ea typeface="맑은 고딕" charset="0"/>
               </a:rPr>
               <a:t>            전류를 흘려보내지 않는다면 자석의 성질을 잃는다.</a:t>
             </a:r>
-            <a:endParaRPr lang="ko-KR" altLang="en-US" sz="1800" cap="none" dirty="0" smtClean="0" b="0">
+            <a:endParaRPr lang="ko-KR" altLang="en-US" sz="1800" b="0" cap="none" dirty="0">
               <a:latin typeface="Century Gothic" charset="0"/>
               <a:ea typeface="Century Gothic" charset="0"/>
             </a:endParaRPr>
           </a:p>
           <a:p>
-            <a:pPr marL="0" indent="0" algn="l" fontAlgn="auto" defTabSz="457200" eaLnBrk="0" latinLnBrk="0">
+            <a:pPr marL="0" indent="0" algn="l" defTabSz="457200" eaLnBrk="0" fontAlgn="auto" latinLnBrk="0">
               <a:lnSpc>
                 <a:spcPct val="100000"/>
               </a:lnSpc>
@@ -8243,13 +8230,13 @@
               <a:buNone/>
             </a:pPr>
             <a:r>
-              <a:rPr lang="en-US" altLang="ko-KR" sz="1800" cap="none" dirty="0" smtClean="0" b="0">
+              <a:rPr lang="en-US" altLang="ko-KR" sz="1800" b="0" cap="none" dirty="0">
                 <a:latin typeface="Century Gothic" charset="0"/>
                 <a:ea typeface="Century Gothic" charset="0"/>
               </a:rPr>
               <a:t>	   </a:t>
             </a:r>
-            <a:endParaRPr lang="ko-KR" altLang="en-US" sz="1800" cap="none" dirty="0" smtClean="0" b="0">
+            <a:endParaRPr lang="ko-KR" altLang="en-US" sz="1800" b="0" cap="none" dirty="0">
               <a:latin typeface="Century Gothic" charset="0"/>
               <a:ea typeface="Century Gothic" charset="0"/>
             </a:endParaRPr>
@@ -8266,26 +8253,11 @@
   <p:clrMapOvr>
     <a:masterClrMapping/>
   </p:clrMapOvr>
-  <mc:AlternateContent xmlns:mc="http://schemas.openxmlformats.org/markup-compatibility/2006">
-    <mc:Choice xmlns:p14="http://schemas.microsoft.com/office/powerpoint/2010/main" Requires="p14">
-      <p:transition spd="slow" p14:dur="2000"/>
-    </mc:Choice>
-    <mc:Fallback>
-      <p:transition spd="slow"/>
-    </mc:Fallback>
-  </mc:AlternateContent>
-  <p:timing>
-    <p:tnLst>
-      <p:par>
-        <p:cTn id="1" dur="indefinite" restart="never" nodeType="tmRoot"/>
-      </p:par>
-    </p:tnLst>
-  </p:timing>
 </p:sld>
 </file>
 
 <file path=ppt/slides/slide12.xml><?xml version="1.0" encoding="utf-8"?>
-<p:sld xmlns:a="http://schemas.openxmlformats.org/drawingml/2006/main" xmlns:r="http://schemas.openxmlformats.org/officeDocument/2006/relationships" xmlns:p="http://schemas.openxmlformats.org/presentationml/2006/main" xmlns:p14="http://schemas.microsoft.com/office/powerpoint/2010/main">
+<p:sld xmlns:a="http://schemas.openxmlformats.org/drawingml/2006/main" xmlns:r="http://schemas.openxmlformats.org/officeDocument/2006/relationships" xmlns:p="http://schemas.openxmlformats.org/presentationml/2006/main">
   <p:cSld>
     <p:spTree>
       <p:nvGrpSpPr>
@@ -8310,20 +8282,22 @@
           <p:nvPr/>
         </p:nvSpPr>
         <p:spPr>
-          <a:xfrm rot="0">
+          <a:xfrm>
             <a:off x="821055" y="418465"/>
             <a:ext cx="6376035" cy="768985"/>
           </a:xfrm>
-          <a:prstGeom prst="rect"/>
+          <a:prstGeom prst="rect">
+            <a:avLst/>
+          </a:prstGeom>
           <a:noFill/>
         </p:spPr>
         <p:txBody>
-          <a:bodyPr wrap="square" lIns="91440" tIns="45720" rIns="91440" bIns="45720" numCol="1" vert="horz" anchor="t">
+          <a:bodyPr vert="horz" wrap="square" lIns="91440" tIns="45720" rIns="91440" bIns="45720" numCol="1" anchor="t">
             <a:spAutoFit/>
           </a:bodyPr>
           <a:lstStyle/>
           <a:p>
-            <a:pPr marL="0" indent="0" algn="l" fontAlgn="auto" defTabSz="457200" eaLnBrk="0" latinLnBrk="0">
+            <a:pPr marL="0" indent="0" algn="l" defTabSz="457200" eaLnBrk="0" fontAlgn="auto" latinLnBrk="0">
               <a:lnSpc>
                 <a:spcPct val="100000"/>
               </a:lnSpc>
@@ -8337,7 +8311,7 @@
               <a:buNone/>
             </a:pPr>
             <a:r>
-              <a:rPr lang="en-US" altLang="ko-KR" sz="4400" cap="none" dirty="0" smtClean="0" b="0">
+              <a:rPr lang="en-US" altLang="ko-KR" sz="4400" b="0" cap="none" dirty="0">
                 <a:solidFill>
                   <a:schemeClr val="accent1">
                     <a:lumMod val="75000"/>
@@ -8348,7 +8322,7 @@
               </a:rPr>
               <a:t>게임 플레이 -조작방법</a:t>
             </a:r>
-            <a:endParaRPr lang="ko-KR" altLang="en-US" sz="4400" cap="none" dirty="0" smtClean="0" b="0">
+            <a:endParaRPr lang="ko-KR" altLang="en-US" sz="4400" b="0" cap="none" dirty="0">
               <a:solidFill>
                 <a:schemeClr val="accent1">
                   <a:lumMod val="75000"/>
@@ -9406,26 +9380,11 @@
   <p:clrMapOvr>
     <a:masterClrMapping/>
   </p:clrMapOvr>
-  <mc:AlternateContent xmlns:mc="http://schemas.openxmlformats.org/markup-compatibility/2006">
-    <mc:Choice xmlns:p14="http://schemas.microsoft.com/office/powerpoint/2010/main" Requires="p14">
-      <p:transition spd="slow" p14:dur="2000"/>
-    </mc:Choice>
-    <mc:Fallback>
-      <p:transition spd="slow"/>
-    </mc:Fallback>
-  </mc:AlternateContent>
-  <p:timing>
-    <p:tnLst>
-      <p:par>
-        <p:cTn id="1" dur="indefinite" restart="never" nodeType="tmRoot"/>
-      </p:par>
-    </p:tnLst>
-  </p:timing>
 </p:sld>
 </file>
 
 <file path=ppt/slides/slide13.xml><?xml version="1.0" encoding="utf-8"?>
-<p:sld xmlns:a="http://schemas.openxmlformats.org/drawingml/2006/main" xmlns:r="http://schemas.openxmlformats.org/officeDocument/2006/relationships" xmlns:p="http://schemas.openxmlformats.org/presentationml/2006/main" xmlns:p14="http://schemas.microsoft.com/office/powerpoint/2010/main">
+<p:sld xmlns:a="http://schemas.openxmlformats.org/drawingml/2006/main" xmlns:r="http://schemas.openxmlformats.org/officeDocument/2006/relationships" xmlns:p="http://schemas.openxmlformats.org/presentationml/2006/main">
   <p:cSld>
     <p:spTree>
       <p:nvGrpSpPr>
@@ -9490,8 +9449,20 @@
                 <a:tableStyleId>{5940675A-B579-460E-94D1-54222C63F5DA}</a:tableStyleId>
               </a:tblPr>
               <a:tblGrid>
-                <a:gridCol w="2560955"/>
-                <a:gridCol w="5505450"/>
+                <a:gridCol w="2560955">
+                  <a:extLst>
+                    <a:ext uri="{9D8B030D-6E8A-4147-A177-3AD203B41FA5}">
+                      <a16:colId xmlns:a16="http://schemas.microsoft.com/office/drawing/2014/main" val="20000"/>
+                    </a:ext>
+                  </a:extLst>
+                </a:gridCol>
+                <a:gridCol w="5505450">
+                  <a:extLst>
+                    <a:ext uri="{9D8B030D-6E8A-4147-A177-3AD203B41FA5}">
+                      <a16:colId xmlns:a16="http://schemas.microsoft.com/office/drawing/2014/main" val="20001"/>
+                    </a:ext>
+                  </a:extLst>
+                </a:gridCol>
               </a:tblGrid>
               <a:tr h="635635">
                 <a:tc>
@@ -9499,7 +9470,7 @@
                     <a:bodyPr/>
                     <a:lstStyle/>
                     <a:p>
-                      <a:pPr marL="0" indent="0" algn="l" fontAlgn="auto" defTabSz="457200" eaLnBrk="0">
+                      <a:pPr marL="0" indent="0" algn="l" defTabSz="457200" eaLnBrk="0" fontAlgn="auto">
                         <a:lnSpc>
                           <a:spcPct val="100000"/>
                         </a:lnSpc>
@@ -9512,7 +9483,7 @@
                         <a:buFontTx/>
                         <a:buNone/>
                       </a:pPr>
-                      <a:endParaRPr lang="ko-KR" altLang="en-US" sz="1800" kern="1200" dirty="0" smtClean="0" b="0">
+                      <a:endParaRPr lang="ko-KR" altLang="en-US" sz="1800" b="0" kern="1200" dirty="0">
                         <a:solidFill>
                           <a:srgbClr val="FFFFFF"/>
                         </a:solidFill>
@@ -9521,7 +9492,7 @@
                       </a:endParaRPr>
                     </a:p>
                   </a:txBody>
-                  <a:tcPr marL="91440" marR="91440" marT="45720" marB="45720" anchor="t">
+                  <a:tcPr>
                     <a:lnL w="12700" cap="flat" cmpd="sng" algn="ctr">
                       <a:solidFill>
                         <a:srgbClr val="FFFFFF">
@@ -9574,7 +9545,7 @@
                     <a:bodyPr/>
                     <a:lstStyle/>
                     <a:p>
-                      <a:pPr marL="0" indent="0" algn="ctr" fontAlgn="auto" defTabSz="457200" eaLnBrk="0">
+                      <a:pPr marL="0" indent="0" algn="ctr" defTabSz="457200" eaLnBrk="0" fontAlgn="auto">
                         <a:lnSpc>
                           <a:spcPct val="100000"/>
                         </a:lnSpc>
@@ -9588,7 +9559,7 @@
                         <a:buNone/>
                       </a:pPr>
                       <a:r>
-                        <a:rPr lang="en-US" altLang="ko-KR" sz="2800" kern="1200" dirty="0" smtClean="0" b="0">
+                        <a:rPr lang="en-US" altLang="ko-KR" sz="2800" b="0" kern="1200" dirty="0">
                           <a:solidFill>
                             <a:srgbClr val="FFFFFF"/>
                           </a:solidFill>
@@ -9597,7 +9568,7 @@
                         </a:rPr>
                         <a:t>특징</a:t>
                       </a:r>
-                      <a:endParaRPr lang="ko-KR" altLang="en-US" sz="2800" kern="1200" dirty="0" smtClean="0" b="0">
+                      <a:endParaRPr lang="ko-KR" altLang="en-US" sz="2800" b="0" kern="1200" dirty="0">
                         <a:solidFill>
                           <a:srgbClr val="FFFFFF"/>
                         </a:solidFill>
@@ -9606,7 +9577,7 @@
                       </a:endParaRPr>
                     </a:p>
                   </a:txBody>
-                  <a:tcPr marL="91440" marR="91440" marT="45720" marB="45720" anchor="t">
+                  <a:tcPr>
                     <a:lnL w="12700" cap="flat" cmpd="sng" algn="ctr">
                       <a:solidFill>
                         <a:srgbClr val="FFFFFF">
@@ -9654,6 +9625,11 @@
                     <a:noFill/>
                   </a:tcPr>
                 </a:tc>
+                <a:extLst>
+                  <a:ext uri="{0D108BD9-81ED-4DB2-BD59-A6C34878D82A}">
+                    <a16:rowId xmlns:a16="http://schemas.microsoft.com/office/drawing/2014/main" val="10000"/>
+                  </a:ext>
+                </a:extLst>
               </a:tr>
               <a:tr h="1752600">
                 <a:tc>
@@ -9661,7 +9637,7 @@
                     <a:bodyPr/>
                     <a:lstStyle/>
                     <a:p>
-                      <a:pPr marL="0" indent="0" algn="l" fontAlgn="auto" defTabSz="457200" eaLnBrk="0">
+                      <a:pPr marL="0" indent="0" algn="l" defTabSz="457200" eaLnBrk="0" fontAlgn="auto">
                         <a:lnSpc>
                           <a:spcPct val="100000"/>
                         </a:lnSpc>
@@ -9674,7 +9650,7 @@
                         <a:buFontTx/>
                         <a:buNone/>
                       </a:pPr>
-                      <a:endParaRPr lang="ko-KR" altLang="en-US" sz="1800" kern="1200" dirty="0" smtClean="0" b="0">
+                      <a:endParaRPr lang="ko-KR" altLang="en-US" sz="1800" b="0" kern="1200" dirty="0">
                         <a:solidFill>
                           <a:srgbClr val="FFFFFF"/>
                         </a:solidFill>
@@ -9683,7 +9659,7 @@
                       </a:endParaRPr>
                     </a:p>
                   </a:txBody>
-                  <a:tcPr marL="91440" marR="91440" marT="45720" marB="45720" anchor="t">
+                  <a:tcPr>
                     <a:lnL w="12700" cap="flat" cmpd="sng" algn="ctr">
                       <a:solidFill>
                         <a:srgbClr val="FFFFFF">
@@ -9736,7 +9712,7 @@
                     <a:bodyPr/>
                     <a:lstStyle/>
                     <a:p>
-                      <a:pPr marL="0" indent="0" algn="ctr" fontAlgn="auto" defTabSz="457200" eaLnBrk="0">
+                      <a:pPr marL="0" indent="0" algn="ctr" defTabSz="457200" eaLnBrk="0" fontAlgn="auto">
                         <a:lnSpc>
                           <a:spcPct val="100000"/>
                         </a:lnSpc>
@@ -9749,7 +9725,7 @@
                         <a:buFontTx/>
                         <a:buNone/>
                       </a:pPr>
-                      <a:endParaRPr lang="ko-KR" altLang="en-US" sz="1800" kern="1200" dirty="0" smtClean="0" b="0">
+                      <a:endParaRPr lang="ko-KR" altLang="en-US" sz="1800" b="0" kern="1200" dirty="0">
                         <a:solidFill>
                           <a:srgbClr val="FFFFFF"/>
                         </a:solidFill>
@@ -9758,7 +9734,7 @@
                       </a:endParaRPr>
                     </a:p>
                     <a:p>
-                      <a:pPr marL="0" indent="0" algn="ctr" fontAlgn="auto" defTabSz="457200" eaLnBrk="0">
+                      <a:pPr marL="0" indent="0" algn="ctr" defTabSz="457200" eaLnBrk="0" fontAlgn="auto">
                         <a:lnSpc>
                           <a:spcPct val="100000"/>
                         </a:lnSpc>
@@ -9771,7 +9747,7 @@
                         <a:buFontTx/>
                         <a:buNone/>
                       </a:pPr>
-                      <a:endParaRPr lang="ko-KR" altLang="en-US" sz="1800" kern="1200" dirty="0" smtClean="0" b="0">
+                      <a:endParaRPr lang="ko-KR" altLang="en-US" sz="1800" b="0" kern="1200" dirty="0">
                         <a:solidFill>
                           <a:srgbClr val="FFFFFF"/>
                         </a:solidFill>
@@ -9780,7 +9756,7 @@
                       </a:endParaRPr>
                     </a:p>
                     <a:p>
-                      <a:pPr marL="0" indent="0" algn="ctr" fontAlgn="auto" defTabSz="457200" eaLnBrk="0">
+                      <a:pPr marL="0" indent="0" algn="ctr" defTabSz="457200" eaLnBrk="0" fontAlgn="auto">
                         <a:lnSpc>
                           <a:spcPct val="100000"/>
                         </a:lnSpc>
@@ -9794,7 +9770,7 @@
                         <a:buNone/>
                       </a:pPr>
                       <a:r>
-                        <a:rPr lang="en-US" altLang="ko-KR" sz="1800" kern="1200" dirty="0" smtClean="0" b="0">
+                        <a:rPr lang="en-US" altLang="ko-KR" sz="1800" b="0" kern="1200" dirty="0">
                           <a:solidFill>
                             <a:srgbClr val="FFFFFF"/>
                           </a:solidFill>
@@ -9804,7 +9780,7 @@
                         <a:t>버튼과</a:t>
                       </a:r>
                       <a:r>
-                        <a:rPr lang="en-US" altLang="ko-KR" sz="1800" kern="1200" dirty="0" smtClean="0" b="0">
+                        <a:rPr lang="en-US" altLang="ko-KR" sz="1800" b="0" kern="1200" dirty="0">
                           <a:solidFill>
                             <a:srgbClr val="FFFFFF"/>
                           </a:solidFill>
@@ -9814,7 +9790,7 @@
                         <a:t> </a:t>
                       </a:r>
                       <a:r>
-                        <a:rPr lang="en-US" altLang="ko-KR" sz="1800" kern="1200" dirty="0" smtClean="0" b="0">
+                        <a:rPr lang="en-US" altLang="ko-KR" sz="1800" b="0" kern="1200" dirty="0">
                           <a:solidFill>
                             <a:srgbClr val="FFFFFF"/>
                           </a:solidFill>
@@ -9824,7 +9800,7 @@
                         <a:t>플레이어가</a:t>
                       </a:r>
                       <a:r>
-                        <a:rPr lang="en-US" altLang="ko-KR" sz="1800" kern="1200" dirty="0" smtClean="0" b="0">
+                        <a:rPr lang="en-US" altLang="ko-KR" sz="1800" b="0" kern="1200" dirty="0">
                           <a:solidFill>
                             <a:srgbClr val="FFFFFF"/>
                           </a:solidFill>
@@ -9834,7 +9810,7 @@
                         <a:t> </a:t>
                       </a:r>
                       <a:r>
-                        <a:rPr lang="en-US" altLang="ko-KR" sz="1800" kern="1200" dirty="0" smtClean="0" b="0">
+                        <a:rPr lang="en-US" altLang="ko-KR" sz="1800" b="0" kern="1200" dirty="0">
                           <a:solidFill>
                             <a:srgbClr val="FFFFFF"/>
                           </a:solidFill>
@@ -9843,7 +9819,7 @@
                         </a:rPr>
                         <a:t>상호작용하면</a:t>
                       </a:r>
-                      <a:endParaRPr lang="ko-KR" altLang="en-US" sz="1800" kern="1200" dirty="0" smtClean="0" b="0">
+                      <a:endParaRPr lang="ko-KR" altLang="en-US" sz="1800" b="0" kern="1200" dirty="0">
                         <a:solidFill>
                           <a:srgbClr val="FFFFFF"/>
                         </a:solidFill>
@@ -9852,7 +9828,7 @@
                       </a:endParaRPr>
                     </a:p>
                     <a:p>
-                      <a:pPr marL="0" indent="0" algn="ctr" fontAlgn="auto" defTabSz="457200" eaLnBrk="0">
+                      <a:pPr marL="0" indent="0" algn="ctr" defTabSz="457200" eaLnBrk="0" fontAlgn="auto">
                         <a:lnSpc>
                           <a:spcPct val="100000"/>
                         </a:lnSpc>
@@ -9866,7 +9842,7 @@
                         <a:buNone/>
                       </a:pPr>
                       <a:r>
-                        <a:rPr lang="en-US" altLang="ko-KR" sz="1800" kern="1200" dirty="0" smtClean="0" b="0">
+                        <a:rPr lang="en-US" altLang="ko-KR" sz="1800" b="0" kern="1200" dirty="0">
                           <a:solidFill>
                             <a:srgbClr val="FFFFFF"/>
                           </a:solidFill>
@@ -9876,7 +9852,7 @@
                         <a:t>버튼과</a:t>
                       </a:r>
                       <a:r>
-                        <a:rPr lang="en-US" altLang="ko-KR" sz="1800" kern="1200" dirty="0" smtClean="0" b="0">
+                        <a:rPr lang="en-US" altLang="ko-KR" sz="1800" b="0" kern="1200" dirty="0">
                           <a:solidFill>
                             <a:srgbClr val="FFFFFF"/>
                           </a:solidFill>
@@ -9886,7 +9862,7 @@
                         <a:t> </a:t>
                       </a:r>
                       <a:r>
-                        <a:rPr lang="en-US" altLang="ko-KR" sz="1800" kern="1200" dirty="0" smtClean="0" b="0">
+                        <a:rPr lang="en-US" altLang="ko-KR" sz="1800" b="0" kern="1200" dirty="0">
                           <a:solidFill>
                             <a:srgbClr val="FFFFFF"/>
                           </a:solidFill>
@@ -9896,7 +9872,7 @@
                         <a:t>연결되어있는</a:t>
                       </a:r>
                       <a:r>
-                        <a:rPr lang="en-US" altLang="ko-KR" sz="1800" kern="1200" dirty="0" smtClean="0" b="0">
+                        <a:rPr lang="en-US" altLang="ko-KR" sz="1800" b="0" kern="1200" dirty="0">
                           <a:solidFill>
                             <a:srgbClr val="FFFFFF"/>
                           </a:solidFill>
@@ -9906,7 +9882,7 @@
                         <a:t> </a:t>
                       </a:r>
                       <a:r>
-                        <a:rPr lang="en-US" altLang="ko-KR" sz="1800" kern="1200" dirty="0" smtClean="0" b="0">
+                        <a:rPr lang="en-US" altLang="ko-KR" sz="1800" b="0" kern="1200" dirty="0">
                           <a:solidFill>
                             <a:srgbClr val="FFFFFF"/>
                           </a:solidFill>
@@ -9916,7 +9892,7 @@
                         <a:t>오브젝트에서</a:t>
                       </a:r>
                       <a:r>
-                        <a:rPr lang="en-US" altLang="ko-KR" sz="1800" kern="1200" dirty="0" smtClean="0" b="0">
+                        <a:rPr lang="en-US" altLang="ko-KR" sz="1800" b="0" kern="1200" dirty="0">
                           <a:solidFill>
                             <a:srgbClr val="FFFFFF"/>
                           </a:solidFill>
@@ -9926,7 +9902,7 @@
                         <a:t> </a:t>
                       </a:r>
                       <a:r>
-                        <a:rPr lang="en-US" altLang="ko-KR" sz="1800" kern="1200" dirty="0" smtClean="0" b="0">
+                        <a:rPr lang="en-US" altLang="ko-KR" sz="1800" b="0" kern="1200" dirty="0">
                           <a:solidFill>
                             <a:srgbClr val="FFFFFF"/>
                           </a:solidFill>
@@ -9936,7 +9912,7 @@
                         <a:t>이벤트가</a:t>
                       </a:r>
                       <a:r>
-                        <a:rPr lang="en-US" altLang="ko-KR" sz="1800" kern="1200" dirty="0" smtClean="0" b="0">
+                        <a:rPr lang="en-US" altLang="ko-KR" sz="1800" b="0" kern="1200" dirty="0">
                           <a:solidFill>
                             <a:srgbClr val="FFFFFF"/>
                           </a:solidFill>
@@ -9946,7 +9922,7 @@
                         <a:t> </a:t>
                       </a:r>
                       <a:r>
-                        <a:rPr lang="en-US" altLang="ko-KR" sz="1800" kern="1200" dirty="0" smtClean="0" b="0">
+                        <a:rPr lang="en-US" altLang="ko-KR" sz="1800" b="0" kern="1200" dirty="0">
                           <a:solidFill>
                             <a:srgbClr val="FFFFFF"/>
                           </a:solidFill>
@@ -9955,7 +9931,7 @@
                         </a:rPr>
                         <a:t>발생</a:t>
                       </a:r>
-                      <a:endParaRPr lang="ko-KR" altLang="en-US" sz="1800" kern="1200" dirty="0" smtClean="0" b="0">
+                      <a:endParaRPr lang="ko-KR" altLang="en-US" sz="1800" b="0" kern="1200" dirty="0">
                         <a:solidFill>
                           <a:srgbClr val="FFFFFF"/>
                         </a:solidFill>
@@ -9964,7 +9940,7 @@
                       </a:endParaRPr>
                     </a:p>
                     <a:p>
-                      <a:pPr marL="0" indent="0" algn="ctr" fontAlgn="auto" defTabSz="457200" eaLnBrk="0">
+                      <a:pPr marL="0" indent="0" algn="ctr" defTabSz="457200" eaLnBrk="0" fontAlgn="auto">
                         <a:lnSpc>
                           <a:spcPct val="100000"/>
                         </a:lnSpc>
@@ -9977,7 +9953,7 @@
                         <a:buFontTx/>
                         <a:buNone/>
                       </a:pPr>
-                      <a:endParaRPr lang="ko-KR" altLang="en-US" sz="1800" kern="1200" dirty="0" smtClean="0" b="0">
+                      <a:endParaRPr lang="ko-KR" altLang="en-US" sz="1800" b="0" kern="1200" dirty="0">
                         <a:solidFill>
                           <a:srgbClr val="FFFFFF"/>
                         </a:solidFill>
@@ -9986,7 +9962,7 @@
                       </a:endParaRPr>
                     </a:p>
                     <a:p>
-                      <a:pPr marL="0" indent="0" algn="ctr" fontAlgn="auto" defTabSz="457200" eaLnBrk="0">
+                      <a:pPr marL="0" indent="0" algn="ctr" defTabSz="457200" eaLnBrk="0" fontAlgn="auto">
                         <a:lnSpc>
                           <a:spcPct val="100000"/>
                         </a:lnSpc>
@@ -9999,7 +9975,7 @@
                         <a:buFontTx/>
                         <a:buNone/>
                       </a:pPr>
-                      <a:endParaRPr lang="ko-KR" altLang="en-US" sz="1800" kern="1200" dirty="0" smtClean="0" b="0">
+                      <a:endParaRPr lang="ko-KR" altLang="en-US" sz="1800" b="0" kern="1200" dirty="0">
                         <a:solidFill>
                           <a:srgbClr val="FFFFFF"/>
                         </a:solidFill>
@@ -10008,7 +9984,7 @@
                       </a:endParaRPr>
                     </a:p>
                   </a:txBody>
-                  <a:tcPr marL="91440" marR="91440" marT="45720" marB="45720" anchor="t">
+                  <a:tcPr>
                     <a:lnL w="12700" cap="flat" cmpd="sng" algn="ctr">
                       <a:solidFill>
                         <a:srgbClr val="FFFFFF">
@@ -10056,6 +10032,11 @@
                     <a:noFill/>
                   </a:tcPr>
                 </a:tc>
+                <a:extLst>
+                  <a:ext uri="{0D108BD9-81ED-4DB2-BD59-A6C34878D82A}">
+                    <a16:rowId xmlns:a16="http://schemas.microsoft.com/office/drawing/2014/main" val="10001"/>
+                  </a:ext>
+                </a:extLst>
               </a:tr>
               <a:tr h="1543050">
                 <a:tc>
@@ -10063,7 +10044,7 @@
                     <a:bodyPr/>
                     <a:lstStyle/>
                     <a:p>
-                      <a:pPr marL="0" indent="0" algn="l" fontAlgn="auto" defTabSz="457200" eaLnBrk="0">
+                      <a:pPr marL="0" indent="0" algn="l" defTabSz="457200" eaLnBrk="0" fontAlgn="auto">
                         <a:lnSpc>
                           <a:spcPct val="100000"/>
                         </a:lnSpc>
@@ -10076,7 +10057,7 @@
                         <a:buFontTx/>
                         <a:buNone/>
                       </a:pPr>
-                      <a:endParaRPr lang="ko-KR" altLang="en-US" sz="1800" kern="1200" dirty="0" smtClean="0" b="0">
+                      <a:endParaRPr lang="ko-KR" altLang="en-US" sz="1800" b="0" kern="1200" dirty="0">
                         <a:solidFill>
                           <a:srgbClr val="FFFFFF"/>
                         </a:solidFill>
@@ -10085,7 +10066,7 @@
                       </a:endParaRPr>
                     </a:p>
                   </a:txBody>
-                  <a:tcPr marL="91440" marR="91440" marT="45720" marB="45720" anchor="t">
+                  <a:tcPr>
                     <a:lnL w="12700" cap="flat" cmpd="sng" algn="ctr">
                       <a:solidFill>
                         <a:srgbClr val="FFFFFF">
@@ -10138,7 +10119,7 @@
                     <a:bodyPr/>
                     <a:lstStyle/>
                     <a:p>
-                      <a:pPr marL="0" indent="0" algn="ctr" fontAlgn="auto" defTabSz="457200" eaLnBrk="0">
+                      <a:pPr marL="0" indent="0" algn="ctr" defTabSz="457200" eaLnBrk="0" fontAlgn="auto">
                         <a:lnSpc>
                           <a:spcPct val="100000"/>
                         </a:lnSpc>
@@ -10151,7 +10132,7 @@
                         <a:buFontTx/>
                         <a:buNone/>
                       </a:pPr>
-                      <a:endParaRPr lang="ko-KR" altLang="en-US" sz="1800" kern="1200" dirty="0" smtClean="0" b="0">
+                      <a:endParaRPr lang="ko-KR" altLang="en-US" sz="1800" b="0" kern="1200" dirty="0">
                         <a:solidFill>
                           <a:srgbClr val="FFFFFF"/>
                         </a:solidFill>
@@ -10160,7 +10141,7 @@
                       </a:endParaRPr>
                     </a:p>
                     <a:p>
-                      <a:pPr marL="0" indent="0" algn="ctr" fontAlgn="auto" defTabSz="457200" eaLnBrk="0">
+                      <a:pPr marL="0" indent="0" algn="ctr" defTabSz="457200" eaLnBrk="0" fontAlgn="auto">
                         <a:lnSpc>
                           <a:spcPct val="100000"/>
                         </a:lnSpc>
@@ -10174,7 +10155,7 @@
                         <a:buNone/>
                       </a:pPr>
                       <a:r>
-                        <a:rPr lang="en-US" altLang="ko-KR" sz="1800" kern="1200" dirty="0" smtClean="0" b="0">
+                        <a:rPr lang="en-US" altLang="ko-KR" sz="1800" b="0" kern="1200" dirty="0">
                           <a:solidFill>
                             <a:srgbClr val="FFFFFF"/>
                           </a:solidFill>
@@ -10184,7 +10165,7 @@
                         <a:t>플레이어가</a:t>
                       </a:r>
                       <a:r>
-                        <a:rPr lang="en-US" altLang="ko-KR" sz="1800" kern="1200" dirty="0" smtClean="0" b="0">
+                        <a:rPr lang="en-US" altLang="ko-KR" sz="1800" b="0" kern="1200" dirty="0">
                           <a:solidFill>
                             <a:srgbClr val="FFFFFF"/>
                           </a:solidFill>
@@ -10194,7 +10175,7 @@
                         <a:t> </a:t>
                       </a:r>
                       <a:r>
-                        <a:rPr lang="en-US" altLang="ko-KR" sz="1800" kern="1200" dirty="0" smtClean="0" b="0">
+                        <a:rPr lang="en-US" altLang="ko-KR" sz="1800" b="0" kern="1200" dirty="0">
                           <a:solidFill>
                             <a:srgbClr val="FFFFFF"/>
                           </a:solidFill>
@@ -10204,7 +10185,7 @@
                         <a:t>번개표시와</a:t>
                       </a:r>
                       <a:r>
-                        <a:rPr lang="en-US" altLang="ko-KR" sz="1800" kern="1200" dirty="0" smtClean="0" b="0">
+                        <a:rPr lang="en-US" altLang="ko-KR" sz="1800" b="0" kern="1200" dirty="0">
                           <a:solidFill>
                             <a:srgbClr val="FFFFFF"/>
                           </a:solidFill>
@@ -10214,7 +10195,7 @@
                         <a:t> </a:t>
                       </a:r>
                       <a:r>
-                        <a:rPr lang="en-US" altLang="ko-KR" sz="1800" kern="1200" dirty="0" smtClean="0" b="0">
+                        <a:rPr lang="en-US" altLang="ko-KR" sz="1800" b="0" kern="1200" dirty="0">
                           <a:solidFill>
                             <a:srgbClr val="FFFFFF"/>
                           </a:solidFill>
@@ -10223,7 +10204,7 @@
                         </a:rPr>
                         <a:t>상호작용하면 충전이 된다.</a:t>
                       </a:r>
-                      <a:endParaRPr lang="ko-KR" altLang="en-US" sz="1800" kern="1200" dirty="0" smtClean="0" b="0">
+                      <a:endParaRPr lang="ko-KR" altLang="en-US" sz="1800" b="0" kern="1200" dirty="0">
                         <a:solidFill>
                           <a:srgbClr val="FFFFFF"/>
                         </a:solidFill>
@@ -10232,7 +10213,7 @@
                       </a:endParaRPr>
                     </a:p>
                     <a:p>
-                      <a:pPr marL="0" indent="0" algn="ctr" fontAlgn="auto" defTabSz="457200" eaLnBrk="0">
+                      <a:pPr marL="0" indent="0" algn="ctr" defTabSz="457200" eaLnBrk="0" fontAlgn="auto">
                         <a:lnSpc>
                           <a:spcPct val="100000"/>
                         </a:lnSpc>
@@ -10245,7 +10226,7 @@
                         <a:buFontTx/>
                         <a:buNone/>
                       </a:pPr>
-                      <a:endParaRPr lang="ko-KR" altLang="en-US" sz="1800" kern="1200" dirty="0" smtClean="0" b="0">
+                      <a:endParaRPr lang="ko-KR" altLang="en-US" sz="1800" b="0" kern="1200" dirty="0">
                         <a:solidFill>
                           <a:srgbClr val="FFFFFF"/>
                         </a:solidFill>
@@ -10254,7 +10235,7 @@
                       </a:endParaRPr>
                     </a:p>
                     <a:p>
-                      <a:pPr marL="0" indent="0" algn="ctr" fontAlgn="auto" defTabSz="457200" eaLnBrk="0">
+                      <a:pPr marL="0" indent="0" algn="ctr" defTabSz="457200" eaLnBrk="0" fontAlgn="auto">
                         <a:lnSpc>
                           <a:spcPct val="100000"/>
                         </a:lnSpc>
@@ -10268,7 +10249,7 @@
                         <a:buNone/>
                       </a:pPr>
                       <a:r>
-                        <a:rPr lang="en-US" altLang="ko-KR" sz="1800" kern="1200" dirty="0" smtClean="0" b="0">
+                        <a:rPr lang="en-US" altLang="ko-KR" sz="1800" b="0" kern="1200" dirty="0">
                           <a:solidFill>
                             <a:srgbClr val="FFFFFF"/>
                           </a:solidFill>
@@ -10278,7 +10259,7 @@
                         <a:t>특정 키를 누르면 플레이어가</a:t>
                       </a:r>
                       <a:r>
-                        <a:rPr lang="en-US" altLang="ko-KR" sz="1800" kern="1200" dirty="0" smtClean="0" b="0">
+                        <a:rPr lang="en-US" altLang="ko-KR" sz="1800" b="0" kern="1200" dirty="0">
                           <a:solidFill>
                             <a:srgbClr val="FFFFFF"/>
                           </a:solidFill>
@@ -10288,7 +10269,7 @@
                         <a:t> </a:t>
                       </a:r>
                       <a:r>
-                        <a:rPr lang="en-US" altLang="ko-KR" sz="1800" kern="1200" dirty="0" smtClean="0" b="0">
+                        <a:rPr lang="en-US" altLang="ko-KR" sz="1800" b="0" kern="1200" dirty="0">
                           <a:solidFill>
                             <a:srgbClr val="FFFFFF"/>
                           </a:solidFill>
@@ -10298,7 +10279,7 @@
                         <a:t>자석이</a:t>
                       </a:r>
                       <a:r>
-                        <a:rPr lang="en-US" altLang="ko-KR" sz="1800" kern="1200" dirty="0" smtClean="0" b="0">
+                        <a:rPr lang="en-US" altLang="ko-KR" sz="1800" b="0" kern="1200" dirty="0">
                           <a:solidFill>
                             <a:srgbClr val="FFFFFF"/>
                           </a:solidFill>
@@ -10308,7 +10289,7 @@
                         <a:t> </a:t>
                       </a:r>
                       <a:r>
-                        <a:rPr lang="en-US" altLang="ko-KR" sz="1800" kern="1200" dirty="0" smtClean="0" b="0">
+                        <a:rPr lang="en-US" altLang="ko-KR" sz="1800" b="0" kern="1200" dirty="0">
                           <a:solidFill>
                             <a:srgbClr val="FFFFFF"/>
                           </a:solidFill>
@@ -10318,7 +10299,7 @@
                         <a:t>된다</a:t>
                       </a:r>
                       <a:r>
-                        <a:rPr lang="en-US" altLang="ko-KR" sz="1800" kern="1200" dirty="0" smtClean="0" b="0">
+                        <a:rPr lang="en-US" altLang="ko-KR" sz="1800" b="0" kern="1200" dirty="0">
                           <a:solidFill>
                             <a:srgbClr val="FFFFFF"/>
                           </a:solidFill>
@@ -10327,7 +10308,7 @@
                         </a:rPr>
                         <a:t>.</a:t>
                       </a:r>
-                      <a:endParaRPr lang="ko-KR" altLang="en-US" sz="1800" kern="1200" dirty="0" smtClean="0" b="0">
+                      <a:endParaRPr lang="ko-KR" altLang="en-US" sz="1800" b="0" kern="1200" dirty="0">
                         <a:solidFill>
                           <a:srgbClr val="FFFFFF"/>
                         </a:solidFill>
@@ -10336,7 +10317,7 @@
                       </a:endParaRPr>
                     </a:p>
                   </a:txBody>
-                  <a:tcPr marL="91440" marR="91440" marT="45720" marB="45720" anchor="t">
+                  <a:tcPr>
                     <a:lnL w="12700" cap="flat" cmpd="sng" algn="ctr">
                       <a:solidFill>
                         <a:srgbClr val="FFFFFF">
@@ -10384,6 +10365,11 @@
                     <a:noFill/>
                   </a:tcPr>
                 </a:tc>
+                <a:extLst>
+                  <a:ext uri="{0D108BD9-81ED-4DB2-BD59-A6C34878D82A}">
+                    <a16:rowId xmlns:a16="http://schemas.microsoft.com/office/drawing/2014/main" val="10002"/>
+                  </a:ext>
+                </a:extLst>
               </a:tr>
               <a:tr h="1363345">
                 <a:tc>
@@ -10391,7 +10377,7 @@
                     <a:bodyPr/>
                     <a:lstStyle/>
                     <a:p>
-                      <a:pPr marL="0" indent="0" algn="l" fontAlgn="auto" defTabSz="457200" eaLnBrk="0">
+                      <a:pPr marL="0" indent="0" algn="l" defTabSz="457200" eaLnBrk="0" fontAlgn="auto">
                         <a:lnSpc>
                           <a:spcPct val="100000"/>
                         </a:lnSpc>
@@ -10404,7 +10390,7 @@
                         <a:buFontTx/>
                         <a:buNone/>
                       </a:pPr>
-                      <a:endParaRPr lang="ko-KR" altLang="en-US" sz="1800" kern="1200" dirty="0" smtClean="0" b="0">
+                      <a:endParaRPr lang="ko-KR" altLang="en-US" sz="1800" b="0" kern="1200" dirty="0">
                         <a:solidFill>
                           <a:srgbClr val="FFFFFF"/>
                         </a:solidFill>
@@ -10413,7 +10399,7 @@
                       </a:endParaRPr>
                     </a:p>
                   </a:txBody>
-                  <a:tcPr marL="91440" marR="91440" marT="45720" marB="45720" anchor="t">
+                  <a:tcPr>
                     <a:lnL w="12700" cap="flat" cmpd="sng" algn="ctr">
                       <a:solidFill>
                         <a:srgbClr val="FFFFFF">
@@ -10466,7 +10452,7 @@
                     <a:bodyPr/>
                     <a:lstStyle/>
                     <a:p>
-                      <a:pPr marL="0" indent="0" algn="ctr" fontAlgn="auto" defTabSz="457200" eaLnBrk="0">
+                      <a:pPr marL="0" indent="0" algn="ctr" defTabSz="457200" eaLnBrk="0" fontAlgn="auto">
                         <a:lnSpc>
                           <a:spcPct val="100000"/>
                         </a:lnSpc>
@@ -10479,7 +10465,7 @@
                         <a:buFontTx/>
                         <a:buNone/>
                       </a:pPr>
-                      <a:endParaRPr lang="ko-KR" altLang="en-US" sz="1800" kern="1200" dirty="0" smtClean="0" b="0">
+                      <a:endParaRPr lang="ko-KR" altLang="en-US" sz="1800" b="0" kern="1200" dirty="0">
                         <a:solidFill>
                           <a:srgbClr val="FFFFFF"/>
                         </a:solidFill>
@@ -10488,7 +10474,7 @@
                       </a:endParaRPr>
                     </a:p>
                     <a:p>
-                      <a:pPr marL="0" indent="0" algn="ctr" fontAlgn="auto" defTabSz="457200" eaLnBrk="0">
+                      <a:pPr marL="0" indent="0" algn="ctr" defTabSz="457200" eaLnBrk="0" fontAlgn="auto">
                         <a:lnSpc>
                           <a:spcPct val="100000"/>
                         </a:lnSpc>
@@ -10502,7 +10488,7 @@
                         <a:buNone/>
                       </a:pPr>
                       <a:r>
-                        <a:rPr lang="en-US" altLang="ko-KR" sz="1800" kern="1200" dirty="0" smtClean="0" b="0">
+                        <a:rPr lang="en-US" altLang="ko-KR" sz="1800" b="0" kern="1200" dirty="0">
                           <a:solidFill>
                             <a:srgbClr val="FFFFFF"/>
                           </a:solidFill>
@@ -10512,7 +10498,7 @@
                         <a:t>자석</a:t>
                       </a:r>
                       <a:r>
-                        <a:rPr lang="en-US" altLang="ko-KR" sz="1800" kern="1200" dirty="0" smtClean="0" b="0">
+                        <a:rPr lang="en-US" altLang="ko-KR" sz="1800" b="0" kern="1200" dirty="0">
                           <a:solidFill>
                             <a:srgbClr val="FFFFFF"/>
                           </a:solidFill>
@@ -10522,7 +10508,7 @@
                         <a:t> </a:t>
                       </a:r>
                       <a:r>
-                        <a:rPr lang="en-US" altLang="ko-KR" sz="1800" kern="1200" dirty="0" smtClean="0" b="0">
+                        <a:rPr lang="en-US" altLang="ko-KR" sz="1800" b="0" kern="1200" dirty="0">
                           <a:solidFill>
                             <a:srgbClr val="FFFFFF"/>
                           </a:solidFill>
@@ -10532,7 +10518,7 @@
                         <a:t>성질을</a:t>
                       </a:r>
                       <a:r>
-                        <a:rPr lang="en-US" altLang="ko-KR" sz="1800" kern="1200" dirty="0" smtClean="0" b="0">
+                        <a:rPr lang="en-US" altLang="ko-KR" sz="1800" b="0" kern="1200" dirty="0">
                           <a:solidFill>
                             <a:srgbClr val="FFFFFF"/>
                           </a:solidFill>
@@ -10542,7 +10528,7 @@
                         <a:t> </a:t>
                       </a:r>
                       <a:r>
-                        <a:rPr lang="en-US" altLang="ko-KR" sz="1800" kern="1200" dirty="0" smtClean="0" b="0">
+                        <a:rPr lang="en-US" altLang="ko-KR" sz="1800" b="0" kern="1200" dirty="0">
                           <a:solidFill>
                             <a:srgbClr val="FFFFFF"/>
                           </a:solidFill>
@@ -10552,7 +10538,7 @@
                         <a:t>갖는</a:t>
                       </a:r>
                       <a:r>
-                        <a:rPr lang="en-US" altLang="ko-KR" sz="1800" kern="1200" dirty="0" smtClean="0" b="0">
+                        <a:rPr lang="en-US" altLang="ko-KR" sz="1800" b="0" kern="1200" dirty="0">
                           <a:solidFill>
                             <a:srgbClr val="FFFFFF"/>
                           </a:solidFill>
@@ -10562,7 +10548,7 @@
                         <a:t> </a:t>
                       </a:r>
                       <a:r>
-                        <a:rPr lang="en-US" altLang="ko-KR" sz="1800" kern="1200" dirty="0" smtClean="0" b="0">
+                        <a:rPr lang="en-US" altLang="ko-KR" sz="1800" b="0" kern="1200" dirty="0">
                           <a:solidFill>
                             <a:srgbClr val="FFFFFF"/>
                           </a:solidFill>
@@ -10571,7 +10557,7 @@
                         </a:rPr>
                         <a:t>오브젝트들이</a:t>
                       </a:r>
-                      <a:endParaRPr lang="ko-KR" altLang="en-US" sz="1800" kern="1200" dirty="0" smtClean="0" b="0">
+                      <a:endParaRPr lang="ko-KR" altLang="en-US" sz="1800" b="0" kern="1200" dirty="0">
                         <a:solidFill>
                           <a:srgbClr val="FFFFFF"/>
                         </a:solidFill>
@@ -10580,7 +10566,7 @@
                       </a:endParaRPr>
                     </a:p>
                     <a:p>
-                      <a:pPr marL="0" indent="0" algn="ctr" fontAlgn="auto" defTabSz="457200" eaLnBrk="0">
+                      <a:pPr marL="0" indent="0" algn="ctr" defTabSz="457200" eaLnBrk="0" fontAlgn="auto">
                         <a:lnSpc>
                           <a:spcPct val="100000"/>
                         </a:lnSpc>
@@ -10594,7 +10580,7 @@
                         <a:buNone/>
                       </a:pPr>
                       <a:r>
-                        <a:rPr lang="en-US" altLang="ko-KR" sz="1800" kern="1200" dirty="0" smtClean="0" b="0">
+                        <a:rPr lang="en-US" altLang="ko-KR" sz="1800" b="0" kern="1200" dirty="0">
                           <a:solidFill>
                             <a:srgbClr val="FFFFFF"/>
                           </a:solidFill>
@@ -10604,7 +10590,7 @@
                         <a:t>달라붙게된다</a:t>
                       </a:r>
                       <a:r>
-                        <a:rPr lang="en-US" altLang="ko-KR" sz="1800" kern="1200" dirty="0" smtClean="0" b="0">
+                        <a:rPr lang="en-US" altLang="ko-KR" sz="1800" b="0" kern="1200" dirty="0">
                           <a:solidFill>
                             <a:srgbClr val="FFFFFF"/>
                           </a:solidFill>
@@ -10613,7 +10599,7 @@
                         </a:rPr>
                         <a:t>.</a:t>
                       </a:r>
-                      <a:endParaRPr lang="ko-KR" altLang="en-US" sz="1800" kern="1200" dirty="0" smtClean="0" b="0">
+                      <a:endParaRPr lang="ko-KR" altLang="en-US" sz="1800" b="0" kern="1200" dirty="0">
                         <a:solidFill>
                           <a:srgbClr val="FFFFFF"/>
                         </a:solidFill>
@@ -10622,7 +10608,7 @@
                       </a:endParaRPr>
                     </a:p>
                   </a:txBody>
-                  <a:tcPr marL="91440" marR="91440" marT="45720" marB="45720" anchor="t">
+                  <a:tcPr>
                     <a:lnL w="12700" cap="flat" cmpd="sng" algn="ctr">
                       <a:solidFill>
                         <a:srgbClr val="FFFFFF">
@@ -10670,6 +10656,11 @@
                     <a:noFill/>
                   </a:tcPr>
                 </a:tc>
+                <a:extLst>
+                  <a:ext uri="{0D108BD9-81ED-4DB2-BD59-A6C34878D82A}">
+                    <a16:rowId xmlns:a16="http://schemas.microsoft.com/office/drawing/2014/main" val="10003"/>
+                  </a:ext>
+                </a:extLst>
               </a:tr>
             </a:tbl>
           </a:graphicData>
@@ -10684,20 +10675,22 @@
           <p:nvPr/>
         </p:nvSpPr>
         <p:spPr>
-          <a:xfrm rot="0">
+          <a:xfrm>
             <a:off x="791845" y="423545"/>
             <a:ext cx="6191250" cy="768985"/>
           </a:xfrm>
-          <a:prstGeom prst="rect"/>
+          <a:prstGeom prst="rect">
+            <a:avLst/>
+          </a:prstGeom>
           <a:noFill/>
         </p:spPr>
         <p:txBody>
-          <a:bodyPr wrap="square" lIns="91440" tIns="45720" rIns="91440" bIns="45720" numCol="1" vert="horz" anchor="t">
+          <a:bodyPr vert="horz" wrap="square" lIns="91440" tIns="45720" rIns="91440" bIns="45720" numCol="1" anchor="t">
             <a:spAutoFit/>
           </a:bodyPr>
           <a:lstStyle/>
           <a:p>
-            <a:pPr marL="0" indent="0" algn="l" fontAlgn="auto" defTabSz="457200" eaLnBrk="0" latinLnBrk="0">
+            <a:pPr marL="0" indent="0" algn="l" defTabSz="457200" eaLnBrk="0" fontAlgn="auto" latinLnBrk="0">
               <a:lnSpc>
                 <a:spcPct val="100000"/>
               </a:lnSpc>
@@ -10711,7 +10704,7 @@
               <a:buNone/>
             </a:pPr>
             <a:r>
-              <a:rPr lang="en-US" altLang="ko-KR" sz="4400" cap="none" dirty="0" smtClean="0" b="0">
+              <a:rPr lang="en-US" altLang="ko-KR" sz="4400" b="0" cap="none" dirty="0">
                 <a:solidFill>
                   <a:schemeClr val="accent1">
                     <a:lumMod val="75000"/>
@@ -10722,7 +10715,7 @@
               </a:rPr>
               <a:t>게임 플레이 - 오브젝트</a:t>
             </a:r>
-            <a:endParaRPr lang="ko-KR" altLang="en-US" sz="4400" cap="none" dirty="0" smtClean="0" b="0">
+            <a:endParaRPr lang="ko-KR" altLang="en-US" sz="4400" b="0" cap="none" dirty="0">
               <a:solidFill>
                 <a:schemeClr val="accent1">
                   <a:lumMod val="75000"/>
@@ -10856,26 +10849,11 @@
   <p:clrMapOvr>
     <a:masterClrMapping/>
   </p:clrMapOvr>
-  <mc:AlternateContent xmlns:mc="http://schemas.openxmlformats.org/markup-compatibility/2006">
-    <mc:Choice xmlns:p14="http://schemas.microsoft.com/office/powerpoint/2010/main" Requires="p14">
-      <p:transition spd="slow" p14:dur="2000"/>
-    </mc:Choice>
-    <mc:Fallback>
-      <p:transition spd="slow"/>
-    </mc:Fallback>
-  </mc:AlternateContent>
-  <p:timing>
-    <p:tnLst>
-      <p:par>
-        <p:cTn id="1" dur="indefinite" restart="never" nodeType="tmRoot"/>
-      </p:par>
-    </p:tnLst>
-  </p:timing>
 </p:sld>
 </file>
 
 <file path=ppt/slides/slide14.xml><?xml version="1.0" encoding="utf-8"?>
-<p:sld xmlns:a="http://schemas.openxmlformats.org/drawingml/2006/main" xmlns:r="http://schemas.openxmlformats.org/officeDocument/2006/relationships" xmlns:p="http://schemas.openxmlformats.org/presentationml/2006/main" xmlns:p14="http://schemas.microsoft.com/office/powerpoint/2010/main">
+<p:sld xmlns:a="http://schemas.openxmlformats.org/drawingml/2006/main" xmlns:r="http://schemas.openxmlformats.org/officeDocument/2006/relationships" xmlns:p="http://schemas.openxmlformats.org/presentationml/2006/main">
   <p:cSld>
     <p:spTree>
       <p:nvGrpSpPr>
@@ -10900,20 +10878,22 @@
           <p:nvPr/>
         </p:nvSpPr>
         <p:spPr>
-          <a:xfrm rot="0">
+          <a:xfrm>
             <a:off x="791845" y="423545"/>
             <a:ext cx="7065645" cy="768985"/>
           </a:xfrm>
-          <a:prstGeom prst="rect"/>
+          <a:prstGeom prst="rect">
+            <a:avLst/>
+          </a:prstGeom>
           <a:noFill/>
         </p:spPr>
         <p:txBody>
-          <a:bodyPr wrap="square" lIns="91440" tIns="45720" rIns="91440" bIns="45720" numCol="1" vert="horz" anchor="t">
+          <a:bodyPr vert="horz" wrap="square" lIns="91440" tIns="45720" rIns="91440" bIns="45720" numCol="1" anchor="t">
             <a:spAutoFit/>
           </a:bodyPr>
           <a:lstStyle/>
           <a:p>
-            <a:pPr marL="0" indent="0" algn="l" fontAlgn="auto" defTabSz="457200" eaLnBrk="0" latinLnBrk="0">
+            <a:pPr marL="0" indent="0" algn="l" defTabSz="457200" eaLnBrk="0" fontAlgn="auto" latinLnBrk="0">
               <a:lnSpc>
                 <a:spcPct val="100000"/>
               </a:lnSpc>
@@ -10927,7 +10907,7 @@
               <a:buNone/>
             </a:pPr>
             <a:r>
-              <a:rPr lang="en-US" altLang="ko-KR" sz="4400" cap="none" dirty="0" smtClean="0" b="0">
+              <a:rPr lang="en-US" altLang="ko-KR" sz="4400" b="0" cap="none" dirty="0">
                 <a:solidFill>
                   <a:schemeClr val="accent1">
                     <a:lumMod val="75000"/>
@@ -10938,7 +10918,7 @@
               </a:rPr>
               <a:t>게임 플레이 - 게임플로우</a:t>
             </a:r>
-            <a:endParaRPr lang="ko-KR" altLang="en-US" sz="4400" cap="none" dirty="0" smtClean="0" b="0">
+            <a:endParaRPr lang="ko-KR" altLang="en-US" sz="4400" b="0" cap="none" dirty="0">
               <a:solidFill>
                 <a:schemeClr val="accent1">
                   <a:lumMod val="75000"/>
@@ -10960,21 +10940,6 @@
   <p:clrMapOvr>
     <a:masterClrMapping/>
   </p:clrMapOvr>
-  <mc:AlternateContent xmlns:mc="http://schemas.openxmlformats.org/markup-compatibility/2006">
-    <mc:Choice xmlns:p14="http://schemas.microsoft.com/office/powerpoint/2010/main" Requires="p14">
-      <p:transition spd="slow" p14:dur="2000"/>
-    </mc:Choice>
-    <mc:Fallback>
-      <p:transition spd="slow"/>
-    </mc:Fallback>
-  </mc:AlternateContent>
-  <p:timing>
-    <p:tnLst>
-      <p:par>
-        <p:cTn id="1" dur="indefinite" restart="never" nodeType="tmRoot"/>
-      </p:par>
-    </p:tnLst>
-  </p:timing>
 </p:sld>
 </file>
 
@@ -11004,20 +10969,22 @@
           <p:nvPr/>
         </p:nvSpPr>
         <p:spPr>
-          <a:xfrm rot="0">
+          <a:xfrm>
             <a:off x="791845" y="423545"/>
             <a:ext cx="7065645" cy="768985"/>
           </a:xfrm>
-          <a:prstGeom prst="rect"/>
+          <a:prstGeom prst="rect">
+            <a:avLst/>
+          </a:prstGeom>
           <a:noFill/>
         </p:spPr>
         <p:txBody>
-          <a:bodyPr wrap="square" lIns="91440" tIns="45720" rIns="91440" bIns="45720" vert="horz" anchor="t">
+          <a:bodyPr vert="horz" wrap="square" lIns="91440" tIns="45720" rIns="91440" bIns="45720" anchor="t">
             <a:spAutoFit/>
           </a:bodyPr>
           <a:lstStyle/>
           <a:p>
-            <a:pPr marL="0" indent="0" algn="l" fontAlgn="auto" defTabSz="457200" eaLnBrk="0" latinLnBrk="0">
+            <a:pPr marL="0" indent="0" algn="l" defTabSz="457200" eaLnBrk="0" fontAlgn="auto" latinLnBrk="0">
               <a:lnSpc>
                 <a:spcPct val="100000"/>
               </a:lnSpc>
@@ -11031,7 +10998,7 @@
               <a:buNone/>
             </a:pPr>
             <a:r>
-              <a:rPr lang="en-US" altLang="ko-KR" sz="4400" cap="none" dirty="0" smtClean="0" b="0">
+              <a:rPr lang="en-US" altLang="ko-KR" sz="4400" b="0" cap="none" dirty="0">
                 <a:solidFill>
                   <a:srgbClr val="E1930E"/>
                 </a:solidFill>
@@ -11040,7 +11007,7 @@
               </a:rPr>
               <a:t>기술적 요소 - 클라이언트</a:t>
             </a:r>
-            <a:endParaRPr lang="ko-KR" altLang="en-US" sz="4400" cap="none" dirty="0" smtClean="0" b="0">
+            <a:endParaRPr lang="ko-KR" altLang="en-US" sz="4400" b="0" cap="none" dirty="0">
               <a:solidFill>
                 <a:srgbClr val="E1930E"/>
               </a:solidFill>
@@ -11059,11 +11026,13 @@
           <p:nvPr/>
         </p:nvSpPr>
         <p:spPr>
-          <a:xfrm rot="0">
+          <a:xfrm>
             <a:off x="1036320" y="1986280"/>
             <a:ext cx="6221730" cy="1200785"/>
           </a:xfrm>
-          <a:prstGeom prst="rect"/>
+          <a:prstGeom prst="rect">
+            <a:avLst/>
+          </a:prstGeom>
           <a:noFill/>
           <a:ln w="0">
             <a:noFill/>
@@ -11071,12 +11040,12 @@
           </a:ln>
         </p:spPr>
         <p:txBody>
-          <a:bodyPr wrap="square" lIns="89535" tIns="46355" rIns="89535" bIns="46355" vert="horz" anchor="t">
+          <a:bodyPr vert="horz" wrap="square" lIns="89535" tIns="46355" rIns="89535" bIns="46355" anchor="t">
             <a:spAutoFit/>
           </a:bodyPr>
           <a:lstStyle/>
           <a:p>
-            <a:pPr marL="0" indent="0" algn="l" fontAlgn="auto" defTabSz="508000">
+            <a:pPr marL="0" indent="0" algn="l" defTabSz="508000" fontAlgn="auto">
               <a:lnSpc>
                 <a:spcPct val="100000"/>
               </a:lnSpc>
@@ -11090,19 +11059,19 @@
               <a:buNone/>
             </a:pPr>
             <a:r>
-              <a:rPr lang="en-US" altLang="ko-KR" sz="1800" cap="none" dirty="0" smtClean="0" b="0">
+              <a:rPr lang="en-US" altLang="ko-KR" sz="1800" b="0" cap="none" dirty="0">
                 <a:latin typeface="맑은 고딕" charset="0"/>
                 <a:ea typeface="맑은 고딕" charset="0"/>
               </a:rPr>
               <a:t>블러 효과</a:t>
             </a:r>
-            <a:endParaRPr lang="ko-KR" altLang="en-US" sz="1800" cap="none" dirty="0" smtClean="0" b="0">
+            <a:endParaRPr lang="ko-KR" altLang="en-US" sz="1800" b="0" cap="none" dirty="0">
               <a:latin typeface="맑은 고딕" charset="0"/>
               <a:ea typeface="맑은 고딕" charset="0"/>
             </a:endParaRPr>
           </a:p>
           <a:p>
-            <a:pPr marL="0" indent="0" algn="l" fontAlgn="auto" defTabSz="508000">
+            <a:pPr marL="0" indent="0" algn="l" defTabSz="508000" fontAlgn="auto">
               <a:lnSpc>
                 <a:spcPct val="100000"/>
               </a:lnSpc>
@@ -11116,19 +11085,19 @@
               <a:buNone/>
             </a:pPr>
             <a:r>
-              <a:rPr lang="en-US" altLang="ko-KR" sz="1800" cap="none" dirty="0" smtClean="0" b="0">
+              <a:rPr lang="en-US" altLang="ko-KR" sz="1800" b="0" cap="none" dirty="0">
                 <a:latin typeface="맑은 고딕" charset="0"/>
                 <a:ea typeface="맑은 고딕" charset="0"/>
               </a:rPr>
               <a:t>거울 효과</a:t>
             </a:r>
-            <a:endParaRPr lang="ko-KR" altLang="en-US" sz="1800" cap="none" dirty="0" smtClean="0" b="0">
+            <a:endParaRPr lang="ko-KR" altLang="en-US" sz="1800" b="0" cap="none" dirty="0">
               <a:latin typeface="맑은 고딕" charset="0"/>
               <a:ea typeface="맑은 고딕" charset="0"/>
             </a:endParaRPr>
           </a:p>
           <a:p>
-            <a:pPr marL="0" indent="0" algn="l" fontAlgn="auto" defTabSz="508000">
+            <a:pPr marL="0" indent="0" algn="l" defTabSz="508000" fontAlgn="auto">
               <a:lnSpc>
                 <a:spcPct val="100000"/>
               </a:lnSpc>
@@ -11142,19 +11111,19 @@
               <a:buNone/>
             </a:pPr>
             <a:r>
-              <a:rPr lang="en-US" altLang="ko-KR" sz="1800" cap="none" dirty="0" smtClean="0" b="0">
+              <a:rPr lang="en-US" altLang="ko-KR" sz="1800" b="0" cap="none" dirty="0">
                 <a:latin typeface="맑은 고딕" charset="0"/>
                 <a:ea typeface="맑은 고딕" charset="0"/>
               </a:rPr>
               <a:t>법선 매핑을 이용한 사실적 표현</a:t>
             </a:r>
-            <a:endParaRPr lang="ko-KR" altLang="en-US" sz="1800" cap="none" dirty="0" smtClean="0" b="0">
+            <a:endParaRPr lang="ko-KR" altLang="en-US" sz="1800" b="0" cap="none" dirty="0">
               <a:latin typeface="맑은 고딕" charset="0"/>
               <a:ea typeface="맑은 고딕" charset="0"/>
             </a:endParaRPr>
           </a:p>
           <a:p>
-            <a:pPr marL="0" indent="0" algn="l" fontAlgn="auto" defTabSz="508000">
+            <a:pPr marL="0" indent="0" algn="l" defTabSz="508000" fontAlgn="auto">
               <a:lnSpc>
                 <a:spcPct val="100000"/>
               </a:lnSpc>
@@ -11167,7 +11136,7 @@
               <a:buFontTx/>
               <a:buNone/>
             </a:pPr>
-            <a:endParaRPr lang="ko-KR" altLang="en-US" sz="1800" cap="none" dirty="0" smtClean="0" b="0">
+            <a:endParaRPr lang="ko-KR" altLang="en-US" sz="1800" b="0" cap="none" dirty="0">
               <a:latin typeface="맑은 고딕" charset="0"/>
               <a:ea typeface="맑은 고딕" charset="0"/>
             </a:endParaRPr>
@@ -11179,21 +11148,6 @@
   <p:clrMapOvr>
     <a:masterClrMapping/>
   </p:clrMapOvr>
-  <mc:AlternateContent xmlns:mc="http://schemas.openxmlformats.org/markup-compatibility/2006">
-    <mc:Choice xmlns:p14="http://schemas.microsoft.com/office/powerpoint/2010/main" Requires="p14">
-      <p:transition spd="slow" p14:dur="2000"/>
-    </mc:Choice>
-    <mc:Fallback>
-      <p:transition spd="slow"/>
-    </mc:Fallback>
-  </mc:AlternateContent>
-  <p:timing>
-    <p:tnLst>
-      <p:par>
-        <p:cTn id="1" dur="indefinite" restart="never" nodeType="tmRoot"/>
-      </p:par>
-    </p:tnLst>
-  </p:timing>
 </p:sld>
 </file>
 
@@ -11223,20 +11177,22 @@
           <p:nvPr/>
         </p:nvSpPr>
         <p:spPr>
-          <a:xfrm rot="0">
+          <a:xfrm>
             <a:off x="791845" y="423545"/>
             <a:ext cx="7065645" cy="768985"/>
           </a:xfrm>
-          <a:prstGeom prst="rect"/>
+          <a:prstGeom prst="rect">
+            <a:avLst/>
+          </a:prstGeom>
           <a:noFill/>
         </p:spPr>
         <p:txBody>
-          <a:bodyPr wrap="square" lIns="91440" tIns="45720" rIns="91440" bIns="45720" vert="horz" anchor="t">
+          <a:bodyPr vert="horz" wrap="square" lIns="91440" tIns="45720" rIns="91440" bIns="45720" anchor="t">
             <a:spAutoFit/>
           </a:bodyPr>
           <a:lstStyle/>
           <a:p>
-            <a:pPr marL="0" indent="0" algn="l" fontAlgn="auto" defTabSz="457200" eaLnBrk="0" latinLnBrk="0">
+            <a:pPr marL="0" indent="0" algn="l" defTabSz="457200" eaLnBrk="0" fontAlgn="auto" latinLnBrk="0">
               <a:lnSpc>
                 <a:spcPct val="100000"/>
               </a:lnSpc>
@@ -11250,7 +11206,7 @@
               <a:buNone/>
             </a:pPr>
             <a:r>
-              <a:rPr lang="en-US" altLang="ko-KR" sz="4400" cap="none" dirty="0" smtClean="0" b="0">
+              <a:rPr lang="en-US" altLang="ko-KR" sz="4400" b="0" cap="none" dirty="0">
                 <a:solidFill>
                   <a:srgbClr val="E1930E"/>
                 </a:solidFill>
@@ -11259,7 +11215,7 @@
               </a:rPr>
               <a:t>기술적 요소 - 서버</a:t>
             </a:r>
-            <a:endParaRPr lang="ko-KR" altLang="en-US" sz="4400" cap="none" dirty="0" smtClean="0" b="0">
+            <a:endParaRPr lang="ko-KR" altLang="en-US" sz="4400" b="0" cap="none" dirty="0">
               <a:solidFill>
                 <a:srgbClr val="E1930E"/>
               </a:solidFill>
@@ -11274,26 +11230,11 @@
   <p:clrMapOvr>
     <a:masterClrMapping/>
   </p:clrMapOvr>
-  <mc:AlternateContent xmlns:mc="http://schemas.openxmlformats.org/markup-compatibility/2006">
-    <mc:Choice xmlns:p14="http://schemas.microsoft.com/office/powerpoint/2010/main" Requires="p14">
-      <p:transition spd="slow" p14:dur="2000"/>
-    </mc:Choice>
-    <mc:Fallback>
-      <p:transition spd="slow"/>
-    </mc:Fallback>
-  </mc:AlternateContent>
-  <p:timing>
-    <p:tnLst>
-      <p:par>
-        <p:cTn id="1" dur="indefinite" restart="never" nodeType="tmRoot"/>
-      </p:par>
-    </p:tnLst>
-  </p:timing>
 </p:sld>
 </file>
 
 <file path=ppt/slides/slide17.xml><?xml version="1.0" encoding="utf-8"?>
-<p:sld xmlns:a="http://schemas.openxmlformats.org/drawingml/2006/main" xmlns:r="http://schemas.openxmlformats.org/officeDocument/2006/relationships" xmlns:p="http://schemas.openxmlformats.org/presentationml/2006/main" xmlns:p14="http://schemas.microsoft.com/office/powerpoint/2010/main">
+<p:sld xmlns:a="http://schemas.openxmlformats.org/drawingml/2006/main" xmlns:r="http://schemas.openxmlformats.org/officeDocument/2006/relationships" xmlns:p="http://schemas.openxmlformats.org/presentationml/2006/main">
   <p:cSld>
     <p:spTree>
       <p:nvGrpSpPr>
@@ -11572,26 +11513,11 @@
   <p:clrMapOvr>
     <a:masterClrMapping/>
   </p:clrMapOvr>
-  <mc:AlternateContent xmlns:mc="http://schemas.openxmlformats.org/markup-compatibility/2006">
-    <mc:Choice xmlns:p14="http://schemas.microsoft.com/office/powerpoint/2010/main" Requires="p14">
-      <p:transition spd="slow" p14:dur="2000"/>
-    </mc:Choice>
-    <mc:Fallback>
-      <p:transition spd="slow"/>
-    </mc:Fallback>
-  </mc:AlternateContent>
-  <p:timing>
-    <p:tnLst>
-      <p:par>
-        <p:cTn id="1" dur="indefinite" restart="never" nodeType="tmRoot"/>
-      </p:par>
-    </p:tnLst>
-  </p:timing>
 </p:sld>
 </file>
 
 <file path=ppt/slides/slide18.xml><?xml version="1.0" encoding="utf-8"?>
-<p:sld xmlns:a="http://schemas.openxmlformats.org/drawingml/2006/main" xmlns:r="http://schemas.openxmlformats.org/officeDocument/2006/relationships" xmlns:p="http://schemas.openxmlformats.org/presentationml/2006/main" xmlns:p14="http://schemas.microsoft.com/office/powerpoint/2010/main">
+<p:sld xmlns:a="http://schemas.openxmlformats.org/drawingml/2006/main" xmlns:r="http://schemas.openxmlformats.org/officeDocument/2006/relationships" xmlns:p="http://schemas.openxmlformats.org/presentationml/2006/main">
   <p:cSld>
     <p:spTree>
       <p:nvGrpSpPr>
@@ -11678,26 +11604,11 @@
   <p:clrMapOvr>
     <a:masterClrMapping/>
   </p:clrMapOvr>
-  <mc:AlternateContent xmlns:mc="http://schemas.openxmlformats.org/markup-compatibility/2006">
-    <mc:Choice xmlns:p14="http://schemas.microsoft.com/office/powerpoint/2010/main" Requires="p14">
-      <p:transition spd="slow" p14:dur="2000"/>
-    </mc:Choice>
-    <mc:Fallback>
-      <p:transition spd="slow"/>
-    </mc:Fallback>
-  </mc:AlternateContent>
-  <p:timing>
-    <p:tnLst>
-      <p:par>
-        <p:cTn id="1" dur="indefinite" restart="never" nodeType="tmRoot"/>
-      </p:par>
-    </p:tnLst>
-  </p:timing>
 </p:sld>
 </file>
 
 <file path=ppt/slides/slide19.xml><?xml version="1.0" encoding="utf-8"?>
-<p:sld xmlns:a="http://schemas.openxmlformats.org/drawingml/2006/main" xmlns:r="http://schemas.openxmlformats.org/officeDocument/2006/relationships" xmlns:p="http://schemas.openxmlformats.org/presentationml/2006/main" xmlns:p14="http://schemas.microsoft.com/office/powerpoint/2010/main">
+<p:sld xmlns:a="http://schemas.openxmlformats.org/drawingml/2006/main" xmlns:r="http://schemas.openxmlformats.org/officeDocument/2006/relationships" xmlns:p="http://schemas.openxmlformats.org/presentationml/2006/main">
   <p:cSld>
     <p:spTree>
       <p:nvGrpSpPr>
@@ -11722,20 +11633,22 @@
           <p:nvPr/>
         </p:nvSpPr>
         <p:spPr>
-          <a:xfrm rot="0">
+          <a:xfrm>
             <a:off x="813435" y="508635"/>
             <a:ext cx="5614670" cy="768985"/>
           </a:xfrm>
-          <a:prstGeom prst="rect"/>
+          <a:prstGeom prst="rect">
+            <a:avLst/>
+          </a:prstGeom>
           <a:noFill/>
         </p:spPr>
         <p:txBody>
-          <a:bodyPr wrap="square" lIns="91440" tIns="45720" rIns="91440" bIns="45720" vert="horz" anchor="t">
+          <a:bodyPr vert="horz" wrap="square" lIns="91440" tIns="45720" rIns="91440" bIns="45720" anchor="t">
             <a:spAutoFit/>
           </a:bodyPr>
           <a:lstStyle/>
           <a:p>
-            <a:pPr marL="0" indent="0" algn="l" fontAlgn="auto" defTabSz="457200" eaLnBrk="0" latinLnBrk="0">
+            <a:pPr marL="0" indent="0" algn="l" defTabSz="457200" eaLnBrk="0" fontAlgn="auto" latinLnBrk="0">
               <a:lnSpc>
                 <a:spcPct val="100000"/>
               </a:lnSpc>
@@ -11749,7 +11662,7 @@
               <a:buNone/>
             </a:pPr>
             <a:r>
-              <a:rPr lang="en-US" altLang="ko-KR" sz="4400" cap="none" dirty="0" smtClean="0" b="0">
+              <a:rPr lang="en-US" altLang="ko-KR" sz="4400" b="0" cap="none" dirty="0">
                 <a:solidFill>
                   <a:srgbClr val="E1930E"/>
                 </a:solidFill>
@@ -11758,13 +11671,300 @@
               </a:rPr>
               <a:t>참고 문헌</a:t>
             </a:r>
-            <a:endParaRPr lang="ko-KR" altLang="en-US" sz="4400" cap="none" dirty="0" smtClean="0" b="0">
+            <a:endParaRPr lang="ko-KR" altLang="en-US" sz="4400" b="0" cap="none" dirty="0">
               <a:solidFill>
                 <a:srgbClr val="E1930E"/>
               </a:solidFill>
               <a:latin typeface="맑은 고딕" charset="0"/>
               <a:ea typeface="맑은 고딕" charset="0"/>
             </a:endParaRPr>
+          </a:p>
+        </p:txBody>
+      </p:sp>
+      <p:sp>
+        <p:nvSpPr>
+          <p:cNvPr id="3" name="직사각형 2">
+            <a:extLst>
+              <a:ext uri="{FF2B5EF4-FFF2-40B4-BE49-F238E27FC236}">
+                <a16:creationId xmlns:a16="http://schemas.microsoft.com/office/drawing/2014/main" id="{756DA83F-10E4-4154-8703-B066D1AE69E7}"/>
+              </a:ext>
+            </a:extLst>
+          </p:cNvPr>
+          <p:cNvSpPr/>
+          <p:nvPr/>
+        </p:nvSpPr>
+        <p:spPr>
+          <a:xfrm>
+            <a:off x="2797629" y="1991303"/>
+            <a:ext cx="8218713" cy="369332"/>
+          </a:xfrm>
+          <a:prstGeom prst="rect">
+            <a:avLst/>
+          </a:prstGeom>
+        </p:spPr>
+        <p:txBody>
+          <a:bodyPr wrap="square">
+            <a:spAutoFit/>
+          </a:bodyPr>
+          <a:lstStyle/>
+          <a:p>
+            <a:r>
+              <a:rPr lang="ko-KR" altLang="en-US" dirty="0"/>
+              <a:t>http://m.inven.co.kr/board/powerbbs.php?come_idx=3509&amp;l=600707</a:t>
+            </a:r>
+          </a:p>
+        </p:txBody>
+      </p:sp>
+      <p:sp>
+        <p:nvSpPr>
+          <p:cNvPr id="4" name="TextBox 3">
+            <a:extLst>
+              <a:ext uri="{FF2B5EF4-FFF2-40B4-BE49-F238E27FC236}">
+                <a16:creationId xmlns:a16="http://schemas.microsoft.com/office/drawing/2014/main" id="{CB880F87-A3E7-4C13-8C14-8F9041B8B25C}"/>
+              </a:ext>
+            </a:extLst>
+          </p:cNvPr>
+          <p:cNvSpPr txBox="1"/>
+          <p:nvPr/>
+        </p:nvSpPr>
+        <p:spPr>
+          <a:xfrm>
+            <a:off x="1012371" y="1991303"/>
+            <a:ext cx="2188029" cy="369332"/>
+          </a:xfrm>
+          <a:prstGeom prst="rect">
+            <a:avLst/>
+          </a:prstGeom>
+          <a:noFill/>
+        </p:spPr>
+        <p:txBody>
+          <a:bodyPr wrap="square" rtlCol="0">
+            <a:spAutoFit/>
+          </a:bodyPr>
+          <a:lstStyle/>
+          <a:p>
+            <a:r>
+              <a:rPr lang="ko-KR" altLang="en-US" dirty="0"/>
+              <a:t>캐릭터 이미지</a:t>
+            </a:r>
+          </a:p>
+        </p:txBody>
+      </p:sp>
+      <p:sp>
+        <p:nvSpPr>
+          <p:cNvPr id="5" name="직사각형 4">
+            <a:extLst>
+              <a:ext uri="{FF2B5EF4-FFF2-40B4-BE49-F238E27FC236}">
+                <a16:creationId xmlns:a16="http://schemas.microsoft.com/office/drawing/2014/main" id="{9F6EC1DE-5CF3-41C5-A0FB-80C9D55CE888}"/>
+              </a:ext>
+            </a:extLst>
+          </p:cNvPr>
+          <p:cNvSpPr/>
+          <p:nvPr/>
+        </p:nvSpPr>
+        <p:spPr>
+          <a:xfrm>
+            <a:off x="2797629" y="2517339"/>
+            <a:ext cx="8382001" cy="646331"/>
+          </a:xfrm>
+          <a:prstGeom prst="rect">
+            <a:avLst/>
+          </a:prstGeom>
+        </p:spPr>
+        <p:txBody>
+          <a:bodyPr wrap="square">
+            <a:spAutoFit/>
+          </a:bodyPr>
+          <a:lstStyle/>
+          <a:p>
+            <a:r>
+              <a:rPr lang="ko-KR" altLang="en-US" dirty="0"/>
+              <a:t>https://theportalwiki.com/wiki/Heavy_Duty_Super</a:t>
+            </a:r>
+            <a:r>
+              <a:rPr lang="en-US" altLang="ko-KR" dirty="0"/>
+              <a:t>-</a:t>
+            </a:r>
+            <a:r>
+              <a:rPr lang="ko-KR" altLang="en-US" dirty="0" err="1"/>
+              <a:t>Colliding_Super_Button</a:t>
+            </a:r>
+            <a:r>
+              <a:rPr lang="ko-KR" altLang="en-US" dirty="0"/>
+              <a:t>/ko</a:t>
+            </a:r>
+          </a:p>
+        </p:txBody>
+      </p:sp>
+      <p:sp>
+        <p:nvSpPr>
+          <p:cNvPr id="7" name="TextBox 6">
+            <a:extLst>
+              <a:ext uri="{FF2B5EF4-FFF2-40B4-BE49-F238E27FC236}">
+                <a16:creationId xmlns:a16="http://schemas.microsoft.com/office/drawing/2014/main" id="{075E8EF1-3A41-4B5D-94B3-E54B52A3B845}"/>
+              </a:ext>
+            </a:extLst>
+          </p:cNvPr>
+          <p:cNvSpPr txBox="1"/>
+          <p:nvPr/>
+        </p:nvSpPr>
+        <p:spPr>
+          <a:xfrm>
+            <a:off x="1012371" y="2655838"/>
+            <a:ext cx="1785260" cy="369332"/>
+          </a:xfrm>
+          <a:prstGeom prst="rect">
+            <a:avLst/>
+          </a:prstGeom>
+          <a:noFill/>
+        </p:spPr>
+        <p:txBody>
+          <a:bodyPr wrap="square" rtlCol="0">
+            <a:spAutoFit/>
+          </a:bodyPr>
+          <a:lstStyle/>
+          <a:p>
+            <a:r>
+              <a:rPr lang="ko-KR" altLang="en-US" dirty="0"/>
+              <a:t>버튼 이미지</a:t>
+            </a:r>
+          </a:p>
+        </p:txBody>
+      </p:sp>
+      <p:sp>
+        <p:nvSpPr>
+          <p:cNvPr id="8" name="직사각형 7">
+            <a:extLst>
+              <a:ext uri="{FF2B5EF4-FFF2-40B4-BE49-F238E27FC236}">
+                <a16:creationId xmlns:a16="http://schemas.microsoft.com/office/drawing/2014/main" id="{FC285B63-A1AA-4953-8014-A7BEBE209CAB}"/>
+              </a:ext>
+            </a:extLst>
+          </p:cNvPr>
+          <p:cNvSpPr/>
+          <p:nvPr/>
+        </p:nvSpPr>
+        <p:spPr>
+          <a:xfrm>
+            <a:off x="2797629" y="3400417"/>
+            <a:ext cx="6096000" cy="646331"/>
+          </a:xfrm>
+          <a:prstGeom prst="rect">
+            <a:avLst/>
+          </a:prstGeom>
+        </p:spPr>
+        <p:txBody>
+          <a:bodyPr>
+            <a:spAutoFit/>
+          </a:bodyPr>
+          <a:lstStyle/>
+          <a:p>
+            <a:r>
+              <a:rPr lang="ko-KR" altLang="en-US" dirty="0"/>
+              <a:t>http://minecraft-mods.ru/tekstury/27089-aperturecraft-256x152.html</a:t>
+            </a:r>
+          </a:p>
+        </p:txBody>
+      </p:sp>
+      <p:sp>
+        <p:nvSpPr>
+          <p:cNvPr id="9" name="TextBox 8">
+            <a:extLst>
+              <a:ext uri="{FF2B5EF4-FFF2-40B4-BE49-F238E27FC236}">
+                <a16:creationId xmlns:a16="http://schemas.microsoft.com/office/drawing/2014/main" id="{D59DFA8F-D115-4F85-8CE7-04C3D9BAA2D4}"/>
+              </a:ext>
+            </a:extLst>
+          </p:cNvPr>
+          <p:cNvSpPr txBox="1"/>
+          <p:nvPr/>
+        </p:nvSpPr>
+        <p:spPr>
+          <a:xfrm>
+            <a:off x="1012372" y="3554187"/>
+            <a:ext cx="1785258" cy="369332"/>
+          </a:xfrm>
+          <a:prstGeom prst="rect">
+            <a:avLst/>
+          </a:prstGeom>
+          <a:noFill/>
+        </p:spPr>
+        <p:txBody>
+          <a:bodyPr wrap="square" rtlCol="0">
+            <a:spAutoFit/>
+          </a:bodyPr>
+          <a:lstStyle/>
+          <a:p>
+            <a:r>
+              <a:rPr lang="ko-KR" altLang="en-US" dirty="0"/>
+              <a:t>배경 이미지</a:t>
+            </a:r>
+          </a:p>
+        </p:txBody>
+      </p:sp>
+      <p:sp>
+        <p:nvSpPr>
+          <p:cNvPr id="10" name="직사각형 9">
+            <a:extLst>
+              <a:ext uri="{FF2B5EF4-FFF2-40B4-BE49-F238E27FC236}">
+                <a16:creationId xmlns:a16="http://schemas.microsoft.com/office/drawing/2014/main" id="{15052E33-145F-446F-BAEF-BFAA4A56E701}"/>
+              </a:ext>
+            </a:extLst>
+          </p:cNvPr>
+          <p:cNvSpPr/>
+          <p:nvPr/>
+        </p:nvSpPr>
+        <p:spPr>
+          <a:xfrm>
+            <a:off x="2797631" y="4211795"/>
+            <a:ext cx="4201791" cy="369332"/>
+          </a:xfrm>
+          <a:prstGeom prst="rect">
+            <a:avLst/>
+          </a:prstGeom>
+        </p:spPr>
+        <p:txBody>
+          <a:bodyPr wrap="none">
+            <a:spAutoFit/>
+          </a:bodyPr>
+          <a:lstStyle/>
+          <a:p>
+            <a:r>
+              <a:rPr lang="ko-KR" altLang="en-US" dirty="0"/>
+              <a:t>https://gigglehd.com/zbxe/6419382</a:t>
+            </a:r>
+          </a:p>
+        </p:txBody>
+      </p:sp>
+      <p:sp>
+        <p:nvSpPr>
+          <p:cNvPr id="11" name="직사각형 10">
+            <a:extLst>
+              <a:ext uri="{FF2B5EF4-FFF2-40B4-BE49-F238E27FC236}">
+                <a16:creationId xmlns:a16="http://schemas.microsoft.com/office/drawing/2014/main" id="{90B9746F-9727-4FB2-A176-BE0B70BDC073}"/>
+              </a:ext>
+            </a:extLst>
+          </p:cNvPr>
+          <p:cNvSpPr/>
+          <p:nvPr/>
+        </p:nvSpPr>
+        <p:spPr>
+          <a:xfrm>
+            <a:off x="2797629" y="4746174"/>
+            <a:ext cx="6096000" cy="646331"/>
+          </a:xfrm>
+          <a:prstGeom prst="rect">
+            <a:avLst/>
+          </a:prstGeom>
+        </p:spPr>
+        <p:txBody>
+          <a:bodyPr>
+            <a:spAutoFit/>
+          </a:bodyPr>
+          <a:lstStyle/>
+          <a:p>
+            <a:r>
+              <a:rPr lang="ko-KR" altLang="en-US" dirty="0"/>
+              <a:t>https://trollandi.maximumgames.com/puzzle-makes-better-video-game-pacing/</a:t>
+            </a:r>
           </a:p>
         </p:txBody>
       </p:sp>
@@ -11778,26 +11978,11 @@
   <p:clrMapOvr>
     <a:masterClrMapping/>
   </p:clrMapOvr>
-  <mc:AlternateContent xmlns:mc="http://schemas.openxmlformats.org/markup-compatibility/2006">
-    <mc:Choice xmlns:p14="http://schemas.microsoft.com/office/powerpoint/2010/main" Requires="p14">
-      <p:transition spd="slow" p14:dur="2000"/>
-    </mc:Choice>
-    <mc:Fallback>
-      <p:transition spd="slow"/>
-    </mc:Fallback>
-  </mc:AlternateContent>
-  <p:timing>
-    <p:tnLst>
-      <p:par>
-        <p:cTn id="1" dur="indefinite" restart="never" nodeType="tmRoot"/>
-      </p:par>
-    </p:tnLst>
-  </p:timing>
 </p:sld>
 </file>
 
 <file path=ppt/slides/slide2.xml><?xml version="1.0" encoding="utf-8"?>
-<p:sld xmlns:a="http://schemas.openxmlformats.org/drawingml/2006/main" xmlns:r="http://schemas.openxmlformats.org/officeDocument/2006/relationships" xmlns:p="http://schemas.openxmlformats.org/presentationml/2006/main" xmlns:p14="http://schemas.microsoft.com/office/powerpoint/2010/main">
+<p:sld xmlns:a="http://schemas.openxmlformats.org/drawingml/2006/main" xmlns:r="http://schemas.openxmlformats.org/officeDocument/2006/relationships" xmlns:p="http://schemas.openxmlformats.org/presentationml/2006/main">
   <p:cSld>
     <p:spTree>
       <p:nvGrpSpPr>
@@ -11822,20 +12007,22 @@
           <p:nvPr/>
         </p:nvSpPr>
         <p:spPr>
-          <a:xfrm rot="0">
+          <a:xfrm>
             <a:off x="494664" y="257175"/>
             <a:ext cx="4611370" cy="770890"/>
           </a:xfrm>
-          <a:prstGeom prst="rect"/>
+          <a:prstGeom prst="rect">
+            <a:avLst/>
+          </a:prstGeom>
           <a:noFill/>
         </p:spPr>
         <p:txBody>
-          <a:bodyPr wrap="square" lIns="91440" tIns="45720" rIns="91440" bIns="45720" numCol="1" vert="horz" anchor="t">
+          <a:bodyPr vert="horz" wrap="square" lIns="91440" tIns="45720" rIns="91440" bIns="45720" numCol="1" anchor="t">
             <a:spAutoFit/>
           </a:bodyPr>
           <a:lstStyle/>
           <a:p>
-            <a:pPr marL="0" indent="0" algn="l" fontAlgn="auto" defTabSz="457200" eaLnBrk="0" latinLnBrk="0">
+            <a:pPr marL="0" indent="0" algn="l" defTabSz="457200" eaLnBrk="0" fontAlgn="auto" latinLnBrk="0">
               <a:lnSpc>
                 <a:spcPct val="100000"/>
               </a:lnSpc>
@@ -11849,7 +12036,7 @@
               <a:buNone/>
             </a:pPr>
             <a:r>
-              <a:rPr lang="en-US" altLang="ko-KR" sz="4400" cap="none" dirty="0" smtClean="0" b="0">
+              <a:rPr lang="en-US" altLang="ko-KR" sz="4400" b="0" cap="none" dirty="0">
                 <a:solidFill>
                   <a:schemeClr val="accent1">
                     <a:lumMod val="75000"/>
@@ -11860,7 +12047,7 @@
               </a:rPr>
               <a:t>목차</a:t>
             </a:r>
-            <a:endParaRPr lang="ko-KR" altLang="en-US" sz="4400" cap="none" dirty="0" smtClean="0" b="0">
+            <a:endParaRPr lang="ko-KR" altLang="en-US" sz="4400" b="0" cap="none" dirty="0">
               <a:solidFill>
                 <a:schemeClr val="accent1">
                   <a:lumMod val="75000"/>
@@ -11881,20 +12068,22 @@
           <p:nvPr/>
         </p:nvSpPr>
         <p:spPr>
-          <a:xfrm rot="0">
+          <a:xfrm>
             <a:off x="678815" y="1263015"/>
             <a:ext cx="10021570" cy="4890770"/>
           </a:xfrm>
-          <a:prstGeom prst="rect"/>
+          <a:prstGeom prst="rect">
+            <a:avLst/>
+          </a:prstGeom>
           <a:noFill/>
         </p:spPr>
         <p:txBody>
-          <a:bodyPr wrap="square" lIns="91440" tIns="45720" rIns="91440" bIns="45720" numCol="1" vert="horz" anchor="t">
+          <a:bodyPr vert="horz" wrap="square" lIns="91440" tIns="45720" rIns="91440" bIns="45720" numCol="1" anchor="t">
             <a:spAutoFit/>
           </a:bodyPr>
           <a:lstStyle/>
           <a:p>
-            <a:pPr marL="254000" indent="-254000" algn="l" fontAlgn="auto" defTabSz="457200" eaLnBrk="0" latinLnBrk="0">
+            <a:pPr marL="254000" indent="-254000" algn="l" defTabSz="457200" eaLnBrk="0" fontAlgn="auto" latinLnBrk="0">
               <a:lnSpc>
                 <a:spcPct val="150000"/>
               </a:lnSpc>
@@ -11908,19 +12097,19 @@
               <a:buChar char="v"/>
             </a:pPr>
             <a:r>
-              <a:rPr lang="en-US" altLang="ko-KR" sz="2400" cap="none" dirty="0" smtClean="0" b="0">
+              <a:rPr lang="en-US" altLang="ko-KR" sz="2400" b="0" cap="none" dirty="0">
                 <a:latin typeface="맑은 고딕" charset="0"/>
                 <a:ea typeface="맑은 고딕" charset="0"/>
               </a:rPr>
               <a:t> 연구 목적</a:t>
             </a:r>
-            <a:endParaRPr lang="ko-KR" altLang="en-US" sz="2400" cap="none" dirty="0" smtClean="0" b="0">
+            <a:endParaRPr lang="ko-KR" altLang="en-US" sz="2400" b="0" cap="none" dirty="0">
               <a:latin typeface="맑은 고딕" charset="0"/>
               <a:ea typeface="맑은 고딕" charset="0"/>
             </a:endParaRPr>
           </a:p>
           <a:p>
-            <a:pPr marL="254000" indent="-254000" algn="l" fontAlgn="auto" defTabSz="457200" eaLnBrk="0" latinLnBrk="0">
+            <a:pPr marL="254000" indent="-254000" algn="l" defTabSz="457200" eaLnBrk="0" fontAlgn="auto" latinLnBrk="0">
               <a:lnSpc>
                 <a:spcPct val="150000"/>
               </a:lnSpc>
@@ -11934,14 +12123,14 @@
               <a:buChar char="v"/>
             </a:pPr>
             <a:r>
-              <a:rPr lang="en-US" altLang="ko-KR" sz="2400" cap="none" dirty="0" smtClean="0" b="0">
+              <a:rPr lang="en-US" altLang="ko-KR" sz="2400" b="0" cap="none" dirty="0">
                 <a:latin typeface="맑은 고딕" charset="0"/>
                 <a:ea typeface="맑은 고딕" charset="0"/>
               </a:rPr>
               <a:t> </a:t>
             </a:r>
             <a:r>
-              <a:rPr lang="en-US" altLang="ko-KR" sz="2400" cap="none" dirty="0" smtClean="0" b="0">
+              <a:rPr lang="en-US" altLang="ko-KR" sz="2400" b="0" cap="none" dirty="0">
                 <a:solidFill>
                   <a:srgbClr val="FFFFFF"/>
                 </a:solidFill>
@@ -11950,7 +12139,7 @@
               </a:rPr>
               <a:t>재미 요소</a:t>
             </a:r>
-            <a:endParaRPr lang="ko-KR" altLang="en-US" sz="2400" cap="none" dirty="0" smtClean="0" b="0">
+            <a:endParaRPr lang="ko-KR" altLang="en-US" sz="2400" b="0" cap="none" dirty="0">
               <a:solidFill>
                 <a:srgbClr val="FFFFFF"/>
               </a:solidFill>
@@ -11959,7 +12148,7 @@
             </a:endParaRPr>
           </a:p>
           <a:p>
-            <a:pPr marL="254000" indent="-254000" algn="l" fontAlgn="auto" defTabSz="457200" eaLnBrk="0" latinLnBrk="0">
+            <a:pPr marL="254000" indent="-254000" algn="l" defTabSz="457200" eaLnBrk="0" fontAlgn="auto" latinLnBrk="0">
               <a:lnSpc>
                 <a:spcPct val="150000"/>
               </a:lnSpc>
@@ -11976,7 +12165,7 @@
               <a:buChar char="v"/>
             </a:pPr>
             <a:r>
-              <a:rPr lang="en-US" altLang="ko-KR" sz="2400" cap="none" dirty="0" smtClean="0" b="0">
+              <a:rPr lang="en-US" altLang="ko-KR" sz="2400" b="0" cap="none" dirty="0">
                 <a:solidFill>
                   <a:srgbClr val="FFFFFF"/>
                 </a:solidFill>
@@ -11985,13 +12174,13 @@
               </a:rPr>
               <a:t> 게임 소개 </a:t>
             </a:r>
-            <a:endParaRPr lang="ko-KR" altLang="en-US" sz="2400" cap="none" dirty="0" smtClean="0" b="0">
+            <a:endParaRPr lang="ko-KR" altLang="en-US" sz="2400" b="0" cap="none" dirty="0">
               <a:latin typeface="맑은 고딕" charset="0"/>
               <a:ea typeface="맑은 고딕" charset="0"/>
             </a:endParaRPr>
           </a:p>
           <a:p>
-            <a:pPr marL="254000" indent="-254000" algn="l" fontAlgn="auto" defTabSz="457200" eaLnBrk="0" latinLnBrk="0">
+            <a:pPr marL="254000" indent="-254000" algn="l" defTabSz="457200" eaLnBrk="0" fontAlgn="auto" latinLnBrk="0">
               <a:lnSpc>
                 <a:spcPct val="150000"/>
               </a:lnSpc>
@@ -12005,19 +12194,19 @@
               <a:buChar char="v"/>
             </a:pPr>
             <a:r>
-              <a:rPr lang="en-US" altLang="ko-KR" sz="2400" cap="none" dirty="0" smtClean="0" b="0">
+              <a:rPr lang="en-US" altLang="ko-KR" sz="2400" b="0" cap="none" dirty="0">
                 <a:latin typeface="맑은 고딕" charset="0"/>
                 <a:ea typeface="맑은 고딕" charset="0"/>
               </a:rPr>
               <a:t> 게임 플레이</a:t>
             </a:r>
-            <a:endParaRPr lang="ko-KR" altLang="en-US" sz="2400" cap="none" dirty="0" smtClean="0" b="0">
+            <a:endParaRPr lang="ko-KR" altLang="en-US" sz="2400" b="0" cap="none" dirty="0">
               <a:latin typeface="맑은 고딕" charset="0"/>
               <a:ea typeface="맑은 고딕" charset="0"/>
             </a:endParaRPr>
           </a:p>
           <a:p>
-            <a:pPr marL="254000" indent="-254000" algn="l" fontAlgn="auto" defTabSz="457200" eaLnBrk="0" latinLnBrk="0">
+            <a:pPr marL="254000" indent="-254000" algn="l" defTabSz="457200" eaLnBrk="0" fontAlgn="auto" latinLnBrk="0">
               <a:lnSpc>
                 <a:spcPct val="150000"/>
               </a:lnSpc>
@@ -12031,19 +12220,19 @@
               <a:buChar char="v"/>
             </a:pPr>
             <a:r>
-              <a:rPr lang="en-US" altLang="ko-KR" sz="2400" cap="none" dirty="0" smtClean="0" b="0">
+              <a:rPr lang="en-US" altLang="ko-KR" sz="2400" b="0" cap="none" dirty="0">
                 <a:latin typeface="맑은 고딕" charset="0"/>
                 <a:ea typeface="맑은 고딕" charset="0"/>
               </a:rPr>
               <a:t> 기술적 요소</a:t>
             </a:r>
-            <a:endParaRPr lang="ko-KR" altLang="en-US" sz="2400" cap="none" dirty="0" smtClean="0" b="0">
+            <a:endParaRPr lang="ko-KR" altLang="en-US" sz="2400" b="0" cap="none" dirty="0">
               <a:latin typeface="맑은 고딕" charset="0"/>
               <a:ea typeface="맑은 고딕" charset="0"/>
             </a:endParaRPr>
           </a:p>
           <a:p>
-            <a:pPr marL="254000" indent="-254000" algn="l" fontAlgn="auto" defTabSz="457200" eaLnBrk="0" latinLnBrk="0">
+            <a:pPr marL="254000" indent="-254000" algn="l" defTabSz="457200" eaLnBrk="0" fontAlgn="auto" latinLnBrk="0">
               <a:lnSpc>
                 <a:spcPct val="150000"/>
               </a:lnSpc>
@@ -12057,19 +12246,19 @@
               <a:buChar char="v"/>
             </a:pPr>
             <a:r>
-              <a:rPr lang="en-US" altLang="ko-KR" sz="2400" cap="none" dirty="0" smtClean="0" b="0">
+              <a:rPr lang="en-US" altLang="ko-KR" sz="2400" b="0" cap="none" dirty="0">
                 <a:latin typeface="맑은 고딕" charset="0"/>
                 <a:ea typeface="맑은 고딕" charset="0"/>
               </a:rPr>
               <a:t> 플랫폼 &amp; 개발환경</a:t>
             </a:r>
-            <a:endParaRPr lang="ko-KR" altLang="en-US" sz="2400" cap="none" dirty="0" smtClean="0" b="0">
+            <a:endParaRPr lang="ko-KR" altLang="en-US" sz="2400" b="0" cap="none" dirty="0">
               <a:latin typeface="맑은 고딕" charset="0"/>
               <a:ea typeface="맑은 고딕" charset="0"/>
             </a:endParaRPr>
           </a:p>
           <a:p>
-            <a:pPr marL="254000" indent="-254000" algn="l" fontAlgn="auto" defTabSz="457200" eaLnBrk="0" latinLnBrk="0">
+            <a:pPr marL="254000" indent="-254000" algn="l" defTabSz="457200" eaLnBrk="0" fontAlgn="auto" latinLnBrk="0">
               <a:lnSpc>
                 <a:spcPct val="150000"/>
               </a:lnSpc>
@@ -12083,19 +12272,19 @@
               <a:buChar char="v"/>
             </a:pPr>
             <a:r>
-              <a:rPr lang="en-US" altLang="ko-KR" sz="2400" cap="none" dirty="0" smtClean="0" b="0">
+              <a:rPr lang="en-US" altLang="ko-KR" sz="2400" b="0" cap="none" dirty="0">
                 <a:latin typeface="맑은 고딕" charset="0"/>
                 <a:ea typeface="맑은 고딕" charset="0"/>
               </a:rPr>
               <a:t> 개발 일정</a:t>
             </a:r>
-            <a:endParaRPr lang="ko-KR" altLang="en-US" sz="2400" cap="none" dirty="0" smtClean="0" b="0">
+            <a:endParaRPr lang="ko-KR" altLang="en-US" sz="2400" b="0" cap="none" dirty="0">
               <a:latin typeface="맑은 고딕" charset="0"/>
               <a:ea typeface="맑은 고딕" charset="0"/>
             </a:endParaRPr>
           </a:p>
           <a:p>
-            <a:pPr marL="254000" indent="-254000" algn="l" fontAlgn="auto" defTabSz="457200" eaLnBrk="0" latinLnBrk="0">
+            <a:pPr marL="254000" indent="-254000" algn="l" defTabSz="457200" eaLnBrk="0" fontAlgn="auto" latinLnBrk="0">
               <a:lnSpc>
                 <a:spcPct val="150000"/>
               </a:lnSpc>
@@ -12109,19 +12298,19 @@
               <a:buChar char="v"/>
             </a:pPr>
             <a:r>
-              <a:rPr lang="en-US" altLang="ko-KR" sz="2400" cap="none" dirty="0" smtClean="0" b="0">
+              <a:rPr lang="en-US" altLang="ko-KR" sz="2400" b="0" cap="none" dirty="0">
                 <a:latin typeface="맑은 고딕" charset="0"/>
                 <a:ea typeface="맑은 고딕" charset="0"/>
               </a:rPr>
               <a:t> 참고 문헌</a:t>
             </a:r>
-            <a:endParaRPr lang="ko-KR" altLang="en-US" sz="2400" cap="none" dirty="0" smtClean="0" b="0">
+            <a:endParaRPr lang="ko-KR" altLang="en-US" sz="2400" b="0" cap="none" dirty="0">
               <a:latin typeface="맑은 고딕" charset="0"/>
               <a:ea typeface="맑은 고딕" charset="0"/>
             </a:endParaRPr>
           </a:p>
           <a:p>
-            <a:pPr marL="0" indent="0" algn="l" fontAlgn="auto" defTabSz="457200" eaLnBrk="0" latinLnBrk="0">
+            <a:pPr marL="0" indent="0" algn="l" defTabSz="457200" eaLnBrk="0" fontAlgn="auto" latinLnBrk="0">
               <a:lnSpc>
                 <a:spcPct val="100000"/>
               </a:lnSpc>
@@ -12134,7 +12323,7 @@
               <a:buFontTx/>
               <a:buNone/>
             </a:pPr>
-            <a:endParaRPr lang="ko-KR" altLang="en-US" sz="2400" cap="none" dirty="0" smtClean="0" b="0">
+            <a:endParaRPr lang="ko-KR" altLang="en-US" sz="2400" b="0" cap="none" dirty="0">
               <a:latin typeface="맑은 고딕" charset="0"/>
               <a:ea typeface="맑은 고딕" charset="0"/>
             </a:endParaRPr>
@@ -12151,26 +12340,11 @@
   <p:clrMapOvr>
     <a:masterClrMapping/>
   </p:clrMapOvr>
-  <mc:AlternateContent xmlns:mc="http://schemas.openxmlformats.org/markup-compatibility/2006">
-    <mc:Choice xmlns:p14="http://schemas.microsoft.com/office/powerpoint/2010/main" Requires="p14">
-      <p:transition spd="slow" p14:dur="2000"/>
-    </mc:Choice>
-    <mc:Fallback>
-      <p:transition spd="slow"/>
-    </mc:Fallback>
-  </mc:AlternateContent>
-  <p:timing>
-    <p:tnLst>
-      <p:par>
-        <p:cTn id="1" dur="indefinite" restart="never" nodeType="tmRoot"/>
-      </p:par>
-    </p:tnLst>
-  </p:timing>
 </p:sld>
 </file>
 
 <file path=ppt/slides/slide3.xml><?xml version="1.0" encoding="utf-8"?>
-<p:sld xmlns:a="http://schemas.openxmlformats.org/drawingml/2006/main" xmlns:r="http://schemas.openxmlformats.org/officeDocument/2006/relationships" xmlns:p="http://schemas.openxmlformats.org/presentationml/2006/main" xmlns:p14="http://schemas.microsoft.com/office/powerpoint/2010/main">
+<p:sld xmlns:a="http://schemas.openxmlformats.org/drawingml/2006/main" xmlns:r="http://schemas.openxmlformats.org/officeDocument/2006/relationships" xmlns:p="http://schemas.openxmlformats.org/presentationml/2006/main">
   <p:cSld>
     <p:spTree>
       <p:nvGrpSpPr>
@@ -12209,12 +12383,12 @@
           <a:noFill/>
         </p:spPr>
         <p:txBody>
-          <a:bodyPr wrap="square" lIns="91440" tIns="45720" rIns="91440" bIns="45720" numCol="1" vert="horz" anchor="t">
+          <a:bodyPr vert="horz" wrap="square" lIns="91440" tIns="45720" rIns="91440" bIns="45720" numCol="1" anchor="t">
             <a:spAutoFit/>
           </a:bodyPr>
           <a:lstStyle/>
           <a:p>
-            <a:pPr marL="0" indent="0" algn="l" fontAlgn="auto" defTabSz="457200" eaLnBrk="0" latinLnBrk="0">
+            <a:pPr marL="0" indent="0" algn="l" defTabSz="457200" eaLnBrk="0" fontAlgn="auto" latinLnBrk="0">
               <a:lnSpc>
                 <a:spcPct val="100000"/>
               </a:lnSpc>
@@ -12228,7 +12402,7 @@
               <a:buNone/>
             </a:pPr>
             <a:r>
-              <a:rPr lang="en-US" altLang="ko-KR" sz="4400" cap="none" dirty="0" smtClean="0" b="0">
+              <a:rPr lang="en-US" altLang="ko-KR" sz="4400" b="0" cap="none" dirty="0">
                 <a:solidFill>
                   <a:schemeClr val="accent1">
                     <a:lumMod val="75000"/>
@@ -12239,7 +12413,7 @@
               </a:rPr>
               <a:t>연구 목적</a:t>
             </a:r>
-            <a:endParaRPr lang="ko-KR" altLang="en-US" sz="4400" cap="none" dirty="0" smtClean="0" b="0">
+            <a:endParaRPr lang="ko-KR" altLang="en-US" sz="4400" b="0" cap="none" dirty="0">
               <a:solidFill>
                 <a:schemeClr val="accent1">
                   <a:lumMod val="75000"/>
@@ -12260,20 +12434,22 @@
           <p:nvPr/>
         </p:nvSpPr>
         <p:spPr>
-          <a:xfrm rot="0">
+          <a:xfrm>
             <a:off x="1224280" y="1412240"/>
             <a:ext cx="10020935" cy="1198880"/>
           </a:xfrm>
-          <a:prstGeom prst="rect"/>
+          <a:prstGeom prst="rect">
+            <a:avLst/>
+          </a:prstGeom>
           <a:noFill/>
         </p:spPr>
         <p:txBody>
-          <a:bodyPr wrap="square" lIns="91440" tIns="45720" rIns="91440" bIns="45720" numCol="1" vert="horz" anchor="t">
+          <a:bodyPr vert="horz" wrap="square" lIns="91440" tIns="45720" rIns="91440" bIns="45720" numCol="1" anchor="t">
             <a:spAutoFit/>
           </a:bodyPr>
           <a:lstStyle/>
           <a:p>
-            <a:pPr marL="0" indent="0" algn="l" fontAlgn="auto" defTabSz="457200" eaLnBrk="0" latinLnBrk="0">
+            <a:pPr marL="0" indent="0" algn="l" defTabSz="457200" eaLnBrk="0" fontAlgn="auto" latinLnBrk="0">
               <a:lnSpc>
                 <a:spcPct val="100000"/>
               </a:lnSpc>
@@ -12287,19 +12463,19 @@
               <a:buNone/>
             </a:pPr>
             <a:r>
-              <a:rPr lang="en-US" altLang="ko-KR" sz="2400" cap="none" dirty="0" smtClean="0" b="0">
+              <a:rPr lang="en-US" altLang="ko-KR" sz="2400" b="0" cap="none" dirty="0">
                 <a:latin typeface="맑은 고딕" charset="0"/>
                 <a:ea typeface="맑은 고딕" charset="0"/>
               </a:rPr>
               <a:t>이슈가 되었던 사건을 배경으로 재미있게 풀어나가는 형식의 </a:t>
             </a:r>
-            <a:endParaRPr lang="ko-KR" altLang="en-US" sz="2400" cap="none" dirty="0" smtClean="0" b="0">
+            <a:endParaRPr lang="ko-KR" altLang="en-US" sz="2400" b="0" cap="none" dirty="0">
               <a:latin typeface="맑은 고딕" charset="0"/>
               <a:ea typeface="맑은 고딕" charset="0"/>
             </a:endParaRPr>
           </a:p>
           <a:p>
-            <a:pPr marL="0" indent="0" algn="l" fontAlgn="auto" defTabSz="457200" eaLnBrk="0" latinLnBrk="0">
+            <a:pPr marL="0" indent="0" algn="l" defTabSz="457200" eaLnBrk="0" fontAlgn="auto" latinLnBrk="0">
               <a:lnSpc>
                 <a:spcPct val="100000"/>
               </a:lnSpc>
@@ -12312,13 +12488,13 @@
               <a:buFontTx/>
               <a:buNone/>
             </a:pPr>
-            <a:endParaRPr lang="ko-KR" altLang="en-US" sz="2400" cap="none" dirty="0" smtClean="0" b="0">
+            <a:endParaRPr lang="ko-KR" altLang="en-US" sz="2400" b="0" cap="none" dirty="0">
               <a:latin typeface="맑은 고딕" charset="0"/>
               <a:ea typeface="맑은 고딕" charset="0"/>
             </a:endParaRPr>
           </a:p>
           <a:p>
-            <a:pPr marL="0" indent="0" algn="l" fontAlgn="auto" defTabSz="457200" eaLnBrk="0" latinLnBrk="0">
+            <a:pPr marL="0" indent="0" algn="l" defTabSz="457200" eaLnBrk="0" fontAlgn="auto" latinLnBrk="0">
               <a:lnSpc>
                 <a:spcPct val="100000"/>
               </a:lnSpc>
@@ -12332,13 +12508,13 @@
               <a:buNone/>
             </a:pPr>
             <a:r>
-              <a:rPr lang="en-US" altLang="ko-KR" sz="2400" cap="none" dirty="0" smtClean="0" b="0">
+              <a:rPr lang="en-US" altLang="ko-KR" sz="2400" b="0" cap="none" dirty="0">
                 <a:latin typeface="맑은 고딕" charset="0"/>
                 <a:ea typeface="맑은 고딕" charset="0"/>
               </a:rPr>
               <a:t>게임이 있다면, 많은 사람들이 즐길 수 있을 것이라고 생각한다.</a:t>
             </a:r>
-            <a:endParaRPr lang="ko-KR" altLang="en-US" sz="2400" cap="none" dirty="0" smtClean="0" b="0">
+            <a:endParaRPr lang="ko-KR" altLang="en-US" sz="2400" b="0" cap="none" dirty="0">
               <a:latin typeface="맑은 고딕" charset="0"/>
               <a:ea typeface="맑은 고딕" charset="0"/>
             </a:endParaRPr>
@@ -12354,7 +12530,7 @@
           <p:nvPr/>
         </p:nvPicPr>
         <p:blipFill rotWithShape="1">
-          <a:blip r:embed="rId1">
+          <a:blip r:embed="rId2">
             <a:extLst>
               <a:ext uri="{28A0092B-C50C-407E-A947-70E740481C1C}">
                 <a14:useLocalDpi xmlns:a14="http://schemas.microsoft.com/office/drawing/2010/main" val="0"/>
@@ -12366,11 +12542,13 @@
           </a:stretch>
         </p:blipFill>
         <p:spPr>
-          <a:xfrm rot="0">
+          <a:xfrm>
             <a:off x="1517650" y="2937510"/>
             <a:ext cx="2334260" cy="3086735"/>
           </a:xfrm>
-          <a:prstGeom prst="rect"/>
+          <a:prstGeom prst="rect">
+            <a:avLst/>
+          </a:prstGeom>
           <a:noFill/>
         </p:spPr>
       </p:pic>
@@ -12383,11 +12561,13 @@
           <p:nvPr/>
         </p:nvSpPr>
         <p:spPr>
-          <a:xfrm rot="0">
+          <a:xfrm>
             <a:off x="1524000" y="6008370"/>
             <a:ext cx="2336165" cy="370205"/>
           </a:xfrm>
-          <a:prstGeom prst="rect"/>
+          <a:prstGeom prst="rect">
+            <a:avLst/>
+          </a:prstGeom>
           <a:noFill/>
           <a:ln w="0">
             <a:noFill/>
@@ -12395,12 +12575,12 @@
           </a:ln>
         </p:spPr>
         <p:txBody>
-          <a:bodyPr wrap="square" lIns="89535" tIns="46355" rIns="89535" bIns="46355" vert="horz" anchor="t">
+          <a:bodyPr vert="horz" wrap="square" lIns="89535" tIns="46355" rIns="89535" bIns="46355" anchor="t">
             <a:spAutoFit/>
           </a:bodyPr>
           <a:lstStyle/>
           <a:p>
-            <a:pPr marL="0" indent="0" algn="ctr" fontAlgn="auto" defTabSz="508000">
+            <a:pPr marL="0" indent="0" algn="ctr" defTabSz="508000" fontAlgn="auto">
               <a:lnSpc>
                 <a:spcPct val="100000"/>
               </a:lnSpc>
@@ -12414,13 +12594,13 @@
               <a:buNone/>
             </a:pPr>
             <a:r>
-              <a:rPr lang="en-US" altLang="ko-KR" sz="1800" cap="none" dirty="0" smtClean="0" b="0">
+              <a:rPr lang="en-US" altLang="ko-KR" sz="1800" b="0" cap="none" dirty="0">
                 <a:latin typeface="맑은 고딕" charset="0"/>
                 <a:ea typeface="맑은 고딕" charset="0"/>
               </a:rPr>
               <a:t>최순실 게이트 사건</a:t>
             </a:r>
-            <a:endParaRPr lang="ko-KR" altLang="en-US" sz="1800" cap="none" dirty="0" smtClean="0" b="0">
+            <a:endParaRPr lang="ko-KR" altLang="en-US" sz="1800" b="0" cap="none" dirty="0">
               <a:latin typeface="맑은 고딕" charset="0"/>
               <a:ea typeface="맑은 고딕" charset="0"/>
             </a:endParaRPr>
@@ -12436,11 +12616,13 @@
           <p:nvPr/>
         </p:nvSpPr>
         <p:spPr>
-          <a:xfrm rot="0">
+          <a:xfrm>
             <a:off x="4646930" y="3547745"/>
             <a:ext cx="1861819" cy="1861819"/>
           </a:xfrm>
-          <a:prstGeom prst="mathPlus"/>
+          <a:prstGeom prst="mathPlus">
+            <a:avLst/>
+          </a:prstGeom>
           <a:solidFill>
             <a:schemeClr val="accent4"/>
           </a:solidFill>
@@ -12470,12 +12652,12 @@
           </a:fontRef>
         </p:style>
         <p:txBody>
-          <a:bodyPr wrap="square" lIns="91440" tIns="45720" rIns="91440" bIns="45720" vert="horz" anchor="ctr">
+          <a:bodyPr vert="horz" wrap="square" lIns="91440" tIns="45720" rIns="91440" bIns="45720" anchor="ctr">
             <a:noAutofit/>
           </a:bodyPr>
           <a:lstStyle/>
           <a:p>
-            <a:pPr marL="0" indent="0" algn="ctr" fontAlgn="auto" defTabSz="508000">
+            <a:pPr marL="0" indent="0" algn="ctr" defTabSz="508000" fontAlgn="auto">
               <a:lnSpc>
                 <a:spcPct val="100000"/>
               </a:lnSpc>
@@ -12488,7 +12670,7 @@
               <a:buFontTx/>
               <a:buNone/>
             </a:pPr>
-            <a:endParaRPr lang="ko-KR" altLang="en-US" sz="1800" cap="none" dirty="0" smtClean="0" b="0">
+            <a:endParaRPr lang="ko-KR" altLang="en-US" sz="1800" b="0" cap="none" dirty="0">
               <a:latin typeface="맑은 고딕" charset="0"/>
               <a:ea typeface="맑은 고딕" charset="0"/>
             </a:endParaRPr>
@@ -12504,7 +12686,7 @@
           <p:nvPr/>
         </p:nvPicPr>
         <p:blipFill rotWithShape="1">
-          <a:blip r:embed="rId2">
+          <a:blip r:embed="rId3">
             <a:extLst>
               <a:ext uri="{28A0092B-C50C-407E-A947-70E740481C1C}">
                 <a14:useLocalDpi xmlns:a14="http://schemas.microsoft.com/office/drawing/2010/main" val="0"/>
@@ -12516,11 +12698,13 @@
           </a:stretch>
         </p:blipFill>
         <p:spPr>
-          <a:xfrm rot="0">
+          <a:xfrm>
             <a:off x="7167880" y="3347720"/>
             <a:ext cx="3488055" cy="2174240"/>
           </a:xfrm>
-          <a:prstGeom prst="rect"/>
+          <a:prstGeom prst="rect">
+            <a:avLst/>
+          </a:prstGeom>
           <a:noFill/>
         </p:spPr>
       </p:pic>
@@ -12533,11 +12717,13 @@
           <p:nvPr/>
         </p:nvSpPr>
         <p:spPr>
-          <a:xfrm rot="0">
+          <a:xfrm>
             <a:off x="7179945" y="5793105"/>
             <a:ext cx="3476625" cy="647065"/>
           </a:xfrm>
-          <a:prstGeom prst="rect"/>
+          <a:prstGeom prst="rect">
+            <a:avLst/>
+          </a:prstGeom>
           <a:noFill/>
           <a:ln w="0">
             <a:noFill/>
@@ -12545,12 +12731,12 @@
           </a:ln>
         </p:spPr>
         <p:txBody>
-          <a:bodyPr wrap="square" lIns="89535" tIns="46355" rIns="89535" bIns="46355" vert="horz" anchor="t">
+          <a:bodyPr vert="horz" wrap="square" lIns="89535" tIns="46355" rIns="89535" bIns="46355" anchor="t">
             <a:spAutoFit/>
           </a:bodyPr>
           <a:lstStyle/>
           <a:p>
-            <a:pPr marL="0" indent="0" algn="ctr" fontAlgn="auto" defTabSz="508000">
+            <a:pPr marL="0" indent="0" algn="ctr" defTabSz="508000" fontAlgn="auto">
               <a:lnSpc>
                 <a:spcPct val="100000"/>
               </a:lnSpc>
@@ -12564,7 +12750,7 @@
               <a:buNone/>
             </a:pPr>
             <a:r>
-              <a:rPr lang="en-US" altLang="ko-KR" sz="1800" cap="none" dirty="0" smtClean="0" b="0">
+              <a:rPr lang="en-US" altLang="ko-KR" sz="1800" b="0" cap="none" dirty="0">
                 <a:solidFill>
                   <a:srgbClr val="FFFFFF"/>
                 </a:solidFill>
@@ -12573,7 +12759,7 @@
               </a:rPr>
               <a:t>포탈 건을 이용해 탈출하는</a:t>
             </a:r>
-            <a:endParaRPr lang="ko-KR" altLang="en-US" sz="1800" cap="none" dirty="0" smtClean="0" b="0">
+            <a:endParaRPr lang="ko-KR" altLang="en-US" sz="1800" b="0" cap="none" dirty="0">
               <a:solidFill>
                 <a:srgbClr val="FFFFFF"/>
               </a:solidFill>
@@ -12582,7 +12768,7 @@
             </a:endParaRPr>
           </a:p>
           <a:p>
-            <a:pPr marL="0" indent="0" algn="ctr" fontAlgn="auto" defTabSz="508000">
+            <a:pPr marL="0" indent="0" algn="ctr" defTabSz="508000" fontAlgn="auto">
               <a:lnSpc>
                 <a:spcPct val="100000"/>
               </a:lnSpc>
@@ -12596,7 +12782,7 @@
               <a:buNone/>
             </a:pPr>
             <a:r>
-              <a:rPr lang="en-US" altLang="ko-KR" sz="1800" cap="none" dirty="0" smtClean="0" b="0">
+              <a:rPr lang="en-US" altLang="ko-KR" sz="1800" b="0" cap="none" dirty="0">
                 <a:solidFill>
                   <a:srgbClr val="FFFFFF"/>
                 </a:solidFill>
@@ -12605,7 +12791,7 @@
               </a:rPr>
               <a:t>게임 ”Portal”</a:t>
             </a:r>
-            <a:endParaRPr lang="ko-KR" altLang="en-US" sz="1800" cap="none" dirty="0" smtClean="0" b="0">
+            <a:endParaRPr lang="ko-KR" altLang="en-US" sz="1800" b="0" cap="none" dirty="0">
               <a:solidFill>
                 <a:srgbClr val="FFFFFF"/>
               </a:solidFill>
@@ -12625,21 +12811,6 @@
   <p:clrMapOvr>
     <a:masterClrMapping/>
   </p:clrMapOvr>
-  <mc:AlternateContent xmlns:mc="http://schemas.openxmlformats.org/markup-compatibility/2006">
-    <mc:Choice xmlns:p14="http://schemas.microsoft.com/office/powerpoint/2010/main" Requires="p14">
-      <p:transition spd="slow" p14:dur="2000"/>
-    </mc:Choice>
-    <mc:Fallback>
-      <p:transition spd="slow"/>
-    </mc:Fallback>
-  </mc:AlternateContent>
-  <p:timing>
-    <p:tnLst>
-      <p:par>
-        <p:cTn id="1" dur="indefinite" restart="never" nodeType="tmRoot"/>
-      </p:par>
-    </p:tnLst>
-  </p:timing>
 </p:sld>
 </file>
 
@@ -12669,20 +12840,22 @@
           <p:nvPr/>
         </p:nvSpPr>
         <p:spPr>
-          <a:xfrm rot="0">
+          <a:xfrm>
             <a:off x="482600" y="381000"/>
             <a:ext cx="4610735" cy="768985"/>
           </a:xfrm>
-          <a:prstGeom prst="rect"/>
+          <a:prstGeom prst="rect">
+            <a:avLst/>
+          </a:prstGeom>
           <a:noFill/>
         </p:spPr>
         <p:txBody>
-          <a:bodyPr wrap="square" lIns="91440" tIns="45720" rIns="91440" bIns="45720" vert="horz" anchor="t">
+          <a:bodyPr vert="horz" wrap="square" lIns="91440" tIns="45720" rIns="91440" bIns="45720" anchor="t">
             <a:spAutoFit/>
           </a:bodyPr>
           <a:lstStyle/>
           <a:p>
-            <a:pPr marL="0" indent="0" algn="l" fontAlgn="auto" defTabSz="457200" eaLnBrk="0" latinLnBrk="0">
+            <a:pPr marL="0" indent="0" algn="l" defTabSz="457200" eaLnBrk="0" fontAlgn="auto" latinLnBrk="0">
               <a:lnSpc>
                 <a:spcPct val="100000"/>
               </a:lnSpc>
@@ -12696,7 +12869,7 @@
               <a:buNone/>
             </a:pPr>
             <a:r>
-              <a:rPr lang="en-US" altLang="ko-KR" sz="4400" cap="none" dirty="0" smtClean="0" b="0">
+              <a:rPr lang="en-US" altLang="ko-KR" sz="4400" b="0" cap="none" dirty="0">
                 <a:solidFill>
                   <a:srgbClr val="E1930E"/>
                 </a:solidFill>
@@ -12705,7 +12878,7 @@
               </a:rPr>
               <a:t>연구 목적</a:t>
             </a:r>
-            <a:endParaRPr lang="ko-KR" altLang="en-US" sz="4400" cap="none" dirty="0" smtClean="0" b="0">
+            <a:endParaRPr lang="ko-KR" altLang="en-US" sz="4400" b="0" cap="none" dirty="0">
               <a:solidFill>
                 <a:srgbClr val="E1930E"/>
               </a:solidFill>
@@ -12724,20 +12897,22 @@
           <p:nvPr/>
         </p:nvSpPr>
         <p:spPr>
-          <a:xfrm rot="0">
+          <a:xfrm>
             <a:off x="1186815" y="1899285"/>
             <a:ext cx="10020935" cy="3043555"/>
           </a:xfrm>
-          <a:prstGeom prst="rect"/>
+          <a:prstGeom prst="rect">
+            <a:avLst/>
+          </a:prstGeom>
           <a:noFill/>
         </p:spPr>
         <p:txBody>
-          <a:bodyPr wrap="square" lIns="91440" tIns="45720" rIns="91440" bIns="45720" vert="horz" anchor="t">
+          <a:bodyPr vert="horz" wrap="square" lIns="91440" tIns="45720" rIns="91440" bIns="45720" anchor="t">
             <a:spAutoFit/>
           </a:bodyPr>
           <a:lstStyle/>
           <a:p>
-            <a:pPr marL="0" indent="0" algn="l" fontAlgn="auto" defTabSz="457200" eaLnBrk="0" latinLnBrk="0">
+            <a:pPr marL="0" indent="0" algn="l" defTabSz="457200" eaLnBrk="0" fontAlgn="auto" latinLnBrk="0">
               <a:lnSpc>
                 <a:spcPct val="100000"/>
               </a:lnSpc>
@@ -12750,7 +12925,7 @@
               <a:buFontTx/>
               <a:buNone/>
             </a:pPr>
-            <a:endParaRPr lang="ko-KR" altLang="en-US" sz="2400" cap="none" dirty="0" smtClean="0" b="0">
+            <a:endParaRPr lang="ko-KR" altLang="en-US" sz="2400" b="0" cap="none" dirty="0">
               <a:solidFill>
                 <a:srgbClr val="FFFFFF"/>
               </a:solidFill>
@@ -12759,7 +12934,7 @@
             </a:endParaRPr>
           </a:p>
           <a:p>
-            <a:pPr marL="0" indent="0" algn="l" fontAlgn="auto" defTabSz="457200" eaLnBrk="0" latinLnBrk="0">
+            <a:pPr marL="0" indent="0" algn="l" defTabSz="457200" eaLnBrk="0" fontAlgn="auto" latinLnBrk="0">
               <a:lnSpc>
                 <a:spcPct val="100000"/>
               </a:lnSpc>
@@ -12773,7 +12948,7 @@
               <a:buNone/>
             </a:pPr>
             <a:r>
-              <a:rPr lang="en-US" altLang="ko-KR" sz="2400" cap="none" dirty="0" smtClean="0" b="0">
+              <a:rPr lang="en-US" altLang="ko-KR" sz="2400" b="0" cap="none" dirty="0">
                 <a:solidFill>
                   <a:srgbClr val="FFFFFF"/>
                 </a:solidFill>
@@ -12782,7 +12957,7 @@
               </a:rPr>
               <a:t>큰 사회적 이슈가 되었던 최순실 게이트 사건을 풍자하여 </a:t>
             </a:r>
-            <a:endParaRPr lang="ko-KR" altLang="en-US" sz="2400" cap="none" dirty="0" smtClean="0" b="0">
+            <a:endParaRPr lang="ko-KR" altLang="en-US" sz="2400" b="0" cap="none" dirty="0">
               <a:solidFill>
                 <a:srgbClr val="FFFFFF"/>
               </a:solidFill>
@@ -12791,7 +12966,7 @@
             </a:endParaRPr>
           </a:p>
           <a:p>
-            <a:pPr marL="0" indent="0" algn="l" fontAlgn="auto" defTabSz="457200" eaLnBrk="0" latinLnBrk="0">
+            <a:pPr marL="0" indent="0" algn="l" defTabSz="457200" eaLnBrk="0" fontAlgn="auto" latinLnBrk="0">
               <a:lnSpc>
                 <a:spcPct val="100000"/>
               </a:lnSpc>
@@ -12804,7 +12979,7 @@
               <a:buFontTx/>
               <a:buNone/>
             </a:pPr>
-            <a:endParaRPr lang="ko-KR" altLang="en-US" sz="2400" cap="none" dirty="0" smtClean="0" b="0">
+            <a:endParaRPr lang="ko-KR" altLang="en-US" sz="2400" b="0" cap="none" dirty="0">
               <a:solidFill>
                 <a:srgbClr val="FFFFFF"/>
               </a:solidFill>
@@ -12813,7 +12988,7 @@
             </a:endParaRPr>
           </a:p>
           <a:p>
-            <a:pPr marL="0" indent="0" algn="l" fontAlgn="auto" defTabSz="457200" eaLnBrk="0" latinLnBrk="0">
+            <a:pPr marL="0" indent="0" algn="l" defTabSz="457200" eaLnBrk="0" fontAlgn="auto" latinLnBrk="0">
               <a:lnSpc>
                 <a:spcPct val="100000"/>
               </a:lnSpc>
@@ -12827,7 +13002,7 @@
               <a:buNone/>
             </a:pPr>
             <a:r>
-              <a:rPr lang="en-US" altLang="ko-KR" sz="2400" cap="none" dirty="0" smtClean="0" b="0">
+              <a:rPr lang="en-US" altLang="ko-KR" sz="2400" b="0" cap="none" dirty="0">
                 <a:solidFill>
                   <a:srgbClr val="FFFFFF"/>
                 </a:solidFill>
@@ -12836,7 +13011,7 @@
               </a:rPr>
               <a:t>게임의 설정에 적절히 넣는다면, 플레이어들에게 색다른 재미를 </a:t>
             </a:r>
-            <a:endParaRPr lang="ko-KR" altLang="en-US" sz="2400" cap="none" dirty="0" smtClean="0" b="0">
+            <a:endParaRPr lang="ko-KR" altLang="en-US" sz="2400" b="0" cap="none" dirty="0">
               <a:solidFill>
                 <a:srgbClr val="FFFFFF"/>
               </a:solidFill>
@@ -12845,7 +13020,7 @@
             </a:endParaRPr>
           </a:p>
           <a:p>
-            <a:pPr marL="0" indent="0" algn="l" fontAlgn="auto" defTabSz="457200" eaLnBrk="0" latinLnBrk="0">
+            <a:pPr marL="0" indent="0" algn="l" defTabSz="457200" eaLnBrk="0" fontAlgn="auto" latinLnBrk="0">
               <a:lnSpc>
                 <a:spcPct val="100000"/>
               </a:lnSpc>
@@ -12859,7 +13034,7 @@
               <a:buNone/>
             </a:pPr>
             <a:r>
-              <a:rPr lang="en-US" altLang="ko-KR" sz="2400" cap="none" dirty="0" smtClean="0" b="0">
+              <a:rPr lang="en-US" altLang="ko-KR" sz="2400" b="0" cap="none" dirty="0">
                 <a:solidFill>
                   <a:srgbClr val="FFFFFF"/>
                 </a:solidFill>
@@ -12868,7 +13043,7 @@
               </a:rPr>
               <a:t>줄 수 있다고 생각하였다.</a:t>
             </a:r>
-            <a:endParaRPr lang="ko-KR" altLang="en-US" sz="2400" cap="none" dirty="0" smtClean="0" b="0">
+            <a:endParaRPr lang="ko-KR" altLang="en-US" sz="2400" b="0" cap="none" dirty="0">
               <a:solidFill>
                 <a:srgbClr val="FFFFFF"/>
               </a:solidFill>
@@ -12877,7 +13052,7 @@
             </a:endParaRPr>
           </a:p>
           <a:p>
-            <a:pPr marL="0" indent="0" algn="l" fontAlgn="auto" defTabSz="457200" eaLnBrk="0" latinLnBrk="0">
+            <a:pPr marL="0" indent="0" algn="l" defTabSz="457200" eaLnBrk="0" fontAlgn="auto" latinLnBrk="0">
               <a:lnSpc>
                 <a:spcPct val="100000"/>
               </a:lnSpc>
@@ -12890,7 +13065,7 @@
               <a:buFontTx/>
               <a:buNone/>
             </a:pPr>
-            <a:endParaRPr lang="ko-KR" altLang="en-US" sz="2400" cap="none" dirty="0" smtClean="0" b="0">
+            <a:endParaRPr lang="ko-KR" altLang="en-US" sz="2400" b="0" cap="none" dirty="0">
               <a:solidFill>
                 <a:srgbClr val="FFFFFF"/>
               </a:solidFill>
@@ -12899,7 +13074,7 @@
             </a:endParaRPr>
           </a:p>
           <a:p>
-            <a:pPr marL="0" indent="0" algn="l" fontAlgn="auto" defTabSz="457200" eaLnBrk="0" latinLnBrk="0">
+            <a:pPr marL="0" indent="0" algn="l" defTabSz="457200" eaLnBrk="0" fontAlgn="auto" latinLnBrk="0">
               <a:lnSpc>
                 <a:spcPct val="100000"/>
               </a:lnSpc>
@@ -12913,7 +13088,7 @@
               <a:buNone/>
             </a:pPr>
             <a:r>
-              <a:rPr lang="en-US" altLang="ko-KR" sz="2400" cap="none" dirty="0" smtClean="0" b="0">
+              <a:rPr lang="en-US" altLang="ko-KR" sz="2400" b="0" cap="none" dirty="0">
                 <a:solidFill>
                   <a:srgbClr val="FFFFFF"/>
                 </a:solidFill>
@@ -12922,7 +13097,7 @@
               </a:rPr>
               <a:t>또한, 즐겁게 개발을 할 수 있다면 분명 재밌는 게임이 나올 것이라는 확신이 있기에 이 게임을 개발하려고 한다.</a:t>
             </a:r>
-            <a:endParaRPr lang="ko-KR" altLang="en-US" sz="2400" cap="none" dirty="0" smtClean="0" b="0">
+            <a:endParaRPr lang="ko-KR" altLang="en-US" sz="2400" b="0" cap="none" dirty="0">
               <a:solidFill>
                 <a:srgbClr val="FFFFFF"/>
               </a:solidFill>
@@ -12937,26 +13112,11 @@
   <p:clrMapOvr>
     <a:masterClrMapping/>
   </p:clrMapOvr>
-  <mc:AlternateContent xmlns:mc="http://schemas.openxmlformats.org/markup-compatibility/2006">
-    <mc:Choice xmlns:p14="http://schemas.microsoft.com/office/powerpoint/2010/main" Requires="p14">
-      <p:transition spd="slow" p14:dur="2000"/>
-    </mc:Choice>
-    <mc:Fallback>
-      <p:transition spd="slow"/>
-    </mc:Fallback>
-  </mc:AlternateContent>
-  <p:timing>
-    <p:tnLst>
-      <p:par>
-        <p:cTn id="1" dur="indefinite" restart="never" nodeType="tmRoot"/>
-      </p:par>
-    </p:tnLst>
-  </p:timing>
 </p:sld>
 </file>
 
 <file path=ppt/slides/slide5.xml><?xml version="1.0" encoding="utf-8"?>
-<p:sld xmlns:a="http://schemas.openxmlformats.org/drawingml/2006/main" xmlns:r="http://schemas.openxmlformats.org/officeDocument/2006/relationships" xmlns:p="http://schemas.openxmlformats.org/presentationml/2006/main" xmlns:p14="http://schemas.microsoft.com/office/powerpoint/2010/main">
+<p:sld xmlns:a="http://schemas.openxmlformats.org/drawingml/2006/main" xmlns:r="http://schemas.openxmlformats.org/officeDocument/2006/relationships" xmlns:p="http://schemas.openxmlformats.org/presentationml/2006/main">
   <p:cSld>
     <p:spTree>
       <p:nvGrpSpPr>
@@ -12995,12 +13155,12 @@
           <a:noFill/>
         </p:spPr>
         <p:txBody>
-          <a:bodyPr wrap="square" lIns="91440" tIns="45720" rIns="91440" bIns="45720" numCol="1" vert="horz" anchor="t">
+          <a:bodyPr vert="horz" wrap="square" lIns="91440" tIns="45720" rIns="91440" bIns="45720" numCol="1" anchor="t">
             <a:spAutoFit/>
           </a:bodyPr>
           <a:lstStyle/>
           <a:p>
-            <a:pPr marL="0" indent="0" algn="l" fontAlgn="auto" defTabSz="457200" eaLnBrk="0" latinLnBrk="0">
+            <a:pPr marL="0" indent="0" algn="l" defTabSz="457200" eaLnBrk="0" fontAlgn="auto" latinLnBrk="0">
               <a:lnSpc>
                 <a:spcPct val="100000"/>
               </a:lnSpc>
@@ -13014,7 +13174,7 @@
               <a:buNone/>
             </a:pPr>
             <a:r>
-              <a:rPr lang="en-US" altLang="ko-KR" sz="4400" cap="none" dirty="0" smtClean="0" b="0">
+              <a:rPr lang="en-US" altLang="ko-KR" sz="4400" b="0" cap="none" dirty="0">
                 <a:solidFill>
                   <a:schemeClr val="accent1">
                     <a:lumMod val="75000"/>
@@ -13025,7 +13185,7 @@
               </a:rPr>
               <a:t> 재미 요소</a:t>
             </a:r>
-            <a:endParaRPr lang="ko-KR" altLang="en-US" sz="4400" cap="none" dirty="0" smtClean="0" b="0">
+            <a:endParaRPr lang="ko-KR" altLang="en-US" sz="4400" b="0" cap="none" dirty="0">
               <a:solidFill>
                 <a:schemeClr val="accent1">
                   <a:lumMod val="75000"/>
@@ -13046,20 +13206,22 @@
           <p:nvPr/>
         </p:nvSpPr>
         <p:spPr>
-          <a:xfrm rot="0">
+          <a:xfrm>
             <a:off x="960120" y="2172970"/>
             <a:ext cx="9895840" cy="4397375"/>
           </a:xfrm>
-          <a:prstGeom prst="rect"/>
+          <a:prstGeom prst="rect">
+            <a:avLst/>
+          </a:prstGeom>
           <a:noFill/>
         </p:spPr>
         <p:txBody>
-          <a:bodyPr wrap="square" lIns="91440" tIns="45720" rIns="91440" bIns="45720" numCol="1" vert="horz" anchor="t">
+          <a:bodyPr vert="horz" wrap="square" lIns="91440" tIns="45720" rIns="91440" bIns="45720" numCol="1" anchor="t">
             <a:spAutoFit/>
           </a:bodyPr>
           <a:lstStyle/>
           <a:p>
-            <a:pPr marL="254000" indent="-254000" algn="l" fontAlgn="auto" defTabSz="457200" eaLnBrk="0" latinLnBrk="0">
+            <a:pPr marL="254000" indent="-254000" algn="l" defTabSz="457200" eaLnBrk="0" fontAlgn="auto" latinLnBrk="0">
               <a:lnSpc>
                 <a:spcPct val="100000"/>
               </a:lnSpc>
@@ -13073,19 +13235,19 @@
               <a:buChar char="v"/>
             </a:pPr>
             <a:r>
-              <a:rPr lang="en-US" altLang="ko-KR" sz="2800" cap="none" dirty="0" smtClean="0" b="0">
+              <a:rPr lang="en-US" altLang="ko-KR" sz="2800" b="0" cap="none" dirty="0">
                 <a:latin typeface="맑은 고딕" charset="0"/>
                 <a:ea typeface="맑은 고딕" charset="0"/>
               </a:rPr>
               <a:t> 두 명의 멀티 플레이어가 협동하여 퍼즐을 해결.</a:t>
             </a:r>
-            <a:endParaRPr lang="ko-KR" altLang="en-US" sz="2800" cap="none" dirty="0" smtClean="0" b="0">
+            <a:endParaRPr lang="ko-KR" altLang="en-US" sz="2800" b="0" cap="none" dirty="0">
               <a:latin typeface="맑은 고딕" charset="0"/>
               <a:ea typeface="맑은 고딕" charset="0"/>
             </a:endParaRPr>
           </a:p>
           <a:p>
-            <a:pPr marL="254000" indent="-254000" algn="l" fontAlgn="auto" defTabSz="457200" eaLnBrk="0" latinLnBrk="0">
+            <a:pPr marL="254000" indent="-254000" algn="l" defTabSz="457200" eaLnBrk="0" fontAlgn="auto" latinLnBrk="0">
               <a:lnSpc>
                 <a:spcPct val="100000"/>
               </a:lnSpc>
@@ -13098,13 +13260,13 @@
               <a:buFont typeface="Wingdings"/>
               <a:buChar char="v"/>
             </a:pPr>
-            <a:endParaRPr lang="ko-KR" altLang="en-US" sz="2800" cap="none" dirty="0" smtClean="0" b="0">
+            <a:endParaRPr lang="ko-KR" altLang="en-US" sz="2800" b="0" cap="none" dirty="0">
               <a:latin typeface="맑은 고딕" charset="0"/>
               <a:ea typeface="맑은 고딕" charset="0"/>
             </a:endParaRPr>
           </a:p>
           <a:p>
-            <a:pPr marL="254000" indent="-254000" algn="l" fontAlgn="auto" defTabSz="457200" eaLnBrk="0" latinLnBrk="0">
+            <a:pPr marL="254000" indent="-254000" algn="l" defTabSz="457200" eaLnBrk="0" fontAlgn="auto" latinLnBrk="0">
               <a:lnSpc>
                 <a:spcPct val="100000"/>
               </a:lnSpc>
@@ -13118,19 +13280,19 @@
               <a:buChar char="v"/>
             </a:pPr>
             <a:r>
-              <a:rPr lang="en-US" altLang="ko-KR" sz="2800" cap="none" dirty="0" smtClean="0" b="0">
+              <a:rPr lang="en-US" altLang="ko-KR" sz="2800" b="0" cap="none" dirty="0">
                 <a:latin typeface="맑은 고딕" charset="0"/>
                 <a:ea typeface="맑은 고딕" charset="0"/>
               </a:rPr>
               <a:t> 두 명의 플레이어에게 “503”과 “순시리” 라는 이름을 부여하여 한편의 희극을 보는 듯한 대화가 UI를 통해 오감.</a:t>
             </a:r>
-            <a:endParaRPr lang="ko-KR" altLang="en-US" sz="2800" cap="none" dirty="0" smtClean="0" b="0">
+            <a:endParaRPr lang="ko-KR" altLang="en-US" sz="2800" b="0" cap="none" dirty="0">
               <a:latin typeface="맑은 고딕" charset="0"/>
               <a:ea typeface="맑은 고딕" charset="0"/>
             </a:endParaRPr>
           </a:p>
           <a:p>
-            <a:pPr marL="254000" indent="-254000" algn="l" fontAlgn="auto" defTabSz="457200" eaLnBrk="0" latinLnBrk="0">
+            <a:pPr marL="254000" indent="-254000" algn="l" defTabSz="457200" eaLnBrk="0" fontAlgn="auto" latinLnBrk="0">
               <a:lnSpc>
                 <a:spcPct val="100000"/>
               </a:lnSpc>
@@ -13143,13 +13305,13 @@
               <a:buFont typeface="Wingdings"/>
               <a:buChar char="v"/>
             </a:pPr>
-            <a:endParaRPr lang="ko-KR" altLang="en-US" sz="2800" cap="none" dirty="0" smtClean="0" b="0">
+            <a:endParaRPr lang="ko-KR" altLang="en-US" sz="2800" b="0" cap="none" dirty="0">
               <a:latin typeface="맑은 고딕" charset="0"/>
               <a:ea typeface="맑은 고딕" charset="0"/>
             </a:endParaRPr>
           </a:p>
           <a:p>
-            <a:pPr marL="254000" indent="-254000" algn="l" fontAlgn="auto" defTabSz="457200" eaLnBrk="0" latinLnBrk="0">
+            <a:pPr marL="254000" indent="-254000" algn="l" defTabSz="457200" eaLnBrk="0" fontAlgn="auto" latinLnBrk="0">
               <a:lnSpc>
                 <a:spcPct val="100000"/>
               </a:lnSpc>
@@ -13163,19 +13325,19 @@
               <a:buChar char="v"/>
             </a:pPr>
             <a:r>
-              <a:rPr lang="en-US" altLang="ko-KR" sz="2800" cap="none" dirty="0" smtClean="0" b="0">
+              <a:rPr lang="en-US" altLang="ko-KR" sz="2800" b="0" cap="none" dirty="0">
                 <a:latin typeface="맑은 고딕" charset="0"/>
                 <a:ea typeface="맑은 고딕" charset="0"/>
               </a:rPr>
               <a:t> 퍼즐의 난이도가 “타블렛 PC” 에서  “문고리 3인방” 과 같이 점점 올라감.</a:t>
             </a:r>
-            <a:endParaRPr lang="ko-KR" altLang="en-US" sz="2800" cap="none" dirty="0" smtClean="0" b="0">
+            <a:endParaRPr lang="ko-KR" altLang="en-US" sz="2800" b="0" cap="none" dirty="0">
               <a:latin typeface="맑은 고딕" charset="0"/>
               <a:ea typeface="맑은 고딕" charset="0"/>
             </a:endParaRPr>
           </a:p>
           <a:p>
-            <a:pPr marL="0" indent="0" algn="l" fontAlgn="auto" defTabSz="457200" eaLnBrk="0" latinLnBrk="0">
+            <a:pPr marL="0" indent="0" algn="l" defTabSz="457200" eaLnBrk="0" fontAlgn="auto" latinLnBrk="0">
               <a:lnSpc>
                 <a:spcPct val="100000"/>
               </a:lnSpc>
@@ -13188,13 +13350,13 @@
               <a:buFontTx/>
               <a:buNone/>
             </a:pPr>
-            <a:endParaRPr lang="ko-KR" altLang="en-US" sz="2800" cap="none" dirty="0" smtClean="0" b="0">
+            <a:endParaRPr lang="ko-KR" altLang="en-US" sz="2800" b="0" cap="none" dirty="0">
               <a:latin typeface="맑은 고딕" charset="0"/>
               <a:ea typeface="맑은 고딕" charset="0"/>
             </a:endParaRPr>
           </a:p>
           <a:p>
-            <a:pPr marL="254000" indent="-254000" algn="l" fontAlgn="auto" defTabSz="457200" eaLnBrk="0" latinLnBrk="0">
+            <a:pPr marL="254000" indent="-254000" algn="l" defTabSz="457200" eaLnBrk="0" fontAlgn="auto" latinLnBrk="0">
               <a:lnSpc>
                 <a:spcPct val="100000"/>
               </a:lnSpc>
@@ -13208,68 +13370,68 @@
               <a:buChar char="v"/>
             </a:pPr>
             <a:r>
-              <a:rPr lang="en-US" altLang="ko-KR" sz="2800" cap="none" dirty="0" smtClean="0" b="0">
+              <a:rPr lang="en-US" altLang="ko-KR" sz="2800" b="0" cap="none" dirty="0">
                 <a:latin typeface="맑은 고딕" charset="0"/>
                 <a:ea typeface="맑은 고딕" charset="0"/>
               </a:rPr>
               <a:t> 캐릭터의</a:t>
             </a:r>
             <a:r>
-              <a:rPr lang="en-US" altLang="ko-KR" sz="2800" cap="none" dirty="0" smtClean="0" b="0">
+              <a:rPr lang="en-US" altLang="ko-KR" sz="2800" b="0" cap="none" dirty="0">
                 <a:latin typeface="Century Gothic" charset="0"/>
                 <a:ea typeface="Century Gothic" charset="0"/>
               </a:rPr>
               <a:t> </a:t>
             </a:r>
             <a:r>
-              <a:rPr lang="en-US" altLang="ko-KR" sz="2800" cap="none" dirty="0" smtClean="0" b="0">
+              <a:rPr lang="en-US" altLang="ko-KR" sz="2800" b="0" cap="none" dirty="0">
                 <a:latin typeface="맑은 고딕" charset="0"/>
                 <a:ea typeface="맑은 고딕" charset="0"/>
               </a:rPr>
               <a:t>특징을</a:t>
             </a:r>
             <a:r>
-              <a:rPr lang="en-US" altLang="ko-KR" sz="2800" cap="none" dirty="0" smtClean="0" b="0">
+              <a:rPr lang="en-US" altLang="ko-KR" sz="2800" b="0" cap="none" dirty="0">
                 <a:latin typeface="Century Gothic" charset="0"/>
                 <a:ea typeface="Century Gothic" charset="0"/>
               </a:rPr>
               <a:t> </a:t>
             </a:r>
             <a:r>
-              <a:rPr lang="en-US" altLang="ko-KR" sz="2800" cap="none" dirty="0" smtClean="0" b="0">
+              <a:rPr lang="en-US" altLang="ko-KR" sz="2800" b="0" cap="none" dirty="0">
                 <a:latin typeface="맑은 고딕" charset="0"/>
                 <a:ea typeface="맑은 고딕" charset="0"/>
               </a:rPr>
               <a:t>살리기</a:t>
             </a:r>
             <a:r>
-              <a:rPr lang="en-US" altLang="ko-KR" sz="2800" cap="none" dirty="0" smtClean="0" b="0">
+              <a:rPr lang="en-US" altLang="ko-KR" sz="2800" b="0" cap="none" dirty="0">
                 <a:latin typeface="Century Gothic" charset="0"/>
                 <a:ea typeface="Century Gothic" charset="0"/>
               </a:rPr>
               <a:t> </a:t>
             </a:r>
             <a:r>
-              <a:rPr lang="en-US" altLang="ko-KR" sz="2800" cap="none" dirty="0" smtClean="0" b="0">
+              <a:rPr lang="en-US" altLang="ko-KR" sz="2800" b="0" cap="none" dirty="0">
                 <a:latin typeface="맑은 고딕" charset="0"/>
                 <a:ea typeface="맑은 고딕" charset="0"/>
               </a:rPr>
               <a:t>위한 자석요소추가</a:t>
             </a:r>
             <a:r>
-              <a:rPr lang="en-US" altLang="ko-KR" sz="2800" cap="none" dirty="0" smtClean="0" b="0">
+              <a:rPr lang="en-US" altLang="ko-KR" sz="2800" b="0" cap="none" dirty="0">
                 <a:latin typeface="Century Gothic" charset="0"/>
                 <a:ea typeface="Century Gothic" charset="0"/>
               </a:rPr>
               <a:t>.</a:t>
             </a:r>
-            <a:endParaRPr lang="ko-KR" altLang="en-US" sz="2800" cap="none" dirty="0" smtClean="0" b="0">
+            <a:endParaRPr lang="ko-KR" altLang="en-US" sz="2800" b="0" cap="none" dirty="0">
               <a:latin typeface="Century Gothic" charset="0"/>
               <a:ea typeface="Century Gothic" charset="0"/>
             </a:endParaRPr>
           </a:p>
           <a:p>
-            <a:pPr marL="0" indent="0" algn="l" fontAlgn="auto" defTabSz="457200" eaLnBrk="0" latinLnBrk="0">
+            <a:pPr marL="0" indent="0" algn="l" defTabSz="457200" eaLnBrk="0" fontAlgn="auto" latinLnBrk="0">
               <a:lnSpc>
                 <a:spcPct val="100000"/>
               </a:lnSpc>
@@ -13282,7 +13444,7 @@
               <a:buFontTx/>
               <a:buNone/>
             </a:pPr>
-            <a:endParaRPr lang="ko-KR" altLang="en-US" sz="2800" cap="none" dirty="0" smtClean="0" b="0">
+            <a:endParaRPr lang="ko-KR" altLang="en-US" sz="2800" b="0" cap="none" dirty="0">
               <a:latin typeface="Century Gothic" charset="0"/>
               <a:ea typeface="Century Gothic" charset="0"/>
             </a:endParaRPr>
@@ -13299,26 +13461,11 @@
   <p:clrMapOvr>
     <a:masterClrMapping/>
   </p:clrMapOvr>
-  <mc:AlternateContent xmlns:mc="http://schemas.openxmlformats.org/markup-compatibility/2006">
-    <mc:Choice xmlns:p14="http://schemas.microsoft.com/office/powerpoint/2010/main" Requires="p14">
-      <p:transition spd="slow" p14:dur="2000"/>
-    </mc:Choice>
-    <mc:Fallback>
-      <p:transition spd="slow"/>
-    </mc:Fallback>
-  </mc:AlternateContent>
-  <p:timing>
-    <p:tnLst>
-      <p:par>
-        <p:cTn id="1" dur="indefinite" restart="never" nodeType="tmRoot"/>
-      </p:par>
-    </p:tnLst>
-  </p:timing>
 </p:sld>
 </file>
 
 <file path=ppt/slides/slide6.xml><?xml version="1.0" encoding="utf-8"?>
-<p:sld xmlns:a="http://schemas.openxmlformats.org/drawingml/2006/main" xmlns:r="http://schemas.openxmlformats.org/officeDocument/2006/relationships" xmlns:p="http://schemas.openxmlformats.org/presentationml/2006/main" xmlns:p14="http://schemas.microsoft.com/office/powerpoint/2010/main">
+<p:sld xmlns:a="http://schemas.openxmlformats.org/drawingml/2006/main" xmlns:r="http://schemas.openxmlformats.org/officeDocument/2006/relationships" xmlns:p="http://schemas.openxmlformats.org/presentationml/2006/main">
   <p:cSld>
     <p:spTree>
       <p:nvGrpSpPr>
@@ -13398,12 +13545,12 @@
           <a:noFill/>
         </p:spPr>
         <p:txBody>
-          <a:bodyPr wrap="square" lIns="91440" tIns="45720" rIns="91440" bIns="45720" numCol="1" vert="horz" anchor="t">
+          <a:bodyPr vert="horz" wrap="square" lIns="91440" tIns="45720" rIns="91440" bIns="45720" numCol="1" anchor="t">
             <a:spAutoFit/>
           </a:bodyPr>
           <a:lstStyle/>
           <a:p>
-            <a:pPr marL="0" indent="0" algn="l" fontAlgn="auto" defTabSz="457200" eaLnBrk="0" latinLnBrk="0">
+            <a:pPr marL="0" indent="0" algn="l" defTabSz="457200" eaLnBrk="0" fontAlgn="auto" latinLnBrk="0">
               <a:lnSpc>
                 <a:spcPct val="100000"/>
               </a:lnSpc>
@@ -13417,54 +13564,54 @@
               <a:buNone/>
             </a:pPr>
             <a:r>
-              <a:rPr lang="en-US" altLang="ko-KR" sz="2800" cap="none" dirty="0" smtClean="0" b="0">
+              <a:rPr lang="en-US" altLang="ko-KR" sz="2800" b="0" cap="none" dirty="0">
                 <a:latin typeface="맑은 고딕" charset="0"/>
                 <a:ea typeface="맑은 고딕" charset="0"/>
               </a:rPr>
               <a:t>게임장르</a:t>
             </a:r>
             <a:r>
-              <a:rPr lang="en-US" altLang="ko-KR" sz="2800" cap="none" dirty="0" smtClean="0" b="0">
+              <a:rPr lang="en-US" altLang="ko-KR" sz="2800" b="0" cap="none" dirty="0">
                 <a:latin typeface="Century Gothic" charset="0"/>
                 <a:ea typeface="Century Gothic" charset="0"/>
               </a:rPr>
               <a:t> – </a:t>
             </a:r>
             <a:r>
-              <a:rPr lang="en-US" altLang="ko-KR" sz="2800" cap="none" dirty="0" smtClean="0" b="0">
+              <a:rPr lang="en-US" altLang="ko-KR" sz="2800" b="0" cap="none" dirty="0">
                 <a:latin typeface="맑은 고딕" charset="0"/>
                 <a:ea typeface="맑은 고딕" charset="0"/>
               </a:rPr>
               <a:t>어드벤처</a:t>
             </a:r>
             <a:r>
-              <a:rPr lang="en-US" altLang="ko-KR" sz="2800" cap="none" dirty="0" smtClean="0" b="0">
+              <a:rPr lang="en-US" altLang="ko-KR" sz="2800" b="0" cap="none" dirty="0">
                 <a:latin typeface="Century Gothic" charset="0"/>
                 <a:ea typeface="Century Gothic" charset="0"/>
               </a:rPr>
               <a:t> </a:t>
             </a:r>
             <a:r>
-              <a:rPr lang="en-US" altLang="ko-KR" sz="2800" cap="none" dirty="0" smtClean="0" b="0">
+              <a:rPr lang="en-US" altLang="ko-KR" sz="2800" b="0" cap="none" dirty="0">
                 <a:latin typeface="맑은 고딕" charset="0"/>
                 <a:ea typeface="맑은 고딕" charset="0"/>
               </a:rPr>
               <a:t>퍼즐</a:t>
             </a:r>
             <a:r>
-              <a:rPr lang="en-US" altLang="ko-KR" sz="2800" cap="none" dirty="0" smtClean="0" b="0">
+              <a:rPr lang="en-US" altLang="ko-KR" sz="2800" b="0" cap="none" dirty="0">
                 <a:latin typeface="Century Gothic" charset="0"/>
                 <a:ea typeface="Century Gothic" charset="0"/>
               </a:rPr>
               <a:t>, CO-OP</a:t>
             </a:r>
-            <a:endParaRPr lang="ko-KR" altLang="en-US" sz="2800" cap="none" dirty="0" smtClean="0" b="0">
+            <a:endParaRPr lang="ko-KR" altLang="en-US" sz="2800" b="0" cap="none" dirty="0">
               <a:latin typeface="Century Gothic" charset="0"/>
               <a:ea typeface="Century Gothic" charset="0"/>
             </a:endParaRPr>
           </a:p>
           <a:p>
-            <a:pPr marL="0" indent="0" algn="l" fontAlgn="auto" defTabSz="457200" eaLnBrk="0" latinLnBrk="0">
+            <a:pPr marL="0" indent="0" algn="l" defTabSz="457200" eaLnBrk="0" fontAlgn="auto" latinLnBrk="0">
               <a:lnSpc>
                 <a:spcPct val="100000"/>
               </a:lnSpc>
@@ -13477,13 +13624,13 @@
               <a:buFontTx/>
               <a:buNone/>
             </a:pPr>
-            <a:endParaRPr lang="ko-KR" altLang="en-US" sz="2800" cap="none" dirty="0" smtClean="0" b="0">
+            <a:endParaRPr lang="ko-KR" altLang="en-US" sz="2800" b="0" cap="none" dirty="0">
               <a:latin typeface="Century Gothic" charset="0"/>
               <a:ea typeface="Century Gothic" charset="0"/>
             </a:endParaRPr>
           </a:p>
           <a:p>
-            <a:pPr marL="0" indent="0" algn="l" fontAlgn="auto" defTabSz="457200" eaLnBrk="0" latinLnBrk="0">
+            <a:pPr marL="0" indent="0" algn="l" defTabSz="457200" eaLnBrk="0" fontAlgn="auto" latinLnBrk="0">
               <a:lnSpc>
                 <a:spcPct val="100000"/>
               </a:lnSpc>
@@ -13497,47 +13644,47 @@
               <a:buNone/>
             </a:pPr>
             <a:r>
-              <a:rPr lang="en-US" altLang="ko-KR" sz="2800" cap="none" dirty="0" smtClean="0" b="0">
+              <a:rPr lang="en-US" altLang="ko-KR" sz="2800" b="0" cap="none" dirty="0">
                 <a:latin typeface="맑은 고딕" charset="0"/>
                 <a:ea typeface="맑은 고딕" charset="0"/>
               </a:rPr>
               <a:t>시점</a:t>
             </a:r>
             <a:r>
-              <a:rPr lang="en-US" altLang="ko-KR" sz="2800" cap="none" dirty="0" smtClean="0" b="0">
+              <a:rPr lang="en-US" altLang="ko-KR" sz="2800" b="0" cap="none" dirty="0">
                 <a:latin typeface="Century Gothic" charset="0"/>
                 <a:ea typeface="Century Gothic" charset="0"/>
               </a:rPr>
               <a:t>  –  3</a:t>
             </a:r>
             <a:r>
-              <a:rPr lang="en-US" altLang="ko-KR" sz="2800" cap="none" dirty="0" smtClean="0" b="0">
+              <a:rPr lang="en-US" altLang="ko-KR" sz="2800" b="0" cap="none" dirty="0">
                 <a:latin typeface="맑은 고딕" charset="0"/>
                 <a:ea typeface="맑은 고딕" charset="0"/>
               </a:rPr>
               <a:t>인칭</a:t>
             </a:r>
             <a:r>
-              <a:rPr lang="en-US" altLang="ko-KR" sz="2800" cap="none" dirty="0" smtClean="0" b="0">
+              <a:rPr lang="en-US" altLang="ko-KR" sz="2800" b="0" cap="none" dirty="0">
                 <a:latin typeface="Century Gothic" charset="0"/>
                 <a:ea typeface="Century Gothic" charset="0"/>
               </a:rPr>
               <a:t> </a:t>
             </a:r>
             <a:r>
-              <a:rPr lang="en-US" altLang="ko-KR" sz="2800" cap="none" dirty="0" smtClean="0" b="0">
+              <a:rPr lang="en-US" altLang="ko-KR" sz="2800" b="0" cap="none" dirty="0">
                 <a:latin typeface="맑은 고딕" charset="0"/>
                 <a:ea typeface="맑은 고딕" charset="0"/>
               </a:rPr>
               <a:t>시점</a:t>
             </a:r>
-            <a:endParaRPr lang="ko-KR" altLang="en-US" sz="2800" cap="none" dirty="0" smtClean="0" b="0">
+            <a:endParaRPr lang="ko-KR" altLang="en-US" sz="2800" b="0" cap="none" dirty="0">
               <a:latin typeface="맑은 고딕" charset="0"/>
               <a:ea typeface="맑은 고딕" charset="0"/>
             </a:endParaRPr>
           </a:p>
           <a:p>
-            <a:pPr marL="0" indent="0" algn="l" fontAlgn="auto" defTabSz="457200" eaLnBrk="0" latinLnBrk="0">
+            <a:pPr marL="0" indent="0" algn="l" defTabSz="457200" eaLnBrk="0" fontAlgn="auto" latinLnBrk="0">
               <a:lnSpc>
                 <a:spcPct val="100000"/>
               </a:lnSpc>
@@ -13550,13 +13697,13 @@
               <a:buFontTx/>
               <a:buNone/>
             </a:pPr>
-            <a:endParaRPr lang="ko-KR" altLang="en-US" sz="2800" cap="none" dirty="0" smtClean="0" b="0">
+            <a:endParaRPr lang="ko-KR" altLang="en-US" sz="2800" b="0" cap="none" dirty="0">
               <a:latin typeface="Century Gothic" charset="0"/>
               <a:ea typeface="Century Gothic" charset="0"/>
             </a:endParaRPr>
           </a:p>
           <a:p>
-            <a:pPr marL="0" indent="0" algn="l" fontAlgn="auto" defTabSz="457200" eaLnBrk="0" latinLnBrk="0">
+            <a:pPr marL="0" indent="0" algn="l" defTabSz="457200" eaLnBrk="0" fontAlgn="auto" latinLnBrk="0">
               <a:lnSpc>
                 <a:spcPct val="100000"/>
               </a:lnSpc>
@@ -13570,28 +13717,21 @@
               <a:buNone/>
             </a:pPr>
             <a:r>
-              <a:rPr lang="en-US" altLang="ko-KR" sz="2800" cap="none" dirty="0" smtClean="0" b="0">
+              <a:rPr lang="en-US" altLang="ko-KR" sz="2800" b="0" cap="none" dirty="0">
                 <a:latin typeface="맑은 고딕" charset="0"/>
                 <a:ea typeface="맑은 고딕" charset="0"/>
               </a:rPr>
-              <a:t>맵 </a:t>
-            </a:r>
-            <a:r>
-              <a:rPr lang="en-US" altLang="ko-KR" sz="2800" cap="none" dirty="0" smtClean="0" b="0">
-                <a:latin typeface="맑은 고딕" charset="0"/>
-                <a:ea typeface="맑은 고딕" charset="0"/>
-              </a:rPr>
-              <a:t>구성</a:t>
-            </a:r>
-            <a:r>
-              <a:rPr lang="en-US" altLang="ko-KR" sz="2800" cap="none" dirty="0" smtClean="0" b="0">
+              <a:t>맵 구성</a:t>
+            </a:r>
+            <a:r>
+              <a:rPr lang="en-US" altLang="ko-KR" sz="2800" b="0" cap="none" dirty="0">
                 <a:latin typeface="Century Gothic" charset="0"/>
                 <a:ea typeface="Century Gothic" charset="0"/>
               </a:rPr>
               <a:t> – </a:t>
             </a:r>
             <a:r>
-              <a:rPr lang="en-US" altLang="ko-KR" sz="2800" cap="none" dirty="0" smtClean="0" b="0">
+              <a:rPr lang="en-US" altLang="ko-KR" sz="2800" b="0" cap="none" dirty="0">
                 <a:solidFill>
                   <a:srgbClr val="FFFFFF"/>
                 </a:solidFill>
@@ -13600,7 +13740,7 @@
               </a:rPr>
               <a:t>천장이 닫힌 밀폐된 공간으로 구성.</a:t>
             </a:r>
-            <a:endParaRPr lang="ko-KR" altLang="en-US" sz="2800" cap="none" dirty="0" smtClean="0" b="0">
+            <a:endParaRPr lang="ko-KR" altLang="en-US" sz="2800" b="0" cap="none" dirty="0">
               <a:solidFill>
                 <a:srgbClr val="FFFFFF"/>
               </a:solidFill>
@@ -13609,7 +13749,7 @@
             </a:endParaRPr>
           </a:p>
           <a:p>
-            <a:pPr marL="0" indent="0" algn="l" fontAlgn="auto" defTabSz="457200" eaLnBrk="0" latinLnBrk="0">
+            <a:pPr marL="0" indent="0" algn="l" defTabSz="457200" eaLnBrk="0" fontAlgn="auto" latinLnBrk="0">
               <a:lnSpc>
                 <a:spcPct val="100000"/>
               </a:lnSpc>
@@ -13622,7 +13762,7 @@
               <a:buFontTx/>
               <a:buNone/>
             </a:pPr>
-            <a:endParaRPr lang="ko-KR" altLang="en-US" sz="2800" cap="none" dirty="0" smtClean="0" b="0">
+            <a:endParaRPr lang="ko-KR" altLang="en-US" sz="2800" b="0" cap="none" dirty="0">
               <a:solidFill>
                 <a:srgbClr val="FFFFFF"/>
               </a:solidFill>
@@ -13631,7 +13771,7 @@
             </a:endParaRPr>
           </a:p>
           <a:p>
-            <a:pPr marL="0" indent="0" algn="l" fontAlgn="auto" defTabSz="457200" eaLnBrk="0" latinLnBrk="0">
+            <a:pPr marL="0" indent="0" algn="l" defTabSz="457200" eaLnBrk="0" fontAlgn="auto" latinLnBrk="0">
               <a:lnSpc>
                 <a:spcPct val="100000"/>
               </a:lnSpc>
@@ -13645,7 +13785,7 @@
               <a:buNone/>
             </a:pPr>
             <a:r>
-              <a:rPr lang="en-US" altLang="ko-KR" sz="2800" cap="none" dirty="0" smtClean="0" b="0">
+              <a:rPr lang="en-US" altLang="ko-KR" sz="2800" b="0" cap="none" dirty="0">
                 <a:solidFill>
                   <a:srgbClr val="FFFFFF"/>
                 </a:solidFill>
@@ -13654,7 +13794,7 @@
               </a:rPr>
               <a:t>거리 단위 - //</a:t>
             </a:r>
-            <a:endParaRPr lang="ko-KR" altLang="en-US" sz="2800" cap="none" dirty="0" smtClean="0" b="0">
+            <a:endParaRPr lang="ko-KR" altLang="en-US" sz="2800" b="0" cap="none" dirty="0">
               <a:solidFill>
                 <a:srgbClr val="FFFFFF"/>
               </a:solidFill>
@@ -13663,7 +13803,7 @@
             </a:endParaRPr>
           </a:p>
           <a:p>
-            <a:pPr marL="0" indent="0" algn="l" fontAlgn="auto" defTabSz="457200" eaLnBrk="0" latinLnBrk="0">
+            <a:pPr marL="0" indent="0" algn="l" defTabSz="457200" eaLnBrk="0" fontAlgn="auto" latinLnBrk="0">
               <a:lnSpc>
                 <a:spcPct val="100000"/>
               </a:lnSpc>
@@ -13676,13 +13816,13 @@
               <a:buFontTx/>
               <a:buNone/>
             </a:pPr>
-            <a:endParaRPr lang="ko-KR" altLang="en-US" sz="2800" cap="none" dirty="0" smtClean="0" b="0">
+            <a:endParaRPr lang="ko-KR" altLang="en-US" sz="2800" b="0" cap="none" dirty="0">
               <a:latin typeface="Century Gothic" charset="0"/>
               <a:ea typeface="Century Gothic" charset="0"/>
             </a:endParaRPr>
           </a:p>
           <a:p>
-            <a:pPr marL="0" indent="0" algn="l" fontAlgn="auto" defTabSz="457200" eaLnBrk="0" latinLnBrk="0">
+            <a:pPr marL="0" indent="0" algn="l" defTabSz="457200" eaLnBrk="0" fontAlgn="auto" latinLnBrk="0">
               <a:lnSpc>
                 <a:spcPct val="100000"/>
               </a:lnSpc>
@@ -13696,28 +13836,21 @@
               <a:buNone/>
             </a:pPr>
             <a:r>
-              <a:rPr lang="en-US" altLang="ko-KR" sz="2800" cap="none" dirty="0" smtClean="0" b="0">
+              <a:rPr lang="en-US" altLang="ko-KR" sz="2800" b="0" cap="none" dirty="0">
                 <a:latin typeface="맑은 고딕" charset="0"/>
                 <a:ea typeface="맑은 고딕" charset="0"/>
               </a:rPr>
-              <a:t>맵 </a:t>
-            </a:r>
-            <a:r>
-              <a:rPr lang="en-US" altLang="ko-KR" sz="2800" cap="none" dirty="0" smtClean="0" b="0">
-                <a:latin typeface="맑은 고딕" charset="0"/>
-                <a:ea typeface="맑은 고딕" charset="0"/>
-              </a:rPr>
-              <a:t>크기</a:t>
-            </a:r>
-            <a:r>
-              <a:rPr lang="en-US" altLang="ko-KR" sz="2800" cap="none" dirty="0" smtClean="0" b="0">
+              <a:t>맵 크기</a:t>
+            </a:r>
+            <a:r>
+              <a:rPr lang="en-US" altLang="ko-KR" sz="2800" b="0" cap="none" dirty="0">
                 <a:latin typeface="Century Gothic" charset="0"/>
                 <a:ea typeface="Century Gothic" charset="0"/>
               </a:rPr>
               <a:t> – X축(30M-100M),</a:t>
             </a:r>
             <a:r>
-              <a:rPr lang="en-US" altLang="ko-KR" sz="2800" cap="none" dirty="0" smtClean="0" b="0">
+              <a:rPr lang="en-US" altLang="ko-KR" sz="2800" b="0" cap="none" dirty="0">
                 <a:solidFill>
                   <a:srgbClr val="FFFFFF"/>
                 </a:solidFill>
@@ -13726,13 +13859,13 @@
               </a:rPr>
               <a:t>Z축(30M-100M), 높이(10M-30M)</a:t>
             </a:r>
-            <a:endParaRPr lang="ko-KR" altLang="en-US" sz="2800" cap="none" dirty="0" smtClean="0" b="0">
+            <a:endParaRPr lang="ko-KR" altLang="en-US" sz="2800" b="0" cap="none" dirty="0">
               <a:latin typeface="Century Gothic" charset="0"/>
               <a:ea typeface="Century Gothic" charset="0"/>
             </a:endParaRPr>
           </a:p>
           <a:p>
-            <a:pPr marL="0" indent="0" algn="l" fontAlgn="auto" defTabSz="457200" eaLnBrk="0" latinLnBrk="0">
+            <a:pPr marL="0" indent="0" algn="l" defTabSz="457200" eaLnBrk="0" fontAlgn="auto" latinLnBrk="0">
               <a:lnSpc>
                 <a:spcPct val="100000"/>
               </a:lnSpc>
@@ -13745,48 +13878,41 @@
               <a:buFontTx/>
               <a:buNone/>
             </a:pPr>
-            <a:r>
-              <a:rPr lang="en-US" altLang="ko-KR" sz="2800" cap="none" dirty="0" smtClean="0" b="0">
+            <a:br>
+              <a:rPr lang="en-US" altLang="ko-KR" sz="2800" b="0" cap="none" dirty="0">
                 <a:latin typeface="Century Gothic" charset="0"/>
                 <a:ea typeface="Century Gothic" charset="0"/>
               </a:rPr>
-              <a:t/>
-            </a:r>
-            <a:br>
-              <a:rPr lang="en-US" altLang="ko-KR" sz="2800" cap="none" dirty="0" smtClean="0" b="0">
+            </a:br>
+            <a:r>
+              <a:rPr lang="en-US" altLang="ko-KR" sz="2800" b="0" cap="none" dirty="0">
+                <a:latin typeface="맑은 고딕" charset="0"/>
+                <a:ea typeface="맑은 고딕" charset="0"/>
+              </a:rPr>
+              <a:t>캐릭터</a:t>
+            </a:r>
+            <a:r>
+              <a:rPr lang="en-US" altLang="ko-KR" sz="2800" b="0" cap="none" dirty="0">
                 <a:latin typeface="Century Gothic" charset="0"/>
                 <a:ea typeface="Century Gothic" charset="0"/>
               </a:rPr>
-            </a:br>
-            <a:r>
-              <a:rPr lang="en-US" altLang="ko-KR" sz="2800" cap="none" dirty="0" smtClean="0" b="0">
+              <a:t> </a:t>
+            </a:r>
+            <a:r>
+              <a:rPr lang="en-US" altLang="ko-KR" sz="2800" b="0" cap="none" dirty="0">
                 <a:latin typeface="맑은 고딕" charset="0"/>
                 <a:ea typeface="맑은 고딕" charset="0"/>
               </a:rPr>
-              <a:t>캐릭터</a:t>
-            </a:r>
-            <a:r>
-              <a:rPr lang="en-US" altLang="ko-KR" sz="2800" cap="none" dirty="0" smtClean="0" b="0">
+              <a:t>크기</a:t>
+            </a:r>
+            <a:r>
+              <a:rPr lang="en-US" altLang="ko-KR" sz="2800" b="0" cap="none" dirty="0">
                 <a:latin typeface="Century Gothic" charset="0"/>
                 <a:ea typeface="Century Gothic" charset="0"/>
               </a:rPr>
-              <a:t> </a:t>
-            </a:r>
-            <a:r>
-              <a:rPr lang="en-US" altLang="ko-KR" sz="2800" cap="none" dirty="0" smtClean="0" b="0">
-                <a:latin typeface="맑은 고딕" charset="0"/>
-                <a:ea typeface="맑은 고딕" charset="0"/>
-              </a:rPr>
-              <a:t>크기</a:t>
-            </a:r>
-            <a:r>
-              <a:rPr lang="en-US" altLang="ko-KR" sz="2800" cap="none" dirty="0" smtClean="0" b="0">
-                <a:latin typeface="Century Gothic" charset="0"/>
-                <a:ea typeface="Century Gothic" charset="0"/>
-              </a:rPr>
               <a:t> – (x,y,z) : (0.3, 1, 0.3) M</a:t>
             </a:r>
-            <a:endParaRPr lang="ko-KR" altLang="en-US" sz="2800" cap="none" dirty="0" smtClean="0" b="0">
+            <a:endParaRPr lang="ko-KR" altLang="en-US" sz="2800" b="0" cap="none" dirty="0">
               <a:latin typeface="Century Gothic" charset="0"/>
               <a:ea typeface="Century Gothic" charset="0"/>
             </a:endParaRPr>
@@ -13803,21 +13929,6 @@
   <p:clrMapOvr>
     <a:masterClrMapping/>
   </p:clrMapOvr>
-  <mc:AlternateContent xmlns:mc="http://schemas.openxmlformats.org/markup-compatibility/2006">
-    <mc:Choice xmlns:p14="http://schemas.microsoft.com/office/powerpoint/2010/main" Requires="p14">
-      <p:transition spd="slow" p14:dur="2000"/>
-    </mc:Choice>
-    <mc:Fallback>
-      <p:transition spd="slow"/>
-    </mc:Fallback>
-  </mc:AlternateContent>
-  <p:timing>
-    <p:tnLst>
-      <p:par>
-        <p:cTn id="1" dur="indefinite" restart="never" nodeType="tmRoot"/>
-      </p:par>
-    </p:tnLst>
-  </p:timing>
 </p:sld>
 </file>
 
@@ -13847,20 +13958,22 @@
           <p:nvPr/>
         </p:nvSpPr>
         <p:spPr>
-          <a:xfrm rot="0">
+          <a:xfrm>
             <a:off x="482600" y="381000"/>
             <a:ext cx="6226175" cy="768985"/>
           </a:xfrm>
-          <a:prstGeom prst="rect"/>
+          <a:prstGeom prst="rect">
+            <a:avLst/>
+          </a:prstGeom>
           <a:noFill/>
         </p:spPr>
         <p:txBody>
-          <a:bodyPr wrap="square" lIns="91440" tIns="45720" rIns="91440" bIns="45720" vert="horz" anchor="t">
+          <a:bodyPr vert="horz" wrap="square" lIns="91440" tIns="45720" rIns="91440" bIns="45720" anchor="t">
             <a:spAutoFit/>
           </a:bodyPr>
           <a:lstStyle/>
           <a:p>
-            <a:pPr marL="0" indent="0" algn="l" fontAlgn="auto" defTabSz="457200" eaLnBrk="0" latinLnBrk="0">
+            <a:pPr marL="0" indent="0" algn="l" defTabSz="457200" eaLnBrk="0" fontAlgn="auto" latinLnBrk="0">
               <a:lnSpc>
                 <a:spcPct val="100000"/>
               </a:lnSpc>
@@ -13874,7 +13987,7 @@
               <a:buNone/>
             </a:pPr>
             <a:r>
-              <a:rPr lang="en-US" altLang="ko-KR" sz="4400" cap="none" dirty="0" smtClean="0" b="0">
+              <a:rPr lang="en-US" altLang="ko-KR" sz="4400" b="0" cap="none" dirty="0">
                 <a:solidFill>
                   <a:srgbClr val="E1930E"/>
                 </a:solidFill>
@@ -13883,7 +13996,7 @@
               </a:rPr>
               <a:t>게임소개 - 스토리 설정</a:t>
             </a:r>
-            <a:endParaRPr lang="ko-KR" altLang="en-US" sz="4400" cap="none" dirty="0" smtClean="0" b="0">
+            <a:endParaRPr lang="ko-KR" altLang="en-US" sz="4400" b="0" cap="none" dirty="0">
               <a:solidFill>
                 <a:srgbClr val="E1930E"/>
               </a:solidFill>
@@ -13902,20 +14015,22 @@
           <p:nvPr/>
         </p:nvSpPr>
         <p:spPr>
-          <a:xfrm rot="0">
+          <a:xfrm>
             <a:off x="715645" y="1868170"/>
             <a:ext cx="10761345" cy="4397375"/>
           </a:xfrm>
-          <a:prstGeom prst="rect"/>
+          <a:prstGeom prst="rect">
+            <a:avLst/>
+          </a:prstGeom>
           <a:noFill/>
         </p:spPr>
         <p:txBody>
-          <a:bodyPr wrap="square" lIns="91440" tIns="45720" rIns="91440" bIns="45720" vert="horz" anchor="t">
+          <a:bodyPr vert="horz" wrap="square" lIns="91440" tIns="45720" rIns="91440" bIns="45720" anchor="t">
             <a:spAutoFit/>
           </a:bodyPr>
           <a:lstStyle/>
           <a:p>
-            <a:pPr marL="0" indent="0" algn="l" fontAlgn="auto" defTabSz="457200" eaLnBrk="0" latinLnBrk="0">
+            <a:pPr marL="0" indent="0" algn="l" defTabSz="457200" eaLnBrk="0" fontAlgn="auto" latinLnBrk="0">
               <a:lnSpc>
                 <a:spcPct val="100000"/>
               </a:lnSpc>
@@ -13929,7 +14044,7 @@
               <a:buNone/>
             </a:pPr>
             <a:r>
-              <a:rPr lang="en-US" altLang="ko-KR" sz="2800" cap="none" dirty="0" smtClean="0" b="0">
+              <a:rPr lang="en-US" altLang="ko-KR" sz="2800" b="0" cap="none" dirty="0">
                 <a:solidFill>
                   <a:srgbClr val="FFFFFF"/>
                 </a:solidFill>
@@ -13938,7 +14053,7 @@
               </a:rPr>
               <a:t>감옥에 갇힌 범죄자들의 뇌를 로봇에 이식하는 연구가 진행중이다.</a:t>
             </a:r>
-            <a:endParaRPr lang="ko-KR" altLang="en-US" sz="2800" cap="none" dirty="0" smtClean="0" b="0">
+            <a:endParaRPr lang="ko-KR" altLang="en-US" sz="2800" b="0" cap="none" dirty="0">
               <a:solidFill>
                 <a:srgbClr val="FFFFFF"/>
               </a:solidFill>
@@ -13947,7 +14062,7 @@
             </a:endParaRPr>
           </a:p>
           <a:p>
-            <a:pPr marL="0" indent="0" algn="l" fontAlgn="auto" defTabSz="457200" eaLnBrk="0" latinLnBrk="0">
+            <a:pPr marL="0" indent="0" algn="l" defTabSz="457200" eaLnBrk="0" fontAlgn="auto" latinLnBrk="0">
               <a:lnSpc>
                 <a:spcPct val="100000"/>
               </a:lnSpc>
@@ -13960,7 +14075,7 @@
               <a:buFontTx/>
               <a:buNone/>
             </a:pPr>
-            <a:endParaRPr lang="ko-KR" altLang="en-US" sz="2800" cap="none" dirty="0" smtClean="0" b="0">
+            <a:endParaRPr lang="ko-KR" altLang="en-US" sz="2800" b="0" cap="none" dirty="0">
               <a:solidFill>
                 <a:srgbClr val="FFFFFF"/>
               </a:solidFill>
@@ -13969,7 +14084,7 @@
             </a:endParaRPr>
           </a:p>
           <a:p>
-            <a:pPr marL="0" indent="0" algn="l" fontAlgn="auto" defTabSz="457200" eaLnBrk="0" latinLnBrk="0">
+            <a:pPr marL="0" indent="0" algn="l" defTabSz="457200" eaLnBrk="0" fontAlgn="auto" latinLnBrk="0">
               <a:lnSpc>
                 <a:spcPct val="100000"/>
               </a:lnSpc>
@@ -13983,7 +14098,7 @@
               <a:buNone/>
             </a:pPr>
             <a:r>
-              <a:rPr lang="en-US" altLang="ko-KR" sz="2800" cap="none" dirty="0" smtClean="0" b="0">
+              <a:rPr lang="en-US" altLang="ko-KR" sz="2800" b="0" cap="none" dirty="0">
                 <a:solidFill>
                   <a:srgbClr val="FFFFFF"/>
                 </a:solidFill>
@@ -13992,7 +14107,7 @@
               </a:rPr>
               <a:t>로봇에 이식된 범죄자들은 각각의 방에서 자신의 죄에 해당하는 문제를 해결하도록 프로그래밍 되었다.</a:t>
             </a:r>
-            <a:endParaRPr lang="ko-KR" altLang="en-US" sz="2800" cap="none" dirty="0" smtClean="0" b="0">
+            <a:endParaRPr lang="ko-KR" altLang="en-US" sz="2800" b="0" cap="none" dirty="0">
               <a:solidFill>
                 <a:srgbClr val="FFFFFF"/>
               </a:solidFill>
@@ -14001,7 +14116,7 @@
             </a:endParaRPr>
           </a:p>
           <a:p>
-            <a:pPr marL="0" indent="0" algn="l" fontAlgn="auto" defTabSz="457200" eaLnBrk="0" latinLnBrk="0">
+            <a:pPr marL="0" indent="0" algn="l" defTabSz="457200" eaLnBrk="0" fontAlgn="auto" latinLnBrk="0">
               <a:lnSpc>
                 <a:spcPct val="100000"/>
               </a:lnSpc>
@@ -14014,7 +14129,7 @@
               <a:buFontTx/>
               <a:buNone/>
             </a:pPr>
-            <a:endParaRPr lang="ko-KR" altLang="en-US" sz="2800" cap="none" dirty="0" smtClean="0" b="0">
+            <a:endParaRPr lang="ko-KR" altLang="en-US" sz="2800" b="0" cap="none" dirty="0">
               <a:solidFill>
                 <a:srgbClr val="FFFFFF"/>
               </a:solidFill>
@@ -14023,7 +14138,7 @@
             </a:endParaRPr>
           </a:p>
           <a:p>
-            <a:pPr marL="0" indent="0" algn="l" fontAlgn="auto" defTabSz="457200" eaLnBrk="0" latinLnBrk="0">
+            <a:pPr marL="0" indent="0" algn="l" defTabSz="457200" eaLnBrk="0" fontAlgn="auto" latinLnBrk="0">
               <a:lnSpc>
                 <a:spcPct val="100000"/>
               </a:lnSpc>
@@ -14037,7 +14152,7 @@
               <a:buNone/>
             </a:pPr>
             <a:r>
-              <a:rPr lang="en-US" altLang="ko-KR" sz="2800" cap="none" dirty="0" smtClean="0" b="0">
+              <a:rPr lang="en-US" altLang="ko-KR" sz="2800" b="0" cap="none" dirty="0">
                 <a:solidFill>
                   <a:srgbClr val="FFFFFF"/>
                 </a:solidFill>
@@ -14046,7 +14161,7 @@
               </a:rPr>
               <a:t>같은 죄목으로 퍼즐을 풀어야하는 </a:t>
             </a:r>
-            <a:endParaRPr lang="ko-KR" altLang="en-US" sz="2800" cap="none" dirty="0" smtClean="0" b="0">
+            <a:endParaRPr lang="ko-KR" altLang="en-US" sz="2800" b="0" cap="none" dirty="0">
               <a:solidFill>
                 <a:srgbClr val="FFFFFF"/>
               </a:solidFill>
@@ -14055,7 +14170,7 @@
             </a:endParaRPr>
           </a:p>
           <a:p>
-            <a:pPr marL="0" indent="0" algn="l" fontAlgn="auto" defTabSz="457200" eaLnBrk="0" latinLnBrk="0">
+            <a:pPr marL="0" indent="0" algn="l" defTabSz="457200" eaLnBrk="0" fontAlgn="auto" latinLnBrk="0">
               <a:lnSpc>
                 <a:spcPct val="100000"/>
               </a:lnSpc>
@@ -14069,7 +14184,7 @@
               <a:buNone/>
             </a:pPr>
             <a:r>
-              <a:rPr lang="en-US" altLang="ko-KR" sz="2800" cap="none" dirty="0" smtClean="0" b="0">
+              <a:rPr lang="en-US" altLang="ko-KR" sz="2800" b="0" cap="none" dirty="0">
                 <a:solidFill>
                   <a:srgbClr val="FFFFFF"/>
                 </a:solidFill>
@@ -14078,7 +14193,7 @@
               </a:rPr>
               <a:t>범죄자인 “503”과 “순시리”는 </a:t>
             </a:r>
-            <a:endParaRPr lang="ko-KR" altLang="en-US" sz="2800" cap="none" dirty="0" smtClean="0" b="0">
+            <a:endParaRPr lang="ko-KR" altLang="en-US" sz="2800" b="0" cap="none" dirty="0">
               <a:solidFill>
                 <a:srgbClr val="FFFFFF"/>
               </a:solidFill>
@@ -14087,7 +14202,7 @@
             </a:endParaRPr>
           </a:p>
           <a:p>
-            <a:pPr marL="0" indent="0" algn="l" fontAlgn="auto" defTabSz="457200" eaLnBrk="0" latinLnBrk="0">
+            <a:pPr marL="0" indent="0" algn="l" defTabSz="457200" eaLnBrk="0" fontAlgn="auto" latinLnBrk="0">
               <a:lnSpc>
                 <a:spcPct val="100000"/>
               </a:lnSpc>
@@ -14100,7 +14215,7 @@
               <a:buFontTx/>
               <a:buNone/>
             </a:pPr>
-            <a:endParaRPr lang="ko-KR" altLang="en-US" sz="2800" cap="none" dirty="0" smtClean="0" b="0">
+            <a:endParaRPr lang="ko-KR" altLang="en-US" sz="2800" b="0" cap="none" dirty="0">
               <a:solidFill>
                 <a:srgbClr val="FFFFFF"/>
               </a:solidFill>
@@ -14109,7 +14224,7 @@
             </a:endParaRPr>
           </a:p>
           <a:p>
-            <a:pPr marL="0" indent="0" algn="l" fontAlgn="auto" defTabSz="457200" eaLnBrk="0" latinLnBrk="0">
+            <a:pPr marL="0" indent="0" algn="l" defTabSz="457200" eaLnBrk="0" fontAlgn="auto" latinLnBrk="0">
               <a:lnSpc>
                 <a:spcPct val="100000"/>
               </a:lnSpc>
@@ -14123,7 +14238,7 @@
               <a:buNone/>
             </a:pPr>
             <a:r>
-              <a:rPr lang="en-US" altLang="ko-KR" sz="2800" cap="none" dirty="0" smtClean="0" b="0">
+              <a:rPr lang="en-US" altLang="ko-KR" sz="2800" b="0" cap="none" dirty="0">
                 <a:solidFill>
                   <a:srgbClr val="FFFFFF"/>
                 </a:solidFill>
@@ -14132,7 +14247,7 @@
               </a:rPr>
               <a:t>협동을 하여 모든 퍼즐을 풀고 </a:t>
             </a:r>
-            <a:endParaRPr lang="ko-KR" altLang="en-US" sz="2800" cap="none" dirty="0" smtClean="0" b="0">
+            <a:endParaRPr lang="ko-KR" altLang="en-US" sz="2800" b="0" cap="none" dirty="0">
               <a:solidFill>
                 <a:srgbClr val="FFFFFF"/>
               </a:solidFill>
@@ -14141,7 +14256,7 @@
             </a:endParaRPr>
           </a:p>
           <a:p>
-            <a:pPr marL="0" indent="0" algn="l" fontAlgn="auto" defTabSz="457200" eaLnBrk="0" latinLnBrk="0">
+            <a:pPr marL="0" indent="0" algn="l" defTabSz="457200" eaLnBrk="0" fontAlgn="auto" latinLnBrk="0">
               <a:lnSpc>
                 <a:spcPct val="100000"/>
               </a:lnSpc>
@@ -14155,7 +14270,7 @@
               <a:buNone/>
             </a:pPr>
             <a:r>
-              <a:rPr lang="en-US" altLang="ko-KR" sz="2800" cap="none" dirty="0" smtClean="0" b="0">
+              <a:rPr lang="en-US" altLang="ko-KR" sz="2800" b="0" cap="none" dirty="0">
                 <a:solidFill>
                   <a:srgbClr val="FFFFFF"/>
                 </a:solidFill>
@@ -14164,7 +14279,7 @@
               </a:rPr>
               <a:t>자유로운 로봇이 되기를 희망한다.</a:t>
             </a:r>
-            <a:endParaRPr lang="ko-KR" altLang="en-US" sz="2800" cap="none" dirty="0" smtClean="0" b="0">
+            <a:endParaRPr lang="ko-KR" altLang="en-US" sz="2800" b="0" cap="none" dirty="0">
               <a:solidFill>
                 <a:srgbClr val="FFFFFF"/>
               </a:solidFill>
@@ -14195,11 +14310,13 @@
           </a:stretch>
         </p:blipFill>
         <p:spPr>
-          <a:xfrm rot="0">
+          <a:xfrm>
             <a:off x="7419340" y="3647440"/>
             <a:ext cx="3935730" cy="2621915"/>
           </a:xfrm>
-          <a:prstGeom prst="rect"/>
+          <a:prstGeom prst="rect">
+            <a:avLst/>
+          </a:prstGeom>
           <a:noFill/>
         </p:spPr>
       </p:pic>
@@ -14208,26 +14325,11 @@
   <p:clrMapOvr>
     <a:masterClrMapping/>
   </p:clrMapOvr>
-  <mc:AlternateContent xmlns:mc="http://schemas.openxmlformats.org/markup-compatibility/2006">
-    <mc:Choice xmlns:p14="http://schemas.microsoft.com/office/powerpoint/2010/main" Requires="p14">
-      <p:transition spd="slow" p14:dur="2000"/>
-    </mc:Choice>
-    <mc:Fallback>
-      <p:transition spd="slow"/>
-    </mc:Fallback>
-  </mc:AlternateContent>
-  <p:timing>
-    <p:tnLst>
-      <p:par>
-        <p:cTn id="1" dur="indefinite" restart="never" nodeType="tmRoot"/>
-      </p:par>
-    </p:tnLst>
-  </p:timing>
 </p:sld>
 </file>
 
 <file path=ppt/slides/slide8.xml><?xml version="1.0" encoding="utf-8"?>
-<p:sld xmlns:a="http://schemas.openxmlformats.org/drawingml/2006/main" xmlns:r="http://schemas.openxmlformats.org/officeDocument/2006/relationships" xmlns:p="http://schemas.openxmlformats.org/presentationml/2006/main" xmlns:p14="http://schemas.microsoft.com/office/powerpoint/2010/main">
+<p:sld xmlns:a="http://schemas.openxmlformats.org/drawingml/2006/main" xmlns:r="http://schemas.openxmlformats.org/officeDocument/2006/relationships" xmlns:p="http://schemas.openxmlformats.org/presentationml/2006/main">
   <p:cSld>
     <p:spTree>
       <p:nvGrpSpPr>
@@ -14265,11 +14367,13 @@
           </a:stretch>
         </p:blipFill>
         <p:spPr>
-          <a:xfrm rot="0">
+          <a:xfrm>
             <a:off x="482600" y="1847215"/>
             <a:ext cx="6096635" cy="3414395"/>
           </a:xfrm>
-          <a:prstGeom prst="rect"/>
+          <a:prstGeom prst="rect">
+            <a:avLst/>
+          </a:prstGeom>
           <a:noFill/>
         </p:spPr>
       </p:pic>
@@ -14296,12 +14400,12 @@
           <a:noFill/>
         </p:spPr>
         <p:txBody>
-          <a:bodyPr wrap="square" lIns="91440" tIns="45720" rIns="91440" bIns="45720" numCol="1" vert="horz" anchor="t">
+          <a:bodyPr vert="horz" wrap="square" lIns="91440" tIns="45720" rIns="91440" bIns="45720" numCol="1" anchor="t">
             <a:spAutoFit/>
           </a:bodyPr>
           <a:lstStyle/>
           <a:p>
-            <a:pPr marL="0" indent="0" algn="l" fontAlgn="auto" defTabSz="457200" eaLnBrk="0" latinLnBrk="0">
+            <a:pPr marL="0" indent="0" algn="l" defTabSz="457200" eaLnBrk="0" fontAlgn="auto" latinLnBrk="0">
               <a:lnSpc>
                 <a:spcPct val="100000"/>
               </a:lnSpc>
@@ -14315,7 +14419,7 @@
               <a:buNone/>
             </a:pPr>
             <a:r>
-              <a:rPr lang="en-US" altLang="ko-KR" sz="4400" cap="none" dirty="0" smtClean="0" b="0">
+              <a:rPr lang="en-US" altLang="ko-KR" sz="4400" b="0" cap="none" dirty="0">
                 <a:solidFill>
                   <a:schemeClr val="accent1">
                     <a:lumMod val="75000"/>
@@ -14327,7 +14431,7 @@
               <a:t>게임소개</a:t>
             </a:r>
             <a:r>
-              <a:rPr lang="en-US" altLang="ko-KR" sz="4400" cap="none" dirty="0" smtClean="0" b="0">
+              <a:rPr lang="en-US" altLang="ko-KR" sz="4400" b="0" cap="none" dirty="0">
                 <a:solidFill>
                   <a:schemeClr val="accent1">
                     <a:lumMod val="75000"/>
@@ -14339,7 +14443,7 @@
               <a:t> -</a:t>
             </a:r>
             <a:r>
-              <a:rPr lang="en-US" altLang="ko-KR" sz="4400" cap="none" dirty="0" smtClean="0" b="0">
+              <a:rPr lang="en-US" altLang="ko-KR" sz="4400" b="0" cap="none" dirty="0">
                 <a:solidFill>
                   <a:schemeClr val="accent1">
                     <a:lumMod val="75000"/>
@@ -14350,7 +14454,7 @@
               </a:rPr>
               <a:t> 맵</a:t>
             </a:r>
-            <a:endParaRPr lang="ko-KR" altLang="en-US" sz="4400" cap="none" dirty="0" smtClean="0" b="0">
+            <a:endParaRPr lang="ko-KR" altLang="en-US" sz="4400" b="0" cap="none" dirty="0">
               <a:solidFill>
                 <a:schemeClr val="accent1">
                   <a:lumMod val="75000"/>
@@ -14385,12 +14489,12 @@
           <a:noFill/>
         </p:spPr>
         <p:txBody>
-          <a:bodyPr wrap="square" lIns="91440" tIns="45720" rIns="91440" bIns="45720" numCol="1" vert="horz" anchor="t">
+          <a:bodyPr vert="horz" wrap="square" lIns="91440" tIns="45720" rIns="91440" bIns="45720" numCol="1" anchor="t">
             <a:spAutoFit/>
           </a:bodyPr>
           <a:lstStyle/>
           <a:p>
-            <a:pPr marL="0" indent="0" algn="l" fontAlgn="auto" defTabSz="457200" eaLnBrk="0" latinLnBrk="0">
+            <a:pPr marL="0" indent="0" algn="l" defTabSz="457200" eaLnBrk="0" fontAlgn="auto" latinLnBrk="0">
               <a:lnSpc>
                 <a:spcPct val="100000"/>
               </a:lnSpc>
@@ -14404,68 +14508,68 @@
               <a:buNone/>
             </a:pPr>
             <a:r>
-              <a:rPr lang="en-US" altLang="ko-KR" sz="2400" cap="none" dirty="0" smtClean="0" b="0">
+              <a:rPr lang="en-US" altLang="ko-KR" sz="2400" b="0" cap="none" dirty="0">
                 <a:latin typeface="맑은 고딕" charset="0"/>
                 <a:ea typeface="맑은 고딕" charset="0"/>
               </a:rPr>
               <a:t>맵은</a:t>
             </a:r>
             <a:r>
-              <a:rPr lang="en-US" altLang="ko-KR" sz="2400" cap="none" dirty="0" smtClean="0" b="0">
+              <a:rPr lang="en-US" altLang="ko-KR" sz="2400" b="0" cap="none" dirty="0">
                 <a:latin typeface="Century Gothic" charset="0"/>
                 <a:ea typeface="Century Gothic" charset="0"/>
               </a:rPr>
               <a:t> </a:t>
             </a:r>
             <a:r>
-              <a:rPr lang="en-US" altLang="ko-KR" sz="2400" cap="none" dirty="0" smtClean="0" b="0">
+              <a:rPr lang="en-US" altLang="ko-KR" sz="2400" b="0" cap="none" dirty="0">
                 <a:latin typeface="맑은 고딕" charset="0"/>
                 <a:ea typeface="맑은 고딕" charset="0"/>
               </a:rPr>
               <a:t>총</a:t>
             </a:r>
             <a:r>
-              <a:rPr lang="en-US" altLang="ko-KR" sz="2400" cap="none" dirty="0" smtClean="0" b="0">
+              <a:rPr lang="en-US" altLang="ko-KR" sz="2400" b="0" cap="none" dirty="0">
                 <a:latin typeface="Century Gothic" charset="0"/>
                 <a:ea typeface="Century Gothic" charset="0"/>
               </a:rPr>
               <a:t> 10</a:t>
             </a:r>
             <a:r>
-              <a:rPr lang="en-US" altLang="ko-KR" sz="2400" cap="none" dirty="0" smtClean="0" b="0">
+              <a:rPr lang="en-US" altLang="ko-KR" sz="2400" b="0" cap="none" dirty="0">
                 <a:latin typeface="맑은 고딕" charset="0"/>
                 <a:ea typeface="맑은 고딕" charset="0"/>
               </a:rPr>
               <a:t>개로</a:t>
             </a:r>
             <a:r>
-              <a:rPr lang="en-US" altLang="ko-KR" sz="2400" cap="none" dirty="0" smtClean="0" b="0">
+              <a:rPr lang="en-US" altLang="ko-KR" sz="2400" b="0" cap="none" dirty="0">
                 <a:latin typeface="Century Gothic" charset="0"/>
                 <a:ea typeface="Century Gothic" charset="0"/>
               </a:rPr>
               <a:t> </a:t>
             </a:r>
             <a:r>
-              <a:rPr lang="en-US" altLang="ko-KR" sz="2400" cap="none" dirty="0" smtClean="0" b="0">
+              <a:rPr lang="en-US" altLang="ko-KR" sz="2400" b="0" cap="none" dirty="0">
                 <a:latin typeface="맑은 고딕" charset="0"/>
                 <a:ea typeface="맑은 고딕" charset="0"/>
               </a:rPr>
               <a:t>구성된다</a:t>
             </a:r>
             <a:r>
-              <a:rPr lang="en-US" altLang="ko-KR" sz="2400" cap="none" dirty="0" smtClean="0" b="0">
+              <a:rPr lang="en-US" altLang="ko-KR" sz="2400" b="0" cap="none" dirty="0">
                 <a:latin typeface="Century Gothic" charset="0"/>
                 <a:ea typeface="Century Gothic" charset="0"/>
               </a:rPr>
               <a:t>.</a:t>
             </a:r>
-            <a:endParaRPr lang="ko-KR" altLang="en-US" sz="2400" cap="none" dirty="0" smtClean="0" b="0">
+            <a:endParaRPr lang="ko-KR" altLang="en-US" sz="2400" b="0" cap="none" dirty="0">
               <a:latin typeface="Century Gothic" charset="0"/>
               <a:ea typeface="Century Gothic" charset="0"/>
             </a:endParaRPr>
           </a:p>
           <a:p>
-            <a:pPr marL="0" indent="0" algn="l" fontAlgn="auto" defTabSz="457200" eaLnBrk="0" latinLnBrk="0">
+            <a:pPr marL="0" indent="0" algn="l" defTabSz="457200" eaLnBrk="0" fontAlgn="auto" latinLnBrk="0">
               <a:lnSpc>
                 <a:spcPct val="100000"/>
               </a:lnSpc>
@@ -14478,13 +14582,13 @@
               <a:buFontTx/>
               <a:buNone/>
             </a:pPr>
-            <a:endParaRPr lang="ko-KR" altLang="en-US" sz="2400" cap="none" dirty="0" smtClean="0" b="0">
+            <a:endParaRPr lang="ko-KR" altLang="en-US" sz="2400" b="0" cap="none" dirty="0">
               <a:latin typeface="Century Gothic" charset="0"/>
               <a:ea typeface="Century Gothic" charset="0"/>
             </a:endParaRPr>
           </a:p>
           <a:p>
-            <a:pPr marL="0" indent="0" algn="l" fontAlgn="auto" defTabSz="457200" eaLnBrk="0" latinLnBrk="0">
+            <a:pPr marL="0" indent="0" algn="l" defTabSz="457200" eaLnBrk="0" fontAlgn="auto" latinLnBrk="0">
               <a:lnSpc>
                 <a:spcPct val="100000"/>
               </a:lnSpc>
@@ -14498,96 +14602,96 @@
               <a:buNone/>
             </a:pPr>
             <a:r>
-              <a:rPr lang="en-US" altLang="ko-KR" sz="2400" cap="none" dirty="0" smtClean="0" b="0">
+              <a:rPr lang="en-US" altLang="ko-KR" sz="2400" b="0" cap="none" dirty="0">
                 <a:latin typeface="맑은 고딕" charset="0"/>
                 <a:ea typeface="맑은 고딕" charset="0"/>
               </a:rPr>
               <a:t>맵마다</a:t>
             </a:r>
             <a:r>
-              <a:rPr lang="en-US" altLang="ko-KR" sz="2400" cap="none" dirty="0" smtClean="0" b="0">
+              <a:rPr lang="en-US" altLang="ko-KR" sz="2400" b="0" cap="none" dirty="0">
                 <a:latin typeface="Century Gothic" charset="0"/>
                 <a:ea typeface="Century Gothic" charset="0"/>
               </a:rPr>
               <a:t> </a:t>
             </a:r>
             <a:r>
-              <a:rPr lang="en-US" altLang="ko-KR" sz="2400" cap="none" dirty="0" smtClean="0" b="0">
+              <a:rPr lang="en-US" altLang="ko-KR" sz="2400" b="0" cap="none" dirty="0">
                 <a:latin typeface="맑은 고딕" charset="0"/>
                 <a:ea typeface="맑은 고딕" charset="0"/>
               </a:rPr>
               <a:t>문제를</a:t>
             </a:r>
             <a:r>
-              <a:rPr lang="en-US" altLang="ko-KR" sz="2400" cap="none" dirty="0" smtClean="0" b="0">
+              <a:rPr lang="en-US" altLang="ko-KR" sz="2400" b="0" cap="none" dirty="0">
                 <a:latin typeface="Century Gothic" charset="0"/>
                 <a:ea typeface="Century Gothic" charset="0"/>
               </a:rPr>
               <a:t> </a:t>
             </a:r>
             <a:r>
-              <a:rPr lang="en-US" altLang="ko-KR" sz="2400" cap="none" dirty="0" smtClean="0" b="0">
+              <a:rPr lang="en-US" altLang="ko-KR" sz="2400" b="0" cap="none" dirty="0">
                 <a:latin typeface="맑은 고딕" charset="0"/>
                 <a:ea typeface="맑은 고딕" charset="0"/>
               </a:rPr>
               <a:t>해결해야</a:t>
             </a:r>
             <a:r>
-              <a:rPr lang="en-US" altLang="ko-KR" sz="2400" cap="none" dirty="0" smtClean="0" b="0">
+              <a:rPr lang="en-US" altLang="ko-KR" sz="2400" b="0" cap="none" dirty="0">
                 <a:latin typeface="Century Gothic" charset="0"/>
                 <a:ea typeface="Century Gothic" charset="0"/>
               </a:rPr>
               <a:t> </a:t>
             </a:r>
             <a:r>
-              <a:rPr lang="en-US" altLang="ko-KR" sz="2400" cap="none" dirty="0" smtClean="0" b="0">
+              <a:rPr lang="en-US" altLang="ko-KR" sz="2400" b="0" cap="none" dirty="0">
                 <a:latin typeface="맑은 고딕" charset="0"/>
                 <a:ea typeface="맑은 고딕" charset="0"/>
               </a:rPr>
               <a:t>다음</a:t>
             </a:r>
             <a:r>
-              <a:rPr lang="en-US" altLang="ko-KR" sz="2400" cap="none" dirty="0" smtClean="0" b="0">
+              <a:rPr lang="en-US" altLang="ko-KR" sz="2400" b="0" cap="none" dirty="0">
                 <a:latin typeface="Century Gothic" charset="0"/>
                 <a:ea typeface="Century Gothic" charset="0"/>
               </a:rPr>
               <a:t> </a:t>
             </a:r>
             <a:r>
-              <a:rPr lang="en-US" altLang="ko-KR" sz="2400" cap="none" dirty="0" smtClean="0" b="0">
+              <a:rPr lang="en-US" altLang="ko-KR" sz="2400" b="0" cap="none" dirty="0">
                 <a:latin typeface="맑은 고딕" charset="0"/>
                 <a:ea typeface="맑은 고딕" charset="0"/>
               </a:rPr>
               <a:t>맵으로</a:t>
             </a:r>
             <a:r>
-              <a:rPr lang="en-US" altLang="ko-KR" sz="2400" cap="none" dirty="0" smtClean="0" b="0">
+              <a:rPr lang="en-US" altLang="ko-KR" sz="2400" b="0" cap="none" dirty="0">
                 <a:latin typeface="Century Gothic" charset="0"/>
                 <a:ea typeface="Century Gothic" charset="0"/>
               </a:rPr>
               <a:t> </a:t>
             </a:r>
             <a:r>
-              <a:rPr lang="en-US" altLang="ko-KR" sz="2400" cap="none" dirty="0" smtClean="0" b="0">
+              <a:rPr lang="en-US" altLang="ko-KR" sz="2400" b="0" cap="none" dirty="0">
                 <a:latin typeface="맑은 고딕" charset="0"/>
                 <a:ea typeface="맑은 고딕" charset="0"/>
               </a:rPr>
               <a:t>넘어간다</a:t>
             </a:r>
             <a:r>
-              <a:rPr lang="en-US" altLang="ko-KR" sz="2400" cap="none" dirty="0" smtClean="0" b="0">
+              <a:rPr lang="en-US" altLang="ko-KR" sz="2400" b="0" cap="none" dirty="0">
                 <a:latin typeface="Century Gothic" charset="0"/>
                 <a:ea typeface="Century Gothic" charset="0"/>
               </a:rPr>
               <a:t>.</a:t>
             </a:r>
-            <a:endParaRPr lang="ko-KR" altLang="en-US" sz="2400" cap="none" dirty="0" smtClean="0" b="0">
+            <a:endParaRPr lang="ko-KR" altLang="en-US" sz="2400" b="0" cap="none" dirty="0">
               <a:latin typeface="Century Gothic" charset="0"/>
               <a:ea typeface="Century Gothic" charset="0"/>
             </a:endParaRPr>
           </a:p>
           <a:p>
-            <a:pPr marL="0" indent="0" algn="l" fontAlgn="auto" defTabSz="457200" eaLnBrk="0" latinLnBrk="0">
+            <a:pPr marL="0" indent="0" algn="l" defTabSz="457200" eaLnBrk="0" fontAlgn="auto" latinLnBrk="0">
               <a:lnSpc>
                 <a:spcPct val="100000"/>
               </a:lnSpc>
@@ -14600,13 +14704,13 @@
               <a:buFontTx/>
               <a:buNone/>
             </a:pPr>
-            <a:endParaRPr lang="ko-KR" altLang="en-US" sz="2400" cap="none" dirty="0" smtClean="0" b="0">
+            <a:endParaRPr lang="ko-KR" altLang="en-US" sz="2400" b="0" cap="none" dirty="0">
               <a:latin typeface="Century Gothic" charset="0"/>
               <a:ea typeface="Century Gothic" charset="0"/>
             </a:endParaRPr>
           </a:p>
           <a:p>
-            <a:pPr marL="0" indent="0" algn="l" fontAlgn="auto" defTabSz="457200" eaLnBrk="0" latinLnBrk="0">
+            <a:pPr marL="0" indent="0" algn="l" defTabSz="457200" eaLnBrk="0" fontAlgn="auto" latinLnBrk="0">
               <a:lnSpc>
                 <a:spcPct val="100000"/>
               </a:lnSpc>
@@ -14620,110 +14724,110 @@
               <a:buNone/>
             </a:pPr>
             <a:r>
-              <a:rPr lang="en-US" altLang="ko-KR" sz="2400" cap="none" dirty="0" smtClean="0" b="0">
+              <a:rPr lang="en-US" altLang="ko-KR" sz="2400" b="0" cap="none" dirty="0">
                 <a:latin typeface="맑은 고딕" charset="0"/>
                 <a:ea typeface="맑은 고딕" charset="0"/>
               </a:rPr>
               <a:t>오브젝트와</a:t>
             </a:r>
             <a:r>
-              <a:rPr lang="en-US" altLang="ko-KR" sz="2400" cap="none" dirty="0" smtClean="0" b="0">
+              <a:rPr lang="en-US" altLang="ko-KR" sz="2400" b="0" cap="none" dirty="0">
                 <a:latin typeface="Century Gothic" charset="0"/>
                 <a:ea typeface="Century Gothic" charset="0"/>
               </a:rPr>
               <a:t> </a:t>
             </a:r>
             <a:r>
-              <a:rPr lang="en-US" altLang="ko-KR" sz="2400" cap="none" dirty="0" smtClean="0" b="0">
+              <a:rPr lang="en-US" altLang="ko-KR" sz="2400" b="0" cap="none" dirty="0">
                 <a:latin typeface="맑은 고딕" charset="0"/>
                 <a:ea typeface="맑은 고딕" charset="0"/>
               </a:rPr>
               <a:t>플레이어의</a:t>
             </a:r>
             <a:r>
-              <a:rPr lang="en-US" altLang="ko-KR" sz="2400" cap="none" dirty="0" smtClean="0" b="0">
+              <a:rPr lang="en-US" altLang="ko-KR" sz="2400" b="0" cap="none" dirty="0">
                 <a:latin typeface="Century Gothic" charset="0"/>
                 <a:ea typeface="Century Gothic" charset="0"/>
               </a:rPr>
               <a:t> </a:t>
             </a:r>
             <a:r>
-              <a:rPr lang="en-US" altLang="ko-KR" sz="2400" cap="none" dirty="0" smtClean="0" b="0">
+              <a:rPr lang="en-US" altLang="ko-KR" sz="2400" b="0" cap="none" dirty="0">
                 <a:latin typeface="맑은 고딕" charset="0"/>
                 <a:ea typeface="맑은 고딕" charset="0"/>
               </a:rPr>
               <a:t>상호작용으로</a:t>
             </a:r>
             <a:r>
-              <a:rPr lang="en-US" altLang="ko-KR" sz="2400" cap="none" dirty="0" smtClean="0" b="0">
+              <a:rPr lang="en-US" altLang="ko-KR" sz="2400" b="0" cap="none" dirty="0">
                 <a:latin typeface="Century Gothic" charset="0"/>
                 <a:ea typeface="Century Gothic" charset="0"/>
               </a:rPr>
               <a:t> </a:t>
             </a:r>
             <a:r>
-              <a:rPr lang="en-US" altLang="ko-KR" sz="2400" cap="none" dirty="0" smtClean="0" b="0">
+              <a:rPr lang="en-US" altLang="ko-KR" sz="2400" b="0" cap="none" dirty="0">
                 <a:latin typeface="맑은 고딕" charset="0"/>
                 <a:ea typeface="맑은 고딕" charset="0"/>
               </a:rPr>
               <a:t>발생하는</a:t>
             </a:r>
             <a:r>
-              <a:rPr lang="en-US" altLang="ko-KR" sz="2400" cap="none" dirty="0" smtClean="0" b="0">
+              <a:rPr lang="en-US" altLang="ko-KR" sz="2400" b="0" cap="none" dirty="0">
                 <a:latin typeface="Century Gothic" charset="0"/>
                 <a:ea typeface="Century Gothic" charset="0"/>
               </a:rPr>
               <a:t> </a:t>
             </a:r>
             <a:r>
-              <a:rPr lang="en-US" altLang="ko-KR" sz="2400" cap="none" dirty="0" smtClean="0" b="0">
+              <a:rPr lang="en-US" altLang="ko-KR" sz="2400" b="0" cap="none" dirty="0">
                 <a:latin typeface="맑은 고딕" charset="0"/>
                 <a:ea typeface="맑은 고딕" charset="0"/>
               </a:rPr>
               <a:t>이벤트로</a:t>
             </a:r>
             <a:r>
-              <a:rPr lang="en-US" altLang="ko-KR" sz="2400" cap="none" dirty="0" smtClean="0" b="0">
+              <a:rPr lang="en-US" altLang="ko-KR" sz="2400" b="0" cap="none" dirty="0">
                 <a:latin typeface="Century Gothic" charset="0"/>
                 <a:ea typeface="Century Gothic" charset="0"/>
               </a:rPr>
               <a:t> </a:t>
             </a:r>
             <a:r>
-              <a:rPr lang="en-US" altLang="ko-KR" sz="2400" cap="none" dirty="0" smtClean="0" b="0">
+              <a:rPr lang="en-US" altLang="ko-KR" sz="2400" b="0" cap="none" dirty="0">
                 <a:latin typeface="맑은 고딕" charset="0"/>
                 <a:ea typeface="맑은 고딕" charset="0"/>
               </a:rPr>
               <a:t>맵을</a:t>
             </a:r>
             <a:r>
-              <a:rPr lang="en-US" altLang="ko-KR" sz="2400" cap="none" dirty="0" smtClean="0" b="0">
+              <a:rPr lang="en-US" altLang="ko-KR" sz="2400" b="0" cap="none" dirty="0">
                 <a:latin typeface="Century Gothic" charset="0"/>
                 <a:ea typeface="Century Gothic" charset="0"/>
               </a:rPr>
               <a:t> </a:t>
             </a:r>
             <a:r>
-              <a:rPr lang="en-US" altLang="ko-KR" sz="2400" cap="none" dirty="0" smtClean="0" b="0">
+              <a:rPr lang="en-US" altLang="ko-KR" sz="2400" b="0" cap="none" dirty="0">
                 <a:latin typeface="맑은 고딕" charset="0"/>
                 <a:ea typeface="맑은 고딕" charset="0"/>
               </a:rPr>
               <a:t>클리어한다</a:t>
             </a:r>
             <a:r>
-              <a:rPr lang="en-US" altLang="ko-KR" sz="2400" cap="none" dirty="0" smtClean="0" b="0">
+              <a:rPr lang="en-US" altLang="ko-KR" sz="2400" b="0" cap="none" dirty="0">
                 <a:latin typeface="Century Gothic" charset="0"/>
                 <a:ea typeface="Century Gothic" charset="0"/>
               </a:rPr>
               <a:t>.</a:t>
             </a:r>
-            <a:endParaRPr lang="ko-KR" altLang="en-US" sz="2400" cap="none" dirty="0" smtClean="0" b="0">
+            <a:endParaRPr lang="ko-KR" altLang="en-US" sz="2400" b="0" cap="none" dirty="0">
               <a:latin typeface="Century Gothic" charset="0"/>
               <a:ea typeface="Century Gothic" charset="0"/>
             </a:endParaRPr>
           </a:p>
           <a:p>
-            <a:pPr marL="0" indent="0" algn="l" fontAlgn="auto" defTabSz="457200" eaLnBrk="0" latinLnBrk="0">
+            <a:pPr marL="0" indent="0" algn="l" defTabSz="457200" eaLnBrk="0" fontAlgn="auto" latinLnBrk="0">
               <a:lnSpc>
                 <a:spcPct val="100000"/>
               </a:lnSpc>
@@ -14736,7 +14840,7 @@
               <a:buFontTx/>
               <a:buNone/>
             </a:pPr>
-            <a:endParaRPr lang="ko-KR" altLang="en-US" sz="2400" cap="none" dirty="0" smtClean="0" b="0">
+            <a:endParaRPr lang="ko-KR" altLang="en-US" sz="2400" b="0" cap="none" dirty="0">
               <a:latin typeface="맑은 고딕" charset="0"/>
               <a:ea typeface="맑은 고딕" charset="0"/>
             </a:endParaRPr>
@@ -14753,26 +14857,11 @@
   <p:clrMapOvr>
     <a:masterClrMapping/>
   </p:clrMapOvr>
-  <mc:AlternateContent xmlns:mc="http://schemas.openxmlformats.org/markup-compatibility/2006">
-    <mc:Choice xmlns:p14="http://schemas.microsoft.com/office/powerpoint/2010/main" Requires="p14">
-      <p:transition spd="slow" p14:dur="2000"/>
-    </mc:Choice>
-    <mc:Fallback>
-      <p:transition spd="slow"/>
-    </mc:Fallback>
-  </mc:AlternateContent>
-  <p:timing>
-    <p:tnLst>
-      <p:par>
-        <p:cTn id="1" dur="indefinite" restart="never" nodeType="tmRoot"/>
-      </p:par>
-    </p:tnLst>
-  </p:timing>
 </p:sld>
 </file>
 
 <file path=ppt/slides/slide9.xml><?xml version="1.0" encoding="utf-8"?>
-<p:sld xmlns:a="http://schemas.openxmlformats.org/drawingml/2006/main" xmlns:r="http://schemas.openxmlformats.org/officeDocument/2006/relationships" xmlns:p="http://schemas.openxmlformats.org/presentationml/2006/main" xmlns:p14="http://schemas.microsoft.com/office/powerpoint/2010/main">
+<p:sld xmlns:a="http://schemas.openxmlformats.org/drawingml/2006/main" xmlns:r="http://schemas.openxmlformats.org/officeDocument/2006/relationships" xmlns:p="http://schemas.openxmlformats.org/presentationml/2006/main">
   <p:cSld>
     <p:spTree>
       <p:nvGrpSpPr>
@@ -14807,12 +14896,12 @@
           <a:noFill/>
         </p:spPr>
         <p:txBody>
-          <a:bodyPr wrap="square" lIns="91440" tIns="45720" rIns="91440" bIns="45720" numCol="1" vert="horz" anchor="t">
+          <a:bodyPr vert="horz" wrap="square" lIns="91440" tIns="45720" rIns="91440" bIns="45720" numCol="1" anchor="t">
             <a:spAutoFit/>
           </a:bodyPr>
           <a:lstStyle/>
           <a:p>
-            <a:pPr marL="0" indent="0" algn="l" fontAlgn="auto" defTabSz="457200" eaLnBrk="0" latinLnBrk="0">
+            <a:pPr marL="0" indent="0" algn="l" defTabSz="457200" eaLnBrk="0" fontAlgn="auto" latinLnBrk="0">
               <a:lnSpc>
                 <a:spcPct val="100000"/>
               </a:lnSpc>
@@ -14826,7 +14915,7 @@
               <a:buNone/>
             </a:pPr>
             <a:r>
-              <a:rPr lang="en-US" altLang="ko-KR" sz="4400" cap="none" dirty="0" smtClean="0" b="0">
+              <a:rPr lang="en-US" altLang="ko-KR" sz="4400" b="0" cap="none" dirty="0">
                 <a:solidFill>
                   <a:schemeClr val="accent1">
                     <a:lumMod val="75000"/>
@@ -14837,7 +14926,7 @@
               </a:rPr>
               <a:t>게임소개 - 예시</a:t>
             </a:r>
-            <a:endParaRPr lang="ko-KR" altLang="en-US" sz="4400" cap="none" dirty="0" smtClean="0" b="0">
+            <a:endParaRPr lang="ko-KR" altLang="en-US" sz="4400" b="0" cap="none" dirty="0">
               <a:solidFill>
                 <a:schemeClr val="accent1">
                   <a:lumMod val="75000"/>
@@ -15007,12 +15096,12 @@
           <a:noFill/>
         </p:spPr>
         <p:txBody>
-          <a:bodyPr wrap="square" lIns="91440" tIns="45720" rIns="91440" bIns="45720" numCol="1" vert="horz" anchor="t">
+          <a:bodyPr vert="horz" wrap="square" lIns="91440" tIns="45720" rIns="91440" bIns="45720" numCol="1" anchor="t">
             <a:spAutoFit/>
           </a:bodyPr>
           <a:lstStyle/>
           <a:p>
-            <a:pPr marL="0" indent="0" algn="l" fontAlgn="auto" defTabSz="457200" eaLnBrk="0" latinLnBrk="0">
+            <a:pPr marL="0" indent="0" algn="l" defTabSz="457200" eaLnBrk="0" fontAlgn="auto" latinLnBrk="0">
               <a:lnSpc>
                 <a:spcPct val="100000"/>
               </a:lnSpc>
@@ -15026,47 +15115,47 @@
               <a:buNone/>
             </a:pPr>
             <a:r>
-              <a:rPr lang="en-US" altLang="ko-KR" sz="2400" cap="none" dirty="0" smtClean="0" b="0">
+              <a:rPr lang="en-US" altLang="ko-KR" sz="2400" b="0" cap="none" dirty="0">
                 <a:latin typeface="맑은 고딕" charset="0"/>
                 <a:ea typeface="맑은 고딕" charset="0"/>
               </a:rPr>
               <a:t>게임</a:t>
             </a:r>
             <a:r>
-              <a:rPr lang="en-US" altLang="ko-KR" sz="2400" cap="none" dirty="0" smtClean="0" b="0">
+              <a:rPr lang="en-US" altLang="ko-KR" sz="2400" b="0" cap="none" dirty="0">
                 <a:latin typeface="Century Gothic" charset="0"/>
                 <a:ea typeface="Century Gothic" charset="0"/>
               </a:rPr>
               <a:t> </a:t>
             </a:r>
             <a:r>
-              <a:rPr lang="en-US" altLang="ko-KR" sz="2400" cap="none" dirty="0" smtClean="0" b="0">
+              <a:rPr lang="en-US" altLang="ko-KR" sz="2400" b="0" cap="none" dirty="0">
                 <a:latin typeface="맑은 고딕" charset="0"/>
                 <a:ea typeface="맑은 고딕" charset="0"/>
               </a:rPr>
               <a:t>맵</a:t>
             </a:r>
             <a:r>
-              <a:rPr lang="en-US" altLang="ko-KR" sz="2400" cap="none" dirty="0" smtClean="0" b="0">
+              <a:rPr lang="en-US" altLang="ko-KR" sz="2400" b="0" cap="none" dirty="0">
                 <a:latin typeface="Century Gothic" charset="0"/>
                 <a:ea typeface="Century Gothic" charset="0"/>
               </a:rPr>
               <a:t> </a:t>
             </a:r>
             <a:r>
-              <a:rPr lang="en-US" altLang="ko-KR" sz="2400" cap="none" dirty="0" smtClean="0" b="0">
+              <a:rPr lang="en-US" altLang="ko-KR" sz="2400" b="0" cap="none" dirty="0">
                 <a:latin typeface="맑은 고딕" charset="0"/>
                 <a:ea typeface="맑은 고딕" charset="0"/>
               </a:rPr>
               <a:t>예시.</a:t>
             </a:r>
-            <a:endParaRPr lang="ko-KR" altLang="en-US" sz="2400" cap="none" dirty="0" smtClean="0" b="0">
+            <a:endParaRPr lang="ko-KR" altLang="en-US" sz="2400" b="0" cap="none" dirty="0">
               <a:latin typeface="맑은 고딕" charset="0"/>
               <a:ea typeface="맑은 고딕" charset="0"/>
             </a:endParaRPr>
           </a:p>
           <a:p>
-            <a:pPr marL="0" indent="0" algn="l" fontAlgn="auto" defTabSz="457200" eaLnBrk="0" latinLnBrk="0">
+            <a:pPr marL="0" indent="0" algn="l" defTabSz="457200" eaLnBrk="0" fontAlgn="auto" latinLnBrk="0">
               <a:lnSpc>
                 <a:spcPct val="100000"/>
               </a:lnSpc>
@@ -15079,13 +15168,13 @@
               <a:buFontTx/>
               <a:buNone/>
             </a:pPr>
-            <a:endParaRPr lang="ko-KR" altLang="en-US" sz="2400" cap="none" dirty="0" smtClean="0" b="0">
+            <a:endParaRPr lang="ko-KR" altLang="en-US" sz="2400" b="0" cap="none" dirty="0">
               <a:latin typeface="Century Gothic" charset="0"/>
               <a:ea typeface="Century Gothic" charset="0"/>
             </a:endParaRPr>
           </a:p>
           <a:p>
-            <a:pPr marL="0" indent="0" algn="l" fontAlgn="auto" defTabSz="457200" eaLnBrk="0" latinLnBrk="0">
+            <a:pPr marL="0" indent="0" algn="l" defTabSz="457200" eaLnBrk="0" fontAlgn="auto" latinLnBrk="0">
               <a:lnSpc>
                 <a:spcPct val="100000"/>
               </a:lnSpc>
@@ -15099,47 +15188,47 @@
               <a:buNone/>
             </a:pPr>
             <a:r>
-              <a:rPr lang="en-US" altLang="ko-KR" sz="2400" cap="none" dirty="0" smtClean="0" b="0">
+              <a:rPr lang="en-US" altLang="ko-KR" sz="2400" b="0" cap="none" dirty="0">
                 <a:latin typeface="맑은 고딕" charset="0"/>
                 <a:ea typeface="맑은 고딕" charset="0"/>
               </a:rPr>
               <a:t>플레이어가</a:t>
             </a:r>
             <a:r>
-              <a:rPr lang="en-US" altLang="ko-KR" sz="2400" cap="none" dirty="0" smtClean="0" b="0">
+              <a:rPr lang="en-US" altLang="ko-KR" sz="2400" b="0" cap="none" dirty="0">
                 <a:latin typeface="Century Gothic" charset="0"/>
                 <a:ea typeface="Century Gothic" charset="0"/>
               </a:rPr>
               <a:t> </a:t>
             </a:r>
             <a:r>
-              <a:rPr lang="en-US" altLang="ko-KR" sz="2400" cap="none" dirty="0" smtClean="0" b="0">
+              <a:rPr lang="en-US" altLang="ko-KR" sz="2400" b="0" cap="none" dirty="0">
                 <a:latin typeface="맑은 고딕" charset="0"/>
                 <a:ea typeface="맑은 고딕" charset="0"/>
               </a:rPr>
               <a:t>각</a:t>
             </a:r>
             <a:r>
-              <a:rPr lang="en-US" altLang="ko-KR" sz="2400" cap="none" dirty="0" smtClean="0" b="0">
+              <a:rPr lang="en-US" altLang="ko-KR" sz="2400" b="0" cap="none" dirty="0">
                 <a:latin typeface="Century Gothic" charset="0"/>
                 <a:ea typeface="Century Gothic" charset="0"/>
               </a:rPr>
               <a:t> </a:t>
             </a:r>
             <a:r>
-              <a:rPr lang="en-US" altLang="ko-KR" sz="2400" cap="none" dirty="0" smtClean="0" b="0">
+              <a:rPr lang="en-US" altLang="ko-KR" sz="2400" b="0" cap="none" dirty="0">
                 <a:latin typeface="맑은 고딕" charset="0"/>
                 <a:ea typeface="맑은 고딕" charset="0"/>
               </a:rPr>
               <a:t>맵마다</a:t>
             </a:r>
-            <a:endParaRPr lang="ko-KR" altLang="en-US" sz="2400" cap="none" dirty="0" smtClean="0" b="0">
+            <a:endParaRPr lang="ko-KR" altLang="en-US" sz="2400" b="0" cap="none" dirty="0">
               <a:latin typeface="맑은 고딕" charset="0"/>
               <a:ea typeface="맑은 고딕" charset="0"/>
             </a:endParaRPr>
           </a:p>
           <a:p>
-            <a:pPr marL="0" indent="0" algn="l" fontAlgn="auto" defTabSz="457200" eaLnBrk="0" latinLnBrk="0">
+            <a:pPr marL="0" indent="0" algn="l" defTabSz="457200" eaLnBrk="0" fontAlgn="auto" latinLnBrk="0">
               <a:lnSpc>
                 <a:spcPct val="100000"/>
               </a:lnSpc>
@@ -15153,48 +15242,48 @@
               <a:buNone/>
             </a:pPr>
             <a:r>
-              <a:rPr lang="en-US" altLang="ko-KR" sz="2400" cap="none" dirty="0" smtClean="0" b="0">
+              <a:rPr lang="en-US" altLang="ko-KR" sz="2400" b="0" cap="none" dirty="0">
                 <a:latin typeface="맑은 고딕" charset="0"/>
                 <a:ea typeface="맑은 고딕" charset="0"/>
               </a:rPr>
               <a:t>정해진</a:t>
             </a:r>
             <a:r>
-              <a:rPr lang="en-US" altLang="ko-KR" sz="2400" cap="none" dirty="0" smtClean="0" b="0">
+              <a:rPr lang="en-US" altLang="ko-KR" sz="2400" b="0" cap="none" dirty="0">
                 <a:latin typeface="Century Gothic" charset="0"/>
                 <a:ea typeface="Century Gothic" charset="0"/>
               </a:rPr>
               <a:t> </a:t>
             </a:r>
             <a:r>
-              <a:rPr lang="en-US" altLang="ko-KR" sz="2400" cap="none" dirty="0" smtClean="0" b="0">
+              <a:rPr lang="en-US" altLang="ko-KR" sz="2400" b="0" cap="none" dirty="0">
                 <a:latin typeface="맑은 고딕" charset="0"/>
                 <a:ea typeface="맑은 고딕" charset="0"/>
               </a:rPr>
               <a:t>위치에서</a:t>
             </a:r>
             <a:r>
-              <a:rPr lang="en-US" altLang="ko-KR" sz="2400" cap="none" dirty="0" smtClean="0" b="0">
+              <a:rPr lang="en-US" altLang="ko-KR" sz="2400" b="0" cap="none" dirty="0">
                 <a:latin typeface="Century Gothic" charset="0"/>
                 <a:ea typeface="Century Gothic" charset="0"/>
               </a:rPr>
               <a:t> </a:t>
             </a:r>
             <a:r>
-              <a:rPr lang="en-US" altLang="ko-KR" sz="2400" cap="none" dirty="0" smtClean="0" b="0">
+              <a:rPr lang="en-US" altLang="ko-KR" sz="2400" b="0" cap="none" dirty="0">
                 <a:latin typeface="맑은 고딕" charset="0"/>
                 <a:ea typeface="맑은 고딕" charset="0"/>
               </a:rPr>
               <a:t>등장한다</a:t>
             </a:r>
             <a:r>
-              <a:rPr lang="en-US" altLang="ko-KR" sz="2400" cap="none" dirty="0" smtClean="0" b="0">
+              <a:rPr lang="en-US" altLang="ko-KR" sz="2400" b="0" cap="none" dirty="0">
                 <a:latin typeface="Century Gothic" charset="0"/>
                 <a:ea typeface="Century Gothic" charset="0"/>
               </a:rPr>
               <a:t>.</a:t>
             </a:r>
-            <a:endParaRPr lang="ko-KR" altLang="en-US" sz="2400" cap="none" dirty="0" smtClean="0" b="0">
+            <a:endParaRPr lang="ko-KR" altLang="en-US" sz="2400" b="0" cap="none" dirty="0">
               <a:latin typeface="Century Gothic" charset="0"/>
               <a:ea typeface="Century Gothic" charset="0"/>
             </a:endParaRPr>
@@ -15241,21 +15330,6 @@
   <p:clrMapOvr>
     <a:masterClrMapping/>
   </p:clrMapOvr>
-  <mc:AlternateContent xmlns:mc="http://schemas.openxmlformats.org/markup-compatibility/2006">
-    <mc:Choice xmlns:p14="http://schemas.microsoft.com/office/powerpoint/2010/main" Requires="p14">
-      <p:transition spd="slow" p14:dur="2000"/>
-    </mc:Choice>
-    <mc:Fallback>
-      <p:transition spd="slow"/>
-    </mc:Fallback>
-  </mc:AlternateContent>
-  <p:timing>
-    <p:tnLst>
-      <p:par>
-        <p:cTn id="1" dur="indefinite" restart="never" nodeType="tmRoot"/>
-      </p:par>
-    </p:tnLst>
-  </p:timing>
 </p:sld>
 </file>
 

--- a/Document/Escape Cube(가제) ppt.pptx
+++ b/Document/Escape Cube(가제) ppt.pptx
@@ -1,32 +1,32 @@
 
 <file path=ppt/presentation.xml><?xml version="1.0" encoding="utf-8"?>
-<p:presentation xmlns:a="http://schemas.openxmlformats.org/drawingml/2006/main" xmlns:r="http://schemas.openxmlformats.org/officeDocument/2006/relationships" xmlns:p="http://schemas.openxmlformats.org/presentationml/2006/main" autoCompressPictures="0">
+<p:presentation xmlns:a="http://schemas.openxmlformats.org/drawingml/2006/main" xmlns:r="http://schemas.openxmlformats.org/officeDocument/2006/relationships" xmlns:p="http://schemas.openxmlformats.org/presentationml/2006/main" xmlns:p14="http://schemas.microsoft.com/office/powerpoint/2010/main" autoCompressPictures="0">
   <p:sldMasterIdLst>
-    <p:sldMasterId id="2147483700" r:id="rId1"/>
+    <p:sldMasterId id="2147483712" r:id="rId21"/>
   </p:sldMasterIdLst>
   <p:notesMasterIdLst>
-    <p:notesMasterId r:id="rId21"/>
+    <p:notesMasterId r:id="rId23"/>
   </p:notesMasterIdLst>
   <p:sldIdLst>
-    <p:sldId id="256" r:id="rId2"/>
-    <p:sldId id="259" r:id="rId3"/>
-    <p:sldId id="266" r:id="rId4"/>
-    <p:sldId id="273" r:id="rId5"/>
-    <p:sldId id="260" r:id="rId6"/>
-    <p:sldId id="257" r:id="rId7"/>
-    <p:sldId id="274" r:id="rId8"/>
-    <p:sldId id="258" r:id="rId9"/>
-    <p:sldId id="270" r:id="rId10"/>
-    <p:sldId id="272" r:id="rId11"/>
-    <p:sldId id="261" r:id="rId12"/>
-    <p:sldId id="265" r:id="rId13"/>
-    <p:sldId id="262" r:id="rId14"/>
-    <p:sldId id="269" r:id="rId15"/>
-    <p:sldId id="275" r:id="rId16"/>
-    <p:sldId id="276" r:id="rId17"/>
-    <p:sldId id="267" r:id="rId18"/>
-    <p:sldId id="263" r:id="rId19"/>
-    <p:sldId id="268" r:id="rId20"/>
+    <p:sldId id="256" r:id="rId25"/>
+    <p:sldId id="259" r:id="rId26"/>
+    <p:sldId id="266" r:id="rId27"/>
+    <p:sldId id="273" r:id="rId28"/>
+    <p:sldId id="260" r:id="rId29"/>
+    <p:sldId id="257" r:id="rId30"/>
+    <p:sldId id="274" r:id="rId31"/>
+    <p:sldId id="258" r:id="rId32"/>
+    <p:sldId id="270" r:id="rId33"/>
+    <p:sldId id="272" r:id="rId34"/>
+    <p:sldId id="261" r:id="rId35"/>
+    <p:sldId id="265" r:id="rId36"/>
+    <p:sldId id="262" r:id="rId37"/>
+    <p:sldId id="269" r:id="rId38"/>
+    <p:sldId id="275" r:id="rId39"/>
+    <p:sldId id="276" r:id="rId40"/>
+    <p:sldId id="267" r:id="rId41"/>
+    <p:sldId id="263" r:id="rId42"/>
+    <p:sldId id="268" r:id="rId43"/>
   </p:sldIdLst>
   <p:sldSz cx="12192000" cy="6858000"/>
   <p:notesSz cx="6858000" cy="9144000"/>
@@ -126,9 +126,6 @@
     </a:lvl9pPr>
   </p:defaultTextStyle>
   <p:extLst>
-    <p:ext uri="{EFAFB233-063F-42B5-8137-9DF3F51BA10A}">
-      <p15:sldGuideLst xmlns:p15="http://schemas.microsoft.com/office/powerpoint/2012/main"/>
-    </p:ext>
     <p:ext uri="{2D200454-40CA-4A62-9FC3-DE9A4176ACB9}">
       <p15:notesGuideLst xmlns:p15="http://schemas.microsoft.com/office/powerpoint/2012/main"/>
     </p:ext>
@@ -7056,7 +7053,7 @@
 </file>
 
 <file path=ppt/slides/slide10.xml><?xml version="1.0" encoding="utf-8"?>
-<p:sld xmlns:a="http://schemas.openxmlformats.org/drawingml/2006/main" xmlns:r="http://schemas.openxmlformats.org/officeDocument/2006/relationships" xmlns:p="http://schemas.openxmlformats.org/presentationml/2006/main">
+<p:sld xmlns:a="http://schemas.openxmlformats.org/drawingml/2006/main" xmlns:r="http://schemas.openxmlformats.org/officeDocument/2006/relationships" xmlns:p="http://schemas.openxmlformats.org/presentationml/2006/main" xmlns:p14="http://schemas.microsoft.com/office/powerpoint/2010/main">
   <p:cSld>
     <p:spTree>
       <p:nvGrpSpPr>
@@ -7319,7 +7316,7 @@
         <p:spPr>
           <a:xfrm>
             <a:off x="791845" y="4606925"/>
-            <a:ext cx="3572510" cy="522604"/>
+            <a:ext cx="3572510" cy="522605"/>
           </a:xfrm>
           <a:prstGeom prst="rect">
             <a:avLst/>
@@ -7808,6 +7805,65 @@
           </a:p>
         </p:txBody>
       </p:sp>
+      <p:sp>
+        <p:nvSpPr>
+          <p:cNvPr id="18" name="텍스트 상자 17"/>
+          <p:cNvSpPr txBox="1">
+            <a:spLocks/>
+          </p:cNvSpPr>
+          <p:nvPr/>
+        </p:nvSpPr>
+        <p:spPr>
+          <a:xfrm rot="0">
+            <a:off x="795020" y="5529580"/>
+            <a:ext cx="3281045" cy="247014"/>
+          </a:xfrm>
+          <a:prstGeom prst="rect"/>
+          <a:noFill/>
+          <a:ln w="0">
+            <a:noFill/>
+            <a:prstDash/>
+          </a:ln>
+        </p:spPr>
+        <p:txBody>
+          <a:bodyPr wrap="square" lIns="89535" tIns="46355" rIns="89535" bIns="46355" vert="horz" anchor="t">
+            <a:spAutoFit/>
+          </a:bodyPr>
+          <a:lstStyle/>
+          <a:p>
+            <a:pPr marL="0" indent="0" algn="l" fontAlgn="auto" defTabSz="508000">
+              <a:lnSpc>
+                <a:spcPct val="100000"/>
+              </a:lnSpc>
+              <a:spcBef>
+                <a:spcPts val="0"/>
+              </a:spcBef>
+              <a:spcAft>
+                <a:spcPts val="0"/>
+              </a:spcAft>
+              <a:buFontTx/>
+              <a:buNone/>
+            </a:pPr>
+            <a:r>
+              <a:rPr lang="en-US" altLang="ko-KR" sz="1000" cap="none" dirty="0" smtClean="0" b="0">
+                <a:solidFill>
+                  <a:srgbClr val="FFFFFF"/>
+                </a:solidFill>
+                <a:latin typeface="맑은 고딕" charset="0"/>
+                <a:ea typeface="맑은 고딕" charset="0"/>
+              </a:rPr>
+              <a:t>“Portal” screen shot</a:t>
+            </a:r>
+            <a:endParaRPr lang="ko-KR" altLang="en-US" sz="1000" cap="none" dirty="0" smtClean="0" b="0">
+              <a:solidFill>
+                <a:srgbClr val="FFFFFF"/>
+              </a:solidFill>
+              <a:latin typeface="맑은 고딕" charset="0"/>
+              <a:ea typeface="맑은 고딕" charset="0"/>
+            </a:endParaRPr>
+          </a:p>
+        </p:txBody>
+      </p:sp>
     </p:spTree>
     <p:extLst>
       <p:ext uri="{BB962C8B-B14F-4D97-AF65-F5344CB8AC3E}">
@@ -7818,11 +7874,26 @@
   <p:clrMapOvr>
     <a:masterClrMapping/>
   </p:clrMapOvr>
+  <mc:AlternateContent xmlns:mc="http://schemas.openxmlformats.org/markup-compatibility/2006">
+    <mc:Choice xmlns:p14="http://schemas.microsoft.com/office/powerpoint/2010/main" Requires="p14">
+      <p:transition spd="slow" p14:dur="2000"/>
+    </mc:Choice>
+    <mc:Fallback>
+      <p:transition spd="slow"/>
+    </mc:Fallback>
+  </mc:AlternateContent>
+  <p:timing>
+    <p:tnLst>
+      <p:par>
+        <p:cTn id="1" dur="indefinite" restart="never" nodeType="tmRoot"/>
+      </p:par>
+    </p:tnLst>
+  </p:timing>
 </p:sld>
 </file>
 
 <file path=ppt/slides/slide11.xml><?xml version="1.0" encoding="utf-8"?>
-<p:sld xmlns:a="http://schemas.openxmlformats.org/drawingml/2006/main" xmlns:r="http://schemas.openxmlformats.org/officeDocument/2006/relationships" xmlns:p="http://schemas.openxmlformats.org/presentationml/2006/main">
+<p:sld xmlns:a="http://schemas.openxmlformats.org/drawingml/2006/main" xmlns:r="http://schemas.openxmlformats.org/officeDocument/2006/relationships" xmlns:p="http://schemas.openxmlformats.org/presentationml/2006/main" xmlns:p14="http://schemas.microsoft.com/office/powerpoint/2010/main">
   <p:cSld>
     <p:spTree>
       <p:nvGrpSpPr>
@@ -8243,6 +8314,65 @@
           </a:p>
         </p:txBody>
       </p:sp>
+      <p:sp>
+        <p:nvSpPr>
+          <p:cNvPr id="8" name="텍스트 상자 7"/>
+          <p:cNvSpPr txBox="1">
+            <a:spLocks/>
+          </p:cNvSpPr>
+          <p:nvPr/>
+        </p:nvSpPr>
+        <p:spPr>
+          <a:xfrm rot="0">
+            <a:off x="857250" y="5877560"/>
+            <a:ext cx="3281045" cy="247014"/>
+          </a:xfrm>
+          <a:prstGeom prst="rect"/>
+          <a:noFill/>
+          <a:ln w="0">
+            <a:noFill/>
+            <a:prstDash/>
+          </a:ln>
+        </p:spPr>
+        <p:txBody>
+          <a:bodyPr wrap="square" lIns="89535" tIns="46355" rIns="89535" bIns="46355" vert="horz" anchor="t">
+            <a:spAutoFit/>
+          </a:bodyPr>
+          <a:lstStyle/>
+          <a:p>
+            <a:pPr marL="0" indent="0" algn="l" fontAlgn="auto" defTabSz="508000">
+              <a:lnSpc>
+                <a:spcPct val="100000"/>
+              </a:lnSpc>
+              <a:spcBef>
+                <a:spcPts val="0"/>
+              </a:spcBef>
+              <a:spcAft>
+                <a:spcPts val="0"/>
+              </a:spcAft>
+              <a:buFontTx/>
+              <a:buNone/>
+            </a:pPr>
+            <a:r>
+              <a:rPr lang="en-US" altLang="ko-KR" sz="1000" cap="none" dirty="0" smtClean="0" b="0">
+                <a:solidFill>
+                  <a:srgbClr val="FFFFFF"/>
+                </a:solidFill>
+                <a:latin typeface="맑은 고딕" charset="0"/>
+                <a:ea typeface="맑은 고딕" charset="0"/>
+              </a:rPr>
+              <a:t>“하스스톤” 안녕로봇</a:t>
+            </a:r>
+            <a:endParaRPr lang="ko-KR" altLang="en-US" sz="1000" cap="none" dirty="0" smtClean="0" b="0">
+              <a:solidFill>
+                <a:srgbClr val="FFFFFF"/>
+              </a:solidFill>
+              <a:latin typeface="맑은 고딕" charset="0"/>
+              <a:ea typeface="맑은 고딕" charset="0"/>
+            </a:endParaRPr>
+          </a:p>
+        </p:txBody>
+      </p:sp>
     </p:spTree>
     <p:extLst>
       <p:ext uri="{BB962C8B-B14F-4D97-AF65-F5344CB8AC3E}">
@@ -8253,6 +8383,21 @@
   <p:clrMapOvr>
     <a:masterClrMapping/>
   </p:clrMapOvr>
+  <mc:AlternateContent xmlns:mc="http://schemas.openxmlformats.org/markup-compatibility/2006">
+    <mc:Choice xmlns:p14="http://schemas.microsoft.com/office/powerpoint/2010/main" Requires="p14">
+      <p:transition spd="slow" p14:dur="2000"/>
+    </mc:Choice>
+    <mc:Fallback>
+      <p:transition spd="slow"/>
+    </mc:Fallback>
+  </mc:AlternateContent>
+  <p:timing>
+    <p:tnLst>
+      <p:par>
+        <p:cTn id="1" dur="indefinite" restart="never" nodeType="tmRoot"/>
+      </p:par>
+    </p:tnLst>
+  </p:timing>
 </p:sld>
 </file>
 
@@ -11608,7 +11753,7 @@
 </file>
 
 <file path=ppt/slides/slide19.xml><?xml version="1.0" encoding="utf-8"?>
-<p:sld xmlns:a="http://schemas.openxmlformats.org/drawingml/2006/main" xmlns:r="http://schemas.openxmlformats.org/officeDocument/2006/relationships" xmlns:p="http://schemas.openxmlformats.org/presentationml/2006/main">
+<p:sld xmlns:a="http://schemas.openxmlformats.org/drawingml/2006/main" xmlns:r="http://schemas.openxmlformats.org/officeDocument/2006/relationships" xmlns:p="http://schemas.openxmlformats.org/presentationml/2006/main" xmlns:p14="http://schemas.microsoft.com/office/powerpoint/2010/main">
   <p:cSld>
     <p:spTree>
       <p:nvGrpSpPr>
@@ -11695,8 +11840,8 @@
         </p:nvSpPr>
         <p:spPr>
           <a:xfrm>
-            <a:off x="2797629" y="1991303"/>
-            <a:ext cx="8218713" cy="369332"/>
+            <a:off x="2797810" y="1991360"/>
+            <a:ext cx="8218805" cy="369570"/>
           </a:xfrm>
           <a:prstGeom prst="rect">
             <a:avLst/>
@@ -11729,8 +11874,8 @@
         </p:nvSpPr>
         <p:spPr>
           <a:xfrm>
-            <a:off x="1012371" y="1991303"/>
-            <a:ext cx="2188029" cy="369332"/>
+            <a:off x="1012190" y="1991360"/>
+            <a:ext cx="2188210" cy="369570"/>
           </a:xfrm>
           <a:prstGeom prst="rect">
             <a:avLst/>
@@ -11764,8 +11909,8 @@
         </p:nvSpPr>
         <p:spPr>
           <a:xfrm>
-            <a:off x="2797629" y="2517339"/>
-            <a:ext cx="8382001" cy="646331"/>
+            <a:off x="2797810" y="2517140"/>
+            <a:ext cx="8382000" cy="646430"/>
           </a:xfrm>
           <a:prstGeom prst="rect">
             <a:avLst/>
@@ -11810,8 +11955,8 @@
         </p:nvSpPr>
         <p:spPr>
           <a:xfrm>
-            <a:off x="1012371" y="2655838"/>
-            <a:ext cx="1785260" cy="369332"/>
+            <a:off x="1012190" y="2655570"/>
+            <a:ext cx="1784985" cy="369570"/>
           </a:xfrm>
           <a:prstGeom prst="rect">
             <a:avLst/>
@@ -11845,8 +11990,8 @@
         </p:nvSpPr>
         <p:spPr>
           <a:xfrm>
-            <a:off x="2797629" y="3400417"/>
-            <a:ext cx="6096000" cy="646331"/>
+            <a:off x="2797810" y="3400425"/>
+            <a:ext cx="6096000" cy="646430"/>
           </a:xfrm>
           <a:prstGeom prst="rect">
             <a:avLst/>
@@ -11879,8 +12024,8 @@
         </p:nvSpPr>
         <p:spPr>
           <a:xfrm>
-            <a:off x="1012372" y="3554187"/>
-            <a:ext cx="1785258" cy="369332"/>
+            <a:off x="1012190" y="3554095"/>
+            <a:ext cx="1784985" cy="369570"/>
           </a:xfrm>
           <a:prstGeom prst="rect">
             <a:avLst/>
@@ -11914,8 +12059,8 @@
         </p:nvSpPr>
         <p:spPr>
           <a:xfrm>
-            <a:off x="2797631" y="4211795"/>
-            <a:ext cx="4201791" cy="369332"/>
+            <a:off x="2797810" y="4211955"/>
+            <a:ext cx="4201795" cy="369570"/>
           </a:xfrm>
           <a:prstGeom prst="rect">
             <a:avLst/>
@@ -11936,35 +12081,103 @@
       </p:sp>
       <p:sp>
         <p:nvSpPr>
-          <p:cNvPr id="11" name="직사각형 10">
-            <a:extLst>
-              <a:ext uri="{FF2B5EF4-FFF2-40B4-BE49-F238E27FC236}">
-                <a16:creationId xmlns:a16="http://schemas.microsoft.com/office/drawing/2014/main" id="{90B9746F-9727-4FB2-A176-BE0B70BDC073}"/>
-              </a:ext>
-            </a:extLst>
-          </p:cNvPr>
-          <p:cNvSpPr/>
+          <p:cNvPr id="11" name="직사각형 10"/>
+          <p:cNvSpPr>
+            <a:spLocks/>
+          </p:cNvSpPr>
           <p:nvPr/>
         </p:nvSpPr>
         <p:spPr>
-          <a:xfrm>
-            <a:off x="2797629" y="4746174"/>
-            <a:ext cx="6096000" cy="646331"/>
+          <a:xfrm rot="0">
+            <a:off x="2797810" y="4745990"/>
+            <a:ext cx="6096635" cy="645795"/>
           </a:xfrm>
-          <a:prstGeom prst="rect">
-            <a:avLst/>
-          </a:prstGeom>
+          <a:prstGeom prst="rect"/>
         </p:spPr>
         <p:txBody>
-          <a:bodyPr>
+          <a:bodyPr wrap="square" lIns="91440" tIns="45720" rIns="91440" bIns="45720" numCol="1" vert="horz" anchor="t">
             <a:spAutoFit/>
           </a:bodyPr>
           <a:lstStyle/>
           <a:p>
-            <a:r>
-              <a:rPr lang="ko-KR" altLang="en-US" dirty="0"/>
+            <a:pPr marL="0" indent="0" algn="l" fontAlgn="auto" defTabSz="457200" eaLnBrk="0" latinLnBrk="0">
+              <a:lnSpc>
+                <a:spcPct val="100000"/>
+              </a:lnSpc>
+              <a:spcBef>
+                <a:spcPts val="0"/>
+              </a:spcBef>
+              <a:spcAft>
+                <a:spcPts val="0"/>
+              </a:spcAft>
+              <a:buFontTx/>
+              <a:buNone/>
+            </a:pPr>
+            <a:r>
+              <a:rPr lang="en-US" altLang="ko-KR" sz="1800" cap="none" dirty="0" smtClean="0" b="0">
+                <a:latin typeface="맑은 고딕" charset="0"/>
+                <a:ea typeface="맑은 고딕" charset="0"/>
+              </a:rPr>
               <a:t>https://trollandi.maximumgames.com/puzzle-makes-better-video-game-pacing/</a:t>
             </a:r>
+            <a:endParaRPr lang="ko-KR" altLang="en-US" sz="1800" cap="none" dirty="0" smtClean="0" b="0">
+              <a:latin typeface="맑은 고딕" charset="0"/>
+              <a:ea typeface="맑은 고딕" charset="0"/>
+            </a:endParaRPr>
+          </a:p>
+        </p:txBody>
+      </p:sp>
+      <p:sp>
+        <p:nvSpPr>
+          <p:cNvPr id="12" name="직사각형 11"/>
+          <p:cNvSpPr>
+            <a:spLocks/>
+          </p:cNvSpPr>
+          <p:nvPr/>
+        </p:nvSpPr>
+        <p:spPr>
+          <a:xfrm rot="0">
+            <a:off x="2795270" y="5476240"/>
+            <a:ext cx="6096635" cy="368935"/>
+          </a:xfrm>
+          <a:prstGeom prst="rect"/>
+        </p:spPr>
+        <p:txBody>
+          <a:bodyPr wrap="square" lIns="91440" tIns="45720" rIns="91440" bIns="45720" vert="horz" anchor="t">
+            <a:spAutoFit/>
+          </a:bodyPr>
+          <a:lstStyle/>
+          <a:p>
+            <a:pPr marL="0" indent="0" algn="l" fontAlgn="auto" defTabSz="457200" eaLnBrk="0" latinLnBrk="0">
+              <a:lnSpc>
+                <a:spcPct val="100000"/>
+              </a:lnSpc>
+              <a:spcBef>
+                <a:spcPts val="0"/>
+              </a:spcBef>
+              <a:spcAft>
+                <a:spcPts val="0"/>
+              </a:spcAft>
+              <a:buFontTx/>
+              <a:buNone/>
+            </a:pPr>
+            <a:r>
+              <a:rPr lang="en-US" altLang="ko-KR" sz="1800" cap="none" dirty="0" smtClean="0" b="0">
+                <a:solidFill>
+                  <a:srgbClr val="FFFFFF"/>
+                </a:solidFill>
+                <a:latin typeface="맑은 고딕" charset="0"/>
+                <a:ea typeface="맑은 고딕" charset="0"/>
+              </a:rPr>
+              <a:t>https://pixabay.com/ko/</a:t>
+            </a:r>
+            <a:endParaRPr lang="ko-KR" altLang="en-US" sz="1800" cap="none" dirty="0" smtClean="0" b="0">
+              <a:solidFill>
+                <a:srgbClr val="FFFFFF"/>
+              </a:solidFill>
+              <a:latin typeface="맑은 고딕" charset="0"/>
+              <a:ea typeface="맑은 고딕" charset="0"/>
+            </a:endParaRPr>
           </a:p>
         </p:txBody>
       </p:sp>
@@ -11978,6 +12191,21 @@
   <p:clrMapOvr>
     <a:masterClrMapping/>
   </p:clrMapOvr>
+  <mc:AlternateContent xmlns:mc="http://schemas.openxmlformats.org/markup-compatibility/2006">
+    <mc:Choice xmlns:p14="http://schemas.microsoft.com/office/powerpoint/2010/main" Requires="p14">
+      <p:transition spd="slow" p14:dur="2000"/>
+    </mc:Choice>
+    <mc:Fallback>
+      <p:transition spd="slow"/>
+    </mc:Fallback>
+  </mc:AlternateContent>
+  <p:timing>
+    <p:tnLst>
+      <p:par>
+        <p:cTn id="1" dur="indefinite" restart="never" nodeType="tmRoot"/>
+      </p:par>
+    </p:tnLst>
+  </p:timing>
 </p:sld>
 </file>
 
@@ -12344,7 +12572,7 @@
 </file>
 
 <file path=ppt/slides/slide3.xml><?xml version="1.0" encoding="utf-8"?>
-<p:sld xmlns:a="http://schemas.openxmlformats.org/drawingml/2006/main" xmlns:r="http://schemas.openxmlformats.org/officeDocument/2006/relationships" xmlns:p="http://schemas.openxmlformats.org/presentationml/2006/main">
+<p:sld xmlns:a="http://schemas.openxmlformats.org/drawingml/2006/main" xmlns:r="http://schemas.openxmlformats.org/officeDocument/2006/relationships" xmlns:p="http://schemas.openxmlformats.org/presentationml/2006/main" xmlns:p14="http://schemas.microsoft.com/office/powerpoint/2010/main">
   <p:cSld>
     <p:spTree>
       <p:nvGrpSpPr>
@@ -12436,7 +12664,7 @@
         <p:spPr>
           <a:xfrm>
             <a:off x="1224280" y="1412240"/>
-            <a:ext cx="10020935" cy="1198880"/>
+            <a:ext cx="10021570" cy="1198880"/>
           </a:xfrm>
           <a:prstGeom prst="rect">
             <a:avLst/>
@@ -12444,12 +12672,12 @@
           <a:noFill/>
         </p:spPr>
         <p:txBody>
-          <a:bodyPr vert="horz" wrap="square" lIns="91440" tIns="45720" rIns="91440" bIns="45720" numCol="1" anchor="t">
+          <a:bodyPr wrap="square" lIns="91440" tIns="45720" rIns="91440" bIns="45720" numCol="1" vert="horz" anchor="t">
             <a:spAutoFit/>
           </a:bodyPr>
           <a:lstStyle/>
           <a:p>
-            <a:pPr marL="0" indent="0" algn="l" defTabSz="457200" eaLnBrk="0" fontAlgn="auto" latinLnBrk="0">
+            <a:pPr marL="0" indent="0" algn="l" fontAlgn="auto" defTabSz="457200" eaLnBrk="0" latinLnBrk="0">
               <a:lnSpc>
                 <a:spcPct val="100000"/>
               </a:lnSpc>
@@ -12463,19 +12691,19 @@
               <a:buNone/>
             </a:pPr>
             <a:r>
-              <a:rPr lang="en-US" altLang="ko-KR" sz="2400" b="0" cap="none" dirty="0">
+              <a:rPr lang="en-US" altLang="ko-KR" sz="2400" cap="none" dirty="0" smtClean="0" b="0">
                 <a:latin typeface="맑은 고딕" charset="0"/>
                 <a:ea typeface="맑은 고딕" charset="0"/>
               </a:rPr>
               <a:t>이슈가 되었던 사건을 배경으로 재미있게 풀어나가는 형식의 </a:t>
             </a:r>
-            <a:endParaRPr lang="ko-KR" altLang="en-US" sz="2400" b="0" cap="none" dirty="0">
+            <a:endParaRPr lang="ko-KR" altLang="en-US" sz="2400" cap="none" dirty="0" smtClean="0" b="0">
               <a:latin typeface="맑은 고딕" charset="0"/>
               <a:ea typeface="맑은 고딕" charset="0"/>
             </a:endParaRPr>
           </a:p>
           <a:p>
-            <a:pPr marL="0" indent="0" algn="l" defTabSz="457200" eaLnBrk="0" fontAlgn="auto" latinLnBrk="0">
+            <a:pPr marL="0" indent="0" algn="l" fontAlgn="auto" defTabSz="457200" eaLnBrk="0" latinLnBrk="0">
               <a:lnSpc>
                 <a:spcPct val="100000"/>
               </a:lnSpc>
@@ -12488,13 +12716,13 @@
               <a:buFontTx/>
               <a:buNone/>
             </a:pPr>
-            <a:endParaRPr lang="ko-KR" altLang="en-US" sz="2400" b="0" cap="none" dirty="0">
+            <a:endParaRPr lang="ko-KR" altLang="en-US" sz="2400" cap="none" dirty="0" smtClean="0" b="0">
               <a:latin typeface="맑은 고딕" charset="0"/>
               <a:ea typeface="맑은 고딕" charset="0"/>
             </a:endParaRPr>
           </a:p>
           <a:p>
-            <a:pPr marL="0" indent="0" algn="l" defTabSz="457200" eaLnBrk="0" fontAlgn="auto" latinLnBrk="0">
+            <a:pPr marL="0" indent="0" algn="l" fontAlgn="auto" defTabSz="457200" eaLnBrk="0" latinLnBrk="0">
               <a:lnSpc>
                 <a:spcPct val="100000"/>
               </a:lnSpc>
@@ -12508,13 +12736,13 @@
               <a:buNone/>
             </a:pPr>
             <a:r>
-              <a:rPr lang="en-US" altLang="ko-KR" sz="2400" b="0" cap="none" dirty="0">
+              <a:rPr lang="en-US" altLang="ko-KR" sz="2400" cap="none" dirty="0" smtClean="0" b="0">
                 <a:latin typeface="맑은 고딕" charset="0"/>
                 <a:ea typeface="맑은 고딕" charset="0"/>
               </a:rPr>
-              <a:t>게임이 있다면, 많은 사람들이 즐길 수 있을 것이라고 생각한다.</a:t>
-            </a:r>
-            <a:endParaRPr lang="ko-KR" altLang="en-US" sz="2400" b="0" cap="none" dirty="0">
+              <a:t>게임이 있다면, 많은 사람들이 관심을 줄 것이라고 생각한다.</a:t>
+            </a:r>
+            <a:endParaRPr lang="ko-KR" altLang="en-US" sz="2400" cap="none" dirty="0" smtClean="0" b="0">
               <a:latin typeface="맑은 고딕" charset="0"/>
               <a:ea typeface="맑은 고딕" charset="0"/>
             </a:endParaRPr>
@@ -12523,7 +12751,7 @@
       </p:sp>
       <p:pic>
         <p:nvPicPr>
-          <p:cNvPr id="7" name="그림 6" descr="C:/Users/yang/AppData/Roaming/PolarisOffice/ETemp/2012_14164936/fImage18494324041.png"/>
+          <p:cNvPr id="7" name="그림 6"/>
           <p:cNvPicPr>
             <a:picLocks noChangeAspect="1"/>
           </p:cNvPicPr>
@@ -12618,7 +12846,7 @@
         <p:spPr>
           <a:xfrm>
             <a:off x="4646930" y="3547745"/>
-            <a:ext cx="1861819" cy="1861819"/>
+            <a:ext cx="1861820" cy="1861820"/>
           </a:xfrm>
           <a:prstGeom prst="mathPlus">
             <a:avLst/>
@@ -12679,7 +12907,7 @@
       </p:sp>
       <p:pic>
         <p:nvPicPr>
-          <p:cNvPr id="10" name="그림 9" descr="C:/Users/yang/AppData/Roaming/PolarisOffice/ETemp/2012_14164936/fImage984322448467.jpeg"/>
+          <p:cNvPr id="10" name="그림 9"/>
           <p:cNvPicPr>
             <a:picLocks noChangeAspect="1"/>
           </p:cNvPicPr>
@@ -12801,6 +13029,124 @@
           </a:p>
         </p:txBody>
       </p:sp>
+      <p:sp>
+        <p:nvSpPr>
+          <p:cNvPr id="12" name="텍스트 상자 11"/>
+          <p:cNvSpPr txBox="1">
+            <a:spLocks/>
+          </p:cNvSpPr>
+          <p:nvPr/>
+        </p:nvSpPr>
+        <p:spPr>
+          <a:xfrm rot="0">
+            <a:off x="1652270" y="6374130"/>
+            <a:ext cx="3281045" cy="247014"/>
+          </a:xfrm>
+          <a:prstGeom prst="rect"/>
+          <a:noFill/>
+          <a:ln w="0">
+            <a:noFill/>
+            <a:prstDash/>
+          </a:ln>
+        </p:spPr>
+        <p:txBody>
+          <a:bodyPr wrap="square" lIns="89535" tIns="46355" rIns="89535" bIns="46355" vert="horz" anchor="t">
+            <a:spAutoFit/>
+          </a:bodyPr>
+          <a:lstStyle/>
+          <a:p>
+            <a:pPr marL="0" indent="0" algn="l" fontAlgn="auto" defTabSz="508000">
+              <a:lnSpc>
+                <a:spcPct val="100000"/>
+              </a:lnSpc>
+              <a:spcBef>
+                <a:spcPts val="0"/>
+              </a:spcBef>
+              <a:spcAft>
+                <a:spcPts val="0"/>
+              </a:spcAft>
+              <a:buFontTx/>
+              <a:buNone/>
+            </a:pPr>
+            <a:r>
+              <a:rPr lang="en-US" altLang="ko-KR" sz="1000" cap="none" dirty="0" smtClean="0" b="0">
+                <a:solidFill>
+                  <a:srgbClr val="FFFFFF"/>
+                </a:solidFill>
+                <a:latin typeface="맑은 고딕" charset="0"/>
+                <a:ea typeface="맑은 고딕" charset="0"/>
+              </a:rPr>
+              <a:t>JTBC 뉴스</a:t>
+            </a:r>
+            <a:endParaRPr lang="ko-KR" altLang="en-US" sz="1000" cap="none" dirty="0" smtClean="0" b="0">
+              <a:solidFill>
+                <a:srgbClr val="FFFFFF"/>
+              </a:solidFill>
+              <a:latin typeface="맑은 고딕" charset="0"/>
+              <a:ea typeface="맑은 고딕" charset="0"/>
+            </a:endParaRPr>
+          </a:p>
+        </p:txBody>
+      </p:sp>
+      <p:sp>
+        <p:nvSpPr>
+          <p:cNvPr id="13" name="텍스트 상자 12"/>
+          <p:cNvSpPr txBox="1">
+            <a:spLocks/>
+          </p:cNvSpPr>
+          <p:nvPr/>
+        </p:nvSpPr>
+        <p:spPr>
+          <a:xfrm rot="0">
+            <a:off x="7166610" y="5514340"/>
+            <a:ext cx="3281045" cy="247014"/>
+          </a:xfrm>
+          <a:prstGeom prst="rect"/>
+          <a:noFill/>
+          <a:ln w="0">
+            <a:noFill/>
+            <a:prstDash/>
+          </a:ln>
+        </p:spPr>
+        <p:txBody>
+          <a:bodyPr wrap="square" lIns="89535" tIns="46355" rIns="89535" bIns="46355" vert="horz" anchor="t">
+            <a:spAutoFit/>
+          </a:bodyPr>
+          <a:lstStyle/>
+          <a:p>
+            <a:pPr marL="0" indent="0" algn="l" fontAlgn="auto" defTabSz="508000">
+              <a:lnSpc>
+                <a:spcPct val="100000"/>
+              </a:lnSpc>
+              <a:spcBef>
+                <a:spcPts val="0"/>
+              </a:spcBef>
+              <a:spcAft>
+                <a:spcPts val="0"/>
+              </a:spcAft>
+              <a:buFontTx/>
+              <a:buNone/>
+            </a:pPr>
+            <a:r>
+              <a:rPr lang="en-US" altLang="ko-KR" sz="1000" cap="none" dirty="0" smtClean="0" b="0">
+                <a:solidFill>
+                  <a:srgbClr val="FFFFFF"/>
+                </a:solidFill>
+                <a:latin typeface="맑은 고딕" charset="0"/>
+                <a:ea typeface="맑은 고딕" charset="0"/>
+              </a:rPr>
+              <a:t>“portal” 게임 스크린샷</a:t>
+            </a:r>
+            <a:endParaRPr lang="ko-KR" altLang="en-US" sz="1000" cap="none" dirty="0" smtClean="0" b="0">
+              <a:solidFill>
+                <a:srgbClr val="FFFFFF"/>
+              </a:solidFill>
+              <a:latin typeface="맑은 고딕" charset="0"/>
+              <a:ea typeface="맑은 고딕" charset="0"/>
+            </a:endParaRPr>
+          </a:p>
+        </p:txBody>
+      </p:sp>
     </p:spTree>
     <p:extLst>
       <p:ext uri="{BB962C8B-B14F-4D97-AF65-F5344CB8AC3E}">
@@ -12811,11 +13157,26 @@
   <p:clrMapOvr>
     <a:masterClrMapping/>
   </p:clrMapOvr>
+  <mc:AlternateContent xmlns:mc="http://schemas.openxmlformats.org/markup-compatibility/2006">
+    <mc:Choice xmlns:p14="http://schemas.microsoft.com/office/powerpoint/2010/main" Requires="p14">
+      <p:transition spd="slow" p14:dur="2000"/>
+    </mc:Choice>
+    <mc:Fallback>
+      <p:transition spd="slow"/>
+    </mc:Fallback>
+  </mc:AlternateContent>
+  <p:timing>
+    <p:tnLst>
+      <p:par>
+        <p:cTn id="1" dur="indefinite" restart="never" nodeType="tmRoot"/>
+      </p:par>
+    </p:tnLst>
+  </p:timing>
 </p:sld>
 </file>
 
 <file path=ppt/slides/slide4.xml><?xml version="1.0" encoding="utf-8"?>
-<p:sld xmlns:a="http://schemas.openxmlformats.org/drawingml/2006/main" xmlns:r="http://schemas.openxmlformats.org/officeDocument/2006/relationships" xmlns:p="http://schemas.openxmlformats.org/presentationml/2006/main">
+<p:sld xmlns:a="http://schemas.openxmlformats.org/drawingml/2006/main" xmlns:r="http://schemas.openxmlformats.org/officeDocument/2006/relationships" xmlns:p="http://schemas.openxmlformats.org/presentationml/2006/main" xmlns:p14="http://schemas.microsoft.com/office/powerpoint/2010/main">
   <p:cSld>
     <p:spTree>
       <p:nvGrpSpPr>
@@ -12897,22 +13258,20 @@
           <p:nvPr/>
         </p:nvSpPr>
         <p:spPr>
-          <a:xfrm>
-            <a:off x="1186815" y="1899285"/>
-            <a:ext cx="10020935" cy="3043555"/>
+          <a:xfrm rot="0">
+            <a:off x="1186815" y="1452245"/>
+            <a:ext cx="10021570" cy="3783330"/>
           </a:xfrm>
-          <a:prstGeom prst="rect">
-            <a:avLst/>
-          </a:prstGeom>
+          <a:prstGeom prst="rect"/>
           <a:noFill/>
         </p:spPr>
         <p:txBody>
-          <a:bodyPr vert="horz" wrap="square" lIns="91440" tIns="45720" rIns="91440" bIns="45720" anchor="t">
+          <a:bodyPr wrap="square" lIns="91440" tIns="45720" rIns="91440" bIns="45720" numCol="1" vert="horz" anchor="t">
             <a:spAutoFit/>
           </a:bodyPr>
           <a:lstStyle/>
           <a:p>
-            <a:pPr marL="0" indent="0" algn="l" defTabSz="457200" eaLnBrk="0" fontAlgn="auto" latinLnBrk="0">
+            <a:pPr marL="0" indent="0" algn="l" fontAlgn="auto" defTabSz="457200" eaLnBrk="0" latinLnBrk="0">
               <a:lnSpc>
                 <a:spcPct val="100000"/>
               </a:lnSpc>
@@ -12925,7 +13284,7 @@
               <a:buFontTx/>
               <a:buNone/>
             </a:pPr>
-            <a:endParaRPr lang="ko-KR" altLang="en-US" sz="2400" b="0" cap="none" dirty="0">
+            <a:endParaRPr lang="ko-KR" altLang="en-US" sz="2400" cap="none" dirty="0" smtClean="0" b="0">
               <a:solidFill>
                 <a:srgbClr val="FFFFFF"/>
               </a:solidFill>
@@ -12934,9 +13293,9 @@
             </a:endParaRPr>
           </a:p>
           <a:p>
-            <a:pPr marL="0" indent="0" algn="l" defTabSz="457200" eaLnBrk="0" fontAlgn="auto" latinLnBrk="0">
+            <a:pPr marL="0" indent="0" algn="l" fontAlgn="auto" defTabSz="457200" eaLnBrk="0" latinLnBrk="0">
               <a:lnSpc>
-                <a:spcPct val="100000"/>
+                <a:spcPct val="150000"/>
               </a:lnSpc>
               <a:spcBef>
                 <a:spcPts val="0"/>
@@ -12948,7 +13307,7 @@
               <a:buNone/>
             </a:pPr>
             <a:r>
-              <a:rPr lang="en-US" altLang="ko-KR" sz="2400" b="0" cap="none" dirty="0">
+              <a:rPr lang="en-US" altLang="ko-KR" sz="2400" cap="none" dirty="0" smtClean="0" b="0">
                 <a:solidFill>
                   <a:srgbClr val="FFFFFF"/>
                 </a:solidFill>
@@ -12957,7 +13316,7 @@
               </a:rPr>
               <a:t>큰 사회적 이슈가 되었던 최순실 게이트 사건을 풍자하여 </a:t>
             </a:r>
-            <a:endParaRPr lang="ko-KR" altLang="en-US" sz="2400" b="0" cap="none" dirty="0">
+            <a:endParaRPr lang="ko-KR" altLang="en-US" sz="2400" cap="none" dirty="0" smtClean="0" b="0">
               <a:solidFill>
                 <a:srgbClr val="FFFFFF"/>
               </a:solidFill>
@@ -12966,9 +13325,9 @@
             </a:endParaRPr>
           </a:p>
           <a:p>
-            <a:pPr marL="0" indent="0" algn="l" defTabSz="457200" eaLnBrk="0" fontAlgn="auto" latinLnBrk="0">
+            <a:pPr marL="0" indent="0" algn="l" fontAlgn="auto" defTabSz="457200" eaLnBrk="0" latinLnBrk="0">
               <a:lnSpc>
-                <a:spcPct val="100000"/>
+                <a:spcPct val="150000"/>
               </a:lnSpc>
               <a:spcBef>
                 <a:spcPts val="0"/>
@@ -12979,7 +13338,17 @@
               <a:buFontTx/>
               <a:buNone/>
             </a:pPr>
-            <a:endParaRPr lang="ko-KR" altLang="en-US" sz="2400" b="0" cap="none" dirty="0">
+            <a:r>
+              <a:rPr lang="en-US" altLang="ko-KR" sz="2400" cap="none" dirty="0" smtClean="0" b="0">
+                <a:solidFill>
+                  <a:srgbClr val="FFFFFF"/>
+                </a:solidFill>
+                <a:latin typeface="맑은 고딕" charset="0"/>
+                <a:ea typeface="맑은 고딕" charset="0"/>
+              </a:rPr>
+              <a:t>게임의 설정에 적절히 넣는다면, 플레이어들에게 궁금증을</a:t>
+            </a:r>
+            <a:endParaRPr lang="ko-KR" altLang="en-US" sz="2400" cap="none" dirty="0" smtClean="0" b="0">
               <a:solidFill>
                 <a:srgbClr val="FFFFFF"/>
               </a:solidFill>
@@ -12988,9 +13357,9 @@
             </a:endParaRPr>
           </a:p>
           <a:p>
-            <a:pPr marL="0" indent="0" algn="l" defTabSz="457200" eaLnBrk="0" fontAlgn="auto" latinLnBrk="0">
+            <a:pPr marL="0" indent="0" algn="l" fontAlgn="auto" defTabSz="457200" eaLnBrk="0" latinLnBrk="0">
               <a:lnSpc>
-                <a:spcPct val="100000"/>
+                <a:spcPct val="150000"/>
               </a:lnSpc>
               <a:spcBef>
                 <a:spcPts val="0"/>
@@ -13002,16 +13371,16 @@
               <a:buNone/>
             </a:pPr>
             <a:r>
-              <a:rPr lang="en-US" altLang="ko-KR" sz="2400" b="0" cap="none" dirty="0">
+              <a:rPr lang="en-US" altLang="ko-KR" sz="2400" cap="none" dirty="0" smtClean="0" b="0">
                 <a:solidFill>
                   <a:srgbClr val="FFFFFF"/>
                 </a:solidFill>
                 <a:latin typeface="맑은 고딕" charset="0"/>
                 <a:ea typeface="맑은 고딕" charset="0"/>
               </a:rPr>
-              <a:t>게임의 설정에 적절히 넣는다면, 플레이어들에게 색다른 재미를 </a:t>
-            </a:r>
-            <a:endParaRPr lang="ko-KR" altLang="en-US" sz="2400" b="0" cap="none" dirty="0">
+              <a:t>유발함과 동시에 색다른 재미를 줄 수 있다고 생각하였다.</a:t>
+            </a:r>
+            <a:endParaRPr lang="ko-KR" altLang="en-US" sz="2400" cap="none" dirty="0" smtClean="0" b="0">
               <a:solidFill>
                 <a:srgbClr val="FFFFFF"/>
               </a:solidFill>
@@ -13020,9 +13389,9 @@
             </a:endParaRPr>
           </a:p>
           <a:p>
-            <a:pPr marL="0" indent="0" algn="l" defTabSz="457200" eaLnBrk="0" fontAlgn="auto" latinLnBrk="0">
+            <a:pPr marL="0" indent="0" algn="l" fontAlgn="auto" defTabSz="457200" eaLnBrk="0" latinLnBrk="0">
               <a:lnSpc>
-                <a:spcPct val="100000"/>
+                <a:spcPct val="150000"/>
               </a:lnSpc>
               <a:spcBef>
                 <a:spcPts val="0"/>
@@ -13033,17 +13402,7 @@
               <a:buFontTx/>
               <a:buNone/>
             </a:pPr>
-            <a:r>
-              <a:rPr lang="en-US" altLang="ko-KR" sz="2400" b="0" cap="none" dirty="0">
-                <a:solidFill>
-                  <a:srgbClr val="FFFFFF"/>
-                </a:solidFill>
-                <a:latin typeface="맑은 고딕" charset="0"/>
-                <a:ea typeface="맑은 고딕" charset="0"/>
-              </a:rPr>
-              <a:t>줄 수 있다고 생각하였다.</a:t>
-            </a:r>
-            <a:endParaRPr lang="ko-KR" altLang="en-US" sz="2400" b="0" cap="none" dirty="0">
+            <a:endParaRPr lang="ko-KR" altLang="en-US" sz="2400" cap="none" dirty="0" smtClean="0" b="0">
               <a:solidFill>
                 <a:srgbClr val="FFFFFF"/>
               </a:solidFill>
@@ -13052,9 +13411,9 @@
             </a:endParaRPr>
           </a:p>
           <a:p>
-            <a:pPr marL="0" indent="0" algn="l" defTabSz="457200" eaLnBrk="0" fontAlgn="auto" latinLnBrk="0">
+            <a:pPr marL="0" indent="0" algn="l" fontAlgn="auto" defTabSz="457200" eaLnBrk="0" latinLnBrk="0">
               <a:lnSpc>
-                <a:spcPct val="100000"/>
+                <a:spcPct val="150000"/>
               </a:lnSpc>
               <a:spcBef>
                 <a:spcPts val="0"/>
@@ -13065,7 +13424,17 @@
               <a:buFontTx/>
               <a:buNone/>
             </a:pPr>
-            <a:endParaRPr lang="ko-KR" altLang="en-US" sz="2400" b="0" cap="none" dirty="0">
+            <a:r>
+              <a:rPr lang="en-US" altLang="ko-KR" sz="2400" cap="none" dirty="0" smtClean="0" b="0">
+                <a:solidFill>
+                  <a:srgbClr val="FFFFFF"/>
+                </a:solidFill>
+                <a:latin typeface="맑은 고딕" charset="0"/>
+                <a:ea typeface="맑은 고딕" charset="0"/>
+              </a:rPr>
+              <a:t>이러한 생각을 바탕으로, 패러디된 스토리가 유저들의 게임 선택에</a:t>
+            </a:r>
+            <a:endParaRPr lang="ko-KR" altLang="en-US" sz="2400" cap="none" dirty="0" smtClean="0" b="0">
               <a:solidFill>
                 <a:srgbClr val="FFFFFF"/>
               </a:solidFill>
@@ -13074,9 +13443,9 @@
             </a:endParaRPr>
           </a:p>
           <a:p>
-            <a:pPr marL="0" indent="0" algn="l" defTabSz="457200" eaLnBrk="0" fontAlgn="auto" latinLnBrk="0">
+            <a:pPr marL="0" indent="0" algn="l" fontAlgn="auto" defTabSz="457200" eaLnBrk="0" latinLnBrk="0">
               <a:lnSpc>
-                <a:spcPct val="100000"/>
+                <a:spcPct val="150000"/>
               </a:lnSpc>
               <a:spcBef>
                 <a:spcPts val="0"/>
@@ -13088,16 +13457,16 @@
               <a:buNone/>
             </a:pPr>
             <a:r>
-              <a:rPr lang="en-US" altLang="ko-KR" sz="2400" b="0" cap="none" dirty="0">
+              <a:rPr lang="en-US" altLang="ko-KR" sz="2400" cap="none" dirty="0" smtClean="0" b="0">
                 <a:solidFill>
                   <a:srgbClr val="FFFFFF"/>
                 </a:solidFill>
                 <a:latin typeface="맑은 고딕" charset="0"/>
                 <a:ea typeface="맑은 고딕" charset="0"/>
               </a:rPr>
-              <a:t>또한, 즐겁게 개발을 할 수 있다면 분명 재밌는 게임이 나올 것이라는 확신이 있기에 이 게임을 개발하려고 한다.</a:t>
-            </a:r>
-            <a:endParaRPr lang="ko-KR" altLang="en-US" sz="2400" b="0" cap="none" dirty="0">
+              <a:t> 어떠한 영향을 주는지 스팀 플랫폼에 런칭을 목표로 개발할 것이다.</a:t>
+            </a:r>
+            <a:endParaRPr lang="ko-KR" altLang="en-US" sz="2400" cap="none" dirty="0" smtClean="0" b="0">
               <a:solidFill>
                 <a:srgbClr val="FFFFFF"/>
               </a:solidFill>
@@ -13112,11 +13481,26 @@
   <p:clrMapOvr>
     <a:masterClrMapping/>
   </p:clrMapOvr>
+  <mc:AlternateContent xmlns:mc="http://schemas.openxmlformats.org/markup-compatibility/2006">
+    <mc:Choice xmlns:p14="http://schemas.microsoft.com/office/powerpoint/2010/main" Requires="p14">
+      <p:transition spd="slow" p14:dur="2000"/>
+    </mc:Choice>
+    <mc:Fallback>
+      <p:transition spd="slow"/>
+    </mc:Fallback>
+  </mc:AlternateContent>
+  <p:timing>
+    <p:tnLst>
+      <p:par>
+        <p:cTn id="1" dur="indefinite" restart="never" nodeType="tmRoot"/>
+      </p:par>
+    </p:tnLst>
+  </p:timing>
 </p:sld>
 </file>
 
 <file path=ppt/slides/slide5.xml><?xml version="1.0" encoding="utf-8"?>
-<p:sld xmlns:a="http://schemas.openxmlformats.org/drawingml/2006/main" xmlns:r="http://schemas.openxmlformats.org/officeDocument/2006/relationships" xmlns:p="http://schemas.openxmlformats.org/presentationml/2006/main">
+<p:sld xmlns:a="http://schemas.openxmlformats.org/drawingml/2006/main" xmlns:r="http://schemas.openxmlformats.org/officeDocument/2006/relationships" xmlns:p="http://schemas.openxmlformats.org/presentationml/2006/main" xmlns:p14="http://schemas.microsoft.com/office/powerpoint/2010/main">
   <p:cSld>
     <p:spTree>
       <p:nvGrpSpPr>
@@ -13206,22 +13590,20 @@
           <p:nvPr/>
         </p:nvSpPr>
         <p:spPr>
-          <a:xfrm>
-            <a:off x="960120" y="2172970"/>
-            <a:ext cx="9895840" cy="4397375"/>
+          <a:xfrm rot="0">
+            <a:off x="1146810" y="1688465"/>
+            <a:ext cx="9896475" cy="4397375"/>
           </a:xfrm>
-          <a:prstGeom prst="rect">
-            <a:avLst/>
-          </a:prstGeom>
+          <a:prstGeom prst="rect"/>
           <a:noFill/>
         </p:spPr>
         <p:txBody>
-          <a:bodyPr vert="horz" wrap="square" lIns="91440" tIns="45720" rIns="91440" bIns="45720" numCol="1" anchor="t">
+          <a:bodyPr wrap="square" lIns="91440" tIns="45720" rIns="91440" bIns="45720" numCol="1" vert="horz" anchor="t">
             <a:spAutoFit/>
           </a:bodyPr>
           <a:lstStyle/>
           <a:p>
-            <a:pPr marL="254000" indent="-254000" algn="l" defTabSz="457200" eaLnBrk="0" fontAlgn="auto" latinLnBrk="0">
+            <a:pPr marL="254000" indent="-254000" algn="l" fontAlgn="auto" defTabSz="457200" eaLnBrk="0" latinLnBrk="0">
               <a:lnSpc>
                 <a:spcPct val="100000"/>
               </a:lnSpc>
@@ -13235,19 +13617,19 @@
               <a:buChar char="v"/>
             </a:pPr>
             <a:r>
-              <a:rPr lang="en-US" altLang="ko-KR" sz="2800" b="0" cap="none" dirty="0">
+              <a:rPr lang="en-US" altLang="ko-KR" sz="2800" cap="none" dirty="0" smtClean="0" b="0">
                 <a:latin typeface="맑은 고딕" charset="0"/>
                 <a:ea typeface="맑은 고딕" charset="0"/>
               </a:rPr>
               <a:t> 두 명의 멀티 플레이어가 협동하여 퍼즐을 해결.</a:t>
             </a:r>
-            <a:endParaRPr lang="ko-KR" altLang="en-US" sz="2800" b="0" cap="none" dirty="0">
+            <a:endParaRPr lang="ko-KR" altLang="en-US" sz="2800" cap="none" dirty="0" smtClean="0" b="0">
               <a:latin typeface="맑은 고딕" charset="0"/>
               <a:ea typeface="맑은 고딕" charset="0"/>
             </a:endParaRPr>
           </a:p>
           <a:p>
-            <a:pPr marL="254000" indent="-254000" algn="l" defTabSz="457200" eaLnBrk="0" fontAlgn="auto" latinLnBrk="0">
+            <a:pPr marL="254000" indent="-254000" algn="l" fontAlgn="auto" defTabSz="457200" eaLnBrk="0" latinLnBrk="0">
               <a:lnSpc>
                 <a:spcPct val="100000"/>
               </a:lnSpc>
@@ -13260,13 +13642,13 @@
               <a:buFont typeface="Wingdings"/>
               <a:buChar char="v"/>
             </a:pPr>
-            <a:endParaRPr lang="ko-KR" altLang="en-US" sz="2800" b="0" cap="none" dirty="0">
+            <a:endParaRPr lang="ko-KR" altLang="en-US" sz="2800" cap="none" dirty="0" smtClean="0" b="0">
               <a:latin typeface="맑은 고딕" charset="0"/>
               <a:ea typeface="맑은 고딕" charset="0"/>
             </a:endParaRPr>
           </a:p>
           <a:p>
-            <a:pPr marL="254000" indent="-254000" algn="l" defTabSz="457200" eaLnBrk="0" fontAlgn="auto" latinLnBrk="0">
+            <a:pPr marL="254000" indent="-254000" algn="l" fontAlgn="auto" defTabSz="457200" eaLnBrk="0" latinLnBrk="0">
               <a:lnSpc>
                 <a:spcPct val="100000"/>
               </a:lnSpc>
@@ -13280,19 +13662,19 @@
               <a:buChar char="v"/>
             </a:pPr>
             <a:r>
-              <a:rPr lang="en-US" altLang="ko-KR" sz="2800" b="0" cap="none" dirty="0">
+              <a:rPr lang="en-US" altLang="ko-KR" sz="2800" cap="none" dirty="0" smtClean="0" b="0">
                 <a:latin typeface="맑은 고딕" charset="0"/>
                 <a:ea typeface="맑은 고딕" charset="0"/>
               </a:rPr>
               <a:t> 두 명의 플레이어에게 “503”과 “순시리” 라는 이름을 부여하여 한편의 희극을 보는 듯한 대화가 UI를 통해 오감.</a:t>
             </a:r>
-            <a:endParaRPr lang="ko-KR" altLang="en-US" sz="2800" b="0" cap="none" dirty="0">
+            <a:endParaRPr lang="ko-KR" altLang="en-US" sz="2800" cap="none" dirty="0" smtClean="0" b="0">
               <a:latin typeface="맑은 고딕" charset="0"/>
               <a:ea typeface="맑은 고딕" charset="0"/>
             </a:endParaRPr>
           </a:p>
           <a:p>
-            <a:pPr marL="254000" indent="-254000" algn="l" defTabSz="457200" eaLnBrk="0" fontAlgn="auto" latinLnBrk="0">
+            <a:pPr marL="254000" indent="-254000" algn="l" fontAlgn="auto" defTabSz="457200" eaLnBrk="0" latinLnBrk="0">
               <a:lnSpc>
                 <a:spcPct val="100000"/>
               </a:lnSpc>
@@ -13305,13 +13687,13 @@
               <a:buFont typeface="Wingdings"/>
               <a:buChar char="v"/>
             </a:pPr>
-            <a:endParaRPr lang="ko-KR" altLang="en-US" sz="2800" b="0" cap="none" dirty="0">
+            <a:endParaRPr lang="ko-KR" altLang="en-US" sz="2800" cap="none" dirty="0" smtClean="0" b="0">
               <a:latin typeface="맑은 고딕" charset="0"/>
               <a:ea typeface="맑은 고딕" charset="0"/>
             </a:endParaRPr>
           </a:p>
           <a:p>
-            <a:pPr marL="254000" indent="-254000" algn="l" defTabSz="457200" eaLnBrk="0" fontAlgn="auto" latinLnBrk="0">
+            <a:pPr marL="254000" indent="-254000" algn="l" fontAlgn="auto" defTabSz="457200" eaLnBrk="0" latinLnBrk="0">
               <a:lnSpc>
                 <a:spcPct val="100000"/>
               </a:lnSpc>
@@ -13325,19 +13707,19 @@
               <a:buChar char="v"/>
             </a:pPr>
             <a:r>
-              <a:rPr lang="en-US" altLang="ko-KR" sz="2800" b="0" cap="none" dirty="0">
+              <a:rPr lang="en-US" altLang="ko-KR" sz="2800" cap="none" dirty="0" smtClean="0" b="0">
                 <a:latin typeface="맑은 고딕" charset="0"/>
                 <a:ea typeface="맑은 고딕" charset="0"/>
               </a:rPr>
               <a:t> 퍼즐의 난이도가 “타블렛 PC” 에서  “문고리 3인방” 과 같이 점점 올라감.</a:t>
             </a:r>
-            <a:endParaRPr lang="ko-KR" altLang="en-US" sz="2800" b="0" cap="none" dirty="0">
+            <a:endParaRPr lang="ko-KR" altLang="en-US" sz="2800" cap="none" dirty="0" smtClean="0" b="0">
               <a:latin typeface="맑은 고딕" charset="0"/>
               <a:ea typeface="맑은 고딕" charset="0"/>
             </a:endParaRPr>
           </a:p>
           <a:p>
-            <a:pPr marL="0" indent="0" algn="l" defTabSz="457200" eaLnBrk="0" fontAlgn="auto" latinLnBrk="0">
+            <a:pPr marL="0" indent="0" algn="l" fontAlgn="auto" defTabSz="457200" eaLnBrk="0" latinLnBrk="0">
               <a:lnSpc>
                 <a:spcPct val="100000"/>
               </a:lnSpc>
@@ -13350,13 +13732,13 @@
               <a:buFontTx/>
               <a:buNone/>
             </a:pPr>
-            <a:endParaRPr lang="ko-KR" altLang="en-US" sz="2800" b="0" cap="none" dirty="0">
+            <a:endParaRPr lang="ko-KR" altLang="en-US" sz="2800" cap="none" dirty="0" smtClean="0" b="0">
               <a:latin typeface="맑은 고딕" charset="0"/>
               <a:ea typeface="맑은 고딕" charset="0"/>
             </a:endParaRPr>
           </a:p>
           <a:p>
-            <a:pPr marL="254000" indent="-254000" algn="l" defTabSz="457200" eaLnBrk="0" fontAlgn="auto" latinLnBrk="0">
+            <a:pPr marL="254000" indent="-254000" algn="l" fontAlgn="auto" defTabSz="457200" eaLnBrk="0" latinLnBrk="0">
               <a:lnSpc>
                 <a:spcPct val="100000"/>
               </a:lnSpc>
@@ -13370,68 +13752,26 @@
               <a:buChar char="v"/>
             </a:pPr>
             <a:r>
-              <a:rPr lang="en-US" altLang="ko-KR" sz="2800" b="0" cap="none" dirty="0">
+              <a:rPr lang="en-US" altLang="ko-KR" sz="2800" cap="none" dirty="0" smtClean="0" b="0">
                 <a:latin typeface="맑은 고딕" charset="0"/>
                 <a:ea typeface="맑은 고딕" charset="0"/>
               </a:rPr>
-              <a:t> 캐릭터의</a:t>
-            </a:r>
-            <a:r>
-              <a:rPr lang="en-US" altLang="ko-KR" sz="2800" b="0" cap="none" dirty="0">
+              <a:t> 자석을 주 요소로 구성된 퍼즐</a:t>
+            </a:r>
+            <a:r>
+              <a:rPr lang="en-US" altLang="ko-KR" sz="2800" cap="none" dirty="0" smtClean="0" b="0">
                 <a:latin typeface="Century Gothic" charset="0"/>
                 <a:ea typeface="Century Gothic" charset="0"/>
               </a:rPr>
-              <a:t> </a:t>
-            </a:r>
-            <a:r>
-              <a:rPr lang="en-US" altLang="ko-KR" sz="2800" b="0" cap="none" dirty="0">
-                <a:latin typeface="맑은 고딕" charset="0"/>
-                <a:ea typeface="맑은 고딕" charset="0"/>
-              </a:rPr>
-              <a:t>특징을</a:t>
-            </a:r>
-            <a:r>
-              <a:rPr lang="en-US" altLang="ko-KR" sz="2800" b="0" cap="none" dirty="0">
-                <a:latin typeface="Century Gothic" charset="0"/>
-                <a:ea typeface="Century Gothic" charset="0"/>
-              </a:rPr>
-              <a:t> </a:t>
-            </a:r>
-            <a:r>
-              <a:rPr lang="en-US" altLang="ko-KR" sz="2800" b="0" cap="none" dirty="0">
-                <a:latin typeface="맑은 고딕" charset="0"/>
-                <a:ea typeface="맑은 고딕" charset="0"/>
-              </a:rPr>
-              <a:t>살리기</a:t>
-            </a:r>
-            <a:r>
-              <a:rPr lang="en-US" altLang="ko-KR" sz="2800" b="0" cap="none" dirty="0">
-                <a:latin typeface="Century Gothic" charset="0"/>
-                <a:ea typeface="Century Gothic" charset="0"/>
-              </a:rPr>
-              <a:t> </a:t>
-            </a:r>
-            <a:r>
-              <a:rPr lang="en-US" altLang="ko-KR" sz="2800" b="0" cap="none" dirty="0">
-                <a:latin typeface="맑은 고딕" charset="0"/>
-                <a:ea typeface="맑은 고딕" charset="0"/>
-              </a:rPr>
-              <a:t>위한 자석요소추가</a:t>
-            </a:r>
-            <a:r>
-              <a:rPr lang="en-US" altLang="ko-KR" sz="2800" b="0" cap="none" dirty="0">
-                <a:latin typeface="Century Gothic" charset="0"/>
-                <a:ea typeface="Century Gothic" charset="0"/>
-              </a:rPr>
               <a:t>.</a:t>
             </a:r>
-            <a:endParaRPr lang="ko-KR" altLang="en-US" sz="2800" b="0" cap="none" dirty="0">
+            <a:endParaRPr lang="ko-KR" altLang="en-US" sz="2800" cap="none" dirty="0" smtClean="0" b="0">
               <a:latin typeface="Century Gothic" charset="0"/>
               <a:ea typeface="Century Gothic" charset="0"/>
             </a:endParaRPr>
           </a:p>
           <a:p>
-            <a:pPr marL="0" indent="0" algn="l" defTabSz="457200" eaLnBrk="0" fontAlgn="auto" latinLnBrk="0">
+            <a:pPr marL="0" indent="0" algn="l" fontAlgn="auto" defTabSz="457200" eaLnBrk="0" latinLnBrk="0">
               <a:lnSpc>
                 <a:spcPct val="100000"/>
               </a:lnSpc>
@@ -13444,7 +13784,7 @@
               <a:buFontTx/>
               <a:buNone/>
             </a:pPr>
-            <a:endParaRPr lang="ko-KR" altLang="en-US" sz="2800" b="0" cap="none" dirty="0">
+            <a:endParaRPr lang="ko-KR" altLang="en-US" sz="2800" cap="none" dirty="0" smtClean="0" b="0">
               <a:latin typeface="Century Gothic" charset="0"/>
               <a:ea typeface="Century Gothic" charset="0"/>
             </a:endParaRPr>
@@ -13461,6 +13801,21 @@
   <p:clrMapOvr>
     <a:masterClrMapping/>
   </p:clrMapOvr>
+  <mc:AlternateContent xmlns:mc="http://schemas.openxmlformats.org/markup-compatibility/2006">
+    <mc:Choice xmlns:p14="http://schemas.microsoft.com/office/powerpoint/2010/main" Requires="p14">
+      <p:transition spd="slow" p14:dur="2000"/>
+    </mc:Choice>
+    <mc:Fallback>
+      <p:transition spd="slow"/>
+    </mc:Fallback>
+  </mc:AlternateContent>
+  <p:timing>
+    <p:tnLst>
+      <p:par>
+        <p:cTn id="1" dur="indefinite" restart="never" nodeType="tmRoot"/>
+      </p:par>
+    </p:tnLst>
+  </p:timing>
 </p:sld>
 </file>
 
@@ -13933,7 +14288,7 @@
 </file>
 
 <file path=ppt/slides/slide7.xml><?xml version="1.0" encoding="utf-8"?>
-<p:sld xmlns:a="http://schemas.openxmlformats.org/drawingml/2006/main" xmlns:r="http://schemas.openxmlformats.org/officeDocument/2006/relationships" xmlns:p="http://schemas.openxmlformats.org/presentationml/2006/main">
+<p:sld xmlns:a="http://schemas.openxmlformats.org/drawingml/2006/main" xmlns:r="http://schemas.openxmlformats.org/officeDocument/2006/relationships" xmlns:p="http://schemas.openxmlformats.org/presentationml/2006/main" xmlns:p14="http://schemas.microsoft.com/office/powerpoint/2010/main">
   <p:cSld>
     <p:spTree>
       <p:nvGrpSpPr>
@@ -14291,14 +14646,14 @@
       </p:sp>
       <p:pic>
         <p:nvPicPr>
-          <p:cNvPr id="8" name="그림 7" descr="C:/Users/yang/AppData/Roaming/PolarisOffice/ETemp/2012_14164936/fImage867123566334.jpeg"/>
+          <p:cNvPr id="8" name="그림 7" descr="C:/Users/yang/AppData/Roaming/PolarisOffice/ETemp/8832_49501448/fImage18334723941.jpeg"/>
           <p:cNvPicPr>
             <a:picLocks noChangeAspect="1"/>
           </p:cNvPicPr>
           <p:nvPr/>
         </p:nvPicPr>
         <p:blipFill rotWithShape="1">
-          <a:blip r:embed="rId2">
+          <a:blip r:embed="rId3">
             <a:extLst>
               <a:ext uri="{28A0092B-C50C-407E-A947-70E740481C1C}">
                 <a14:useLocalDpi xmlns:a14="http://schemas.microsoft.com/office/drawing/2010/main" val="0"/>
@@ -14310,26 +14665,98 @@
           </a:stretch>
         </p:blipFill>
         <p:spPr>
-          <a:xfrm>
-            <a:off x="7419340" y="3647440"/>
-            <a:ext cx="3935730" cy="2621915"/>
+          <a:xfrm rot="0">
+            <a:off x="7329170" y="3548380"/>
+            <a:ext cx="3841750" cy="2552700"/>
           </a:xfrm>
-          <a:prstGeom prst="rect">
-            <a:avLst/>
-          </a:prstGeom>
+          <a:prstGeom prst="rect"/>
           <a:noFill/>
         </p:spPr>
       </p:pic>
+      <p:sp>
+        <p:nvSpPr>
+          <p:cNvPr id="9" name="텍스트 상자 8"/>
+          <p:cNvSpPr txBox="1">
+            <a:spLocks/>
+          </p:cNvSpPr>
+          <p:nvPr/>
+        </p:nvSpPr>
+        <p:spPr>
+          <a:xfrm rot="0">
+            <a:off x="7340600" y="6135370"/>
+            <a:ext cx="3281045" cy="247014"/>
+          </a:xfrm>
+          <a:prstGeom prst="rect"/>
+          <a:noFill/>
+          <a:ln w="0">
+            <a:noFill/>
+            <a:prstDash/>
+          </a:ln>
+        </p:spPr>
+        <p:txBody>
+          <a:bodyPr wrap="square" lIns="89535" tIns="46355" rIns="89535" bIns="46355" vert="horz" anchor="t">
+            <a:spAutoFit/>
+          </a:bodyPr>
+          <a:lstStyle/>
+          <a:p>
+            <a:pPr marL="0" indent="0" algn="l" fontAlgn="auto" defTabSz="508000">
+              <a:lnSpc>
+                <a:spcPct val="100000"/>
+              </a:lnSpc>
+              <a:spcBef>
+                <a:spcPts val="0"/>
+              </a:spcBef>
+              <a:spcAft>
+                <a:spcPts val="0"/>
+              </a:spcAft>
+              <a:buFontTx/>
+              <a:buNone/>
+            </a:pPr>
+            <a:r>
+              <a:rPr lang="en-US" altLang="ko-KR" sz="1000" cap="none" dirty="0" smtClean="0" b="0">
+                <a:solidFill>
+                  <a:srgbClr val="FFFFFF"/>
+                </a:solidFill>
+                <a:latin typeface="맑은 고딕" charset="0"/>
+                <a:ea typeface="맑은 고딕" charset="0"/>
+              </a:rPr>
+              <a:t>다우 가프 필스 교도소</a:t>
+            </a:r>
+            <a:endParaRPr lang="ko-KR" altLang="en-US" sz="1000" cap="none" dirty="0" smtClean="0" b="0">
+              <a:solidFill>
+                <a:srgbClr val="FFFFFF"/>
+              </a:solidFill>
+              <a:latin typeface="맑은 고딕" charset="0"/>
+              <a:ea typeface="맑은 고딕" charset="0"/>
+            </a:endParaRPr>
+          </a:p>
+        </p:txBody>
+      </p:sp>
     </p:spTree>
   </p:cSld>
   <p:clrMapOvr>
     <a:masterClrMapping/>
   </p:clrMapOvr>
+  <mc:AlternateContent xmlns:mc="http://schemas.openxmlformats.org/markup-compatibility/2006">
+    <mc:Choice xmlns:p14="http://schemas.microsoft.com/office/powerpoint/2010/main" Requires="p14">
+      <p:transition spd="slow" p14:dur="2000"/>
+    </mc:Choice>
+    <mc:Fallback>
+      <p:transition spd="slow"/>
+    </mc:Fallback>
+  </mc:AlternateContent>
+  <p:timing>
+    <p:tnLst>
+      <p:par>
+        <p:cTn id="1" dur="indefinite" restart="never" nodeType="tmRoot"/>
+      </p:par>
+    </p:tnLst>
+  </p:timing>
 </p:sld>
 </file>
 
 <file path=ppt/slides/slide8.xml><?xml version="1.0" encoding="utf-8"?>
-<p:sld xmlns:a="http://schemas.openxmlformats.org/drawingml/2006/main" xmlns:r="http://schemas.openxmlformats.org/officeDocument/2006/relationships" xmlns:p="http://schemas.openxmlformats.org/presentationml/2006/main">
+<p:sld xmlns:a="http://schemas.openxmlformats.org/drawingml/2006/main" xmlns:r="http://schemas.openxmlformats.org/officeDocument/2006/relationships" xmlns:p="http://schemas.openxmlformats.org/presentationml/2006/main" xmlns:p14="http://schemas.microsoft.com/office/powerpoint/2010/main">
   <p:cSld>
     <p:spTree>
       <p:nvGrpSpPr>
@@ -14347,7 +14774,7 @@
       </p:grpSpPr>
       <p:pic>
         <p:nvPicPr>
-          <p:cNvPr id="5" name="그림 4" descr="C:/Users/yang/AppData/Roaming/PolarisOffice/ETemp/2012_14164936/image6.png"/>
+          <p:cNvPr id="5" name="그림 4"/>
           <p:cNvPicPr>
             <a:picLocks noChangeAspect="1"/>
           </p:cNvPicPr>
@@ -14847,6 +15274,59 @@
           </a:p>
         </p:txBody>
       </p:sp>
+      <p:sp>
+        <p:nvSpPr>
+          <p:cNvPr id="7" name="텍스트 상자 6"/>
+          <p:cNvSpPr txBox="1">
+            <a:spLocks/>
+          </p:cNvSpPr>
+          <p:nvPr/>
+        </p:nvSpPr>
+        <p:spPr>
+          <a:xfrm rot="0">
+            <a:off x="484505" y="5255895"/>
+            <a:ext cx="3281045" cy="247014"/>
+          </a:xfrm>
+          <a:prstGeom prst="rect"/>
+          <a:noFill/>
+          <a:ln w="0">
+            <a:noFill/>
+            <a:prstDash/>
+          </a:ln>
+        </p:spPr>
+        <p:txBody>
+          <a:bodyPr wrap="square" lIns="89535" tIns="46355" rIns="89535" bIns="46355" vert="horz" anchor="t">
+            <a:spAutoFit/>
+          </a:bodyPr>
+          <a:lstStyle/>
+          <a:p>
+            <a:pPr marL="0" indent="0" algn="l" fontAlgn="auto" defTabSz="508000">
+              <a:lnSpc>
+                <a:spcPct val="100000"/>
+              </a:lnSpc>
+              <a:spcBef>
+                <a:spcPts val="0"/>
+              </a:spcBef>
+              <a:spcAft>
+                <a:spcPts val="0"/>
+              </a:spcAft>
+              <a:buFontTx/>
+              <a:buNone/>
+            </a:pPr>
+            <a:r>
+              <a:rPr lang="en-US" altLang="ko-KR" sz="1000" cap="none" dirty="0" smtClean="0" b="0">
+                <a:latin typeface="맑은 고딕" charset="0"/>
+                <a:ea typeface="맑은 고딕" charset="0"/>
+              </a:rPr>
+              <a:t>“Portal” screen shot</a:t>
+            </a:r>
+            <a:endParaRPr lang="ko-KR" altLang="en-US" sz="1000" cap="none" dirty="0" smtClean="0" b="0">
+              <a:latin typeface="맑은 고딕" charset="0"/>
+              <a:ea typeface="맑은 고딕" charset="0"/>
+            </a:endParaRPr>
+          </a:p>
+        </p:txBody>
+      </p:sp>
     </p:spTree>
     <p:extLst>
       <p:ext uri="{BB962C8B-B14F-4D97-AF65-F5344CB8AC3E}">
@@ -14857,11 +15337,26 @@
   <p:clrMapOvr>
     <a:masterClrMapping/>
   </p:clrMapOvr>
+  <mc:AlternateContent xmlns:mc="http://schemas.openxmlformats.org/markup-compatibility/2006">
+    <mc:Choice xmlns:p14="http://schemas.microsoft.com/office/powerpoint/2010/main" Requires="p14">
+      <p:transition spd="slow" p14:dur="2000"/>
+    </mc:Choice>
+    <mc:Fallback>
+      <p:transition spd="slow"/>
+    </mc:Fallback>
+  </mc:AlternateContent>
+  <p:timing>
+    <p:tnLst>
+      <p:par>
+        <p:cTn id="1" dur="indefinite" restart="never" nodeType="tmRoot"/>
+      </p:par>
+    </p:tnLst>
+  </p:timing>
 </p:sld>
 </file>
 
 <file path=ppt/slides/slide9.xml><?xml version="1.0" encoding="utf-8"?>
-<p:sld xmlns:a="http://schemas.openxmlformats.org/drawingml/2006/main" xmlns:r="http://schemas.openxmlformats.org/officeDocument/2006/relationships" xmlns:p="http://schemas.openxmlformats.org/presentationml/2006/main">
+<p:sld xmlns:a="http://schemas.openxmlformats.org/drawingml/2006/main" xmlns:r="http://schemas.openxmlformats.org/officeDocument/2006/relationships" xmlns:p="http://schemas.openxmlformats.org/presentationml/2006/main" xmlns:p14="http://schemas.microsoft.com/office/powerpoint/2010/main">
   <p:cSld>
     <p:spTree>
       <p:nvGrpSpPr>
@@ -15320,6 +15815,65 @@
           </a:prstGeom>
         </p:spPr>
       </p:pic>
+      <p:sp>
+        <p:nvSpPr>
+          <p:cNvPr id="10" name="텍스트 상자 9"/>
+          <p:cNvSpPr txBox="1">
+            <a:spLocks/>
+          </p:cNvSpPr>
+          <p:nvPr/>
+        </p:nvSpPr>
+        <p:spPr>
+          <a:xfrm rot="0">
+            <a:off x="795020" y="5666105"/>
+            <a:ext cx="3281045" cy="247014"/>
+          </a:xfrm>
+          <a:prstGeom prst="rect"/>
+          <a:noFill/>
+          <a:ln w="0">
+            <a:noFill/>
+            <a:prstDash/>
+          </a:ln>
+        </p:spPr>
+        <p:txBody>
+          <a:bodyPr wrap="square" lIns="89535" tIns="46355" rIns="89535" bIns="46355" vert="horz" anchor="t">
+            <a:spAutoFit/>
+          </a:bodyPr>
+          <a:lstStyle/>
+          <a:p>
+            <a:pPr marL="0" indent="0" algn="l" fontAlgn="auto" defTabSz="508000">
+              <a:lnSpc>
+                <a:spcPct val="100000"/>
+              </a:lnSpc>
+              <a:spcBef>
+                <a:spcPts val="0"/>
+              </a:spcBef>
+              <a:spcAft>
+                <a:spcPts val="0"/>
+              </a:spcAft>
+              <a:buFontTx/>
+              <a:buNone/>
+            </a:pPr>
+            <a:r>
+              <a:rPr lang="en-US" altLang="ko-KR" sz="1000" cap="none" dirty="0" smtClean="0" b="0">
+                <a:solidFill>
+                  <a:srgbClr val="FFFFFF"/>
+                </a:solidFill>
+                <a:latin typeface="맑은 고딕" charset="0"/>
+                <a:ea typeface="맑은 고딕" charset="0"/>
+              </a:rPr>
+              <a:t>“Portal” 게임 설명 이미지</a:t>
+            </a:r>
+            <a:endParaRPr lang="ko-KR" altLang="en-US" sz="1000" cap="none" dirty="0" smtClean="0" b="0">
+              <a:solidFill>
+                <a:srgbClr val="FFFFFF"/>
+              </a:solidFill>
+              <a:latin typeface="맑은 고딕" charset="0"/>
+              <a:ea typeface="맑은 고딕" charset="0"/>
+            </a:endParaRPr>
+          </a:p>
+        </p:txBody>
+      </p:sp>
     </p:spTree>
     <p:extLst>
       <p:ext uri="{BB962C8B-B14F-4D97-AF65-F5344CB8AC3E}">
@@ -15330,6 +15884,21 @@
   <p:clrMapOvr>
     <a:masterClrMapping/>
   </p:clrMapOvr>
+  <mc:AlternateContent xmlns:mc="http://schemas.openxmlformats.org/markup-compatibility/2006">
+    <mc:Choice xmlns:p14="http://schemas.microsoft.com/office/powerpoint/2010/main" Requires="p14">
+      <p:transition spd="slow" p14:dur="2000"/>
+    </mc:Choice>
+    <mc:Fallback>
+      <p:transition spd="slow"/>
+    </mc:Fallback>
+  </mc:AlternateContent>
+  <p:timing>
+    <p:tnLst>
+      <p:par>
+        <p:cTn id="1" dur="indefinite" restart="never" nodeType="tmRoot"/>
+      </p:par>
+    </p:tnLst>
+  </p:timing>
 </p:sld>
 </file>
 

--- a/Document/Escape Cube(가제) ppt.pptx
+++ b/Document/Escape Cube(가제) ppt.pptx
@@ -2,7 +2,7 @@
 <file path=ppt/presentation.xml><?xml version="1.0" encoding="utf-8"?>
 <p:presentation xmlns:a="http://schemas.openxmlformats.org/drawingml/2006/main" xmlns:r="http://schemas.openxmlformats.org/officeDocument/2006/relationships" xmlns:p="http://schemas.openxmlformats.org/presentationml/2006/main" xmlns:p14="http://schemas.microsoft.com/office/powerpoint/2010/main" autoCompressPictures="0">
   <p:sldMasterIdLst>
-    <p:sldMasterId id="2147483712" r:id="rId21"/>
+    <p:sldMasterId id="2147483714" r:id="rId21"/>
   </p:sldMasterIdLst>
   <p:notesMasterIdLst>
     <p:notesMasterId r:id="rId23"/>
@@ -13258,9 +13258,9 @@
           <p:nvPr/>
         </p:nvSpPr>
         <p:spPr>
-          <a:xfrm rot="0">
+          <a:xfrm>
             <a:off x="1186815" y="1452245"/>
-            <a:ext cx="10021570" cy="3783330"/>
+            <a:ext cx="10022205" cy="3783330"/>
           </a:xfrm>
           <a:prstGeom prst="rect"/>
           <a:noFill/>
@@ -13432,39 +13432,7 @@
                 <a:latin typeface="맑은 고딕" charset="0"/>
                 <a:ea typeface="맑은 고딕" charset="0"/>
               </a:rPr>
-              <a:t>이러한 생각을 바탕으로, 패러디된 스토리가 유저들의 게임 선택에</a:t>
-            </a:r>
-            <a:endParaRPr lang="ko-KR" altLang="en-US" sz="2400" cap="none" dirty="0" smtClean="0" b="0">
-              <a:solidFill>
-                <a:srgbClr val="FFFFFF"/>
-              </a:solidFill>
-              <a:latin typeface="맑은 고딕" charset="0"/>
-              <a:ea typeface="맑은 고딕" charset="0"/>
-            </a:endParaRPr>
-          </a:p>
-          <a:p>
-            <a:pPr marL="0" indent="0" algn="l" fontAlgn="auto" defTabSz="457200" eaLnBrk="0" latinLnBrk="0">
-              <a:lnSpc>
-                <a:spcPct val="150000"/>
-              </a:lnSpc>
-              <a:spcBef>
-                <a:spcPts val="0"/>
-              </a:spcBef>
-              <a:spcAft>
-                <a:spcPts val="0"/>
-              </a:spcAft>
-              <a:buFontTx/>
-              <a:buNone/>
-            </a:pPr>
-            <a:r>
-              <a:rPr lang="en-US" altLang="ko-KR" sz="2400" cap="none" dirty="0" smtClean="0" b="0">
-                <a:solidFill>
-                  <a:srgbClr val="FFFFFF"/>
-                </a:solidFill>
-                <a:latin typeface="맑은 고딕" charset="0"/>
-                <a:ea typeface="맑은 고딕" charset="0"/>
-              </a:rPr>
-              <a:t> 어떠한 영향을 주는지 스팀 플랫폼에 런칭을 목표로 개발할 것이다.</a:t>
+              <a:t>이러한 딱딱한 주제를 가볍게 즐길 수 있는 개그와 비슷한 게임이 필요하다고 생각하기 때문에 이 게임을 개발하려고 한다.</a:t>
             </a:r>
             <a:endParaRPr lang="ko-KR" altLang="en-US" sz="2400" cap="none" dirty="0" smtClean="0" b="0">
               <a:solidFill>

--- a/Document/Escape Cube(가제) ppt.pptx
+++ b/Document/Escape Cube(가제) ppt.pptx
@@ -2,7 +2,7 @@
 <file path=ppt/presentation.xml><?xml version="1.0" encoding="utf-8"?>
 <p:presentation xmlns:a="http://schemas.openxmlformats.org/drawingml/2006/main" xmlns:r="http://schemas.openxmlformats.org/officeDocument/2006/relationships" xmlns:p="http://schemas.openxmlformats.org/presentationml/2006/main" xmlns:p14="http://schemas.microsoft.com/office/powerpoint/2010/main" autoCompressPictures="0">
   <p:sldMasterIdLst>
-    <p:sldMasterId id="2147483714" r:id="rId21"/>
+    <p:sldMasterId id="2147483715" r:id="rId21"/>
   </p:sldMasterIdLst>
   <p:notesMasterIdLst>
     <p:notesMasterId r:id="rId23"/>
@@ -11089,7 +11089,7 @@
 </file>
 
 <file path=ppt/slides/slide15.xml><?xml version="1.0" encoding="utf-8"?>
-<p:sld xmlns:a="http://schemas.openxmlformats.org/drawingml/2006/main" xmlns:r="http://schemas.openxmlformats.org/officeDocument/2006/relationships" xmlns:p="http://schemas.openxmlformats.org/presentationml/2006/main">
+<p:sld xmlns:a="http://schemas.openxmlformats.org/drawingml/2006/main" xmlns:r="http://schemas.openxmlformats.org/officeDocument/2006/relationships" xmlns:p="http://schemas.openxmlformats.org/presentationml/2006/main" xmlns:p14="http://schemas.microsoft.com/office/powerpoint/2010/main">
   <p:cSld>
     <p:spTree>
       <p:nvGrpSpPr>
@@ -11173,7 +11173,7 @@
         <p:spPr>
           <a:xfrm>
             <a:off x="1036320" y="1986280"/>
-            <a:ext cx="6221730" cy="1200785"/>
+            <a:ext cx="6222365" cy="1754505"/>
           </a:xfrm>
           <a:prstGeom prst="rect">
             <a:avLst/>
@@ -11185,12 +11185,12 @@
           </a:ln>
         </p:spPr>
         <p:txBody>
-          <a:bodyPr vert="horz" wrap="square" lIns="89535" tIns="46355" rIns="89535" bIns="46355" anchor="t">
+          <a:bodyPr wrap="square" lIns="89535" tIns="46355" rIns="89535" bIns="46355" numCol="1" vert="horz" anchor="t">
             <a:spAutoFit/>
           </a:bodyPr>
           <a:lstStyle/>
           <a:p>
-            <a:pPr marL="0" indent="0" algn="l" defTabSz="508000" fontAlgn="auto">
+            <a:pPr marL="0" indent="0" algn="l" fontAlgn="auto" defTabSz="508000" eaLnBrk="0" latinLnBrk="0">
               <a:lnSpc>
                 <a:spcPct val="100000"/>
               </a:lnSpc>
@@ -11204,19 +11204,19 @@
               <a:buNone/>
             </a:pPr>
             <a:r>
-              <a:rPr lang="en-US" altLang="ko-KR" sz="1800" b="0" cap="none" dirty="0">
+              <a:rPr lang="en-US" altLang="ko-KR" sz="1800" cap="none" dirty="0" smtClean="0" b="0">
                 <a:latin typeface="맑은 고딕" charset="0"/>
                 <a:ea typeface="맑은 고딕" charset="0"/>
               </a:rPr>
-              <a:t>블러 효과</a:t>
-            </a:r>
-            <a:endParaRPr lang="ko-KR" altLang="en-US" sz="1800" b="0" cap="none" dirty="0">
+              <a:t>사망시 블러 효과</a:t>
+            </a:r>
+            <a:endParaRPr lang="ko-KR" altLang="en-US" sz="1800" cap="none" dirty="0" smtClean="0" b="0">
               <a:latin typeface="맑은 고딕" charset="0"/>
               <a:ea typeface="맑은 고딕" charset="0"/>
             </a:endParaRPr>
           </a:p>
           <a:p>
-            <a:pPr marL="0" indent="0" algn="l" defTabSz="508000" fontAlgn="auto">
+            <a:pPr marL="0" indent="0" algn="l" fontAlgn="auto" defTabSz="508000" eaLnBrk="0" latinLnBrk="0">
               <a:lnSpc>
                 <a:spcPct val="100000"/>
               </a:lnSpc>
@@ -11230,19 +11230,19 @@
               <a:buNone/>
             </a:pPr>
             <a:r>
-              <a:rPr lang="en-US" altLang="ko-KR" sz="1800" b="0" cap="none" dirty="0">
+              <a:rPr lang="en-US" altLang="ko-KR" sz="1800" cap="none" dirty="0" smtClean="0" b="0">
                 <a:latin typeface="맑은 고딕" charset="0"/>
                 <a:ea typeface="맑은 고딕" charset="0"/>
               </a:rPr>
               <a:t>거울 효과</a:t>
             </a:r>
-            <a:endParaRPr lang="ko-KR" altLang="en-US" sz="1800" b="0" cap="none" dirty="0">
+            <a:endParaRPr lang="ko-KR" altLang="en-US" sz="1800" cap="none" dirty="0" smtClean="0" b="0">
               <a:latin typeface="맑은 고딕" charset="0"/>
               <a:ea typeface="맑은 고딕" charset="0"/>
             </a:endParaRPr>
           </a:p>
           <a:p>
-            <a:pPr marL="0" indent="0" algn="l" defTabSz="508000" fontAlgn="auto">
+            <a:pPr marL="0" indent="0" algn="l" fontAlgn="auto" defTabSz="508000" eaLnBrk="0" latinLnBrk="0">
               <a:lnSpc>
                 <a:spcPct val="100000"/>
               </a:lnSpc>
@@ -11256,19 +11256,19 @@
               <a:buNone/>
             </a:pPr>
             <a:r>
-              <a:rPr lang="en-US" altLang="ko-KR" sz="1800" b="0" cap="none" dirty="0">
+              <a:rPr lang="en-US" altLang="ko-KR" sz="1800" cap="none" dirty="0" smtClean="0" b="0">
                 <a:latin typeface="맑은 고딕" charset="0"/>
                 <a:ea typeface="맑은 고딕" charset="0"/>
               </a:rPr>
               <a:t>법선 매핑을 이용한 사실적 표현</a:t>
             </a:r>
-            <a:endParaRPr lang="ko-KR" altLang="en-US" sz="1800" b="0" cap="none" dirty="0">
+            <a:endParaRPr lang="ko-KR" altLang="en-US" sz="1800" cap="none" dirty="0" smtClean="0" b="0">
               <a:latin typeface="맑은 고딕" charset="0"/>
               <a:ea typeface="맑은 고딕" charset="0"/>
             </a:endParaRPr>
           </a:p>
           <a:p>
-            <a:pPr marL="0" indent="0" algn="l" defTabSz="508000" fontAlgn="auto">
+            <a:pPr marL="0" indent="0" algn="l" fontAlgn="auto" defTabSz="508000" eaLnBrk="0" latinLnBrk="0">
               <a:lnSpc>
                 <a:spcPct val="100000"/>
               </a:lnSpc>
@@ -11281,7 +11281,59 @@
               <a:buFontTx/>
               <a:buNone/>
             </a:pPr>
-            <a:endParaRPr lang="ko-KR" altLang="en-US" sz="1800" b="0" cap="none" dirty="0">
+            <a:r>
+              <a:rPr lang="en-US" altLang="ko-KR" sz="1800" cap="none" dirty="0" smtClean="0" b="0">
+                <a:latin typeface="맑은 고딕" charset="0"/>
+                <a:ea typeface="맑은 고딕" charset="0"/>
+              </a:rPr>
+              <a:t>특정 물체가 충돌하면 찌그러지는 효과 구현</a:t>
+            </a:r>
+            <a:endParaRPr lang="ko-KR" altLang="en-US" sz="1800" cap="none" dirty="0" smtClean="0" b="0">
+              <a:latin typeface="맑은 고딕" charset="0"/>
+              <a:ea typeface="맑은 고딕" charset="0"/>
+            </a:endParaRPr>
+          </a:p>
+          <a:p>
+            <a:pPr marL="0" indent="0" algn="l" fontAlgn="auto" defTabSz="508000" eaLnBrk="0" latinLnBrk="0">
+              <a:lnSpc>
+                <a:spcPct val="100000"/>
+              </a:lnSpc>
+              <a:spcBef>
+                <a:spcPts val="0"/>
+              </a:spcBef>
+              <a:spcAft>
+                <a:spcPts val="0"/>
+              </a:spcAft>
+              <a:buFontTx/>
+              <a:buNone/>
+            </a:pPr>
+            <a:r>
+              <a:rPr lang="en-US" altLang="ko-KR" sz="1800" cap="none" dirty="0" smtClean="0" b="0">
+                <a:latin typeface="맑은 고딕" charset="0"/>
+                <a:ea typeface="맑은 고딕" charset="0"/>
+              </a:rPr>
+              <a:t>FBX 파일로 애니메이션</a:t>
+            </a:r>
+            <a:endParaRPr lang="ko-KR" altLang="en-US" sz="1800" cap="none" dirty="0" smtClean="0" b="0">
+              <a:latin typeface="맑은 고딕" charset="0"/>
+              <a:ea typeface="맑은 고딕" charset="0"/>
+            </a:endParaRPr>
+          </a:p>
+          <a:p>
+            <a:pPr marL="0" indent="0" algn="l" fontAlgn="auto" defTabSz="508000" eaLnBrk="0" latinLnBrk="0">
+              <a:lnSpc>
+                <a:spcPct val="100000"/>
+              </a:lnSpc>
+              <a:spcBef>
+                <a:spcPts val="0"/>
+              </a:spcBef>
+              <a:spcAft>
+                <a:spcPts val="0"/>
+              </a:spcAft>
+              <a:buFontTx/>
+              <a:buNone/>
+            </a:pPr>
+            <a:endParaRPr lang="ko-KR" altLang="en-US" sz="1800" cap="none" dirty="0" smtClean="0" b="0">
               <a:latin typeface="맑은 고딕" charset="0"/>
               <a:ea typeface="맑은 고딕" charset="0"/>
             </a:endParaRPr>
@@ -11293,6 +11345,21 @@
   <p:clrMapOvr>
     <a:masterClrMapping/>
   </p:clrMapOvr>
+  <mc:AlternateContent xmlns:mc="http://schemas.openxmlformats.org/markup-compatibility/2006">
+    <mc:Choice xmlns:p14="http://schemas.microsoft.com/office/powerpoint/2010/main" Requires="p14">
+      <p:transition spd="slow" p14:dur="2000"/>
+    </mc:Choice>
+    <mc:Fallback>
+      <p:transition spd="slow"/>
+    </mc:Fallback>
+  </mc:AlternateContent>
+  <p:timing>
+    <p:tnLst>
+      <p:par>
+        <p:cTn id="1" dur="indefinite" restart="never" nodeType="tmRoot"/>
+      </p:par>
+    </p:tnLst>
+  </p:timing>
 </p:sld>
 </file>
 
